--- a/Master-Abschluss.pptx
+++ b/Master-Abschluss.pptx
@@ -2701,33 +2701,131 @@
               <a:rPr lang="de-DE" dirty="0"/>
               <a:t>Mein Vortrag besteht aus folgenden Teilen: </a:t>
             </a:r>
-            <a:r>
-              <a:rPr lang="de-DE" b="1" i="1" dirty="0"/>
+            <a:endParaRPr lang="de-DE" dirty="0" smtClean="0"/>
+          </a:p>
+          <a:p>
+            <a:pPr marL="171450" indent="-171450">
+              <a:buFont typeface="Arial" panose="020B0604020202020204" pitchFamily="34" charset="0"/>
+              <a:buChar char="•"/>
+            </a:pPr>
+            <a:r>
+              <a:rPr lang="de-DE" b="1" i="1" dirty="0" smtClean="0"/>
               <a:t>Erstens</a:t>
             </a:r>
             <a:r>
+              <a:rPr lang="de-DE" dirty="0" smtClean="0"/>
+              <a:t> </a:t>
+            </a:r>
+            <a:r>
               <a:rPr lang="de-DE" dirty="0"/>
-              <a:t> [spreche ich über die Einleitung warum eine grafische Komponente entstehen soll, welche Zeile im erreicht werden sollen], </a:t>
+              <a:t>[spreche ich über die Einleitung warum eine grafische Komponente entstehen soll, welche Zeile im erreicht werden sollen</a:t>
+            </a:r>
+            <a:r>
+              <a:rPr lang="de-DE" dirty="0" smtClean="0"/>
+              <a:t>]</a:t>
+            </a:r>
+          </a:p>
+          <a:p>
+            <a:pPr marL="171450" indent="-171450">
+              <a:buFont typeface="Arial" panose="020B0604020202020204" pitchFamily="34" charset="0"/>
+              <a:buChar char="•"/>
+            </a:pPr>
+            <a:r>
+              <a:rPr lang="de-DE" b="1" dirty="0" smtClean="0"/>
+              <a:t>zweitens</a:t>
+            </a:r>
+            <a:r>
+              <a:rPr lang="de-DE" dirty="0" smtClean="0"/>
+              <a:t> </a:t>
+            </a:r>
+            <a:r>
+              <a:rPr lang="de-DE" dirty="0"/>
+              <a:t>[wird über die Grundlage der Topologie </a:t>
+            </a:r>
+            <a:r>
+              <a:rPr lang="de-DE" dirty="0" smtClean="0"/>
+              <a:t>eingegangen … welche Topologie-Muster in </a:t>
+            </a:r>
+            <a:r>
+              <a:rPr lang="de-DE" dirty="0" err="1" smtClean="0"/>
+              <a:t>Komuni</a:t>
+            </a:r>
+            <a:r>
+              <a:rPr lang="de-DE" dirty="0" smtClean="0"/>
+              <a:t>-Netzwerk</a:t>
+            </a:r>
+            <a:r>
+              <a:rPr lang="de-DE" baseline="0" dirty="0" smtClean="0"/>
+              <a:t> häufig angewendet werden</a:t>
+            </a:r>
+            <a:r>
+              <a:rPr lang="de-DE" dirty="0" smtClean="0"/>
+              <a:t> </a:t>
+            </a:r>
+            <a:r>
+              <a:rPr lang="de-DE" dirty="0"/>
+              <a:t>und </a:t>
             </a:r>
             <a:r>
               <a:rPr lang="de-DE" b="1" dirty="0"/>
-              <a:t>zweitens</a:t>
+              <a:t>dann</a:t>
             </a:r>
             <a:r>
               <a:rPr lang="de-DE" dirty="0"/>
-              <a:t> [wird über die Grundlage der Topologie eingegangen und dann analysiere ich einige Anforderungen], </a:t>
+              <a:t> analysiere ich einige Anforderungen], </a:t>
+            </a:r>
+            <a:endParaRPr lang="de-DE" dirty="0" smtClean="0"/>
+          </a:p>
+          <a:p>
+            <a:pPr marL="171450" indent="-171450">
+              <a:buFont typeface="Arial" panose="020B0604020202020204" pitchFamily="34" charset="0"/>
+              <a:buChar char="•"/>
+            </a:pPr>
+            <a:r>
+              <a:rPr lang="de-DE" b="1" dirty="0" smtClean="0"/>
+              <a:t>drittens</a:t>
+            </a:r>
+            <a:r>
+              <a:rPr lang="de-DE" dirty="0" smtClean="0"/>
+              <a:t> </a:t>
+            </a:r>
+            <a:r>
+              <a:rPr lang="de-DE" dirty="0"/>
+              <a:t>[spreche ich ausführlich über die 3 Ergebnisse, die in Laufe der MA herausgegeben wurden]. </a:t>
+            </a:r>
+            <a:r>
+              <a:rPr lang="de-DE" dirty="0" smtClean="0"/>
+              <a:t>1) welche Technologie verwendet wurden 2) wie das </a:t>
+            </a:r>
+            <a:r>
+              <a:rPr lang="de-DE" dirty="0" err="1" smtClean="0"/>
+              <a:t>Plugin</a:t>
+            </a:r>
+            <a:r>
+              <a:rPr lang="de-DE" dirty="0" smtClean="0"/>
+              <a:t> konzipiert wurde</a:t>
+            </a:r>
+            <a:r>
+              <a:rPr lang="de-DE" baseline="0" dirty="0" smtClean="0"/>
+              <a:t> 3) das dritte Ergebnis repräsentiert ein vereinfachtes Versuchsmodell der geplanten </a:t>
+            </a:r>
+            <a:r>
+              <a:rPr lang="de-DE" dirty="0" smtClean="0"/>
+              <a:t>grafischen Komponenten</a:t>
+            </a:r>
+          </a:p>
+          <a:p>
+            <a:pPr marL="171450" indent="-171450">
+              <a:buFont typeface="Arial" panose="020B0604020202020204" pitchFamily="34" charset="0"/>
+              <a:buChar char="•"/>
+            </a:pPr>
+            <a:r>
+              <a:rPr lang="de-DE" b="1" dirty="0" smtClean="0"/>
+              <a:t>Zum </a:t>
             </a:r>
             <a:r>
               <a:rPr lang="de-DE" b="1" dirty="0"/>
-              <a:t>drittens</a:t>
-            </a:r>
-            <a:r>
-              <a:rPr lang="de-DE" dirty="0"/>
-              <a:t> [spreche ich ausführlich über die 3 Ergebnisse, die in Laufe der MA herausgegeben wurden]. </a:t>
-            </a:r>
-            <a:r>
-              <a:rPr lang="de-DE" b="1" dirty="0"/>
-              <a:t>Zum Schluss  </a:t>
+              <a:t>Schluss  </a:t>
             </a:r>
             <a:r>
               <a:rPr lang="de-DE" dirty="0"/>
@@ -3890,41 +3988,14 @@
           <a:lstStyle/>
           <a:p>
             <a:r>
-              <a:rPr lang="de-DE" dirty="0"/>
-              <a:t>Mein Vortrag besteht aus folgenden Teilen: </a:t>
-            </a:r>
-            <a:r>
-              <a:rPr lang="de-DE" b="1" i="1" dirty="0"/>
-              <a:t>Erstens</a:t>
-            </a:r>
-            <a:r>
-              <a:rPr lang="de-DE" dirty="0"/>
-              <a:t> [spreche ich über die Einleitung warum eine grafische Komponente entstehen soll, welche Zeile im erreicht werden sollen], </a:t>
-            </a:r>
-            <a:r>
-              <a:rPr lang="de-DE" b="1" dirty="0"/>
-              <a:t>zweitens</a:t>
-            </a:r>
-            <a:r>
-              <a:rPr lang="de-DE" dirty="0"/>
-              <a:t> [wird über die Grundlage der Topologie eingegangen und dann analysiere ich einige Anforderungen], </a:t>
-            </a:r>
-            <a:r>
-              <a:rPr lang="de-DE" b="1" dirty="0"/>
-              <a:t>drittens</a:t>
-            </a:r>
-            <a:r>
-              <a:rPr lang="de-DE" dirty="0"/>
-              <a:t> [spreche ich ausführlich über die 3 Ergebnisse, die in Laufe der MA herausgegeben wurden]. </a:t>
-            </a:r>
-            <a:r>
-              <a:rPr lang="de-DE" b="1" dirty="0"/>
-              <a:t>Zum Schluss  </a:t>
-            </a:r>
-            <a:r>
-              <a:rPr lang="de-DE" dirty="0"/>
-              <a:t>gibt es noch einige Fakten zur grafischen Komponenten.</a:t>
-            </a:r>
+              <a:rPr lang="de-DE" dirty="0" smtClean="0"/>
+              <a:t>Nun</a:t>
+            </a:r>
+            <a:r>
+              <a:rPr lang="de-DE" baseline="0" dirty="0" smtClean="0"/>
+              <a:t> können wir los starten!!!</a:t>
+            </a:r>
+            <a:endParaRPr lang="de-DE" dirty="0"/>
           </a:p>
         </p:txBody>
       </p:sp>
@@ -4025,6 +4096,27 @@
               </a:rPr>
               <a:t>Die Firma Hilscher sucht eine Möglichkeit, das Engineering Tool Communication Studio um eine grafische Komponente für die Abbildung komplexer industriellen Netzwerke zu erweitern. </a:t>
             </a:r>
+            <a:endParaRPr lang="de-DE" sz="1200" b="0" i="0" u="none" strike="noStrike" kern="1200" baseline="0" dirty="0" smtClean="0">
+              <a:solidFill>
+                <a:schemeClr val="tx1"/>
+              </a:solidFill>
+              <a:latin typeface="+mn-lt"/>
+              <a:ea typeface="+mn-ea"/>
+              <a:cs typeface="+mn-cs"/>
+            </a:endParaRPr>
+          </a:p>
+          <a:p>
+            <a:r>
+              <a:rPr lang="de-DE" sz="1200" b="1" i="0" u="none" strike="noStrike" kern="1200" baseline="0" dirty="0" smtClean="0">
+                <a:solidFill>
+                  <a:schemeClr val="tx1"/>
+                </a:solidFill>
+                <a:latin typeface="+mn-lt"/>
+                <a:ea typeface="+mn-ea"/>
+                <a:cs typeface="+mn-cs"/>
+              </a:rPr>
+              <a:t>Die </a:t>
+            </a:r>
             <a:r>
               <a:rPr lang="de-DE" sz="1200" b="1" i="0" u="none" strike="noStrike" kern="1200" baseline="0" dirty="0">
                 <a:solidFill>
@@ -4034,7 +4126,7 @@
                 <a:ea typeface="+mn-ea"/>
                 <a:cs typeface="+mn-cs"/>
               </a:rPr>
-              <a:t>Die --- </a:t>
+              <a:t>--- </a:t>
             </a:r>
             <a:r>
               <a:rPr lang="de-DE" sz="1200" b="0" i="0" u="none" strike="noStrike" kern="1200" baseline="0" dirty="0">
@@ -4045,7 +4137,83 @@
                 <a:ea typeface="+mn-ea"/>
                 <a:cs typeface="+mn-cs"/>
               </a:rPr>
-              <a:t>soll die topologische Information visuell darstellen, die es dem Anwender einfaches Management der Netzwerke erlaubt und  alle gängigen </a:t>
+              <a:t>soll die topologische Information visuell darstellen, </a:t>
+            </a:r>
+            <a:r>
+              <a:rPr lang="de-DE" sz="1200" b="0" i="1" u="none" strike="noStrike" kern="1200" baseline="0" dirty="0">
+                <a:solidFill>
+                  <a:schemeClr val="tx1"/>
+                </a:solidFill>
+                <a:latin typeface="+mn-lt"/>
+                <a:ea typeface="+mn-ea"/>
+                <a:cs typeface="+mn-cs"/>
+              </a:rPr>
+              <a:t>die es dem Anwender einfaches Management der Netzwerke erlaubt und  alle gängigen </a:t>
+            </a:r>
+            <a:r>
+              <a:rPr lang="de-DE" sz="1200" b="0" i="1" u="none" strike="noStrike" kern="1200" baseline="0" dirty="0" smtClean="0">
+                <a:solidFill>
+                  <a:schemeClr val="tx1"/>
+                </a:solidFill>
+                <a:latin typeface="+mn-lt"/>
+                <a:ea typeface="+mn-ea"/>
+                <a:cs typeface="+mn-cs"/>
+              </a:rPr>
+              <a:t>Topologie-Muster </a:t>
+            </a:r>
+            <a:r>
+              <a:rPr lang="de-DE" sz="1200" b="0" i="1" u="none" strike="noStrike" kern="1200" baseline="0" dirty="0">
+                <a:solidFill>
+                  <a:schemeClr val="tx1"/>
+                </a:solidFill>
+                <a:latin typeface="+mn-lt"/>
+                <a:ea typeface="+mn-ea"/>
+                <a:cs typeface="+mn-cs"/>
+              </a:rPr>
+              <a:t>im Kontext der industriellen Netzwerke unterstützt</a:t>
+            </a:r>
+            <a:r>
+              <a:rPr lang="de-DE" sz="1200" b="0" i="0" u="none" strike="noStrike" kern="1200" baseline="0" dirty="0">
+                <a:solidFill>
+                  <a:schemeClr val="tx1"/>
+                </a:solidFill>
+                <a:latin typeface="+mn-lt"/>
+                <a:ea typeface="+mn-ea"/>
+                <a:cs typeface="+mn-cs"/>
+              </a:rPr>
+              <a:t>. </a:t>
+            </a:r>
+            <a:endParaRPr lang="de-DE" sz="1200" b="0" i="0" u="none" strike="noStrike" kern="1200" baseline="0" dirty="0" smtClean="0">
+              <a:solidFill>
+                <a:schemeClr val="tx1"/>
+              </a:solidFill>
+              <a:latin typeface="+mn-lt"/>
+              <a:ea typeface="+mn-ea"/>
+              <a:cs typeface="+mn-cs"/>
+            </a:endParaRPr>
+          </a:p>
+          <a:p>
+            <a:r>
+              <a:rPr lang="de-DE" sz="1200" b="1" i="0" u="none" strike="noStrike" kern="1200" baseline="0" dirty="0" smtClean="0">
+                <a:solidFill>
+                  <a:schemeClr val="tx1"/>
+                </a:solidFill>
+                <a:latin typeface="+mn-lt"/>
+                <a:ea typeface="+mn-ea"/>
+                <a:cs typeface="+mn-cs"/>
+              </a:rPr>
+              <a:t>Gefordert </a:t>
+            </a:r>
+            <a:r>
+              <a:rPr lang="de-DE" sz="1200" b="1" i="0" u="none" strike="noStrike" kern="1200" baseline="0" dirty="0">
+                <a:solidFill>
+                  <a:schemeClr val="tx1"/>
+                </a:solidFill>
+                <a:latin typeface="+mn-lt"/>
+                <a:ea typeface="+mn-ea"/>
+                <a:cs typeface="+mn-cs"/>
+              </a:rPr>
+              <a:t>ist </a:t>
             </a:r>
             <a:r>
               <a:rPr lang="de-DE" sz="1200" b="0" i="0" u="none" strike="noStrike" kern="1200" baseline="0" dirty="0" smtClean="0">
@@ -4056,10 +4224,22 @@
                 <a:ea typeface="+mn-ea"/>
                 <a:cs typeface="+mn-cs"/>
               </a:rPr>
-              <a:t>Topologie-Muster </a:t>
-            </a:r>
-            <a:r>
-              <a:rPr lang="de-DE" sz="1200" b="0" i="0" u="none" strike="noStrike" kern="1200" baseline="0" dirty="0">
+              <a:t>-----------</a:t>
+            </a:r>
+          </a:p>
+          <a:p>
+            <a:endParaRPr lang="de-DE" sz="1200" b="0" i="0" u="none" strike="noStrike" kern="1200" baseline="0" dirty="0" smtClean="0">
+              <a:solidFill>
+                <a:schemeClr val="tx1"/>
+              </a:solidFill>
+              <a:latin typeface="+mn-lt"/>
+              <a:ea typeface="+mn-ea"/>
+              <a:cs typeface="+mn-cs"/>
+            </a:endParaRPr>
+          </a:p>
+          <a:p>
+            <a:r>
+              <a:rPr lang="de-DE" sz="1200" b="1" i="0" u="none" strike="noStrike" kern="1200" baseline="0" dirty="0" smtClean="0">
                 <a:solidFill>
                   <a:schemeClr val="tx1"/>
                 </a:solidFill>
@@ -4067,30 +4247,16 @@
                 <a:ea typeface="+mn-ea"/>
                 <a:cs typeface="+mn-cs"/>
               </a:rPr>
-              <a:t>im Kontext der industriellen Netzwerke unterstützt. </a:t>
-            </a:r>
-            <a:r>
-              <a:rPr lang="de-DE" sz="1200" b="1" i="0" u="none" strike="noStrike" kern="1200" baseline="0" dirty="0">
-                <a:solidFill>
-                  <a:schemeClr val="tx1"/>
-                </a:solidFill>
-                <a:latin typeface="+mn-lt"/>
-                <a:ea typeface="+mn-ea"/>
-                <a:cs typeface="+mn-cs"/>
-              </a:rPr>
-              <a:t>Gefordert ist </a:t>
-            </a:r>
-            <a:r>
-              <a:rPr lang="de-DE" sz="1200" b="0" i="0" u="none" strike="noStrike" kern="1200" baseline="0" dirty="0">
-                <a:solidFill>
-                  <a:schemeClr val="tx1"/>
-                </a:solidFill>
-                <a:latin typeface="+mn-lt"/>
-                <a:ea typeface="+mn-ea"/>
-                <a:cs typeface="+mn-cs"/>
-              </a:rPr>
-              <a:t>---</a:t>
-            </a:r>
+              <a:t>Die Idee dahinter ist die …</a:t>
+            </a:r>
+            <a:endParaRPr lang="de-DE" sz="1200" b="1" i="0" u="none" strike="noStrike" kern="1200" baseline="0" dirty="0">
+              <a:solidFill>
+                <a:schemeClr val="tx1"/>
+              </a:solidFill>
+              <a:latin typeface="+mn-lt"/>
+              <a:ea typeface="+mn-ea"/>
+              <a:cs typeface="+mn-cs"/>
+            </a:endParaRPr>
           </a:p>
           <a:p>
             <a:pPr marL="0" marR="0" lvl="0" indent="0" algn="l" defTabSz="914400" rtl="0" eaLnBrk="0" fontAlgn="base" latinLnBrk="0" hangingPunct="0">
@@ -4119,7 +4285,75 @@
                 <a:ea typeface="+mn-ea"/>
                 <a:cs typeface="+mn-cs"/>
               </a:rPr>
-              <a:t>Als Zielsetzung soll ----  </a:t>
+              <a:t>Als Zielsetzung soll ---- </a:t>
+            </a:r>
+            <a:r>
+              <a:rPr lang="de-DE" sz="1200" b="0" i="0" u="none" strike="noStrike" kern="1200" baseline="0" dirty="0" smtClean="0">
+                <a:solidFill>
+                  <a:schemeClr val="tx1"/>
+                </a:solidFill>
+                <a:latin typeface="+mn-lt"/>
+                <a:ea typeface="+mn-ea"/>
+                <a:cs typeface="+mn-cs"/>
+              </a:rPr>
+              <a:t>Auf dieser Basis soll ein vereinfachtes Versuchsmodells der geplanten grafischen Komponenten umgesetzt werden.</a:t>
+            </a:r>
+          </a:p>
+          <a:p>
+            <a:pPr marL="0" marR="0" lvl="0" indent="0" algn="l" defTabSz="914400" rtl="0" eaLnBrk="0" fontAlgn="base" latinLnBrk="0" hangingPunct="0">
+              <a:lnSpc>
+                <a:spcPct val="100000"/>
+              </a:lnSpc>
+              <a:spcBef>
+                <a:spcPct val="30000"/>
+              </a:spcBef>
+              <a:spcAft>
+                <a:spcPct val="0"/>
+              </a:spcAft>
+              <a:buClrTx/>
+              <a:buSzTx/>
+              <a:buFontTx/>
+              <a:buNone/>
+              <a:tabLst/>
+              <a:defRPr/>
+            </a:pPr>
+            <a:endParaRPr lang="de-DE" sz="1200" b="0" i="0" u="none" strike="noStrike" kern="1200" baseline="0" dirty="0" smtClean="0">
+              <a:solidFill>
+                <a:schemeClr val="tx1"/>
+              </a:solidFill>
+              <a:latin typeface="+mn-lt"/>
+              <a:ea typeface="+mn-ea"/>
+              <a:cs typeface="+mn-cs"/>
+            </a:endParaRPr>
+          </a:p>
+          <a:p>
+            <a:pPr marL="0" marR="0" lvl="0" indent="0" algn="l" defTabSz="914400" rtl="0" eaLnBrk="0" fontAlgn="base" latinLnBrk="0" hangingPunct="0">
+              <a:lnSpc>
+                <a:spcPct val="100000"/>
+              </a:lnSpc>
+              <a:spcBef>
+                <a:spcPct val="30000"/>
+              </a:spcBef>
+              <a:spcAft>
+                <a:spcPct val="0"/>
+              </a:spcAft>
+              <a:buClrTx/>
+              <a:buSzTx/>
+              <a:buFontTx/>
+              <a:buNone/>
+              <a:tabLst/>
+              <a:defRPr/>
+            </a:pPr>
+            <a:r>
+              <a:rPr lang="de-DE" sz="1200" b="1" i="0" u="none" strike="noStrike" kern="1200" baseline="0" dirty="0" smtClean="0">
+                <a:solidFill>
+                  <a:schemeClr val="tx1"/>
+                </a:solidFill>
+                <a:latin typeface="+mn-lt"/>
+                <a:ea typeface="+mn-ea"/>
+                <a:cs typeface="+mn-cs"/>
+              </a:rPr>
+              <a:t>Dabei </a:t>
             </a:r>
             <a:r>
               <a:rPr lang="de-DE" sz="1200" b="1" i="0" u="none" strike="noStrike" kern="1200" baseline="0" dirty="0">
@@ -4130,7 +4364,7 @@
                 <a:ea typeface="+mn-ea"/>
                 <a:cs typeface="+mn-cs"/>
               </a:rPr>
-              <a:t>Dabei stellt </a:t>
+              <a:t>stellt </a:t>
             </a:r>
             <a:r>
               <a:rPr lang="de-DE" sz="1200" b="0" i="0" u="none" strike="noStrike" kern="1200" baseline="0" dirty="0">
@@ -9799,23 +10033,11 @@
           <a:p>
             <a:r>
               <a:rPr lang="de-DE" dirty="0"/>
-              <a:t>Anforderungsanalyse</a:t>
-            </a:r>
-            <a:r>
-              <a:rPr lang="de-DE" dirty="0"/>
-              <a:t>: Funktionale </a:t>
+              <a:t>Anforderungsanalyse: Funktionale </a:t>
             </a:r>
             <a:r>
               <a:rPr lang="de-DE" dirty="0" err="1" smtClean="0"/>
-              <a:t>Anforderungen</a:t>
-            </a:r>
-            <a:r>
-              <a:rPr lang="de-DE" dirty="0" err="1" smtClean="0"/>
-              <a:t>&amp;</a:t>
-            </a:r>
-            <a:r>
-              <a:rPr lang="de-DE" dirty="0" err="1" smtClean="0"/>
-              <a:t>Nichtfunktionale</a:t>
+              <a:t>Anforderungen&amp;Nichtfunktionale</a:t>
             </a:r>
             <a:r>
               <a:rPr lang="de-DE" dirty="0" smtClean="0"/>
@@ -9824,10 +10046,6 @@
             <a:r>
               <a:rPr lang="de-DE" dirty="0"/>
               <a:t>Anforderungen</a:t>
-            </a:r>
-            <a:r>
-              <a:rPr lang="de-DE" dirty="0"/>
-              <a:t/>
             </a:r>
             <a:br>
               <a:rPr lang="de-DE" dirty="0"/>
@@ -9969,7 +10187,6 @@
               <a:rPr lang="de-DE" dirty="0"/>
               <a:t>Nichtfunktionale Anforderungen</a:t>
             </a:r>
-            <a:endParaRPr lang="de-DE" dirty="0"/>
           </a:p>
           <a:p>
             <a:pPr lvl="1"/>
@@ -10108,7 +10325,6 @@
               <a:rPr lang="de-DE" dirty="0"/>
               <a:t> Anforderungen</a:t>
             </a:r>
-            <a:endParaRPr lang="de-DE" dirty="0"/>
           </a:p>
         </p:txBody>
       </p:sp>
@@ -11520,7 +11736,6 @@
               <a:rPr lang="de-DE" dirty="0" smtClean="0"/>
               <a:t>Benachrichtigung </a:t>
             </a:r>
-            <a:endParaRPr lang="de-DE" dirty="0" smtClean="0"/>
           </a:p>
           <a:p>
             <a:pPr marL="342900" indent="-342900">
@@ -21667,7 +21882,7 @@
                             </p:stCondLst>
                             <p:childTnLst>
                               <p:par>
-                                <p:cTn id="5" presetID="2" presetClass="entr" presetSubtype="4" fill="hold" grpId="0" nodeType="withEffect">
+                                <p:cTn id="5" presetID="2" presetClass="entr" presetSubtype="4" fill="hold" nodeType="withEffect">
                                   <p:stCondLst>
                                     <p:cond delay="0"/>
                                   </p:stCondLst>
@@ -21675,6 +21890,91 @@
                                     <p:set>
                                       <p:cBhvr>
                                         <p:cTn id="6" dur="1" fill="hold">
+                                          <p:stCondLst>
+                                            <p:cond delay="0"/>
+                                          </p:stCondLst>
+                                        </p:cTn>
+                                        <p:tgtEl>
+                                          <p:spTgt spid="2">
+                                            <p:txEl>
+                                              <p:pRg st="0" end="0"/>
+                                            </p:txEl>
+                                          </p:spTgt>
+                                        </p:tgtEl>
+                                        <p:attrNameLst>
+                                          <p:attrName>style.visibility</p:attrName>
+                                        </p:attrNameLst>
+                                      </p:cBhvr>
+                                      <p:to>
+                                        <p:strVal val="visible"/>
+                                      </p:to>
+                                    </p:set>
+                                    <p:anim calcmode="lin" valueType="num">
+                                      <p:cBhvr additive="base">
+                                        <p:cTn id="7" dur="500" fill="hold"/>
+                                        <p:tgtEl>
+                                          <p:spTgt spid="2">
+                                            <p:txEl>
+                                              <p:pRg st="0" end="0"/>
+                                            </p:txEl>
+                                          </p:spTgt>
+                                        </p:tgtEl>
+                                        <p:attrNameLst>
+                                          <p:attrName>ppt_x</p:attrName>
+                                        </p:attrNameLst>
+                                      </p:cBhvr>
+                                      <p:tavLst>
+                                        <p:tav tm="0">
+                                          <p:val>
+                                            <p:strVal val="#ppt_x"/>
+                                          </p:val>
+                                        </p:tav>
+                                        <p:tav tm="100000">
+                                          <p:val>
+                                            <p:strVal val="#ppt_x"/>
+                                          </p:val>
+                                        </p:tav>
+                                      </p:tavLst>
+                                    </p:anim>
+                                    <p:anim calcmode="lin" valueType="num">
+                                      <p:cBhvr additive="base">
+                                        <p:cTn id="8" dur="500" fill="hold"/>
+                                        <p:tgtEl>
+                                          <p:spTgt spid="2">
+                                            <p:txEl>
+                                              <p:pRg st="0" end="0"/>
+                                            </p:txEl>
+                                          </p:spTgt>
+                                        </p:tgtEl>
+                                        <p:attrNameLst>
+                                          <p:attrName>ppt_y</p:attrName>
+                                        </p:attrNameLst>
+                                      </p:cBhvr>
+                                      <p:tavLst>
+                                        <p:tav tm="0">
+                                          <p:val>
+                                            <p:strVal val="1+#ppt_h/2"/>
+                                          </p:val>
+                                        </p:tav>
+                                        <p:tav tm="100000">
+                                          <p:val>
+                                            <p:strVal val="#ppt_y"/>
+                                          </p:val>
+                                        </p:tav>
+                                      </p:tavLst>
+                                    </p:anim>
+                                  </p:childTnLst>
+                                </p:cTn>
+                              </p:par>
+                              <p:par>
+                                <p:cTn id="9" presetID="2" presetClass="entr" presetSubtype="4" fill="hold" nodeType="withEffect">
+                                  <p:stCondLst>
+                                    <p:cond delay="0"/>
+                                  </p:stCondLst>
+                                  <p:childTnLst>
+                                    <p:set>
+                                      <p:cBhvr>
+                                        <p:cTn id="10" dur="1" fill="hold">
                                           <p:stCondLst>
                                             <p:cond delay="0"/>
                                           </p:stCondLst>
@@ -21696,7 +21996,7 @@
                                     </p:set>
                                     <p:anim calcmode="lin" valueType="num">
                                       <p:cBhvr additive="base">
-                                        <p:cTn id="7" dur="500" fill="hold"/>
+                                        <p:cTn id="11" dur="500" fill="hold"/>
                                         <p:tgtEl>
                                           <p:spTgt spid="2">
                                             <p:txEl>
@@ -21723,7 +22023,7 @@
                                     </p:anim>
                                     <p:anim calcmode="lin" valueType="num">
                                       <p:cBhvr additive="base">
-                                        <p:cTn id="8" dur="500" fill="hold"/>
+                                        <p:cTn id="12" dur="500" fill="hold"/>
                                         <p:tgtEl>
                                           <p:spTgt spid="2">
                                             <p:txEl>
@@ -21752,14 +22052,14 @@
                                 </p:cTn>
                               </p:par>
                               <p:par>
-                                <p:cTn id="9" presetID="2" presetClass="entr" presetSubtype="4" fill="hold" grpId="0" nodeType="withEffect">
+                                <p:cTn id="13" presetID="2" presetClass="entr" presetSubtype="4" fill="hold" nodeType="withEffect">
                                   <p:stCondLst>
                                     <p:cond delay="0"/>
                                   </p:stCondLst>
                                   <p:childTnLst>
                                     <p:set>
                                       <p:cBhvr>
-                                        <p:cTn id="10" dur="1" fill="hold">
+                                        <p:cTn id="14" dur="1" fill="hold">
                                           <p:stCondLst>
                                             <p:cond delay="0"/>
                                           </p:stCondLst>
@@ -21781,7 +22081,7 @@
                                     </p:set>
                                     <p:anim calcmode="lin" valueType="num">
                                       <p:cBhvr additive="base">
-                                        <p:cTn id="11" dur="500" fill="hold"/>
+                                        <p:cTn id="15" dur="500" fill="hold"/>
                                         <p:tgtEl>
                                           <p:spTgt spid="2">
                                             <p:txEl>
@@ -21808,7 +22108,7 @@
                                     </p:anim>
                                     <p:anim calcmode="lin" valueType="num">
                                       <p:cBhvr additive="base">
-                                        <p:cTn id="12" dur="500" fill="hold"/>
+                                        <p:cTn id="16" dur="500" fill="hold"/>
                                         <p:tgtEl>
                                           <p:spTgt spid="2">
                                             <p:txEl>
@@ -21837,14 +22137,14 @@
                                 </p:cTn>
                               </p:par>
                               <p:par>
-                                <p:cTn id="13" presetID="2" presetClass="entr" presetSubtype="4" fill="hold" grpId="0" nodeType="withEffect">
+                                <p:cTn id="17" presetID="2" presetClass="entr" presetSubtype="4" fill="hold" nodeType="withEffect">
                                   <p:stCondLst>
                                     <p:cond delay="0"/>
                                   </p:stCondLst>
                                   <p:childTnLst>
                                     <p:set>
                                       <p:cBhvr>
-                                        <p:cTn id="14" dur="1" fill="hold">
+                                        <p:cTn id="18" dur="1" fill="hold">
                                           <p:stCondLst>
                                             <p:cond delay="0"/>
                                           </p:stCondLst>
@@ -21866,7 +22166,7 @@
                                     </p:set>
                                     <p:anim calcmode="lin" valueType="num">
                                       <p:cBhvr additive="base">
-                                        <p:cTn id="15" dur="500" fill="hold"/>
+                                        <p:cTn id="19" dur="500" fill="hold"/>
                                         <p:tgtEl>
                                           <p:spTgt spid="2">
                                             <p:txEl>
@@ -21893,7 +22193,7 @@
                                     </p:anim>
                                     <p:anim calcmode="lin" valueType="num">
                                       <p:cBhvr additive="base">
-                                        <p:cTn id="16" dur="500" fill="hold"/>
+                                        <p:cTn id="20" dur="500" fill="hold"/>
                                         <p:tgtEl>
                                           <p:spTgt spid="2">
                                             <p:txEl>
@@ -21921,185 +22221,33 @@
                                   </p:childTnLst>
                                 </p:cTn>
                               </p:par>
+                            </p:childTnLst>
+                          </p:cTn>
+                        </p:par>
+                      </p:childTnLst>
+                    </p:cTn>
+                  </p:par>
+                  <p:par>
+                    <p:cTn id="21" fill="hold">
+                      <p:stCondLst>
+                        <p:cond delay="indefinite"/>
+                      </p:stCondLst>
+                      <p:childTnLst>
+                        <p:par>
+                          <p:cTn id="22" fill="hold">
+                            <p:stCondLst>
+                              <p:cond delay="0"/>
+                            </p:stCondLst>
+                            <p:childTnLst>
                               <p:par>
-                                <p:cTn id="17" presetID="2" presetClass="entr" presetSubtype="4" fill="hold" grpId="0" nodeType="withEffect">
+                                <p:cTn id="23" presetID="2" presetClass="entr" presetSubtype="4" fill="hold" grpId="0" nodeType="clickEffect">
                                   <p:stCondLst>
                                     <p:cond delay="0"/>
                                   </p:stCondLst>
                                   <p:childTnLst>
                                     <p:set>
                                       <p:cBhvr>
-                                        <p:cTn id="18" dur="1" fill="hold">
-                                          <p:stCondLst>
-                                            <p:cond delay="0"/>
-                                          </p:stCondLst>
-                                        </p:cTn>
-                                        <p:tgtEl>
-                                          <p:spTgt spid="2">
-                                            <p:txEl>
-                                              <p:pRg st="14" end="14"/>
-                                            </p:txEl>
-                                          </p:spTgt>
-                                        </p:tgtEl>
-                                        <p:attrNameLst>
-                                          <p:attrName>style.visibility</p:attrName>
-                                        </p:attrNameLst>
-                                      </p:cBhvr>
-                                      <p:to>
-                                        <p:strVal val="visible"/>
-                                      </p:to>
-                                    </p:set>
-                                    <p:anim calcmode="lin" valueType="num">
-                                      <p:cBhvr additive="base">
-                                        <p:cTn id="19" dur="500" fill="hold"/>
-                                        <p:tgtEl>
-                                          <p:spTgt spid="2">
-                                            <p:txEl>
-                                              <p:pRg st="14" end="14"/>
-                                            </p:txEl>
-                                          </p:spTgt>
-                                        </p:tgtEl>
-                                        <p:attrNameLst>
-                                          <p:attrName>ppt_x</p:attrName>
-                                        </p:attrNameLst>
-                                      </p:cBhvr>
-                                      <p:tavLst>
-                                        <p:tav tm="0">
-                                          <p:val>
-                                            <p:strVal val="#ppt_x"/>
-                                          </p:val>
-                                        </p:tav>
-                                        <p:tav tm="100000">
-                                          <p:val>
-                                            <p:strVal val="#ppt_x"/>
-                                          </p:val>
-                                        </p:tav>
-                                      </p:tavLst>
-                                    </p:anim>
-                                    <p:anim calcmode="lin" valueType="num">
-                                      <p:cBhvr additive="base">
-                                        <p:cTn id="20" dur="500" fill="hold"/>
-                                        <p:tgtEl>
-                                          <p:spTgt spid="2">
-                                            <p:txEl>
-                                              <p:pRg st="14" end="14"/>
-                                            </p:txEl>
-                                          </p:spTgt>
-                                        </p:tgtEl>
-                                        <p:attrNameLst>
-                                          <p:attrName>ppt_y</p:attrName>
-                                        </p:attrNameLst>
-                                      </p:cBhvr>
-                                      <p:tavLst>
-                                        <p:tav tm="0">
-                                          <p:val>
-                                            <p:strVal val="1+#ppt_h/2"/>
-                                          </p:val>
-                                        </p:tav>
-                                        <p:tav tm="100000">
-                                          <p:val>
-                                            <p:strVal val="#ppt_y"/>
-                                          </p:val>
-                                        </p:tav>
-                                      </p:tavLst>
-                                    </p:anim>
-                                  </p:childTnLst>
-                                </p:cTn>
-                              </p:par>
-                              <p:par>
-                                <p:cTn id="21" presetID="2" presetClass="entr" presetSubtype="4" fill="hold" grpId="0" nodeType="withEffect">
-                                  <p:stCondLst>
-                                    <p:cond delay="0"/>
-                                  </p:stCondLst>
-                                  <p:childTnLst>
-                                    <p:set>
-                                      <p:cBhvr>
-                                        <p:cTn id="22" dur="1" fill="hold">
-                                          <p:stCondLst>
-                                            <p:cond delay="0"/>
-                                          </p:stCondLst>
-                                        </p:cTn>
-                                        <p:tgtEl>
-                                          <p:spTgt spid="2">
-                                            <p:txEl>
-                                              <p:pRg st="15" end="15"/>
-                                            </p:txEl>
-                                          </p:spTgt>
-                                        </p:tgtEl>
-                                        <p:attrNameLst>
-                                          <p:attrName>style.visibility</p:attrName>
-                                        </p:attrNameLst>
-                                      </p:cBhvr>
-                                      <p:to>
-                                        <p:strVal val="visible"/>
-                                      </p:to>
-                                    </p:set>
-                                    <p:anim calcmode="lin" valueType="num">
-                                      <p:cBhvr additive="base">
-                                        <p:cTn id="23" dur="500" fill="hold"/>
-                                        <p:tgtEl>
-                                          <p:spTgt spid="2">
-                                            <p:txEl>
-                                              <p:pRg st="15" end="15"/>
-                                            </p:txEl>
-                                          </p:spTgt>
-                                        </p:tgtEl>
-                                        <p:attrNameLst>
-                                          <p:attrName>ppt_x</p:attrName>
-                                        </p:attrNameLst>
-                                      </p:cBhvr>
-                                      <p:tavLst>
-                                        <p:tav tm="0">
-                                          <p:val>
-                                            <p:strVal val="#ppt_x"/>
-                                          </p:val>
-                                        </p:tav>
-                                        <p:tav tm="100000">
-                                          <p:val>
-                                            <p:strVal val="#ppt_x"/>
-                                          </p:val>
-                                        </p:tav>
-                                      </p:tavLst>
-                                    </p:anim>
-                                    <p:anim calcmode="lin" valueType="num">
-                                      <p:cBhvr additive="base">
-                                        <p:cTn id="24" dur="500" fill="hold"/>
-                                        <p:tgtEl>
-                                          <p:spTgt spid="2">
-                                            <p:txEl>
-                                              <p:pRg st="15" end="15"/>
-                                            </p:txEl>
-                                          </p:spTgt>
-                                        </p:tgtEl>
-                                        <p:attrNameLst>
-                                          <p:attrName>ppt_y</p:attrName>
-                                        </p:attrNameLst>
-                                      </p:cBhvr>
-                                      <p:tavLst>
-                                        <p:tav tm="0">
-                                          <p:val>
-                                            <p:strVal val="1+#ppt_h/2"/>
-                                          </p:val>
-                                        </p:tav>
-                                        <p:tav tm="100000">
-                                          <p:val>
-                                            <p:strVal val="#ppt_y"/>
-                                          </p:val>
-                                        </p:tav>
-                                      </p:tavLst>
-                                    </p:anim>
-                                  </p:childTnLst>
-                                </p:cTn>
-                              </p:par>
-                              <p:par>
-                                <p:cTn id="25" presetID="2" presetClass="entr" presetSubtype="4" fill="hold" grpId="0" nodeType="withEffect">
-                                  <p:stCondLst>
-                                    <p:cond delay="0"/>
-                                  </p:stCondLst>
-                                  <p:childTnLst>
-                                    <p:set>
-                                      <p:cBhvr>
-                                        <p:cTn id="26" dur="1" fill="hold">
+                                        <p:cTn id="24" dur="1" fill="hold">
                                           <p:stCondLst>
                                             <p:cond delay="0"/>
                                           </p:stCondLst>
@@ -22117,7 +22265,7 @@
                                     </p:set>
                                     <p:anim calcmode="lin" valueType="num">
                                       <p:cBhvr additive="base">
-                                        <p:cTn id="27" dur="500" fill="hold"/>
+                                        <p:cTn id="25" dur="500" fill="hold"/>
                                         <p:tgtEl>
                                           <p:spTgt spid="40"/>
                                         </p:tgtEl>
@@ -22140,7 +22288,7 @@
                                     </p:anim>
                                     <p:anim calcmode="lin" valueType="num">
                                       <p:cBhvr additive="base">
-                                        <p:cTn id="28" dur="500" fill="hold"/>
+                                        <p:cTn id="26" dur="500" fill="hold"/>
                                         <p:tgtEl>
                                           <p:spTgt spid="40"/>
                                         </p:tgtEl>
@@ -22165,14 +22313,671 @@
                                 </p:cTn>
                               </p:par>
                               <p:par>
-                                <p:cTn id="29" presetID="2" presetClass="entr" presetSubtype="4" fill="hold" grpId="0" nodeType="withEffect">
+                                <p:cTn id="27" presetID="2" presetClass="entr" presetSubtype="4" fill="hold" grpId="0" nodeType="withEffect">
                                   <p:stCondLst>
                                     <p:cond delay="0"/>
                                   </p:stCondLst>
                                   <p:childTnLst>
                                     <p:set>
                                       <p:cBhvr>
-                                        <p:cTn id="30" dur="1" fill="hold">
+                                        <p:cTn id="28" dur="1" fill="hold">
+                                          <p:stCondLst>
+                                            <p:cond delay="0"/>
+                                          </p:stCondLst>
+                                        </p:cTn>
+                                        <p:tgtEl>
+                                          <p:spTgt spid="43"/>
+                                        </p:tgtEl>
+                                        <p:attrNameLst>
+                                          <p:attrName>style.visibility</p:attrName>
+                                        </p:attrNameLst>
+                                      </p:cBhvr>
+                                      <p:to>
+                                        <p:strVal val="visible"/>
+                                      </p:to>
+                                    </p:set>
+                                    <p:anim calcmode="lin" valueType="num">
+                                      <p:cBhvr additive="base">
+                                        <p:cTn id="29" dur="500" fill="hold"/>
+                                        <p:tgtEl>
+                                          <p:spTgt spid="43"/>
+                                        </p:tgtEl>
+                                        <p:attrNameLst>
+                                          <p:attrName>ppt_x</p:attrName>
+                                        </p:attrNameLst>
+                                      </p:cBhvr>
+                                      <p:tavLst>
+                                        <p:tav tm="0">
+                                          <p:val>
+                                            <p:strVal val="#ppt_x"/>
+                                          </p:val>
+                                        </p:tav>
+                                        <p:tav tm="100000">
+                                          <p:val>
+                                            <p:strVal val="#ppt_x"/>
+                                          </p:val>
+                                        </p:tav>
+                                      </p:tavLst>
+                                    </p:anim>
+                                    <p:anim calcmode="lin" valueType="num">
+                                      <p:cBhvr additive="base">
+                                        <p:cTn id="30" dur="500" fill="hold"/>
+                                        <p:tgtEl>
+                                          <p:spTgt spid="43"/>
+                                        </p:tgtEl>
+                                        <p:attrNameLst>
+                                          <p:attrName>ppt_y</p:attrName>
+                                        </p:attrNameLst>
+                                      </p:cBhvr>
+                                      <p:tavLst>
+                                        <p:tav tm="0">
+                                          <p:val>
+                                            <p:strVal val="1+#ppt_h/2"/>
+                                          </p:val>
+                                        </p:tav>
+                                        <p:tav tm="100000">
+                                          <p:val>
+                                            <p:strVal val="#ppt_y"/>
+                                          </p:val>
+                                        </p:tav>
+                                      </p:tavLst>
+                                    </p:anim>
+                                  </p:childTnLst>
+                                </p:cTn>
+                              </p:par>
+                              <p:par>
+                                <p:cTn id="31" presetID="2" presetClass="entr" presetSubtype="4" fill="hold" grpId="0" nodeType="withEffect">
+                                  <p:stCondLst>
+                                    <p:cond delay="0"/>
+                                  </p:stCondLst>
+                                  <p:childTnLst>
+                                    <p:set>
+                                      <p:cBhvr>
+                                        <p:cTn id="32" dur="1" fill="hold">
+                                          <p:stCondLst>
+                                            <p:cond delay="0"/>
+                                          </p:stCondLst>
+                                        </p:cTn>
+                                        <p:tgtEl>
+                                          <p:spTgt spid="42"/>
+                                        </p:tgtEl>
+                                        <p:attrNameLst>
+                                          <p:attrName>style.visibility</p:attrName>
+                                        </p:attrNameLst>
+                                      </p:cBhvr>
+                                      <p:to>
+                                        <p:strVal val="visible"/>
+                                      </p:to>
+                                    </p:set>
+                                    <p:anim calcmode="lin" valueType="num">
+                                      <p:cBhvr additive="base">
+                                        <p:cTn id="33" dur="500" fill="hold"/>
+                                        <p:tgtEl>
+                                          <p:spTgt spid="42"/>
+                                        </p:tgtEl>
+                                        <p:attrNameLst>
+                                          <p:attrName>ppt_x</p:attrName>
+                                        </p:attrNameLst>
+                                      </p:cBhvr>
+                                      <p:tavLst>
+                                        <p:tav tm="0">
+                                          <p:val>
+                                            <p:strVal val="#ppt_x"/>
+                                          </p:val>
+                                        </p:tav>
+                                        <p:tav tm="100000">
+                                          <p:val>
+                                            <p:strVal val="#ppt_x"/>
+                                          </p:val>
+                                        </p:tav>
+                                      </p:tavLst>
+                                    </p:anim>
+                                    <p:anim calcmode="lin" valueType="num">
+                                      <p:cBhvr additive="base">
+                                        <p:cTn id="34" dur="500" fill="hold"/>
+                                        <p:tgtEl>
+                                          <p:spTgt spid="42"/>
+                                        </p:tgtEl>
+                                        <p:attrNameLst>
+                                          <p:attrName>ppt_y</p:attrName>
+                                        </p:attrNameLst>
+                                      </p:cBhvr>
+                                      <p:tavLst>
+                                        <p:tav tm="0">
+                                          <p:val>
+                                            <p:strVal val="1+#ppt_h/2"/>
+                                          </p:val>
+                                        </p:tav>
+                                        <p:tav tm="100000">
+                                          <p:val>
+                                            <p:strVal val="#ppt_y"/>
+                                          </p:val>
+                                        </p:tav>
+                                      </p:tavLst>
+                                    </p:anim>
+                                  </p:childTnLst>
+                                </p:cTn>
+                              </p:par>
+                              <p:par>
+                                <p:cTn id="35" presetID="2" presetClass="entr" presetSubtype="4" fill="hold" grpId="0" nodeType="withEffect">
+                                  <p:stCondLst>
+                                    <p:cond delay="0"/>
+                                  </p:stCondLst>
+                                  <p:childTnLst>
+                                    <p:set>
+                                      <p:cBhvr>
+                                        <p:cTn id="36" dur="1" fill="hold">
+                                          <p:stCondLst>
+                                            <p:cond delay="0"/>
+                                          </p:stCondLst>
+                                        </p:cTn>
+                                        <p:tgtEl>
+                                          <p:spTgt spid="44"/>
+                                        </p:tgtEl>
+                                        <p:attrNameLst>
+                                          <p:attrName>style.visibility</p:attrName>
+                                        </p:attrNameLst>
+                                      </p:cBhvr>
+                                      <p:to>
+                                        <p:strVal val="visible"/>
+                                      </p:to>
+                                    </p:set>
+                                    <p:anim calcmode="lin" valueType="num">
+                                      <p:cBhvr additive="base">
+                                        <p:cTn id="37" dur="500" fill="hold"/>
+                                        <p:tgtEl>
+                                          <p:spTgt spid="44"/>
+                                        </p:tgtEl>
+                                        <p:attrNameLst>
+                                          <p:attrName>ppt_x</p:attrName>
+                                        </p:attrNameLst>
+                                      </p:cBhvr>
+                                      <p:tavLst>
+                                        <p:tav tm="0">
+                                          <p:val>
+                                            <p:strVal val="#ppt_x"/>
+                                          </p:val>
+                                        </p:tav>
+                                        <p:tav tm="100000">
+                                          <p:val>
+                                            <p:strVal val="#ppt_x"/>
+                                          </p:val>
+                                        </p:tav>
+                                      </p:tavLst>
+                                    </p:anim>
+                                    <p:anim calcmode="lin" valueType="num">
+                                      <p:cBhvr additive="base">
+                                        <p:cTn id="38" dur="500" fill="hold"/>
+                                        <p:tgtEl>
+                                          <p:spTgt spid="44"/>
+                                        </p:tgtEl>
+                                        <p:attrNameLst>
+                                          <p:attrName>ppt_y</p:attrName>
+                                        </p:attrNameLst>
+                                      </p:cBhvr>
+                                      <p:tavLst>
+                                        <p:tav tm="0">
+                                          <p:val>
+                                            <p:strVal val="1+#ppt_h/2"/>
+                                          </p:val>
+                                        </p:tav>
+                                        <p:tav tm="100000">
+                                          <p:val>
+                                            <p:strVal val="#ppt_y"/>
+                                          </p:val>
+                                        </p:tav>
+                                      </p:tavLst>
+                                    </p:anim>
+                                  </p:childTnLst>
+                                </p:cTn>
+                              </p:par>
+                              <p:par>
+                                <p:cTn id="39" presetID="2" presetClass="entr" presetSubtype="4" fill="hold" grpId="0" nodeType="withEffect">
+                                  <p:stCondLst>
+                                    <p:cond delay="0"/>
+                                  </p:stCondLst>
+                                  <p:childTnLst>
+                                    <p:set>
+                                      <p:cBhvr>
+                                        <p:cTn id="40" dur="1" fill="hold">
+                                          <p:stCondLst>
+                                            <p:cond delay="0"/>
+                                          </p:stCondLst>
+                                        </p:cTn>
+                                        <p:tgtEl>
+                                          <p:spTgt spid="41"/>
+                                        </p:tgtEl>
+                                        <p:attrNameLst>
+                                          <p:attrName>style.visibility</p:attrName>
+                                        </p:attrNameLst>
+                                      </p:cBhvr>
+                                      <p:to>
+                                        <p:strVal val="visible"/>
+                                      </p:to>
+                                    </p:set>
+                                    <p:anim calcmode="lin" valueType="num">
+                                      <p:cBhvr additive="base">
+                                        <p:cTn id="41" dur="500" fill="hold"/>
+                                        <p:tgtEl>
+                                          <p:spTgt spid="41"/>
+                                        </p:tgtEl>
+                                        <p:attrNameLst>
+                                          <p:attrName>ppt_x</p:attrName>
+                                        </p:attrNameLst>
+                                      </p:cBhvr>
+                                      <p:tavLst>
+                                        <p:tav tm="0">
+                                          <p:val>
+                                            <p:strVal val="#ppt_x"/>
+                                          </p:val>
+                                        </p:tav>
+                                        <p:tav tm="100000">
+                                          <p:val>
+                                            <p:strVal val="#ppt_x"/>
+                                          </p:val>
+                                        </p:tav>
+                                      </p:tavLst>
+                                    </p:anim>
+                                    <p:anim calcmode="lin" valueType="num">
+                                      <p:cBhvr additive="base">
+                                        <p:cTn id="42" dur="500" fill="hold"/>
+                                        <p:tgtEl>
+                                          <p:spTgt spid="41"/>
+                                        </p:tgtEl>
+                                        <p:attrNameLst>
+                                          <p:attrName>ppt_y</p:attrName>
+                                        </p:attrNameLst>
+                                      </p:cBhvr>
+                                      <p:tavLst>
+                                        <p:tav tm="0">
+                                          <p:val>
+                                            <p:strVal val="1+#ppt_h/2"/>
+                                          </p:val>
+                                        </p:tav>
+                                        <p:tav tm="100000">
+                                          <p:val>
+                                            <p:strVal val="#ppt_y"/>
+                                          </p:val>
+                                        </p:tav>
+                                      </p:tavLst>
+                                    </p:anim>
+                                  </p:childTnLst>
+                                </p:cTn>
+                              </p:par>
+                              <p:par>
+                                <p:cTn id="43" presetID="2" presetClass="entr" presetSubtype="4" fill="hold" nodeType="withEffect">
+                                  <p:stCondLst>
+                                    <p:cond delay="0"/>
+                                  </p:stCondLst>
+                                  <p:childTnLst>
+                                    <p:set>
+                                      <p:cBhvr>
+                                        <p:cTn id="44" dur="1" fill="hold">
+                                          <p:stCondLst>
+                                            <p:cond delay="0"/>
+                                          </p:stCondLst>
+                                        </p:cTn>
+                                        <p:tgtEl>
+                                          <p:spTgt spid="54"/>
+                                        </p:tgtEl>
+                                        <p:attrNameLst>
+                                          <p:attrName>style.visibility</p:attrName>
+                                        </p:attrNameLst>
+                                      </p:cBhvr>
+                                      <p:to>
+                                        <p:strVal val="visible"/>
+                                      </p:to>
+                                    </p:set>
+                                    <p:anim calcmode="lin" valueType="num">
+                                      <p:cBhvr additive="base">
+                                        <p:cTn id="45" dur="500" fill="hold"/>
+                                        <p:tgtEl>
+                                          <p:spTgt spid="54"/>
+                                        </p:tgtEl>
+                                        <p:attrNameLst>
+                                          <p:attrName>ppt_x</p:attrName>
+                                        </p:attrNameLst>
+                                      </p:cBhvr>
+                                      <p:tavLst>
+                                        <p:tav tm="0">
+                                          <p:val>
+                                            <p:strVal val="#ppt_x"/>
+                                          </p:val>
+                                        </p:tav>
+                                        <p:tav tm="100000">
+                                          <p:val>
+                                            <p:strVal val="#ppt_x"/>
+                                          </p:val>
+                                        </p:tav>
+                                      </p:tavLst>
+                                    </p:anim>
+                                    <p:anim calcmode="lin" valueType="num">
+                                      <p:cBhvr additive="base">
+                                        <p:cTn id="46" dur="500" fill="hold"/>
+                                        <p:tgtEl>
+                                          <p:spTgt spid="54"/>
+                                        </p:tgtEl>
+                                        <p:attrNameLst>
+                                          <p:attrName>ppt_y</p:attrName>
+                                        </p:attrNameLst>
+                                      </p:cBhvr>
+                                      <p:tavLst>
+                                        <p:tav tm="0">
+                                          <p:val>
+                                            <p:strVal val="1+#ppt_h/2"/>
+                                          </p:val>
+                                        </p:tav>
+                                        <p:tav tm="100000">
+                                          <p:val>
+                                            <p:strVal val="#ppt_y"/>
+                                          </p:val>
+                                        </p:tav>
+                                      </p:tavLst>
+                                    </p:anim>
+                                  </p:childTnLst>
+                                </p:cTn>
+                              </p:par>
+                              <p:par>
+                                <p:cTn id="47" presetID="2" presetClass="entr" presetSubtype="4" fill="hold" nodeType="withEffect">
+                                  <p:stCondLst>
+                                    <p:cond delay="0"/>
+                                  </p:stCondLst>
+                                  <p:childTnLst>
+                                    <p:set>
+                                      <p:cBhvr>
+                                        <p:cTn id="48" dur="1" fill="hold">
+                                          <p:stCondLst>
+                                            <p:cond delay="0"/>
+                                          </p:stCondLst>
+                                        </p:cTn>
+                                        <p:tgtEl>
+                                          <p:spTgt spid="53"/>
+                                        </p:tgtEl>
+                                        <p:attrNameLst>
+                                          <p:attrName>style.visibility</p:attrName>
+                                        </p:attrNameLst>
+                                      </p:cBhvr>
+                                      <p:to>
+                                        <p:strVal val="visible"/>
+                                      </p:to>
+                                    </p:set>
+                                    <p:anim calcmode="lin" valueType="num">
+                                      <p:cBhvr additive="base">
+                                        <p:cTn id="49" dur="500" fill="hold"/>
+                                        <p:tgtEl>
+                                          <p:spTgt spid="53"/>
+                                        </p:tgtEl>
+                                        <p:attrNameLst>
+                                          <p:attrName>ppt_x</p:attrName>
+                                        </p:attrNameLst>
+                                      </p:cBhvr>
+                                      <p:tavLst>
+                                        <p:tav tm="0">
+                                          <p:val>
+                                            <p:strVal val="#ppt_x"/>
+                                          </p:val>
+                                        </p:tav>
+                                        <p:tav tm="100000">
+                                          <p:val>
+                                            <p:strVal val="#ppt_x"/>
+                                          </p:val>
+                                        </p:tav>
+                                      </p:tavLst>
+                                    </p:anim>
+                                    <p:anim calcmode="lin" valueType="num">
+                                      <p:cBhvr additive="base">
+                                        <p:cTn id="50" dur="500" fill="hold"/>
+                                        <p:tgtEl>
+                                          <p:spTgt spid="53"/>
+                                        </p:tgtEl>
+                                        <p:attrNameLst>
+                                          <p:attrName>ppt_y</p:attrName>
+                                        </p:attrNameLst>
+                                      </p:cBhvr>
+                                      <p:tavLst>
+                                        <p:tav tm="0">
+                                          <p:val>
+                                            <p:strVal val="1+#ppt_h/2"/>
+                                          </p:val>
+                                        </p:tav>
+                                        <p:tav tm="100000">
+                                          <p:val>
+                                            <p:strVal val="#ppt_y"/>
+                                          </p:val>
+                                        </p:tav>
+                                      </p:tavLst>
+                                    </p:anim>
+                                  </p:childTnLst>
+                                </p:cTn>
+                              </p:par>
+                              <p:par>
+                                <p:cTn id="51" presetID="2" presetClass="entr" presetSubtype="4" fill="hold" nodeType="withEffect">
+                                  <p:stCondLst>
+                                    <p:cond delay="0"/>
+                                  </p:stCondLst>
+                                  <p:childTnLst>
+                                    <p:set>
+                                      <p:cBhvr>
+                                        <p:cTn id="52" dur="1" fill="hold">
+                                          <p:stCondLst>
+                                            <p:cond delay="0"/>
+                                          </p:stCondLst>
+                                        </p:cTn>
+                                        <p:tgtEl>
+                                          <p:spTgt spid="63"/>
+                                        </p:tgtEl>
+                                        <p:attrNameLst>
+                                          <p:attrName>style.visibility</p:attrName>
+                                        </p:attrNameLst>
+                                      </p:cBhvr>
+                                      <p:to>
+                                        <p:strVal val="visible"/>
+                                      </p:to>
+                                    </p:set>
+                                    <p:anim calcmode="lin" valueType="num">
+                                      <p:cBhvr additive="base">
+                                        <p:cTn id="53" dur="500" fill="hold"/>
+                                        <p:tgtEl>
+                                          <p:spTgt spid="63"/>
+                                        </p:tgtEl>
+                                        <p:attrNameLst>
+                                          <p:attrName>ppt_x</p:attrName>
+                                        </p:attrNameLst>
+                                      </p:cBhvr>
+                                      <p:tavLst>
+                                        <p:tav tm="0">
+                                          <p:val>
+                                            <p:strVal val="#ppt_x"/>
+                                          </p:val>
+                                        </p:tav>
+                                        <p:tav tm="100000">
+                                          <p:val>
+                                            <p:strVal val="#ppt_x"/>
+                                          </p:val>
+                                        </p:tav>
+                                      </p:tavLst>
+                                    </p:anim>
+                                    <p:anim calcmode="lin" valueType="num">
+                                      <p:cBhvr additive="base">
+                                        <p:cTn id="54" dur="500" fill="hold"/>
+                                        <p:tgtEl>
+                                          <p:spTgt spid="63"/>
+                                        </p:tgtEl>
+                                        <p:attrNameLst>
+                                          <p:attrName>ppt_y</p:attrName>
+                                        </p:attrNameLst>
+                                      </p:cBhvr>
+                                      <p:tavLst>
+                                        <p:tav tm="0">
+                                          <p:val>
+                                            <p:strVal val="1+#ppt_h/2"/>
+                                          </p:val>
+                                        </p:tav>
+                                        <p:tav tm="100000">
+                                          <p:val>
+                                            <p:strVal val="#ppt_y"/>
+                                          </p:val>
+                                        </p:tav>
+                                      </p:tavLst>
+                                    </p:anim>
+                                  </p:childTnLst>
+                                </p:cTn>
+                              </p:par>
+                              <p:par>
+                                <p:cTn id="55" presetID="2" presetClass="entr" presetSubtype="4" fill="hold" nodeType="withEffect">
+                                  <p:stCondLst>
+                                    <p:cond delay="0"/>
+                                  </p:stCondLst>
+                                  <p:childTnLst>
+                                    <p:set>
+                                      <p:cBhvr>
+                                        <p:cTn id="56" dur="1" fill="hold">
+                                          <p:stCondLst>
+                                            <p:cond delay="0"/>
+                                          </p:stCondLst>
+                                        </p:cTn>
+                                        <p:tgtEl>
+                                          <p:spTgt spid="62"/>
+                                        </p:tgtEl>
+                                        <p:attrNameLst>
+                                          <p:attrName>style.visibility</p:attrName>
+                                        </p:attrNameLst>
+                                      </p:cBhvr>
+                                      <p:to>
+                                        <p:strVal val="visible"/>
+                                      </p:to>
+                                    </p:set>
+                                    <p:anim calcmode="lin" valueType="num">
+                                      <p:cBhvr additive="base">
+                                        <p:cTn id="57" dur="500" fill="hold"/>
+                                        <p:tgtEl>
+                                          <p:spTgt spid="62"/>
+                                        </p:tgtEl>
+                                        <p:attrNameLst>
+                                          <p:attrName>ppt_x</p:attrName>
+                                        </p:attrNameLst>
+                                      </p:cBhvr>
+                                      <p:tavLst>
+                                        <p:tav tm="0">
+                                          <p:val>
+                                            <p:strVal val="#ppt_x"/>
+                                          </p:val>
+                                        </p:tav>
+                                        <p:tav tm="100000">
+                                          <p:val>
+                                            <p:strVal val="#ppt_x"/>
+                                          </p:val>
+                                        </p:tav>
+                                      </p:tavLst>
+                                    </p:anim>
+                                    <p:anim calcmode="lin" valueType="num">
+                                      <p:cBhvr additive="base">
+                                        <p:cTn id="58" dur="500" fill="hold"/>
+                                        <p:tgtEl>
+                                          <p:spTgt spid="62"/>
+                                        </p:tgtEl>
+                                        <p:attrNameLst>
+                                          <p:attrName>ppt_y</p:attrName>
+                                        </p:attrNameLst>
+                                      </p:cBhvr>
+                                      <p:tavLst>
+                                        <p:tav tm="0">
+                                          <p:val>
+                                            <p:strVal val="1+#ppt_h/2"/>
+                                          </p:val>
+                                        </p:tav>
+                                        <p:tav tm="100000">
+                                          <p:val>
+                                            <p:strVal val="#ppt_y"/>
+                                          </p:val>
+                                        </p:tav>
+                                      </p:tavLst>
+                                    </p:anim>
+                                  </p:childTnLst>
+                                </p:cTn>
+                              </p:par>
+                              <p:par>
+                                <p:cTn id="59" presetID="2" presetClass="entr" presetSubtype="4" fill="hold" nodeType="withEffect">
+                                  <p:stCondLst>
+                                    <p:cond delay="0"/>
+                                  </p:stCondLst>
+                                  <p:childTnLst>
+                                    <p:set>
+                                      <p:cBhvr>
+                                        <p:cTn id="60" dur="1" fill="hold">
+                                          <p:stCondLst>
+                                            <p:cond delay="0"/>
+                                          </p:stCondLst>
+                                        </p:cTn>
+                                        <p:tgtEl>
+                                          <p:spTgt spid="61"/>
+                                        </p:tgtEl>
+                                        <p:attrNameLst>
+                                          <p:attrName>style.visibility</p:attrName>
+                                        </p:attrNameLst>
+                                      </p:cBhvr>
+                                      <p:to>
+                                        <p:strVal val="visible"/>
+                                      </p:to>
+                                    </p:set>
+                                    <p:anim calcmode="lin" valueType="num">
+                                      <p:cBhvr additive="base">
+                                        <p:cTn id="61" dur="500" fill="hold"/>
+                                        <p:tgtEl>
+                                          <p:spTgt spid="61"/>
+                                        </p:tgtEl>
+                                        <p:attrNameLst>
+                                          <p:attrName>ppt_x</p:attrName>
+                                        </p:attrNameLst>
+                                      </p:cBhvr>
+                                      <p:tavLst>
+                                        <p:tav tm="0">
+                                          <p:val>
+                                            <p:strVal val="#ppt_x"/>
+                                          </p:val>
+                                        </p:tav>
+                                        <p:tav tm="100000">
+                                          <p:val>
+                                            <p:strVal val="#ppt_x"/>
+                                          </p:val>
+                                        </p:tav>
+                                      </p:tavLst>
+                                    </p:anim>
+                                    <p:anim calcmode="lin" valueType="num">
+                                      <p:cBhvr additive="base">
+                                        <p:cTn id="62" dur="500" fill="hold"/>
+                                        <p:tgtEl>
+                                          <p:spTgt spid="61"/>
+                                        </p:tgtEl>
+                                        <p:attrNameLst>
+                                          <p:attrName>ppt_y</p:attrName>
+                                        </p:attrNameLst>
+                                      </p:cBhvr>
+                                      <p:tavLst>
+                                        <p:tav tm="0">
+                                          <p:val>
+                                            <p:strVal val="1+#ppt_h/2"/>
+                                          </p:val>
+                                        </p:tav>
+                                        <p:tav tm="100000">
+                                          <p:val>
+                                            <p:strVal val="#ppt_y"/>
+                                          </p:val>
+                                        </p:tav>
+                                      </p:tavLst>
+                                    </p:anim>
+                                  </p:childTnLst>
+                                </p:cTn>
+                              </p:par>
+                              <p:par>
+                                <p:cTn id="63" presetID="2" presetClass="entr" presetSubtype="4" fill="hold" grpId="0" nodeType="withEffect">
+                                  <p:stCondLst>
+                                    <p:cond delay="0"/>
+                                  </p:stCondLst>
+                                  <p:childTnLst>
+                                    <p:set>
+                                      <p:cBhvr>
+                                        <p:cTn id="64" dur="1" fill="hold">
                                           <p:stCondLst>
                                             <p:cond delay="0"/>
                                           </p:stCondLst>
@@ -22190,7 +22995,7 @@
                                     </p:set>
                                     <p:anim calcmode="lin" valueType="num">
                                       <p:cBhvr additive="base">
-                                        <p:cTn id="31" dur="500" fill="hold"/>
+                                        <p:cTn id="65" dur="500" fill="hold"/>
                                         <p:tgtEl>
                                           <p:spTgt spid="45"/>
                                         </p:tgtEl>
@@ -22213,7 +23018,7 @@
                                     </p:anim>
                                     <p:anim calcmode="lin" valueType="num">
                                       <p:cBhvr additive="base">
-                                        <p:cTn id="32" dur="500" fill="hold"/>
+                                        <p:cTn id="66" dur="500" fill="hold"/>
                                         <p:tgtEl>
                                           <p:spTgt spid="45"/>
                                         </p:tgtEl>
@@ -22238,14 +23043,14 @@
                                 </p:cTn>
                               </p:par>
                               <p:par>
-                                <p:cTn id="33" presetID="2" presetClass="entr" presetSubtype="4" fill="hold" grpId="0" nodeType="withEffect">
+                                <p:cTn id="67" presetID="2" presetClass="entr" presetSubtype="4" fill="hold" grpId="0" nodeType="withEffect">
                                   <p:stCondLst>
                                     <p:cond delay="0"/>
                                   </p:stCondLst>
                                   <p:childTnLst>
                                     <p:set>
                                       <p:cBhvr>
-                                        <p:cTn id="34" dur="1" fill="hold">
+                                        <p:cTn id="68" dur="1" fill="hold">
                                           <p:stCondLst>
                                             <p:cond delay="0"/>
                                           </p:stCondLst>
@@ -22263,7 +23068,7 @@
                                     </p:set>
                                     <p:anim calcmode="lin" valueType="num">
                                       <p:cBhvr additive="base">
-                                        <p:cTn id="35" dur="500" fill="hold"/>
+                                        <p:cTn id="69" dur="500" fill="hold"/>
                                         <p:tgtEl>
                                           <p:spTgt spid="47"/>
                                         </p:tgtEl>
@@ -22286,7 +23091,7 @@
                                     </p:anim>
                                     <p:anim calcmode="lin" valueType="num">
                                       <p:cBhvr additive="base">
-                                        <p:cTn id="36" dur="500" fill="hold"/>
+                                        <p:cTn id="70" dur="500" fill="hold"/>
                                         <p:tgtEl>
                                           <p:spTgt spid="47"/>
                                         </p:tgtEl>
@@ -22311,14 +23116,14 @@
                                 </p:cTn>
                               </p:par>
                               <p:par>
-                                <p:cTn id="37" presetID="2" presetClass="entr" presetSubtype="4" fill="hold" grpId="0" nodeType="withEffect">
+                                <p:cTn id="71" presetID="2" presetClass="entr" presetSubtype="4" fill="hold" grpId="0" nodeType="withEffect">
                                   <p:stCondLst>
                                     <p:cond delay="0"/>
                                   </p:stCondLst>
                                   <p:childTnLst>
                                     <p:set>
                                       <p:cBhvr>
-                                        <p:cTn id="38" dur="1" fill="hold">
+                                        <p:cTn id="72" dur="1" fill="hold">
                                           <p:stCondLst>
                                             <p:cond delay="0"/>
                                           </p:stCondLst>
@@ -22336,7 +23141,7 @@
                                     </p:set>
                                     <p:anim calcmode="lin" valueType="num">
                                       <p:cBhvr additive="base">
-                                        <p:cTn id="39" dur="500" fill="hold"/>
+                                        <p:cTn id="73" dur="500" fill="hold"/>
                                         <p:tgtEl>
                                           <p:spTgt spid="46"/>
                                         </p:tgtEl>
@@ -22359,7 +23164,7 @@
                                     </p:anim>
                                     <p:anim calcmode="lin" valueType="num">
                                       <p:cBhvr additive="base">
-                                        <p:cTn id="40" dur="500" fill="hold"/>
+                                        <p:cTn id="74" dur="500" fill="hold"/>
                                         <p:tgtEl>
                                           <p:spTgt spid="46"/>
                                         </p:tgtEl>
@@ -22384,160 +23189,14 @@
                                 </p:cTn>
                               </p:par>
                               <p:par>
-                                <p:cTn id="41" presetID="2" presetClass="entr" presetSubtype="4" fill="hold" nodeType="withEffect">
+                                <p:cTn id="75" presetID="2" presetClass="entr" presetSubtype="4" fill="hold" grpId="0" nodeType="withEffect">
                                   <p:stCondLst>
                                     <p:cond delay="0"/>
                                   </p:stCondLst>
                                   <p:childTnLst>
                                     <p:set>
                                       <p:cBhvr>
-                                        <p:cTn id="42" dur="1" fill="hold">
-                                          <p:stCondLst>
-                                            <p:cond delay="0"/>
-                                          </p:stCondLst>
-                                        </p:cTn>
-                                        <p:tgtEl>
-                                          <p:spTgt spid="54"/>
-                                        </p:tgtEl>
-                                        <p:attrNameLst>
-                                          <p:attrName>style.visibility</p:attrName>
-                                        </p:attrNameLst>
-                                      </p:cBhvr>
-                                      <p:to>
-                                        <p:strVal val="visible"/>
-                                      </p:to>
-                                    </p:set>
-                                    <p:anim calcmode="lin" valueType="num">
-                                      <p:cBhvr additive="base">
-                                        <p:cTn id="43" dur="500" fill="hold"/>
-                                        <p:tgtEl>
-                                          <p:spTgt spid="54"/>
-                                        </p:tgtEl>
-                                        <p:attrNameLst>
-                                          <p:attrName>ppt_x</p:attrName>
-                                        </p:attrNameLst>
-                                      </p:cBhvr>
-                                      <p:tavLst>
-                                        <p:tav tm="0">
-                                          <p:val>
-                                            <p:strVal val="#ppt_x"/>
-                                          </p:val>
-                                        </p:tav>
-                                        <p:tav tm="100000">
-                                          <p:val>
-                                            <p:strVal val="#ppt_x"/>
-                                          </p:val>
-                                        </p:tav>
-                                      </p:tavLst>
-                                    </p:anim>
-                                    <p:anim calcmode="lin" valueType="num">
-                                      <p:cBhvr additive="base">
-                                        <p:cTn id="44" dur="500" fill="hold"/>
-                                        <p:tgtEl>
-                                          <p:spTgt spid="54"/>
-                                        </p:tgtEl>
-                                        <p:attrNameLst>
-                                          <p:attrName>ppt_y</p:attrName>
-                                        </p:attrNameLst>
-                                      </p:cBhvr>
-                                      <p:tavLst>
-                                        <p:tav tm="0">
-                                          <p:val>
-                                            <p:strVal val="1+#ppt_h/2"/>
-                                          </p:val>
-                                        </p:tav>
-                                        <p:tav tm="100000">
-                                          <p:val>
-                                            <p:strVal val="#ppt_y"/>
-                                          </p:val>
-                                        </p:tav>
-                                      </p:tavLst>
-                                    </p:anim>
-                                  </p:childTnLst>
-                                </p:cTn>
-                              </p:par>
-                              <p:par>
-                                <p:cTn id="45" presetID="2" presetClass="entr" presetSubtype="4" fill="hold" grpId="0" nodeType="withEffect">
-                                  <p:stCondLst>
-                                    <p:cond delay="0"/>
-                                  </p:stCondLst>
-                                  <p:childTnLst>
-                                    <p:set>
-                                      <p:cBhvr>
-                                        <p:cTn id="46" dur="1" fill="hold">
-                                          <p:stCondLst>
-                                            <p:cond delay="0"/>
-                                          </p:stCondLst>
-                                        </p:cTn>
-                                        <p:tgtEl>
-                                          <p:spTgt spid="41"/>
-                                        </p:tgtEl>
-                                        <p:attrNameLst>
-                                          <p:attrName>style.visibility</p:attrName>
-                                        </p:attrNameLst>
-                                      </p:cBhvr>
-                                      <p:to>
-                                        <p:strVal val="visible"/>
-                                      </p:to>
-                                    </p:set>
-                                    <p:anim calcmode="lin" valueType="num">
-                                      <p:cBhvr additive="base">
-                                        <p:cTn id="47" dur="500" fill="hold"/>
-                                        <p:tgtEl>
-                                          <p:spTgt spid="41"/>
-                                        </p:tgtEl>
-                                        <p:attrNameLst>
-                                          <p:attrName>ppt_x</p:attrName>
-                                        </p:attrNameLst>
-                                      </p:cBhvr>
-                                      <p:tavLst>
-                                        <p:tav tm="0">
-                                          <p:val>
-                                            <p:strVal val="#ppt_x"/>
-                                          </p:val>
-                                        </p:tav>
-                                        <p:tav tm="100000">
-                                          <p:val>
-                                            <p:strVal val="#ppt_x"/>
-                                          </p:val>
-                                        </p:tav>
-                                      </p:tavLst>
-                                    </p:anim>
-                                    <p:anim calcmode="lin" valueType="num">
-                                      <p:cBhvr additive="base">
-                                        <p:cTn id="48" dur="500" fill="hold"/>
-                                        <p:tgtEl>
-                                          <p:spTgt spid="41"/>
-                                        </p:tgtEl>
-                                        <p:attrNameLst>
-                                          <p:attrName>ppt_y</p:attrName>
-                                        </p:attrNameLst>
-                                      </p:cBhvr>
-                                      <p:tavLst>
-                                        <p:tav tm="0">
-                                          <p:val>
-                                            <p:strVal val="1+#ppt_h/2"/>
-                                          </p:val>
-                                        </p:tav>
-                                        <p:tav tm="100000">
-                                          <p:val>
-                                            <p:strVal val="#ppt_y"/>
-                                          </p:val>
-                                        </p:tav>
-                                      </p:tavLst>
-                                    </p:anim>
-                                  </p:childTnLst>
-                                </p:cTn>
-                              </p:par>
-                              <p:par>
-                                <p:cTn id="49" presetID="2" presetClass="entr" presetSubtype="4" fill="hold" grpId="0" nodeType="withEffect">
-                                  <p:stCondLst>
-                                    <p:cond delay="0"/>
-                                  </p:stCondLst>
-                                  <p:childTnLst>
-                                    <p:set>
-                                      <p:cBhvr>
-                                        <p:cTn id="50" dur="1" fill="hold">
+                                        <p:cTn id="76" dur="1" fill="hold">
                                           <p:stCondLst>
                                             <p:cond delay="0"/>
                                           </p:stCondLst>
@@ -22555,7 +23214,7 @@
                                     </p:set>
                                     <p:anim calcmode="lin" valueType="num">
                                       <p:cBhvr additive="base">
-                                        <p:cTn id="51" dur="500" fill="hold"/>
+                                        <p:cTn id="77" dur="500" fill="hold"/>
                                         <p:tgtEl>
                                           <p:spTgt spid="48"/>
                                         </p:tgtEl>
@@ -22578,7 +23237,7 @@
                                     </p:anim>
                                     <p:anim calcmode="lin" valueType="num">
                                       <p:cBhvr additive="base">
-                                        <p:cTn id="52" dur="500" fill="hold"/>
+                                        <p:cTn id="78" dur="500" fill="hold"/>
                                         <p:tgtEl>
                                           <p:spTgt spid="48"/>
                                         </p:tgtEl>
@@ -22603,20 +23262,20 @@
                                 </p:cTn>
                               </p:par>
                               <p:par>
-                                <p:cTn id="53" presetID="2" presetClass="entr" presetSubtype="4" fill="hold" nodeType="withEffect">
+                                <p:cTn id="79" presetID="2" presetClass="entr" presetSubtype="4" fill="hold" grpId="0" nodeType="withEffect">
                                   <p:stCondLst>
                                     <p:cond delay="0"/>
                                   </p:stCondLst>
                                   <p:childTnLst>
                                     <p:set>
                                       <p:cBhvr>
-                                        <p:cTn id="54" dur="1" fill="hold">
+                                        <p:cTn id="80" dur="1" fill="hold">
                                           <p:stCondLst>
                                             <p:cond delay="0"/>
                                           </p:stCondLst>
                                         </p:cTn>
                                         <p:tgtEl>
-                                          <p:spTgt spid="53"/>
+                                          <p:spTgt spid="49"/>
                                         </p:tgtEl>
                                         <p:attrNameLst>
                                           <p:attrName>style.visibility</p:attrName>
@@ -22628,9 +23287,9 @@
                                     </p:set>
                                     <p:anim calcmode="lin" valueType="num">
                                       <p:cBhvr additive="base">
-                                        <p:cTn id="55" dur="500" fill="hold"/>
+                                        <p:cTn id="81" dur="500" fill="hold"/>
                                         <p:tgtEl>
-                                          <p:spTgt spid="53"/>
+                                          <p:spTgt spid="49"/>
                                         </p:tgtEl>
                                         <p:attrNameLst>
                                           <p:attrName>ppt_x</p:attrName>
@@ -22651,9 +23310,9 @@
                                     </p:anim>
                                     <p:anim calcmode="lin" valueType="num">
                                       <p:cBhvr additive="base">
-                                        <p:cTn id="56" dur="500" fill="hold"/>
+                                        <p:cTn id="82" dur="500" fill="hold"/>
                                         <p:tgtEl>
-                                          <p:spTgt spid="53"/>
+                                          <p:spTgt spid="49"/>
                                         </p:tgtEl>
                                         <p:attrNameLst>
                                           <p:attrName>ppt_y</p:attrName>
@@ -22676,14 +23335,160 @@
                                 </p:cTn>
                               </p:par>
                               <p:par>
-                                <p:cTn id="57" presetID="2" presetClass="entr" presetSubtype="4" fill="hold" grpId="0" nodeType="withEffect">
+                                <p:cTn id="83" presetID="2" presetClass="entr" presetSubtype="4" fill="hold" grpId="0" nodeType="withEffect">
                                   <p:stCondLst>
                                     <p:cond delay="0"/>
                                   </p:stCondLst>
                                   <p:childTnLst>
                                     <p:set>
                                       <p:cBhvr>
-                                        <p:cTn id="58" dur="1" fill="hold">
+                                        <p:cTn id="84" dur="1" fill="hold">
+                                          <p:stCondLst>
+                                            <p:cond delay="0"/>
+                                          </p:stCondLst>
+                                        </p:cTn>
+                                        <p:tgtEl>
+                                          <p:spTgt spid="51"/>
+                                        </p:tgtEl>
+                                        <p:attrNameLst>
+                                          <p:attrName>style.visibility</p:attrName>
+                                        </p:attrNameLst>
+                                      </p:cBhvr>
+                                      <p:to>
+                                        <p:strVal val="visible"/>
+                                      </p:to>
+                                    </p:set>
+                                    <p:anim calcmode="lin" valueType="num">
+                                      <p:cBhvr additive="base">
+                                        <p:cTn id="85" dur="500" fill="hold"/>
+                                        <p:tgtEl>
+                                          <p:spTgt spid="51"/>
+                                        </p:tgtEl>
+                                        <p:attrNameLst>
+                                          <p:attrName>ppt_x</p:attrName>
+                                        </p:attrNameLst>
+                                      </p:cBhvr>
+                                      <p:tavLst>
+                                        <p:tav tm="0">
+                                          <p:val>
+                                            <p:strVal val="#ppt_x"/>
+                                          </p:val>
+                                        </p:tav>
+                                        <p:tav tm="100000">
+                                          <p:val>
+                                            <p:strVal val="#ppt_x"/>
+                                          </p:val>
+                                        </p:tav>
+                                      </p:tavLst>
+                                    </p:anim>
+                                    <p:anim calcmode="lin" valueType="num">
+                                      <p:cBhvr additive="base">
+                                        <p:cTn id="86" dur="500" fill="hold"/>
+                                        <p:tgtEl>
+                                          <p:spTgt spid="51"/>
+                                        </p:tgtEl>
+                                        <p:attrNameLst>
+                                          <p:attrName>ppt_y</p:attrName>
+                                        </p:attrNameLst>
+                                      </p:cBhvr>
+                                      <p:tavLst>
+                                        <p:tav tm="0">
+                                          <p:val>
+                                            <p:strVal val="1+#ppt_h/2"/>
+                                          </p:val>
+                                        </p:tav>
+                                        <p:tav tm="100000">
+                                          <p:val>
+                                            <p:strVal val="#ppt_y"/>
+                                          </p:val>
+                                        </p:tav>
+                                      </p:tavLst>
+                                    </p:anim>
+                                  </p:childTnLst>
+                                </p:cTn>
+                              </p:par>
+                              <p:par>
+                                <p:cTn id="87" presetID="2" presetClass="entr" presetSubtype="4" fill="hold" grpId="0" nodeType="withEffect">
+                                  <p:stCondLst>
+                                    <p:cond delay="0"/>
+                                  </p:stCondLst>
+                                  <p:childTnLst>
+                                    <p:set>
+                                      <p:cBhvr>
+                                        <p:cTn id="88" dur="1" fill="hold">
+                                          <p:stCondLst>
+                                            <p:cond delay="0"/>
+                                          </p:stCondLst>
+                                        </p:cTn>
+                                        <p:tgtEl>
+                                          <p:spTgt spid="56"/>
+                                        </p:tgtEl>
+                                        <p:attrNameLst>
+                                          <p:attrName>style.visibility</p:attrName>
+                                        </p:attrNameLst>
+                                      </p:cBhvr>
+                                      <p:to>
+                                        <p:strVal val="visible"/>
+                                      </p:to>
+                                    </p:set>
+                                    <p:anim calcmode="lin" valueType="num">
+                                      <p:cBhvr additive="base">
+                                        <p:cTn id="89" dur="500" fill="hold"/>
+                                        <p:tgtEl>
+                                          <p:spTgt spid="56"/>
+                                        </p:tgtEl>
+                                        <p:attrNameLst>
+                                          <p:attrName>ppt_x</p:attrName>
+                                        </p:attrNameLst>
+                                      </p:cBhvr>
+                                      <p:tavLst>
+                                        <p:tav tm="0">
+                                          <p:val>
+                                            <p:strVal val="#ppt_x"/>
+                                          </p:val>
+                                        </p:tav>
+                                        <p:tav tm="100000">
+                                          <p:val>
+                                            <p:strVal val="#ppt_x"/>
+                                          </p:val>
+                                        </p:tav>
+                                      </p:tavLst>
+                                    </p:anim>
+                                    <p:anim calcmode="lin" valueType="num">
+                                      <p:cBhvr additive="base">
+                                        <p:cTn id="90" dur="500" fill="hold"/>
+                                        <p:tgtEl>
+                                          <p:spTgt spid="56"/>
+                                        </p:tgtEl>
+                                        <p:attrNameLst>
+                                          <p:attrName>ppt_y</p:attrName>
+                                        </p:attrNameLst>
+                                      </p:cBhvr>
+                                      <p:tavLst>
+                                        <p:tav tm="0">
+                                          <p:val>
+                                            <p:strVal val="1+#ppt_h/2"/>
+                                          </p:val>
+                                        </p:tav>
+                                        <p:tav tm="100000">
+                                          <p:val>
+                                            <p:strVal val="#ppt_y"/>
+                                          </p:val>
+                                        </p:tav>
+                                      </p:tavLst>
+                                    </p:anim>
+                                  </p:childTnLst>
+                                </p:cTn>
+                              </p:par>
+                              <p:par>
+                                <p:cTn id="91" presetID="2" presetClass="entr" presetSubtype="4" fill="hold" grpId="0" nodeType="withEffect">
+                                  <p:stCondLst>
+                                    <p:cond delay="0"/>
+                                  </p:stCondLst>
+                                  <p:childTnLst>
+                                    <p:set>
+                                      <p:cBhvr>
+                                        <p:cTn id="92" dur="1" fill="hold">
                                           <p:stCondLst>
                                             <p:cond delay="0"/>
                                           </p:stCondLst>
@@ -22701,7 +23506,7 @@
                                     </p:set>
                                     <p:anim calcmode="lin" valueType="num">
                                       <p:cBhvr additive="base">
-                                        <p:cTn id="59" dur="500" fill="hold"/>
+                                        <p:cTn id="93" dur="500" fill="hold"/>
                                         <p:tgtEl>
                                           <p:spTgt spid="50"/>
                                         </p:tgtEl>
@@ -22724,7 +23529,7 @@
                                     </p:anim>
                                     <p:anim calcmode="lin" valueType="num">
                                       <p:cBhvr additive="base">
-                                        <p:cTn id="60" dur="500" fill="hold"/>
+                                        <p:cTn id="94" dur="500" fill="hold"/>
                                         <p:tgtEl>
                                           <p:spTgt spid="50"/>
                                         </p:tgtEl>
@@ -22749,20 +23554,20 @@
                                 </p:cTn>
                               </p:par>
                               <p:par>
-                                <p:cTn id="61" presetID="2" presetClass="entr" presetSubtype="4" fill="hold" grpId="0" nodeType="withEffect">
+                                <p:cTn id="95" presetID="2" presetClass="entr" presetSubtype="4" fill="hold" grpId="0" nodeType="withEffect">
                                   <p:stCondLst>
                                     <p:cond delay="0"/>
                                   </p:stCondLst>
                                   <p:childTnLst>
                                     <p:set>
                                       <p:cBhvr>
-                                        <p:cTn id="62" dur="1" fill="hold">
+                                        <p:cTn id="96" dur="1" fill="hold">
                                           <p:stCondLst>
                                             <p:cond delay="0"/>
                                           </p:stCondLst>
                                         </p:cTn>
                                         <p:tgtEl>
-                                          <p:spTgt spid="56"/>
+                                          <p:spTgt spid="52"/>
                                         </p:tgtEl>
                                         <p:attrNameLst>
                                           <p:attrName>style.visibility</p:attrName>
@@ -22774,9 +23579,9 @@
                                     </p:set>
                                     <p:anim calcmode="lin" valueType="num">
                                       <p:cBhvr additive="base">
-                                        <p:cTn id="63" dur="500" fill="hold"/>
+                                        <p:cTn id="97" dur="500" fill="hold"/>
                                         <p:tgtEl>
-                                          <p:spTgt spid="56"/>
+                                          <p:spTgt spid="52"/>
                                         </p:tgtEl>
                                         <p:attrNameLst>
                                           <p:attrName>ppt_x</p:attrName>
@@ -22797,9 +23602,9 @@
                                     </p:anim>
                                     <p:anim calcmode="lin" valueType="num">
                                       <p:cBhvr additive="base">
-                                        <p:cTn id="64" dur="500" fill="hold"/>
+                                        <p:cTn id="98" dur="500" fill="hold"/>
                                         <p:tgtEl>
-                                          <p:spTgt spid="56"/>
+                                          <p:spTgt spid="52"/>
                                         </p:tgtEl>
                                         <p:attrNameLst>
                                           <p:attrName>ppt_y</p:attrName>
@@ -22822,20 +23627,20 @@
                                 </p:cTn>
                               </p:par>
                               <p:par>
-                                <p:cTn id="65" presetID="2" presetClass="entr" presetSubtype="4" fill="hold" grpId="0" nodeType="withEffect">
+                                <p:cTn id="99" presetID="2" presetClass="entr" presetSubtype="4" fill="hold" grpId="0" nodeType="withEffect">
                                   <p:stCondLst>
                                     <p:cond delay="0"/>
                                   </p:stCondLst>
                                   <p:childTnLst>
                                     <p:set>
                                       <p:cBhvr>
-                                        <p:cTn id="66" dur="1" fill="hold">
+                                        <p:cTn id="100" dur="1" fill="hold">
                                           <p:stCondLst>
                                             <p:cond delay="0"/>
                                           </p:stCondLst>
                                         </p:cTn>
                                         <p:tgtEl>
-                                          <p:spTgt spid="43"/>
+                                          <p:spTgt spid="57"/>
                                         </p:tgtEl>
                                         <p:attrNameLst>
                                           <p:attrName>style.visibility</p:attrName>
@@ -22847,9 +23652,9 @@
                                     </p:set>
                                     <p:anim calcmode="lin" valueType="num">
                                       <p:cBhvr additive="base">
-                                        <p:cTn id="67" dur="500" fill="hold"/>
+                                        <p:cTn id="101" dur="500" fill="hold"/>
                                         <p:tgtEl>
-                                          <p:spTgt spid="43"/>
+                                          <p:spTgt spid="57"/>
                                         </p:tgtEl>
                                         <p:attrNameLst>
                                           <p:attrName>ppt_x</p:attrName>
@@ -22870,9 +23675,9 @@
                                     </p:anim>
                                     <p:anim calcmode="lin" valueType="num">
                                       <p:cBhvr additive="base">
-                                        <p:cTn id="68" dur="500" fill="hold"/>
+                                        <p:cTn id="102" dur="500" fill="hold"/>
                                         <p:tgtEl>
-                                          <p:spTgt spid="43"/>
+                                          <p:spTgt spid="57"/>
                                         </p:tgtEl>
                                         <p:attrNameLst>
                                           <p:attrName>ppt_y</p:attrName>
@@ -22895,20 +23700,20 @@
                                 </p:cTn>
                               </p:par>
                               <p:par>
-                                <p:cTn id="69" presetID="2" presetClass="entr" presetSubtype="4" fill="hold" grpId="0" nodeType="withEffect">
+                                <p:cTn id="103" presetID="2" presetClass="entr" presetSubtype="4" fill="hold" grpId="0" nodeType="withEffect">
                                   <p:stCondLst>
                                     <p:cond delay="0"/>
                                   </p:stCondLst>
                                   <p:childTnLst>
                                     <p:set>
                                       <p:cBhvr>
-                                        <p:cTn id="70" dur="1" fill="hold">
+                                        <p:cTn id="104" dur="1" fill="hold">
                                           <p:stCondLst>
                                             <p:cond delay="0"/>
                                           </p:stCondLst>
                                         </p:cTn>
                                         <p:tgtEl>
-                                          <p:spTgt spid="42"/>
+                                          <p:spTgt spid="58"/>
                                         </p:tgtEl>
                                         <p:attrNameLst>
                                           <p:attrName>style.visibility</p:attrName>
@@ -22920,9 +23725,9 @@
                                     </p:set>
                                     <p:anim calcmode="lin" valueType="num">
                                       <p:cBhvr additive="base">
-                                        <p:cTn id="71" dur="500" fill="hold"/>
+                                        <p:cTn id="105" dur="500" fill="hold"/>
                                         <p:tgtEl>
-                                          <p:spTgt spid="42"/>
+                                          <p:spTgt spid="58"/>
                                         </p:tgtEl>
                                         <p:attrNameLst>
                                           <p:attrName>ppt_x</p:attrName>
@@ -22943,9 +23748,9 @@
                                     </p:anim>
                                     <p:anim calcmode="lin" valueType="num">
                                       <p:cBhvr additive="base">
-                                        <p:cTn id="72" dur="500" fill="hold"/>
+                                        <p:cTn id="106" dur="500" fill="hold"/>
                                         <p:tgtEl>
-                                          <p:spTgt spid="42"/>
+                                          <p:spTgt spid="58"/>
                                         </p:tgtEl>
                                         <p:attrNameLst>
                                           <p:attrName>ppt_y</p:attrName>
@@ -22968,14 +23773,87 @@
                                 </p:cTn>
                               </p:par>
                               <p:par>
-                                <p:cTn id="73" presetID="2" presetClass="entr" presetSubtype="4" fill="hold" grpId="0" nodeType="withEffect">
+                                <p:cTn id="107" presetID="2" presetClass="entr" presetSubtype="4" fill="hold" grpId="0" nodeType="withEffect">
                                   <p:stCondLst>
                                     <p:cond delay="0"/>
                                   </p:stCondLst>
                                   <p:childTnLst>
                                     <p:set>
                                       <p:cBhvr>
-                                        <p:cTn id="74" dur="1" fill="hold">
+                                        <p:cTn id="108" dur="1" fill="hold">
+                                          <p:stCondLst>
+                                            <p:cond delay="0"/>
+                                          </p:stCondLst>
+                                        </p:cTn>
+                                        <p:tgtEl>
+                                          <p:spTgt spid="55"/>
+                                        </p:tgtEl>
+                                        <p:attrNameLst>
+                                          <p:attrName>style.visibility</p:attrName>
+                                        </p:attrNameLst>
+                                      </p:cBhvr>
+                                      <p:to>
+                                        <p:strVal val="visible"/>
+                                      </p:to>
+                                    </p:set>
+                                    <p:anim calcmode="lin" valueType="num">
+                                      <p:cBhvr additive="base">
+                                        <p:cTn id="109" dur="500" fill="hold"/>
+                                        <p:tgtEl>
+                                          <p:spTgt spid="55"/>
+                                        </p:tgtEl>
+                                        <p:attrNameLst>
+                                          <p:attrName>ppt_x</p:attrName>
+                                        </p:attrNameLst>
+                                      </p:cBhvr>
+                                      <p:tavLst>
+                                        <p:tav tm="0">
+                                          <p:val>
+                                            <p:strVal val="#ppt_x"/>
+                                          </p:val>
+                                        </p:tav>
+                                        <p:tav tm="100000">
+                                          <p:val>
+                                            <p:strVal val="#ppt_x"/>
+                                          </p:val>
+                                        </p:tav>
+                                      </p:tavLst>
+                                    </p:anim>
+                                    <p:anim calcmode="lin" valueType="num">
+                                      <p:cBhvr additive="base">
+                                        <p:cTn id="110" dur="500" fill="hold"/>
+                                        <p:tgtEl>
+                                          <p:spTgt spid="55"/>
+                                        </p:tgtEl>
+                                        <p:attrNameLst>
+                                          <p:attrName>ppt_y</p:attrName>
+                                        </p:attrNameLst>
+                                      </p:cBhvr>
+                                      <p:tavLst>
+                                        <p:tav tm="0">
+                                          <p:val>
+                                            <p:strVal val="1+#ppt_h/2"/>
+                                          </p:val>
+                                        </p:tav>
+                                        <p:tav tm="100000">
+                                          <p:val>
+                                            <p:strVal val="#ppt_y"/>
+                                          </p:val>
+                                        </p:tav>
+                                      </p:tavLst>
+                                    </p:anim>
+                                  </p:childTnLst>
+                                </p:cTn>
+                              </p:par>
+                              <p:par>
+                                <p:cTn id="111" presetID="2" presetClass="entr" presetSubtype="4" fill="hold" grpId="0" nodeType="withEffect">
+                                  <p:stCondLst>
+                                    <p:cond delay="0"/>
+                                  </p:stCondLst>
+                                  <p:childTnLst>
+                                    <p:set>
+                                      <p:cBhvr>
+                                        <p:cTn id="112" dur="1" fill="hold">
                                           <p:stCondLst>
                                             <p:cond delay="0"/>
                                           </p:stCondLst>
@@ -22993,7 +23871,7 @@
                                     </p:set>
                                     <p:anim calcmode="lin" valueType="num">
                                       <p:cBhvr additive="base">
-                                        <p:cTn id="75" dur="500" fill="hold"/>
+                                        <p:cTn id="113" dur="500" fill="hold"/>
                                         <p:tgtEl>
                                           <p:spTgt spid="59"/>
                                         </p:tgtEl>
@@ -23016,7 +23894,7 @@
                                     </p:anim>
                                     <p:anim calcmode="lin" valueType="num">
                                       <p:cBhvr additive="base">
-                                        <p:cTn id="76" dur="500" fill="hold"/>
+                                        <p:cTn id="114" dur="500" fill="hold"/>
                                         <p:tgtEl>
                                           <p:spTgt spid="59"/>
                                         </p:tgtEl>
@@ -23041,14 +23919,14 @@
                                 </p:cTn>
                               </p:par>
                               <p:par>
-                                <p:cTn id="77" presetID="2" presetClass="entr" presetSubtype="4" fill="hold" grpId="0" nodeType="withEffect">
+                                <p:cTn id="115" presetID="2" presetClass="entr" presetSubtype="4" fill="hold" grpId="0" nodeType="withEffect">
                                   <p:stCondLst>
                                     <p:cond delay="0"/>
                                   </p:stCondLst>
                                   <p:childTnLst>
                                     <p:set>
                                       <p:cBhvr>
-                                        <p:cTn id="78" dur="1" fill="hold">
+                                        <p:cTn id="116" dur="1" fill="hold">
                                           <p:stCondLst>
                                             <p:cond delay="0"/>
                                           </p:stCondLst>
@@ -23066,7 +23944,7 @@
                                     </p:set>
                                     <p:anim calcmode="lin" valueType="num">
                                       <p:cBhvr additive="base">
-                                        <p:cTn id="79" dur="500" fill="hold"/>
+                                        <p:cTn id="117" dur="500" fill="hold"/>
                                         <p:tgtEl>
                                           <p:spTgt spid="60"/>
                                         </p:tgtEl>
@@ -23089,739 +23967,9 @@
                                     </p:anim>
                                     <p:anim calcmode="lin" valueType="num">
                                       <p:cBhvr additive="base">
-                                        <p:cTn id="80" dur="500" fill="hold"/>
+                                        <p:cTn id="118" dur="500" fill="hold"/>
                                         <p:tgtEl>
                                           <p:spTgt spid="60"/>
-                                        </p:tgtEl>
-                                        <p:attrNameLst>
-                                          <p:attrName>ppt_y</p:attrName>
-                                        </p:attrNameLst>
-                                      </p:cBhvr>
-                                      <p:tavLst>
-                                        <p:tav tm="0">
-                                          <p:val>
-                                            <p:strVal val="1+#ppt_h/2"/>
-                                          </p:val>
-                                        </p:tav>
-                                        <p:tav tm="100000">
-                                          <p:val>
-                                            <p:strVal val="#ppt_y"/>
-                                          </p:val>
-                                        </p:tav>
-                                      </p:tavLst>
-                                    </p:anim>
-                                  </p:childTnLst>
-                                </p:cTn>
-                              </p:par>
-                              <p:par>
-                                <p:cTn id="81" presetID="2" presetClass="entr" presetSubtype="4" fill="hold" nodeType="withEffect">
-                                  <p:stCondLst>
-                                    <p:cond delay="0"/>
-                                  </p:stCondLst>
-                                  <p:childTnLst>
-                                    <p:set>
-                                      <p:cBhvr>
-                                        <p:cTn id="82" dur="1" fill="hold">
-                                          <p:stCondLst>
-                                            <p:cond delay="0"/>
-                                          </p:stCondLst>
-                                        </p:cTn>
-                                        <p:tgtEl>
-                                          <p:spTgt spid="63"/>
-                                        </p:tgtEl>
-                                        <p:attrNameLst>
-                                          <p:attrName>style.visibility</p:attrName>
-                                        </p:attrNameLst>
-                                      </p:cBhvr>
-                                      <p:to>
-                                        <p:strVal val="visible"/>
-                                      </p:to>
-                                    </p:set>
-                                    <p:anim calcmode="lin" valueType="num">
-                                      <p:cBhvr additive="base">
-                                        <p:cTn id="83" dur="500" fill="hold"/>
-                                        <p:tgtEl>
-                                          <p:spTgt spid="63"/>
-                                        </p:tgtEl>
-                                        <p:attrNameLst>
-                                          <p:attrName>ppt_x</p:attrName>
-                                        </p:attrNameLst>
-                                      </p:cBhvr>
-                                      <p:tavLst>
-                                        <p:tav tm="0">
-                                          <p:val>
-                                            <p:strVal val="#ppt_x"/>
-                                          </p:val>
-                                        </p:tav>
-                                        <p:tav tm="100000">
-                                          <p:val>
-                                            <p:strVal val="#ppt_x"/>
-                                          </p:val>
-                                        </p:tav>
-                                      </p:tavLst>
-                                    </p:anim>
-                                    <p:anim calcmode="lin" valueType="num">
-                                      <p:cBhvr additive="base">
-                                        <p:cTn id="84" dur="500" fill="hold"/>
-                                        <p:tgtEl>
-                                          <p:spTgt spid="63"/>
-                                        </p:tgtEl>
-                                        <p:attrNameLst>
-                                          <p:attrName>ppt_y</p:attrName>
-                                        </p:attrNameLst>
-                                      </p:cBhvr>
-                                      <p:tavLst>
-                                        <p:tav tm="0">
-                                          <p:val>
-                                            <p:strVal val="1+#ppt_h/2"/>
-                                          </p:val>
-                                        </p:tav>
-                                        <p:tav tm="100000">
-                                          <p:val>
-                                            <p:strVal val="#ppt_y"/>
-                                          </p:val>
-                                        </p:tav>
-                                      </p:tavLst>
-                                    </p:anim>
-                                  </p:childTnLst>
-                                </p:cTn>
-                              </p:par>
-                              <p:par>
-                                <p:cTn id="85" presetID="2" presetClass="entr" presetSubtype="4" fill="hold" grpId="0" nodeType="withEffect">
-                                  <p:stCondLst>
-                                    <p:cond delay="0"/>
-                                  </p:stCondLst>
-                                  <p:childTnLst>
-                                    <p:set>
-                                      <p:cBhvr>
-                                        <p:cTn id="86" dur="1" fill="hold">
-                                          <p:stCondLst>
-                                            <p:cond delay="0"/>
-                                          </p:stCondLst>
-                                        </p:cTn>
-                                        <p:tgtEl>
-                                          <p:spTgt spid="58"/>
-                                        </p:tgtEl>
-                                        <p:attrNameLst>
-                                          <p:attrName>style.visibility</p:attrName>
-                                        </p:attrNameLst>
-                                      </p:cBhvr>
-                                      <p:to>
-                                        <p:strVal val="visible"/>
-                                      </p:to>
-                                    </p:set>
-                                    <p:anim calcmode="lin" valueType="num">
-                                      <p:cBhvr additive="base">
-                                        <p:cTn id="87" dur="500" fill="hold"/>
-                                        <p:tgtEl>
-                                          <p:spTgt spid="58"/>
-                                        </p:tgtEl>
-                                        <p:attrNameLst>
-                                          <p:attrName>ppt_x</p:attrName>
-                                        </p:attrNameLst>
-                                      </p:cBhvr>
-                                      <p:tavLst>
-                                        <p:tav tm="0">
-                                          <p:val>
-                                            <p:strVal val="#ppt_x"/>
-                                          </p:val>
-                                        </p:tav>
-                                        <p:tav tm="100000">
-                                          <p:val>
-                                            <p:strVal val="#ppt_x"/>
-                                          </p:val>
-                                        </p:tav>
-                                      </p:tavLst>
-                                    </p:anim>
-                                    <p:anim calcmode="lin" valueType="num">
-                                      <p:cBhvr additive="base">
-                                        <p:cTn id="88" dur="500" fill="hold"/>
-                                        <p:tgtEl>
-                                          <p:spTgt spid="58"/>
-                                        </p:tgtEl>
-                                        <p:attrNameLst>
-                                          <p:attrName>ppt_y</p:attrName>
-                                        </p:attrNameLst>
-                                      </p:cBhvr>
-                                      <p:tavLst>
-                                        <p:tav tm="0">
-                                          <p:val>
-                                            <p:strVal val="1+#ppt_h/2"/>
-                                          </p:val>
-                                        </p:tav>
-                                        <p:tav tm="100000">
-                                          <p:val>
-                                            <p:strVal val="#ppt_y"/>
-                                          </p:val>
-                                        </p:tav>
-                                      </p:tavLst>
-                                    </p:anim>
-                                  </p:childTnLst>
-                                </p:cTn>
-                              </p:par>
-                              <p:par>
-                                <p:cTn id="89" presetID="2" presetClass="entr" presetSubtype="4" fill="hold" grpId="0" nodeType="withEffect">
-                                  <p:stCondLst>
-                                    <p:cond delay="0"/>
-                                  </p:stCondLst>
-                                  <p:childTnLst>
-                                    <p:set>
-                                      <p:cBhvr>
-                                        <p:cTn id="90" dur="1" fill="hold">
-                                          <p:stCondLst>
-                                            <p:cond delay="0"/>
-                                          </p:stCondLst>
-                                        </p:cTn>
-                                        <p:tgtEl>
-                                          <p:spTgt spid="55"/>
-                                        </p:tgtEl>
-                                        <p:attrNameLst>
-                                          <p:attrName>style.visibility</p:attrName>
-                                        </p:attrNameLst>
-                                      </p:cBhvr>
-                                      <p:to>
-                                        <p:strVal val="visible"/>
-                                      </p:to>
-                                    </p:set>
-                                    <p:anim calcmode="lin" valueType="num">
-                                      <p:cBhvr additive="base">
-                                        <p:cTn id="91" dur="500" fill="hold"/>
-                                        <p:tgtEl>
-                                          <p:spTgt spid="55"/>
-                                        </p:tgtEl>
-                                        <p:attrNameLst>
-                                          <p:attrName>ppt_x</p:attrName>
-                                        </p:attrNameLst>
-                                      </p:cBhvr>
-                                      <p:tavLst>
-                                        <p:tav tm="0">
-                                          <p:val>
-                                            <p:strVal val="#ppt_x"/>
-                                          </p:val>
-                                        </p:tav>
-                                        <p:tav tm="100000">
-                                          <p:val>
-                                            <p:strVal val="#ppt_x"/>
-                                          </p:val>
-                                        </p:tav>
-                                      </p:tavLst>
-                                    </p:anim>
-                                    <p:anim calcmode="lin" valueType="num">
-                                      <p:cBhvr additive="base">
-                                        <p:cTn id="92" dur="500" fill="hold"/>
-                                        <p:tgtEl>
-                                          <p:spTgt spid="55"/>
-                                        </p:tgtEl>
-                                        <p:attrNameLst>
-                                          <p:attrName>ppt_y</p:attrName>
-                                        </p:attrNameLst>
-                                      </p:cBhvr>
-                                      <p:tavLst>
-                                        <p:tav tm="0">
-                                          <p:val>
-                                            <p:strVal val="1+#ppt_h/2"/>
-                                          </p:val>
-                                        </p:tav>
-                                        <p:tav tm="100000">
-                                          <p:val>
-                                            <p:strVal val="#ppt_y"/>
-                                          </p:val>
-                                        </p:tav>
-                                      </p:tavLst>
-                                    </p:anim>
-                                  </p:childTnLst>
-                                </p:cTn>
-                              </p:par>
-                              <p:par>
-                                <p:cTn id="93" presetID="2" presetClass="entr" presetSubtype="4" fill="hold" grpId="0" nodeType="withEffect">
-                                  <p:stCondLst>
-                                    <p:cond delay="0"/>
-                                  </p:stCondLst>
-                                  <p:childTnLst>
-                                    <p:set>
-                                      <p:cBhvr>
-                                        <p:cTn id="94" dur="1" fill="hold">
-                                          <p:stCondLst>
-                                            <p:cond delay="0"/>
-                                          </p:stCondLst>
-                                        </p:cTn>
-                                        <p:tgtEl>
-                                          <p:spTgt spid="44"/>
-                                        </p:tgtEl>
-                                        <p:attrNameLst>
-                                          <p:attrName>style.visibility</p:attrName>
-                                        </p:attrNameLst>
-                                      </p:cBhvr>
-                                      <p:to>
-                                        <p:strVal val="visible"/>
-                                      </p:to>
-                                    </p:set>
-                                    <p:anim calcmode="lin" valueType="num">
-                                      <p:cBhvr additive="base">
-                                        <p:cTn id="95" dur="500" fill="hold"/>
-                                        <p:tgtEl>
-                                          <p:spTgt spid="44"/>
-                                        </p:tgtEl>
-                                        <p:attrNameLst>
-                                          <p:attrName>ppt_x</p:attrName>
-                                        </p:attrNameLst>
-                                      </p:cBhvr>
-                                      <p:tavLst>
-                                        <p:tav tm="0">
-                                          <p:val>
-                                            <p:strVal val="#ppt_x"/>
-                                          </p:val>
-                                        </p:tav>
-                                        <p:tav tm="100000">
-                                          <p:val>
-                                            <p:strVal val="#ppt_x"/>
-                                          </p:val>
-                                        </p:tav>
-                                      </p:tavLst>
-                                    </p:anim>
-                                    <p:anim calcmode="lin" valueType="num">
-                                      <p:cBhvr additive="base">
-                                        <p:cTn id="96" dur="500" fill="hold"/>
-                                        <p:tgtEl>
-                                          <p:spTgt spid="44"/>
-                                        </p:tgtEl>
-                                        <p:attrNameLst>
-                                          <p:attrName>ppt_y</p:attrName>
-                                        </p:attrNameLst>
-                                      </p:cBhvr>
-                                      <p:tavLst>
-                                        <p:tav tm="0">
-                                          <p:val>
-                                            <p:strVal val="1+#ppt_h/2"/>
-                                          </p:val>
-                                        </p:tav>
-                                        <p:tav tm="100000">
-                                          <p:val>
-                                            <p:strVal val="#ppt_y"/>
-                                          </p:val>
-                                        </p:tav>
-                                      </p:tavLst>
-                                    </p:anim>
-                                  </p:childTnLst>
-                                </p:cTn>
-                              </p:par>
-                              <p:par>
-                                <p:cTn id="97" presetID="2" presetClass="entr" presetSubtype="4" fill="hold" grpId="0" nodeType="withEffect">
-                                  <p:stCondLst>
-                                    <p:cond delay="0"/>
-                                  </p:stCondLst>
-                                  <p:childTnLst>
-                                    <p:set>
-                                      <p:cBhvr>
-                                        <p:cTn id="98" dur="1" fill="hold">
-                                          <p:stCondLst>
-                                            <p:cond delay="0"/>
-                                          </p:stCondLst>
-                                        </p:cTn>
-                                        <p:tgtEl>
-                                          <p:spTgt spid="57"/>
-                                        </p:tgtEl>
-                                        <p:attrNameLst>
-                                          <p:attrName>style.visibility</p:attrName>
-                                        </p:attrNameLst>
-                                      </p:cBhvr>
-                                      <p:to>
-                                        <p:strVal val="visible"/>
-                                      </p:to>
-                                    </p:set>
-                                    <p:anim calcmode="lin" valueType="num">
-                                      <p:cBhvr additive="base">
-                                        <p:cTn id="99" dur="500" fill="hold"/>
-                                        <p:tgtEl>
-                                          <p:spTgt spid="57"/>
-                                        </p:tgtEl>
-                                        <p:attrNameLst>
-                                          <p:attrName>ppt_x</p:attrName>
-                                        </p:attrNameLst>
-                                      </p:cBhvr>
-                                      <p:tavLst>
-                                        <p:tav tm="0">
-                                          <p:val>
-                                            <p:strVal val="#ppt_x"/>
-                                          </p:val>
-                                        </p:tav>
-                                        <p:tav tm="100000">
-                                          <p:val>
-                                            <p:strVal val="#ppt_x"/>
-                                          </p:val>
-                                        </p:tav>
-                                      </p:tavLst>
-                                    </p:anim>
-                                    <p:anim calcmode="lin" valueType="num">
-                                      <p:cBhvr additive="base">
-                                        <p:cTn id="100" dur="500" fill="hold"/>
-                                        <p:tgtEl>
-                                          <p:spTgt spid="57"/>
-                                        </p:tgtEl>
-                                        <p:attrNameLst>
-                                          <p:attrName>ppt_y</p:attrName>
-                                        </p:attrNameLst>
-                                      </p:cBhvr>
-                                      <p:tavLst>
-                                        <p:tav tm="0">
-                                          <p:val>
-                                            <p:strVal val="1+#ppt_h/2"/>
-                                          </p:val>
-                                        </p:tav>
-                                        <p:tav tm="100000">
-                                          <p:val>
-                                            <p:strVal val="#ppt_y"/>
-                                          </p:val>
-                                        </p:tav>
-                                      </p:tavLst>
-                                    </p:anim>
-                                  </p:childTnLst>
-                                </p:cTn>
-                              </p:par>
-                              <p:par>
-                                <p:cTn id="101" presetID="2" presetClass="entr" presetSubtype="4" fill="hold" nodeType="withEffect">
-                                  <p:stCondLst>
-                                    <p:cond delay="0"/>
-                                  </p:stCondLst>
-                                  <p:childTnLst>
-                                    <p:set>
-                                      <p:cBhvr>
-                                        <p:cTn id="102" dur="1" fill="hold">
-                                          <p:stCondLst>
-                                            <p:cond delay="0"/>
-                                          </p:stCondLst>
-                                        </p:cTn>
-                                        <p:tgtEl>
-                                          <p:spTgt spid="62"/>
-                                        </p:tgtEl>
-                                        <p:attrNameLst>
-                                          <p:attrName>style.visibility</p:attrName>
-                                        </p:attrNameLst>
-                                      </p:cBhvr>
-                                      <p:to>
-                                        <p:strVal val="visible"/>
-                                      </p:to>
-                                    </p:set>
-                                    <p:anim calcmode="lin" valueType="num">
-                                      <p:cBhvr additive="base">
-                                        <p:cTn id="103" dur="500" fill="hold"/>
-                                        <p:tgtEl>
-                                          <p:spTgt spid="62"/>
-                                        </p:tgtEl>
-                                        <p:attrNameLst>
-                                          <p:attrName>ppt_x</p:attrName>
-                                        </p:attrNameLst>
-                                      </p:cBhvr>
-                                      <p:tavLst>
-                                        <p:tav tm="0">
-                                          <p:val>
-                                            <p:strVal val="#ppt_x"/>
-                                          </p:val>
-                                        </p:tav>
-                                        <p:tav tm="100000">
-                                          <p:val>
-                                            <p:strVal val="#ppt_x"/>
-                                          </p:val>
-                                        </p:tav>
-                                      </p:tavLst>
-                                    </p:anim>
-                                    <p:anim calcmode="lin" valueType="num">
-                                      <p:cBhvr additive="base">
-                                        <p:cTn id="104" dur="500" fill="hold"/>
-                                        <p:tgtEl>
-                                          <p:spTgt spid="62"/>
-                                        </p:tgtEl>
-                                        <p:attrNameLst>
-                                          <p:attrName>ppt_y</p:attrName>
-                                        </p:attrNameLst>
-                                      </p:cBhvr>
-                                      <p:tavLst>
-                                        <p:tav tm="0">
-                                          <p:val>
-                                            <p:strVal val="1+#ppt_h/2"/>
-                                          </p:val>
-                                        </p:tav>
-                                        <p:tav tm="100000">
-                                          <p:val>
-                                            <p:strVal val="#ppt_y"/>
-                                          </p:val>
-                                        </p:tav>
-                                      </p:tavLst>
-                                    </p:anim>
-                                  </p:childTnLst>
-                                </p:cTn>
-                              </p:par>
-                              <p:par>
-                                <p:cTn id="105" presetID="2" presetClass="entr" presetSubtype="4" fill="hold" grpId="0" nodeType="withEffect">
-                                  <p:stCondLst>
-                                    <p:cond delay="0"/>
-                                  </p:stCondLst>
-                                  <p:childTnLst>
-                                    <p:set>
-                                      <p:cBhvr>
-                                        <p:cTn id="106" dur="1" fill="hold">
-                                          <p:stCondLst>
-                                            <p:cond delay="0"/>
-                                          </p:stCondLst>
-                                        </p:cTn>
-                                        <p:tgtEl>
-                                          <p:spTgt spid="52"/>
-                                        </p:tgtEl>
-                                        <p:attrNameLst>
-                                          <p:attrName>style.visibility</p:attrName>
-                                        </p:attrNameLst>
-                                      </p:cBhvr>
-                                      <p:to>
-                                        <p:strVal val="visible"/>
-                                      </p:to>
-                                    </p:set>
-                                    <p:anim calcmode="lin" valueType="num">
-                                      <p:cBhvr additive="base">
-                                        <p:cTn id="107" dur="500" fill="hold"/>
-                                        <p:tgtEl>
-                                          <p:spTgt spid="52"/>
-                                        </p:tgtEl>
-                                        <p:attrNameLst>
-                                          <p:attrName>ppt_x</p:attrName>
-                                        </p:attrNameLst>
-                                      </p:cBhvr>
-                                      <p:tavLst>
-                                        <p:tav tm="0">
-                                          <p:val>
-                                            <p:strVal val="#ppt_x"/>
-                                          </p:val>
-                                        </p:tav>
-                                        <p:tav tm="100000">
-                                          <p:val>
-                                            <p:strVal val="#ppt_x"/>
-                                          </p:val>
-                                        </p:tav>
-                                      </p:tavLst>
-                                    </p:anim>
-                                    <p:anim calcmode="lin" valueType="num">
-                                      <p:cBhvr additive="base">
-                                        <p:cTn id="108" dur="500" fill="hold"/>
-                                        <p:tgtEl>
-                                          <p:spTgt spid="52"/>
-                                        </p:tgtEl>
-                                        <p:attrNameLst>
-                                          <p:attrName>ppt_y</p:attrName>
-                                        </p:attrNameLst>
-                                      </p:cBhvr>
-                                      <p:tavLst>
-                                        <p:tav tm="0">
-                                          <p:val>
-                                            <p:strVal val="1+#ppt_h/2"/>
-                                          </p:val>
-                                        </p:tav>
-                                        <p:tav tm="100000">
-                                          <p:val>
-                                            <p:strVal val="#ppt_y"/>
-                                          </p:val>
-                                        </p:tav>
-                                      </p:tavLst>
-                                    </p:anim>
-                                  </p:childTnLst>
-                                </p:cTn>
-                              </p:par>
-                              <p:par>
-                                <p:cTn id="109" presetID="2" presetClass="entr" presetSubtype="4" fill="hold" nodeType="withEffect">
-                                  <p:stCondLst>
-                                    <p:cond delay="0"/>
-                                  </p:stCondLst>
-                                  <p:childTnLst>
-                                    <p:set>
-                                      <p:cBhvr>
-                                        <p:cTn id="110" dur="1" fill="hold">
-                                          <p:stCondLst>
-                                            <p:cond delay="0"/>
-                                          </p:stCondLst>
-                                        </p:cTn>
-                                        <p:tgtEl>
-                                          <p:spTgt spid="61"/>
-                                        </p:tgtEl>
-                                        <p:attrNameLst>
-                                          <p:attrName>style.visibility</p:attrName>
-                                        </p:attrNameLst>
-                                      </p:cBhvr>
-                                      <p:to>
-                                        <p:strVal val="visible"/>
-                                      </p:to>
-                                    </p:set>
-                                    <p:anim calcmode="lin" valueType="num">
-                                      <p:cBhvr additive="base">
-                                        <p:cTn id="111" dur="500" fill="hold"/>
-                                        <p:tgtEl>
-                                          <p:spTgt spid="61"/>
-                                        </p:tgtEl>
-                                        <p:attrNameLst>
-                                          <p:attrName>ppt_x</p:attrName>
-                                        </p:attrNameLst>
-                                      </p:cBhvr>
-                                      <p:tavLst>
-                                        <p:tav tm="0">
-                                          <p:val>
-                                            <p:strVal val="#ppt_x"/>
-                                          </p:val>
-                                        </p:tav>
-                                        <p:tav tm="100000">
-                                          <p:val>
-                                            <p:strVal val="#ppt_x"/>
-                                          </p:val>
-                                        </p:tav>
-                                      </p:tavLst>
-                                    </p:anim>
-                                    <p:anim calcmode="lin" valueType="num">
-                                      <p:cBhvr additive="base">
-                                        <p:cTn id="112" dur="500" fill="hold"/>
-                                        <p:tgtEl>
-                                          <p:spTgt spid="61"/>
-                                        </p:tgtEl>
-                                        <p:attrNameLst>
-                                          <p:attrName>ppt_y</p:attrName>
-                                        </p:attrNameLst>
-                                      </p:cBhvr>
-                                      <p:tavLst>
-                                        <p:tav tm="0">
-                                          <p:val>
-                                            <p:strVal val="1+#ppt_h/2"/>
-                                          </p:val>
-                                        </p:tav>
-                                        <p:tav tm="100000">
-                                          <p:val>
-                                            <p:strVal val="#ppt_y"/>
-                                          </p:val>
-                                        </p:tav>
-                                      </p:tavLst>
-                                    </p:anim>
-                                  </p:childTnLst>
-                                </p:cTn>
-                              </p:par>
-                              <p:par>
-                                <p:cTn id="113" presetID="2" presetClass="entr" presetSubtype="4" fill="hold" grpId="0" nodeType="withEffect">
-                                  <p:stCondLst>
-                                    <p:cond delay="0"/>
-                                  </p:stCondLst>
-                                  <p:childTnLst>
-                                    <p:set>
-                                      <p:cBhvr>
-                                        <p:cTn id="114" dur="1" fill="hold">
-                                          <p:stCondLst>
-                                            <p:cond delay="0"/>
-                                          </p:stCondLst>
-                                        </p:cTn>
-                                        <p:tgtEl>
-                                          <p:spTgt spid="49"/>
-                                        </p:tgtEl>
-                                        <p:attrNameLst>
-                                          <p:attrName>style.visibility</p:attrName>
-                                        </p:attrNameLst>
-                                      </p:cBhvr>
-                                      <p:to>
-                                        <p:strVal val="visible"/>
-                                      </p:to>
-                                    </p:set>
-                                    <p:anim calcmode="lin" valueType="num">
-                                      <p:cBhvr additive="base">
-                                        <p:cTn id="115" dur="500" fill="hold"/>
-                                        <p:tgtEl>
-                                          <p:spTgt spid="49"/>
-                                        </p:tgtEl>
-                                        <p:attrNameLst>
-                                          <p:attrName>ppt_x</p:attrName>
-                                        </p:attrNameLst>
-                                      </p:cBhvr>
-                                      <p:tavLst>
-                                        <p:tav tm="0">
-                                          <p:val>
-                                            <p:strVal val="#ppt_x"/>
-                                          </p:val>
-                                        </p:tav>
-                                        <p:tav tm="100000">
-                                          <p:val>
-                                            <p:strVal val="#ppt_x"/>
-                                          </p:val>
-                                        </p:tav>
-                                      </p:tavLst>
-                                    </p:anim>
-                                    <p:anim calcmode="lin" valueType="num">
-                                      <p:cBhvr additive="base">
-                                        <p:cTn id="116" dur="500" fill="hold"/>
-                                        <p:tgtEl>
-                                          <p:spTgt spid="49"/>
-                                        </p:tgtEl>
-                                        <p:attrNameLst>
-                                          <p:attrName>ppt_y</p:attrName>
-                                        </p:attrNameLst>
-                                      </p:cBhvr>
-                                      <p:tavLst>
-                                        <p:tav tm="0">
-                                          <p:val>
-                                            <p:strVal val="1+#ppt_h/2"/>
-                                          </p:val>
-                                        </p:tav>
-                                        <p:tav tm="100000">
-                                          <p:val>
-                                            <p:strVal val="#ppt_y"/>
-                                          </p:val>
-                                        </p:tav>
-                                      </p:tavLst>
-                                    </p:anim>
-                                  </p:childTnLst>
-                                </p:cTn>
-                              </p:par>
-                              <p:par>
-                                <p:cTn id="117" presetID="2" presetClass="entr" presetSubtype="4" fill="hold" grpId="0" nodeType="withEffect">
-                                  <p:stCondLst>
-                                    <p:cond delay="0"/>
-                                  </p:stCondLst>
-                                  <p:childTnLst>
-                                    <p:set>
-                                      <p:cBhvr>
-                                        <p:cTn id="118" dur="1" fill="hold">
-                                          <p:stCondLst>
-                                            <p:cond delay="0"/>
-                                          </p:stCondLst>
-                                        </p:cTn>
-                                        <p:tgtEl>
-                                          <p:spTgt spid="51"/>
-                                        </p:tgtEl>
-                                        <p:attrNameLst>
-                                          <p:attrName>style.visibility</p:attrName>
-                                        </p:attrNameLst>
-                                      </p:cBhvr>
-                                      <p:to>
-                                        <p:strVal val="visible"/>
-                                      </p:to>
-                                    </p:set>
-                                    <p:anim calcmode="lin" valueType="num">
-                                      <p:cBhvr additive="base">
-                                        <p:cTn id="119" dur="500" fill="hold"/>
-                                        <p:tgtEl>
-                                          <p:spTgt spid="51"/>
-                                        </p:tgtEl>
-                                        <p:attrNameLst>
-                                          <p:attrName>ppt_x</p:attrName>
-                                        </p:attrNameLst>
-                                      </p:cBhvr>
-                                      <p:tavLst>
-                                        <p:tav tm="0">
-                                          <p:val>
-                                            <p:strVal val="#ppt_x"/>
-                                          </p:val>
-                                        </p:tav>
-                                        <p:tav tm="100000">
-                                          <p:val>
-                                            <p:strVal val="#ppt_x"/>
-                                          </p:val>
-                                        </p:tav>
-                                      </p:tavLst>
-                                    </p:anim>
-                                    <p:anim calcmode="lin" valueType="num">
-                                      <p:cBhvr additive="base">
-                                        <p:cTn id="120" dur="500" fill="hold"/>
-                                        <p:tgtEl>
-                                          <p:spTgt spid="51"/>
                                         </p:tgtEl>
                                         <p:attrNameLst>
                                           <p:attrName>ppt_y</p:attrName>
@@ -23850,26 +23998,26 @@
                     </p:cTn>
                   </p:par>
                   <p:par>
-                    <p:cTn id="121" fill="hold">
+                    <p:cTn id="119" fill="hold">
                       <p:stCondLst>
                         <p:cond delay="indefinite"/>
                       </p:stCondLst>
                       <p:childTnLst>
                         <p:par>
-                          <p:cTn id="122" fill="hold">
+                          <p:cTn id="120" fill="hold">
                             <p:stCondLst>
                               <p:cond delay="0"/>
                             </p:stCondLst>
                             <p:childTnLst>
                               <p:par>
-                                <p:cTn id="123" presetID="2" presetClass="entr" presetSubtype="4" fill="hold" nodeType="clickEffect">
+                                <p:cTn id="121" presetID="2" presetClass="entr" presetSubtype="4" fill="hold" nodeType="clickEffect">
                                   <p:stCondLst>
                                     <p:cond delay="0"/>
                                   </p:stCondLst>
                                   <p:childTnLst>
                                     <p:set>
                                       <p:cBhvr>
-                                        <p:cTn id="124" dur="1" fill="hold">
+                                        <p:cTn id="122" dur="1" fill="hold">
                                           <p:stCondLst>
                                             <p:cond delay="0"/>
                                           </p:stCondLst>
@@ -23891,7 +24039,7 @@
                                     </p:set>
                                     <p:anim calcmode="lin" valueType="num">
                                       <p:cBhvr additive="base">
-                                        <p:cTn id="125" dur="500" fill="hold"/>
+                                        <p:cTn id="123" dur="500" fill="hold"/>
                                         <p:tgtEl>
                                           <p:spTgt spid="2">
                                             <p:txEl>
@@ -23918,7 +24066,7 @@
                                     </p:anim>
                                     <p:anim calcmode="lin" valueType="num">
                                       <p:cBhvr additive="base">
-                                        <p:cTn id="126" dur="500" fill="hold"/>
+                                        <p:cTn id="124" dur="500" fill="hold"/>
                                         <p:tgtEl>
                                           <p:spTgt spid="2">
                                             <p:txEl>
@@ -23947,14 +24095,14 @@
                                 </p:cTn>
                               </p:par>
                               <p:par>
-                                <p:cTn id="127" presetID="2" presetClass="entr" presetSubtype="4" fill="hold" nodeType="withEffect">
+                                <p:cTn id="125" presetID="2" presetClass="entr" presetSubtype="4" fill="hold" nodeType="withEffect">
                                   <p:stCondLst>
                                     <p:cond delay="0"/>
                                   </p:stCondLst>
                                   <p:childTnLst>
                                     <p:set>
                                       <p:cBhvr>
-                                        <p:cTn id="128" dur="1" fill="hold">
+                                        <p:cTn id="126" dur="1" fill="hold">
                                           <p:stCondLst>
                                             <p:cond delay="0"/>
                                           </p:stCondLst>
@@ -23976,7 +24124,7 @@
                                     </p:set>
                                     <p:anim calcmode="lin" valueType="num">
                                       <p:cBhvr additive="base">
-                                        <p:cTn id="129" dur="500" fill="hold"/>
+                                        <p:cTn id="127" dur="500" fill="hold"/>
                                         <p:tgtEl>
                                           <p:spTgt spid="2">
                                             <p:txEl>
@@ -24003,7 +24151,7 @@
                                     </p:anim>
                                     <p:anim calcmode="lin" valueType="num">
                                       <p:cBhvr additive="base">
-                                        <p:cTn id="130" dur="500" fill="hold"/>
+                                        <p:cTn id="128" dur="500" fill="hold"/>
                                         <p:tgtEl>
                                           <p:spTgt spid="2">
                                             <p:txEl>
@@ -24032,14 +24180,14 @@
                                 </p:cTn>
                               </p:par>
                               <p:par>
-                                <p:cTn id="131" presetID="2" presetClass="entr" presetSubtype="4" fill="hold" nodeType="withEffect">
+                                <p:cTn id="129" presetID="2" presetClass="entr" presetSubtype="4" fill="hold" nodeType="withEffect">
                                   <p:stCondLst>
                                     <p:cond delay="0"/>
                                   </p:stCondLst>
                                   <p:childTnLst>
                                     <p:set>
                                       <p:cBhvr>
-                                        <p:cTn id="132" dur="1" fill="hold">
+                                        <p:cTn id="130" dur="1" fill="hold">
                                           <p:stCondLst>
                                             <p:cond delay="0"/>
                                           </p:stCondLst>
@@ -24061,7 +24209,7 @@
                                     </p:set>
                                     <p:anim calcmode="lin" valueType="num">
                                       <p:cBhvr additive="base">
-                                        <p:cTn id="133" dur="500" fill="hold"/>
+                                        <p:cTn id="131" dur="500" fill="hold"/>
                                         <p:tgtEl>
                                           <p:spTgt spid="2">
                                             <p:txEl>
@@ -24088,7 +24236,7 @@
                                     </p:anim>
                                     <p:anim calcmode="lin" valueType="num">
                                       <p:cBhvr additive="base">
-                                        <p:cTn id="134" dur="500" fill="hold"/>
+                                        <p:cTn id="132" dur="500" fill="hold"/>
                                         <p:tgtEl>
                                           <p:spTgt spid="2">
                                             <p:txEl>
@@ -24144,7 +24292,6 @@
       </p:par>
     </p:tnLst>
     <p:bldLst>
-      <p:bldP spid="2" grpId="0" uiExpand="1" build="p"/>
       <p:bldP spid="40" grpId="0" animBg="1"/>
       <p:bldP spid="41" grpId="0" animBg="1"/>
       <p:bldP spid="42" grpId="0" animBg="1"/>

--- a/Master-Abschluss.pptx
+++ b/Master-Abschluss.pptx
@@ -29,8 +29,8 @@
     <p:sldId id="297" r:id="rId17"/>
     <p:sldId id="298" r:id="rId18"/>
     <p:sldId id="288" r:id="rId19"/>
-    <p:sldId id="276" r:id="rId20"/>
-    <p:sldId id="277" r:id="rId21"/>
+    <p:sldId id="299" r:id="rId20"/>
+    <p:sldId id="300" r:id="rId21"/>
     <p:sldId id="278" r:id="rId22"/>
     <p:sldId id="279" r:id="rId23"/>
     <p:sldId id="289" r:id="rId24"/>
@@ -286,7 +286,7 @@
               <a:pPr>
                 <a:defRPr/>
               </a:pPr>
-              <a:t>06.08.2018</a:t>
+              <a:t>07.08.2018</a:t>
             </a:fld>
             <a:endParaRPr lang="de-DE"/>
           </a:p>
@@ -472,7 +472,7 @@
               <a:pPr>
                 <a:defRPr/>
               </a:pPr>
-              <a:t>06.08.2018</a:t>
+              <a:t>07.08.2018</a:t>
             </a:fld>
             <a:endParaRPr lang="de-DE"/>
           </a:p>
@@ -2568,45 +2568,6 @@
           <a:bodyPr/>
           <a:lstStyle/>
           <a:p>
-            <a:r>
-              <a:rPr lang="de-DE" dirty="0"/>
-              <a:t>Die Abb.</a:t>
-            </a:r>
-            <a:r>
-              <a:rPr lang="de-DE" baseline="0" dirty="0"/>
-              <a:t> </a:t>
-            </a:r>
-            <a:r>
-              <a:rPr lang="de-DE" dirty="0"/>
-              <a:t>zeigt die Datenhandhabungskonzept für die TE. Die beide gerundeten Rechtecke repräsentieren die feldbusspezifische Geräten. TE besteht aus 2 Hauptkomponenten: TES und TEC  -Server umfasst die Kernfunktionen wie das Parsen der protokollneutralen Gerät-Informationen, erstellt, aktualisiert und löscht eine Topologie-Modell für die gesparten Informationen. Darüber hinaus  bietet einen Mechanismus für Laden&amp; Speicher von Daten und Fehlerbehandlungen </a:t>
-            </a:r>
-          </a:p>
-          <a:p>
-            <a:pPr marL="171450" indent="-171450">
-              <a:buFontTx/>
-              <a:buChar char="-"/>
-            </a:pPr>
-            <a:r>
-              <a:rPr lang="de-DE" dirty="0"/>
-              <a:t>Client verwendet das HTTP-P um die Topologie-Information abzufragen und bietet eine Benutzerfreundlichkeit für die Visualisierung.</a:t>
-            </a:r>
-          </a:p>
-          <a:p>
-            <a:pPr marL="171450" indent="-171450">
-              <a:buFontTx/>
-              <a:buChar char="-"/>
-            </a:pPr>
-            <a:r>
-              <a:rPr lang="de-DE" dirty="0"/>
-              <a:t>Datenübertragung geschehen</a:t>
-            </a:r>
-            <a:r>
-              <a:rPr lang="de-DE" baseline="0" dirty="0"/>
-              <a:t> über JSON-Format.</a:t>
-            </a:r>
-            <a:endParaRPr lang="de-DE" dirty="0"/>
-          </a:p>
-          <a:p>
             <a:endParaRPr lang="de-DE" dirty="0"/>
           </a:p>
         </p:txBody>
@@ -2643,7 +2604,7 @@
     </p:spTree>
     <p:extLst>
       <p:ext uri="{BB962C8B-B14F-4D97-AF65-F5344CB8AC3E}">
-        <p14:creationId xmlns:p14="http://schemas.microsoft.com/office/powerpoint/2010/main" val="3050514409"/>
+        <p14:creationId xmlns:p14="http://schemas.microsoft.com/office/powerpoint/2010/main" val="3552645647"/>
       </p:ext>
     </p:extLst>
   </p:cSld>
@@ -2956,7 +2917,7 @@
     </p:spTree>
     <p:extLst>
       <p:ext uri="{BB962C8B-B14F-4D97-AF65-F5344CB8AC3E}">
-        <p14:creationId xmlns:p14="http://schemas.microsoft.com/office/powerpoint/2010/main" val="1301564155"/>
+        <p14:creationId xmlns:p14="http://schemas.microsoft.com/office/powerpoint/2010/main" val="1665838368"/>
       </p:ext>
     </p:extLst>
   </p:cSld>
@@ -3582,12 +3543,12 @@
               <a:t> werden direkt unter die Rechtteck gekennzeichnet.. Die </a:t>
             </a:r>
             <a:r>
-              <a:rPr lang="de-DE" dirty="0" err="1"/>
-              <a:t>Verbindun</a:t>
+              <a:rPr lang="de-DE" dirty="0" smtClean="0"/>
+              <a:t>Verbindung </a:t>
             </a:r>
             <a:r>
               <a:rPr lang="de-DE" dirty="0"/>
-              <a:t> wird durch die </a:t>
+              <a:t>wird durch die </a:t>
             </a:r>
             <a:r>
               <a:rPr lang="de-DE" dirty="0" err="1"/>
@@ -6005,7 +5966,7 @@
             </a:pPr>
             <a:fld id="{4B708C82-F8E6-409C-A676-C60AAC2DF97E}" type="datetime1">
               <a:rPr lang="de-DE" smtClean="0"/>
-              <a:t>06.08.2018</a:t>
+              <a:t>07.08.2018</a:t>
             </a:fld>
             <a:endParaRPr lang="de-DE" dirty="0"/>
           </a:p>
@@ -6812,7 +6773,7 @@
             </a:pPr>
             <a:fld id="{1358CD6C-0E6F-4ABB-ADE4-8B8CA0893236}" type="datetime1">
               <a:rPr lang="de-DE" smtClean="0"/>
-              <a:t>06.08.2018</a:t>
+              <a:t>07.08.2018</a:t>
             </a:fld>
             <a:endParaRPr lang="de-DE" dirty="0"/>
           </a:p>
@@ -7160,7 +7121,7 @@
             </a:pPr>
             <a:fld id="{AA87D1F3-9BDC-4C2A-AADC-0D1455A8CA1D}" type="datetime1">
               <a:rPr lang="de-DE" smtClean="0"/>
-              <a:t>06.08.2018</a:t>
+              <a:t>07.08.2018</a:t>
             </a:fld>
             <a:endParaRPr lang="de-DE" dirty="0"/>
           </a:p>
@@ -7497,7 +7458,7 @@
             </a:pPr>
             <a:fld id="{ACC95346-7D0D-4BB2-B12E-431360D2B8E0}" type="datetime1">
               <a:rPr lang="de-DE" smtClean="0"/>
-              <a:t>06.08.2018</a:t>
+              <a:t>07.08.2018</a:t>
             </a:fld>
             <a:endParaRPr lang="de-DE" dirty="0"/>
           </a:p>
@@ -7819,7 +7780,7 @@
             </a:pPr>
             <a:fld id="{C897D868-5813-46E7-8C6D-DB464A27969A}" type="datetime1">
               <a:rPr lang="de-DE" smtClean="0"/>
-              <a:t>06.08.2018</a:t>
+              <a:t>07.08.2018</a:t>
             </a:fld>
             <a:endParaRPr lang="de-DE" dirty="0"/>
           </a:p>
@@ -8141,7 +8102,7 @@
             </a:pPr>
             <a:fld id="{F2B59603-8392-42ED-9FD2-89EB8695C0BE}" type="datetime1">
               <a:rPr lang="de-DE" smtClean="0"/>
-              <a:t>06.08.2018</a:t>
+              <a:t>07.08.2018</a:t>
             </a:fld>
             <a:endParaRPr lang="de-DE" dirty="0"/>
           </a:p>
@@ -8543,7 +8504,7 @@
             </a:pPr>
             <a:fld id="{4E1B3107-3D3F-4777-9207-6551F81EC093}" type="datetime1">
               <a:rPr lang="de-DE" smtClean="0"/>
-              <a:t>06.08.2018</a:t>
+              <a:t>07.08.2018</a:t>
             </a:fld>
             <a:endParaRPr lang="de-DE" dirty="0"/>
           </a:p>
@@ -8905,7 +8866,7 @@
             </a:pPr>
             <a:fld id="{B2D9D328-0EA9-47BD-9F0C-9374A81B247B}" type="datetime1">
               <a:rPr lang="de-DE" smtClean="0"/>
-              <a:t>06.08.2018</a:t>
+              <a:t>07.08.2018</a:t>
             </a:fld>
             <a:endParaRPr lang="de-DE" dirty="0"/>
           </a:p>
@@ -9162,7 +9123,7 @@
             </a:pPr>
             <a:fld id="{3F439ECE-A22E-48D2-B1A2-A5BDB43AF362}" type="datetime1">
               <a:rPr lang="de-DE" smtClean="0"/>
-              <a:t>06.08.2018</a:t>
+              <a:t>07.08.2018</a:t>
             </a:fld>
             <a:endParaRPr lang="de-DE" dirty="0"/>
           </a:p>
@@ -9948,7 +9909,7 @@
             </a:pPr>
             <a:fld id="{241CB7C7-BA97-40EB-9100-3D699B3BA247}" type="datetime1">
               <a:rPr lang="de-DE" smtClean="0"/>
-              <a:t>06.08.2018</a:t>
+              <a:t>07.08.2018</a:t>
             </a:fld>
             <a:endParaRPr lang="de-DE" dirty="0"/>
           </a:p>
@@ -10056,13 +10017,7 @@
       </p:sp>
       <p:pic>
         <p:nvPicPr>
-          <p:cNvPr id="7" name="Grafik 6">
-            <a:extLst>
-              <a:ext uri="{FF2B5EF4-FFF2-40B4-BE49-F238E27FC236}">
-                <a16:creationId xmlns:a16="http://schemas.microsoft.com/office/drawing/2014/main" id="{F5DF823F-D510-4591-A7B4-BC9AD4600718}"/>
-              </a:ext>
-            </a:extLst>
-          </p:cNvPr>
+          <p:cNvPr id="8" name="Grafik 7"/>
           <p:cNvPicPr>
             <a:picLocks noChangeAspect="1"/>
           </p:cNvPicPr>
@@ -10076,14 +10031,208 @@
         </p:blipFill>
         <p:spPr>
           <a:xfrm>
-            <a:off x="755576" y="1754132"/>
-            <a:ext cx="7776863" cy="4123139"/>
+            <a:off x="611560" y="1772816"/>
+            <a:ext cx="8096597" cy="4339503"/>
           </a:xfrm>
           <a:prstGeom prst="rect">
             <a:avLst/>
           </a:prstGeom>
         </p:spPr>
       </p:pic>
+      <p:sp>
+        <p:nvSpPr>
+          <p:cNvPr id="9" name="Textfeld 8"/>
+          <p:cNvSpPr txBox="1"/>
+          <p:nvPr/>
+        </p:nvSpPr>
+        <p:spPr>
+          <a:xfrm>
+            <a:off x="6106273" y="3252482"/>
+            <a:ext cx="2028306" cy="369332"/>
+          </a:xfrm>
+          <a:prstGeom prst="rect">
+            <a:avLst/>
+          </a:prstGeom>
+          <a:noFill/>
+        </p:spPr>
+        <p:txBody>
+          <a:bodyPr wrap="square" rtlCol="0">
+            <a:spAutoFit/>
+          </a:bodyPr>
+          <a:lstStyle/>
+          <a:p>
+            <a:r>
+              <a:rPr lang="de-DE" dirty="0" smtClean="0"/>
+              <a:t>      </a:t>
+            </a:r>
+            <a:r>
+              <a:rPr lang="de-DE" b="1" dirty="0" smtClean="0">
+                <a:solidFill>
+                  <a:srgbClr val="C00000"/>
+                </a:solidFill>
+              </a:rPr>
+              <a:t>Properties</a:t>
+            </a:r>
+            <a:endParaRPr lang="de-DE" b="1" dirty="0">
+              <a:solidFill>
+                <a:srgbClr val="C00000"/>
+              </a:solidFill>
+            </a:endParaRPr>
+          </a:p>
+        </p:txBody>
+      </p:sp>
+      <p:sp>
+        <p:nvSpPr>
+          <p:cNvPr id="10" name="Textfeld 9"/>
+          <p:cNvSpPr txBox="1"/>
+          <p:nvPr/>
+        </p:nvSpPr>
+        <p:spPr>
+          <a:xfrm>
+            <a:off x="4102905" y="1910561"/>
+            <a:ext cx="1246909" cy="369332"/>
+          </a:xfrm>
+          <a:prstGeom prst="rect">
+            <a:avLst/>
+          </a:prstGeom>
+          <a:noFill/>
+        </p:spPr>
+        <p:txBody>
+          <a:bodyPr wrap="square" rtlCol="0">
+            <a:spAutoFit/>
+          </a:bodyPr>
+          <a:lstStyle/>
+          <a:p>
+            <a:r>
+              <a:rPr lang="de-DE" b="1" dirty="0" smtClean="0">
+                <a:solidFill>
+                  <a:srgbClr val="C00000"/>
+                </a:solidFill>
+              </a:rPr>
+              <a:t>Ribbon</a:t>
+            </a:r>
+            <a:endParaRPr lang="de-DE" b="1" dirty="0">
+              <a:solidFill>
+                <a:srgbClr val="C00000"/>
+              </a:solidFill>
+            </a:endParaRPr>
+          </a:p>
+        </p:txBody>
+      </p:sp>
+      <p:sp>
+        <p:nvSpPr>
+          <p:cNvPr id="11" name="Textfeld 10"/>
+          <p:cNvSpPr txBox="1"/>
+          <p:nvPr/>
+        </p:nvSpPr>
+        <p:spPr>
+          <a:xfrm>
+            <a:off x="711313" y="3127791"/>
+            <a:ext cx="1571106" cy="646331"/>
+          </a:xfrm>
+          <a:prstGeom prst="rect">
+            <a:avLst/>
+          </a:prstGeom>
+          <a:noFill/>
+        </p:spPr>
+        <p:txBody>
+          <a:bodyPr wrap="square" rtlCol="0">
+            <a:spAutoFit/>
+          </a:bodyPr>
+          <a:lstStyle/>
+          <a:p>
+            <a:r>
+              <a:rPr lang="de-DE" b="1" dirty="0" smtClean="0">
+                <a:solidFill>
+                  <a:srgbClr val="C00000"/>
+                </a:solidFill>
+              </a:rPr>
+              <a:t>Solution Explorer</a:t>
+            </a:r>
+            <a:endParaRPr lang="de-DE" b="1" dirty="0">
+              <a:solidFill>
+                <a:srgbClr val="C00000"/>
+              </a:solidFill>
+            </a:endParaRPr>
+          </a:p>
+        </p:txBody>
+      </p:sp>
+      <p:sp>
+        <p:nvSpPr>
+          <p:cNvPr id="12" name="Textfeld 11"/>
+          <p:cNvSpPr txBox="1"/>
+          <p:nvPr/>
+        </p:nvSpPr>
+        <p:spPr>
+          <a:xfrm>
+            <a:off x="4210971" y="5646547"/>
+            <a:ext cx="1030778" cy="369332"/>
+          </a:xfrm>
+          <a:prstGeom prst="rect">
+            <a:avLst/>
+          </a:prstGeom>
+          <a:noFill/>
+        </p:spPr>
+        <p:txBody>
+          <a:bodyPr wrap="square" rtlCol="0">
+            <a:spAutoFit/>
+          </a:bodyPr>
+          <a:lstStyle/>
+          <a:p>
+            <a:r>
+              <a:rPr lang="de-DE" b="1" dirty="0" smtClean="0">
+                <a:solidFill>
+                  <a:srgbClr val="C00000"/>
+                </a:solidFill>
+              </a:rPr>
+              <a:t>Output</a:t>
+            </a:r>
+            <a:endParaRPr lang="de-DE" b="1" dirty="0">
+              <a:solidFill>
+                <a:srgbClr val="C00000"/>
+              </a:solidFill>
+            </a:endParaRPr>
+          </a:p>
+        </p:txBody>
+      </p:sp>
+      <p:sp>
+        <p:nvSpPr>
+          <p:cNvPr id="13" name="Textfeld 12"/>
+          <p:cNvSpPr txBox="1"/>
+          <p:nvPr/>
+        </p:nvSpPr>
+        <p:spPr>
+          <a:xfrm>
+            <a:off x="3221757" y="2786969"/>
+            <a:ext cx="1446414" cy="369332"/>
+          </a:xfrm>
+          <a:prstGeom prst="rect">
+            <a:avLst/>
+          </a:prstGeom>
+          <a:noFill/>
+        </p:spPr>
+        <p:txBody>
+          <a:bodyPr wrap="square" rtlCol="0">
+            <a:spAutoFit/>
+          </a:bodyPr>
+          <a:lstStyle/>
+          <a:p>
+            <a:r>
+              <a:rPr lang="de-DE" b="1" dirty="0" smtClean="0">
+                <a:solidFill>
+                  <a:srgbClr val="C00000"/>
+                </a:solidFill>
+              </a:rPr>
+              <a:t>Workspace</a:t>
+            </a:r>
+            <a:endParaRPr lang="de-DE" b="1" dirty="0">
+              <a:solidFill>
+                <a:srgbClr val="C00000"/>
+              </a:solidFill>
+            </a:endParaRPr>
+          </a:p>
+        </p:txBody>
+      </p:sp>
     </p:spTree>
     <p:extLst>
       <p:ext uri="{BB962C8B-B14F-4D97-AF65-F5344CB8AC3E}">
@@ -10097,9 +10246,538 @@
   <p:timing>
     <p:tnLst>
       <p:par>
-        <p:cTn id="1" dur="indefinite" restart="never" nodeType="tmRoot"/>
+        <p:cTn id="1" dur="indefinite" restart="never" nodeType="tmRoot">
+          <p:childTnLst>
+            <p:seq concurrent="1" nextAc="seek">
+              <p:cTn id="2" dur="indefinite" nodeType="mainSeq">
+                <p:childTnLst>
+                  <p:par>
+                    <p:cTn id="3" fill="hold">
+                      <p:stCondLst>
+                        <p:cond delay="indefinite"/>
+                      </p:stCondLst>
+                      <p:childTnLst>
+                        <p:par>
+                          <p:cTn id="4" fill="hold">
+                            <p:stCondLst>
+                              <p:cond delay="0"/>
+                            </p:stCondLst>
+                            <p:childTnLst>
+                              <p:par>
+                                <p:cTn id="5" presetID="2" presetClass="entr" presetSubtype="4" fill="hold" nodeType="clickEffect">
+                                  <p:stCondLst>
+                                    <p:cond delay="0"/>
+                                  </p:stCondLst>
+                                  <p:childTnLst>
+                                    <p:set>
+                                      <p:cBhvr>
+                                        <p:cTn id="6" dur="1" fill="hold">
+                                          <p:stCondLst>
+                                            <p:cond delay="0"/>
+                                          </p:stCondLst>
+                                        </p:cTn>
+                                        <p:tgtEl>
+                                          <p:spTgt spid="11">
+                                            <p:txEl>
+                                              <p:pRg st="0" end="0"/>
+                                            </p:txEl>
+                                          </p:spTgt>
+                                        </p:tgtEl>
+                                        <p:attrNameLst>
+                                          <p:attrName>style.visibility</p:attrName>
+                                        </p:attrNameLst>
+                                      </p:cBhvr>
+                                      <p:to>
+                                        <p:strVal val="visible"/>
+                                      </p:to>
+                                    </p:set>
+                                    <p:anim calcmode="lin" valueType="num">
+                                      <p:cBhvr additive="base">
+                                        <p:cTn id="7" dur="500" fill="hold"/>
+                                        <p:tgtEl>
+                                          <p:spTgt spid="11">
+                                            <p:txEl>
+                                              <p:pRg st="0" end="0"/>
+                                            </p:txEl>
+                                          </p:spTgt>
+                                        </p:tgtEl>
+                                        <p:attrNameLst>
+                                          <p:attrName>ppt_x</p:attrName>
+                                        </p:attrNameLst>
+                                      </p:cBhvr>
+                                      <p:tavLst>
+                                        <p:tav tm="0">
+                                          <p:val>
+                                            <p:strVal val="#ppt_x"/>
+                                          </p:val>
+                                        </p:tav>
+                                        <p:tav tm="100000">
+                                          <p:val>
+                                            <p:strVal val="#ppt_x"/>
+                                          </p:val>
+                                        </p:tav>
+                                      </p:tavLst>
+                                    </p:anim>
+                                    <p:anim calcmode="lin" valueType="num">
+                                      <p:cBhvr additive="base">
+                                        <p:cTn id="8" dur="500" fill="hold"/>
+                                        <p:tgtEl>
+                                          <p:spTgt spid="11">
+                                            <p:txEl>
+                                              <p:pRg st="0" end="0"/>
+                                            </p:txEl>
+                                          </p:spTgt>
+                                        </p:tgtEl>
+                                        <p:attrNameLst>
+                                          <p:attrName>ppt_y</p:attrName>
+                                        </p:attrNameLst>
+                                      </p:cBhvr>
+                                      <p:tavLst>
+                                        <p:tav tm="0">
+                                          <p:val>
+                                            <p:strVal val="1+#ppt_h/2"/>
+                                          </p:val>
+                                        </p:tav>
+                                        <p:tav tm="100000">
+                                          <p:val>
+                                            <p:strVal val="#ppt_y"/>
+                                          </p:val>
+                                        </p:tav>
+                                      </p:tavLst>
+                                    </p:anim>
+                                  </p:childTnLst>
+                                </p:cTn>
+                              </p:par>
+                            </p:childTnLst>
+                          </p:cTn>
+                        </p:par>
+                      </p:childTnLst>
+                    </p:cTn>
+                  </p:par>
+                  <p:par>
+                    <p:cTn id="9" fill="hold">
+                      <p:stCondLst>
+                        <p:cond delay="indefinite"/>
+                      </p:stCondLst>
+                      <p:childTnLst>
+                        <p:par>
+                          <p:cTn id="10" fill="hold">
+                            <p:stCondLst>
+                              <p:cond delay="0"/>
+                            </p:stCondLst>
+                            <p:childTnLst>
+                              <p:par>
+                                <p:cTn id="11" presetID="2" presetClass="entr" presetSubtype="4" fill="hold" nodeType="clickEffect">
+                                  <p:stCondLst>
+                                    <p:cond delay="0"/>
+                                  </p:stCondLst>
+                                  <p:childTnLst>
+                                    <p:set>
+                                      <p:cBhvr>
+                                        <p:cTn id="12" dur="1" fill="hold">
+                                          <p:stCondLst>
+                                            <p:cond delay="0"/>
+                                          </p:stCondLst>
+                                        </p:cTn>
+                                        <p:tgtEl>
+                                          <p:spTgt spid="10">
+                                            <p:txEl>
+                                              <p:pRg st="0" end="0"/>
+                                            </p:txEl>
+                                          </p:spTgt>
+                                        </p:tgtEl>
+                                        <p:attrNameLst>
+                                          <p:attrName>style.visibility</p:attrName>
+                                        </p:attrNameLst>
+                                      </p:cBhvr>
+                                      <p:to>
+                                        <p:strVal val="visible"/>
+                                      </p:to>
+                                    </p:set>
+                                    <p:anim calcmode="lin" valueType="num">
+                                      <p:cBhvr additive="base">
+                                        <p:cTn id="13" dur="500" fill="hold"/>
+                                        <p:tgtEl>
+                                          <p:spTgt spid="10">
+                                            <p:txEl>
+                                              <p:pRg st="0" end="0"/>
+                                            </p:txEl>
+                                          </p:spTgt>
+                                        </p:tgtEl>
+                                        <p:attrNameLst>
+                                          <p:attrName>ppt_x</p:attrName>
+                                        </p:attrNameLst>
+                                      </p:cBhvr>
+                                      <p:tavLst>
+                                        <p:tav tm="0">
+                                          <p:val>
+                                            <p:strVal val="#ppt_x"/>
+                                          </p:val>
+                                        </p:tav>
+                                        <p:tav tm="100000">
+                                          <p:val>
+                                            <p:strVal val="#ppt_x"/>
+                                          </p:val>
+                                        </p:tav>
+                                      </p:tavLst>
+                                    </p:anim>
+                                    <p:anim calcmode="lin" valueType="num">
+                                      <p:cBhvr additive="base">
+                                        <p:cTn id="14" dur="500" fill="hold"/>
+                                        <p:tgtEl>
+                                          <p:spTgt spid="10">
+                                            <p:txEl>
+                                              <p:pRg st="0" end="0"/>
+                                            </p:txEl>
+                                          </p:spTgt>
+                                        </p:tgtEl>
+                                        <p:attrNameLst>
+                                          <p:attrName>ppt_y</p:attrName>
+                                        </p:attrNameLst>
+                                      </p:cBhvr>
+                                      <p:tavLst>
+                                        <p:tav tm="0">
+                                          <p:val>
+                                            <p:strVal val="1+#ppt_h/2"/>
+                                          </p:val>
+                                        </p:tav>
+                                        <p:tav tm="100000">
+                                          <p:val>
+                                            <p:strVal val="#ppt_y"/>
+                                          </p:val>
+                                        </p:tav>
+                                      </p:tavLst>
+                                    </p:anim>
+                                  </p:childTnLst>
+                                </p:cTn>
+                              </p:par>
+                            </p:childTnLst>
+                          </p:cTn>
+                        </p:par>
+                      </p:childTnLst>
+                    </p:cTn>
+                  </p:par>
+                  <p:par>
+                    <p:cTn id="15" fill="hold">
+                      <p:stCondLst>
+                        <p:cond delay="indefinite"/>
+                      </p:stCondLst>
+                      <p:childTnLst>
+                        <p:par>
+                          <p:cTn id="16" fill="hold">
+                            <p:stCondLst>
+                              <p:cond delay="0"/>
+                            </p:stCondLst>
+                            <p:childTnLst>
+                              <p:par>
+                                <p:cTn id="17" presetID="2" presetClass="entr" presetSubtype="4" fill="hold" grpId="0" nodeType="clickEffect">
+                                  <p:stCondLst>
+                                    <p:cond delay="0"/>
+                                  </p:stCondLst>
+                                  <p:childTnLst>
+                                    <p:set>
+                                      <p:cBhvr>
+                                        <p:cTn id="18" dur="1" fill="hold">
+                                          <p:stCondLst>
+                                            <p:cond delay="0"/>
+                                          </p:stCondLst>
+                                        </p:cTn>
+                                        <p:tgtEl>
+                                          <p:spTgt spid="9"/>
+                                        </p:tgtEl>
+                                        <p:attrNameLst>
+                                          <p:attrName>style.visibility</p:attrName>
+                                        </p:attrNameLst>
+                                      </p:cBhvr>
+                                      <p:to>
+                                        <p:strVal val="visible"/>
+                                      </p:to>
+                                    </p:set>
+                                    <p:anim calcmode="lin" valueType="num">
+                                      <p:cBhvr additive="base">
+                                        <p:cTn id="19" dur="500" fill="hold"/>
+                                        <p:tgtEl>
+                                          <p:spTgt spid="9"/>
+                                        </p:tgtEl>
+                                        <p:attrNameLst>
+                                          <p:attrName>ppt_x</p:attrName>
+                                        </p:attrNameLst>
+                                      </p:cBhvr>
+                                      <p:tavLst>
+                                        <p:tav tm="0">
+                                          <p:val>
+                                            <p:strVal val="#ppt_x"/>
+                                          </p:val>
+                                        </p:tav>
+                                        <p:tav tm="100000">
+                                          <p:val>
+                                            <p:strVal val="#ppt_x"/>
+                                          </p:val>
+                                        </p:tav>
+                                      </p:tavLst>
+                                    </p:anim>
+                                    <p:anim calcmode="lin" valueType="num">
+                                      <p:cBhvr additive="base">
+                                        <p:cTn id="20" dur="500" fill="hold"/>
+                                        <p:tgtEl>
+                                          <p:spTgt spid="9"/>
+                                        </p:tgtEl>
+                                        <p:attrNameLst>
+                                          <p:attrName>ppt_y</p:attrName>
+                                        </p:attrNameLst>
+                                      </p:cBhvr>
+                                      <p:tavLst>
+                                        <p:tav tm="0">
+                                          <p:val>
+                                            <p:strVal val="1+#ppt_h/2"/>
+                                          </p:val>
+                                        </p:tav>
+                                        <p:tav tm="100000">
+                                          <p:val>
+                                            <p:strVal val="#ppt_y"/>
+                                          </p:val>
+                                        </p:tav>
+                                      </p:tavLst>
+                                    </p:anim>
+                                  </p:childTnLst>
+                                </p:cTn>
+                              </p:par>
+                            </p:childTnLst>
+                          </p:cTn>
+                        </p:par>
+                      </p:childTnLst>
+                    </p:cTn>
+                  </p:par>
+                  <p:par>
+                    <p:cTn id="21" fill="hold">
+                      <p:stCondLst>
+                        <p:cond delay="indefinite"/>
+                      </p:stCondLst>
+                      <p:childTnLst>
+                        <p:par>
+                          <p:cTn id="22" fill="hold">
+                            <p:stCondLst>
+                              <p:cond delay="0"/>
+                            </p:stCondLst>
+                            <p:childTnLst>
+                              <p:par>
+                                <p:cTn id="23" presetID="2" presetClass="entr" presetSubtype="4" fill="hold" nodeType="clickEffect">
+                                  <p:stCondLst>
+                                    <p:cond delay="0"/>
+                                  </p:stCondLst>
+                                  <p:childTnLst>
+                                    <p:set>
+                                      <p:cBhvr>
+                                        <p:cTn id="24" dur="1" fill="hold">
+                                          <p:stCondLst>
+                                            <p:cond delay="0"/>
+                                          </p:stCondLst>
+                                        </p:cTn>
+                                        <p:tgtEl>
+                                          <p:spTgt spid="12">
+                                            <p:txEl>
+                                              <p:pRg st="0" end="0"/>
+                                            </p:txEl>
+                                          </p:spTgt>
+                                        </p:tgtEl>
+                                        <p:attrNameLst>
+                                          <p:attrName>style.visibility</p:attrName>
+                                        </p:attrNameLst>
+                                      </p:cBhvr>
+                                      <p:to>
+                                        <p:strVal val="visible"/>
+                                      </p:to>
+                                    </p:set>
+                                    <p:anim calcmode="lin" valueType="num">
+                                      <p:cBhvr additive="base">
+                                        <p:cTn id="25" dur="500" fill="hold"/>
+                                        <p:tgtEl>
+                                          <p:spTgt spid="12">
+                                            <p:txEl>
+                                              <p:pRg st="0" end="0"/>
+                                            </p:txEl>
+                                          </p:spTgt>
+                                        </p:tgtEl>
+                                        <p:attrNameLst>
+                                          <p:attrName>ppt_x</p:attrName>
+                                        </p:attrNameLst>
+                                      </p:cBhvr>
+                                      <p:tavLst>
+                                        <p:tav tm="0">
+                                          <p:val>
+                                            <p:strVal val="#ppt_x"/>
+                                          </p:val>
+                                        </p:tav>
+                                        <p:tav tm="100000">
+                                          <p:val>
+                                            <p:strVal val="#ppt_x"/>
+                                          </p:val>
+                                        </p:tav>
+                                      </p:tavLst>
+                                    </p:anim>
+                                    <p:anim calcmode="lin" valueType="num">
+                                      <p:cBhvr additive="base">
+                                        <p:cTn id="26" dur="500" fill="hold"/>
+                                        <p:tgtEl>
+                                          <p:spTgt spid="12">
+                                            <p:txEl>
+                                              <p:pRg st="0" end="0"/>
+                                            </p:txEl>
+                                          </p:spTgt>
+                                        </p:tgtEl>
+                                        <p:attrNameLst>
+                                          <p:attrName>ppt_y</p:attrName>
+                                        </p:attrNameLst>
+                                      </p:cBhvr>
+                                      <p:tavLst>
+                                        <p:tav tm="0">
+                                          <p:val>
+                                            <p:strVal val="1+#ppt_h/2"/>
+                                          </p:val>
+                                        </p:tav>
+                                        <p:tav tm="100000">
+                                          <p:val>
+                                            <p:strVal val="#ppt_y"/>
+                                          </p:val>
+                                        </p:tav>
+                                      </p:tavLst>
+                                    </p:anim>
+                                  </p:childTnLst>
+                                </p:cTn>
+                              </p:par>
+                            </p:childTnLst>
+                          </p:cTn>
+                        </p:par>
+                      </p:childTnLst>
+                    </p:cTn>
+                  </p:par>
+                  <p:par>
+                    <p:cTn id="27" fill="hold">
+                      <p:stCondLst>
+                        <p:cond delay="indefinite"/>
+                      </p:stCondLst>
+                      <p:childTnLst>
+                        <p:par>
+                          <p:cTn id="28" fill="hold">
+                            <p:stCondLst>
+                              <p:cond delay="0"/>
+                            </p:stCondLst>
+                            <p:childTnLst>
+                              <p:par>
+                                <p:cTn id="29" presetID="2" presetClass="entr" presetSubtype="4" fill="hold" nodeType="clickEffect">
+                                  <p:stCondLst>
+                                    <p:cond delay="0"/>
+                                  </p:stCondLst>
+                                  <p:childTnLst>
+                                    <p:set>
+                                      <p:cBhvr>
+                                        <p:cTn id="30" dur="1" fill="hold">
+                                          <p:stCondLst>
+                                            <p:cond delay="0"/>
+                                          </p:stCondLst>
+                                        </p:cTn>
+                                        <p:tgtEl>
+                                          <p:spTgt spid="13">
+                                            <p:txEl>
+                                              <p:pRg st="0" end="0"/>
+                                            </p:txEl>
+                                          </p:spTgt>
+                                        </p:tgtEl>
+                                        <p:attrNameLst>
+                                          <p:attrName>style.visibility</p:attrName>
+                                        </p:attrNameLst>
+                                      </p:cBhvr>
+                                      <p:to>
+                                        <p:strVal val="visible"/>
+                                      </p:to>
+                                    </p:set>
+                                    <p:anim calcmode="lin" valueType="num">
+                                      <p:cBhvr additive="base">
+                                        <p:cTn id="31" dur="1250" fill="hold"/>
+                                        <p:tgtEl>
+                                          <p:spTgt spid="13">
+                                            <p:txEl>
+                                              <p:pRg st="0" end="0"/>
+                                            </p:txEl>
+                                          </p:spTgt>
+                                        </p:tgtEl>
+                                        <p:attrNameLst>
+                                          <p:attrName>ppt_x</p:attrName>
+                                        </p:attrNameLst>
+                                      </p:cBhvr>
+                                      <p:tavLst>
+                                        <p:tav tm="0">
+                                          <p:val>
+                                            <p:strVal val="#ppt_x"/>
+                                          </p:val>
+                                        </p:tav>
+                                        <p:tav tm="100000">
+                                          <p:val>
+                                            <p:strVal val="#ppt_x"/>
+                                          </p:val>
+                                        </p:tav>
+                                      </p:tavLst>
+                                    </p:anim>
+                                    <p:anim calcmode="lin" valueType="num">
+                                      <p:cBhvr additive="base">
+                                        <p:cTn id="32" dur="1250" fill="hold"/>
+                                        <p:tgtEl>
+                                          <p:spTgt spid="13">
+                                            <p:txEl>
+                                              <p:pRg st="0" end="0"/>
+                                            </p:txEl>
+                                          </p:spTgt>
+                                        </p:tgtEl>
+                                        <p:attrNameLst>
+                                          <p:attrName>ppt_y</p:attrName>
+                                        </p:attrNameLst>
+                                      </p:cBhvr>
+                                      <p:tavLst>
+                                        <p:tav tm="0">
+                                          <p:val>
+                                            <p:strVal val="1+#ppt_h/2"/>
+                                          </p:val>
+                                        </p:tav>
+                                        <p:tav tm="100000">
+                                          <p:val>
+                                            <p:strVal val="#ppt_y"/>
+                                          </p:val>
+                                        </p:tav>
+                                      </p:tavLst>
+                                    </p:anim>
+                                  </p:childTnLst>
+                                </p:cTn>
+                              </p:par>
+                            </p:childTnLst>
+                          </p:cTn>
+                        </p:par>
+                      </p:childTnLst>
+                    </p:cTn>
+                  </p:par>
+                </p:childTnLst>
+              </p:cTn>
+              <p:prevCondLst>
+                <p:cond evt="onPrev" delay="0">
+                  <p:tgtEl>
+                    <p:sldTgt/>
+                  </p:tgtEl>
+                </p:cond>
+              </p:prevCondLst>
+              <p:nextCondLst>
+                <p:cond evt="onNext" delay="0">
+                  <p:tgtEl>
+                    <p:sldTgt/>
+                  </p:tgtEl>
+                </p:cond>
+              </p:nextCondLst>
+            </p:seq>
+          </p:childTnLst>
+        </p:cTn>
       </p:par>
     </p:tnLst>
+    <p:bldLst>
+      <p:bldP spid="9" grpId="0"/>
+    </p:bldLst>
   </p:timing>
 </p:sld>
 </file>
@@ -10235,7 +10913,7 @@
             </a:pPr>
             <a:fld id="{FE6E1870-06B1-4C27-87D8-FFFE4B51458A}" type="datetime1">
               <a:rPr lang="de-DE" smtClean="0"/>
-              <a:t>06.08.2018</a:t>
+              <a:t>07.08.2018</a:t>
             </a:fld>
             <a:endParaRPr lang="de-DE" dirty="0"/>
           </a:p>
@@ -11559,7 +12237,7 @@
             </a:pPr>
             <a:fld id="{7C19136F-A910-4FB0-ACF8-AEB668541EC5}" type="datetime1">
               <a:rPr lang="de-DE" smtClean="0"/>
-              <a:t>06.08.2018</a:t>
+              <a:t>07.08.2018</a:t>
             </a:fld>
             <a:endParaRPr lang="de-DE" dirty="0"/>
           </a:p>
@@ -11833,7 +12511,7 @@
             </a:pPr>
             <a:fld id="{07E8D44E-8732-4D0E-BB56-183E437489F7}" type="datetime1">
               <a:rPr lang="de-DE" smtClean="0"/>
-              <a:t>06.08.2018</a:t>
+              <a:t>07.08.2018</a:t>
             </a:fld>
             <a:endParaRPr lang="de-DE" dirty="0"/>
           </a:p>
@@ -12953,7 +13631,7 @@
             </a:pPr>
             <a:fld id="{07E8D44E-8732-4D0E-BB56-183E437489F7}" type="datetime1">
               <a:rPr lang="de-DE" smtClean="0"/>
-              <a:t>06.08.2018</a:t>
+              <a:t>07.08.2018</a:t>
             </a:fld>
             <a:endParaRPr lang="de-DE" dirty="0"/>
           </a:p>
@@ -13645,7 +14323,7 @@
             </a:pPr>
             <a:fld id="{07E8D44E-8732-4D0E-BB56-183E437489F7}" type="datetime1">
               <a:rPr lang="de-DE" smtClean="0"/>
-              <a:t>06.08.2018</a:t>
+              <a:t>07.08.2018</a:t>
             </a:fld>
             <a:endParaRPr lang="de-DE" dirty="0"/>
           </a:p>
@@ -14092,7 +14770,7 @@
             </a:pPr>
             <a:fld id="{07E8D44E-8732-4D0E-BB56-183E437489F7}" type="datetime1">
               <a:rPr lang="de-DE" smtClean="0"/>
-              <a:t>06.08.2018</a:t>
+              <a:t>07.08.2018</a:t>
             </a:fld>
             <a:endParaRPr lang="de-DE" dirty="0"/>
           </a:p>
@@ -14758,7 +15436,7 @@
             </a:pPr>
             <a:fld id="{07E8D44E-8732-4D0E-BB56-183E437489F7}" type="datetime1">
               <a:rPr lang="de-DE" smtClean="0"/>
-              <a:t>06.08.2018</a:t>
+              <a:t>07.08.2018</a:t>
             </a:fld>
             <a:endParaRPr lang="de-DE" dirty="0"/>
           </a:p>
@@ -15360,7 +16038,7 @@
             </a:pPr>
             <a:fld id="{7C19136F-A910-4FB0-ACF8-AEB668541EC5}" type="datetime1">
               <a:rPr lang="de-DE" smtClean="0"/>
-              <a:t>06.08.2018</a:t>
+              <a:t>07.08.2018</a:t>
             </a:fld>
             <a:endParaRPr lang="de-DE" dirty="0"/>
           </a:p>
@@ -15490,13 +16168,7 @@
       </p:grpSpPr>
       <p:pic>
         <p:nvPicPr>
-          <p:cNvPr id="7" name="Inhaltsplatzhalter 6">
-            <a:extLst>
-              <a:ext uri="{FF2B5EF4-FFF2-40B4-BE49-F238E27FC236}">
-                <a16:creationId xmlns:a16="http://schemas.microsoft.com/office/drawing/2014/main" id="{6853E3AF-C3D4-4592-BBD5-C21F7F3052F2}"/>
-              </a:ext>
-            </a:extLst>
-          </p:cNvPr>
+          <p:cNvPr id="35" name="Inhaltsplatzhalter 34"/>
           <p:cNvPicPr>
             <a:picLocks noGrp="1" noChangeAspect="1"/>
           </p:cNvPicPr>
@@ -15505,15 +16177,42 @@
           </p:nvPr>
         </p:nvPicPr>
         <p:blipFill>
-          <a:blip r:embed="rId3"/>
+          <a:blip r:embed="rId3" cstate="print">
+            <a:extLst>
+              <a:ext uri="{28A0092B-C50C-407E-A947-70E740481C1C}">
+                <a14:useLocalDpi xmlns:a14="http://schemas.microsoft.com/office/drawing/2010/main" val="0"/>
+              </a:ext>
+            </a:extLst>
+          </a:blip>
           <a:stretch>
             <a:fillRect/>
           </a:stretch>
         </p:blipFill>
         <p:spPr>
           <a:xfrm>
-            <a:off x="611560" y="1340768"/>
-            <a:ext cx="8064896" cy="4464496"/>
+            <a:off x="7049465" y="4786616"/>
+            <a:ext cx="445745" cy="45719"/>
+          </a:xfrm>
+        </p:spPr>
+      </p:pic>
+      <p:pic>
+        <p:nvPicPr>
+          <p:cNvPr id="33" name="Grafik 32"/>
+          <p:cNvPicPr>
+            <a:picLocks noChangeAspect="1"/>
+          </p:cNvPicPr>
+          <p:nvPr/>
+        </p:nvPicPr>
+        <p:blipFill>
+          <a:blip r:embed="rId4"/>
+          <a:stretch>
+            <a:fillRect/>
+          </a:stretch>
+        </p:blipFill>
+        <p:spPr>
+          <a:xfrm>
+            <a:off x="3806882" y="5021799"/>
+            <a:ext cx="1543050" cy="1152525"/>
           </a:xfrm>
           <a:prstGeom prst="rect">
             <a:avLst/>
@@ -15525,7 +16224,7 @@
           <p:cNvPr id="3" name="Datumsplatzhalter 2">
             <a:extLst>
               <a:ext uri="{FF2B5EF4-FFF2-40B4-BE49-F238E27FC236}">
-                <a16:creationId xmlns:a16="http://schemas.microsoft.com/office/drawing/2014/main" id="{FBF76DBE-ADB9-4500-A2AE-C3241781807F}"/>
+                <a16:creationId xmlns:a16="http://schemas.microsoft.com/office/drawing/2014/main" id="{EA698F7D-AD31-42D7-89D9-EE2913A57FDB}"/>
               </a:ext>
             </a:extLst>
           </p:cNvPr>
@@ -15544,9 +16243,9 @@
             <a:pPr>
               <a:defRPr/>
             </a:pPr>
-            <a:fld id="{F1352BCB-0184-4C0C-82E0-72D8A8DEF43D}" type="datetime1">
+            <a:fld id="{2579BFDA-05B3-4E94-92EB-A0F56D3C28B0}" type="datetime1">
               <a:rPr lang="de-DE" smtClean="0"/>
-              <a:t>06.08.2018</a:t>
+              <a:t>07.08.2018</a:t>
             </a:fld>
             <a:endParaRPr lang="de-DE" dirty="0"/>
           </a:p>
@@ -15557,7 +16256,7 @@
           <p:cNvPr id="4" name="Fußzeilenplatzhalter 3">
             <a:extLst>
               <a:ext uri="{FF2B5EF4-FFF2-40B4-BE49-F238E27FC236}">
-                <a16:creationId xmlns:a16="http://schemas.microsoft.com/office/drawing/2014/main" id="{DADCDB18-9C43-4D01-851D-2691C43B00CB}"/>
+                <a16:creationId xmlns:a16="http://schemas.microsoft.com/office/drawing/2014/main" id="{3C67034B-B5E8-4BC3-BBEC-8A86C0DF2F1C}"/>
               </a:ext>
             </a:extLst>
           </p:cNvPr>
@@ -15589,7 +16288,7 @@
           <p:cNvPr id="5" name="Foliennummernplatzhalter 4">
             <a:extLst>
               <a:ext uri="{FF2B5EF4-FFF2-40B4-BE49-F238E27FC236}">
-                <a16:creationId xmlns:a16="http://schemas.microsoft.com/office/drawing/2014/main" id="{1F57EB03-44BD-42A3-8F67-6862284A3A36}"/>
+                <a16:creationId xmlns:a16="http://schemas.microsoft.com/office/drawing/2014/main" id="{F4C300CD-BCCF-4684-A6FA-E6BD70660A8E}"/>
               </a:ext>
             </a:extLst>
           </p:cNvPr>
@@ -15624,7 +16323,7 @@
           <p:cNvPr id="6" name="Titel 5">
             <a:extLst>
               <a:ext uri="{FF2B5EF4-FFF2-40B4-BE49-F238E27FC236}">
-                <a16:creationId xmlns:a16="http://schemas.microsoft.com/office/drawing/2014/main" id="{78BDF2CB-7B1C-4AD1-AAA1-423956CB2B02}"/>
+                <a16:creationId xmlns:a16="http://schemas.microsoft.com/office/drawing/2014/main" id="{709B1105-C896-4936-89BD-45EBC7858502}"/>
               </a:ext>
             </a:extLst>
           </p:cNvPr>
@@ -15650,15 +16349,875 @@
             </a:r>
             <a:r>
               <a:rPr lang="de-DE" dirty="0"/>
-              <a:t>-Editor:: grundlegende Konzepte </a:t>
-            </a:r>
+              <a:t>-Editor:: Schnittstellen zwischen Komponenten</a:t>
+            </a:r>
+          </a:p>
+        </p:txBody>
+      </p:sp>
+      <p:sp>
+        <p:nvSpPr>
+          <p:cNvPr id="8" name="Abgerundetes Rechteck 7"/>
+          <p:cNvSpPr/>
+          <p:nvPr/>
+        </p:nvSpPr>
+        <p:spPr>
+          <a:xfrm>
+            <a:off x="4692252" y="1856817"/>
+            <a:ext cx="2111996" cy="723208"/>
+          </a:xfrm>
+          <a:prstGeom prst="roundRect">
+            <a:avLst/>
+          </a:prstGeom>
+          <a:solidFill>
+            <a:schemeClr val="bg2">
+              <a:lumMod val="50000"/>
+            </a:schemeClr>
+          </a:solidFill>
+        </p:spPr>
+        <p:style>
+          <a:lnRef idx="2">
+            <a:schemeClr val="accent1">
+              <a:shade val="50000"/>
+            </a:schemeClr>
+          </a:lnRef>
+          <a:fillRef idx="1">
+            <a:schemeClr val="accent1"/>
+          </a:fillRef>
+          <a:effectRef idx="0">
+            <a:schemeClr val="accent1"/>
+          </a:effectRef>
+          <a:fontRef idx="minor">
+            <a:schemeClr val="lt1"/>
+          </a:fontRef>
+        </p:style>
+        <p:txBody>
+          <a:bodyPr rtlCol="0" anchor="ctr"/>
+          <a:lstStyle/>
+          <a:p>
+            <a:pPr algn="ctr"/>
+            <a:r>
+              <a:rPr lang="de-DE" dirty="0" err="1" smtClean="0"/>
+              <a:t>Topology</a:t>
+            </a:r>
+            <a:r>
+              <a:rPr lang="de-DE" dirty="0" smtClean="0"/>
+              <a:t>-Editor-Client</a:t>
+            </a:r>
+            <a:endParaRPr lang="en-US" dirty="0"/>
+          </a:p>
+        </p:txBody>
+      </p:sp>
+      <p:sp>
+        <p:nvSpPr>
+          <p:cNvPr id="9" name="Abgerundetes Rechteck 8"/>
+          <p:cNvSpPr/>
+          <p:nvPr/>
+        </p:nvSpPr>
+        <p:spPr>
+          <a:xfrm>
+            <a:off x="3973800" y="3098484"/>
+            <a:ext cx="3757724" cy="856211"/>
+          </a:xfrm>
+          <a:prstGeom prst="roundRect">
+            <a:avLst/>
+          </a:prstGeom>
+          <a:solidFill>
+            <a:schemeClr val="bg2">
+              <a:lumMod val="50000"/>
+            </a:schemeClr>
+          </a:solidFill>
+        </p:spPr>
+        <p:style>
+          <a:lnRef idx="2">
+            <a:schemeClr val="accent1">
+              <a:shade val="50000"/>
+            </a:schemeClr>
+          </a:lnRef>
+          <a:fillRef idx="1">
+            <a:schemeClr val="accent1"/>
+          </a:fillRef>
+          <a:effectRef idx="0">
+            <a:schemeClr val="accent1"/>
+          </a:effectRef>
+          <a:fontRef idx="minor">
+            <a:schemeClr val="lt1"/>
+          </a:fontRef>
+        </p:style>
+        <p:txBody>
+          <a:bodyPr rtlCol="0" anchor="ctr"/>
+          <a:lstStyle/>
+          <a:p>
+            <a:pPr algn="ctr"/>
+            <a:r>
+              <a:rPr lang="de-DE" dirty="0" err="1" smtClean="0"/>
+              <a:t>Topology</a:t>
+            </a:r>
+            <a:r>
+              <a:rPr lang="de-DE" dirty="0" smtClean="0"/>
+              <a:t>-Editor-Server</a:t>
+            </a:r>
+            <a:endParaRPr lang="en-US" dirty="0"/>
+          </a:p>
+        </p:txBody>
+      </p:sp>
+      <p:sp>
+        <p:nvSpPr>
+          <p:cNvPr id="10" name="Abgerundetes Rechteck 9"/>
+          <p:cNvSpPr/>
+          <p:nvPr/>
+        </p:nvSpPr>
+        <p:spPr>
+          <a:xfrm>
+            <a:off x="2752205" y="4502463"/>
+            <a:ext cx="5195455" cy="582722"/>
+          </a:xfrm>
+          <a:prstGeom prst="roundRect">
+            <a:avLst/>
+          </a:prstGeom>
+          <a:solidFill>
+            <a:srgbClr val="C00000"/>
+          </a:solidFill>
+        </p:spPr>
+        <p:style>
+          <a:lnRef idx="2">
+            <a:schemeClr val="accent1">
+              <a:shade val="50000"/>
+            </a:schemeClr>
+          </a:lnRef>
+          <a:fillRef idx="1">
+            <a:schemeClr val="accent1"/>
+          </a:fillRef>
+          <a:effectRef idx="0">
+            <a:schemeClr val="accent1"/>
+          </a:effectRef>
+          <a:fontRef idx="minor">
+            <a:schemeClr val="lt1"/>
+          </a:fontRef>
+        </p:style>
+        <p:txBody>
+          <a:bodyPr rtlCol="0" anchor="ctr"/>
+          <a:lstStyle/>
+          <a:p>
+            <a:pPr algn="ctr"/>
+            <a:endParaRPr lang="en-US"/>
+          </a:p>
+        </p:txBody>
+      </p:sp>
+      <p:sp>
+        <p:nvSpPr>
+          <p:cNvPr id="11" name="Abgerundetes Rechteck 10"/>
+          <p:cNvSpPr/>
+          <p:nvPr/>
+        </p:nvSpPr>
+        <p:spPr>
+          <a:xfrm>
+            <a:off x="1895994" y="1916833"/>
+            <a:ext cx="856211" cy="3168352"/>
+          </a:xfrm>
+          <a:prstGeom prst="roundRect">
+            <a:avLst/>
+          </a:prstGeom>
+          <a:solidFill>
+            <a:srgbClr val="C00000"/>
+          </a:solidFill>
+        </p:spPr>
+        <p:style>
+          <a:lnRef idx="2">
+            <a:schemeClr val="accent1">
+              <a:shade val="50000"/>
+            </a:schemeClr>
+          </a:lnRef>
+          <a:fillRef idx="1">
+            <a:schemeClr val="accent1"/>
+          </a:fillRef>
+          <a:effectRef idx="0">
+            <a:schemeClr val="accent1"/>
+          </a:effectRef>
+          <a:fontRef idx="minor">
+            <a:schemeClr val="lt1"/>
+          </a:fontRef>
+        </p:style>
+        <p:txBody>
+          <a:bodyPr rtlCol="0" anchor="ctr"/>
+          <a:lstStyle/>
+          <a:p>
+            <a:pPr algn="ctr"/>
+            <a:endParaRPr lang="en-US"/>
+          </a:p>
+        </p:txBody>
+      </p:sp>
+      <p:sp>
+        <p:nvSpPr>
+          <p:cNvPr id="13" name="Flussdiagramm: Magnetplattenspeicher 12"/>
+          <p:cNvSpPr/>
+          <p:nvPr/>
+        </p:nvSpPr>
+        <p:spPr>
+          <a:xfrm>
+            <a:off x="624147" y="3248600"/>
+            <a:ext cx="756458" cy="598169"/>
+          </a:xfrm>
+          <a:prstGeom prst="flowChartMagneticDisk">
+            <a:avLst/>
+          </a:prstGeom>
+          <a:solidFill>
+            <a:schemeClr val="bg2">
+              <a:lumMod val="50000"/>
+            </a:schemeClr>
+          </a:solidFill>
+        </p:spPr>
+        <p:style>
+          <a:lnRef idx="2">
+            <a:schemeClr val="accent1">
+              <a:shade val="50000"/>
+            </a:schemeClr>
+          </a:lnRef>
+          <a:fillRef idx="1">
+            <a:schemeClr val="accent1"/>
+          </a:fillRef>
+          <a:effectRef idx="0">
+            <a:schemeClr val="accent1"/>
+          </a:effectRef>
+          <a:fontRef idx="minor">
+            <a:schemeClr val="lt1"/>
+          </a:fontRef>
+        </p:style>
+        <p:txBody>
+          <a:bodyPr rtlCol="0" anchor="ctr"/>
+          <a:lstStyle/>
+          <a:p>
+            <a:pPr algn="ctr"/>
+            <a:endParaRPr lang="en-US"/>
+          </a:p>
+        </p:txBody>
+      </p:sp>
+      <p:cxnSp>
+        <p:nvCxnSpPr>
+          <p:cNvPr id="14" name="Gewinkelter Verbinder 13"/>
+          <p:cNvCxnSpPr>
+            <a:stCxn id="13" idx="1"/>
+          </p:cNvCxnSpPr>
+          <p:nvPr/>
+        </p:nvCxnSpPr>
+        <p:spPr>
+          <a:xfrm rot="5400000" flipH="1" flipV="1">
+            <a:off x="1144559" y="2497165"/>
+            <a:ext cx="609253" cy="893618"/>
+          </a:xfrm>
+          <a:prstGeom prst="bentConnector2">
+            <a:avLst/>
+          </a:prstGeom>
+          <a:ln w="50800">
+            <a:solidFill>
+              <a:srgbClr val="C00000"/>
+            </a:solidFill>
+            <a:headEnd type="triangle"/>
+            <a:tailEnd type="triangle"/>
+          </a:ln>
+        </p:spPr>
+        <p:style>
+          <a:lnRef idx="1">
+            <a:schemeClr val="accent1"/>
+          </a:lnRef>
+          <a:fillRef idx="0">
+            <a:schemeClr val="accent1"/>
+          </a:fillRef>
+          <a:effectRef idx="0">
+            <a:schemeClr val="accent1"/>
+          </a:effectRef>
+          <a:fontRef idx="minor">
+            <a:schemeClr val="tx1"/>
+          </a:fontRef>
+        </p:style>
+      </p:cxnSp>
+      <p:sp>
+        <p:nvSpPr>
+          <p:cNvPr id="15" name="Textfeld 14"/>
+          <p:cNvSpPr txBox="1"/>
+          <p:nvPr/>
+        </p:nvSpPr>
+        <p:spPr>
+          <a:xfrm>
+            <a:off x="1999868" y="4598914"/>
+            <a:ext cx="4804380" cy="461665"/>
+          </a:xfrm>
+          <a:prstGeom prst="rect">
+            <a:avLst/>
+          </a:prstGeom>
+          <a:noFill/>
+        </p:spPr>
+        <p:txBody>
+          <a:bodyPr wrap="square" rtlCol="0">
+            <a:spAutoFit/>
+          </a:bodyPr>
+          <a:lstStyle/>
+          <a:p>
+            <a:r>
+              <a:rPr lang="de-DE" sz="2400" b="1" dirty="0" smtClean="0">
+                <a:solidFill>
+                  <a:schemeClr val="bg1"/>
+                </a:solidFill>
+              </a:rPr>
+              <a:t>Communication Studio</a:t>
+            </a:r>
+            <a:endParaRPr lang="en-US" sz="2400" b="1" dirty="0">
+              <a:solidFill>
+                <a:schemeClr val="bg1"/>
+              </a:solidFill>
+            </a:endParaRPr>
+          </a:p>
+        </p:txBody>
+      </p:sp>
+      <p:cxnSp>
+        <p:nvCxnSpPr>
+          <p:cNvPr id="16" name="Gewinkelter Verbinder 15"/>
+          <p:cNvCxnSpPr/>
+          <p:nvPr/>
+        </p:nvCxnSpPr>
+        <p:spPr>
+          <a:xfrm>
+            <a:off x="2752205" y="3645024"/>
+            <a:ext cx="1221595" cy="0"/>
+          </a:xfrm>
+          <a:prstGeom prst="straightConnector1">
+            <a:avLst/>
+          </a:prstGeom>
+          <a:ln w="50800">
+            <a:solidFill>
+              <a:schemeClr val="bg2">
+                <a:lumMod val="50000"/>
+              </a:schemeClr>
+            </a:solidFill>
+            <a:headEnd type="triangle"/>
+            <a:tailEnd type="triangle"/>
+          </a:ln>
+        </p:spPr>
+        <p:style>
+          <a:lnRef idx="1">
+            <a:schemeClr val="accent1"/>
+          </a:lnRef>
+          <a:fillRef idx="0">
+            <a:schemeClr val="accent1"/>
+          </a:fillRef>
+          <a:effectRef idx="0">
+            <a:schemeClr val="accent1"/>
+          </a:effectRef>
+          <a:fontRef idx="minor">
+            <a:schemeClr val="tx1"/>
+          </a:fontRef>
+        </p:style>
+      </p:cxnSp>
+      <p:sp>
+        <p:nvSpPr>
+          <p:cNvPr id="23" name="Pfeil nach oben und unten 22"/>
+          <p:cNvSpPr/>
+          <p:nvPr/>
+        </p:nvSpPr>
+        <p:spPr>
+          <a:xfrm>
+            <a:off x="5708646" y="2689368"/>
+            <a:ext cx="144016" cy="329081"/>
+          </a:xfrm>
+          <a:prstGeom prst="upDownArrow">
+            <a:avLst/>
+          </a:prstGeom>
+          <a:solidFill>
+            <a:schemeClr val="bg2">
+              <a:lumMod val="50000"/>
+            </a:schemeClr>
+          </a:solidFill>
+        </p:spPr>
+        <p:style>
+          <a:lnRef idx="2">
+            <a:schemeClr val="accent1">
+              <a:shade val="50000"/>
+            </a:schemeClr>
+          </a:lnRef>
+          <a:fillRef idx="1">
+            <a:schemeClr val="accent1"/>
+          </a:fillRef>
+          <a:effectRef idx="0">
+            <a:schemeClr val="accent1"/>
+          </a:effectRef>
+          <a:fontRef idx="minor">
+            <a:schemeClr val="lt1"/>
+          </a:fontRef>
+        </p:style>
+        <p:txBody>
+          <a:bodyPr rtlCol="0" anchor="ctr"/>
+          <a:lstStyle/>
+          <a:p>
+            <a:pPr algn="ctr"/>
+            <a:endParaRPr lang="en-US"/>
+          </a:p>
+        </p:txBody>
+      </p:sp>
+      <p:cxnSp>
+        <p:nvCxnSpPr>
+          <p:cNvPr id="24" name="Gewinkelter Verbinder 23"/>
+          <p:cNvCxnSpPr/>
+          <p:nvPr/>
+        </p:nvCxnSpPr>
+        <p:spPr>
+          <a:xfrm flipH="1" flipV="1">
+            <a:off x="4644008" y="3954695"/>
+            <a:ext cx="3648" cy="519337"/>
+          </a:xfrm>
+          <a:prstGeom prst="straightConnector1">
+            <a:avLst/>
+          </a:prstGeom>
+          <a:ln w="50800">
+            <a:solidFill>
+              <a:schemeClr val="bg2">
+                <a:lumMod val="50000"/>
+              </a:schemeClr>
+            </a:solidFill>
+            <a:headEnd type="triangle"/>
+            <a:tailEnd type="triangle"/>
+          </a:ln>
+        </p:spPr>
+        <p:style>
+          <a:lnRef idx="1">
+            <a:schemeClr val="accent1"/>
+          </a:lnRef>
+          <a:fillRef idx="0">
+            <a:schemeClr val="accent1"/>
+          </a:fillRef>
+          <a:effectRef idx="0">
+            <a:schemeClr val="accent1"/>
+          </a:effectRef>
+          <a:fontRef idx="minor">
+            <a:schemeClr val="tx1"/>
+          </a:fontRef>
+        </p:style>
+      </p:cxnSp>
+      <p:cxnSp>
+        <p:nvCxnSpPr>
+          <p:cNvPr id="28" name="Gewinkelter Verbinder 27"/>
+          <p:cNvCxnSpPr/>
+          <p:nvPr/>
+        </p:nvCxnSpPr>
+        <p:spPr>
+          <a:xfrm flipV="1">
+            <a:off x="5940152" y="3989654"/>
+            <a:ext cx="1" cy="475164"/>
+          </a:xfrm>
+          <a:prstGeom prst="straightConnector1">
+            <a:avLst/>
+          </a:prstGeom>
+          <a:ln w="50800">
+            <a:solidFill>
+              <a:schemeClr val="bg2">
+                <a:lumMod val="50000"/>
+              </a:schemeClr>
+            </a:solidFill>
+            <a:headEnd type="triangle"/>
+            <a:tailEnd type="triangle"/>
+          </a:ln>
+        </p:spPr>
+        <p:style>
+          <a:lnRef idx="1">
+            <a:schemeClr val="accent1"/>
+          </a:lnRef>
+          <a:fillRef idx="0">
+            <a:schemeClr val="accent1"/>
+          </a:fillRef>
+          <a:effectRef idx="0">
+            <a:schemeClr val="accent1"/>
+          </a:effectRef>
+          <a:fontRef idx="minor">
+            <a:schemeClr val="tx1"/>
+          </a:fontRef>
+        </p:style>
+      </p:cxnSp>
+      <p:pic>
+        <p:nvPicPr>
+          <p:cNvPr id="36" name="Grafik 35"/>
+          <p:cNvPicPr>
+            <a:picLocks noChangeAspect="1"/>
+          </p:cNvPicPr>
+          <p:nvPr/>
+        </p:nvPicPr>
+        <p:blipFill>
+          <a:blip r:embed="rId5"/>
+          <a:stretch>
+            <a:fillRect/>
+          </a:stretch>
+        </p:blipFill>
+        <p:spPr>
+          <a:xfrm>
+            <a:off x="5594984" y="5120143"/>
+            <a:ext cx="1619250" cy="1295400"/>
+          </a:xfrm>
+          <a:prstGeom prst="rect">
+            <a:avLst/>
+          </a:prstGeom>
+        </p:spPr>
+      </p:pic>
+      <p:sp>
+        <p:nvSpPr>
+          <p:cNvPr id="41" name="Textfeld 40"/>
+          <p:cNvSpPr txBox="1"/>
+          <p:nvPr/>
+        </p:nvSpPr>
+        <p:spPr>
+          <a:xfrm>
+            <a:off x="467544" y="3989654"/>
+            <a:ext cx="1224136" cy="369332"/>
+          </a:xfrm>
+          <a:prstGeom prst="rect">
+            <a:avLst/>
+          </a:prstGeom>
+          <a:noFill/>
+        </p:spPr>
+        <p:txBody>
+          <a:bodyPr wrap="square" rtlCol="0">
+            <a:spAutoFit/>
+          </a:bodyPr>
+          <a:lstStyle/>
+          <a:p>
+            <a:r>
+              <a:rPr lang="de-DE" dirty="0" smtClean="0"/>
+              <a:t>Data Store</a:t>
+            </a:r>
+            <a:endParaRPr lang="en-US" dirty="0"/>
+          </a:p>
+        </p:txBody>
+      </p:sp>
+      <p:pic>
+        <p:nvPicPr>
+          <p:cNvPr id="42" name="Grafik 41"/>
+          <p:cNvPicPr>
+            <a:picLocks noChangeAspect="1"/>
+          </p:cNvPicPr>
+          <p:nvPr/>
+        </p:nvPicPr>
+        <p:blipFill>
+          <a:blip r:embed="rId6"/>
+          <a:stretch>
+            <a:fillRect/>
+          </a:stretch>
+        </p:blipFill>
+        <p:spPr>
+          <a:xfrm>
+            <a:off x="1810320" y="1135033"/>
+            <a:ext cx="5667375" cy="476250"/>
+          </a:xfrm>
+          <a:prstGeom prst="rect">
+            <a:avLst/>
+          </a:prstGeom>
+        </p:spPr>
+      </p:pic>
+      <p:sp>
+        <p:nvSpPr>
+          <p:cNvPr id="43" name="Ellipse 42"/>
+          <p:cNvSpPr/>
+          <p:nvPr/>
+        </p:nvSpPr>
+        <p:spPr>
+          <a:xfrm>
+            <a:off x="3203904" y="3717399"/>
+            <a:ext cx="231162" cy="230303"/>
+          </a:xfrm>
+          <a:prstGeom prst="ellipse">
+            <a:avLst/>
+          </a:prstGeom>
+        </p:spPr>
+        <p:style>
+          <a:lnRef idx="2">
+            <a:schemeClr val="accent1">
+              <a:shade val="50000"/>
+            </a:schemeClr>
+          </a:lnRef>
+          <a:fillRef idx="1">
+            <a:schemeClr val="accent1"/>
+          </a:fillRef>
+          <a:effectRef idx="0">
+            <a:schemeClr val="accent1"/>
+          </a:effectRef>
+          <a:fontRef idx="minor">
+            <a:schemeClr val="lt1"/>
+          </a:fontRef>
+        </p:style>
+        <p:txBody>
+          <a:bodyPr rtlCol="0" anchor="ctr"/>
+          <a:lstStyle/>
+          <a:p>
+            <a:pPr algn="ctr"/>
+            <a:r>
+              <a:rPr lang="de-DE" dirty="0" smtClean="0"/>
+              <a:t>1</a:t>
+            </a:r>
+            <a:endParaRPr lang="en-US" dirty="0"/>
+          </a:p>
+        </p:txBody>
+      </p:sp>
+      <p:sp>
+        <p:nvSpPr>
+          <p:cNvPr id="44" name="Ellipse 43"/>
+          <p:cNvSpPr/>
+          <p:nvPr/>
+        </p:nvSpPr>
+        <p:spPr>
+          <a:xfrm>
+            <a:off x="4692252" y="4070106"/>
+            <a:ext cx="231162" cy="230303"/>
+          </a:xfrm>
+          <a:prstGeom prst="ellipse">
+            <a:avLst/>
+          </a:prstGeom>
+        </p:spPr>
+        <p:style>
+          <a:lnRef idx="2">
+            <a:schemeClr val="accent1">
+              <a:shade val="50000"/>
+            </a:schemeClr>
+          </a:lnRef>
+          <a:fillRef idx="1">
+            <a:schemeClr val="accent1"/>
+          </a:fillRef>
+          <a:effectRef idx="0">
+            <a:schemeClr val="accent1"/>
+          </a:effectRef>
+          <a:fontRef idx="minor">
+            <a:schemeClr val="lt1"/>
+          </a:fontRef>
+        </p:style>
+        <p:txBody>
+          <a:bodyPr rtlCol="0" anchor="ctr"/>
+          <a:lstStyle/>
+          <a:p>
+            <a:pPr algn="ctr"/>
+            <a:r>
+              <a:rPr lang="de-DE" dirty="0" smtClean="0"/>
+              <a:t>2</a:t>
+            </a:r>
+            <a:endParaRPr lang="en-US" dirty="0"/>
+          </a:p>
+        </p:txBody>
+      </p:sp>
+      <p:sp>
+        <p:nvSpPr>
+          <p:cNvPr id="45" name="Ellipse 44"/>
+          <p:cNvSpPr/>
+          <p:nvPr/>
+        </p:nvSpPr>
+        <p:spPr>
+          <a:xfrm>
+            <a:off x="6027827" y="4122084"/>
+            <a:ext cx="231162" cy="230303"/>
+          </a:xfrm>
+          <a:prstGeom prst="ellipse">
+            <a:avLst/>
+          </a:prstGeom>
+        </p:spPr>
+        <p:style>
+          <a:lnRef idx="2">
+            <a:schemeClr val="accent1">
+              <a:shade val="50000"/>
+            </a:schemeClr>
+          </a:lnRef>
+          <a:fillRef idx="1">
+            <a:schemeClr val="accent1"/>
+          </a:fillRef>
+          <a:effectRef idx="0">
+            <a:schemeClr val="accent1"/>
+          </a:effectRef>
+          <a:fontRef idx="minor">
+            <a:schemeClr val="lt1"/>
+          </a:fontRef>
+        </p:style>
+        <p:txBody>
+          <a:bodyPr rtlCol="0" anchor="ctr"/>
+          <a:lstStyle/>
+          <a:p>
+            <a:pPr algn="ctr"/>
+            <a:r>
+              <a:rPr lang="de-DE" dirty="0" smtClean="0"/>
+              <a:t>3</a:t>
+            </a:r>
+            <a:endParaRPr lang="en-US" dirty="0"/>
+          </a:p>
+        </p:txBody>
+      </p:sp>
+      <p:sp>
+        <p:nvSpPr>
+          <p:cNvPr id="46" name="Ellipse 45"/>
+          <p:cNvSpPr/>
+          <p:nvPr/>
+        </p:nvSpPr>
+        <p:spPr>
+          <a:xfrm>
+            <a:off x="5852662" y="2728749"/>
+            <a:ext cx="231162" cy="230303"/>
+          </a:xfrm>
+          <a:prstGeom prst="ellipse">
+            <a:avLst/>
+          </a:prstGeom>
+        </p:spPr>
+        <p:style>
+          <a:lnRef idx="2">
+            <a:schemeClr val="accent1">
+              <a:shade val="50000"/>
+            </a:schemeClr>
+          </a:lnRef>
+          <a:fillRef idx="1">
+            <a:schemeClr val="accent1"/>
+          </a:fillRef>
+          <a:effectRef idx="0">
+            <a:schemeClr val="accent1"/>
+          </a:effectRef>
+          <a:fontRef idx="minor">
+            <a:schemeClr val="lt1"/>
+          </a:fontRef>
+        </p:style>
+        <p:txBody>
+          <a:bodyPr rtlCol="0" anchor="ctr"/>
+          <a:lstStyle/>
+          <a:p>
+            <a:pPr algn="ctr"/>
+            <a:r>
+              <a:rPr lang="de-DE" dirty="0"/>
+              <a:t>4</a:t>
+            </a:r>
+            <a:endParaRPr lang="en-US" dirty="0"/>
+          </a:p>
+        </p:txBody>
+      </p:sp>
+      <p:cxnSp>
+        <p:nvCxnSpPr>
+          <p:cNvPr id="48" name="Gerader Verbinder 47"/>
+          <p:cNvCxnSpPr/>
+          <p:nvPr/>
+        </p:nvCxnSpPr>
+        <p:spPr>
+          <a:xfrm flipV="1">
+            <a:off x="6876256" y="1813337"/>
+            <a:ext cx="337978" cy="175505"/>
+          </a:xfrm>
+          <a:prstGeom prst="line">
+            <a:avLst/>
+          </a:prstGeom>
+          <a:ln w="25400">
+            <a:prstDash val="dash"/>
+            <a:headEnd type="none" w="med" len="sm"/>
+            <a:tailEnd type="triangle"/>
+          </a:ln>
+        </p:spPr>
+        <p:style>
+          <a:lnRef idx="1">
+            <a:schemeClr val="accent1"/>
+          </a:lnRef>
+          <a:fillRef idx="0">
+            <a:schemeClr val="accent1"/>
+          </a:fillRef>
+          <a:effectRef idx="0">
+            <a:schemeClr val="accent1"/>
+          </a:effectRef>
+          <a:fontRef idx="minor">
+            <a:schemeClr val="tx1"/>
+          </a:fontRef>
+        </p:style>
+      </p:cxnSp>
+      <p:sp>
+        <p:nvSpPr>
+          <p:cNvPr id="49" name="Textfeld 48"/>
+          <p:cNvSpPr txBox="1"/>
+          <p:nvPr/>
+        </p:nvSpPr>
+        <p:spPr>
+          <a:xfrm>
+            <a:off x="7152609" y="1671917"/>
+            <a:ext cx="1440160" cy="276999"/>
+          </a:xfrm>
+          <a:prstGeom prst="rect">
+            <a:avLst/>
+          </a:prstGeom>
+          <a:noFill/>
+        </p:spPr>
+        <p:txBody>
+          <a:bodyPr wrap="square" rtlCol="0">
+            <a:spAutoFit/>
+          </a:bodyPr>
+          <a:lstStyle/>
+          <a:p>
+            <a:r>
+              <a:rPr lang="de-DE" sz="1200" b="1" dirty="0" smtClean="0"/>
+              <a:t>Web-Komponente</a:t>
+            </a:r>
+            <a:endParaRPr lang="en-US" sz="1200" b="1" dirty="0"/>
+          </a:p>
+        </p:txBody>
+      </p:sp>
+      <p:cxnSp>
+        <p:nvCxnSpPr>
+          <p:cNvPr id="52" name="Gerader Verbinder 51"/>
+          <p:cNvCxnSpPr/>
+          <p:nvPr/>
+        </p:nvCxnSpPr>
+        <p:spPr>
+          <a:xfrm flipV="1">
+            <a:off x="6823130" y="2206324"/>
+            <a:ext cx="337978" cy="175505"/>
+          </a:xfrm>
+          <a:prstGeom prst="line">
+            <a:avLst/>
+          </a:prstGeom>
+          <a:ln w="25400">
+            <a:prstDash val="dash"/>
+            <a:headEnd type="none" w="med" len="sm"/>
+            <a:tailEnd type="triangle"/>
+          </a:ln>
+        </p:spPr>
+        <p:style>
+          <a:lnRef idx="1">
+            <a:schemeClr val="accent1"/>
+          </a:lnRef>
+          <a:fillRef idx="0">
+            <a:schemeClr val="accent1"/>
+          </a:fillRef>
+          <a:effectRef idx="0">
+            <a:schemeClr val="accent1"/>
+          </a:effectRef>
+          <a:fontRef idx="minor">
+            <a:schemeClr val="tx1"/>
+          </a:fontRef>
+        </p:style>
+      </p:cxnSp>
+      <p:sp>
+        <p:nvSpPr>
+          <p:cNvPr id="53" name="Textfeld 52"/>
+          <p:cNvSpPr txBox="1"/>
+          <p:nvPr/>
+        </p:nvSpPr>
+        <p:spPr>
+          <a:xfrm>
+            <a:off x="7181786" y="2067824"/>
+            <a:ext cx="1626685" cy="276999"/>
+          </a:xfrm>
+          <a:prstGeom prst="rect">
+            <a:avLst/>
+          </a:prstGeom>
+          <a:noFill/>
+        </p:spPr>
+        <p:txBody>
+          <a:bodyPr wrap="square" rtlCol="0">
+            <a:spAutoFit/>
+          </a:bodyPr>
+          <a:lstStyle/>
+          <a:p>
+            <a:r>
+              <a:rPr lang="de-DE" sz="1200" b="1" dirty="0" smtClean="0"/>
+              <a:t>Desktop-Komponente</a:t>
+            </a:r>
+            <a:endParaRPr lang="en-US" sz="1200" b="1" dirty="0"/>
           </a:p>
         </p:txBody>
       </p:sp>
     </p:spTree>
     <p:extLst>
       <p:ext uri="{BB962C8B-B14F-4D97-AF65-F5344CB8AC3E}">
-        <p14:creationId xmlns:p14="http://schemas.microsoft.com/office/powerpoint/2010/main" val="3817495753"/>
+        <p14:creationId xmlns:p14="http://schemas.microsoft.com/office/powerpoint/2010/main" val="1073026132"/>
       </p:ext>
     </p:extLst>
   </p:cSld>
@@ -15668,9 +17227,402 @@
   <p:timing>
     <p:tnLst>
       <p:par>
-        <p:cTn id="1" dur="indefinite" restart="never" nodeType="tmRoot"/>
+        <p:cTn id="1" dur="indefinite" restart="never" nodeType="tmRoot">
+          <p:childTnLst>
+            <p:seq concurrent="1" nextAc="seek">
+              <p:cTn id="2" dur="indefinite" nodeType="mainSeq">
+                <p:childTnLst>
+                  <p:par>
+                    <p:cTn id="3" fill="hold">
+                      <p:stCondLst>
+                        <p:cond delay="indefinite"/>
+                      </p:stCondLst>
+                      <p:childTnLst>
+                        <p:par>
+                          <p:cTn id="4" fill="hold">
+                            <p:stCondLst>
+                              <p:cond delay="0"/>
+                            </p:stCondLst>
+                            <p:childTnLst>
+                              <p:par>
+                                <p:cTn id="5" presetID="2" presetClass="entr" presetSubtype="4" fill="hold" grpId="0" nodeType="clickEffect">
+                                  <p:stCondLst>
+                                    <p:cond delay="0"/>
+                                  </p:stCondLst>
+                                  <p:childTnLst>
+                                    <p:set>
+                                      <p:cBhvr>
+                                        <p:cTn id="6" dur="1" fill="hold">
+                                          <p:stCondLst>
+                                            <p:cond delay="0"/>
+                                          </p:stCondLst>
+                                        </p:cTn>
+                                        <p:tgtEl>
+                                          <p:spTgt spid="43"/>
+                                        </p:tgtEl>
+                                        <p:attrNameLst>
+                                          <p:attrName>style.visibility</p:attrName>
+                                        </p:attrNameLst>
+                                      </p:cBhvr>
+                                      <p:to>
+                                        <p:strVal val="visible"/>
+                                      </p:to>
+                                    </p:set>
+                                    <p:anim calcmode="lin" valueType="num">
+                                      <p:cBhvr additive="base">
+                                        <p:cTn id="7" dur="500" fill="hold"/>
+                                        <p:tgtEl>
+                                          <p:spTgt spid="43"/>
+                                        </p:tgtEl>
+                                        <p:attrNameLst>
+                                          <p:attrName>ppt_x</p:attrName>
+                                        </p:attrNameLst>
+                                      </p:cBhvr>
+                                      <p:tavLst>
+                                        <p:tav tm="0">
+                                          <p:val>
+                                            <p:strVal val="#ppt_x"/>
+                                          </p:val>
+                                        </p:tav>
+                                        <p:tav tm="100000">
+                                          <p:val>
+                                            <p:strVal val="#ppt_x"/>
+                                          </p:val>
+                                        </p:tav>
+                                      </p:tavLst>
+                                    </p:anim>
+                                    <p:anim calcmode="lin" valueType="num">
+                                      <p:cBhvr additive="base">
+                                        <p:cTn id="8" dur="500" fill="hold"/>
+                                        <p:tgtEl>
+                                          <p:spTgt spid="43"/>
+                                        </p:tgtEl>
+                                        <p:attrNameLst>
+                                          <p:attrName>ppt_y</p:attrName>
+                                        </p:attrNameLst>
+                                      </p:cBhvr>
+                                      <p:tavLst>
+                                        <p:tav tm="0">
+                                          <p:val>
+                                            <p:strVal val="1+#ppt_h/2"/>
+                                          </p:val>
+                                        </p:tav>
+                                        <p:tav tm="100000">
+                                          <p:val>
+                                            <p:strVal val="#ppt_y"/>
+                                          </p:val>
+                                        </p:tav>
+                                      </p:tavLst>
+                                    </p:anim>
+                                  </p:childTnLst>
+                                </p:cTn>
+                              </p:par>
+                            </p:childTnLst>
+                          </p:cTn>
+                        </p:par>
+                      </p:childTnLst>
+                    </p:cTn>
+                  </p:par>
+                  <p:par>
+                    <p:cTn id="9" fill="hold">
+                      <p:stCondLst>
+                        <p:cond delay="indefinite"/>
+                      </p:stCondLst>
+                      <p:childTnLst>
+                        <p:par>
+                          <p:cTn id="10" fill="hold">
+                            <p:stCondLst>
+                              <p:cond delay="0"/>
+                            </p:stCondLst>
+                            <p:childTnLst>
+                              <p:par>
+                                <p:cTn id="11" presetID="2" presetClass="entr" presetSubtype="4" fill="hold" grpId="0" nodeType="clickEffect">
+                                  <p:stCondLst>
+                                    <p:cond delay="0"/>
+                                  </p:stCondLst>
+                                  <p:childTnLst>
+                                    <p:set>
+                                      <p:cBhvr>
+                                        <p:cTn id="12" dur="1" fill="hold">
+                                          <p:stCondLst>
+                                            <p:cond delay="0"/>
+                                          </p:stCondLst>
+                                        </p:cTn>
+                                        <p:tgtEl>
+                                          <p:spTgt spid="44"/>
+                                        </p:tgtEl>
+                                        <p:attrNameLst>
+                                          <p:attrName>style.visibility</p:attrName>
+                                        </p:attrNameLst>
+                                      </p:cBhvr>
+                                      <p:to>
+                                        <p:strVal val="visible"/>
+                                      </p:to>
+                                    </p:set>
+                                    <p:anim calcmode="lin" valueType="num">
+                                      <p:cBhvr additive="base">
+                                        <p:cTn id="13" dur="500" fill="hold"/>
+                                        <p:tgtEl>
+                                          <p:spTgt spid="44"/>
+                                        </p:tgtEl>
+                                        <p:attrNameLst>
+                                          <p:attrName>ppt_x</p:attrName>
+                                        </p:attrNameLst>
+                                      </p:cBhvr>
+                                      <p:tavLst>
+                                        <p:tav tm="0">
+                                          <p:val>
+                                            <p:strVal val="#ppt_x"/>
+                                          </p:val>
+                                        </p:tav>
+                                        <p:tav tm="100000">
+                                          <p:val>
+                                            <p:strVal val="#ppt_x"/>
+                                          </p:val>
+                                        </p:tav>
+                                      </p:tavLst>
+                                    </p:anim>
+                                    <p:anim calcmode="lin" valueType="num">
+                                      <p:cBhvr additive="base">
+                                        <p:cTn id="14" dur="500" fill="hold"/>
+                                        <p:tgtEl>
+                                          <p:spTgt spid="44"/>
+                                        </p:tgtEl>
+                                        <p:attrNameLst>
+                                          <p:attrName>ppt_y</p:attrName>
+                                        </p:attrNameLst>
+                                      </p:cBhvr>
+                                      <p:tavLst>
+                                        <p:tav tm="0">
+                                          <p:val>
+                                            <p:strVal val="1+#ppt_h/2"/>
+                                          </p:val>
+                                        </p:tav>
+                                        <p:tav tm="100000">
+                                          <p:val>
+                                            <p:strVal val="#ppt_y"/>
+                                          </p:val>
+                                        </p:tav>
+                                      </p:tavLst>
+                                    </p:anim>
+                                  </p:childTnLst>
+                                </p:cTn>
+                              </p:par>
+                            </p:childTnLst>
+                          </p:cTn>
+                        </p:par>
+                      </p:childTnLst>
+                    </p:cTn>
+                  </p:par>
+                  <p:par>
+                    <p:cTn id="15" fill="hold">
+                      <p:stCondLst>
+                        <p:cond delay="indefinite"/>
+                      </p:stCondLst>
+                      <p:childTnLst>
+                        <p:par>
+                          <p:cTn id="16" fill="hold">
+                            <p:stCondLst>
+                              <p:cond delay="0"/>
+                            </p:stCondLst>
+                            <p:childTnLst>
+                              <p:par>
+                                <p:cTn id="17" presetID="2" presetClass="entr" presetSubtype="4" fill="hold" grpId="0" nodeType="clickEffect">
+                                  <p:stCondLst>
+                                    <p:cond delay="0"/>
+                                  </p:stCondLst>
+                                  <p:childTnLst>
+                                    <p:set>
+                                      <p:cBhvr>
+                                        <p:cTn id="18" dur="1" fill="hold">
+                                          <p:stCondLst>
+                                            <p:cond delay="0"/>
+                                          </p:stCondLst>
+                                        </p:cTn>
+                                        <p:tgtEl>
+                                          <p:spTgt spid="45"/>
+                                        </p:tgtEl>
+                                        <p:attrNameLst>
+                                          <p:attrName>style.visibility</p:attrName>
+                                        </p:attrNameLst>
+                                      </p:cBhvr>
+                                      <p:to>
+                                        <p:strVal val="visible"/>
+                                      </p:to>
+                                    </p:set>
+                                    <p:anim calcmode="lin" valueType="num">
+                                      <p:cBhvr additive="base">
+                                        <p:cTn id="19" dur="500" fill="hold"/>
+                                        <p:tgtEl>
+                                          <p:spTgt spid="45"/>
+                                        </p:tgtEl>
+                                        <p:attrNameLst>
+                                          <p:attrName>ppt_x</p:attrName>
+                                        </p:attrNameLst>
+                                      </p:cBhvr>
+                                      <p:tavLst>
+                                        <p:tav tm="0">
+                                          <p:val>
+                                            <p:strVal val="#ppt_x"/>
+                                          </p:val>
+                                        </p:tav>
+                                        <p:tav tm="100000">
+                                          <p:val>
+                                            <p:strVal val="#ppt_x"/>
+                                          </p:val>
+                                        </p:tav>
+                                      </p:tavLst>
+                                    </p:anim>
+                                    <p:anim calcmode="lin" valueType="num">
+                                      <p:cBhvr additive="base">
+                                        <p:cTn id="20" dur="500" fill="hold"/>
+                                        <p:tgtEl>
+                                          <p:spTgt spid="45"/>
+                                        </p:tgtEl>
+                                        <p:attrNameLst>
+                                          <p:attrName>ppt_y</p:attrName>
+                                        </p:attrNameLst>
+                                      </p:cBhvr>
+                                      <p:tavLst>
+                                        <p:tav tm="0">
+                                          <p:val>
+                                            <p:strVal val="1+#ppt_h/2"/>
+                                          </p:val>
+                                        </p:tav>
+                                        <p:tav tm="100000">
+                                          <p:val>
+                                            <p:strVal val="#ppt_y"/>
+                                          </p:val>
+                                        </p:tav>
+                                      </p:tavLst>
+                                    </p:anim>
+                                  </p:childTnLst>
+                                </p:cTn>
+                              </p:par>
+                            </p:childTnLst>
+                          </p:cTn>
+                        </p:par>
+                      </p:childTnLst>
+                    </p:cTn>
+                  </p:par>
+                  <p:par>
+                    <p:cTn id="21" fill="hold">
+                      <p:stCondLst>
+                        <p:cond delay="indefinite"/>
+                      </p:stCondLst>
+                      <p:childTnLst>
+                        <p:par>
+                          <p:cTn id="22" fill="hold">
+                            <p:stCondLst>
+                              <p:cond delay="0"/>
+                            </p:stCondLst>
+                            <p:childTnLst>
+                              <p:par>
+                                <p:cTn id="23" presetID="2" presetClass="entr" presetSubtype="4" fill="hold" grpId="0" nodeType="clickEffect">
+                                  <p:stCondLst>
+                                    <p:cond delay="0"/>
+                                  </p:stCondLst>
+                                  <p:childTnLst>
+                                    <p:set>
+                                      <p:cBhvr>
+                                        <p:cTn id="24" dur="1" fill="hold">
+                                          <p:stCondLst>
+                                            <p:cond delay="0"/>
+                                          </p:stCondLst>
+                                        </p:cTn>
+                                        <p:tgtEl>
+                                          <p:spTgt spid="46"/>
+                                        </p:tgtEl>
+                                        <p:attrNameLst>
+                                          <p:attrName>style.visibility</p:attrName>
+                                        </p:attrNameLst>
+                                      </p:cBhvr>
+                                      <p:to>
+                                        <p:strVal val="visible"/>
+                                      </p:to>
+                                    </p:set>
+                                    <p:anim calcmode="lin" valueType="num">
+                                      <p:cBhvr additive="base">
+                                        <p:cTn id="25" dur="500" fill="hold"/>
+                                        <p:tgtEl>
+                                          <p:spTgt spid="46"/>
+                                        </p:tgtEl>
+                                        <p:attrNameLst>
+                                          <p:attrName>ppt_x</p:attrName>
+                                        </p:attrNameLst>
+                                      </p:cBhvr>
+                                      <p:tavLst>
+                                        <p:tav tm="0">
+                                          <p:val>
+                                            <p:strVal val="#ppt_x"/>
+                                          </p:val>
+                                        </p:tav>
+                                        <p:tav tm="100000">
+                                          <p:val>
+                                            <p:strVal val="#ppt_x"/>
+                                          </p:val>
+                                        </p:tav>
+                                      </p:tavLst>
+                                    </p:anim>
+                                    <p:anim calcmode="lin" valueType="num">
+                                      <p:cBhvr additive="base">
+                                        <p:cTn id="26" dur="500" fill="hold"/>
+                                        <p:tgtEl>
+                                          <p:spTgt spid="46"/>
+                                        </p:tgtEl>
+                                        <p:attrNameLst>
+                                          <p:attrName>ppt_y</p:attrName>
+                                        </p:attrNameLst>
+                                      </p:cBhvr>
+                                      <p:tavLst>
+                                        <p:tav tm="0">
+                                          <p:val>
+                                            <p:strVal val="1+#ppt_h/2"/>
+                                          </p:val>
+                                        </p:tav>
+                                        <p:tav tm="100000">
+                                          <p:val>
+                                            <p:strVal val="#ppt_y"/>
+                                          </p:val>
+                                        </p:tav>
+                                      </p:tavLst>
+                                    </p:anim>
+                                  </p:childTnLst>
+                                </p:cTn>
+                              </p:par>
+                            </p:childTnLst>
+                          </p:cTn>
+                        </p:par>
+                      </p:childTnLst>
+                    </p:cTn>
+                  </p:par>
+                </p:childTnLst>
+              </p:cTn>
+              <p:prevCondLst>
+                <p:cond evt="onPrev" delay="0">
+                  <p:tgtEl>
+                    <p:sldTgt/>
+                  </p:tgtEl>
+                </p:cond>
+              </p:prevCondLst>
+              <p:nextCondLst>
+                <p:cond evt="onNext" delay="0">
+                  <p:tgtEl>
+                    <p:sldTgt/>
+                  </p:tgtEl>
+                </p:cond>
+              </p:nextCondLst>
+            </p:seq>
+          </p:childTnLst>
+        </p:cTn>
       </p:par>
     </p:tnLst>
+    <p:bldLst>
+      <p:bldP spid="43" grpId="0" animBg="1"/>
+      <p:bldP spid="44" grpId="0" animBg="1"/>
+      <p:bldP spid="45" grpId="0" animBg="1"/>
+      <p:bldP spid="46" grpId="0" animBg="1"/>
+    </p:bldLst>
   </p:timing>
 </p:sld>
 </file>
@@ -15841,7 +17793,7 @@
             </a:pPr>
             <a:fld id="{7C19136F-A910-4FB0-ACF8-AEB668541EC5}" type="datetime1">
               <a:rPr lang="de-DE" smtClean="0"/>
-              <a:t>06.08.2018</a:t>
+              <a:t>07.08.2018</a:t>
             </a:fld>
             <a:endParaRPr lang="de-DE" dirty="0"/>
           </a:p>
@@ -16612,13 +18564,7 @@
       </p:grpSpPr>
       <p:pic>
         <p:nvPicPr>
-          <p:cNvPr id="7" name="Inhaltsplatzhalter 6">
-            <a:extLst>
-              <a:ext uri="{FF2B5EF4-FFF2-40B4-BE49-F238E27FC236}">
-                <a16:creationId xmlns:a16="http://schemas.microsoft.com/office/drawing/2014/main" id="{19C29CCF-9210-44B1-B66C-C81C0D35F8FF}"/>
-              </a:ext>
-            </a:extLst>
-          </p:cNvPr>
+          <p:cNvPr id="35" name="Inhaltsplatzhalter 34"/>
           <p:cNvPicPr>
             <a:picLocks noGrp="1" noChangeAspect="1"/>
           </p:cNvPicPr>
@@ -16627,15 +18573,42 @@
           </p:nvPr>
         </p:nvPicPr>
         <p:blipFill>
-          <a:blip r:embed="rId3"/>
+          <a:blip r:embed="rId3" cstate="print">
+            <a:extLst>
+              <a:ext uri="{28A0092B-C50C-407E-A947-70E740481C1C}">
+                <a14:useLocalDpi xmlns:a14="http://schemas.microsoft.com/office/drawing/2010/main" val="0"/>
+              </a:ext>
+            </a:extLst>
+          </a:blip>
           <a:stretch>
             <a:fillRect/>
           </a:stretch>
         </p:blipFill>
         <p:spPr>
           <a:xfrm>
-            <a:off x="610816" y="1484784"/>
-            <a:ext cx="7560840" cy="3384376"/>
+            <a:off x="7049465" y="4786616"/>
+            <a:ext cx="445745" cy="45719"/>
+          </a:xfrm>
+        </p:spPr>
+      </p:pic>
+      <p:pic>
+        <p:nvPicPr>
+          <p:cNvPr id="33" name="Grafik 32"/>
+          <p:cNvPicPr>
+            <a:picLocks noChangeAspect="1"/>
+          </p:cNvPicPr>
+          <p:nvPr/>
+        </p:nvPicPr>
+        <p:blipFill>
+          <a:blip r:embed="rId4"/>
+          <a:stretch>
+            <a:fillRect/>
+          </a:stretch>
+        </p:blipFill>
+        <p:spPr>
+          <a:xfrm>
+            <a:off x="3806882" y="5021799"/>
+            <a:ext cx="1543050" cy="1152525"/>
           </a:xfrm>
           <a:prstGeom prst="rect">
             <a:avLst/>
@@ -16668,7 +18641,7 @@
             </a:pPr>
             <a:fld id="{2579BFDA-05B3-4E94-92EB-A0F56D3C28B0}" type="datetime1">
               <a:rPr lang="de-DE" smtClean="0"/>
-              <a:t>06.08.2018</a:t>
+              <a:t>07.08.2018</a:t>
             </a:fld>
             <a:endParaRPr lang="de-DE" dirty="0"/>
           </a:p>
@@ -16777,10 +18750,1026 @@
           </a:p>
         </p:txBody>
       </p:sp>
+      <p:sp>
+        <p:nvSpPr>
+          <p:cNvPr id="8" name="Abgerundetes Rechteck 7"/>
+          <p:cNvSpPr/>
+          <p:nvPr/>
+        </p:nvSpPr>
+        <p:spPr>
+          <a:xfrm>
+            <a:off x="4692252" y="1856817"/>
+            <a:ext cx="2111996" cy="723208"/>
+          </a:xfrm>
+          <a:prstGeom prst="roundRect">
+            <a:avLst/>
+          </a:prstGeom>
+          <a:solidFill>
+            <a:schemeClr val="bg2">
+              <a:lumMod val="50000"/>
+            </a:schemeClr>
+          </a:solidFill>
+        </p:spPr>
+        <p:style>
+          <a:lnRef idx="2">
+            <a:schemeClr val="accent1">
+              <a:shade val="50000"/>
+            </a:schemeClr>
+          </a:lnRef>
+          <a:fillRef idx="1">
+            <a:schemeClr val="accent1"/>
+          </a:fillRef>
+          <a:effectRef idx="0">
+            <a:schemeClr val="accent1"/>
+          </a:effectRef>
+          <a:fontRef idx="minor">
+            <a:schemeClr val="lt1"/>
+          </a:fontRef>
+        </p:style>
+        <p:txBody>
+          <a:bodyPr rtlCol="0" anchor="ctr"/>
+          <a:lstStyle/>
+          <a:p>
+            <a:pPr algn="ctr"/>
+            <a:r>
+              <a:rPr lang="de-DE" dirty="0" err="1" smtClean="0"/>
+              <a:t>Topology</a:t>
+            </a:r>
+            <a:r>
+              <a:rPr lang="de-DE" dirty="0" smtClean="0"/>
+              <a:t>-Editor-Client</a:t>
+            </a:r>
+            <a:endParaRPr lang="en-US" dirty="0"/>
+          </a:p>
+        </p:txBody>
+      </p:sp>
+      <p:sp>
+        <p:nvSpPr>
+          <p:cNvPr id="9" name="Abgerundetes Rechteck 8"/>
+          <p:cNvSpPr/>
+          <p:nvPr/>
+        </p:nvSpPr>
+        <p:spPr>
+          <a:xfrm>
+            <a:off x="3973800" y="3098484"/>
+            <a:ext cx="3757724" cy="856211"/>
+          </a:xfrm>
+          <a:prstGeom prst="roundRect">
+            <a:avLst/>
+          </a:prstGeom>
+          <a:solidFill>
+            <a:schemeClr val="bg2">
+              <a:lumMod val="50000"/>
+            </a:schemeClr>
+          </a:solidFill>
+        </p:spPr>
+        <p:style>
+          <a:lnRef idx="2">
+            <a:schemeClr val="accent1">
+              <a:shade val="50000"/>
+            </a:schemeClr>
+          </a:lnRef>
+          <a:fillRef idx="1">
+            <a:schemeClr val="accent1"/>
+          </a:fillRef>
+          <a:effectRef idx="0">
+            <a:schemeClr val="accent1"/>
+          </a:effectRef>
+          <a:fontRef idx="minor">
+            <a:schemeClr val="lt1"/>
+          </a:fontRef>
+        </p:style>
+        <p:txBody>
+          <a:bodyPr rtlCol="0" anchor="ctr"/>
+          <a:lstStyle/>
+          <a:p>
+            <a:pPr algn="ctr"/>
+            <a:r>
+              <a:rPr lang="de-DE" dirty="0" err="1" smtClean="0"/>
+              <a:t>Topology</a:t>
+            </a:r>
+            <a:r>
+              <a:rPr lang="de-DE" dirty="0" smtClean="0"/>
+              <a:t>-Editor-Server</a:t>
+            </a:r>
+            <a:endParaRPr lang="en-US" dirty="0"/>
+          </a:p>
+        </p:txBody>
+      </p:sp>
+      <p:sp>
+        <p:nvSpPr>
+          <p:cNvPr id="10" name="Abgerundetes Rechteck 9"/>
+          <p:cNvSpPr/>
+          <p:nvPr/>
+        </p:nvSpPr>
+        <p:spPr>
+          <a:xfrm>
+            <a:off x="2752205" y="4502463"/>
+            <a:ext cx="5195455" cy="582722"/>
+          </a:xfrm>
+          <a:prstGeom prst="roundRect">
+            <a:avLst/>
+          </a:prstGeom>
+          <a:solidFill>
+            <a:srgbClr val="C00000"/>
+          </a:solidFill>
+        </p:spPr>
+        <p:style>
+          <a:lnRef idx="2">
+            <a:schemeClr val="accent1">
+              <a:shade val="50000"/>
+            </a:schemeClr>
+          </a:lnRef>
+          <a:fillRef idx="1">
+            <a:schemeClr val="accent1"/>
+          </a:fillRef>
+          <a:effectRef idx="0">
+            <a:schemeClr val="accent1"/>
+          </a:effectRef>
+          <a:fontRef idx="minor">
+            <a:schemeClr val="lt1"/>
+          </a:fontRef>
+        </p:style>
+        <p:txBody>
+          <a:bodyPr rtlCol="0" anchor="ctr"/>
+          <a:lstStyle/>
+          <a:p>
+            <a:pPr algn="ctr"/>
+            <a:endParaRPr lang="en-US"/>
+          </a:p>
+        </p:txBody>
+      </p:sp>
+      <p:sp>
+        <p:nvSpPr>
+          <p:cNvPr id="11" name="Abgerundetes Rechteck 10"/>
+          <p:cNvSpPr/>
+          <p:nvPr/>
+        </p:nvSpPr>
+        <p:spPr>
+          <a:xfrm>
+            <a:off x="1895994" y="1916833"/>
+            <a:ext cx="856211" cy="3168352"/>
+          </a:xfrm>
+          <a:prstGeom prst="roundRect">
+            <a:avLst/>
+          </a:prstGeom>
+          <a:solidFill>
+            <a:srgbClr val="C00000"/>
+          </a:solidFill>
+        </p:spPr>
+        <p:style>
+          <a:lnRef idx="2">
+            <a:schemeClr val="accent1">
+              <a:shade val="50000"/>
+            </a:schemeClr>
+          </a:lnRef>
+          <a:fillRef idx="1">
+            <a:schemeClr val="accent1"/>
+          </a:fillRef>
+          <a:effectRef idx="0">
+            <a:schemeClr val="accent1"/>
+          </a:effectRef>
+          <a:fontRef idx="minor">
+            <a:schemeClr val="lt1"/>
+          </a:fontRef>
+        </p:style>
+        <p:txBody>
+          <a:bodyPr rtlCol="0" anchor="ctr"/>
+          <a:lstStyle/>
+          <a:p>
+            <a:pPr algn="ctr"/>
+            <a:endParaRPr lang="en-US"/>
+          </a:p>
+        </p:txBody>
+      </p:sp>
+      <p:sp>
+        <p:nvSpPr>
+          <p:cNvPr id="13" name="Flussdiagramm: Magnetplattenspeicher 12"/>
+          <p:cNvSpPr/>
+          <p:nvPr/>
+        </p:nvSpPr>
+        <p:spPr>
+          <a:xfrm>
+            <a:off x="624147" y="3248600"/>
+            <a:ext cx="756458" cy="598169"/>
+          </a:xfrm>
+          <a:prstGeom prst="flowChartMagneticDisk">
+            <a:avLst/>
+          </a:prstGeom>
+          <a:solidFill>
+            <a:schemeClr val="bg2">
+              <a:lumMod val="50000"/>
+            </a:schemeClr>
+          </a:solidFill>
+        </p:spPr>
+        <p:style>
+          <a:lnRef idx="2">
+            <a:schemeClr val="accent1">
+              <a:shade val="50000"/>
+            </a:schemeClr>
+          </a:lnRef>
+          <a:fillRef idx="1">
+            <a:schemeClr val="accent1"/>
+          </a:fillRef>
+          <a:effectRef idx="0">
+            <a:schemeClr val="accent1"/>
+          </a:effectRef>
+          <a:fontRef idx="minor">
+            <a:schemeClr val="lt1"/>
+          </a:fontRef>
+        </p:style>
+        <p:txBody>
+          <a:bodyPr rtlCol="0" anchor="ctr"/>
+          <a:lstStyle/>
+          <a:p>
+            <a:pPr algn="ctr"/>
+            <a:endParaRPr lang="en-US"/>
+          </a:p>
+        </p:txBody>
+      </p:sp>
+      <p:cxnSp>
+        <p:nvCxnSpPr>
+          <p:cNvPr id="14" name="Gewinkelter Verbinder 13"/>
+          <p:cNvCxnSpPr>
+            <a:stCxn id="13" idx="1"/>
+          </p:cNvCxnSpPr>
+          <p:nvPr/>
+        </p:nvCxnSpPr>
+        <p:spPr>
+          <a:xfrm rot="5400000" flipH="1" flipV="1">
+            <a:off x="1144559" y="2497165"/>
+            <a:ext cx="609253" cy="893618"/>
+          </a:xfrm>
+          <a:prstGeom prst="bentConnector2">
+            <a:avLst/>
+          </a:prstGeom>
+          <a:ln w="50800">
+            <a:solidFill>
+              <a:srgbClr val="C00000"/>
+            </a:solidFill>
+            <a:headEnd type="triangle"/>
+            <a:tailEnd type="triangle"/>
+          </a:ln>
+        </p:spPr>
+        <p:style>
+          <a:lnRef idx="1">
+            <a:schemeClr val="accent1"/>
+          </a:lnRef>
+          <a:fillRef idx="0">
+            <a:schemeClr val="accent1"/>
+          </a:fillRef>
+          <a:effectRef idx="0">
+            <a:schemeClr val="accent1"/>
+          </a:effectRef>
+          <a:fontRef idx="minor">
+            <a:schemeClr val="tx1"/>
+          </a:fontRef>
+        </p:style>
+      </p:cxnSp>
+      <p:sp>
+        <p:nvSpPr>
+          <p:cNvPr id="15" name="Textfeld 14"/>
+          <p:cNvSpPr txBox="1"/>
+          <p:nvPr/>
+        </p:nvSpPr>
+        <p:spPr>
+          <a:xfrm>
+            <a:off x="1999868" y="4598914"/>
+            <a:ext cx="4804380" cy="461665"/>
+          </a:xfrm>
+          <a:prstGeom prst="rect">
+            <a:avLst/>
+          </a:prstGeom>
+          <a:noFill/>
+        </p:spPr>
+        <p:txBody>
+          <a:bodyPr wrap="square" rtlCol="0">
+            <a:spAutoFit/>
+          </a:bodyPr>
+          <a:lstStyle/>
+          <a:p>
+            <a:r>
+              <a:rPr lang="de-DE" sz="2400" b="1" dirty="0" smtClean="0">
+                <a:solidFill>
+                  <a:schemeClr val="bg1"/>
+                </a:solidFill>
+              </a:rPr>
+              <a:t>Communication Studio</a:t>
+            </a:r>
+            <a:endParaRPr lang="en-US" sz="2400" b="1" dirty="0">
+              <a:solidFill>
+                <a:schemeClr val="bg1"/>
+              </a:solidFill>
+            </a:endParaRPr>
+          </a:p>
+        </p:txBody>
+      </p:sp>
+      <p:cxnSp>
+        <p:nvCxnSpPr>
+          <p:cNvPr id="16" name="Gewinkelter Verbinder 15"/>
+          <p:cNvCxnSpPr/>
+          <p:nvPr/>
+        </p:nvCxnSpPr>
+        <p:spPr>
+          <a:xfrm>
+            <a:off x="2752205" y="3645024"/>
+            <a:ext cx="1221595" cy="0"/>
+          </a:xfrm>
+          <a:prstGeom prst="straightConnector1">
+            <a:avLst/>
+          </a:prstGeom>
+          <a:ln w="50800">
+            <a:solidFill>
+              <a:schemeClr val="bg2">
+                <a:lumMod val="50000"/>
+              </a:schemeClr>
+            </a:solidFill>
+            <a:headEnd type="triangle"/>
+            <a:tailEnd type="triangle"/>
+          </a:ln>
+        </p:spPr>
+        <p:style>
+          <a:lnRef idx="1">
+            <a:schemeClr val="accent1"/>
+          </a:lnRef>
+          <a:fillRef idx="0">
+            <a:schemeClr val="accent1"/>
+          </a:fillRef>
+          <a:effectRef idx="0">
+            <a:schemeClr val="accent1"/>
+          </a:effectRef>
+          <a:fontRef idx="minor">
+            <a:schemeClr val="tx1"/>
+          </a:fontRef>
+        </p:style>
+      </p:cxnSp>
+      <p:sp>
+        <p:nvSpPr>
+          <p:cNvPr id="23" name="Pfeil nach oben und unten 22"/>
+          <p:cNvSpPr/>
+          <p:nvPr/>
+        </p:nvSpPr>
+        <p:spPr>
+          <a:xfrm>
+            <a:off x="5708646" y="2689368"/>
+            <a:ext cx="144016" cy="329081"/>
+          </a:xfrm>
+          <a:prstGeom prst="upDownArrow">
+            <a:avLst/>
+          </a:prstGeom>
+          <a:solidFill>
+            <a:schemeClr val="bg2">
+              <a:lumMod val="50000"/>
+            </a:schemeClr>
+          </a:solidFill>
+        </p:spPr>
+        <p:style>
+          <a:lnRef idx="2">
+            <a:schemeClr val="accent1">
+              <a:shade val="50000"/>
+            </a:schemeClr>
+          </a:lnRef>
+          <a:fillRef idx="1">
+            <a:schemeClr val="accent1"/>
+          </a:fillRef>
+          <a:effectRef idx="0">
+            <a:schemeClr val="accent1"/>
+          </a:effectRef>
+          <a:fontRef idx="minor">
+            <a:schemeClr val="lt1"/>
+          </a:fontRef>
+        </p:style>
+        <p:txBody>
+          <a:bodyPr rtlCol="0" anchor="ctr"/>
+          <a:lstStyle/>
+          <a:p>
+            <a:pPr algn="ctr"/>
+            <a:endParaRPr lang="en-US"/>
+          </a:p>
+        </p:txBody>
+      </p:sp>
+      <p:cxnSp>
+        <p:nvCxnSpPr>
+          <p:cNvPr id="24" name="Gewinkelter Verbinder 23"/>
+          <p:cNvCxnSpPr/>
+          <p:nvPr/>
+        </p:nvCxnSpPr>
+        <p:spPr>
+          <a:xfrm flipH="1" flipV="1">
+            <a:off x="4644008" y="3954695"/>
+            <a:ext cx="3648" cy="519337"/>
+          </a:xfrm>
+          <a:prstGeom prst="straightConnector1">
+            <a:avLst/>
+          </a:prstGeom>
+          <a:ln w="50800">
+            <a:solidFill>
+              <a:schemeClr val="bg2">
+                <a:lumMod val="50000"/>
+              </a:schemeClr>
+            </a:solidFill>
+            <a:headEnd type="triangle"/>
+            <a:tailEnd type="triangle"/>
+          </a:ln>
+        </p:spPr>
+        <p:style>
+          <a:lnRef idx="1">
+            <a:schemeClr val="accent1"/>
+          </a:lnRef>
+          <a:fillRef idx="0">
+            <a:schemeClr val="accent1"/>
+          </a:fillRef>
+          <a:effectRef idx="0">
+            <a:schemeClr val="accent1"/>
+          </a:effectRef>
+          <a:fontRef idx="minor">
+            <a:schemeClr val="tx1"/>
+          </a:fontRef>
+        </p:style>
+      </p:cxnSp>
+      <p:cxnSp>
+        <p:nvCxnSpPr>
+          <p:cNvPr id="28" name="Gewinkelter Verbinder 27"/>
+          <p:cNvCxnSpPr/>
+          <p:nvPr/>
+        </p:nvCxnSpPr>
+        <p:spPr>
+          <a:xfrm flipV="1">
+            <a:off x="5940152" y="3989654"/>
+            <a:ext cx="1" cy="475164"/>
+          </a:xfrm>
+          <a:prstGeom prst="straightConnector1">
+            <a:avLst/>
+          </a:prstGeom>
+          <a:ln w="50800">
+            <a:solidFill>
+              <a:schemeClr val="bg2">
+                <a:lumMod val="50000"/>
+              </a:schemeClr>
+            </a:solidFill>
+            <a:headEnd type="triangle"/>
+            <a:tailEnd type="triangle"/>
+          </a:ln>
+        </p:spPr>
+        <p:style>
+          <a:lnRef idx="1">
+            <a:schemeClr val="accent1"/>
+          </a:lnRef>
+          <a:fillRef idx="0">
+            <a:schemeClr val="accent1"/>
+          </a:fillRef>
+          <a:effectRef idx="0">
+            <a:schemeClr val="accent1"/>
+          </a:effectRef>
+          <a:fontRef idx="minor">
+            <a:schemeClr val="tx1"/>
+          </a:fontRef>
+        </p:style>
+      </p:cxnSp>
+      <p:pic>
+        <p:nvPicPr>
+          <p:cNvPr id="36" name="Grafik 35"/>
+          <p:cNvPicPr>
+            <a:picLocks noChangeAspect="1"/>
+          </p:cNvPicPr>
+          <p:nvPr/>
+        </p:nvPicPr>
+        <p:blipFill>
+          <a:blip r:embed="rId5"/>
+          <a:stretch>
+            <a:fillRect/>
+          </a:stretch>
+        </p:blipFill>
+        <p:spPr>
+          <a:xfrm>
+            <a:off x="5594984" y="5120143"/>
+            <a:ext cx="1619250" cy="1295400"/>
+          </a:xfrm>
+          <a:prstGeom prst="rect">
+            <a:avLst/>
+          </a:prstGeom>
+        </p:spPr>
+      </p:pic>
+      <p:sp>
+        <p:nvSpPr>
+          <p:cNvPr id="41" name="Textfeld 40"/>
+          <p:cNvSpPr txBox="1"/>
+          <p:nvPr/>
+        </p:nvSpPr>
+        <p:spPr>
+          <a:xfrm>
+            <a:off x="467544" y="3989654"/>
+            <a:ext cx="1224136" cy="369332"/>
+          </a:xfrm>
+          <a:prstGeom prst="rect">
+            <a:avLst/>
+          </a:prstGeom>
+          <a:noFill/>
+        </p:spPr>
+        <p:txBody>
+          <a:bodyPr wrap="square" rtlCol="0">
+            <a:spAutoFit/>
+          </a:bodyPr>
+          <a:lstStyle/>
+          <a:p>
+            <a:r>
+              <a:rPr lang="de-DE" dirty="0" smtClean="0"/>
+              <a:t>Data Store</a:t>
+            </a:r>
+            <a:endParaRPr lang="en-US" dirty="0"/>
+          </a:p>
+        </p:txBody>
+      </p:sp>
+      <p:pic>
+        <p:nvPicPr>
+          <p:cNvPr id="42" name="Grafik 41"/>
+          <p:cNvPicPr>
+            <a:picLocks noChangeAspect="1"/>
+          </p:cNvPicPr>
+          <p:nvPr/>
+        </p:nvPicPr>
+        <p:blipFill>
+          <a:blip r:embed="rId6"/>
+          <a:stretch>
+            <a:fillRect/>
+          </a:stretch>
+        </p:blipFill>
+        <p:spPr>
+          <a:xfrm>
+            <a:off x="1810320" y="1135033"/>
+            <a:ext cx="5667375" cy="476250"/>
+          </a:xfrm>
+          <a:prstGeom prst="rect">
+            <a:avLst/>
+          </a:prstGeom>
+        </p:spPr>
+      </p:pic>
+      <p:sp>
+        <p:nvSpPr>
+          <p:cNvPr id="43" name="Ellipse 42"/>
+          <p:cNvSpPr/>
+          <p:nvPr/>
+        </p:nvSpPr>
+        <p:spPr>
+          <a:xfrm>
+            <a:off x="3203904" y="3717399"/>
+            <a:ext cx="231162" cy="230303"/>
+          </a:xfrm>
+          <a:prstGeom prst="ellipse">
+            <a:avLst/>
+          </a:prstGeom>
+        </p:spPr>
+        <p:style>
+          <a:lnRef idx="2">
+            <a:schemeClr val="accent1">
+              <a:shade val="50000"/>
+            </a:schemeClr>
+          </a:lnRef>
+          <a:fillRef idx="1">
+            <a:schemeClr val="accent1"/>
+          </a:fillRef>
+          <a:effectRef idx="0">
+            <a:schemeClr val="accent1"/>
+          </a:effectRef>
+          <a:fontRef idx="minor">
+            <a:schemeClr val="lt1"/>
+          </a:fontRef>
+        </p:style>
+        <p:txBody>
+          <a:bodyPr rtlCol="0" anchor="ctr"/>
+          <a:lstStyle/>
+          <a:p>
+            <a:pPr algn="ctr"/>
+            <a:r>
+              <a:rPr lang="de-DE" dirty="0" smtClean="0"/>
+              <a:t>1</a:t>
+            </a:r>
+            <a:endParaRPr lang="en-US" dirty="0"/>
+          </a:p>
+        </p:txBody>
+      </p:sp>
+      <p:sp>
+        <p:nvSpPr>
+          <p:cNvPr id="44" name="Ellipse 43"/>
+          <p:cNvSpPr/>
+          <p:nvPr/>
+        </p:nvSpPr>
+        <p:spPr>
+          <a:xfrm>
+            <a:off x="4692252" y="4070106"/>
+            <a:ext cx="231162" cy="230303"/>
+          </a:xfrm>
+          <a:prstGeom prst="ellipse">
+            <a:avLst/>
+          </a:prstGeom>
+        </p:spPr>
+        <p:style>
+          <a:lnRef idx="2">
+            <a:schemeClr val="accent1">
+              <a:shade val="50000"/>
+            </a:schemeClr>
+          </a:lnRef>
+          <a:fillRef idx="1">
+            <a:schemeClr val="accent1"/>
+          </a:fillRef>
+          <a:effectRef idx="0">
+            <a:schemeClr val="accent1"/>
+          </a:effectRef>
+          <a:fontRef idx="minor">
+            <a:schemeClr val="lt1"/>
+          </a:fontRef>
+        </p:style>
+        <p:txBody>
+          <a:bodyPr rtlCol="0" anchor="ctr"/>
+          <a:lstStyle/>
+          <a:p>
+            <a:pPr algn="ctr"/>
+            <a:r>
+              <a:rPr lang="de-DE" dirty="0" smtClean="0"/>
+              <a:t>2</a:t>
+            </a:r>
+            <a:endParaRPr lang="en-US" dirty="0"/>
+          </a:p>
+        </p:txBody>
+      </p:sp>
+      <p:sp>
+        <p:nvSpPr>
+          <p:cNvPr id="45" name="Ellipse 44"/>
+          <p:cNvSpPr/>
+          <p:nvPr/>
+        </p:nvSpPr>
+        <p:spPr>
+          <a:xfrm>
+            <a:off x="6027827" y="4122084"/>
+            <a:ext cx="231162" cy="230303"/>
+          </a:xfrm>
+          <a:prstGeom prst="ellipse">
+            <a:avLst/>
+          </a:prstGeom>
+        </p:spPr>
+        <p:style>
+          <a:lnRef idx="2">
+            <a:schemeClr val="accent1">
+              <a:shade val="50000"/>
+            </a:schemeClr>
+          </a:lnRef>
+          <a:fillRef idx="1">
+            <a:schemeClr val="accent1"/>
+          </a:fillRef>
+          <a:effectRef idx="0">
+            <a:schemeClr val="accent1"/>
+          </a:effectRef>
+          <a:fontRef idx="minor">
+            <a:schemeClr val="lt1"/>
+          </a:fontRef>
+        </p:style>
+        <p:txBody>
+          <a:bodyPr rtlCol="0" anchor="ctr"/>
+          <a:lstStyle/>
+          <a:p>
+            <a:pPr algn="ctr"/>
+            <a:r>
+              <a:rPr lang="de-DE" dirty="0" smtClean="0"/>
+              <a:t>3</a:t>
+            </a:r>
+            <a:endParaRPr lang="en-US" dirty="0"/>
+          </a:p>
+        </p:txBody>
+      </p:sp>
+      <p:sp>
+        <p:nvSpPr>
+          <p:cNvPr id="46" name="Ellipse 45"/>
+          <p:cNvSpPr/>
+          <p:nvPr/>
+        </p:nvSpPr>
+        <p:spPr>
+          <a:xfrm>
+            <a:off x="5852662" y="2728749"/>
+            <a:ext cx="231162" cy="230303"/>
+          </a:xfrm>
+          <a:prstGeom prst="ellipse">
+            <a:avLst/>
+          </a:prstGeom>
+        </p:spPr>
+        <p:style>
+          <a:lnRef idx="2">
+            <a:schemeClr val="accent1">
+              <a:shade val="50000"/>
+            </a:schemeClr>
+          </a:lnRef>
+          <a:fillRef idx="1">
+            <a:schemeClr val="accent1"/>
+          </a:fillRef>
+          <a:effectRef idx="0">
+            <a:schemeClr val="accent1"/>
+          </a:effectRef>
+          <a:fontRef idx="minor">
+            <a:schemeClr val="lt1"/>
+          </a:fontRef>
+        </p:style>
+        <p:txBody>
+          <a:bodyPr rtlCol="0" anchor="ctr"/>
+          <a:lstStyle/>
+          <a:p>
+            <a:pPr algn="ctr"/>
+            <a:r>
+              <a:rPr lang="de-DE" dirty="0"/>
+              <a:t>4</a:t>
+            </a:r>
+            <a:endParaRPr lang="en-US" dirty="0"/>
+          </a:p>
+        </p:txBody>
+      </p:sp>
+      <p:cxnSp>
+        <p:nvCxnSpPr>
+          <p:cNvPr id="48" name="Gerader Verbinder 47"/>
+          <p:cNvCxnSpPr/>
+          <p:nvPr/>
+        </p:nvCxnSpPr>
+        <p:spPr>
+          <a:xfrm flipV="1">
+            <a:off x="6876256" y="1813337"/>
+            <a:ext cx="337978" cy="175505"/>
+          </a:xfrm>
+          <a:prstGeom prst="line">
+            <a:avLst/>
+          </a:prstGeom>
+          <a:ln w="25400">
+            <a:prstDash val="dash"/>
+            <a:headEnd type="none" w="med" len="sm"/>
+            <a:tailEnd type="triangle"/>
+          </a:ln>
+        </p:spPr>
+        <p:style>
+          <a:lnRef idx="1">
+            <a:schemeClr val="accent1"/>
+          </a:lnRef>
+          <a:fillRef idx="0">
+            <a:schemeClr val="accent1"/>
+          </a:fillRef>
+          <a:effectRef idx="0">
+            <a:schemeClr val="accent1"/>
+          </a:effectRef>
+          <a:fontRef idx="minor">
+            <a:schemeClr val="tx1"/>
+          </a:fontRef>
+        </p:style>
+      </p:cxnSp>
+      <p:sp>
+        <p:nvSpPr>
+          <p:cNvPr id="49" name="Textfeld 48"/>
+          <p:cNvSpPr txBox="1"/>
+          <p:nvPr/>
+        </p:nvSpPr>
+        <p:spPr>
+          <a:xfrm>
+            <a:off x="7152609" y="1671917"/>
+            <a:ext cx="1440160" cy="276999"/>
+          </a:xfrm>
+          <a:prstGeom prst="rect">
+            <a:avLst/>
+          </a:prstGeom>
+          <a:noFill/>
+        </p:spPr>
+        <p:txBody>
+          <a:bodyPr wrap="square" rtlCol="0">
+            <a:spAutoFit/>
+          </a:bodyPr>
+          <a:lstStyle/>
+          <a:p>
+            <a:r>
+              <a:rPr lang="de-DE" sz="1200" b="1" dirty="0" smtClean="0"/>
+              <a:t>Web-Komponente</a:t>
+            </a:r>
+            <a:endParaRPr lang="en-US" sz="1200" b="1" dirty="0"/>
+          </a:p>
+        </p:txBody>
+      </p:sp>
+      <p:cxnSp>
+        <p:nvCxnSpPr>
+          <p:cNvPr id="52" name="Gerader Verbinder 51"/>
+          <p:cNvCxnSpPr/>
+          <p:nvPr/>
+        </p:nvCxnSpPr>
+        <p:spPr>
+          <a:xfrm flipV="1">
+            <a:off x="6823130" y="2206324"/>
+            <a:ext cx="337978" cy="175505"/>
+          </a:xfrm>
+          <a:prstGeom prst="line">
+            <a:avLst/>
+          </a:prstGeom>
+          <a:ln w="25400">
+            <a:prstDash val="dash"/>
+            <a:headEnd type="none" w="med" len="sm"/>
+            <a:tailEnd type="triangle"/>
+          </a:ln>
+        </p:spPr>
+        <p:style>
+          <a:lnRef idx="1">
+            <a:schemeClr val="accent1"/>
+          </a:lnRef>
+          <a:fillRef idx="0">
+            <a:schemeClr val="accent1"/>
+          </a:fillRef>
+          <a:effectRef idx="0">
+            <a:schemeClr val="accent1"/>
+          </a:effectRef>
+          <a:fontRef idx="minor">
+            <a:schemeClr val="tx1"/>
+          </a:fontRef>
+        </p:style>
+      </p:cxnSp>
+      <p:sp>
+        <p:nvSpPr>
+          <p:cNvPr id="53" name="Textfeld 52"/>
+          <p:cNvSpPr txBox="1"/>
+          <p:nvPr/>
+        </p:nvSpPr>
+        <p:spPr>
+          <a:xfrm>
+            <a:off x="7181786" y="2067824"/>
+            <a:ext cx="1626685" cy="276999"/>
+          </a:xfrm>
+          <a:prstGeom prst="rect">
+            <a:avLst/>
+          </a:prstGeom>
+          <a:noFill/>
+        </p:spPr>
+        <p:txBody>
+          <a:bodyPr wrap="square" rtlCol="0">
+            <a:spAutoFit/>
+          </a:bodyPr>
+          <a:lstStyle/>
+          <a:p>
+            <a:r>
+              <a:rPr lang="de-DE" sz="1200" b="1" dirty="0" smtClean="0"/>
+              <a:t>Desktop-Komponente</a:t>
+            </a:r>
+            <a:endParaRPr lang="en-US" sz="1200" b="1" dirty="0"/>
+          </a:p>
+        </p:txBody>
+      </p:sp>
+      <p:pic>
+        <p:nvPicPr>
+          <p:cNvPr id="30" name="Grafik 29"/>
+          <p:cNvPicPr>
+            <a:picLocks noChangeAspect="1"/>
+          </p:cNvPicPr>
+          <p:nvPr/>
+        </p:nvPicPr>
+        <p:blipFill>
+          <a:blip r:embed="rId5"/>
+          <a:stretch>
+            <a:fillRect/>
+          </a:stretch>
+        </p:blipFill>
+        <p:spPr>
+          <a:xfrm>
+            <a:off x="7152609" y="5086539"/>
+            <a:ext cx="1619250" cy="1295400"/>
+          </a:xfrm>
+          <a:prstGeom prst="rect">
+            <a:avLst/>
+          </a:prstGeom>
+        </p:spPr>
+      </p:pic>
+      <p:pic>
+        <p:nvPicPr>
+          <p:cNvPr id="31" name="Grafik 30"/>
+          <p:cNvPicPr>
+            <a:picLocks noChangeAspect="1"/>
+          </p:cNvPicPr>
+          <p:nvPr/>
+        </p:nvPicPr>
+        <p:blipFill>
+          <a:blip r:embed="rId7" cstate="print">
+            <a:extLst>
+              <a:ext uri="{28A0092B-C50C-407E-A947-70E740481C1C}">
+                <a14:useLocalDpi xmlns:a14="http://schemas.microsoft.com/office/drawing/2010/main" val="0"/>
+              </a:ext>
+            </a:extLst>
+          </a:blip>
+          <a:stretch>
+            <a:fillRect/>
+          </a:stretch>
+        </p:blipFill>
+        <p:spPr>
+          <a:xfrm>
+            <a:off x="7381890" y="5430510"/>
+            <a:ext cx="981597" cy="452584"/>
+          </a:xfrm>
+          <a:prstGeom prst="rect">
+            <a:avLst/>
+          </a:prstGeom>
+          <a:ln>
+            <a:noFill/>
+          </a:ln>
+        </p:spPr>
+        <p:style>
+          <a:lnRef idx="2">
+            <a:schemeClr val="dk1"/>
+          </a:lnRef>
+          <a:fillRef idx="1">
+            <a:schemeClr val="lt1"/>
+          </a:fillRef>
+          <a:effectRef idx="0">
+            <a:schemeClr val="dk1"/>
+          </a:effectRef>
+          <a:fontRef idx="minor">
+            <a:schemeClr val="dk1"/>
+          </a:fontRef>
+        </p:style>
+      </p:pic>
+      <p:cxnSp>
+        <p:nvCxnSpPr>
+          <p:cNvPr id="34" name="Gewinkelter Verbinder 27"/>
+          <p:cNvCxnSpPr/>
+          <p:nvPr/>
+        </p:nvCxnSpPr>
+        <p:spPr>
+          <a:xfrm flipH="1" flipV="1">
+            <a:off x="6876256" y="3947702"/>
+            <a:ext cx="396081" cy="535939"/>
+          </a:xfrm>
+          <a:prstGeom prst="straightConnector1">
+            <a:avLst/>
+          </a:prstGeom>
+          <a:ln w="50800">
+            <a:solidFill>
+              <a:schemeClr val="bg2">
+                <a:lumMod val="50000"/>
+              </a:schemeClr>
+            </a:solidFill>
+            <a:headEnd type="triangle"/>
+            <a:tailEnd type="triangle"/>
+          </a:ln>
+        </p:spPr>
+        <p:style>
+          <a:lnRef idx="1">
+            <a:schemeClr val="accent1"/>
+          </a:lnRef>
+          <a:fillRef idx="0">
+            <a:schemeClr val="accent1"/>
+          </a:fillRef>
+          <a:effectRef idx="0">
+            <a:schemeClr val="accent1"/>
+          </a:effectRef>
+          <a:fontRef idx="minor">
+            <a:schemeClr val="tx1"/>
+          </a:fontRef>
+        </p:style>
+      </p:cxnSp>
+      <p:sp>
+        <p:nvSpPr>
+          <p:cNvPr id="7" name="Ellipse 6"/>
+          <p:cNvSpPr/>
+          <p:nvPr/>
+        </p:nvSpPr>
+        <p:spPr>
+          <a:xfrm>
+            <a:off x="6478887" y="3645024"/>
+            <a:ext cx="1181571" cy="953890"/>
+          </a:xfrm>
+          <a:prstGeom prst="ellipse">
+            <a:avLst/>
+          </a:prstGeom>
+          <a:noFill/>
+          <a:ln w="38100">
+            <a:solidFill>
+              <a:srgbClr val="FFFF00"/>
+            </a:solidFill>
+          </a:ln>
+        </p:spPr>
+        <p:style>
+          <a:lnRef idx="2">
+            <a:schemeClr val="accent1">
+              <a:shade val="50000"/>
+            </a:schemeClr>
+          </a:lnRef>
+          <a:fillRef idx="1">
+            <a:schemeClr val="accent1"/>
+          </a:fillRef>
+          <a:effectRef idx="0">
+            <a:schemeClr val="accent1"/>
+          </a:effectRef>
+          <a:fontRef idx="minor">
+            <a:schemeClr val="lt1"/>
+          </a:fontRef>
+        </p:style>
+        <p:txBody>
+          <a:bodyPr rtlCol="0" anchor="ctr"/>
+          <a:lstStyle/>
+          <a:p>
+            <a:pPr algn="ctr"/>
+            <a:endParaRPr lang="en-US"/>
+          </a:p>
+        </p:txBody>
+      </p:sp>
     </p:spTree>
     <p:extLst>
       <p:ext uri="{BB962C8B-B14F-4D97-AF65-F5344CB8AC3E}">
-        <p14:creationId xmlns:p14="http://schemas.microsoft.com/office/powerpoint/2010/main" val="3722492175"/>
+        <p14:creationId xmlns:p14="http://schemas.microsoft.com/office/powerpoint/2010/main" val="3043227800"/>
       </p:ext>
     </p:extLst>
   </p:cSld>
@@ -16790,9 +19779,389 @@
   <p:timing>
     <p:tnLst>
       <p:par>
-        <p:cTn id="1" dur="indefinite" restart="never" nodeType="tmRoot"/>
+        <p:cTn id="1" dur="indefinite" restart="never" nodeType="tmRoot">
+          <p:childTnLst>
+            <p:seq concurrent="1" nextAc="seek">
+              <p:cTn id="2" dur="indefinite" nodeType="mainSeq">
+                <p:childTnLst>
+                  <p:par>
+                    <p:cTn id="3" fill="hold">
+                      <p:stCondLst>
+                        <p:cond delay="indefinite"/>
+                      </p:stCondLst>
+                      <p:childTnLst>
+                        <p:par>
+                          <p:cTn id="4" fill="hold">
+                            <p:stCondLst>
+                              <p:cond delay="0"/>
+                            </p:stCondLst>
+                            <p:childTnLst>
+                              <p:par>
+                                <p:cTn id="5" presetID="2" presetClass="entr" presetSubtype="4" fill="hold" nodeType="clickEffect">
+                                  <p:stCondLst>
+                                    <p:cond delay="0"/>
+                                  </p:stCondLst>
+                                  <p:childTnLst>
+                                    <p:set>
+                                      <p:cBhvr>
+                                        <p:cTn id="6" dur="1" fill="hold">
+                                          <p:stCondLst>
+                                            <p:cond delay="0"/>
+                                          </p:stCondLst>
+                                        </p:cTn>
+                                        <p:tgtEl>
+                                          <p:spTgt spid="30"/>
+                                        </p:tgtEl>
+                                        <p:attrNameLst>
+                                          <p:attrName>style.visibility</p:attrName>
+                                        </p:attrNameLst>
+                                      </p:cBhvr>
+                                      <p:to>
+                                        <p:strVal val="visible"/>
+                                      </p:to>
+                                    </p:set>
+                                    <p:anim calcmode="lin" valueType="num">
+                                      <p:cBhvr additive="base">
+                                        <p:cTn id="7" dur="500" fill="hold"/>
+                                        <p:tgtEl>
+                                          <p:spTgt spid="30"/>
+                                        </p:tgtEl>
+                                        <p:attrNameLst>
+                                          <p:attrName>ppt_x</p:attrName>
+                                        </p:attrNameLst>
+                                      </p:cBhvr>
+                                      <p:tavLst>
+                                        <p:tav tm="0">
+                                          <p:val>
+                                            <p:strVal val="#ppt_x"/>
+                                          </p:val>
+                                        </p:tav>
+                                        <p:tav tm="100000">
+                                          <p:val>
+                                            <p:strVal val="#ppt_x"/>
+                                          </p:val>
+                                        </p:tav>
+                                      </p:tavLst>
+                                    </p:anim>
+                                    <p:anim calcmode="lin" valueType="num">
+                                      <p:cBhvr additive="base">
+                                        <p:cTn id="8" dur="500" fill="hold"/>
+                                        <p:tgtEl>
+                                          <p:spTgt spid="30"/>
+                                        </p:tgtEl>
+                                        <p:attrNameLst>
+                                          <p:attrName>ppt_y</p:attrName>
+                                        </p:attrNameLst>
+                                      </p:cBhvr>
+                                      <p:tavLst>
+                                        <p:tav tm="0">
+                                          <p:val>
+                                            <p:strVal val="1+#ppt_h/2"/>
+                                          </p:val>
+                                        </p:tav>
+                                        <p:tav tm="100000">
+                                          <p:val>
+                                            <p:strVal val="#ppt_y"/>
+                                          </p:val>
+                                        </p:tav>
+                                      </p:tavLst>
+                                    </p:anim>
+                                  </p:childTnLst>
+                                </p:cTn>
+                              </p:par>
+                              <p:par>
+                                <p:cTn id="9" presetID="2" presetClass="entr" presetSubtype="4" fill="hold" nodeType="withEffect">
+                                  <p:stCondLst>
+                                    <p:cond delay="0"/>
+                                  </p:stCondLst>
+                                  <p:childTnLst>
+                                    <p:set>
+                                      <p:cBhvr>
+                                        <p:cTn id="10" dur="1" fill="hold">
+                                          <p:stCondLst>
+                                            <p:cond delay="0"/>
+                                          </p:stCondLst>
+                                        </p:cTn>
+                                        <p:tgtEl>
+                                          <p:spTgt spid="31"/>
+                                        </p:tgtEl>
+                                        <p:attrNameLst>
+                                          <p:attrName>style.visibility</p:attrName>
+                                        </p:attrNameLst>
+                                      </p:cBhvr>
+                                      <p:to>
+                                        <p:strVal val="visible"/>
+                                      </p:to>
+                                    </p:set>
+                                    <p:anim calcmode="lin" valueType="num">
+                                      <p:cBhvr additive="base">
+                                        <p:cTn id="11" dur="500" fill="hold"/>
+                                        <p:tgtEl>
+                                          <p:spTgt spid="31"/>
+                                        </p:tgtEl>
+                                        <p:attrNameLst>
+                                          <p:attrName>ppt_x</p:attrName>
+                                        </p:attrNameLst>
+                                      </p:cBhvr>
+                                      <p:tavLst>
+                                        <p:tav tm="0">
+                                          <p:val>
+                                            <p:strVal val="#ppt_x"/>
+                                          </p:val>
+                                        </p:tav>
+                                        <p:tav tm="100000">
+                                          <p:val>
+                                            <p:strVal val="#ppt_x"/>
+                                          </p:val>
+                                        </p:tav>
+                                      </p:tavLst>
+                                    </p:anim>
+                                    <p:anim calcmode="lin" valueType="num">
+                                      <p:cBhvr additive="base">
+                                        <p:cTn id="12" dur="500" fill="hold"/>
+                                        <p:tgtEl>
+                                          <p:spTgt spid="31"/>
+                                        </p:tgtEl>
+                                        <p:attrNameLst>
+                                          <p:attrName>ppt_y</p:attrName>
+                                        </p:attrNameLst>
+                                      </p:cBhvr>
+                                      <p:tavLst>
+                                        <p:tav tm="0">
+                                          <p:val>
+                                            <p:strVal val="1+#ppt_h/2"/>
+                                          </p:val>
+                                        </p:tav>
+                                        <p:tav tm="100000">
+                                          <p:val>
+                                            <p:strVal val="#ppt_y"/>
+                                          </p:val>
+                                        </p:tav>
+                                      </p:tavLst>
+                                    </p:anim>
+                                  </p:childTnLst>
+                                </p:cTn>
+                              </p:par>
+                            </p:childTnLst>
+                          </p:cTn>
+                        </p:par>
+                      </p:childTnLst>
+                    </p:cTn>
+                  </p:par>
+                  <p:par>
+                    <p:cTn id="13" fill="hold">
+                      <p:stCondLst>
+                        <p:cond delay="indefinite"/>
+                      </p:stCondLst>
+                      <p:childTnLst>
+                        <p:par>
+                          <p:cTn id="14" fill="hold">
+                            <p:stCondLst>
+                              <p:cond delay="0"/>
+                            </p:stCondLst>
+                            <p:childTnLst>
+                              <p:par>
+                                <p:cTn id="15" presetID="2" presetClass="entr" presetSubtype="4" fill="hold" nodeType="clickEffect">
+                                  <p:stCondLst>
+                                    <p:cond delay="0"/>
+                                  </p:stCondLst>
+                                  <p:childTnLst>
+                                    <p:set>
+                                      <p:cBhvr>
+                                        <p:cTn id="16" dur="1" fill="hold">
+                                          <p:stCondLst>
+                                            <p:cond delay="0"/>
+                                          </p:stCondLst>
+                                        </p:cTn>
+                                        <p:tgtEl>
+                                          <p:spTgt spid="34"/>
+                                        </p:tgtEl>
+                                        <p:attrNameLst>
+                                          <p:attrName>style.visibility</p:attrName>
+                                        </p:attrNameLst>
+                                      </p:cBhvr>
+                                      <p:to>
+                                        <p:strVal val="visible"/>
+                                      </p:to>
+                                    </p:set>
+                                    <p:anim calcmode="lin" valueType="num">
+                                      <p:cBhvr additive="base">
+                                        <p:cTn id="17" dur="500" fill="hold"/>
+                                        <p:tgtEl>
+                                          <p:spTgt spid="34"/>
+                                        </p:tgtEl>
+                                        <p:attrNameLst>
+                                          <p:attrName>ppt_x</p:attrName>
+                                        </p:attrNameLst>
+                                      </p:cBhvr>
+                                      <p:tavLst>
+                                        <p:tav tm="0">
+                                          <p:val>
+                                            <p:strVal val="#ppt_x"/>
+                                          </p:val>
+                                        </p:tav>
+                                        <p:tav tm="100000">
+                                          <p:val>
+                                            <p:strVal val="#ppt_x"/>
+                                          </p:val>
+                                        </p:tav>
+                                      </p:tavLst>
+                                    </p:anim>
+                                    <p:anim calcmode="lin" valueType="num">
+                                      <p:cBhvr additive="base">
+                                        <p:cTn id="18" dur="500" fill="hold"/>
+                                        <p:tgtEl>
+                                          <p:spTgt spid="34"/>
+                                        </p:tgtEl>
+                                        <p:attrNameLst>
+                                          <p:attrName>ppt_y</p:attrName>
+                                        </p:attrNameLst>
+                                      </p:cBhvr>
+                                      <p:tavLst>
+                                        <p:tav tm="0">
+                                          <p:val>
+                                            <p:strVal val="1+#ppt_h/2"/>
+                                          </p:val>
+                                        </p:tav>
+                                        <p:tav tm="100000">
+                                          <p:val>
+                                            <p:strVal val="#ppt_y"/>
+                                          </p:val>
+                                        </p:tav>
+                                      </p:tavLst>
+                                    </p:anim>
+                                  </p:childTnLst>
+                                </p:cTn>
+                              </p:par>
+                            </p:childTnLst>
+                          </p:cTn>
+                        </p:par>
+                      </p:childTnLst>
+                    </p:cTn>
+                  </p:par>
+                  <p:par>
+                    <p:cTn id="19" fill="hold">
+                      <p:stCondLst>
+                        <p:cond delay="indefinite"/>
+                      </p:stCondLst>
+                      <p:childTnLst>
+                        <p:par>
+                          <p:cTn id="20" fill="hold">
+                            <p:stCondLst>
+                              <p:cond delay="0"/>
+                            </p:stCondLst>
+                            <p:childTnLst>
+                              <p:par>
+                                <p:cTn id="21" presetID="45" presetClass="entr" presetSubtype="0" fill="hold" grpId="0" nodeType="clickEffect">
+                                  <p:stCondLst>
+                                    <p:cond delay="0"/>
+                                  </p:stCondLst>
+                                  <p:childTnLst>
+                                    <p:set>
+                                      <p:cBhvr>
+                                        <p:cTn id="22" dur="1" fill="hold">
+                                          <p:stCondLst>
+                                            <p:cond delay="0"/>
+                                          </p:stCondLst>
+                                        </p:cTn>
+                                        <p:tgtEl>
+                                          <p:spTgt spid="7"/>
+                                        </p:tgtEl>
+                                        <p:attrNameLst>
+                                          <p:attrName>style.visibility</p:attrName>
+                                        </p:attrNameLst>
+                                      </p:cBhvr>
+                                      <p:to>
+                                        <p:strVal val="visible"/>
+                                      </p:to>
+                                    </p:set>
+                                    <p:animEffect transition="in" filter="fade">
+                                      <p:cBhvr>
+                                        <p:cTn id="23" dur="4250"/>
+                                        <p:tgtEl>
+                                          <p:spTgt spid="7"/>
+                                        </p:tgtEl>
+                                      </p:cBhvr>
+                                    </p:animEffect>
+                                    <p:anim calcmode="lin" valueType="num">
+                                      <p:cBhvr>
+                                        <p:cTn id="24" dur="4250" fill="hold"/>
+                                        <p:tgtEl>
+                                          <p:spTgt spid="7"/>
+                                        </p:tgtEl>
+                                        <p:attrNameLst>
+                                          <p:attrName>ppt_w</p:attrName>
+                                        </p:attrNameLst>
+                                      </p:cBhvr>
+                                      <p:tavLst>
+                                        <p:tav tm="0" fmla="#ppt_w*sin(2.5*pi*$)">
+                                          <p:val>
+                                            <p:fltVal val="0"/>
+                                          </p:val>
+                                        </p:tav>
+                                        <p:tav tm="100000">
+                                          <p:val>
+                                            <p:fltVal val="1"/>
+                                          </p:val>
+                                        </p:tav>
+                                      </p:tavLst>
+                                    </p:anim>
+                                    <p:anim calcmode="lin" valueType="num">
+                                      <p:cBhvr>
+                                        <p:cTn id="25" dur="4250" fill="hold"/>
+                                        <p:tgtEl>
+                                          <p:spTgt spid="7"/>
+                                        </p:tgtEl>
+                                        <p:attrNameLst>
+                                          <p:attrName>ppt_h</p:attrName>
+                                        </p:attrNameLst>
+                                      </p:cBhvr>
+                                      <p:tavLst>
+                                        <p:tav tm="0">
+                                          <p:val>
+                                            <p:strVal val="#ppt_h"/>
+                                          </p:val>
+                                        </p:tav>
+                                        <p:tav tm="100000">
+                                          <p:val>
+                                            <p:strVal val="#ppt_h"/>
+                                          </p:val>
+                                        </p:tav>
+                                      </p:tavLst>
+                                    </p:anim>
+                                  </p:childTnLst>
+                                </p:cTn>
+                              </p:par>
+                            </p:childTnLst>
+                          </p:cTn>
+                        </p:par>
+                      </p:childTnLst>
+                    </p:cTn>
+                  </p:par>
+                </p:childTnLst>
+              </p:cTn>
+              <p:prevCondLst>
+                <p:cond evt="onPrev" delay="0">
+                  <p:tgtEl>
+                    <p:sldTgt/>
+                  </p:tgtEl>
+                </p:cond>
+              </p:prevCondLst>
+              <p:nextCondLst>
+                <p:cond evt="onNext" delay="0">
+                  <p:tgtEl>
+                    <p:sldTgt/>
+                  </p:tgtEl>
+                </p:cond>
+              </p:nextCondLst>
+            </p:seq>
+          </p:childTnLst>
+        </p:cTn>
       </p:par>
     </p:tnLst>
+    <p:bldLst>
+      <p:bldP spid="7" grpId="0" animBg="1"/>
+    </p:bldLst>
   </p:timing>
 </p:sld>
 </file>
@@ -17401,7 +20770,7 @@
             </a:pPr>
             <a:fld id="{2C597DD3-C657-4292-BDD8-A59C5130682A}" type="datetime1">
               <a:rPr lang="de-DE" smtClean="0"/>
-              <a:t>06.08.2018</a:t>
+              <a:t>07.08.2018</a:t>
             </a:fld>
             <a:endParaRPr lang="de-DE" dirty="0"/>
           </a:p>
@@ -17510,6 +20879,189 @@
           </a:p>
         </p:txBody>
       </p:sp>
+      <p:pic>
+        <p:nvPicPr>
+          <p:cNvPr id="7" name="Grafik 6"/>
+          <p:cNvPicPr>
+            <a:picLocks noChangeAspect="1"/>
+          </p:cNvPicPr>
+          <p:nvPr/>
+        </p:nvPicPr>
+        <p:blipFill>
+          <a:blip r:embed="rId3"/>
+          <a:stretch>
+            <a:fillRect/>
+          </a:stretch>
+        </p:blipFill>
+        <p:spPr>
+          <a:xfrm>
+            <a:off x="5868144" y="3429000"/>
+            <a:ext cx="2209800" cy="1504950"/>
+          </a:xfrm>
+          <a:prstGeom prst="rect">
+            <a:avLst/>
+          </a:prstGeom>
+        </p:spPr>
+      </p:pic>
+      <p:sp>
+        <p:nvSpPr>
+          <p:cNvPr id="8" name="Abgerundetes Rechteck 7"/>
+          <p:cNvSpPr/>
+          <p:nvPr/>
+        </p:nvSpPr>
+        <p:spPr>
+          <a:xfrm>
+            <a:off x="6372200" y="4221089"/>
+            <a:ext cx="1152127" cy="216024"/>
+          </a:xfrm>
+          <a:prstGeom prst="roundRect">
+            <a:avLst/>
+          </a:prstGeom>
+          <a:solidFill>
+            <a:schemeClr val="bg1"/>
+          </a:solidFill>
+          <a:ln>
+            <a:noFill/>
+          </a:ln>
+        </p:spPr>
+        <p:style>
+          <a:lnRef idx="2">
+            <a:schemeClr val="accent1">
+              <a:shade val="50000"/>
+            </a:schemeClr>
+          </a:lnRef>
+          <a:fillRef idx="1">
+            <a:schemeClr val="accent1"/>
+          </a:fillRef>
+          <a:effectRef idx="0">
+            <a:schemeClr val="accent1"/>
+          </a:effectRef>
+          <a:fontRef idx="minor">
+            <a:schemeClr val="lt1"/>
+          </a:fontRef>
+        </p:style>
+        <p:txBody>
+          <a:bodyPr rtlCol="0" anchor="ctr"/>
+          <a:lstStyle/>
+          <a:p>
+            <a:pPr algn="ctr"/>
+            <a:r>
+              <a:rPr lang="de-DE" sz="1200" dirty="0" smtClean="0">
+                <a:solidFill>
+                  <a:schemeClr val="tx1"/>
+                </a:solidFill>
+              </a:rPr>
+              <a:t>CFIX_RE_...</a:t>
+            </a:r>
+            <a:endParaRPr lang="en-US" sz="1200" dirty="0">
+              <a:solidFill>
+                <a:schemeClr val="tx1"/>
+              </a:solidFill>
+            </a:endParaRPr>
+          </a:p>
+        </p:txBody>
+      </p:sp>
+      <p:cxnSp>
+        <p:nvCxnSpPr>
+          <p:cNvPr id="11" name="Gerade Verbindung mit Pfeil 10"/>
+          <p:cNvCxnSpPr/>
+          <p:nvPr/>
+        </p:nvCxnSpPr>
+        <p:spPr>
+          <a:xfrm flipH="1" flipV="1">
+            <a:off x="4139952" y="2348880"/>
+            <a:ext cx="2520280" cy="1872210"/>
+          </a:xfrm>
+          <a:prstGeom prst="straightConnector1">
+            <a:avLst/>
+          </a:prstGeom>
+          <a:ln w="38100">
+            <a:tailEnd type="triangle"/>
+          </a:ln>
+        </p:spPr>
+        <p:style>
+          <a:lnRef idx="1">
+            <a:schemeClr val="accent1"/>
+          </a:lnRef>
+          <a:fillRef idx="0">
+            <a:schemeClr val="accent1"/>
+          </a:fillRef>
+          <a:effectRef idx="0">
+            <a:schemeClr val="accent1"/>
+          </a:effectRef>
+          <a:fontRef idx="minor">
+            <a:schemeClr val="tx1"/>
+          </a:fontRef>
+        </p:style>
+      </p:cxnSp>
+      <p:cxnSp>
+        <p:nvCxnSpPr>
+          <p:cNvPr id="13" name="Gerade Verbindung mit Pfeil 12"/>
+          <p:cNvCxnSpPr/>
+          <p:nvPr/>
+        </p:nvCxnSpPr>
+        <p:spPr>
+          <a:xfrm flipH="1" flipV="1">
+            <a:off x="3347864" y="2132856"/>
+            <a:ext cx="3384376" cy="2448125"/>
+          </a:xfrm>
+          <a:prstGeom prst="straightConnector1">
+            <a:avLst/>
+          </a:prstGeom>
+          <a:ln w="38100">
+            <a:headEnd type="triangle"/>
+            <a:tailEnd type="triangle"/>
+          </a:ln>
+        </p:spPr>
+        <p:style>
+          <a:lnRef idx="1">
+            <a:schemeClr val="accent1"/>
+          </a:lnRef>
+          <a:fillRef idx="0">
+            <a:schemeClr val="accent1"/>
+          </a:fillRef>
+          <a:effectRef idx="0">
+            <a:schemeClr val="accent1"/>
+          </a:effectRef>
+          <a:fontRef idx="minor">
+            <a:schemeClr val="tx1"/>
+          </a:fontRef>
+        </p:style>
+      </p:cxnSp>
+      <p:cxnSp>
+        <p:nvCxnSpPr>
+          <p:cNvPr id="20" name="Gerade Verbindung mit Pfeil 19"/>
+          <p:cNvCxnSpPr/>
+          <p:nvPr/>
+        </p:nvCxnSpPr>
+        <p:spPr>
+          <a:xfrm flipH="1" flipV="1">
+            <a:off x="971600" y="2917584"/>
+            <a:ext cx="5544616" cy="1648966"/>
+          </a:xfrm>
+          <a:prstGeom prst="straightConnector1">
+            <a:avLst/>
+          </a:prstGeom>
+          <a:ln w="38100">
+            <a:headEnd type="triangle"/>
+            <a:tailEnd type="triangle"/>
+          </a:ln>
+        </p:spPr>
+        <p:style>
+          <a:lnRef idx="1">
+            <a:schemeClr val="accent1"/>
+          </a:lnRef>
+          <a:fillRef idx="0">
+            <a:schemeClr val="accent1"/>
+          </a:fillRef>
+          <a:effectRef idx="0">
+            <a:schemeClr val="accent1"/>
+          </a:effectRef>
+          <a:fontRef idx="minor">
+            <a:schemeClr val="tx1"/>
+          </a:fontRef>
+        </p:style>
+      </p:cxnSp>
     </p:spTree>
     <p:extLst>
       <p:ext uri="{BB962C8B-B14F-4D97-AF65-F5344CB8AC3E}">
@@ -17523,7 +21075,212 @@
   <p:timing>
     <p:tnLst>
       <p:par>
-        <p:cTn id="1" dur="indefinite" restart="never" nodeType="tmRoot"/>
+        <p:cTn id="1" dur="indefinite" restart="never" nodeType="tmRoot">
+          <p:childTnLst>
+            <p:seq concurrent="1" nextAc="seek">
+              <p:cTn id="2" dur="indefinite" nodeType="mainSeq">
+                <p:childTnLst>
+                  <p:par>
+                    <p:cTn id="3" fill="hold">
+                      <p:stCondLst>
+                        <p:cond delay="indefinite"/>
+                      </p:stCondLst>
+                      <p:childTnLst>
+                        <p:par>
+                          <p:cTn id="4" fill="hold">
+                            <p:stCondLst>
+                              <p:cond delay="0"/>
+                            </p:stCondLst>
+                            <p:childTnLst>
+                              <p:par>
+                                <p:cTn id="5" presetID="2" presetClass="entr" presetSubtype="4" fill="hold" nodeType="clickEffect">
+                                  <p:stCondLst>
+                                    <p:cond delay="0"/>
+                                  </p:stCondLst>
+                                  <p:childTnLst>
+                                    <p:set>
+                                      <p:cBhvr>
+                                        <p:cTn id="6" dur="1" fill="hold">
+                                          <p:stCondLst>
+                                            <p:cond delay="0"/>
+                                          </p:stCondLst>
+                                        </p:cTn>
+                                        <p:tgtEl>
+                                          <p:spTgt spid="11"/>
+                                        </p:tgtEl>
+                                        <p:attrNameLst>
+                                          <p:attrName>style.visibility</p:attrName>
+                                        </p:attrNameLst>
+                                      </p:cBhvr>
+                                      <p:to>
+                                        <p:strVal val="visible"/>
+                                      </p:to>
+                                    </p:set>
+                                    <p:anim calcmode="lin" valueType="num">
+                                      <p:cBhvr additive="base">
+                                        <p:cTn id="7" dur="500" fill="hold"/>
+                                        <p:tgtEl>
+                                          <p:spTgt spid="11"/>
+                                        </p:tgtEl>
+                                        <p:attrNameLst>
+                                          <p:attrName>ppt_x</p:attrName>
+                                        </p:attrNameLst>
+                                      </p:cBhvr>
+                                      <p:tavLst>
+                                        <p:tav tm="0">
+                                          <p:val>
+                                            <p:strVal val="#ppt_x"/>
+                                          </p:val>
+                                        </p:tav>
+                                        <p:tav tm="100000">
+                                          <p:val>
+                                            <p:strVal val="#ppt_x"/>
+                                          </p:val>
+                                        </p:tav>
+                                      </p:tavLst>
+                                    </p:anim>
+                                    <p:anim calcmode="lin" valueType="num">
+                                      <p:cBhvr additive="base">
+                                        <p:cTn id="8" dur="500" fill="hold"/>
+                                        <p:tgtEl>
+                                          <p:spTgt spid="11"/>
+                                        </p:tgtEl>
+                                        <p:attrNameLst>
+                                          <p:attrName>ppt_y</p:attrName>
+                                        </p:attrNameLst>
+                                      </p:cBhvr>
+                                      <p:tavLst>
+                                        <p:tav tm="0">
+                                          <p:val>
+                                            <p:strVal val="1+#ppt_h/2"/>
+                                          </p:val>
+                                        </p:tav>
+                                        <p:tav tm="100000">
+                                          <p:val>
+                                            <p:strVal val="#ppt_y"/>
+                                          </p:val>
+                                        </p:tav>
+                                      </p:tavLst>
+                                    </p:anim>
+                                  </p:childTnLst>
+                                </p:cTn>
+                              </p:par>
+                            </p:childTnLst>
+                          </p:cTn>
+                        </p:par>
+                      </p:childTnLst>
+                    </p:cTn>
+                  </p:par>
+                  <p:par>
+                    <p:cTn id="9" fill="hold">
+                      <p:stCondLst>
+                        <p:cond delay="indefinite"/>
+                      </p:stCondLst>
+                      <p:childTnLst>
+                        <p:par>
+                          <p:cTn id="10" fill="hold">
+                            <p:stCondLst>
+                              <p:cond delay="0"/>
+                            </p:stCondLst>
+                            <p:childTnLst>
+                              <p:par>
+                                <p:cTn id="11" presetID="2" presetClass="entr" presetSubtype="4" fill="hold" nodeType="clickEffect">
+                                  <p:stCondLst>
+                                    <p:cond delay="0"/>
+                                  </p:stCondLst>
+                                  <p:childTnLst>
+                                    <p:set>
+                                      <p:cBhvr>
+                                        <p:cTn id="12" dur="1" fill="hold">
+                                          <p:stCondLst>
+                                            <p:cond delay="0"/>
+                                          </p:stCondLst>
+                                        </p:cTn>
+                                        <p:tgtEl>
+                                          <p:spTgt spid="13"/>
+                                        </p:tgtEl>
+                                        <p:attrNameLst>
+                                          <p:attrName>style.visibility</p:attrName>
+                                        </p:attrNameLst>
+                                      </p:cBhvr>
+                                      <p:to>
+                                        <p:strVal val="visible"/>
+                                      </p:to>
+                                    </p:set>
+                                    <p:anim calcmode="lin" valueType="num">
+                                      <p:cBhvr additive="base">
+                                        <p:cTn id="13" dur="500" fill="hold"/>
+                                        <p:tgtEl>
+                                          <p:spTgt spid="13"/>
+                                        </p:tgtEl>
+                                        <p:attrNameLst>
+                                          <p:attrName>ppt_x</p:attrName>
+                                        </p:attrNameLst>
+                                      </p:cBhvr>
+                                      <p:tavLst>
+                                        <p:tav tm="0">
+                                          <p:val>
+                                            <p:strVal val="#ppt_x"/>
+                                          </p:val>
+                                        </p:tav>
+                                        <p:tav tm="100000">
+                                          <p:val>
+                                            <p:strVal val="#ppt_x"/>
+                                          </p:val>
+                                        </p:tav>
+                                      </p:tavLst>
+                                    </p:anim>
+                                    <p:anim calcmode="lin" valueType="num">
+                                      <p:cBhvr additive="base">
+                                        <p:cTn id="14" dur="500" fill="hold"/>
+                                        <p:tgtEl>
+                                          <p:spTgt spid="13"/>
+                                        </p:tgtEl>
+                                        <p:attrNameLst>
+                                          <p:attrName>ppt_y</p:attrName>
+                                        </p:attrNameLst>
+                                      </p:cBhvr>
+                                      <p:tavLst>
+                                        <p:tav tm="0">
+                                          <p:val>
+                                            <p:strVal val="1+#ppt_h/2"/>
+                                          </p:val>
+                                        </p:tav>
+                                        <p:tav tm="100000">
+                                          <p:val>
+                                            <p:strVal val="#ppt_y"/>
+                                          </p:val>
+                                        </p:tav>
+                                      </p:tavLst>
+                                    </p:anim>
+                                  </p:childTnLst>
+                                </p:cTn>
+                              </p:par>
+                            </p:childTnLst>
+                          </p:cTn>
+                        </p:par>
+                      </p:childTnLst>
+                    </p:cTn>
+                  </p:par>
+                </p:childTnLst>
+              </p:cTn>
+              <p:prevCondLst>
+                <p:cond evt="onPrev" delay="0">
+                  <p:tgtEl>
+                    <p:sldTgt/>
+                  </p:tgtEl>
+                </p:cond>
+              </p:prevCondLst>
+              <p:nextCondLst>
+                <p:cond evt="onNext" delay="0">
+                  <p:tgtEl>
+                    <p:sldTgt/>
+                  </p:tgtEl>
+                </p:cond>
+              </p:nextCondLst>
+            </p:seq>
+          </p:childTnLst>
+        </p:cTn>
       </p:par>
     </p:tnLst>
   </p:timing>
@@ -17889,7 +21646,7 @@
             </a:pPr>
             <a:fld id="{DF72E200-8F70-4F98-A0B0-628E642DCF78}" type="datetime1">
               <a:rPr lang="de-DE" smtClean="0"/>
-              <a:t>06.08.2018</a:t>
+              <a:t>07.08.2018</a:t>
             </a:fld>
             <a:endParaRPr lang="de-DE" dirty="0"/>
           </a:p>
@@ -17998,6 +21755,292 @@
           </a:p>
         </p:txBody>
       </p:sp>
+      <p:pic>
+        <p:nvPicPr>
+          <p:cNvPr id="7" name="Grafik 6"/>
+          <p:cNvPicPr>
+            <a:picLocks noChangeAspect="1"/>
+          </p:cNvPicPr>
+          <p:nvPr/>
+        </p:nvPicPr>
+        <p:blipFill>
+          <a:blip r:embed="rId3"/>
+          <a:stretch>
+            <a:fillRect/>
+          </a:stretch>
+        </p:blipFill>
+        <p:spPr>
+          <a:xfrm rot="5400000">
+            <a:off x="5076095" y="2714812"/>
+            <a:ext cx="4392486" cy="2076450"/>
+          </a:xfrm>
+          <a:prstGeom prst="rect">
+            <a:avLst/>
+          </a:prstGeom>
+        </p:spPr>
+      </p:pic>
+      <p:sp>
+        <p:nvSpPr>
+          <p:cNvPr id="9" name="Abgerundetes Rechteck 8"/>
+          <p:cNvSpPr/>
+          <p:nvPr/>
+        </p:nvSpPr>
+        <p:spPr>
+          <a:xfrm>
+            <a:off x="6444208" y="4797152"/>
+            <a:ext cx="288032" cy="1440160"/>
+          </a:xfrm>
+          <a:prstGeom prst="roundRect">
+            <a:avLst/>
+          </a:prstGeom>
+          <a:solidFill>
+            <a:schemeClr val="bg2"/>
+          </a:solidFill>
+          <a:ln>
+            <a:noFill/>
+          </a:ln>
+        </p:spPr>
+        <p:style>
+          <a:lnRef idx="2">
+            <a:schemeClr val="accent1">
+              <a:shade val="50000"/>
+            </a:schemeClr>
+          </a:lnRef>
+          <a:fillRef idx="1">
+            <a:schemeClr val="accent1"/>
+          </a:fillRef>
+          <a:effectRef idx="0">
+            <a:schemeClr val="accent1"/>
+          </a:effectRef>
+          <a:fontRef idx="minor">
+            <a:schemeClr val="lt1"/>
+          </a:fontRef>
+        </p:style>
+        <p:txBody>
+          <a:bodyPr rtlCol="0" anchor="ctr"/>
+          <a:lstStyle/>
+          <a:p>
+            <a:pPr algn="ctr"/>
+            <a:endParaRPr lang="en-US"/>
+          </a:p>
+        </p:txBody>
+      </p:sp>
+      <p:sp>
+        <p:nvSpPr>
+          <p:cNvPr id="10" name="Abgerundetes Rechteck 9"/>
+          <p:cNvSpPr/>
+          <p:nvPr/>
+        </p:nvSpPr>
+        <p:spPr>
+          <a:xfrm>
+            <a:off x="6012160" y="2348880"/>
+            <a:ext cx="648072" cy="288032"/>
+          </a:xfrm>
+          <a:prstGeom prst="roundRect">
+            <a:avLst/>
+          </a:prstGeom>
+          <a:solidFill>
+            <a:schemeClr val="bg2"/>
+          </a:solidFill>
+          <a:ln>
+            <a:noFill/>
+          </a:ln>
+        </p:spPr>
+        <p:style>
+          <a:lnRef idx="2">
+            <a:schemeClr val="accent1">
+              <a:shade val="50000"/>
+            </a:schemeClr>
+          </a:lnRef>
+          <a:fillRef idx="1">
+            <a:schemeClr val="accent1"/>
+          </a:fillRef>
+          <a:effectRef idx="0">
+            <a:schemeClr val="accent1"/>
+          </a:effectRef>
+          <a:fontRef idx="minor">
+            <a:schemeClr val="lt1"/>
+          </a:fontRef>
+        </p:style>
+        <p:txBody>
+          <a:bodyPr rtlCol="0" anchor="ctr"/>
+          <a:lstStyle/>
+          <a:p>
+            <a:pPr algn="ctr"/>
+            <a:endParaRPr lang="en-US"/>
+          </a:p>
+        </p:txBody>
+      </p:sp>
+      <p:cxnSp>
+        <p:nvCxnSpPr>
+          <p:cNvPr id="12" name="Gerade Verbindung mit Pfeil 11"/>
+          <p:cNvCxnSpPr/>
+          <p:nvPr/>
+        </p:nvCxnSpPr>
+        <p:spPr>
+          <a:xfrm>
+            <a:off x="5652120" y="2276872"/>
+            <a:ext cx="936104" cy="1656184"/>
+          </a:xfrm>
+          <a:prstGeom prst="straightConnector1">
+            <a:avLst/>
+          </a:prstGeom>
+          <a:ln w="38100">
+            <a:headEnd type="triangle"/>
+            <a:tailEnd type="triangle"/>
+          </a:ln>
+        </p:spPr>
+        <p:style>
+          <a:lnRef idx="1">
+            <a:schemeClr val="accent1"/>
+          </a:lnRef>
+          <a:fillRef idx="0">
+            <a:schemeClr val="accent1"/>
+          </a:fillRef>
+          <a:effectRef idx="0">
+            <a:schemeClr val="accent1"/>
+          </a:effectRef>
+          <a:fontRef idx="minor">
+            <a:schemeClr val="tx1"/>
+          </a:fontRef>
+        </p:style>
+      </p:cxnSp>
+      <p:cxnSp>
+        <p:nvCxnSpPr>
+          <p:cNvPr id="14" name="Gerade Verbindung mit Pfeil 13"/>
+          <p:cNvCxnSpPr/>
+          <p:nvPr/>
+        </p:nvCxnSpPr>
+        <p:spPr>
+          <a:xfrm flipV="1">
+            <a:off x="5731623" y="2132856"/>
+            <a:ext cx="1216641" cy="504056"/>
+          </a:xfrm>
+          <a:prstGeom prst="straightConnector1">
+            <a:avLst/>
+          </a:prstGeom>
+          <a:ln w="38100">
+            <a:headEnd type="triangle"/>
+            <a:tailEnd type="triangle"/>
+          </a:ln>
+        </p:spPr>
+        <p:style>
+          <a:lnRef idx="1">
+            <a:schemeClr val="accent1"/>
+          </a:lnRef>
+          <a:fillRef idx="0">
+            <a:schemeClr val="accent1"/>
+          </a:fillRef>
+          <a:effectRef idx="0">
+            <a:schemeClr val="accent1"/>
+          </a:effectRef>
+          <a:fontRef idx="minor">
+            <a:schemeClr val="tx1"/>
+          </a:fontRef>
+        </p:style>
+      </p:cxnSp>
+      <p:cxnSp>
+        <p:nvCxnSpPr>
+          <p:cNvPr id="16" name="Gerade Verbindung mit Pfeil 15"/>
+          <p:cNvCxnSpPr/>
+          <p:nvPr/>
+        </p:nvCxnSpPr>
+        <p:spPr>
+          <a:xfrm>
+            <a:off x="5364088" y="2955582"/>
+            <a:ext cx="1656184" cy="1450892"/>
+          </a:xfrm>
+          <a:prstGeom prst="straightConnector1">
+            <a:avLst/>
+          </a:prstGeom>
+          <a:ln w="38100">
+            <a:headEnd type="triangle"/>
+            <a:tailEnd type="triangle"/>
+          </a:ln>
+        </p:spPr>
+        <p:style>
+          <a:lnRef idx="1">
+            <a:schemeClr val="accent1"/>
+          </a:lnRef>
+          <a:fillRef idx="0">
+            <a:schemeClr val="accent1"/>
+          </a:fillRef>
+          <a:effectRef idx="0">
+            <a:schemeClr val="accent1"/>
+          </a:effectRef>
+          <a:fontRef idx="minor">
+            <a:schemeClr val="tx1"/>
+          </a:fontRef>
+        </p:style>
+      </p:cxnSp>
+      <p:cxnSp>
+        <p:nvCxnSpPr>
+          <p:cNvPr id="18" name="Gerade Verbindung mit Pfeil 17"/>
+          <p:cNvCxnSpPr/>
+          <p:nvPr/>
+        </p:nvCxnSpPr>
+        <p:spPr>
+          <a:xfrm>
+            <a:off x="2627784" y="3284984"/>
+            <a:ext cx="4104456" cy="1440160"/>
+          </a:xfrm>
+          <a:prstGeom prst="straightConnector1">
+            <a:avLst/>
+          </a:prstGeom>
+          <a:ln w="38100">
+            <a:headEnd type="triangle"/>
+            <a:tailEnd type="triangle"/>
+          </a:ln>
+        </p:spPr>
+        <p:style>
+          <a:lnRef idx="1">
+            <a:schemeClr val="accent1"/>
+          </a:lnRef>
+          <a:fillRef idx="0">
+            <a:schemeClr val="accent1"/>
+          </a:fillRef>
+          <a:effectRef idx="0">
+            <a:schemeClr val="accent1"/>
+          </a:effectRef>
+          <a:fontRef idx="minor">
+            <a:schemeClr val="tx1"/>
+          </a:fontRef>
+        </p:style>
+      </p:cxnSp>
+      <p:cxnSp>
+        <p:nvCxnSpPr>
+          <p:cNvPr id="20" name="Gerade Verbindung mit Pfeil 19"/>
+          <p:cNvCxnSpPr/>
+          <p:nvPr/>
+        </p:nvCxnSpPr>
+        <p:spPr>
+          <a:xfrm flipV="1">
+            <a:off x="2915816" y="2636912"/>
+            <a:ext cx="3816424" cy="432048"/>
+          </a:xfrm>
+          <a:prstGeom prst="straightConnector1">
+            <a:avLst/>
+          </a:prstGeom>
+          <a:ln w="38100">
+            <a:headEnd type="triangle"/>
+            <a:tailEnd type="triangle"/>
+          </a:ln>
+        </p:spPr>
+        <p:style>
+          <a:lnRef idx="1">
+            <a:schemeClr val="accent1"/>
+          </a:lnRef>
+          <a:fillRef idx="0">
+            <a:schemeClr val="accent1"/>
+          </a:fillRef>
+          <a:effectRef idx="0">
+            <a:schemeClr val="accent1"/>
+          </a:effectRef>
+          <a:fontRef idx="minor">
+            <a:schemeClr val="tx1"/>
+          </a:fontRef>
+        </p:style>
+      </p:cxnSp>
     </p:spTree>
     <p:extLst>
       <p:ext uri="{BB962C8B-B14F-4D97-AF65-F5344CB8AC3E}">
@@ -18011,7 +22054,394 @@
   <p:timing>
     <p:tnLst>
       <p:par>
-        <p:cTn id="1" dur="indefinite" restart="never" nodeType="tmRoot"/>
+        <p:cTn id="1" dur="indefinite" restart="never" nodeType="tmRoot">
+          <p:childTnLst>
+            <p:seq concurrent="1" nextAc="seek">
+              <p:cTn id="2" dur="indefinite" nodeType="mainSeq">
+                <p:childTnLst>
+                  <p:par>
+                    <p:cTn id="3" fill="hold">
+                      <p:stCondLst>
+                        <p:cond delay="indefinite"/>
+                      </p:stCondLst>
+                      <p:childTnLst>
+                        <p:par>
+                          <p:cTn id="4" fill="hold">
+                            <p:stCondLst>
+                              <p:cond delay="0"/>
+                            </p:stCondLst>
+                            <p:childTnLst>
+                              <p:par>
+                                <p:cTn id="5" presetID="2" presetClass="entr" presetSubtype="4" fill="hold" nodeType="clickEffect">
+                                  <p:stCondLst>
+                                    <p:cond delay="0"/>
+                                  </p:stCondLst>
+                                  <p:childTnLst>
+                                    <p:set>
+                                      <p:cBhvr>
+                                        <p:cTn id="6" dur="1" fill="hold">
+                                          <p:stCondLst>
+                                            <p:cond delay="0"/>
+                                          </p:stCondLst>
+                                        </p:cTn>
+                                        <p:tgtEl>
+                                          <p:spTgt spid="12"/>
+                                        </p:tgtEl>
+                                        <p:attrNameLst>
+                                          <p:attrName>style.visibility</p:attrName>
+                                        </p:attrNameLst>
+                                      </p:cBhvr>
+                                      <p:to>
+                                        <p:strVal val="visible"/>
+                                      </p:to>
+                                    </p:set>
+                                    <p:anim calcmode="lin" valueType="num">
+                                      <p:cBhvr additive="base">
+                                        <p:cTn id="7" dur="500" fill="hold"/>
+                                        <p:tgtEl>
+                                          <p:spTgt spid="12"/>
+                                        </p:tgtEl>
+                                        <p:attrNameLst>
+                                          <p:attrName>ppt_x</p:attrName>
+                                        </p:attrNameLst>
+                                      </p:cBhvr>
+                                      <p:tavLst>
+                                        <p:tav tm="0">
+                                          <p:val>
+                                            <p:strVal val="#ppt_x"/>
+                                          </p:val>
+                                        </p:tav>
+                                        <p:tav tm="100000">
+                                          <p:val>
+                                            <p:strVal val="#ppt_x"/>
+                                          </p:val>
+                                        </p:tav>
+                                      </p:tavLst>
+                                    </p:anim>
+                                    <p:anim calcmode="lin" valueType="num">
+                                      <p:cBhvr additive="base">
+                                        <p:cTn id="8" dur="500" fill="hold"/>
+                                        <p:tgtEl>
+                                          <p:spTgt spid="12"/>
+                                        </p:tgtEl>
+                                        <p:attrNameLst>
+                                          <p:attrName>ppt_y</p:attrName>
+                                        </p:attrNameLst>
+                                      </p:cBhvr>
+                                      <p:tavLst>
+                                        <p:tav tm="0">
+                                          <p:val>
+                                            <p:strVal val="1+#ppt_h/2"/>
+                                          </p:val>
+                                        </p:tav>
+                                        <p:tav tm="100000">
+                                          <p:val>
+                                            <p:strVal val="#ppt_y"/>
+                                          </p:val>
+                                        </p:tav>
+                                      </p:tavLst>
+                                    </p:anim>
+                                  </p:childTnLst>
+                                </p:cTn>
+                              </p:par>
+                            </p:childTnLst>
+                          </p:cTn>
+                        </p:par>
+                      </p:childTnLst>
+                    </p:cTn>
+                  </p:par>
+                  <p:par>
+                    <p:cTn id="9" fill="hold">
+                      <p:stCondLst>
+                        <p:cond delay="indefinite"/>
+                      </p:stCondLst>
+                      <p:childTnLst>
+                        <p:par>
+                          <p:cTn id="10" fill="hold">
+                            <p:stCondLst>
+                              <p:cond delay="0"/>
+                            </p:stCondLst>
+                            <p:childTnLst>
+                              <p:par>
+                                <p:cTn id="11" presetID="2" presetClass="entr" presetSubtype="4" fill="hold" nodeType="clickEffect">
+                                  <p:stCondLst>
+                                    <p:cond delay="0"/>
+                                  </p:stCondLst>
+                                  <p:childTnLst>
+                                    <p:set>
+                                      <p:cBhvr>
+                                        <p:cTn id="12" dur="1" fill="hold">
+                                          <p:stCondLst>
+                                            <p:cond delay="0"/>
+                                          </p:stCondLst>
+                                        </p:cTn>
+                                        <p:tgtEl>
+                                          <p:spTgt spid="14"/>
+                                        </p:tgtEl>
+                                        <p:attrNameLst>
+                                          <p:attrName>style.visibility</p:attrName>
+                                        </p:attrNameLst>
+                                      </p:cBhvr>
+                                      <p:to>
+                                        <p:strVal val="visible"/>
+                                      </p:to>
+                                    </p:set>
+                                    <p:anim calcmode="lin" valueType="num">
+                                      <p:cBhvr additive="base">
+                                        <p:cTn id="13" dur="500" fill="hold"/>
+                                        <p:tgtEl>
+                                          <p:spTgt spid="14"/>
+                                        </p:tgtEl>
+                                        <p:attrNameLst>
+                                          <p:attrName>ppt_x</p:attrName>
+                                        </p:attrNameLst>
+                                      </p:cBhvr>
+                                      <p:tavLst>
+                                        <p:tav tm="0">
+                                          <p:val>
+                                            <p:strVal val="#ppt_x"/>
+                                          </p:val>
+                                        </p:tav>
+                                        <p:tav tm="100000">
+                                          <p:val>
+                                            <p:strVal val="#ppt_x"/>
+                                          </p:val>
+                                        </p:tav>
+                                      </p:tavLst>
+                                    </p:anim>
+                                    <p:anim calcmode="lin" valueType="num">
+                                      <p:cBhvr additive="base">
+                                        <p:cTn id="14" dur="500" fill="hold"/>
+                                        <p:tgtEl>
+                                          <p:spTgt spid="14"/>
+                                        </p:tgtEl>
+                                        <p:attrNameLst>
+                                          <p:attrName>ppt_y</p:attrName>
+                                        </p:attrNameLst>
+                                      </p:cBhvr>
+                                      <p:tavLst>
+                                        <p:tav tm="0">
+                                          <p:val>
+                                            <p:strVal val="1+#ppt_h/2"/>
+                                          </p:val>
+                                        </p:tav>
+                                        <p:tav tm="100000">
+                                          <p:val>
+                                            <p:strVal val="#ppt_y"/>
+                                          </p:val>
+                                        </p:tav>
+                                      </p:tavLst>
+                                    </p:anim>
+                                  </p:childTnLst>
+                                </p:cTn>
+                              </p:par>
+                            </p:childTnLst>
+                          </p:cTn>
+                        </p:par>
+                      </p:childTnLst>
+                    </p:cTn>
+                  </p:par>
+                  <p:par>
+                    <p:cTn id="15" fill="hold">
+                      <p:stCondLst>
+                        <p:cond delay="indefinite"/>
+                      </p:stCondLst>
+                      <p:childTnLst>
+                        <p:par>
+                          <p:cTn id="16" fill="hold">
+                            <p:stCondLst>
+                              <p:cond delay="0"/>
+                            </p:stCondLst>
+                            <p:childTnLst>
+                              <p:par>
+                                <p:cTn id="17" presetID="2" presetClass="entr" presetSubtype="4" fill="hold" nodeType="clickEffect">
+                                  <p:stCondLst>
+                                    <p:cond delay="0"/>
+                                  </p:stCondLst>
+                                  <p:childTnLst>
+                                    <p:set>
+                                      <p:cBhvr>
+                                        <p:cTn id="18" dur="1" fill="hold">
+                                          <p:stCondLst>
+                                            <p:cond delay="0"/>
+                                          </p:stCondLst>
+                                        </p:cTn>
+                                        <p:tgtEl>
+                                          <p:spTgt spid="16"/>
+                                        </p:tgtEl>
+                                        <p:attrNameLst>
+                                          <p:attrName>style.visibility</p:attrName>
+                                        </p:attrNameLst>
+                                      </p:cBhvr>
+                                      <p:to>
+                                        <p:strVal val="visible"/>
+                                      </p:to>
+                                    </p:set>
+                                    <p:anim calcmode="lin" valueType="num">
+                                      <p:cBhvr additive="base">
+                                        <p:cTn id="19" dur="500" fill="hold"/>
+                                        <p:tgtEl>
+                                          <p:spTgt spid="16"/>
+                                        </p:tgtEl>
+                                        <p:attrNameLst>
+                                          <p:attrName>ppt_x</p:attrName>
+                                        </p:attrNameLst>
+                                      </p:cBhvr>
+                                      <p:tavLst>
+                                        <p:tav tm="0">
+                                          <p:val>
+                                            <p:strVal val="#ppt_x"/>
+                                          </p:val>
+                                        </p:tav>
+                                        <p:tav tm="100000">
+                                          <p:val>
+                                            <p:strVal val="#ppt_x"/>
+                                          </p:val>
+                                        </p:tav>
+                                      </p:tavLst>
+                                    </p:anim>
+                                    <p:anim calcmode="lin" valueType="num">
+                                      <p:cBhvr additive="base">
+                                        <p:cTn id="20" dur="500" fill="hold"/>
+                                        <p:tgtEl>
+                                          <p:spTgt spid="16"/>
+                                        </p:tgtEl>
+                                        <p:attrNameLst>
+                                          <p:attrName>ppt_y</p:attrName>
+                                        </p:attrNameLst>
+                                      </p:cBhvr>
+                                      <p:tavLst>
+                                        <p:tav tm="0">
+                                          <p:val>
+                                            <p:strVal val="1+#ppt_h/2"/>
+                                          </p:val>
+                                        </p:tav>
+                                        <p:tav tm="100000">
+                                          <p:val>
+                                            <p:strVal val="#ppt_y"/>
+                                          </p:val>
+                                        </p:tav>
+                                      </p:tavLst>
+                                    </p:anim>
+                                  </p:childTnLst>
+                                </p:cTn>
+                              </p:par>
+                            </p:childTnLst>
+                          </p:cTn>
+                        </p:par>
+                      </p:childTnLst>
+                    </p:cTn>
+                  </p:par>
+                  <p:par>
+                    <p:cTn id="21" fill="hold">
+                      <p:stCondLst>
+                        <p:cond delay="indefinite"/>
+                      </p:stCondLst>
+                      <p:childTnLst>
+                        <p:par>
+                          <p:cTn id="22" fill="hold">
+                            <p:stCondLst>
+                              <p:cond delay="0"/>
+                            </p:stCondLst>
+                            <p:childTnLst>
+                              <p:par>
+                                <p:cTn id="23" presetID="2" presetClass="entr" presetSubtype="4" fill="hold" nodeType="clickEffect">
+                                  <p:stCondLst>
+                                    <p:cond delay="0"/>
+                                  </p:stCondLst>
+                                  <p:childTnLst>
+                                    <p:set>
+                                      <p:cBhvr>
+                                        <p:cTn id="24" dur="1" fill="hold">
+                                          <p:stCondLst>
+                                            <p:cond delay="0"/>
+                                          </p:stCondLst>
+                                        </p:cTn>
+                                        <p:tgtEl>
+                                          <p:spTgt spid="20"/>
+                                        </p:tgtEl>
+                                        <p:attrNameLst>
+                                          <p:attrName>style.visibility</p:attrName>
+                                        </p:attrNameLst>
+                                      </p:cBhvr>
+                                      <p:to>
+                                        <p:strVal val="visible"/>
+                                      </p:to>
+                                    </p:set>
+                                    <p:anim calcmode="lin" valueType="num">
+                                      <p:cBhvr additive="base">
+                                        <p:cTn id="25" dur="500" fill="hold"/>
+                                        <p:tgtEl>
+                                          <p:spTgt spid="20"/>
+                                        </p:tgtEl>
+                                        <p:attrNameLst>
+                                          <p:attrName>ppt_x</p:attrName>
+                                        </p:attrNameLst>
+                                      </p:cBhvr>
+                                      <p:tavLst>
+                                        <p:tav tm="0">
+                                          <p:val>
+                                            <p:strVal val="#ppt_x"/>
+                                          </p:val>
+                                        </p:tav>
+                                        <p:tav tm="100000">
+                                          <p:val>
+                                            <p:strVal val="#ppt_x"/>
+                                          </p:val>
+                                        </p:tav>
+                                      </p:tavLst>
+                                    </p:anim>
+                                    <p:anim calcmode="lin" valueType="num">
+                                      <p:cBhvr additive="base">
+                                        <p:cTn id="26" dur="500" fill="hold"/>
+                                        <p:tgtEl>
+                                          <p:spTgt spid="20"/>
+                                        </p:tgtEl>
+                                        <p:attrNameLst>
+                                          <p:attrName>ppt_y</p:attrName>
+                                        </p:attrNameLst>
+                                      </p:cBhvr>
+                                      <p:tavLst>
+                                        <p:tav tm="0">
+                                          <p:val>
+                                            <p:strVal val="1+#ppt_h/2"/>
+                                          </p:val>
+                                        </p:tav>
+                                        <p:tav tm="100000">
+                                          <p:val>
+                                            <p:strVal val="#ppt_y"/>
+                                          </p:val>
+                                        </p:tav>
+                                      </p:tavLst>
+                                    </p:anim>
+                                  </p:childTnLst>
+                                </p:cTn>
+                              </p:par>
+                            </p:childTnLst>
+                          </p:cTn>
+                        </p:par>
+                      </p:childTnLst>
+                    </p:cTn>
+                  </p:par>
+                </p:childTnLst>
+              </p:cTn>
+              <p:prevCondLst>
+                <p:cond evt="onPrev" delay="0">
+                  <p:tgtEl>
+                    <p:sldTgt/>
+                  </p:tgtEl>
+                </p:cond>
+              </p:prevCondLst>
+              <p:nextCondLst>
+                <p:cond evt="onNext" delay="0">
+                  <p:tgtEl>
+                    <p:sldTgt/>
+                  </p:tgtEl>
+                </p:cond>
+              </p:nextCondLst>
+            </p:seq>
+          </p:childTnLst>
+        </p:cTn>
       </p:par>
     </p:tnLst>
   </p:timing>
@@ -18281,7 +22711,7 @@
             </a:pPr>
             <a:fld id="{7C19136F-A910-4FB0-ACF8-AEB668541EC5}" type="datetime1">
               <a:rPr lang="de-DE" smtClean="0"/>
-              <a:t>06.08.2018</a:t>
+              <a:t>07.08.2018</a:t>
             </a:fld>
             <a:endParaRPr lang="de-DE" dirty="0"/>
           </a:p>
@@ -18465,7 +22895,7 @@
             </a:pPr>
             <a:fld id="{C58F247C-525F-4BEF-9811-6F7F41DCA069}" type="datetime1">
               <a:rPr lang="de-DE" smtClean="0"/>
-              <a:t>06.08.2018</a:t>
+              <a:t>07.08.2018</a:t>
             </a:fld>
             <a:endParaRPr lang="de-DE" dirty="0"/>
           </a:p>
@@ -18557,13 +22987,21 @@
         <p:spPr/>
         <p:txBody>
           <a:bodyPr>
-            <a:normAutofit fontScale="90000"/>
+            <a:normAutofit/>
           </a:bodyPr>
           <a:lstStyle/>
           <a:p>
             <a:r>
               <a:rPr lang="de-DE" b="1" dirty="0"/>
-              <a:t>Prototype Implementierung(drittes Ergebnis)</a:t>
+              <a:t>Prototype </a:t>
+            </a:r>
+            <a:r>
+              <a:rPr lang="de-DE" b="1" dirty="0" smtClean="0"/>
+              <a:t>Implementierung</a:t>
+            </a:r>
+            <a:r>
+              <a:rPr lang="de-DE" b="1" dirty="0"/>
+              <a:t/>
             </a:r>
             <a:br>
               <a:rPr lang="de-DE" b="1" dirty="0"/>
@@ -18666,7 +23104,7 @@
             </a:pPr>
             <a:fld id="{7158BD6A-2C19-4EFB-A2CE-212AA1897748}" type="datetime1">
               <a:rPr lang="de-DE" smtClean="0"/>
-              <a:t>06.08.2018</a:t>
+              <a:t>07.08.2018</a:t>
             </a:fld>
             <a:endParaRPr lang="de-DE" dirty="0"/>
           </a:p>
@@ -18905,7 +23343,7 @@
             </a:pPr>
             <a:fld id="{B5F8C8F1-3024-4FA0-9BCE-52168EDEC483}" type="datetime1">
               <a:rPr lang="de-DE" smtClean="0"/>
-              <a:t>06.08.2018</a:t>
+              <a:t>07.08.2018</a:t>
             </a:fld>
             <a:endParaRPr lang="de-DE" dirty="0"/>
           </a:p>
@@ -19373,7 +23811,7 @@
             </a:pPr>
             <a:fld id="{7C19136F-A910-4FB0-ACF8-AEB668541EC5}" type="datetime1">
               <a:rPr lang="de-DE" smtClean="0"/>
-              <a:t>06.08.2018</a:t>
+              <a:t>07.08.2018</a:t>
             </a:fld>
             <a:endParaRPr lang="de-DE" dirty="0"/>
           </a:p>
@@ -19603,7 +24041,7 @@
             </a:pPr>
             <a:fld id="{8F2FF29D-AB2E-4E17-B0E6-4D1260BEEACD}" type="datetime1">
               <a:rPr lang="de-DE" smtClean="0"/>
-              <a:t>06.08.2018</a:t>
+              <a:t>07.08.2018</a:t>
             </a:fld>
             <a:endParaRPr lang="de-DE" dirty="0"/>
           </a:p>
@@ -19696,6 +24134,13 @@
   <p:clrMapOvr>
     <a:masterClrMapping/>
   </p:clrMapOvr>
+  <p:timing>
+    <p:tnLst>
+      <p:par>
+        <p:cTn id="1" dur="indefinite" restart="never" nodeType="tmRoot"/>
+      </p:par>
+    </p:tnLst>
+  </p:timing>
 </p:sld>
 </file>
 
@@ -19800,7 +24245,7 @@
             </a:pPr>
             <a:fld id="{466E553E-65BB-48F9-9E2F-EE8FD8BA0C4F}" type="datetime1">
               <a:rPr lang="de-DE" smtClean="0"/>
-              <a:t>06.08.2018</a:t>
+              <a:t>07.08.2018</a:t>
             </a:fld>
             <a:endParaRPr lang="de-DE" dirty="0"/>
           </a:p>
@@ -20156,7 +24601,7 @@
             </a:pPr>
             <a:fld id="{7C19136F-A910-4FB0-ACF8-AEB668541EC5}" type="datetime1">
               <a:rPr lang="de-DE" smtClean="0"/>
-              <a:t>06.08.2018</a:t>
+              <a:t>07.08.2018</a:t>
             </a:fld>
             <a:endParaRPr lang="de-DE" dirty="0"/>
           </a:p>
@@ -20384,7 +24829,7 @@
             </a:pPr>
             <a:fld id="{76749AD7-FB61-4E09-8DD2-0A832C50C4EE}" type="datetime1">
               <a:rPr lang="de-DE" smtClean="0"/>
-              <a:t>06.08.2018</a:t>
+              <a:t>07.08.2018</a:t>
             </a:fld>
             <a:endParaRPr lang="de-DE" dirty="0"/>
           </a:p>
@@ -20754,7 +25199,7 @@
             </a:pPr>
             <a:fld id="{CE8E411C-3C5A-4240-AC7B-5D4C805394ED}" type="datetime1">
               <a:rPr lang="de-DE" smtClean="0"/>
-              <a:t>06.08.2018</a:t>
+              <a:t>07.08.2018</a:t>
             </a:fld>
             <a:endParaRPr lang="de-DE" dirty="0"/>
           </a:p>
@@ -24573,7 +29018,7 @@
             </a:pPr>
             <a:fld id="{7C19136F-A910-4FB0-ACF8-AEB668541EC5}" type="datetime1">
               <a:rPr lang="de-DE" smtClean="0"/>
-              <a:t>06.08.2018</a:t>
+              <a:t>07.08.2018</a:t>
             </a:fld>
             <a:endParaRPr lang="de-DE" dirty="0"/>
           </a:p>
@@ -24811,7 +29256,7 @@
             </a:pPr>
             <a:fld id="{72FE9AB9-D7B1-4B90-8B11-4DA12F8AFB39}" type="datetime1">
               <a:rPr lang="de-DE" smtClean="0"/>
-              <a:t>06.08.2018</a:t>
+              <a:t>07.08.2018</a:t>
             </a:fld>
             <a:endParaRPr lang="de-DE" dirty="0"/>
           </a:p>
@@ -25472,7 +29917,7 @@
             </a:pPr>
             <a:fld id="{554C2B53-FD2B-473F-8EE2-052ECEB5B916}" type="datetime1">
               <a:rPr lang="de-DE" smtClean="0"/>
-              <a:t>06.08.2018</a:t>
+              <a:t>07.08.2018</a:t>
             </a:fld>
             <a:endParaRPr lang="de-DE" dirty="0"/>
           </a:p>
@@ -26407,7 +30852,7 @@
             </a:pPr>
             <a:fld id="{D4CABC69-31DB-45D5-AE93-F2D14B16454F}" type="datetime1">
               <a:rPr lang="de-DE" smtClean="0"/>
-              <a:t>06.08.2018</a:t>
+              <a:t>07.08.2018</a:t>
             </a:fld>
             <a:endParaRPr lang="de-DE" dirty="0"/>
           </a:p>
@@ -27465,7 +31910,7 @@
             </a:pPr>
             <a:fld id="{7C19136F-A910-4FB0-ACF8-AEB668541EC5}" type="datetime1">
               <a:rPr lang="de-DE" smtClean="0"/>
-              <a:t>06.08.2018</a:t>
+              <a:t>07.08.2018</a:t>
             </a:fld>
             <a:endParaRPr lang="de-DE" dirty="0"/>
           </a:p>

--- a/Master-Abschluss.pptx
+++ b/Master-Abschluss.pptx
@@ -286,7 +286,7 @@
               <a:pPr>
                 <a:defRPr/>
               </a:pPr>
-              <a:t>07.08.2018</a:t>
+              <a:t>08.08.2018</a:t>
             </a:fld>
             <a:endParaRPr lang="de-DE"/>
           </a:p>
@@ -472,7 +472,7 @@
               <a:pPr>
                 <a:defRPr/>
               </a:pPr>
-              <a:t>07.08.2018</a:t>
+              <a:t>08.08.2018</a:t>
             </a:fld>
             <a:endParaRPr lang="de-DE"/>
           </a:p>
@@ -1125,62 +1125,22 @@
             </a:r>
             <a:r>
               <a:rPr lang="de-DE" dirty="0"/>
-              <a:t> ist.. Ein </a:t>
-            </a:r>
-            <a:r>
-              <a:rPr lang="de-DE" dirty="0" err="1"/>
-              <a:t>engeneri</a:t>
+              <a:t> ist.. Ein Engineering Tool um ein Netzwerk zu planen oder projektieren. Mit CS</a:t>
+            </a:r>
+            <a:r>
+              <a:rPr lang="de-DE" baseline="0" dirty="0"/>
+              <a:t> kann man </a:t>
             </a:r>
             <a:r>
               <a:rPr lang="de-DE" dirty="0"/>
-              <a:t> </a:t>
-            </a:r>
-            <a:r>
-              <a:rPr lang="de-DE" dirty="0" err="1" smtClean="0"/>
-              <a:t>tool</a:t>
-            </a:r>
-            <a:r>
-              <a:rPr lang="de-DE" dirty="0" smtClean="0"/>
-              <a:t> um ein </a:t>
-            </a:r>
-            <a:r>
-              <a:rPr lang="de-DE" dirty="0" err="1" smtClean="0"/>
-              <a:t>netzwerk</a:t>
-            </a:r>
-            <a:r>
-              <a:rPr lang="de-DE" dirty="0" smtClean="0"/>
-              <a:t> zu planen oder projektieren. Mit CS</a:t>
-            </a:r>
-            <a:r>
-              <a:rPr lang="de-DE" baseline="0" dirty="0" smtClean="0"/>
-              <a:t> </a:t>
-            </a:r>
-            <a:r>
-              <a:rPr lang="de-DE" baseline="0" dirty="0" err="1" smtClean="0"/>
-              <a:t>kaann</a:t>
-            </a:r>
-            <a:r>
-              <a:rPr lang="de-DE" baseline="0" dirty="0" smtClean="0"/>
-              <a:t> man </a:t>
-            </a:r>
-            <a:r>
-              <a:rPr lang="de-DE" dirty="0" smtClean="0"/>
-              <a:t>Geräte  </a:t>
-            </a:r>
-            <a:r>
-              <a:rPr lang="de-DE" dirty="0" err="1" smtClean="0"/>
-              <a:t>Konfi</a:t>
-            </a:r>
-            <a:r>
-              <a:rPr lang="de-DE" dirty="0" smtClean="0"/>
-              <a:t>,</a:t>
-            </a:r>
-            <a:r>
-              <a:rPr lang="de-DE" baseline="0" dirty="0" smtClean="0"/>
-              <a:t> parametrieren. </a:t>
-            </a:r>
-            <a:r>
-              <a:rPr lang="de-DE" sz="1200" b="0" i="0" u="none" strike="noStrike" kern="1200" baseline="0" dirty="0" smtClean="0">
+              <a:t>Geräte  Konfigurieren und </a:t>
+            </a:r>
+            <a:r>
+              <a:rPr lang="de-DE" baseline="0" dirty="0"/>
+              <a:t>parametrieren. </a:t>
+            </a:r>
+            <a:r>
+              <a:rPr lang="de-DE" sz="1200" b="0" i="0" u="none" strike="noStrike" kern="1200" baseline="0" dirty="0">
                 <a:solidFill>
                   <a:schemeClr val="tx1"/>
                 </a:solidFill>
@@ -1188,29 +1148,7 @@
                 <a:ea typeface="+mn-ea"/>
                 <a:cs typeface="+mn-cs"/>
               </a:rPr>
-              <a:t>Abbildung z </a:t>
-            </a:r>
-            <a:r>
-              <a:rPr lang="de-DE" sz="1200" b="0" i="0" u="none" strike="noStrike" kern="1200" baseline="0" dirty="0" err="1" smtClean="0">
-                <a:solidFill>
-                  <a:schemeClr val="tx1"/>
-                </a:solidFill>
-                <a:latin typeface="+mn-lt"/>
-                <a:ea typeface="+mn-ea"/>
-                <a:cs typeface="+mn-cs"/>
-              </a:rPr>
-              <a:t>eigt</a:t>
-            </a:r>
-            <a:r>
-              <a:rPr lang="de-DE" sz="1200" b="0" i="0" u="none" strike="noStrike" kern="1200" baseline="0" dirty="0" smtClean="0">
-                <a:solidFill>
-                  <a:schemeClr val="tx1"/>
-                </a:solidFill>
-                <a:latin typeface="+mn-lt"/>
-                <a:ea typeface="+mn-ea"/>
-                <a:cs typeface="+mn-cs"/>
-              </a:rPr>
-              <a:t> </a:t>
+              <a:t>Abbildung zeigt </a:t>
             </a:r>
             <a:r>
               <a:rPr lang="de-DE" sz="1200" b="1" i="0" u="none" strike="noStrike" kern="1200" baseline="0" dirty="0">
@@ -1246,7 +1184,7 @@
               <a:t>ComStudio</a:t>
             </a:r>
             <a:r>
-              <a:rPr lang="de-DE" sz="1200" b="0" i="0" u="none" strike="noStrike" kern="1200" baseline="0" dirty="0" smtClean="0">
+              <a:rPr lang="de-DE" sz="1200" b="0" i="0" u="none" strike="noStrike" kern="1200" baseline="0" dirty="0">
                 <a:solidFill>
                   <a:schemeClr val="tx1"/>
                 </a:solidFill>
@@ -1254,10 +1192,12 @@
                 <a:ea typeface="+mn-ea"/>
                 <a:cs typeface="+mn-cs"/>
               </a:rPr>
-              <a:t>. Auf der Linke Seite.  </a:t>
-            </a:r>
-            <a:r>
-              <a:rPr lang="de-DE" sz="1200" b="0" i="0" u="none" strike="noStrike" kern="1200" baseline="0" dirty="0" err="1" smtClean="0">
+              <a:t>. </a:t>
+            </a:r>
+          </a:p>
+          <a:p>
+            <a:r>
+              <a:rPr lang="de-DE" sz="1200" b="0" i="0" u="none" strike="noStrike" kern="1200" baseline="0" dirty="0">
                 <a:solidFill>
                   <a:schemeClr val="tx1"/>
                 </a:solidFill>
@@ -1265,10 +1205,10 @@
                 <a:ea typeface="+mn-ea"/>
                 <a:cs typeface="+mn-cs"/>
               </a:rPr>
-              <a:t>Workspage</a:t>
-            </a:r>
-            <a:r>
-              <a:rPr lang="de-DE" sz="1200" b="0" i="0" u="none" strike="noStrike" kern="1200" baseline="0" dirty="0" smtClean="0">
+              <a:t>[</a:t>
+            </a:r>
+            <a:r>
+              <a:rPr lang="de-DE" sz="1200" b="1" i="0" u="none" strike="noStrike" kern="1200" baseline="0" dirty="0">
                 <a:solidFill>
                   <a:schemeClr val="tx1"/>
                 </a:solidFill>
@@ -1276,10 +1216,10 @@
                 <a:ea typeface="+mn-ea"/>
                 <a:cs typeface="+mn-cs"/>
               </a:rPr>
-              <a:t> wo </a:t>
-            </a:r>
-            <a:r>
-              <a:rPr lang="de-DE" sz="1200" b="1" i="0" u="none" strike="noStrike" kern="1200" baseline="0" dirty="0" err="1" smtClean="0">
+              <a:t>SE</a:t>
+            </a:r>
+            <a:r>
+              <a:rPr lang="de-DE" sz="1200" b="0" i="0" u="none" strike="noStrike" kern="1200" baseline="0" dirty="0">
                 <a:solidFill>
                   <a:schemeClr val="tx1"/>
                 </a:solidFill>
@@ -1287,10 +1227,12 @@
                 <a:ea typeface="+mn-ea"/>
                 <a:cs typeface="+mn-cs"/>
               </a:rPr>
-              <a:t>Plugin</a:t>
-            </a:r>
-            <a:r>
-              <a:rPr lang="de-DE" sz="1200" b="1" i="0" u="none" strike="noStrike" kern="1200" baseline="0" dirty="0" smtClean="0">
+              <a:t>]: zeigt die logische Ansicht der Daten, die in einer Netzwerk verwendet soll.</a:t>
+            </a:r>
+          </a:p>
+          <a:p>
+            <a:r>
+              <a:rPr lang="de-DE" sz="1200" b="0" i="0" u="none" strike="noStrike" kern="1200" baseline="0" dirty="0">
                 <a:solidFill>
                   <a:schemeClr val="tx1"/>
                 </a:solidFill>
@@ -1298,10 +1240,10 @@
                 <a:ea typeface="+mn-ea"/>
                 <a:cs typeface="+mn-cs"/>
               </a:rPr>
-              <a:t>-UI </a:t>
-            </a:r>
-            <a:r>
-              <a:rPr lang="de-DE" sz="1200" b="1" i="0" u="none" strike="noStrike" kern="1200" baseline="0" dirty="0" err="1" smtClean="0">
+              <a:t>[</a:t>
+            </a:r>
+            <a:r>
+              <a:rPr lang="de-DE" sz="1200" b="1" i="0" u="none" strike="noStrike" kern="1200" baseline="0" dirty="0">
                 <a:solidFill>
                   <a:schemeClr val="tx1"/>
                 </a:solidFill>
@@ -1309,10 +1251,10 @@
                 <a:ea typeface="+mn-ea"/>
                 <a:cs typeface="+mn-cs"/>
               </a:rPr>
-              <a:t>gehosted</a:t>
-            </a:r>
-            <a:r>
-              <a:rPr lang="de-DE" sz="1200" b="1" i="0" u="none" strike="noStrike" kern="1200" baseline="0" dirty="0" smtClean="0">
+              <a:t>Ribbon</a:t>
+            </a:r>
+            <a:r>
+              <a:rPr lang="de-DE" sz="1200" b="0" i="0" u="none" strike="noStrike" kern="1200" baseline="0" dirty="0">
                 <a:solidFill>
                   <a:schemeClr val="tx1"/>
                 </a:solidFill>
@@ -1320,10 +1262,12 @@
                 <a:ea typeface="+mn-ea"/>
                 <a:cs typeface="+mn-cs"/>
               </a:rPr>
-              <a:t> </a:t>
-            </a:r>
-            <a:r>
-              <a:rPr lang="de-DE" sz="1200" b="0" i="0" u="none" strike="noStrike" kern="1200" baseline="0" dirty="0" smtClean="0">
+              <a:t>] ist die Menüleiste der gesamten Anwendung</a:t>
+            </a:r>
+          </a:p>
+          <a:p>
+            <a:r>
+              <a:rPr lang="de-DE" sz="1200" b="0" i="0" u="none" strike="noStrike" kern="1200" baseline="0" dirty="0">
                 <a:solidFill>
                   <a:schemeClr val="tx1"/>
                 </a:solidFill>
@@ -1331,7 +1275,165 @@
                 <a:ea typeface="+mn-ea"/>
                 <a:cs typeface="+mn-cs"/>
               </a:rPr>
-              <a:t>werden</a:t>
+              <a:t>[</a:t>
+            </a:r>
+            <a:r>
+              <a:rPr lang="de-DE" sz="1200" b="1" i="0" u="none" strike="noStrike" kern="1200" baseline="0" dirty="0">
+                <a:solidFill>
+                  <a:schemeClr val="tx1"/>
+                </a:solidFill>
+                <a:latin typeface="+mn-lt"/>
+                <a:ea typeface="+mn-ea"/>
+                <a:cs typeface="+mn-cs"/>
+              </a:rPr>
+              <a:t>Properties</a:t>
+            </a:r>
+            <a:r>
+              <a:rPr lang="de-DE" sz="1200" b="0" i="0" u="none" strike="noStrike" kern="1200" baseline="0" dirty="0">
+                <a:solidFill>
+                  <a:schemeClr val="tx1"/>
+                </a:solidFill>
+                <a:latin typeface="+mn-lt"/>
+                <a:ea typeface="+mn-ea"/>
+                <a:cs typeface="+mn-cs"/>
+              </a:rPr>
+              <a:t>]  zeigt die Details-Information einer momentan gewählte Objekte in der Anwendung.</a:t>
+            </a:r>
+          </a:p>
+          <a:p>
+            <a:r>
+              <a:rPr lang="de-DE" sz="1200" b="0" i="0" u="none" strike="noStrike" kern="1200" baseline="0" dirty="0">
+                <a:solidFill>
+                  <a:schemeClr val="tx1"/>
+                </a:solidFill>
+                <a:latin typeface="+mn-lt"/>
+                <a:ea typeface="+mn-ea"/>
+                <a:cs typeface="+mn-cs"/>
+              </a:rPr>
+              <a:t>[</a:t>
+            </a:r>
+            <a:r>
+              <a:rPr lang="de-DE" sz="1200" b="1" i="0" u="none" strike="noStrike" kern="1200" baseline="0" dirty="0">
+                <a:solidFill>
+                  <a:schemeClr val="tx1"/>
+                </a:solidFill>
+                <a:latin typeface="+mn-lt"/>
+                <a:ea typeface="+mn-ea"/>
+                <a:cs typeface="+mn-cs"/>
+              </a:rPr>
+              <a:t>Output</a:t>
+            </a:r>
+            <a:r>
+              <a:rPr lang="de-DE" sz="1200" b="0" i="0" u="none" strike="noStrike" kern="1200" baseline="0" dirty="0">
+                <a:solidFill>
+                  <a:schemeClr val="tx1"/>
+                </a:solidFill>
+                <a:latin typeface="+mn-lt"/>
+                <a:ea typeface="+mn-ea"/>
+                <a:cs typeface="+mn-cs"/>
+              </a:rPr>
+              <a:t>] listet die Fehlermeldung-Nachrichten in </a:t>
+            </a:r>
+            <a:r>
+              <a:rPr lang="de-DE" sz="1200" b="0" i="0" u="none" strike="noStrike" kern="1200" baseline="0" dirty="0" err="1">
+                <a:solidFill>
+                  <a:schemeClr val="tx1"/>
+                </a:solidFill>
+                <a:latin typeface="+mn-lt"/>
+                <a:ea typeface="+mn-ea"/>
+                <a:cs typeface="+mn-cs"/>
+              </a:rPr>
+              <a:t>Lautzeit</a:t>
+            </a:r>
+            <a:r>
+              <a:rPr lang="de-DE" sz="1200" b="0" i="0" u="none" strike="noStrike" kern="1200" baseline="0" dirty="0">
+                <a:solidFill>
+                  <a:schemeClr val="tx1"/>
+                </a:solidFill>
+                <a:latin typeface="+mn-lt"/>
+                <a:ea typeface="+mn-ea"/>
+                <a:cs typeface="+mn-cs"/>
+              </a:rPr>
+              <a:t>.</a:t>
+            </a:r>
+          </a:p>
+          <a:p>
+            <a:r>
+              <a:rPr lang="de-DE" sz="1200" b="0" i="0" u="none" strike="noStrike" kern="1200" baseline="0" dirty="0">
+                <a:solidFill>
+                  <a:schemeClr val="tx1"/>
+                </a:solidFill>
+                <a:latin typeface="+mn-lt"/>
+                <a:ea typeface="+mn-ea"/>
+                <a:cs typeface="+mn-cs"/>
+              </a:rPr>
+              <a:t>[</a:t>
+            </a:r>
+            <a:r>
+              <a:rPr lang="de-DE" sz="1200" b="1" i="0" u="none" strike="noStrike" kern="1200" baseline="0" dirty="0">
+                <a:solidFill>
+                  <a:schemeClr val="tx1"/>
+                </a:solidFill>
+                <a:latin typeface="+mn-lt"/>
+                <a:ea typeface="+mn-ea"/>
+                <a:cs typeface="+mn-cs"/>
+              </a:rPr>
+              <a:t>Workspace</a:t>
+            </a:r>
+            <a:r>
+              <a:rPr lang="de-DE" sz="1200" b="0" i="0" u="none" strike="noStrike" kern="1200" baseline="0" dirty="0">
+                <a:solidFill>
+                  <a:schemeClr val="tx1"/>
+                </a:solidFill>
+                <a:latin typeface="+mn-lt"/>
+                <a:ea typeface="+mn-ea"/>
+                <a:cs typeface="+mn-cs"/>
+              </a:rPr>
+              <a:t>] ist die stelle wo die TPC gehostet werden, </a:t>
+            </a:r>
+            <a:r>
+              <a:rPr lang="de-DE" sz="1200" b="0" i="0" u="none" strike="noStrike" kern="1200" baseline="0" dirty="0" err="1">
+                <a:solidFill>
+                  <a:schemeClr val="tx1"/>
+                </a:solidFill>
+                <a:latin typeface="+mn-lt"/>
+                <a:ea typeface="+mn-ea"/>
+                <a:cs typeface="+mn-cs"/>
+              </a:rPr>
+              <a:t>ComStudi</a:t>
+            </a:r>
+            <a:r>
+              <a:rPr lang="de-DE" sz="1200" b="0" i="0" u="none" strike="noStrike" kern="1200" baseline="0" dirty="0">
+                <a:solidFill>
+                  <a:schemeClr val="tx1"/>
+                </a:solidFill>
+                <a:latin typeface="+mn-lt"/>
+                <a:ea typeface="+mn-ea"/>
+                <a:cs typeface="+mn-cs"/>
+              </a:rPr>
+              <a:t>  kann schon einige Fenster hosten, wie </a:t>
+            </a:r>
+            <a:r>
+              <a:rPr lang="de-DE" sz="1200" b="0" i="0" u="none" strike="noStrike" kern="1200" baseline="0" dirty="0" err="1">
+                <a:solidFill>
+                  <a:schemeClr val="tx1"/>
+                </a:solidFill>
+                <a:latin typeface="+mn-lt"/>
+                <a:ea typeface="+mn-ea"/>
+                <a:cs typeface="+mn-cs"/>
+              </a:rPr>
+              <a:t>Startge</a:t>
+            </a:r>
+            <a:r>
+              <a:rPr lang="de-DE" sz="1200" b="0" i="0" u="none" strike="noStrike" kern="1200" baseline="0" dirty="0">
+                <a:solidFill>
+                  <a:schemeClr val="tx1"/>
+                </a:solidFill>
+                <a:latin typeface="+mn-lt"/>
+                <a:ea typeface="+mn-ea"/>
+                <a:cs typeface="+mn-cs"/>
+              </a:rPr>
+              <a:t>. DTM-Page</a:t>
             </a:r>
             <a:endParaRPr lang="de-DE" dirty="0"/>
           </a:p>
@@ -1423,26 +1525,66 @@
           <a:bodyPr/>
           <a:lstStyle/>
           <a:p>
+            <a:pPr marL="228600" indent="-228600">
+              <a:buAutoNum type="arabicParenR"/>
+            </a:pPr>
+            <a:r>
+              <a:rPr lang="de-DE" dirty="0"/>
+              <a:t>… Die Ansicht der TPE soll in Workspace gehostet werden.</a:t>
+            </a:r>
+          </a:p>
+          <a:p>
+            <a:pPr marL="228600" indent="-228600">
+              <a:buAutoNum type="arabicParenR"/>
+            </a:pPr>
+            <a:r>
+              <a:rPr lang="de-DE" dirty="0"/>
+              <a:t>Da der Mensch mit dieser Art der Information-Darstellung schneller erfassen kann.</a:t>
+            </a:r>
+          </a:p>
+          <a:p>
+            <a:pPr marL="228600" indent="-228600">
+              <a:buAutoNum type="arabicParenR"/>
+            </a:pPr>
+            <a:r>
+              <a:rPr lang="de-DE" dirty="0"/>
+              <a:t>Jede Topologie soll als Panel in Workspace realisiert werden.</a:t>
+            </a:r>
+          </a:p>
+          <a:p>
+            <a:pPr marL="228600" indent="-228600">
+              <a:buAutoNum type="arabicParenR"/>
+            </a:pPr>
+            <a:r>
+              <a:rPr lang="de-DE" dirty="0"/>
+              <a:t>Vergrößerung und </a:t>
+            </a:r>
+            <a:r>
+              <a:rPr lang="de-DE" dirty="0" err="1"/>
+              <a:t>verkleinerung</a:t>
+            </a:r>
+            <a:r>
+              <a:rPr lang="de-DE" dirty="0"/>
+              <a:t>-Funktion soll geboten werden damit ein Benutzerfreundlichkeit gewährleistet kann.</a:t>
+            </a:r>
+          </a:p>
+          <a:p>
             <a:r>
               <a:rPr lang="de-DE" dirty="0"/>
               <a:t>5) Wie Laden, Speichern, Importieren</a:t>
             </a:r>
             <a:r>
               <a:rPr lang="de-DE" baseline="0" dirty="0"/>
-              <a:t> und </a:t>
-            </a:r>
-            <a:r>
-              <a:rPr lang="de-DE" baseline="0" dirty="0" smtClean="0"/>
-              <a:t>Exportieren</a:t>
-            </a:r>
-          </a:p>
-          <a:p>
-            <a:r>
-              <a:rPr lang="de-DE" baseline="0" dirty="0" smtClean="0"/>
+              <a:t> und Exportieren</a:t>
+            </a:r>
+          </a:p>
+          <a:p>
+            <a:r>
+              <a:rPr lang="de-DE" baseline="0" dirty="0"/>
               <a:t>-</a:t>
             </a:r>
             <a:r>
-              <a:rPr lang="de-DE" sz="1200" b="0" i="0" u="none" strike="noStrike" kern="1200" baseline="0" dirty="0" smtClean="0">
+              <a:rPr lang="de-DE" sz="1200" b="0" i="0" u="none" strike="noStrike" kern="1200" baseline="0" dirty="0">
                 <a:solidFill>
                   <a:schemeClr val="tx1"/>
                 </a:solidFill>
@@ -1453,7 +1595,7 @@
               <a:t> (</a:t>
             </a:r>
             <a:r>
-              <a:rPr lang="de-DE" sz="1200" b="1" i="0" u="none" strike="noStrike" kern="1200" baseline="0" dirty="0" smtClean="0">
+              <a:rPr lang="de-DE" sz="1200" b="1" i="0" u="none" strike="noStrike" kern="1200" baseline="0" dirty="0">
                 <a:solidFill>
                   <a:schemeClr val="tx1"/>
                 </a:solidFill>
@@ -1464,7 +1606,7 @@
               <a:t>NFRs</a:t>
             </a:r>
             <a:r>
-              <a:rPr lang="de-DE" sz="1200" b="0" i="0" u="none" strike="noStrike" kern="1200" baseline="0" dirty="0" smtClean="0">
+              <a:rPr lang="de-DE" sz="1200" b="0" i="0" u="none" strike="noStrike" kern="1200" baseline="0" dirty="0">
                 <a:solidFill>
                   <a:schemeClr val="tx1"/>
                 </a:solidFill>
@@ -1566,39 +1708,7 @@
           <a:p>
             <a:r>
               <a:rPr lang="de-DE" dirty="0"/>
-              <a:t>Mein Vortrag besteht aus folgenden Teilen: </a:t>
-            </a:r>
-            <a:r>
-              <a:rPr lang="de-DE" b="1" i="1" dirty="0"/>
-              <a:t>Erstens</a:t>
-            </a:r>
-            <a:r>
-              <a:rPr lang="de-DE" dirty="0"/>
-              <a:t> [spreche ich über die Einleitung warum eine grafische Komponente entstehen soll, welche Zeile im erreicht werden sollen], </a:t>
-            </a:r>
-            <a:r>
-              <a:rPr lang="de-DE" b="1" dirty="0"/>
-              <a:t>zweitens</a:t>
-            </a:r>
-            <a:r>
-              <a:rPr lang="de-DE" dirty="0"/>
-              <a:t> [wird über die Grundlage der Topologie eingegangen und dann analysiere ich einige Anforderungen], </a:t>
-            </a:r>
-            <a:r>
-              <a:rPr lang="de-DE" b="1" dirty="0"/>
-              <a:t>drittens</a:t>
-            </a:r>
-            <a:r>
-              <a:rPr lang="de-DE" dirty="0"/>
-              <a:t> [spreche ich ausführlich über die 3 Ergebnisse, die in Laufe der MA herausgegeben wurden]. </a:t>
-            </a:r>
-            <a:r>
-              <a:rPr lang="de-DE" b="1" dirty="0"/>
-              <a:t>Zum Schluss  </a:t>
-            </a:r>
-            <a:r>
-              <a:rPr lang="de-DE" dirty="0"/>
-              <a:t>gibt es noch einige Fakten zur grafischen Komponenten.</a:t>
+              <a:t>Nun Evaluation der Client-technologie.</a:t>
             </a:r>
           </a:p>
         </p:txBody>
@@ -1690,76 +1800,76 @@
           <a:lstStyle/>
           <a:p>
             <a:r>
-              <a:rPr lang="de-DE" dirty="0" smtClean="0"/>
+              <a:rPr lang="de-DE" dirty="0"/>
               <a:t>Es wurde eine Fülle von verschiedenen Frameworks ausfindig gemacht. Um ein systematisch Vergleich durchzuführen, habe ich mir ein  Kriterienkatalog erstellt….</a:t>
             </a:r>
           </a:p>
           <a:p>
             <a:r>
-              <a:rPr lang="de-DE" dirty="0" smtClean="0"/>
+              <a:rPr lang="de-DE" dirty="0"/>
               <a:t>--Hier zum einer Seite soll die </a:t>
             </a:r>
             <a:r>
-              <a:rPr lang="de-DE" dirty="0" err="1" smtClean="0"/>
+              <a:rPr lang="de-DE" dirty="0" err="1"/>
               <a:t>Kom</a:t>
             </a:r>
             <a:r>
-              <a:rPr lang="de-DE" dirty="0" smtClean="0"/>
+              <a:rPr lang="de-DE" dirty="0"/>
               <a:t> </a:t>
             </a:r>
             <a:r>
-              <a:rPr lang="de-DE" dirty="0" err="1" smtClean="0"/>
+              <a:rPr lang="de-DE" dirty="0" err="1"/>
               <a:t>zwisc</a:t>
             </a:r>
             <a:r>
-              <a:rPr lang="de-DE" dirty="0" smtClean="0"/>
+              <a:rPr lang="de-DE" dirty="0"/>
               <a:t>. Komponenten sichergestellt werden. Und andere Seite soll Interface zu Datendank bereitgestellt werden.</a:t>
             </a:r>
           </a:p>
           <a:p>
             <a:r>
-              <a:rPr lang="de-DE" dirty="0" smtClean="0"/>
+              <a:rPr lang="de-DE" dirty="0"/>
               <a:t>-- hier kommt in Einsatz welche Programmiersprache wurde unterstützt ,</a:t>
             </a:r>
             <a:r>
-              <a:rPr lang="de-DE" dirty="0" err="1" smtClean="0"/>
+              <a:rPr lang="de-DE" dirty="0" err="1"/>
               <a:t>Typescript</a:t>
             </a:r>
             <a:r>
-              <a:rPr lang="de-DE" dirty="0" smtClean="0"/>
+              <a:rPr lang="de-DE" dirty="0"/>
               <a:t> und </a:t>
             </a:r>
             <a:r>
-              <a:rPr lang="de-DE" dirty="0" err="1" smtClean="0"/>
+              <a:rPr lang="de-DE" dirty="0" err="1"/>
               <a:t>Javascript</a:t>
             </a:r>
             <a:r>
-              <a:rPr lang="de-DE" dirty="0" smtClean="0"/>
+              <a:rPr lang="de-DE" dirty="0"/>
               <a:t> sind denkbar.</a:t>
             </a:r>
           </a:p>
           <a:p>
             <a:r>
-              <a:rPr lang="de-DE" dirty="0" smtClean="0"/>
+              <a:rPr lang="de-DE" dirty="0"/>
               <a:t>-- Diese Kategorie bezieht  sich auf die Lernkurve und alle finanzielle Ausgaben , die für die Nutzung der Frameworks entstehen.</a:t>
             </a:r>
           </a:p>
           <a:p>
             <a:r>
-              <a:rPr lang="de-DE" dirty="0" smtClean="0"/>
+              <a:rPr lang="de-DE" dirty="0"/>
               <a:t>-- Das Konzept für Zeichnung und Behandlung</a:t>
             </a:r>
             <a:r>
-              <a:rPr lang="de-DE" baseline="0" dirty="0" smtClean="0"/>
+              <a:rPr lang="de-DE" baseline="0" dirty="0"/>
               <a:t> der Grundelemente wie Linien, Polygone ist relativ einfach und userfreundlich…</a:t>
             </a:r>
           </a:p>
           <a:p>
             <a:r>
-              <a:rPr lang="de-DE" baseline="0" dirty="0" smtClean="0"/>
+              <a:rPr lang="de-DE" baseline="0" dirty="0"/>
               <a:t>-- Ang nutzt die DI-Pattern was die Wartbarkeit der Applikation erleichtern</a:t>
             </a:r>
-            <a:endParaRPr lang="de-DE" dirty="0" smtClean="0"/>
+            <a:endParaRPr lang="de-DE" dirty="0"/>
           </a:p>
           <a:p>
             <a:endParaRPr lang="de-DE" dirty="0"/>
@@ -2662,7 +2772,6 @@
               <a:rPr lang="de-DE" dirty="0"/>
               <a:t>Mein Vortrag besteht aus folgenden Teilen: </a:t>
             </a:r>
-            <a:endParaRPr lang="de-DE" dirty="0" smtClean="0"/>
           </a:p>
           <a:p>
             <a:pPr marL="171450" indent="-171450">
@@ -2670,20 +2779,12 @@
               <a:buChar char="•"/>
             </a:pPr>
             <a:r>
-              <a:rPr lang="de-DE" b="1" i="1" dirty="0" smtClean="0"/>
+              <a:rPr lang="de-DE" b="1" i="1" dirty="0"/>
               <a:t>Erstens</a:t>
             </a:r>
             <a:r>
-              <a:rPr lang="de-DE" dirty="0" smtClean="0"/>
-              <a:t> </a:t>
-            </a:r>
-            <a:r>
               <a:rPr lang="de-DE" dirty="0"/>
-              <a:t>[spreche ich über die Einleitung warum eine grafische Komponente entstehen soll, welche Zeile im erreicht werden sollen</a:t>
-            </a:r>
-            <a:r>
-              <a:rPr lang="de-DE" dirty="0" smtClean="0"/>
-              <a:t>]</a:t>
+              <a:t> [spreche ich über die Einleitung warum eine grafische Komponente entstehen soll, welche Zeile im erreicht werden sollen]</a:t>
             </a:r>
           </a:p>
           <a:p>
@@ -2692,40 +2793,28 @@
               <a:buChar char="•"/>
             </a:pPr>
             <a:r>
-              <a:rPr lang="de-DE" b="1" dirty="0" smtClean="0"/>
+              <a:rPr lang="de-DE" b="1" dirty="0"/>
               <a:t>zweitens</a:t>
             </a:r>
             <a:r>
-              <a:rPr lang="de-DE" dirty="0" smtClean="0"/>
-              <a:t> </a:t>
-            </a:r>
-            <a:r>
               <a:rPr lang="de-DE" dirty="0"/>
-              <a:t>[wird über die Grundlage der Topologie </a:t>
-            </a:r>
-            <a:r>
-              <a:rPr lang="de-DE" dirty="0" smtClean="0"/>
-              <a:t>eingegangen … welche Topologie-Muster in </a:t>
-            </a:r>
-            <a:r>
-              <a:rPr lang="de-DE" dirty="0" err="1" smtClean="0"/>
+              <a:t> [wird über die Grundlage der Topologie eingegangen … welche Topologie-Muster in </a:t>
+            </a:r>
+            <a:r>
+              <a:rPr lang="de-DE" dirty="0" err="1"/>
               <a:t>Komuni</a:t>
             </a:r>
             <a:r>
-              <a:rPr lang="de-DE" dirty="0" smtClean="0"/>
+              <a:rPr lang="de-DE" dirty="0"/>
               <a:t>-Netzwerk</a:t>
             </a:r>
             <a:r>
-              <a:rPr lang="de-DE" baseline="0" dirty="0" smtClean="0"/>
+              <a:rPr lang="de-DE" baseline="0" dirty="0"/>
               <a:t> häufig angewendet werden</a:t>
             </a:r>
             <a:r>
-              <a:rPr lang="de-DE" dirty="0" smtClean="0"/>
-              <a:t> </a:t>
-            </a:r>
-            <a:r>
               <a:rPr lang="de-DE" dirty="0"/>
-              <a:t>und </a:t>
+              <a:t> und </a:t>
             </a:r>
             <a:r>
               <a:rPr lang="de-DE" b="1" dirty="0"/>
@@ -2735,7 +2824,6 @@
               <a:rPr lang="de-DE" dirty="0"/>
               <a:t> analysiere ich einige Anforderungen], </a:t>
             </a:r>
-            <a:endParaRPr lang="de-DE" dirty="0" smtClean="0"/>
           </a:p>
           <a:p>
             <a:pPr marL="171450" indent="-171450">
@@ -2743,35 +2831,27 @@
               <a:buChar char="•"/>
             </a:pPr>
             <a:r>
-              <a:rPr lang="de-DE" b="1" dirty="0" smtClean="0"/>
+              <a:rPr lang="de-DE" b="1" dirty="0"/>
               <a:t>drittens</a:t>
             </a:r>
             <a:r>
-              <a:rPr lang="de-DE" dirty="0" smtClean="0"/>
-              <a:t> </a:t>
-            </a:r>
-            <a:r>
               <a:rPr lang="de-DE" dirty="0"/>
-              <a:t>[spreche ich ausführlich über die 3 Ergebnisse, die in Laufe der MA herausgegeben wurden]. </a:t>
-            </a:r>
-            <a:r>
-              <a:rPr lang="de-DE" dirty="0" smtClean="0"/>
-              <a:t>1) welche Technologie verwendet wurden 2) wie das </a:t>
-            </a:r>
-            <a:r>
-              <a:rPr lang="de-DE" dirty="0" err="1" smtClean="0"/>
+              <a:t> [spreche ich ausführlich über die 3 Ergebnisse, die in Laufe der MA herausgegeben wurden]. 1) welche Technologie verwendet wurden 2) wie das </a:t>
+            </a:r>
+            <a:r>
+              <a:rPr lang="de-DE" dirty="0" err="1"/>
               <a:t>Plugin</a:t>
             </a:r>
             <a:r>
-              <a:rPr lang="de-DE" dirty="0" smtClean="0"/>
+              <a:rPr lang="de-DE" dirty="0"/>
               <a:t> konzipiert wurde</a:t>
             </a:r>
             <a:r>
-              <a:rPr lang="de-DE" baseline="0" dirty="0" smtClean="0"/>
+              <a:rPr lang="de-DE" baseline="0" dirty="0"/>
               <a:t> 3) das dritte Ergebnis repräsentiert ein vereinfachtes Versuchsmodell der geplanten </a:t>
             </a:r>
             <a:r>
-              <a:rPr lang="de-DE" dirty="0" smtClean="0"/>
+              <a:rPr lang="de-DE" dirty="0"/>
               <a:t>grafischen Komponenten</a:t>
             </a:r>
           </a:p>
@@ -2781,12 +2861,8 @@
               <a:buChar char="•"/>
             </a:pPr>
             <a:r>
-              <a:rPr lang="de-DE" b="1" dirty="0" smtClean="0"/>
-              <a:t>Zum </a:t>
-            </a:r>
-            <a:r>
               <a:rPr lang="de-DE" b="1" dirty="0"/>
-              <a:t>Schluss  </a:t>
+              <a:t>Zum Schluss  </a:t>
             </a:r>
             <a:r>
               <a:rPr lang="de-DE" dirty="0"/>
@@ -3540,15 +3616,7 @@
             </a:r>
             <a:r>
               <a:rPr lang="de-DE" dirty="0"/>
-              <a:t> werden direkt unter die Rechtteck gekennzeichnet.. Die </a:t>
-            </a:r>
-            <a:r>
-              <a:rPr lang="de-DE" dirty="0" smtClean="0"/>
-              <a:t>Verbindung </a:t>
-            </a:r>
-            <a:r>
-              <a:rPr lang="de-DE" dirty="0"/>
-              <a:t>wird durch die </a:t>
+              <a:t> werden direkt unter die Rechtteck gekennzeichnet.. Die Verbindung wird durch die </a:t>
             </a:r>
             <a:r>
               <a:rPr lang="de-DE" dirty="0" err="1"/>
@@ -3949,11 +4017,11 @@
           <a:lstStyle/>
           <a:p>
             <a:r>
-              <a:rPr lang="de-DE" dirty="0" smtClean="0"/>
+              <a:rPr lang="de-DE" dirty="0"/>
               <a:t>Nun</a:t>
             </a:r>
             <a:r>
-              <a:rPr lang="de-DE" baseline="0" dirty="0" smtClean="0"/>
+              <a:rPr lang="de-DE" baseline="0" dirty="0"/>
               <a:t> können wir los starten!!!</a:t>
             </a:r>
             <a:endParaRPr lang="de-DE" dirty="0"/>
@@ -4057,27 +4125,8 @@
               </a:rPr>
               <a:t>Die Firma Hilscher sucht eine Möglichkeit, das Engineering Tool Communication Studio um eine grafische Komponente für die Abbildung komplexer industriellen Netzwerke zu erweitern. </a:t>
             </a:r>
-            <a:endParaRPr lang="de-DE" sz="1200" b="0" i="0" u="none" strike="noStrike" kern="1200" baseline="0" dirty="0" smtClean="0">
-              <a:solidFill>
-                <a:schemeClr val="tx1"/>
-              </a:solidFill>
-              <a:latin typeface="+mn-lt"/>
-              <a:ea typeface="+mn-ea"/>
-              <a:cs typeface="+mn-cs"/>
-            </a:endParaRPr>
-          </a:p>
-          <a:p>
-            <a:r>
-              <a:rPr lang="de-DE" sz="1200" b="1" i="0" u="none" strike="noStrike" kern="1200" baseline="0" dirty="0" smtClean="0">
-                <a:solidFill>
-                  <a:schemeClr val="tx1"/>
-                </a:solidFill>
-                <a:latin typeface="+mn-lt"/>
-                <a:ea typeface="+mn-ea"/>
-                <a:cs typeface="+mn-cs"/>
-              </a:rPr>
-              <a:t>Die </a:t>
-            </a:r>
+          </a:p>
+          <a:p>
             <a:r>
               <a:rPr lang="de-DE" sz="1200" b="1" i="0" u="none" strike="noStrike" kern="1200" baseline="0" dirty="0">
                 <a:solidFill>
@@ -4087,7 +4136,7 @@
                 <a:ea typeface="+mn-ea"/>
                 <a:cs typeface="+mn-cs"/>
               </a:rPr>
-              <a:t>--- </a:t>
+              <a:t>Die --- </a:t>
             </a:r>
             <a:r>
               <a:rPr lang="de-DE" sz="1200" b="0" i="0" u="none" strike="noStrike" kern="1200" baseline="0" dirty="0">
@@ -4109,29 +4158,7 @@
                 <a:ea typeface="+mn-ea"/>
                 <a:cs typeface="+mn-cs"/>
               </a:rPr>
-              <a:t>die es dem Anwender einfaches Management der Netzwerke erlaubt und  alle gängigen </a:t>
-            </a:r>
-            <a:r>
-              <a:rPr lang="de-DE" sz="1200" b="0" i="1" u="none" strike="noStrike" kern="1200" baseline="0" dirty="0" smtClean="0">
-                <a:solidFill>
-                  <a:schemeClr val="tx1"/>
-                </a:solidFill>
-                <a:latin typeface="+mn-lt"/>
-                <a:ea typeface="+mn-ea"/>
-                <a:cs typeface="+mn-cs"/>
-              </a:rPr>
-              <a:t>Topologie-Muster </a:t>
-            </a:r>
-            <a:r>
-              <a:rPr lang="de-DE" sz="1200" b="0" i="1" u="none" strike="noStrike" kern="1200" baseline="0" dirty="0">
-                <a:solidFill>
-                  <a:schemeClr val="tx1"/>
-                </a:solidFill>
-                <a:latin typeface="+mn-lt"/>
-                <a:ea typeface="+mn-ea"/>
-                <a:cs typeface="+mn-cs"/>
-              </a:rPr>
-              <a:t>im Kontext der industriellen Netzwerke unterstützt</a:t>
+              <a:t>die es dem Anwender einfaches Management der Netzwerke erlaubt und  alle gängigen Topologie-Muster im Kontext der industriellen Netzwerke unterstützt</a:t>
             </a:r>
             <a:r>
               <a:rPr lang="de-DE" sz="1200" b="0" i="0" u="none" strike="noStrike" kern="1200" baseline="0" dirty="0">
@@ -4144,27 +4171,8 @@
               </a:rPr>
               <a:t>. </a:t>
             </a:r>
-            <a:endParaRPr lang="de-DE" sz="1200" b="0" i="0" u="none" strike="noStrike" kern="1200" baseline="0" dirty="0" smtClean="0">
-              <a:solidFill>
-                <a:schemeClr val="tx1"/>
-              </a:solidFill>
-              <a:latin typeface="+mn-lt"/>
-              <a:ea typeface="+mn-ea"/>
-              <a:cs typeface="+mn-cs"/>
-            </a:endParaRPr>
-          </a:p>
-          <a:p>
-            <a:r>
-              <a:rPr lang="de-DE" sz="1200" b="1" i="0" u="none" strike="noStrike" kern="1200" baseline="0" dirty="0" smtClean="0">
-                <a:solidFill>
-                  <a:schemeClr val="tx1"/>
-                </a:solidFill>
-                <a:latin typeface="+mn-lt"/>
-                <a:ea typeface="+mn-ea"/>
-                <a:cs typeface="+mn-cs"/>
-              </a:rPr>
-              <a:t>Gefordert </a:t>
-            </a:r>
+          </a:p>
+          <a:p>
             <a:r>
               <a:rPr lang="de-DE" sz="1200" b="1" i="0" u="none" strike="noStrike" kern="1200" baseline="0" dirty="0">
                 <a:solidFill>
@@ -4174,10 +4182,10 @@
                 <a:ea typeface="+mn-ea"/>
                 <a:cs typeface="+mn-cs"/>
               </a:rPr>
-              <a:t>ist </a:t>
-            </a:r>
-            <a:r>
-              <a:rPr lang="de-DE" sz="1200" b="0" i="0" u="none" strike="noStrike" kern="1200" baseline="0" dirty="0" smtClean="0">
+              <a:t>Gefordert ist </a:t>
+            </a:r>
+            <a:r>
+              <a:rPr lang="de-DE" sz="1200" b="0" i="0" u="none" strike="noStrike" kern="1200" baseline="0" dirty="0">
                 <a:solidFill>
                   <a:schemeClr val="tx1"/>
                 </a:solidFill>
@@ -4189,7 +4197,7 @@
             </a:r>
           </a:p>
           <a:p>
-            <a:endParaRPr lang="de-DE" sz="1200" b="0" i="0" u="none" strike="noStrike" kern="1200" baseline="0" dirty="0" smtClean="0">
+            <a:endParaRPr lang="de-DE" sz="1200" b="0" i="0" u="none" strike="noStrike" kern="1200" baseline="0" dirty="0">
               <a:solidFill>
                 <a:schemeClr val="tx1"/>
               </a:solidFill>
@@ -4200,7 +4208,7 @@
           </a:p>
           <a:p>
             <a:r>
-              <a:rPr lang="de-DE" sz="1200" b="1" i="0" u="none" strike="noStrike" kern="1200" baseline="0" dirty="0" smtClean="0">
+              <a:rPr lang="de-DE" sz="1200" b="1" i="0" u="none" strike="noStrike" kern="1200" baseline="0" dirty="0">
                 <a:solidFill>
                   <a:schemeClr val="tx1"/>
                 </a:solidFill>
@@ -4208,8 +4216,43 @@
                 <a:ea typeface="+mn-ea"/>
                 <a:cs typeface="+mn-cs"/>
               </a:rPr>
-              <a:t>Die Idee dahinter ist die …</a:t>
-            </a:r>
+              <a:t>Die Idee dahinter ist die …(Darstellung der Gerätes als Symbol dabei soll die entsprechende Ports kennzeichnet werden. </a:t>
+            </a:r>
+            <a:r>
+              <a:rPr lang="de-DE" sz="1200" b="0" i="0" u="none" strike="noStrike" kern="1200" baseline="0" dirty="0">
+                <a:solidFill>
+                  <a:schemeClr val="tx1"/>
+                </a:solidFill>
+                <a:latin typeface="+mn-lt"/>
+                <a:ea typeface="+mn-ea"/>
+                <a:cs typeface="+mn-cs"/>
+              </a:rPr>
+              <a:t>Die </a:t>
+            </a:r>
+            <a:r>
+              <a:rPr lang="de-DE" sz="1200" b="0" i="0" u="none" strike="noStrike" kern="1200" baseline="0" dirty="0" err="1">
+                <a:solidFill>
+                  <a:schemeClr val="tx1"/>
+                </a:solidFill>
+                <a:latin typeface="+mn-lt"/>
+                <a:ea typeface="+mn-ea"/>
+                <a:cs typeface="+mn-cs"/>
+              </a:rPr>
+              <a:t>Verbin</a:t>
+            </a:r>
+            <a:r>
+              <a:rPr lang="de-DE" sz="1200" b="0" i="0" u="none" strike="noStrike" kern="1200" baseline="0" dirty="0">
+                <a:solidFill>
+                  <a:schemeClr val="tx1"/>
+                </a:solidFill>
+                <a:latin typeface="+mn-lt"/>
+                <a:ea typeface="+mn-ea"/>
+                <a:cs typeface="+mn-cs"/>
+              </a:rPr>
+              <a:t> soll als Linie symbolisiert werden wobei soll ein intuitive  Benutzerfreundlichkeit geboten werden.</a:t>
+            </a:r>
+          </a:p>
+          <a:p>
             <a:endParaRPr lang="de-DE" sz="1200" b="1" i="0" u="none" strike="noStrike" kern="1200" baseline="0" dirty="0">
               <a:solidFill>
                 <a:schemeClr val="tx1"/>
@@ -4246,18 +4289,7 @@
                 <a:ea typeface="+mn-ea"/>
                 <a:cs typeface="+mn-cs"/>
               </a:rPr>
-              <a:t>Als Zielsetzung soll ---- </a:t>
-            </a:r>
-            <a:r>
-              <a:rPr lang="de-DE" sz="1200" b="0" i="0" u="none" strike="noStrike" kern="1200" baseline="0" dirty="0" smtClean="0">
-                <a:solidFill>
-                  <a:schemeClr val="tx1"/>
-                </a:solidFill>
-                <a:latin typeface="+mn-lt"/>
-                <a:ea typeface="+mn-ea"/>
-                <a:cs typeface="+mn-cs"/>
-              </a:rPr>
-              <a:t>Auf dieser Basis soll ein vereinfachtes Versuchsmodells der geplanten grafischen Komponenten umgesetzt werden.</a:t>
+              <a:t>Als Zielsetzung soll ---- Auf dieser Basis soll ein vereinfachtes Versuchsmodells der geplanten grafischen Komponenten umgesetzt werden.</a:t>
             </a:r>
           </a:p>
           <a:p>
@@ -4278,7 +4310,7 @@
               <a:tabLst/>
               <a:defRPr/>
             </a:pPr>
-            <a:endParaRPr lang="de-DE" sz="1200" b="0" i="0" u="none" strike="noStrike" kern="1200" baseline="0" dirty="0" smtClean="0">
+            <a:endParaRPr lang="de-DE" sz="1200" b="0" i="0" u="none" strike="noStrike" kern="1200" baseline="0" dirty="0">
               <a:solidFill>
                 <a:schemeClr val="tx1"/>
               </a:solidFill>
@@ -4306,17 +4338,6 @@
               <a:defRPr/>
             </a:pPr>
             <a:r>
-              <a:rPr lang="de-DE" sz="1200" b="1" i="0" u="none" strike="noStrike" kern="1200" baseline="0" dirty="0" smtClean="0">
-                <a:solidFill>
-                  <a:schemeClr val="tx1"/>
-                </a:solidFill>
-                <a:latin typeface="+mn-lt"/>
-                <a:ea typeface="+mn-ea"/>
-                <a:cs typeface="+mn-cs"/>
-              </a:rPr>
-              <a:t>Dabei </a:t>
-            </a:r>
-            <a:r>
               <a:rPr lang="de-DE" sz="1200" b="1" i="0" u="none" strike="noStrike" kern="1200" baseline="0" dirty="0">
                 <a:solidFill>
                   <a:schemeClr val="tx1"/>
@@ -4325,7 +4346,7 @@
                 <a:ea typeface="+mn-ea"/>
                 <a:cs typeface="+mn-cs"/>
               </a:rPr>
-              <a:t>stellt </a:t>
+              <a:t>Dabei stellt </a:t>
             </a:r>
             <a:r>
               <a:rPr lang="de-DE" sz="1200" b="0" i="0" u="none" strike="noStrike" kern="1200" baseline="0" dirty="0">
@@ -4429,20 +4450,12 @@
           <a:lstStyle/>
           <a:p>
             <a:r>
-              <a:rPr lang="de-DE" dirty="0" smtClean="0"/>
+              <a:rPr lang="de-DE" dirty="0"/>
               <a:t>Hier</a:t>
             </a:r>
             <a:r>
-              <a:rPr lang="de-DE" baseline="0" dirty="0" smtClean="0"/>
-              <a:t> wird </a:t>
-            </a:r>
-            <a:r>
-              <a:rPr lang="de-DE" baseline="0" dirty="0" err="1" smtClean="0"/>
-              <a:t>hauptsätzlich</a:t>
-            </a:r>
-            <a:r>
-              <a:rPr lang="de-DE" baseline="0" dirty="0" smtClean="0"/>
-              <a:t> über  die verschiedenen Topologie-Muster, die industrielle Netzwerk zu finden sind.</a:t>
+              <a:rPr lang="de-DE" baseline="0" dirty="0"/>
+              <a:t> wird hauptsätzlich über  die verschiedenen Topologie-Muster, die industrielle Netzwerk zu finden sind.</a:t>
             </a:r>
             <a:endParaRPr lang="de-DE" dirty="0"/>
           </a:p>
@@ -4677,27 +4690,8 @@
                 <a:ea typeface="+mn-ea"/>
                 <a:cs typeface="+mn-cs"/>
               </a:rPr>
-              <a:t>Devices/Slaves parametriert und konfiguriert </a:t>
-            </a:r>
-            <a:r>
-              <a:rPr lang="de-DE" sz="1200" b="0" i="0" u="none" strike="noStrike" kern="1200" baseline="0" dirty="0" smtClean="0">
-                <a:solidFill>
-                  <a:schemeClr val="tx1"/>
-                </a:solidFill>
-                <a:latin typeface="+mn-lt"/>
-                <a:ea typeface="+mn-ea"/>
-                <a:cs typeface="+mn-cs"/>
-              </a:rPr>
-              <a:t>werden.</a:t>
-            </a:r>
-            <a:endParaRPr lang="de-DE" sz="1200" b="0" i="0" u="none" strike="noStrike" kern="1200" baseline="0" dirty="0">
-              <a:solidFill>
-                <a:schemeClr val="tx1"/>
-              </a:solidFill>
-              <a:latin typeface="+mn-lt"/>
-              <a:ea typeface="+mn-ea"/>
-              <a:cs typeface="+mn-cs"/>
-            </a:endParaRPr>
+              <a:t>Devices/Slaves parametriert und konfiguriert werden.</a:t>
+            </a:r>
           </a:p>
           <a:p>
             <a:pPr marL="228600" indent="-228600">
@@ -4756,29 +4750,7 @@
                 <a:ea typeface="+mn-ea"/>
                 <a:cs typeface="+mn-cs"/>
               </a:rPr>
-              <a:t> </a:t>
-            </a:r>
-            <a:r>
-              <a:rPr lang="de-DE" sz="1200" b="1" i="0" u="none" strike="noStrike" kern="1200" baseline="0" dirty="0" err="1">
-                <a:solidFill>
-                  <a:schemeClr val="tx1"/>
-                </a:solidFill>
-                <a:latin typeface="+mn-lt"/>
-                <a:ea typeface="+mn-ea"/>
-                <a:cs typeface="+mn-cs"/>
-              </a:rPr>
-              <a:t>ie</a:t>
-            </a:r>
-            <a:r>
-              <a:rPr lang="de-DE" sz="1200" b="1" i="0" u="none" strike="noStrike" kern="1200" baseline="0" dirty="0">
-                <a:solidFill>
-                  <a:schemeClr val="tx1"/>
-                </a:solidFill>
-                <a:latin typeface="+mn-lt"/>
-                <a:ea typeface="+mn-ea"/>
-                <a:cs typeface="+mn-cs"/>
-              </a:rPr>
-              <a:t> </a:t>
+              <a:t> die </a:t>
             </a:r>
             <a:r>
               <a:rPr lang="de-DE" sz="1200" b="1" i="0" u="none" strike="noStrike" kern="1200" baseline="0" dirty="0" err="1">
@@ -4838,73 +4810,7 @@
                 <a:ea typeface="+mn-ea"/>
                 <a:cs typeface="+mn-cs"/>
               </a:rPr>
-              <a:t> ist die </a:t>
-            </a:r>
-            <a:r>
-              <a:rPr lang="de-DE" sz="1200" b="0" i="0" u="none" strike="noStrike" kern="1200" baseline="0" dirty="0" smtClean="0">
-                <a:solidFill>
-                  <a:schemeClr val="tx1"/>
-                </a:solidFill>
-                <a:latin typeface="+mn-lt"/>
-                <a:ea typeface="+mn-ea"/>
-                <a:cs typeface="+mn-cs"/>
-              </a:rPr>
-              <a:t>Infrastrukturgerät </a:t>
-            </a:r>
-            <a:r>
-              <a:rPr lang="de-DE" sz="1200" b="0" i="0" u="none" strike="noStrike" kern="1200" baseline="0" dirty="0">
-                <a:solidFill>
-                  <a:schemeClr val="tx1"/>
-                </a:solidFill>
-                <a:latin typeface="+mn-lt"/>
-                <a:ea typeface="+mn-ea"/>
-                <a:cs typeface="+mn-cs"/>
-              </a:rPr>
-              <a:t>bei der </a:t>
-            </a:r>
-            <a:r>
-              <a:rPr lang="de-DE" sz="1200" b="0" i="0" u="none" strike="noStrike" kern="1200" baseline="0" dirty="0" smtClean="0">
-                <a:solidFill>
-                  <a:schemeClr val="tx1"/>
-                </a:solidFill>
-                <a:latin typeface="+mn-lt"/>
-                <a:ea typeface="+mn-ea"/>
-                <a:cs typeface="+mn-cs"/>
-              </a:rPr>
-              <a:t>Kommunikation</a:t>
-            </a:r>
-            <a:r>
-              <a:rPr lang="de-DE" sz="1200" b="0" i="0" u="none" strike="noStrike" kern="1200" baseline="0" dirty="0">
-                <a:solidFill>
-                  <a:schemeClr val="tx1"/>
-                </a:solidFill>
-                <a:latin typeface="+mn-lt"/>
-                <a:ea typeface="+mn-ea"/>
-                <a:cs typeface="+mn-cs"/>
-              </a:rPr>
-              <a:t>, die mindestens 2 </a:t>
-            </a:r>
-            <a:r>
-              <a:rPr lang="de-DE" sz="1200" b="0" i="0" u="none" strike="noStrike" kern="1200" baseline="0" dirty="0" err="1">
-                <a:solidFill>
-                  <a:schemeClr val="tx1"/>
-                </a:solidFill>
-                <a:latin typeface="+mn-lt"/>
-                <a:ea typeface="+mn-ea"/>
-                <a:cs typeface="+mn-cs"/>
-              </a:rPr>
-              <a:t>Prokotollen</a:t>
-            </a:r>
-            <a:r>
-              <a:rPr lang="de-DE" sz="1200" b="0" i="0" u="none" strike="noStrike" kern="1200" baseline="0" dirty="0">
-                <a:solidFill>
-                  <a:schemeClr val="tx1"/>
-                </a:solidFill>
-                <a:latin typeface="+mn-lt"/>
-                <a:ea typeface="+mn-ea"/>
-                <a:cs typeface="+mn-cs"/>
-              </a:rPr>
-              <a:t> unterstützt.</a:t>
+              <a:t> ist die Infrastrukturgerät bei der Kommunikation, die mindestens 2 Protokollen unterstützt.</a:t>
             </a:r>
           </a:p>
           <a:p>
@@ -5077,29 +4983,7 @@
                 <a:ea typeface="+mn-ea"/>
                 <a:cs typeface="+mn-cs"/>
               </a:rPr>
-              <a:t>…., da nur geringe Kabelmengen erforderlich sind</a:t>
-            </a:r>
-            <a:r>
-              <a:rPr lang="de-DE" sz="1200" b="0" i="0" u="none" strike="noStrike" kern="1200" baseline="0" dirty="0" smtClean="0">
-                <a:solidFill>
-                  <a:schemeClr val="tx1"/>
-                </a:solidFill>
-                <a:latin typeface="+mn-lt"/>
-                <a:ea typeface="+mn-ea"/>
-                <a:cs typeface="+mn-cs"/>
-              </a:rPr>
-              <a:t>. </a:t>
-            </a:r>
-            <a:r>
-              <a:rPr lang="de-DE" sz="1200" b="1" i="0" u="none" strike="noStrike" kern="1200" baseline="0" dirty="0" smtClean="0">
-                <a:solidFill>
-                  <a:schemeClr val="tx1"/>
-                </a:solidFill>
-                <a:latin typeface="+mn-lt"/>
-                <a:ea typeface="+mn-ea"/>
-                <a:cs typeface="+mn-cs"/>
-              </a:rPr>
-              <a:t>---  </a:t>
+              <a:t>…., da nur geringe Kabelmengen erforderlich sind. </a:t>
             </a:r>
             <a:r>
               <a:rPr lang="de-DE" sz="1200" b="1" i="0" u="none" strike="noStrike" kern="1200" baseline="0" dirty="0">
@@ -5110,7 +4994,7 @@
                 <a:ea typeface="+mn-ea"/>
                 <a:cs typeface="+mn-cs"/>
               </a:rPr>
-              <a:t>da mit </a:t>
+              <a:t>---  da mit </a:t>
             </a:r>
             <a:r>
               <a:rPr lang="de-DE" sz="1200" b="0" i="0" u="none" strike="noStrike" kern="1200" baseline="0" dirty="0">
@@ -5159,7 +5043,7 @@
               <a:t>dadurch wird ---. </a:t>
             </a:r>
             <a:r>
-              <a:rPr lang="de-DE" sz="1200" b="1" i="0" u="none" strike="noStrike" kern="1200" baseline="0" dirty="0" smtClean="0">
+              <a:rPr lang="de-DE" sz="1200" b="1" i="0" u="none" strike="noStrike" kern="1200" baseline="0" dirty="0">
                 <a:solidFill>
                   <a:schemeClr val="tx1"/>
                 </a:solidFill>
@@ -5167,10 +5051,10 @@
                 <a:ea typeface="+mn-ea"/>
                 <a:cs typeface="+mn-cs"/>
               </a:rPr>
-              <a:t>Das System ist </a:t>
-            </a:r>
-            <a:r>
-              <a:rPr lang="de-DE" sz="1200" b="0" i="0" u="none" strike="noStrike" kern="1200" baseline="0" dirty="0" smtClean="0">
+              <a:t>Das System ist unsicher-</a:t>
+            </a:r>
+            <a:r>
+              <a:rPr lang="de-DE" sz="1200" b="0" i="0" u="none" strike="noStrike" kern="1200" baseline="0" dirty="0">
                 <a:solidFill>
                   <a:schemeClr val="tx1"/>
                 </a:solidFill>
@@ -5181,12 +5065,8 @@
               <a:t> </a:t>
             </a:r>
             <a:r>
-              <a:rPr lang="de-DE" dirty="0" smtClean="0"/>
-              <a:t>ein </a:t>
-            </a:r>
-            <a:r>
               <a:rPr lang="de-DE" dirty="0"/>
-              <a:t>Angreifer kann sich zwischen 2 Geräten anschließen und somit kann das gesamte System abgehört werden. </a:t>
+              <a:t>ein Angreifer kann sich zwischen 2 Geräten anschließen und somit kann das gesamte System abgehört werden. </a:t>
             </a:r>
           </a:p>
         </p:txBody>
@@ -5278,7 +5158,7 @@
           <a:lstStyle/>
           <a:p>
             <a:r>
-              <a:rPr lang="de-DE" sz="1200" b="1" i="0" u="none" strike="noStrike" kern="1200" baseline="0" dirty="0" smtClean="0">
+              <a:rPr lang="de-DE" sz="1200" b="1" i="0" u="none" strike="noStrike" kern="1200" baseline="0" dirty="0">
                 <a:solidFill>
                   <a:schemeClr val="tx1"/>
                 </a:solidFill>
@@ -5286,12 +5166,23 @@
                 <a:ea typeface="+mn-ea"/>
                 <a:cs typeface="+mn-cs"/>
               </a:rPr>
-              <a:t>Aus der Name</a:t>
-            </a:r>
-          </a:p>
-          <a:p>
-            <a:r>
-              <a:rPr lang="de-DE" sz="1200" b="0" i="0" u="none" strike="noStrike" kern="1200" baseline="0" dirty="0" smtClean="0">
+              <a:t>Aus der Name </a:t>
+            </a:r>
+            <a:r>
+              <a:rPr lang="de-DE" sz="1200" b="0" i="0" u="none" strike="noStrike" kern="1200" baseline="0" dirty="0">
+                <a:solidFill>
+                  <a:schemeClr val="tx1"/>
+                </a:solidFill>
+                <a:latin typeface="+mn-lt"/>
+                <a:ea typeface="+mn-ea"/>
+                <a:cs typeface="+mn-cs"/>
+              </a:rPr>
+              <a:t>kann man sich als geschlossener Kreis vorstellen. Sie ist die häufige  verwendete Topologie in der Industrie und ist eigentlich eine Erweiterung der Linie. Gerät7 und 1 sind nun gebunden.</a:t>
+            </a:r>
+          </a:p>
+          <a:p>
+            <a:r>
+              <a:rPr lang="de-DE" sz="1200" b="0" i="0" u="none" strike="noStrike" kern="1200" baseline="0" dirty="0">
                 <a:solidFill>
                   <a:schemeClr val="tx1"/>
                 </a:solidFill>
@@ -5304,7 +5195,7 @@
           </a:p>
           <a:p>
             <a:r>
-              <a:rPr lang="de-DE" sz="1200" b="0" i="0" u="none" strike="noStrike" kern="1200" baseline="0" dirty="0" smtClean="0">
+              <a:rPr lang="de-DE" sz="1200" b="0" i="0" u="none" strike="noStrike" kern="1200" baseline="0" dirty="0">
                 <a:solidFill>
                   <a:schemeClr val="tx1"/>
                 </a:solidFill>
@@ -5331,7 +5222,7 @@
           </a:p>
           <a:p>
             <a:r>
-              <a:rPr lang="en-US" sz="1200" b="0" i="0" u="none" strike="noStrike" kern="1200" baseline="0" dirty="0" smtClean="0">
+              <a:rPr lang="en-US" sz="1200" b="0" i="0" u="none" strike="noStrike" kern="1200" baseline="0" dirty="0">
                 <a:solidFill>
                   <a:schemeClr val="tx1"/>
                 </a:solidFill>
@@ -5339,10 +5230,10 @@
                 <a:ea typeface="+mn-ea"/>
                 <a:cs typeface="+mn-cs"/>
               </a:rPr>
-              <a:t>- </a:t>
-            </a:r>
-            <a:r>
-              <a:rPr lang="en-US" sz="1200" b="0" i="0" u="none" strike="noStrike" kern="1200" baseline="0" dirty="0" err="1" smtClean="0">
+              <a:t>- Das </a:t>
+            </a:r>
+            <a:r>
+              <a:rPr lang="de-DE" sz="1200" b="1" i="0" u="none" strike="noStrike" kern="1200" baseline="0" noProof="0" dirty="0">
                 <a:solidFill>
                   <a:schemeClr val="tx1"/>
                 </a:solidFill>
@@ -5350,10 +5241,10 @@
                 <a:ea typeface="+mn-ea"/>
                 <a:cs typeface="+mn-cs"/>
               </a:rPr>
-              <a:t>Ein</a:t>
-            </a:r>
-            <a:r>
-              <a:rPr lang="en-US" sz="1200" b="0" i="0" u="none" strike="noStrike" kern="1200" baseline="0" dirty="0" smtClean="0">
+              <a:t>System besitzt einen höhen </a:t>
+            </a:r>
+            <a:r>
+              <a:rPr lang="en-US" sz="1200" b="0" i="0" u="none" strike="noStrike" kern="1200" baseline="0" dirty="0">
                 <a:solidFill>
                   <a:schemeClr val="tx1"/>
                 </a:solidFill>
@@ -5361,32 +5252,10 @@
                 <a:ea typeface="+mn-ea"/>
                 <a:cs typeface="+mn-cs"/>
               </a:rPr>
-              <a:t> </a:t>
-            </a:r>
-            <a:r>
-              <a:rPr lang="en-US" sz="1200" b="0" i="0" u="none" strike="noStrike" kern="1200" baseline="0" dirty="0" err="1" smtClean="0">
-                <a:solidFill>
-                  <a:schemeClr val="tx1"/>
-                </a:solidFill>
-                <a:latin typeface="+mn-lt"/>
-                <a:ea typeface="+mn-ea"/>
-                <a:cs typeface="+mn-cs"/>
-              </a:rPr>
-              <a:t>höherer</a:t>
-            </a:r>
-            <a:r>
-              <a:rPr lang="en-US" sz="1200" b="0" i="0" u="none" strike="noStrike" kern="1200" baseline="0" dirty="0" smtClean="0">
-                <a:solidFill>
-                  <a:schemeClr val="tx1"/>
-                </a:solidFill>
-                <a:latin typeface="+mn-lt"/>
-                <a:ea typeface="+mn-ea"/>
-                <a:cs typeface="+mn-cs"/>
-              </a:rPr>
-              <a:t> …, </a:t>
-            </a:r>
-            <a:r>
-              <a:rPr lang="de-DE" sz="1200" b="0" i="0" u="none" strike="noStrike" kern="1200" baseline="0" dirty="0" smtClean="0">
+              <a:t>…, </a:t>
+            </a:r>
+            <a:r>
+              <a:rPr lang="de-DE" sz="1200" b="0" i="0" u="none" strike="noStrike" kern="1200" baseline="0" dirty="0">
                 <a:solidFill>
                   <a:schemeClr val="tx1"/>
                 </a:solidFill>
@@ -5396,7 +5265,7 @@
               </a:rPr>
               <a:t>da jede Station zwei Verbindungen besitzt</a:t>
             </a:r>
-            <a:endParaRPr lang="en-US" sz="1200" b="0" i="0" u="none" strike="noStrike" kern="1200" baseline="0" dirty="0" smtClean="0">
+            <a:endParaRPr lang="en-US" sz="1200" b="0" i="0" u="none" strike="noStrike" kern="1200" baseline="0" dirty="0">
               <a:solidFill>
                 <a:schemeClr val="tx1"/>
               </a:solidFill>
@@ -5407,7 +5276,7 @@
           </a:p>
           <a:p>
             <a:r>
-              <a:rPr lang="de-DE" sz="1200" b="0" i="0" u="none" strike="noStrike" kern="1200" baseline="0" dirty="0" smtClean="0">
+              <a:rPr lang="de-DE" sz="1200" b="0" i="0" u="none" strike="noStrike" kern="1200" baseline="0" dirty="0">
                 <a:solidFill>
                   <a:schemeClr val="tx1"/>
                 </a:solidFill>
@@ -5418,7 +5287,7 @@
               <a:t>- Der </a:t>
             </a:r>
             <a:r>
-              <a:rPr lang="de-DE" sz="1200" b="1" i="0" u="none" strike="noStrike" kern="1200" baseline="0" dirty="0" smtClean="0">
+              <a:rPr lang="de-DE" sz="1200" b="1" i="0" u="none" strike="noStrike" kern="1200" baseline="0" dirty="0">
                 <a:solidFill>
                   <a:schemeClr val="tx1"/>
                 </a:solidFill>
@@ -5429,7 +5298,7 @@
               <a:t>… der Topologie(die </a:t>
             </a:r>
             <a:r>
-              <a:rPr lang="de-DE" sz="1200" b="0" i="0" u="none" strike="noStrike" kern="1200" baseline="0" dirty="0" smtClean="0">
+              <a:rPr lang="de-DE" sz="1200" b="0" i="0" u="none" strike="noStrike" kern="1200" baseline="0" dirty="0">
                 <a:solidFill>
                   <a:schemeClr val="tx1"/>
                 </a:solidFill>
@@ -5440,7 +5309,7 @@
               <a:t>maximale direkte Entfernung, die zwischen zwei Stationen besteht) ist relativ hoch</a:t>
             </a:r>
             <a:r>
-              <a:rPr lang="en-US" sz="1200" b="0" i="0" u="none" strike="noStrike" kern="1200" baseline="0" dirty="0" smtClean="0">
+              <a:rPr lang="en-US" sz="1200" b="0" i="0" u="none" strike="noStrike" kern="1200" baseline="0" dirty="0">
                 <a:solidFill>
                   <a:schemeClr val="tx1"/>
                 </a:solidFill>
@@ -5581,14 +5450,22 @@
           <a:lstStyle/>
           <a:p>
             <a:r>
-              <a:rPr lang="de-DE" dirty="0" smtClean="0"/>
+              <a:rPr lang="de-DE" sz="2800" b="1" dirty="0"/>
               <a:t>Hier ist</a:t>
             </a:r>
             <a:r>
-              <a:rPr lang="de-DE" baseline="0" dirty="0" smtClean="0"/>
-              <a:t> die Analyse der Anforderung gesprochen.</a:t>
-            </a:r>
-            <a:endParaRPr lang="de-DE" dirty="0"/>
+              <a:rPr lang="de-DE" sz="2800" b="1" baseline="0" dirty="0"/>
+              <a:t> die Analyse der Anforderung </a:t>
+            </a:r>
+            <a:r>
+              <a:rPr lang="de-DE" sz="1200" b="1" baseline="0" dirty="0"/>
+              <a:t>gesprochen</a:t>
+            </a:r>
+            <a:r>
+              <a:rPr lang="de-DE" sz="2800" b="1" baseline="0" dirty="0"/>
+              <a:t>.</a:t>
+            </a:r>
+            <a:endParaRPr lang="de-DE" sz="2800" b="1" dirty="0"/>
           </a:p>
         </p:txBody>
       </p:sp>
@@ -5966,7 +5843,7 @@
             </a:pPr>
             <a:fld id="{4B708C82-F8E6-409C-A676-C60AAC2DF97E}" type="datetime1">
               <a:rPr lang="de-DE" smtClean="0"/>
-              <a:t>07.08.2018</a:t>
+              <a:t>08.08.2018</a:t>
             </a:fld>
             <a:endParaRPr lang="de-DE" dirty="0"/>
           </a:p>
@@ -6000,10 +5877,9 @@
               <a:defRPr/>
             </a:pPr>
             <a:r>
-              <a:rPr lang="de-DE" smtClean="0"/>
+              <a:rPr lang="de-DE"/>
               <a:t>Hermond Ghislain Zeleu Zabatio</a:t>
             </a:r>
-            <a:endParaRPr lang="de-DE"/>
           </a:p>
         </p:txBody>
       </p:sp>
@@ -6773,7 +6649,7 @@
             </a:pPr>
             <a:fld id="{1358CD6C-0E6F-4ABB-ADE4-8B8CA0893236}" type="datetime1">
               <a:rPr lang="de-DE" smtClean="0"/>
-              <a:t>07.08.2018</a:t>
+              <a:t>08.08.2018</a:t>
             </a:fld>
             <a:endParaRPr lang="de-DE" dirty="0"/>
           </a:p>
@@ -6807,10 +6683,9 @@
               <a:defRPr/>
             </a:pPr>
             <a:r>
-              <a:rPr lang="de-DE" smtClean="0"/>
+              <a:rPr lang="de-DE"/>
               <a:t>Hermond Ghislain Zeleu Zabatio</a:t>
             </a:r>
-            <a:endParaRPr lang="de-DE"/>
           </a:p>
         </p:txBody>
       </p:sp>
@@ -7121,7 +6996,7 @@
             </a:pPr>
             <a:fld id="{AA87D1F3-9BDC-4C2A-AADC-0D1455A8CA1D}" type="datetime1">
               <a:rPr lang="de-DE" smtClean="0"/>
-              <a:t>07.08.2018</a:t>
+              <a:t>08.08.2018</a:t>
             </a:fld>
             <a:endParaRPr lang="de-DE" dirty="0"/>
           </a:p>
@@ -7155,10 +7030,9 @@
               <a:defRPr/>
             </a:pPr>
             <a:r>
-              <a:rPr lang="de-DE" smtClean="0"/>
+              <a:rPr lang="de-DE"/>
               <a:t>Hermond Ghislain Zeleu Zabatio</a:t>
             </a:r>
-            <a:endParaRPr lang="de-DE"/>
           </a:p>
         </p:txBody>
       </p:sp>
@@ -7458,7 +7332,7 @@
             </a:pPr>
             <a:fld id="{ACC95346-7D0D-4BB2-B12E-431360D2B8E0}" type="datetime1">
               <a:rPr lang="de-DE" smtClean="0"/>
-              <a:t>07.08.2018</a:t>
+              <a:t>08.08.2018</a:t>
             </a:fld>
             <a:endParaRPr lang="de-DE" dirty="0"/>
           </a:p>
@@ -7492,10 +7366,9 @@
               <a:defRPr/>
             </a:pPr>
             <a:r>
-              <a:rPr lang="de-DE" smtClean="0"/>
+              <a:rPr lang="de-DE"/>
               <a:t>Hermond Ghislain Zeleu Zabatio</a:t>
             </a:r>
-            <a:endParaRPr lang="de-DE"/>
           </a:p>
         </p:txBody>
       </p:sp>
@@ -7780,7 +7653,7 @@
             </a:pPr>
             <a:fld id="{C897D868-5813-46E7-8C6D-DB464A27969A}" type="datetime1">
               <a:rPr lang="de-DE" smtClean="0"/>
-              <a:t>07.08.2018</a:t>
+              <a:t>08.08.2018</a:t>
             </a:fld>
             <a:endParaRPr lang="de-DE" dirty="0"/>
           </a:p>
@@ -7814,10 +7687,9 @@
               <a:defRPr/>
             </a:pPr>
             <a:r>
-              <a:rPr lang="de-DE" smtClean="0"/>
+              <a:rPr lang="de-DE"/>
               <a:t>Hermond Ghislain Zeleu Zabatio</a:t>
             </a:r>
-            <a:endParaRPr lang="de-DE"/>
           </a:p>
         </p:txBody>
       </p:sp>
@@ -8102,7 +7974,7 @@
             </a:pPr>
             <a:fld id="{F2B59603-8392-42ED-9FD2-89EB8695C0BE}" type="datetime1">
               <a:rPr lang="de-DE" smtClean="0"/>
-              <a:t>07.08.2018</a:t>
+              <a:t>08.08.2018</a:t>
             </a:fld>
             <a:endParaRPr lang="de-DE" dirty="0"/>
           </a:p>
@@ -8136,10 +8008,9 @@
               <a:defRPr/>
             </a:pPr>
             <a:r>
-              <a:rPr lang="de-DE" smtClean="0"/>
+              <a:rPr lang="de-DE"/>
               <a:t>Hermond Ghislain Zeleu Zabatio</a:t>
             </a:r>
-            <a:endParaRPr lang="de-DE"/>
           </a:p>
         </p:txBody>
       </p:sp>
@@ -8504,7 +8375,7 @@
             </a:pPr>
             <a:fld id="{4E1B3107-3D3F-4777-9207-6551F81EC093}" type="datetime1">
               <a:rPr lang="de-DE" smtClean="0"/>
-              <a:t>07.08.2018</a:t>
+              <a:t>08.08.2018</a:t>
             </a:fld>
             <a:endParaRPr lang="de-DE" dirty="0"/>
           </a:p>
@@ -8538,10 +8409,9 @@
               <a:defRPr/>
             </a:pPr>
             <a:r>
-              <a:rPr lang="de-DE" smtClean="0"/>
+              <a:rPr lang="de-DE"/>
               <a:t>Hermond Ghislain Zeleu Zabatio</a:t>
             </a:r>
-            <a:endParaRPr lang="de-DE"/>
           </a:p>
         </p:txBody>
       </p:sp>
@@ -8866,7 +8736,7 @@
             </a:pPr>
             <a:fld id="{B2D9D328-0EA9-47BD-9F0C-9374A81B247B}" type="datetime1">
               <a:rPr lang="de-DE" smtClean="0"/>
-              <a:t>07.08.2018</a:t>
+              <a:t>08.08.2018</a:t>
             </a:fld>
             <a:endParaRPr lang="de-DE" dirty="0"/>
           </a:p>
@@ -8900,10 +8770,9 @@
               <a:defRPr/>
             </a:pPr>
             <a:r>
-              <a:rPr lang="de-DE" smtClean="0"/>
+              <a:rPr lang="de-DE"/>
               <a:t>Hermond Ghislain Zeleu Zabatio</a:t>
             </a:r>
-            <a:endParaRPr lang="de-DE"/>
           </a:p>
         </p:txBody>
       </p:sp>
@@ -9123,7 +8992,7 @@
             </a:pPr>
             <a:fld id="{3F439ECE-A22E-48D2-B1A2-A5BDB43AF362}" type="datetime1">
               <a:rPr lang="de-DE" smtClean="0"/>
-              <a:t>07.08.2018</a:t>
+              <a:t>08.08.2018</a:t>
             </a:fld>
             <a:endParaRPr lang="de-DE" dirty="0"/>
           </a:p>
@@ -9164,10 +9033,9 @@
               <a:defRPr/>
             </a:pPr>
             <a:r>
-              <a:rPr lang="de-DE" smtClean="0"/>
+              <a:rPr lang="de-DE"/>
               <a:t>Hermond Ghislain Zeleu Zabatio</a:t>
             </a:r>
-            <a:endParaRPr lang="de-DE"/>
           </a:p>
         </p:txBody>
       </p:sp>
@@ -9834,13 +9702,6 @@
   <p:clrMapOvr>
     <a:masterClrMapping/>
   </p:clrMapOvr>
-  <p:timing>
-    <p:tnLst>
-      <p:par>
-        <p:cTn id="1" dur="indefinite" restart="never" nodeType="tmRoot"/>
-      </p:par>
-    </p:tnLst>
-  </p:timing>
 </p:sld>
 </file>
 
@@ -9909,7 +9770,7 @@
             </a:pPr>
             <a:fld id="{241CB7C7-BA97-40EB-9100-3D699B3BA247}" type="datetime1">
               <a:rPr lang="de-DE" smtClean="0"/>
-              <a:t>07.08.2018</a:t>
+              <a:t>08.08.2018</a:t>
             </a:fld>
             <a:endParaRPr lang="de-DE" dirty="0"/>
           </a:p>
@@ -9934,10 +9795,9 @@
               <a:defRPr/>
             </a:pPr>
             <a:r>
-              <a:rPr lang="de-DE" smtClean="0"/>
+              <a:rPr lang="de-DE"/>
               <a:t>Hermond Ghislain Zeleu Zabatio</a:t>
             </a:r>
-            <a:endParaRPr lang="de-DE"/>
           </a:p>
         </p:txBody>
       </p:sp>
@@ -9997,16 +9857,12 @@
               <a:t>Anforderungsanalyse: Funktionale </a:t>
             </a:r>
             <a:r>
-              <a:rPr lang="de-DE" dirty="0" err="1" smtClean="0"/>
+              <a:rPr lang="de-DE" dirty="0" err="1"/>
               <a:t>Anforderungen&amp;Nichtfunktionale</a:t>
             </a:r>
             <a:r>
-              <a:rPr lang="de-DE" dirty="0" smtClean="0"/>
-              <a:t> </a:t>
-            </a:r>
-            <a:r>
               <a:rPr lang="de-DE" dirty="0"/>
-              <a:t>Anforderungen</a:t>
+              <a:t> Anforderungen</a:t>
             </a:r>
             <a:br>
               <a:rPr lang="de-DE" dirty="0"/>
@@ -10062,22 +9918,17 @@
           <a:lstStyle/>
           <a:p>
             <a:r>
-              <a:rPr lang="de-DE" dirty="0" smtClean="0"/>
+              <a:rPr lang="de-DE" dirty="0"/>
               <a:t>      </a:t>
             </a:r>
             <a:r>
-              <a:rPr lang="de-DE" b="1" dirty="0" smtClean="0">
+              <a:rPr lang="de-DE" b="1" dirty="0">
                 <a:solidFill>
                   <a:srgbClr val="C00000"/>
                 </a:solidFill>
               </a:rPr>
               <a:t>Properties</a:t>
             </a:r>
-            <a:endParaRPr lang="de-DE" b="1" dirty="0">
-              <a:solidFill>
-                <a:srgbClr val="C00000"/>
-              </a:solidFill>
-            </a:endParaRPr>
           </a:p>
         </p:txBody>
       </p:sp>
@@ -10104,18 +9955,13 @@
           <a:lstStyle/>
           <a:p>
             <a:r>
-              <a:rPr lang="de-DE" b="1" dirty="0" smtClean="0">
+              <a:rPr lang="de-DE" b="1" dirty="0">
                 <a:solidFill>
                   <a:srgbClr val="C00000"/>
                 </a:solidFill>
               </a:rPr>
               <a:t>Ribbon</a:t>
             </a:r>
-            <a:endParaRPr lang="de-DE" b="1" dirty="0">
-              <a:solidFill>
-                <a:srgbClr val="C00000"/>
-              </a:solidFill>
-            </a:endParaRPr>
           </a:p>
         </p:txBody>
       </p:sp>
@@ -10142,18 +9988,13 @@
           <a:lstStyle/>
           <a:p>
             <a:r>
-              <a:rPr lang="de-DE" b="1" dirty="0" smtClean="0">
+              <a:rPr lang="de-DE" b="1" dirty="0">
                 <a:solidFill>
                   <a:srgbClr val="C00000"/>
                 </a:solidFill>
               </a:rPr>
               <a:t>Solution Explorer</a:t>
             </a:r>
-            <a:endParaRPr lang="de-DE" b="1" dirty="0">
-              <a:solidFill>
-                <a:srgbClr val="C00000"/>
-              </a:solidFill>
-            </a:endParaRPr>
           </a:p>
         </p:txBody>
       </p:sp>
@@ -10180,18 +10021,13 @@
           <a:lstStyle/>
           <a:p>
             <a:r>
-              <a:rPr lang="de-DE" b="1" dirty="0" smtClean="0">
+              <a:rPr lang="de-DE" b="1" dirty="0">
                 <a:solidFill>
                   <a:srgbClr val="C00000"/>
                 </a:solidFill>
               </a:rPr>
               <a:t>Output</a:t>
             </a:r>
-            <a:endParaRPr lang="de-DE" b="1" dirty="0">
-              <a:solidFill>
-                <a:srgbClr val="C00000"/>
-              </a:solidFill>
-            </a:endParaRPr>
           </a:p>
         </p:txBody>
       </p:sp>
@@ -10218,18 +10054,13 @@
           <a:lstStyle/>
           <a:p>
             <a:r>
-              <a:rPr lang="de-DE" b="1" dirty="0" smtClean="0">
+              <a:rPr lang="de-DE" b="1" dirty="0">
                 <a:solidFill>
                   <a:srgbClr val="C00000"/>
                 </a:solidFill>
               </a:rPr>
               <a:t>Workspace</a:t>
             </a:r>
-            <a:endParaRPr lang="de-DE" b="1" dirty="0">
-              <a:solidFill>
-                <a:srgbClr val="C00000"/>
-              </a:solidFill>
-            </a:endParaRPr>
           </a:p>
         </p:txBody>
       </p:sp>
@@ -10913,7 +10744,7 @@
             </a:pPr>
             <a:fld id="{FE6E1870-06B1-4C27-87D8-FFFE4B51458A}" type="datetime1">
               <a:rPr lang="de-DE" smtClean="0"/>
-              <a:t>07.08.2018</a:t>
+              <a:t>08.08.2018</a:t>
             </a:fld>
             <a:endParaRPr lang="de-DE" dirty="0"/>
           </a:p>
@@ -10938,10 +10769,9 @@
               <a:defRPr/>
             </a:pPr>
             <a:r>
-              <a:rPr lang="de-DE" smtClean="0"/>
+              <a:rPr lang="de-DE"/>
               <a:t>Hermond Ghislain Zeleu Zabatio</a:t>
             </a:r>
-            <a:endParaRPr lang="de-DE"/>
           </a:p>
         </p:txBody>
       </p:sp>
@@ -12031,16 +11861,6 @@
               </a:lnSpc>
             </a:pPr>
             <a:r>
-              <a:rPr lang="de-DE" dirty="0" smtClean="0">
-                <a:solidFill>
-                  <a:schemeClr val="bg1">
-                    <a:lumMod val="85000"/>
-                  </a:schemeClr>
-                </a:solidFill>
-              </a:rPr>
-              <a:t>Grundlage </a:t>
-            </a:r>
-            <a:r>
               <a:rPr lang="de-DE" dirty="0">
                 <a:solidFill>
                   <a:schemeClr val="bg1">
@@ -12048,7 +11868,7 @@
                   </a:schemeClr>
                 </a:solidFill>
               </a:rPr>
-              <a:t>der Topologie</a:t>
+              <a:t>Grundlage der Topologie</a:t>
             </a:r>
           </a:p>
           <a:p>
@@ -12058,7 +11878,7 @@
               </a:lnSpc>
             </a:pPr>
             <a:r>
-              <a:rPr lang="de-DE" dirty="0" smtClean="0">
+              <a:rPr lang="de-DE" dirty="0">
                 <a:solidFill>
                   <a:schemeClr val="bg1">
                     <a:lumMod val="85000"/>
@@ -12067,13 +11887,6 @@
               </a:rPr>
               <a:t>Anforderungsanalyse</a:t>
             </a:r>
-            <a:endParaRPr lang="de-DE" dirty="0">
-              <a:solidFill>
-                <a:schemeClr val="bg1">
-                  <a:lumMod val="85000"/>
-                </a:schemeClr>
-              </a:solidFill>
-            </a:endParaRPr>
           </a:p>
           <a:p>
             <a:pPr>
@@ -12082,34 +11895,13 @@
               </a:lnSpc>
             </a:pPr>
             <a:r>
-              <a:rPr lang="de-DE" b="1" dirty="0" smtClean="0">
-                <a:solidFill>
-                  <a:schemeClr val="tx2"/>
-                </a:solidFill>
-              </a:rPr>
-              <a:t>Evaluation </a:t>
-            </a:r>
-            <a:r>
               <a:rPr lang="de-DE" b="1" dirty="0">
                 <a:solidFill>
                   <a:schemeClr val="tx2"/>
                 </a:solidFill>
               </a:rPr>
-              <a:t>der </a:t>
-            </a:r>
-            <a:r>
-              <a:rPr lang="de-DE" b="1" dirty="0" smtClean="0">
-                <a:solidFill>
-                  <a:schemeClr val="tx2"/>
-                </a:solidFill>
-              </a:rPr>
-              <a:t>JavaScript-Frameworks</a:t>
-            </a:r>
-            <a:endParaRPr lang="de-DE" b="1" dirty="0">
-              <a:solidFill>
-                <a:schemeClr val="tx2"/>
-              </a:solidFill>
-            </a:endParaRPr>
+              <a:t>Evaluation der JavaScript-Frameworks</a:t>
+            </a:r>
           </a:p>
           <a:p>
             <a:pPr>
@@ -12128,7 +11920,7 @@
               <a:t>Konzepte der </a:t>
             </a:r>
             <a:r>
-              <a:rPr lang="de-DE" dirty="0" err="1" smtClean="0">
+              <a:rPr lang="de-DE" dirty="0" err="1">
                 <a:solidFill>
                   <a:schemeClr val="bg1">
                     <a:lumMod val="85000"/>
@@ -12138,7 +11930,7 @@
               <a:t>Topology</a:t>
             </a:r>
             <a:r>
-              <a:rPr lang="de-DE" dirty="0" smtClean="0">
+              <a:rPr lang="de-DE" dirty="0">
                 <a:solidFill>
                   <a:schemeClr val="bg1">
                     <a:lumMod val="85000"/>
@@ -12147,13 +11939,6 @@
               </a:rPr>
               <a:t>-Editor</a:t>
             </a:r>
-            <a:endParaRPr lang="de-DE" dirty="0">
-              <a:solidFill>
-                <a:schemeClr val="bg1">
-                  <a:lumMod val="85000"/>
-                </a:schemeClr>
-              </a:solidFill>
-            </a:endParaRPr>
           </a:p>
           <a:p>
             <a:pPr>
@@ -12169,25 +11954,8 @@
                   </a:schemeClr>
                 </a:solidFill>
               </a:rPr>
-              <a:t>Prototype </a:t>
-            </a:r>
-            <a:r>
-              <a:rPr lang="de-DE" dirty="0" smtClean="0">
-                <a:solidFill>
-                  <a:schemeClr val="bg1">
-                    <a:lumMod val="85000"/>
-                  </a:schemeClr>
-                </a:solidFill>
-              </a:rPr>
-              <a:t>Implementierung</a:t>
-            </a:r>
-            <a:endParaRPr lang="de-DE" dirty="0">
-              <a:solidFill>
-                <a:schemeClr val="bg1">
-                  <a:lumMod val="85000"/>
-                </a:schemeClr>
-              </a:solidFill>
-            </a:endParaRPr>
+              <a:t>Prototype Implementierung</a:t>
+            </a:r>
           </a:p>
           <a:p>
             <a:pPr>
@@ -12237,7 +12005,7 @@
             </a:pPr>
             <a:fld id="{7C19136F-A910-4FB0-ACF8-AEB668541EC5}" type="datetime1">
               <a:rPr lang="de-DE" smtClean="0"/>
-              <a:t>07.08.2018</a:t>
+              <a:t>08.08.2018</a:t>
             </a:fld>
             <a:endParaRPr lang="de-DE" dirty="0"/>
           </a:p>
@@ -12262,15 +12030,15 @@
               <a:defRPr/>
             </a:pPr>
             <a:r>
-              <a:rPr lang="de-DE" dirty="0" err="1" smtClean="0"/>
+              <a:rPr lang="de-DE" dirty="0" err="1"/>
               <a:t>Hermond</a:t>
             </a:r>
             <a:r>
-              <a:rPr lang="de-DE" dirty="0" smtClean="0"/>
+              <a:rPr lang="de-DE" dirty="0"/>
               <a:t> Ghislain Zeleu </a:t>
             </a:r>
             <a:r>
-              <a:rPr lang="de-DE" dirty="0" err="1" smtClean="0"/>
+              <a:rPr lang="de-DE" dirty="0" err="1"/>
               <a:t>Zabatio</a:t>
             </a:r>
             <a:endParaRPr lang="de-DE" dirty="0"/>
@@ -12338,13 +12106,6 @@
   <p:clrMapOvr>
     <a:masterClrMapping/>
   </p:clrMapOvr>
-  <p:timing>
-    <p:tnLst>
-      <p:par>
-        <p:cTn id="1" dur="indefinite" restart="never" nodeType="tmRoot"/>
-      </p:par>
-    </p:tnLst>
-  </p:timing>
 </p:sld>
 </file>
 
@@ -12381,14 +12142,13 @@
           <a:lstStyle/>
           <a:p>
             <a:r>
-              <a:rPr lang="de-DE" dirty="0" smtClean="0"/>
+              <a:rPr lang="de-DE" dirty="0"/>
               <a:t>				</a:t>
             </a:r>
             <a:r>
-              <a:rPr lang="de-DE" b="1" dirty="0" smtClean="0"/>
+              <a:rPr lang="de-DE" b="1" dirty="0"/>
               <a:t>Kriterien</a:t>
             </a:r>
-            <a:endParaRPr lang="de-DE" b="1" dirty="0"/>
           </a:p>
           <a:p>
             <a:pPr marL="342900" indent="-342900">
@@ -12399,19 +12159,18 @@
               <a:rPr lang="de-DE" dirty="0"/>
               <a:t>Kommunikationsmechanismen </a:t>
             </a:r>
-            <a:endParaRPr lang="de-DE" dirty="0" smtClean="0"/>
           </a:p>
           <a:p>
             <a:pPr marL="1143000" lvl="1"/>
             <a:r>
-              <a:rPr lang="de-DE" dirty="0" smtClean="0"/>
+              <a:rPr lang="de-DE" dirty="0"/>
               <a:t>Komponente</a:t>
             </a:r>
           </a:p>
           <a:p>
             <a:pPr marL="1143000" lvl="1"/>
             <a:r>
-              <a:rPr lang="de-DE" dirty="0" smtClean="0"/>
+              <a:rPr lang="de-DE" dirty="0"/>
               <a:t>Benachrichtigung </a:t>
             </a:r>
           </a:p>
@@ -12428,21 +12187,21 @@
               <a:buChar char="•"/>
             </a:pPr>
             <a:r>
-              <a:rPr lang="de-DE" dirty="0" smtClean="0"/>
+              <a:rPr lang="de-DE" dirty="0"/>
               <a:t>Programmierkonzept</a:t>
             </a:r>
           </a:p>
           <a:p>
             <a:pPr marL="1143000" lvl="1"/>
             <a:r>
-              <a:rPr lang="de-DE" dirty="0" smtClean="0"/>
+              <a:rPr lang="de-DE" dirty="0"/>
               <a:t>Programmiersprache</a:t>
             </a:r>
           </a:p>
           <a:p>
             <a:pPr marL="1143000" lvl="1"/>
             <a:r>
-              <a:rPr lang="de-DE" dirty="0" smtClean="0"/>
+              <a:rPr lang="de-DE" dirty="0"/>
               <a:t>Entwurf-Muster</a:t>
             </a:r>
           </a:p>
@@ -12460,27 +12219,22 @@
             </a:pPr>
             <a:r>
               <a:rPr lang="de-DE" dirty="0"/>
-              <a:t>Lernkurve und </a:t>
-            </a:r>
-            <a:r>
-              <a:rPr lang="de-DE" dirty="0" smtClean="0"/>
-              <a:t>Kosten</a:t>
+              <a:t>Lernkurve und Kosten</a:t>
             </a:r>
           </a:p>
           <a:p>
             <a:pPr marL="1143000" lvl="1"/>
             <a:r>
-              <a:rPr lang="de-DE" dirty="0" smtClean="0"/>
+              <a:rPr lang="de-DE" dirty="0"/>
               <a:t>Lernkurve</a:t>
             </a:r>
           </a:p>
           <a:p>
             <a:pPr marL="1143000" lvl="1"/>
             <a:r>
-              <a:rPr lang="de-DE" dirty="0" smtClean="0"/>
+              <a:rPr lang="de-DE" dirty="0"/>
               <a:t>Preis </a:t>
             </a:r>
-            <a:endParaRPr lang="de-DE" dirty="0"/>
           </a:p>
           <a:p>
             <a:pPr marL="342900" indent="-342900">
@@ -12511,7 +12265,7 @@
             </a:pPr>
             <a:fld id="{07E8D44E-8732-4D0E-BB56-183E437489F7}" type="datetime1">
               <a:rPr lang="de-DE" smtClean="0"/>
-              <a:t>07.08.2018</a:t>
+              <a:t>08.08.2018</a:t>
             </a:fld>
             <a:endParaRPr lang="de-DE" dirty="0"/>
           </a:p>
@@ -12536,10 +12290,9 @@
               <a:defRPr/>
             </a:pPr>
             <a:r>
-              <a:rPr lang="de-DE" smtClean="0"/>
+              <a:rPr lang="de-DE"/>
               <a:t>Hermond Ghislain Zeleu Zabatio</a:t>
             </a:r>
-            <a:endParaRPr lang="de-DE"/>
           </a:p>
         </p:txBody>
       </p:sp>
@@ -13604,10 +13357,9 @@
           <a:p>
             <a:pPr algn="ctr"/>
             <a:r>
-              <a:rPr lang="de-DE" dirty="0" smtClean="0"/>
+              <a:rPr lang="de-DE" dirty="0"/>
               <a:t>Grafische Darstellung</a:t>
             </a:r>
-            <a:endParaRPr lang="de-DE" dirty="0"/>
           </a:p>
         </p:txBody>
       </p:sp>
@@ -13631,7 +13383,7 @@
             </a:pPr>
             <a:fld id="{07E8D44E-8732-4D0E-BB56-183E437489F7}" type="datetime1">
               <a:rPr lang="de-DE" smtClean="0"/>
-              <a:t>07.08.2018</a:t>
+              <a:t>08.08.2018</a:t>
             </a:fld>
             <a:endParaRPr lang="de-DE" dirty="0"/>
           </a:p>
@@ -13656,10 +13408,9 @@
               <a:defRPr/>
             </a:pPr>
             <a:r>
-              <a:rPr lang="de-DE" smtClean="0"/>
+              <a:rPr lang="de-DE"/>
               <a:t>Hermond Ghislain Zeleu Zabatio</a:t>
             </a:r>
-            <a:endParaRPr lang="de-DE"/>
           </a:p>
         </p:txBody>
       </p:sp>
@@ -13749,34 +13500,29 @@
           <a:p>
             <a:pPr algn="ctr"/>
             <a:r>
-              <a:rPr lang="de-DE" dirty="0" err="1" smtClean="0"/>
+              <a:rPr lang="de-DE" dirty="0" err="1"/>
               <a:t>KendoUI</a:t>
             </a:r>
-            <a:endParaRPr lang="de-DE" dirty="0" smtClean="0"/>
+            <a:endParaRPr lang="de-DE" dirty="0"/>
           </a:p>
           <a:p>
             <a:pPr algn="ctr"/>
             <a:r>
-              <a:rPr lang="de-DE" dirty="0" smtClean="0"/>
+              <a:rPr lang="de-DE" dirty="0"/>
               <a:t>Firma </a:t>
             </a:r>
             <a:r>
-              <a:rPr lang="de-DE" dirty="0" err="1" smtClean="0"/>
+              <a:rPr lang="de-DE" dirty="0" err="1"/>
               <a:t>Telerik</a:t>
             </a:r>
-            <a:endParaRPr lang="de-DE" dirty="0" smtClean="0"/>
+            <a:endParaRPr lang="de-DE" dirty="0"/>
           </a:p>
           <a:p>
             <a:pPr algn="ctr"/>
             <a:r>
               <a:rPr lang="de-DE" dirty="0"/>
-              <a:t>Progress Software Corporation </a:t>
-            </a:r>
-            <a:r>
-              <a:rPr lang="de-DE" dirty="0" smtClean="0"/>
-              <a:t> </a:t>
-            </a:r>
-            <a:endParaRPr lang="de-DE" dirty="0"/>
+              <a:t>Progress Software Corporation  </a:t>
+            </a:r>
           </a:p>
         </p:txBody>
       </p:sp>
@@ -13809,17 +13555,16 @@
           <a:p>
             <a:pPr algn="ctr"/>
             <a:r>
-              <a:rPr lang="de-DE" dirty="0" smtClean="0"/>
+              <a:rPr lang="de-DE" dirty="0"/>
               <a:t>SAPUI5</a:t>
             </a:r>
           </a:p>
           <a:p>
             <a:pPr algn="ctr"/>
             <a:r>
-              <a:rPr lang="de-DE" dirty="0" smtClean="0"/>
+              <a:rPr lang="de-DE" dirty="0"/>
               <a:t>Firma SAP</a:t>
             </a:r>
-            <a:endParaRPr lang="de-DE" dirty="0"/>
           </a:p>
         </p:txBody>
       </p:sp>
@@ -13852,10 +13597,10 @@
           <a:p>
             <a:pPr algn="ctr"/>
             <a:r>
-              <a:rPr lang="de-DE" dirty="0" err="1" smtClean="0"/>
+              <a:rPr lang="de-DE" dirty="0" err="1"/>
               <a:t>GoJS</a:t>
             </a:r>
-            <a:endParaRPr lang="de-DE" dirty="0" smtClean="0"/>
+            <a:endParaRPr lang="de-DE" dirty="0"/>
           </a:p>
           <a:p>
             <a:pPr algn="ctr"/>
@@ -13869,11 +13614,7 @@
             </a:r>
             <a:r>
               <a:rPr lang="de-DE" dirty="0"/>
-              <a:t> </a:t>
-            </a:r>
-            <a:r>
-              <a:rPr lang="de-DE" dirty="0" smtClean="0"/>
-              <a:t>Software</a:t>
+              <a:t> Software</a:t>
             </a:r>
             <a:endParaRPr lang="en-US" dirty="0"/>
           </a:p>
@@ -14296,10 +14037,9 @@
           <a:p>
             <a:pPr algn="ctr"/>
             <a:r>
-              <a:rPr lang="de-DE" dirty="0" smtClean="0"/>
+              <a:rPr lang="de-DE" dirty="0"/>
               <a:t>Grafische Darstellung</a:t>
             </a:r>
-            <a:endParaRPr lang="de-DE" dirty="0"/>
           </a:p>
         </p:txBody>
       </p:sp>
@@ -14323,7 +14063,7 @@
             </a:pPr>
             <a:fld id="{07E8D44E-8732-4D0E-BB56-183E437489F7}" type="datetime1">
               <a:rPr lang="de-DE" smtClean="0"/>
-              <a:t>07.08.2018</a:t>
+              <a:t>08.08.2018</a:t>
             </a:fld>
             <a:endParaRPr lang="de-DE" dirty="0"/>
           </a:p>
@@ -14348,10 +14088,9 @@
               <a:defRPr/>
             </a:pPr>
             <a:r>
-              <a:rPr lang="de-DE" smtClean="0"/>
+              <a:rPr lang="de-DE"/>
               <a:t>Hermond Ghislain Zeleu Zabatio</a:t>
             </a:r>
-            <a:endParaRPr lang="de-DE"/>
           </a:p>
         </p:txBody>
       </p:sp>
@@ -14441,34 +14180,29 @@
           <a:p>
             <a:pPr algn="ctr"/>
             <a:r>
-              <a:rPr lang="de-DE" dirty="0" err="1" smtClean="0"/>
+              <a:rPr lang="de-DE" dirty="0" err="1"/>
               <a:t>KendoUI</a:t>
             </a:r>
-            <a:endParaRPr lang="de-DE" dirty="0" smtClean="0"/>
+            <a:endParaRPr lang="de-DE" dirty="0"/>
           </a:p>
           <a:p>
             <a:pPr algn="ctr"/>
             <a:r>
-              <a:rPr lang="de-DE" dirty="0" smtClean="0"/>
+              <a:rPr lang="de-DE" dirty="0"/>
               <a:t>Firma </a:t>
             </a:r>
             <a:r>
-              <a:rPr lang="de-DE" dirty="0" err="1" smtClean="0"/>
+              <a:rPr lang="de-DE" dirty="0" err="1"/>
               <a:t>Telerik</a:t>
             </a:r>
-            <a:endParaRPr lang="de-DE" dirty="0" smtClean="0"/>
+            <a:endParaRPr lang="de-DE" dirty="0"/>
           </a:p>
           <a:p>
             <a:pPr algn="ctr"/>
             <a:r>
               <a:rPr lang="de-DE" dirty="0"/>
-              <a:t>Progress Software Corporation </a:t>
-            </a:r>
-            <a:r>
-              <a:rPr lang="de-DE" dirty="0" smtClean="0"/>
-              <a:t> </a:t>
-            </a:r>
-            <a:endParaRPr lang="de-DE" dirty="0"/>
+              <a:t>Progress Software Corporation  </a:t>
+            </a:r>
           </a:p>
         </p:txBody>
       </p:sp>
@@ -14501,17 +14235,16 @@
           <a:p>
             <a:pPr algn="ctr"/>
             <a:r>
-              <a:rPr lang="de-DE" dirty="0" smtClean="0"/>
+              <a:rPr lang="de-DE" dirty="0"/>
               <a:t>SAPUI5</a:t>
             </a:r>
           </a:p>
           <a:p>
             <a:pPr algn="ctr"/>
             <a:r>
-              <a:rPr lang="de-DE" dirty="0" smtClean="0"/>
+              <a:rPr lang="de-DE" dirty="0"/>
               <a:t>Firma SAP</a:t>
             </a:r>
-            <a:endParaRPr lang="de-DE" dirty="0"/>
           </a:p>
         </p:txBody>
       </p:sp>
@@ -14544,10 +14277,10 @@
           <a:p>
             <a:pPr algn="ctr"/>
             <a:r>
-              <a:rPr lang="de-DE" b="1" dirty="0" err="1" smtClean="0"/>
+              <a:rPr lang="de-DE" b="1" dirty="0" err="1"/>
               <a:t>GoJS</a:t>
             </a:r>
-            <a:endParaRPr lang="de-DE" b="1" dirty="0" smtClean="0"/>
+            <a:endParaRPr lang="de-DE" b="1" dirty="0"/>
           </a:p>
           <a:p>
             <a:pPr algn="ctr"/>
@@ -14561,11 +14294,7 @@
             </a:r>
             <a:r>
               <a:rPr lang="de-DE" dirty="0"/>
-              <a:t> </a:t>
-            </a:r>
-            <a:r>
-              <a:rPr lang="de-DE" dirty="0" smtClean="0"/>
-              <a:t>Software</a:t>
+              <a:t> Software</a:t>
             </a:r>
             <a:endParaRPr lang="en-US" dirty="0"/>
           </a:p>
@@ -14695,13 +14424,6 @@
   <p:clrMapOvr>
     <a:masterClrMapping/>
   </p:clrMapOvr>
-  <p:timing>
-    <p:tnLst>
-      <p:par>
-        <p:cTn id="1" dur="indefinite" restart="never" nodeType="tmRoot"/>
-      </p:par>
-    </p:tnLst>
-  </p:timing>
 </p:sld>
 </file>
 
@@ -14770,7 +14492,7 @@
             </a:pPr>
             <a:fld id="{07E8D44E-8732-4D0E-BB56-183E437489F7}" type="datetime1">
               <a:rPr lang="de-DE" smtClean="0"/>
-              <a:t>07.08.2018</a:t>
+              <a:t>08.08.2018</a:t>
             </a:fld>
             <a:endParaRPr lang="de-DE" dirty="0"/>
           </a:p>
@@ -14795,10 +14517,9 @@
               <a:defRPr/>
             </a:pPr>
             <a:r>
-              <a:rPr lang="de-DE" smtClean="0"/>
+              <a:rPr lang="de-DE"/>
               <a:t>Hermond Ghislain Zeleu Zabatio</a:t>
             </a:r>
-            <a:endParaRPr lang="de-DE"/>
           </a:p>
         </p:txBody>
       </p:sp>
@@ -14891,16 +14612,16 @@
               <a:rPr lang="de-DE" dirty="0" err="1"/>
               <a:t>Vue</a:t>
             </a:r>
-            <a:endParaRPr lang="de-DE" dirty="0" smtClean="0"/>
+            <a:endParaRPr lang="de-DE" dirty="0"/>
           </a:p>
           <a:p>
             <a:pPr algn="ctr"/>
             <a:r>
-              <a:rPr lang="de-DE" dirty="0" smtClean="0"/>
+              <a:rPr lang="de-DE" dirty="0"/>
               <a:t>Evan </a:t>
             </a:r>
             <a:r>
-              <a:rPr lang="de-DE" dirty="0" err="1" smtClean="0"/>
+              <a:rPr lang="de-DE" dirty="0" err="1"/>
               <a:t>You</a:t>
             </a:r>
             <a:endParaRPr lang="de-DE" dirty="0"/>
@@ -14936,10 +14657,10 @@
           <a:p>
             <a:pPr algn="ctr"/>
             <a:r>
-              <a:rPr lang="de-DE" dirty="0" err="1" smtClean="0"/>
+              <a:rPr lang="de-DE" dirty="0" err="1"/>
               <a:t>React</a:t>
             </a:r>
-            <a:endParaRPr lang="de-DE" dirty="0" smtClean="0"/>
+            <a:endParaRPr lang="de-DE" dirty="0"/>
           </a:p>
           <a:p>
             <a:pPr algn="ctr"/>
@@ -14979,7 +14700,7 @@
           <a:p>
             <a:pPr algn="ctr"/>
             <a:r>
-              <a:rPr lang="de-DE" dirty="0" smtClean="0"/>
+              <a:rPr lang="de-DE" dirty="0"/>
               <a:t>Angular</a:t>
             </a:r>
           </a:p>
@@ -15436,7 +15157,7 @@
             </a:pPr>
             <a:fld id="{07E8D44E-8732-4D0E-BB56-183E437489F7}" type="datetime1">
               <a:rPr lang="de-DE" smtClean="0"/>
-              <a:t>07.08.2018</a:t>
+              <a:t>08.08.2018</a:t>
             </a:fld>
             <a:endParaRPr lang="de-DE" dirty="0"/>
           </a:p>
@@ -15461,10 +15182,9 @@
               <a:defRPr/>
             </a:pPr>
             <a:r>
-              <a:rPr lang="de-DE" smtClean="0"/>
+              <a:rPr lang="de-DE"/>
               <a:t>Hermond Ghislain Zeleu Zabatio</a:t>
             </a:r>
-            <a:endParaRPr lang="de-DE"/>
           </a:p>
         </p:txBody>
       </p:sp>
@@ -15557,16 +15277,16 @@
               <a:rPr lang="de-DE" dirty="0" err="1"/>
               <a:t>Vue</a:t>
             </a:r>
-            <a:endParaRPr lang="de-DE" dirty="0" smtClean="0"/>
+            <a:endParaRPr lang="de-DE" dirty="0"/>
           </a:p>
           <a:p>
             <a:pPr algn="ctr"/>
             <a:r>
-              <a:rPr lang="de-DE" dirty="0" smtClean="0"/>
+              <a:rPr lang="de-DE" dirty="0"/>
               <a:t>Evan </a:t>
             </a:r>
             <a:r>
-              <a:rPr lang="de-DE" dirty="0" err="1" smtClean="0"/>
+              <a:rPr lang="de-DE" dirty="0" err="1"/>
               <a:t>You</a:t>
             </a:r>
             <a:endParaRPr lang="de-DE" dirty="0"/>
@@ -15602,10 +15322,10 @@
           <a:p>
             <a:pPr algn="ctr"/>
             <a:r>
-              <a:rPr lang="de-DE" dirty="0" err="1" smtClean="0"/>
+              <a:rPr lang="de-DE" dirty="0" err="1"/>
               <a:t>React</a:t>
             </a:r>
-            <a:endParaRPr lang="de-DE" dirty="0" smtClean="0"/>
+            <a:endParaRPr lang="de-DE" dirty="0"/>
           </a:p>
           <a:p>
             <a:pPr algn="ctr"/>
@@ -15645,7 +15365,7 @@
           <a:p>
             <a:pPr algn="ctr"/>
             <a:r>
-              <a:rPr lang="de-DE" dirty="0" smtClean="0"/>
+              <a:rPr lang="de-DE" dirty="0"/>
               <a:t>Angular</a:t>
             </a:r>
           </a:p>
@@ -15783,13 +15503,6 @@
   <p:clrMapOvr>
     <a:masterClrMapping/>
   </p:clrMapOvr>
-  <p:timing>
-    <p:tnLst>
-      <p:par>
-        <p:cTn id="1" dur="indefinite" restart="never" nodeType="tmRoot"/>
-      </p:par>
-    </p:tnLst>
-  </p:timing>
 </p:sld>
 </file>
 
@@ -15848,16 +15561,6 @@
               </a:lnSpc>
             </a:pPr>
             <a:r>
-              <a:rPr lang="de-DE" dirty="0" smtClean="0">
-                <a:solidFill>
-                  <a:schemeClr val="bg1">
-                    <a:lumMod val="85000"/>
-                  </a:schemeClr>
-                </a:solidFill>
-              </a:rPr>
-              <a:t>Grundlage </a:t>
-            </a:r>
-            <a:r>
               <a:rPr lang="de-DE" dirty="0">
                 <a:solidFill>
                   <a:schemeClr val="bg1">
@@ -15865,7 +15568,7 @@
                   </a:schemeClr>
                 </a:solidFill>
               </a:rPr>
-              <a:t>der Topologie</a:t>
+              <a:t>Grundlage der Topologie</a:t>
             </a:r>
           </a:p>
           <a:p>
@@ -15875,7 +15578,7 @@
               </a:lnSpc>
             </a:pPr>
             <a:r>
-              <a:rPr lang="de-DE" dirty="0" smtClean="0">
+              <a:rPr lang="de-DE" dirty="0">
                 <a:solidFill>
                   <a:schemeClr val="bg1">
                     <a:lumMod val="85000"/>
@@ -15884,13 +15587,6 @@
               </a:rPr>
               <a:t>Anforderungsanalyse</a:t>
             </a:r>
-            <a:endParaRPr lang="de-DE" dirty="0">
-              <a:solidFill>
-                <a:schemeClr val="bg1">
-                  <a:lumMod val="85000"/>
-                </a:schemeClr>
-              </a:solidFill>
-            </a:endParaRPr>
           </a:p>
           <a:p>
             <a:pPr>
@@ -15898,16 +15594,6 @@
                 <a:spcPct val="200000"/>
               </a:lnSpc>
             </a:pPr>
-            <a:r>
-              <a:rPr lang="de-DE" dirty="0" smtClean="0">
-                <a:solidFill>
-                  <a:schemeClr val="bg1">
-                    <a:lumMod val="85000"/>
-                  </a:schemeClr>
-                </a:solidFill>
-              </a:rPr>
-              <a:t>Evaluation </a:t>
-            </a:r>
             <a:r>
               <a:rPr lang="de-DE" dirty="0">
                 <a:solidFill>
@@ -15916,25 +15602,8 @@
                   </a:schemeClr>
                 </a:solidFill>
               </a:rPr>
-              <a:t>der </a:t>
-            </a:r>
-            <a:r>
-              <a:rPr lang="de-DE" dirty="0" smtClean="0">
-                <a:solidFill>
-                  <a:schemeClr val="bg1">
-                    <a:lumMod val="85000"/>
-                  </a:schemeClr>
-                </a:solidFill>
-              </a:rPr>
-              <a:t>JavaScript-Frameworks</a:t>
-            </a:r>
-            <a:endParaRPr lang="de-DE" dirty="0">
-              <a:solidFill>
-                <a:schemeClr val="bg1">
-                  <a:lumMod val="85000"/>
-                </a:schemeClr>
-              </a:solidFill>
-            </a:endParaRPr>
+              <a:t>Evaluation der JavaScript-Frameworks</a:t>
+            </a:r>
           </a:p>
           <a:p>
             <a:pPr>
@@ -15947,14 +15616,13 @@
               <a:t>Konzepte der </a:t>
             </a:r>
             <a:r>
-              <a:rPr lang="de-DE" b="1" dirty="0" err="1" smtClean="0"/>
+              <a:rPr lang="de-DE" b="1" dirty="0" err="1"/>
               <a:t>Topology</a:t>
             </a:r>
             <a:r>
-              <a:rPr lang="de-DE" b="1" dirty="0" smtClean="0"/>
+              <a:rPr lang="de-DE" b="1" dirty="0"/>
               <a:t>-Editor</a:t>
             </a:r>
-            <a:endParaRPr lang="de-DE" b="1" dirty="0"/>
           </a:p>
           <a:p>
             <a:pPr>
@@ -15970,25 +15638,8 @@
                   </a:schemeClr>
                 </a:solidFill>
               </a:rPr>
-              <a:t>Prototype </a:t>
-            </a:r>
-            <a:r>
-              <a:rPr lang="de-DE" dirty="0" smtClean="0">
-                <a:solidFill>
-                  <a:schemeClr val="bg1">
-                    <a:lumMod val="85000"/>
-                  </a:schemeClr>
-                </a:solidFill>
-              </a:rPr>
-              <a:t>Implementierung</a:t>
-            </a:r>
-            <a:endParaRPr lang="de-DE" dirty="0">
-              <a:solidFill>
-                <a:schemeClr val="bg1">
-                  <a:lumMod val="85000"/>
-                </a:schemeClr>
-              </a:solidFill>
-            </a:endParaRPr>
+              <a:t>Prototype Implementierung</a:t>
+            </a:r>
           </a:p>
           <a:p>
             <a:pPr>
@@ -16038,7 +15689,7 @@
             </a:pPr>
             <a:fld id="{7C19136F-A910-4FB0-ACF8-AEB668541EC5}" type="datetime1">
               <a:rPr lang="de-DE" smtClean="0"/>
-              <a:t>07.08.2018</a:t>
+              <a:t>08.08.2018</a:t>
             </a:fld>
             <a:endParaRPr lang="de-DE" dirty="0"/>
           </a:p>
@@ -16063,15 +15714,15 @@
               <a:defRPr/>
             </a:pPr>
             <a:r>
-              <a:rPr lang="de-DE" dirty="0" err="1" smtClean="0"/>
+              <a:rPr lang="de-DE" dirty="0" err="1"/>
               <a:t>Hermond</a:t>
             </a:r>
             <a:r>
-              <a:rPr lang="de-DE" dirty="0" smtClean="0"/>
+              <a:rPr lang="de-DE" dirty="0"/>
               <a:t> Ghislain Zeleu </a:t>
             </a:r>
             <a:r>
-              <a:rPr lang="de-DE" dirty="0" err="1" smtClean="0"/>
+              <a:rPr lang="de-DE" dirty="0" err="1"/>
               <a:t>Zabatio</a:t>
             </a:r>
             <a:endParaRPr lang="de-DE" dirty="0"/>
@@ -16139,13 +15790,6 @@
   <p:clrMapOvr>
     <a:masterClrMapping/>
   </p:clrMapOvr>
-  <p:timing>
-    <p:tnLst>
-      <p:par>
-        <p:cTn id="1" dur="indefinite" restart="never" nodeType="tmRoot"/>
-      </p:par>
-    </p:tnLst>
-  </p:timing>
 </p:sld>
 </file>
 
@@ -16245,7 +15889,7 @@
             </a:pPr>
             <a:fld id="{2579BFDA-05B3-4E94-92EB-A0F56D3C28B0}" type="datetime1">
               <a:rPr lang="de-DE" smtClean="0"/>
-              <a:t>07.08.2018</a:t>
+              <a:t>08.08.2018</a:t>
             </a:fld>
             <a:endParaRPr lang="de-DE" dirty="0"/>
           </a:p>
@@ -16276,10 +15920,9 @@
               <a:defRPr/>
             </a:pPr>
             <a:r>
-              <a:rPr lang="de-DE" smtClean="0"/>
+              <a:rPr lang="de-DE"/>
               <a:t>Hermond Ghislain Zeleu Zabatio</a:t>
             </a:r>
-            <a:endParaRPr lang="de-DE"/>
           </a:p>
         </p:txBody>
       </p:sp>
@@ -16396,11 +16039,11 @@
           <a:p>
             <a:pPr algn="ctr"/>
             <a:r>
-              <a:rPr lang="de-DE" dirty="0" err="1" smtClean="0"/>
+              <a:rPr lang="de-DE" dirty="0" err="1"/>
               <a:t>Topology</a:t>
             </a:r>
             <a:r>
-              <a:rPr lang="de-DE" dirty="0" smtClean="0"/>
+              <a:rPr lang="de-DE" dirty="0"/>
               <a:t>-Editor-Client</a:t>
             </a:r>
             <a:endParaRPr lang="en-US" dirty="0"/>
@@ -16449,11 +16092,11 @@
           <a:p>
             <a:pPr algn="ctr"/>
             <a:r>
-              <a:rPr lang="de-DE" dirty="0" err="1" smtClean="0"/>
+              <a:rPr lang="de-DE" dirty="0" err="1"/>
               <a:t>Topology</a:t>
             </a:r>
             <a:r>
-              <a:rPr lang="de-DE" dirty="0" smtClean="0"/>
+              <a:rPr lang="de-DE" dirty="0"/>
               <a:t>-Editor-Server</a:t>
             </a:r>
             <a:endParaRPr lang="en-US" dirty="0"/>
@@ -16653,7 +16296,7 @@
           <a:lstStyle/>
           <a:p>
             <a:r>
-              <a:rPr lang="de-DE" sz="2400" b="1" dirty="0" smtClean="0">
+              <a:rPr lang="de-DE" sz="2400" b="1" dirty="0">
                 <a:solidFill>
                   <a:schemeClr val="bg1"/>
                 </a:solidFill>
@@ -16877,7 +16520,7 @@
           <a:lstStyle/>
           <a:p>
             <a:r>
-              <a:rPr lang="de-DE" dirty="0" smtClean="0"/>
+              <a:rPr lang="de-DE" dirty="0"/>
               <a:t>Data Store</a:t>
             </a:r>
             <a:endParaRPr lang="en-US" dirty="0"/>
@@ -16945,7 +16588,7 @@
           <a:p>
             <a:pPr algn="ctr"/>
             <a:r>
-              <a:rPr lang="de-DE" dirty="0" smtClean="0"/>
+              <a:rPr lang="de-DE" dirty="0"/>
               <a:t>1</a:t>
             </a:r>
             <a:endParaRPr lang="en-US" dirty="0"/>
@@ -16989,7 +16632,7 @@
           <a:p>
             <a:pPr algn="ctr"/>
             <a:r>
-              <a:rPr lang="de-DE" dirty="0" smtClean="0"/>
+              <a:rPr lang="de-DE" dirty="0"/>
               <a:t>2</a:t>
             </a:r>
             <a:endParaRPr lang="en-US" dirty="0"/>
@@ -17033,7 +16676,7 @@
           <a:p>
             <a:pPr algn="ctr"/>
             <a:r>
-              <a:rPr lang="de-DE" dirty="0" smtClean="0"/>
+              <a:rPr lang="de-DE" dirty="0"/>
               <a:t>3</a:t>
             </a:r>
             <a:endParaRPr lang="en-US" dirty="0"/>
@@ -17142,7 +16785,7 @@
           <a:lstStyle/>
           <a:p>
             <a:r>
-              <a:rPr lang="de-DE" sz="1200" b="1" dirty="0" smtClean="0"/>
+              <a:rPr lang="de-DE" sz="1200" b="1" dirty="0"/>
               <a:t>Web-Komponente</a:t>
             </a:r>
             <a:endParaRPr lang="en-US" sz="1200" b="1" dirty="0"/>
@@ -17207,7 +16850,7 @@
           <a:lstStyle/>
           <a:p>
             <a:r>
-              <a:rPr lang="de-DE" sz="1200" b="1" dirty="0" smtClean="0"/>
+              <a:rPr lang="de-DE" sz="1200" b="1" dirty="0"/>
               <a:t>Desktop-Komponente</a:t>
             </a:r>
             <a:endParaRPr lang="en-US" sz="1200" b="1" dirty="0"/>
@@ -17676,12 +17319,8 @@
               </a:lnSpc>
             </a:pPr>
             <a:r>
-              <a:rPr lang="de-DE" dirty="0" smtClean="0"/>
-              <a:t>Grundlage </a:t>
-            </a:r>
-            <a:r>
               <a:rPr lang="de-DE" dirty="0"/>
-              <a:t>der Topologie</a:t>
+              <a:t>Grundlage der Topologie</a:t>
             </a:r>
           </a:p>
           <a:p>
@@ -17691,10 +17330,9 @@
               </a:lnSpc>
             </a:pPr>
             <a:r>
-              <a:rPr lang="de-DE" dirty="0" smtClean="0"/>
+              <a:rPr lang="de-DE" dirty="0"/>
               <a:t>Anforderungsanalyse</a:t>
             </a:r>
-            <a:endParaRPr lang="de-DE" dirty="0"/>
           </a:p>
           <a:p>
             <a:pPr>
@@ -17703,18 +17341,9 @@
               </a:lnSpc>
             </a:pPr>
             <a:r>
-              <a:rPr lang="de-DE" dirty="0" smtClean="0"/>
-              <a:t>Evaluation </a:t>
-            </a:r>
-            <a:r>
               <a:rPr lang="de-DE" dirty="0"/>
-              <a:t>der </a:t>
-            </a:r>
-            <a:r>
-              <a:rPr lang="de-DE" dirty="0" smtClean="0"/>
-              <a:t>JavaScript-Frameworks</a:t>
-            </a:r>
-            <a:endParaRPr lang="de-DE" dirty="0"/>
+              <a:t>Evaluation der JavaScript-Frameworks</a:t>
+            </a:r>
           </a:p>
           <a:p>
             <a:pPr>
@@ -17743,13 +17372,8 @@
             </a:pPr>
             <a:r>
               <a:rPr lang="de-DE" dirty="0"/>
-              <a:t>Prototype </a:t>
-            </a:r>
-            <a:r>
-              <a:rPr lang="de-DE" dirty="0" smtClean="0"/>
-              <a:t>Implementierung</a:t>
-            </a:r>
-            <a:endParaRPr lang="de-DE" dirty="0"/>
+              <a:t>Prototype Implementierung</a:t>
+            </a:r>
           </a:p>
           <a:p>
             <a:pPr>
@@ -17793,7 +17417,7 @@
             </a:pPr>
             <a:fld id="{7C19136F-A910-4FB0-ACF8-AEB668541EC5}" type="datetime1">
               <a:rPr lang="de-DE" smtClean="0"/>
-              <a:t>07.08.2018</a:t>
+              <a:t>08.08.2018</a:t>
             </a:fld>
             <a:endParaRPr lang="de-DE" dirty="0"/>
           </a:p>
@@ -17818,15 +17442,15 @@
               <a:defRPr/>
             </a:pPr>
             <a:r>
-              <a:rPr lang="de-DE" dirty="0" err="1" smtClean="0"/>
+              <a:rPr lang="de-DE" dirty="0" err="1"/>
               <a:t>Hermond</a:t>
             </a:r>
             <a:r>
-              <a:rPr lang="de-DE" dirty="0" smtClean="0"/>
+              <a:rPr lang="de-DE" dirty="0"/>
               <a:t> Ghislain Zeleu </a:t>
             </a:r>
             <a:r>
-              <a:rPr lang="de-DE" dirty="0" err="1" smtClean="0"/>
+              <a:rPr lang="de-DE" dirty="0" err="1"/>
               <a:t>Zabatio</a:t>
             </a:r>
             <a:endParaRPr lang="de-DE" dirty="0"/>
@@ -18641,7 +18265,7 @@
             </a:pPr>
             <a:fld id="{2579BFDA-05B3-4E94-92EB-A0F56D3C28B0}" type="datetime1">
               <a:rPr lang="de-DE" smtClean="0"/>
-              <a:t>07.08.2018</a:t>
+              <a:t>08.08.2018</a:t>
             </a:fld>
             <a:endParaRPr lang="de-DE" dirty="0"/>
           </a:p>
@@ -18672,10 +18296,9 @@
               <a:defRPr/>
             </a:pPr>
             <a:r>
-              <a:rPr lang="de-DE" smtClean="0"/>
+              <a:rPr lang="de-DE"/>
               <a:t>Hermond Ghislain Zeleu Zabatio</a:t>
             </a:r>
-            <a:endParaRPr lang="de-DE"/>
           </a:p>
         </p:txBody>
       </p:sp>
@@ -18792,11 +18415,11 @@
           <a:p>
             <a:pPr algn="ctr"/>
             <a:r>
-              <a:rPr lang="de-DE" dirty="0" err="1" smtClean="0"/>
+              <a:rPr lang="de-DE" dirty="0" err="1"/>
               <a:t>Topology</a:t>
             </a:r>
             <a:r>
-              <a:rPr lang="de-DE" dirty="0" smtClean="0"/>
+              <a:rPr lang="de-DE" dirty="0"/>
               <a:t>-Editor-Client</a:t>
             </a:r>
             <a:endParaRPr lang="en-US" dirty="0"/>
@@ -18845,11 +18468,11 @@
           <a:p>
             <a:pPr algn="ctr"/>
             <a:r>
-              <a:rPr lang="de-DE" dirty="0" err="1" smtClean="0"/>
+              <a:rPr lang="de-DE" dirty="0" err="1"/>
               <a:t>Topology</a:t>
             </a:r>
             <a:r>
-              <a:rPr lang="de-DE" dirty="0" smtClean="0"/>
+              <a:rPr lang="de-DE" dirty="0"/>
               <a:t>-Editor-Server</a:t>
             </a:r>
             <a:endParaRPr lang="en-US" dirty="0"/>
@@ -19049,7 +18672,7 @@
           <a:lstStyle/>
           <a:p>
             <a:r>
-              <a:rPr lang="de-DE" sz="2400" b="1" dirty="0" smtClean="0">
+              <a:rPr lang="de-DE" sz="2400" b="1" dirty="0">
                 <a:solidFill>
                   <a:schemeClr val="bg1"/>
                 </a:solidFill>
@@ -19273,7 +18896,7 @@
           <a:lstStyle/>
           <a:p>
             <a:r>
-              <a:rPr lang="de-DE" dirty="0" smtClean="0"/>
+              <a:rPr lang="de-DE" dirty="0"/>
               <a:t>Data Store</a:t>
             </a:r>
             <a:endParaRPr lang="en-US" dirty="0"/>
@@ -19341,7 +18964,7 @@
           <a:p>
             <a:pPr algn="ctr"/>
             <a:r>
-              <a:rPr lang="de-DE" dirty="0" smtClean="0"/>
+              <a:rPr lang="de-DE" dirty="0"/>
               <a:t>1</a:t>
             </a:r>
             <a:endParaRPr lang="en-US" dirty="0"/>
@@ -19385,7 +19008,7 @@
           <a:p>
             <a:pPr algn="ctr"/>
             <a:r>
-              <a:rPr lang="de-DE" dirty="0" smtClean="0"/>
+              <a:rPr lang="de-DE" dirty="0"/>
               <a:t>2</a:t>
             </a:r>
             <a:endParaRPr lang="en-US" dirty="0"/>
@@ -19429,7 +19052,7 @@
           <a:p>
             <a:pPr algn="ctr"/>
             <a:r>
-              <a:rPr lang="de-DE" dirty="0" smtClean="0"/>
+              <a:rPr lang="de-DE" dirty="0"/>
               <a:t>3</a:t>
             </a:r>
             <a:endParaRPr lang="en-US" dirty="0"/>
@@ -19538,7 +19161,7 @@
           <a:lstStyle/>
           <a:p>
             <a:r>
-              <a:rPr lang="de-DE" sz="1200" b="1" dirty="0" smtClean="0"/>
+              <a:rPr lang="de-DE" sz="1200" b="1" dirty="0"/>
               <a:t>Web-Komponente</a:t>
             </a:r>
             <a:endParaRPr lang="en-US" sz="1200" b="1" dirty="0"/>
@@ -19603,7 +19226,7 @@
           <a:lstStyle/>
           <a:p>
             <a:r>
-              <a:rPr lang="de-DE" sz="1200" b="1" dirty="0" smtClean="0"/>
+              <a:rPr lang="de-DE" sz="1200" b="1" dirty="0"/>
               <a:t>Desktop-Komponente</a:t>
             </a:r>
             <a:endParaRPr lang="en-US" sz="1200" b="1" dirty="0"/>
@@ -20770,7 +20393,7 @@
             </a:pPr>
             <a:fld id="{2C597DD3-C657-4292-BDD8-A59C5130682A}" type="datetime1">
               <a:rPr lang="de-DE" smtClean="0"/>
-              <a:t>07.08.2018</a:t>
+              <a:t>08.08.2018</a:t>
             </a:fld>
             <a:endParaRPr lang="de-DE" dirty="0"/>
           </a:p>
@@ -20801,10 +20424,9 @@
               <a:defRPr/>
             </a:pPr>
             <a:r>
-              <a:rPr lang="de-DE" smtClean="0"/>
+              <a:rPr lang="de-DE"/>
               <a:t>Hermond Ghislain Zeleu Zabatio</a:t>
             </a:r>
-            <a:endParaRPr lang="de-DE"/>
           </a:p>
         </p:txBody>
       </p:sp>
@@ -20946,7 +20568,7 @@
           <a:p>
             <a:pPr algn="ctr"/>
             <a:r>
-              <a:rPr lang="de-DE" sz="1200" dirty="0" smtClean="0">
+              <a:rPr lang="de-DE" sz="1200" dirty="0">
                 <a:solidFill>
                   <a:schemeClr val="tx1"/>
                 </a:solidFill>
@@ -21646,7 +21268,7 @@
             </a:pPr>
             <a:fld id="{DF72E200-8F70-4F98-A0B0-628E642DCF78}" type="datetime1">
               <a:rPr lang="de-DE" smtClean="0"/>
-              <a:t>07.08.2018</a:t>
+              <a:t>08.08.2018</a:t>
             </a:fld>
             <a:endParaRPr lang="de-DE" dirty="0"/>
           </a:p>
@@ -21677,10 +21299,9 @@
               <a:defRPr/>
             </a:pPr>
             <a:r>
-              <a:rPr lang="de-DE" smtClean="0"/>
+              <a:rPr lang="de-DE"/>
               <a:t>Hermond Ghislain Zeleu Zabatio</a:t>
             </a:r>
-            <a:endParaRPr lang="de-DE"/>
           </a:p>
         </p:txBody>
       </p:sp>
@@ -22503,16 +22124,6 @@
               </a:lnSpc>
             </a:pPr>
             <a:r>
-              <a:rPr lang="de-DE" dirty="0" smtClean="0">
-                <a:solidFill>
-                  <a:schemeClr val="bg1">
-                    <a:lumMod val="85000"/>
-                  </a:schemeClr>
-                </a:solidFill>
-              </a:rPr>
-              <a:t>Grundlage </a:t>
-            </a:r>
-            <a:r>
               <a:rPr lang="de-DE" dirty="0">
                 <a:solidFill>
                   <a:schemeClr val="bg1">
@@ -22520,7 +22131,7 @@
                   </a:schemeClr>
                 </a:solidFill>
               </a:rPr>
-              <a:t>der Topologie</a:t>
+              <a:t>Grundlage der Topologie</a:t>
             </a:r>
           </a:p>
           <a:p>
@@ -22530,7 +22141,7 @@
               </a:lnSpc>
             </a:pPr>
             <a:r>
-              <a:rPr lang="de-DE" dirty="0" smtClean="0">
+              <a:rPr lang="de-DE" dirty="0">
                 <a:solidFill>
                   <a:schemeClr val="bg1">
                     <a:lumMod val="85000"/>
@@ -22539,13 +22150,6 @@
               </a:rPr>
               <a:t>Anforderungsanalyse</a:t>
             </a:r>
-            <a:endParaRPr lang="de-DE" dirty="0">
-              <a:solidFill>
-                <a:schemeClr val="bg1">
-                  <a:lumMod val="85000"/>
-                </a:schemeClr>
-              </a:solidFill>
-            </a:endParaRPr>
           </a:p>
           <a:p>
             <a:pPr>
@@ -22553,16 +22157,6 @@
                 <a:spcPct val="200000"/>
               </a:lnSpc>
             </a:pPr>
-            <a:r>
-              <a:rPr lang="de-DE" dirty="0" smtClean="0">
-                <a:solidFill>
-                  <a:schemeClr val="bg1">
-                    <a:lumMod val="85000"/>
-                  </a:schemeClr>
-                </a:solidFill>
-              </a:rPr>
-              <a:t>Evaluation </a:t>
-            </a:r>
             <a:r>
               <a:rPr lang="de-DE" dirty="0">
                 <a:solidFill>
@@ -22571,25 +22165,8 @@
                   </a:schemeClr>
                 </a:solidFill>
               </a:rPr>
-              <a:t>der </a:t>
-            </a:r>
-            <a:r>
-              <a:rPr lang="de-DE" dirty="0" smtClean="0">
-                <a:solidFill>
-                  <a:schemeClr val="bg1">
-                    <a:lumMod val="85000"/>
-                  </a:schemeClr>
-                </a:solidFill>
-              </a:rPr>
-              <a:t>JavaScript-Frameworks</a:t>
-            </a:r>
-            <a:endParaRPr lang="de-DE" dirty="0">
-              <a:solidFill>
-                <a:schemeClr val="bg1">
-                  <a:lumMod val="85000"/>
-                </a:schemeClr>
-              </a:solidFill>
-            </a:endParaRPr>
+              <a:t>Evaluation der JavaScript-Frameworks</a:t>
+            </a:r>
           </a:p>
           <a:p>
             <a:pPr>
@@ -22608,7 +22185,7 @@
               <a:t>Konzepte der </a:t>
             </a:r>
             <a:r>
-              <a:rPr lang="de-DE" dirty="0" err="1" smtClean="0">
+              <a:rPr lang="de-DE" dirty="0" err="1">
                 <a:solidFill>
                   <a:schemeClr val="bg1">
                     <a:lumMod val="85000"/>
@@ -22618,7 +22195,7 @@
               <a:t>Topology</a:t>
             </a:r>
             <a:r>
-              <a:rPr lang="de-DE" dirty="0" smtClean="0">
+              <a:rPr lang="de-DE" dirty="0">
                 <a:solidFill>
                   <a:schemeClr val="bg1">
                     <a:lumMod val="85000"/>
@@ -22627,13 +22204,6 @@
               </a:rPr>
               <a:t>-Editor</a:t>
             </a:r>
-            <a:endParaRPr lang="de-DE" dirty="0">
-              <a:solidFill>
-                <a:schemeClr val="bg1">
-                  <a:lumMod val="85000"/>
-                </a:schemeClr>
-              </a:solidFill>
-            </a:endParaRPr>
           </a:p>
           <a:p>
             <a:pPr>
@@ -22647,21 +22217,8 @@
                   <a:schemeClr val="tx2"/>
                 </a:solidFill>
               </a:rPr>
-              <a:t>Prototype </a:t>
-            </a:r>
-            <a:r>
-              <a:rPr lang="de-DE" b="1" dirty="0" smtClean="0">
-                <a:solidFill>
-                  <a:schemeClr val="tx2"/>
-                </a:solidFill>
-              </a:rPr>
-              <a:t>Implementierung</a:t>
-            </a:r>
-            <a:endParaRPr lang="de-DE" b="1" dirty="0">
-              <a:solidFill>
-                <a:schemeClr val="tx2"/>
-              </a:solidFill>
-            </a:endParaRPr>
+              <a:t>Prototype Implementierung</a:t>
+            </a:r>
           </a:p>
           <a:p>
             <a:pPr>
@@ -22711,7 +22268,7 @@
             </a:pPr>
             <a:fld id="{7C19136F-A910-4FB0-ACF8-AEB668541EC5}" type="datetime1">
               <a:rPr lang="de-DE" smtClean="0"/>
-              <a:t>07.08.2018</a:t>
+              <a:t>08.08.2018</a:t>
             </a:fld>
             <a:endParaRPr lang="de-DE" dirty="0"/>
           </a:p>
@@ -22736,15 +22293,15 @@
               <a:defRPr/>
             </a:pPr>
             <a:r>
-              <a:rPr lang="de-DE" dirty="0" err="1" smtClean="0"/>
+              <a:rPr lang="de-DE" dirty="0" err="1"/>
               <a:t>Hermond</a:t>
             </a:r>
             <a:r>
-              <a:rPr lang="de-DE" dirty="0" smtClean="0"/>
+              <a:rPr lang="de-DE" dirty="0"/>
               <a:t> Ghislain Zeleu </a:t>
             </a:r>
             <a:r>
-              <a:rPr lang="de-DE" dirty="0" err="1" smtClean="0"/>
+              <a:rPr lang="de-DE" dirty="0" err="1"/>
               <a:t>Zabatio</a:t>
             </a:r>
             <a:endParaRPr lang="de-DE" dirty="0"/>
@@ -22812,13 +22369,6 @@
   <p:clrMapOvr>
     <a:masterClrMapping/>
   </p:clrMapOvr>
-  <p:timing>
-    <p:tnLst>
-      <p:par>
-        <p:cTn id="1" dur="indefinite" restart="never" nodeType="tmRoot"/>
-      </p:par>
-    </p:tnLst>
-  </p:timing>
 </p:sld>
 </file>
 
@@ -22895,7 +22445,7 @@
             </a:pPr>
             <a:fld id="{C58F247C-525F-4BEF-9811-6F7F41DCA069}" type="datetime1">
               <a:rPr lang="de-DE" smtClean="0"/>
-              <a:t>07.08.2018</a:t>
+              <a:t>08.08.2018</a:t>
             </a:fld>
             <a:endParaRPr lang="de-DE" dirty="0"/>
           </a:p>
@@ -22926,10 +22476,9 @@
               <a:defRPr/>
             </a:pPr>
             <a:r>
-              <a:rPr lang="de-DE" smtClean="0"/>
+              <a:rPr lang="de-DE"/>
               <a:t>Hermond Ghislain Zeleu Zabatio</a:t>
             </a:r>
-            <a:endParaRPr lang="de-DE"/>
           </a:p>
         </p:txBody>
       </p:sp>
@@ -22993,15 +22542,7 @@
           <a:p>
             <a:r>
               <a:rPr lang="de-DE" b="1" dirty="0"/>
-              <a:t>Prototype </a:t>
-            </a:r>
-            <a:r>
-              <a:rPr lang="de-DE" b="1" dirty="0" smtClean="0"/>
-              <a:t>Implementierung</a:t>
-            </a:r>
-            <a:r>
-              <a:rPr lang="de-DE" b="1" dirty="0"/>
-              <a:t/>
+              <a:t>Prototype Implementierung</a:t>
             </a:r>
             <a:br>
               <a:rPr lang="de-DE" b="1" dirty="0"/>
@@ -23051,13 +22592,6 @@
   <p:clrMapOvr>
     <a:masterClrMapping/>
   </p:clrMapOvr>
-  <p:timing>
-    <p:tnLst>
-      <p:par>
-        <p:cTn id="1" dur="indefinite" restart="never" nodeType="tmRoot"/>
-      </p:par>
-    </p:tnLst>
-  </p:timing>
 </p:sld>
 </file>
 
@@ -23104,7 +22638,7 @@
             </a:pPr>
             <a:fld id="{7158BD6A-2C19-4EFB-A2CE-212AA1897748}" type="datetime1">
               <a:rPr lang="de-DE" smtClean="0"/>
-              <a:t>07.08.2018</a:t>
+              <a:t>08.08.2018</a:t>
             </a:fld>
             <a:endParaRPr lang="de-DE" dirty="0"/>
           </a:p>
@@ -23135,10 +22669,9 @@
               <a:defRPr/>
             </a:pPr>
             <a:r>
-              <a:rPr lang="de-DE" smtClean="0"/>
+              <a:rPr lang="de-DE"/>
               <a:t>Hermond Ghislain Zeleu Zabatio</a:t>
             </a:r>
-            <a:endParaRPr lang="de-DE"/>
           </a:p>
         </p:txBody>
       </p:sp>
@@ -23290,13 +22823,6 @@
   <p:clrMapOvr>
     <a:masterClrMapping/>
   </p:clrMapOvr>
-  <p:timing>
-    <p:tnLst>
-      <p:par>
-        <p:cTn id="1" dur="indefinite" restart="never" nodeType="tmRoot"/>
-      </p:par>
-    </p:tnLst>
-  </p:timing>
 </p:sld>
 </file>
 
@@ -23343,7 +22869,7 @@
             </a:pPr>
             <a:fld id="{B5F8C8F1-3024-4FA0-9BCE-52168EDEC483}" type="datetime1">
               <a:rPr lang="de-DE" smtClean="0"/>
-              <a:t>07.08.2018</a:t>
+              <a:t>08.08.2018</a:t>
             </a:fld>
             <a:endParaRPr lang="de-DE" dirty="0"/>
           </a:p>
@@ -23374,10 +22900,9 @@
               <a:defRPr/>
             </a:pPr>
             <a:r>
-              <a:rPr lang="de-DE" smtClean="0"/>
+              <a:rPr lang="de-DE"/>
               <a:t>Hermond Ghislain Zeleu Zabatio</a:t>
             </a:r>
-            <a:endParaRPr lang="de-DE"/>
           </a:p>
         </p:txBody>
       </p:sp>
@@ -23534,13 +23059,6 @@
   <p:clrMapOvr>
     <a:masterClrMapping/>
   </p:clrMapOvr>
-  <p:timing>
-    <p:tnLst>
-      <p:par>
-        <p:cTn id="1" dur="indefinite" restart="never" nodeType="tmRoot"/>
-      </p:par>
-    </p:tnLst>
-  </p:timing>
 </p:sld>
 </file>
 
@@ -23599,16 +23117,6 @@
               </a:lnSpc>
             </a:pPr>
             <a:r>
-              <a:rPr lang="de-DE" dirty="0" smtClean="0">
-                <a:solidFill>
-                  <a:schemeClr val="bg1">
-                    <a:lumMod val="85000"/>
-                  </a:schemeClr>
-                </a:solidFill>
-              </a:rPr>
-              <a:t>Grundlage </a:t>
-            </a:r>
-            <a:r>
               <a:rPr lang="de-DE" dirty="0">
                 <a:solidFill>
                   <a:schemeClr val="bg1">
@@ -23616,7 +23124,7 @@
                   </a:schemeClr>
                 </a:solidFill>
               </a:rPr>
-              <a:t>der Topologie</a:t>
+              <a:t>Grundlage der Topologie</a:t>
             </a:r>
           </a:p>
           <a:p>
@@ -23626,7 +23134,7 @@
               </a:lnSpc>
             </a:pPr>
             <a:r>
-              <a:rPr lang="de-DE" dirty="0" smtClean="0">
+              <a:rPr lang="de-DE" dirty="0">
                 <a:solidFill>
                   <a:schemeClr val="bg1">
                     <a:lumMod val="85000"/>
@@ -23635,13 +23143,6 @@
               </a:rPr>
               <a:t>Anforderungsanalyse</a:t>
             </a:r>
-            <a:endParaRPr lang="de-DE" dirty="0">
-              <a:solidFill>
-                <a:schemeClr val="bg1">
-                  <a:lumMod val="85000"/>
-                </a:schemeClr>
-              </a:solidFill>
-            </a:endParaRPr>
           </a:p>
           <a:p>
             <a:pPr>
@@ -23649,16 +23150,6 @@
                 <a:spcPct val="200000"/>
               </a:lnSpc>
             </a:pPr>
-            <a:r>
-              <a:rPr lang="de-DE" dirty="0" smtClean="0">
-                <a:solidFill>
-                  <a:schemeClr val="bg1">
-                    <a:lumMod val="85000"/>
-                  </a:schemeClr>
-                </a:solidFill>
-              </a:rPr>
-              <a:t>Evaluation </a:t>
-            </a:r>
             <a:r>
               <a:rPr lang="de-DE" dirty="0">
                 <a:solidFill>
@@ -23667,25 +23158,8 @@
                   </a:schemeClr>
                 </a:solidFill>
               </a:rPr>
-              <a:t>der </a:t>
-            </a:r>
-            <a:r>
-              <a:rPr lang="de-DE" dirty="0" smtClean="0">
-                <a:solidFill>
-                  <a:schemeClr val="bg1">
-                    <a:lumMod val="85000"/>
-                  </a:schemeClr>
-                </a:solidFill>
-              </a:rPr>
-              <a:t>JavaScript-Frameworks</a:t>
-            </a:r>
-            <a:endParaRPr lang="de-DE" dirty="0">
-              <a:solidFill>
-                <a:schemeClr val="bg1">
-                  <a:lumMod val="85000"/>
-                </a:schemeClr>
-              </a:solidFill>
-            </a:endParaRPr>
+              <a:t>Evaluation der JavaScript-Frameworks</a:t>
+            </a:r>
           </a:p>
           <a:p>
             <a:pPr>
@@ -23704,7 +23178,7 @@
               <a:t>Konzepte der </a:t>
             </a:r>
             <a:r>
-              <a:rPr lang="de-DE" dirty="0" err="1" smtClean="0">
+              <a:rPr lang="de-DE" dirty="0" err="1">
                 <a:solidFill>
                   <a:schemeClr val="bg1">
                     <a:lumMod val="85000"/>
@@ -23714,7 +23188,7 @@
               <a:t>Topology</a:t>
             </a:r>
             <a:r>
-              <a:rPr lang="de-DE" dirty="0" smtClean="0">
+              <a:rPr lang="de-DE" dirty="0">
                 <a:solidFill>
                   <a:schemeClr val="bg1">
                     <a:lumMod val="85000"/>
@@ -23723,13 +23197,6 @@
               </a:rPr>
               <a:t>-Editor</a:t>
             </a:r>
-            <a:endParaRPr lang="de-DE" dirty="0">
-              <a:solidFill>
-                <a:schemeClr val="bg1">
-                  <a:lumMod val="85000"/>
-                </a:schemeClr>
-              </a:solidFill>
-            </a:endParaRPr>
           </a:p>
           <a:p>
             <a:pPr>
@@ -23745,25 +23212,8 @@
                   </a:schemeClr>
                 </a:solidFill>
               </a:rPr>
-              <a:t>Prototype </a:t>
-            </a:r>
-            <a:r>
-              <a:rPr lang="de-DE" dirty="0" smtClean="0">
-                <a:solidFill>
-                  <a:schemeClr val="bg1">
-                    <a:lumMod val="85000"/>
-                  </a:schemeClr>
-                </a:solidFill>
-              </a:rPr>
-              <a:t>Implementierung</a:t>
-            </a:r>
-            <a:endParaRPr lang="de-DE" dirty="0">
-              <a:solidFill>
-                <a:schemeClr val="bg1">
-                  <a:lumMod val="85000"/>
-                </a:schemeClr>
-              </a:solidFill>
-            </a:endParaRPr>
+              <a:t>Prototype Implementierung</a:t>
+            </a:r>
           </a:p>
           <a:p>
             <a:pPr>
@@ -23811,7 +23261,7 @@
             </a:pPr>
             <a:fld id="{7C19136F-A910-4FB0-ACF8-AEB668541EC5}" type="datetime1">
               <a:rPr lang="de-DE" smtClean="0"/>
-              <a:t>07.08.2018</a:t>
+              <a:t>08.08.2018</a:t>
             </a:fld>
             <a:endParaRPr lang="de-DE" dirty="0"/>
           </a:p>
@@ -23836,15 +23286,15 @@
               <a:defRPr/>
             </a:pPr>
             <a:r>
-              <a:rPr lang="de-DE" dirty="0" err="1" smtClean="0"/>
+              <a:rPr lang="de-DE" dirty="0" err="1"/>
               <a:t>Hermond</a:t>
             </a:r>
             <a:r>
-              <a:rPr lang="de-DE" dirty="0" smtClean="0"/>
+              <a:rPr lang="de-DE" dirty="0"/>
               <a:t> Ghislain Zeleu </a:t>
             </a:r>
             <a:r>
-              <a:rPr lang="de-DE" dirty="0" err="1" smtClean="0"/>
+              <a:rPr lang="de-DE" dirty="0" err="1"/>
               <a:t>Zabatio</a:t>
             </a:r>
             <a:endParaRPr lang="de-DE" dirty="0"/>
@@ -23912,13 +23362,6 @@
   <p:clrMapOvr>
     <a:masterClrMapping/>
   </p:clrMapOvr>
-  <p:timing>
-    <p:tnLst>
-      <p:par>
-        <p:cTn id="1" dur="indefinite" restart="never" nodeType="tmRoot"/>
-      </p:par>
-    </p:tnLst>
-  </p:timing>
 </p:sld>
 </file>
 
@@ -24041,7 +23484,7 @@
             </a:pPr>
             <a:fld id="{8F2FF29D-AB2E-4E17-B0E6-4D1260BEEACD}" type="datetime1">
               <a:rPr lang="de-DE" smtClean="0"/>
-              <a:t>07.08.2018</a:t>
+              <a:t>08.08.2018</a:t>
             </a:fld>
             <a:endParaRPr lang="de-DE" dirty="0"/>
           </a:p>
@@ -24066,10 +23509,9 @@
               <a:defRPr/>
             </a:pPr>
             <a:r>
-              <a:rPr lang="de-DE" smtClean="0"/>
+              <a:rPr lang="de-DE"/>
               <a:t>Hermond Ghislain Zeleu Zabatio</a:t>
             </a:r>
-            <a:endParaRPr lang="de-DE"/>
           </a:p>
         </p:txBody>
       </p:sp>
@@ -24134,13 +23576,6 @@
   <p:clrMapOvr>
     <a:masterClrMapping/>
   </p:clrMapOvr>
-  <p:timing>
-    <p:tnLst>
-      <p:par>
-        <p:cTn id="1" dur="indefinite" restart="never" nodeType="tmRoot"/>
-      </p:par>
-    </p:tnLst>
-  </p:timing>
 </p:sld>
 </file>
 
@@ -24245,7 +23680,7 @@
             </a:pPr>
             <a:fld id="{466E553E-65BB-48F9-9E2F-EE8FD8BA0C4F}" type="datetime1">
               <a:rPr lang="de-DE" smtClean="0"/>
-              <a:t>07.08.2018</a:t>
+              <a:t>08.08.2018</a:t>
             </a:fld>
             <a:endParaRPr lang="de-DE" dirty="0"/>
           </a:p>
@@ -24270,10 +23705,9 @@
               <a:defRPr/>
             </a:pPr>
             <a:r>
-              <a:rPr lang="de-DE" smtClean="0"/>
+              <a:rPr lang="de-DE"/>
               <a:t>Hermond Ghislain Zeleu Zabatio</a:t>
             </a:r>
-            <a:endParaRPr lang="de-DE"/>
           </a:p>
         </p:txBody>
       </p:sp>
@@ -24387,16 +23821,6 @@
               </a:lnSpc>
             </a:pPr>
             <a:r>
-              <a:rPr lang="de-DE" dirty="0" smtClean="0">
-                <a:solidFill>
-                  <a:schemeClr val="bg1">
-                    <a:lumMod val="85000"/>
-                  </a:schemeClr>
-                </a:solidFill>
-              </a:rPr>
-              <a:t>Grundlage </a:t>
-            </a:r>
-            <a:r>
               <a:rPr lang="de-DE" dirty="0">
                 <a:solidFill>
                   <a:schemeClr val="bg1">
@@ -24404,7 +23828,7 @@
                   </a:schemeClr>
                 </a:solidFill>
               </a:rPr>
-              <a:t>der Topologie</a:t>
+              <a:t>Grundlage der Topologie</a:t>
             </a:r>
           </a:p>
           <a:p>
@@ -24414,7 +23838,7 @@
               </a:lnSpc>
             </a:pPr>
             <a:r>
-              <a:rPr lang="de-DE" dirty="0" smtClean="0">
+              <a:rPr lang="de-DE" dirty="0">
                 <a:solidFill>
                   <a:schemeClr val="bg1">
                     <a:lumMod val="85000"/>
@@ -24423,13 +23847,6 @@
               </a:rPr>
               <a:t>Anforderungsanalyse</a:t>
             </a:r>
-            <a:endParaRPr lang="de-DE" dirty="0">
-              <a:solidFill>
-                <a:schemeClr val="bg1">
-                  <a:lumMod val="85000"/>
-                </a:schemeClr>
-              </a:solidFill>
-            </a:endParaRPr>
           </a:p>
           <a:p>
             <a:pPr>
@@ -24437,16 +23854,6 @@
                 <a:spcPct val="200000"/>
               </a:lnSpc>
             </a:pPr>
-            <a:r>
-              <a:rPr lang="de-DE" dirty="0" smtClean="0">
-                <a:solidFill>
-                  <a:schemeClr val="bg1">
-                    <a:lumMod val="85000"/>
-                  </a:schemeClr>
-                </a:solidFill>
-              </a:rPr>
-              <a:t>Evaluation </a:t>
-            </a:r>
             <a:r>
               <a:rPr lang="de-DE" dirty="0">
                 <a:solidFill>
@@ -24455,25 +23862,8 @@
                   </a:schemeClr>
                 </a:solidFill>
               </a:rPr>
-              <a:t>der </a:t>
-            </a:r>
-            <a:r>
-              <a:rPr lang="de-DE" dirty="0" smtClean="0">
-                <a:solidFill>
-                  <a:schemeClr val="bg1">
-                    <a:lumMod val="85000"/>
-                  </a:schemeClr>
-                </a:solidFill>
-              </a:rPr>
-              <a:t>JavaScript-Frameworks</a:t>
-            </a:r>
-            <a:endParaRPr lang="de-DE" dirty="0">
-              <a:solidFill>
-                <a:schemeClr val="bg1">
-                  <a:lumMod val="85000"/>
-                </a:schemeClr>
-              </a:solidFill>
-            </a:endParaRPr>
+              <a:t>Evaluation der JavaScript-Frameworks</a:t>
+            </a:r>
           </a:p>
           <a:p>
             <a:pPr>
@@ -24492,7 +23882,7 @@
               <a:t>Konzepte der </a:t>
             </a:r>
             <a:r>
-              <a:rPr lang="de-DE" dirty="0" err="1" smtClean="0">
+              <a:rPr lang="de-DE" dirty="0" err="1">
                 <a:solidFill>
                   <a:schemeClr val="bg1">
                     <a:lumMod val="85000"/>
@@ -24502,7 +23892,7 @@
               <a:t>Topology</a:t>
             </a:r>
             <a:r>
-              <a:rPr lang="de-DE" dirty="0" smtClean="0">
+              <a:rPr lang="de-DE" dirty="0">
                 <a:solidFill>
                   <a:schemeClr val="bg1">
                     <a:lumMod val="85000"/>
@@ -24511,13 +23901,6 @@
               </a:rPr>
               <a:t>-Editor</a:t>
             </a:r>
-            <a:endParaRPr lang="de-DE" dirty="0">
-              <a:solidFill>
-                <a:schemeClr val="bg1">
-                  <a:lumMod val="85000"/>
-                </a:schemeClr>
-              </a:solidFill>
-            </a:endParaRPr>
           </a:p>
           <a:p>
             <a:pPr>
@@ -24533,25 +23916,8 @@
                   </a:schemeClr>
                 </a:solidFill>
               </a:rPr>
-              <a:t>Prototype </a:t>
-            </a:r>
-            <a:r>
-              <a:rPr lang="de-DE" dirty="0" smtClean="0">
-                <a:solidFill>
-                  <a:schemeClr val="bg1">
-                    <a:lumMod val="85000"/>
-                  </a:schemeClr>
-                </a:solidFill>
-              </a:rPr>
-              <a:t>Implementierung</a:t>
-            </a:r>
-            <a:endParaRPr lang="de-DE" dirty="0">
-              <a:solidFill>
-                <a:schemeClr val="bg1">
-                  <a:lumMod val="85000"/>
-                </a:schemeClr>
-              </a:solidFill>
-            </a:endParaRPr>
+              <a:t>Prototype Implementierung</a:t>
+            </a:r>
           </a:p>
           <a:p>
             <a:pPr>
@@ -24601,7 +23967,7 @@
             </a:pPr>
             <a:fld id="{7C19136F-A910-4FB0-ACF8-AEB668541EC5}" type="datetime1">
               <a:rPr lang="de-DE" smtClean="0"/>
-              <a:t>07.08.2018</a:t>
+              <a:t>08.08.2018</a:t>
             </a:fld>
             <a:endParaRPr lang="de-DE" dirty="0"/>
           </a:p>
@@ -24626,15 +23992,15 @@
               <a:defRPr/>
             </a:pPr>
             <a:r>
-              <a:rPr lang="de-DE" dirty="0" err="1" smtClean="0"/>
+              <a:rPr lang="de-DE" dirty="0" err="1"/>
               <a:t>Hermond</a:t>
             </a:r>
             <a:r>
-              <a:rPr lang="de-DE" dirty="0" smtClean="0"/>
+              <a:rPr lang="de-DE" dirty="0"/>
               <a:t> Ghislain Zeleu </a:t>
             </a:r>
             <a:r>
-              <a:rPr lang="de-DE" dirty="0" err="1" smtClean="0"/>
+              <a:rPr lang="de-DE" dirty="0" err="1"/>
               <a:t>Zabatio</a:t>
             </a:r>
             <a:endParaRPr lang="de-DE" dirty="0"/>
@@ -24702,13 +24068,6 @@
   <p:clrMapOvr>
     <a:masterClrMapping/>
   </p:clrMapOvr>
-  <p:timing>
-    <p:tnLst>
-      <p:par>
-        <p:cTn id="1" dur="indefinite" restart="never" nodeType="tmRoot"/>
-      </p:par>
-    </p:tnLst>
-  </p:timing>
 </p:sld>
 </file>
 
@@ -24829,7 +24188,7 @@
             </a:pPr>
             <a:fld id="{76749AD7-FB61-4E09-8DD2-0A832C50C4EE}" type="datetime1">
               <a:rPr lang="de-DE" smtClean="0"/>
-              <a:t>07.08.2018</a:t>
+              <a:t>08.08.2018</a:t>
             </a:fld>
             <a:endParaRPr lang="de-DE" dirty="0"/>
           </a:p>
@@ -24854,10 +24213,9 @@
               <a:defRPr/>
             </a:pPr>
             <a:r>
-              <a:rPr lang="de-DE" smtClean="0"/>
+              <a:rPr lang="de-DE"/>
               <a:t>Hermond Ghislain Zeleu Zabatio</a:t>
             </a:r>
-            <a:endParaRPr lang="de-DE"/>
           </a:p>
         </p:txBody>
       </p:sp>
@@ -25077,10 +24435,9 @@
           <a:lstStyle/>
           <a:p>
             <a:r>
-              <a:rPr lang="de-DE" dirty="0" smtClean="0"/>
+              <a:rPr lang="de-DE" dirty="0"/>
               <a:t>Motivation</a:t>
             </a:r>
-            <a:endParaRPr lang="de-DE" dirty="0"/>
           </a:p>
           <a:p>
             <a:pPr lvl="1"/>
@@ -25102,7 +24459,6 @@
               <a:rPr lang="de-DE" dirty="0"/>
               <a:t>Protokollneutraler und  einheitlicher Ansatz </a:t>
             </a:r>
-            <a:endParaRPr lang="de-DE" dirty="0" smtClean="0"/>
           </a:p>
           <a:p>
             <a:pPr marL="457200" lvl="1" indent="0">
@@ -25111,29 +24467,28 @@
             <a:endParaRPr lang="de-DE" dirty="0"/>
           </a:p>
           <a:p>
-            <a:endParaRPr lang="de-DE" dirty="0" smtClean="0"/>
-          </a:p>
-          <a:p>
             <a:endParaRPr lang="de-DE" dirty="0"/>
           </a:p>
           <a:p>
-            <a:endParaRPr lang="de-DE" dirty="0" smtClean="0"/>
-          </a:p>
-          <a:p>
             <a:endParaRPr lang="de-DE" dirty="0"/>
           </a:p>
           <a:p>
-            <a:endParaRPr lang="de-DE" dirty="0" smtClean="0"/>
-          </a:p>
-          <a:p>
-            <a:endParaRPr lang="de-DE" dirty="0" smtClean="0"/>
-          </a:p>
-          <a:p>
-            <a:r>
-              <a:rPr lang="de-DE" dirty="0" smtClean="0"/>
+            <a:endParaRPr lang="de-DE" dirty="0"/>
+          </a:p>
+          <a:p>
+            <a:endParaRPr lang="de-DE" dirty="0"/>
+          </a:p>
+          <a:p>
+            <a:endParaRPr lang="de-DE" dirty="0"/>
+          </a:p>
+          <a:p>
+            <a:endParaRPr lang="de-DE" dirty="0"/>
+          </a:p>
+          <a:p>
+            <a:r>
+              <a:rPr lang="de-DE" dirty="0"/>
               <a:t>Zielsetzung</a:t>
             </a:r>
-            <a:endParaRPr lang="de-DE" dirty="0"/>
           </a:p>
           <a:p>
             <a:pPr lvl="1"/>
@@ -25142,11 +24497,11 @@
               <a:t>Konzept und Design einer </a:t>
             </a:r>
             <a:r>
-              <a:rPr lang="de-DE" dirty="0" err="1" smtClean="0"/>
+              <a:rPr lang="de-DE" dirty="0" err="1"/>
               <a:t>Topology</a:t>
             </a:r>
             <a:r>
-              <a:rPr lang="de-DE" dirty="0" smtClean="0"/>
+              <a:rPr lang="de-DE" dirty="0"/>
               <a:t>-Engineering-Komponente</a:t>
             </a:r>
           </a:p>
@@ -25162,20 +24517,18 @@
               <a:buNone/>
             </a:pPr>
             <a:r>
-              <a:rPr lang="de-DE" dirty="0" smtClean="0"/>
+              <a:rPr lang="de-DE" dirty="0"/>
               <a:t> </a:t>
             </a:r>
-            <a:endParaRPr lang="de-DE" dirty="0"/>
           </a:p>
           <a:p>
             <a:pPr marL="0" indent="0">
               <a:buNone/>
             </a:pPr>
             <a:r>
-              <a:rPr lang="de-DE" dirty="0" smtClean="0"/>
+              <a:rPr lang="de-DE" dirty="0"/>
               <a:t>			</a:t>
             </a:r>
-            <a:endParaRPr lang="de-DE" dirty="0"/>
           </a:p>
         </p:txBody>
       </p:sp>
@@ -25199,7 +24552,7 @@
             </a:pPr>
             <a:fld id="{CE8E411C-3C5A-4240-AC7B-5D4C805394ED}" type="datetime1">
               <a:rPr lang="de-DE" smtClean="0"/>
-              <a:t>07.08.2018</a:t>
+              <a:t>08.08.2018</a:t>
             </a:fld>
             <a:endParaRPr lang="de-DE" dirty="0"/>
           </a:p>
@@ -25224,10 +24577,9 @@
               <a:defRPr/>
             </a:pPr>
             <a:r>
-              <a:rPr lang="de-DE" smtClean="0"/>
+              <a:rPr lang="de-DE"/>
               <a:t>Hermond Ghislain Zeleu Zabatio</a:t>
             </a:r>
-            <a:endParaRPr lang="de-DE"/>
           </a:p>
         </p:txBody>
       </p:sp>
@@ -25276,11 +24628,11 @@
           <a:lstStyle/>
           <a:p>
             <a:r>
-              <a:rPr lang="de-DE" dirty="0" smtClean="0"/>
+              <a:rPr lang="de-DE" dirty="0"/>
               <a:t>Einleitung: </a:t>
             </a:r>
             <a:r>
-              <a:rPr lang="de-DE" dirty="0" err="1" smtClean="0"/>
+              <a:rPr lang="de-DE" dirty="0" err="1"/>
               <a:t>Motivation&amp;Zielsetzung</a:t>
             </a:r>
             <a:endParaRPr lang="de-DE" dirty="0"/>
@@ -28816,12 +28168,8 @@
               </a:lnSpc>
             </a:pPr>
             <a:r>
-              <a:rPr lang="de-DE" b="1" dirty="0" smtClean="0"/>
-              <a:t>Grundlage </a:t>
-            </a:r>
-            <a:r>
               <a:rPr lang="de-DE" b="1" dirty="0"/>
-              <a:t>der Topologie</a:t>
+              <a:t>Grundlage der Topologie</a:t>
             </a:r>
           </a:p>
           <a:p>
@@ -28831,7 +28179,7 @@
               </a:lnSpc>
             </a:pPr>
             <a:r>
-              <a:rPr lang="de-DE" dirty="0" smtClean="0">
+              <a:rPr lang="de-DE" dirty="0">
                 <a:solidFill>
                   <a:schemeClr val="bg1">
                     <a:lumMod val="85000"/>
@@ -28840,13 +28188,6 @@
               </a:rPr>
               <a:t>Anforderungsanalyse</a:t>
             </a:r>
-            <a:endParaRPr lang="de-DE" dirty="0">
-              <a:solidFill>
-                <a:schemeClr val="bg1">
-                  <a:lumMod val="85000"/>
-                </a:schemeClr>
-              </a:solidFill>
-            </a:endParaRPr>
           </a:p>
           <a:p>
             <a:pPr>
@@ -28854,16 +28195,6 @@
                 <a:spcPct val="200000"/>
               </a:lnSpc>
             </a:pPr>
-            <a:r>
-              <a:rPr lang="de-DE" dirty="0" smtClean="0">
-                <a:solidFill>
-                  <a:schemeClr val="bg1">
-                    <a:lumMod val="85000"/>
-                  </a:schemeClr>
-                </a:solidFill>
-              </a:rPr>
-              <a:t>Evaluation </a:t>
-            </a:r>
             <a:r>
               <a:rPr lang="de-DE" dirty="0">
                 <a:solidFill>
@@ -28872,25 +28203,8 @@
                   </a:schemeClr>
                 </a:solidFill>
               </a:rPr>
-              <a:t>der </a:t>
-            </a:r>
-            <a:r>
-              <a:rPr lang="de-DE" dirty="0" smtClean="0">
-                <a:solidFill>
-                  <a:schemeClr val="bg1">
-                    <a:lumMod val="85000"/>
-                  </a:schemeClr>
-                </a:solidFill>
-              </a:rPr>
-              <a:t>JavaScript-Frameworks</a:t>
-            </a:r>
-            <a:endParaRPr lang="de-DE" dirty="0">
-              <a:solidFill>
-                <a:schemeClr val="bg1">
-                  <a:lumMod val="85000"/>
-                </a:schemeClr>
-              </a:solidFill>
-            </a:endParaRPr>
+              <a:t>Evaluation der JavaScript-Frameworks</a:t>
+            </a:r>
           </a:p>
           <a:p>
             <a:pPr>
@@ -28909,7 +28223,7 @@
               <a:t>Konzepte der </a:t>
             </a:r>
             <a:r>
-              <a:rPr lang="de-DE" dirty="0" err="1" smtClean="0">
+              <a:rPr lang="de-DE" dirty="0" err="1">
                 <a:solidFill>
                   <a:schemeClr val="bg1">
                     <a:lumMod val="85000"/>
@@ -28919,7 +28233,7 @@
               <a:t>Topology</a:t>
             </a:r>
             <a:r>
-              <a:rPr lang="de-DE" dirty="0" smtClean="0">
+              <a:rPr lang="de-DE" dirty="0">
                 <a:solidFill>
                   <a:schemeClr val="bg1">
                     <a:lumMod val="85000"/>
@@ -28928,13 +28242,6 @@
               </a:rPr>
               <a:t>-Editor</a:t>
             </a:r>
-            <a:endParaRPr lang="de-DE" dirty="0">
-              <a:solidFill>
-                <a:schemeClr val="bg1">
-                  <a:lumMod val="85000"/>
-                </a:schemeClr>
-              </a:solidFill>
-            </a:endParaRPr>
           </a:p>
           <a:p>
             <a:pPr>
@@ -28950,25 +28257,8 @@
                   </a:schemeClr>
                 </a:solidFill>
               </a:rPr>
-              <a:t>Prototype </a:t>
-            </a:r>
-            <a:r>
-              <a:rPr lang="de-DE" dirty="0" smtClean="0">
-                <a:solidFill>
-                  <a:schemeClr val="bg1">
-                    <a:lumMod val="85000"/>
-                  </a:schemeClr>
-                </a:solidFill>
-              </a:rPr>
-              <a:t>Implementierung</a:t>
-            </a:r>
-            <a:endParaRPr lang="de-DE" dirty="0">
-              <a:solidFill>
-                <a:schemeClr val="bg1">
-                  <a:lumMod val="85000"/>
-                </a:schemeClr>
-              </a:solidFill>
-            </a:endParaRPr>
+              <a:t>Prototype Implementierung</a:t>
+            </a:r>
           </a:p>
           <a:p>
             <a:pPr>
@@ -29018,7 +28308,7 @@
             </a:pPr>
             <a:fld id="{7C19136F-A910-4FB0-ACF8-AEB668541EC5}" type="datetime1">
               <a:rPr lang="de-DE" smtClean="0"/>
-              <a:t>07.08.2018</a:t>
+              <a:t>08.08.2018</a:t>
             </a:fld>
             <a:endParaRPr lang="de-DE" dirty="0"/>
           </a:p>
@@ -29043,15 +28333,15 @@
               <a:defRPr/>
             </a:pPr>
             <a:r>
-              <a:rPr lang="de-DE" dirty="0" err="1" smtClean="0"/>
+              <a:rPr lang="de-DE" dirty="0" err="1"/>
               <a:t>Hermond</a:t>
             </a:r>
             <a:r>
-              <a:rPr lang="de-DE" dirty="0" smtClean="0"/>
+              <a:rPr lang="de-DE" dirty="0"/>
               <a:t> Ghislain Zeleu </a:t>
             </a:r>
             <a:r>
-              <a:rPr lang="de-DE" dirty="0" err="1" smtClean="0"/>
+              <a:rPr lang="de-DE" dirty="0" err="1"/>
               <a:t>Zabatio</a:t>
             </a:r>
             <a:endParaRPr lang="de-DE" dirty="0"/>
@@ -29119,13 +28409,6 @@
   <p:clrMapOvr>
     <a:masterClrMapping/>
   </p:clrMapOvr>
-  <p:timing>
-    <p:tnLst>
-      <p:par>
-        <p:cTn id="1" dur="indefinite" restart="never" nodeType="tmRoot"/>
-      </p:par>
-    </p:tnLst>
-  </p:timing>
 </p:sld>
 </file>
 
@@ -29167,7 +28450,7 @@
               </a:lnSpc>
             </a:pPr>
             <a:r>
-              <a:rPr lang="de-DE" dirty="0" err="1" smtClean="0"/>
+              <a:rPr lang="de-DE" dirty="0" err="1"/>
               <a:t>Feldbus</a:t>
             </a:r>
             <a:endParaRPr lang="de-DE" dirty="0"/>
@@ -29179,7 +28462,7 @@
               </a:lnSpc>
             </a:pPr>
             <a:r>
-              <a:rPr lang="de-DE" dirty="0" smtClean="0"/>
+              <a:rPr lang="de-DE" dirty="0"/>
               <a:t>Topologie</a:t>
             </a:r>
           </a:p>
@@ -29190,18 +28473,9 @@
               </a:lnSpc>
             </a:pPr>
             <a:r>
-              <a:rPr lang="de-DE" dirty="0" smtClean="0"/>
-              <a:t>Controller </a:t>
-            </a:r>
-            <a:r>
               <a:rPr lang="de-DE" dirty="0"/>
-              <a:t>/ </a:t>
-            </a:r>
-            <a:r>
-              <a:rPr lang="de-DE" dirty="0" smtClean="0"/>
-              <a:t>Master</a:t>
-            </a:r>
-            <a:endParaRPr lang="de-DE" dirty="0"/>
+              <a:t>Controller / Master</a:t>
+            </a:r>
           </a:p>
           <a:p>
             <a:pPr>
@@ -29211,13 +28485,8 @@
             </a:pPr>
             <a:r>
               <a:rPr lang="de-DE" dirty="0"/>
-              <a:t>Device / </a:t>
-            </a:r>
-            <a:r>
-              <a:rPr lang="de-DE" dirty="0" smtClean="0"/>
-              <a:t>Slave</a:t>
-            </a:r>
-            <a:endParaRPr lang="de-DE" dirty="0"/>
+              <a:t>Device / Slave</a:t>
+            </a:r>
           </a:p>
           <a:p>
             <a:pPr>
@@ -29226,10 +28495,9 @@
               </a:lnSpc>
             </a:pPr>
             <a:r>
-              <a:rPr lang="de-DE" dirty="0" smtClean="0"/>
+              <a:rPr lang="de-DE" dirty="0"/>
               <a:t>Gateway</a:t>
             </a:r>
-            <a:endParaRPr lang="de-DE" dirty="0"/>
           </a:p>
           <a:p>
             <a:endParaRPr lang="de-DE" dirty="0"/>
@@ -29256,7 +28524,7 @@
             </a:pPr>
             <a:fld id="{72FE9AB9-D7B1-4B90-8B11-4DA12F8AFB39}" type="datetime1">
               <a:rPr lang="de-DE" smtClean="0"/>
-              <a:t>07.08.2018</a:t>
+              <a:t>08.08.2018</a:t>
             </a:fld>
             <a:endParaRPr lang="de-DE" dirty="0"/>
           </a:p>
@@ -29281,10 +28549,9 @@
               <a:defRPr/>
             </a:pPr>
             <a:r>
-              <a:rPr lang="de-DE" smtClean="0"/>
+              <a:rPr lang="de-DE"/>
               <a:t>Hermond Ghislain Zeleu Zabatio</a:t>
             </a:r>
-            <a:endParaRPr lang="de-DE"/>
           </a:p>
         </p:txBody>
       </p:sp>
@@ -29917,7 +29184,7 @@
             </a:pPr>
             <a:fld id="{554C2B53-FD2B-473F-8EE2-052ECEB5B916}" type="datetime1">
               <a:rPr lang="de-DE" smtClean="0"/>
-              <a:t>07.08.2018</a:t>
+              <a:t>08.08.2018</a:t>
             </a:fld>
             <a:endParaRPr lang="de-DE" dirty="0"/>
           </a:p>
@@ -29942,10 +29209,9 @@
               <a:defRPr/>
             </a:pPr>
             <a:r>
-              <a:rPr lang="de-DE" smtClean="0"/>
+              <a:rPr lang="de-DE"/>
               <a:t>Hermond Ghislain Zeleu Zabatio</a:t>
             </a:r>
-            <a:endParaRPr lang="de-DE"/>
           </a:p>
         </p:txBody>
       </p:sp>
@@ -29997,15 +29263,7 @@
           <a:p>
             <a:r>
               <a:rPr lang="de-DE" dirty="0"/>
-              <a:t>Grundlage der Topologie</a:t>
-            </a:r>
-            <a:r>
-              <a:rPr lang="de-DE" dirty="0" smtClean="0"/>
-              <a:t>: Topologie-Muster</a:t>
-            </a:r>
-            <a:r>
-              <a:rPr lang="de-DE" dirty="0"/>
-              <a:t/>
+              <a:t>Grundlage der Topologie: Topologie-Muster</a:t>
             </a:r>
             <a:br>
               <a:rPr lang="de-DE" dirty="0"/>
@@ -30757,10 +30015,9 @@
           <a:lstStyle/>
           <a:p>
             <a:r>
-              <a:rPr lang="de-DE" dirty="0" smtClean="0"/>
+              <a:rPr lang="de-DE" dirty="0"/>
               <a:t>Ring-Topologie</a:t>
             </a:r>
-            <a:endParaRPr lang="de-DE" dirty="0"/>
           </a:p>
           <a:p>
             <a:endParaRPr lang="de-DE" dirty="0"/>
@@ -30790,18 +30047,16 @@
           <a:p>
             <a:pPr lvl="2"/>
             <a:r>
-              <a:rPr lang="de-DE" dirty="0" smtClean="0"/>
+              <a:rPr lang="de-DE" dirty="0"/>
               <a:t>Gleiche Zugriffsmöglichkeit </a:t>
             </a:r>
-            <a:endParaRPr lang="de-DE" dirty="0"/>
           </a:p>
           <a:p>
             <a:pPr lvl="2"/>
             <a:r>
-              <a:rPr lang="de-DE" dirty="0" smtClean="0"/>
+              <a:rPr lang="de-DE" dirty="0"/>
               <a:t>Kein Verstärker</a:t>
             </a:r>
-            <a:endParaRPr lang="de-DE" dirty="0"/>
           </a:p>
           <a:p>
             <a:pPr lvl="2"/>
@@ -30817,18 +30072,16 @@
           <a:p>
             <a:pPr lvl="2"/>
             <a:r>
-              <a:rPr lang="de-DE" dirty="0" smtClean="0"/>
+              <a:rPr lang="de-DE" dirty="0"/>
               <a:t>Verkabelungsaufwand</a:t>
             </a:r>
-            <a:endParaRPr lang="de-DE" dirty="0"/>
           </a:p>
           <a:p>
             <a:pPr lvl="2"/>
             <a:r>
-              <a:rPr lang="de-DE" dirty="0" smtClean="0"/>
+              <a:rPr lang="de-DE" dirty="0"/>
               <a:t>Durchmesser ist hoch</a:t>
             </a:r>
-            <a:endParaRPr lang="de-DE" dirty="0"/>
           </a:p>
         </p:txBody>
       </p:sp>
@@ -30852,7 +30105,7 @@
             </a:pPr>
             <a:fld id="{D4CABC69-31DB-45D5-AE93-F2D14B16454F}" type="datetime1">
               <a:rPr lang="de-DE" smtClean="0"/>
-              <a:t>07.08.2018</a:t>
+              <a:t>08.08.2018</a:t>
             </a:fld>
             <a:endParaRPr lang="de-DE" dirty="0"/>
           </a:p>
@@ -30877,10 +30130,9 @@
               <a:defRPr/>
             </a:pPr>
             <a:r>
-              <a:rPr lang="de-DE" smtClean="0"/>
+              <a:rPr lang="de-DE"/>
               <a:t>Hermond Ghislain Zeleu Zabatio</a:t>
             </a:r>
-            <a:endParaRPr lang="de-DE"/>
           </a:p>
         </p:txBody>
       </p:sp>
@@ -30932,15 +30184,7 @@
           <a:p>
             <a:r>
               <a:rPr lang="de-DE" dirty="0"/>
-              <a:t>Grundlage der Topologie</a:t>
-            </a:r>
-            <a:r>
-              <a:rPr lang="de-DE" dirty="0" smtClean="0"/>
-              <a:t>: Topologie-Muster</a:t>
-            </a:r>
-            <a:r>
-              <a:rPr lang="de-DE" dirty="0"/>
-              <a:t/>
+              <a:t>Grundlage der Topologie: Topologie-Muster</a:t>
             </a:r>
             <a:br>
               <a:rPr lang="de-DE" dirty="0"/>
@@ -31708,16 +30952,6 @@
               </a:lnSpc>
             </a:pPr>
             <a:r>
-              <a:rPr lang="de-DE" dirty="0" smtClean="0">
-                <a:solidFill>
-                  <a:schemeClr val="bg1">
-                    <a:lumMod val="85000"/>
-                  </a:schemeClr>
-                </a:solidFill>
-              </a:rPr>
-              <a:t>Grundlage </a:t>
-            </a:r>
-            <a:r>
               <a:rPr lang="de-DE" dirty="0">
                 <a:solidFill>
                   <a:schemeClr val="bg1">
@@ -31725,7 +30959,7 @@
                   </a:schemeClr>
                 </a:solidFill>
               </a:rPr>
-              <a:t>der Topologie</a:t>
+              <a:t>Grundlage der Topologie</a:t>
             </a:r>
           </a:p>
           <a:p>
@@ -31735,10 +30969,9 @@
               </a:lnSpc>
             </a:pPr>
             <a:r>
-              <a:rPr lang="de-DE" b="1" dirty="0" smtClean="0"/>
+              <a:rPr lang="de-DE" b="1" dirty="0"/>
               <a:t>Anforderungsanalyse</a:t>
             </a:r>
-            <a:endParaRPr lang="de-DE" b="1" dirty="0"/>
           </a:p>
           <a:p>
             <a:pPr>
@@ -31746,16 +30979,6 @@
                 <a:spcPct val="200000"/>
               </a:lnSpc>
             </a:pPr>
-            <a:r>
-              <a:rPr lang="de-DE" dirty="0" smtClean="0">
-                <a:solidFill>
-                  <a:schemeClr val="bg1">
-                    <a:lumMod val="85000"/>
-                  </a:schemeClr>
-                </a:solidFill>
-              </a:rPr>
-              <a:t>Evaluation </a:t>
-            </a:r>
             <a:r>
               <a:rPr lang="de-DE" dirty="0">
                 <a:solidFill>
@@ -31764,25 +30987,8 @@
                   </a:schemeClr>
                 </a:solidFill>
               </a:rPr>
-              <a:t>der </a:t>
-            </a:r>
-            <a:r>
-              <a:rPr lang="de-DE" dirty="0" smtClean="0">
-                <a:solidFill>
-                  <a:schemeClr val="bg1">
-                    <a:lumMod val="85000"/>
-                  </a:schemeClr>
-                </a:solidFill>
-              </a:rPr>
-              <a:t>JavaScript-Frameworks</a:t>
-            </a:r>
-            <a:endParaRPr lang="de-DE" dirty="0">
-              <a:solidFill>
-                <a:schemeClr val="bg1">
-                  <a:lumMod val="85000"/>
-                </a:schemeClr>
-              </a:solidFill>
-            </a:endParaRPr>
+              <a:t>Evaluation der JavaScript-Frameworks</a:t>
+            </a:r>
           </a:p>
           <a:p>
             <a:pPr>
@@ -31801,7 +31007,7 @@
               <a:t>Konzepte der </a:t>
             </a:r>
             <a:r>
-              <a:rPr lang="de-DE" dirty="0" err="1" smtClean="0">
+              <a:rPr lang="de-DE" dirty="0" err="1">
                 <a:solidFill>
                   <a:schemeClr val="bg1">
                     <a:lumMod val="85000"/>
@@ -31811,7 +31017,7 @@
               <a:t>Topology</a:t>
             </a:r>
             <a:r>
-              <a:rPr lang="de-DE" dirty="0" smtClean="0">
+              <a:rPr lang="de-DE" dirty="0">
                 <a:solidFill>
                   <a:schemeClr val="bg1">
                     <a:lumMod val="85000"/>
@@ -31820,13 +31026,6 @@
               </a:rPr>
               <a:t>-Editor</a:t>
             </a:r>
-            <a:endParaRPr lang="de-DE" dirty="0">
-              <a:solidFill>
-                <a:schemeClr val="bg1">
-                  <a:lumMod val="85000"/>
-                </a:schemeClr>
-              </a:solidFill>
-            </a:endParaRPr>
           </a:p>
           <a:p>
             <a:pPr>
@@ -31842,25 +31041,8 @@
                   </a:schemeClr>
                 </a:solidFill>
               </a:rPr>
-              <a:t>Prototype </a:t>
-            </a:r>
-            <a:r>
-              <a:rPr lang="de-DE" dirty="0" smtClean="0">
-                <a:solidFill>
-                  <a:schemeClr val="bg1">
-                    <a:lumMod val="85000"/>
-                  </a:schemeClr>
-                </a:solidFill>
-              </a:rPr>
-              <a:t>Implementierung</a:t>
-            </a:r>
-            <a:endParaRPr lang="de-DE" dirty="0">
-              <a:solidFill>
-                <a:schemeClr val="bg1">
-                  <a:lumMod val="85000"/>
-                </a:schemeClr>
-              </a:solidFill>
-            </a:endParaRPr>
+              <a:t>Prototype Implementierung</a:t>
+            </a:r>
           </a:p>
           <a:p>
             <a:pPr>
@@ -31910,7 +31092,7 @@
             </a:pPr>
             <a:fld id="{7C19136F-A910-4FB0-ACF8-AEB668541EC5}" type="datetime1">
               <a:rPr lang="de-DE" smtClean="0"/>
-              <a:t>07.08.2018</a:t>
+              <a:t>08.08.2018</a:t>
             </a:fld>
             <a:endParaRPr lang="de-DE" dirty="0"/>
           </a:p>
@@ -31935,15 +31117,15 @@
               <a:defRPr/>
             </a:pPr>
             <a:r>
-              <a:rPr lang="de-DE" dirty="0" err="1" smtClean="0"/>
+              <a:rPr lang="de-DE" dirty="0" err="1"/>
               <a:t>Hermond</a:t>
             </a:r>
             <a:r>
-              <a:rPr lang="de-DE" dirty="0" smtClean="0"/>
+              <a:rPr lang="de-DE" dirty="0"/>
               <a:t> Ghislain Zeleu </a:t>
             </a:r>
             <a:r>
-              <a:rPr lang="de-DE" dirty="0" err="1" smtClean="0"/>
+              <a:rPr lang="de-DE" dirty="0" err="1"/>
               <a:t>Zabatio</a:t>
             </a:r>
             <a:endParaRPr lang="de-DE" dirty="0"/>
@@ -32011,13 +31193,6 @@
   <p:clrMapOvr>
     <a:masterClrMapping/>
   </p:clrMapOvr>
-  <p:timing>
-    <p:tnLst>
-      <p:par>
-        <p:cTn id="1" dur="indefinite" restart="never" nodeType="tmRoot"/>
-      </p:par>
-    </p:tnLst>
-  </p:timing>
 </p:sld>
 </file>
 

--- a/Master-Abschluss.pptx
+++ b/Master-Abschluss.pptx
@@ -286,7 +286,7 @@
               <a:pPr>
                 <a:defRPr/>
               </a:pPr>
-              <a:t>08.08.2018</a:t>
+              <a:t>09.08.2018</a:t>
             </a:fld>
             <a:endParaRPr lang="de-DE"/>
           </a:p>
@@ -472,7 +472,7 @@
               <a:pPr>
                 <a:defRPr/>
               </a:pPr>
-              <a:t>08.08.2018</a:t>
+              <a:t>09.08.2018</a:t>
             </a:fld>
             <a:endParaRPr lang="de-DE"/>
           </a:p>
@@ -1708,8 +1708,62 @@
           <a:p>
             <a:r>
               <a:rPr lang="de-DE" dirty="0"/>
-              <a:t>Nun Evaluation der Client-technologie.</a:t>
-            </a:r>
+              <a:t>Nun Evaluation der Client-technologie</a:t>
+            </a:r>
+            <a:r>
+              <a:rPr lang="de-DE" dirty="0" smtClean="0"/>
+              <a:t>.</a:t>
+            </a:r>
+          </a:p>
+          <a:p>
+            <a:pPr marL="0" marR="0" lvl="0" indent="0" algn="l" defTabSz="914400" rtl="0" eaLnBrk="0" fontAlgn="base" latinLnBrk="0" hangingPunct="0">
+              <a:lnSpc>
+                <a:spcPct val="100000"/>
+              </a:lnSpc>
+              <a:spcBef>
+                <a:spcPct val="30000"/>
+              </a:spcBef>
+              <a:spcAft>
+                <a:spcPct val="0"/>
+              </a:spcAft>
+              <a:buClrTx/>
+              <a:buSzTx/>
+              <a:buFontTx/>
+              <a:buNone/>
+              <a:tabLst/>
+              <a:defRPr/>
+            </a:pPr>
+            <a:r>
+              <a:rPr lang="de-DE" dirty="0" smtClean="0"/>
+              <a:t>Es wurde </a:t>
+            </a:r>
+            <a:r>
+              <a:rPr lang="de-DE" b="1" dirty="0" smtClean="0"/>
+              <a:t>eine Fülle von verschiedenen Frameworks </a:t>
+            </a:r>
+            <a:r>
+              <a:rPr lang="de-DE" dirty="0" smtClean="0"/>
+              <a:t>ausfindig gemacht. Um ein systematisch Vergleich durchzuführen, habe ich mir </a:t>
+            </a:r>
+            <a:r>
+              <a:rPr lang="de-DE" b="1" dirty="0" smtClean="0"/>
+              <a:t>Einen</a:t>
+            </a:r>
+            <a:r>
+              <a:rPr lang="de-DE" dirty="0" smtClean="0"/>
+              <a:t>  </a:t>
+            </a:r>
+            <a:r>
+              <a:rPr lang="de-DE" b="1" dirty="0" smtClean="0"/>
+              <a:t>Kriterienkatalog</a:t>
+            </a:r>
+            <a:r>
+              <a:rPr lang="de-DE" dirty="0" smtClean="0"/>
+              <a:t> erstellt….</a:t>
+            </a:r>
+          </a:p>
+          <a:p>
+            <a:endParaRPr lang="de-DE" dirty="0"/>
           </a:p>
         </p:txBody>
       </p:sp>
@@ -1799,15 +1853,17 @@
           <a:bodyPr/>
           <a:lstStyle/>
           <a:p>
+            <a:pPr marL="228600" indent="-228600">
+              <a:buFont typeface="+mj-lt"/>
+              <a:buAutoNum type="arabicPeriod"/>
+            </a:pPr>
+            <a:r>
+              <a:rPr lang="de-DE" dirty="0" smtClean="0"/>
+              <a:t>Hier soll </a:t>
+            </a:r>
             <a:r>
               <a:rPr lang="de-DE" dirty="0"/>
-              <a:t>Es wurde eine Fülle von verschiedenen Frameworks ausfindig gemacht. Um ein systematisch Vergleich durchzuführen, habe ich mir ein  Kriterienkatalog erstellt….</a:t>
-            </a:r>
-          </a:p>
-          <a:p>
-            <a:r>
-              <a:rPr lang="de-DE" dirty="0"/>
-              <a:t>--Hier zum einer Seite soll die </a:t>
+              <a:t>die </a:t>
             </a:r>
             <a:r>
               <a:rPr lang="de-DE" dirty="0" err="1"/>
@@ -1823,13 +1879,65 @@
             </a:r>
             <a:r>
               <a:rPr lang="de-DE" dirty="0"/>
-              <a:t>. Komponenten sichergestellt werden. Und andere Seite soll Interface zu Datendank bereitgestellt werden.</a:t>
-            </a:r>
-          </a:p>
-          <a:p>
+              <a:t>. Komponenten </a:t>
+            </a:r>
+            <a:r>
+              <a:rPr lang="de-DE" b="1" dirty="0"/>
+              <a:t>sichergestellt werden</a:t>
+            </a:r>
             <a:r>
               <a:rPr lang="de-DE" dirty="0"/>
-              <a:t>-- hier kommt in Einsatz welche Programmiersprache wurde unterstützt ,</a:t>
+              <a:t>. </a:t>
+            </a:r>
+            <a:r>
+              <a:rPr lang="de-DE" dirty="0" smtClean="0"/>
+              <a:t>Eine systematische</a:t>
+            </a:r>
+            <a:r>
+              <a:rPr lang="de-DE" baseline="0" dirty="0" smtClean="0"/>
+              <a:t> Benachrichtigung  für die Weitergabe von </a:t>
+            </a:r>
+            <a:r>
+              <a:rPr lang="de-DE" b="1" baseline="0" dirty="0" smtClean="0"/>
+              <a:t>Änderungen soll </a:t>
+            </a:r>
+            <a:r>
+              <a:rPr lang="de-DE" b="1" dirty="0" smtClean="0"/>
+              <a:t>bereitgestellt werden</a:t>
+            </a:r>
+          </a:p>
+          <a:p>
+            <a:pPr marL="228600" indent="-228600">
+              <a:buFont typeface="+mj-lt"/>
+              <a:buAutoNum type="arabicPeriod"/>
+            </a:pPr>
+            <a:r>
+              <a:rPr lang="de-DE" dirty="0" smtClean="0"/>
+              <a:t>Hier </a:t>
+            </a:r>
+            <a:r>
+              <a:rPr lang="de-DE" dirty="0"/>
+              <a:t>kommt </a:t>
+            </a:r>
+            <a:r>
+              <a:rPr lang="de-DE" dirty="0" smtClean="0"/>
+              <a:t>im </a:t>
+            </a:r>
+            <a:r>
+              <a:rPr lang="de-DE" dirty="0"/>
+              <a:t>Einsatz </a:t>
+            </a:r>
+            <a:r>
+              <a:rPr lang="de-DE" b="1" dirty="0" smtClean="0"/>
+              <a:t>welcher Design-Pattern  SOLL ein Framework </a:t>
+            </a:r>
+            <a:r>
+              <a:rPr lang="de-DE" dirty="0" smtClean="0"/>
+              <a:t>unterstützen und unter welche Programmiersprache </a:t>
+            </a:r>
+            <a:r>
+              <a:rPr lang="de-DE" dirty="0"/>
+              <a:t>,</a:t>
             </a:r>
             <a:r>
               <a:rPr lang="de-DE" dirty="0" err="1"/>
@@ -1849,27 +1957,38 @@
             </a:r>
           </a:p>
           <a:p>
+            <a:pPr marL="228600" indent="-228600">
+              <a:buFont typeface="+mj-lt"/>
+              <a:buAutoNum type="arabicPeriod"/>
+            </a:pPr>
+            <a:r>
+              <a:rPr lang="de-DE" dirty="0" smtClean="0"/>
+              <a:t>Diese </a:t>
+            </a:r>
+            <a:r>
+              <a:rPr lang="de-DE" b="1" i="0" dirty="0"/>
+              <a:t>Kategorie bezieht  sich auf die </a:t>
+            </a:r>
             <a:r>
               <a:rPr lang="de-DE" dirty="0"/>
-              <a:t>-- Diese Kategorie bezieht  sich auf die Lernkurve und alle finanzielle Ausgaben , die für die Nutzung der Frameworks entstehen.</a:t>
-            </a:r>
-          </a:p>
-          <a:p>
+              <a:t>Lernkurve und alle finanzielle Ausgaben , </a:t>
+            </a:r>
+            <a:r>
+              <a:rPr lang="de-DE" b="1" dirty="0"/>
+              <a:t>die </a:t>
+            </a:r>
+            <a:r>
+              <a:rPr lang="de-DE" b="1" dirty="0" smtClean="0"/>
+              <a:t>WÄHREND DER </a:t>
+            </a:r>
+            <a:r>
+              <a:rPr lang="de-DE" b="1" dirty="0"/>
+              <a:t>Nutzung </a:t>
+            </a:r>
             <a:r>
               <a:rPr lang="de-DE" dirty="0"/>
-              <a:t>-- Das Konzept für Zeichnung und Behandlung</a:t>
-            </a:r>
-            <a:r>
-              <a:rPr lang="de-DE" baseline="0" dirty="0"/>
-              <a:t> der Grundelemente wie Linien, Polygone ist relativ einfach und userfreundlich…</a:t>
-            </a:r>
-          </a:p>
-          <a:p>
-            <a:r>
-              <a:rPr lang="de-DE" baseline="0" dirty="0"/>
-              <a:t>-- Ang nutzt die DI-Pattern was die Wartbarkeit der Applikation erleichtern</a:t>
-            </a:r>
-            <a:endParaRPr lang="de-DE" dirty="0"/>
+              <a:t>der Frameworks entstehen.</a:t>
+            </a:r>
           </a:p>
           <a:p>
             <a:endParaRPr lang="de-DE" dirty="0"/>
@@ -1962,84 +2081,134 @@
           <a:bodyPr/>
           <a:lstStyle/>
           <a:p>
-            <a:r>
-              <a:rPr lang="de-DE" dirty="0"/>
-              <a:t>Es wurde eine Fülle von verschiedenen Frameworks ausfindig gemacht. Um ein systematisch Vergleich durchzuführen, habe ich mir ein  Kriterienkatalog erstellt….</a:t>
-            </a:r>
-          </a:p>
-          <a:p>
-            <a:r>
-              <a:rPr lang="de-DE" dirty="0"/>
-              <a:t>--Hier zum einer Seite soll die </a:t>
-            </a:r>
-            <a:r>
-              <a:rPr lang="de-DE" dirty="0" err="1"/>
-              <a:t>Kom</a:t>
-            </a:r>
-            <a:r>
-              <a:rPr lang="de-DE" dirty="0"/>
+            <a:pPr marL="228600" indent="-228600">
+              <a:buFont typeface="+mj-lt"/>
+              <a:buAutoNum type="arabicPeriod"/>
+            </a:pPr>
+            <a:r>
+              <a:rPr lang="de-DE" dirty="0" smtClean="0"/>
+              <a:t>Für</a:t>
+            </a:r>
+            <a:r>
+              <a:rPr lang="de-DE" baseline="0" dirty="0" smtClean="0"/>
+              <a:t> die Grafische Darstellung der </a:t>
+            </a:r>
+            <a:r>
+              <a:rPr lang="de-DE" b="1" baseline="0" dirty="0" smtClean="0"/>
+              <a:t>Elemente wurden 3 clientseitigen Frameworks </a:t>
+            </a:r>
+            <a:r>
+              <a:rPr lang="de-DE" i="1" baseline="0" dirty="0" smtClean="0"/>
+              <a:t>unter die Lupe genommen.</a:t>
+            </a:r>
+            <a:endParaRPr lang="de-DE" i="1" dirty="0"/>
+          </a:p>
+          <a:p>
+            <a:pPr marL="228600" indent="-228600">
+              <a:buFont typeface="+mj-lt"/>
+              <a:buAutoNum type="arabicPeriod"/>
+            </a:pPr>
+            <a:r>
+              <a:rPr lang="de-DE" dirty="0" smtClean="0"/>
+              <a:t>[erstens]</a:t>
+            </a:r>
+            <a:r>
+              <a:rPr lang="de-DE" baseline="0" dirty="0" smtClean="0"/>
+              <a:t> ist die </a:t>
+            </a:r>
+            <a:r>
+              <a:rPr lang="de-DE" baseline="0" dirty="0" err="1" smtClean="0"/>
+              <a:t>KendoUI</a:t>
+            </a:r>
+            <a:r>
+              <a:rPr lang="de-DE" baseline="0" dirty="0" smtClean="0"/>
+              <a:t> … , bietet UI Components die leider aufwändig in TE zu </a:t>
+            </a:r>
+            <a:r>
+              <a:rPr lang="de-DE" b="1" baseline="0" dirty="0" smtClean="0"/>
+              <a:t>integrieren was die Entwicklungsprozess verzögern</a:t>
+            </a:r>
+            <a:r>
+              <a:rPr lang="de-DE" baseline="0" dirty="0" smtClean="0"/>
+              <a:t>.</a:t>
+            </a:r>
+          </a:p>
+          <a:p>
+            <a:pPr marL="228600" indent="-228600">
+              <a:buFont typeface="+mj-lt"/>
+              <a:buAutoNum type="arabicPeriod"/>
+            </a:pPr>
+            <a:r>
+              <a:rPr lang="de-DE" baseline="0" dirty="0" smtClean="0"/>
+              <a:t>[</a:t>
+            </a:r>
+            <a:r>
+              <a:rPr lang="de-DE" b="1" baseline="0" dirty="0" smtClean="0"/>
+              <a:t>zweitens</a:t>
+            </a:r>
+            <a:r>
+              <a:rPr lang="de-DE" baseline="0" dirty="0" smtClean="0"/>
+              <a:t>] ist die SAPUI5 ist,  eine Sammlung von Controls, die erleichtern eine grafische Komponente zu realisieren, die Controls besitzen leider wenig </a:t>
+            </a:r>
+            <a:r>
+              <a:rPr lang="de-DE" b="1" baseline="0" dirty="0" smtClean="0"/>
+              <a:t>Features</a:t>
+            </a:r>
+          </a:p>
+          <a:p>
+            <a:pPr marL="228600" indent="-228600">
+              <a:buFont typeface="+mj-lt"/>
+              <a:buAutoNum type="arabicPeriod"/>
+            </a:pPr>
+            <a:r>
+              <a:rPr lang="de-DE" b="1" baseline="0" dirty="0" smtClean="0"/>
+              <a:t>[das Letzte] ist GOJS</a:t>
+            </a:r>
+            <a:r>
+              <a:rPr lang="de-DE" b="0" baseline="0" dirty="0" smtClean="0"/>
+              <a:t> hat den Vorteil gegenüber andere </a:t>
+            </a:r>
+            <a:r>
+              <a:rPr lang="de-DE" b="0" baseline="0" dirty="0" err="1" smtClean="0"/>
+              <a:t>Framworks</a:t>
+            </a:r>
+            <a:r>
+              <a:rPr lang="de-DE" b="0" baseline="0" dirty="0" smtClean="0"/>
+              <a:t> dass ein </a:t>
+            </a:r>
+            <a:r>
+              <a:rPr lang="de-DE" b="0" baseline="0" dirty="0" err="1" smtClean="0"/>
+              <a:t>vorvertiege</a:t>
+            </a:r>
+            <a:r>
+              <a:rPr lang="de-DE" b="0" baseline="0" dirty="0" smtClean="0"/>
               <a:t> </a:t>
             </a:r>
             <a:r>
-              <a:rPr lang="de-DE" dirty="0" err="1"/>
-              <a:t>zwisc</a:t>
-            </a:r>
-            <a:r>
-              <a:rPr lang="de-DE" dirty="0"/>
-              <a:t>. Komponenten sichergestellt werden. Und andere Seite soll Interface zu Datendank bereitgestellt werden.</a:t>
-            </a:r>
-          </a:p>
-          <a:p>
-            <a:r>
-              <a:rPr lang="de-DE" dirty="0"/>
-              <a:t>-- hier kommt in Einsatz welche Programmiersprache wurde unterstützt ,</a:t>
-            </a:r>
-            <a:r>
-              <a:rPr lang="de-DE" dirty="0" err="1"/>
-              <a:t>Typescript</a:t>
-            </a:r>
-            <a:r>
-              <a:rPr lang="de-DE" dirty="0"/>
-              <a:t> und </a:t>
-            </a:r>
-            <a:r>
-              <a:rPr lang="de-DE" dirty="0" err="1"/>
-              <a:t>Javascript</a:t>
-            </a:r>
-            <a:r>
-              <a:rPr lang="de-DE" dirty="0"/>
-              <a:t> sind denkbar.</a:t>
-            </a:r>
-          </a:p>
-          <a:p>
-            <a:r>
-              <a:rPr lang="de-DE" dirty="0"/>
-              <a:t>-- Diese Kategorie bezieht  sich auf die Lernkurve und alle finanzielle Ausgaben , die für die Nutzung der Frameworks entstehen.</a:t>
-            </a:r>
-          </a:p>
-          <a:p>
-            <a:r>
-              <a:rPr lang="de-DE" dirty="0"/>
-              <a:t>-- Das Konzept für Zeichnung und Behandlung</a:t>
-            </a:r>
-            <a:r>
-              <a:rPr lang="de-DE" baseline="0" dirty="0"/>
-              <a:t> der Grundelemente wie Linien, Polygone ist relativ einfach und userfreundlich…</a:t>
-            </a:r>
-          </a:p>
-          <a:p>
-            <a:r>
-              <a:rPr lang="de-DE" baseline="0" dirty="0"/>
-              <a:t>-- Ang nutzt die DI-Pattern was die Wartbarkeit der Applikation </a:t>
-            </a:r>
-            <a:r>
-              <a:rPr lang="de-DE" baseline="0" dirty="0" err="1"/>
-              <a:t>erleichern</a:t>
-            </a:r>
-            <a:endParaRPr lang="de-DE" dirty="0"/>
-          </a:p>
-          <a:p>
-            <a:endParaRPr lang="de-DE" dirty="0"/>
+              <a:rPr lang="de-DE" b="0" baseline="0" dirty="0" err="1" smtClean="0"/>
+              <a:t>Uis</a:t>
+            </a:r>
+            <a:r>
+              <a:rPr lang="de-DE" b="0" baseline="0" dirty="0" smtClean="0"/>
+              <a:t> für die Grafik </a:t>
+            </a:r>
+            <a:r>
+              <a:rPr lang="de-DE" b="0" baseline="0" dirty="0" err="1" smtClean="0"/>
+              <a:t>lieferen</a:t>
+            </a:r>
+            <a:r>
+              <a:rPr lang="de-DE" b="0" baseline="0" dirty="0" smtClean="0"/>
+              <a:t>, der Preis ist der </a:t>
+            </a:r>
+            <a:r>
+              <a:rPr lang="de-DE" b="0" baseline="0" dirty="0" err="1" smtClean="0"/>
+              <a:t>Einziege</a:t>
+            </a:r>
+            <a:r>
+              <a:rPr lang="de-DE" b="0" baseline="0" dirty="0" smtClean="0"/>
+              <a:t> Nachteil</a:t>
+            </a:r>
+            <a:endParaRPr lang="de-DE" b="1" dirty="0"/>
           </a:p>
         </p:txBody>
       </p:sp>
@@ -2129,6 +2298,38 @@
           <a:bodyPr/>
           <a:lstStyle/>
           <a:p>
+            <a:r>
+              <a:rPr lang="de-DE" dirty="0" smtClean="0"/>
+              <a:t>Als</a:t>
+            </a:r>
+            <a:r>
+              <a:rPr lang="de-DE" baseline="0" dirty="0" smtClean="0"/>
+              <a:t> Ergebnis wurde di </a:t>
+            </a:r>
+            <a:r>
+              <a:rPr lang="de-DE" baseline="0" dirty="0" err="1" smtClean="0"/>
+              <a:t>GoJS</a:t>
+            </a:r>
+            <a:r>
+              <a:rPr lang="de-DE" baseline="0" dirty="0" smtClean="0"/>
+              <a:t> gewählt. Dadurch kann den Entwicklungsprozess beschleunigt werden und die Firma Hilscher hat schon </a:t>
+            </a:r>
+            <a:r>
+              <a:rPr lang="de-DE" baseline="0" dirty="0" err="1" smtClean="0"/>
+              <a:t>GojS</a:t>
+            </a:r>
+            <a:r>
+              <a:rPr lang="de-DE" baseline="0" dirty="0" smtClean="0"/>
+              <a:t>  in anderer </a:t>
+            </a:r>
+            <a:r>
+              <a:rPr lang="de-DE" baseline="0" dirty="0" err="1" smtClean="0"/>
+              <a:t>Ableteilung</a:t>
+            </a:r>
+            <a:r>
+              <a:rPr lang="de-DE" baseline="0" dirty="0" smtClean="0"/>
+              <a:t> angewendet.</a:t>
+            </a:r>
             <a:endParaRPr lang="de-DE" dirty="0"/>
           </a:p>
         </p:txBody>
@@ -2219,81 +2420,97 @@
           <a:bodyPr/>
           <a:lstStyle/>
           <a:p>
-            <a:r>
-              <a:rPr lang="de-DE" dirty="0"/>
-              <a:t>Es wurde eine Fülle von verschiedenen Frameworks ausfindig gemacht. Um ein systematisch Vergleich durchzuführen, habe ich mir ein  Kriterienkatalog erstellt….</a:t>
-            </a:r>
-          </a:p>
-          <a:p>
-            <a:r>
-              <a:rPr lang="de-DE" dirty="0"/>
-              <a:t>--Hier zum einer Seite soll die </a:t>
-            </a:r>
-            <a:r>
-              <a:rPr lang="de-DE" dirty="0" err="1"/>
-              <a:t>Kom</a:t>
-            </a:r>
-            <a:r>
-              <a:rPr lang="de-DE" dirty="0"/>
+            <a:pPr marL="228600" indent="-228600">
+              <a:buFont typeface="+mj-lt"/>
+              <a:buAutoNum type="arabicPeriod"/>
+            </a:pPr>
+            <a:r>
+              <a:rPr lang="de-DE" dirty="0" smtClean="0"/>
+              <a:t>Für …. auch </a:t>
+            </a:r>
+            <a:r>
+              <a:rPr lang="de-DE" b="1" dirty="0" smtClean="0"/>
+              <a:t>kommen noch</a:t>
+            </a:r>
+            <a:r>
+              <a:rPr lang="de-DE" b="1" baseline="0" dirty="0" smtClean="0"/>
+              <a:t> 3 Frameworks ins Spiel.</a:t>
+            </a:r>
+          </a:p>
+          <a:p>
+            <a:pPr marL="228600" indent="-228600">
+              <a:buFont typeface="+mj-lt"/>
+              <a:buAutoNum type="arabicPeriod"/>
+            </a:pPr>
+            <a:r>
+              <a:rPr lang="de-DE" b="1" baseline="0" dirty="0" smtClean="0"/>
+              <a:t>[erstens] Vue.js </a:t>
+            </a:r>
+            <a:r>
+              <a:rPr lang="de-DE" b="0" baseline="0" dirty="0" smtClean="0"/>
+              <a:t>, die in </a:t>
+            </a:r>
+            <a:r>
+              <a:rPr lang="de-DE" b="0" baseline="0" dirty="0" err="1" smtClean="0"/>
+              <a:t>social</a:t>
+            </a:r>
+            <a:r>
+              <a:rPr lang="de-DE" b="0" baseline="0" dirty="0" smtClean="0"/>
               <a:t> </a:t>
             </a:r>
             <a:r>
-              <a:rPr lang="de-DE" dirty="0" err="1"/>
-              <a:t>zwisc</a:t>
-            </a:r>
-            <a:r>
-              <a:rPr lang="de-DE" dirty="0"/>
-              <a:t>. Komponenten sichergestellt werden. Und andere Seite soll Interface zu Datendank bereitgestellt werden.</a:t>
-            </a:r>
-          </a:p>
-          <a:p>
-            <a:r>
-              <a:rPr lang="de-DE" dirty="0"/>
-              <a:t>-- hier kommt in Einsatz welche Programmiersprache wurde unterstützt ,</a:t>
-            </a:r>
-            <a:r>
-              <a:rPr lang="de-DE" dirty="0" err="1"/>
-              <a:t>Typescript</a:t>
-            </a:r>
-            <a:r>
-              <a:rPr lang="de-DE" dirty="0"/>
-              <a:t> und </a:t>
-            </a:r>
-            <a:r>
-              <a:rPr lang="de-DE" dirty="0" err="1"/>
-              <a:t>Javascript</a:t>
-            </a:r>
-            <a:r>
-              <a:rPr lang="de-DE" dirty="0"/>
-              <a:t> sind denkbar.</a:t>
-            </a:r>
-          </a:p>
-          <a:p>
-            <a:r>
-              <a:rPr lang="de-DE" dirty="0"/>
-              <a:t>-- Diese Kategorie bezieht  sich auf die Lernkurve und alle finanzielle Ausgaben , die für die Nutzung der Frameworks entstehen.</a:t>
-            </a:r>
-          </a:p>
-          <a:p>
-            <a:r>
-              <a:rPr lang="de-DE" dirty="0"/>
-              <a:t>-- Das Konzept für Zeichnung und Behandlung</a:t>
-            </a:r>
-            <a:r>
-              <a:rPr lang="de-DE" baseline="0" dirty="0"/>
-              <a:t> der Grundelemente wie Linien, Polygone ist relativ einfach und userfreundlich…</a:t>
-            </a:r>
-          </a:p>
-          <a:p>
-            <a:r>
-              <a:rPr lang="de-DE" baseline="0" dirty="0"/>
-              <a:t>-- Ang nutzt die DI-Pattern was die Wartbarkeit der Applikation </a:t>
-            </a:r>
-            <a:r>
-              <a:rPr lang="de-DE" baseline="0" dirty="0" err="1"/>
-              <a:t>erleichern</a:t>
-            </a:r>
-            <a:endParaRPr lang="de-DE" dirty="0"/>
+              <a:rPr lang="de-DE" b="0" baseline="0" dirty="0" err="1" smtClean="0"/>
+              <a:t>netzwerk</a:t>
+            </a:r>
+            <a:r>
+              <a:rPr lang="de-DE" b="0" baseline="0" dirty="0" smtClean="0"/>
+              <a:t> Twitter angewendet ist. Ist </a:t>
+            </a:r>
+            <a:r>
+              <a:rPr lang="de-DE" b="1" baseline="0" dirty="0" smtClean="0"/>
+              <a:t>sehr stark von Angular inspirieren </a:t>
+            </a:r>
+          </a:p>
+          <a:p>
+            <a:pPr marL="228600" indent="-228600">
+              <a:buFont typeface="+mj-lt"/>
+              <a:buAutoNum type="arabicPeriod"/>
+            </a:pPr>
+            <a:r>
+              <a:rPr lang="de-DE" b="1" baseline="0" dirty="0" smtClean="0"/>
+              <a:t>[zweitens] React.js </a:t>
+            </a:r>
+            <a:r>
+              <a:rPr lang="de-DE" b="0" baseline="0" dirty="0" smtClean="0"/>
+              <a:t>von der Firma Facebook bietet einen guten Mechanismus für die Strukturierung einer Applikation aber die Codebasis ist nicht </a:t>
+            </a:r>
+            <a:r>
+              <a:rPr lang="de-DE" b="1" baseline="0" dirty="0" smtClean="0"/>
+              <a:t>übersichtlich</a:t>
+            </a:r>
+          </a:p>
+          <a:p>
+            <a:pPr marL="228600" indent="-228600">
+              <a:buFont typeface="+mj-lt"/>
+              <a:buAutoNum type="arabicPeriod"/>
+            </a:pPr>
+            <a:r>
+              <a:rPr lang="de-DE" b="1" baseline="0" dirty="0" smtClean="0"/>
+              <a:t>[die letzte ] ist Angular von der </a:t>
+            </a:r>
+            <a:r>
+              <a:rPr lang="de-DE" b="1" baseline="0" dirty="0" err="1" smtClean="0"/>
+              <a:t>firma</a:t>
+            </a:r>
+            <a:r>
+              <a:rPr lang="de-DE" b="1" baseline="0" dirty="0" smtClean="0"/>
+              <a:t> Google. </a:t>
+            </a:r>
+            <a:r>
+              <a:rPr lang="de-DE" b="0" baseline="0" dirty="0" smtClean="0"/>
+              <a:t>Die Modular-Pattern macht Angular einzigartig.</a:t>
+            </a:r>
+            <a:endParaRPr lang="de-DE" b="1" dirty="0"/>
           </a:p>
           <a:p>
             <a:endParaRPr lang="de-DE" dirty="0"/>
@@ -2387,82 +2604,21 @@
           <a:lstStyle/>
           <a:p>
             <a:r>
-              <a:rPr lang="de-DE" dirty="0"/>
-              <a:t>Es wurde eine Fülle von verschiedenen Frameworks ausfindig gemacht. Um ein systematisch Vergleich durchzuführen, habe ich mir ein  Kriterienkatalog erstellt….</a:t>
-            </a:r>
-          </a:p>
-          <a:p>
-            <a:r>
-              <a:rPr lang="de-DE" dirty="0"/>
-              <a:t>--Hier zum einer Seite soll die </a:t>
-            </a:r>
-            <a:r>
-              <a:rPr lang="de-DE" dirty="0" err="1"/>
-              <a:t>Kom</a:t>
-            </a:r>
-            <a:r>
-              <a:rPr lang="de-DE" dirty="0"/>
-              <a:t> </a:t>
-            </a:r>
-            <a:r>
-              <a:rPr lang="de-DE" dirty="0" err="1"/>
-              <a:t>zwisc</a:t>
-            </a:r>
-            <a:r>
-              <a:rPr lang="de-DE" dirty="0"/>
-              <a:t>. Komponenten sichergestellt werden. Und andere Seite soll Interface zu Datendank bereitgestellt werden.</a:t>
-            </a:r>
-          </a:p>
-          <a:p>
-            <a:r>
-              <a:rPr lang="de-DE" dirty="0"/>
-              <a:t>-- hier kommt in Einsatz welche Programmiersprache wurde unterstützt ,</a:t>
-            </a:r>
-            <a:r>
-              <a:rPr lang="de-DE" dirty="0" err="1"/>
-              <a:t>Typescript</a:t>
-            </a:r>
-            <a:r>
-              <a:rPr lang="de-DE" dirty="0"/>
-              <a:t> und </a:t>
-            </a:r>
-            <a:r>
-              <a:rPr lang="de-DE" dirty="0" err="1"/>
-              <a:t>Javascript</a:t>
-            </a:r>
-            <a:r>
-              <a:rPr lang="de-DE" dirty="0"/>
-              <a:t> sind denkbar.</a:t>
-            </a:r>
-          </a:p>
-          <a:p>
-            <a:r>
-              <a:rPr lang="de-DE" dirty="0"/>
-              <a:t>-- Diese Kategorie bezieht  sich auf die Lernkurve und alle finanzielle Ausgaben , die für die Nutzung der Frameworks entstehen.</a:t>
-            </a:r>
-          </a:p>
-          <a:p>
-            <a:r>
-              <a:rPr lang="de-DE" dirty="0"/>
-              <a:t>-- Das Konzept für Zeichnung und Behandlung</a:t>
-            </a:r>
-            <a:r>
-              <a:rPr lang="de-DE" baseline="0" dirty="0"/>
-              <a:t> der Grundelemente wie Linien, Polygone ist relativ einfach und userfreundlich…</a:t>
-            </a:r>
-          </a:p>
-          <a:p>
-            <a:r>
-              <a:rPr lang="de-DE" baseline="0" dirty="0"/>
-              <a:t>-- Ang nutzt die DI-Pattern was die Wartbarkeit der Applikation </a:t>
-            </a:r>
-            <a:r>
-              <a:rPr lang="de-DE" baseline="0" dirty="0" err="1"/>
-              <a:t>erleichern</a:t>
-            </a:r>
-            <a:endParaRPr lang="de-DE" dirty="0"/>
-          </a:p>
-          <a:p>
+              <a:rPr lang="de-DE" dirty="0" smtClean="0"/>
+              <a:t>Am</a:t>
+            </a:r>
+            <a:r>
+              <a:rPr lang="de-DE" baseline="0" dirty="0" smtClean="0"/>
+              <a:t> Ende wurde die Angular Framework gewählt. CS besitzt sogar schon ein </a:t>
+            </a:r>
+            <a:r>
+              <a:rPr lang="de-DE" baseline="0" dirty="0" err="1" smtClean="0"/>
+              <a:t>Plugin</a:t>
+            </a:r>
+            <a:r>
+              <a:rPr lang="de-DE" baseline="0" dirty="0" smtClean="0"/>
+              <a:t> die  auf Angular basiert.</a:t>
+            </a:r>
             <a:endParaRPr lang="de-DE" dirty="0"/>
           </a:p>
         </p:txBody>
@@ -2554,41 +2710,14 @@
           <a:lstStyle/>
           <a:p>
             <a:r>
-              <a:rPr lang="de-DE" dirty="0"/>
-              <a:t>Mein Vortrag besteht aus folgenden Teilen: </a:t>
-            </a:r>
-            <a:r>
-              <a:rPr lang="de-DE" b="1" i="1" dirty="0"/>
-              <a:t>Erstens</a:t>
-            </a:r>
-            <a:r>
-              <a:rPr lang="de-DE" dirty="0"/>
-              <a:t> [spreche ich über die Einleitung warum eine grafische Komponente entstehen soll, welche Zeile im erreicht werden sollen], </a:t>
-            </a:r>
-            <a:r>
-              <a:rPr lang="de-DE" b="1" dirty="0"/>
-              <a:t>zweitens</a:t>
-            </a:r>
-            <a:r>
-              <a:rPr lang="de-DE" dirty="0"/>
-              <a:t> [wird über die Grundlage der Topologie eingegangen und dann analysiere ich einige Anforderungen], </a:t>
-            </a:r>
-            <a:r>
-              <a:rPr lang="de-DE" b="1" dirty="0"/>
-              <a:t>drittens</a:t>
-            </a:r>
-            <a:r>
-              <a:rPr lang="de-DE" dirty="0"/>
-              <a:t> [spreche ich ausführlich über die 3 Ergebnisse, die in Laufe der MA herausgegeben wurden]. </a:t>
-            </a:r>
-            <a:r>
-              <a:rPr lang="de-DE" b="1" dirty="0"/>
-              <a:t>Zum Schluss  </a:t>
-            </a:r>
-            <a:r>
-              <a:rPr lang="de-DE" dirty="0"/>
-              <a:t>gibt es noch einige Fakten zur grafischen Komponenten.</a:t>
-            </a:r>
+              <a:rPr lang="de-DE" b="1" dirty="0" smtClean="0"/>
+              <a:t>Ich möchte an dieser Stelle </a:t>
+            </a:r>
+            <a:r>
+              <a:rPr lang="de-DE" b="1" baseline="0" dirty="0" smtClean="0"/>
+              <a:t> auf das Kernkonzept der TE eingehen</a:t>
+            </a:r>
+            <a:endParaRPr lang="de-DE" b="1" dirty="0"/>
           </a:p>
         </p:txBody>
       </p:sp>
@@ -2678,6 +2807,147 @@
           <a:bodyPr/>
           <a:lstStyle/>
           <a:p>
+            <a:pPr marL="228600" indent="-228600">
+              <a:buFont typeface="+mj-lt"/>
+              <a:buAutoNum type="arabicPeriod"/>
+            </a:pPr>
+            <a:r>
+              <a:rPr lang="de-DE" dirty="0" smtClean="0"/>
+              <a:t>Die Abb.</a:t>
+            </a:r>
+            <a:r>
+              <a:rPr lang="de-DE" baseline="0" dirty="0" smtClean="0"/>
+              <a:t> </a:t>
+            </a:r>
+            <a:r>
+              <a:rPr lang="de-DE" dirty="0" smtClean="0"/>
+              <a:t>zeigt die </a:t>
+            </a:r>
+            <a:r>
+              <a:rPr lang="de-DE" b="1" dirty="0" smtClean="0"/>
+              <a:t>Datenhandhabungskonzept </a:t>
+            </a:r>
+            <a:r>
+              <a:rPr lang="de-DE" dirty="0" smtClean="0"/>
+              <a:t>für die TE. Die beide gerundeten Rechtecke repräsentieren die feldbusspezifische Geräten. TE besteht aus 2 Hauptkomponenten: TES und TEC </a:t>
+            </a:r>
+          </a:p>
+          <a:p>
+            <a:pPr marL="228600" indent="-228600">
+              <a:buFont typeface="+mj-lt"/>
+              <a:buAutoNum type="arabicPeriod"/>
+            </a:pPr>
+            <a:r>
+              <a:rPr lang="de-DE" dirty="0" smtClean="0"/>
+              <a:t>Server umfasst die Kernfunktionen wie </a:t>
+            </a:r>
+            <a:r>
+              <a:rPr lang="de-DE" b="1" dirty="0" smtClean="0"/>
+              <a:t>das Parsen der protokollneutralen Gerät-Informationen, erstellt, aktualisiert und löscht eine Topologie-Modell</a:t>
+            </a:r>
+            <a:r>
+              <a:rPr lang="de-DE" dirty="0" smtClean="0"/>
+              <a:t>. Darüber hinaus  bietet er einen </a:t>
+            </a:r>
+            <a:r>
+              <a:rPr lang="de-DE" b="1" dirty="0" smtClean="0"/>
+              <a:t>Mechanismus für Laden&amp; Speicher von Daten und Fehlerbehandlungen </a:t>
+            </a:r>
+          </a:p>
+          <a:p>
+            <a:pPr marL="228600" indent="-228600">
+              <a:buFont typeface="+mj-lt"/>
+              <a:buAutoNum type="arabicPeriod"/>
+            </a:pPr>
+            <a:r>
+              <a:rPr lang="de-DE" dirty="0" smtClean="0"/>
+              <a:t>Client verwendet das HTTP-P um die Topologie-Information abzufragen und bietet eine Benutzerfreundlichkeit für die Visualisierung.</a:t>
+            </a:r>
+          </a:p>
+          <a:p>
+            <a:pPr marL="228600" indent="-228600">
+              <a:buFont typeface="+mj-lt"/>
+              <a:buAutoNum type="arabicPeriod"/>
+            </a:pPr>
+            <a:r>
+              <a:rPr lang="de-DE" dirty="0" smtClean="0"/>
+              <a:t>Datenübertragung geschehen</a:t>
+            </a:r>
+            <a:r>
+              <a:rPr lang="de-DE" baseline="0" dirty="0" smtClean="0"/>
+              <a:t> </a:t>
+            </a:r>
+            <a:r>
+              <a:rPr lang="de-DE" b="1" baseline="0" dirty="0" smtClean="0"/>
+              <a:t>über JSON-Format</a:t>
+            </a:r>
+            <a:r>
+              <a:rPr lang="de-DE" baseline="0" dirty="0" smtClean="0"/>
+              <a:t>.</a:t>
+            </a:r>
+          </a:p>
+          <a:p>
+            <a:pPr marL="228600" indent="-228600">
+              <a:buFont typeface="+mj-lt"/>
+              <a:buAutoNum type="arabicPeriod"/>
+            </a:pPr>
+            <a:r>
+              <a:rPr lang="de-DE" baseline="0" dirty="0" smtClean="0"/>
+              <a:t>Die 1 ist die Schnittstelle die erlaubt die existierenden Topologische Information über </a:t>
+            </a:r>
+            <a:r>
+              <a:rPr lang="de-DE" baseline="0" dirty="0" err="1" smtClean="0"/>
+              <a:t>ComStudio</a:t>
+            </a:r>
+            <a:r>
+              <a:rPr lang="de-DE" baseline="0" dirty="0" smtClean="0"/>
+              <a:t> zu holen</a:t>
+            </a:r>
+          </a:p>
+          <a:p>
+            <a:pPr marL="228600" indent="-228600">
+              <a:buFont typeface="+mj-lt"/>
+              <a:buAutoNum type="arabicPeriod"/>
+            </a:pPr>
+            <a:r>
+              <a:rPr lang="de-DE" baseline="0" dirty="0" smtClean="0"/>
+              <a:t>Die 2 bietet die Möglichkeit die probus-gerät über </a:t>
+            </a:r>
+            <a:r>
+              <a:rPr lang="de-DE" baseline="0" dirty="0" err="1" smtClean="0"/>
+              <a:t>ComStudio</a:t>
+            </a:r>
+            <a:r>
+              <a:rPr lang="de-DE" baseline="0" dirty="0" smtClean="0"/>
+              <a:t> anzusprechen.</a:t>
+            </a:r>
+          </a:p>
+          <a:p>
+            <a:pPr marL="228600" indent="-228600">
+              <a:buFont typeface="+mj-lt"/>
+              <a:buAutoNum type="arabicPeriod"/>
+            </a:pPr>
+            <a:r>
+              <a:rPr lang="de-DE" baseline="0" dirty="0" smtClean="0"/>
+              <a:t>Die 3 ist das selbe Prinzip für die </a:t>
+            </a:r>
+            <a:r>
+              <a:rPr lang="de-DE" baseline="0" dirty="0" err="1" smtClean="0"/>
+              <a:t>Profinet</a:t>
+            </a:r>
+            <a:r>
+              <a:rPr lang="de-DE" baseline="0" dirty="0" smtClean="0"/>
+              <a:t>-gerät </a:t>
+            </a:r>
+          </a:p>
+          <a:p>
+            <a:pPr marL="0" indent="0">
+              <a:buFont typeface="+mj-lt"/>
+              <a:buNone/>
+            </a:pPr>
+            <a:endParaRPr lang="de-DE" dirty="0" smtClean="0"/>
+          </a:p>
+          <a:p>
             <a:endParaRPr lang="de-DE" dirty="0"/>
           </a:p>
         </p:txBody>
@@ -2957,6 +3227,92 @@
           <a:bodyPr/>
           <a:lstStyle/>
           <a:p>
+            <a:pPr marL="228600" marR="0" lvl="0" indent="-228600" algn="l" defTabSz="914400" rtl="0" eaLnBrk="0" fontAlgn="base" latinLnBrk="0" hangingPunct="0">
+              <a:lnSpc>
+                <a:spcPct val="100000"/>
+              </a:lnSpc>
+              <a:spcBef>
+                <a:spcPct val="30000"/>
+              </a:spcBef>
+              <a:spcAft>
+                <a:spcPct val="0"/>
+              </a:spcAft>
+              <a:buClrTx/>
+              <a:buSzTx/>
+              <a:buFont typeface="+mj-lt"/>
+              <a:buAutoNum type="arabicPeriod"/>
+              <a:tabLst/>
+              <a:defRPr/>
+            </a:pPr>
+            <a:r>
+              <a:rPr lang="de-DE" baseline="0" dirty="0" smtClean="0"/>
+              <a:t>Wenn ein neues Gerät wie </a:t>
+            </a:r>
+            <a:r>
+              <a:rPr lang="de-DE" baseline="0" dirty="0" err="1" smtClean="0"/>
+              <a:t>CANoPEN</a:t>
+            </a:r>
+            <a:r>
+              <a:rPr lang="de-DE" baseline="0" dirty="0" smtClean="0"/>
+              <a:t>-Gerät verwenden soll, soll nur eine </a:t>
+            </a:r>
+            <a:r>
+              <a:rPr lang="de-DE" baseline="0" dirty="0" err="1" smtClean="0"/>
+              <a:t>Schnistelle</a:t>
+            </a:r>
+            <a:r>
+              <a:rPr lang="de-DE" baseline="0" dirty="0" smtClean="0"/>
+              <a:t> für die Datenabfrage realisiert werden </a:t>
+            </a:r>
+          </a:p>
+          <a:p>
+            <a:pPr marL="0" marR="0" lvl="0" indent="0" algn="l" defTabSz="914400" rtl="0" eaLnBrk="0" fontAlgn="base" latinLnBrk="0" hangingPunct="0">
+              <a:lnSpc>
+                <a:spcPct val="100000"/>
+              </a:lnSpc>
+              <a:spcBef>
+                <a:spcPct val="30000"/>
+              </a:spcBef>
+              <a:spcAft>
+                <a:spcPct val="0"/>
+              </a:spcAft>
+              <a:buClrTx/>
+              <a:buSzTx/>
+              <a:buFontTx/>
+              <a:buNone/>
+              <a:tabLst/>
+              <a:defRPr/>
+            </a:pPr>
+            <a:r>
+              <a:rPr lang="de-DE" baseline="0" dirty="0" smtClean="0"/>
+              <a:t>Der Server </a:t>
+            </a:r>
+            <a:r>
+              <a:rPr lang="de-DE" b="1" baseline="0" dirty="0" smtClean="0"/>
+              <a:t>nimmt die feldbusabhängige Information entgegen </a:t>
+            </a:r>
+            <a:r>
+              <a:rPr lang="de-DE" baseline="0" dirty="0" smtClean="0"/>
+              <a:t>und </a:t>
+            </a:r>
+            <a:r>
+              <a:rPr lang="de-DE" baseline="0" dirty="0" err="1" smtClean="0"/>
+              <a:t>parser</a:t>
+            </a:r>
+            <a:r>
+              <a:rPr lang="de-DE" baseline="0" dirty="0" smtClean="0"/>
+              <a:t> sie </a:t>
+            </a:r>
+            <a:r>
+              <a:rPr lang="de-DE" b="1" baseline="0" dirty="0" smtClean="0"/>
+              <a:t>zu protokollneutrale Information </a:t>
+            </a:r>
+            <a:r>
+              <a:rPr lang="de-DE" baseline="0" dirty="0" smtClean="0"/>
+              <a:t>und senden an Client. </a:t>
+            </a:r>
+          </a:p>
+          <a:p>
             <a:endParaRPr lang="de-DE" dirty="0"/>
           </a:p>
         </p:txBody>
@@ -3047,9 +3403,13 @@
           <a:bodyPr/>
           <a:lstStyle/>
           <a:p>
-            <a:r>
-              <a:rPr lang="de-DE" dirty="0"/>
-              <a:t>-Das </a:t>
+            <a:pPr marL="228600" indent="-228600">
+              <a:buFont typeface="+mj-lt"/>
+              <a:buAutoNum type="arabicPeriod"/>
+            </a:pPr>
+            <a:r>
+              <a:rPr lang="de-DE" dirty="0" smtClean="0"/>
+              <a:t>Das </a:t>
             </a:r>
             <a:r>
               <a:rPr lang="de-DE" dirty="0" err="1"/>
@@ -3061,13 +3421,75 @@
             </a:r>
             <a:r>
               <a:rPr lang="de-DE" baseline="0" dirty="0"/>
-              <a:t> Zeigt die Grunddaten einer Topologie, die von Client Konsumiert werden soll. Es handelt sich um ein Key-Value-Paare. Der erste Schlüssel systemtag…</a:t>
-            </a:r>
-          </a:p>
-          <a:p>
-            <a:r>
-              <a:rPr lang="de-DE" baseline="0" dirty="0"/>
-              <a:t>- Die </a:t>
+              <a:t> Zeigt die Grunddaten einer Topologie, die von Client Konsumiert werden soll. </a:t>
+            </a:r>
+            <a:r>
+              <a:rPr lang="de-DE" b="1" baseline="0" dirty="0"/>
+              <a:t>Es handelt sich um ein Key-Value-Paare. </a:t>
+            </a:r>
+            <a:endParaRPr lang="de-DE" b="1" baseline="0" dirty="0" smtClean="0"/>
+          </a:p>
+          <a:p>
+            <a:pPr marL="228600" indent="-228600">
+              <a:buFont typeface="+mj-lt"/>
+              <a:buAutoNum type="arabicPeriod"/>
+            </a:pPr>
+            <a:r>
+              <a:rPr lang="de-DE" baseline="0" dirty="0" smtClean="0"/>
+              <a:t>Der </a:t>
+            </a:r>
+            <a:r>
+              <a:rPr lang="de-DE" b="1" baseline="0" dirty="0"/>
+              <a:t>erste </a:t>
+            </a:r>
+            <a:r>
+              <a:rPr lang="de-DE" b="1" baseline="0" dirty="0" smtClean="0"/>
+              <a:t>Schlüssel ist systemtag</a:t>
+            </a:r>
+            <a:r>
+              <a:rPr lang="de-DE" baseline="0" dirty="0" smtClean="0"/>
+              <a:t>,  er bietet eine Möglichkeit </a:t>
+            </a:r>
+            <a:r>
+              <a:rPr lang="de-DE" b="1" baseline="0" dirty="0" smtClean="0"/>
+              <a:t>ein Gerät eindeutig zu </a:t>
+            </a:r>
+            <a:r>
+              <a:rPr lang="de-DE" baseline="0" dirty="0" smtClean="0"/>
+              <a:t>identifizieren.</a:t>
+            </a:r>
+          </a:p>
+          <a:p>
+            <a:pPr marL="228600" indent="-228600">
+              <a:buFont typeface="+mj-lt"/>
+              <a:buAutoNum type="arabicPeriod"/>
+            </a:pPr>
+            <a:r>
+              <a:rPr lang="de-DE" baseline="0" dirty="0" smtClean="0"/>
+              <a:t>Der Gerätename und die </a:t>
+            </a:r>
+            <a:r>
+              <a:rPr lang="de-DE" b="1" baseline="0" dirty="0" smtClean="0"/>
+              <a:t>Station-</a:t>
+            </a:r>
+            <a:r>
+              <a:rPr lang="de-DE" b="1" baseline="0" dirty="0" err="1" smtClean="0"/>
+              <a:t>Addresse</a:t>
+            </a:r>
+            <a:r>
+              <a:rPr lang="de-DE" b="1" baseline="0" dirty="0" smtClean="0"/>
+              <a:t> können auch abgefragt werden mit jeweils schlüsseln</a:t>
+            </a:r>
+            <a:endParaRPr lang="de-DE" b="1" baseline="0" dirty="0"/>
+          </a:p>
+          <a:p>
+            <a:pPr marL="228600" indent="-228600">
+              <a:buFont typeface="+mj-lt"/>
+              <a:buAutoNum type="arabicPeriod"/>
+            </a:pPr>
+            <a:r>
+              <a:rPr lang="de-DE" baseline="0" dirty="0" smtClean="0"/>
+              <a:t>Die </a:t>
             </a:r>
             <a:r>
               <a:rPr lang="de-DE" baseline="0" dirty="0" err="1"/>
@@ -3075,15 +3497,7 @@
             </a:r>
             <a:r>
               <a:rPr lang="de-DE" baseline="0" dirty="0"/>
-              <a:t> besitzt eine Liste von Ports wo die jeweils Verbindung abgeschlossen werden. Mit </a:t>
-            </a:r>
-            <a:r>
-              <a:rPr lang="de-DE" baseline="0" dirty="0" err="1"/>
-              <a:t>deviceList-key</a:t>
-            </a:r>
-            <a:r>
-              <a:rPr lang="de-DE" baseline="0" dirty="0"/>
-              <a:t> listet sie eine Liste der restliche Geräten.</a:t>
+              <a:t> besitzt eine Liste von Ports wo die jeweils Verbindung abgeschlossen werden. </a:t>
             </a:r>
             <a:endParaRPr lang="de-DE" dirty="0"/>
           </a:p>
@@ -3177,64 +3591,135 @@
           <a:p>
             <a:r>
               <a:rPr lang="de-DE" dirty="0"/>
-              <a:t>Das 2te Jason Format beschreibt die liste der Verbindung in Netz. </a:t>
-            </a:r>
-            <a:r>
-              <a:rPr lang="de-DE" dirty="0" err="1"/>
+              <a:t>Das 2te </a:t>
+            </a:r>
+            <a:r>
+              <a:rPr lang="de-DE" dirty="0" err="1" smtClean="0"/>
+              <a:t>JSon</a:t>
+            </a:r>
+            <a:r>
+              <a:rPr lang="de-DE" dirty="0" smtClean="0"/>
+              <a:t> </a:t>
+            </a:r>
+            <a:r>
+              <a:rPr lang="de-DE" dirty="0"/>
+              <a:t>Format beschreibt die liste der Verbindung in Netz</a:t>
+            </a:r>
+            <a:r>
+              <a:rPr lang="de-DE" dirty="0" smtClean="0"/>
+              <a:t>.</a:t>
+            </a:r>
+          </a:p>
+          <a:p>
+            <a:pPr marL="228600" indent="-228600">
+              <a:buFont typeface="+mj-lt"/>
+              <a:buAutoNum type="arabicPeriod"/>
+            </a:pPr>
+            <a:r>
+              <a:rPr lang="de-DE" dirty="0" smtClean="0"/>
+              <a:t> </a:t>
+            </a:r>
+            <a:r>
+              <a:rPr lang="de-DE" b="1" dirty="0" err="1"/>
               <a:t>From</a:t>
             </a:r>
             <a:r>
-              <a:rPr lang="de-DE" dirty="0"/>
+              <a:rPr lang="de-DE" b="1" dirty="0"/>
               <a:t> und </a:t>
             </a:r>
             <a:r>
-              <a:rPr lang="de-DE" dirty="0" err="1"/>
-              <a:t>to</a:t>
-            </a:r>
-            <a:r>
-              <a:rPr lang="de-DE" dirty="0"/>
-              <a:t> sind die systemtag der Quelle </a:t>
-            </a:r>
-            <a:r>
-              <a:rPr lang="de-DE" dirty="0" err="1"/>
-              <a:t>nd</a:t>
-            </a:r>
-            <a:r>
-              <a:rPr lang="de-DE" dirty="0"/>
-              <a:t> Ziel-Geräts. Mit </a:t>
-            </a:r>
-            <a:r>
-              <a:rPr lang="de-DE" dirty="0" err="1"/>
+              <a:rPr lang="de-DE" b="1" dirty="0" err="1" smtClean="0"/>
+              <a:t>To</a:t>
+            </a:r>
+            <a:r>
+              <a:rPr lang="de-DE" b="1" dirty="0" smtClean="0"/>
+              <a:t> Schlüssel repräsentieren  der Quell-</a:t>
+            </a:r>
+            <a:r>
+              <a:rPr lang="de-DE" b="1" baseline="0" dirty="0" smtClean="0"/>
+              <a:t> </a:t>
+            </a:r>
+            <a:r>
+              <a:rPr lang="de-DE" b="1" dirty="0" smtClean="0"/>
+              <a:t>und </a:t>
+            </a:r>
+            <a:r>
+              <a:rPr lang="de-DE" b="1" dirty="0" err="1" smtClean="0"/>
+              <a:t>ZielGeräts</a:t>
+            </a:r>
+            <a:r>
+              <a:rPr lang="de-DE" dirty="0" smtClean="0"/>
+              <a:t>.</a:t>
+            </a:r>
+          </a:p>
+          <a:p>
+            <a:pPr marL="228600" indent="-228600">
+              <a:buFont typeface="+mj-lt"/>
+              <a:buAutoNum type="arabicPeriod"/>
+            </a:pPr>
+            <a:r>
+              <a:rPr lang="de-DE" b="1" dirty="0" err="1" smtClean="0"/>
+              <a:t>FromPort</a:t>
+            </a:r>
+            <a:r>
+              <a:rPr lang="de-DE" b="1" baseline="0" dirty="0" smtClean="0"/>
+              <a:t> und </a:t>
+            </a:r>
+            <a:r>
+              <a:rPr lang="de-DE" b="1" baseline="0" dirty="0" err="1" smtClean="0"/>
+              <a:t>ToPort</a:t>
+            </a:r>
+            <a:r>
+              <a:rPr lang="de-DE" b="1" baseline="0" dirty="0" smtClean="0"/>
+              <a:t> Schlüssel repräsentieren die Ports der jeweils Geräten</a:t>
+            </a:r>
+            <a:r>
+              <a:rPr lang="de-DE" b="1" dirty="0" smtClean="0"/>
+              <a:t> </a:t>
+            </a:r>
+          </a:p>
+          <a:p>
+            <a:pPr marL="228600" indent="-228600">
+              <a:buFont typeface="+mj-lt"/>
+              <a:buAutoNum type="arabicPeriod"/>
+            </a:pPr>
+            <a:r>
+              <a:rPr lang="de-DE" dirty="0" smtClean="0"/>
+              <a:t>Mit </a:t>
+            </a:r>
+            <a:r>
+              <a:rPr lang="de-DE" dirty="0" err="1" smtClean="0"/>
               <a:t>linkColor</a:t>
             </a:r>
             <a:r>
-              <a:rPr lang="de-DE" dirty="0"/>
+              <a:rPr lang="de-DE" dirty="0" smtClean="0"/>
               <a:t> kann die Farbe der </a:t>
             </a:r>
             <a:r>
-              <a:rPr lang="de-DE" dirty="0" err="1"/>
+              <a:rPr lang="de-DE" dirty="0" err="1" smtClean="0"/>
               <a:t>Linen</a:t>
             </a:r>
             <a:r>
-              <a:rPr lang="de-DE" dirty="0"/>
+              <a:rPr lang="de-DE" dirty="0" smtClean="0"/>
               <a:t> definiert. Zum </a:t>
             </a:r>
             <a:r>
-              <a:rPr lang="de-DE" dirty="0" err="1"/>
+              <a:rPr lang="de-DE" dirty="0" err="1" smtClean="0"/>
               <a:t>Besipe</a:t>
             </a:r>
             <a:r>
-              <a:rPr lang="de-DE" dirty="0"/>
+              <a:rPr lang="de-DE" dirty="0" smtClean="0"/>
               <a:t> bei </a:t>
             </a:r>
             <a:r>
-              <a:rPr lang="de-DE" dirty="0" err="1"/>
+              <a:rPr lang="de-DE" dirty="0" err="1" smtClean="0"/>
               <a:t>Profubis</a:t>
             </a:r>
             <a:r>
-              <a:rPr lang="de-DE" dirty="0"/>
+              <a:rPr lang="de-DE" dirty="0" smtClean="0"/>
               <a:t> ist grün.</a:t>
             </a:r>
+            <a:endParaRPr lang="de-DE" dirty="0"/>
           </a:p>
         </p:txBody>
       </p:sp>
@@ -3748,41 +4233,14 @@
           <a:lstStyle/>
           <a:p>
             <a:r>
-              <a:rPr lang="de-DE" dirty="0"/>
-              <a:t>Mein Vortrag besteht aus folgenden Teilen: </a:t>
-            </a:r>
-            <a:r>
-              <a:rPr lang="de-DE" b="1" i="1" dirty="0"/>
-              <a:t>Erstens</a:t>
-            </a:r>
-            <a:r>
-              <a:rPr lang="de-DE" dirty="0"/>
-              <a:t> [spreche ich über die Einleitung warum eine grafische Komponente entstehen soll, welche Zeile im erreicht werden sollen], </a:t>
-            </a:r>
-            <a:r>
-              <a:rPr lang="de-DE" b="1" dirty="0"/>
-              <a:t>zweitens</a:t>
-            </a:r>
-            <a:r>
-              <a:rPr lang="de-DE" dirty="0"/>
-              <a:t> [wird über die Grundlage der Topologie eingegangen und dann analysiere ich einige Anforderungen], </a:t>
-            </a:r>
-            <a:r>
-              <a:rPr lang="de-DE" b="1" dirty="0"/>
-              <a:t>drittens</a:t>
-            </a:r>
-            <a:r>
-              <a:rPr lang="de-DE" dirty="0"/>
-              <a:t> [spreche ich ausführlich über die 3 Ergebnisse, die in Laufe der MA herausgegeben wurden]. </a:t>
-            </a:r>
-            <a:r>
-              <a:rPr lang="de-DE" b="1" dirty="0"/>
-              <a:t>Zum Schluss  </a:t>
-            </a:r>
-            <a:r>
-              <a:rPr lang="de-DE" dirty="0"/>
-              <a:t>gibt es noch einige Fakten zur grafischen Komponenten.</a:t>
-            </a:r>
+              <a:rPr lang="de-DE" b="1" dirty="0" smtClean="0"/>
+              <a:t>In der</a:t>
+            </a:r>
+            <a:r>
+              <a:rPr lang="de-DE" b="1" baseline="0" dirty="0" smtClean="0"/>
+              <a:t> letzten Kapitel spreche über die Fakten zu grafischen Komponente</a:t>
+            </a:r>
+            <a:endParaRPr lang="de-DE" b="1" dirty="0"/>
           </a:p>
         </p:txBody>
       </p:sp>
@@ -3873,8 +4331,12 @@
           <a:lstStyle/>
           <a:p>
             <a:r>
+              <a:rPr lang="de-DE" b="1" dirty="0"/>
+              <a:t>Verbalisieren</a:t>
+            </a:r>
+            <a:r>
               <a:rPr lang="de-DE" dirty="0"/>
-              <a:t>Verbalisieren..</a:t>
+              <a:t>..</a:t>
             </a:r>
           </a:p>
           <a:p>
@@ -5843,7 +6305,7 @@
             </a:pPr>
             <a:fld id="{4B708C82-F8E6-409C-A676-C60AAC2DF97E}" type="datetime1">
               <a:rPr lang="de-DE" smtClean="0"/>
-              <a:t>08.08.2018</a:t>
+              <a:t>09.08.2018</a:t>
             </a:fld>
             <a:endParaRPr lang="de-DE" dirty="0"/>
           </a:p>
@@ -6649,7 +7111,7 @@
             </a:pPr>
             <a:fld id="{1358CD6C-0E6F-4ABB-ADE4-8B8CA0893236}" type="datetime1">
               <a:rPr lang="de-DE" smtClean="0"/>
-              <a:t>08.08.2018</a:t>
+              <a:t>09.08.2018</a:t>
             </a:fld>
             <a:endParaRPr lang="de-DE" dirty="0"/>
           </a:p>
@@ -6996,7 +7458,7 @@
             </a:pPr>
             <a:fld id="{AA87D1F3-9BDC-4C2A-AADC-0D1455A8CA1D}" type="datetime1">
               <a:rPr lang="de-DE" smtClean="0"/>
-              <a:t>08.08.2018</a:t>
+              <a:t>09.08.2018</a:t>
             </a:fld>
             <a:endParaRPr lang="de-DE" dirty="0"/>
           </a:p>
@@ -7332,7 +7794,7 @@
             </a:pPr>
             <a:fld id="{ACC95346-7D0D-4BB2-B12E-431360D2B8E0}" type="datetime1">
               <a:rPr lang="de-DE" smtClean="0"/>
-              <a:t>08.08.2018</a:t>
+              <a:t>09.08.2018</a:t>
             </a:fld>
             <a:endParaRPr lang="de-DE" dirty="0"/>
           </a:p>
@@ -7653,7 +8115,7 @@
             </a:pPr>
             <a:fld id="{C897D868-5813-46E7-8C6D-DB464A27969A}" type="datetime1">
               <a:rPr lang="de-DE" smtClean="0"/>
-              <a:t>08.08.2018</a:t>
+              <a:t>09.08.2018</a:t>
             </a:fld>
             <a:endParaRPr lang="de-DE" dirty="0"/>
           </a:p>
@@ -7974,7 +8436,7 @@
             </a:pPr>
             <a:fld id="{F2B59603-8392-42ED-9FD2-89EB8695C0BE}" type="datetime1">
               <a:rPr lang="de-DE" smtClean="0"/>
-              <a:t>08.08.2018</a:t>
+              <a:t>09.08.2018</a:t>
             </a:fld>
             <a:endParaRPr lang="de-DE" dirty="0"/>
           </a:p>
@@ -8375,7 +8837,7 @@
             </a:pPr>
             <a:fld id="{4E1B3107-3D3F-4777-9207-6551F81EC093}" type="datetime1">
               <a:rPr lang="de-DE" smtClean="0"/>
-              <a:t>08.08.2018</a:t>
+              <a:t>09.08.2018</a:t>
             </a:fld>
             <a:endParaRPr lang="de-DE" dirty="0"/>
           </a:p>
@@ -8736,7 +9198,7 @@
             </a:pPr>
             <a:fld id="{B2D9D328-0EA9-47BD-9F0C-9374A81B247B}" type="datetime1">
               <a:rPr lang="de-DE" smtClean="0"/>
-              <a:t>08.08.2018</a:t>
+              <a:t>09.08.2018</a:t>
             </a:fld>
             <a:endParaRPr lang="de-DE" dirty="0"/>
           </a:p>
@@ -8992,7 +9454,7 @@
             </a:pPr>
             <a:fld id="{3F439ECE-A22E-48D2-B1A2-A5BDB43AF362}" type="datetime1">
               <a:rPr lang="de-DE" smtClean="0"/>
-              <a:t>08.08.2018</a:t>
+              <a:t>09.08.2018</a:t>
             </a:fld>
             <a:endParaRPr lang="de-DE" dirty="0"/>
           </a:p>
@@ -9770,7 +10232,7 @@
             </a:pPr>
             <a:fld id="{241CB7C7-BA97-40EB-9100-3D699B3BA247}" type="datetime1">
               <a:rPr lang="de-DE" smtClean="0"/>
-              <a:t>08.08.2018</a:t>
+              <a:t>09.08.2018</a:t>
             </a:fld>
             <a:endParaRPr lang="de-DE" dirty="0"/>
           </a:p>
@@ -10744,7 +11206,7 @@
             </a:pPr>
             <a:fld id="{FE6E1870-06B1-4C27-87D8-FFFE4B51458A}" type="datetime1">
               <a:rPr lang="de-DE" smtClean="0"/>
-              <a:t>08.08.2018</a:t>
+              <a:t>09.08.2018</a:t>
             </a:fld>
             <a:endParaRPr lang="de-DE" dirty="0"/>
           </a:p>
@@ -12005,7 +12467,7 @@
             </a:pPr>
             <a:fld id="{7C19136F-A910-4FB0-ACF8-AEB668541EC5}" type="datetime1">
               <a:rPr lang="de-DE" smtClean="0"/>
-              <a:t>08.08.2018</a:t>
+              <a:t>09.08.2018</a:t>
             </a:fld>
             <a:endParaRPr lang="de-DE" dirty="0"/>
           </a:p>
@@ -12106,6 +12568,13 @@
   <p:clrMapOvr>
     <a:masterClrMapping/>
   </p:clrMapOvr>
+  <p:timing>
+    <p:tnLst>
+      <p:par>
+        <p:cTn id="1" dur="indefinite" restart="never" nodeType="tmRoot"/>
+      </p:par>
+    </p:tnLst>
+  </p:timing>
 </p:sld>
 </file>
 
@@ -12265,7 +12734,7 @@
             </a:pPr>
             <a:fld id="{07E8D44E-8732-4D0E-BB56-183E437489F7}" type="datetime1">
               <a:rPr lang="de-DE" smtClean="0"/>
-              <a:t>08.08.2018</a:t>
+              <a:t>09.08.2018</a:t>
             </a:fld>
             <a:endParaRPr lang="de-DE" dirty="0"/>
           </a:p>
@@ -12399,7 +12868,7 @@
                                         <p:tgtEl>
                                           <p:spTgt spid="2">
                                             <p:txEl>
-                                              <p:pRg st="0" end="0"/>
+                                              <p:pRg st="1" end="1"/>
                                             </p:txEl>
                                           </p:spTgt>
                                         </p:tgtEl>
@@ -12417,109 +12886,6 @@
                                         <p:tgtEl>
                                           <p:spTgt spid="2">
                                             <p:txEl>
-                                              <p:pRg st="0" end="0"/>
-                                            </p:txEl>
-                                          </p:spTgt>
-                                        </p:tgtEl>
-                                        <p:attrNameLst>
-                                          <p:attrName>ppt_x</p:attrName>
-                                        </p:attrNameLst>
-                                      </p:cBhvr>
-                                      <p:tavLst>
-                                        <p:tav tm="0">
-                                          <p:val>
-                                            <p:strVal val="#ppt_x"/>
-                                          </p:val>
-                                        </p:tav>
-                                        <p:tav tm="100000">
-                                          <p:val>
-                                            <p:strVal val="#ppt_x"/>
-                                          </p:val>
-                                        </p:tav>
-                                      </p:tavLst>
-                                    </p:anim>
-                                    <p:anim calcmode="lin" valueType="num">
-                                      <p:cBhvr additive="base">
-                                        <p:cTn id="8" dur="500" fill="hold"/>
-                                        <p:tgtEl>
-                                          <p:spTgt spid="2">
-                                            <p:txEl>
-                                              <p:pRg st="0" end="0"/>
-                                            </p:txEl>
-                                          </p:spTgt>
-                                        </p:tgtEl>
-                                        <p:attrNameLst>
-                                          <p:attrName>ppt_y</p:attrName>
-                                        </p:attrNameLst>
-                                      </p:cBhvr>
-                                      <p:tavLst>
-                                        <p:tav tm="0">
-                                          <p:val>
-                                            <p:strVal val="1+#ppt_h/2"/>
-                                          </p:val>
-                                        </p:tav>
-                                        <p:tav tm="100000">
-                                          <p:val>
-                                            <p:strVal val="#ppt_y"/>
-                                          </p:val>
-                                        </p:tav>
-                                      </p:tavLst>
-                                    </p:anim>
-                                  </p:childTnLst>
-                                </p:cTn>
-                              </p:par>
-                            </p:childTnLst>
-                          </p:cTn>
-                        </p:par>
-                      </p:childTnLst>
-                    </p:cTn>
-                  </p:par>
-                  <p:par>
-                    <p:cTn id="9" fill="hold">
-                      <p:stCondLst>
-                        <p:cond delay="indefinite"/>
-                      </p:stCondLst>
-                      <p:childTnLst>
-                        <p:par>
-                          <p:cTn id="10" fill="hold">
-                            <p:stCondLst>
-                              <p:cond delay="0"/>
-                            </p:stCondLst>
-                            <p:childTnLst>
-                              <p:par>
-                                <p:cTn id="11" presetID="2" presetClass="entr" presetSubtype="4" fill="hold" nodeType="clickEffect">
-                                  <p:stCondLst>
-                                    <p:cond delay="0"/>
-                                  </p:stCondLst>
-                                  <p:childTnLst>
-                                    <p:set>
-                                      <p:cBhvr>
-                                        <p:cTn id="12" dur="1" fill="hold">
-                                          <p:stCondLst>
-                                            <p:cond delay="0"/>
-                                          </p:stCondLst>
-                                        </p:cTn>
-                                        <p:tgtEl>
-                                          <p:spTgt spid="2">
-                                            <p:txEl>
-                                              <p:pRg st="1" end="1"/>
-                                            </p:txEl>
-                                          </p:spTgt>
-                                        </p:tgtEl>
-                                        <p:attrNameLst>
-                                          <p:attrName>style.visibility</p:attrName>
-                                        </p:attrNameLst>
-                                      </p:cBhvr>
-                                      <p:to>
-                                        <p:strVal val="visible"/>
-                                      </p:to>
-                                    </p:set>
-                                    <p:anim calcmode="lin" valueType="num">
-                                      <p:cBhvr additive="base">
-                                        <p:cTn id="13" dur="500" fill="hold"/>
-                                        <p:tgtEl>
-                                          <p:spTgt spid="2">
-                                            <p:txEl>
                                               <p:pRg st="1" end="1"/>
                                             </p:txEl>
                                           </p:spTgt>
@@ -12543,7 +12909,7 @@
                                     </p:anim>
                                     <p:anim calcmode="lin" valueType="num">
                                       <p:cBhvr additive="base">
-                                        <p:cTn id="14" dur="500" fill="hold"/>
+                                        <p:cTn id="8" dur="500" fill="hold"/>
                                         <p:tgtEl>
                                           <p:spTgt spid="2">
                                             <p:txEl>
@@ -12572,14 +12938,14 @@
                                 </p:cTn>
                               </p:par>
                               <p:par>
-                                <p:cTn id="15" presetID="2" presetClass="entr" presetSubtype="4" fill="hold" nodeType="withEffect">
+                                <p:cTn id="9" presetID="2" presetClass="entr" presetSubtype="4" fill="hold" nodeType="withEffect">
                                   <p:stCondLst>
                                     <p:cond delay="0"/>
                                   </p:stCondLst>
                                   <p:childTnLst>
                                     <p:set>
                                       <p:cBhvr>
-                                        <p:cTn id="16" dur="1" fill="hold">
+                                        <p:cTn id="10" dur="1" fill="hold">
                                           <p:stCondLst>
                                             <p:cond delay="0"/>
                                           </p:stCondLst>
@@ -12601,7 +12967,7 @@
                                     </p:set>
                                     <p:anim calcmode="lin" valueType="num">
                                       <p:cBhvr additive="base">
-                                        <p:cTn id="17" dur="500" fill="hold"/>
+                                        <p:cTn id="11" dur="500" fill="hold"/>
                                         <p:tgtEl>
                                           <p:spTgt spid="2">
                                             <p:txEl>
@@ -12628,7 +12994,7 @@
                                     </p:anim>
                                     <p:anim calcmode="lin" valueType="num">
                                       <p:cBhvr additive="base">
-                                        <p:cTn id="18" dur="500" fill="hold"/>
+                                        <p:cTn id="12" dur="500" fill="hold"/>
                                         <p:tgtEl>
                                           <p:spTgt spid="2">
                                             <p:txEl>
@@ -12657,14 +13023,14 @@
                                 </p:cTn>
                               </p:par>
                               <p:par>
-                                <p:cTn id="19" presetID="2" presetClass="entr" presetSubtype="4" fill="hold" nodeType="withEffect">
+                                <p:cTn id="13" presetID="2" presetClass="entr" presetSubtype="4" fill="hold" nodeType="withEffect">
                                   <p:stCondLst>
                                     <p:cond delay="0"/>
                                   </p:stCondLst>
                                   <p:childTnLst>
                                     <p:set>
                                       <p:cBhvr>
-                                        <p:cTn id="20" dur="1" fill="hold">
+                                        <p:cTn id="14" dur="1" fill="hold">
                                           <p:stCondLst>
                                             <p:cond delay="0"/>
                                           </p:stCondLst>
@@ -12686,7 +13052,7 @@
                                     </p:set>
                                     <p:anim calcmode="lin" valueType="num">
                                       <p:cBhvr additive="base">
-                                        <p:cTn id="21" dur="500" fill="hold"/>
+                                        <p:cTn id="15" dur="500" fill="hold"/>
                                         <p:tgtEl>
                                           <p:spTgt spid="2">
                                             <p:txEl>
@@ -12713,7 +13079,7 @@
                                     </p:anim>
                                     <p:anim calcmode="lin" valueType="num">
                                       <p:cBhvr additive="base">
-                                        <p:cTn id="22" dur="500" fill="hold"/>
+                                        <p:cTn id="16" dur="500" fill="hold"/>
                                         <p:tgtEl>
                                           <p:spTgt spid="2">
                                             <p:txEl>
@@ -12748,26 +13114,26 @@
                     </p:cTn>
                   </p:par>
                   <p:par>
-                    <p:cTn id="23" fill="hold">
+                    <p:cTn id="17" fill="hold">
                       <p:stCondLst>
                         <p:cond delay="indefinite"/>
                       </p:stCondLst>
                       <p:childTnLst>
                         <p:par>
-                          <p:cTn id="24" fill="hold">
+                          <p:cTn id="18" fill="hold">
                             <p:stCondLst>
                               <p:cond delay="0"/>
                             </p:stCondLst>
                             <p:childTnLst>
                               <p:par>
-                                <p:cTn id="25" presetID="2" presetClass="entr" presetSubtype="4" fill="hold" nodeType="clickEffect">
+                                <p:cTn id="19" presetID="2" presetClass="entr" presetSubtype="4" fill="hold" nodeType="clickEffect">
                                   <p:stCondLst>
                                     <p:cond delay="0"/>
                                   </p:stCondLst>
                                   <p:childTnLst>
                                     <p:set>
                                       <p:cBhvr>
-                                        <p:cTn id="26" dur="1" fill="hold">
+                                        <p:cTn id="20" dur="1" fill="hold">
                                           <p:stCondLst>
                                             <p:cond delay="0"/>
                                           </p:stCondLst>
@@ -12789,7 +13155,7 @@
                                     </p:set>
                                     <p:anim calcmode="lin" valueType="num">
                                       <p:cBhvr additive="base">
-                                        <p:cTn id="27" dur="500" fill="hold"/>
+                                        <p:cTn id="21" dur="500" fill="hold"/>
                                         <p:tgtEl>
                                           <p:spTgt spid="2">
                                             <p:txEl>
@@ -12816,7 +13182,7 @@
                                     </p:anim>
                                     <p:anim calcmode="lin" valueType="num">
                                       <p:cBhvr additive="base">
-                                        <p:cTn id="28" dur="500" fill="hold"/>
+                                        <p:cTn id="22" dur="500" fill="hold"/>
                                         <p:tgtEl>
                                           <p:spTgt spid="2">
                                             <p:txEl>
@@ -12845,14 +13211,14 @@
                                 </p:cTn>
                               </p:par>
                               <p:par>
-                                <p:cTn id="29" presetID="2" presetClass="entr" presetSubtype="4" fill="hold" nodeType="withEffect">
+                                <p:cTn id="23" presetID="2" presetClass="entr" presetSubtype="4" fill="hold" nodeType="withEffect">
                                   <p:stCondLst>
                                     <p:cond delay="0"/>
                                   </p:stCondLst>
                                   <p:childTnLst>
                                     <p:set>
                                       <p:cBhvr>
-                                        <p:cTn id="30" dur="1" fill="hold">
+                                        <p:cTn id="24" dur="1" fill="hold">
                                           <p:stCondLst>
                                             <p:cond delay="0"/>
                                           </p:stCondLst>
@@ -12874,7 +13240,7 @@
                                     </p:set>
                                     <p:anim calcmode="lin" valueType="num">
                                       <p:cBhvr additive="base">
-                                        <p:cTn id="31" dur="500" fill="hold"/>
+                                        <p:cTn id="25" dur="500" fill="hold"/>
                                         <p:tgtEl>
                                           <p:spTgt spid="2">
                                             <p:txEl>
@@ -12901,7 +13267,7 @@
                                     </p:anim>
                                     <p:anim calcmode="lin" valueType="num">
                                       <p:cBhvr additive="base">
-                                        <p:cTn id="32" dur="500" fill="hold"/>
+                                        <p:cTn id="26" dur="500" fill="hold"/>
                                         <p:tgtEl>
                                           <p:spTgt spid="2">
                                             <p:txEl>
@@ -12930,14 +13296,14 @@
                                 </p:cTn>
                               </p:par>
                               <p:par>
-                                <p:cTn id="33" presetID="2" presetClass="entr" presetSubtype="4" fill="hold" nodeType="withEffect">
+                                <p:cTn id="27" presetID="2" presetClass="entr" presetSubtype="4" fill="hold" nodeType="withEffect">
                                   <p:stCondLst>
                                     <p:cond delay="0"/>
                                   </p:stCondLst>
                                   <p:childTnLst>
                                     <p:set>
                                       <p:cBhvr>
-                                        <p:cTn id="34" dur="1" fill="hold">
+                                        <p:cTn id="28" dur="1" fill="hold">
                                           <p:stCondLst>
                                             <p:cond delay="0"/>
                                           </p:stCondLst>
@@ -12959,7 +13325,7 @@
                                     </p:set>
                                     <p:anim calcmode="lin" valueType="num">
                                       <p:cBhvr additive="base">
-                                        <p:cTn id="35" dur="500" fill="hold"/>
+                                        <p:cTn id="29" dur="500" fill="hold"/>
                                         <p:tgtEl>
                                           <p:spTgt spid="2">
                                             <p:txEl>
@@ -12986,7 +13352,7 @@
                                     </p:anim>
                                     <p:anim calcmode="lin" valueType="num">
                                       <p:cBhvr additive="base">
-                                        <p:cTn id="36" dur="500" fill="hold"/>
+                                        <p:cTn id="30" dur="500" fill="hold"/>
                                         <p:tgtEl>
                                           <p:spTgt spid="2">
                                             <p:txEl>
@@ -13021,26 +13387,26 @@
                     </p:cTn>
                   </p:par>
                   <p:par>
-                    <p:cTn id="37" fill="hold">
+                    <p:cTn id="31" fill="hold">
                       <p:stCondLst>
                         <p:cond delay="indefinite"/>
                       </p:stCondLst>
                       <p:childTnLst>
                         <p:par>
-                          <p:cTn id="38" fill="hold">
+                          <p:cTn id="32" fill="hold">
                             <p:stCondLst>
                               <p:cond delay="0"/>
                             </p:stCondLst>
                             <p:childTnLst>
                               <p:par>
-                                <p:cTn id="39" presetID="2" presetClass="entr" presetSubtype="4" fill="hold" nodeType="clickEffect">
+                                <p:cTn id="33" presetID="2" presetClass="entr" presetSubtype="4" fill="hold" nodeType="clickEffect">
                                   <p:stCondLst>
                                     <p:cond delay="0"/>
                                   </p:stCondLst>
                                   <p:childTnLst>
                                     <p:set>
                                       <p:cBhvr>
-                                        <p:cTn id="40" dur="1" fill="hold">
+                                        <p:cTn id="34" dur="1" fill="hold">
                                           <p:stCondLst>
                                             <p:cond delay="0"/>
                                           </p:stCondLst>
@@ -13062,7 +13428,7 @@
                                     </p:set>
                                     <p:anim calcmode="lin" valueType="num">
                                       <p:cBhvr additive="base">
-                                        <p:cTn id="41" dur="500" fill="hold"/>
+                                        <p:cTn id="35" dur="500" fill="hold"/>
                                         <p:tgtEl>
                                           <p:spTgt spid="2">
                                             <p:txEl>
@@ -13089,7 +13455,7 @@
                                     </p:anim>
                                     <p:anim calcmode="lin" valueType="num">
                                       <p:cBhvr additive="base">
-                                        <p:cTn id="42" dur="500" fill="hold"/>
+                                        <p:cTn id="36" dur="500" fill="hold"/>
                                         <p:tgtEl>
                                           <p:spTgt spid="2">
                                             <p:txEl>
@@ -13118,14 +13484,14 @@
                                 </p:cTn>
                               </p:par>
                               <p:par>
-                                <p:cTn id="43" presetID="2" presetClass="entr" presetSubtype="4" fill="hold" nodeType="withEffect">
+                                <p:cTn id="37" presetID="2" presetClass="entr" presetSubtype="4" fill="hold" nodeType="withEffect">
                                   <p:stCondLst>
                                     <p:cond delay="0"/>
                                   </p:stCondLst>
                                   <p:childTnLst>
                                     <p:set>
                                       <p:cBhvr>
-                                        <p:cTn id="44" dur="1" fill="hold">
+                                        <p:cTn id="38" dur="1" fill="hold">
                                           <p:stCondLst>
                                             <p:cond delay="0"/>
                                           </p:stCondLst>
@@ -13147,7 +13513,7 @@
                                     </p:set>
                                     <p:anim calcmode="lin" valueType="num">
                                       <p:cBhvr additive="base">
-                                        <p:cTn id="45" dur="500" fill="hold"/>
+                                        <p:cTn id="39" dur="500" fill="hold"/>
                                         <p:tgtEl>
                                           <p:spTgt spid="2">
                                             <p:txEl>
@@ -13174,7 +13540,7 @@
                                     </p:anim>
                                     <p:anim calcmode="lin" valueType="num">
                                       <p:cBhvr additive="base">
-                                        <p:cTn id="46" dur="500" fill="hold"/>
+                                        <p:cTn id="40" dur="500" fill="hold"/>
                                         <p:tgtEl>
                                           <p:spTgt spid="2">
                                             <p:txEl>
@@ -13203,14 +13569,14 @@
                                 </p:cTn>
                               </p:par>
                               <p:par>
-                                <p:cTn id="47" presetID="2" presetClass="entr" presetSubtype="4" fill="hold" nodeType="withEffect">
+                                <p:cTn id="41" presetID="2" presetClass="entr" presetSubtype="4" fill="hold" nodeType="withEffect">
                                   <p:stCondLst>
                                     <p:cond delay="0"/>
                                   </p:stCondLst>
                                   <p:childTnLst>
                                     <p:set>
                                       <p:cBhvr>
-                                        <p:cTn id="48" dur="1" fill="hold">
+                                        <p:cTn id="42" dur="1" fill="hold">
                                           <p:stCondLst>
                                             <p:cond delay="0"/>
                                           </p:stCondLst>
@@ -13232,7 +13598,7 @@
                                     </p:set>
                                     <p:anim calcmode="lin" valueType="num">
                                       <p:cBhvr additive="base">
-                                        <p:cTn id="49" dur="500" fill="hold"/>
+                                        <p:cTn id="43" dur="500" fill="hold"/>
                                         <p:tgtEl>
                                           <p:spTgt spid="2">
                                             <p:txEl>
@@ -13259,7 +13625,7 @@
                                     </p:anim>
                                     <p:anim calcmode="lin" valueType="num">
                                       <p:cBhvr additive="base">
-                                        <p:cTn id="50" dur="500" fill="hold"/>
+                                        <p:cTn id="44" dur="500" fill="hold"/>
                                         <p:tgtEl>
                                           <p:spTgt spid="2">
                                             <p:txEl>
@@ -13383,7 +13749,7 @@
             </a:pPr>
             <a:fld id="{07E8D44E-8732-4D0E-BB56-183E437489F7}" type="datetime1">
               <a:rPr lang="de-DE" smtClean="0"/>
-              <a:t>08.08.2018</a:t>
+              <a:t>09.08.2018</a:t>
             </a:fld>
             <a:endParaRPr lang="de-DE" dirty="0"/>
           </a:p>
@@ -14063,7 +14429,7 @@
             </a:pPr>
             <a:fld id="{07E8D44E-8732-4D0E-BB56-183E437489F7}" type="datetime1">
               <a:rPr lang="de-DE" smtClean="0"/>
-              <a:t>08.08.2018</a:t>
+              <a:t>09.08.2018</a:t>
             </a:fld>
             <a:endParaRPr lang="de-DE" dirty="0"/>
           </a:p>
@@ -14424,6 +14790,13 @@
   <p:clrMapOvr>
     <a:masterClrMapping/>
   </p:clrMapOvr>
+  <p:timing>
+    <p:tnLst>
+      <p:par>
+        <p:cTn id="1" dur="indefinite" restart="never" nodeType="tmRoot"/>
+      </p:par>
+    </p:tnLst>
+  </p:timing>
 </p:sld>
 </file>
 
@@ -14492,7 +14865,7 @@
             </a:pPr>
             <a:fld id="{07E8D44E-8732-4D0E-BB56-183E437489F7}" type="datetime1">
               <a:rPr lang="de-DE" smtClean="0"/>
-              <a:t>08.08.2018</a:t>
+              <a:t>09.08.2018</a:t>
             </a:fld>
             <a:endParaRPr lang="de-DE" dirty="0"/>
           </a:p>
@@ -15157,7 +15530,7 @@
             </a:pPr>
             <a:fld id="{07E8D44E-8732-4D0E-BB56-183E437489F7}" type="datetime1">
               <a:rPr lang="de-DE" smtClean="0"/>
-              <a:t>08.08.2018</a:t>
+              <a:t>09.08.2018</a:t>
             </a:fld>
             <a:endParaRPr lang="de-DE" dirty="0"/>
           </a:p>
@@ -15503,6 +15876,13 @@
   <p:clrMapOvr>
     <a:masterClrMapping/>
   </p:clrMapOvr>
+  <p:timing>
+    <p:tnLst>
+      <p:par>
+        <p:cTn id="1" dur="indefinite" restart="never" nodeType="tmRoot"/>
+      </p:par>
+    </p:tnLst>
+  </p:timing>
 </p:sld>
 </file>
 
@@ -15689,7 +16069,7 @@
             </a:pPr>
             <a:fld id="{7C19136F-A910-4FB0-ACF8-AEB668541EC5}" type="datetime1">
               <a:rPr lang="de-DE" smtClean="0"/>
-              <a:t>08.08.2018</a:t>
+              <a:t>09.08.2018</a:t>
             </a:fld>
             <a:endParaRPr lang="de-DE" dirty="0"/>
           </a:p>
@@ -15790,6 +16170,13 @@
   <p:clrMapOvr>
     <a:masterClrMapping/>
   </p:clrMapOvr>
+  <p:timing>
+    <p:tnLst>
+      <p:par>
+        <p:cTn id="1" dur="indefinite" restart="never" nodeType="tmRoot"/>
+      </p:par>
+    </p:tnLst>
+  </p:timing>
 </p:sld>
 </file>
 
@@ -15889,7 +16276,7 @@
             </a:pPr>
             <a:fld id="{2579BFDA-05B3-4E94-92EB-A0F56D3C28B0}" type="datetime1">
               <a:rPr lang="de-DE" smtClean="0"/>
-              <a:t>08.08.2018</a:t>
+              <a:t>09.08.2018</a:t>
             </a:fld>
             <a:endParaRPr lang="de-DE" dirty="0"/>
           </a:p>
@@ -15987,12 +16374,16 @@
               <a:t>Konzepte der </a:t>
             </a:r>
             <a:r>
-              <a:rPr lang="de-DE" dirty="0" err="1"/>
+              <a:rPr lang="de-DE" dirty="0" err="1" smtClean="0"/>
               <a:t>Topology</a:t>
             </a:r>
             <a:r>
+              <a:rPr lang="de-DE" dirty="0" smtClean="0"/>
+              <a:t>-Editor: </a:t>
+            </a:r>
+            <a:r>
               <a:rPr lang="de-DE" dirty="0"/>
-              <a:t>-Editor:: Schnittstellen zwischen Komponenten</a:t>
+              <a:t>Schnittstellen zwischen Komponenten</a:t>
             </a:r>
           </a:p>
         </p:txBody>
@@ -17417,7 +17808,7 @@
             </a:pPr>
             <a:fld id="{7C19136F-A910-4FB0-ACF8-AEB668541EC5}" type="datetime1">
               <a:rPr lang="de-DE" smtClean="0"/>
-              <a:t>08.08.2018</a:t>
+              <a:t>09.08.2018</a:t>
             </a:fld>
             <a:endParaRPr lang="de-DE" dirty="0"/>
           </a:p>
@@ -18265,7 +18656,7 @@
             </a:pPr>
             <a:fld id="{2579BFDA-05B3-4E94-92EB-A0F56D3C28B0}" type="datetime1">
               <a:rPr lang="de-DE" smtClean="0"/>
-              <a:t>08.08.2018</a:t>
+              <a:t>09.08.2018</a:t>
             </a:fld>
             <a:endParaRPr lang="de-DE" dirty="0"/>
           </a:p>
@@ -18355,7 +18746,9 @@
         </p:nvSpPr>
         <p:spPr/>
         <p:txBody>
-          <a:bodyPr/>
+          <a:bodyPr>
+            <a:normAutofit/>
+          </a:bodyPr>
           <a:lstStyle/>
           <a:p>
             <a:r>
@@ -18363,12 +18756,16 @@
               <a:t>Konzepte der </a:t>
             </a:r>
             <a:r>
-              <a:rPr lang="de-DE" dirty="0" err="1"/>
+              <a:rPr lang="de-DE" dirty="0" err="1" smtClean="0"/>
               <a:t>Topology</a:t>
             </a:r>
             <a:r>
+              <a:rPr lang="de-DE" dirty="0" smtClean="0"/>
+              <a:t>-Editor: Schnittstellen </a:t>
+            </a:r>
+            <a:r>
               <a:rPr lang="de-DE" dirty="0"/>
-              <a:t>-Editor:: Schnittstellen zwischen Komponenten</a:t>
+              <a:t>zwischen Komponenten</a:t>
             </a:r>
           </a:p>
         </p:txBody>
@@ -20393,7 +20790,7 @@
             </a:pPr>
             <a:fld id="{2C597DD3-C657-4292-BDD8-A59C5130682A}" type="datetime1">
               <a:rPr lang="de-DE" smtClean="0"/>
-              <a:t>08.08.2018</a:t>
+              <a:t>09.08.2018</a:t>
             </a:fld>
             <a:endParaRPr lang="de-DE" dirty="0"/>
           </a:p>
@@ -20491,13 +20888,14 @@
               <a:t>Konzepte der </a:t>
             </a:r>
             <a:r>
-              <a:rPr lang="de-DE" dirty="0" err="1"/>
+              <a:rPr lang="de-DE" dirty="0" err="1" smtClean="0"/>
               <a:t>Topology</a:t>
             </a:r>
             <a:r>
-              <a:rPr lang="de-DE" dirty="0"/>
-              <a:t>-Editor:: Datenaustauschformat</a:t>
-            </a:r>
+              <a:rPr lang="de-DE" dirty="0" smtClean="0"/>
+              <a:t>-Editor: Datenaustauschformat</a:t>
+            </a:r>
+            <a:endParaRPr lang="de-DE" dirty="0"/>
           </a:p>
         </p:txBody>
       </p:sp>
@@ -20684,6 +21082,52 @@
           </a:fontRef>
         </p:style>
       </p:cxnSp>
+      <p:sp>
+        <p:nvSpPr>
+          <p:cNvPr id="9" name="Ellipse 8"/>
+          <p:cNvSpPr/>
+          <p:nvPr/>
+        </p:nvSpPr>
+        <p:spPr>
+          <a:xfrm>
+            <a:off x="395536" y="1700808"/>
+            <a:ext cx="1728539" cy="432048"/>
+          </a:xfrm>
+          <a:prstGeom prst="ellipse">
+            <a:avLst/>
+          </a:prstGeom>
+          <a:noFill/>
+          <a:ln>
+            <a:solidFill>
+              <a:schemeClr val="accent1"/>
+            </a:solidFill>
+          </a:ln>
+        </p:spPr>
+        <p:style>
+          <a:lnRef idx="2">
+            <a:schemeClr val="accent1">
+              <a:shade val="50000"/>
+            </a:schemeClr>
+          </a:lnRef>
+          <a:fillRef idx="1">
+            <a:schemeClr val="accent1"/>
+          </a:fillRef>
+          <a:effectRef idx="0">
+            <a:schemeClr val="accent1"/>
+          </a:effectRef>
+          <a:fontRef idx="minor">
+            <a:schemeClr val="lt1"/>
+          </a:fontRef>
+        </p:style>
+        <p:txBody>
+          <a:bodyPr rtlCol="0" anchor="ctr"/>
+          <a:lstStyle/>
+          <a:p>
+            <a:pPr algn="ctr"/>
+            <a:endParaRPr lang="en-US"/>
+          </a:p>
+        </p:txBody>
+      </p:sp>
     </p:spTree>
     <p:extLst>
       <p:ext uri="{BB962C8B-B14F-4D97-AF65-F5344CB8AC3E}">
@@ -20715,7 +21159,7 @@
                             </p:stCondLst>
                             <p:childTnLst>
                               <p:par>
-                                <p:cTn id="5" presetID="2" presetClass="entr" presetSubtype="4" fill="hold" nodeType="clickEffect">
+                                <p:cTn id="5" presetID="2" presetClass="entr" presetSubtype="4" fill="hold" grpId="0" nodeType="clickEffect">
                                   <p:stCondLst>
                                     <p:cond delay="0"/>
                                   </p:stCondLst>
@@ -20728,7 +21172,7 @@
                                           </p:stCondLst>
                                         </p:cTn>
                                         <p:tgtEl>
-                                          <p:spTgt spid="11"/>
+                                          <p:spTgt spid="9"/>
                                         </p:tgtEl>
                                         <p:attrNameLst>
                                           <p:attrName>style.visibility</p:attrName>
@@ -20742,7 +21186,7 @@
                                       <p:cBhvr additive="base">
                                         <p:cTn id="7" dur="500" fill="hold"/>
                                         <p:tgtEl>
-                                          <p:spTgt spid="11"/>
+                                          <p:spTgt spid="9"/>
                                         </p:tgtEl>
                                         <p:attrNameLst>
                                           <p:attrName>ppt_x</p:attrName>
@@ -20765,7 +21209,7 @@
                                       <p:cBhvr additive="base">
                                         <p:cTn id="8" dur="500" fill="hold"/>
                                         <p:tgtEl>
-                                          <p:spTgt spid="11"/>
+                                          <p:spTgt spid="9"/>
                                         </p:tgtEl>
                                         <p:attrNameLst>
                                           <p:attrName>ppt_y</p:attrName>
@@ -20819,7 +21263,7 @@
                                           </p:stCondLst>
                                         </p:cTn>
                                         <p:tgtEl>
-                                          <p:spTgt spid="13"/>
+                                          <p:spTgt spid="11"/>
                                         </p:tgtEl>
                                         <p:attrNameLst>
                                           <p:attrName>style.visibility</p:attrName>
@@ -20833,6 +21277,79 @@
                                       <p:cBhvr additive="base">
                                         <p:cTn id="13" dur="500" fill="hold"/>
                                         <p:tgtEl>
+                                          <p:spTgt spid="11"/>
+                                        </p:tgtEl>
+                                        <p:attrNameLst>
+                                          <p:attrName>ppt_x</p:attrName>
+                                        </p:attrNameLst>
+                                      </p:cBhvr>
+                                      <p:tavLst>
+                                        <p:tav tm="0">
+                                          <p:val>
+                                            <p:strVal val="#ppt_x"/>
+                                          </p:val>
+                                        </p:tav>
+                                        <p:tav tm="100000">
+                                          <p:val>
+                                            <p:strVal val="#ppt_x"/>
+                                          </p:val>
+                                        </p:tav>
+                                      </p:tavLst>
+                                    </p:anim>
+                                    <p:anim calcmode="lin" valueType="num">
+                                      <p:cBhvr additive="base">
+                                        <p:cTn id="14" dur="500" fill="hold"/>
+                                        <p:tgtEl>
+                                          <p:spTgt spid="11"/>
+                                        </p:tgtEl>
+                                        <p:attrNameLst>
+                                          <p:attrName>ppt_y</p:attrName>
+                                        </p:attrNameLst>
+                                      </p:cBhvr>
+                                      <p:tavLst>
+                                        <p:tav tm="0">
+                                          <p:val>
+                                            <p:strVal val="1+#ppt_h/2"/>
+                                          </p:val>
+                                        </p:tav>
+                                        <p:tav tm="100000">
+                                          <p:val>
+                                            <p:strVal val="#ppt_y"/>
+                                          </p:val>
+                                        </p:tav>
+                                      </p:tavLst>
+                                    </p:anim>
+                                  </p:childTnLst>
+                                </p:cTn>
+                              </p:par>
+                              <p:par>
+                                <p:cTn id="15" presetID="2" presetClass="entr" presetSubtype="4" fill="hold" nodeType="withEffect">
+                                  <p:stCondLst>
+                                    <p:cond delay="0"/>
+                                  </p:stCondLst>
+                                  <p:childTnLst>
+                                    <p:set>
+                                      <p:cBhvr>
+                                        <p:cTn id="16" dur="1" fill="hold">
+                                          <p:stCondLst>
+                                            <p:cond delay="0"/>
+                                          </p:stCondLst>
+                                        </p:cTn>
+                                        <p:tgtEl>
+                                          <p:spTgt spid="13"/>
+                                        </p:tgtEl>
+                                        <p:attrNameLst>
+                                          <p:attrName>style.visibility</p:attrName>
+                                        </p:attrNameLst>
+                                      </p:cBhvr>
+                                      <p:to>
+                                        <p:strVal val="visible"/>
+                                      </p:to>
+                                    </p:set>
+                                    <p:anim calcmode="lin" valueType="num">
+                                      <p:cBhvr additive="base">
+                                        <p:cTn id="17" dur="500" fill="hold"/>
+                                        <p:tgtEl>
                                           <p:spTgt spid="13"/>
                                         </p:tgtEl>
                                         <p:attrNameLst>
@@ -20854,9 +21371,100 @@
                                     </p:anim>
                                     <p:anim calcmode="lin" valueType="num">
                                       <p:cBhvr additive="base">
-                                        <p:cTn id="14" dur="500" fill="hold"/>
+                                        <p:cTn id="18" dur="500" fill="hold"/>
                                         <p:tgtEl>
                                           <p:spTgt spid="13"/>
+                                        </p:tgtEl>
+                                        <p:attrNameLst>
+                                          <p:attrName>ppt_y</p:attrName>
+                                        </p:attrNameLst>
+                                      </p:cBhvr>
+                                      <p:tavLst>
+                                        <p:tav tm="0">
+                                          <p:val>
+                                            <p:strVal val="1+#ppt_h/2"/>
+                                          </p:val>
+                                        </p:tav>
+                                        <p:tav tm="100000">
+                                          <p:val>
+                                            <p:strVal val="#ppt_y"/>
+                                          </p:val>
+                                        </p:tav>
+                                      </p:tavLst>
+                                    </p:anim>
+                                  </p:childTnLst>
+                                </p:cTn>
+                              </p:par>
+                            </p:childTnLst>
+                          </p:cTn>
+                        </p:par>
+                      </p:childTnLst>
+                    </p:cTn>
+                  </p:par>
+                  <p:par>
+                    <p:cTn id="19" fill="hold">
+                      <p:stCondLst>
+                        <p:cond delay="indefinite"/>
+                      </p:stCondLst>
+                      <p:childTnLst>
+                        <p:par>
+                          <p:cTn id="20" fill="hold">
+                            <p:stCondLst>
+                              <p:cond delay="0"/>
+                            </p:stCondLst>
+                            <p:childTnLst>
+                              <p:par>
+                                <p:cTn id="21" presetID="2" presetClass="entr" presetSubtype="4" fill="hold" nodeType="clickEffect">
+                                  <p:stCondLst>
+                                    <p:cond delay="0"/>
+                                  </p:stCondLst>
+                                  <p:childTnLst>
+                                    <p:set>
+                                      <p:cBhvr>
+                                        <p:cTn id="22" dur="1" fill="hold">
+                                          <p:stCondLst>
+                                            <p:cond delay="0"/>
+                                          </p:stCondLst>
+                                        </p:cTn>
+                                        <p:tgtEl>
+                                          <p:spTgt spid="20"/>
+                                        </p:tgtEl>
+                                        <p:attrNameLst>
+                                          <p:attrName>style.visibility</p:attrName>
+                                        </p:attrNameLst>
+                                      </p:cBhvr>
+                                      <p:to>
+                                        <p:strVal val="visible"/>
+                                      </p:to>
+                                    </p:set>
+                                    <p:anim calcmode="lin" valueType="num">
+                                      <p:cBhvr additive="base">
+                                        <p:cTn id="23" dur="500" fill="hold"/>
+                                        <p:tgtEl>
+                                          <p:spTgt spid="20"/>
+                                        </p:tgtEl>
+                                        <p:attrNameLst>
+                                          <p:attrName>ppt_x</p:attrName>
+                                        </p:attrNameLst>
+                                      </p:cBhvr>
+                                      <p:tavLst>
+                                        <p:tav tm="0">
+                                          <p:val>
+                                            <p:strVal val="#ppt_x"/>
+                                          </p:val>
+                                        </p:tav>
+                                        <p:tav tm="100000">
+                                          <p:val>
+                                            <p:strVal val="#ppt_x"/>
+                                          </p:val>
+                                        </p:tav>
+                                      </p:tavLst>
+                                    </p:anim>
+                                    <p:anim calcmode="lin" valueType="num">
+                                      <p:cBhvr additive="base">
+                                        <p:cTn id="24" dur="500" fill="hold"/>
+                                        <p:tgtEl>
+                                          <p:spTgt spid="20"/>
                                         </p:tgtEl>
                                         <p:attrNameLst>
                                           <p:attrName>ppt_y</p:attrName>
@@ -20905,6 +21513,9 @@
         </p:cTn>
       </p:par>
     </p:tnLst>
+    <p:bldLst>
+      <p:bldP spid="9" grpId="0" animBg="1"/>
+    </p:bldLst>
   </p:timing>
 </p:sld>
 </file>
@@ -21268,7 +21879,7 @@
             </a:pPr>
             <a:fld id="{DF72E200-8F70-4F98-A0B0-628E642DCF78}" type="datetime1">
               <a:rPr lang="de-DE" smtClean="0"/>
-              <a:t>08.08.2018</a:t>
+              <a:t>09.08.2018</a:t>
             </a:fld>
             <a:endParaRPr lang="de-DE" dirty="0"/>
           </a:p>
@@ -21366,12 +21977,16 @@
               <a:t>Konzepte der </a:t>
             </a:r>
             <a:r>
-              <a:rPr lang="de-DE" dirty="0" err="1"/>
+              <a:rPr lang="de-DE" dirty="0" err="1" smtClean="0"/>
               <a:t>Topology</a:t>
             </a:r>
             <a:r>
+              <a:rPr lang="de-DE" dirty="0" smtClean="0"/>
+              <a:t>-Editor </a:t>
+            </a:r>
+            <a:r>
               <a:rPr lang="de-DE" dirty="0"/>
-              <a:t>-Editor:: Datenaustauschformat</a:t>
+              <a:t>Datenaustauschformat</a:t>
             </a:r>
           </a:p>
         </p:txBody>
@@ -21492,40 +22107,6 @@
           </a:p>
         </p:txBody>
       </p:sp>
-      <p:cxnSp>
-        <p:nvCxnSpPr>
-          <p:cNvPr id="12" name="Gerade Verbindung mit Pfeil 11"/>
-          <p:cNvCxnSpPr/>
-          <p:nvPr/>
-        </p:nvCxnSpPr>
-        <p:spPr>
-          <a:xfrm>
-            <a:off x="5652120" y="2276872"/>
-            <a:ext cx="936104" cy="1656184"/>
-          </a:xfrm>
-          <a:prstGeom prst="straightConnector1">
-            <a:avLst/>
-          </a:prstGeom>
-          <a:ln w="38100">
-            <a:headEnd type="triangle"/>
-            <a:tailEnd type="triangle"/>
-          </a:ln>
-        </p:spPr>
-        <p:style>
-          <a:lnRef idx="1">
-            <a:schemeClr val="accent1"/>
-          </a:lnRef>
-          <a:fillRef idx="0">
-            <a:schemeClr val="accent1"/>
-          </a:fillRef>
-          <a:effectRef idx="0">
-            <a:schemeClr val="accent1"/>
-          </a:effectRef>
-          <a:fontRef idx="minor">
-            <a:schemeClr val="tx1"/>
-          </a:fontRef>
-        </p:style>
-      </p:cxnSp>
       <p:cxnSp>
         <p:nvCxnSpPr>
           <p:cNvPr id="14" name="Gerade Verbindung mit Pfeil 13"/>
@@ -21706,7 +22287,7 @@
                                           </p:stCondLst>
                                         </p:cTn>
                                         <p:tgtEl>
-                                          <p:spTgt spid="12"/>
+                                          <p:spTgt spid="14"/>
                                         </p:tgtEl>
                                         <p:attrNameLst>
                                           <p:attrName>style.visibility</p:attrName>
@@ -21720,97 +22301,6 @@
                                       <p:cBhvr additive="base">
                                         <p:cTn id="7" dur="500" fill="hold"/>
                                         <p:tgtEl>
-                                          <p:spTgt spid="12"/>
-                                        </p:tgtEl>
-                                        <p:attrNameLst>
-                                          <p:attrName>ppt_x</p:attrName>
-                                        </p:attrNameLst>
-                                      </p:cBhvr>
-                                      <p:tavLst>
-                                        <p:tav tm="0">
-                                          <p:val>
-                                            <p:strVal val="#ppt_x"/>
-                                          </p:val>
-                                        </p:tav>
-                                        <p:tav tm="100000">
-                                          <p:val>
-                                            <p:strVal val="#ppt_x"/>
-                                          </p:val>
-                                        </p:tav>
-                                      </p:tavLst>
-                                    </p:anim>
-                                    <p:anim calcmode="lin" valueType="num">
-                                      <p:cBhvr additive="base">
-                                        <p:cTn id="8" dur="500" fill="hold"/>
-                                        <p:tgtEl>
-                                          <p:spTgt spid="12"/>
-                                        </p:tgtEl>
-                                        <p:attrNameLst>
-                                          <p:attrName>ppt_y</p:attrName>
-                                        </p:attrNameLst>
-                                      </p:cBhvr>
-                                      <p:tavLst>
-                                        <p:tav tm="0">
-                                          <p:val>
-                                            <p:strVal val="1+#ppt_h/2"/>
-                                          </p:val>
-                                        </p:tav>
-                                        <p:tav tm="100000">
-                                          <p:val>
-                                            <p:strVal val="#ppt_y"/>
-                                          </p:val>
-                                        </p:tav>
-                                      </p:tavLst>
-                                    </p:anim>
-                                  </p:childTnLst>
-                                </p:cTn>
-                              </p:par>
-                            </p:childTnLst>
-                          </p:cTn>
-                        </p:par>
-                      </p:childTnLst>
-                    </p:cTn>
-                  </p:par>
-                  <p:par>
-                    <p:cTn id="9" fill="hold">
-                      <p:stCondLst>
-                        <p:cond delay="indefinite"/>
-                      </p:stCondLst>
-                      <p:childTnLst>
-                        <p:par>
-                          <p:cTn id="10" fill="hold">
-                            <p:stCondLst>
-                              <p:cond delay="0"/>
-                            </p:stCondLst>
-                            <p:childTnLst>
-                              <p:par>
-                                <p:cTn id="11" presetID="2" presetClass="entr" presetSubtype="4" fill="hold" nodeType="clickEffect">
-                                  <p:stCondLst>
-                                    <p:cond delay="0"/>
-                                  </p:stCondLst>
-                                  <p:childTnLst>
-                                    <p:set>
-                                      <p:cBhvr>
-                                        <p:cTn id="12" dur="1" fill="hold">
-                                          <p:stCondLst>
-                                            <p:cond delay="0"/>
-                                          </p:stCondLst>
-                                        </p:cTn>
-                                        <p:tgtEl>
-                                          <p:spTgt spid="14"/>
-                                        </p:tgtEl>
-                                        <p:attrNameLst>
-                                          <p:attrName>style.visibility</p:attrName>
-                                        </p:attrNameLst>
-                                      </p:cBhvr>
-                                      <p:to>
-                                        <p:strVal val="visible"/>
-                                      </p:to>
-                                    </p:set>
-                                    <p:anim calcmode="lin" valueType="num">
-                                      <p:cBhvr additive="base">
-                                        <p:cTn id="13" dur="500" fill="hold"/>
-                                        <p:tgtEl>
                                           <p:spTgt spid="14"/>
                                         </p:tgtEl>
                                         <p:attrNameLst>
@@ -21832,7 +22322,7 @@
                                     </p:anim>
                                     <p:anim calcmode="lin" valueType="num">
                                       <p:cBhvr additive="base">
-                                        <p:cTn id="14" dur="500" fill="hold"/>
+                                        <p:cTn id="8" dur="500" fill="hold"/>
                                         <p:tgtEl>
                                           <p:spTgt spid="14"/>
                                         </p:tgtEl>
@@ -21856,33 +22346,15 @@
                                   </p:childTnLst>
                                 </p:cTn>
                               </p:par>
-                            </p:childTnLst>
-                          </p:cTn>
-                        </p:par>
-                      </p:childTnLst>
-                    </p:cTn>
-                  </p:par>
-                  <p:par>
-                    <p:cTn id="15" fill="hold">
-                      <p:stCondLst>
-                        <p:cond delay="indefinite"/>
-                      </p:stCondLst>
-                      <p:childTnLst>
-                        <p:par>
-                          <p:cTn id="16" fill="hold">
-                            <p:stCondLst>
-                              <p:cond delay="0"/>
-                            </p:stCondLst>
-                            <p:childTnLst>
                               <p:par>
-                                <p:cTn id="17" presetID="2" presetClass="entr" presetSubtype="4" fill="hold" nodeType="clickEffect">
+                                <p:cTn id="9" presetID="2" presetClass="entr" presetSubtype="4" fill="hold" nodeType="withEffect">
                                   <p:stCondLst>
                                     <p:cond delay="0"/>
                                   </p:stCondLst>
                                   <p:childTnLst>
                                     <p:set>
                                       <p:cBhvr>
-                                        <p:cTn id="18" dur="1" fill="hold">
+                                        <p:cTn id="10" dur="1" fill="hold">
                                           <p:stCondLst>
                                             <p:cond delay="0"/>
                                           </p:stCondLst>
@@ -21900,7 +22372,7 @@
                                     </p:set>
                                     <p:anim calcmode="lin" valueType="num">
                                       <p:cBhvr additive="base">
-                                        <p:cTn id="19" dur="500" fill="hold"/>
+                                        <p:cTn id="11" dur="500" fill="hold"/>
                                         <p:tgtEl>
                                           <p:spTgt spid="16"/>
                                         </p:tgtEl>
@@ -21923,7 +22395,7 @@
                                     </p:anim>
                                     <p:anim calcmode="lin" valueType="num">
                                       <p:cBhvr additive="base">
-                                        <p:cTn id="20" dur="500" fill="hold"/>
+                                        <p:cTn id="12" dur="500" fill="hold"/>
                                         <p:tgtEl>
                                           <p:spTgt spid="16"/>
                                         </p:tgtEl>
@@ -21954,26 +22426,26 @@
                     </p:cTn>
                   </p:par>
                   <p:par>
-                    <p:cTn id="21" fill="hold">
+                    <p:cTn id="13" fill="hold">
                       <p:stCondLst>
                         <p:cond delay="indefinite"/>
                       </p:stCondLst>
                       <p:childTnLst>
                         <p:par>
-                          <p:cTn id="22" fill="hold">
+                          <p:cTn id="14" fill="hold">
                             <p:stCondLst>
                               <p:cond delay="0"/>
                             </p:stCondLst>
                             <p:childTnLst>
                               <p:par>
-                                <p:cTn id="23" presetID="2" presetClass="entr" presetSubtype="4" fill="hold" nodeType="clickEffect">
+                                <p:cTn id="15" presetID="2" presetClass="entr" presetSubtype="4" fill="hold" nodeType="clickEffect">
                                   <p:stCondLst>
                                     <p:cond delay="0"/>
                                   </p:stCondLst>
                                   <p:childTnLst>
                                     <p:set>
                                       <p:cBhvr>
-                                        <p:cTn id="24" dur="1" fill="hold">
+                                        <p:cTn id="16" dur="1" fill="hold">
                                           <p:stCondLst>
                                             <p:cond delay="0"/>
                                           </p:stCondLst>
@@ -21991,7 +22463,7 @@
                                     </p:set>
                                     <p:anim calcmode="lin" valueType="num">
                                       <p:cBhvr additive="base">
-                                        <p:cTn id="25" dur="500" fill="hold"/>
+                                        <p:cTn id="17" dur="500" fill="hold"/>
                                         <p:tgtEl>
                                           <p:spTgt spid="20"/>
                                         </p:tgtEl>
@@ -22014,9 +22486,82 @@
                                     </p:anim>
                                     <p:anim calcmode="lin" valueType="num">
                                       <p:cBhvr additive="base">
-                                        <p:cTn id="26" dur="500" fill="hold"/>
+                                        <p:cTn id="18" dur="500" fill="hold"/>
                                         <p:tgtEl>
                                           <p:spTgt spid="20"/>
+                                        </p:tgtEl>
+                                        <p:attrNameLst>
+                                          <p:attrName>ppt_y</p:attrName>
+                                        </p:attrNameLst>
+                                      </p:cBhvr>
+                                      <p:tavLst>
+                                        <p:tav tm="0">
+                                          <p:val>
+                                            <p:strVal val="1+#ppt_h/2"/>
+                                          </p:val>
+                                        </p:tav>
+                                        <p:tav tm="100000">
+                                          <p:val>
+                                            <p:strVal val="#ppt_y"/>
+                                          </p:val>
+                                        </p:tav>
+                                      </p:tavLst>
+                                    </p:anim>
+                                  </p:childTnLst>
+                                </p:cTn>
+                              </p:par>
+                              <p:par>
+                                <p:cTn id="19" presetID="2" presetClass="entr" presetSubtype="4" fill="hold" nodeType="withEffect">
+                                  <p:stCondLst>
+                                    <p:cond delay="0"/>
+                                  </p:stCondLst>
+                                  <p:childTnLst>
+                                    <p:set>
+                                      <p:cBhvr>
+                                        <p:cTn id="20" dur="1" fill="hold">
+                                          <p:stCondLst>
+                                            <p:cond delay="0"/>
+                                          </p:stCondLst>
+                                        </p:cTn>
+                                        <p:tgtEl>
+                                          <p:spTgt spid="18"/>
+                                        </p:tgtEl>
+                                        <p:attrNameLst>
+                                          <p:attrName>style.visibility</p:attrName>
+                                        </p:attrNameLst>
+                                      </p:cBhvr>
+                                      <p:to>
+                                        <p:strVal val="visible"/>
+                                      </p:to>
+                                    </p:set>
+                                    <p:anim calcmode="lin" valueType="num">
+                                      <p:cBhvr additive="base">
+                                        <p:cTn id="21" dur="500" fill="hold"/>
+                                        <p:tgtEl>
+                                          <p:spTgt spid="18"/>
+                                        </p:tgtEl>
+                                        <p:attrNameLst>
+                                          <p:attrName>ppt_x</p:attrName>
+                                        </p:attrNameLst>
+                                      </p:cBhvr>
+                                      <p:tavLst>
+                                        <p:tav tm="0">
+                                          <p:val>
+                                            <p:strVal val="#ppt_x"/>
+                                          </p:val>
+                                        </p:tav>
+                                        <p:tav tm="100000">
+                                          <p:val>
+                                            <p:strVal val="#ppt_x"/>
+                                          </p:val>
+                                        </p:tav>
+                                      </p:tavLst>
+                                    </p:anim>
+                                    <p:anim calcmode="lin" valueType="num">
+                                      <p:cBhvr additive="base">
+                                        <p:cTn id="22" dur="500" fill="hold"/>
+                                        <p:tgtEl>
+                                          <p:spTgt spid="18"/>
                                         </p:tgtEl>
                                         <p:attrNameLst>
                                           <p:attrName>ppt_y</p:attrName>
@@ -22268,7 +22813,7 @@
             </a:pPr>
             <a:fld id="{7C19136F-A910-4FB0-ACF8-AEB668541EC5}" type="datetime1">
               <a:rPr lang="de-DE" smtClean="0"/>
-              <a:t>08.08.2018</a:t>
+              <a:t>09.08.2018</a:t>
             </a:fld>
             <a:endParaRPr lang="de-DE" dirty="0"/>
           </a:p>
@@ -22369,6 +22914,13 @@
   <p:clrMapOvr>
     <a:masterClrMapping/>
   </p:clrMapOvr>
+  <p:timing>
+    <p:tnLst>
+      <p:par>
+        <p:cTn id="1" dur="indefinite" restart="never" nodeType="tmRoot"/>
+      </p:par>
+    </p:tnLst>
+  </p:timing>
 </p:sld>
 </file>
 
@@ -22445,7 +22997,7 @@
             </a:pPr>
             <a:fld id="{C58F247C-525F-4BEF-9811-6F7F41DCA069}" type="datetime1">
               <a:rPr lang="de-DE" smtClean="0"/>
-              <a:t>08.08.2018</a:t>
+              <a:t>09.08.2018</a:t>
             </a:fld>
             <a:endParaRPr lang="de-DE" dirty="0"/>
           </a:p>
@@ -22592,6 +23144,13 @@
   <p:clrMapOvr>
     <a:masterClrMapping/>
   </p:clrMapOvr>
+  <p:timing>
+    <p:tnLst>
+      <p:par>
+        <p:cTn id="1" dur="indefinite" restart="never" nodeType="tmRoot"/>
+      </p:par>
+    </p:tnLst>
+  </p:timing>
 </p:sld>
 </file>
 
@@ -22638,7 +23197,7 @@
             </a:pPr>
             <a:fld id="{7158BD6A-2C19-4EFB-A2CE-212AA1897748}" type="datetime1">
               <a:rPr lang="de-DE" smtClean="0"/>
-              <a:t>08.08.2018</a:t>
+              <a:t>09.08.2018</a:t>
             </a:fld>
             <a:endParaRPr lang="de-DE" dirty="0"/>
           </a:p>
@@ -22729,13 +23288,21 @@
         <p:spPr/>
         <p:txBody>
           <a:bodyPr>
-            <a:normAutofit fontScale="90000"/>
+            <a:normAutofit/>
           </a:bodyPr>
           <a:lstStyle/>
           <a:p>
             <a:r>
               <a:rPr lang="de-DE" b="1" dirty="0"/>
-              <a:t>Prototype Implementierung(drittes Ergebnis)</a:t>
+              <a:t>Prototype </a:t>
+            </a:r>
+            <a:r>
+              <a:rPr lang="de-DE" b="1" dirty="0" smtClean="0"/>
+              <a:t>Implementierung</a:t>
+            </a:r>
+            <a:r>
+              <a:rPr lang="de-DE" b="1" dirty="0"/>
+              <a:t/>
             </a:r>
             <a:br>
               <a:rPr lang="de-DE" b="1" dirty="0"/>
@@ -22823,6 +23390,13 @@
   <p:clrMapOvr>
     <a:masterClrMapping/>
   </p:clrMapOvr>
+  <p:timing>
+    <p:tnLst>
+      <p:par>
+        <p:cTn id="1" dur="indefinite" restart="never" nodeType="tmRoot"/>
+      </p:par>
+    </p:tnLst>
+  </p:timing>
 </p:sld>
 </file>
 
@@ -22869,7 +23443,7 @@
             </a:pPr>
             <a:fld id="{B5F8C8F1-3024-4FA0-9BCE-52168EDEC483}" type="datetime1">
               <a:rPr lang="de-DE" smtClean="0"/>
-              <a:t>08.08.2018</a:t>
+              <a:t>09.08.2018</a:t>
             </a:fld>
             <a:endParaRPr lang="de-DE" dirty="0"/>
           </a:p>
@@ -22960,13 +23534,21 @@
         <p:spPr/>
         <p:txBody>
           <a:bodyPr>
-            <a:normAutofit fontScale="90000"/>
+            <a:normAutofit/>
           </a:bodyPr>
           <a:lstStyle/>
           <a:p>
             <a:r>
               <a:rPr lang="de-DE" b="1" dirty="0"/>
-              <a:t>Prototype Implementierung(drittes Ergebnis)</a:t>
+              <a:t>Prototype </a:t>
+            </a:r>
+            <a:r>
+              <a:rPr lang="de-DE" b="1" dirty="0" smtClean="0"/>
+              <a:t>Implementierung</a:t>
+            </a:r>
+            <a:r>
+              <a:rPr lang="de-DE" b="1" dirty="0"/>
+              <a:t/>
             </a:r>
             <a:br>
               <a:rPr lang="de-DE" b="1" dirty="0"/>
@@ -23059,6 +23641,13 @@
   <p:clrMapOvr>
     <a:masterClrMapping/>
   </p:clrMapOvr>
+  <p:timing>
+    <p:tnLst>
+      <p:par>
+        <p:cTn id="1" dur="indefinite" restart="never" nodeType="tmRoot"/>
+      </p:par>
+    </p:tnLst>
+  </p:timing>
 </p:sld>
 </file>
 
@@ -23261,7 +23850,7 @@
             </a:pPr>
             <a:fld id="{7C19136F-A910-4FB0-ACF8-AEB668541EC5}" type="datetime1">
               <a:rPr lang="de-DE" smtClean="0"/>
-              <a:t>08.08.2018</a:t>
+              <a:t>09.08.2018</a:t>
             </a:fld>
             <a:endParaRPr lang="de-DE" dirty="0"/>
           </a:p>
@@ -23362,6 +23951,13 @@
   <p:clrMapOvr>
     <a:masterClrMapping/>
   </p:clrMapOvr>
+  <p:timing>
+    <p:tnLst>
+      <p:par>
+        <p:cTn id="1" dur="indefinite" restart="never" nodeType="tmRoot"/>
+      </p:par>
+    </p:tnLst>
+  </p:timing>
 </p:sld>
 </file>
 
@@ -23484,7 +24080,7 @@
             </a:pPr>
             <a:fld id="{8F2FF29D-AB2E-4E17-B0E6-4D1260BEEACD}" type="datetime1">
               <a:rPr lang="de-DE" smtClean="0"/>
-              <a:t>08.08.2018</a:t>
+              <a:t>09.08.2018</a:t>
             </a:fld>
             <a:endParaRPr lang="de-DE" dirty="0"/>
           </a:p>
@@ -23576,6 +24172,13 @@
   <p:clrMapOvr>
     <a:masterClrMapping/>
   </p:clrMapOvr>
+  <p:timing>
+    <p:tnLst>
+      <p:par>
+        <p:cTn id="1" dur="indefinite" restart="never" nodeType="tmRoot"/>
+      </p:par>
+    </p:tnLst>
+  </p:timing>
 </p:sld>
 </file>
 
@@ -23680,7 +24283,7 @@
             </a:pPr>
             <a:fld id="{466E553E-65BB-48F9-9E2F-EE8FD8BA0C4F}" type="datetime1">
               <a:rPr lang="de-DE" smtClean="0"/>
-              <a:t>08.08.2018</a:t>
+              <a:t>09.08.2018</a:t>
             </a:fld>
             <a:endParaRPr lang="de-DE" dirty="0"/>
           </a:p>
@@ -23769,6 +24372,13 @@
   <p:clrMapOvr>
     <a:masterClrMapping/>
   </p:clrMapOvr>
+  <p:timing>
+    <p:tnLst>
+      <p:par>
+        <p:cTn id="1" dur="indefinite" restart="never" nodeType="tmRoot"/>
+      </p:par>
+    </p:tnLst>
+  </p:timing>
 </p:sld>
 </file>
 
@@ -23967,7 +24577,7 @@
             </a:pPr>
             <a:fld id="{7C19136F-A910-4FB0-ACF8-AEB668541EC5}" type="datetime1">
               <a:rPr lang="de-DE" smtClean="0"/>
-              <a:t>08.08.2018</a:t>
+              <a:t>09.08.2018</a:t>
             </a:fld>
             <a:endParaRPr lang="de-DE" dirty="0"/>
           </a:p>
@@ -24188,7 +24798,7 @@
             </a:pPr>
             <a:fld id="{76749AD7-FB61-4E09-8DD2-0A832C50C4EE}" type="datetime1">
               <a:rPr lang="de-DE" smtClean="0"/>
-              <a:t>08.08.2018</a:t>
+              <a:t>09.08.2018</a:t>
             </a:fld>
             <a:endParaRPr lang="de-DE" dirty="0"/>
           </a:p>
@@ -24399,6 +25009,13 @@
   <p:clrMapOvr>
     <a:masterClrMapping/>
   </p:clrMapOvr>
+  <p:timing>
+    <p:tnLst>
+      <p:par>
+        <p:cTn id="1" dur="indefinite" restart="never" nodeType="tmRoot"/>
+      </p:par>
+    </p:tnLst>
+  </p:timing>
 </p:sld>
 </file>
 
@@ -24552,7 +25169,7 @@
             </a:pPr>
             <a:fld id="{CE8E411C-3C5A-4240-AC7B-5D4C805394ED}" type="datetime1">
               <a:rPr lang="de-DE" smtClean="0"/>
-              <a:t>08.08.2018</a:t>
+              <a:t>09.08.2018</a:t>
             </a:fld>
             <a:endParaRPr lang="de-DE" dirty="0"/>
           </a:p>
@@ -28308,7 +28925,7 @@
             </a:pPr>
             <a:fld id="{7C19136F-A910-4FB0-ACF8-AEB668541EC5}" type="datetime1">
               <a:rPr lang="de-DE" smtClean="0"/>
-              <a:t>08.08.2018</a:t>
+              <a:t>09.08.2018</a:t>
             </a:fld>
             <a:endParaRPr lang="de-DE" dirty="0"/>
           </a:p>
@@ -28524,7 +29141,7 @@
             </a:pPr>
             <a:fld id="{72FE9AB9-D7B1-4B90-8B11-4DA12F8AFB39}" type="datetime1">
               <a:rPr lang="de-DE" smtClean="0"/>
-              <a:t>08.08.2018</a:t>
+              <a:t>09.08.2018</a:t>
             </a:fld>
             <a:endParaRPr lang="de-DE" dirty="0"/>
           </a:p>
@@ -29184,7 +29801,7 @@
             </a:pPr>
             <a:fld id="{554C2B53-FD2B-473F-8EE2-052ECEB5B916}" type="datetime1">
               <a:rPr lang="de-DE" smtClean="0"/>
-              <a:t>08.08.2018</a:t>
+              <a:t>09.08.2018</a:t>
             </a:fld>
             <a:endParaRPr lang="de-DE" dirty="0"/>
           </a:p>
@@ -30105,7 +30722,7 @@
             </a:pPr>
             <a:fld id="{D4CABC69-31DB-45D5-AE93-F2D14B16454F}" type="datetime1">
               <a:rPr lang="de-DE" smtClean="0"/>
-              <a:t>08.08.2018</a:t>
+              <a:t>09.08.2018</a:t>
             </a:fld>
             <a:endParaRPr lang="de-DE" dirty="0"/>
           </a:p>
@@ -31092,7 +31709,7 @@
             </a:pPr>
             <a:fld id="{7C19136F-A910-4FB0-ACF8-AEB668541EC5}" type="datetime1">
               <a:rPr lang="de-DE" smtClean="0"/>
-              <a:t>08.08.2018</a:t>
+              <a:t>09.08.2018</a:t>
             </a:fld>
             <a:endParaRPr lang="de-DE" dirty="0"/>
           </a:p>

--- a/Master-Abschluss.pptx
+++ b/Master-Abschluss.pptx
@@ -11108,9 +11108,10 @@
           <a:lstStyle/>
           <a:p>
             <a:r>
-              <a:rPr lang="de-DE" dirty="0"/>
-              <a:t>Was soll das Softwareprodukt  tun?</a:t>
-            </a:r>
+              <a:rPr lang="de-DE" dirty="0" smtClean="0"/>
+              <a:t>Funktional</a:t>
+            </a:r>
+            <a:endParaRPr lang="de-DE" dirty="0"/>
           </a:p>
           <a:p>
             <a:pPr lvl="1"/>
@@ -11144,7 +11145,15 @@
             <a:pPr lvl="1"/>
             <a:r>
               <a:rPr lang="de-DE" dirty="0"/>
-              <a:t>Die  Basisfunktionen müssen bereitstellt werden</a:t>
+              <a:t>Die  Basisfunktionen müssen </a:t>
+            </a:r>
+            <a:r>
+              <a:rPr lang="de-DE" dirty="0" smtClean="0"/>
+              <a:t>bereitgestellt </a:t>
+            </a:r>
+            <a:r>
+              <a:rPr lang="de-DE" dirty="0"/>
+              <a:t>werden</a:t>
             </a:r>
           </a:p>
           <a:p>
@@ -11155,9 +11164,10 @@
           </a:p>
           <a:p>
             <a:r>
-              <a:rPr lang="de-DE" dirty="0"/>
-              <a:t>Nichtfunktionale Anforderungen</a:t>
-            </a:r>
+              <a:rPr lang="de-DE" dirty="0" smtClean="0"/>
+              <a:t>Nichtfunktional</a:t>
+            </a:r>
+            <a:endParaRPr lang="de-DE" dirty="0"/>
           </a:p>
           <a:p>
             <a:pPr lvl="1"/>
@@ -11279,21 +11289,21 @@
         <p:spPr/>
         <p:txBody>
           <a:bodyPr>
-            <a:normAutofit fontScale="90000"/>
+            <a:normAutofit/>
           </a:bodyPr>
           <a:lstStyle/>
           <a:p>
             <a:r>
               <a:rPr lang="de-DE" dirty="0"/>
-              <a:t>Anforderungsanalyse: Funktionale </a:t>
-            </a:r>
-            <a:r>
-              <a:rPr lang="de-DE" dirty="0" err="1"/>
-              <a:t>Anforderungen&amp;Nichtfunktionale</a:t>
+              <a:t>Anforderungsanalyse: </a:t>
+            </a:r>
+            <a:r>
+              <a:rPr lang="de-DE" dirty="0" smtClean="0"/>
+              <a:t>Funktionale &amp; Nichtfunktionale </a:t>
             </a:r>
             <a:r>
               <a:rPr lang="de-DE" dirty="0"/>
-              <a:t> Anforderungen</a:t>
+              <a:t>Anforderungen</a:t>
             </a:r>
           </a:p>
         </p:txBody>
@@ -24047,13 +24057,18 @@
           <a:p>
             <a:pPr>
               <a:lnSpc>
-                <a:spcPct val="200000"/>
+                <a:spcPct val="150000"/>
               </a:lnSpc>
             </a:pPr>
             <a:r>
               <a:rPr lang="de-DE" dirty="0"/>
-              <a:t>Implementierung der Funktion für die Darstellung der Submodule</a:t>
-            </a:r>
+              <a:t>Implementierung der Funktion für die Darstellung </a:t>
+            </a:r>
+            <a:r>
+              <a:rPr lang="de-DE" dirty="0" smtClean="0"/>
+              <a:t>der Submodule</a:t>
+            </a:r>
+            <a:endParaRPr lang="de-DE" dirty="0"/>
           </a:p>
           <a:p>
             <a:endParaRPr lang="de-DE" dirty="0"/>
@@ -25249,8 +25264,8 @@
               <a:t>Einleitung: </a:t>
             </a:r>
             <a:r>
-              <a:rPr lang="de-DE" dirty="0" err="1"/>
-              <a:t>Motivation&amp;Zielsetzung</a:t>
+              <a:rPr lang="de-DE" dirty="0" smtClean="0"/>
+              <a:t>Motivation &amp; Zielsetzung</a:t>
             </a:r>
             <a:endParaRPr lang="de-DE" dirty="0"/>
           </a:p>
@@ -29218,8 +29233,13 @@
           <a:p>
             <a:r>
               <a:rPr lang="de-DE" dirty="0"/>
-              <a:t>Grundlage der Topologie:: Begriffserklärung</a:t>
-            </a:r>
+              <a:t>Grundlage der </a:t>
+            </a:r>
+            <a:r>
+              <a:rPr lang="de-DE" dirty="0" smtClean="0"/>
+              <a:t>Topologie: Begriffserklärung</a:t>
+            </a:r>
+            <a:endParaRPr lang="de-DE" dirty="0"/>
           </a:p>
         </p:txBody>
       </p:sp>

--- a/Master-Abschluss.pptx
+++ b/Master-Abschluss.pptx
@@ -286,7 +286,7 @@
               <a:pPr>
                 <a:defRPr/>
               </a:pPr>
-              <a:t>09.08.2018</a:t>
+              <a:t>17.08.2018</a:t>
             </a:fld>
             <a:endParaRPr lang="de-DE"/>
           </a:p>
@@ -472,7 +472,7 @@
               <a:pPr>
                 <a:defRPr/>
               </a:pPr>
-              <a:t>09.08.2018</a:t>
+              <a:t>17.08.2018</a:t>
             </a:fld>
             <a:endParaRPr lang="de-DE"/>
           </a:p>
@@ -1708,11 +1708,7 @@
           <a:p>
             <a:r>
               <a:rPr lang="de-DE" dirty="0"/>
-              <a:t>Nun Evaluation der Client-technologie</a:t>
-            </a:r>
-            <a:r>
-              <a:rPr lang="de-DE" dirty="0" smtClean="0"/>
-              <a:t>.</a:t>
+              <a:t>Nun Evaluation der Client-technologie.</a:t>
             </a:r>
           </a:p>
           <a:p>
@@ -1734,31 +1730,31 @@
               <a:defRPr/>
             </a:pPr>
             <a:r>
-              <a:rPr lang="de-DE" dirty="0" smtClean="0"/>
+              <a:rPr lang="de-DE" dirty="0"/>
               <a:t>Es wurde </a:t>
             </a:r>
             <a:r>
-              <a:rPr lang="de-DE" b="1" dirty="0" smtClean="0"/>
+              <a:rPr lang="de-DE" b="1" dirty="0"/>
               <a:t>eine Fülle von verschiedenen Frameworks </a:t>
             </a:r>
             <a:r>
-              <a:rPr lang="de-DE" dirty="0" smtClean="0"/>
+              <a:rPr lang="de-DE" dirty="0"/>
               <a:t>ausfindig gemacht. Um ein systematisch Vergleich durchzuführen, habe ich mir </a:t>
             </a:r>
             <a:r>
-              <a:rPr lang="de-DE" b="1" dirty="0" smtClean="0"/>
+              <a:rPr lang="de-DE" b="1" dirty="0"/>
               <a:t>Einen</a:t>
             </a:r>
             <a:r>
-              <a:rPr lang="de-DE" dirty="0" smtClean="0"/>
+              <a:rPr lang="de-DE" dirty="0"/>
               <a:t>  </a:t>
             </a:r>
             <a:r>
-              <a:rPr lang="de-DE" b="1" dirty="0" smtClean="0"/>
+              <a:rPr lang="de-DE" b="1" dirty="0"/>
               <a:t>Kriterienkatalog</a:t>
             </a:r>
             <a:r>
-              <a:rPr lang="de-DE" dirty="0" smtClean="0"/>
+              <a:rPr lang="de-DE" dirty="0"/>
               <a:t> erstellt….</a:t>
             </a:r>
           </a:p>
@@ -1858,12 +1854,8 @@
               <a:buAutoNum type="arabicPeriod"/>
             </a:pPr>
             <a:r>
-              <a:rPr lang="de-DE" dirty="0" smtClean="0"/>
-              <a:t>Hier soll </a:t>
-            </a:r>
-            <a:r>
               <a:rPr lang="de-DE" dirty="0"/>
-              <a:t>die </a:t>
+              <a:t>Hier soll die </a:t>
             </a:r>
             <a:r>
               <a:rPr lang="de-DE" dirty="0" err="1"/>
@@ -1887,22 +1879,18 @@
             </a:r>
             <a:r>
               <a:rPr lang="de-DE" dirty="0"/>
-              <a:t>. </a:t>
-            </a:r>
-            <a:r>
-              <a:rPr lang="de-DE" dirty="0" smtClean="0"/>
-              <a:t>Eine systematische</a:t>
-            </a:r>
-            <a:r>
-              <a:rPr lang="de-DE" baseline="0" dirty="0" smtClean="0"/>
+              <a:t>. Eine systematische</a:t>
+            </a:r>
+            <a:r>
+              <a:rPr lang="de-DE" baseline="0" dirty="0"/>
               <a:t> Benachrichtigung  für die Weitergabe von </a:t>
             </a:r>
             <a:r>
-              <a:rPr lang="de-DE" b="1" baseline="0" dirty="0" smtClean="0"/>
+              <a:rPr lang="de-DE" b="1" baseline="0" dirty="0"/>
               <a:t>Änderungen soll </a:t>
             </a:r>
             <a:r>
-              <a:rPr lang="de-DE" b="1" dirty="0" smtClean="0"/>
+              <a:rPr lang="de-DE" b="1" dirty="0"/>
               <a:t>bereitgestellt werden</a:t>
             </a:r>
           </a:p>
@@ -1912,32 +1900,16 @@
               <a:buAutoNum type="arabicPeriod"/>
             </a:pPr>
             <a:r>
-              <a:rPr lang="de-DE" dirty="0" smtClean="0"/>
-              <a:t>Hier </a:t>
-            </a:r>
-            <a:r>
               <a:rPr lang="de-DE" dirty="0"/>
-              <a:t>kommt </a:t>
-            </a:r>
-            <a:r>
-              <a:rPr lang="de-DE" dirty="0" smtClean="0"/>
-              <a:t>im </a:t>
+              <a:t>Hier kommt im Einsatz </a:t>
+            </a:r>
+            <a:r>
+              <a:rPr lang="de-DE" b="1" dirty="0"/>
+              <a:t>welcher Design-Pattern  SOLL ein Framework </a:t>
             </a:r>
             <a:r>
               <a:rPr lang="de-DE" dirty="0"/>
-              <a:t>Einsatz </a:t>
-            </a:r>
-            <a:r>
-              <a:rPr lang="de-DE" b="1" dirty="0" smtClean="0"/>
-              <a:t>welcher Design-Pattern  SOLL ein Framework </a:t>
-            </a:r>
-            <a:r>
-              <a:rPr lang="de-DE" dirty="0" smtClean="0"/>
-              <a:t>unterstützen und unter welche Programmiersprache </a:t>
-            </a:r>
-            <a:r>
-              <a:rPr lang="de-DE" dirty="0"/>
-              <a:t>,</a:t>
+              <a:t>unterstützen und unter welche Programmiersprache ,</a:t>
             </a:r>
             <a:r>
               <a:rPr lang="de-DE" dirty="0" err="1"/>
@@ -1962,7 +1934,7 @@
               <a:buAutoNum type="arabicPeriod"/>
             </a:pPr>
             <a:r>
-              <a:rPr lang="de-DE" dirty="0" smtClean="0"/>
+              <a:rPr lang="de-DE" dirty="0"/>
               <a:t>Diese </a:t>
             </a:r>
             <a:r>
@@ -1975,15 +1947,7 @@
             </a:r>
             <a:r>
               <a:rPr lang="de-DE" b="1" dirty="0"/>
-              <a:t>die </a:t>
-            </a:r>
-            <a:r>
-              <a:rPr lang="de-DE" b="1" dirty="0" smtClean="0"/>
-              <a:t>WÄHREND DER </a:t>
-            </a:r>
-            <a:r>
-              <a:rPr lang="de-DE" b="1" dirty="0"/>
-              <a:t>Nutzung </a:t>
+              <a:t>die WÄHREND DER Nutzung </a:t>
             </a:r>
             <a:r>
               <a:rPr lang="de-DE" dirty="0"/>
@@ -2086,19 +2050,19 @@
               <a:buAutoNum type="arabicPeriod"/>
             </a:pPr>
             <a:r>
-              <a:rPr lang="de-DE" dirty="0" smtClean="0"/>
+              <a:rPr lang="de-DE" dirty="0"/>
               <a:t>Für</a:t>
             </a:r>
             <a:r>
-              <a:rPr lang="de-DE" baseline="0" dirty="0" smtClean="0"/>
+              <a:rPr lang="de-DE" baseline="0" dirty="0"/>
               <a:t> die Grafische Darstellung der </a:t>
             </a:r>
             <a:r>
-              <a:rPr lang="de-DE" b="1" baseline="0" dirty="0" smtClean="0"/>
+              <a:rPr lang="de-DE" b="1" baseline="0" dirty="0"/>
               <a:t>Elemente wurden 3 clientseitigen Frameworks </a:t>
             </a:r>
             <a:r>
-              <a:rPr lang="de-DE" i="1" baseline="0" dirty="0" smtClean="0"/>
+              <a:rPr lang="de-DE" i="1" baseline="0" dirty="0"/>
               <a:t>unter die Lupe genommen.</a:t>
             </a:r>
             <a:endParaRPr lang="de-DE" i="1" dirty="0"/>
@@ -2109,27 +2073,27 @@
               <a:buAutoNum type="arabicPeriod"/>
             </a:pPr>
             <a:r>
-              <a:rPr lang="de-DE" dirty="0" smtClean="0"/>
+              <a:rPr lang="de-DE" dirty="0"/>
               <a:t>[erstens]</a:t>
             </a:r>
             <a:r>
-              <a:rPr lang="de-DE" baseline="0" dirty="0" smtClean="0"/>
+              <a:rPr lang="de-DE" baseline="0" dirty="0"/>
               <a:t> ist die </a:t>
             </a:r>
             <a:r>
-              <a:rPr lang="de-DE" baseline="0" dirty="0" err="1" smtClean="0"/>
+              <a:rPr lang="de-DE" baseline="0" dirty="0" err="1"/>
               <a:t>KendoUI</a:t>
             </a:r>
             <a:r>
-              <a:rPr lang="de-DE" baseline="0" dirty="0" smtClean="0"/>
+              <a:rPr lang="de-DE" baseline="0" dirty="0"/>
               <a:t> … , bietet UI Components die leider aufwändig in TE zu </a:t>
             </a:r>
             <a:r>
-              <a:rPr lang="de-DE" b="1" baseline="0" dirty="0" smtClean="0"/>
+              <a:rPr lang="de-DE" b="1" baseline="0" dirty="0"/>
               <a:t>integrieren was die Entwicklungsprozess verzögern</a:t>
             </a:r>
             <a:r>
-              <a:rPr lang="de-DE" baseline="0" dirty="0" smtClean="0"/>
+              <a:rPr lang="de-DE" baseline="0" dirty="0"/>
               <a:t>.</a:t>
             </a:r>
           </a:p>
@@ -2139,19 +2103,19 @@
               <a:buAutoNum type="arabicPeriod"/>
             </a:pPr>
             <a:r>
-              <a:rPr lang="de-DE" baseline="0" dirty="0" smtClean="0"/>
+              <a:rPr lang="de-DE" baseline="0" dirty="0"/>
               <a:t>[</a:t>
             </a:r>
             <a:r>
-              <a:rPr lang="de-DE" b="1" baseline="0" dirty="0" smtClean="0"/>
+              <a:rPr lang="de-DE" b="1" baseline="0" dirty="0"/>
               <a:t>zweitens</a:t>
             </a:r>
             <a:r>
-              <a:rPr lang="de-DE" baseline="0" dirty="0" smtClean="0"/>
+              <a:rPr lang="de-DE" baseline="0" dirty="0"/>
               <a:t>] ist die SAPUI5 ist,  eine Sammlung von Controls, die erleichtern eine grafische Komponente zu realisieren, die Controls besitzen leider wenig </a:t>
             </a:r>
             <a:r>
-              <a:rPr lang="de-DE" b="1" baseline="0" dirty="0" smtClean="0"/>
+              <a:rPr lang="de-DE" b="1" baseline="0" dirty="0"/>
               <a:t>Features</a:t>
             </a:r>
           </a:p>
@@ -2161,51 +2125,51 @@
               <a:buAutoNum type="arabicPeriod"/>
             </a:pPr>
             <a:r>
-              <a:rPr lang="de-DE" b="1" baseline="0" dirty="0" smtClean="0"/>
+              <a:rPr lang="de-DE" b="1" baseline="0" dirty="0"/>
               <a:t>[das Letzte] ist GOJS</a:t>
             </a:r>
             <a:r>
-              <a:rPr lang="de-DE" b="0" baseline="0" dirty="0" smtClean="0"/>
+              <a:rPr lang="de-DE" b="0" baseline="0" dirty="0"/>
               <a:t> hat den Vorteil gegenüber andere </a:t>
             </a:r>
             <a:r>
-              <a:rPr lang="de-DE" b="0" baseline="0" dirty="0" err="1" smtClean="0"/>
+              <a:rPr lang="de-DE" b="0" baseline="0" dirty="0" err="1"/>
               <a:t>Framworks</a:t>
             </a:r>
             <a:r>
-              <a:rPr lang="de-DE" b="0" baseline="0" dirty="0" smtClean="0"/>
+              <a:rPr lang="de-DE" b="0" baseline="0" dirty="0"/>
               <a:t> dass ein </a:t>
             </a:r>
             <a:r>
-              <a:rPr lang="de-DE" b="0" baseline="0" dirty="0" err="1" smtClean="0"/>
+              <a:rPr lang="de-DE" b="0" baseline="0" dirty="0" err="1"/>
               <a:t>vorvertiege</a:t>
             </a:r>
             <a:r>
-              <a:rPr lang="de-DE" b="0" baseline="0" dirty="0" smtClean="0"/>
+              <a:rPr lang="de-DE" b="0" baseline="0" dirty="0"/>
               <a:t> </a:t>
             </a:r>
             <a:r>
-              <a:rPr lang="de-DE" b="0" baseline="0" dirty="0" err="1" smtClean="0"/>
+              <a:rPr lang="de-DE" b="0" baseline="0" dirty="0" err="1"/>
               <a:t>Uis</a:t>
             </a:r>
             <a:r>
-              <a:rPr lang="de-DE" b="0" baseline="0" dirty="0" smtClean="0"/>
+              <a:rPr lang="de-DE" b="0" baseline="0" dirty="0"/>
               <a:t> für die Grafik </a:t>
             </a:r>
             <a:r>
-              <a:rPr lang="de-DE" b="0" baseline="0" dirty="0" err="1" smtClean="0"/>
+              <a:rPr lang="de-DE" b="0" baseline="0" dirty="0" err="1"/>
               <a:t>lieferen</a:t>
             </a:r>
             <a:r>
-              <a:rPr lang="de-DE" b="0" baseline="0" dirty="0" smtClean="0"/>
+              <a:rPr lang="de-DE" b="0" baseline="0" dirty="0"/>
               <a:t>, der Preis ist der </a:t>
             </a:r>
             <a:r>
-              <a:rPr lang="de-DE" b="0" baseline="0" dirty="0" err="1" smtClean="0"/>
+              <a:rPr lang="de-DE" b="0" baseline="0" dirty="0" err="1"/>
               <a:t>Einziege</a:t>
             </a:r>
             <a:r>
-              <a:rPr lang="de-DE" b="0" baseline="0" dirty="0" smtClean="0"/>
+              <a:rPr lang="de-DE" b="0" baseline="0" dirty="0"/>
               <a:t> Nachteil</a:t>
             </a:r>
             <a:endParaRPr lang="de-DE" b="1" dirty="0"/>
@@ -2299,35 +2263,35 @@
           <a:lstStyle/>
           <a:p>
             <a:r>
-              <a:rPr lang="de-DE" dirty="0" smtClean="0"/>
+              <a:rPr lang="de-DE" dirty="0"/>
               <a:t>Als</a:t>
             </a:r>
             <a:r>
-              <a:rPr lang="de-DE" baseline="0" dirty="0" smtClean="0"/>
+              <a:rPr lang="de-DE" baseline="0" dirty="0"/>
               <a:t> Ergebnis wurde di </a:t>
             </a:r>
             <a:r>
-              <a:rPr lang="de-DE" baseline="0" dirty="0" err="1" smtClean="0"/>
+              <a:rPr lang="de-DE" baseline="0" dirty="0" err="1"/>
               <a:t>GoJS</a:t>
             </a:r>
             <a:r>
-              <a:rPr lang="de-DE" baseline="0" dirty="0" smtClean="0"/>
+              <a:rPr lang="de-DE" baseline="0" dirty="0"/>
               <a:t> gewählt. Dadurch kann den Entwicklungsprozess beschleunigt werden und die Firma Hilscher hat schon </a:t>
             </a:r>
             <a:r>
-              <a:rPr lang="de-DE" baseline="0" dirty="0" err="1" smtClean="0"/>
+              <a:rPr lang="de-DE" baseline="0" dirty="0" err="1"/>
               <a:t>GojS</a:t>
             </a:r>
             <a:r>
-              <a:rPr lang="de-DE" baseline="0" dirty="0" smtClean="0"/>
+              <a:rPr lang="de-DE" baseline="0" dirty="0"/>
               <a:t>  in anderer </a:t>
             </a:r>
             <a:r>
-              <a:rPr lang="de-DE" baseline="0" dirty="0" err="1" smtClean="0"/>
+              <a:rPr lang="de-DE" baseline="0" dirty="0" err="1"/>
               <a:t>Ableteilung</a:t>
             </a:r>
             <a:r>
-              <a:rPr lang="de-DE" baseline="0" dirty="0" smtClean="0"/>
+              <a:rPr lang="de-DE" baseline="0" dirty="0"/>
               <a:t> angewendet.</a:t>
             </a:r>
             <a:endParaRPr lang="de-DE" dirty="0"/>
@@ -2425,15 +2389,15 @@
               <a:buAutoNum type="arabicPeriod"/>
             </a:pPr>
             <a:r>
-              <a:rPr lang="de-DE" dirty="0" smtClean="0"/>
+              <a:rPr lang="de-DE" dirty="0"/>
               <a:t>Für …. auch </a:t>
             </a:r>
             <a:r>
-              <a:rPr lang="de-DE" b="1" dirty="0" smtClean="0"/>
+              <a:rPr lang="de-DE" b="1" dirty="0"/>
               <a:t>kommen noch</a:t>
             </a:r>
             <a:r>
-              <a:rPr lang="de-DE" b="1" baseline="0" dirty="0" smtClean="0"/>
+              <a:rPr lang="de-DE" b="1" baseline="0" dirty="0"/>
               <a:t> 3 Frameworks ins Spiel.</a:t>
             </a:r>
           </a:p>
@@ -2443,31 +2407,31 @@
               <a:buAutoNum type="arabicPeriod"/>
             </a:pPr>
             <a:r>
-              <a:rPr lang="de-DE" b="1" baseline="0" dirty="0" smtClean="0"/>
+              <a:rPr lang="de-DE" b="1" baseline="0" dirty="0"/>
               <a:t>[erstens] Vue.js </a:t>
             </a:r>
             <a:r>
-              <a:rPr lang="de-DE" b="0" baseline="0" dirty="0" smtClean="0"/>
+              <a:rPr lang="de-DE" b="0" baseline="0" dirty="0"/>
               <a:t>, die in </a:t>
             </a:r>
             <a:r>
-              <a:rPr lang="de-DE" b="0" baseline="0" dirty="0" err="1" smtClean="0"/>
+              <a:rPr lang="de-DE" b="0" baseline="0" dirty="0" err="1"/>
               <a:t>social</a:t>
             </a:r>
             <a:r>
-              <a:rPr lang="de-DE" b="0" baseline="0" dirty="0" smtClean="0"/>
+              <a:rPr lang="de-DE" b="0" baseline="0" dirty="0"/>
               <a:t> </a:t>
             </a:r>
             <a:r>
-              <a:rPr lang="de-DE" b="0" baseline="0" dirty="0" err="1" smtClean="0"/>
+              <a:rPr lang="de-DE" b="0" baseline="0" dirty="0" err="1"/>
               <a:t>netzwerk</a:t>
             </a:r>
             <a:r>
-              <a:rPr lang="de-DE" b="0" baseline="0" dirty="0" smtClean="0"/>
+              <a:rPr lang="de-DE" b="0" baseline="0" dirty="0"/>
               <a:t> Twitter angewendet ist. Ist </a:t>
             </a:r>
             <a:r>
-              <a:rPr lang="de-DE" b="1" baseline="0" dirty="0" smtClean="0"/>
+              <a:rPr lang="de-DE" b="1" baseline="0" dirty="0"/>
               <a:t>sehr stark von Angular inspirieren </a:t>
             </a:r>
           </a:p>
@@ -2477,15 +2441,15 @@
               <a:buAutoNum type="arabicPeriod"/>
             </a:pPr>
             <a:r>
-              <a:rPr lang="de-DE" b="1" baseline="0" dirty="0" smtClean="0"/>
+              <a:rPr lang="de-DE" b="1" baseline="0" dirty="0"/>
               <a:t>[zweitens] React.js </a:t>
             </a:r>
             <a:r>
-              <a:rPr lang="de-DE" b="0" baseline="0" dirty="0" smtClean="0"/>
+              <a:rPr lang="de-DE" b="0" baseline="0" dirty="0"/>
               <a:t>von der Firma Facebook bietet einen guten Mechanismus für die Strukturierung einer Applikation aber die Codebasis ist nicht </a:t>
             </a:r>
             <a:r>
-              <a:rPr lang="de-DE" b="1" baseline="0" dirty="0" smtClean="0"/>
+              <a:rPr lang="de-DE" b="1" baseline="0" dirty="0"/>
               <a:t>übersichtlich</a:t>
             </a:r>
           </a:p>
@@ -2495,19 +2459,19 @@
               <a:buAutoNum type="arabicPeriod"/>
             </a:pPr>
             <a:r>
-              <a:rPr lang="de-DE" b="1" baseline="0" dirty="0" smtClean="0"/>
+              <a:rPr lang="de-DE" b="1" baseline="0" dirty="0"/>
               <a:t>[die letzte ] ist Angular von der </a:t>
             </a:r>
             <a:r>
-              <a:rPr lang="de-DE" b="1" baseline="0" dirty="0" err="1" smtClean="0"/>
+              <a:rPr lang="de-DE" b="1" baseline="0" dirty="0" err="1"/>
               <a:t>firma</a:t>
             </a:r>
             <a:r>
-              <a:rPr lang="de-DE" b="1" baseline="0" dirty="0" smtClean="0"/>
+              <a:rPr lang="de-DE" b="1" baseline="0" dirty="0"/>
               <a:t> Google. </a:t>
             </a:r>
             <a:r>
-              <a:rPr lang="de-DE" b="0" baseline="0" dirty="0" smtClean="0"/>
+              <a:rPr lang="de-DE" b="0" baseline="0" dirty="0"/>
               <a:t>Die Modular-Pattern macht Angular einzigartig.</a:t>
             </a:r>
             <a:endParaRPr lang="de-DE" b="1" dirty="0"/>
@@ -2604,19 +2568,19 @@
           <a:lstStyle/>
           <a:p>
             <a:r>
-              <a:rPr lang="de-DE" dirty="0" smtClean="0"/>
+              <a:rPr lang="de-DE" dirty="0"/>
               <a:t>Am</a:t>
             </a:r>
             <a:r>
-              <a:rPr lang="de-DE" baseline="0" dirty="0" smtClean="0"/>
+              <a:rPr lang="de-DE" baseline="0" dirty="0"/>
               <a:t> Ende wurde die Angular Framework gewählt. CS besitzt sogar schon ein </a:t>
             </a:r>
             <a:r>
-              <a:rPr lang="de-DE" baseline="0" dirty="0" err="1" smtClean="0"/>
+              <a:rPr lang="de-DE" baseline="0" dirty="0" err="1"/>
               <a:t>Plugin</a:t>
             </a:r>
             <a:r>
-              <a:rPr lang="de-DE" baseline="0" dirty="0" smtClean="0"/>
+              <a:rPr lang="de-DE" baseline="0" dirty="0"/>
               <a:t> die  auf Angular basiert.</a:t>
             </a:r>
             <a:endParaRPr lang="de-DE" dirty="0"/>
@@ -2710,11 +2674,11 @@
           <a:lstStyle/>
           <a:p>
             <a:r>
-              <a:rPr lang="de-DE" b="1" dirty="0" smtClean="0"/>
+              <a:rPr lang="de-DE" b="1" dirty="0"/>
               <a:t>Ich möchte an dieser Stelle </a:t>
             </a:r>
             <a:r>
-              <a:rPr lang="de-DE" b="1" baseline="0" dirty="0" smtClean="0"/>
+              <a:rPr lang="de-DE" b="1" baseline="0" dirty="0"/>
               <a:t> auf das Kernkonzept der TE eingehen</a:t>
             </a:r>
             <a:endParaRPr lang="de-DE" b="1" dirty="0"/>
@@ -2812,23 +2776,23 @@
               <a:buAutoNum type="arabicPeriod"/>
             </a:pPr>
             <a:r>
-              <a:rPr lang="de-DE" dirty="0" smtClean="0"/>
+              <a:rPr lang="de-DE" dirty="0"/>
               <a:t>Die Abb.</a:t>
             </a:r>
             <a:r>
-              <a:rPr lang="de-DE" baseline="0" dirty="0" smtClean="0"/>
+              <a:rPr lang="de-DE" baseline="0" dirty="0"/>
               <a:t> </a:t>
             </a:r>
             <a:r>
-              <a:rPr lang="de-DE" dirty="0" smtClean="0"/>
+              <a:rPr lang="de-DE" dirty="0"/>
               <a:t>zeigt die </a:t>
             </a:r>
             <a:r>
-              <a:rPr lang="de-DE" b="1" dirty="0" smtClean="0"/>
+              <a:rPr lang="de-DE" b="1" dirty="0"/>
               <a:t>Datenhandhabungskonzept </a:t>
             </a:r>
             <a:r>
-              <a:rPr lang="de-DE" dirty="0" smtClean="0"/>
+              <a:rPr lang="de-DE" dirty="0"/>
               <a:t>für die TE. Die beide gerundeten Rechtecke repräsentieren die feldbusspezifische Geräten. TE besteht aus 2 Hauptkomponenten: TES und TEC </a:t>
             </a:r>
           </a:p>
@@ -2838,19 +2802,19 @@
               <a:buAutoNum type="arabicPeriod"/>
             </a:pPr>
             <a:r>
-              <a:rPr lang="de-DE" dirty="0" smtClean="0"/>
+              <a:rPr lang="de-DE" dirty="0"/>
               <a:t>Server umfasst die Kernfunktionen wie </a:t>
             </a:r>
             <a:r>
-              <a:rPr lang="de-DE" b="1" dirty="0" smtClean="0"/>
+              <a:rPr lang="de-DE" b="1" dirty="0"/>
               <a:t>das Parsen der protokollneutralen Gerät-Informationen, erstellt, aktualisiert und löscht eine Topologie-Modell</a:t>
             </a:r>
             <a:r>
-              <a:rPr lang="de-DE" dirty="0" smtClean="0"/>
+              <a:rPr lang="de-DE" dirty="0"/>
               <a:t>. Darüber hinaus  bietet er einen </a:t>
             </a:r>
             <a:r>
-              <a:rPr lang="de-DE" b="1" dirty="0" smtClean="0"/>
+              <a:rPr lang="de-DE" b="1" dirty="0"/>
               <a:t>Mechanismus für Laden&amp; Speicher von Daten und Fehlerbehandlungen </a:t>
             </a:r>
           </a:p>
@@ -2860,7 +2824,7 @@
               <a:buAutoNum type="arabicPeriod"/>
             </a:pPr>
             <a:r>
-              <a:rPr lang="de-DE" dirty="0" smtClean="0"/>
+              <a:rPr lang="de-DE" dirty="0"/>
               <a:t>Client verwendet das HTTP-P um die Topologie-Information abzufragen und bietet eine Benutzerfreundlichkeit für die Visualisierung.</a:t>
             </a:r>
           </a:p>
@@ -2870,19 +2834,19 @@
               <a:buAutoNum type="arabicPeriod"/>
             </a:pPr>
             <a:r>
-              <a:rPr lang="de-DE" dirty="0" smtClean="0"/>
+              <a:rPr lang="de-DE" dirty="0"/>
               <a:t>Datenübertragung geschehen</a:t>
             </a:r>
             <a:r>
-              <a:rPr lang="de-DE" baseline="0" dirty="0" smtClean="0"/>
+              <a:rPr lang="de-DE" baseline="0" dirty="0"/>
               <a:t> </a:t>
             </a:r>
             <a:r>
-              <a:rPr lang="de-DE" b="1" baseline="0" dirty="0" smtClean="0"/>
+              <a:rPr lang="de-DE" b="1" baseline="0" dirty="0"/>
               <a:t>über JSON-Format</a:t>
             </a:r>
             <a:r>
-              <a:rPr lang="de-DE" baseline="0" dirty="0" smtClean="0"/>
+              <a:rPr lang="de-DE" baseline="0" dirty="0"/>
               <a:t>.</a:t>
             </a:r>
           </a:p>
@@ -2892,15 +2856,15 @@
               <a:buAutoNum type="arabicPeriod"/>
             </a:pPr>
             <a:r>
-              <a:rPr lang="de-DE" baseline="0" dirty="0" smtClean="0"/>
+              <a:rPr lang="de-DE" baseline="0" dirty="0"/>
               <a:t>Die 1 ist die Schnittstelle die erlaubt die existierenden Topologische Information über </a:t>
             </a:r>
             <a:r>
-              <a:rPr lang="de-DE" baseline="0" dirty="0" err="1" smtClean="0"/>
+              <a:rPr lang="de-DE" baseline="0" dirty="0" err="1"/>
               <a:t>ComStudio</a:t>
             </a:r>
             <a:r>
-              <a:rPr lang="de-DE" baseline="0" dirty="0" smtClean="0"/>
+              <a:rPr lang="de-DE" baseline="0" dirty="0"/>
               <a:t> zu holen</a:t>
             </a:r>
           </a:p>
@@ -2910,15 +2874,15 @@
               <a:buAutoNum type="arabicPeriod"/>
             </a:pPr>
             <a:r>
-              <a:rPr lang="de-DE" baseline="0" dirty="0" smtClean="0"/>
+              <a:rPr lang="de-DE" baseline="0" dirty="0"/>
               <a:t>Die 2 bietet die Möglichkeit die probus-gerät über </a:t>
             </a:r>
             <a:r>
-              <a:rPr lang="de-DE" baseline="0" dirty="0" err="1" smtClean="0"/>
+              <a:rPr lang="de-DE" baseline="0" dirty="0" err="1"/>
               <a:t>ComStudio</a:t>
             </a:r>
             <a:r>
-              <a:rPr lang="de-DE" baseline="0" dirty="0" smtClean="0"/>
+              <a:rPr lang="de-DE" baseline="0" dirty="0"/>
               <a:t> anzusprechen.</a:t>
             </a:r>
           </a:p>
@@ -2928,15 +2892,15 @@
               <a:buAutoNum type="arabicPeriod"/>
             </a:pPr>
             <a:r>
-              <a:rPr lang="de-DE" baseline="0" dirty="0" smtClean="0"/>
+              <a:rPr lang="de-DE" baseline="0" dirty="0"/>
               <a:t>Die 3 ist das selbe Prinzip für die </a:t>
             </a:r>
             <a:r>
-              <a:rPr lang="de-DE" baseline="0" dirty="0" err="1" smtClean="0"/>
+              <a:rPr lang="de-DE" baseline="0" dirty="0" err="1"/>
               <a:t>Profinet</a:t>
             </a:r>
             <a:r>
-              <a:rPr lang="de-DE" baseline="0" dirty="0" smtClean="0"/>
+              <a:rPr lang="de-DE" baseline="0" dirty="0"/>
               <a:t>-gerät </a:t>
             </a:r>
           </a:p>
@@ -2945,7 +2909,7 @@
               <a:buFont typeface="+mj-lt"/>
               <a:buNone/>
             </a:pPr>
-            <a:endParaRPr lang="de-DE" dirty="0" smtClean="0"/>
+            <a:endParaRPr lang="de-DE" dirty="0"/>
           </a:p>
           <a:p>
             <a:endParaRPr lang="de-DE" dirty="0"/>
@@ -3245,23 +3209,23 @@
               <a:defRPr/>
             </a:pPr>
             <a:r>
-              <a:rPr lang="de-DE" baseline="0" dirty="0" smtClean="0"/>
+              <a:rPr lang="de-DE" baseline="0" dirty="0"/>
               <a:t>Wenn ein neues Gerät wie </a:t>
             </a:r>
             <a:r>
-              <a:rPr lang="de-DE" baseline="0" dirty="0" err="1" smtClean="0"/>
+              <a:rPr lang="de-DE" baseline="0" dirty="0" err="1"/>
               <a:t>CANoPEN</a:t>
             </a:r>
             <a:r>
-              <a:rPr lang="de-DE" baseline="0" dirty="0" smtClean="0"/>
+              <a:rPr lang="de-DE" baseline="0" dirty="0"/>
               <a:t>-Gerät verwenden soll, soll nur eine </a:t>
             </a:r>
             <a:r>
-              <a:rPr lang="de-DE" baseline="0" dirty="0" err="1" smtClean="0"/>
+              <a:rPr lang="de-DE" baseline="0" dirty="0" err="1"/>
               <a:t>Schnistelle</a:t>
             </a:r>
             <a:r>
-              <a:rPr lang="de-DE" baseline="0" dirty="0" smtClean="0"/>
+              <a:rPr lang="de-DE" baseline="0" dirty="0"/>
               <a:t> für die Datenabfrage realisiert werden </a:t>
             </a:r>
           </a:p>
@@ -3284,31 +3248,31 @@
               <a:defRPr/>
             </a:pPr>
             <a:r>
-              <a:rPr lang="de-DE" baseline="0" dirty="0" smtClean="0"/>
+              <a:rPr lang="de-DE" baseline="0" dirty="0"/>
               <a:t>Der Server </a:t>
             </a:r>
             <a:r>
-              <a:rPr lang="de-DE" b="1" baseline="0" dirty="0" smtClean="0"/>
+              <a:rPr lang="de-DE" b="1" baseline="0" dirty="0"/>
               <a:t>nimmt die feldbusabhängige Information entgegen </a:t>
             </a:r>
             <a:r>
-              <a:rPr lang="de-DE" baseline="0" dirty="0" smtClean="0"/>
+              <a:rPr lang="de-DE" baseline="0" dirty="0"/>
               <a:t>und </a:t>
             </a:r>
             <a:r>
-              <a:rPr lang="de-DE" baseline="0" dirty="0" err="1" smtClean="0"/>
+              <a:rPr lang="de-DE" baseline="0" dirty="0" err="1"/>
               <a:t>parser</a:t>
             </a:r>
             <a:r>
-              <a:rPr lang="de-DE" baseline="0" dirty="0" smtClean="0"/>
+              <a:rPr lang="de-DE" baseline="0" dirty="0"/>
               <a:t> sie </a:t>
             </a:r>
             <a:r>
-              <a:rPr lang="de-DE" b="1" baseline="0" dirty="0" smtClean="0"/>
+              <a:rPr lang="de-DE" b="1" baseline="0" dirty="0"/>
               <a:t>zu protokollneutrale Information </a:t>
             </a:r>
             <a:r>
-              <a:rPr lang="de-DE" baseline="0" dirty="0" smtClean="0"/>
+              <a:rPr lang="de-DE" baseline="0" dirty="0"/>
               <a:t>und senden an Client. </a:t>
             </a:r>
           </a:p>
@@ -3408,7 +3372,7 @@
               <a:buAutoNum type="arabicPeriod"/>
             </a:pPr>
             <a:r>
-              <a:rPr lang="de-DE" dirty="0" smtClean="0"/>
+              <a:rPr lang="de-DE" dirty="0"/>
               <a:t>Das </a:t>
             </a:r>
             <a:r>
@@ -3427,7 +3391,6 @@
               <a:rPr lang="de-DE" b="1" baseline="0" dirty="0"/>
               <a:t>Es handelt sich um ein Key-Value-Paare. </a:t>
             </a:r>
-            <a:endParaRPr lang="de-DE" b="1" baseline="0" dirty="0" smtClean="0"/>
           </a:p>
           <a:p>
             <a:pPr marL="228600" indent="-228600">
@@ -3435,27 +3398,23 @@
               <a:buAutoNum type="arabicPeriod"/>
             </a:pPr>
             <a:r>
-              <a:rPr lang="de-DE" baseline="0" dirty="0" smtClean="0"/>
+              <a:rPr lang="de-DE" baseline="0" dirty="0"/>
               <a:t>Der </a:t>
             </a:r>
             <a:r>
               <a:rPr lang="de-DE" b="1" baseline="0" dirty="0"/>
-              <a:t>erste </a:t>
-            </a:r>
-            <a:r>
-              <a:rPr lang="de-DE" b="1" baseline="0" dirty="0" smtClean="0"/>
-              <a:t>Schlüssel ist systemtag</a:t>
-            </a:r>
-            <a:r>
-              <a:rPr lang="de-DE" baseline="0" dirty="0" smtClean="0"/>
+              <a:t>erste Schlüssel ist systemtag</a:t>
+            </a:r>
+            <a:r>
+              <a:rPr lang="de-DE" baseline="0" dirty="0"/>
               <a:t>,  er bietet eine Möglichkeit </a:t>
             </a:r>
             <a:r>
-              <a:rPr lang="de-DE" b="1" baseline="0" dirty="0" smtClean="0"/>
+              <a:rPr lang="de-DE" b="1" baseline="0" dirty="0"/>
               <a:t>ein Gerät eindeutig zu </a:t>
             </a:r>
             <a:r>
-              <a:rPr lang="de-DE" baseline="0" dirty="0" smtClean="0"/>
+              <a:rPr lang="de-DE" baseline="0" dirty="0"/>
               <a:t>identifizieren.</a:t>
             </a:r>
           </a:p>
@@ -3465,22 +3424,21 @@
               <a:buAutoNum type="arabicPeriod"/>
             </a:pPr>
             <a:r>
-              <a:rPr lang="de-DE" baseline="0" dirty="0" smtClean="0"/>
+              <a:rPr lang="de-DE" baseline="0" dirty="0"/>
               <a:t>Der Gerätename und die </a:t>
             </a:r>
             <a:r>
-              <a:rPr lang="de-DE" b="1" baseline="0" dirty="0" smtClean="0"/>
+              <a:rPr lang="de-DE" b="1" baseline="0" dirty="0"/>
               <a:t>Station-</a:t>
             </a:r>
             <a:r>
-              <a:rPr lang="de-DE" b="1" baseline="0" dirty="0" err="1" smtClean="0"/>
+              <a:rPr lang="de-DE" b="1" baseline="0" dirty="0" err="1"/>
               <a:t>Addresse</a:t>
             </a:r>
             <a:r>
-              <a:rPr lang="de-DE" b="1" baseline="0" dirty="0" smtClean="0"/>
+              <a:rPr lang="de-DE" b="1" baseline="0" dirty="0"/>
               <a:t> können auch abgefragt werden mit jeweils schlüsseln</a:t>
             </a:r>
-            <a:endParaRPr lang="de-DE" b="1" baseline="0" dirty="0"/>
           </a:p>
           <a:p>
             <a:pPr marL="228600" indent="-228600">
@@ -3488,7 +3446,7 @@
               <a:buAutoNum type="arabicPeriod"/>
             </a:pPr>
             <a:r>
-              <a:rPr lang="de-DE" baseline="0" dirty="0" smtClean="0"/>
+              <a:rPr lang="de-DE" baseline="0" dirty="0"/>
               <a:t>Die </a:t>
             </a:r>
             <a:r>
@@ -3594,20 +3552,12 @@
               <a:t>Das 2te </a:t>
             </a:r>
             <a:r>
-              <a:rPr lang="de-DE" dirty="0" err="1" smtClean="0"/>
+              <a:rPr lang="de-DE" dirty="0" err="1"/>
               <a:t>JSon</a:t>
             </a:r>
             <a:r>
-              <a:rPr lang="de-DE" dirty="0" smtClean="0"/>
-              <a:t> </a:t>
-            </a:r>
-            <a:r>
               <a:rPr lang="de-DE" dirty="0"/>
-              <a:t>Format beschreibt die liste der Verbindung in Netz</a:t>
-            </a:r>
-            <a:r>
-              <a:rPr lang="de-DE" dirty="0" smtClean="0"/>
-              <a:t>.</a:t>
+              <a:t> Format beschreibt die liste der Verbindung in Netz.</a:t>
             </a:r>
           </a:p>
           <a:p>
@@ -3616,7 +3566,7 @@
               <a:buAutoNum type="arabicPeriod"/>
             </a:pPr>
             <a:r>
-              <a:rPr lang="de-DE" dirty="0" smtClean="0"/>
+              <a:rPr lang="de-DE" dirty="0"/>
               <a:t> </a:t>
             </a:r>
             <a:r>
@@ -3628,27 +3578,27 @@
               <a:t> und </a:t>
             </a:r>
             <a:r>
-              <a:rPr lang="de-DE" b="1" dirty="0" err="1" smtClean="0"/>
+              <a:rPr lang="de-DE" b="1" dirty="0" err="1"/>
               <a:t>To</a:t>
             </a:r>
             <a:r>
-              <a:rPr lang="de-DE" b="1" dirty="0" smtClean="0"/>
+              <a:rPr lang="de-DE" b="1" dirty="0"/>
               <a:t> Schlüssel repräsentieren  der Quell-</a:t>
             </a:r>
             <a:r>
-              <a:rPr lang="de-DE" b="1" baseline="0" dirty="0" smtClean="0"/>
+              <a:rPr lang="de-DE" b="1" baseline="0" dirty="0"/>
               <a:t> </a:t>
             </a:r>
             <a:r>
-              <a:rPr lang="de-DE" b="1" dirty="0" smtClean="0"/>
+              <a:rPr lang="de-DE" b="1" dirty="0"/>
               <a:t>und </a:t>
             </a:r>
             <a:r>
-              <a:rPr lang="de-DE" b="1" dirty="0" err="1" smtClean="0"/>
+              <a:rPr lang="de-DE" b="1" dirty="0" err="1"/>
               <a:t>ZielGeräts</a:t>
             </a:r>
             <a:r>
-              <a:rPr lang="de-DE" dirty="0" smtClean="0"/>
+              <a:rPr lang="de-DE" dirty="0"/>
               <a:t>.</a:t>
             </a:r>
           </a:p>
@@ -3658,23 +3608,23 @@
               <a:buAutoNum type="arabicPeriod"/>
             </a:pPr>
             <a:r>
-              <a:rPr lang="de-DE" b="1" dirty="0" err="1" smtClean="0"/>
+              <a:rPr lang="de-DE" b="1" dirty="0" err="1"/>
               <a:t>FromPort</a:t>
             </a:r>
             <a:r>
-              <a:rPr lang="de-DE" b="1" baseline="0" dirty="0" smtClean="0"/>
+              <a:rPr lang="de-DE" b="1" baseline="0" dirty="0"/>
               <a:t> und </a:t>
             </a:r>
             <a:r>
-              <a:rPr lang="de-DE" b="1" baseline="0" dirty="0" err="1" smtClean="0"/>
+              <a:rPr lang="de-DE" b="1" baseline="0" dirty="0" err="1"/>
               <a:t>ToPort</a:t>
             </a:r>
             <a:r>
-              <a:rPr lang="de-DE" b="1" baseline="0" dirty="0" smtClean="0"/>
+              <a:rPr lang="de-DE" b="1" baseline="0" dirty="0"/>
               <a:t> Schlüssel repräsentieren die Ports der jeweils Geräten</a:t>
             </a:r>
             <a:r>
-              <a:rPr lang="de-DE" b="1" dirty="0" smtClean="0"/>
+              <a:rPr lang="de-DE" b="1" dirty="0"/>
               <a:t> </a:t>
             </a:r>
           </a:p>
@@ -3684,42 +3634,41 @@
               <a:buAutoNum type="arabicPeriod"/>
             </a:pPr>
             <a:r>
-              <a:rPr lang="de-DE" dirty="0" smtClean="0"/>
+              <a:rPr lang="de-DE" dirty="0"/>
               <a:t>Mit </a:t>
             </a:r>
             <a:r>
-              <a:rPr lang="de-DE" dirty="0" err="1" smtClean="0"/>
+              <a:rPr lang="de-DE" dirty="0" err="1"/>
               <a:t>linkColor</a:t>
             </a:r>
             <a:r>
-              <a:rPr lang="de-DE" dirty="0" smtClean="0"/>
+              <a:rPr lang="de-DE" dirty="0"/>
               <a:t> kann die Farbe der </a:t>
             </a:r>
             <a:r>
-              <a:rPr lang="de-DE" dirty="0" err="1" smtClean="0"/>
+              <a:rPr lang="de-DE" dirty="0" err="1"/>
               <a:t>Linen</a:t>
             </a:r>
             <a:r>
-              <a:rPr lang="de-DE" dirty="0" smtClean="0"/>
+              <a:rPr lang="de-DE" dirty="0"/>
               <a:t> definiert. Zum </a:t>
             </a:r>
             <a:r>
-              <a:rPr lang="de-DE" dirty="0" err="1" smtClean="0"/>
+              <a:rPr lang="de-DE" dirty="0" err="1"/>
               <a:t>Besipe</a:t>
             </a:r>
             <a:r>
-              <a:rPr lang="de-DE" dirty="0" smtClean="0"/>
+              <a:rPr lang="de-DE" dirty="0"/>
               <a:t> bei </a:t>
             </a:r>
             <a:r>
-              <a:rPr lang="de-DE" dirty="0" err="1" smtClean="0"/>
+              <a:rPr lang="de-DE" dirty="0" err="1"/>
               <a:t>Profubis</a:t>
             </a:r>
             <a:r>
-              <a:rPr lang="de-DE" dirty="0" smtClean="0"/>
+              <a:rPr lang="de-DE" dirty="0"/>
               <a:t> ist grün.</a:t>
             </a:r>
-            <a:endParaRPr lang="de-DE" dirty="0"/>
           </a:p>
         </p:txBody>
       </p:sp>
@@ -4233,11 +4182,11 @@
           <a:lstStyle/>
           <a:p>
             <a:r>
-              <a:rPr lang="de-DE" b="1" dirty="0" smtClean="0"/>
+              <a:rPr lang="de-DE" b="1" dirty="0"/>
               <a:t>In der</a:t>
             </a:r>
             <a:r>
-              <a:rPr lang="de-DE" b="1" baseline="0" dirty="0" smtClean="0"/>
+              <a:rPr lang="de-DE" b="1" baseline="0" dirty="0"/>
               <a:t> letzten Kapitel spreche über die Fakten zu grafischen Komponente</a:t>
             </a:r>
             <a:endParaRPr lang="de-DE" b="1" dirty="0"/>
@@ -6303,9 +6252,9 @@
             <a:pPr>
               <a:defRPr/>
             </a:pPr>
-            <a:fld id="{4B708C82-F8E6-409C-A676-C60AAC2DF97E}" type="datetime1">
+            <a:fld id="{DD17C720-9F55-45D7-A201-585BB605DC86}" type="datetime1">
               <a:rPr lang="de-DE" smtClean="0"/>
-              <a:t>09.08.2018</a:t>
+              <a:t>17.08.2018</a:t>
             </a:fld>
             <a:endParaRPr lang="de-DE" dirty="0"/>
           </a:p>
@@ -7109,9 +7058,9 @@
             <a:pPr>
               <a:defRPr/>
             </a:pPr>
-            <a:fld id="{1358CD6C-0E6F-4ABB-ADE4-8B8CA0893236}" type="datetime1">
+            <a:fld id="{6F5A62FD-559D-4A8A-8A16-4E22E46B2811}" type="datetime1">
               <a:rPr lang="de-DE" smtClean="0"/>
-              <a:t>09.08.2018</a:t>
+              <a:t>17.08.2018</a:t>
             </a:fld>
             <a:endParaRPr lang="de-DE" dirty="0"/>
           </a:p>
@@ -7456,9 +7405,9 @@
             <a:pPr>
               <a:defRPr/>
             </a:pPr>
-            <a:fld id="{AA87D1F3-9BDC-4C2A-AADC-0D1455A8CA1D}" type="datetime1">
+            <a:fld id="{0F5C761A-3127-4015-B2FE-9A4D309D46C5}" type="datetime1">
               <a:rPr lang="de-DE" smtClean="0"/>
-              <a:t>09.08.2018</a:t>
+              <a:t>17.08.2018</a:t>
             </a:fld>
             <a:endParaRPr lang="de-DE" dirty="0"/>
           </a:p>
@@ -7792,9 +7741,9 @@
             <a:pPr>
               <a:defRPr/>
             </a:pPr>
-            <a:fld id="{ACC95346-7D0D-4BB2-B12E-431360D2B8E0}" type="datetime1">
+            <a:fld id="{18EB9810-C831-45DD-85EA-5545647C87AA}" type="datetime1">
               <a:rPr lang="de-DE" smtClean="0"/>
-              <a:t>09.08.2018</a:t>
+              <a:t>17.08.2018</a:t>
             </a:fld>
             <a:endParaRPr lang="de-DE" dirty="0"/>
           </a:p>
@@ -8113,9 +8062,9 @@
             <a:pPr>
               <a:defRPr/>
             </a:pPr>
-            <a:fld id="{C897D868-5813-46E7-8C6D-DB464A27969A}" type="datetime1">
+            <a:fld id="{652FD0FE-52BB-44D9-8F2C-C0CAEDBE6E51}" type="datetime1">
               <a:rPr lang="de-DE" smtClean="0"/>
-              <a:t>09.08.2018</a:t>
+              <a:t>17.08.2018</a:t>
             </a:fld>
             <a:endParaRPr lang="de-DE" dirty="0"/>
           </a:p>
@@ -8434,9 +8383,9 @@
             <a:pPr>
               <a:defRPr/>
             </a:pPr>
-            <a:fld id="{F2B59603-8392-42ED-9FD2-89EB8695C0BE}" type="datetime1">
+            <a:fld id="{D7D1B1AB-E4FB-4CD8-9EAD-B72DE906B305}" type="datetime1">
               <a:rPr lang="de-DE" smtClean="0"/>
-              <a:t>09.08.2018</a:t>
+              <a:t>17.08.2018</a:t>
             </a:fld>
             <a:endParaRPr lang="de-DE" dirty="0"/>
           </a:p>
@@ -8835,9 +8784,9 @@
             <a:pPr>
               <a:defRPr/>
             </a:pPr>
-            <a:fld id="{4E1B3107-3D3F-4777-9207-6551F81EC093}" type="datetime1">
+            <a:fld id="{E1339F75-BBED-4FA5-9CE0-D6E991F5C226}" type="datetime1">
               <a:rPr lang="de-DE" smtClean="0"/>
-              <a:t>09.08.2018</a:t>
+              <a:t>17.08.2018</a:t>
             </a:fld>
             <a:endParaRPr lang="de-DE" dirty="0"/>
           </a:p>
@@ -9196,9 +9145,9 @@
             <a:pPr>
               <a:defRPr/>
             </a:pPr>
-            <a:fld id="{B2D9D328-0EA9-47BD-9F0C-9374A81B247B}" type="datetime1">
+            <a:fld id="{2E59EF24-B1ED-4A80-9EA4-868C17EDF637}" type="datetime1">
               <a:rPr lang="de-DE" smtClean="0"/>
-              <a:t>09.08.2018</a:t>
+              <a:t>17.08.2018</a:t>
             </a:fld>
             <a:endParaRPr lang="de-DE" dirty="0"/>
           </a:p>
@@ -9452,9 +9401,9 @@
             <a:pPr>
               <a:defRPr/>
             </a:pPr>
-            <a:fld id="{3F439ECE-A22E-48D2-B1A2-A5BDB43AF362}" type="datetime1">
+            <a:fld id="{4C1274F5-F8AF-44CD-8B1E-EDB26CB3A108}" type="datetime1">
               <a:rPr lang="de-DE" smtClean="0"/>
-              <a:t>09.08.2018</a:t>
+              <a:t>17.08.2018</a:t>
             </a:fld>
             <a:endParaRPr lang="de-DE" dirty="0"/>
           </a:p>
@@ -10230,9 +10179,9 @@
             <a:pPr>
               <a:defRPr/>
             </a:pPr>
-            <a:fld id="{241CB7C7-BA97-40EB-9100-3D699B3BA247}" type="datetime1">
+            <a:fld id="{0D78A848-0002-4EDA-9C86-36A365AB48C5}" type="datetime1">
               <a:rPr lang="de-DE" smtClean="0"/>
-              <a:t>09.08.2018</a:t>
+              <a:t>17.08.2018</a:t>
             </a:fld>
             <a:endParaRPr lang="de-DE" dirty="0"/>
           </a:p>
@@ -10557,7 +10506,7 @@
                             </p:stCondLst>
                             <p:childTnLst>
                               <p:par>
-                                <p:cTn id="5" presetID="2" presetClass="entr" presetSubtype="4" fill="hold" nodeType="clickEffect">
+                                <p:cTn id="5" presetID="1" presetClass="entr" presetSubtype="0" fill="hold" nodeType="clickEffect">
                                   <p:stCondLst>
                                     <p:cond delay="0"/>
                                   </p:stCondLst>
@@ -10584,60 +10533,6 @@
                                         <p:strVal val="visible"/>
                                       </p:to>
                                     </p:set>
-                                    <p:anim calcmode="lin" valueType="num">
-                                      <p:cBhvr additive="base">
-                                        <p:cTn id="7" dur="500" fill="hold"/>
-                                        <p:tgtEl>
-                                          <p:spTgt spid="11">
-                                            <p:txEl>
-                                              <p:pRg st="0" end="0"/>
-                                            </p:txEl>
-                                          </p:spTgt>
-                                        </p:tgtEl>
-                                        <p:attrNameLst>
-                                          <p:attrName>ppt_x</p:attrName>
-                                        </p:attrNameLst>
-                                      </p:cBhvr>
-                                      <p:tavLst>
-                                        <p:tav tm="0">
-                                          <p:val>
-                                            <p:strVal val="#ppt_x"/>
-                                          </p:val>
-                                        </p:tav>
-                                        <p:tav tm="100000">
-                                          <p:val>
-                                            <p:strVal val="#ppt_x"/>
-                                          </p:val>
-                                        </p:tav>
-                                      </p:tavLst>
-                                    </p:anim>
-                                    <p:anim calcmode="lin" valueType="num">
-                                      <p:cBhvr additive="base">
-                                        <p:cTn id="8" dur="500" fill="hold"/>
-                                        <p:tgtEl>
-                                          <p:spTgt spid="11">
-                                            <p:txEl>
-                                              <p:pRg st="0" end="0"/>
-                                            </p:txEl>
-                                          </p:spTgt>
-                                        </p:tgtEl>
-                                        <p:attrNameLst>
-                                          <p:attrName>ppt_y</p:attrName>
-                                        </p:attrNameLst>
-                                      </p:cBhvr>
-                                      <p:tavLst>
-                                        <p:tav tm="0">
-                                          <p:val>
-                                            <p:strVal val="1+#ppt_h/2"/>
-                                          </p:val>
-                                        </p:tav>
-                                        <p:tav tm="100000">
-                                          <p:val>
-                                            <p:strVal val="#ppt_y"/>
-                                          </p:val>
-                                        </p:tav>
-                                      </p:tavLst>
-                                    </p:anim>
                                   </p:childTnLst>
                                 </p:cTn>
                               </p:par>
@@ -10648,26 +10543,26 @@
                     </p:cTn>
                   </p:par>
                   <p:par>
-                    <p:cTn id="9" fill="hold">
+                    <p:cTn id="7" fill="hold">
                       <p:stCondLst>
                         <p:cond delay="indefinite"/>
                       </p:stCondLst>
                       <p:childTnLst>
                         <p:par>
-                          <p:cTn id="10" fill="hold">
+                          <p:cTn id="8" fill="hold">
                             <p:stCondLst>
                               <p:cond delay="0"/>
                             </p:stCondLst>
                             <p:childTnLst>
                               <p:par>
-                                <p:cTn id="11" presetID="2" presetClass="entr" presetSubtype="4" fill="hold" nodeType="clickEffect">
+                                <p:cTn id="9" presetID="1" presetClass="entr" presetSubtype="0" fill="hold" nodeType="clickEffect">
                                   <p:stCondLst>
                                     <p:cond delay="0"/>
                                   </p:stCondLst>
                                   <p:childTnLst>
                                     <p:set>
                                       <p:cBhvr>
-                                        <p:cTn id="12" dur="1" fill="hold">
+                                        <p:cTn id="10" dur="1" fill="hold">
                                           <p:stCondLst>
                                             <p:cond delay="0"/>
                                           </p:stCondLst>
@@ -10687,60 +10582,51 @@
                                         <p:strVal val="visible"/>
                                       </p:to>
                                     </p:set>
-                                    <p:anim calcmode="lin" valueType="num">
-                                      <p:cBhvr additive="base">
-                                        <p:cTn id="13" dur="500" fill="hold"/>
+                                  </p:childTnLst>
+                                </p:cTn>
+                              </p:par>
+                            </p:childTnLst>
+                          </p:cTn>
+                        </p:par>
+                      </p:childTnLst>
+                    </p:cTn>
+                  </p:par>
+                  <p:par>
+                    <p:cTn id="11" fill="hold">
+                      <p:stCondLst>
+                        <p:cond delay="indefinite"/>
+                      </p:stCondLst>
+                      <p:childTnLst>
+                        <p:par>
+                          <p:cTn id="12" fill="hold">
+                            <p:stCondLst>
+                              <p:cond delay="0"/>
+                            </p:stCondLst>
+                            <p:childTnLst>
+                              <p:par>
+                                <p:cTn id="13" presetID="1" presetClass="entr" presetSubtype="0" fill="hold" grpId="0" nodeType="clickEffect">
+                                  <p:stCondLst>
+                                    <p:cond delay="0"/>
+                                  </p:stCondLst>
+                                  <p:childTnLst>
+                                    <p:set>
+                                      <p:cBhvr>
+                                        <p:cTn id="14" dur="1" fill="hold">
+                                          <p:stCondLst>
+                                            <p:cond delay="0"/>
+                                          </p:stCondLst>
+                                        </p:cTn>
                                         <p:tgtEl>
-                                          <p:spTgt spid="10">
-                                            <p:txEl>
-                                              <p:pRg st="0" end="0"/>
-                                            </p:txEl>
-                                          </p:spTgt>
+                                          <p:spTgt spid="9"/>
                                         </p:tgtEl>
                                         <p:attrNameLst>
-                                          <p:attrName>ppt_x</p:attrName>
+                                          <p:attrName>style.visibility</p:attrName>
                                         </p:attrNameLst>
                                       </p:cBhvr>
-                                      <p:tavLst>
-                                        <p:tav tm="0">
-                                          <p:val>
-                                            <p:strVal val="#ppt_x"/>
-                                          </p:val>
-                                        </p:tav>
-                                        <p:tav tm="100000">
-                                          <p:val>
-                                            <p:strVal val="#ppt_x"/>
-                                          </p:val>
-                                        </p:tav>
-                                      </p:tavLst>
-                                    </p:anim>
-                                    <p:anim calcmode="lin" valueType="num">
-                                      <p:cBhvr additive="base">
-                                        <p:cTn id="14" dur="500" fill="hold"/>
-                                        <p:tgtEl>
-                                          <p:spTgt spid="10">
-                                            <p:txEl>
-                                              <p:pRg st="0" end="0"/>
-                                            </p:txEl>
-                                          </p:spTgt>
-                                        </p:tgtEl>
-                                        <p:attrNameLst>
-                                          <p:attrName>ppt_y</p:attrName>
-                                        </p:attrNameLst>
-                                      </p:cBhvr>
-                                      <p:tavLst>
-                                        <p:tav tm="0">
-                                          <p:val>
-                                            <p:strVal val="1+#ppt_h/2"/>
-                                          </p:val>
-                                        </p:tav>
-                                        <p:tav tm="100000">
-                                          <p:val>
-                                            <p:strVal val="#ppt_y"/>
-                                          </p:val>
-                                        </p:tav>
-                                      </p:tavLst>
-                                    </p:anim>
+                                      <p:to>
+                                        <p:strVal val="visible"/>
+                                      </p:to>
+                                    </p:set>
                                   </p:childTnLst>
                                 </p:cTn>
                               </p:par>
@@ -10763,7 +10649,7 @@
                             </p:stCondLst>
                             <p:childTnLst>
                               <p:par>
-                                <p:cTn id="17" presetID="2" presetClass="entr" presetSubtype="4" fill="hold" grpId="0" nodeType="clickEffect">
+                                <p:cTn id="17" presetID="1" presetClass="entr" presetSubtype="0" fill="hold" nodeType="clickEffect">
                                   <p:stCondLst>
                                     <p:cond delay="0"/>
                                   </p:stCondLst>
@@ -10771,97 +10657,6 @@
                                     <p:set>
                                       <p:cBhvr>
                                         <p:cTn id="18" dur="1" fill="hold">
-                                          <p:stCondLst>
-                                            <p:cond delay="0"/>
-                                          </p:stCondLst>
-                                        </p:cTn>
-                                        <p:tgtEl>
-                                          <p:spTgt spid="9"/>
-                                        </p:tgtEl>
-                                        <p:attrNameLst>
-                                          <p:attrName>style.visibility</p:attrName>
-                                        </p:attrNameLst>
-                                      </p:cBhvr>
-                                      <p:to>
-                                        <p:strVal val="visible"/>
-                                      </p:to>
-                                    </p:set>
-                                    <p:anim calcmode="lin" valueType="num">
-                                      <p:cBhvr additive="base">
-                                        <p:cTn id="19" dur="500" fill="hold"/>
-                                        <p:tgtEl>
-                                          <p:spTgt spid="9"/>
-                                        </p:tgtEl>
-                                        <p:attrNameLst>
-                                          <p:attrName>ppt_x</p:attrName>
-                                        </p:attrNameLst>
-                                      </p:cBhvr>
-                                      <p:tavLst>
-                                        <p:tav tm="0">
-                                          <p:val>
-                                            <p:strVal val="#ppt_x"/>
-                                          </p:val>
-                                        </p:tav>
-                                        <p:tav tm="100000">
-                                          <p:val>
-                                            <p:strVal val="#ppt_x"/>
-                                          </p:val>
-                                        </p:tav>
-                                      </p:tavLst>
-                                    </p:anim>
-                                    <p:anim calcmode="lin" valueType="num">
-                                      <p:cBhvr additive="base">
-                                        <p:cTn id="20" dur="500" fill="hold"/>
-                                        <p:tgtEl>
-                                          <p:spTgt spid="9"/>
-                                        </p:tgtEl>
-                                        <p:attrNameLst>
-                                          <p:attrName>ppt_y</p:attrName>
-                                        </p:attrNameLst>
-                                      </p:cBhvr>
-                                      <p:tavLst>
-                                        <p:tav tm="0">
-                                          <p:val>
-                                            <p:strVal val="1+#ppt_h/2"/>
-                                          </p:val>
-                                        </p:tav>
-                                        <p:tav tm="100000">
-                                          <p:val>
-                                            <p:strVal val="#ppt_y"/>
-                                          </p:val>
-                                        </p:tav>
-                                      </p:tavLst>
-                                    </p:anim>
-                                  </p:childTnLst>
-                                </p:cTn>
-                              </p:par>
-                            </p:childTnLst>
-                          </p:cTn>
-                        </p:par>
-                      </p:childTnLst>
-                    </p:cTn>
-                  </p:par>
-                  <p:par>
-                    <p:cTn id="21" fill="hold">
-                      <p:stCondLst>
-                        <p:cond delay="indefinite"/>
-                      </p:stCondLst>
-                      <p:childTnLst>
-                        <p:par>
-                          <p:cTn id="22" fill="hold">
-                            <p:stCondLst>
-                              <p:cond delay="0"/>
-                            </p:stCondLst>
-                            <p:childTnLst>
-                              <p:par>
-                                <p:cTn id="23" presetID="2" presetClass="entr" presetSubtype="4" fill="hold" nodeType="clickEffect">
-                                  <p:stCondLst>
-                                    <p:cond delay="0"/>
-                                  </p:stCondLst>
-                                  <p:childTnLst>
-                                    <p:set>
-                                      <p:cBhvr>
-                                        <p:cTn id="24" dur="1" fill="hold">
                                           <p:stCondLst>
                                             <p:cond delay="0"/>
                                           </p:stCondLst>
@@ -10881,60 +10676,6 @@
                                         <p:strVal val="visible"/>
                                       </p:to>
                                     </p:set>
-                                    <p:anim calcmode="lin" valueType="num">
-                                      <p:cBhvr additive="base">
-                                        <p:cTn id="25" dur="500" fill="hold"/>
-                                        <p:tgtEl>
-                                          <p:spTgt spid="12">
-                                            <p:txEl>
-                                              <p:pRg st="0" end="0"/>
-                                            </p:txEl>
-                                          </p:spTgt>
-                                        </p:tgtEl>
-                                        <p:attrNameLst>
-                                          <p:attrName>ppt_x</p:attrName>
-                                        </p:attrNameLst>
-                                      </p:cBhvr>
-                                      <p:tavLst>
-                                        <p:tav tm="0">
-                                          <p:val>
-                                            <p:strVal val="#ppt_x"/>
-                                          </p:val>
-                                        </p:tav>
-                                        <p:tav tm="100000">
-                                          <p:val>
-                                            <p:strVal val="#ppt_x"/>
-                                          </p:val>
-                                        </p:tav>
-                                      </p:tavLst>
-                                    </p:anim>
-                                    <p:anim calcmode="lin" valueType="num">
-                                      <p:cBhvr additive="base">
-                                        <p:cTn id="26" dur="500" fill="hold"/>
-                                        <p:tgtEl>
-                                          <p:spTgt spid="12">
-                                            <p:txEl>
-                                              <p:pRg st="0" end="0"/>
-                                            </p:txEl>
-                                          </p:spTgt>
-                                        </p:tgtEl>
-                                        <p:attrNameLst>
-                                          <p:attrName>ppt_y</p:attrName>
-                                        </p:attrNameLst>
-                                      </p:cBhvr>
-                                      <p:tavLst>
-                                        <p:tav tm="0">
-                                          <p:val>
-                                            <p:strVal val="1+#ppt_h/2"/>
-                                          </p:val>
-                                        </p:tav>
-                                        <p:tav tm="100000">
-                                          <p:val>
-                                            <p:strVal val="#ppt_y"/>
-                                          </p:val>
-                                        </p:tav>
-                                      </p:tavLst>
-                                    </p:anim>
                                   </p:childTnLst>
                                 </p:cTn>
                               </p:par>
@@ -10945,26 +10686,26 @@
                     </p:cTn>
                   </p:par>
                   <p:par>
-                    <p:cTn id="27" fill="hold">
+                    <p:cTn id="19" fill="hold">
                       <p:stCondLst>
                         <p:cond delay="indefinite"/>
                       </p:stCondLst>
                       <p:childTnLst>
                         <p:par>
-                          <p:cTn id="28" fill="hold">
+                          <p:cTn id="20" fill="hold">
                             <p:stCondLst>
                               <p:cond delay="0"/>
                             </p:stCondLst>
                             <p:childTnLst>
                               <p:par>
-                                <p:cTn id="29" presetID="2" presetClass="entr" presetSubtype="4" fill="hold" nodeType="clickEffect">
+                                <p:cTn id="21" presetID="1" presetClass="entr" presetSubtype="0" fill="hold" nodeType="clickEffect">
                                   <p:stCondLst>
                                     <p:cond delay="0"/>
                                   </p:stCondLst>
                                   <p:childTnLst>
                                     <p:set>
                                       <p:cBhvr>
-                                        <p:cTn id="30" dur="1" fill="hold">
+                                        <p:cTn id="22" dur="1" fill="hold">
                                           <p:stCondLst>
                                             <p:cond delay="0"/>
                                           </p:stCondLst>
@@ -10984,60 +10725,6 @@
                                         <p:strVal val="visible"/>
                                       </p:to>
                                     </p:set>
-                                    <p:anim calcmode="lin" valueType="num">
-                                      <p:cBhvr additive="base">
-                                        <p:cTn id="31" dur="1250" fill="hold"/>
-                                        <p:tgtEl>
-                                          <p:spTgt spid="13">
-                                            <p:txEl>
-                                              <p:pRg st="0" end="0"/>
-                                            </p:txEl>
-                                          </p:spTgt>
-                                        </p:tgtEl>
-                                        <p:attrNameLst>
-                                          <p:attrName>ppt_x</p:attrName>
-                                        </p:attrNameLst>
-                                      </p:cBhvr>
-                                      <p:tavLst>
-                                        <p:tav tm="0">
-                                          <p:val>
-                                            <p:strVal val="#ppt_x"/>
-                                          </p:val>
-                                        </p:tav>
-                                        <p:tav tm="100000">
-                                          <p:val>
-                                            <p:strVal val="#ppt_x"/>
-                                          </p:val>
-                                        </p:tav>
-                                      </p:tavLst>
-                                    </p:anim>
-                                    <p:anim calcmode="lin" valueType="num">
-                                      <p:cBhvr additive="base">
-                                        <p:cTn id="32" dur="1250" fill="hold"/>
-                                        <p:tgtEl>
-                                          <p:spTgt spid="13">
-                                            <p:txEl>
-                                              <p:pRg st="0" end="0"/>
-                                            </p:txEl>
-                                          </p:spTgt>
-                                        </p:tgtEl>
-                                        <p:attrNameLst>
-                                          <p:attrName>ppt_y</p:attrName>
-                                        </p:attrNameLst>
-                                      </p:cBhvr>
-                                      <p:tavLst>
-                                        <p:tav tm="0">
-                                          <p:val>
-                                            <p:strVal val="1+#ppt_h/2"/>
-                                          </p:val>
-                                        </p:tav>
-                                        <p:tav tm="100000">
-                                          <p:val>
-                                            <p:strVal val="#ppt_y"/>
-                                          </p:val>
-                                        </p:tav>
-                                      </p:tavLst>
-                                    </p:anim>
                                   </p:childTnLst>
                                 </p:cTn>
                               </p:par>
@@ -11108,10 +10795,9 @@
           <a:lstStyle/>
           <a:p>
             <a:r>
-              <a:rPr lang="de-DE" dirty="0" smtClean="0"/>
+              <a:rPr lang="de-DE" dirty="0"/>
               <a:t>Funktional</a:t>
             </a:r>
-            <a:endParaRPr lang="de-DE" dirty="0"/>
           </a:p>
           <a:p>
             <a:pPr lvl="1"/>
@@ -11145,29 +10831,20 @@
             <a:pPr lvl="1"/>
             <a:r>
               <a:rPr lang="de-DE" dirty="0"/>
-              <a:t>Die  Basisfunktionen müssen </a:t>
-            </a:r>
-            <a:r>
-              <a:rPr lang="de-DE" dirty="0" smtClean="0"/>
-              <a:t>bereitgestellt </a:t>
-            </a:r>
+              <a:t>Die  Basisfunktionen müssen bereitgestellt werden</a:t>
+            </a:r>
+          </a:p>
+          <a:p>
+            <a:endParaRPr lang="de-DE" dirty="0"/>
+          </a:p>
+          <a:p>
+            <a:endParaRPr lang="de-DE" dirty="0"/>
+          </a:p>
+          <a:p>
             <a:r>
               <a:rPr lang="de-DE" dirty="0"/>
-              <a:t>werden</a:t>
-            </a:r>
-          </a:p>
-          <a:p>
-            <a:endParaRPr lang="de-DE" dirty="0"/>
-          </a:p>
-          <a:p>
-            <a:endParaRPr lang="de-DE" dirty="0"/>
-          </a:p>
-          <a:p>
-            <a:r>
-              <a:rPr lang="de-DE" dirty="0" smtClean="0"/>
               <a:t>Nichtfunktional</a:t>
             </a:r>
-            <a:endParaRPr lang="de-DE" dirty="0"/>
           </a:p>
           <a:p>
             <a:pPr lvl="1"/>
@@ -11214,9 +10891,9 @@
             <a:pPr>
               <a:defRPr/>
             </a:pPr>
-            <a:fld id="{FE6E1870-06B1-4C27-87D8-FFFE4B51458A}" type="datetime1">
+            <a:fld id="{345BB4D5-7D70-4503-80AF-06580139DBA4}" type="datetime1">
               <a:rPr lang="de-DE" smtClean="0"/>
-              <a:t>09.08.2018</a:t>
+              <a:t>17.08.2018</a:t>
             </a:fld>
             <a:endParaRPr lang="de-DE" dirty="0"/>
           </a:p>
@@ -11295,15 +10972,7 @@
           <a:p>
             <a:r>
               <a:rPr lang="de-DE" dirty="0"/>
-              <a:t>Anforderungsanalyse: </a:t>
-            </a:r>
-            <a:r>
-              <a:rPr lang="de-DE" dirty="0" smtClean="0"/>
-              <a:t>Funktionale &amp; Nichtfunktionale </a:t>
-            </a:r>
-            <a:r>
-              <a:rPr lang="de-DE" dirty="0"/>
-              <a:t>Anforderungen</a:t>
+              <a:t>Anforderungsanalyse: Funktionale &amp; Nichtfunktionale Anforderungen</a:t>
             </a:r>
           </a:p>
         </p:txBody>
@@ -11339,7 +11008,7 @@
                             </p:stCondLst>
                             <p:childTnLst>
                               <p:par>
-                                <p:cTn id="5" presetID="2" presetClass="entr" presetSubtype="4" fill="hold" nodeType="clickEffect">
+                                <p:cTn id="5" presetID="1" presetClass="entr" presetSubtype="0" fill="hold" nodeType="clickEffect">
                                   <p:stCondLst>
                                     <p:cond delay="0"/>
                                   </p:stCondLst>
@@ -11366,60 +11035,6 @@
                                         <p:strVal val="visible"/>
                                       </p:to>
                                     </p:set>
-                                    <p:anim calcmode="lin" valueType="num">
-                                      <p:cBhvr additive="base">
-                                        <p:cTn id="7" dur="500" fill="hold"/>
-                                        <p:tgtEl>
-                                          <p:spTgt spid="2">
-                                            <p:txEl>
-                                              <p:pRg st="1" end="1"/>
-                                            </p:txEl>
-                                          </p:spTgt>
-                                        </p:tgtEl>
-                                        <p:attrNameLst>
-                                          <p:attrName>ppt_x</p:attrName>
-                                        </p:attrNameLst>
-                                      </p:cBhvr>
-                                      <p:tavLst>
-                                        <p:tav tm="0">
-                                          <p:val>
-                                            <p:strVal val="#ppt_x"/>
-                                          </p:val>
-                                        </p:tav>
-                                        <p:tav tm="100000">
-                                          <p:val>
-                                            <p:strVal val="#ppt_x"/>
-                                          </p:val>
-                                        </p:tav>
-                                      </p:tavLst>
-                                    </p:anim>
-                                    <p:anim calcmode="lin" valueType="num">
-                                      <p:cBhvr additive="base">
-                                        <p:cTn id="8" dur="500" fill="hold"/>
-                                        <p:tgtEl>
-                                          <p:spTgt spid="2">
-                                            <p:txEl>
-                                              <p:pRg st="1" end="1"/>
-                                            </p:txEl>
-                                          </p:spTgt>
-                                        </p:tgtEl>
-                                        <p:attrNameLst>
-                                          <p:attrName>ppt_y</p:attrName>
-                                        </p:attrNameLst>
-                                      </p:cBhvr>
-                                      <p:tavLst>
-                                        <p:tav tm="0">
-                                          <p:val>
-                                            <p:strVal val="1+#ppt_h/2"/>
-                                          </p:val>
-                                        </p:tav>
-                                        <p:tav tm="100000">
-                                          <p:val>
-                                            <p:strVal val="#ppt_y"/>
-                                          </p:val>
-                                        </p:tav>
-                                      </p:tavLst>
-                                    </p:anim>
                                   </p:childTnLst>
                                 </p:cTn>
                               </p:par>
@@ -11430,26 +11045,26 @@
                     </p:cTn>
                   </p:par>
                   <p:par>
-                    <p:cTn id="9" fill="hold">
+                    <p:cTn id="7" fill="hold">
                       <p:stCondLst>
                         <p:cond delay="indefinite"/>
                       </p:stCondLst>
                       <p:childTnLst>
                         <p:par>
-                          <p:cTn id="10" fill="hold">
+                          <p:cTn id="8" fill="hold">
                             <p:stCondLst>
                               <p:cond delay="0"/>
                             </p:stCondLst>
                             <p:childTnLst>
                               <p:par>
-                                <p:cTn id="11" presetID="2" presetClass="entr" presetSubtype="4" fill="hold" nodeType="clickEffect">
+                                <p:cTn id="9" presetID="1" presetClass="entr" presetSubtype="0" fill="hold" nodeType="clickEffect">
                                   <p:stCondLst>
                                     <p:cond delay="0"/>
                                   </p:stCondLst>
                                   <p:childTnLst>
                                     <p:set>
                                       <p:cBhvr>
-                                        <p:cTn id="12" dur="1" fill="hold">
+                                        <p:cTn id="10" dur="1" fill="hold">
                                           <p:stCondLst>
                                             <p:cond delay="0"/>
                                           </p:stCondLst>
@@ -11469,60 +11084,55 @@
                                         <p:strVal val="visible"/>
                                       </p:to>
                                     </p:set>
-                                    <p:anim calcmode="lin" valueType="num">
-                                      <p:cBhvr additive="base">
-                                        <p:cTn id="13" dur="500" fill="hold"/>
+                                  </p:childTnLst>
+                                </p:cTn>
+                              </p:par>
+                            </p:childTnLst>
+                          </p:cTn>
+                        </p:par>
+                      </p:childTnLst>
+                    </p:cTn>
+                  </p:par>
+                  <p:par>
+                    <p:cTn id="11" fill="hold">
+                      <p:stCondLst>
+                        <p:cond delay="indefinite"/>
+                      </p:stCondLst>
+                      <p:childTnLst>
+                        <p:par>
+                          <p:cTn id="12" fill="hold">
+                            <p:stCondLst>
+                              <p:cond delay="0"/>
+                            </p:stCondLst>
+                            <p:childTnLst>
+                              <p:par>
+                                <p:cTn id="13" presetID="1" presetClass="entr" presetSubtype="0" fill="hold" nodeType="clickEffect">
+                                  <p:stCondLst>
+                                    <p:cond delay="0"/>
+                                  </p:stCondLst>
+                                  <p:childTnLst>
+                                    <p:set>
+                                      <p:cBhvr>
+                                        <p:cTn id="14" dur="1" fill="hold">
+                                          <p:stCondLst>
+                                            <p:cond delay="0"/>
+                                          </p:stCondLst>
+                                        </p:cTn>
                                         <p:tgtEl>
                                           <p:spTgt spid="2">
                                             <p:txEl>
-                                              <p:pRg st="2" end="2"/>
+                                              <p:pRg st="3" end="3"/>
                                             </p:txEl>
                                           </p:spTgt>
                                         </p:tgtEl>
                                         <p:attrNameLst>
-                                          <p:attrName>ppt_x</p:attrName>
+                                          <p:attrName>style.visibility</p:attrName>
                                         </p:attrNameLst>
                                       </p:cBhvr>
-                                      <p:tavLst>
-                                        <p:tav tm="0">
-                                          <p:val>
-                                            <p:strVal val="#ppt_x"/>
-                                          </p:val>
-                                        </p:tav>
-                                        <p:tav tm="100000">
-                                          <p:val>
-                                            <p:strVal val="#ppt_x"/>
-                                          </p:val>
-                                        </p:tav>
-                                      </p:tavLst>
-                                    </p:anim>
-                                    <p:anim calcmode="lin" valueType="num">
-                                      <p:cBhvr additive="base">
-                                        <p:cTn id="14" dur="500" fill="hold"/>
-                                        <p:tgtEl>
-                                          <p:spTgt spid="2">
-                                            <p:txEl>
-                                              <p:pRg st="2" end="2"/>
-                                            </p:txEl>
-                                          </p:spTgt>
-                                        </p:tgtEl>
-                                        <p:attrNameLst>
-                                          <p:attrName>ppt_y</p:attrName>
-                                        </p:attrNameLst>
-                                      </p:cBhvr>
-                                      <p:tavLst>
-                                        <p:tav tm="0">
-                                          <p:val>
-                                            <p:strVal val="1+#ppt_h/2"/>
-                                          </p:val>
-                                        </p:tav>
-                                        <p:tav tm="100000">
-                                          <p:val>
-                                            <p:strVal val="#ppt_y"/>
-                                          </p:val>
-                                        </p:tav>
-                                      </p:tavLst>
-                                    </p:anim>
+                                      <p:to>
+                                        <p:strVal val="visible"/>
+                                      </p:to>
+                                    </p:set>
                                   </p:childTnLst>
                                 </p:cTn>
                               </p:par>
@@ -11545,7 +11155,7 @@
                             </p:stCondLst>
                             <p:childTnLst>
                               <p:par>
-                                <p:cTn id="17" presetID="2" presetClass="entr" presetSubtype="4" fill="hold" nodeType="clickEffect">
+                                <p:cTn id="17" presetID="1" presetClass="entr" presetSubtype="0" fill="hold" nodeType="clickEffect">
                                   <p:stCondLst>
                                     <p:cond delay="0"/>
                                   </p:stCondLst>
@@ -11553,109 +11163,6 @@
                                     <p:set>
                                       <p:cBhvr>
                                         <p:cTn id="18" dur="1" fill="hold">
-                                          <p:stCondLst>
-                                            <p:cond delay="0"/>
-                                          </p:stCondLst>
-                                        </p:cTn>
-                                        <p:tgtEl>
-                                          <p:spTgt spid="2">
-                                            <p:txEl>
-                                              <p:pRg st="3" end="3"/>
-                                            </p:txEl>
-                                          </p:spTgt>
-                                        </p:tgtEl>
-                                        <p:attrNameLst>
-                                          <p:attrName>style.visibility</p:attrName>
-                                        </p:attrNameLst>
-                                      </p:cBhvr>
-                                      <p:to>
-                                        <p:strVal val="visible"/>
-                                      </p:to>
-                                    </p:set>
-                                    <p:anim calcmode="lin" valueType="num">
-                                      <p:cBhvr additive="base">
-                                        <p:cTn id="19" dur="500" fill="hold"/>
-                                        <p:tgtEl>
-                                          <p:spTgt spid="2">
-                                            <p:txEl>
-                                              <p:pRg st="3" end="3"/>
-                                            </p:txEl>
-                                          </p:spTgt>
-                                        </p:tgtEl>
-                                        <p:attrNameLst>
-                                          <p:attrName>ppt_x</p:attrName>
-                                        </p:attrNameLst>
-                                      </p:cBhvr>
-                                      <p:tavLst>
-                                        <p:tav tm="0">
-                                          <p:val>
-                                            <p:strVal val="#ppt_x"/>
-                                          </p:val>
-                                        </p:tav>
-                                        <p:tav tm="100000">
-                                          <p:val>
-                                            <p:strVal val="#ppt_x"/>
-                                          </p:val>
-                                        </p:tav>
-                                      </p:tavLst>
-                                    </p:anim>
-                                    <p:anim calcmode="lin" valueType="num">
-                                      <p:cBhvr additive="base">
-                                        <p:cTn id="20" dur="500" fill="hold"/>
-                                        <p:tgtEl>
-                                          <p:spTgt spid="2">
-                                            <p:txEl>
-                                              <p:pRg st="3" end="3"/>
-                                            </p:txEl>
-                                          </p:spTgt>
-                                        </p:tgtEl>
-                                        <p:attrNameLst>
-                                          <p:attrName>ppt_y</p:attrName>
-                                        </p:attrNameLst>
-                                      </p:cBhvr>
-                                      <p:tavLst>
-                                        <p:tav tm="0">
-                                          <p:val>
-                                            <p:strVal val="1+#ppt_h/2"/>
-                                          </p:val>
-                                        </p:tav>
-                                        <p:tav tm="100000">
-                                          <p:val>
-                                            <p:strVal val="#ppt_y"/>
-                                          </p:val>
-                                        </p:tav>
-                                      </p:tavLst>
-                                    </p:anim>
-                                  </p:childTnLst>
-                                </p:cTn>
-                              </p:par>
-                            </p:childTnLst>
-                          </p:cTn>
-                        </p:par>
-                      </p:childTnLst>
-                    </p:cTn>
-                  </p:par>
-                  <p:par>
-                    <p:cTn id="21" fill="hold">
-                      <p:stCondLst>
-                        <p:cond delay="indefinite"/>
-                      </p:stCondLst>
-                      <p:childTnLst>
-                        <p:par>
-                          <p:cTn id="22" fill="hold">
-                            <p:stCondLst>
-                              <p:cond delay="0"/>
-                            </p:stCondLst>
-                            <p:childTnLst>
-                              <p:par>
-                                <p:cTn id="23" presetID="2" presetClass="entr" presetSubtype="4" fill="hold" nodeType="clickEffect">
-                                  <p:stCondLst>
-                                    <p:cond delay="0"/>
-                                  </p:stCondLst>
-                                  <p:childTnLst>
-                                    <p:set>
-                                      <p:cBhvr>
-                                        <p:cTn id="24" dur="1" fill="hold">
                                           <p:stCondLst>
                                             <p:cond delay="0"/>
                                           </p:stCondLst>
@@ -11675,60 +11182,104 @@
                                         <p:strVal val="visible"/>
                                       </p:to>
                                     </p:set>
-                                    <p:anim calcmode="lin" valueType="num">
-                                      <p:cBhvr additive="base">
-                                        <p:cTn id="25" dur="500" fill="hold"/>
+                                  </p:childTnLst>
+                                </p:cTn>
+                              </p:par>
+                            </p:childTnLst>
+                          </p:cTn>
+                        </p:par>
+                      </p:childTnLst>
+                    </p:cTn>
+                  </p:par>
+                  <p:par>
+                    <p:cTn id="19" fill="hold">
+                      <p:stCondLst>
+                        <p:cond delay="indefinite"/>
+                      </p:stCondLst>
+                      <p:childTnLst>
+                        <p:par>
+                          <p:cTn id="20" fill="hold">
+                            <p:stCondLst>
+                              <p:cond delay="0"/>
+                            </p:stCondLst>
+                            <p:childTnLst>
+                              <p:par>
+                                <p:cTn id="21" presetID="1" presetClass="entr" presetSubtype="0" fill="hold" nodeType="clickEffect">
+                                  <p:stCondLst>
+                                    <p:cond delay="0"/>
+                                  </p:stCondLst>
+                                  <p:childTnLst>
+                                    <p:set>
+                                      <p:cBhvr>
+                                        <p:cTn id="22" dur="1" fill="hold">
+                                          <p:stCondLst>
+                                            <p:cond delay="0"/>
+                                          </p:stCondLst>
+                                        </p:cTn>
                                         <p:tgtEl>
                                           <p:spTgt spid="2">
                                             <p:txEl>
-                                              <p:pRg st="4" end="4"/>
+                                              <p:pRg st="5" end="5"/>
                                             </p:txEl>
                                           </p:spTgt>
                                         </p:tgtEl>
                                         <p:attrNameLst>
-                                          <p:attrName>ppt_x</p:attrName>
+                                          <p:attrName>style.visibility</p:attrName>
                                         </p:attrNameLst>
                                       </p:cBhvr>
-                                      <p:tavLst>
-                                        <p:tav tm="0">
-                                          <p:val>
-                                            <p:strVal val="#ppt_x"/>
-                                          </p:val>
-                                        </p:tav>
-                                        <p:tav tm="100000">
-                                          <p:val>
-                                            <p:strVal val="#ppt_x"/>
-                                          </p:val>
-                                        </p:tav>
-                                      </p:tavLst>
-                                    </p:anim>
-                                    <p:anim calcmode="lin" valueType="num">
-                                      <p:cBhvr additive="base">
-                                        <p:cTn id="26" dur="500" fill="hold"/>
+                                      <p:to>
+                                        <p:strVal val="visible"/>
+                                      </p:to>
+                                    </p:set>
+                                  </p:childTnLst>
+                                </p:cTn>
+                              </p:par>
+                            </p:childTnLst>
+                          </p:cTn>
+                        </p:par>
+                      </p:childTnLst>
+                    </p:cTn>
+                  </p:par>
+                  <p:par>
+                    <p:cTn id="23" fill="hold">
+                      <p:stCondLst>
+                        <p:cond delay="indefinite"/>
+                      </p:stCondLst>
+                      <p:childTnLst>
+                        <p:par>
+                          <p:cTn id="24" fill="hold">
+                            <p:stCondLst>
+                              <p:cond delay="0"/>
+                            </p:stCondLst>
+                            <p:childTnLst>
+                              <p:par>
+                                <p:cTn id="25" presetID="1" presetClass="entr" presetSubtype="0" fill="hold" nodeType="clickEffect">
+                                  <p:stCondLst>
+                                    <p:cond delay="0"/>
+                                  </p:stCondLst>
+                                  <p:childTnLst>
+                                    <p:set>
+                                      <p:cBhvr>
+                                        <p:cTn id="26" dur="1" fill="hold">
+                                          <p:stCondLst>
+                                            <p:cond delay="0"/>
+                                          </p:stCondLst>
+                                        </p:cTn>
                                         <p:tgtEl>
                                           <p:spTgt spid="2">
                                             <p:txEl>
-                                              <p:pRg st="4" end="4"/>
+                                              <p:pRg st="8" end="8"/>
                                             </p:txEl>
                                           </p:spTgt>
                                         </p:tgtEl>
                                         <p:attrNameLst>
-                                          <p:attrName>ppt_y</p:attrName>
+                                          <p:attrName>style.visibility</p:attrName>
                                         </p:attrNameLst>
                                       </p:cBhvr>
-                                      <p:tavLst>
-                                        <p:tav tm="0">
-                                          <p:val>
-                                            <p:strVal val="1+#ppt_h/2"/>
-                                          </p:val>
-                                        </p:tav>
-                                        <p:tav tm="100000">
-                                          <p:val>
-                                            <p:strVal val="#ppt_y"/>
-                                          </p:val>
-                                        </p:tav>
-                                      </p:tavLst>
-                                    </p:anim>
+                                      <p:to>
+                                        <p:strVal val="visible"/>
+                                      </p:to>
+                                    </p:set>
                                   </p:childTnLst>
                                 </p:cTn>
                               </p:par>
@@ -11751,7 +11302,7 @@
                             </p:stCondLst>
                             <p:childTnLst>
                               <p:par>
-                                <p:cTn id="29" presetID="2" presetClass="entr" presetSubtype="4" fill="hold" nodeType="clickEffect">
+                                <p:cTn id="29" presetID="1" presetClass="entr" presetSubtype="0" fill="hold" nodeType="clickEffect">
                                   <p:stCondLst>
                                     <p:cond delay="0"/>
                                   </p:stCondLst>
@@ -11759,212 +11310,6 @@
                                     <p:set>
                                       <p:cBhvr>
                                         <p:cTn id="30" dur="1" fill="hold">
-                                          <p:stCondLst>
-                                            <p:cond delay="0"/>
-                                          </p:stCondLst>
-                                        </p:cTn>
-                                        <p:tgtEl>
-                                          <p:spTgt spid="2">
-                                            <p:txEl>
-                                              <p:pRg st="5" end="5"/>
-                                            </p:txEl>
-                                          </p:spTgt>
-                                        </p:tgtEl>
-                                        <p:attrNameLst>
-                                          <p:attrName>style.visibility</p:attrName>
-                                        </p:attrNameLst>
-                                      </p:cBhvr>
-                                      <p:to>
-                                        <p:strVal val="visible"/>
-                                      </p:to>
-                                    </p:set>
-                                    <p:anim calcmode="lin" valueType="num">
-                                      <p:cBhvr additive="base">
-                                        <p:cTn id="31" dur="500" fill="hold"/>
-                                        <p:tgtEl>
-                                          <p:spTgt spid="2">
-                                            <p:txEl>
-                                              <p:pRg st="5" end="5"/>
-                                            </p:txEl>
-                                          </p:spTgt>
-                                        </p:tgtEl>
-                                        <p:attrNameLst>
-                                          <p:attrName>ppt_x</p:attrName>
-                                        </p:attrNameLst>
-                                      </p:cBhvr>
-                                      <p:tavLst>
-                                        <p:tav tm="0">
-                                          <p:val>
-                                            <p:strVal val="#ppt_x"/>
-                                          </p:val>
-                                        </p:tav>
-                                        <p:tav tm="100000">
-                                          <p:val>
-                                            <p:strVal val="#ppt_x"/>
-                                          </p:val>
-                                        </p:tav>
-                                      </p:tavLst>
-                                    </p:anim>
-                                    <p:anim calcmode="lin" valueType="num">
-                                      <p:cBhvr additive="base">
-                                        <p:cTn id="32" dur="500" fill="hold"/>
-                                        <p:tgtEl>
-                                          <p:spTgt spid="2">
-                                            <p:txEl>
-                                              <p:pRg st="5" end="5"/>
-                                            </p:txEl>
-                                          </p:spTgt>
-                                        </p:tgtEl>
-                                        <p:attrNameLst>
-                                          <p:attrName>ppt_y</p:attrName>
-                                        </p:attrNameLst>
-                                      </p:cBhvr>
-                                      <p:tavLst>
-                                        <p:tav tm="0">
-                                          <p:val>
-                                            <p:strVal val="1+#ppt_h/2"/>
-                                          </p:val>
-                                        </p:tav>
-                                        <p:tav tm="100000">
-                                          <p:val>
-                                            <p:strVal val="#ppt_y"/>
-                                          </p:val>
-                                        </p:tav>
-                                      </p:tavLst>
-                                    </p:anim>
-                                  </p:childTnLst>
-                                </p:cTn>
-                              </p:par>
-                            </p:childTnLst>
-                          </p:cTn>
-                        </p:par>
-                      </p:childTnLst>
-                    </p:cTn>
-                  </p:par>
-                  <p:par>
-                    <p:cTn id="33" fill="hold">
-                      <p:stCondLst>
-                        <p:cond delay="indefinite"/>
-                      </p:stCondLst>
-                      <p:childTnLst>
-                        <p:par>
-                          <p:cTn id="34" fill="hold">
-                            <p:stCondLst>
-                              <p:cond delay="0"/>
-                            </p:stCondLst>
-                            <p:childTnLst>
-                              <p:par>
-                                <p:cTn id="35" presetID="2" presetClass="entr" presetSubtype="4" fill="hold" nodeType="clickEffect">
-                                  <p:stCondLst>
-                                    <p:cond delay="0"/>
-                                  </p:stCondLst>
-                                  <p:childTnLst>
-                                    <p:set>
-                                      <p:cBhvr>
-                                        <p:cTn id="36" dur="1" fill="hold">
-                                          <p:stCondLst>
-                                            <p:cond delay="0"/>
-                                          </p:stCondLst>
-                                        </p:cTn>
-                                        <p:tgtEl>
-                                          <p:spTgt spid="2">
-                                            <p:txEl>
-                                              <p:pRg st="8" end="8"/>
-                                            </p:txEl>
-                                          </p:spTgt>
-                                        </p:tgtEl>
-                                        <p:attrNameLst>
-                                          <p:attrName>style.visibility</p:attrName>
-                                        </p:attrNameLst>
-                                      </p:cBhvr>
-                                      <p:to>
-                                        <p:strVal val="visible"/>
-                                      </p:to>
-                                    </p:set>
-                                    <p:anim calcmode="lin" valueType="num">
-                                      <p:cBhvr additive="base">
-                                        <p:cTn id="37" dur="500" fill="hold"/>
-                                        <p:tgtEl>
-                                          <p:spTgt spid="2">
-                                            <p:txEl>
-                                              <p:pRg st="8" end="8"/>
-                                            </p:txEl>
-                                          </p:spTgt>
-                                        </p:tgtEl>
-                                        <p:attrNameLst>
-                                          <p:attrName>ppt_x</p:attrName>
-                                        </p:attrNameLst>
-                                      </p:cBhvr>
-                                      <p:tavLst>
-                                        <p:tav tm="0">
-                                          <p:val>
-                                            <p:strVal val="#ppt_x"/>
-                                          </p:val>
-                                        </p:tav>
-                                        <p:tav tm="100000">
-                                          <p:val>
-                                            <p:strVal val="#ppt_x"/>
-                                          </p:val>
-                                        </p:tav>
-                                      </p:tavLst>
-                                    </p:anim>
-                                    <p:anim calcmode="lin" valueType="num">
-                                      <p:cBhvr additive="base">
-                                        <p:cTn id="38" dur="500" fill="hold"/>
-                                        <p:tgtEl>
-                                          <p:spTgt spid="2">
-                                            <p:txEl>
-                                              <p:pRg st="8" end="8"/>
-                                            </p:txEl>
-                                          </p:spTgt>
-                                        </p:tgtEl>
-                                        <p:attrNameLst>
-                                          <p:attrName>ppt_y</p:attrName>
-                                        </p:attrNameLst>
-                                      </p:cBhvr>
-                                      <p:tavLst>
-                                        <p:tav tm="0">
-                                          <p:val>
-                                            <p:strVal val="1+#ppt_h/2"/>
-                                          </p:val>
-                                        </p:tav>
-                                        <p:tav tm="100000">
-                                          <p:val>
-                                            <p:strVal val="#ppt_y"/>
-                                          </p:val>
-                                        </p:tav>
-                                      </p:tavLst>
-                                    </p:anim>
-                                  </p:childTnLst>
-                                </p:cTn>
-                              </p:par>
-                            </p:childTnLst>
-                          </p:cTn>
-                        </p:par>
-                      </p:childTnLst>
-                    </p:cTn>
-                  </p:par>
-                  <p:par>
-                    <p:cTn id="39" fill="hold">
-                      <p:stCondLst>
-                        <p:cond delay="indefinite"/>
-                      </p:stCondLst>
-                      <p:childTnLst>
-                        <p:par>
-                          <p:cTn id="40" fill="hold">
-                            <p:stCondLst>
-                              <p:cond delay="0"/>
-                            </p:stCondLst>
-                            <p:childTnLst>
-                              <p:par>
-                                <p:cTn id="41" presetID="2" presetClass="entr" presetSubtype="4" fill="hold" nodeType="clickEffect">
-                                  <p:stCondLst>
-                                    <p:cond delay="0"/>
-                                  </p:stCondLst>
-                                  <p:childTnLst>
-                                    <p:set>
-                                      <p:cBhvr>
-                                        <p:cTn id="42" dur="1" fill="hold">
                                           <p:stCondLst>
                                             <p:cond delay="0"/>
                                           </p:stCondLst>
@@ -11984,60 +11329,6 @@
                                         <p:strVal val="visible"/>
                                       </p:to>
                                     </p:set>
-                                    <p:anim calcmode="lin" valueType="num">
-                                      <p:cBhvr additive="base">
-                                        <p:cTn id="43" dur="500" fill="hold"/>
-                                        <p:tgtEl>
-                                          <p:spTgt spid="2">
-                                            <p:txEl>
-                                              <p:pRg st="9" end="9"/>
-                                            </p:txEl>
-                                          </p:spTgt>
-                                        </p:tgtEl>
-                                        <p:attrNameLst>
-                                          <p:attrName>ppt_x</p:attrName>
-                                        </p:attrNameLst>
-                                      </p:cBhvr>
-                                      <p:tavLst>
-                                        <p:tav tm="0">
-                                          <p:val>
-                                            <p:strVal val="#ppt_x"/>
-                                          </p:val>
-                                        </p:tav>
-                                        <p:tav tm="100000">
-                                          <p:val>
-                                            <p:strVal val="#ppt_x"/>
-                                          </p:val>
-                                        </p:tav>
-                                      </p:tavLst>
-                                    </p:anim>
-                                    <p:anim calcmode="lin" valueType="num">
-                                      <p:cBhvr additive="base">
-                                        <p:cTn id="44" dur="500" fill="hold"/>
-                                        <p:tgtEl>
-                                          <p:spTgt spid="2">
-                                            <p:txEl>
-                                              <p:pRg st="9" end="9"/>
-                                            </p:txEl>
-                                          </p:spTgt>
-                                        </p:tgtEl>
-                                        <p:attrNameLst>
-                                          <p:attrName>ppt_y</p:attrName>
-                                        </p:attrNameLst>
-                                      </p:cBhvr>
-                                      <p:tavLst>
-                                        <p:tav tm="0">
-                                          <p:val>
-                                            <p:strVal val="1+#ppt_h/2"/>
-                                          </p:val>
-                                        </p:tav>
-                                        <p:tav tm="100000">
-                                          <p:val>
-                                            <p:strVal val="#ppt_y"/>
-                                          </p:val>
-                                        </p:tav>
-                                      </p:tavLst>
-                                    </p:anim>
                                   </p:childTnLst>
                                 </p:cTn>
                               </p:par>
@@ -12048,26 +11339,26 @@
                     </p:cTn>
                   </p:par>
                   <p:par>
-                    <p:cTn id="45" fill="hold">
+                    <p:cTn id="31" fill="hold">
                       <p:stCondLst>
                         <p:cond delay="indefinite"/>
                       </p:stCondLst>
                       <p:childTnLst>
                         <p:par>
-                          <p:cTn id="46" fill="hold">
+                          <p:cTn id="32" fill="hold">
                             <p:stCondLst>
                               <p:cond delay="0"/>
                             </p:stCondLst>
                             <p:childTnLst>
                               <p:par>
-                                <p:cTn id="47" presetID="2" presetClass="entr" presetSubtype="4" fill="hold" nodeType="clickEffect">
+                                <p:cTn id="33" presetID="1" presetClass="entr" presetSubtype="0" fill="hold" nodeType="clickEffect">
                                   <p:stCondLst>
                                     <p:cond delay="0"/>
                                   </p:stCondLst>
                                   <p:childTnLst>
                                     <p:set>
                                       <p:cBhvr>
-                                        <p:cTn id="48" dur="1" fill="hold">
+                                        <p:cTn id="34" dur="1" fill="hold">
                                           <p:stCondLst>
                                             <p:cond delay="0"/>
                                           </p:stCondLst>
@@ -12087,60 +11378,6 @@
                                         <p:strVal val="visible"/>
                                       </p:to>
                                     </p:set>
-                                    <p:anim calcmode="lin" valueType="num">
-                                      <p:cBhvr additive="base">
-                                        <p:cTn id="49" dur="500" fill="hold"/>
-                                        <p:tgtEl>
-                                          <p:spTgt spid="2">
-                                            <p:txEl>
-                                              <p:pRg st="10" end="10"/>
-                                            </p:txEl>
-                                          </p:spTgt>
-                                        </p:tgtEl>
-                                        <p:attrNameLst>
-                                          <p:attrName>ppt_x</p:attrName>
-                                        </p:attrNameLst>
-                                      </p:cBhvr>
-                                      <p:tavLst>
-                                        <p:tav tm="0">
-                                          <p:val>
-                                            <p:strVal val="#ppt_x"/>
-                                          </p:val>
-                                        </p:tav>
-                                        <p:tav tm="100000">
-                                          <p:val>
-                                            <p:strVal val="#ppt_x"/>
-                                          </p:val>
-                                        </p:tav>
-                                      </p:tavLst>
-                                    </p:anim>
-                                    <p:anim calcmode="lin" valueType="num">
-                                      <p:cBhvr additive="base">
-                                        <p:cTn id="50" dur="500" fill="hold"/>
-                                        <p:tgtEl>
-                                          <p:spTgt spid="2">
-                                            <p:txEl>
-                                              <p:pRg st="10" end="10"/>
-                                            </p:txEl>
-                                          </p:spTgt>
-                                        </p:tgtEl>
-                                        <p:attrNameLst>
-                                          <p:attrName>ppt_y</p:attrName>
-                                        </p:attrNameLst>
-                                      </p:cBhvr>
-                                      <p:tavLst>
-                                        <p:tav tm="0">
-                                          <p:val>
-                                            <p:strVal val="1+#ppt_h/2"/>
-                                          </p:val>
-                                        </p:tav>
-                                        <p:tav tm="100000">
-                                          <p:val>
-                                            <p:strVal val="#ppt_y"/>
-                                          </p:val>
-                                        </p:tav>
-                                      </p:tavLst>
-                                    </p:anim>
                                   </p:childTnLst>
                                 </p:cTn>
                               </p:par>
@@ -12151,26 +11388,26 @@
                     </p:cTn>
                   </p:par>
                   <p:par>
-                    <p:cTn id="51" fill="hold">
+                    <p:cTn id="35" fill="hold">
                       <p:stCondLst>
                         <p:cond delay="indefinite"/>
                       </p:stCondLst>
                       <p:childTnLst>
                         <p:par>
-                          <p:cTn id="52" fill="hold">
+                          <p:cTn id="36" fill="hold">
                             <p:stCondLst>
                               <p:cond delay="0"/>
                             </p:stCondLst>
                             <p:childTnLst>
                               <p:par>
-                                <p:cTn id="53" presetID="2" presetClass="entr" presetSubtype="4" fill="hold" nodeType="clickEffect">
+                                <p:cTn id="37" presetID="1" presetClass="entr" presetSubtype="0" fill="hold" nodeType="clickEffect">
                                   <p:stCondLst>
                                     <p:cond delay="0"/>
                                   </p:stCondLst>
                                   <p:childTnLst>
                                     <p:set>
                                       <p:cBhvr>
-                                        <p:cTn id="54" dur="1" fill="hold">
+                                        <p:cTn id="38" dur="1" fill="hold">
                                           <p:stCondLst>
                                             <p:cond delay="0"/>
                                           </p:stCondLst>
@@ -12190,60 +11427,6 @@
                                         <p:strVal val="visible"/>
                                       </p:to>
                                     </p:set>
-                                    <p:anim calcmode="lin" valueType="num">
-                                      <p:cBhvr additive="base">
-                                        <p:cTn id="55" dur="500" fill="hold"/>
-                                        <p:tgtEl>
-                                          <p:spTgt spid="2">
-                                            <p:txEl>
-                                              <p:pRg st="11" end="11"/>
-                                            </p:txEl>
-                                          </p:spTgt>
-                                        </p:tgtEl>
-                                        <p:attrNameLst>
-                                          <p:attrName>ppt_x</p:attrName>
-                                        </p:attrNameLst>
-                                      </p:cBhvr>
-                                      <p:tavLst>
-                                        <p:tav tm="0">
-                                          <p:val>
-                                            <p:strVal val="#ppt_x"/>
-                                          </p:val>
-                                        </p:tav>
-                                        <p:tav tm="100000">
-                                          <p:val>
-                                            <p:strVal val="#ppt_x"/>
-                                          </p:val>
-                                        </p:tav>
-                                      </p:tavLst>
-                                    </p:anim>
-                                    <p:anim calcmode="lin" valueType="num">
-                                      <p:cBhvr additive="base">
-                                        <p:cTn id="56" dur="500" fill="hold"/>
-                                        <p:tgtEl>
-                                          <p:spTgt spid="2">
-                                            <p:txEl>
-                                              <p:pRg st="11" end="11"/>
-                                            </p:txEl>
-                                          </p:spTgt>
-                                        </p:tgtEl>
-                                        <p:attrNameLst>
-                                          <p:attrName>ppt_y</p:attrName>
-                                        </p:attrNameLst>
-                                      </p:cBhvr>
-                                      <p:tavLst>
-                                        <p:tav tm="0">
-                                          <p:val>
-                                            <p:strVal val="1+#ppt_h/2"/>
-                                          </p:val>
-                                        </p:tav>
-                                        <p:tav tm="100000">
-                                          <p:val>
-                                            <p:strVal val="#ppt_y"/>
-                                          </p:val>
-                                        </p:tav>
-                                      </p:tavLst>
-                                    </p:anim>
                                   </p:childTnLst>
                                 </p:cTn>
                               </p:par>
@@ -12475,9 +11658,9 @@
             <a:pPr>
               <a:defRPr/>
             </a:pPr>
-            <a:fld id="{7C19136F-A910-4FB0-ACF8-AEB668541EC5}" type="datetime1">
+            <a:fld id="{5783FC80-3F2A-4406-9D6C-042A0BA9D661}" type="datetime1">
               <a:rPr lang="de-DE" smtClean="0"/>
-              <a:t>09.08.2018</a:t>
+              <a:t>17.08.2018</a:t>
             </a:fld>
             <a:endParaRPr lang="de-DE" dirty="0"/>
           </a:p>
@@ -12578,13 +11761,6 @@
   <p:clrMapOvr>
     <a:masterClrMapping/>
   </p:clrMapOvr>
-  <p:timing>
-    <p:tnLst>
-      <p:par>
-        <p:cTn id="1" dur="indefinite" restart="never" nodeType="tmRoot"/>
-      </p:par>
-    </p:tnLst>
-  </p:timing>
 </p:sld>
 </file>
 
@@ -12742,9 +11918,9 @@
             <a:pPr>
               <a:defRPr/>
             </a:pPr>
-            <a:fld id="{07E8D44E-8732-4D0E-BB56-183E437489F7}" type="datetime1">
+            <a:fld id="{B2B1F417-6FBD-4650-899F-4549AAACE2EC}" type="datetime1">
               <a:rPr lang="de-DE" smtClean="0"/>
-              <a:t>09.08.2018</a:t>
+              <a:t>17.08.2018</a:t>
             </a:fld>
             <a:endParaRPr lang="de-DE" dirty="0"/>
           </a:p>
@@ -12863,7 +12039,7 @@
                             </p:stCondLst>
                             <p:childTnLst>
                               <p:par>
-                                <p:cTn id="5" presetID="2" presetClass="entr" presetSubtype="4" fill="hold" nodeType="clickEffect">
+                                <p:cTn id="5" presetID="1" presetClass="entr" presetSubtype="0" fill="hold" nodeType="clickEffect">
                                   <p:stCondLst>
                                     <p:cond delay="0"/>
                                   </p:stCondLst>
@@ -12890,72 +12066,18 @@
                                         <p:strVal val="visible"/>
                                       </p:to>
                                     </p:set>
-                                    <p:anim calcmode="lin" valueType="num">
-                                      <p:cBhvr additive="base">
-                                        <p:cTn id="7" dur="500" fill="hold"/>
-                                        <p:tgtEl>
-                                          <p:spTgt spid="2">
-                                            <p:txEl>
-                                              <p:pRg st="1" end="1"/>
-                                            </p:txEl>
-                                          </p:spTgt>
-                                        </p:tgtEl>
-                                        <p:attrNameLst>
-                                          <p:attrName>ppt_x</p:attrName>
-                                        </p:attrNameLst>
-                                      </p:cBhvr>
-                                      <p:tavLst>
-                                        <p:tav tm="0">
-                                          <p:val>
-                                            <p:strVal val="#ppt_x"/>
-                                          </p:val>
-                                        </p:tav>
-                                        <p:tav tm="100000">
-                                          <p:val>
-                                            <p:strVal val="#ppt_x"/>
-                                          </p:val>
-                                        </p:tav>
-                                      </p:tavLst>
-                                    </p:anim>
-                                    <p:anim calcmode="lin" valueType="num">
-                                      <p:cBhvr additive="base">
-                                        <p:cTn id="8" dur="500" fill="hold"/>
-                                        <p:tgtEl>
-                                          <p:spTgt spid="2">
-                                            <p:txEl>
-                                              <p:pRg st="1" end="1"/>
-                                            </p:txEl>
-                                          </p:spTgt>
-                                        </p:tgtEl>
-                                        <p:attrNameLst>
-                                          <p:attrName>ppt_y</p:attrName>
-                                        </p:attrNameLst>
-                                      </p:cBhvr>
-                                      <p:tavLst>
-                                        <p:tav tm="0">
-                                          <p:val>
-                                            <p:strVal val="1+#ppt_h/2"/>
-                                          </p:val>
-                                        </p:tav>
-                                        <p:tav tm="100000">
-                                          <p:val>
-                                            <p:strVal val="#ppt_y"/>
-                                          </p:val>
-                                        </p:tav>
-                                      </p:tavLst>
-                                    </p:anim>
                                   </p:childTnLst>
                                 </p:cTn>
                               </p:par>
                               <p:par>
-                                <p:cTn id="9" presetID="2" presetClass="entr" presetSubtype="4" fill="hold" nodeType="withEffect">
+                                <p:cTn id="7" presetID="1" presetClass="entr" presetSubtype="0" fill="hold" nodeType="withEffect">
                                   <p:stCondLst>
                                     <p:cond delay="0"/>
                                   </p:stCondLst>
                                   <p:childTnLst>
                                     <p:set>
                                       <p:cBhvr>
-                                        <p:cTn id="10" dur="1" fill="hold">
+                                        <p:cTn id="8" dur="1" fill="hold">
                                           <p:stCondLst>
                                             <p:cond delay="0"/>
                                           </p:stCondLst>
@@ -12975,72 +12097,18 @@
                                         <p:strVal val="visible"/>
                                       </p:to>
                                     </p:set>
-                                    <p:anim calcmode="lin" valueType="num">
-                                      <p:cBhvr additive="base">
-                                        <p:cTn id="11" dur="500" fill="hold"/>
-                                        <p:tgtEl>
-                                          <p:spTgt spid="2">
-                                            <p:txEl>
-                                              <p:pRg st="2" end="2"/>
-                                            </p:txEl>
-                                          </p:spTgt>
-                                        </p:tgtEl>
-                                        <p:attrNameLst>
-                                          <p:attrName>ppt_x</p:attrName>
-                                        </p:attrNameLst>
-                                      </p:cBhvr>
-                                      <p:tavLst>
-                                        <p:tav tm="0">
-                                          <p:val>
-                                            <p:strVal val="#ppt_x"/>
-                                          </p:val>
-                                        </p:tav>
-                                        <p:tav tm="100000">
-                                          <p:val>
-                                            <p:strVal val="#ppt_x"/>
-                                          </p:val>
-                                        </p:tav>
-                                      </p:tavLst>
-                                    </p:anim>
-                                    <p:anim calcmode="lin" valueType="num">
-                                      <p:cBhvr additive="base">
-                                        <p:cTn id="12" dur="500" fill="hold"/>
-                                        <p:tgtEl>
-                                          <p:spTgt spid="2">
-                                            <p:txEl>
-                                              <p:pRg st="2" end="2"/>
-                                            </p:txEl>
-                                          </p:spTgt>
-                                        </p:tgtEl>
-                                        <p:attrNameLst>
-                                          <p:attrName>ppt_y</p:attrName>
-                                        </p:attrNameLst>
-                                      </p:cBhvr>
-                                      <p:tavLst>
-                                        <p:tav tm="0">
-                                          <p:val>
-                                            <p:strVal val="1+#ppt_h/2"/>
-                                          </p:val>
-                                        </p:tav>
-                                        <p:tav tm="100000">
-                                          <p:val>
-                                            <p:strVal val="#ppt_y"/>
-                                          </p:val>
-                                        </p:tav>
-                                      </p:tavLst>
-                                    </p:anim>
                                   </p:childTnLst>
                                 </p:cTn>
                               </p:par>
                               <p:par>
-                                <p:cTn id="13" presetID="2" presetClass="entr" presetSubtype="4" fill="hold" nodeType="withEffect">
+                                <p:cTn id="9" presetID="1" presetClass="entr" presetSubtype="0" fill="hold" nodeType="withEffect">
                                   <p:stCondLst>
                                     <p:cond delay="0"/>
                                   </p:stCondLst>
                                   <p:childTnLst>
                                     <p:set>
                                       <p:cBhvr>
-                                        <p:cTn id="14" dur="1" fill="hold">
+                                        <p:cTn id="10" dur="1" fill="hold">
                                           <p:stCondLst>
                                             <p:cond delay="0"/>
                                           </p:stCondLst>
@@ -13060,60 +12128,6 @@
                                         <p:strVal val="visible"/>
                                       </p:to>
                                     </p:set>
-                                    <p:anim calcmode="lin" valueType="num">
-                                      <p:cBhvr additive="base">
-                                        <p:cTn id="15" dur="500" fill="hold"/>
-                                        <p:tgtEl>
-                                          <p:spTgt spid="2">
-                                            <p:txEl>
-                                              <p:pRg st="3" end="3"/>
-                                            </p:txEl>
-                                          </p:spTgt>
-                                        </p:tgtEl>
-                                        <p:attrNameLst>
-                                          <p:attrName>ppt_x</p:attrName>
-                                        </p:attrNameLst>
-                                      </p:cBhvr>
-                                      <p:tavLst>
-                                        <p:tav tm="0">
-                                          <p:val>
-                                            <p:strVal val="#ppt_x"/>
-                                          </p:val>
-                                        </p:tav>
-                                        <p:tav tm="100000">
-                                          <p:val>
-                                            <p:strVal val="#ppt_x"/>
-                                          </p:val>
-                                        </p:tav>
-                                      </p:tavLst>
-                                    </p:anim>
-                                    <p:anim calcmode="lin" valueType="num">
-                                      <p:cBhvr additive="base">
-                                        <p:cTn id="16" dur="500" fill="hold"/>
-                                        <p:tgtEl>
-                                          <p:spTgt spid="2">
-                                            <p:txEl>
-                                              <p:pRg st="3" end="3"/>
-                                            </p:txEl>
-                                          </p:spTgt>
-                                        </p:tgtEl>
-                                        <p:attrNameLst>
-                                          <p:attrName>ppt_y</p:attrName>
-                                        </p:attrNameLst>
-                                      </p:cBhvr>
-                                      <p:tavLst>
-                                        <p:tav tm="0">
-                                          <p:val>
-                                            <p:strVal val="1+#ppt_h/2"/>
-                                          </p:val>
-                                        </p:tav>
-                                        <p:tav tm="100000">
-                                          <p:val>
-                                            <p:strVal val="#ppt_y"/>
-                                          </p:val>
-                                        </p:tav>
-                                      </p:tavLst>
-                                    </p:anim>
                                   </p:childTnLst>
                                 </p:cTn>
                               </p:par>
@@ -13124,26 +12138,26 @@
                     </p:cTn>
                   </p:par>
                   <p:par>
-                    <p:cTn id="17" fill="hold">
+                    <p:cTn id="11" fill="hold">
                       <p:stCondLst>
                         <p:cond delay="indefinite"/>
                       </p:stCondLst>
                       <p:childTnLst>
                         <p:par>
-                          <p:cTn id="18" fill="hold">
+                          <p:cTn id="12" fill="hold">
                             <p:stCondLst>
                               <p:cond delay="0"/>
                             </p:stCondLst>
                             <p:childTnLst>
                               <p:par>
-                                <p:cTn id="19" presetID="2" presetClass="entr" presetSubtype="4" fill="hold" nodeType="clickEffect">
+                                <p:cTn id="13" presetID="1" presetClass="entr" presetSubtype="0" fill="hold" nodeType="clickEffect">
                                   <p:stCondLst>
                                     <p:cond delay="0"/>
                                   </p:stCondLst>
                                   <p:childTnLst>
                                     <p:set>
                                       <p:cBhvr>
-                                        <p:cTn id="20" dur="1" fill="hold">
+                                        <p:cTn id="14" dur="1" fill="hold">
                                           <p:stCondLst>
                                             <p:cond delay="0"/>
                                           </p:stCondLst>
@@ -13163,72 +12177,18 @@
                                         <p:strVal val="visible"/>
                                       </p:to>
                                     </p:set>
-                                    <p:anim calcmode="lin" valueType="num">
-                                      <p:cBhvr additive="base">
-                                        <p:cTn id="21" dur="500" fill="hold"/>
-                                        <p:tgtEl>
-                                          <p:spTgt spid="2">
-                                            <p:txEl>
-                                              <p:pRg st="5" end="5"/>
-                                            </p:txEl>
-                                          </p:spTgt>
-                                        </p:tgtEl>
-                                        <p:attrNameLst>
-                                          <p:attrName>ppt_x</p:attrName>
-                                        </p:attrNameLst>
-                                      </p:cBhvr>
-                                      <p:tavLst>
-                                        <p:tav tm="0">
-                                          <p:val>
-                                            <p:strVal val="#ppt_x"/>
-                                          </p:val>
-                                        </p:tav>
-                                        <p:tav tm="100000">
-                                          <p:val>
-                                            <p:strVal val="#ppt_x"/>
-                                          </p:val>
-                                        </p:tav>
-                                      </p:tavLst>
-                                    </p:anim>
-                                    <p:anim calcmode="lin" valueType="num">
-                                      <p:cBhvr additive="base">
-                                        <p:cTn id="22" dur="500" fill="hold"/>
-                                        <p:tgtEl>
-                                          <p:spTgt spid="2">
-                                            <p:txEl>
-                                              <p:pRg st="5" end="5"/>
-                                            </p:txEl>
-                                          </p:spTgt>
-                                        </p:tgtEl>
-                                        <p:attrNameLst>
-                                          <p:attrName>ppt_y</p:attrName>
-                                        </p:attrNameLst>
-                                      </p:cBhvr>
-                                      <p:tavLst>
-                                        <p:tav tm="0">
-                                          <p:val>
-                                            <p:strVal val="1+#ppt_h/2"/>
-                                          </p:val>
-                                        </p:tav>
-                                        <p:tav tm="100000">
-                                          <p:val>
-                                            <p:strVal val="#ppt_y"/>
-                                          </p:val>
-                                        </p:tav>
-                                      </p:tavLst>
-                                    </p:anim>
                                   </p:childTnLst>
                                 </p:cTn>
                               </p:par>
                               <p:par>
-                                <p:cTn id="23" presetID="2" presetClass="entr" presetSubtype="4" fill="hold" nodeType="withEffect">
+                                <p:cTn id="15" presetID="1" presetClass="entr" presetSubtype="0" fill="hold" nodeType="withEffect">
                                   <p:stCondLst>
                                     <p:cond delay="0"/>
                                   </p:stCondLst>
                                   <p:childTnLst>
                                     <p:set>
                                       <p:cBhvr>
-                                        <p:cTn id="24" dur="1" fill="hold">
+                                        <p:cTn id="16" dur="1" fill="hold">
                                           <p:stCondLst>
                                             <p:cond delay="0"/>
                                           </p:stCondLst>
@@ -13248,72 +12208,18 @@
                                         <p:strVal val="visible"/>
                                       </p:to>
                                     </p:set>
-                                    <p:anim calcmode="lin" valueType="num">
-                                      <p:cBhvr additive="base">
-                                        <p:cTn id="25" dur="500" fill="hold"/>
-                                        <p:tgtEl>
-                                          <p:spTgt spid="2">
-                                            <p:txEl>
-                                              <p:pRg st="6" end="6"/>
-                                            </p:txEl>
-                                          </p:spTgt>
-                                        </p:tgtEl>
-                                        <p:attrNameLst>
-                                          <p:attrName>ppt_x</p:attrName>
-                                        </p:attrNameLst>
-                                      </p:cBhvr>
-                                      <p:tavLst>
-                                        <p:tav tm="0">
-                                          <p:val>
-                                            <p:strVal val="#ppt_x"/>
-                                          </p:val>
-                                        </p:tav>
-                                        <p:tav tm="100000">
-                                          <p:val>
-                                            <p:strVal val="#ppt_x"/>
-                                          </p:val>
-                                        </p:tav>
-                                      </p:tavLst>
-                                    </p:anim>
-                                    <p:anim calcmode="lin" valueType="num">
-                                      <p:cBhvr additive="base">
-                                        <p:cTn id="26" dur="500" fill="hold"/>
-                                        <p:tgtEl>
-                                          <p:spTgt spid="2">
-                                            <p:txEl>
-                                              <p:pRg st="6" end="6"/>
-                                            </p:txEl>
-                                          </p:spTgt>
-                                        </p:tgtEl>
-                                        <p:attrNameLst>
-                                          <p:attrName>ppt_y</p:attrName>
-                                        </p:attrNameLst>
-                                      </p:cBhvr>
-                                      <p:tavLst>
-                                        <p:tav tm="0">
-                                          <p:val>
-                                            <p:strVal val="1+#ppt_h/2"/>
-                                          </p:val>
-                                        </p:tav>
-                                        <p:tav tm="100000">
-                                          <p:val>
-                                            <p:strVal val="#ppt_y"/>
-                                          </p:val>
-                                        </p:tav>
-                                      </p:tavLst>
-                                    </p:anim>
                                   </p:childTnLst>
                                 </p:cTn>
                               </p:par>
                               <p:par>
-                                <p:cTn id="27" presetID="2" presetClass="entr" presetSubtype="4" fill="hold" nodeType="withEffect">
+                                <p:cTn id="17" presetID="1" presetClass="entr" presetSubtype="0" fill="hold" nodeType="withEffect">
                                   <p:stCondLst>
                                     <p:cond delay="0"/>
                                   </p:stCondLst>
                                   <p:childTnLst>
                                     <p:set>
                                       <p:cBhvr>
-                                        <p:cTn id="28" dur="1" fill="hold">
+                                        <p:cTn id="18" dur="1" fill="hold">
                                           <p:stCondLst>
                                             <p:cond delay="0"/>
                                           </p:stCondLst>
@@ -13333,60 +12239,6 @@
                                         <p:strVal val="visible"/>
                                       </p:to>
                                     </p:set>
-                                    <p:anim calcmode="lin" valueType="num">
-                                      <p:cBhvr additive="base">
-                                        <p:cTn id="29" dur="500" fill="hold"/>
-                                        <p:tgtEl>
-                                          <p:spTgt spid="2">
-                                            <p:txEl>
-                                              <p:pRg st="7" end="7"/>
-                                            </p:txEl>
-                                          </p:spTgt>
-                                        </p:tgtEl>
-                                        <p:attrNameLst>
-                                          <p:attrName>ppt_x</p:attrName>
-                                        </p:attrNameLst>
-                                      </p:cBhvr>
-                                      <p:tavLst>
-                                        <p:tav tm="0">
-                                          <p:val>
-                                            <p:strVal val="#ppt_x"/>
-                                          </p:val>
-                                        </p:tav>
-                                        <p:tav tm="100000">
-                                          <p:val>
-                                            <p:strVal val="#ppt_x"/>
-                                          </p:val>
-                                        </p:tav>
-                                      </p:tavLst>
-                                    </p:anim>
-                                    <p:anim calcmode="lin" valueType="num">
-                                      <p:cBhvr additive="base">
-                                        <p:cTn id="30" dur="500" fill="hold"/>
-                                        <p:tgtEl>
-                                          <p:spTgt spid="2">
-                                            <p:txEl>
-                                              <p:pRg st="7" end="7"/>
-                                            </p:txEl>
-                                          </p:spTgt>
-                                        </p:tgtEl>
-                                        <p:attrNameLst>
-                                          <p:attrName>ppt_y</p:attrName>
-                                        </p:attrNameLst>
-                                      </p:cBhvr>
-                                      <p:tavLst>
-                                        <p:tav tm="0">
-                                          <p:val>
-                                            <p:strVal val="1+#ppt_h/2"/>
-                                          </p:val>
-                                        </p:tav>
-                                        <p:tav tm="100000">
-                                          <p:val>
-                                            <p:strVal val="#ppt_y"/>
-                                          </p:val>
-                                        </p:tav>
-                                      </p:tavLst>
-                                    </p:anim>
                                   </p:childTnLst>
                                 </p:cTn>
                               </p:par>
@@ -13397,26 +12249,26 @@
                     </p:cTn>
                   </p:par>
                   <p:par>
-                    <p:cTn id="31" fill="hold">
+                    <p:cTn id="19" fill="hold">
                       <p:stCondLst>
                         <p:cond delay="indefinite"/>
                       </p:stCondLst>
                       <p:childTnLst>
                         <p:par>
-                          <p:cTn id="32" fill="hold">
+                          <p:cTn id="20" fill="hold">
                             <p:stCondLst>
                               <p:cond delay="0"/>
                             </p:stCondLst>
                             <p:childTnLst>
                               <p:par>
-                                <p:cTn id="33" presetID="2" presetClass="entr" presetSubtype="4" fill="hold" nodeType="clickEffect">
+                                <p:cTn id="21" presetID="1" presetClass="entr" presetSubtype="0" fill="hold" nodeType="clickEffect">
                                   <p:stCondLst>
                                     <p:cond delay="0"/>
                                   </p:stCondLst>
                                   <p:childTnLst>
                                     <p:set>
                                       <p:cBhvr>
-                                        <p:cTn id="34" dur="1" fill="hold">
+                                        <p:cTn id="22" dur="1" fill="hold">
                                           <p:stCondLst>
                                             <p:cond delay="0"/>
                                           </p:stCondLst>
@@ -13436,72 +12288,18 @@
                                         <p:strVal val="visible"/>
                                       </p:to>
                                     </p:set>
-                                    <p:anim calcmode="lin" valueType="num">
-                                      <p:cBhvr additive="base">
-                                        <p:cTn id="35" dur="500" fill="hold"/>
-                                        <p:tgtEl>
-                                          <p:spTgt spid="2">
-                                            <p:txEl>
-                                              <p:pRg st="9" end="9"/>
-                                            </p:txEl>
-                                          </p:spTgt>
-                                        </p:tgtEl>
-                                        <p:attrNameLst>
-                                          <p:attrName>ppt_x</p:attrName>
-                                        </p:attrNameLst>
-                                      </p:cBhvr>
-                                      <p:tavLst>
-                                        <p:tav tm="0">
-                                          <p:val>
-                                            <p:strVal val="#ppt_x"/>
-                                          </p:val>
-                                        </p:tav>
-                                        <p:tav tm="100000">
-                                          <p:val>
-                                            <p:strVal val="#ppt_x"/>
-                                          </p:val>
-                                        </p:tav>
-                                      </p:tavLst>
-                                    </p:anim>
-                                    <p:anim calcmode="lin" valueType="num">
-                                      <p:cBhvr additive="base">
-                                        <p:cTn id="36" dur="500" fill="hold"/>
-                                        <p:tgtEl>
-                                          <p:spTgt spid="2">
-                                            <p:txEl>
-                                              <p:pRg st="9" end="9"/>
-                                            </p:txEl>
-                                          </p:spTgt>
-                                        </p:tgtEl>
-                                        <p:attrNameLst>
-                                          <p:attrName>ppt_y</p:attrName>
-                                        </p:attrNameLst>
-                                      </p:cBhvr>
-                                      <p:tavLst>
-                                        <p:tav tm="0">
-                                          <p:val>
-                                            <p:strVal val="1+#ppt_h/2"/>
-                                          </p:val>
-                                        </p:tav>
-                                        <p:tav tm="100000">
-                                          <p:val>
-                                            <p:strVal val="#ppt_y"/>
-                                          </p:val>
-                                        </p:tav>
-                                      </p:tavLst>
-                                    </p:anim>
                                   </p:childTnLst>
                                 </p:cTn>
                               </p:par>
                               <p:par>
-                                <p:cTn id="37" presetID="2" presetClass="entr" presetSubtype="4" fill="hold" nodeType="withEffect">
+                                <p:cTn id="23" presetID="1" presetClass="entr" presetSubtype="0" fill="hold" nodeType="withEffect">
                                   <p:stCondLst>
                                     <p:cond delay="0"/>
                                   </p:stCondLst>
                                   <p:childTnLst>
                                     <p:set>
                                       <p:cBhvr>
-                                        <p:cTn id="38" dur="1" fill="hold">
+                                        <p:cTn id="24" dur="1" fill="hold">
                                           <p:stCondLst>
                                             <p:cond delay="0"/>
                                           </p:stCondLst>
@@ -13521,72 +12319,18 @@
                                         <p:strVal val="visible"/>
                                       </p:to>
                                     </p:set>
-                                    <p:anim calcmode="lin" valueType="num">
-                                      <p:cBhvr additive="base">
-                                        <p:cTn id="39" dur="500" fill="hold"/>
-                                        <p:tgtEl>
-                                          <p:spTgt spid="2">
-                                            <p:txEl>
-                                              <p:pRg st="10" end="10"/>
-                                            </p:txEl>
-                                          </p:spTgt>
-                                        </p:tgtEl>
-                                        <p:attrNameLst>
-                                          <p:attrName>ppt_x</p:attrName>
-                                        </p:attrNameLst>
-                                      </p:cBhvr>
-                                      <p:tavLst>
-                                        <p:tav tm="0">
-                                          <p:val>
-                                            <p:strVal val="#ppt_x"/>
-                                          </p:val>
-                                        </p:tav>
-                                        <p:tav tm="100000">
-                                          <p:val>
-                                            <p:strVal val="#ppt_x"/>
-                                          </p:val>
-                                        </p:tav>
-                                      </p:tavLst>
-                                    </p:anim>
-                                    <p:anim calcmode="lin" valueType="num">
-                                      <p:cBhvr additive="base">
-                                        <p:cTn id="40" dur="500" fill="hold"/>
-                                        <p:tgtEl>
-                                          <p:spTgt spid="2">
-                                            <p:txEl>
-                                              <p:pRg st="10" end="10"/>
-                                            </p:txEl>
-                                          </p:spTgt>
-                                        </p:tgtEl>
-                                        <p:attrNameLst>
-                                          <p:attrName>ppt_y</p:attrName>
-                                        </p:attrNameLst>
-                                      </p:cBhvr>
-                                      <p:tavLst>
-                                        <p:tav tm="0">
-                                          <p:val>
-                                            <p:strVal val="1+#ppt_h/2"/>
-                                          </p:val>
-                                        </p:tav>
-                                        <p:tav tm="100000">
-                                          <p:val>
-                                            <p:strVal val="#ppt_y"/>
-                                          </p:val>
-                                        </p:tav>
-                                      </p:tavLst>
-                                    </p:anim>
                                   </p:childTnLst>
                                 </p:cTn>
                               </p:par>
                               <p:par>
-                                <p:cTn id="41" presetID="2" presetClass="entr" presetSubtype="4" fill="hold" nodeType="withEffect">
+                                <p:cTn id="25" presetID="1" presetClass="entr" presetSubtype="0" fill="hold" nodeType="withEffect">
                                   <p:stCondLst>
                                     <p:cond delay="0"/>
                                   </p:stCondLst>
                                   <p:childTnLst>
                                     <p:set>
                                       <p:cBhvr>
-                                        <p:cTn id="42" dur="1" fill="hold">
+                                        <p:cTn id="26" dur="1" fill="hold">
                                           <p:stCondLst>
                                             <p:cond delay="0"/>
                                           </p:stCondLst>
@@ -13606,60 +12350,6 @@
                                         <p:strVal val="visible"/>
                                       </p:to>
                                     </p:set>
-                                    <p:anim calcmode="lin" valueType="num">
-                                      <p:cBhvr additive="base">
-                                        <p:cTn id="43" dur="500" fill="hold"/>
-                                        <p:tgtEl>
-                                          <p:spTgt spid="2">
-                                            <p:txEl>
-                                              <p:pRg st="11" end="11"/>
-                                            </p:txEl>
-                                          </p:spTgt>
-                                        </p:tgtEl>
-                                        <p:attrNameLst>
-                                          <p:attrName>ppt_x</p:attrName>
-                                        </p:attrNameLst>
-                                      </p:cBhvr>
-                                      <p:tavLst>
-                                        <p:tav tm="0">
-                                          <p:val>
-                                            <p:strVal val="#ppt_x"/>
-                                          </p:val>
-                                        </p:tav>
-                                        <p:tav tm="100000">
-                                          <p:val>
-                                            <p:strVal val="#ppt_x"/>
-                                          </p:val>
-                                        </p:tav>
-                                      </p:tavLst>
-                                    </p:anim>
-                                    <p:anim calcmode="lin" valueType="num">
-                                      <p:cBhvr additive="base">
-                                        <p:cTn id="44" dur="500" fill="hold"/>
-                                        <p:tgtEl>
-                                          <p:spTgt spid="2">
-                                            <p:txEl>
-                                              <p:pRg st="11" end="11"/>
-                                            </p:txEl>
-                                          </p:spTgt>
-                                        </p:tgtEl>
-                                        <p:attrNameLst>
-                                          <p:attrName>ppt_y</p:attrName>
-                                        </p:attrNameLst>
-                                      </p:cBhvr>
-                                      <p:tavLst>
-                                        <p:tav tm="0">
-                                          <p:val>
-                                            <p:strVal val="1+#ppt_h/2"/>
-                                          </p:val>
-                                        </p:tav>
-                                        <p:tav tm="100000">
-                                          <p:val>
-                                            <p:strVal val="#ppt_y"/>
-                                          </p:val>
-                                        </p:tav>
-                                      </p:tavLst>
-                                    </p:anim>
                                   </p:childTnLst>
                                 </p:cTn>
                               </p:par>
@@ -13757,9 +12447,9 @@
             <a:pPr>
               <a:defRPr/>
             </a:pPr>
-            <a:fld id="{07E8D44E-8732-4D0E-BB56-183E437489F7}" type="datetime1">
+            <a:fld id="{39CBC02D-3FF8-4D13-8A9B-585E3FDD1961}" type="datetime1">
               <a:rPr lang="de-DE" smtClean="0"/>
-              <a:t>09.08.2018</a:t>
+              <a:t>17.08.2018</a:t>
             </a:fld>
             <a:endParaRPr lang="de-DE" dirty="0"/>
           </a:p>
@@ -14437,9 +13127,9 @@
             <a:pPr>
               <a:defRPr/>
             </a:pPr>
-            <a:fld id="{07E8D44E-8732-4D0E-BB56-183E437489F7}" type="datetime1">
+            <a:fld id="{D36EADBF-95FE-4AE7-82C3-92DD14506003}" type="datetime1">
               <a:rPr lang="de-DE" smtClean="0"/>
-              <a:t>09.08.2018</a:t>
+              <a:t>17.08.2018</a:t>
             </a:fld>
             <a:endParaRPr lang="de-DE" dirty="0"/>
           </a:p>
@@ -14800,13 +13490,6 @@
   <p:clrMapOvr>
     <a:masterClrMapping/>
   </p:clrMapOvr>
-  <p:timing>
-    <p:tnLst>
-      <p:par>
-        <p:cTn id="1" dur="indefinite" restart="never" nodeType="tmRoot"/>
-      </p:par>
-    </p:tnLst>
-  </p:timing>
 </p:sld>
 </file>
 
@@ -14873,9 +13556,9 @@
             <a:pPr>
               <a:defRPr/>
             </a:pPr>
-            <a:fld id="{07E8D44E-8732-4D0E-BB56-183E437489F7}" type="datetime1">
+            <a:fld id="{8067185B-5C57-409F-8B88-E3D854C91534}" type="datetime1">
               <a:rPr lang="de-DE" smtClean="0"/>
-              <a:t>09.08.2018</a:t>
+              <a:t>17.08.2018</a:t>
             </a:fld>
             <a:endParaRPr lang="de-DE" dirty="0"/>
           </a:p>
@@ -15538,9 +14221,9 @@
             <a:pPr>
               <a:defRPr/>
             </a:pPr>
-            <a:fld id="{07E8D44E-8732-4D0E-BB56-183E437489F7}" type="datetime1">
+            <a:fld id="{7FF32D5F-8198-4D6B-81C8-A28D30F3AEEE}" type="datetime1">
               <a:rPr lang="de-DE" smtClean="0"/>
-              <a:t>09.08.2018</a:t>
+              <a:t>17.08.2018</a:t>
             </a:fld>
             <a:endParaRPr lang="de-DE" dirty="0"/>
           </a:p>
@@ -15886,13 +14569,6 @@
   <p:clrMapOvr>
     <a:masterClrMapping/>
   </p:clrMapOvr>
-  <p:timing>
-    <p:tnLst>
-      <p:par>
-        <p:cTn id="1" dur="indefinite" restart="never" nodeType="tmRoot"/>
-      </p:par>
-    </p:tnLst>
-  </p:timing>
 </p:sld>
 </file>
 
@@ -16077,9 +14753,9 @@
             <a:pPr>
               <a:defRPr/>
             </a:pPr>
-            <a:fld id="{7C19136F-A910-4FB0-ACF8-AEB668541EC5}" type="datetime1">
+            <a:fld id="{12AC88A6-748D-4925-A0F4-581F6DD9C418}" type="datetime1">
               <a:rPr lang="de-DE" smtClean="0"/>
-              <a:t>09.08.2018</a:t>
+              <a:t>17.08.2018</a:t>
             </a:fld>
             <a:endParaRPr lang="de-DE" dirty="0"/>
           </a:p>
@@ -16180,13 +14856,6 @@
   <p:clrMapOvr>
     <a:masterClrMapping/>
   </p:clrMapOvr>
-  <p:timing>
-    <p:tnLst>
-      <p:par>
-        <p:cTn id="1" dur="indefinite" restart="never" nodeType="tmRoot"/>
-      </p:par>
-    </p:tnLst>
-  </p:timing>
 </p:sld>
 </file>
 
@@ -16284,9 +14953,9 @@
             <a:pPr>
               <a:defRPr/>
             </a:pPr>
-            <a:fld id="{2579BFDA-05B3-4E94-92EB-A0F56D3C28B0}" type="datetime1">
+            <a:fld id="{8A16F28A-F628-44F6-BE27-AC29D127D4A7}" type="datetime1">
               <a:rPr lang="de-DE" smtClean="0"/>
-              <a:t>09.08.2018</a:t>
+              <a:t>17.08.2018</a:t>
             </a:fld>
             <a:endParaRPr lang="de-DE" dirty="0"/>
           </a:p>
@@ -16384,16 +15053,12 @@
               <a:t>Konzepte der </a:t>
             </a:r>
             <a:r>
-              <a:rPr lang="de-DE" dirty="0" err="1" smtClean="0"/>
+              <a:rPr lang="de-DE" dirty="0" err="1"/>
               <a:t>Topology</a:t>
             </a:r>
             <a:r>
-              <a:rPr lang="de-DE" dirty="0" smtClean="0"/>
-              <a:t>-Editor: </a:t>
-            </a:r>
-            <a:r>
               <a:rPr lang="de-DE" dirty="0"/>
-              <a:t>Schnittstellen zwischen Komponenten</a:t>
+              <a:t>-Editor: Schnittstellen zwischen Komponenten</a:t>
             </a:r>
           </a:p>
         </p:txBody>
@@ -17289,7 +15954,7 @@
                             </p:stCondLst>
                             <p:childTnLst>
                               <p:par>
-                                <p:cTn id="5" presetID="2" presetClass="entr" presetSubtype="4" fill="hold" grpId="0" nodeType="clickEffect">
+                                <p:cTn id="5" presetID="1" presetClass="entr" presetSubtype="0" fill="hold" grpId="0" nodeType="clickEffect">
                                   <p:stCondLst>
                                     <p:cond delay="0"/>
                                   </p:stCondLst>
@@ -17312,52 +15977,6 @@
                                         <p:strVal val="visible"/>
                                       </p:to>
                                     </p:set>
-                                    <p:anim calcmode="lin" valueType="num">
-                                      <p:cBhvr additive="base">
-                                        <p:cTn id="7" dur="500" fill="hold"/>
-                                        <p:tgtEl>
-                                          <p:spTgt spid="43"/>
-                                        </p:tgtEl>
-                                        <p:attrNameLst>
-                                          <p:attrName>ppt_x</p:attrName>
-                                        </p:attrNameLst>
-                                      </p:cBhvr>
-                                      <p:tavLst>
-                                        <p:tav tm="0">
-                                          <p:val>
-                                            <p:strVal val="#ppt_x"/>
-                                          </p:val>
-                                        </p:tav>
-                                        <p:tav tm="100000">
-                                          <p:val>
-                                            <p:strVal val="#ppt_x"/>
-                                          </p:val>
-                                        </p:tav>
-                                      </p:tavLst>
-                                    </p:anim>
-                                    <p:anim calcmode="lin" valueType="num">
-                                      <p:cBhvr additive="base">
-                                        <p:cTn id="8" dur="500" fill="hold"/>
-                                        <p:tgtEl>
-                                          <p:spTgt spid="43"/>
-                                        </p:tgtEl>
-                                        <p:attrNameLst>
-                                          <p:attrName>ppt_y</p:attrName>
-                                        </p:attrNameLst>
-                                      </p:cBhvr>
-                                      <p:tavLst>
-                                        <p:tav tm="0">
-                                          <p:val>
-                                            <p:strVal val="1+#ppt_h/2"/>
-                                          </p:val>
-                                        </p:tav>
-                                        <p:tav tm="100000">
-                                          <p:val>
-                                            <p:strVal val="#ppt_y"/>
-                                          </p:val>
-                                        </p:tav>
-                                      </p:tavLst>
-                                    </p:anim>
                                   </p:childTnLst>
                                 </p:cTn>
                               </p:par>
@@ -17368,26 +15987,26 @@
                     </p:cTn>
                   </p:par>
                   <p:par>
-                    <p:cTn id="9" fill="hold">
+                    <p:cTn id="7" fill="hold">
                       <p:stCondLst>
                         <p:cond delay="indefinite"/>
                       </p:stCondLst>
                       <p:childTnLst>
                         <p:par>
-                          <p:cTn id="10" fill="hold">
+                          <p:cTn id="8" fill="hold">
                             <p:stCondLst>
                               <p:cond delay="0"/>
                             </p:stCondLst>
                             <p:childTnLst>
                               <p:par>
-                                <p:cTn id="11" presetID="2" presetClass="entr" presetSubtype="4" fill="hold" grpId="0" nodeType="clickEffect">
+                                <p:cTn id="9" presetID="1" presetClass="entr" presetSubtype="0" fill="hold" grpId="0" nodeType="clickEffect">
                                   <p:stCondLst>
                                     <p:cond delay="0"/>
                                   </p:stCondLst>
                                   <p:childTnLst>
                                     <p:set>
                                       <p:cBhvr>
-                                        <p:cTn id="12" dur="1" fill="hold">
+                                        <p:cTn id="10" dur="1" fill="hold">
                                           <p:stCondLst>
                                             <p:cond delay="0"/>
                                           </p:stCondLst>
@@ -17403,52 +16022,51 @@
                                         <p:strVal val="visible"/>
                                       </p:to>
                                     </p:set>
-                                    <p:anim calcmode="lin" valueType="num">
-                                      <p:cBhvr additive="base">
-                                        <p:cTn id="13" dur="500" fill="hold"/>
+                                  </p:childTnLst>
+                                </p:cTn>
+                              </p:par>
+                            </p:childTnLst>
+                          </p:cTn>
+                        </p:par>
+                      </p:childTnLst>
+                    </p:cTn>
+                  </p:par>
+                  <p:par>
+                    <p:cTn id="11" fill="hold">
+                      <p:stCondLst>
+                        <p:cond delay="indefinite"/>
+                      </p:stCondLst>
+                      <p:childTnLst>
+                        <p:par>
+                          <p:cTn id="12" fill="hold">
+                            <p:stCondLst>
+                              <p:cond delay="0"/>
+                            </p:stCondLst>
+                            <p:childTnLst>
+                              <p:par>
+                                <p:cTn id="13" presetID="1" presetClass="entr" presetSubtype="0" fill="hold" grpId="0" nodeType="clickEffect">
+                                  <p:stCondLst>
+                                    <p:cond delay="0"/>
+                                  </p:stCondLst>
+                                  <p:childTnLst>
+                                    <p:set>
+                                      <p:cBhvr>
+                                        <p:cTn id="14" dur="1" fill="hold">
+                                          <p:stCondLst>
+                                            <p:cond delay="0"/>
+                                          </p:stCondLst>
+                                        </p:cTn>
                                         <p:tgtEl>
-                                          <p:spTgt spid="44"/>
+                                          <p:spTgt spid="45"/>
                                         </p:tgtEl>
                                         <p:attrNameLst>
-                                          <p:attrName>ppt_x</p:attrName>
+                                          <p:attrName>style.visibility</p:attrName>
                                         </p:attrNameLst>
                                       </p:cBhvr>
-                                      <p:tavLst>
-                                        <p:tav tm="0">
-                                          <p:val>
-                                            <p:strVal val="#ppt_x"/>
-                                          </p:val>
-                                        </p:tav>
-                                        <p:tav tm="100000">
-                                          <p:val>
-                                            <p:strVal val="#ppt_x"/>
-                                          </p:val>
-                                        </p:tav>
-                                      </p:tavLst>
-                                    </p:anim>
-                                    <p:anim calcmode="lin" valueType="num">
-                                      <p:cBhvr additive="base">
-                                        <p:cTn id="14" dur="500" fill="hold"/>
-                                        <p:tgtEl>
-                                          <p:spTgt spid="44"/>
-                                        </p:tgtEl>
-                                        <p:attrNameLst>
-                                          <p:attrName>ppt_y</p:attrName>
-                                        </p:attrNameLst>
-                                      </p:cBhvr>
-                                      <p:tavLst>
-                                        <p:tav tm="0">
-                                          <p:val>
-                                            <p:strVal val="1+#ppt_h/2"/>
-                                          </p:val>
-                                        </p:tav>
-                                        <p:tav tm="100000">
-                                          <p:val>
-                                            <p:strVal val="#ppt_y"/>
-                                          </p:val>
-                                        </p:tav>
-                                      </p:tavLst>
-                                    </p:anim>
+                                      <p:to>
+                                        <p:strVal val="visible"/>
+                                      </p:to>
+                                    </p:set>
                                   </p:childTnLst>
                                 </p:cTn>
                               </p:par>
@@ -17471,7 +16089,7 @@
                             </p:stCondLst>
                             <p:childTnLst>
                               <p:par>
-                                <p:cTn id="17" presetID="2" presetClass="entr" presetSubtype="4" fill="hold" grpId="0" nodeType="clickEffect">
+                                <p:cTn id="17" presetID="1" presetClass="entr" presetSubtype="0" fill="hold" grpId="0" nodeType="clickEffect">
                                   <p:stCondLst>
                                     <p:cond delay="0"/>
                                   </p:stCondLst>
@@ -17479,97 +16097,6 @@
                                     <p:set>
                                       <p:cBhvr>
                                         <p:cTn id="18" dur="1" fill="hold">
-                                          <p:stCondLst>
-                                            <p:cond delay="0"/>
-                                          </p:stCondLst>
-                                        </p:cTn>
-                                        <p:tgtEl>
-                                          <p:spTgt spid="45"/>
-                                        </p:tgtEl>
-                                        <p:attrNameLst>
-                                          <p:attrName>style.visibility</p:attrName>
-                                        </p:attrNameLst>
-                                      </p:cBhvr>
-                                      <p:to>
-                                        <p:strVal val="visible"/>
-                                      </p:to>
-                                    </p:set>
-                                    <p:anim calcmode="lin" valueType="num">
-                                      <p:cBhvr additive="base">
-                                        <p:cTn id="19" dur="500" fill="hold"/>
-                                        <p:tgtEl>
-                                          <p:spTgt spid="45"/>
-                                        </p:tgtEl>
-                                        <p:attrNameLst>
-                                          <p:attrName>ppt_x</p:attrName>
-                                        </p:attrNameLst>
-                                      </p:cBhvr>
-                                      <p:tavLst>
-                                        <p:tav tm="0">
-                                          <p:val>
-                                            <p:strVal val="#ppt_x"/>
-                                          </p:val>
-                                        </p:tav>
-                                        <p:tav tm="100000">
-                                          <p:val>
-                                            <p:strVal val="#ppt_x"/>
-                                          </p:val>
-                                        </p:tav>
-                                      </p:tavLst>
-                                    </p:anim>
-                                    <p:anim calcmode="lin" valueType="num">
-                                      <p:cBhvr additive="base">
-                                        <p:cTn id="20" dur="500" fill="hold"/>
-                                        <p:tgtEl>
-                                          <p:spTgt spid="45"/>
-                                        </p:tgtEl>
-                                        <p:attrNameLst>
-                                          <p:attrName>ppt_y</p:attrName>
-                                        </p:attrNameLst>
-                                      </p:cBhvr>
-                                      <p:tavLst>
-                                        <p:tav tm="0">
-                                          <p:val>
-                                            <p:strVal val="1+#ppt_h/2"/>
-                                          </p:val>
-                                        </p:tav>
-                                        <p:tav tm="100000">
-                                          <p:val>
-                                            <p:strVal val="#ppt_y"/>
-                                          </p:val>
-                                        </p:tav>
-                                      </p:tavLst>
-                                    </p:anim>
-                                  </p:childTnLst>
-                                </p:cTn>
-                              </p:par>
-                            </p:childTnLst>
-                          </p:cTn>
-                        </p:par>
-                      </p:childTnLst>
-                    </p:cTn>
-                  </p:par>
-                  <p:par>
-                    <p:cTn id="21" fill="hold">
-                      <p:stCondLst>
-                        <p:cond delay="indefinite"/>
-                      </p:stCondLst>
-                      <p:childTnLst>
-                        <p:par>
-                          <p:cTn id="22" fill="hold">
-                            <p:stCondLst>
-                              <p:cond delay="0"/>
-                            </p:stCondLst>
-                            <p:childTnLst>
-                              <p:par>
-                                <p:cTn id="23" presetID="2" presetClass="entr" presetSubtype="4" fill="hold" grpId="0" nodeType="clickEffect">
-                                  <p:stCondLst>
-                                    <p:cond delay="0"/>
-                                  </p:stCondLst>
-                                  <p:childTnLst>
-                                    <p:set>
-                                      <p:cBhvr>
-                                        <p:cTn id="24" dur="1" fill="hold">
                                           <p:stCondLst>
                                             <p:cond delay="0"/>
                                           </p:stCondLst>
@@ -17585,52 +16112,6 @@
                                         <p:strVal val="visible"/>
                                       </p:to>
                                     </p:set>
-                                    <p:anim calcmode="lin" valueType="num">
-                                      <p:cBhvr additive="base">
-                                        <p:cTn id="25" dur="500" fill="hold"/>
-                                        <p:tgtEl>
-                                          <p:spTgt spid="46"/>
-                                        </p:tgtEl>
-                                        <p:attrNameLst>
-                                          <p:attrName>ppt_x</p:attrName>
-                                        </p:attrNameLst>
-                                      </p:cBhvr>
-                                      <p:tavLst>
-                                        <p:tav tm="0">
-                                          <p:val>
-                                            <p:strVal val="#ppt_x"/>
-                                          </p:val>
-                                        </p:tav>
-                                        <p:tav tm="100000">
-                                          <p:val>
-                                            <p:strVal val="#ppt_x"/>
-                                          </p:val>
-                                        </p:tav>
-                                      </p:tavLst>
-                                    </p:anim>
-                                    <p:anim calcmode="lin" valueType="num">
-                                      <p:cBhvr additive="base">
-                                        <p:cTn id="26" dur="500" fill="hold"/>
-                                        <p:tgtEl>
-                                          <p:spTgt spid="46"/>
-                                        </p:tgtEl>
-                                        <p:attrNameLst>
-                                          <p:attrName>ppt_y</p:attrName>
-                                        </p:attrNameLst>
-                                      </p:cBhvr>
-                                      <p:tavLst>
-                                        <p:tav tm="0">
-                                          <p:val>
-                                            <p:strVal val="1+#ppt_h/2"/>
-                                          </p:val>
-                                        </p:tav>
-                                        <p:tav tm="100000">
-                                          <p:val>
-                                            <p:strVal val="#ppt_y"/>
-                                          </p:val>
-                                        </p:tav>
-                                      </p:tavLst>
-                                    </p:anim>
                                   </p:childTnLst>
                                 </p:cTn>
                               </p:par>
@@ -17816,9 +16297,9 @@
             <a:pPr>
               <a:defRPr/>
             </a:pPr>
-            <a:fld id="{7C19136F-A910-4FB0-ACF8-AEB668541EC5}" type="datetime1">
+            <a:fld id="{8EF3E923-C16A-40B9-906D-4702AEC00101}" type="datetime1">
               <a:rPr lang="de-DE" smtClean="0"/>
-              <a:t>09.08.2018</a:t>
+              <a:t>17.08.2018</a:t>
             </a:fld>
             <a:endParaRPr lang="de-DE" dirty="0"/>
           </a:p>
@@ -18664,9 +17145,9 @@
             <a:pPr>
               <a:defRPr/>
             </a:pPr>
-            <a:fld id="{2579BFDA-05B3-4E94-92EB-A0F56D3C28B0}" type="datetime1">
+            <a:fld id="{AF010600-ECB3-4287-BFCE-C133CC4FD21C}" type="datetime1">
               <a:rPr lang="de-DE" smtClean="0"/>
-              <a:t>09.08.2018</a:t>
+              <a:t>17.08.2018</a:t>
             </a:fld>
             <a:endParaRPr lang="de-DE" dirty="0"/>
           </a:p>
@@ -18766,16 +17247,12 @@
               <a:t>Konzepte der </a:t>
             </a:r>
             <a:r>
-              <a:rPr lang="de-DE" dirty="0" err="1" smtClean="0"/>
+              <a:rPr lang="de-DE" dirty="0" err="1"/>
               <a:t>Topology</a:t>
             </a:r>
             <a:r>
-              <a:rPr lang="de-DE" dirty="0" smtClean="0"/>
-              <a:t>-Editor: Schnittstellen </a:t>
-            </a:r>
-            <a:r>
               <a:rPr lang="de-DE" dirty="0"/>
-              <a:t>zwischen Komponenten</a:t>
+              <a:t>-Editor: Schnittstellen zwischen Komponenten</a:t>
             </a:r>
           </a:p>
         </p:txBody>
@@ -20082,7 +18559,7 @@
                             </p:stCondLst>
                             <p:childTnLst>
                               <p:par>
-                                <p:cTn id="21" presetID="45" presetClass="entr" presetSubtype="0" fill="hold" grpId="0" nodeType="clickEffect">
+                                <p:cTn id="21" presetID="1" presetClass="entr" presetSubtype="0" fill="hold" grpId="0" nodeType="clickEffect">
                                   <p:stCondLst>
                                     <p:cond delay="0"/>
                                   </p:stCondLst>
@@ -20105,60 +18582,6 @@
                                         <p:strVal val="visible"/>
                                       </p:to>
                                     </p:set>
-                                    <p:animEffect transition="in" filter="fade">
-                                      <p:cBhvr>
-                                        <p:cTn id="23" dur="4250"/>
-                                        <p:tgtEl>
-                                          <p:spTgt spid="7"/>
-                                        </p:tgtEl>
-                                      </p:cBhvr>
-                                    </p:animEffect>
-                                    <p:anim calcmode="lin" valueType="num">
-                                      <p:cBhvr>
-                                        <p:cTn id="24" dur="4250" fill="hold"/>
-                                        <p:tgtEl>
-                                          <p:spTgt spid="7"/>
-                                        </p:tgtEl>
-                                        <p:attrNameLst>
-                                          <p:attrName>ppt_w</p:attrName>
-                                        </p:attrNameLst>
-                                      </p:cBhvr>
-                                      <p:tavLst>
-                                        <p:tav tm="0" fmla="#ppt_w*sin(2.5*pi*$)">
-                                          <p:val>
-                                            <p:fltVal val="0"/>
-                                          </p:val>
-                                        </p:tav>
-                                        <p:tav tm="100000">
-                                          <p:val>
-                                            <p:fltVal val="1"/>
-                                          </p:val>
-                                        </p:tav>
-                                      </p:tavLst>
-                                    </p:anim>
-                                    <p:anim calcmode="lin" valueType="num">
-                                      <p:cBhvr>
-                                        <p:cTn id="25" dur="4250" fill="hold"/>
-                                        <p:tgtEl>
-                                          <p:spTgt spid="7"/>
-                                        </p:tgtEl>
-                                        <p:attrNameLst>
-                                          <p:attrName>ppt_h</p:attrName>
-                                        </p:attrNameLst>
-                                      </p:cBhvr>
-                                      <p:tavLst>
-                                        <p:tav tm="0">
-                                          <p:val>
-                                            <p:strVal val="#ppt_h"/>
-                                          </p:val>
-                                        </p:tav>
-                                        <p:tav tm="100000">
-                                          <p:val>
-                                            <p:strVal val="#ppt_h"/>
-                                          </p:val>
-                                        </p:tav>
-                                      </p:tavLst>
-                                    </p:anim>
                                   </p:childTnLst>
                                 </p:cTn>
                               </p:par>
@@ -20798,9 +19221,9 @@
             <a:pPr>
               <a:defRPr/>
             </a:pPr>
-            <a:fld id="{2C597DD3-C657-4292-BDD8-A59C5130682A}" type="datetime1">
+            <a:fld id="{E91FD529-79A4-422D-9216-C48300677F2D}" type="datetime1">
               <a:rPr lang="de-DE" smtClean="0"/>
-              <a:t>09.08.2018</a:t>
+              <a:t>17.08.2018</a:t>
             </a:fld>
             <a:endParaRPr lang="de-DE" dirty="0"/>
           </a:p>
@@ -20827,13 +19250,22 @@
           <a:bodyPr/>
           <a:lstStyle/>
           <a:p>
-            <a:pPr>
+            <a:pPr algn="ctr">
               <a:defRPr/>
             </a:pPr>
             <a:r>
-              <a:rPr lang="de-DE"/>
-              <a:t>Hermond Ghislain Zeleu Zabatio</a:t>
-            </a:r>
+              <a:rPr lang="de-DE" dirty="0" err="1"/>
+              <a:t>Hermond</a:t>
+            </a:r>
+            <a:r>
+              <a:rPr lang="de-DE" dirty="0"/>
+              <a:t> Ghislain Zeleu </a:t>
+            </a:r>
+            <a:r>
+              <a:rPr lang="de-DE" dirty="0" err="1"/>
+              <a:t>Zabatio</a:t>
+            </a:r>
+            <a:endParaRPr lang="de-DE" dirty="0"/>
           </a:p>
         </p:txBody>
       </p:sp>
@@ -20898,14 +19330,13 @@
               <a:t>Konzepte der </a:t>
             </a:r>
             <a:r>
-              <a:rPr lang="de-DE" dirty="0" err="1" smtClean="0"/>
+              <a:rPr lang="de-DE" dirty="0" err="1"/>
               <a:t>Topology</a:t>
             </a:r>
             <a:r>
-              <a:rPr lang="de-DE" dirty="0" smtClean="0"/>
+              <a:rPr lang="de-DE" dirty="0"/>
               <a:t>-Editor: Datenaustauschformat</a:t>
             </a:r>
-            <a:endParaRPr lang="de-DE" dirty="0"/>
           </a:p>
         </p:txBody>
       </p:sp>
@@ -21887,9 +20318,9 @@
             <a:pPr>
               <a:defRPr/>
             </a:pPr>
-            <a:fld id="{DF72E200-8F70-4F98-A0B0-628E642DCF78}" type="datetime1">
+            <a:fld id="{668CEC00-B388-44C9-BED2-57BA91674FDE}" type="datetime1">
               <a:rPr lang="de-DE" smtClean="0"/>
-              <a:t>09.08.2018</a:t>
+              <a:t>17.08.2018</a:t>
             </a:fld>
             <a:endParaRPr lang="de-DE" dirty="0"/>
           </a:p>
@@ -21987,16 +20418,12 @@
               <a:t>Konzepte der </a:t>
             </a:r>
             <a:r>
-              <a:rPr lang="de-DE" dirty="0" err="1" smtClean="0"/>
+              <a:rPr lang="de-DE" dirty="0" err="1"/>
               <a:t>Topology</a:t>
             </a:r>
             <a:r>
-              <a:rPr lang="de-DE" dirty="0" smtClean="0"/>
-              <a:t>-Editor </a:t>
-            </a:r>
-            <a:r>
               <a:rPr lang="de-DE" dirty="0"/>
-              <a:t>Datenaustauschformat</a:t>
+              <a:t>-Editor Datenaustauschformat</a:t>
             </a:r>
           </a:p>
         </p:txBody>
@@ -22821,9 +21248,9 @@
             <a:pPr>
               <a:defRPr/>
             </a:pPr>
-            <a:fld id="{7C19136F-A910-4FB0-ACF8-AEB668541EC5}" type="datetime1">
+            <a:fld id="{D5854939-2B7C-49B0-B46D-A3E4A10ECEA3}" type="datetime1">
               <a:rPr lang="de-DE" smtClean="0"/>
-              <a:t>09.08.2018</a:t>
+              <a:t>17.08.2018</a:t>
             </a:fld>
             <a:endParaRPr lang="de-DE" dirty="0"/>
           </a:p>
@@ -22924,13 +21351,6 @@
   <p:clrMapOvr>
     <a:masterClrMapping/>
   </p:clrMapOvr>
-  <p:timing>
-    <p:tnLst>
-      <p:par>
-        <p:cTn id="1" dur="indefinite" restart="never" nodeType="tmRoot"/>
-      </p:par>
-    </p:tnLst>
-  </p:timing>
 </p:sld>
 </file>
 
@@ -23005,9 +21425,9 @@
             <a:pPr>
               <a:defRPr/>
             </a:pPr>
-            <a:fld id="{C58F247C-525F-4BEF-9811-6F7F41DCA069}" type="datetime1">
+            <a:fld id="{4B47C6A7-4CB9-47BF-812A-FB221A81A7BE}" type="datetime1">
               <a:rPr lang="de-DE" smtClean="0"/>
-              <a:t>09.08.2018</a:t>
+              <a:t>17.08.2018</a:t>
             </a:fld>
             <a:endParaRPr lang="de-DE" dirty="0"/>
           </a:p>
@@ -23038,9 +21458,18 @@
               <a:defRPr/>
             </a:pPr>
             <a:r>
-              <a:rPr lang="de-DE"/>
-              <a:t>Hermond Ghislain Zeleu Zabatio</a:t>
-            </a:r>
+              <a:rPr lang="de-DE" dirty="0" err="1"/>
+              <a:t>Hermond</a:t>
+            </a:r>
+            <a:r>
+              <a:rPr lang="de-DE" dirty="0"/>
+              <a:t> Ghislain Zeleu </a:t>
+            </a:r>
+            <a:r>
+              <a:rPr lang="de-DE" dirty="0" err="1"/>
+              <a:t>Zabatio</a:t>
+            </a:r>
+            <a:endParaRPr lang="de-DE" dirty="0"/>
           </a:p>
         </p:txBody>
       </p:sp>
@@ -23154,13 +21583,6 @@
   <p:clrMapOvr>
     <a:masterClrMapping/>
   </p:clrMapOvr>
-  <p:timing>
-    <p:tnLst>
-      <p:par>
-        <p:cTn id="1" dur="indefinite" restart="never" nodeType="tmRoot"/>
-      </p:par>
-    </p:tnLst>
-  </p:timing>
 </p:sld>
 </file>
 
@@ -23205,9 +21627,9 @@
             <a:pPr>
               <a:defRPr/>
             </a:pPr>
-            <a:fld id="{7158BD6A-2C19-4EFB-A2CE-212AA1897748}" type="datetime1">
+            <a:fld id="{6FDFEBE8-6BCA-40A3-89A2-FFCEF06292FB}" type="datetime1">
               <a:rPr lang="de-DE" smtClean="0"/>
-              <a:t>09.08.2018</a:t>
+              <a:t>17.08.2018</a:t>
             </a:fld>
             <a:endParaRPr lang="de-DE" dirty="0"/>
           </a:p>
@@ -23304,15 +21726,7 @@
           <a:p>
             <a:r>
               <a:rPr lang="de-DE" b="1" dirty="0"/>
-              <a:t>Prototype </a:t>
-            </a:r>
-            <a:r>
-              <a:rPr lang="de-DE" b="1" dirty="0" smtClean="0"/>
-              <a:t>Implementierung</a:t>
-            </a:r>
-            <a:r>
-              <a:rPr lang="de-DE" b="1" dirty="0"/>
-              <a:t/>
+              <a:t>Prototype Implementierung</a:t>
             </a:r>
             <a:br>
               <a:rPr lang="de-DE" b="1" dirty="0"/>
@@ -23400,13 +21814,6 @@
   <p:clrMapOvr>
     <a:masterClrMapping/>
   </p:clrMapOvr>
-  <p:timing>
-    <p:tnLst>
-      <p:par>
-        <p:cTn id="1" dur="indefinite" restart="never" nodeType="tmRoot"/>
-      </p:par>
-    </p:tnLst>
-  </p:timing>
 </p:sld>
 </file>
 
@@ -23451,9 +21858,9 @@
             <a:pPr>
               <a:defRPr/>
             </a:pPr>
-            <a:fld id="{B5F8C8F1-3024-4FA0-9BCE-52168EDEC483}" type="datetime1">
+            <a:fld id="{E9F400A6-E40D-4DB6-A24F-AFEB1A17EEB5}" type="datetime1">
               <a:rPr lang="de-DE" smtClean="0"/>
-              <a:t>09.08.2018</a:t>
+              <a:t>17.08.2018</a:t>
             </a:fld>
             <a:endParaRPr lang="de-DE" dirty="0"/>
           </a:p>
@@ -23550,15 +21957,7 @@
           <a:p>
             <a:r>
               <a:rPr lang="de-DE" b="1" dirty="0"/>
-              <a:t>Prototype </a:t>
-            </a:r>
-            <a:r>
-              <a:rPr lang="de-DE" b="1" dirty="0" smtClean="0"/>
-              <a:t>Implementierung</a:t>
-            </a:r>
-            <a:r>
-              <a:rPr lang="de-DE" b="1" dirty="0"/>
-              <a:t/>
+              <a:t>Prototype Implementierung</a:t>
             </a:r>
             <a:br>
               <a:rPr lang="de-DE" b="1" dirty="0"/>
@@ -23651,13 +22050,6 @@
   <p:clrMapOvr>
     <a:masterClrMapping/>
   </p:clrMapOvr>
-  <p:timing>
-    <p:tnLst>
-      <p:par>
-        <p:cTn id="1" dur="indefinite" restart="never" nodeType="tmRoot"/>
-      </p:par>
-    </p:tnLst>
-  </p:timing>
 </p:sld>
 </file>
 
@@ -23858,9 +22250,9 @@
             <a:pPr>
               <a:defRPr/>
             </a:pPr>
-            <a:fld id="{7C19136F-A910-4FB0-ACF8-AEB668541EC5}" type="datetime1">
+            <a:fld id="{9A87BE0B-A04B-4BD9-AD64-4DB39BF97343}" type="datetime1">
               <a:rPr lang="de-DE" smtClean="0"/>
-              <a:t>09.08.2018</a:t>
+              <a:t>17.08.2018</a:t>
             </a:fld>
             <a:endParaRPr lang="de-DE" dirty="0"/>
           </a:p>
@@ -23961,13 +22353,6 @@
   <p:clrMapOvr>
     <a:masterClrMapping/>
   </p:clrMapOvr>
-  <p:timing>
-    <p:tnLst>
-      <p:par>
-        <p:cTn id="1" dur="indefinite" restart="never" nodeType="tmRoot"/>
-      </p:par>
-    </p:tnLst>
-  </p:timing>
 </p:sld>
 </file>
 
@@ -24062,13 +22447,8 @@
             </a:pPr>
             <a:r>
               <a:rPr lang="de-DE" dirty="0"/>
-              <a:t>Implementierung der Funktion für die Darstellung </a:t>
-            </a:r>
-            <a:r>
-              <a:rPr lang="de-DE" dirty="0" smtClean="0"/>
-              <a:t>der Submodule</a:t>
-            </a:r>
-            <a:endParaRPr lang="de-DE" dirty="0"/>
+              <a:t>Implementierung der Funktion für die Darstellung der Submodule</a:t>
+            </a:r>
           </a:p>
           <a:p>
             <a:endParaRPr lang="de-DE" dirty="0"/>
@@ -24093,9 +22473,9 @@
             <a:pPr>
               <a:defRPr/>
             </a:pPr>
-            <a:fld id="{8F2FF29D-AB2E-4E17-B0E6-4D1260BEEACD}" type="datetime1">
+            <a:fld id="{5E4D5FCA-7DF3-448C-839C-8922CAEBBDE7}" type="datetime1">
               <a:rPr lang="de-DE" smtClean="0"/>
-              <a:t>09.08.2018</a:t>
+              <a:t>17.08.2018</a:t>
             </a:fld>
             <a:endParaRPr lang="de-DE" dirty="0"/>
           </a:p>
@@ -24111,7 +22491,12 @@
             <p:ph type="ftr" sz="quarter" idx="15"/>
           </p:nvPr>
         </p:nvSpPr>
-        <p:spPr/>
+        <p:spPr>
+          <a:xfrm>
+            <a:off x="3311736" y="6531244"/>
+            <a:ext cx="2952328" cy="280015"/>
+          </a:xfrm>
+        </p:spPr>
         <p:txBody>
           <a:bodyPr/>
           <a:lstStyle/>
@@ -24120,9 +22505,18 @@
               <a:defRPr/>
             </a:pPr>
             <a:r>
-              <a:rPr lang="de-DE"/>
-              <a:t>Hermond Ghislain Zeleu Zabatio</a:t>
-            </a:r>
+              <a:rPr lang="de-DE" dirty="0" err="1"/>
+              <a:t>Hermond</a:t>
+            </a:r>
+            <a:r>
+              <a:rPr lang="de-DE" dirty="0"/>
+              <a:t> Ghislain Zeleu </a:t>
+            </a:r>
+            <a:r>
+              <a:rPr lang="de-DE" dirty="0" err="1"/>
+              <a:t>Zabatio</a:t>
+            </a:r>
+            <a:endParaRPr lang="de-DE" dirty="0"/>
           </a:p>
         </p:txBody>
       </p:sp>
@@ -24187,13 +22581,6 @@
   <p:clrMapOvr>
     <a:masterClrMapping/>
   </p:clrMapOvr>
-  <p:timing>
-    <p:tnLst>
-      <p:par>
-        <p:cTn id="1" dur="indefinite" restart="never" nodeType="tmRoot"/>
-      </p:par>
-    </p:tnLst>
-  </p:timing>
 </p:sld>
 </file>
 
@@ -24296,9 +22683,9 @@
             <a:pPr>
               <a:defRPr/>
             </a:pPr>
-            <a:fld id="{466E553E-65BB-48F9-9E2F-EE8FD8BA0C4F}" type="datetime1">
+            <a:fld id="{B46ACFD8-F003-4DB6-92FD-0D5193C55D1C}" type="datetime1">
               <a:rPr lang="de-DE" smtClean="0"/>
-              <a:t>09.08.2018</a:t>
+              <a:t>17.08.2018</a:t>
             </a:fld>
             <a:endParaRPr lang="de-DE" dirty="0"/>
           </a:p>
@@ -24387,13 +22774,6 @@
   <p:clrMapOvr>
     <a:masterClrMapping/>
   </p:clrMapOvr>
-  <p:timing>
-    <p:tnLst>
-      <p:par>
-        <p:cTn id="1" dur="indefinite" restart="never" nodeType="tmRoot"/>
-      </p:par>
-    </p:tnLst>
-  </p:timing>
 </p:sld>
 </file>
 
@@ -24590,9 +22970,9 @@
             <a:pPr>
               <a:defRPr/>
             </a:pPr>
-            <a:fld id="{7C19136F-A910-4FB0-ACF8-AEB668541EC5}" type="datetime1">
+            <a:fld id="{7271AB04-5E1D-4CE7-8D84-791F9CCDF4D8}" type="datetime1">
               <a:rPr lang="de-DE" smtClean="0"/>
-              <a:t>09.08.2018</a:t>
+              <a:t>17.08.2018</a:t>
             </a:fld>
             <a:endParaRPr lang="de-DE" dirty="0"/>
           </a:p>
@@ -24811,9 +23191,9 @@
             <a:pPr>
               <a:defRPr/>
             </a:pPr>
-            <a:fld id="{76749AD7-FB61-4E09-8DD2-0A832C50C4EE}" type="datetime1">
+            <a:fld id="{8CC02A35-82F6-49ED-9C9C-23E8C7A55B9E}" type="datetime1">
               <a:rPr lang="de-DE" smtClean="0"/>
-              <a:t>09.08.2018</a:t>
+              <a:t>17.08.2018</a:t>
             </a:fld>
             <a:endParaRPr lang="de-DE" dirty="0"/>
           </a:p>
@@ -25024,19 +23404,20 @@
   <p:clrMapOvr>
     <a:masterClrMapping/>
   </p:clrMapOvr>
-  <p:timing>
-    <p:tnLst>
-      <p:par>
-        <p:cTn id="1" dur="indefinite" restart="never" nodeType="tmRoot"/>
-      </p:par>
-    </p:tnLst>
-  </p:timing>
 </p:sld>
 </file>
 
 <file path=ppt/slides/slide4.xml><?xml version="1.0" encoding="utf-8"?>
 <p:sld xmlns:a="http://schemas.openxmlformats.org/drawingml/2006/main" xmlns:r="http://schemas.openxmlformats.org/officeDocument/2006/relationships" xmlns:p="http://schemas.openxmlformats.org/presentationml/2006/main">
   <p:cSld>
+    <p:bg>
+      <p:bgPr>
+        <a:solidFill>
+          <a:schemeClr val="bg1"/>
+        </a:solidFill>
+        <a:effectLst/>
+      </p:bgPr>
+    </p:bg>
     <p:spTree>
       <p:nvGrpSpPr>
         <p:cNvPr id="1" name=""/>
@@ -25053,6 +23434,38 @@
       </p:grpSpPr>
       <p:sp>
         <p:nvSpPr>
+          <p:cNvPr id="19" name="Textfeld 18">
+            <a:extLst>
+              <a:ext uri="{FF2B5EF4-FFF2-40B4-BE49-F238E27FC236}">
+                <a16:creationId xmlns:a16="http://schemas.microsoft.com/office/drawing/2014/main" id="{EDCE745F-A5C0-4EA6-89EF-1E0954C820E5}"/>
+              </a:ext>
+            </a:extLst>
+          </p:cNvPr>
+          <p:cNvSpPr txBox="1"/>
+          <p:nvPr/>
+        </p:nvSpPr>
+        <p:spPr>
+          <a:xfrm>
+            <a:off x="539552" y="2708920"/>
+            <a:ext cx="7187454" cy="2232248"/>
+          </a:xfrm>
+          <a:prstGeom prst="rect">
+            <a:avLst/>
+          </a:prstGeom>
+          <a:noFill/>
+        </p:spPr>
+        <p:txBody>
+          <a:bodyPr wrap="square" rtlCol="0">
+            <a:spAutoFit/>
+          </a:bodyPr>
+          <a:lstStyle/>
+          <a:p>
+            <a:endParaRPr lang="de-DE" dirty="0"/>
+          </a:p>
+        </p:txBody>
+      </p:sp>
+      <p:sp>
+        <p:nvSpPr>
           <p:cNvPr id="2" name="Inhaltsplatzhalter 1"/>
           <p:cNvSpPr>
             <a:spLocks noGrp="1"/>
@@ -25061,7 +23474,9 @@
             <p:ph sz="quarter" idx="13"/>
           </p:nvPr>
         </p:nvSpPr>
-        <p:spPr/>
+        <p:spPr>
+          <a:noFill/>
+        </p:spPr>
         <p:txBody>
           <a:bodyPr/>
           <a:lstStyle/>
@@ -25182,9 +23597,9 @@
             <a:pPr>
               <a:defRPr/>
             </a:pPr>
-            <a:fld id="{CE8E411C-3C5A-4240-AC7B-5D4C805394ED}" type="datetime1">
+            <a:fld id="{48651424-9108-4DBD-A731-7CB34E8712C2}" type="datetime1">
               <a:rPr lang="de-DE" smtClean="0"/>
-              <a:t>09.08.2018</a:t>
+              <a:t>17.08.2018</a:t>
             </a:fld>
             <a:endParaRPr lang="de-DE" dirty="0"/>
           </a:p>
@@ -25261,13 +23676,8 @@
           <a:p>
             <a:r>
               <a:rPr lang="de-DE" dirty="0"/>
-              <a:t>Einleitung: </a:t>
-            </a:r>
-            <a:r>
-              <a:rPr lang="de-DE" dirty="0" smtClean="0"/>
-              <a:t>Motivation &amp; Zielsetzung</a:t>
-            </a:r>
-            <a:endParaRPr lang="de-DE" dirty="0"/>
+              <a:t>Einleitung: Motivation &amp; Zielsetzung</a:t>
+            </a:r>
           </a:p>
         </p:txBody>
       </p:sp>
@@ -25279,15 +23689,29 @@
         </p:nvSpPr>
         <p:spPr>
           <a:xfrm>
-            <a:off x="843583" y="2852936"/>
+            <a:off x="843583" y="2854800"/>
             <a:ext cx="1280492" cy="648072"/>
           </a:xfrm>
-          <a:prstGeom prst="round1Rect">
+          <a:prstGeom prst="roundRect">
             <a:avLst/>
           </a:prstGeom>
           <a:solidFill>
             <a:srgbClr val="C00000"/>
           </a:solidFill>
+          <a:ln>
+            <a:solidFill>
+              <a:schemeClr val="accent2">
+                <a:shade val="50000"/>
+              </a:schemeClr>
+            </a:solidFill>
+          </a:ln>
+          <a:effectLst>
+            <a:outerShdw blurRad="76200" dir="13500000" sy="23000" kx="1200000" algn="br" rotWithShape="0">
+              <a:prstClr val="black">
+                <a:alpha val="20000"/>
+              </a:prstClr>
+            </a:outerShdw>
+          </a:effectLst>
         </p:spPr>
         <p:style>
           <a:lnRef idx="2">
@@ -25325,12 +23749,19 @@
             <a:off x="1886759" y="4153478"/>
             <a:ext cx="1280492" cy="648072"/>
           </a:xfrm>
-          <a:prstGeom prst="round1Rect">
+          <a:prstGeom prst="roundRect">
             <a:avLst/>
           </a:prstGeom>
           <a:solidFill>
             <a:srgbClr val="C00000"/>
           </a:solidFill>
+          <a:effectLst>
+            <a:outerShdw blurRad="76200" dir="13500000" sy="23000" kx="1200000" algn="br" rotWithShape="0">
+              <a:prstClr val="black">
+                <a:alpha val="20000"/>
+              </a:prstClr>
+            </a:outerShdw>
+          </a:effectLst>
         </p:spPr>
         <p:style>
           <a:lnRef idx="2">
@@ -25352,8 +23783,14 @@
           <a:bodyPr rtlCol="0" anchor="ctr"/>
           <a:lstStyle/>
           <a:p>
-            <a:pPr algn="ctr"/>
-            <a:endParaRPr lang="en-US"/>
+            <a:r>
+              <a:rPr lang="de-DE" dirty="0">
+                <a:solidFill>
+                  <a:schemeClr val="bg1"/>
+                </a:solidFill>
+              </a:rPr>
+              <a:t>Gerät Nr.5</a:t>
+            </a:r>
           </a:p>
         </p:txBody>
       </p:sp>
@@ -25365,15 +23802,22 @@
         </p:nvSpPr>
         <p:spPr>
           <a:xfrm>
-            <a:off x="5177572" y="2852936"/>
+            <a:off x="4960481" y="2854800"/>
             <a:ext cx="1280492" cy="648072"/>
           </a:xfrm>
-          <a:prstGeom prst="round1Rect">
+          <a:prstGeom prst="roundRect">
             <a:avLst/>
           </a:prstGeom>
           <a:solidFill>
             <a:srgbClr val="C00000"/>
           </a:solidFill>
+          <a:effectLst>
+            <a:outerShdw blurRad="76200" dir="13500000" sy="23000" kx="1200000" algn="br" rotWithShape="0">
+              <a:prstClr val="black">
+                <a:alpha val="20000"/>
+              </a:prstClr>
+            </a:outerShdw>
+          </a:effectLst>
         </p:spPr>
         <p:style>
           <a:lnRef idx="2">
@@ -25395,8 +23839,14 @@
           <a:bodyPr rtlCol="0" anchor="ctr"/>
           <a:lstStyle/>
           <a:p>
-            <a:pPr algn="ctr"/>
-            <a:endParaRPr lang="en-US"/>
+            <a:r>
+              <a:rPr lang="de-DE" dirty="0">
+                <a:solidFill>
+                  <a:schemeClr val="bg1"/>
+                </a:solidFill>
+              </a:rPr>
+              <a:t>Gerät Nr.3</a:t>
+            </a:r>
           </a:p>
         </p:txBody>
       </p:sp>
@@ -25408,15 +23858,22 @@
         </p:nvSpPr>
         <p:spPr>
           <a:xfrm>
-            <a:off x="2944141" y="2852936"/>
+            <a:off x="2900344" y="2854800"/>
             <a:ext cx="1280492" cy="648072"/>
           </a:xfrm>
-          <a:prstGeom prst="round1Rect">
+          <a:prstGeom prst="roundRect">
             <a:avLst/>
           </a:prstGeom>
           <a:solidFill>
             <a:srgbClr val="C00000"/>
           </a:solidFill>
+          <a:effectLst>
+            <a:outerShdw blurRad="76200" dir="13500000" sy="23000" kx="1200000" algn="br" rotWithShape="0">
+              <a:prstClr val="black">
+                <a:alpha val="20000"/>
+              </a:prstClr>
+            </a:outerShdw>
+          </a:effectLst>
         </p:spPr>
         <p:style>
           <a:lnRef idx="2">
@@ -25438,8 +23895,14 @@
           <a:bodyPr rtlCol="0" anchor="ctr"/>
           <a:lstStyle/>
           <a:p>
-            <a:pPr algn="ctr"/>
-            <a:endParaRPr lang="en-US"/>
+            <a:r>
+              <a:rPr lang="de-DE" dirty="0">
+                <a:solidFill>
+                  <a:schemeClr val="bg1"/>
+                </a:solidFill>
+              </a:rPr>
+              <a:t>Gerät Nr.2</a:t>
+            </a:r>
           </a:p>
         </p:txBody>
       </p:sp>
@@ -25454,12 +23917,19 @@
             <a:off x="3823401" y="4140734"/>
             <a:ext cx="1280492" cy="648072"/>
           </a:xfrm>
-          <a:prstGeom prst="round1Rect">
+          <a:prstGeom prst="roundRect">
             <a:avLst/>
           </a:prstGeom>
           <a:solidFill>
             <a:srgbClr val="C00000"/>
           </a:solidFill>
+          <a:effectLst>
+            <a:outerShdw blurRad="76200" dir="13500000" sy="23000" kx="1200000" algn="br" rotWithShape="0">
+              <a:prstClr val="black">
+                <a:alpha val="20000"/>
+              </a:prstClr>
+            </a:outerShdw>
+          </a:effectLst>
         </p:spPr>
         <p:style>
           <a:lnRef idx="2">
@@ -25481,8 +23951,14 @@
           <a:bodyPr rtlCol="0" anchor="ctr"/>
           <a:lstStyle/>
           <a:p>
-            <a:pPr algn="ctr"/>
-            <a:endParaRPr lang="en-US"/>
+            <a:r>
+              <a:rPr lang="de-DE" dirty="0">
+                <a:solidFill>
+                  <a:schemeClr val="bg1"/>
+                </a:solidFill>
+              </a:rPr>
+              <a:t>Gerät Nr.4</a:t>
+            </a:r>
           </a:p>
         </p:txBody>
       </p:sp>
@@ -25494,7 +23970,7 @@
         </p:nvSpPr>
         <p:spPr>
           <a:xfrm>
-            <a:off x="1059607" y="3501008"/>
+            <a:off x="920219" y="3510000"/>
             <a:ext cx="144016" cy="143868"/>
           </a:xfrm>
           <a:prstGeom prst="round1Rect">
@@ -25537,7 +24013,7 @@
         </p:nvSpPr>
         <p:spPr>
           <a:xfrm>
-            <a:off x="1751870" y="3495466"/>
+            <a:off x="1879679" y="3510000"/>
             <a:ext cx="144016" cy="143868"/>
           </a:xfrm>
           <a:prstGeom prst="round1Rect">
@@ -25580,7 +24056,7 @@
         </p:nvSpPr>
         <p:spPr>
           <a:xfrm>
-            <a:off x="1397632" y="3495466"/>
+            <a:off x="1416994" y="3510000"/>
             <a:ext cx="144016" cy="143868"/>
           </a:xfrm>
           <a:prstGeom prst="round1Rect">
@@ -25623,7 +24099,7 @@
         </p:nvSpPr>
         <p:spPr>
           <a:xfrm>
-            <a:off x="2052067" y="4009610"/>
+            <a:off x="1963965" y="4005064"/>
             <a:ext cx="144016" cy="143868"/>
           </a:xfrm>
           <a:prstGeom prst="round1Rect">
@@ -25666,7 +24142,7 @@
         </p:nvSpPr>
         <p:spPr>
           <a:xfrm>
-            <a:off x="2826633" y="4005064"/>
+            <a:off x="2945761" y="4010231"/>
             <a:ext cx="144016" cy="143868"/>
           </a:xfrm>
           <a:prstGeom prst="round1Rect">
@@ -25709,7 +24185,7 @@
         </p:nvSpPr>
         <p:spPr>
           <a:xfrm>
-            <a:off x="3167251" y="3495466"/>
+            <a:off x="2980334" y="3510997"/>
             <a:ext cx="144016" cy="143868"/>
           </a:xfrm>
           <a:prstGeom prst="round1Rect">
@@ -25752,7 +24228,7 @@
         </p:nvSpPr>
         <p:spPr>
           <a:xfrm>
-            <a:off x="4030221" y="3986891"/>
+            <a:off x="3924057" y="3980899"/>
             <a:ext cx="144016" cy="143868"/>
           </a:xfrm>
           <a:prstGeom prst="round1Rect">
@@ -25795,7 +24271,7 @@
         </p:nvSpPr>
         <p:spPr>
           <a:xfrm>
-            <a:off x="4804787" y="3978183"/>
+            <a:off x="4864836" y="3989964"/>
             <a:ext cx="144016" cy="143868"/>
           </a:xfrm>
           <a:prstGeom prst="round1Rect">
@@ -25841,12 +24317,12 @@
         </p:nvCxnSpPr>
         <p:spPr>
           <a:xfrm rot="16200000" flipH="1">
-            <a:off x="2531568" y="2931643"/>
-            <a:ext cx="12700" cy="1415381"/>
+            <a:off x="2501516" y="3104038"/>
+            <a:ext cx="997" cy="1100655"/>
           </a:xfrm>
           <a:prstGeom prst="bentConnector3">
             <a:avLst>
-              <a:gd name="adj1" fmla="val 1800000"/>
+              <a:gd name="adj1" fmla="val 23028786"/>
             </a:avLst>
           </a:prstGeom>
           <a:ln w="25400"/>
@@ -25870,6 +24346,7 @@
         <p:nvCxnSpPr>
           <p:cNvPr id="54" name="Gerader Verbinder 24"/>
           <p:cNvCxnSpPr>
+            <a:cxnSpLocks/>
             <a:stCxn id="45" idx="2"/>
             <a:endCxn id="48" idx="1"/>
           </p:cNvCxnSpPr>
@@ -25877,8 +24354,8 @@
         </p:nvCxnSpPr>
         <p:spPr>
           <a:xfrm rot="16200000" flipH="1">
-            <a:off x="1373507" y="3402984"/>
-            <a:ext cx="436668" cy="920452"/>
+            <a:off x="1266531" y="3379564"/>
+            <a:ext cx="423130" cy="971738"/>
           </a:xfrm>
           <a:prstGeom prst="bentConnector2">
             <a:avLst/>
@@ -25908,7 +24385,7 @@
         </p:nvSpPr>
         <p:spPr>
           <a:xfrm>
-            <a:off x="5227765" y="3515923"/>
+            <a:off x="5277256" y="3510000"/>
             <a:ext cx="144016" cy="143868"/>
           </a:xfrm>
           <a:prstGeom prst="round1Rect">
@@ -25951,7 +24428,7 @@
         </p:nvSpPr>
         <p:spPr>
           <a:xfrm>
-            <a:off x="3886205" y="3501816"/>
+            <a:off x="3914770" y="3510000"/>
             <a:ext cx="144016" cy="143868"/>
           </a:xfrm>
           <a:prstGeom prst="round1Rect">
@@ -26037,7 +24514,7 @@
         </p:nvSpPr>
         <p:spPr>
           <a:xfrm>
-            <a:off x="5504238" y="3524455"/>
+            <a:off x="5511533" y="3510000"/>
             <a:ext cx="144016" cy="143868"/>
           </a:xfrm>
           <a:prstGeom prst="round1Rect">
@@ -26080,7 +24557,7 @@
         </p:nvSpPr>
         <p:spPr>
           <a:xfrm>
-            <a:off x="6012377" y="3510818"/>
+            <a:off x="5970030" y="3510318"/>
             <a:ext cx="144016" cy="143868"/>
           </a:xfrm>
           <a:prstGeom prst="round1Rect">
@@ -26123,7 +24600,7 @@
         </p:nvSpPr>
         <p:spPr>
           <a:xfrm>
-            <a:off x="6288850" y="3524455"/>
+            <a:off x="5056279" y="3510000"/>
             <a:ext cx="144016" cy="143868"/>
           </a:xfrm>
           <a:prstGeom prst="round1Rect">
@@ -26160,89 +24637,6 @@
       </p:sp>
       <p:cxnSp>
         <p:nvCxnSpPr>
-          <p:cNvPr id="61" name="Gerader Verbinder 60"/>
-          <p:cNvCxnSpPr>
-            <a:stCxn id="49" idx="0"/>
-            <a:endCxn id="51" idx="0"/>
-          </p:cNvCxnSpPr>
-          <p:nvPr/>
-        </p:nvCxnSpPr>
-        <p:spPr>
-          <a:xfrm rot="5400000" flipH="1" flipV="1">
-            <a:off x="3491349" y="3394184"/>
-            <a:ext cx="18173" cy="1203588"/>
-          </a:xfrm>
-          <a:prstGeom prst="bentConnector3">
-            <a:avLst>
-              <a:gd name="adj1" fmla="val 1357910"/>
-            </a:avLst>
-          </a:prstGeom>
-          <a:ln w="25400">
-            <a:solidFill>
-              <a:schemeClr val="accent3">
-                <a:lumMod val="50000"/>
-              </a:schemeClr>
-            </a:solidFill>
-          </a:ln>
-        </p:spPr>
-        <p:style>
-          <a:lnRef idx="1">
-            <a:schemeClr val="accent1"/>
-          </a:lnRef>
-          <a:fillRef idx="0">
-            <a:schemeClr val="accent1"/>
-          </a:fillRef>
-          <a:effectRef idx="0">
-            <a:schemeClr val="accent1"/>
-          </a:effectRef>
-          <a:fontRef idx="minor">
-            <a:schemeClr val="tx1"/>
-          </a:fontRef>
-        </p:style>
-      </p:cxnSp>
-      <p:cxnSp>
-        <p:nvCxnSpPr>
-          <p:cNvPr id="62" name="Gerader Verbinder 36"/>
-          <p:cNvCxnSpPr>
-            <a:stCxn id="52" idx="3"/>
-            <a:endCxn id="57" idx="2"/>
-          </p:cNvCxnSpPr>
-          <p:nvPr/>
-        </p:nvCxnSpPr>
-        <p:spPr>
-          <a:xfrm flipV="1">
-            <a:off x="4948803" y="3654686"/>
-            <a:ext cx="869015" cy="395431"/>
-          </a:xfrm>
-          <a:prstGeom prst="bentConnector2">
-            <a:avLst/>
-          </a:prstGeom>
-          <a:ln w="25400">
-            <a:solidFill>
-              <a:schemeClr val="tx1">
-                <a:lumMod val="85000"/>
-                <a:lumOff val="15000"/>
-              </a:schemeClr>
-            </a:solidFill>
-          </a:ln>
-        </p:spPr>
-        <p:style>
-          <a:lnRef idx="1">
-            <a:schemeClr val="accent1"/>
-          </a:lnRef>
-          <a:fillRef idx="0">
-            <a:schemeClr val="accent1"/>
-          </a:fillRef>
-          <a:effectRef idx="0">
-            <a:schemeClr val="accent1"/>
-          </a:effectRef>
-          <a:fontRef idx="minor">
-            <a:schemeClr val="tx1"/>
-          </a:fontRef>
-        </p:style>
-      </p:cxnSp>
-      <p:cxnSp>
-        <p:nvCxnSpPr>
           <p:cNvPr id="63" name="Gerader Verbinder 38"/>
           <p:cNvCxnSpPr>
             <a:stCxn id="56" idx="2"/>
@@ -26252,12 +24646,12 @@
         </p:nvCxnSpPr>
         <p:spPr>
           <a:xfrm rot="16200000" flipH="1">
-            <a:off x="5148216" y="2455680"/>
-            <a:ext cx="22639" cy="2402645"/>
+            <a:off x="4557532" y="3083113"/>
+            <a:ext cx="12700" cy="1141509"/>
           </a:xfrm>
           <a:prstGeom prst="bentConnector3">
             <a:avLst>
-              <a:gd name="adj1" fmla="val 1109762"/>
+              <a:gd name="adj1" fmla="val 1800000"/>
             </a:avLst>
           </a:prstGeom>
           <a:ln w="25400"/>
@@ -26277,6 +24671,135 @@
           </a:fontRef>
         </p:style>
       </p:cxnSp>
+      <p:cxnSp>
+        <p:nvCxnSpPr>
+          <p:cNvPr id="61" name="Gerader Verbinder 60"/>
+          <p:cNvCxnSpPr>
+            <a:stCxn id="49" idx="0"/>
+            <a:endCxn id="51" idx="0"/>
+          </p:cNvCxnSpPr>
+          <p:nvPr/>
+        </p:nvCxnSpPr>
+        <p:spPr>
+          <a:xfrm rot="5400000" flipH="1" flipV="1">
+            <a:off x="3492251" y="3506417"/>
+            <a:ext cx="29332" cy="978296"/>
+          </a:xfrm>
+          <a:prstGeom prst="bentConnector3">
+            <a:avLst>
+              <a:gd name="adj1" fmla="val 879354"/>
+            </a:avLst>
+          </a:prstGeom>
+          <a:ln w="25400">
+            <a:solidFill>
+              <a:srgbClr val="C00000"/>
+            </a:solidFill>
+          </a:ln>
+        </p:spPr>
+        <p:style>
+          <a:lnRef idx="1">
+            <a:schemeClr val="accent1"/>
+          </a:lnRef>
+          <a:fillRef idx="0">
+            <a:schemeClr val="accent1"/>
+          </a:fillRef>
+          <a:effectRef idx="0">
+            <a:schemeClr val="accent1"/>
+          </a:effectRef>
+          <a:fontRef idx="minor">
+            <a:schemeClr val="tx1"/>
+          </a:fontRef>
+        </p:style>
+      </p:cxnSp>
+      <p:sp>
+        <p:nvSpPr>
+          <p:cNvPr id="16" name="Textfeld 15">
+            <a:extLst>
+              <a:ext uri="{FF2B5EF4-FFF2-40B4-BE49-F238E27FC236}">
+                <a16:creationId xmlns:a16="http://schemas.microsoft.com/office/drawing/2014/main" id="{0DC0D4F6-6853-495D-8DF2-AF01A31A60AE}"/>
+              </a:ext>
+            </a:extLst>
+          </p:cNvPr>
+          <p:cNvSpPr txBox="1"/>
+          <p:nvPr/>
+        </p:nvSpPr>
+        <p:spPr>
+          <a:xfrm>
+            <a:off x="843584" y="2994170"/>
+            <a:ext cx="1264398" cy="369332"/>
+          </a:xfrm>
+          <a:prstGeom prst="rect">
+            <a:avLst/>
+          </a:prstGeom>
+          <a:noFill/>
+        </p:spPr>
+        <p:txBody>
+          <a:bodyPr wrap="square" rtlCol="0">
+            <a:spAutoFit/>
+          </a:bodyPr>
+          <a:lstStyle/>
+          <a:p>
+            <a:r>
+              <a:rPr lang="de-DE" dirty="0">
+                <a:solidFill>
+                  <a:schemeClr val="bg1"/>
+                </a:solidFill>
+              </a:rPr>
+              <a:t>Gerät Nr.1</a:t>
+            </a:r>
+          </a:p>
+        </p:txBody>
+      </p:sp>
+      <p:sp>
+        <p:nvSpPr>
+          <p:cNvPr id="17" name="Rechteck 16">
+            <a:extLst>
+              <a:ext uri="{FF2B5EF4-FFF2-40B4-BE49-F238E27FC236}">
+                <a16:creationId xmlns:a16="http://schemas.microsoft.com/office/drawing/2014/main" id="{A5B187A5-6279-4466-8E84-E3816BB626FD}"/>
+              </a:ext>
+            </a:extLst>
+          </p:cNvPr>
+          <p:cNvSpPr/>
+          <p:nvPr/>
+        </p:nvSpPr>
+        <p:spPr>
+          <a:xfrm>
+            <a:off x="755576" y="2636912"/>
+            <a:ext cx="5760640" cy="2304256"/>
+          </a:xfrm>
+          <a:prstGeom prst="rect">
+            <a:avLst/>
+          </a:prstGeom>
+          <a:noFill/>
+          <a:ln>
+            <a:noFill/>
+          </a:ln>
+        </p:spPr>
+        <p:style>
+          <a:lnRef idx="2">
+            <a:schemeClr val="accent1">
+              <a:shade val="50000"/>
+            </a:schemeClr>
+          </a:lnRef>
+          <a:fillRef idx="1">
+            <a:schemeClr val="accent1"/>
+          </a:fillRef>
+          <a:effectRef idx="0">
+            <a:schemeClr val="accent1"/>
+          </a:effectRef>
+          <a:fontRef idx="minor">
+            <a:schemeClr val="lt1"/>
+          </a:fontRef>
+        </p:style>
+        <p:txBody>
+          <a:bodyPr rtlCol="0" anchor="ctr"/>
+          <a:lstStyle/>
+          <a:p>
+            <a:pPr algn="ctr"/>
+            <a:endParaRPr lang="de-DE"/>
+          </a:p>
+        </p:txBody>
+      </p:sp>
     </p:spTree>
     <p:extLst>
       <p:ext uri="{BB962C8B-B14F-4D97-AF65-F5344CB8AC3E}">
@@ -26311,7 +24834,7 @@
                             </p:stCondLst>
                             <p:childTnLst>
                               <p:par>
-                                <p:cTn id="5" presetID="2" presetClass="entr" presetSubtype="4" fill="hold" nodeType="withEffect">
+                                <p:cTn id="5" presetID="1" presetClass="entr" presetSubtype="0" fill="hold" nodeType="withEffect">
                                   <p:stCondLst>
                                     <p:cond delay="0"/>
                                   </p:stCondLst>
@@ -26338,72 +24861,18 @@
                                         <p:strVal val="visible"/>
                                       </p:to>
                                     </p:set>
-                                    <p:anim calcmode="lin" valueType="num">
-                                      <p:cBhvr additive="base">
-                                        <p:cTn id="7" dur="500" fill="hold"/>
-                                        <p:tgtEl>
-                                          <p:spTgt spid="2">
-                                            <p:txEl>
-                                              <p:pRg st="0" end="0"/>
-                                            </p:txEl>
-                                          </p:spTgt>
-                                        </p:tgtEl>
-                                        <p:attrNameLst>
-                                          <p:attrName>ppt_x</p:attrName>
-                                        </p:attrNameLst>
-                                      </p:cBhvr>
-                                      <p:tavLst>
-                                        <p:tav tm="0">
-                                          <p:val>
-                                            <p:strVal val="#ppt_x"/>
-                                          </p:val>
-                                        </p:tav>
-                                        <p:tav tm="100000">
-                                          <p:val>
-                                            <p:strVal val="#ppt_x"/>
-                                          </p:val>
-                                        </p:tav>
-                                      </p:tavLst>
-                                    </p:anim>
-                                    <p:anim calcmode="lin" valueType="num">
-                                      <p:cBhvr additive="base">
-                                        <p:cTn id="8" dur="500" fill="hold"/>
-                                        <p:tgtEl>
-                                          <p:spTgt spid="2">
-                                            <p:txEl>
-                                              <p:pRg st="0" end="0"/>
-                                            </p:txEl>
-                                          </p:spTgt>
-                                        </p:tgtEl>
-                                        <p:attrNameLst>
-                                          <p:attrName>ppt_y</p:attrName>
-                                        </p:attrNameLst>
-                                      </p:cBhvr>
-                                      <p:tavLst>
-                                        <p:tav tm="0">
-                                          <p:val>
-                                            <p:strVal val="1+#ppt_h/2"/>
-                                          </p:val>
-                                        </p:tav>
-                                        <p:tav tm="100000">
-                                          <p:val>
-                                            <p:strVal val="#ppt_y"/>
-                                          </p:val>
-                                        </p:tav>
-                                      </p:tavLst>
-                                    </p:anim>
                                   </p:childTnLst>
                                 </p:cTn>
                               </p:par>
                               <p:par>
-                                <p:cTn id="9" presetID="2" presetClass="entr" presetSubtype="4" fill="hold" nodeType="withEffect">
+                                <p:cTn id="7" presetID="1" presetClass="entr" presetSubtype="0" fill="hold" nodeType="withEffect">
                                   <p:stCondLst>
                                     <p:cond delay="0"/>
                                   </p:stCondLst>
                                   <p:childTnLst>
                                     <p:set>
                                       <p:cBhvr>
-                                        <p:cTn id="10" dur="1" fill="hold">
+                                        <p:cTn id="8" dur="1" fill="hold">
                                           <p:stCondLst>
                                             <p:cond delay="0"/>
                                           </p:stCondLst>
@@ -26423,72 +24892,18 @@
                                         <p:strVal val="visible"/>
                                       </p:to>
                                     </p:set>
-                                    <p:anim calcmode="lin" valueType="num">
-                                      <p:cBhvr additive="base">
-                                        <p:cTn id="11" dur="500" fill="hold"/>
-                                        <p:tgtEl>
-                                          <p:spTgt spid="2">
-                                            <p:txEl>
-                                              <p:pRg st="1" end="1"/>
-                                            </p:txEl>
-                                          </p:spTgt>
-                                        </p:tgtEl>
-                                        <p:attrNameLst>
-                                          <p:attrName>ppt_x</p:attrName>
-                                        </p:attrNameLst>
-                                      </p:cBhvr>
-                                      <p:tavLst>
-                                        <p:tav tm="0">
-                                          <p:val>
-                                            <p:strVal val="#ppt_x"/>
-                                          </p:val>
-                                        </p:tav>
-                                        <p:tav tm="100000">
-                                          <p:val>
-                                            <p:strVal val="#ppt_x"/>
-                                          </p:val>
-                                        </p:tav>
-                                      </p:tavLst>
-                                    </p:anim>
-                                    <p:anim calcmode="lin" valueType="num">
-                                      <p:cBhvr additive="base">
-                                        <p:cTn id="12" dur="500" fill="hold"/>
-                                        <p:tgtEl>
-                                          <p:spTgt spid="2">
-                                            <p:txEl>
-                                              <p:pRg st="1" end="1"/>
-                                            </p:txEl>
-                                          </p:spTgt>
-                                        </p:tgtEl>
-                                        <p:attrNameLst>
-                                          <p:attrName>ppt_y</p:attrName>
-                                        </p:attrNameLst>
-                                      </p:cBhvr>
-                                      <p:tavLst>
-                                        <p:tav tm="0">
-                                          <p:val>
-                                            <p:strVal val="1+#ppt_h/2"/>
-                                          </p:val>
-                                        </p:tav>
-                                        <p:tav tm="100000">
-                                          <p:val>
-                                            <p:strVal val="#ppt_y"/>
-                                          </p:val>
-                                        </p:tav>
-                                      </p:tavLst>
-                                    </p:anim>
                                   </p:childTnLst>
                                 </p:cTn>
                               </p:par>
                               <p:par>
-                                <p:cTn id="13" presetID="2" presetClass="entr" presetSubtype="4" fill="hold" nodeType="withEffect">
+                                <p:cTn id="9" presetID="1" presetClass="entr" presetSubtype="0" fill="hold" nodeType="withEffect">
                                   <p:stCondLst>
                                     <p:cond delay="0"/>
                                   </p:stCondLst>
                                   <p:childTnLst>
                                     <p:set>
                                       <p:cBhvr>
-                                        <p:cTn id="14" dur="1" fill="hold">
+                                        <p:cTn id="10" dur="1" fill="hold">
                                           <p:stCondLst>
                                             <p:cond delay="0"/>
                                           </p:stCondLst>
@@ -26508,72 +24923,18 @@
                                         <p:strVal val="visible"/>
                                       </p:to>
                                     </p:set>
-                                    <p:anim calcmode="lin" valueType="num">
-                                      <p:cBhvr additive="base">
-                                        <p:cTn id="15" dur="500" fill="hold"/>
-                                        <p:tgtEl>
-                                          <p:spTgt spid="2">
-                                            <p:txEl>
-                                              <p:pRg st="2" end="2"/>
-                                            </p:txEl>
-                                          </p:spTgt>
-                                        </p:tgtEl>
-                                        <p:attrNameLst>
-                                          <p:attrName>ppt_x</p:attrName>
-                                        </p:attrNameLst>
-                                      </p:cBhvr>
-                                      <p:tavLst>
-                                        <p:tav tm="0">
-                                          <p:val>
-                                            <p:strVal val="#ppt_x"/>
-                                          </p:val>
-                                        </p:tav>
-                                        <p:tav tm="100000">
-                                          <p:val>
-                                            <p:strVal val="#ppt_x"/>
-                                          </p:val>
-                                        </p:tav>
-                                      </p:tavLst>
-                                    </p:anim>
-                                    <p:anim calcmode="lin" valueType="num">
-                                      <p:cBhvr additive="base">
-                                        <p:cTn id="16" dur="500" fill="hold"/>
-                                        <p:tgtEl>
-                                          <p:spTgt spid="2">
-                                            <p:txEl>
-                                              <p:pRg st="2" end="2"/>
-                                            </p:txEl>
-                                          </p:spTgt>
-                                        </p:tgtEl>
-                                        <p:attrNameLst>
-                                          <p:attrName>ppt_y</p:attrName>
-                                        </p:attrNameLst>
-                                      </p:cBhvr>
-                                      <p:tavLst>
-                                        <p:tav tm="0">
-                                          <p:val>
-                                            <p:strVal val="1+#ppt_h/2"/>
-                                          </p:val>
-                                        </p:tav>
-                                        <p:tav tm="100000">
-                                          <p:val>
-                                            <p:strVal val="#ppt_y"/>
-                                          </p:val>
-                                        </p:tav>
-                                      </p:tavLst>
-                                    </p:anim>
                                   </p:childTnLst>
                                 </p:cTn>
                               </p:par>
                               <p:par>
-                                <p:cTn id="17" presetID="2" presetClass="entr" presetSubtype="4" fill="hold" nodeType="withEffect">
+                                <p:cTn id="11" presetID="1" presetClass="entr" presetSubtype="0" fill="hold" nodeType="withEffect">
                                   <p:stCondLst>
                                     <p:cond delay="0"/>
                                   </p:stCondLst>
                                   <p:childTnLst>
                                     <p:set>
                                       <p:cBhvr>
-                                        <p:cTn id="18" dur="1" fill="hold">
+                                        <p:cTn id="12" dur="1" fill="hold">
                                           <p:stCondLst>
                                             <p:cond delay="0"/>
                                           </p:stCondLst>
@@ -26593,60 +24954,6 @@
                                         <p:strVal val="visible"/>
                                       </p:to>
                                     </p:set>
-                                    <p:anim calcmode="lin" valueType="num">
-                                      <p:cBhvr additive="base">
-                                        <p:cTn id="19" dur="500" fill="hold"/>
-                                        <p:tgtEl>
-                                          <p:spTgt spid="2">
-                                            <p:txEl>
-                                              <p:pRg st="3" end="3"/>
-                                            </p:txEl>
-                                          </p:spTgt>
-                                        </p:tgtEl>
-                                        <p:attrNameLst>
-                                          <p:attrName>ppt_x</p:attrName>
-                                        </p:attrNameLst>
-                                      </p:cBhvr>
-                                      <p:tavLst>
-                                        <p:tav tm="0">
-                                          <p:val>
-                                            <p:strVal val="#ppt_x"/>
-                                          </p:val>
-                                        </p:tav>
-                                        <p:tav tm="100000">
-                                          <p:val>
-                                            <p:strVal val="#ppt_x"/>
-                                          </p:val>
-                                        </p:tav>
-                                      </p:tavLst>
-                                    </p:anim>
-                                    <p:anim calcmode="lin" valueType="num">
-                                      <p:cBhvr additive="base">
-                                        <p:cTn id="20" dur="500" fill="hold"/>
-                                        <p:tgtEl>
-                                          <p:spTgt spid="2">
-                                            <p:txEl>
-                                              <p:pRg st="3" end="3"/>
-                                            </p:txEl>
-                                          </p:spTgt>
-                                        </p:tgtEl>
-                                        <p:attrNameLst>
-                                          <p:attrName>ppt_y</p:attrName>
-                                        </p:attrNameLst>
-                                      </p:cBhvr>
-                                      <p:tavLst>
-                                        <p:tav tm="0">
-                                          <p:val>
-                                            <p:strVal val="1+#ppt_h/2"/>
-                                          </p:val>
-                                        </p:tav>
-                                        <p:tav tm="100000">
-                                          <p:val>
-                                            <p:strVal val="#ppt_y"/>
-                                          </p:val>
-                                        </p:tav>
-                                      </p:tavLst>
-                                    </p:anim>
                                   </p:childTnLst>
                                 </p:cTn>
                               </p:par>
@@ -26657,26 +24964,26 @@
                     </p:cTn>
                   </p:par>
                   <p:par>
-                    <p:cTn id="21" fill="hold">
+                    <p:cTn id="13" fill="hold">
                       <p:stCondLst>
                         <p:cond delay="indefinite"/>
                       </p:stCondLst>
                       <p:childTnLst>
                         <p:par>
-                          <p:cTn id="22" fill="hold">
+                          <p:cTn id="14" fill="hold">
                             <p:stCondLst>
                               <p:cond delay="0"/>
                             </p:stCondLst>
                             <p:childTnLst>
                               <p:par>
-                                <p:cTn id="23" presetID="2" presetClass="entr" presetSubtype="4" fill="hold" grpId="0" nodeType="clickEffect">
+                                <p:cTn id="15" presetID="1" presetClass="entr" presetSubtype="0" fill="hold" grpId="0" nodeType="clickEffect">
                                   <p:stCondLst>
                                     <p:cond delay="0"/>
                                   </p:stCondLst>
                                   <p:childTnLst>
                                     <p:set>
                                       <p:cBhvr>
-                                        <p:cTn id="24" dur="1" fill="hold">
+                                        <p:cTn id="16" dur="1" fill="hold">
                                           <p:stCondLst>
                                             <p:cond delay="0"/>
                                           </p:stCondLst>
@@ -26692,64 +24999,18 @@
                                         <p:strVal val="visible"/>
                                       </p:to>
                                     </p:set>
-                                    <p:anim calcmode="lin" valueType="num">
-                                      <p:cBhvr additive="base">
-                                        <p:cTn id="25" dur="500" fill="hold"/>
-                                        <p:tgtEl>
-                                          <p:spTgt spid="40"/>
-                                        </p:tgtEl>
-                                        <p:attrNameLst>
-                                          <p:attrName>ppt_x</p:attrName>
-                                        </p:attrNameLst>
-                                      </p:cBhvr>
-                                      <p:tavLst>
-                                        <p:tav tm="0">
-                                          <p:val>
-                                            <p:strVal val="#ppt_x"/>
-                                          </p:val>
-                                        </p:tav>
-                                        <p:tav tm="100000">
-                                          <p:val>
-                                            <p:strVal val="#ppt_x"/>
-                                          </p:val>
-                                        </p:tav>
-                                      </p:tavLst>
-                                    </p:anim>
-                                    <p:anim calcmode="lin" valueType="num">
-                                      <p:cBhvr additive="base">
-                                        <p:cTn id="26" dur="500" fill="hold"/>
-                                        <p:tgtEl>
-                                          <p:spTgt spid="40"/>
-                                        </p:tgtEl>
-                                        <p:attrNameLst>
-                                          <p:attrName>ppt_y</p:attrName>
-                                        </p:attrNameLst>
-                                      </p:cBhvr>
-                                      <p:tavLst>
-                                        <p:tav tm="0">
-                                          <p:val>
-                                            <p:strVal val="1+#ppt_h/2"/>
-                                          </p:val>
-                                        </p:tav>
-                                        <p:tav tm="100000">
-                                          <p:val>
-                                            <p:strVal val="#ppt_y"/>
-                                          </p:val>
-                                        </p:tav>
-                                      </p:tavLst>
-                                    </p:anim>
                                   </p:childTnLst>
                                 </p:cTn>
                               </p:par>
                               <p:par>
-                                <p:cTn id="27" presetID="2" presetClass="entr" presetSubtype="4" fill="hold" grpId="0" nodeType="withEffect">
+                                <p:cTn id="17" presetID="1" presetClass="entr" presetSubtype="0" fill="hold" grpId="0" nodeType="withEffect">
                                   <p:stCondLst>
                                     <p:cond delay="0"/>
                                   </p:stCondLst>
                                   <p:childTnLst>
                                     <p:set>
                                       <p:cBhvr>
-                                        <p:cTn id="28" dur="1" fill="hold">
+                                        <p:cTn id="18" dur="1" fill="hold">
                                           <p:stCondLst>
                                             <p:cond delay="0"/>
                                           </p:stCondLst>
@@ -26765,64 +25026,18 @@
                                         <p:strVal val="visible"/>
                                       </p:to>
                                     </p:set>
-                                    <p:anim calcmode="lin" valueType="num">
-                                      <p:cBhvr additive="base">
-                                        <p:cTn id="29" dur="500" fill="hold"/>
-                                        <p:tgtEl>
-                                          <p:spTgt spid="43"/>
-                                        </p:tgtEl>
-                                        <p:attrNameLst>
-                                          <p:attrName>ppt_x</p:attrName>
-                                        </p:attrNameLst>
-                                      </p:cBhvr>
-                                      <p:tavLst>
-                                        <p:tav tm="0">
-                                          <p:val>
-                                            <p:strVal val="#ppt_x"/>
-                                          </p:val>
-                                        </p:tav>
-                                        <p:tav tm="100000">
-                                          <p:val>
-                                            <p:strVal val="#ppt_x"/>
-                                          </p:val>
-                                        </p:tav>
-                                      </p:tavLst>
-                                    </p:anim>
-                                    <p:anim calcmode="lin" valueType="num">
-                                      <p:cBhvr additive="base">
-                                        <p:cTn id="30" dur="500" fill="hold"/>
-                                        <p:tgtEl>
-                                          <p:spTgt spid="43"/>
-                                        </p:tgtEl>
-                                        <p:attrNameLst>
-                                          <p:attrName>ppt_y</p:attrName>
-                                        </p:attrNameLst>
-                                      </p:cBhvr>
-                                      <p:tavLst>
-                                        <p:tav tm="0">
-                                          <p:val>
-                                            <p:strVal val="1+#ppt_h/2"/>
-                                          </p:val>
-                                        </p:tav>
-                                        <p:tav tm="100000">
-                                          <p:val>
-                                            <p:strVal val="#ppt_y"/>
-                                          </p:val>
-                                        </p:tav>
-                                      </p:tavLst>
-                                    </p:anim>
                                   </p:childTnLst>
                                 </p:cTn>
                               </p:par>
                               <p:par>
-                                <p:cTn id="31" presetID="2" presetClass="entr" presetSubtype="4" fill="hold" grpId="0" nodeType="withEffect">
+                                <p:cTn id="19" presetID="1" presetClass="entr" presetSubtype="0" fill="hold" grpId="0" nodeType="withEffect">
                                   <p:stCondLst>
                                     <p:cond delay="0"/>
                                   </p:stCondLst>
                                   <p:childTnLst>
                                     <p:set>
                                       <p:cBhvr>
-                                        <p:cTn id="32" dur="1" fill="hold">
+                                        <p:cTn id="20" dur="1" fill="hold">
                                           <p:stCondLst>
                                             <p:cond delay="0"/>
                                           </p:stCondLst>
@@ -26838,57 +25053,200 @@
                                         <p:strVal val="visible"/>
                                       </p:to>
                                     </p:set>
-                                    <p:anim calcmode="lin" valueType="num">
-                                      <p:cBhvr additive="base">
-                                        <p:cTn id="33" dur="500" fill="hold"/>
-                                        <p:tgtEl>
-                                          <p:spTgt spid="42"/>
-                                        </p:tgtEl>
-                                        <p:attrNameLst>
-                                          <p:attrName>ppt_x</p:attrName>
-                                        </p:attrNameLst>
-                                      </p:cBhvr>
-                                      <p:tavLst>
-                                        <p:tav tm="0">
-                                          <p:val>
-                                            <p:strVal val="#ppt_x"/>
-                                          </p:val>
-                                        </p:tav>
-                                        <p:tav tm="100000">
-                                          <p:val>
-                                            <p:strVal val="#ppt_x"/>
-                                          </p:val>
-                                        </p:tav>
-                                      </p:tavLst>
-                                    </p:anim>
-                                    <p:anim calcmode="lin" valueType="num">
-                                      <p:cBhvr additive="base">
-                                        <p:cTn id="34" dur="500" fill="hold"/>
-                                        <p:tgtEl>
-                                          <p:spTgt spid="42"/>
-                                        </p:tgtEl>
-                                        <p:attrNameLst>
-                                          <p:attrName>ppt_y</p:attrName>
-                                        </p:attrNameLst>
-                                      </p:cBhvr>
-                                      <p:tavLst>
-                                        <p:tav tm="0">
-                                          <p:val>
-                                            <p:strVal val="1+#ppt_h/2"/>
-                                          </p:val>
-                                        </p:tav>
-                                        <p:tav tm="100000">
-                                          <p:val>
-                                            <p:strVal val="#ppt_y"/>
-                                          </p:val>
-                                        </p:tav>
-                                      </p:tavLst>
-                                    </p:anim>
                                   </p:childTnLst>
                                 </p:cTn>
                               </p:par>
                               <p:par>
-                                <p:cTn id="35" presetID="2" presetClass="entr" presetSubtype="4" fill="hold" grpId="0" nodeType="withEffect">
+                                <p:cTn id="21" presetID="1" presetClass="entr" presetSubtype="0" fill="hold" grpId="0" nodeType="withEffect">
+                                  <p:stCondLst>
+                                    <p:cond delay="0"/>
+                                  </p:stCondLst>
+                                  <p:childTnLst>
+                                    <p:set>
+                                      <p:cBhvr>
+                                        <p:cTn id="22" dur="1" fill="hold">
+                                          <p:stCondLst>
+                                            <p:cond delay="0"/>
+                                          </p:stCondLst>
+                                        </p:cTn>
+                                        <p:tgtEl>
+                                          <p:spTgt spid="41"/>
+                                        </p:tgtEl>
+                                        <p:attrNameLst>
+                                          <p:attrName>style.visibility</p:attrName>
+                                        </p:attrNameLst>
+                                      </p:cBhvr>
+                                      <p:to>
+                                        <p:strVal val="visible"/>
+                                      </p:to>
+                                    </p:set>
+                                  </p:childTnLst>
+                                </p:cTn>
+                              </p:par>
+                              <p:par>
+                                <p:cTn id="23" presetID="1" presetClass="entr" presetSubtype="0" fill="hold" nodeType="withEffect">
+                                  <p:stCondLst>
+                                    <p:cond delay="0"/>
+                                  </p:stCondLst>
+                                  <p:childTnLst>
+                                    <p:set>
+                                      <p:cBhvr>
+                                        <p:cTn id="24" dur="1" fill="hold">
+                                          <p:stCondLst>
+                                            <p:cond delay="0"/>
+                                          </p:stCondLst>
+                                        </p:cTn>
+                                        <p:tgtEl>
+                                          <p:spTgt spid="54"/>
+                                        </p:tgtEl>
+                                        <p:attrNameLst>
+                                          <p:attrName>style.visibility</p:attrName>
+                                        </p:attrNameLst>
+                                      </p:cBhvr>
+                                      <p:to>
+                                        <p:strVal val="visible"/>
+                                      </p:to>
+                                    </p:set>
+                                  </p:childTnLst>
+                                </p:cTn>
+                              </p:par>
+                              <p:par>
+                                <p:cTn id="25" presetID="1" presetClass="entr" presetSubtype="0" fill="hold" nodeType="withEffect">
+                                  <p:stCondLst>
+                                    <p:cond delay="0"/>
+                                  </p:stCondLst>
+                                  <p:childTnLst>
+                                    <p:set>
+                                      <p:cBhvr>
+                                        <p:cTn id="26" dur="1" fill="hold">
+                                          <p:stCondLst>
+                                            <p:cond delay="0"/>
+                                          </p:stCondLst>
+                                        </p:cTn>
+                                        <p:tgtEl>
+                                          <p:spTgt spid="53"/>
+                                        </p:tgtEl>
+                                        <p:attrNameLst>
+                                          <p:attrName>style.visibility</p:attrName>
+                                        </p:attrNameLst>
+                                      </p:cBhvr>
+                                      <p:to>
+                                        <p:strVal val="visible"/>
+                                      </p:to>
+                                    </p:set>
+                                  </p:childTnLst>
+                                </p:cTn>
+                              </p:par>
+                              <p:par>
+                                <p:cTn id="27" presetID="1" presetClass="entr" presetSubtype="0" fill="hold" grpId="0" nodeType="withEffect">
+                                  <p:stCondLst>
+                                    <p:cond delay="0"/>
+                                  </p:stCondLst>
+                                  <p:childTnLst>
+                                    <p:set>
+                                      <p:cBhvr>
+                                        <p:cTn id="28" dur="1" fill="hold">
+                                          <p:stCondLst>
+                                            <p:cond delay="0"/>
+                                          </p:stCondLst>
+                                        </p:cTn>
+                                        <p:tgtEl>
+                                          <p:spTgt spid="52"/>
+                                        </p:tgtEl>
+                                        <p:attrNameLst>
+                                          <p:attrName>style.visibility</p:attrName>
+                                        </p:attrNameLst>
+                                      </p:cBhvr>
+                                      <p:to>
+                                        <p:strVal val="visible"/>
+                                      </p:to>
+                                    </p:set>
+                                  </p:childTnLst>
+                                </p:cTn>
+                              </p:par>
+                              <p:par>
+                                <p:cTn id="29" presetID="1" presetClass="entr" presetSubtype="0" fill="hold" nodeType="withEffect">
+                                  <p:stCondLst>
+                                    <p:cond delay="0"/>
+                                  </p:stCondLst>
+                                  <p:childTnLst>
+                                    <p:set>
+                                      <p:cBhvr>
+                                        <p:cTn id="30" dur="1" fill="hold">
+                                          <p:stCondLst>
+                                            <p:cond delay="0"/>
+                                          </p:stCondLst>
+                                        </p:cTn>
+                                        <p:tgtEl>
+                                          <p:spTgt spid="61"/>
+                                        </p:tgtEl>
+                                        <p:attrNameLst>
+                                          <p:attrName>style.visibility</p:attrName>
+                                        </p:attrNameLst>
+                                      </p:cBhvr>
+                                      <p:to>
+                                        <p:strVal val="visible"/>
+                                      </p:to>
+                                    </p:set>
+                                  </p:childTnLst>
+                                </p:cTn>
+                              </p:par>
+                              <p:par>
+                                <p:cTn id="31" presetID="1" presetClass="entr" presetSubtype="0" fill="hold" grpId="0" nodeType="withEffect">
+                                  <p:stCondLst>
+                                    <p:cond delay="0"/>
+                                  </p:stCondLst>
+                                  <p:childTnLst>
+                                    <p:set>
+                                      <p:cBhvr>
+                                        <p:cTn id="32" dur="1" fill="hold">
+                                          <p:stCondLst>
+                                            <p:cond delay="0"/>
+                                          </p:stCondLst>
+                                        </p:cTn>
+                                        <p:tgtEl>
+                                          <p:spTgt spid="46"/>
+                                        </p:tgtEl>
+                                        <p:attrNameLst>
+                                          <p:attrName>style.visibility</p:attrName>
+                                        </p:attrNameLst>
+                                      </p:cBhvr>
+                                      <p:to>
+                                        <p:strVal val="visible"/>
+                                      </p:to>
+                                    </p:set>
+                                  </p:childTnLst>
+                                </p:cTn>
+                              </p:par>
+                              <p:par>
+                                <p:cTn id="33" presetID="1" presetClass="entr" presetSubtype="0" fill="hold" grpId="0" nodeType="withEffect">
+                                  <p:stCondLst>
+                                    <p:cond delay="0"/>
+                                  </p:stCondLst>
+                                  <p:childTnLst>
+                                    <p:set>
+                                      <p:cBhvr>
+                                        <p:cTn id="34" dur="1" fill="hold">
+                                          <p:stCondLst>
+                                            <p:cond delay="0"/>
+                                          </p:stCondLst>
+                                        </p:cTn>
+                                        <p:tgtEl>
+                                          <p:spTgt spid="45"/>
+                                        </p:tgtEl>
+                                        <p:attrNameLst>
+                                          <p:attrName>style.visibility</p:attrName>
+                                        </p:attrNameLst>
+                                      </p:cBhvr>
+                                      <p:to>
+                                        <p:strVal val="visible"/>
+                                      </p:to>
+                                    </p:set>
+                                  </p:childTnLst>
+                                </p:cTn>
+                              </p:par>
+                              <p:par>
+                                <p:cTn id="35" presetID="1" presetClass="entr" presetSubtype="0" fill="hold" grpId="0" nodeType="withEffect">
                                   <p:stCondLst>
                                     <p:cond delay="0"/>
                                   </p:stCondLst>
@@ -26896,6 +25254,141 @@
                                     <p:set>
                                       <p:cBhvr>
                                         <p:cTn id="36" dur="1" fill="hold">
+                                          <p:stCondLst>
+                                            <p:cond delay="0"/>
+                                          </p:stCondLst>
+                                        </p:cTn>
+                                        <p:tgtEl>
+                                          <p:spTgt spid="47"/>
+                                        </p:tgtEl>
+                                        <p:attrNameLst>
+                                          <p:attrName>style.visibility</p:attrName>
+                                        </p:attrNameLst>
+                                      </p:cBhvr>
+                                      <p:to>
+                                        <p:strVal val="visible"/>
+                                      </p:to>
+                                    </p:set>
+                                  </p:childTnLst>
+                                </p:cTn>
+                              </p:par>
+                              <p:par>
+                                <p:cTn id="37" presetID="1" presetClass="entr" presetSubtype="0" fill="hold" nodeType="withEffect">
+                                  <p:stCondLst>
+                                    <p:cond delay="0"/>
+                                  </p:stCondLst>
+                                  <p:childTnLst>
+                                    <p:set>
+                                      <p:cBhvr>
+                                        <p:cTn id="38" dur="1" fill="hold">
+                                          <p:stCondLst>
+                                            <p:cond delay="0"/>
+                                          </p:stCondLst>
+                                        </p:cTn>
+                                        <p:tgtEl>
+                                          <p:spTgt spid="63"/>
+                                        </p:tgtEl>
+                                        <p:attrNameLst>
+                                          <p:attrName>style.visibility</p:attrName>
+                                        </p:attrNameLst>
+                                      </p:cBhvr>
+                                      <p:to>
+                                        <p:strVal val="visible"/>
+                                      </p:to>
+                                    </p:set>
+                                  </p:childTnLst>
+                                </p:cTn>
+                              </p:par>
+                              <p:par>
+                                <p:cTn id="39" presetID="1" presetClass="entr" presetSubtype="0" fill="hold" grpId="0" nodeType="withEffect">
+                                  <p:stCondLst>
+                                    <p:cond delay="0"/>
+                                  </p:stCondLst>
+                                  <p:childTnLst>
+                                    <p:set>
+                                      <p:cBhvr>
+                                        <p:cTn id="40" dur="1" fill="hold">
+                                          <p:stCondLst>
+                                            <p:cond delay="0"/>
+                                          </p:stCondLst>
+                                        </p:cTn>
+                                        <p:tgtEl>
+                                          <p:spTgt spid="57"/>
+                                        </p:tgtEl>
+                                        <p:attrNameLst>
+                                          <p:attrName>style.visibility</p:attrName>
+                                        </p:attrNameLst>
+                                      </p:cBhvr>
+                                      <p:to>
+                                        <p:strVal val="visible"/>
+                                      </p:to>
+                                    </p:set>
+                                  </p:childTnLst>
+                                </p:cTn>
+                              </p:par>
+                              <p:par>
+                                <p:cTn id="41" presetID="1" presetClass="entr" presetSubtype="0" fill="hold" grpId="0" nodeType="withEffect">
+                                  <p:stCondLst>
+                                    <p:cond delay="0"/>
+                                  </p:stCondLst>
+                                  <p:childTnLst>
+                                    <p:set>
+                                      <p:cBhvr>
+                                        <p:cTn id="42" dur="1" fill="hold">
+                                          <p:stCondLst>
+                                            <p:cond delay="0"/>
+                                          </p:stCondLst>
+                                        </p:cTn>
+                                        <p:tgtEl>
+                                          <p:spTgt spid="58"/>
+                                        </p:tgtEl>
+                                        <p:attrNameLst>
+                                          <p:attrName>style.visibility</p:attrName>
+                                        </p:attrNameLst>
+                                      </p:cBhvr>
+                                      <p:to>
+                                        <p:strVal val="visible"/>
+                                      </p:to>
+                                    </p:set>
+                                  </p:childTnLst>
+                                </p:cTn>
+                              </p:par>
+                              <p:par>
+                                <p:cTn id="43" presetID="1" presetClass="entr" presetSubtype="0" fill="hold" grpId="0" nodeType="withEffect">
+                                  <p:stCondLst>
+                                    <p:cond delay="0"/>
+                                  </p:stCondLst>
+                                  <p:childTnLst>
+                                    <p:set>
+                                      <p:cBhvr>
+                                        <p:cTn id="44" dur="1" fill="hold">
+                                          <p:stCondLst>
+                                            <p:cond delay="0"/>
+                                          </p:stCondLst>
+                                        </p:cTn>
+                                        <p:tgtEl>
+                                          <p:spTgt spid="55"/>
+                                        </p:tgtEl>
+                                        <p:attrNameLst>
+                                          <p:attrName>style.visibility</p:attrName>
+                                        </p:attrNameLst>
+                                      </p:cBhvr>
+                                      <p:to>
+                                        <p:strVal val="visible"/>
+                                      </p:to>
+                                    </p:set>
+                                  </p:childTnLst>
+                                </p:cTn>
+                              </p:par>
+                              <p:par>
+                                <p:cTn id="45" presetID="1" presetClass="entr" presetSubtype="0" fill="hold" grpId="0" nodeType="withEffect">
+                                  <p:stCondLst>
+                                    <p:cond delay="0"/>
+                                  </p:stCondLst>
+                                  <p:childTnLst>
+                                    <p:set>
+                                      <p:cBhvr>
+                                        <p:cTn id="46" dur="1" fill="hold">
                                           <p:stCondLst>
                                             <p:cond delay="0"/>
                                           </p:stCondLst>
@@ -26911,203 +25404,11 @@
                                         <p:strVal val="visible"/>
                                       </p:to>
                                     </p:set>
-                                    <p:anim calcmode="lin" valueType="num">
-                                      <p:cBhvr additive="base">
-                                        <p:cTn id="37" dur="500" fill="hold"/>
-                                        <p:tgtEl>
-                                          <p:spTgt spid="44"/>
-                                        </p:tgtEl>
-                                        <p:attrNameLst>
-                                          <p:attrName>ppt_x</p:attrName>
-                                        </p:attrNameLst>
-                                      </p:cBhvr>
-                                      <p:tavLst>
-                                        <p:tav tm="0">
-                                          <p:val>
-                                            <p:strVal val="#ppt_x"/>
-                                          </p:val>
-                                        </p:tav>
-                                        <p:tav tm="100000">
-                                          <p:val>
-                                            <p:strVal val="#ppt_x"/>
-                                          </p:val>
-                                        </p:tav>
-                                      </p:tavLst>
-                                    </p:anim>
-                                    <p:anim calcmode="lin" valueType="num">
-                                      <p:cBhvr additive="base">
-                                        <p:cTn id="38" dur="500" fill="hold"/>
-                                        <p:tgtEl>
-                                          <p:spTgt spid="44"/>
-                                        </p:tgtEl>
-                                        <p:attrNameLst>
-                                          <p:attrName>ppt_y</p:attrName>
-                                        </p:attrNameLst>
-                                      </p:cBhvr>
-                                      <p:tavLst>
-                                        <p:tav tm="0">
-                                          <p:val>
-                                            <p:strVal val="1+#ppt_h/2"/>
-                                          </p:val>
-                                        </p:tav>
-                                        <p:tav tm="100000">
-                                          <p:val>
-                                            <p:strVal val="#ppt_y"/>
-                                          </p:val>
-                                        </p:tav>
-                                      </p:tavLst>
-                                    </p:anim>
                                   </p:childTnLst>
                                 </p:cTn>
                               </p:par>
                               <p:par>
-                                <p:cTn id="39" presetID="2" presetClass="entr" presetSubtype="4" fill="hold" grpId="0" nodeType="withEffect">
-                                  <p:stCondLst>
-                                    <p:cond delay="0"/>
-                                  </p:stCondLst>
-                                  <p:childTnLst>
-                                    <p:set>
-                                      <p:cBhvr>
-                                        <p:cTn id="40" dur="1" fill="hold">
-                                          <p:stCondLst>
-                                            <p:cond delay="0"/>
-                                          </p:stCondLst>
-                                        </p:cTn>
-                                        <p:tgtEl>
-                                          <p:spTgt spid="41"/>
-                                        </p:tgtEl>
-                                        <p:attrNameLst>
-                                          <p:attrName>style.visibility</p:attrName>
-                                        </p:attrNameLst>
-                                      </p:cBhvr>
-                                      <p:to>
-                                        <p:strVal val="visible"/>
-                                      </p:to>
-                                    </p:set>
-                                    <p:anim calcmode="lin" valueType="num">
-                                      <p:cBhvr additive="base">
-                                        <p:cTn id="41" dur="500" fill="hold"/>
-                                        <p:tgtEl>
-                                          <p:spTgt spid="41"/>
-                                        </p:tgtEl>
-                                        <p:attrNameLst>
-                                          <p:attrName>ppt_x</p:attrName>
-                                        </p:attrNameLst>
-                                      </p:cBhvr>
-                                      <p:tavLst>
-                                        <p:tav tm="0">
-                                          <p:val>
-                                            <p:strVal val="#ppt_x"/>
-                                          </p:val>
-                                        </p:tav>
-                                        <p:tav tm="100000">
-                                          <p:val>
-                                            <p:strVal val="#ppt_x"/>
-                                          </p:val>
-                                        </p:tav>
-                                      </p:tavLst>
-                                    </p:anim>
-                                    <p:anim calcmode="lin" valueType="num">
-                                      <p:cBhvr additive="base">
-                                        <p:cTn id="42" dur="500" fill="hold"/>
-                                        <p:tgtEl>
-                                          <p:spTgt spid="41"/>
-                                        </p:tgtEl>
-                                        <p:attrNameLst>
-                                          <p:attrName>ppt_y</p:attrName>
-                                        </p:attrNameLst>
-                                      </p:cBhvr>
-                                      <p:tavLst>
-                                        <p:tav tm="0">
-                                          <p:val>
-                                            <p:strVal val="1+#ppt_h/2"/>
-                                          </p:val>
-                                        </p:tav>
-                                        <p:tav tm="100000">
-                                          <p:val>
-                                            <p:strVal val="#ppt_y"/>
-                                          </p:val>
-                                        </p:tav>
-                                      </p:tavLst>
-                                    </p:anim>
-                                  </p:childTnLst>
-                                </p:cTn>
-                              </p:par>
-                              <p:par>
-                                <p:cTn id="43" presetID="2" presetClass="entr" presetSubtype="4" fill="hold" nodeType="withEffect">
-                                  <p:stCondLst>
-                                    <p:cond delay="0"/>
-                                  </p:stCondLst>
-                                  <p:childTnLst>
-                                    <p:set>
-                                      <p:cBhvr>
-                                        <p:cTn id="44" dur="1" fill="hold">
-                                          <p:stCondLst>
-                                            <p:cond delay="0"/>
-                                          </p:stCondLst>
-                                        </p:cTn>
-                                        <p:tgtEl>
-                                          <p:spTgt spid="54"/>
-                                        </p:tgtEl>
-                                        <p:attrNameLst>
-                                          <p:attrName>style.visibility</p:attrName>
-                                        </p:attrNameLst>
-                                      </p:cBhvr>
-                                      <p:to>
-                                        <p:strVal val="visible"/>
-                                      </p:to>
-                                    </p:set>
-                                    <p:anim calcmode="lin" valueType="num">
-                                      <p:cBhvr additive="base">
-                                        <p:cTn id="45" dur="500" fill="hold"/>
-                                        <p:tgtEl>
-                                          <p:spTgt spid="54"/>
-                                        </p:tgtEl>
-                                        <p:attrNameLst>
-                                          <p:attrName>ppt_x</p:attrName>
-                                        </p:attrNameLst>
-                                      </p:cBhvr>
-                                      <p:tavLst>
-                                        <p:tav tm="0">
-                                          <p:val>
-                                            <p:strVal val="#ppt_x"/>
-                                          </p:val>
-                                        </p:tav>
-                                        <p:tav tm="100000">
-                                          <p:val>
-                                            <p:strVal val="#ppt_x"/>
-                                          </p:val>
-                                        </p:tav>
-                                      </p:tavLst>
-                                    </p:anim>
-                                    <p:anim calcmode="lin" valueType="num">
-                                      <p:cBhvr additive="base">
-                                        <p:cTn id="46" dur="500" fill="hold"/>
-                                        <p:tgtEl>
-                                          <p:spTgt spid="54"/>
-                                        </p:tgtEl>
-                                        <p:attrNameLst>
-                                          <p:attrName>ppt_y</p:attrName>
-                                        </p:attrNameLst>
-                                      </p:cBhvr>
-                                      <p:tavLst>
-                                        <p:tav tm="0">
-                                          <p:val>
-                                            <p:strVal val="1+#ppt_h/2"/>
-                                          </p:val>
-                                        </p:tav>
-                                        <p:tav tm="100000">
-                                          <p:val>
-                                            <p:strVal val="#ppt_y"/>
-                                          </p:val>
-                                        </p:tav>
-                                      </p:tavLst>
-                                    </p:anim>
-                                  </p:childTnLst>
-                                </p:cTn>
-                              </p:par>
-                              <p:par>
-                                <p:cTn id="47" presetID="2" presetClass="entr" presetSubtype="4" fill="hold" nodeType="withEffect">
+                                <p:cTn id="47" presetID="1" presetClass="entr" presetSubtype="0" fill="hold" grpId="0" nodeType="withEffect">
                                   <p:stCondLst>
                                     <p:cond delay="0"/>
                                   </p:stCondLst>
@@ -27120,7 +25421,7 @@
                                           </p:stCondLst>
                                         </p:cTn>
                                         <p:tgtEl>
-                                          <p:spTgt spid="53"/>
+                                          <p:spTgt spid="50"/>
                                         </p:tgtEl>
                                         <p:attrNameLst>
                                           <p:attrName>style.visibility</p:attrName>
@@ -27130,57 +25431,38 @@
                                         <p:strVal val="visible"/>
                                       </p:to>
                                     </p:set>
-                                    <p:anim calcmode="lin" valueType="num">
-                                      <p:cBhvr additive="base">
-                                        <p:cTn id="49" dur="500" fill="hold"/>
-                                        <p:tgtEl>
-                                          <p:spTgt spid="53"/>
-                                        </p:tgtEl>
-                                        <p:attrNameLst>
-                                          <p:attrName>ppt_x</p:attrName>
-                                        </p:attrNameLst>
-                                      </p:cBhvr>
-                                      <p:tavLst>
-                                        <p:tav tm="0">
-                                          <p:val>
-                                            <p:strVal val="#ppt_x"/>
-                                          </p:val>
-                                        </p:tav>
-                                        <p:tav tm="100000">
-                                          <p:val>
-                                            <p:strVal val="#ppt_x"/>
-                                          </p:val>
-                                        </p:tav>
-                                      </p:tavLst>
-                                    </p:anim>
-                                    <p:anim calcmode="lin" valueType="num">
-                                      <p:cBhvr additive="base">
-                                        <p:cTn id="50" dur="500" fill="hold"/>
-                                        <p:tgtEl>
-                                          <p:spTgt spid="53"/>
-                                        </p:tgtEl>
-                                        <p:attrNameLst>
-                                          <p:attrName>ppt_y</p:attrName>
-                                        </p:attrNameLst>
-                                      </p:cBhvr>
-                                      <p:tavLst>
-                                        <p:tav tm="0">
-                                          <p:val>
-                                            <p:strVal val="1+#ppt_h/2"/>
-                                          </p:val>
-                                        </p:tav>
-                                        <p:tav tm="100000">
-                                          <p:val>
-                                            <p:strVal val="#ppt_y"/>
-                                          </p:val>
-                                        </p:tav>
-                                      </p:tavLst>
-                                    </p:anim>
                                   </p:childTnLst>
                                 </p:cTn>
                               </p:par>
                               <p:par>
-                                <p:cTn id="51" presetID="2" presetClass="entr" presetSubtype="4" fill="hold" nodeType="withEffect">
+                                <p:cTn id="49" presetID="1" presetClass="entr" presetSubtype="0" fill="hold" grpId="0" nodeType="withEffect">
+                                  <p:stCondLst>
+                                    <p:cond delay="0"/>
+                                  </p:stCondLst>
+                                  <p:childTnLst>
+                                    <p:set>
+                                      <p:cBhvr>
+                                        <p:cTn id="50" dur="1" fill="hold">
+                                          <p:stCondLst>
+                                            <p:cond delay="0"/>
+                                          </p:stCondLst>
+                                        </p:cTn>
+                                        <p:tgtEl>
+                                          <p:spTgt spid="56"/>
+                                        </p:tgtEl>
+                                        <p:attrNameLst>
+                                          <p:attrName>style.visibility</p:attrName>
+                                        </p:attrNameLst>
+                                      </p:cBhvr>
+                                      <p:to>
+                                        <p:strVal val="visible"/>
+                                      </p:to>
+                                    </p:set>
+                                  </p:childTnLst>
+                                </p:cTn>
+                              </p:par>
+                              <p:par>
+                                <p:cTn id="51" presetID="1" presetClass="entr" presetSubtype="0" fill="hold" grpId="0" nodeType="withEffect">
                                   <p:stCondLst>
                                     <p:cond delay="0"/>
                                   </p:stCondLst>
@@ -27193,7 +25475,7 @@
                                           </p:stCondLst>
                                         </p:cTn>
                                         <p:tgtEl>
-                                          <p:spTgt spid="63"/>
+                                          <p:spTgt spid="51"/>
                                         </p:tgtEl>
                                         <p:attrNameLst>
                                           <p:attrName>style.visibility</p:attrName>
@@ -27203,70 +25485,24 @@
                                         <p:strVal val="visible"/>
                                       </p:to>
                                     </p:set>
-                                    <p:anim calcmode="lin" valueType="num">
-                                      <p:cBhvr additive="base">
-                                        <p:cTn id="53" dur="500" fill="hold"/>
-                                        <p:tgtEl>
-                                          <p:spTgt spid="63"/>
-                                        </p:tgtEl>
-                                        <p:attrNameLst>
-                                          <p:attrName>ppt_x</p:attrName>
-                                        </p:attrNameLst>
-                                      </p:cBhvr>
-                                      <p:tavLst>
-                                        <p:tav tm="0">
-                                          <p:val>
-                                            <p:strVal val="#ppt_x"/>
-                                          </p:val>
-                                        </p:tav>
-                                        <p:tav tm="100000">
-                                          <p:val>
-                                            <p:strVal val="#ppt_x"/>
-                                          </p:val>
-                                        </p:tav>
-                                      </p:tavLst>
-                                    </p:anim>
-                                    <p:anim calcmode="lin" valueType="num">
-                                      <p:cBhvr additive="base">
-                                        <p:cTn id="54" dur="500" fill="hold"/>
-                                        <p:tgtEl>
-                                          <p:spTgt spid="63"/>
-                                        </p:tgtEl>
-                                        <p:attrNameLst>
-                                          <p:attrName>ppt_y</p:attrName>
-                                        </p:attrNameLst>
-                                      </p:cBhvr>
-                                      <p:tavLst>
-                                        <p:tav tm="0">
-                                          <p:val>
-                                            <p:strVal val="1+#ppt_h/2"/>
-                                          </p:val>
-                                        </p:tav>
-                                        <p:tav tm="100000">
-                                          <p:val>
-                                            <p:strVal val="#ppt_y"/>
-                                          </p:val>
-                                        </p:tav>
-                                      </p:tavLst>
-                                    </p:anim>
                                   </p:childTnLst>
                                 </p:cTn>
                               </p:par>
                               <p:par>
-                                <p:cTn id="55" presetID="2" presetClass="entr" presetSubtype="4" fill="hold" nodeType="withEffect">
+                                <p:cTn id="53" presetID="1" presetClass="entr" presetSubtype="0" fill="hold" grpId="0" nodeType="withEffect">
                                   <p:stCondLst>
                                     <p:cond delay="0"/>
                                   </p:stCondLst>
                                   <p:childTnLst>
                                     <p:set>
                                       <p:cBhvr>
-                                        <p:cTn id="56" dur="1" fill="hold">
+                                        <p:cTn id="54" dur="1" fill="hold">
                                           <p:stCondLst>
                                             <p:cond delay="0"/>
                                           </p:stCondLst>
                                         </p:cTn>
                                         <p:tgtEl>
-                                          <p:spTgt spid="62"/>
+                                          <p:spTgt spid="59"/>
                                         </p:tgtEl>
                                         <p:attrNameLst>
                                           <p:attrName>style.visibility</p:attrName>
@@ -27276,356 +25512,18 @@
                                         <p:strVal val="visible"/>
                                       </p:to>
                                     </p:set>
-                                    <p:anim calcmode="lin" valueType="num">
-                                      <p:cBhvr additive="base">
-                                        <p:cTn id="57" dur="500" fill="hold"/>
-                                        <p:tgtEl>
-                                          <p:spTgt spid="62"/>
-                                        </p:tgtEl>
-                                        <p:attrNameLst>
-                                          <p:attrName>ppt_x</p:attrName>
-                                        </p:attrNameLst>
-                                      </p:cBhvr>
-                                      <p:tavLst>
-                                        <p:tav tm="0">
-                                          <p:val>
-                                            <p:strVal val="#ppt_x"/>
-                                          </p:val>
-                                        </p:tav>
-                                        <p:tav tm="100000">
-                                          <p:val>
-                                            <p:strVal val="#ppt_x"/>
-                                          </p:val>
-                                        </p:tav>
-                                      </p:tavLst>
-                                    </p:anim>
-                                    <p:anim calcmode="lin" valueType="num">
-                                      <p:cBhvr additive="base">
-                                        <p:cTn id="58" dur="500" fill="hold"/>
-                                        <p:tgtEl>
-                                          <p:spTgt spid="62"/>
-                                        </p:tgtEl>
-                                        <p:attrNameLst>
-                                          <p:attrName>ppt_y</p:attrName>
-                                        </p:attrNameLst>
-                                      </p:cBhvr>
-                                      <p:tavLst>
-                                        <p:tav tm="0">
-                                          <p:val>
-                                            <p:strVal val="1+#ppt_h/2"/>
-                                          </p:val>
-                                        </p:tav>
-                                        <p:tav tm="100000">
-                                          <p:val>
-                                            <p:strVal val="#ppt_y"/>
-                                          </p:val>
-                                        </p:tav>
-                                      </p:tavLst>
-                                    </p:anim>
                                   </p:childTnLst>
                                 </p:cTn>
                               </p:par>
                               <p:par>
-                                <p:cTn id="59" presetID="2" presetClass="entr" presetSubtype="4" fill="hold" nodeType="withEffect">
+                                <p:cTn id="55" presetID="1" presetClass="entr" presetSubtype="0" fill="hold" grpId="0" nodeType="withEffect">
                                   <p:stCondLst>
                                     <p:cond delay="0"/>
                                   </p:stCondLst>
                                   <p:childTnLst>
                                     <p:set>
                                       <p:cBhvr>
-                                        <p:cTn id="60" dur="1" fill="hold">
-                                          <p:stCondLst>
-                                            <p:cond delay="0"/>
-                                          </p:stCondLst>
-                                        </p:cTn>
-                                        <p:tgtEl>
-                                          <p:spTgt spid="61"/>
-                                        </p:tgtEl>
-                                        <p:attrNameLst>
-                                          <p:attrName>style.visibility</p:attrName>
-                                        </p:attrNameLst>
-                                      </p:cBhvr>
-                                      <p:to>
-                                        <p:strVal val="visible"/>
-                                      </p:to>
-                                    </p:set>
-                                    <p:anim calcmode="lin" valueType="num">
-                                      <p:cBhvr additive="base">
-                                        <p:cTn id="61" dur="500" fill="hold"/>
-                                        <p:tgtEl>
-                                          <p:spTgt spid="61"/>
-                                        </p:tgtEl>
-                                        <p:attrNameLst>
-                                          <p:attrName>ppt_x</p:attrName>
-                                        </p:attrNameLst>
-                                      </p:cBhvr>
-                                      <p:tavLst>
-                                        <p:tav tm="0">
-                                          <p:val>
-                                            <p:strVal val="#ppt_x"/>
-                                          </p:val>
-                                        </p:tav>
-                                        <p:tav tm="100000">
-                                          <p:val>
-                                            <p:strVal val="#ppt_x"/>
-                                          </p:val>
-                                        </p:tav>
-                                      </p:tavLst>
-                                    </p:anim>
-                                    <p:anim calcmode="lin" valueType="num">
-                                      <p:cBhvr additive="base">
-                                        <p:cTn id="62" dur="500" fill="hold"/>
-                                        <p:tgtEl>
-                                          <p:spTgt spid="61"/>
-                                        </p:tgtEl>
-                                        <p:attrNameLst>
-                                          <p:attrName>ppt_y</p:attrName>
-                                        </p:attrNameLst>
-                                      </p:cBhvr>
-                                      <p:tavLst>
-                                        <p:tav tm="0">
-                                          <p:val>
-                                            <p:strVal val="1+#ppt_h/2"/>
-                                          </p:val>
-                                        </p:tav>
-                                        <p:tav tm="100000">
-                                          <p:val>
-                                            <p:strVal val="#ppt_y"/>
-                                          </p:val>
-                                        </p:tav>
-                                      </p:tavLst>
-                                    </p:anim>
-                                  </p:childTnLst>
-                                </p:cTn>
-                              </p:par>
-                              <p:par>
-                                <p:cTn id="63" presetID="2" presetClass="entr" presetSubtype="4" fill="hold" grpId="0" nodeType="withEffect">
-                                  <p:stCondLst>
-                                    <p:cond delay="0"/>
-                                  </p:stCondLst>
-                                  <p:childTnLst>
-                                    <p:set>
-                                      <p:cBhvr>
-                                        <p:cTn id="64" dur="1" fill="hold">
-                                          <p:stCondLst>
-                                            <p:cond delay="0"/>
-                                          </p:stCondLst>
-                                        </p:cTn>
-                                        <p:tgtEl>
-                                          <p:spTgt spid="45"/>
-                                        </p:tgtEl>
-                                        <p:attrNameLst>
-                                          <p:attrName>style.visibility</p:attrName>
-                                        </p:attrNameLst>
-                                      </p:cBhvr>
-                                      <p:to>
-                                        <p:strVal val="visible"/>
-                                      </p:to>
-                                    </p:set>
-                                    <p:anim calcmode="lin" valueType="num">
-                                      <p:cBhvr additive="base">
-                                        <p:cTn id="65" dur="500" fill="hold"/>
-                                        <p:tgtEl>
-                                          <p:spTgt spid="45"/>
-                                        </p:tgtEl>
-                                        <p:attrNameLst>
-                                          <p:attrName>ppt_x</p:attrName>
-                                        </p:attrNameLst>
-                                      </p:cBhvr>
-                                      <p:tavLst>
-                                        <p:tav tm="0">
-                                          <p:val>
-                                            <p:strVal val="#ppt_x"/>
-                                          </p:val>
-                                        </p:tav>
-                                        <p:tav tm="100000">
-                                          <p:val>
-                                            <p:strVal val="#ppt_x"/>
-                                          </p:val>
-                                        </p:tav>
-                                      </p:tavLst>
-                                    </p:anim>
-                                    <p:anim calcmode="lin" valueType="num">
-                                      <p:cBhvr additive="base">
-                                        <p:cTn id="66" dur="500" fill="hold"/>
-                                        <p:tgtEl>
-                                          <p:spTgt spid="45"/>
-                                        </p:tgtEl>
-                                        <p:attrNameLst>
-                                          <p:attrName>ppt_y</p:attrName>
-                                        </p:attrNameLst>
-                                      </p:cBhvr>
-                                      <p:tavLst>
-                                        <p:tav tm="0">
-                                          <p:val>
-                                            <p:strVal val="1+#ppt_h/2"/>
-                                          </p:val>
-                                        </p:tav>
-                                        <p:tav tm="100000">
-                                          <p:val>
-                                            <p:strVal val="#ppt_y"/>
-                                          </p:val>
-                                        </p:tav>
-                                      </p:tavLst>
-                                    </p:anim>
-                                  </p:childTnLst>
-                                </p:cTn>
-                              </p:par>
-                              <p:par>
-                                <p:cTn id="67" presetID="2" presetClass="entr" presetSubtype="4" fill="hold" grpId="0" nodeType="withEffect">
-                                  <p:stCondLst>
-                                    <p:cond delay="0"/>
-                                  </p:stCondLst>
-                                  <p:childTnLst>
-                                    <p:set>
-                                      <p:cBhvr>
-                                        <p:cTn id="68" dur="1" fill="hold">
-                                          <p:stCondLst>
-                                            <p:cond delay="0"/>
-                                          </p:stCondLst>
-                                        </p:cTn>
-                                        <p:tgtEl>
-                                          <p:spTgt spid="47"/>
-                                        </p:tgtEl>
-                                        <p:attrNameLst>
-                                          <p:attrName>style.visibility</p:attrName>
-                                        </p:attrNameLst>
-                                      </p:cBhvr>
-                                      <p:to>
-                                        <p:strVal val="visible"/>
-                                      </p:to>
-                                    </p:set>
-                                    <p:anim calcmode="lin" valueType="num">
-                                      <p:cBhvr additive="base">
-                                        <p:cTn id="69" dur="500" fill="hold"/>
-                                        <p:tgtEl>
-                                          <p:spTgt spid="47"/>
-                                        </p:tgtEl>
-                                        <p:attrNameLst>
-                                          <p:attrName>ppt_x</p:attrName>
-                                        </p:attrNameLst>
-                                      </p:cBhvr>
-                                      <p:tavLst>
-                                        <p:tav tm="0">
-                                          <p:val>
-                                            <p:strVal val="#ppt_x"/>
-                                          </p:val>
-                                        </p:tav>
-                                        <p:tav tm="100000">
-                                          <p:val>
-                                            <p:strVal val="#ppt_x"/>
-                                          </p:val>
-                                        </p:tav>
-                                      </p:tavLst>
-                                    </p:anim>
-                                    <p:anim calcmode="lin" valueType="num">
-                                      <p:cBhvr additive="base">
-                                        <p:cTn id="70" dur="500" fill="hold"/>
-                                        <p:tgtEl>
-                                          <p:spTgt spid="47"/>
-                                        </p:tgtEl>
-                                        <p:attrNameLst>
-                                          <p:attrName>ppt_y</p:attrName>
-                                        </p:attrNameLst>
-                                      </p:cBhvr>
-                                      <p:tavLst>
-                                        <p:tav tm="0">
-                                          <p:val>
-                                            <p:strVal val="1+#ppt_h/2"/>
-                                          </p:val>
-                                        </p:tav>
-                                        <p:tav tm="100000">
-                                          <p:val>
-                                            <p:strVal val="#ppt_y"/>
-                                          </p:val>
-                                        </p:tav>
-                                      </p:tavLst>
-                                    </p:anim>
-                                  </p:childTnLst>
-                                </p:cTn>
-                              </p:par>
-                              <p:par>
-                                <p:cTn id="71" presetID="2" presetClass="entr" presetSubtype="4" fill="hold" grpId="0" nodeType="withEffect">
-                                  <p:stCondLst>
-                                    <p:cond delay="0"/>
-                                  </p:stCondLst>
-                                  <p:childTnLst>
-                                    <p:set>
-                                      <p:cBhvr>
-                                        <p:cTn id="72" dur="1" fill="hold">
-                                          <p:stCondLst>
-                                            <p:cond delay="0"/>
-                                          </p:stCondLst>
-                                        </p:cTn>
-                                        <p:tgtEl>
-                                          <p:spTgt spid="46"/>
-                                        </p:tgtEl>
-                                        <p:attrNameLst>
-                                          <p:attrName>style.visibility</p:attrName>
-                                        </p:attrNameLst>
-                                      </p:cBhvr>
-                                      <p:to>
-                                        <p:strVal val="visible"/>
-                                      </p:to>
-                                    </p:set>
-                                    <p:anim calcmode="lin" valueType="num">
-                                      <p:cBhvr additive="base">
-                                        <p:cTn id="73" dur="500" fill="hold"/>
-                                        <p:tgtEl>
-                                          <p:spTgt spid="46"/>
-                                        </p:tgtEl>
-                                        <p:attrNameLst>
-                                          <p:attrName>ppt_x</p:attrName>
-                                        </p:attrNameLst>
-                                      </p:cBhvr>
-                                      <p:tavLst>
-                                        <p:tav tm="0">
-                                          <p:val>
-                                            <p:strVal val="#ppt_x"/>
-                                          </p:val>
-                                        </p:tav>
-                                        <p:tav tm="100000">
-                                          <p:val>
-                                            <p:strVal val="#ppt_x"/>
-                                          </p:val>
-                                        </p:tav>
-                                      </p:tavLst>
-                                    </p:anim>
-                                    <p:anim calcmode="lin" valueType="num">
-                                      <p:cBhvr additive="base">
-                                        <p:cTn id="74" dur="500" fill="hold"/>
-                                        <p:tgtEl>
-                                          <p:spTgt spid="46"/>
-                                        </p:tgtEl>
-                                        <p:attrNameLst>
-                                          <p:attrName>ppt_y</p:attrName>
-                                        </p:attrNameLst>
-                                      </p:cBhvr>
-                                      <p:tavLst>
-                                        <p:tav tm="0">
-                                          <p:val>
-                                            <p:strVal val="1+#ppt_h/2"/>
-                                          </p:val>
-                                        </p:tav>
-                                        <p:tav tm="100000">
-                                          <p:val>
-                                            <p:strVal val="#ppt_y"/>
-                                          </p:val>
-                                        </p:tav>
-                                      </p:tavLst>
-                                    </p:anim>
-                                  </p:childTnLst>
-                                </p:cTn>
-                              </p:par>
-                              <p:par>
-                                <p:cTn id="75" presetID="2" presetClass="entr" presetSubtype="4" fill="hold" grpId="0" nodeType="withEffect">
-                                  <p:stCondLst>
-                                    <p:cond delay="0"/>
-                                  </p:stCondLst>
-                                  <p:childTnLst>
-                                    <p:set>
-                                      <p:cBhvr>
-                                        <p:cTn id="76" dur="1" fill="hold">
+                                        <p:cTn id="56" dur="1" fill="hold">
                                           <p:stCondLst>
                                             <p:cond delay="0"/>
                                           </p:stCondLst>
@@ -27641,64 +25539,18 @@
                                         <p:strVal val="visible"/>
                                       </p:to>
                                     </p:set>
-                                    <p:anim calcmode="lin" valueType="num">
-                                      <p:cBhvr additive="base">
-                                        <p:cTn id="77" dur="500" fill="hold"/>
-                                        <p:tgtEl>
-                                          <p:spTgt spid="48"/>
-                                        </p:tgtEl>
-                                        <p:attrNameLst>
-                                          <p:attrName>ppt_x</p:attrName>
-                                        </p:attrNameLst>
-                                      </p:cBhvr>
-                                      <p:tavLst>
-                                        <p:tav tm="0">
-                                          <p:val>
-                                            <p:strVal val="#ppt_x"/>
-                                          </p:val>
-                                        </p:tav>
-                                        <p:tav tm="100000">
-                                          <p:val>
-                                            <p:strVal val="#ppt_x"/>
-                                          </p:val>
-                                        </p:tav>
-                                      </p:tavLst>
-                                    </p:anim>
-                                    <p:anim calcmode="lin" valueType="num">
-                                      <p:cBhvr additive="base">
-                                        <p:cTn id="78" dur="500" fill="hold"/>
-                                        <p:tgtEl>
-                                          <p:spTgt spid="48"/>
-                                        </p:tgtEl>
-                                        <p:attrNameLst>
-                                          <p:attrName>ppt_y</p:attrName>
-                                        </p:attrNameLst>
-                                      </p:cBhvr>
-                                      <p:tavLst>
-                                        <p:tav tm="0">
-                                          <p:val>
-                                            <p:strVal val="1+#ppt_h/2"/>
-                                          </p:val>
-                                        </p:tav>
-                                        <p:tav tm="100000">
-                                          <p:val>
-                                            <p:strVal val="#ppt_y"/>
-                                          </p:val>
-                                        </p:tav>
-                                      </p:tavLst>
-                                    </p:anim>
                                   </p:childTnLst>
                                 </p:cTn>
                               </p:par>
                               <p:par>
-                                <p:cTn id="79" presetID="2" presetClass="entr" presetSubtype="4" fill="hold" grpId="0" nodeType="withEffect">
+                                <p:cTn id="57" presetID="1" presetClass="entr" presetSubtype="0" fill="hold" grpId="0" nodeType="withEffect">
                                   <p:stCondLst>
                                     <p:cond delay="0"/>
                                   </p:stCondLst>
                                   <p:childTnLst>
                                     <p:set>
                                       <p:cBhvr>
-                                        <p:cTn id="80" dur="1" fill="hold">
+                                        <p:cTn id="58" dur="1" fill="hold">
                                           <p:stCondLst>
                                             <p:cond delay="0"/>
                                           </p:stCondLst>
@@ -27714,648 +25566,18 @@
                                         <p:strVal val="visible"/>
                                       </p:to>
                                     </p:set>
-                                    <p:anim calcmode="lin" valueType="num">
-                                      <p:cBhvr additive="base">
-                                        <p:cTn id="81" dur="500" fill="hold"/>
-                                        <p:tgtEl>
-                                          <p:spTgt spid="49"/>
-                                        </p:tgtEl>
-                                        <p:attrNameLst>
-                                          <p:attrName>ppt_x</p:attrName>
-                                        </p:attrNameLst>
-                                      </p:cBhvr>
-                                      <p:tavLst>
-                                        <p:tav tm="0">
-                                          <p:val>
-                                            <p:strVal val="#ppt_x"/>
-                                          </p:val>
-                                        </p:tav>
-                                        <p:tav tm="100000">
-                                          <p:val>
-                                            <p:strVal val="#ppt_x"/>
-                                          </p:val>
-                                        </p:tav>
-                                      </p:tavLst>
-                                    </p:anim>
-                                    <p:anim calcmode="lin" valueType="num">
-                                      <p:cBhvr additive="base">
-                                        <p:cTn id="82" dur="500" fill="hold"/>
-                                        <p:tgtEl>
-                                          <p:spTgt spid="49"/>
-                                        </p:tgtEl>
-                                        <p:attrNameLst>
-                                          <p:attrName>ppt_y</p:attrName>
-                                        </p:attrNameLst>
-                                      </p:cBhvr>
-                                      <p:tavLst>
-                                        <p:tav tm="0">
-                                          <p:val>
-                                            <p:strVal val="1+#ppt_h/2"/>
-                                          </p:val>
-                                        </p:tav>
-                                        <p:tav tm="100000">
-                                          <p:val>
-                                            <p:strVal val="#ppt_y"/>
-                                          </p:val>
-                                        </p:tav>
-                                      </p:tavLst>
-                                    </p:anim>
                                   </p:childTnLst>
                                 </p:cTn>
                               </p:par>
                               <p:par>
-                                <p:cTn id="83" presetID="2" presetClass="entr" presetSubtype="4" fill="hold" grpId="0" nodeType="withEffect">
+                                <p:cTn id="59" presetID="1" presetClass="entr" presetSubtype="0" fill="hold" grpId="0" nodeType="withEffect">
                                   <p:stCondLst>
                                     <p:cond delay="0"/>
                                   </p:stCondLst>
                                   <p:childTnLst>
                                     <p:set>
                                       <p:cBhvr>
-                                        <p:cTn id="84" dur="1" fill="hold">
-                                          <p:stCondLst>
-                                            <p:cond delay="0"/>
-                                          </p:stCondLst>
-                                        </p:cTn>
-                                        <p:tgtEl>
-                                          <p:spTgt spid="51"/>
-                                        </p:tgtEl>
-                                        <p:attrNameLst>
-                                          <p:attrName>style.visibility</p:attrName>
-                                        </p:attrNameLst>
-                                      </p:cBhvr>
-                                      <p:to>
-                                        <p:strVal val="visible"/>
-                                      </p:to>
-                                    </p:set>
-                                    <p:anim calcmode="lin" valueType="num">
-                                      <p:cBhvr additive="base">
-                                        <p:cTn id="85" dur="500" fill="hold"/>
-                                        <p:tgtEl>
-                                          <p:spTgt spid="51"/>
-                                        </p:tgtEl>
-                                        <p:attrNameLst>
-                                          <p:attrName>ppt_x</p:attrName>
-                                        </p:attrNameLst>
-                                      </p:cBhvr>
-                                      <p:tavLst>
-                                        <p:tav tm="0">
-                                          <p:val>
-                                            <p:strVal val="#ppt_x"/>
-                                          </p:val>
-                                        </p:tav>
-                                        <p:tav tm="100000">
-                                          <p:val>
-                                            <p:strVal val="#ppt_x"/>
-                                          </p:val>
-                                        </p:tav>
-                                      </p:tavLst>
-                                    </p:anim>
-                                    <p:anim calcmode="lin" valueType="num">
-                                      <p:cBhvr additive="base">
-                                        <p:cTn id="86" dur="500" fill="hold"/>
-                                        <p:tgtEl>
-                                          <p:spTgt spid="51"/>
-                                        </p:tgtEl>
-                                        <p:attrNameLst>
-                                          <p:attrName>ppt_y</p:attrName>
-                                        </p:attrNameLst>
-                                      </p:cBhvr>
-                                      <p:tavLst>
-                                        <p:tav tm="0">
-                                          <p:val>
-                                            <p:strVal val="1+#ppt_h/2"/>
-                                          </p:val>
-                                        </p:tav>
-                                        <p:tav tm="100000">
-                                          <p:val>
-                                            <p:strVal val="#ppt_y"/>
-                                          </p:val>
-                                        </p:tav>
-                                      </p:tavLst>
-                                    </p:anim>
-                                  </p:childTnLst>
-                                </p:cTn>
-                              </p:par>
-                              <p:par>
-                                <p:cTn id="87" presetID="2" presetClass="entr" presetSubtype="4" fill="hold" grpId="0" nodeType="withEffect">
-                                  <p:stCondLst>
-                                    <p:cond delay="0"/>
-                                  </p:stCondLst>
-                                  <p:childTnLst>
-                                    <p:set>
-                                      <p:cBhvr>
-                                        <p:cTn id="88" dur="1" fill="hold">
-                                          <p:stCondLst>
-                                            <p:cond delay="0"/>
-                                          </p:stCondLst>
-                                        </p:cTn>
-                                        <p:tgtEl>
-                                          <p:spTgt spid="56"/>
-                                        </p:tgtEl>
-                                        <p:attrNameLst>
-                                          <p:attrName>style.visibility</p:attrName>
-                                        </p:attrNameLst>
-                                      </p:cBhvr>
-                                      <p:to>
-                                        <p:strVal val="visible"/>
-                                      </p:to>
-                                    </p:set>
-                                    <p:anim calcmode="lin" valueType="num">
-                                      <p:cBhvr additive="base">
-                                        <p:cTn id="89" dur="500" fill="hold"/>
-                                        <p:tgtEl>
-                                          <p:spTgt spid="56"/>
-                                        </p:tgtEl>
-                                        <p:attrNameLst>
-                                          <p:attrName>ppt_x</p:attrName>
-                                        </p:attrNameLst>
-                                      </p:cBhvr>
-                                      <p:tavLst>
-                                        <p:tav tm="0">
-                                          <p:val>
-                                            <p:strVal val="#ppt_x"/>
-                                          </p:val>
-                                        </p:tav>
-                                        <p:tav tm="100000">
-                                          <p:val>
-                                            <p:strVal val="#ppt_x"/>
-                                          </p:val>
-                                        </p:tav>
-                                      </p:tavLst>
-                                    </p:anim>
-                                    <p:anim calcmode="lin" valueType="num">
-                                      <p:cBhvr additive="base">
-                                        <p:cTn id="90" dur="500" fill="hold"/>
-                                        <p:tgtEl>
-                                          <p:spTgt spid="56"/>
-                                        </p:tgtEl>
-                                        <p:attrNameLst>
-                                          <p:attrName>ppt_y</p:attrName>
-                                        </p:attrNameLst>
-                                      </p:cBhvr>
-                                      <p:tavLst>
-                                        <p:tav tm="0">
-                                          <p:val>
-                                            <p:strVal val="1+#ppt_h/2"/>
-                                          </p:val>
-                                        </p:tav>
-                                        <p:tav tm="100000">
-                                          <p:val>
-                                            <p:strVal val="#ppt_y"/>
-                                          </p:val>
-                                        </p:tav>
-                                      </p:tavLst>
-                                    </p:anim>
-                                  </p:childTnLst>
-                                </p:cTn>
-                              </p:par>
-                              <p:par>
-                                <p:cTn id="91" presetID="2" presetClass="entr" presetSubtype="4" fill="hold" grpId="0" nodeType="withEffect">
-                                  <p:stCondLst>
-                                    <p:cond delay="0"/>
-                                  </p:stCondLst>
-                                  <p:childTnLst>
-                                    <p:set>
-                                      <p:cBhvr>
-                                        <p:cTn id="92" dur="1" fill="hold">
-                                          <p:stCondLst>
-                                            <p:cond delay="0"/>
-                                          </p:stCondLst>
-                                        </p:cTn>
-                                        <p:tgtEl>
-                                          <p:spTgt spid="50"/>
-                                        </p:tgtEl>
-                                        <p:attrNameLst>
-                                          <p:attrName>style.visibility</p:attrName>
-                                        </p:attrNameLst>
-                                      </p:cBhvr>
-                                      <p:to>
-                                        <p:strVal val="visible"/>
-                                      </p:to>
-                                    </p:set>
-                                    <p:anim calcmode="lin" valueType="num">
-                                      <p:cBhvr additive="base">
-                                        <p:cTn id="93" dur="500" fill="hold"/>
-                                        <p:tgtEl>
-                                          <p:spTgt spid="50"/>
-                                        </p:tgtEl>
-                                        <p:attrNameLst>
-                                          <p:attrName>ppt_x</p:attrName>
-                                        </p:attrNameLst>
-                                      </p:cBhvr>
-                                      <p:tavLst>
-                                        <p:tav tm="0">
-                                          <p:val>
-                                            <p:strVal val="#ppt_x"/>
-                                          </p:val>
-                                        </p:tav>
-                                        <p:tav tm="100000">
-                                          <p:val>
-                                            <p:strVal val="#ppt_x"/>
-                                          </p:val>
-                                        </p:tav>
-                                      </p:tavLst>
-                                    </p:anim>
-                                    <p:anim calcmode="lin" valueType="num">
-                                      <p:cBhvr additive="base">
-                                        <p:cTn id="94" dur="500" fill="hold"/>
-                                        <p:tgtEl>
-                                          <p:spTgt spid="50"/>
-                                        </p:tgtEl>
-                                        <p:attrNameLst>
-                                          <p:attrName>ppt_y</p:attrName>
-                                        </p:attrNameLst>
-                                      </p:cBhvr>
-                                      <p:tavLst>
-                                        <p:tav tm="0">
-                                          <p:val>
-                                            <p:strVal val="1+#ppt_h/2"/>
-                                          </p:val>
-                                        </p:tav>
-                                        <p:tav tm="100000">
-                                          <p:val>
-                                            <p:strVal val="#ppt_y"/>
-                                          </p:val>
-                                        </p:tav>
-                                      </p:tavLst>
-                                    </p:anim>
-                                  </p:childTnLst>
-                                </p:cTn>
-                              </p:par>
-                              <p:par>
-                                <p:cTn id="95" presetID="2" presetClass="entr" presetSubtype="4" fill="hold" grpId="0" nodeType="withEffect">
-                                  <p:stCondLst>
-                                    <p:cond delay="0"/>
-                                  </p:stCondLst>
-                                  <p:childTnLst>
-                                    <p:set>
-                                      <p:cBhvr>
-                                        <p:cTn id="96" dur="1" fill="hold">
-                                          <p:stCondLst>
-                                            <p:cond delay="0"/>
-                                          </p:stCondLst>
-                                        </p:cTn>
-                                        <p:tgtEl>
-                                          <p:spTgt spid="52"/>
-                                        </p:tgtEl>
-                                        <p:attrNameLst>
-                                          <p:attrName>style.visibility</p:attrName>
-                                        </p:attrNameLst>
-                                      </p:cBhvr>
-                                      <p:to>
-                                        <p:strVal val="visible"/>
-                                      </p:to>
-                                    </p:set>
-                                    <p:anim calcmode="lin" valueType="num">
-                                      <p:cBhvr additive="base">
-                                        <p:cTn id="97" dur="500" fill="hold"/>
-                                        <p:tgtEl>
-                                          <p:spTgt spid="52"/>
-                                        </p:tgtEl>
-                                        <p:attrNameLst>
-                                          <p:attrName>ppt_x</p:attrName>
-                                        </p:attrNameLst>
-                                      </p:cBhvr>
-                                      <p:tavLst>
-                                        <p:tav tm="0">
-                                          <p:val>
-                                            <p:strVal val="#ppt_x"/>
-                                          </p:val>
-                                        </p:tav>
-                                        <p:tav tm="100000">
-                                          <p:val>
-                                            <p:strVal val="#ppt_x"/>
-                                          </p:val>
-                                        </p:tav>
-                                      </p:tavLst>
-                                    </p:anim>
-                                    <p:anim calcmode="lin" valueType="num">
-                                      <p:cBhvr additive="base">
-                                        <p:cTn id="98" dur="500" fill="hold"/>
-                                        <p:tgtEl>
-                                          <p:spTgt spid="52"/>
-                                        </p:tgtEl>
-                                        <p:attrNameLst>
-                                          <p:attrName>ppt_y</p:attrName>
-                                        </p:attrNameLst>
-                                      </p:cBhvr>
-                                      <p:tavLst>
-                                        <p:tav tm="0">
-                                          <p:val>
-                                            <p:strVal val="1+#ppt_h/2"/>
-                                          </p:val>
-                                        </p:tav>
-                                        <p:tav tm="100000">
-                                          <p:val>
-                                            <p:strVal val="#ppt_y"/>
-                                          </p:val>
-                                        </p:tav>
-                                      </p:tavLst>
-                                    </p:anim>
-                                  </p:childTnLst>
-                                </p:cTn>
-                              </p:par>
-                              <p:par>
-                                <p:cTn id="99" presetID="2" presetClass="entr" presetSubtype="4" fill="hold" grpId="0" nodeType="withEffect">
-                                  <p:stCondLst>
-                                    <p:cond delay="0"/>
-                                  </p:stCondLst>
-                                  <p:childTnLst>
-                                    <p:set>
-                                      <p:cBhvr>
-                                        <p:cTn id="100" dur="1" fill="hold">
-                                          <p:stCondLst>
-                                            <p:cond delay="0"/>
-                                          </p:stCondLst>
-                                        </p:cTn>
-                                        <p:tgtEl>
-                                          <p:spTgt spid="57"/>
-                                        </p:tgtEl>
-                                        <p:attrNameLst>
-                                          <p:attrName>style.visibility</p:attrName>
-                                        </p:attrNameLst>
-                                      </p:cBhvr>
-                                      <p:to>
-                                        <p:strVal val="visible"/>
-                                      </p:to>
-                                    </p:set>
-                                    <p:anim calcmode="lin" valueType="num">
-                                      <p:cBhvr additive="base">
-                                        <p:cTn id="101" dur="500" fill="hold"/>
-                                        <p:tgtEl>
-                                          <p:spTgt spid="57"/>
-                                        </p:tgtEl>
-                                        <p:attrNameLst>
-                                          <p:attrName>ppt_x</p:attrName>
-                                        </p:attrNameLst>
-                                      </p:cBhvr>
-                                      <p:tavLst>
-                                        <p:tav tm="0">
-                                          <p:val>
-                                            <p:strVal val="#ppt_x"/>
-                                          </p:val>
-                                        </p:tav>
-                                        <p:tav tm="100000">
-                                          <p:val>
-                                            <p:strVal val="#ppt_x"/>
-                                          </p:val>
-                                        </p:tav>
-                                      </p:tavLst>
-                                    </p:anim>
-                                    <p:anim calcmode="lin" valueType="num">
-                                      <p:cBhvr additive="base">
-                                        <p:cTn id="102" dur="500" fill="hold"/>
-                                        <p:tgtEl>
-                                          <p:spTgt spid="57"/>
-                                        </p:tgtEl>
-                                        <p:attrNameLst>
-                                          <p:attrName>ppt_y</p:attrName>
-                                        </p:attrNameLst>
-                                      </p:cBhvr>
-                                      <p:tavLst>
-                                        <p:tav tm="0">
-                                          <p:val>
-                                            <p:strVal val="1+#ppt_h/2"/>
-                                          </p:val>
-                                        </p:tav>
-                                        <p:tav tm="100000">
-                                          <p:val>
-                                            <p:strVal val="#ppt_y"/>
-                                          </p:val>
-                                        </p:tav>
-                                      </p:tavLst>
-                                    </p:anim>
-                                  </p:childTnLst>
-                                </p:cTn>
-                              </p:par>
-                              <p:par>
-                                <p:cTn id="103" presetID="2" presetClass="entr" presetSubtype="4" fill="hold" grpId="0" nodeType="withEffect">
-                                  <p:stCondLst>
-                                    <p:cond delay="0"/>
-                                  </p:stCondLst>
-                                  <p:childTnLst>
-                                    <p:set>
-                                      <p:cBhvr>
-                                        <p:cTn id="104" dur="1" fill="hold">
-                                          <p:stCondLst>
-                                            <p:cond delay="0"/>
-                                          </p:stCondLst>
-                                        </p:cTn>
-                                        <p:tgtEl>
-                                          <p:spTgt spid="58"/>
-                                        </p:tgtEl>
-                                        <p:attrNameLst>
-                                          <p:attrName>style.visibility</p:attrName>
-                                        </p:attrNameLst>
-                                      </p:cBhvr>
-                                      <p:to>
-                                        <p:strVal val="visible"/>
-                                      </p:to>
-                                    </p:set>
-                                    <p:anim calcmode="lin" valueType="num">
-                                      <p:cBhvr additive="base">
-                                        <p:cTn id="105" dur="500" fill="hold"/>
-                                        <p:tgtEl>
-                                          <p:spTgt spid="58"/>
-                                        </p:tgtEl>
-                                        <p:attrNameLst>
-                                          <p:attrName>ppt_x</p:attrName>
-                                        </p:attrNameLst>
-                                      </p:cBhvr>
-                                      <p:tavLst>
-                                        <p:tav tm="0">
-                                          <p:val>
-                                            <p:strVal val="#ppt_x"/>
-                                          </p:val>
-                                        </p:tav>
-                                        <p:tav tm="100000">
-                                          <p:val>
-                                            <p:strVal val="#ppt_x"/>
-                                          </p:val>
-                                        </p:tav>
-                                      </p:tavLst>
-                                    </p:anim>
-                                    <p:anim calcmode="lin" valueType="num">
-                                      <p:cBhvr additive="base">
-                                        <p:cTn id="106" dur="500" fill="hold"/>
-                                        <p:tgtEl>
-                                          <p:spTgt spid="58"/>
-                                        </p:tgtEl>
-                                        <p:attrNameLst>
-                                          <p:attrName>ppt_y</p:attrName>
-                                        </p:attrNameLst>
-                                      </p:cBhvr>
-                                      <p:tavLst>
-                                        <p:tav tm="0">
-                                          <p:val>
-                                            <p:strVal val="1+#ppt_h/2"/>
-                                          </p:val>
-                                        </p:tav>
-                                        <p:tav tm="100000">
-                                          <p:val>
-                                            <p:strVal val="#ppt_y"/>
-                                          </p:val>
-                                        </p:tav>
-                                      </p:tavLst>
-                                    </p:anim>
-                                  </p:childTnLst>
-                                </p:cTn>
-                              </p:par>
-                              <p:par>
-                                <p:cTn id="107" presetID="2" presetClass="entr" presetSubtype="4" fill="hold" grpId="0" nodeType="withEffect">
-                                  <p:stCondLst>
-                                    <p:cond delay="0"/>
-                                  </p:stCondLst>
-                                  <p:childTnLst>
-                                    <p:set>
-                                      <p:cBhvr>
-                                        <p:cTn id="108" dur="1" fill="hold">
-                                          <p:stCondLst>
-                                            <p:cond delay="0"/>
-                                          </p:stCondLst>
-                                        </p:cTn>
-                                        <p:tgtEl>
-                                          <p:spTgt spid="55"/>
-                                        </p:tgtEl>
-                                        <p:attrNameLst>
-                                          <p:attrName>style.visibility</p:attrName>
-                                        </p:attrNameLst>
-                                      </p:cBhvr>
-                                      <p:to>
-                                        <p:strVal val="visible"/>
-                                      </p:to>
-                                    </p:set>
-                                    <p:anim calcmode="lin" valueType="num">
-                                      <p:cBhvr additive="base">
-                                        <p:cTn id="109" dur="500" fill="hold"/>
-                                        <p:tgtEl>
-                                          <p:spTgt spid="55"/>
-                                        </p:tgtEl>
-                                        <p:attrNameLst>
-                                          <p:attrName>ppt_x</p:attrName>
-                                        </p:attrNameLst>
-                                      </p:cBhvr>
-                                      <p:tavLst>
-                                        <p:tav tm="0">
-                                          <p:val>
-                                            <p:strVal val="#ppt_x"/>
-                                          </p:val>
-                                        </p:tav>
-                                        <p:tav tm="100000">
-                                          <p:val>
-                                            <p:strVal val="#ppt_x"/>
-                                          </p:val>
-                                        </p:tav>
-                                      </p:tavLst>
-                                    </p:anim>
-                                    <p:anim calcmode="lin" valueType="num">
-                                      <p:cBhvr additive="base">
-                                        <p:cTn id="110" dur="500" fill="hold"/>
-                                        <p:tgtEl>
-                                          <p:spTgt spid="55"/>
-                                        </p:tgtEl>
-                                        <p:attrNameLst>
-                                          <p:attrName>ppt_y</p:attrName>
-                                        </p:attrNameLst>
-                                      </p:cBhvr>
-                                      <p:tavLst>
-                                        <p:tav tm="0">
-                                          <p:val>
-                                            <p:strVal val="1+#ppt_h/2"/>
-                                          </p:val>
-                                        </p:tav>
-                                        <p:tav tm="100000">
-                                          <p:val>
-                                            <p:strVal val="#ppt_y"/>
-                                          </p:val>
-                                        </p:tav>
-                                      </p:tavLst>
-                                    </p:anim>
-                                  </p:childTnLst>
-                                </p:cTn>
-                              </p:par>
-                              <p:par>
-                                <p:cTn id="111" presetID="2" presetClass="entr" presetSubtype="4" fill="hold" grpId="0" nodeType="withEffect">
-                                  <p:stCondLst>
-                                    <p:cond delay="0"/>
-                                  </p:stCondLst>
-                                  <p:childTnLst>
-                                    <p:set>
-                                      <p:cBhvr>
-                                        <p:cTn id="112" dur="1" fill="hold">
-                                          <p:stCondLst>
-                                            <p:cond delay="0"/>
-                                          </p:stCondLst>
-                                        </p:cTn>
-                                        <p:tgtEl>
-                                          <p:spTgt spid="59"/>
-                                        </p:tgtEl>
-                                        <p:attrNameLst>
-                                          <p:attrName>style.visibility</p:attrName>
-                                        </p:attrNameLst>
-                                      </p:cBhvr>
-                                      <p:to>
-                                        <p:strVal val="visible"/>
-                                      </p:to>
-                                    </p:set>
-                                    <p:anim calcmode="lin" valueType="num">
-                                      <p:cBhvr additive="base">
-                                        <p:cTn id="113" dur="500" fill="hold"/>
-                                        <p:tgtEl>
-                                          <p:spTgt spid="59"/>
-                                        </p:tgtEl>
-                                        <p:attrNameLst>
-                                          <p:attrName>ppt_x</p:attrName>
-                                        </p:attrNameLst>
-                                      </p:cBhvr>
-                                      <p:tavLst>
-                                        <p:tav tm="0">
-                                          <p:val>
-                                            <p:strVal val="#ppt_x"/>
-                                          </p:val>
-                                        </p:tav>
-                                        <p:tav tm="100000">
-                                          <p:val>
-                                            <p:strVal val="#ppt_x"/>
-                                          </p:val>
-                                        </p:tav>
-                                      </p:tavLst>
-                                    </p:anim>
-                                    <p:anim calcmode="lin" valueType="num">
-                                      <p:cBhvr additive="base">
-                                        <p:cTn id="114" dur="500" fill="hold"/>
-                                        <p:tgtEl>
-                                          <p:spTgt spid="59"/>
-                                        </p:tgtEl>
-                                        <p:attrNameLst>
-                                          <p:attrName>ppt_y</p:attrName>
-                                        </p:attrNameLst>
-                                      </p:cBhvr>
-                                      <p:tavLst>
-                                        <p:tav tm="0">
-                                          <p:val>
-                                            <p:strVal val="1+#ppt_h/2"/>
-                                          </p:val>
-                                        </p:tav>
-                                        <p:tav tm="100000">
-                                          <p:val>
-                                            <p:strVal val="#ppt_y"/>
-                                          </p:val>
-                                        </p:tav>
-                                      </p:tavLst>
-                                    </p:anim>
-                                  </p:childTnLst>
-                                </p:cTn>
-                              </p:par>
-                              <p:par>
-                                <p:cTn id="115" presetID="2" presetClass="entr" presetSubtype="4" fill="hold" grpId="0" nodeType="withEffect">
-                                  <p:stCondLst>
-                                    <p:cond delay="0"/>
-                                  </p:stCondLst>
-                                  <p:childTnLst>
-                                    <p:set>
-                                      <p:cBhvr>
-                                        <p:cTn id="116" dur="1" fill="hold">
+                                        <p:cTn id="60" dur="1" fill="hold">
                                           <p:stCondLst>
                                             <p:cond delay="0"/>
                                           </p:stCondLst>
@@ -28371,52 +25593,6 @@
                                         <p:strVal val="visible"/>
                                       </p:to>
                                     </p:set>
-                                    <p:anim calcmode="lin" valueType="num">
-                                      <p:cBhvr additive="base">
-                                        <p:cTn id="117" dur="500" fill="hold"/>
-                                        <p:tgtEl>
-                                          <p:spTgt spid="60"/>
-                                        </p:tgtEl>
-                                        <p:attrNameLst>
-                                          <p:attrName>ppt_x</p:attrName>
-                                        </p:attrNameLst>
-                                      </p:cBhvr>
-                                      <p:tavLst>
-                                        <p:tav tm="0">
-                                          <p:val>
-                                            <p:strVal val="#ppt_x"/>
-                                          </p:val>
-                                        </p:tav>
-                                        <p:tav tm="100000">
-                                          <p:val>
-                                            <p:strVal val="#ppt_x"/>
-                                          </p:val>
-                                        </p:tav>
-                                      </p:tavLst>
-                                    </p:anim>
-                                    <p:anim calcmode="lin" valueType="num">
-                                      <p:cBhvr additive="base">
-                                        <p:cTn id="118" dur="500" fill="hold"/>
-                                        <p:tgtEl>
-                                          <p:spTgt spid="60"/>
-                                        </p:tgtEl>
-                                        <p:attrNameLst>
-                                          <p:attrName>ppt_y</p:attrName>
-                                        </p:attrNameLst>
-                                      </p:cBhvr>
-                                      <p:tavLst>
-                                        <p:tav tm="0">
-                                          <p:val>
-                                            <p:strVal val="1+#ppt_h/2"/>
-                                          </p:val>
-                                        </p:tav>
-                                        <p:tav tm="100000">
-                                          <p:val>
-                                            <p:strVal val="#ppt_y"/>
-                                          </p:val>
-                                        </p:tav>
-                                      </p:tavLst>
-                                    </p:anim>
                                   </p:childTnLst>
                                 </p:cTn>
                               </p:par>
@@ -28427,26 +25603,26 @@
                     </p:cTn>
                   </p:par>
                   <p:par>
-                    <p:cTn id="119" fill="hold">
+                    <p:cTn id="61" fill="hold">
                       <p:stCondLst>
                         <p:cond delay="indefinite"/>
                       </p:stCondLst>
                       <p:childTnLst>
                         <p:par>
-                          <p:cTn id="120" fill="hold">
+                          <p:cTn id="62" fill="hold">
                             <p:stCondLst>
                               <p:cond delay="0"/>
                             </p:stCondLst>
                             <p:childTnLst>
                               <p:par>
-                                <p:cTn id="121" presetID="2" presetClass="entr" presetSubtype="4" fill="hold" nodeType="clickEffect">
+                                <p:cTn id="63" presetID="1" presetClass="entr" presetSubtype="0" fill="hold" nodeType="clickEffect">
                                   <p:stCondLst>
                                     <p:cond delay="0"/>
                                   </p:stCondLst>
                                   <p:childTnLst>
                                     <p:set>
                                       <p:cBhvr>
-                                        <p:cTn id="122" dur="1" fill="hold">
+                                        <p:cTn id="64" dur="1" fill="hold">
                                           <p:stCondLst>
                                             <p:cond delay="0"/>
                                           </p:stCondLst>
@@ -28466,72 +25642,18 @@
                                         <p:strVal val="visible"/>
                                       </p:to>
                                     </p:set>
-                                    <p:anim calcmode="lin" valueType="num">
-                                      <p:cBhvr additive="base">
-                                        <p:cTn id="123" dur="500" fill="hold"/>
-                                        <p:tgtEl>
-                                          <p:spTgt spid="2">
-                                            <p:txEl>
-                                              <p:pRg st="11" end="11"/>
-                                            </p:txEl>
-                                          </p:spTgt>
-                                        </p:tgtEl>
-                                        <p:attrNameLst>
-                                          <p:attrName>ppt_x</p:attrName>
-                                        </p:attrNameLst>
-                                      </p:cBhvr>
-                                      <p:tavLst>
-                                        <p:tav tm="0">
-                                          <p:val>
-                                            <p:strVal val="#ppt_x"/>
-                                          </p:val>
-                                        </p:tav>
-                                        <p:tav tm="100000">
-                                          <p:val>
-                                            <p:strVal val="#ppt_x"/>
-                                          </p:val>
-                                        </p:tav>
-                                      </p:tavLst>
-                                    </p:anim>
-                                    <p:anim calcmode="lin" valueType="num">
-                                      <p:cBhvr additive="base">
-                                        <p:cTn id="124" dur="500" fill="hold"/>
-                                        <p:tgtEl>
-                                          <p:spTgt spid="2">
-                                            <p:txEl>
-                                              <p:pRg st="11" end="11"/>
-                                            </p:txEl>
-                                          </p:spTgt>
-                                        </p:tgtEl>
-                                        <p:attrNameLst>
-                                          <p:attrName>ppt_y</p:attrName>
-                                        </p:attrNameLst>
-                                      </p:cBhvr>
-                                      <p:tavLst>
-                                        <p:tav tm="0">
-                                          <p:val>
-                                            <p:strVal val="1+#ppt_h/2"/>
-                                          </p:val>
-                                        </p:tav>
-                                        <p:tav tm="100000">
-                                          <p:val>
-                                            <p:strVal val="#ppt_y"/>
-                                          </p:val>
-                                        </p:tav>
-                                      </p:tavLst>
-                                    </p:anim>
                                   </p:childTnLst>
                                 </p:cTn>
                               </p:par>
                               <p:par>
-                                <p:cTn id="125" presetID="2" presetClass="entr" presetSubtype="4" fill="hold" nodeType="withEffect">
+                                <p:cTn id="65" presetID="1" presetClass="entr" presetSubtype="0" fill="hold" nodeType="withEffect">
                                   <p:stCondLst>
                                     <p:cond delay="0"/>
                                   </p:stCondLst>
                                   <p:childTnLst>
                                     <p:set>
                                       <p:cBhvr>
-                                        <p:cTn id="126" dur="1" fill="hold">
+                                        <p:cTn id="66" dur="1" fill="hold">
                                           <p:stCondLst>
                                             <p:cond delay="0"/>
                                           </p:stCondLst>
@@ -28551,72 +25673,18 @@
                                         <p:strVal val="visible"/>
                                       </p:to>
                                     </p:set>
-                                    <p:anim calcmode="lin" valueType="num">
-                                      <p:cBhvr additive="base">
-                                        <p:cTn id="127" dur="500" fill="hold"/>
-                                        <p:tgtEl>
-                                          <p:spTgt spid="2">
-                                            <p:txEl>
-                                              <p:pRg st="12" end="12"/>
-                                            </p:txEl>
-                                          </p:spTgt>
-                                        </p:tgtEl>
-                                        <p:attrNameLst>
-                                          <p:attrName>ppt_x</p:attrName>
-                                        </p:attrNameLst>
-                                      </p:cBhvr>
-                                      <p:tavLst>
-                                        <p:tav tm="0">
-                                          <p:val>
-                                            <p:strVal val="#ppt_x"/>
-                                          </p:val>
-                                        </p:tav>
-                                        <p:tav tm="100000">
-                                          <p:val>
-                                            <p:strVal val="#ppt_x"/>
-                                          </p:val>
-                                        </p:tav>
-                                      </p:tavLst>
-                                    </p:anim>
-                                    <p:anim calcmode="lin" valueType="num">
-                                      <p:cBhvr additive="base">
-                                        <p:cTn id="128" dur="500" fill="hold"/>
-                                        <p:tgtEl>
-                                          <p:spTgt spid="2">
-                                            <p:txEl>
-                                              <p:pRg st="12" end="12"/>
-                                            </p:txEl>
-                                          </p:spTgt>
-                                        </p:tgtEl>
-                                        <p:attrNameLst>
-                                          <p:attrName>ppt_y</p:attrName>
-                                        </p:attrNameLst>
-                                      </p:cBhvr>
-                                      <p:tavLst>
-                                        <p:tav tm="0">
-                                          <p:val>
-                                            <p:strVal val="1+#ppt_h/2"/>
-                                          </p:val>
-                                        </p:tav>
-                                        <p:tav tm="100000">
-                                          <p:val>
-                                            <p:strVal val="#ppt_y"/>
-                                          </p:val>
-                                        </p:tav>
-                                      </p:tavLst>
-                                    </p:anim>
                                   </p:childTnLst>
                                 </p:cTn>
                               </p:par>
                               <p:par>
-                                <p:cTn id="129" presetID="2" presetClass="entr" presetSubtype="4" fill="hold" nodeType="withEffect">
+                                <p:cTn id="67" presetID="1" presetClass="entr" presetSubtype="0" fill="hold" nodeType="withEffect">
                                   <p:stCondLst>
                                     <p:cond delay="0"/>
                                   </p:stCondLst>
                                   <p:childTnLst>
                                     <p:set>
                                       <p:cBhvr>
-                                        <p:cTn id="130" dur="1" fill="hold">
+                                        <p:cTn id="68" dur="1" fill="hold">
                                           <p:stCondLst>
                                             <p:cond delay="0"/>
                                           </p:stCondLst>
@@ -28636,60 +25704,6 @@
                                         <p:strVal val="visible"/>
                                       </p:to>
                                     </p:set>
-                                    <p:anim calcmode="lin" valueType="num">
-                                      <p:cBhvr additive="base">
-                                        <p:cTn id="131" dur="500" fill="hold"/>
-                                        <p:tgtEl>
-                                          <p:spTgt spid="2">
-                                            <p:txEl>
-                                              <p:pRg st="13" end="13"/>
-                                            </p:txEl>
-                                          </p:spTgt>
-                                        </p:tgtEl>
-                                        <p:attrNameLst>
-                                          <p:attrName>ppt_x</p:attrName>
-                                        </p:attrNameLst>
-                                      </p:cBhvr>
-                                      <p:tavLst>
-                                        <p:tav tm="0">
-                                          <p:val>
-                                            <p:strVal val="#ppt_x"/>
-                                          </p:val>
-                                        </p:tav>
-                                        <p:tav tm="100000">
-                                          <p:val>
-                                            <p:strVal val="#ppt_x"/>
-                                          </p:val>
-                                        </p:tav>
-                                      </p:tavLst>
-                                    </p:anim>
-                                    <p:anim calcmode="lin" valueType="num">
-                                      <p:cBhvr additive="base">
-                                        <p:cTn id="132" dur="500" fill="hold"/>
-                                        <p:tgtEl>
-                                          <p:spTgt spid="2">
-                                            <p:txEl>
-                                              <p:pRg st="13" end="13"/>
-                                            </p:txEl>
-                                          </p:spTgt>
-                                        </p:tgtEl>
-                                        <p:attrNameLst>
-                                          <p:attrName>ppt_y</p:attrName>
-                                        </p:attrNameLst>
-                                      </p:cBhvr>
-                                      <p:tavLst>
-                                        <p:tav tm="0">
-                                          <p:val>
-                                            <p:strVal val="1+#ppt_h/2"/>
-                                          </p:val>
-                                        </p:tav>
-                                        <p:tav tm="100000">
-                                          <p:val>
-                                            <p:strVal val="#ppt_y"/>
-                                          </p:val>
-                                        </p:tav>
-                                      </p:tavLst>
-                                    </p:anim>
                                   </p:childTnLst>
                                 </p:cTn>
                               </p:par>
@@ -28938,9 +25952,9 @@
             <a:pPr>
               <a:defRPr/>
             </a:pPr>
-            <a:fld id="{7C19136F-A910-4FB0-ACF8-AEB668541EC5}" type="datetime1">
+            <a:fld id="{4998E8A4-C8EA-4DC6-A9EC-8D84B645FE8A}" type="datetime1">
               <a:rPr lang="de-DE" smtClean="0"/>
-              <a:t>09.08.2018</a:t>
+              <a:t>17.08.2018</a:t>
             </a:fld>
             <a:endParaRPr lang="de-DE" dirty="0"/>
           </a:p>
@@ -29076,10 +26090,11 @@
           <a:bodyPr/>
           <a:lstStyle/>
           <a:p>
-            <a:pPr>
+            <a:pPr marL="0" indent="0">
               <a:lnSpc>
                 <a:spcPct val="200000"/>
               </a:lnSpc>
+              <a:buNone/>
             </a:pPr>
             <a:r>
               <a:rPr lang="de-DE" dirty="0" err="1"/>
@@ -29088,10 +26103,11 @@
             <a:endParaRPr lang="de-DE" dirty="0"/>
           </a:p>
           <a:p>
-            <a:pPr>
+            <a:pPr marL="0" indent="0">
               <a:lnSpc>
                 <a:spcPct val="200000"/>
               </a:lnSpc>
+              <a:buNone/>
             </a:pPr>
             <a:r>
               <a:rPr lang="de-DE" dirty="0"/>
@@ -29099,10 +26115,11 @@
             </a:r>
           </a:p>
           <a:p>
-            <a:pPr>
+            <a:pPr marL="0" indent="0">
               <a:lnSpc>
                 <a:spcPct val="200000"/>
               </a:lnSpc>
+              <a:buNone/>
             </a:pPr>
             <a:r>
               <a:rPr lang="de-DE" dirty="0"/>
@@ -29110,10 +26127,11 @@
             </a:r>
           </a:p>
           <a:p>
-            <a:pPr>
+            <a:pPr marL="0" indent="0">
               <a:lnSpc>
                 <a:spcPct val="200000"/>
               </a:lnSpc>
+              <a:buNone/>
             </a:pPr>
             <a:r>
               <a:rPr lang="de-DE" dirty="0"/>
@@ -29121,10 +26139,11 @@
             </a:r>
           </a:p>
           <a:p>
-            <a:pPr>
+            <a:pPr marL="0" indent="0">
               <a:lnSpc>
                 <a:spcPct val="200000"/>
               </a:lnSpc>
+              <a:buNone/>
             </a:pPr>
             <a:r>
               <a:rPr lang="de-DE" dirty="0"/>
@@ -29154,9 +26173,9 @@
             <a:pPr>
               <a:defRPr/>
             </a:pPr>
-            <a:fld id="{72FE9AB9-D7B1-4B90-8B11-4DA12F8AFB39}" type="datetime1">
+            <a:fld id="{4769008C-D780-4E4F-B8CF-7AB45263DA7A}" type="datetime1">
               <a:rPr lang="de-DE" smtClean="0"/>
-              <a:t>09.08.2018</a:t>
+              <a:t>17.08.2018</a:t>
             </a:fld>
             <a:endParaRPr lang="de-DE" dirty="0"/>
           </a:p>
@@ -29233,16 +26252,185 @@
           <a:p>
             <a:r>
               <a:rPr lang="de-DE" dirty="0"/>
-              <a:t>Grundlage der </a:t>
-            </a:r>
-            <a:r>
-              <a:rPr lang="de-DE" dirty="0" smtClean="0"/>
-              <a:t>Topologie: Begriffserklärung</a:t>
-            </a:r>
-            <a:endParaRPr lang="de-DE" dirty="0"/>
-          </a:p>
-        </p:txBody>
-      </p:sp>
+              <a:t>Grundlage der Topologie: Begriffserklärung</a:t>
+            </a:r>
+          </a:p>
+        </p:txBody>
+      </p:sp>
+      <p:pic>
+        <p:nvPicPr>
+          <p:cNvPr id="7" name="Grafik 6">
+            <a:extLst>
+              <a:ext uri="{FF2B5EF4-FFF2-40B4-BE49-F238E27FC236}">
+                <a16:creationId xmlns:a16="http://schemas.microsoft.com/office/drawing/2014/main" id="{2B93344D-ADCC-41D3-8C2E-F9D0520F9106}"/>
+              </a:ext>
+            </a:extLst>
+          </p:cNvPr>
+          <p:cNvPicPr>
+            <a:picLocks noChangeAspect="1"/>
+          </p:cNvPicPr>
+          <p:nvPr/>
+        </p:nvPicPr>
+        <p:blipFill>
+          <a:blip r:embed="rId3">
+            <a:extLst>
+              <a:ext uri="{28A0092B-C50C-407E-A947-70E740481C1C}">
+                <a14:useLocalDpi xmlns:a14="http://schemas.microsoft.com/office/drawing/2010/main" val="0"/>
+              </a:ext>
+            </a:extLst>
+          </a:blip>
+          <a:stretch>
+            <a:fillRect/>
+          </a:stretch>
+        </p:blipFill>
+        <p:spPr>
+          <a:xfrm>
+            <a:off x="3131840" y="2540527"/>
+            <a:ext cx="1152686" cy="847843"/>
+          </a:xfrm>
+          <a:prstGeom prst="rect">
+            <a:avLst/>
+          </a:prstGeom>
+        </p:spPr>
+      </p:pic>
+      <p:pic>
+        <p:nvPicPr>
+          <p:cNvPr id="8" name="Inhaltsplatzhalter 19">
+            <a:extLst>
+              <a:ext uri="{FF2B5EF4-FFF2-40B4-BE49-F238E27FC236}">
+                <a16:creationId xmlns:a16="http://schemas.microsoft.com/office/drawing/2014/main" id="{7838AC9D-093A-44C7-853D-CD18D227093E}"/>
+              </a:ext>
+            </a:extLst>
+          </p:cNvPr>
+          <p:cNvPicPr>
+            <a:picLocks noChangeAspect="1"/>
+          </p:cNvPicPr>
+          <p:nvPr/>
+        </p:nvPicPr>
+        <p:blipFill>
+          <a:blip r:embed="rId4">
+            <a:extLst>
+              <a:ext uri="{28A0092B-C50C-407E-A947-70E740481C1C}">
+                <a14:useLocalDpi xmlns:a14="http://schemas.microsoft.com/office/drawing/2010/main" val="0"/>
+              </a:ext>
+            </a:extLst>
+          </a:blip>
+          <a:stretch>
+            <a:fillRect/>
+          </a:stretch>
+        </p:blipFill>
+        <p:spPr>
+          <a:xfrm>
+            <a:off x="4571520" y="2426244"/>
+            <a:ext cx="1590897" cy="943107"/>
+          </a:xfrm>
+          <a:prstGeom prst="rect">
+            <a:avLst/>
+          </a:prstGeom>
+        </p:spPr>
+      </p:pic>
+      <p:pic>
+        <p:nvPicPr>
+          <p:cNvPr id="9" name="Grafik 8">
+            <a:extLst>
+              <a:ext uri="{FF2B5EF4-FFF2-40B4-BE49-F238E27FC236}">
+                <a16:creationId xmlns:a16="http://schemas.microsoft.com/office/drawing/2014/main" id="{70A8A4FB-BA58-476F-BDFF-00375A42D29B}"/>
+              </a:ext>
+            </a:extLst>
+          </p:cNvPr>
+          <p:cNvPicPr>
+            <a:picLocks noChangeAspect="1"/>
+          </p:cNvPicPr>
+          <p:nvPr/>
+        </p:nvPicPr>
+        <p:blipFill>
+          <a:blip r:embed="rId5">
+            <a:extLst>
+              <a:ext uri="{28A0092B-C50C-407E-A947-70E740481C1C}">
+                <a14:useLocalDpi xmlns:a14="http://schemas.microsoft.com/office/drawing/2010/main" val="0"/>
+              </a:ext>
+            </a:extLst>
+          </a:blip>
+          <a:stretch>
+            <a:fillRect/>
+          </a:stretch>
+        </p:blipFill>
+        <p:spPr>
+          <a:xfrm rot="16604144">
+            <a:off x="3239078" y="3566875"/>
+            <a:ext cx="619211" cy="476316"/>
+          </a:xfrm>
+          <a:prstGeom prst="rect">
+            <a:avLst/>
+          </a:prstGeom>
+        </p:spPr>
+      </p:pic>
+      <p:pic>
+        <p:nvPicPr>
+          <p:cNvPr id="10" name="Grafik 9">
+            <a:extLst>
+              <a:ext uri="{FF2B5EF4-FFF2-40B4-BE49-F238E27FC236}">
+                <a16:creationId xmlns:a16="http://schemas.microsoft.com/office/drawing/2014/main" id="{8F8C290B-2054-425E-BF84-75A0BF09CF0C}"/>
+              </a:ext>
+            </a:extLst>
+          </p:cNvPr>
+          <p:cNvPicPr>
+            <a:picLocks noChangeAspect="1"/>
+          </p:cNvPicPr>
+          <p:nvPr/>
+        </p:nvPicPr>
+        <p:blipFill>
+          <a:blip r:embed="rId6">
+            <a:extLst>
+              <a:ext uri="{28A0092B-C50C-407E-A947-70E740481C1C}">
+                <a14:useLocalDpi xmlns:a14="http://schemas.microsoft.com/office/drawing/2010/main" val="0"/>
+              </a:ext>
+            </a:extLst>
+          </a:blip>
+          <a:stretch>
+            <a:fillRect/>
+          </a:stretch>
+        </p:blipFill>
+        <p:spPr>
+          <a:xfrm rot="16200000">
+            <a:off x="4497297" y="3046668"/>
+            <a:ext cx="1164661" cy="1692960"/>
+          </a:xfrm>
+          <a:prstGeom prst="rect">
+            <a:avLst/>
+          </a:prstGeom>
+        </p:spPr>
+      </p:pic>
+      <p:pic>
+        <p:nvPicPr>
+          <p:cNvPr id="11" name="Grafik 10">
+            <a:extLst>
+              <a:ext uri="{FF2B5EF4-FFF2-40B4-BE49-F238E27FC236}">
+                <a16:creationId xmlns:a16="http://schemas.microsoft.com/office/drawing/2014/main" id="{679A4792-A9B2-457E-BAFF-376230F24630}"/>
+              </a:ext>
+            </a:extLst>
+          </p:cNvPr>
+          <p:cNvPicPr>
+            <a:picLocks noChangeAspect="1"/>
+          </p:cNvPicPr>
+          <p:nvPr/>
+        </p:nvPicPr>
+        <p:blipFill>
+          <a:blip r:embed="rId7"/>
+          <a:stretch>
+            <a:fillRect/>
+          </a:stretch>
+        </p:blipFill>
+        <p:spPr>
+          <a:xfrm>
+            <a:off x="1676028" y="3898695"/>
+            <a:ext cx="1296144" cy="1153568"/>
+          </a:xfrm>
+          <a:prstGeom prst="rect">
+            <a:avLst/>
+          </a:prstGeom>
+        </p:spPr>
+      </p:pic>
     </p:spTree>
     <p:extLst>
       <p:ext uri="{BB962C8B-B14F-4D97-AF65-F5344CB8AC3E}">
@@ -29274,7 +26462,7 @@
                             </p:stCondLst>
                             <p:childTnLst>
                               <p:par>
-                                <p:cTn id="5" presetID="2" presetClass="entr" presetSubtype="4" fill="hold" nodeType="clickEffect">
+                                <p:cTn id="5" presetID="1" presetClass="entr" presetSubtype="0" fill="hold" nodeType="clickEffect">
                                   <p:stCondLst>
                                     <p:cond delay="0"/>
                                   </p:stCondLst>
@@ -29301,60 +26489,6 @@
                                         <p:strVal val="visible"/>
                                       </p:to>
                                     </p:set>
-                                    <p:anim calcmode="lin" valueType="num">
-                                      <p:cBhvr additive="base">
-                                        <p:cTn id="7" dur="500" fill="hold"/>
-                                        <p:tgtEl>
-                                          <p:spTgt spid="2">
-                                            <p:txEl>
-                                              <p:pRg st="1" end="1"/>
-                                            </p:txEl>
-                                          </p:spTgt>
-                                        </p:tgtEl>
-                                        <p:attrNameLst>
-                                          <p:attrName>ppt_x</p:attrName>
-                                        </p:attrNameLst>
-                                      </p:cBhvr>
-                                      <p:tavLst>
-                                        <p:tav tm="0">
-                                          <p:val>
-                                            <p:strVal val="#ppt_x"/>
-                                          </p:val>
-                                        </p:tav>
-                                        <p:tav tm="100000">
-                                          <p:val>
-                                            <p:strVal val="#ppt_x"/>
-                                          </p:val>
-                                        </p:tav>
-                                      </p:tavLst>
-                                    </p:anim>
-                                    <p:anim calcmode="lin" valueType="num">
-                                      <p:cBhvr additive="base">
-                                        <p:cTn id="8" dur="500" fill="hold"/>
-                                        <p:tgtEl>
-                                          <p:spTgt spid="2">
-                                            <p:txEl>
-                                              <p:pRg st="1" end="1"/>
-                                            </p:txEl>
-                                          </p:spTgt>
-                                        </p:tgtEl>
-                                        <p:attrNameLst>
-                                          <p:attrName>ppt_y</p:attrName>
-                                        </p:attrNameLst>
-                                      </p:cBhvr>
-                                      <p:tavLst>
-                                        <p:tav tm="0">
-                                          <p:val>
-                                            <p:strVal val="1+#ppt_h/2"/>
-                                          </p:val>
-                                        </p:tav>
-                                        <p:tav tm="100000">
-                                          <p:val>
-                                            <p:strVal val="#ppt_y"/>
-                                          </p:val>
-                                        </p:tav>
-                                      </p:tavLst>
-                                    </p:anim>
                                   </p:childTnLst>
                                 </p:cTn>
                               </p:par>
@@ -29365,26 +26499,26 @@
                     </p:cTn>
                   </p:par>
                   <p:par>
-                    <p:cTn id="9" fill="hold">
+                    <p:cTn id="7" fill="hold">
                       <p:stCondLst>
                         <p:cond delay="indefinite"/>
                       </p:stCondLst>
                       <p:childTnLst>
                         <p:par>
-                          <p:cTn id="10" fill="hold">
+                          <p:cTn id="8" fill="hold">
                             <p:stCondLst>
                               <p:cond delay="0"/>
                             </p:stCondLst>
                             <p:childTnLst>
                               <p:par>
-                                <p:cTn id="11" presetID="2" presetClass="entr" presetSubtype="4" fill="hold" nodeType="clickEffect">
+                                <p:cTn id="9" presetID="1" presetClass="entr" presetSubtype="0" fill="hold" nodeType="clickEffect">
                                   <p:stCondLst>
                                     <p:cond delay="0"/>
                                   </p:stCondLst>
                                   <p:childTnLst>
                                     <p:set>
                                       <p:cBhvr>
-                                        <p:cTn id="12" dur="1" fill="hold">
+                                        <p:cTn id="10" dur="1" fill="hold">
                                           <p:stCondLst>
                                             <p:cond delay="0"/>
                                           </p:stCondLst>
@@ -29404,60 +26538,60 @@
                                         <p:strVal val="visible"/>
                                       </p:to>
                                     </p:set>
-                                    <p:anim calcmode="lin" valueType="num">
-                                      <p:cBhvr additive="base">
-                                        <p:cTn id="13" dur="500" fill="hold"/>
+                                  </p:childTnLst>
+                                </p:cTn>
+                              </p:par>
+                              <p:par>
+                                <p:cTn id="11" presetID="1" presetClass="entr" presetSubtype="0" fill="hold" nodeType="withEffect">
+                                  <p:stCondLst>
+                                    <p:cond delay="0"/>
+                                  </p:stCondLst>
+                                  <p:childTnLst>
+                                    <p:set>
+                                      <p:cBhvr>
+                                        <p:cTn id="12" dur="1" fill="hold">
+                                          <p:stCondLst>
+                                            <p:cond delay="0"/>
+                                          </p:stCondLst>
+                                        </p:cTn>
                                         <p:tgtEl>
-                                          <p:spTgt spid="2">
-                                            <p:txEl>
-                                              <p:pRg st="2" end="2"/>
-                                            </p:txEl>
-                                          </p:spTgt>
+                                          <p:spTgt spid="7"/>
                                         </p:tgtEl>
                                         <p:attrNameLst>
-                                          <p:attrName>ppt_x</p:attrName>
+                                          <p:attrName>style.visibility</p:attrName>
                                         </p:attrNameLst>
                                       </p:cBhvr>
-                                      <p:tavLst>
-                                        <p:tav tm="0">
-                                          <p:val>
-                                            <p:strVal val="#ppt_x"/>
-                                          </p:val>
-                                        </p:tav>
-                                        <p:tav tm="100000">
-                                          <p:val>
-                                            <p:strVal val="#ppt_x"/>
-                                          </p:val>
-                                        </p:tav>
-                                      </p:tavLst>
-                                    </p:anim>
-                                    <p:anim calcmode="lin" valueType="num">
-                                      <p:cBhvr additive="base">
-                                        <p:cTn id="14" dur="500" fill="hold"/>
+                                      <p:to>
+                                        <p:strVal val="visible"/>
+                                      </p:to>
+                                    </p:set>
+                                  </p:childTnLst>
+                                </p:cTn>
+                              </p:par>
+                              <p:par>
+                                <p:cTn id="13" presetID="1" presetClass="entr" presetSubtype="0" fill="hold" nodeType="withEffect">
+                                  <p:stCondLst>
+                                    <p:cond delay="0"/>
+                                  </p:stCondLst>
+                                  <p:childTnLst>
+                                    <p:set>
+                                      <p:cBhvr>
+                                        <p:cTn id="14" dur="1" fill="hold">
+                                          <p:stCondLst>
+                                            <p:cond delay="0"/>
+                                          </p:stCondLst>
+                                        </p:cTn>
                                         <p:tgtEl>
-                                          <p:spTgt spid="2">
-                                            <p:txEl>
-                                              <p:pRg st="2" end="2"/>
-                                            </p:txEl>
-                                          </p:spTgt>
+                                          <p:spTgt spid="8"/>
                                         </p:tgtEl>
                                         <p:attrNameLst>
-                                          <p:attrName>ppt_y</p:attrName>
+                                          <p:attrName>style.visibility</p:attrName>
                                         </p:attrNameLst>
                                       </p:cBhvr>
-                                      <p:tavLst>
-                                        <p:tav tm="0">
-                                          <p:val>
-                                            <p:strVal val="1+#ppt_h/2"/>
-                                          </p:val>
-                                        </p:tav>
-                                        <p:tav tm="100000">
-                                          <p:val>
-                                            <p:strVal val="#ppt_y"/>
-                                          </p:val>
-                                        </p:tav>
-                                      </p:tavLst>
-                                    </p:anim>
+                                      <p:to>
+                                        <p:strVal val="visible"/>
+                                      </p:to>
+                                    </p:set>
                                   </p:childTnLst>
                                 </p:cTn>
                               </p:par>
@@ -29480,7 +26614,7 @@
                             </p:stCondLst>
                             <p:childTnLst>
                               <p:par>
-                                <p:cTn id="17" presetID="2" presetClass="entr" presetSubtype="4" fill="hold" nodeType="clickEffect">
+                                <p:cTn id="17" presetID="1" presetClass="entr" presetSubtype="0" fill="hold" nodeType="clickEffect">
                                   <p:stCondLst>
                                     <p:cond delay="0"/>
                                   </p:stCondLst>
@@ -29507,60 +26641,60 @@
                                         <p:strVal val="visible"/>
                                       </p:to>
                                     </p:set>
-                                    <p:anim calcmode="lin" valueType="num">
-                                      <p:cBhvr additive="base">
-                                        <p:cTn id="19" dur="500" fill="hold"/>
+                                  </p:childTnLst>
+                                </p:cTn>
+                              </p:par>
+                              <p:par>
+                                <p:cTn id="19" presetID="1" presetClass="entr" presetSubtype="0" fill="hold" nodeType="withEffect">
+                                  <p:stCondLst>
+                                    <p:cond delay="0"/>
+                                  </p:stCondLst>
+                                  <p:childTnLst>
+                                    <p:set>
+                                      <p:cBhvr>
+                                        <p:cTn id="20" dur="1" fill="hold">
+                                          <p:stCondLst>
+                                            <p:cond delay="0"/>
+                                          </p:stCondLst>
+                                        </p:cTn>
                                         <p:tgtEl>
-                                          <p:spTgt spid="2">
-                                            <p:txEl>
-                                              <p:pRg st="3" end="3"/>
-                                            </p:txEl>
-                                          </p:spTgt>
+                                          <p:spTgt spid="9"/>
                                         </p:tgtEl>
                                         <p:attrNameLst>
-                                          <p:attrName>ppt_x</p:attrName>
+                                          <p:attrName>style.visibility</p:attrName>
                                         </p:attrNameLst>
                                       </p:cBhvr>
-                                      <p:tavLst>
-                                        <p:tav tm="0">
-                                          <p:val>
-                                            <p:strVal val="#ppt_x"/>
-                                          </p:val>
-                                        </p:tav>
-                                        <p:tav tm="100000">
-                                          <p:val>
-                                            <p:strVal val="#ppt_x"/>
-                                          </p:val>
-                                        </p:tav>
-                                      </p:tavLst>
-                                    </p:anim>
-                                    <p:anim calcmode="lin" valueType="num">
-                                      <p:cBhvr additive="base">
-                                        <p:cTn id="20" dur="500" fill="hold"/>
+                                      <p:to>
+                                        <p:strVal val="visible"/>
+                                      </p:to>
+                                    </p:set>
+                                  </p:childTnLst>
+                                </p:cTn>
+                              </p:par>
+                              <p:par>
+                                <p:cTn id="21" presetID="1" presetClass="entr" presetSubtype="0" fill="hold" nodeType="withEffect">
+                                  <p:stCondLst>
+                                    <p:cond delay="0"/>
+                                  </p:stCondLst>
+                                  <p:childTnLst>
+                                    <p:set>
+                                      <p:cBhvr>
+                                        <p:cTn id="22" dur="1" fill="hold">
+                                          <p:stCondLst>
+                                            <p:cond delay="0"/>
+                                          </p:stCondLst>
+                                        </p:cTn>
                                         <p:tgtEl>
-                                          <p:spTgt spid="2">
-                                            <p:txEl>
-                                              <p:pRg st="3" end="3"/>
-                                            </p:txEl>
-                                          </p:spTgt>
+                                          <p:spTgt spid="10"/>
                                         </p:tgtEl>
                                         <p:attrNameLst>
-                                          <p:attrName>ppt_y</p:attrName>
+                                          <p:attrName>style.visibility</p:attrName>
                                         </p:attrNameLst>
                                       </p:cBhvr>
-                                      <p:tavLst>
-                                        <p:tav tm="0">
-                                          <p:val>
-                                            <p:strVal val="1+#ppt_h/2"/>
-                                          </p:val>
-                                        </p:tav>
-                                        <p:tav tm="100000">
-                                          <p:val>
-                                            <p:strVal val="#ppt_y"/>
-                                          </p:val>
-                                        </p:tav>
-                                      </p:tavLst>
-                                    </p:anim>
+                                      <p:to>
+                                        <p:strVal val="visible"/>
+                                      </p:to>
+                                    </p:set>
                                   </p:childTnLst>
                                 </p:cTn>
                               </p:par>
@@ -29571,26 +26705,26 @@
                     </p:cTn>
                   </p:par>
                   <p:par>
-                    <p:cTn id="21" fill="hold">
+                    <p:cTn id="23" fill="hold">
                       <p:stCondLst>
                         <p:cond delay="indefinite"/>
                       </p:stCondLst>
                       <p:childTnLst>
                         <p:par>
-                          <p:cTn id="22" fill="hold">
+                          <p:cTn id="24" fill="hold">
                             <p:stCondLst>
                               <p:cond delay="0"/>
                             </p:stCondLst>
                             <p:childTnLst>
                               <p:par>
-                                <p:cTn id="23" presetID="2" presetClass="entr" presetSubtype="4" fill="hold" nodeType="clickEffect">
+                                <p:cTn id="25" presetID="1" presetClass="entr" presetSubtype="0" fill="hold" nodeType="clickEffect">
                                   <p:stCondLst>
                                     <p:cond delay="0"/>
                                   </p:stCondLst>
                                   <p:childTnLst>
                                     <p:set>
                                       <p:cBhvr>
-                                        <p:cTn id="24" dur="1" fill="hold">
+                                        <p:cTn id="26" dur="1" fill="hold">
                                           <p:stCondLst>
                                             <p:cond delay="0"/>
                                           </p:stCondLst>
@@ -29610,60 +26744,33 @@
                                         <p:strVal val="visible"/>
                                       </p:to>
                                     </p:set>
-                                    <p:anim calcmode="lin" valueType="num">
-                                      <p:cBhvr additive="base">
-                                        <p:cTn id="25" dur="500" fill="hold"/>
+                                  </p:childTnLst>
+                                </p:cTn>
+                              </p:par>
+                              <p:par>
+                                <p:cTn id="27" presetID="1" presetClass="entr" presetSubtype="0" fill="hold" nodeType="withEffect">
+                                  <p:stCondLst>
+                                    <p:cond delay="0"/>
+                                  </p:stCondLst>
+                                  <p:childTnLst>
+                                    <p:set>
+                                      <p:cBhvr>
+                                        <p:cTn id="28" dur="1" fill="hold">
+                                          <p:stCondLst>
+                                            <p:cond delay="0"/>
+                                          </p:stCondLst>
+                                        </p:cTn>
                                         <p:tgtEl>
-                                          <p:spTgt spid="2">
-                                            <p:txEl>
-                                              <p:pRg st="4" end="4"/>
-                                            </p:txEl>
-                                          </p:spTgt>
+                                          <p:spTgt spid="11"/>
                                         </p:tgtEl>
                                         <p:attrNameLst>
-                                          <p:attrName>ppt_x</p:attrName>
+                                          <p:attrName>style.visibility</p:attrName>
                                         </p:attrNameLst>
                                       </p:cBhvr>
-                                      <p:tavLst>
-                                        <p:tav tm="0">
-                                          <p:val>
-                                            <p:strVal val="#ppt_x"/>
-                                          </p:val>
-                                        </p:tav>
-                                        <p:tav tm="100000">
-                                          <p:val>
-                                            <p:strVal val="#ppt_x"/>
-                                          </p:val>
-                                        </p:tav>
-                                      </p:tavLst>
-                                    </p:anim>
-                                    <p:anim calcmode="lin" valueType="num">
-                                      <p:cBhvr additive="base">
-                                        <p:cTn id="26" dur="500" fill="hold"/>
-                                        <p:tgtEl>
-                                          <p:spTgt spid="2">
-                                            <p:txEl>
-                                              <p:pRg st="4" end="4"/>
-                                            </p:txEl>
-                                          </p:spTgt>
-                                        </p:tgtEl>
-                                        <p:attrNameLst>
-                                          <p:attrName>ppt_y</p:attrName>
-                                        </p:attrNameLst>
-                                      </p:cBhvr>
-                                      <p:tavLst>
-                                        <p:tav tm="0">
-                                          <p:val>
-                                            <p:strVal val="1+#ppt_h/2"/>
-                                          </p:val>
-                                        </p:tav>
-                                        <p:tav tm="100000">
-                                          <p:val>
-                                            <p:strVal val="#ppt_y"/>
-                                          </p:val>
-                                        </p:tav>
-                                      </p:tavLst>
-                                    </p:anim>
+                                      <p:to>
+                                        <p:strVal val="visible"/>
+                                      </p:to>
+                                    </p:set>
                                   </p:childTnLst>
                                 </p:cTn>
                               </p:par>
@@ -29819,9 +26926,9 @@
             <a:pPr>
               <a:defRPr/>
             </a:pPr>
-            <a:fld id="{554C2B53-FD2B-473F-8EE2-052ECEB5B916}" type="datetime1">
+            <a:fld id="{F2ED425C-C877-4C31-9F63-557BCC10A716}" type="datetime1">
               <a:rPr lang="de-DE" smtClean="0"/>
-              <a:t>09.08.2018</a:t>
+              <a:t>17.08.2018</a:t>
             </a:fld>
             <a:endParaRPr lang="de-DE" dirty="0"/>
           </a:p>
@@ -29970,7 +27077,7 @@
                             </p:stCondLst>
                             <p:childTnLst>
                               <p:par>
-                                <p:cTn id="5" presetID="2" presetClass="entr" presetSubtype="4" fill="hold" nodeType="clickEffect">
+                                <p:cTn id="5" presetID="1" presetClass="entr" presetSubtype="0" fill="hold" nodeType="clickEffect">
                                   <p:stCondLst>
                                     <p:cond delay="0"/>
                                   </p:stCondLst>
@@ -29993,52 +27100,6 @@
                                         <p:strVal val="visible"/>
                                       </p:to>
                                     </p:set>
-                                    <p:anim calcmode="lin" valueType="num">
-                                      <p:cBhvr additive="base">
-                                        <p:cTn id="7" dur="500" fill="hold"/>
-                                        <p:tgtEl>
-                                          <p:spTgt spid="8"/>
-                                        </p:tgtEl>
-                                        <p:attrNameLst>
-                                          <p:attrName>ppt_x</p:attrName>
-                                        </p:attrNameLst>
-                                      </p:cBhvr>
-                                      <p:tavLst>
-                                        <p:tav tm="0">
-                                          <p:val>
-                                            <p:strVal val="#ppt_x"/>
-                                          </p:val>
-                                        </p:tav>
-                                        <p:tav tm="100000">
-                                          <p:val>
-                                            <p:strVal val="#ppt_x"/>
-                                          </p:val>
-                                        </p:tav>
-                                      </p:tavLst>
-                                    </p:anim>
-                                    <p:anim calcmode="lin" valueType="num">
-                                      <p:cBhvr additive="base">
-                                        <p:cTn id="8" dur="500" fill="hold"/>
-                                        <p:tgtEl>
-                                          <p:spTgt spid="8"/>
-                                        </p:tgtEl>
-                                        <p:attrNameLst>
-                                          <p:attrName>ppt_y</p:attrName>
-                                        </p:attrNameLst>
-                                      </p:cBhvr>
-                                      <p:tavLst>
-                                        <p:tav tm="0">
-                                          <p:val>
-                                            <p:strVal val="1+#ppt_h/2"/>
-                                          </p:val>
-                                        </p:tav>
-                                        <p:tav tm="100000">
-                                          <p:val>
-                                            <p:strVal val="#ppt_y"/>
-                                          </p:val>
-                                        </p:tav>
-                                      </p:tavLst>
-                                    </p:anim>
                                   </p:childTnLst>
                                 </p:cTn>
                               </p:par>
@@ -30049,26 +27110,26 @@
                     </p:cTn>
                   </p:par>
                   <p:par>
-                    <p:cTn id="9" fill="hold">
+                    <p:cTn id="7" fill="hold">
                       <p:stCondLst>
                         <p:cond delay="indefinite"/>
                       </p:stCondLst>
                       <p:childTnLst>
                         <p:par>
-                          <p:cTn id="10" fill="hold">
+                          <p:cTn id="8" fill="hold">
                             <p:stCondLst>
                               <p:cond delay="0"/>
                             </p:stCondLst>
                             <p:childTnLst>
                               <p:par>
-                                <p:cTn id="11" presetID="2" presetClass="entr" presetSubtype="4" fill="hold" nodeType="clickEffect">
+                                <p:cTn id="9" presetID="1" presetClass="entr" presetSubtype="0" fill="hold" nodeType="clickEffect">
                                   <p:stCondLst>
                                     <p:cond delay="0"/>
                                   </p:stCondLst>
                                   <p:childTnLst>
                                     <p:set>
                                       <p:cBhvr>
-                                        <p:cTn id="12" dur="1" fill="hold">
+                                        <p:cTn id="10" dur="1" fill="hold">
                                           <p:stCondLst>
                                             <p:cond delay="0"/>
                                           </p:stCondLst>
@@ -30088,72 +27149,18 @@
                                         <p:strVal val="visible"/>
                                       </p:to>
                                     </p:set>
-                                    <p:anim calcmode="lin" valueType="num">
-                                      <p:cBhvr additive="base">
-                                        <p:cTn id="13" dur="500" fill="hold"/>
-                                        <p:tgtEl>
-                                          <p:spTgt spid="2">
-                                            <p:txEl>
-                                              <p:pRg st="7" end="7"/>
-                                            </p:txEl>
-                                          </p:spTgt>
-                                        </p:tgtEl>
-                                        <p:attrNameLst>
-                                          <p:attrName>ppt_x</p:attrName>
-                                        </p:attrNameLst>
-                                      </p:cBhvr>
-                                      <p:tavLst>
-                                        <p:tav tm="0">
-                                          <p:val>
-                                            <p:strVal val="#ppt_x"/>
-                                          </p:val>
-                                        </p:tav>
-                                        <p:tav tm="100000">
-                                          <p:val>
-                                            <p:strVal val="#ppt_x"/>
-                                          </p:val>
-                                        </p:tav>
-                                      </p:tavLst>
-                                    </p:anim>
-                                    <p:anim calcmode="lin" valueType="num">
-                                      <p:cBhvr additive="base">
-                                        <p:cTn id="14" dur="500" fill="hold"/>
-                                        <p:tgtEl>
-                                          <p:spTgt spid="2">
-                                            <p:txEl>
-                                              <p:pRg st="7" end="7"/>
-                                            </p:txEl>
-                                          </p:spTgt>
-                                        </p:tgtEl>
-                                        <p:attrNameLst>
-                                          <p:attrName>ppt_y</p:attrName>
-                                        </p:attrNameLst>
-                                      </p:cBhvr>
-                                      <p:tavLst>
-                                        <p:tav tm="0">
-                                          <p:val>
-                                            <p:strVal val="1+#ppt_h/2"/>
-                                          </p:val>
-                                        </p:tav>
-                                        <p:tav tm="100000">
-                                          <p:val>
-                                            <p:strVal val="#ppt_y"/>
-                                          </p:val>
-                                        </p:tav>
-                                      </p:tavLst>
-                                    </p:anim>
                                   </p:childTnLst>
                                 </p:cTn>
                               </p:par>
                               <p:par>
-                                <p:cTn id="15" presetID="2" presetClass="entr" presetSubtype="4" fill="hold" nodeType="withEffect">
+                                <p:cTn id="11" presetID="1" presetClass="entr" presetSubtype="0" fill="hold" nodeType="withEffect">
                                   <p:stCondLst>
                                     <p:cond delay="0"/>
                                   </p:stCondLst>
                                   <p:childTnLst>
                                     <p:set>
                                       <p:cBhvr>
-                                        <p:cTn id="16" dur="1" fill="hold">
+                                        <p:cTn id="12" dur="1" fill="hold">
                                           <p:stCondLst>
                                             <p:cond delay="0"/>
                                           </p:stCondLst>
@@ -30173,72 +27180,18 @@
                                         <p:strVal val="visible"/>
                                       </p:to>
                                     </p:set>
-                                    <p:anim calcmode="lin" valueType="num">
-                                      <p:cBhvr additive="base">
-                                        <p:cTn id="17" dur="500" fill="hold"/>
-                                        <p:tgtEl>
-                                          <p:spTgt spid="2">
-                                            <p:txEl>
-                                              <p:pRg st="8" end="8"/>
-                                            </p:txEl>
-                                          </p:spTgt>
-                                        </p:tgtEl>
-                                        <p:attrNameLst>
-                                          <p:attrName>ppt_x</p:attrName>
-                                        </p:attrNameLst>
-                                      </p:cBhvr>
-                                      <p:tavLst>
-                                        <p:tav tm="0">
-                                          <p:val>
-                                            <p:strVal val="#ppt_x"/>
-                                          </p:val>
-                                        </p:tav>
-                                        <p:tav tm="100000">
-                                          <p:val>
-                                            <p:strVal val="#ppt_x"/>
-                                          </p:val>
-                                        </p:tav>
-                                      </p:tavLst>
-                                    </p:anim>
-                                    <p:anim calcmode="lin" valueType="num">
-                                      <p:cBhvr additive="base">
-                                        <p:cTn id="18" dur="500" fill="hold"/>
-                                        <p:tgtEl>
-                                          <p:spTgt spid="2">
-                                            <p:txEl>
-                                              <p:pRg st="8" end="8"/>
-                                            </p:txEl>
-                                          </p:spTgt>
-                                        </p:tgtEl>
-                                        <p:attrNameLst>
-                                          <p:attrName>ppt_y</p:attrName>
-                                        </p:attrNameLst>
-                                      </p:cBhvr>
-                                      <p:tavLst>
-                                        <p:tav tm="0">
-                                          <p:val>
-                                            <p:strVal val="1+#ppt_h/2"/>
-                                          </p:val>
-                                        </p:tav>
-                                        <p:tav tm="100000">
-                                          <p:val>
-                                            <p:strVal val="#ppt_y"/>
-                                          </p:val>
-                                        </p:tav>
-                                      </p:tavLst>
-                                    </p:anim>
                                   </p:childTnLst>
                                 </p:cTn>
                               </p:par>
                               <p:par>
-                                <p:cTn id="19" presetID="2" presetClass="entr" presetSubtype="4" fill="hold" nodeType="withEffect">
+                                <p:cTn id="13" presetID="1" presetClass="entr" presetSubtype="0" fill="hold" nodeType="withEffect">
                                   <p:stCondLst>
                                     <p:cond delay="0"/>
                                   </p:stCondLst>
                                   <p:childTnLst>
                                     <p:set>
                                       <p:cBhvr>
-                                        <p:cTn id="20" dur="1" fill="hold">
+                                        <p:cTn id="14" dur="1" fill="hold">
                                           <p:stCondLst>
                                             <p:cond delay="0"/>
                                           </p:stCondLst>
@@ -30258,60 +27211,6 @@
                                         <p:strVal val="visible"/>
                                       </p:to>
                                     </p:set>
-                                    <p:anim calcmode="lin" valueType="num">
-                                      <p:cBhvr additive="base">
-                                        <p:cTn id="21" dur="500" fill="hold"/>
-                                        <p:tgtEl>
-                                          <p:spTgt spid="2">
-                                            <p:txEl>
-                                              <p:pRg st="9" end="9"/>
-                                            </p:txEl>
-                                          </p:spTgt>
-                                        </p:tgtEl>
-                                        <p:attrNameLst>
-                                          <p:attrName>ppt_x</p:attrName>
-                                        </p:attrNameLst>
-                                      </p:cBhvr>
-                                      <p:tavLst>
-                                        <p:tav tm="0">
-                                          <p:val>
-                                            <p:strVal val="#ppt_x"/>
-                                          </p:val>
-                                        </p:tav>
-                                        <p:tav tm="100000">
-                                          <p:val>
-                                            <p:strVal val="#ppt_x"/>
-                                          </p:val>
-                                        </p:tav>
-                                      </p:tavLst>
-                                    </p:anim>
-                                    <p:anim calcmode="lin" valueType="num">
-                                      <p:cBhvr additive="base">
-                                        <p:cTn id="22" dur="500" fill="hold"/>
-                                        <p:tgtEl>
-                                          <p:spTgt spid="2">
-                                            <p:txEl>
-                                              <p:pRg st="9" end="9"/>
-                                            </p:txEl>
-                                          </p:spTgt>
-                                        </p:tgtEl>
-                                        <p:attrNameLst>
-                                          <p:attrName>ppt_y</p:attrName>
-                                        </p:attrNameLst>
-                                      </p:cBhvr>
-                                      <p:tavLst>
-                                        <p:tav tm="0">
-                                          <p:val>
-                                            <p:strVal val="1+#ppt_h/2"/>
-                                          </p:val>
-                                        </p:tav>
-                                        <p:tav tm="100000">
-                                          <p:val>
-                                            <p:strVal val="#ppt_y"/>
-                                          </p:val>
-                                        </p:tav>
-                                      </p:tavLst>
-                                    </p:anim>
                                   </p:childTnLst>
                                 </p:cTn>
                               </p:par>
@@ -30322,26 +27221,26 @@
                     </p:cTn>
                   </p:par>
                   <p:par>
-                    <p:cTn id="23" fill="hold">
+                    <p:cTn id="15" fill="hold">
                       <p:stCondLst>
                         <p:cond delay="indefinite"/>
                       </p:stCondLst>
                       <p:childTnLst>
                         <p:par>
-                          <p:cTn id="24" fill="hold">
+                          <p:cTn id="16" fill="hold">
                             <p:stCondLst>
                               <p:cond delay="0"/>
                             </p:stCondLst>
                             <p:childTnLst>
                               <p:par>
-                                <p:cTn id="25" presetID="2" presetClass="entr" presetSubtype="4" fill="hold" nodeType="clickEffect">
+                                <p:cTn id="17" presetID="1" presetClass="entr" presetSubtype="0" fill="hold" nodeType="clickEffect">
                                   <p:stCondLst>
                                     <p:cond delay="0"/>
                                   </p:stCondLst>
                                   <p:childTnLst>
                                     <p:set>
                                       <p:cBhvr>
-                                        <p:cTn id="26" dur="1" fill="hold">
+                                        <p:cTn id="18" dur="1" fill="hold">
                                           <p:stCondLst>
                                             <p:cond delay="0"/>
                                           </p:stCondLst>
@@ -30361,72 +27260,18 @@
                                         <p:strVal val="visible"/>
                                       </p:to>
                                     </p:set>
-                                    <p:anim calcmode="lin" valueType="num">
-                                      <p:cBhvr additive="base">
-                                        <p:cTn id="27" dur="500" fill="hold"/>
-                                        <p:tgtEl>
-                                          <p:spTgt spid="2">
-                                            <p:txEl>
-                                              <p:pRg st="11" end="11"/>
-                                            </p:txEl>
-                                          </p:spTgt>
-                                        </p:tgtEl>
-                                        <p:attrNameLst>
-                                          <p:attrName>ppt_x</p:attrName>
-                                        </p:attrNameLst>
-                                      </p:cBhvr>
-                                      <p:tavLst>
-                                        <p:tav tm="0">
-                                          <p:val>
-                                            <p:strVal val="#ppt_x"/>
-                                          </p:val>
-                                        </p:tav>
-                                        <p:tav tm="100000">
-                                          <p:val>
-                                            <p:strVal val="#ppt_x"/>
-                                          </p:val>
-                                        </p:tav>
-                                      </p:tavLst>
-                                    </p:anim>
-                                    <p:anim calcmode="lin" valueType="num">
-                                      <p:cBhvr additive="base">
-                                        <p:cTn id="28" dur="500" fill="hold"/>
-                                        <p:tgtEl>
-                                          <p:spTgt spid="2">
-                                            <p:txEl>
-                                              <p:pRg st="11" end="11"/>
-                                            </p:txEl>
-                                          </p:spTgt>
-                                        </p:tgtEl>
-                                        <p:attrNameLst>
-                                          <p:attrName>ppt_y</p:attrName>
-                                        </p:attrNameLst>
-                                      </p:cBhvr>
-                                      <p:tavLst>
-                                        <p:tav tm="0">
-                                          <p:val>
-                                            <p:strVal val="1+#ppt_h/2"/>
-                                          </p:val>
-                                        </p:tav>
-                                        <p:tav tm="100000">
-                                          <p:val>
-                                            <p:strVal val="#ppt_y"/>
-                                          </p:val>
-                                        </p:tav>
-                                      </p:tavLst>
-                                    </p:anim>
                                   </p:childTnLst>
                                 </p:cTn>
                               </p:par>
                               <p:par>
-                                <p:cTn id="29" presetID="2" presetClass="entr" presetSubtype="4" fill="hold" nodeType="withEffect">
+                                <p:cTn id="19" presetID="1" presetClass="entr" presetSubtype="0" fill="hold" nodeType="withEffect">
                                   <p:stCondLst>
                                     <p:cond delay="0"/>
                                   </p:stCondLst>
                                   <p:childTnLst>
                                     <p:set>
                                       <p:cBhvr>
-                                        <p:cTn id="30" dur="1" fill="hold">
+                                        <p:cTn id="20" dur="1" fill="hold">
                                           <p:stCondLst>
                                             <p:cond delay="0"/>
                                           </p:stCondLst>
@@ -30446,72 +27291,18 @@
                                         <p:strVal val="visible"/>
                                       </p:to>
                                     </p:set>
-                                    <p:anim calcmode="lin" valueType="num">
-                                      <p:cBhvr additive="base">
-                                        <p:cTn id="31" dur="500" fill="hold"/>
-                                        <p:tgtEl>
-                                          <p:spTgt spid="2">
-                                            <p:txEl>
-                                              <p:pRg st="12" end="12"/>
-                                            </p:txEl>
-                                          </p:spTgt>
-                                        </p:tgtEl>
-                                        <p:attrNameLst>
-                                          <p:attrName>ppt_x</p:attrName>
-                                        </p:attrNameLst>
-                                      </p:cBhvr>
-                                      <p:tavLst>
-                                        <p:tav tm="0">
-                                          <p:val>
-                                            <p:strVal val="#ppt_x"/>
-                                          </p:val>
-                                        </p:tav>
-                                        <p:tav tm="100000">
-                                          <p:val>
-                                            <p:strVal val="#ppt_x"/>
-                                          </p:val>
-                                        </p:tav>
-                                      </p:tavLst>
-                                    </p:anim>
-                                    <p:anim calcmode="lin" valueType="num">
-                                      <p:cBhvr additive="base">
-                                        <p:cTn id="32" dur="500" fill="hold"/>
-                                        <p:tgtEl>
-                                          <p:spTgt spid="2">
-                                            <p:txEl>
-                                              <p:pRg st="12" end="12"/>
-                                            </p:txEl>
-                                          </p:spTgt>
-                                        </p:tgtEl>
-                                        <p:attrNameLst>
-                                          <p:attrName>ppt_y</p:attrName>
-                                        </p:attrNameLst>
-                                      </p:cBhvr>
-                                      <p:tavLst>
-                                        <p:tav tm="0">
-                                          <p:val>
-                                            <p:strVal val="1+#ppt_h/2"/>
-                                          </p:val>
-                                        </p:tav>
-                                        <p:tav tm="100000">
-                                          <p:val>
-                                            <p:strVal val="#ppt_y"/>
-                                          </p:val>
-                                        </p:tav>
-                                      </p:tavLst>
-                                    </p:anim>
                                   </p:childTnLst>
                                 </p:cTn>
                               </p:par>
                               <p:par>
-                                <p:cTn id="33" presetID="2" presetClass="entr" presetSubtype="4" fill="hold" nodeType="withEffect">
+                                <p:cTn id="21" presetID="1" presetClass="entr" presetSubtype="0" fill="hold" nodeType="withEffect">
                                   <p:stCondLst>
                                     <p:cond delay="0"/>
                                   </p:stCondLst>
                                   <p:childTnLst>
                                     <p:set>
                                       <p:cBhvr>
-                                        <p:cTn id="34" dur="1" fill="hold">
+                                        <p:cTn id="22" dur="1" fill="hold">
                                           <p:stCondLst>
                                             <p:cond delay="0"/>
                                           </p:stCondLst>
@@ -30531,60 +27322,6 @@
                                         <p:strVal val="visible"/>
                                       </p:to>
                                     </p:set>
-                                    <p:anim calcmode="lin" valueType="num">
-                                      <p:cBhvr additive="base">
-                                        <p:cTn id="35" dur="500" fill="hold"/>
-                                        <p:tgtEl>
-                                          <p:spTgt spid="2">
-                                            <p:txEl>
-                                              <p:pRg st="13" end="13"/>
-                                            </p:txEl>
-                                          </p:spTgt>
-                                        </p:tgtEl>
-                                        <p:attrNameLst>
-                                          <p:attrName>ppt_x</p:attrName>
-                                        </p:attrNameLst>
-                                      </p:cBhvr>
-                                      <p:tavLst>
-                                        <p:tav tm="0">
-                                          <p:val>
-                                            <p:strVal val="#ppt_x"/>
-                                          </p:val>
-                                        </p:tav>
-                                        <p:tav tm="100000">
-                                          <p:val>
-                                            <p:strVal val="#ppt_x"/>
-                                          </p:val>
-                                        </p:tav>
-                                      </p:tavLst>
-                                    </p:anim>
-                                    <p:anim calcmode="lin" valueType="num">
-                                      <p:cBhvr additive="base">
-                                        <p:cTn id="36" dur="500" fill="hold"/>
-                                        <p:tgtEl>
-                                          <p:spTgt spid="2">
-                                            <p:txEl>
-                                              <p:pRg st="13" end="13"/>
-                                            </p:txEl>
-                                          </p:spTgt>
-                                        </p:tgtEl>
-                                        <p:attrNameLst>
-                                          <p:attrName>ppt_y</p:attrName>
-                                        </p:attrNameLst>
-                                      </p:cBhvr>
-                                      <p:tavLst>
-                                        <p:tav tm="0">
-                                          <p:val>
-                                            <p:strVal val="1+#ppt_h/2"/>
-                                          </p:val>
-                                        </p:tav>
-                                        <p:tav tm="100000">
-                                          <p:val>
-                                            <p:strVal val="#ppt_y"/>
-                                          </p:val>
-                                        </p:tav>
-                                      </p:tavLst>
-                                    </p:anim>
                                   </p:childTnLst>
                                 </p:cTn>
                               </p:par>
@@ -30740,9 +27477,9 @@
             <a:pPr>
               <a:defRPr/>
             </a:pPr>
-            <a:fld id="{D4CABC69-31DB-45D5-AE93-F2D14B16454F}" type="datetime1">
+            <a:fld id="{95B3BF2C-FA7B-44F9-B240-F706DE93F676}" type="datetime1">
               <a:rPr lang="de-DE" smtClean="0"/>
-              <a:t>09.08.2018</a:t>
+              <a:t>17.08.2018</a:t>
             </a:fld>
             <a:endParaRPr lang="de-DE" dirty="0"/>
           </a:p>
@@ -30885,7 +27622,7 @@
                             </p:stCondLst>
                             <p:childTnLst>
                               <p:par>
-                                <p:cTn id="5" presetID="2" presetClass="entr" presetSubtype="4" fill="hold" nodeType="clickEffect">
+                                <p:cTn id="5" presetID="1" presetClass="entr" presetSubtype="0" fill="hold" nodeType="clickEffect">
                                   <p:stCondLst>
                                     <p:cond delay="0"/>
                                   </p:stCondLst>
@@ -30908,52 +27645,6 @@
                                         <p:strVal val="visible"/>
                                       </p:to>
                                     </p:set>
-                                    <p:anim calcmode="lin" valueType="num">
-                                      <p:cBhvr additive="base">
-                                        <p:cTn id="7" dur="500" fill="hold"/>
-                                        <p:tgtEl>
-                                          <p:spTgt spid="8"/>
-                                        </p:tgtEl>
-                                        <p:attrNameLst>
-                                          <p:attrName>ppt_x</p:attrName>
-                                        </p:attrNameLst>
-                                      </p:cBhvr>
-                                      <p:tavLst>
-                                        <p:tav tm="0">
-                                          <p:val>
-                                            <p:strVal val="#ppt_x"/>
-                                          </p:val>
-                                        </p:tav>
-                                        <p:tav tm="100000">
-                                          <p:val>
-                                            <p:strVal val="#ppt_x"/>
-                                          </p:val>
-                                        </p:tav>
-                                      </p:tavLst>
-                                    </p:anim>
-                                    <p:anim calcmode="lin" valueType="num">
-                                      <p:cBhvr additive="base">
-                                        <p:cTn id="8" dur="500" fill="hold"/>
-                                        <p:tgtEl>
-                                          <p:spTgt spid="8"/>
-                                        </p:tgtEl>
-                                        <p:attrNameLst>
-                                          <p:attrName>ppt_y</p:attrName>
-                                        </p:attrNameLst>
-                                      </p:cBhvr>
-                                      <p:tavLst>
-                                        <p:tav tm="0">
-                                          <p:val>
-                                            <p:strVal val="1+#ppt_h/2"/>
-                                          </p:val>
-                                        </p:tav>
-                                        <p:tav tm="100000">
-                                          <p:val>
-                                            <p:strVal val="#ppt_y"/>
-                                          </p:val>
-                                        </p:tav>
-                                      </p:tavLst>
-                                    </p:anim>
                                   </p:childTnLst>
                                 </p:cTn>
                               </p:par>
@@ -30964,26 +27655,26 @@
                     </p:cTn>
                   </p:par>
                   <p:par>
-                    <p:cTn id="9" fill="hold">
+                    <p:cTn id="7" fill="hold">
                       <p:stCondLst>
                         <p:cond delay="indefinite"/>
                       </p:stCondLst>
                       <p:childTnLst>
                         <p:par>
-                          <p:cTn id="10" fill="hold">
+                          <p:cTn id="8" fill="hold">
                             <p:stCondLst>
                               <p:cond delay="0"/>
                             </p:stCondLst>
                             <p:childTnLst>
                               <p:par>
-                                <p:cTn id="11" presetID="2" presetClass="entr" presetSubtype="4" fill="hold" nodeType="clickEffect">
+                                <p:cTn id="9" presetID="1" presetClass="entr" presetSubtype="0" fill="hold" nodeType="clickEffect">
                                   <p:stCondLst>
                                     <p:cond delay="0"/>
                                   </p:stCondLst>
                                   <p:childTnLst>
                                     <p:set>
                                       <p:cBhvr>
-                                        <p:cTn id="12" dur="1" fill="hold">
+                                        <p:cTn id="10" dur="1" fill="hold">
                                           <p:stCondLst>
                                             <p:cond delay="0"/>
                                           </p:stCondLst>
@@ -31003,72 +27694,18 @@
                                         <p:strVal val="visible"/>
                                       </p:to>
                                     </p:set>
-                                    <p:anim calcmode="lin" valueType="num">
-                                      <p:cBhvr additive="base">
-                                        <p:cTn id="13" dur="500" fill="hold"/>
-                                        <p:tgtEl>
-                                          <p:spTgt spid="2">
-                                            <p:txEl>
-                                              <p:pRg st="7" end="7"/>
-                                            </p:txEl>
-                                          </p:spTgt>
-                                        </p:tgtEl>
-                                        <p:attrNameLst>
-                                          <p:attrName>ppt_x</p:attrName>
-                                        </p:attrNameLst>
-                                      </p:cBhvr>
-                                      <p:tavLst>
-                                        <p:tav tm="0">
-                                          <p:val>
-                                            <p:strVal val="#ppt_x"/>
-                                          </p:val>
-                                        </p:tav>
-                                        <p:tav tm="100000">
-                                          <p:val>
-                                            <p:strVal val="#ppt_x"/>
-                                          </p:val>
-                                        </p:tav>
-                                      </p:tavLst>
-                                    </p:anim>
-                                    <p:anim calcmode="lin" valueType="num">
-                                      <p:cBhvr additive="base">
-                                        <p:cTn id="14" dur="500" fill="hold"/>
-                                        <p:tgtEl>
-                                          <p:spTgt spid="2">
-                                            <p:txEl>
-                                              <p:pRg st="7" end="7"/>
-                                            </p:txEl>
-                                          </p:spTgt>
-                                        </p:tgtEl>
-                                        <p:attrNameLst>
-                                          <p:attrName>ppt_y</p:attrName>
-                                        </p:attrNameLst>
-                                      </p:cBhvr>
-                                      <p:tavLst>
-                                        <p:tav tm="0">
-                                          <p:val>
-                                            <p:strVal val="1+#ppt_h/2"/>
-                                          </p:val>
-                                        </p:tav>
-                                        <p:tav tm="100000">
-                                          <p:val>
-                                            <p:strVal val="#ppt_y"/>
-                                          </p:val>
-                                        </p:tav>
-                                      </p:tavLst>
-                                    </p:anim>
                                   </p:childTnLst>
                                 </p:cTn>
                               </p:par>
                               <p:par>
-                                <p:cTn id="15" presetID="2" presetClass="entr" presetSubtype="4" fill="hold" nodeType="withEffect">
+                                <p:cTn id="11" presetID="1" presetClass="entr" presetSubtype="0" fill="hold" nodeType="withEffect">
                                   <p:stCondLst>
                                     <p:cond delay="0"/>
                                   </p:stCondLst>
                                   <p:childTnLst>
                                     <p:set>
                                       <p:cBhvr>
-                                        <p:cTn id="16" dur="1" fill="hold">
+                                        <p:cTn id="12" dur="1" fill="hold">
                                           <p:stCondLst>
                                             <p:cond delay="0"/>
                                           </p:stCondLst>
@@ -31088,72 +27725,18 @@
                                         <p:strVal val="visible"/>
                                       </p:to>
                                     </p:set>
-                                    <p:anim calcmode="lin" valueType="num">
-                                      <p:cBhvr additive="base">
-                                        <p:cTn id="17" dur="500" fill="hold"/>
-                                        <p:tgtEl>
-                                          <p:spTgt spid="2">
-                                            <p:txEl>
-                                              <p:pRg st="8" end="8"/>
-                                            </p:txEl>
-                                          </p:spTgt>
-                                        </p:tgtEl>
-                                        <p:attrNameLst>
-                                          <p:attrName>ppt_x</p:attrName>
-                                        </p:attrNameLst>
-                                      </p:cBhvr>
-                                      <p:tavLst>
-                                        <p:tav tm="0">
-                                          <p:val>
-                                            <p:strVal val="#ppt_x"/>
-                                          </p:val>
-                                        </p:tav>
-                                        <p:tav tm="100000">
-                                          <p:val>
-                                            <p:strVal val="#ppt_x"/>
-                                          </p:val>
-                                        </p:tav>
-                                      </p:tavLst>
-                                    </p:anim>
-                                    <p:anim calcmode="lin" valueType="num">
-                                      <p:cBhvr additive="base">
-                                        <p:cTn id="18" dur="500" fill="hold"/>
-                                        <p:tgtEl>
-                                          <p:spTgt spid="2">
-                                            <p:txEl>
-                                              <p:pRg st="8" end="8"/>
-                                            </p:txEl>
-                                          </p:spTgt>
-                                        </p:tgtEl>
-                                        <p:attrNameLst>
-                                          <p:attrName>ppt_y</p:attrName>
-                                        </p:attrNameLst>
-                                      </p:cBhvr>
-                                      <p:tavLst>
-                                        <p:tav tm="0">
-                                          <p:val>
-                                            <p:strVal val="1+#ppt_h/2"/>
-                                          </p:val>
-                                        </p:tav>
-                                        <p:tav tm="100000">
-                                          <p:val>
-                                            <p:strVal val="#ppt_y"/>
-                                          </p:val>
-                                        </p:tav>
-                                      </p:tavLst>
-                                    </p:anim>
                                   </p:childTnLst>
                                 </p:cTn>
                               </p:par>
                               <p:par>
-                                <p:cTn id="19" presetID="2" presetClass="entr" presetSubtype="4" fill="hold" nodeType="withEffect">
+                                <p:cTn id="13" presetID="1" presetClass="entr" presetSubtype="0" fill="hold" nodeType="withEffect">
                                   <p:stCondLst>
                                     <p:cond delay="0"/>
                                   </p:stCondLst>
                                   <p:childTnLst>
                                     <p:set>
                                       <p:cBhvr>
-                                        <p:cTn id="20" dur="1" fill="hold">
+                                        <p:cTn id="14" dur="1" fill="hold">
                                           <p:stCondLst>
                                             <p:cond delay="0"/>
                                           </p:stCondLst>
@@ -31173,60 +27756,6 @@
                                         <p:strVal val="visible"/>
                                       </p:to>
                                     </p:set>
-                                    <p:anim calcmode="lin" valueType="num">
-                                      <p:cBhvr additive="base">
-                                        <p:cTn id="21" dur="500" fill="hold"/>
-                                        <p:tgtEl>
-                                          <p:spTgt spid="2">
-                                            <p:txEl>
-                                              <p:pRg st="9" end="9"/>
-                                            </p:txEl>
-                                          </p:spTgt>
-                                        </p:tgtEl>
-                                        <p:attrNameLst>
-                                          <p:attrName>ppt_x</p:attrName>
-                                        </p:attrNameLst>
-                                      </p:cBhvr>
-                                      <p:tavLst>
-                                        <p:tav tm="0">
-                                          <p:val>
-                                            <p:strVal val="#ppt_x"/>
-                                          </p:val>
-                                        </p:tav>
-                                        <p:tav tm="100000">
-                                          <p:val>
-                                            <p:strVal val="#ppt_x"/>
-                                          </p:val>
-                                        </p:tav>
-                                      </p:tavLst>
-                                    </p:anim>
-                                    <p:anim calcmode="lin" valueType="num">
-                                      <p:cBhvr additive="base">
-                                        <p:cTn id="22" dur="500" fill="hold"/>
-                                        <p:tgtEl>
-                                          <p:spTgt spid="2">
-                                            <p:txEl>
-                                              <p:pRg st="9" end="9"/>
-                                            </p:txEl>
-                                          </p:spTgt>
-                                        </p:tgtEl>
-                                        <p:attrNameLst>
-                                          <p:attrName>ppt_y</p:attrName>
-                                        </p:attrNameLst>
-                                      </p:cBhvr>
-                                      <p:tavLst>
-                                        <p:tav tm="0">
-                                          <p:val>
-                                            <p:strVal val="1+#ppt_h/2"/>
-                                          </p:val>
-                                        </p:tav>
-                                        <p:tav tm="100000">
-                                          <p:val>
-                                            <p:strVal val="#ppt_y"/>
-                                          </p:val>
-                                        </p:tav>
-                                      </p:tavLst>
-                                    </p:anim>
                                   </p:childTnLst>
                                 </p:cTn>
                               </p:par>
@@ -31237,26 +27766,26 @@
                     </p:cTn>
                   </p:par>
                   <p:par>
-                    <p:cTn id="23" fill="hold">
+                    <p:cTn id="15" fill="hold">
                       <p:stCondLst>
                         <p:cond delay="indefinite"/>
                       </p:stCondLst>
                       <p:childTnLst>
                         <p:par>
-                          <p:cTn id="24" fill="hold">
+                          <p:cTn id="16" fill="hold">
                             <p:stCondLst>
                               <p:cond delay="0"/>
                             </p:stCondLst>
                             <p:childTnLst>
                               <p:par>
-                                <p:cTn id="25" presetID="2" presetClass="entr" presetSubtype="4" fill="hold" nodeType="clickEffect">
+                                <p:cTn id="17" presetID="1" presetClass="entr" presetSubtype="0" fill="hold" nodeType="clickEffect">
                                   <p:stCondLst>
                                     <p:cond delay="0"/>
                                   </p:stCondLst>
                                   <p:childTnLst>
                                     <p:set>
                                       <p:cBhvr>
-                                        <p:cTn id="26" dur="1" fill="hold">
+                                        <p:cTn id="18" dur="1" fill="hold">
                                           <p:stCondLst>
                                             <p:cond delay="0"/>
                                           </p:stCondLst>
@@ -31276,72 +27805,18 @@
                                         <p:strVal val="visible"/>
                                       </p:to>
                                     </p:set>
-                                    <p:anim calcmode="lin" valueType="num">
-                                      <p:cBhvr additive="base">
-                                        <p:cTn id="27" dur="500" fill="hold"/>
-                                        <p:tgtEl>
-                                          <p:spTgt spid="2">
-                                            <p:txEl>
-                                              <p:pRg st="11" end="11"/>
-                                            </p:txEl>
-                                          </p:spTgt>
-                                        </p:tgtEl>
-                                        <p:attrNameLst>
-                                          <p:attrName>ppt_x</p:attrName>
-                                        </p:attrNameLst>
-                                      </p:cBhvr>
-                                      <p:tavLst>
-                                        <p:tav tm="0">
-                                          <p:val>
-                                            <p:strVal val="#ppt_x"/>
-                                          </p:val>
-                                        </p:tav>
-                                        <p:tav tm="100000">
-                                          <p:val>
-                                            <p:strVal val="#ppt_x"/>
-                                          </p:val>
-                                        </p:tav>
-                                      </p:tavLst>
-                                    </p:anim>
-                                    <p:anim calcmode="lin" valueType="num">
-                                      <p:cBhvr additive="base">
-                                        <p:cTn id="28" dur="500" fill="hold"/>
-                                        <p:tgtEl>
-                                          <p:spTgt spid="2">
-                                            <p:txEl>
-                                              <p:pRg st="11" end="11"/>
-                                            </p:txEl>
-                                          </p:spTgt>
-                                        </p:tgtEl>
-                                        <p:attrNameLst>
-                                          <p:attrName>ppt_y</p:attrName>
-                                        </p:attrNameLst>
-                                      </p:cBhvr>
-                                      <p:tavLst>
-                                        <p:tav tm="0">
-                                          <p:val>
-                                            <p:strVal val="1+#ppt_h/2"/>
-                                          </p:val>
-                                        </p:tav>
-                                        <p:tav tm="100000">
-                                          <p:val>
-                                            <p:strVal val="#ppt_y"/>
-                                          </p:val>
-                                        </p:tav>
-                                      </p:tavLst>
-                                    </p:anim>
                                   </p:childTnLst>
                                 </p:cTn>
                               </p:par>
                               <p:par>
-                                <p:cTn id="29" presetID="2" presetClass="entr" presetSubtype="4" fill="hold" nodeType="withEffect">
+                                <p:cTn id="19" presetID="1" presetClass="entr" presetSubtype="0" fill="hold" nodeType="withEffect">
                                   <p:stCondLst>
                                     <p:cond delay="0"/>
                                   </p:stCondLst>
                                   <p:childTnLst>
                                     <p:set>
                                       <p:cBhvr>
-                                        <p:cTn id="30" dur="1" fill="hold">
+                                        <p:cTn id="20" dur="1" fill="hold">
                                           <p:stCondLst>
                                             <p:cond delay="0"/>
                                           </p:stCondLst>
@@ -31361,72 +27836,18 @@
                                         <p:strVal val="visible"/>
                                       </p:to>
                                     </p:set>
-                                    <p:anim calcmode="lin" valueType="num">
-                                      <p:cBhvr additive="base">
-                                        <p:cTn id="31" dur="500" fill="hold"/>
-                                        <p:tgtEl>
-                                          <p:spTgt spid="2">
-                                            <p:txEl>
-                                              <p:pRg st="12" end="12"/>
-                                            </p:txEl>
-                                          </p:spTgt>
-                                        </p:tgtEl>
-                                        <p:attrNameLst>
-                                          <p:attrName>ppt_x</p:attrName>
-                                        </p:attrNameLst>
-                                      </p:cBhvr>
-                                      <p:tavLst>
-                                        <p:tav tm="0">
-                                          <p:val>
-                                            <p:strVal val="#ppt_x"/>
-                                          </p:val>
-                                        </p:tav>
-                                        <p:tav tm="100000">
-                                          <p:val>
-                                            <p:strVal val="#ppt_x"/>
-                                          </p:val>
-                                        </p:tav>
-                                      </p:tavLst>
-                                    </p:anim>
-                                    <p:anim calcmode="lin" valueType="num">
-                                      <p:cBhvr additive="base">
-                                        <p:cTn id="32" dur="500" fill="hold"/>
-                                        <p:tgtEl>
-                                          <p:spTgt spid="2">
-                                            <p:txEl>
-                                              <p:pRg st="12" end="12"/>
-                                            </p:txEl>
-                                          </p:spTgt>
-                                        </p:tgtEl>
-                                        <p:attrNameLst>
-                                          <p:attrName>ppt_y</p:attrName>
-                                        </p:attrNameLst>
-                                      </p:cBhvr>
-                                      <p:tavLst>
-                                        <p:tav tm="0">
-                                          <p:val>
-                                            <p:strVal val="1+#ppt_h/2"/>
-                                          </p:val>
-                                        </p:tav>
-                                        <p:tav tm="100000">
-                                          <p:val>
-                                            <p:strVal val="#ppt_y"/>
-                                          </p:val>
-                                        </p:tav>
-                                      </p:tavLst>
-                                    </p:anim>
                                   </p:childTnLst>
                                 </p:cTn>
                               </p:par>
                               <p:par>
-                                <p:cTn id="33" presetID="2" presetClass="entr" presetSubtype="4" fill="hold" nodeType="withEffect">
+                                <p:cTn id="21" presetID="1" presetClass="entr" presetSubtype="0" fill="hold" nodeType="withEffect">
                                   <p:stCondLst>
                                     <p:cond delay="0"/>
                                   </p:stCondLst>
                                   <p:childTnLst>
                                     <p:set>
                                       <p:cBhvr>
-                                        <p:cTn id="34" dur="1" fill="hold">
+                                        <p:cTn id="22" dur="1" fill="hold">
                                           <p:stCondLst>
                                             <p:cond delay="0"/>
                                           </p:stCondLst>
@@ -31446,60 +27867,6 @@
                                         <p:strVal val="visible"/>
                                       </p:to>
                                     </p:set>
-                                    <p:anim calcmode="lin" valueType="num">
-                                      <p:cBhvr additive="base">
-                                        <p:cTn id="35" dur="500" fill="hold"/>
-                                        <p:tgtEl>
-                                          <p:spTgt spid="2">
-                                            <p:txEl>
-                                              <p:pRg st="13" end="13"/>
-                                            </p:txEl>
-                                          </p:spTgt>
-                                        </p:tgtEl>
-                                        <p:attrNameLst>
-                                          <p:attrName>ppt_x</p:attrName>
-                                        </p:attrNameLst>
-                                      </p:cBhvr>
-                                      <p:tavLst>
-                                        <p:tav tm="0">
-                                          <p:val>
-                                            <p:strVal val="#ppt_x"/>
-                                          </p:val>
-                                        </p:tav>
-                                        <p:tav tm="100000">
-                                          <p:val>
-                                            <p:strVal val="#ppt_x"/>
-                                          </p:val>
-                                        </p:tav>
-                                      </p:tavLst>
-                                    </p:anim>
-                                    <p:anim calcmode="lin" valueType="num">
-                                      <p:cBhvr additive="base">
-                                        <p:cTn id="36" dur="500" fill="hold"/>
-                                        <p:tgtEl>
-                                          <p:spTgt spid="2">
-                                            <p:txEl>
-                                              <p:pRg st="13" end="13"/>
-                                            </p:txEl>
-                                          </p:spTgt>
-                                        </p:tgtEl>
-                                        <p:attrNameLst>
-                                          <p:attrName>ppt_y</p:attrName>
-                                        </p:attrNameLst>
-                                      </p:cBhvr>
-                                      <p:tavLst>
-                                        <p:tav tm="0">
-                                          <p:val>
-                                            <p:strVal val="1+#ppt_h/2"/>
-                                          </p:val>
-                                        </p:tav>
-                                        <p:tav tm="100000">
-                                          <p:val>
-                                            <p:strVal val="#ppt_y"/>
-                                          </p:val>
-                                        </p:tav>
-                                      </p:tavLst>
-                                    </p:anim>
                                   </p:childTnLst>
                                 </p:cTn>
                               </p:par>
@@ -31727,9 +28094,9 @@
             <a:pPr>
               <a:defRPr/>
             </a:pPr>
-            <a:fld id="{7C19136F-A910-4FB0-ACF8-AEB668541EC5}" type="datetime1">
+            <a:fld id="{71EA42B9-50E9-4FA7-B9B8-35E6EB7F0723}" type="datetime1">
               <a:rPr lang="de-DE" smtClean="0"/>
-              <a:t>09.08.2018</a:t>
+              <a:t>17.08.2018</a:t>
             </a:fld>
             <a:endParaRPr lang="de-DE" dirty="0"/>
           </a:p>

--- a/Master-Abschluss.pptx
+++ b/Master-Abschluss.pptx
@@ -192,6 +192,5720 @@
 </p:presentation>
 </file>
 
+<file path=ppt/diagrams/colors1.xml><?xml version="1.0" encoding="utf-8"?>
+<dgm:colorsDef xmlns:dgm="http://schemas.openxmlformats.org/drawingml/2006/diagram" xmlns:a="http://schemas.openxmlformats.org/drawingml/2006/main" uniqueId="urn:microsoft.com/office/officeart/2005/8/colors/accent1_2">
+  <dgm:title val=""/>
+  <dgm:desc val=""/>
+  <dgm:catLst>
+    <dgm:cat type="accent1" pri="11200"/>
+  </dgm:catLst>
+  <dgm:styleLbl name="node0">
+    <dgm:fillClrLst meth="repeat">
+      <a:schemeClr val="accent1"/>
+    </dgm:fillClrLst>
+    <dgm:linClrLst meth="repeat">
+      <a:schemeClr val="lt1"/>
+    </dgm:linClrLst>
+    <dgm:effectClrLst/>
+    <dgm:txLinClrLst/>
+    <dgm:txFillClrLst/>
+    <dgm:txEffectClrLst/>
+  </dgm:styleLbl>
+  <dgm:styleLbl name="alignNode1">
+    <dgm:fillClrLst meth="repeat">
+      <a:schemeClr val="accent1"/>
+    </dgm:fillClrLst>
+    <dgm:linClrLst meth="repeat">
+      <a:schemeClr val="accent1"/>
+    </dgm:linClrLst>
+    <dgm:effectClrLst/>
+    <dgm:txLinClrLst/>
+    <dgm:txFillClrLst/>
+    <dgm:txEffectClrLst/>
+  </dgm:styleLbl>
+  <dgm:styleLbl name="node1">
+    <dgm:fillClrLst meth="repeat">
+      <a:schemeClr val="accent1"/>
+    </dgm:fillClrLst>
+    <dgm:linClrLst meth="repeat">
+      <a:schemeClr val="lt1"/>
+    </dgm:linClrLst>
+    <dgm:effectClrLst/>
+    <dgm:txLinClrLst/>
+    <dgm:txFillClrLst/>
+    <dgm:txEffectClrLst/>
+  </dgm:styleLbl>
+  <dgm:styleLbl name="lnNode1">
+    <dgm:fillClrLst meth="repeat">
+      <a:schemeClr val="accent1"/>
+    </dgm:fillClrLst>
+    <dgm:linClrLst meth="repeat">
+      <a:schemeClr val="lt1"/>
+    </dgm:linClrLst>
+    <dgm:effectClrLst/>
+    <dgm:txLinClrLst/>
+    <dgm:txFillClrLst/>
+    <dgm:txEffectClrLst/>
+  </dgm:styleLbl>
+  <dgm:styleLbl name="vennNode1">
+    <dgm:fillClrLst meth="repeat">
+      <a:schemeClr val="accent1">
+        <a:alpha val="50000"/>
+      </a:schemeClr>
+    </dgm:fillClrLst>
+    <dgm:linClrLst meth="repeat">
+      <a:schemeClr val="lt1"/>
+    </dgm:linClrLst>
+    <dgm:effectClrLst/>
+    <dgm:txLinClrLst/>
+    <dgm:txFillClrLst/>
+    <dgm:txEffectClrLst/>
+  </dgm:styleLbl>
+  <dgm:styleLbl name="node2">
+    <dgm:fillClrLst meth="repeat">
+      <a:schemeClr val="accent1"/>
+    </dgm:fillClrLst>
+    <dgm:linClrLst meth="repeat">
+      <a:schemeClr val="lt1"/>
+    </dgm:linClrLst>
+    <dgm:effectClrLst/>
+    <dgm:txLinClrLst/>
+    <dgm:txFillClrLst/>
+    <dgm:txEffectClrLst/>
+  </dgm:styleLbl>
+  <dgm:styleLbl name="node3">
+    <dgm:fillClrLst meth="repeat">
+      <a:schemeClr val="accent1"/>
+    </dgm:fillClrLst>
+    <dgm:linClrLst meth="repeat">
+      <a:schemeClr val="lt1"/>
+    </dgm:linClrLst>
+    <dgm:effectClrLst/>
+    <dgm:txLinClrLst/>
+    <dgm:txFillClrLst/>
+    <dgm:txEffectClrLst/>
+  </dgm:styleLbl>
+  <dgm:styleLbl name="node4">
+    <dgm:fillClrLst meth="repeat">
+      <a:schemeClr val="accent1"/>
+    </dgm:fillClrLst>
+    <dgm:linClrLst meth="repeat">
+      <a:schemeClr val="lt1"/>
+    </dgm:linClrLst>
+    <dgm:effectClrLst/>
+    <dgm:txLinClrLst/>
+    <dgm:txFillClrLst/>
+    <dgm:txEffectClrLst/>
+  </dgm:styleLbl>
+  <dgm:styleLbl name="fgImgPlace1">
+    <dgm:fillClrLst meth="repeat">
+      <a:schemeClr val="accent1">
+        <a:tint val="50000"/>
+      </a:schemeClr>
+    </dgm:fillClrLst>
+    <dgm:linClrLst meth="repeat">
+      <a:schemeClr val="lt1"/>
+    </dgm:linClrLst>
+    <dgm:effectClrLst/>
+    <dgm:txLinClrLst/>
+    <dgm:txFillClrLst meth="repeat">
+      <a:schemeClr val="lt1"/>
+    </dgm:txFillClrLst>
+    <dgm:txEffectClrLst/>
+  </dgm:styleLbl>
+  <dgm:styleLbl name="alignImgPlace1">
+    <dgm:fillClrLst meth="repeat">
+      <a:schemeClr val="accent1">
+        <a:tint val="50000"/>
+      </a:schemeClr>
+    </dgm:fillClrLst>
+    <dgm:linClrLst meth="repeat">
+      <a:schemeClr val="lt1"/>
+    </dgm:linClrLst>
+    <dgm:effectClrLst/>
+    <dgm:txLinClrLst/>
+    <dgm:txFillClrLst meth="repeat">
+      <a:schemeClr val="lt1"/>
+    </dgm:txFillClrLst>
+    <dgm:txEffectClrLst/>
+  </dgm:styleLbl>
+  <dgm:styleLbl name="bgImgPlace1">
+    <dgm:fillClrLst meth="repeat">
+      <a:schemeClr val="accent1">
+        <a:tint val="50000"/>
+      </a:schemeClr>
+    </dgm:fillClrLst>
+    <dgm:linClrLst meth="repeat">
+      <a:schemeClr val="lt1"/>
+    </dgm:linClrLst>
+    <dgm:effectClrLst/>
+    <dgm:txLinClrLst/>
+    <dgm:txFillClrLst meth="repeat">
+      <a:schemeClr val="lt1"/>
+    </dgm:txFillClrLst>
+    <dgm:txEffectClrLst/>
+  </dgm:styleLbl>
+  <dgm:styleLbl name="sibTrans2D1">
+    <dgm:fillClrLst meth="repeat">
+      <a:schemeClr val="accent1">
+        <a:tint val="60000"/>
+      </a:schemeClr>
+    </dgm:fillClrLst>
+    <dgm:linClrLst meth="repeat">
+      <a:schemeClr val="accent1">
+        <a:tint val="60000"/>
+      </a:schemeClr>
+    </dgm:linClrLst>
+    <dgm:effectClrLst/>
+    <dgm:txLinClrLst/>
+    <dgm:txFillClrLst/>
+    <dgm:txEffectClrLst/>
+  </dgm:styleLbl>
+  <dgm:styleLbl name="fgSibTrans2D1">
+    <dgm:fillClrLst meth="repeat">
+      <a:schemeClr val="accent1">
+        <a:tint val="60000"/>
+      </a:schemeClr>
+    </dgm:fillClrLst>
+    <dgm:linClrLst meth="repeat">
+      <a:schemeClr val="accent1">
+        <a:tint val="60000"/>
+      </a:schemeClr>
+    </dgm:linClrLst>
+    <dgm:effectClrLst/>
+    <dgm:txLinClrLst/>
+    <dgm:txFillClrLst/>
+    <dgm:txEffectClrLst/>
+  </dgm:styleLbl>
+  <dgm:styleLbl name="bgSibTrans2D1">
+    <dgm:fillClrLst meth="repeat">
+      <a:schemeClr val="accent1">
+        <a:tint val="60000"/>
+      </a:schemeClr>
+    </dgm:fillClrLst>
+    <dgm:linClrLst meth="repeat">
+      <a:schemeClr val="accent1">
+        <a:tint val="60000"/>
+      </a:schemeClr>
+    </dgm:linClrLst>
+    <dgm:effectClrLst/>
+    <dgm:txLinClrLst/>
+    <dgm:txFillClrLst/>
+    <dgm:txEffectClrLst/>
+  </dgm:styleLbl>
+  <dgm:styleLbl name="sibTrans1D1">
+    <dgm:fillClrLst meth="repeat">
+      <a:schemeClr val="accent1"/>
+    </dgm:fillClrLst>
+    <dgm:linClrLst meth="repeat">
+      <a:schemeClr val="accent1"/>
+    </dgm:linClrLst>
+    <dgm:effectClrLst/>
+    <dgm:txLinClrLst/>
+    <dgm:txFillClrLst meth="repeat">
+      <a:schemeClr val="tx1"/>
+    </dgm:txFillClrLst>
+    <dgm:txEffectClrLst/>
+  </dgm:styleLbl>
+  <dgm:styleLbl name="callout">
+    <dgm:fillClrLst meth="repeat">
+      <a:schemeClr val="accent1"/>
+    </dgm:fillClrLst>
+    <dgm:linClrLst meth="repeat">
+      <a:schemeClr val="accent1">
+        <a:tint val="50000"/>
+      </a:schemeClr>
+    </dgm:linClrLst>
+    <dgm:effectClrLst/>
+    <dgm:txLinClrLst/>
+    <dgm:txFillClrLst meth="repeat">
+      <a:schemeClr val="tx1"/>
+    </dgm:txFillClrLst>
+    <dgm:txEffectClrLst/>
+  </dgm:styleLbl>
+  <dgm:styleLbl name="asst0">
+    <dgm:fillClrLst meth="repeat">
+      <a:schemeClr val="accent1"/>
+    </dgm:fillClrLst>
+    <dgm:linClrLst meth="repeat">
+      <a:schemeClr val="lt1"/>
+    </dgm:linClrLst>
+    <dgm:effectClrLst/>
+    <dgm:txLinClrLst/>
+    <dgm:txFillClrLst/>
+    <dgm:txEffectClrLst/>
+  </dgm:styleLbl>
+  <dgm:styleLbl name="asst1">
+    <dgm:fillClrLst meth="repeat">
+      <a:schemeClr val="accent1"/>
+    </dgm:fillClrLst>
+    <dgm:linClrLst meth="repeat">
+      <a:schemeClr val="lt1"/>
+    </dgm:linClrLst>
+    <dgm:effectClrLst/>
+    <dgm:txLinClrLst/>
+    <dgm:txFillClrLst/>
+    <dgm:txEffectClrLst/>
+  </dgm:styleLbl>
+  <dgm:styleLbl name="asst2">
+    <dgm:fillClrLst meth="repeat">
+      <a:schemeClr val="accent1"/>
+    </dgm:fillClrLst>
+    <dgm:linClrLst meth="repeat">
+      <a:schemeClr val="lt1"/>
+    </dgm:linClrLst>
+    <dgm:effectClrLst/>
+    <dgm:txLinClrLst/>
+    <dgm:txFillClrLst/>
+    <dgm:txEffectClrLst/>
+  </dgm:styleLbl>
+  <dgm:styleLbl name="asst3">
+    <dgm:fillClrLst meth="repeat">
+      <a:schemeClr val="accent1"/>
+    </dgm:fillClrLst>
+    <dgm:linClrLst meth="repeat">
+      <a:schemeClr val="lt1"/>
+    </dgm:linClrLst>
+    <dgm:effectClrLst/>
+    <dgm:txLinClrLst/>
+    <dgm:txFillClrLst/>
+    <dgm:txEffectClrLst/>
+  </dgm:styleLbl>
+  <dgm:styleLbl name="asst4">
+    <dgm:fillClrLst meth="repeat">
+      <a:schemeClr val="accent1"/>
+    </dgm:fillClrLst>
+    <dgm:linClrLst meth="repeat">
+      <a:schemeClr val="lt1"/>
+    </dgm:linClrLst>
+    <dgm:effectClrLst/>
+    <dgm:txLinClrLst/>
+    <dgm:txFillClrLst/>
+    <dgm:txEffectClrLst/>
+  </dgm:styleLbl>
+  <dgm:styleLbl name="parChTrans2D1">
+    <dgm:fillClrLst meth="repeat">
+      <a:schemeClr val="accent1">
+        <a:tint val="60000"/>
+      </a:schemeClr>
+    </dgm:fillClrLst>
+    <dgm:linClrLst meth="repeat">
+      <a:schemeClr val="accent1">
+        <a:tint val="60000"/>
+      </a:schemeClr>
+    </dgm:linClrLst>
+    <dgm:effectClrLst/>
+    <dgm:txLinClrLst/>
+    <dgm:txFillClrLst meth="repeat">
+      <a:schemeClr val="lt1"/>
+    </dgm:txFillClrLst>
+    <dgm:txEffectClrLst/>
+  </dgm:styleLbl>
+  <dgm:styleLbl name="parChTrans2D2">
+    <dgm:fillClrLst meth="repeat">
+      <a:schemeClr val="accent1"/>
+    </dgm:fillClrLst>
+    <dgm:linClrLst meth="repeat">
+      <a:schemeClr val="accent1"/>
+    </dgm:linClrLst>
+    <dgm:effectClrLst/>
+    <dgm:txLinClrLst/>
+    <dgm:txFillClrLst meth="repeat">
+      <a:schemeClr val="lt1"/>
+    </dgm:txFillClrLst>
+    <dgm:txEffectClrLst/>
+  </dgm:styleLbl>
+  <dgm:styleLbl name="parChTrans2D3">
+    <dgm:fillClrLst meth="repeat">
+      <a:schemeClr val="accent1"/>
+    </dgm:fillClrLst>
+    <dgm:linClrLst meth="repeat">
+      <a:schemeClr val="accent1"/>
+    </dgm:linClrLst>
+    <dgm:effectClrLst/>
+    <dgm:txLinClrLst/>
+    <dgm:txFillClrLst meth="repeat">
+      <a:schemeClr val="lt1"/>
+    </dgm:txFillClrLst>
+    <dgm:txEffectClrLst/>
+  </dgm:styleLbl>
+  <dgm:styleLbl name="parChTrans2D4">
+    <dgm:fillClrLst meth="repeat">
+      <a:schemeClr val="accent1"/>
+    </dgm:fillClrLst>
+    <dgm:linClrLst meth="repeat">
+      <a:schemeClr val="accent1"/>
+    </dgm:linClrLst>
+    <dgm:effectClrLst/>
+    <dgm:txLinClrLst/>
+    <dgm:txFillClrLst meth="repeat">
+      <a:schemeClr val="lt1"/>
+    </dgm:txFillClrLst>
+    <dgm:txEffectClrLst/>
+  </dgm:styleLbl>
+  <dgm:styleLbl name="parChTrans1D1">
+    <dgm:fillClrLst meth="repeat">
+      <a:schemeClr val="accent1"/>
+    </dgm:fillClrLst>
+    <dgm:linClrLst meth="repeat">
+      <a:schemeClr val="accent1">
+        <a:shade val="60000"/>
+      </a:schemeClr>
+    </dgm:linClrLst>
+    <dgm:effectClrLst/>
+    <dgm:txLinClrLst/>
+    <dgm:txFillClrLst meth="repeat">
+      <a:schemeClr val="tx1"/>
+    </dgm:txFillClrLst>
+    <dgm:txEffectClrLst/>
+  </dgm:styleLbl>
+  <dgm:styleLbl name="parChTrans1D2">
+    <dgm:fillClrLst meth="repeat">
+      <a:schemeClr val="accent1"/>
+    </dgm:fillClrLst>
+    <dgm:linClrLst meth="repeat">
+      <a:schemeClr val="accent1">
+        <a:shade val="60000"/>
+      </a:schemeClr>
+    </dgm:linClrLst>
+    <dgm:effectClrLst/>
+    <dgm:txLinClrLst/>
+    <dgm:txFillClrLst meth="repeat">
+      <a:schemeClr val="tx1"/>
+    </dgm:txFillClrLst>
+    <dgm:txEffectClrLst/>
+  </dgm:styleLbl>
+  <dgm:styleLbl name="parChTrans1D3">
+    <dgm:fillClrLst meth="repeat">
+      <a:schemeClr val="accent1"/>
+    </dgm:fillClrLst>
+    <dgm:linClrLst meth="repeat">
+      <a:schemeClr val="accent1">
+        <a:shade val="80000"/>
+      </a:schemeClr>
+    </dgm:linClrLst>
+    <dgm:effectClrLst/>
+    <dgm:txLinClrLst/>
+    <dgm:txFillClrLst meth="repeat">
+      <a:schemeClr val="tx1"/>
+    </dgm:txFillClrLst>
+    <dgm:txEffectClrLst/>
+  </dgm:styleLbl>
+  <dgm:styleLbl name="parChTrans1D4">
+    <dgm:fillClrLst meth="repeat">
+      <a:schemeClr val="accent1"/>
+    </dgm:fillClrLst>
+    <dgm:linClrLst meth="repeat">
+      <a:schemeClr val="accent1">
+        <a:shade val="80000"/>
+      </a:schemeClr>
+    </dgm:linClrLst>
+    <dgm:effectClrLst/>
+    <dgm:txLinClrLst/>
+    <dgm:txFillClrLst meth="repeat">
+      <a:schemeClr val="tx1"/>
+    </dgm:txFillClrLst>
+    <dgm:txEffectClrLst/>
+  </dgm:styleLbl>
+  <dgm:styleLbl name="fgAcc1">
+    <dgm:fillClrLst meth="repeat">
+      <a:schemeClr val="lt1">
+        <a:alpha val="90000"/>
+      </a:schemeClr>
+    </dgm:fillClrLst>
+    <dgm:linClrLst meth="repeat">
+      <a:schemeClr val="accent1"/>
+    </dgm:linClrLst>
+    <dgm:effectClrLst/>
+    <dgm:txLinClrLst/>
+    <dgm:txFillClrLst meth="repeat">
+      <a:schemeClr val="dk1"/>
+    </dgm:txFillClrLst>
+    <dgm:txEffectClrLst/>
+  </dgm:styleLbl>
+  <dgm:styleLbl name="conFgAcc1">
+    <dgm:fillClrLst meth="repeat">
+      <a:schemeClr val="lt1">
+        <a:alpha val="90000"/>
+      </a:schemeClr>
+    </dgm:fillClrLst>
+    <dgm:linClrLst meth="repeat">
+      <a:schemeClr val="accent1"/>
+    </dgm:linClrLst>
+    <dgm:effectClrLst/>
+    <dgm:txLinClrLst/>
+    <dgm:txFillClrLst meth="repeat">
+      <a:schemeClr val="dk1"/>
+    </dgm:txFillClrLst>
+    <dgm:txEffectClrLst/>
+  </dgm:styleLbl>
+  <dgm:styleLbl name="alignAcc1">
+    <dgm:fillClrLst meth="repeat">
+      <a:schemeClr val="lt1">
+        <a:alpha val="90000"/>
+      </a:schemeClr>
+    </dgm:fillClrLst>
+    <dgm:linClrLst meth="repeat">
+      <a:schemeClr val="accent1"/>
+    </dgm:linClrLst>
+    <dgm:effectClrLst/>
+    <dgm:txLinClrLst/>
+    <dgm:txFillClrLst meth="repeat">
+      <a:schemeClr val="dk1"/>
+    </dgm:txFillClrLst>
+    <dgm:txEffectClrLst/>
+  </dgm:styleLbl>
+  <dgm:styleLbl name="trAlignAcc1">
+    <dgm:fillClrLst meth="repeat">
+      <a:schemeClr val="lt1">
+        <a:alpha val="40000"/>
+      </a:schemeClr>
+    </dgm:fillClrLst>
+    <dgm:linClrLst meth="repeat">
+      <a:schemeClr val="accent1"/>
+    </dgm:linClrLst>
+    <dgm:effectClrLst/>
+    <dgm:txLinClrLst/>
+    <dgm:txFillClrLst meth="repeat">
+      <a:schemeClr val="dk1"/>
+    </dgm:txFillClrLst>
+    <dgm:txEffectClrLst/>
+  </dgm:styleLbl>
+  <dgm:styleLbl name="bgAcc1">
+    <dgm:fillClrLst meth="repeat">
+      <a:schemeClr val="lt1">
+        <a:alpha val="90000"/>
+      </a:schemeClr>
+    </dgm:fillClrLst>
+    <dgm:linClrLst meth="repeat">
+      <a:schemeClr val="accent1"/>
+    </dgm:linClrLst>
+    <dgm:effectClrLst/>
+    <dgm:txLinClrLst/>
+    <dgm:txFillClrLst meth="repeat">
+      <a:schemeClr val="dk1"/>
+    </dgm:txFillClrLst>
+    <dgm:txEffectClrLst/>
+  </dgm:styleLbl>
+  <dgm:styleLbl name="solidFgAcc1">
+    <dgm:fillClrLst meth="repeat">
+      <a:schemeClr val="lt1"/>
+    </dgm:fillClrLst>
+    <dgm:linClrLst meth="repeat">
+      <a:schemeClr val="accent1"/>
+    </dgm:linClrLst>
+    <dgm:effectClrLst/>
+    <dgm:txLinClrLst/>
+    <dgm:txFillClrLst meth="repeat">
+      <a:schemeClr val="dk1"/>
+    </dgm:txFillClrLst>
+    <dgm:txEffectClrLst/>
+  </dgm:styleLbl>
+  <dgm:styleLbl name="solidAlignAcc1">
+    <dgm:fillClrLst meth="repeat">
+      <a:schemeClr val="lt1"/>
+    </dgm:fillClrLst>
+    <dgm:linClrLst meth="repeat">
+      <a:schemeClr val="accent1"/>
+    </dgm:linClrLst>
+    <dgm:effectClrLst/>
+    <dgm:txLinClrLst/>
+    <dgm:txFillClrLst meth="repeat">
+      <a:schemeClr val="dk1"/>
+    </dgm:txFillClrLst>
+    <dgm:txEffectClrLst/>
+  </dgm:styleLbl>
+  <dgm:styleLbl name="solidBgAcc1">
+    <dgm:fillClrLst meth="repeat">
+      <a:schemeClr val="lt1"/>
+    </dgm:fillClrLst>
+    <dgm:linClrLst meth="repeat">
+      <a:schemeClr val="accent1"/>
+    </dgm:linClrLst>
+    <dgm:effectClrLst/>
+    <dgm:txLinClrLst/>
+    <dgm:txFillClrLst meth="repeat">
+      <a:schemeClr val="dk1"/>
+    </dgm:txFillClrLst>
+    <dgm:txEffectClrLst/>
+  </dgm:styleLbl>
+  <dgm:styleLbl name="fgAccFollowNode1">
+    <dgm:fillClrLst meth="repeat">
+      <a:schemeClr val="accent1">
+        <a:alpha val="90000"/>
+        <a:tint val="40000"/>
+      </a:schemeClr>
+    </dgm:fillClrLst>
+    <dgm:linClrLst meth="repeat">
+      <a:schemeClr val="accent1">
+        <a:alpha val="90000"/>
+        <a:tint val="40000"/>
+      </a:schemeClr>
+    </dgm:linClrLst>
+    <dgm:effectClrLst/>
+    <dgm:txLinClrLst/>
+    <dgm:txFillClrLst meth="repeat">
+      <a:schemeClr val="dk1"/>
+    </dgm:txFillClrLst>
+    <dgm:txEffectClrLst/>
+  </dgm:styleLbl>
+  <dgm:styleLbl name="alignAccFollowNode1">
+    <dgm:fillClrLst meth="repeat">
+      <a:schemeClr val="accent1">
+        <a:alpha val="90000"/>
+        <a:tint val="40000"/>
+      </a:schemeClr>
+    </dgm:fillClrLst>
+    <dgm:linClrLst meth="repeat">
+      <a:schemeClr val="accent1">
+        <a:alpha val="90000"/>
+        <a:tint val="40000"/>
+      </a:schemeClr>
+    </dgm:linClrLst>
+    <dgm:effectClrLst/>
+    <dgm:txLinClrLst/>
+    <dgm:txFillClrLst meth="repeat">
+      <a:schemeClr val="dk1"/>
+    </dgm:txFillClrLst>
+    <dgm:txEffectClrLst/>
+  </dgm:styleLbl>
+  <dgm:styleLbl name="bgAccFollowNode1">
+    <dgm:fillClrLst meth="repeat">
+      <a:schemeClr val="accent1">
+        <a:alpha val="90000"/>
+        <a:tint val="40000"/>
+      </a:schemeClr>
+    </dgm:fillClrLst>
+    <dgm:linClrLst meth="repeat">
+      <a:schemeClr val="accent1">
+        <a:alpha val="90000"/>
+        <a:tint val="40000"/>
+      </a:schemeClr>
+    </dgm:linClrLst>
+    <dgm:effectClrLst/>
+    <dgm:txLinClrLst/>
+    <dgm:txFillClrLst meth="repeat">
+      <a:schemeClr val="dk1"/>
+    </dgm:txFillClrLst>
+    <dgm:txEffectClrLst/>
+  </dgm:styleLbl>
+  <dgm:styleLbl name="fgAcc0">
+    <dgm:fillClrLst meth="repeat">
+      <a:schemeClr val="lt1">
+        <a:alpha val="90000"/>
+      </a:schemeClr>
+    </dgm:fillClrLst>
+    <dgm:linClrLst meth="repeat">
+      <a:schemeClr val="accent1"/>
+    </dgm:linClrLst>
+    <dgm:effectClrLst/>
+    <dgm:txLinClrLst/>
+    <dgm:txFillClrLst meth="repeat">
+      <a:schemeClr val="dk1"/>
+    </dgm:txFillClrLst>
+    <dgm:txEffectClrLst/>
+  </dgm:styleLbl>
+  <dgm:styleLbl name="fgAcc2">
+    <dgm:fillClrLst meth="repeat">
+      <a:schemeClr val="lt1">
+        <a:alpha val="90000"/>
+      </a:schemeClr>
+    </dgm:fillClrLst>
+    <dgm:linClrLst meth="repeat">
+      <a:schemeClr val="accent1"/>
+    </dgm:linClrLst>
+    <dgm:effectClrLst/>
+    <dgm:txLinClrLst/>
+    <dgm:txFillClrLst meth="repeat">
+      <a:schemeClr val="dk1"/>
+    </dgm:txFillClrLst>
+    <dgm:txEffectClrLst/>
+  </dgm:styleLbl>
+  <dgm:styleLbl name="fgAcc3">
+    <dgm:fillClrLst meth="repeat">
+      <a:schemeClr val="lt1">
+        <a:alpha val="90000"/>
+      </a:schemeClr>
+    </dgm:fillClrLst>
+    <dgm:linClrLst meth="repeat">
+      <a:schemeClr val="accent1"/>
+    </dgm:linClrLst>
+    <dgm:effectClrLst/>
+    <dgm:txLinClrLst/>
+    <dgm:txFillClrLst meth="repeat">
+      <a:schemeClr val="dk1"/>
+    </dgm:txFillClrLst>
+    <dgm:txEffectClrLst/>
+  </dgm:styleLbl>
+  <dgm:styleLbl name="fgAcc4">
+    <dgm:fillClrLst meth="repeat">
+      <a:schemeClr val="lt1">
+        <a:alpha val="90000"/>
+      </a:schemeClr>
+    </dgm:fillClrLst>
+    <dgm:linClrLst meth="repeat">
+      <a:schemeClr val="accent1"/>
+    </dgm:linClrLst>
+    <dgm:effectClrLst/>
+    <dgm:txLinClrLst/>
+    <dgm:txFillClrLst meth="repeat">
+      <a:schemeClr val="dk1"/>
+    </dgm:txFillClrLst>
+    <dgm:txEffectClrLst/>
+  </dgm:styleLbl>
+  <dgm:styleLbl name="bgShp">
+    <dgm:fillClrLst meth="repeat">
+      <a:schemeClr val="accent1">
+        <a:tint val="40000"/>
+      </a:schemeClr>
+    </dgm:fillClrLst>
+    <dgm:linClrLst meth="repeat">
+      <a:schemeClr val="accent1"/>
+    </dgm:linClrLst>
+    <dgm:effectClrLst/>
+    <dgm:txLinClrLst/>
+    <dgm:txFillClrLst meth="repeat">
+      <a:schemeClr val="dk1"/>
+    </dgm:txFillClrLst>
+    <dgm:txEffectClrLst/>
+  </dgm:styleLbl>
+  <dgm:styleLbl name="dkBgShp">
+    <dgm:fillClrLst meth="repeat">
+      <a:schemeClr val="accent1">
+        <a:shade val="80000"/>
+      </a:schemeClr>
+    </dgm:fillClrLst>
+    <dgm:linClrLst meth="repeat">
+      <a:schemeClr val="accent1"/>
+    </dgm:linClrLst>
+    <dgm:effectClrLst/>
+    <dgm:txLinClrLst/>
+    <dgm:txFillClrLst meth="repeat">
+      <a:schemeClr val="lt1"/>
+    </dgm:txFillClrLst>
+    <dgm:txEffectClrLst/>
+  </dgm:styleLbl>
+  <dgm:styleLbl name="trBgShp">
+    <dgm:fillClrLst meth="repeat">
+      <a:schemeClr val="accent1">
+        <a:tint val="50000"/>
+        <a:alpha val="40000"/>
+      </a:schemeClr>
+    </dgm:fillClrLst>
+    <dgm:linClrLst meth="repeat">
+      <a:schemeClr val="accent1"/>
+    </dgm:linClrLst>
+    <dgm:effectClrLst/>
+    <dgm:txLinClrLst/>
+    <dgm:txFillClrLst meth="repeat">
+      <a:schemeClr val="lt1"/>
+    </dgm:txFillClrLst>
+    <dgm:txEffectClrLst/>
+  </dgm:styleLbl>
+  <dgm:styleLbl name="fgShp">
+    <dgm:fillClrLst meth="repeat">
+      <a:schemeClr val="accent1">
+        <a:tint val="60000"/>
+      </a:schemeClr>
+    </dgm:fillClrLst>
+    <dgm:linClrLst meth="repeat">
+      <a:schemeClr val="lt1"/>
+    </dgm:linClrLst>
+    <dgm:effectClrLst/>
+    <dgm:txLinClrLst/>
+    <dgm:txFillClrLst meth="repeat">
+      <a:schemeClr val="dk1"/>
+    </dgm:txFillClrLst>
+    <dgm:txEffectClrLst/>
+  </dgm:styleLbl>
+  <dgm:styleLbl name="revTx">
+    <dgm:fillClrLst meth="repeat">
+      <a:schemeClr val="lt1">
+        <a:alpha val="0"/>
+      </a:schemeClr>
+    </dgm:fillClrLst>
+    <dgm:linClrLst meth="repeat">
+      <a:schemeClr val="dk1">
+        <a:alpha val="0"/>
+      </a:schemeClr>
+    </dgm:linClrLst>
+    <dgm:effectClrLst/>
+    <dgm:txLinClrLst/>
+    <dgm:txFillClrLst meth="repeat">
+      <a:schemeClr val="tx1"/>
+    </dgm:txFillClrLst>
+    <dgm:txEffectClrLst/>
+  </dgm:styleLbl>
+</dgm:colorsDef>
+</file>
+
+<file path=ppt/diagrams/data1.xml><?xml version="1.0" encoding="utf-8"?>
+<dgm:dataModel xmlns:dgm="http://schemas.openxmlformats.org/drawingml/2006/diagram" xmlns:a="http://schemas.openxmlformats.org/drawingml/2006/main">
+  <dgm:ptLst>
+    <dgm:pt modelId="{ADA94781-E2A9-4BC7-97A0-E71A3BE187D6}" type="doc">
+      <dgm:prSet loTypeId="urn:microsoft.com/office/officeart/2008/layout/RadialCluster" loCatId="relationship" qsTypeId="urn:microsoft.com/office/officeart/2005/8/quickstyle/simple5" qsCatId="simple" csTypeId="urn:microsoft.com/office/officeart/2005/8/colors/accent1_2" csCatId="accent1" phldr="1"/>
+      <dgm:spPr/>
+      <dgm:t>
+        <a:bodyPr/>
+        <a:lstStyle/>
+        <a:p>
+          <a:endParaRPr lang="de-DE"/>
+        </a:p>
+      </dgm:t>
+    </dgm:pt>
+    <dgm:pt modelId="{A285696E-E20F-450F-AD2A-2CA01487710E}">
+      <dgm:prSet phldrT="[Text]"/>
+      <dgm:spPr>
+        <a:solidFill>
+          <a:srgbClr val="C00000"/>
+        </a:solidFill>
+      </dgm:spPr>
+      <dgm:t>
+        <a:bodyPr/>
+        <a:lstStyle/>
+        <a:p>
+          <a:r>
+            <a:rPr lang="de-DE" dirty="0"/>
+            <a:t>AppModule</a:t>
+          </a:r>
+        </a:p>
+      </dgm:t>
+    </dgm:pt>
+    <dgm:pt modelId="{5F433974-00BF-4656-8D08-4541E4755E1F}" type="parTrans" cxnId="{7EE46D4B-C59C-49FE-BCC5-17CB0B077AF7}">
+      <dgm:prSet/>
+      <dgm:spPr/>
+      <dgm:t>
+        <a:bodyPr/>
+        <a:lstStyle/>
+        <a:p>
+          <a:endParaRPr lang="de-DE"/>
+        </a:p>
+      </dgm:t>
+    </dgm:pt>
+    <dgm:pt modelId="{BD8DD3D5-0CA5-4748-8F82-11FC0B7DE52B}" type="sibTrans" cxnId="{7EE46D4B-C59C-49FE-BCC5-17CB0B077AF7}">
+      <dgm:prSet/>
+      <dgm:spPr/>
+      <dgm:t>
+        <a:bodyPr/>
+        <a:lstStyle/>
+        <a:p>
+          <a:endParaRPr lang="de-DE"/>
+        </a:p>
+      </dgm:t>
+    </dgm:pt>
+    <dgm:pt modelId="{5604FCD2-D7B1-4AA6-858D-979DEB34077C}">
+      <dgm:prSet phldrT="[Text]" custT="1"/>
+      <dgm:spPr>
+        <a:solidFill>
+          <a:srgbClr val="C00000"/>
+        </a:solidFill>
+      </dgm:spPr>
+      <dgm:t>
+        <a:bodyPr/>
+        <a:lstStyle/>
+        <a:p>
+          <a:r>
+            <a:rPr lang="de-DE" sz="2300" dirty="0"/>
+            <a:t>LayoutModule</a:t>
+          </a:r>
+        </a:p>
+      </dgm:t>
+    </dgm:pt>
+    <dgm:pt modelId="{166498DA-992D-4842-A49F-00B0B296A3AB}" type="parTrans" cxnId="{9B081B5F-2F20-4A06-8F26-9E180055E065}">
+      <dgm:prSet/>
+      <dgm:spPr>
+        <a:ln w="38100">
+          <a:solidFill>
+            <a:schemeClr val="bg1">
+              <a:lumMod val="50000"/>
+            </a:schemeClr>
+          </a:solidFill>
+          <a:tailEnd type="triangle"/>
+        </a:ln>
+      </dgm:spPr>
+      <dgm:t>
+        <a:bodyPr/>
+        <a:lstStyle/>
+        <a:p>
+          <a:endParaRPr lang="de-DE"/>
+        </a:p>
+      </dgm:t>
+    </dgm:pt>
+    <dgm:pt modelId="{8794C4E3-0774-4022-9DA4-55DD2CB6491F}" type="sibTrans" cxnId="{9B081B5F-2F20-4A06-8F26-9E180055E065}">
+      <dgm:prSet/>
+      <dgm:spPr/>
+      <dgm:t>
+        <a:bodyPr/>
+        <a:lstStyle/>
+        <a:p>
+          <a:endParaRPr lang="de-DE"/>
+        </a:p>
+      </dgm:t>
+    </dgm:pt>
+    <dgm:pt modelId="{E6D3F8CA-592A-4B27-A80B-5053490CAD93}">
+      <dgm:prSet phldrT="[Text]"/>
+      <dgm:spPr>
+        <a:solidFill>
+          <a:srgbClr val="C00000"/>
+        </a:solidFill>
+      </dgm:spPr>
+      <dgm:t>
+        <a:bodyPr/>
+        <a:lstStyle/>
+        <a:p>
+          <a:r>
+            <a:rPr lang="de-DE" dirty="0"/>
+            <a:t>TopologyModule</a:t>
+          </a:r>
+        </a:p>
+      </dgm:t>
+    </dgm:pt>
+    <dgm:pt modelId="{83C7CB07-8B9E-4904-BE34-FB268E24D959}" type="parTrans" cxnId="{D3F6F4DA-B7AD-4B91-84CE-27196EC9F12F}">
+      <dgm:prSet/>
+      <dgm:spPr>
+        <a:ln w="38100">
+          <a:solidFill>
+            <a:schemeClr val="bg1">
+              <a:lumMod val="50000"/>
+            </a:schemeClr>
+          </a:solidFill>
+          <a:tailEnd type="triangle"/>
+        </a:ln>
+      </dgm:spPr>
+      <dgm:t>
+        <a:bodyPr/>
+        <a:lstStyle/>
+        <a:p>
+          <a:endParaRPr lang="de-DE"/>
+        </a:p>
+      </dgm:t>
+    </dgm:pt>
+    <dgm:pt modelId="{82589D44-1193-4FFB-9A46-2BA26AAF7A46}" type="sibTrans" cxnId="{D3F6F4DA-B7AD-4B91-84CE-27196EC9F12F}">
+      <dgm:prSet/>
+      <dgm:spPr/>
+      <dgm:t>
+        <a:bodyPr/>
+        <a:lstStyle/>
+        <a:p>
+          <a:endParaRPr lang="de-DE"/>
+        </a:p>
+      </dgm:t>
+    </dgm:pt>
+    <dgm:pt modelId="{2337A8C7-A5E2-41E3-AD6A-17536A1AB81C}">
+      <dgm:prSet phldrT="[Text]" custT="1"/>
+      <dgm:spPr>
+        <a:solidFill>
+          <a:srgbClr val="C00000"/>
+        </a:solidFill>
+      </dgm:spPr>
+      <dgm:t>
+        <a:bodyPr/>
+        <a:lstStyle/>
+        <a:p>
+          <a:r>
+            <a:rPr lang="de-DE" sz="2300" dirty="0"/>
+            <a:t>CoreModule</a:t>
+          </a:r>
+        </a:p>
+      </dgm:t>
+    </dgm:pt>
+    <dgm:pt modelId="{62AB0BCD-76D0-4655-92C0-1110A4D29F68}" type="parTrans" cxnId="{BAD526B5-2B80-4FA0-8E23-61C5757F230A}">
+      <dgm:prSet/>
+      <dgm:spPr>
+        <a:ln w="38100">
+          <a:solidFill>
+            <a:schemeClr val="bg1">
+              <a:lumMod val="50000"/>
+            </a:schemeClr>
+          </a:solidFill>
+          <a:tailEnd type="triangle"/>
+        </a:ln>
+      </dgm:spPr>
+      <dgm:t>
+        <a:bodyPr/>
+        <a:lstStyle/>
+        <a:p>
+          <a:endParaRPr lang="de-DE"/>
+        </a:p>
+      </dgm:t>
+    </dgm:pt>
+    <dgm:pt modelId="{5B8187EC-0177-4801-A25B-59CFF5A09A63}" type="sibTrans" cxnId="{BAD526B5-2B80-4FA0-8E23-61C5757F230A}">
+      <dgm:prSet/>
+      <dgm:spPr/>
+      <dgm:t>
+        <a:bodyPr/>
+        <a:lstStyle/>
+        <a:p>
+          <a:endParaRPr lang="de-DE"/>
+        </a:p>
+      </dgm:t>
+    </dgm:pt>
+    <dgm:pt modelId="{970E345B-63EC-43DA-9D22-7F2857F8ABA1}">
+      <dgm:prSet/>
+      <dgm:spPr/>
+      <dgm:t>
+        <a:bodyPr/>
+        <a:lstStyle/>
+        <a:p>
+          <a:endParaRPr lang="de-DE"/>
+        </a:p>
+      </dgm:t>
+    </dgm:pt>
+    <dgm:pt modelId="{9E3B9563-BA8A-4D73-A087-276F450F78DA}" type="parTrans" cxnId="{4840286A-C0BE-436F-9B49-B4E7F82A09BC}">
+      <dgm:prSet/>
+      <dgm:spPr/>
+      <dgm:t>
+        <a:bodyPr/>
+        <a:lstStyle/>
+        <a:p>
+          <a:endParaRPr lang="de-DE"/>
+        </a:p>
+      </dgm:t>
+    </dgm:pt>
+    <dgm:pt modelId="{EEB30055-0AA2-4905-9BF9-591D7A439876}" type="sibTrans" cxnId="{4840286A-C0BE-436F-9B49-B4E7F82A09BC}">
+      <dgm:prSet/>
+      <dgm:spPr/>
+      <dgm:t>
+        <a:bodyPr/>
+        <a:lstStyle/>
+        <a:p>
+          <a:endParaRPr lang="de-DE"/>
+        </a:p>
+      </dgm:t>
+    </dgm:pt>
+    <dgm:pt modelId="{C51F0735-CF66-4E9C-8837-67FB799B5D71}">
+      <dgm:prSet/>
+      <dgm:spPr/>
+      <dgm:t>
+        <a:bodyPr/>
+        <a:lstStyle/>
+        <a:p>
+          <a:endParaRPr lang="de-DE"/>
+        </a:p>
+      </dgm:t>
+    </dgm:pt>
+    <dgm:pt modelId="{0FDD21D6-2D81-493C-99FA-84329A5675FD}" type="parTrans" cxnId="{6EEF4831-96E0-4B3C-9165-E174C4370C4A}">
+      <dgm:prSet/>
+      <dgm:spPr/>
+      <dgm:t>
+        <a:bodyPr/>
+        <a:lstStyle/>
+        <a:p>
+          <a:endParaRPr lang="de-DE"/>
+        </a:p>
+      </dgm:t>
+    </dgm:pt>
+    <dgm:pt modelId="{81BA5A7C-588B-46F1-A8E7-B5373E3EAF5D}" type="sibTrans" cxnId="{6EEF4831-96E0-4B3C-9165-E174C4370C4A}">
+      <dgm:prSet/>
+      <dgm:spPr/>
+      <dgm:t>
+        <a:bodyPr/>
+        <a:lstStyle/>
+        <a:p>
+          <a:endParaRPr lang="de-DE"/>
+        </a:p>
+      </dgm:t>
+    </dgm:pt>
+    <dgm:pt modelId="{05FF7D6B-2867-4E27-A224-200F5EEA9200}" type="pres">
+      <dgm:prSet presAssocID="{ADA94781-E2A9-4BC7-97A0-E71A3BE187D6}" presName="Name0" presStyleCnt="0">
+        <dgm:presLayoutVars>
+          <dgm:chMax val="1"/>
+          <dgm:chPref val="1"/>
+          <dgm:dir/>
+          <dgm:animOne val="branch"/>
+          <dgm:animLvl val="lvl"/>
+        </dgm:presLayoutVars>
+      </dgm:prSet>
+      <dgm:spPr/>
+    </dgm:pt>
+    <dgm:pt modelId="{E9965B2F-3801-48D8-9FE8-975EE46F648A}" type="pres">
+      <dgm:prSet presAssocID="{A285696E-E20F-450F-AD2A-2CA01487710E}" presName="singleCycle" presStyleCnt="0"/>
+      <dgm:spPr/>
+    </dgm:pt>
+    <dgm:pt modelId="{65AA7AE3-7BA4-4256-A7E7-6ADD6196B2DE}" type="pres">
+      <dgm:prSet presAssocID="{A285696E-E20F-450F-AD2A-2CA01487710E}" presName="singleCenter" presStyleLbl="node1" presStyleIdx="0" presStyleCnt="4" custScaleY="37170">
+        <dgm:presLayoutVars>
+          <dgm:chMax val="7"/>
+          <dgm:chPref val="7"/>
+        </dgm:presLayoutVars>
+      </dgm:prSet>
+      <dgm:spPr/>
+    </dgm:pt>
+    <dgm:pt modelId="{29A9ABC8-8B7E-4AF2-B179-379C32D9962E}" type="pres">
+      <dgm:prSet presAssocID="{166498DA-992D-4842-A49F-00B0B296A3AB}" presName="Name56" presStyleLbl="parChTrans1D2" presStyleIdx="0" presStyleCnt="3"/>
+      <dgm:spPr/>
+    </dgm:pt>
+    <dgm:pt modelId="{207C128E-7FBD-4C97-84F7-E0792C9CFEEC}" type="pres">
+      <dgm:prSet presAssocID="{5604FCD2-D7B1-4AA6-858D-979DEB34077C}" presName="text0" presStyleLbl="node1" presStyleIdx="1" presStyleCnt="4" custScaleX="204030" custScaleY="59496" custRadScaleRad="69910" custRadScaleInc="1042">
+        <dgm:presLayoutVars>
+          <dgm:bulletEnabled val="1"/>
+        </dgm:presLayoutVars>
+      </dgm:prSet>
+      <dgm:spPr/>
+    </dgm:pt>
+    <dgm:pt modelId="{23FD41E1-F2C3-4873-8068-45FA95BC5F66}" type="pres">
+      <dgm:prSet presAssocID="{83C7CB07-8B9E-4904-BE34-FB268E24D959}" presName="Name56" presStyleLbl="parChTrans1D2" presStyleIdx="1" presStyleCnt="3"/>
+      <dgm:spPr/>
+    </dgm:pt>
+    <dgm:pt modelId="{40EA4F8F-38A3-421E-97C9-6DD70090178B}" type="pres">
+      <dgm:prSet presAssocID="{E6D3F8CA-592A-4B27-A80B-5053490CAD93}" presName="text0" presStyleLbl="node1" presStyleIdx="2" presStyleCnt="4" custScaleX="205606" custScaleY="59496" custRadScaleRad="114688" custRadScaleInc="-39110">
+        <dgm:presLayoutVars>
+          <dgm:bulletEnabled val="1"/>
+        </dgm:presLayoutVars>
+      </dgm:prSet>
+      <dgm:spPr/>
+    </dgm:pt>
+    <dgm:pt modelId="{41C0591F-4423-4696-A541-7927A488956C}" type="pres">
+      <dgm:prSet presAssocID="{62AB0BCD-76D0-4655-92C0-1110A4D29F68}" presName="Name56" presStyleLbl="parChTrans1D2" presStyleIdx="2" presStyleCnt="3"/>
+      <dgm:spPr/>
+    </dgm:pt>
+    <dgm:pt modelId="{4866A4C8-4026-4C06-A161-E4D4272C89A7}" type="pres">
+      <dgm:prSet presAssocID="{2337A8C7-A5E2-41E3-AD6A-17536A1AB81C}" presName="text0" presStyleLbl="node1" presStyleIdx="3" presStyleCnt="4" custScaleX="182048" custScaleY="59496" custRadScaleRad="101225" custRadScaleInc="36062">
+        <dgm:presLayoutVars>
+          <dgm:bulletEnabled val="1"/>
+        </dgm:presLayoutVars>
+      </dgm:prSet>
+      <dgm:spPr/>
+    </dgm:pt>
+  </dgm:ptLst>
+  <dgm:cxnLst>
+    <dgm:cxn modelId="{21F5E20B-D1E9-4A71-959A-AE1FB339A56F}" type="presOf" srcId="{5604FCD2-D7B1-4AA6-858D-979DEB34077C}" destId="{207C128E-7FBD-4C97-84F7-E0792C9CFEEC}" srcOrd="0" destOrd="0" presId="urn:microsoft.com/office/officeart/2008/layout/RadialCluster"/>
+    <dgm:cxn modelId="{6EEF4831-96E0-4B3C-9165-E174C4370C4A}" srcId="{ADA94781-E2A9-4BC7-97A0-E71A3BE187D6}" destId="{C51F0735-CF66-4E9C-8837-67FB799B5D71}" srcOrd="2" destOrd="0" parTransId="{0FDD21D6-2D81-493C-99FA-84329A5675FD}" sibTransId="{81BA5A7C-588B-46F1-A8E7-B5373E3EAF5D}"/>
+    <dgm:cxn modelId="{A8CD4D3D-A561-4616-9BE2-3E39E8CEBE93}" type="presOf" srcId="{E6D3F8CA-592A-4B27-A80B-5053490CAD93}" destId="{40EA4F8F-38A3-421E-97C9-6DD70090178B}" srcOrd="0" destOrd="0" presId="urn:microsoft.com/office/officeart/2008/layout/RadialCluster"/>
+    <dgm:cxn modelId="{9B081B5F-2F20-4A06-8F26-9E180055E065}" srcId="{A285696E-E20F-450F-AD2A-2CA01487710E}" destId="{5604FCD2-D7B1-4AA6-858D-979DEB34077C}" srcOrd="0" destOrd="0" parTransId="{166498DA-992D-4842-A49F-00B0B296A3AB}" sibTransId="{8794C4E3-0774-4022-9DA4-55DD2CB6491F}"/>
+    <dgm:cxn modelId="{4840286A-C0BE-436F-9B49-B4E7F82A09BC}" srcId="{ADA94781-E2A9-4BC7-97A0-E71A3BE187D6}" destId="{970E345B-63EC-43DA-9D22-7F2857F8ABA1}" srcOrd="1" destOrd="0" parTransId="{9E3B9563-BA8A-4D73-A087-276F450F78DA}" sibTransId="{EEB30055-0AA2-4905-9BF9-591D7A439876}"/>
+    <dgm:cxn modelId="{7EE46D4B-C59C-49FE-BCC5-17CB0B077AF7}" srcId="{ADA94781-E2A9-4BC7-97A0-E71A3BE187D6}" destId="{A285696E-E20F-450F-AD2A-2CA01487710E}" srcOrd="0" destOrd="0" parTransId="{5F433974-00BF-4656-8D08-4541E4755E1F}" sibTransId="{BD8DD3D5-0CA5-4748-8F82-11FC0B7DE52B}"/>
+    <dgm:cxn modelId="{57AAD66B-5C98-4446-91B2-977FCB8ACF58}" type="presOf" srcId="{A285696E-E20F-450F-AD2A-2CA01487710E}" destId="{65AA7AE3-7BA4-4256-A7E7-6ADD6196B2DE}" srcOrd="0" destOrd="0" presId="urn:microsoft.com/office/officeart/2008/layout/RadialCluster"/>
+    <dgm:cxn modelId="{72CBD583-D91D-4061-A235-2BBDC4CB1258}" type="presOf" srcId="{2337A8C7-A5E2-41E3-AD6A-17536A1AB81C}" destId="{4866A4C8-4026-4C06-A161-E4D4272C89A7}" srcOrd="0" destOrd="0" presId="urn:microsoft.com/office/officeart/2008/layout/RadialCluster"/>
+    <dgm:cxn modelId="{F5A7D294-64BF-4158-80FE-0284F1E13252}" type="presOf" srcId="{83C7CB07-8B9E-4904-BE34-FB268E24D959}" destId="{23FD41E1-F2C3-4873-8068-45FA95BC5F66}" srcOrd="0" destOrd="0" presId="urn:microsoft.com/office/officeart/2008/layout/RadialCluster"/>
+    <dgm:cxn modelId="{16FCD89F-58AA-4ED9-9830-62D1073DE4DB}" type="presOf" srcId="{166498DA-992D-4842-A49F-00B0B296A3AB}" destId="{29A9ABC8-8B7E-4AF2-B179-379C32D9962E}" srcOrd="0" destOrd="0" presId="urn:microsoft.com/office/officeart/2008/layout/RadialCluster"/>
+    <dgm:cxn modelId="{253755A0-1D21-4BAE-A059-F6CD7663597B}" type="presOf" srcId="{62AB0BCD-76D0-4655-92C0-1110A4D29F68}" destId="{41C0591F-4423-4696-A541-7927A488956C}" srcOrd="0" destOrd="0" presId="urn:microsoft.com/office/officeart/2008/layout/RadialCluster"/>
+    <dgm:cxn modelId="{BAD526B5-2B80-4FA0-8E23-61C5757F230A}" srcId="{A285696E-E20F-450F-AD2A-2CA01487710E}" destId="{2337A8C7-A5E2-41E3-AD6A-17536A1AB81C}" srcOrd="2" destOrd="0" parTransId="{62AB0BCD-76D0-4655-92C0-1110A4D29F68}" sibTransId="{5B8187EC-0177-4801-A25B-59CFF5A09A63}"/>
+    <dgm:cxn modelId="{FF4C9AC9-BBA6-4DC0-9DF6-C96A53EE0C3C}" type="presOf" srcId="{ADA94781-E2A9-4BC7-97A0-E71A3BE187D6}" destId="{05FF7D6B-2867-4E27-A224-200F5EEA9200}" srcOrd="0" destOrd="0" presId="urn:microsoft.com/office/officeart/2008/layout/RadialCluster"/>
+    <dgm:cxn modelId="{D3F6F4DA-B7AD-4B91-84CE-27196EC9F12F}" srcId="{A285696E-E20F-450F-AD2A-2CA01487710E}" destId="{E6D3F8CA-592A-4B27-A80B-5053490CAD93}" srcOrd="1" destOrd="0" parTransId="{83C7CB07-8B9E-4904-BE34-FB268E24D959}" sibTransId="{82589D44-1193-4FFB-9A46-2BA26AAF7A46}"/>
+    <dgm:cxn modelId="{9641BDD3-0E2E-4086-A127-D796EA1E6477}" type="presParOf" srcId="{05FF7D6B-2867-4E27-A224-200F5EEA9200}" destId="{E9965B2F-3801-48D8-9FE8-975EE46F648A}" srcOrd="0" destOrd="0" presId="urn:microsoft.com/office/officeart/2008/layout/RadialCluster"/>
+    <dgm:cxn modelId="{5198E0FF-55E7-4FB5-AA27-37CF9F6EE142}" type="presParOf" srcId="{E9965B2F-3801-48D8-9FE8-975EE46F648A}" destId="{65AA7AE3-7BA4-4256-A7E7-6ADD6196B2DE}" srcOrd="0" destOrd="0" presId="urn:microsoft.com/office/officeart/2008/layout/RadialCluster"/>
+    <dgm:cxn modelId="{A766DABF-DEB1-476D-A136-D6EBEC8A18E5}" type="presParOf" srcId="{E9965B2F-3801-48D8-9FE8-975EE46F648A}" destId="{29A9ABC8-8B7E-4AF2-B179-379C32D9962E}" srcOrd="1" destOrd="0" presId="urn:microsoft.com/office/officeart/2008/layout/RadialCluster"/>
+    <dgm:cxn modelId="{89ABBBB8-7BCC-41B3-B11A-178CF3D86A7B}" type="presParOf" srcId="{E9965B2F-3801-48D8-9FE8-975EE46F648A}" destId="{207C128E-7FBD-4C97-84F7-E0792C9CFEEC}" srcOrd="2" destOrd="0" presId="urn:microsoft.com/office/officeart/2008/layout/RadialCluster"/>
+    <dgm:cxn modelId="{3229ABB3-297E-4B65-B2AD-509B219362BE}" type="presParOf" srcId="{E9965B2F-3801-48D8-9FE8-975EE46F648A}" destId="{23FD41E1-F2C3-4873-8068-45FA95BC5F66}" srcOrd="3" destOrd="0" presId="urn:microsoft.com/office/officeart/2008/layout/RadialCluster"/>
+    <dgm:cxn modelId="{BBEB621D-8457-4E98-9F00-B15F89457B0A}" type="presParOf" srcId="{E9965B2F-3801-48D8-9FE8-975EE46F648A}" destId="{40EA4F8F-38A3-421E-97C9-6DD70090178B}" srcOrd="4" destOrd="0" presId="urn:microsoft.com/office/officeart/2008/layout/RadialCluster"/>
+    <dgm:cxn modelId="{19C1F055-1A7F-4829-B4A5-A658CB3C1329}" type="presParOf" srcId="{E9965B2F-3801-48D8-9FE8-975EE46F648A}" destId="{41C0591F-4423-4696-A541-7927A488956C}" srcOrd="5" destOrd="0" presId="urn:microsoft.com/office/officeart/2008/layout/RadialCluster"/>
+    <dgm:cxn modelId="{B467B529-51FF-4109-8662-4F497A550E1A}" type="presParOf" srcId="{E9965B2F-3801-48D8-9FE8-975EE46F648A}" destId="{4866A4C8-4026-4C06-A161-E4D4272C89A7}" srcOrd="6" destOrd="0" presId="urn:microsoft.com/office/officeart/2008/layout/RadialCluster"/>
+  </dgm:cxnLst>
+  <dgm:bg/>
+  <dgm:whole/>
+  <dgm:extLst>
+    <a:ext uri="http://schemas.microsoft.com/office/drawing/2008/diagram">
+      <dsp:dataModelExt xmlns:dsp="http://schemas.microsoft.com/office/drawing/2008/diagram" relId="rId7" minVer="http://schemas.openxmlformats.org/drawingml/2006/diagram"/>
+    </a:ext>
+  </dgm:extLst>
+</dgm:dataModel>
+</file>
+
+<file path=ppt/diagrams/drawing1.xml><?xml version="1.0" encoding="utf-8"?>
+<dsp:drawing xmlns:dgm="http://schemas.openxmlformats.org/drawingml/2006/diagram" xmlns:dsp="http://schemas.microsoft.com/office/drawing/2008/diagram" xmlns:a="http://schemas.openxmlformats.org/drawingml/2006/main">
+  <dsp:spTree>
+    <dsp:nvGrpSpPr>
+      <dsp:cNvPr id="0" name=""/>
+      <dsp:cNvGrpSpPr/>
+    </dsp:nvGrpSpPr>
+    <dsp:grpSpPr/>
+    <dsp:sp modelId="{65AA7AE3-7BA4-4256-A7E7-6ADD6196B2DE}">
+      <dsp:nvSpPr>
+        <dsp:cNvPr id="0" name=""/>
+        <dsp:cNvSpPr/>
+      </dsp:nvSpPr>
+      <dsp:spPr>
+        <a:xfrm>
+          <a:off x="3187054" y="3031632"/>
+          <a:ext cx="1625600" cy="604235"/>
+        </a:xfrm>
+        <a:prstGeom prst="roundRect">
+          <a:avLst/>
+        </a:prstGeom>
+        <a:solidFill>
+          <a:srgbClr val="C00000"/>
+        </a:solidFill>
+        <a:ln>
+          <a:noFill/>
+        </a:ln>
+        <a:effectLst>
+          <a:outerShdw blurRad="40000" dist="23000" dir="5400000" rotWithShape="0">
+            <a:srgbClr val="000000">
+              <a:alpha val="35000"/>
+            </a:srgbClr>
+          </a:outerShdw>
+        </a:effectLst>
+        <a:scene3d>
+          <a:camera prst="orthographicFront">
+            <a:rot lat="0" lon="0" rev="0"/>
+          </a:camera>
+          <a:lightRig rig="threePt" dir="t">
+            <a:rot lat="0" lon="0" rev="1200000"/>
+          </a:lightRig>
+        </a:scene3d>
+        <a:sp3d>
+          <a:bevelT w="63500" h="25400"/>
+        </a:sp3d>
+      </dsp:spPr>
+      <dsp:style>
+        <a:lnRef idx="0">
+          <a:scrgbClr r="0" g="0" b="0"/>
+        </a:lnRef>
+        <a:fillRef idx="3">
+          <a:scrgbClr r="0" g="0" b="0"/>
+        </a:fillRef>
+        <a:effectRef idx="3">
+          <a:scrgbClr r="0" g="0" b="0"/>
+        </a:effectRef>
+        <a:fontRef idx="minor">
+          <a:schemeClr val="lt1"/>
+        </a:fontRef>
+      </dsp:style>
+      <dsp:txBody>
+        <a:bodyPr spcFirstLastPara="0" vert="horz" wrap="square" lIns="58420" tIns="58420" rIns="58420" bIns="58420" numCol="1" spcCol="1270" anchor="ctr" anchorCtr="0">
+          <a:noAutofit/>
+        </a:bodyPr>
+        <a:lstStyle/>
+        <a:p>
+          <a:pPr marL="0" lvl="0" indent="0" algn="ctr" defTabSz="1022350">
+            <a:lnSpc>
+              <a:spcPct val="90000"/>
+            </a:lnSpc>
+            <a:spcBef>
+              <a:spcPct val="0"/>
+            </a:spcBef>
+            <a:spcAft>
+              <a:spcPct val="35000"/>
+            </a:spcAft>
+            <a:buNone/>
+          </a:pPr>
+          <a:r>
+            <a:rPr lang="de-DE" sz="2300" kern="1200" dirty="0"/>
+            <a:t>AppModule</a:t>
+          </a:r>
+        </a:p>
+      </dsp:txBody>
+      <dsp:txXfrm>
+        <a:off x="3216550" y="3061128"/>
+        <a:ext cx="1566608" cy="545243"/>
+      </dsp:txXfrm>
+    </dsp:sp>
+    <dsp:sp modelId="{29A9ABC8-8B7E-4AF2-B179-379C32D9962E}">
+      <dsp:nvSpPr>
+        <dsp:cNvPr id="0" name=""/>
+        <dsp:cNvSpPr/>
+      </dsp:nvSpPr>
+      <dsp:spPr>
+        <a:xfrm rot="16237512">
+          <a:off x="3449280" y="2471684"/>
+          <a:ext cx="1119962" cy="0"/>
+        </a:xfrm>
+        <a:custGeom>
+          <a:avLst/>
+          <a:gdLst/>
+          <a:ahLst/>
+          <a:cxnLst/>
+          <a:rect l="0" t="0" r="0" b="0"/>
+          <a:pathLst>
+            <a:path>
+              <a:moveTo>
+                <a:pt x="0" y="0"/>
+              </a:moveTo>
+              <a:lnTo>
+                <a:pt x="1119962" y="0"/>
+              </a:lnTo>
+            </a:path>
+          </a:pathLst>
+        </a:custGeom>
+        <a:noFill/>
+        <a:ln w="38100" cap="flat" cmpd="sng" algn="ctr">
+          <a:solidFill>
+            <a:schemeClr val="bg1">
+              <a:lumMod val="50000"/>
+            </a:schemeClr>
+          </a:solidFill>
+          <a:prstDash val="solid"/>
+          <a:tailEnd type="triangle"/>
+        </a:ln>
+        <a:effectLst/>
+      </dsp:spPr>
+      <dsp:style>
+        <a:lnRef idx="2">
+          <a:scrgbClr r="0" g="0" b="0"/>
+        </a:lnRef>
+        <a:fillRef idx="0">
+          <a:scrgbClr r="0" g="0" b="0"/>
+        </a:fillRef>
+        <a:effectRef idx="0">
+          <a:scrgbClr r="0" g="0" b="0"/>
+        </a:effectRef>
+        <a:fontRef idx="minor"/>
+      </dsp:style>
+    </dsp:sp>
+    <dsp:sp modelId="{207C128E-7FBD-4C97-84F7-E0792C9CFEEC}">
+      <dsp:nvSpPr>
+        <dsp:cNvPr id="0" name=""/>
+        <dsp:cNvSpPr/>
+      </dsp:nvSpPr>
+      <dsp:spPr>
+        <a:xfrm>
+          <a:off x="2907808" y="1263734"/>
+          <a:ext cx="2222196" cy="648001"/>
+        </a:xfrm>
+        <a:prstGeom prst="roundRect">
+          <a:avLst/>
+        </a:prstGeom>
+        <a:solidFill>
+          <a:srgbClr val="C00000"/>
+        </a:solidFill>
+        <a:ln>
+          <a:noFill/>
+        </a:ln>
+        <a:effectLst>
+          <a:outerShdw blurRad="40000" dist="23000" dir="5400000" rotWithShape="0">
+            <a:srgbClr val="000000">
+              <a:alpha val="35000"/>
+            </a:srgbClr>
+          </a:outerShdw>
+        </a:effectLst>
+        <a:scene3d>
+          <a:camera prst="orthographicFront">
+            <a:rot lat="0" lon="0" rev="0"/>
+          </a:camera>
+          <a:lightRig rig="threePt" dir="t">
+            <a:rot lat="0" lon="0" rev="1200000"/>
+          </a:lightRig>
+        </a:scene3d>
+        <a:sp3d>
+          <a:bevelT w="63500" h="25400"/>
+        </a:sp3d>
+      </dsp:spPr>
+      <dsp:style>
+        <a:lnRef idx="0">
+          <a:scrgbClr r="0" g="0" b="0"/>
+        </a:lnRef>
+        <a:fillRef idx="3">
+          <a:scrgbClr r="0" g="0" b="0"/>
+        </a:fillRef>
+        <a:effectRef idx="3">
+          <a:scrgbClr r="0" g="0" b="0"/>
+        </a:effectRef>
+        <a:fontRef idx="minor">
+          <a:schemeClr val="lt1"/>
+        </a:fontRef>
+      </dsp:style>
+      <dsp:txBody>
+        <a:bodyPr spcFirstLastPara="0" vert="horz" wrap="square" lIns="58420" tIns="58420" rIns="58420" bIns="58420" numCol="1" spcCol="1270" anchor="ctr" anchorCtr="0">
+          <a:noAutofit/>
+        </a:bodyPr>
+        <a:lstStyle/>
+        <a:p>
+          <a:pPr marL="0" lvl="0" indent="0" algn="ctr" defTabSz="1022350">
+            <a:lnSpc>
+              <a:spcPct val="90000"/>
+            </a:lnSpc>
+            <a:spcBef>
+              <a:spcPct val="0"/>
+            </a:spcBef>
+            <a:spcAft>
+              <a:spcPct val="35000"/>
+            </a:spcAft>
+            <a:buNone/>
+          </a:pPr>
+          <a:r>
+            <a:rPr lang="de-DE" sz="2300" kern="1200" dirty="0"/>
+            <a:t>LayoutModule</a:t>
+          </a:r>
+        </a:p>
+      </dsp:txBody>
+      <dsp:txXfrm>
+        <a:off x="2939441" y="1295367"/>
+        <a:ext cx="2158930" cy="584735"/>
+      </dsp:txXfrm>
+    </dsp:sp>
+    <dsp:sp modelId="{23FD41E1-F2C3-4873-8068-45FA95BC5F66}">
+      <dsp:nvSpPr>
+        <dsp:cNvPr id="0" name=""/>
+        <dsp:cNvSpPr/>
+      </dsp:nvSpPr>
+      <dsp:spPr>
+        <a:xfrm rot="392040">
+          <a:off x="4809668" y="3479156"/>
+          <a:ext cx="919408" cy="0"/>
+        </a:xfrm>
+        <a:custGeom>
+          <a:avLst/>
+          <a:gdLst/>
+          <a:ahLst/>
+          <a:cxnLst/>
+          <a:rect l="0" t="0" r="0" b="0"/>
+          <a:pathLst>
+            <a:path>
+              <a:moveTo>
+                <a:pt x="0" y="0"/>
+              </a:moveTo>
+              <a:lnTo>
+                <a:pt x="919408" y="0"/>
+              </a:lnTo>
+            </a:path>
+          </a:pathLst>
+        </a:custGeom>
+        <a:noFill/>
+        <a:ln w="38100" cap="flat" cmpd="sng" algn="ctr">
+          <a:solidFill>
+            <a:schemeClr val="bg1">
+              <a:lumMod val="50000"/>
+            </a:schemeClr>
+          </a:solidFill>
+          <a:prstDash val="solid"/>
+          <a:tailEnd type="triangle"/>
+        </a:ln>
+        <a:effectLst/>
+      </dsp:spPr>
+      <dsp:style>
+        <a:lnRef idx="2">
+          <a:scrgbClr r="0" g="0" b="0"/>
+        </a:lnRef>
+        <a:fillRef idx="0">
+          <a:scrgbClr r="0" g="0" b="0"/>
+        </a:fillRef>
+        <a:effectRef idx="0">
+          <a:scrgbClr r="0" g="0" b="0"/>
+        </a:effectRef>
+        <a:fontRef idx="minor"/>
+      </dsp:style>
+    </dsp:sp>
+    <dsp:sp modelId="{40EA4F8F-38A3-421E-97C9-6DD70090178B}">
+      <dsp:nvSpPr>
+        <dsp:cNvPr id="0" name=""/>
+        <dsp:cNvSpPr/>
+      </dsp:nvSpPr>
+      <dsp:spPr>
+        <a:xfrm>
+          <a:off x="5726091" y="3335711"/>
+          <a:ext cx="2239361" cy="648001"/>
+        </a:xfrm>
+        <a:prstGeom prst="roundRect">
+          <a:avLst/>
+        </a:prstGeom>
+        <a:solidFill>
+          <a:srgbClr val="C00000"/>
+        </a:solidFill>
+        <a:ln>
+          <a:noFill/>
+        </a:ln>
+        <a:effectLst>
+          <a:outerShdw blurRad="40000" dist="23000" dir="5400000" rotWithShape="0">
+            <a:srgbClr val="000000">
+              <a:alpha val="35000"/>
+            </a:srgbClr>
+          </a:outerShdw>
+        </a:effectLst>
+        <a:scene3d>
+          <a:camera prst="orthographicFront">
+            <a:rot lat="0" lon="0" rev="0"/>
+          </a:camera>
+          <a:lightRig rig="threePt" dir="t">
+            <a:rot lat="0" lon="0" rev="1200000"/>
+          </a:lightRig>
+        </a:scene3d>
+        <a:sp3d>
+          <a:bevelT w="63500" h="25400"/>
+        </a:sp3d>
+      </dsp:spPr>
+      <dsp:style>
+        <a:lnRef idx="0">
+          <a:scrgbClr r="0" g="0" b="0"/>
+        </a:lnRef>
+        <a:fillRef idx="3">
+          <a:scrgbClr r="0" g="0" b="0"/>
+        </a:fillRef>
+        <a:effectRef idx="3">
+          <a:scrgbClr r="0" g="0" b="0"/>
+        </a:effectRef>
+        <a:fontRef idx="minor">
+          <a:schemeClr val="lt1"/>
+        </a:fontRef>
+      </dsp:style>
+      <dsp:txBody>
+        <a:bodyPr spcFirstLastPara="0" vert="horz" wrap="square" lIns="58420" tIns="58420" rIns="58420" bIns="58420" numCol="1" spcCol="1270" anchor="ctr" anchorCtr="0">
+          <a:noAutofit/>
+        </a:bodyPr>
+        <a:lstStyle/>
+        <a:p>
+          <a:pPr marL="0" lvl="0" indent="0" algn="ctr" defTabSz="1022350">
+            <a:lnSpc>
+              <a:spcPct val="90000"/>
+            </a:lnSpc>
+            <a:spcBef>
+              <a:spcPct val="0"/>
+            </a:spcBef>
+            <a:spcAft>
+              <a:spcPct val="35000"/>
+            </a:spcAft>
+            <a:buNone/>
+          </a:pPr>
+          <a:r>
+            <a:rPr lang="de-DE" sz="2300" kern="1200" dirty="0"/>
+            <a:t>TopologyModule</a:t>
+          </a:r>
+        </a:p>
+      </dsp:txBody>
+      <dsp:txXfrm>
+        <a:off x="5757724" y="3367344"/>
+        <a:ext cx="2176095" cy="584735"/>
+      </dsp:txXfrm>
+    </dsp:sp>
+    <dsp:sp modelId="{41C0591F-4423-4696-A541-7927A488956C}">
+      <dsp:nvSpPr>
+        <dsp:cNvPr id="0" name=""/>
+        <dsp:cNvSpPr/>
+      </dsp:nvSpPr>
+      <dsp:spPr>
+        <a:xfrm rot="10298232">
+          <a:off x="2486117" y="3504479"/>
+          <a:ext cx="704683" cy="0"/>
+        </a:xfrm>
+        <a:custGeom>
+          <a:avLst/>
+          <a:gdLst/>
+          <a:ahLst/>
+          <a:cxnLst/>
+          <a:rect l="0" t="0" r="0" b="0"/>
+          <a:pathLst>
+            <a:path>
+              <a:moveTo>
+                <a:pt x="0" y="0"/>
+              </a:moveTo>
+              <a:lnTo>
+                <a:pt x="704683" y="0"/>
+              </a:lnTo>
+            </a:path>
+          </a:pathLst>
+        </a:custGeom>
+        <a:noFill/>
+        <a:ln w="38100" cap="flat" cmpd="sng" algn="ctr">
+          <a:solidFill>
+            <a:schemeClr val="bg1">
+              <a:lumMod val="50000"/>
+            </a:schemeClr>
+          </a:solidFill>
+          <a:prstDash val="solid"/>
+          <a:tailEnd type="triangle"/>
+        </a:ln>
+        <a:effectLst/>
+      </dsp:spPr>
+      <dsp:style>
+        <a:lnRef idx="2">
+          <a:scrgbClr r="0" g="0" b="0"/>
+        </a:lnRef>
+        <a:fillRef idx="0">
+          <a:scrgbClr r="0" g="0" b="0"/>
+        </a:fillRef>
+        <a:effectRef idx="0">
+          <a:scrgbClr r="0" g="0" b="0"/>
+        </a:effectRef>
+        <a:fontRef idx="minor"/>
+      </dsp:style>
+    </dsp:sp>
+    <dsp:sp modelId="{4866A4C8-4026-4C06-A161-E4D4272C89A7}">
+      <dsp:nvSpPr>
+        <dsp:cNvPr id="0" name=""/>
+        <dsp:cNvSpPr/>
+      </dsp:nvSpPr>
+      <dsp:spPr>
+        <a:xfrm>
+          <a:off x="507084" y="3377461"/>
+          <a:ext cx="1982779" cy="648001"/>
+        </a:xfrm>
+        <a:prstGeom prst="roundRect">
+          <a:avLst/>
+        </a:prstGeom>
+        <a:solidFill>
+          <a:srgbClr val="C00000"/>
+        </a:solidFill>
+        <a:ln>
+          <a:noFill/>
+        </a:ln>
+        <a:effectLst>
+          <a:outerShdw blurRad="40000" dist="23000" dir="5400000" rotWithShape="0">
+            <a:srgbClr val="000000">
+              <a:alpha val="35000"/>
+            </a:srgbClr>
+          </a:outerShdw>
+        </a:effectLst>
+        <a:scene3d>
+          <a:camera prst="orthographicFront">
+            <a:rot lat="0" lon="0" rev="0"/>
+          </a:camera>
+          <a:lightRig rig="threePt" dir="t">
+            <a:rot lat="0" lon="0" rev="1200000"/>
+          </a:lightRig>
+        </a:scene3d>
+        <a:sp3d>
+          <a:bevelT w="63500" h="25400"/>
+        </a:sp3d>
+      </dsp:spPr>
+      <dsp:style>
+        <a:lnRef idx="0">
+          <a:scrgbClr r="0" g="0" b="0"/>
+        </a:lnRef>
+        <a:fillRef idx="3">
+          <a:scrgbClr r="0" g="0" b="0"/>
+        </a:fillRef>
+        <a:effectRef idx="3">
+          <a:scrgbClr r="0" g="0" b="0"/>
+        </a:effectRef>
+        <a:fontRef idx="minor">
+          <a:schemeClr val="lt1"/>
+        </a:fontRef>
+      </dsp:style>
+      <dsp:txBody>
+        <a:bodyPr spcFirstLastPara="0" vert="horz" wrap="square" lIns="58420" tIns="58420" rIns="58420" bIns="58420" numCol="1" spcCol="1270" anchor="ctr" anchorCtr="0">
+          <a:noAutofit/>
+        </a:bodyPr>
+        <a:lstStyle/>
+        <a:p>
+          <a:pPr marL="0" lvl="0" indent="0" algn="ctr" defTabSz="1022350">
+            <a:lnSpc>
+              <a:spcPct val="90000"/>
+            </a:lnSpc>
+            <a:spcBef>
+              <a:spcPct val="0"/>
+            </a:spcBef>
+            <a:spcAft>
+              <a:spcPct val="35000"/>
+            </a:spcAft>
+            <a:buNone/>
+          </a:pPr>
+          <a:r>
+            <a:rPr lang="de-DE" sz="2300" kern="1200" dirty="0"/>
+            <a:t>CoreModule</a:t>
+          </a:r>
+        </a:p>
+      </dsp:txBody>
+      <dsp:txXfrm>
+        <a:off x="538717" y="3409094"/>
+        <a:ext cx="1919513" cy="584735"/>
+      </dsp:txXfrm>
+    </dsp:sp>
+  </dsp:spTree>
+</dsp:drawing>
+</file>
+
+<file path=ppt/diagrams/layout1.xml><?xml version="1.0" encoding="utf-8"?>
+<dgm:layoutDef xmlns:dgm="http://schemas.openxmlformats.org/drawingml/2006/diagram" xmlns:a="http://schemas.openxmlformats.org/drawingml/2006/main" uniqueId="urn:microsoft.com/office/officeart/2008/layout/RadialCluster">
+  <dgm:title val=""/>
+  <dgm:desc val=""/>
+  <dgm:catLst>
+    <dgm:cat type="relationship" pri="19500"/>
+    <dgm:cat type="cycle" pri="15000"/>
+  </dgm:catLst>
+  <dgm:sampData>
+    <dgm:dataModel>
+      <dgm:ptLst>
+        <dgm:pt modelId="0" type="doc"/>
+        <dgm:pt modelId="1">
+          <dgm:prSet phldr="1"/>
+        </dgm:pt>
+        <dgm:pt modelId="11">
+          <dgm:prSet phldr="1"/>
+        </dgm:pt>
+        <dgm:pt modelId="12">
+          <dgm:prSet phldr="1"/>
+        </dgm:pt>
+        <dgm:pt modelId="13">
+          <dgm:prSet phldr="1"/>
+        </dgm:pt>
+      </dgm:ptLst>
+      <dgm:cxnLst>
+        <dgm:cxn modelId="2" srcId="0" destId="1" srcOrd="0" destOrd="0"/>
+        <dgm:cxn modelId="3" srcId="1" destId="11" srcOrd="0" destOrd="0"/>
+        <dgm:cxn modelId="4" srcId="1" destId="12" srcOrd="1" destOrd="0"/>
+        <dgm:cxn modelId="5" srcId="1" destId="13" srcOrd="2" destOrd="0"/>
+      </dgm:cxnLst>
+      <dgm:bg/>
+      <dgm:whole/>
+    </dgm:dataModel>
+  </dgm:sampData>
+  <dgm:styleData useDef="1">
+    <dgm:dataModel>
+      <dgm:ptLst/>
+      <dgm:bg/>
+      <dgm:whole/>
+    </dgm:dataModel>
+  </dgm:styleData>
+  <dgm:clrData useDef="1">
+    <dgm:dataModel>
+      <dgm:ptLst/>
+      <dgm:bg/>
+      <dgm:whole/>
+    </dgm:dataModel>
+  </dgm:clrData>
+  <dgm:layoutNode name="Name0">
+    <dgm:varLst>
+      <dgm:chMax val="1"/>
+      <dgm:chPref val="1"/>
+      <dgm:dir/>
+      <dgm:animOne val="branch"/>
+      <dgm:animLvl val="lvl"/>
+    </dgm:varLst>
+    <dgm:alg type="composite">
+      <dgm:param type="ar" val="1.00"/>
+    </dgm:alg>
+    <dgm:shape xmlns:r="http://schemas.openxmlformats.org/officeDocument/2006/relationships" r:blip="">
+      <dgm:adjLst/>
+    </dgm:shape>
+    <dgm:choose name="Name1">
+      <dgm:if name="Name2" func="var" arg="dir" op="equ" val="norm">
+        <dgm:choose name="Name3">
+          <dgm:if name="Name4" axis="ch ch" ptType="node node" cnt="1 0" func="cnt" op="equ" val="1">
+            <dgm:constrLst>
+              <dgm:constr type="l" for="ch" forName="textCenter"/>
+              <dgm:constr type="ctrY" for="ch" forName="textCenter" refType="h" fact="0.5"/>
+              <dgm:constr type="w" for="ch" forName="textCenter" refType="w" fact="0.32"/>
+              <dgm:constr type="h" for="ch" forName="textCenter" refType="w" refFor="ch" refForName="textCenter"/>
+              <dgm:constr type="r" for="ch" forName="cycle_1" refType="w"/>
+              <dgm:constr type="ctrY" for="ch" forName="cycle_1" refType="h" fact="0.5"/>
+              <dgm:constr type="w" for="ch" forName="cycle_1" refType="w" fact="0.56"/>
+              <dgm:constr type="h" for="ch" forName="cycle_1" refType="h"/>
+              <dgm:constr type="primFontSz" for="ch" forName="textCenter" val="65"/>
+              <dgm:constr type="primFontSz" for="des" forName="childCenter1" val="65"/>
+              <dgm:constr type="primFontSz" for="des" forName="text1" op="equ" val="65"/>
+              <dgm:constr type="userS" for="des" ptType="node" refType="w" refFor="ch" refForName="textCenter" fact="0.67"/>
+            </dgm:constrLst>
+          </dgm:if>
+          <dgm:if name="Name5" axis="ch ch" ptType="node node" cnt="1 0" func="cnt" op="equ" val="2">
+            <dgm:constrLst>
+              <dgm:constr type="ctrX" for="ch" forName="textCenter" refType="w" fact="0.5"/>
+              <dgm:constr type="ctrY" for="ch" forName="textCenter" refType="h" fact="0.5"/>
+              <dgm:constr type="w" for="ch" forName="textCenter" refType="w" fact="0.25"/>
+              <dgm:constr type="h" for="ch" forName="textCenter" refType="w" refFor="ch" refForName="textCenter"/>
+              <dgm:constr type="ctrX" for="ch" forName="cycle_1" refType="w" fact="0.5"/>
+              <dgm:constr type="t" for="ch" forName="cycle_1"/>
+              <dgm:constr type="w" for="ch" forName="cycle_1" refType="w"/>
+              <dgm:constr type="h" for="ch" forName="cycle_1" refType="h" fact="0.34"/>
+              <dgm:constr type="ctrX" for="ch" forName="cycle_2" refType="w" fact="0.5"/>
+              <dgm:constr type="b" for="ch" forName="cycle_2" refType="h"/>
+              <dgm:constr type="w" for="ch" forName="cycle_2" refType="w"/>
+              <dgm:constr type="h" for="ch" forName="cycle_2" refType="h" fact="0.34"/>
+              <dgm:constr type="primFontSz" for="ch" forName="textCenter" val="65"/>
+              <dgm:constr type="primFontSz" for="des" forName="childCenter1" val="65"/>
+              <dgm:constr type="primFontSz" for="des" forName="text1" op="equ" val="65"/>
+              <dgm:constr type="primFontSz" for="des" forName="childCenter2" refType="primFontSz" refFor="des" refForName="childCenter1" op="equ"/>
+              <dgm:constr type="primFontSz" for="des" forName="text2" refType="primFontSz" refFor="des" refForName="text1" op="equ"/>
+              <dgm:constr type="userS" for="des" ptType="node" refType="w" refFor="ch" refForName="textCenter" fact="0.67"/>
+            </dgm:constrLst>
+          </dgm:if>
+          <dgm:if name="Name6" axis="ch ch" ptType="node node" cnt="1 0" func="cnt" op="equ" val="3">
+            <dgm:choose name="Name7">
+              <dgm:if name="Name8" axis="ch ch ch" ptType="node node node" st="1 2 0" cnt="1 1 0" func="cnt" op="equ" val="1">
+                <dgm:choose name="Name9">
+                  <dgm:if name="Name10" axis="ch ch ch" ptType="node node node" st="1 3 0" cnt="1 1 0" func="cnt" op="equ" val="1">
+                    <dgm:constrLst>
+                      <dgm:constr type="ctrX" for="ch" forName="textCenter" refType="w" fact="0.5"/>
+                      <dgm:constr type="t" for="ch" forName="textCenter" refType="h" fact="0.436"/>
+                      <dgm:constr type="w" for="ch" forName="textCenter" refType="w" fact="0.21"/>
+                      <dgm:constr type="h" for="ch" forName="textCenter" refType="w" refFor="ch" refForName="textCenter"/>
+                      <dgm:constr type="ctrX" for="ch" forName="cycle_1" refType="w" fact="0.5"/>
+                      <dgm:constr type="t" for="ch" forName="cycle_1"/>
+                      <dgm:constr type="w" for="ch" forName="cycle_1" refType="w" fact="0.61"/>
+                      <dgm:constr type="h" for="ch" forName="cycle_1" refType="h" fact="0.36"/>
+                      <dgm:constr type="diam" for="ch" forName="cycle_1" refType="w" fact="0.5"/>
+                      <dgm:constr type="r" for="ch" forName="cycle_2" refType="w"/>
+                      <dgm:constr type="b" for="ch" forName="cycle_2" refType="h" fact="0.85"/>
+                      <dgm:constr type="w" for="ch" forName="cycle_2" refType="w" fact="0.46"/>
+                      <dgm:constr type="h" for="ch" forName="cycle_2" refType="h" fact="0.54"/>
+                      <dgm:constr type="diam" for="ch" forName="cycle_2" refType="w" fact="0.5"/>
+                      <dgm:constr type="l" for="ch" forName="cycle_3"/>
+                      <dgm:constr type="b" for="ch" forName="cycle_3" refType="h" fact="0.85"/>
+                      <dgm:constr type="w" for="ch" forName="cycle_3" refType="w" fact="0.46"/>
+                      <dgm:constr type="h" for="ch" forName="cycle_3" refType="h" fact="0.54"/>
+                      <dgm:constr type="diam" for="ch" forName="cycle_3" refType="w" fact="0.5"/>
+                      <dgm:constr type="primFontSz" for="ch" forName="textCenter" val="65"/>
+                      <dgm:constr type="primFontSz" for="des" forName="childCenter1" val="65"/>
+                      <dgm:constr type="primFontSz" for="des" forName="text1" op="equ" val="65"/>
+                      <dgm:constr type="primFontSz" for="des" forName="childCenter2" refType="primFontSz" refFor="des" refForName="childCenter1" op="equ"/>
+                      <dgm:constr type="primFontSz" for="des" forName="text2" refType="primFontSz" refFor="des" refForName="text1" op="equ"/>
+                      <dgm:constr type="primFontSz" for="des" forName="childCenter3" refType="primFontSz" refFor="des" refForName="childCenter1" op="equ"/>
+                      <dgm:constr type="primFontSz" for="des" forName="text3" refType="primFontSz" refFor="des" refForName="text1" op="equ"/>
+                      <dgm:constr type="userS" for="des" ptType="node" refType="w" refFor="ch" refForName="textCenter" fact="0.67"/>
+                    </dgm:constrLst>
+                  </dgm:if>
+                  <dgm:else name="Name11">
+                    <dgm:constrLst>
+                      <dgm:constr type="ctrX" for="ch" forName="textCenter" refType="w" fact="0.5"/>
+                      <dgm:constr type="t" for="ch" forName="textCenter" refType="h" fact="0.436"/>
+                      <dgm:constr type="w" for="ch" forName="textCenter" refType="w" fact="0.21"/>
+                      <dgm:constr type="h" for="ch" forName="textCenter" refType="w" refFor="ch" refForName="textCenter"/>
+                      <dgm:constr type="ctrX" for="ch" forName="cycle_1" refType="w" fact="0.5"/>
+                      <dgm:constr type="t" for="ch" forName="cycle_1"/>
+                      <dgm:constr type="w" for="ch" forName="cycle_1" refType="w" fact="0.61"/>
+                      <dgm:constr type="h" for="ch" forName="cycle_1" refType="h" fact="0.36"/>
+                      <dgm:constr type="diam" for="ch" forName="cycle_1" refType="w" fact="0.5"/>
+                      <dgm:constr type="r" for="ch" forName="cycle_2" refType="w"/>
+                      <dgm:constr type="b" for="ch" forName="cycle_2" refType="h" fact="0.85"/>
+                      <dgm:constr type="w" for="ch" forName="cycle_2" refType="w" fact="0.46"/>
+                      <dgm:constr type="h" for="ch" forName="cycle_2" refType="h" fact="0.54"/>
+                      <dgm:constr type="diam" for="ch" forName="cycle_2" refType="w" fact="0.5"/>
+                      <dgm:constr type="l" for="ch" forName="cycle_3"/>
+                      <dgm:constr type="b" for="ch" forName="cycle_3" refType="h"/>
+                      <dgm:constr type="w" for="ch" forName="cycle_3" refType="w" fact="0.46"/>
+                      <dgm:constr type="h" for="ch" forName="cycle_3" refType="h" fact="0.54"/>
+                      <dgm:constr type="diam" for="ch" forName="cycle_3" refType="w" fact="0.5"/>
+                      <dgm:constr type="primFontSz" for="ch" forName="textCenter" val="65"/>
+                      <dgm:constr type="primFontSz" for="des" forName="childCenter1" val="65"/>
+                      <dgm:constr type="primFontSz" for="des" forName="text1" op="equ" val="65"/>
+                      <dgm:constr type="primFontSz" for="des" forName="childCenter2" refType="primFontSz" refFor="des" refForName="childCenter1" op="equ"/>
+                      <dgm:constr type="primFontSz" for="des" forName="text2" refType="primFontSz" refFor="des" refForName="text1" op="equ"/>
+                      <dgm:constr type="primFontSz" for="des" forName="childCenter3" refType="primFontSz" refFor="des" refForName="childCenter1" op="equ"/>
+                      <dgm:constr type="primFontSz" for="des" forName="text3" refType="primFontSz" refFor="des" refForName="text1" op="equ"/>
+                      <dgm:constr type="userS" for="des" ptType="node" refType="w" refFor="ch" refForName="textCenter" fact="0.67"/>
+                    </dgm:constrLst>
+                  </dgm:else>
+                </dgm:choose>
+              </dgm:if>
+              <dgm:else name="Name12">
+                <dgm:choose name="Name13">
+                  <dgm:if name="Name14" axis="ch ch ch" ptType="node node node" st="1 3 0" cnt="1 1 0" func="cnt" op="equ" val="1">
+                    <dgm:constrLst>
+                      <dgm:constr type="ctrX" for="ch" forName="textCenter" refType="w" fact="0.5"/>
+                      <dgm:constr type="t" for="ch" forName="textCenter" refType="h" fact="0.436"/>
+                      <dgm:constr type="w" for="ch" forName="textCenter" refType="w" fact="0.21"/>
+                      <dgm:constr type="h" for="ch" forName="textCenter" refType="w" refFor="ch" refForName="textCenter"/>
+                      <dgm:constr type="ctrX" for="ch" forName="cycle_1" refType="w" fact="0.5"/>
+                      <dgm:constr type="t" for="ch" forName="cycle_1"/>
+                      <dgm:constr type="w" for="ch" forName="cycle_1" refType="w" fact="0.61"/>
+                      <dgm:constr type="h" for="ch" forName="cycle_1" refType="h" fact="0.36"/>
+                      <dgm:constr type="diam" for="ch" forName="cycle_1" refType="w" fact="0.5"/>
+                      <dgm:constr type="r" for="ch" forName="cycle_2" refType="w"/>
+                      <dgm:constr type="b" for="ch" forName="cycle_2" refType="h"/>
+                      <dgm:constr type="w" for="ch" forName="cycle_2" refType="w" fact="0.46"/>
+                      <dgm:constr type="h" for="ch" forName="cycle_2" refType="h" fact="0.54"/>
+                      <dgm:constr type="diam" for="ch" forName="cycle_2" refType="w" fact="0.5"/>
+                      <dgm:constr type="l" for="ch" forName="cycle_3"/>
+                      <dgm:constr type="b" for="ch" forName="cycle_3" refType="h" fact="0.85"/>
+                      <dgm:constr type="w" for="ch" forName="cycle_3" refType="w" fact="0.46"/>
+                      <dgm:constr type="h" for="ch" forName="cycle_3" refType="h" fact="0.54"/>
+                      <dgm:constr type="diam" for="ch" forName="cycle_3" refType="w" fact="0.5"/>
+                      <dgm:constr type="primFontSz" for="ch" forName="textCenter" val="65"/>
+                      <dgm:constr type="primFontSz" for="des" forName="childCenter1" val="65"/>
+                      <dgm:constr type="primFontSz" for="des" forName="text1" op="equ" val="65"/>
+                      <dgm:constr type="primFontSz" for="des" forName="childCenter2" refType="primFontSz" refFor="des" refForName="childCenter1" op="equ"/>
+                      <dgm:constr type="primFontSz" for="des" forName="text2" refType="primFontSz" refFor="des" refForName="text1" op="equ"/>
+                      <dgm:constr type="primFontSz" for="des" forName="childCenter3" refType="primFontSz" refFor="des" refForName="childCenter1" op="equ"/>
+                      <dgm:constr type="primFontSz" for="des" forName="text3" refType="primFontSz" refFor="des" refForName="text1" op="equ"/>
+                      <dgm:constr type="userS" for="des" ptType="node" refType="w" refFor="ch" refForName="textCenter" fact="0.67"/>
+                    </dgm:constrLst>
+                  </dgm:if>
+                  <dgm:else name="Name15">
+                    <dgm:constrLst>
+                      <dgm:constr type="ctrX" for="ch" forName="textCenter" refType="w" fact="0.5"/>
+                      <dgm:constr type="t" for="ch" forName="textCenter" refType="h" fact="0.436"/>
+                      <dgm:constr type="w" for="ch" forName="textCenter" refType="w" fact="0.21"/>
+                      <dgm:constr type="h" for="ch" forName="textCenter" refType="w" refFor="ch" refForName="textCenter"/>
+                      <dgm:constr type="ctrX" for="ch" forName="cycle_1" refType="w" fact="0.5"/>
+                      <dgm:constr type="t" for="ch" forName="cycle_1"/>
+                      <dgm:constr type="w" for="ch" forName="cycle_1" refType="w" fact="0.61"/>
+                      <dgm:constr type="h" for="ch" forName="cycle_1" refType="h" fact="0.36"/>
+                      <dgm:constr type="diam" for="ch" forName="cycle_1" refType="w" fact="0.5"/>
+                      <dgm:constr type="r" for="ch" forName="cycle_2" refType="w"/>
+                      <dgm:constr type="b" for="ch" forName="cycle_2" refType="h"/>
+                      <dgm:constr type="w" for="ch" forName="cycle_2" refType="w" fact="0.46"/>
+                      <dgm:constr type="h" for="ch" forName="cycle_2" refType="h" fact="0.54"/>
+                      <dgm:constr type="diam" for="ch" forName="cycle_2" refType="w" fact="0.5"/>
+                      <dgm:constr type="l" for="ch" forName="cycle_3"/>
+                      <dgm:constr type="b" for="ch" forName="cycle_3" refType="h"/>
+                      <dgm:constr type="w" for="ch" forName="cycle_3" refType="w" fact="0.46"/>
+                      <dgm:constr type="h" for="ch" forName="cycle_3" refType="h" fact="0.54"/>
+                      <dgm:constr type="diam" for="ch" forName="cycle_3" refType="w" fact="0.5"/>
+                      <dgm:constr type="primFontSz" for="ch" forName="textCenter" val="65"/>
+                      <dgm:constr type="primFontSz" for="des" forName="childCenter1" val="65"/>
+                      <dgm:constr type="primFontSz" for="des" forName="text1" op="equ" val="65"/>
+                      <dgm:constr type="primFontSz" for="des" forName="childCenter2" refType="primFontSz" refFor="des" refForName="childCenter1" op="equ"/>
+                      <dgm:constr type="primFontSz" for="des" forName="text2" refType="primFontSz" refFor="des" refForName="text1" op="equ"/>
+                      <dgm:constr type="primFontSz" for="des" forName="childCenter3" refType="primFontSz" refFor="des" refForName="childCenter1" op="equ"/>
+                      <dgm:constr type="primFontSz" for="des" forName="text3" refType="primFontSz" refFor="des" refForName="text1" op="equ"/>
+                      <dgm:constr type="userS" for="des" ptType="node" refType="w" refFor="ch" refForName="textCenter" fact="0.67"/>
+                    </dgm:constrLst>
+                  </dgm:else>
+                </dgm:choose>
+              </dgm:else>
+            </dgm:choose>
+          </dgm:if>
+          <dgm:if name="Name16" axis="ch ch" ptType="node node" cnt="1 0" func="cnt" op="equ" val="4">
+            <dgm:constrLst>
+              <dgm:constr type="ctrX" for="ch" forName="textCenter" refType="w" fact="0.5"/>
+              <dgm:constr type="ctrY" for="ch" forName="textCenter" refType="h" fact="0.5"/>
+              <dgm:constr type="w" for="ch" forName="textCenter" refType="w" fact="0.2"/>
+              <dgm:constr type="h" for="ch" forName="textCenter" refType="w" refFor="ch" refForName="textCenter"/>
+              <dgm:constr type="ctrX" for="ch" forName="cycle_1" refType="w" fact="0.5"/>
+              <dgm:constr type="t" for="ch" forName="cycle_1"/>
+              <dgm:constr type="w" for="ch" forName="cycle_1" refType="w" fact="0.5"/>
+              <dgm:constr type="h" for="ch" forName="cycle_1" refType="h" fact="0.33"/>
+              <dgm:constr type="r" for="ch" forName="cycle_2" refType="w"/>
+              <dgm:constr type="ctrY" for="ch" forName="cycle_2" refType="h" fact="0.5"/>
+              <dgm:constr type="w" for="ch" forName="cycle_2" refType="w" fact="0.33"/>
+              <dgm:constr type="h" for="ch" forName="cycle_2" refType="h" fact="0.5"/>
+              <dgm:constr type="ctrX" for="ch" forName="cycle_3" refType="w" fact="0.5"/>
+              <dgm:constr type="b" for="ch" forName="cycle_3" refType="h"/>
+              <dgm:constr type="w" for="ch" forName="cycle_3" refType="w" fact="0.5"/>
+              <dgm:constr type="h" for="ch" forName="cycle_3" refType="h" fact="0.33"/>
+              <dgm:constr type="l" for="ch" forName="cycle_4"/>
+              <dgm:constr type="ctrY" for="ch" forName="cycle_4" refType="h" fact="0.5"/>
+              <dgm:constr type="w" for="ch" forName="cycle_4" refType="w" fact="0.33"/>
+              <dgm:constr type="h" for="ch" forName="cycle_4" refType="h" fact="0.5"/>
+              <dgm:constr type="primFontSz" for="ch" forName="textCenter" val="65"/>
+              <dgm:constr type="primFontSz" for="des" forName="childCenter1" val="65"/>
+              <dgm:constr type="primFontSz" for="des" forName="text1" op="equ" val="65"/>
+              <dgm:constr type="primFontSz" for="des" forName="childCenter2" refType="primFontSz" refFor="des" refForName="childCenter1" op="equ"/>
+              <dgm:constr type="primFontSz" for="des" forName="text2" refType="primFontSz" refFor="des" refForName="text1" op="equ"/>
+              <dgm:constr type="primFontSz" for="des" forName="childCenter3" refType="primFontSz" refFor="des" refForName="childCenter1" op="equ"/>
+              <dgm:constr type="primFontSz" for="des" forName="text3" refType="primFontSz" refFor="des" refForName="text1" op="equ"/>
+              <dgm:constr type="primFontSz" for="des" forName="childCenter4" refType="primFontSz" refFor="des" refForName="childCenter1" op="equ"/>
+              <dgm:constr type="primFontSz" for="des" forName="text4" refType="primFontSz" refFor="des" refForName="text1" op="equ"/>
+              <dgm:constr type="userS" for="des" ptType="node" refType="w" refFor="ch" refForName="textCenter" fact="0.67"/>
+            </dgm:constrLst>
+          </dgm:if>
+          <dgm:if name="Name17" axis="ch ch" ptType="node node" cnt="1 0" func="cnt" op="equ" val="5">
+            <dgm:constrLst>
+              <dgm:constr type="ctrX" for="ch" forName="textCenter" refType="w" fact="0.5"/>
+              <dgm:constr type="t" for="ch" forName="textCenter" refType="h" fact="0.42"/>
+              <dgm:constr type="w" for="ch" forName="textCenter" refType="w" fact="0.2"/>
+              <dgm:constr type="h" for="ch" forName="textCenter" refType="w" refFor="ch" refForName="textCenter"/>
+              <dgm:constr type="ctrX" for="ch" forName="cycle_1" refType="w" fact="0.5"/>
+              <dgm:constr type="t" for="ch" forName="cycle_1"/>
+              <dgm:constr type="w" for="ch" forName="cycle_1" refType="w" fact="0.33"/>
+              <dgm:constr type="h" for="ch" forName="cycle_1" refType="w" refFor="ch" refForName="cycle_1"/>
+              <dgm:constr type="r" for="ch" forName="cycle_2" refType="w"/>
+              <dgm:constr type="t" for="ch" forName="cycle_2" refType="h" fact="0.24"/>
+              <dgm:constr type="w" for="ch" forName="cycle_2" refType="w" fact="0.33"/>
+              <dgm:constr type="h" for="ch" forName="cycle_2" refType="w" refFor="ch" refForName="cycle_2"/>
+              <dgm:constr type="r" for="ch" forName="cycle_3" refType="w" fact="0.89"/>
+              <dgm:constr type="b" for="ch" forName="cycle_3" refType="h"/>
+              <dgm:constr type="w" for="ch" forName="cycle_3" refType="w" fact="0.33"/>
+              <dgm:constr type="h" for="ch" forName="cycle_3" refType="w" refFor="ch" refForName="cycle_3"/>
+              <dgm:constr type="l" for="ch" forName="cycle_4" refType="w" fact="0.11"/>
+              <dgm:constr type="b" for="ch" forName="cycle_4" refType="h"/>
+              <dgm:constr type="w" for="ch" forName="cycle_4" refType="w" fact="0.33"/>
+              <dgm:constr type="h" for="ch" forName="cycle_4" refType="w" refFor="ch" refForName="cycle_4"/>
+              <dgm:constr type="l" for="ch" forName="cycle_5"/>
+              <dgm:constr type="t" for="ch" forName="cycle_5" refType="h" fact="0.24"/>
+              <dgm:constr type="w" for="ch" forName="cycle_5" refType="w" fact="0.33"/>
+              <dgm:constr type="h" for="ch" forName="cycle_5" refType="w" refFor="ch" refForName="cycle_5"/>
+              <dgm:constr type="primFontSz" for="ch" forName="textCenter" val="65"/>
+              <dgm:constr type="primFontSz" for="des" forName="childCenter1" val="65"/>
+              <dgm:constr type="primFontSz" for="des" forName="text1" op="equ" val="65"/>
+              <dgm:constr type="primFontSz" for="des" forName="childCenter2" refType="primFontSz" refFor="des" refForName="childCenter1" op="equ"/>
+              <dgm:constr type="primFontSz" for="des" forName="text2" refType="primFontSz" refFor="des" refForName="text1" op="equ"/>
+              <dgm:constr type="primFontSz" for="des" forName="childCenter3" refType="primFontSz" refFor="des" refForName="childCenter1" op="equ"/>
+              <dgm:constr type="primFontSz" for="des" forName="text3" refType="primFontSz" refFor="des" refForName="text1" op="equ"/>
+              <dgm:constr type="primFontSz" for="des" forName="childCenter4" refType="primFontSz" refFor="des" refForName="childCenter1" op="equ"/>
+              <dgm:constr type="primFontSz" for="des" forName="text4" refType="primFontSz" refFor="des" refForName="text1" op="equ"/>
+              <dgm:constr type="primFontSz" for="des" forName="childCenter5" refType="primFontSz" refFor="des" refForName="childCenter1" op="equ"/>
+              <dgm:constr type="primFontSz" for="des" forName="text5" refType="primFontSz" refFor="des" refForName="text1" op="equ"/>
+              <dgm:constr type="userS" for="des" ptType="node" refType="w" refFor="ch" refForName="textCenter" fact="0.67"/>
+            </dgm:constrLst>
+          </dgm:if>
+          <dgm:if name="Name18" axis="ch ch" ptType="node node" cnt="1 0" func="cnt" op="equ" val="6">
+            <dgm:constrLst>
+              <dgm:constr type="ctrX" for="ch" forName="textCenter" refType="w" fact="0.5"/>
+              <dgm:constr type="ctrY" for="ch" forName="textCenter" refType="h" fact="0.5"/>
+              <dgm:constr type="w" for="ch" forName="textCenter" refType="w" fact="0.2"/>
+              <dgm:constr type="h" for="ch" forName="textCenter" refType="w" refFor="ch" refForName="textCenter"/>
+              <dgm:constr type="ctrX" for="ch" forName="cycle_1" refType="w" fact="0.5"/>
+              <dgm:constr type="t" for="ch" forName="cycle_1"/>
+              <dgm:constr type="w" for="ch" forName="cycle_1" refType="w" fact="0.33"/>
+              <dgm:constr type="h" for="ch" forName="cycle_1" refType="w" refFor="ch" refForName="cycle_1"/>
+              <dgm:constr type="r" for="ch" forName="cycle_2" refType="w"/>
+              <dgm:constr type="t" for="ch" forName="cycle_2" refType="h" fact="0.17"/>
+              <dgm:constr type="w" for="ch" forName="cycle_2" refType="w" fact="0.33"/>
+              <dgm:constr type="h" for="ch" forName="cycle_2" refType="w" refFor="ch" refForName="cycle_2"/>
+              <dgm:constr type="r" for="ch" forName="cycle_3" refType="w"/>
+              <dgm:constr type="b" for="ch" forName="cycle_3" refType="h" fact="0.83"/>
+              <dgm:constr type="w" for="ch" forName="cycle_3" refType="w" fact="0.33"/>
+              <dgm:constr type="h" for="ch" forName="cycle_3" refType="w" refFor="ch" refForName="cycle_3"/>
+              <dgm:constr type="ctrX" for="ch" forName="cycle_4" refType="w" fact="0.5"/>
+              <dgm:constr type="b" for="ch" forName="cycle_4" refType="h"/>
+              <dgm:constr type="w" for="ch" forName="cycle_4" refType="w" fact="0.33"/>
+              <dgm:constr type="h" for="ch" forName="cycle_4" refType="w" refFor="ch" refForName="cycle_4"/>
+              <dgm:constr type="l" for="ch" forName="cycle_5"/>
+              <dgm:constr type="b" for="ch" forName="cycle_5" refType="h" fact="0.83"/>
+              <dgm:constr type="w" for="ch" forName="cycle_5" refType="w" fact="0.33"/>
+              <dgm:constr type="h" for="ch" forName="cycle_5" refType="w" refFor="ch" refForName="cycle_5"/>
+              <dgm:constr type="l" for="ch" forName="cycle_6"/>
+              <dgm:constr type="t" for="ch" forName="cycle_6" refType="h" fact="0.17"/>
+              <dgm:constr type="w" for="ch" forName="cycle_6" refType="w" fact="0.33"/>
+              <dgm:constr type="h" for="ch" forName="cycle_6" refType="w" refFor="ch" refForName="cycle_6"/>
+              <dgm:constr type="primFontSz" for="ch" forName="textCenter" val="65"/>
+              <dgm:constr type="primFontSz" for="des" forName="childCenter1" val="65"/>
+              <dgm:constr type="primFontSz" for="des" forName="text1" op="equ" val="65"/>
+              <dgm:constr type="primFontSz" for="des" forName="childCenter2" refType="primFontSz" refFor="des" refForName="childCenter1" op="equ"/>
+              <dgm:constr type="primFontSz" for="des" forName="text2" refType="primFontSz" refFor="des" refForName="text1" op="equ"/>
+              <dgm:constr type="primFontSz" for="des" forName="childCenter3" refType="primFontSz" refFor="des" refForName="childCenter1" op="equ"/>
+              <dgm:constr type="primFontSz" for="des" forName="text3" refType="primFontSz" refFor="des" refForName="text1" op="equ"/>
+              <dgm:constr type="primFontSz" for="des" forName="childCenter4" refType="primFontSz" refFor="des" refForName="childCenter1" op="equ"/>
+              <dgm:constr type="primFontSz" for="des" forName="text4" refType="primFontSz" refFor="des" refForName="text1" op="equ"/>
+              <dgm:constr type="primFontSz" for="des" forName="childCenter5" refType="primFontSz" refFor="des" refForName="childCenter1" op="equ"/>
+              <dgm:constr type="primFontSz" for="des" forName="text5" refType="primFontSz" refFor="des" refForName="text1" op="equ"/>
+              <dgm:constr type="primFontSz" for="des" forName="childCenter6" refType="primFontSz" refFor="des" refForName="childCenter1" op="equ"/>
+              <dgm:constr type="primFontSz" for="des" forName="text6" refType="primFontSz" refFor="des" refForName="text1" op="equ"/>
+              <dgm:constr type="userS" for="des" ptType="node" refType="w" refFor="ch" refForName="textCenter" fact="0.67"/>
+            </dgm:constrLst>
+          </dgm:if>
+          <dgm:else name="Name19">
+            <dgm:constrLst>
+              <dgm:constr type="ctrX" for="ch" forName="textCenter" refType="w" fact="0.5"/>
+              <dgm:constr type="t" for="ch" forName="textCenter" refType="h" fact="0.444"/>
+              <dgm:constr type="w" for="ch" forName="textCenter" refType="w" fact="0.167"/>
+              <dgm:constr type="h" for="ch" forName="textCenter" refType="w" refFor="ch" refForName="textCenter"/>
+              <dgm:constr type="ctrX" for="ch" forName="cycle_1" refType="w" fact="0.5"/>
+              <dgm:constr type="t" for="ch" forName="cycle_1"/>
+              <dgm:constr type="w" for="ch" forName="cycle_1" refType="w" fact="0.263"/>
+              <dgm:constr type="h" for="ch" forName="cycle_1" refType="w" refFor="ch" refForName="cycle_1"/>
+              <dgm:constr type="r" for="ch" forName="cycle_2" refType="w" fact="0.938"/>
+              <dgm:constr type="t" for="ch" forName="cycle_2" refType="h" fact="0.141"/>
+              <dgm:constr type="w" for="ch" forName="cycle_2" refType="w" fact="0.263"/>
+              <dgm:constr type="h" for="ch" forName="cycle_2" refType="w" refFor="ch" refForName="cycle_2"/>
+              <dgm:constr type="r" for="ch" forName="cycle_3" refType="w"/>
+              <dgm:constr type="b" for="ch" forName="cycle_3" refType="h" fact="0.74"/>
+              <dgm:constr type="w" for="ch" forName="cycle_3" refType="w" fact="0.263"/>
+              <dgm:constr type="h" for="ch" forName="cycle_3" refType="w" refFor="ch" refForName="cycle_3"/>
+              <dgm:constr type="r" for="ch" forName="cycle_4" refType="w" fact="0.8"/>
+              <dgm:constr type="b" for="ch" forName="cycle_4" refType="h"/>
+              <dgm:constr type="w" for="ch" forName="cycle_4" refType="w" fact="0.263"/>
+              <dgm:constr type="h" for="ch" forName="cycle_4" refType="w" refFor="ch" refForName="cycle_4"/>
+              <dgm:constr type="l" for="ch" forName="cycle_5" refType="w" fact="0.2"/>
+              <dgm:constr type="b" for="ch" forName="cycle_5" refType="h"/>
+              <dgm:constr type="w" for="ch" forName="cycle_5" refType="w" fact="0.263"/>
+              <dgm:constr type="h" for="ch" forName="cycle_5" refType="w" refFor="ch" refForName="cycle_5"/>
+              <dgm:constr type="l" for="ch" forName="cycle_6"/>
+              <dgm:constr type="b" for="ch" forName="cycle_6" refType="h" fact="0.74"/>
+              <dgm:constr type="w" for="ch" forName="cycle_6" refType="w" fact="0.263"/>
+              <dgm:constr type="h" for="ch" forName="cycle_6" refType="w" refFor="ch" refForName="cycle_6"/>
+              <dgm:constr type="l" for="ch" forName="cycle_7" refType="w" fact="0.062"/>
+              <dgm:constr type="t" for="ch" forName="cycle_7" refType="h" fact="0.141"/>
+              <dgm:constr type="w" for="ch" forName="cycle_7" refType="w" fact="0.263"/>
+              <dgm:constr type="h" for="ch" forName="cycle_7" refType="w" refFor="ch" refForName="cycle_7"/>
+              <dgm:constr type="primFontSz" for="ch" forName="textCenter" val="65"/>
+              <dgm:constr type="primFontSz" for="des" forName="childCenter1" val="65"/>
+              <dgm:constr type="primFontSz" for="des" forName="text1" op="equ" val="65"/>
+              <dgm:constr type="primFontSz" for="des" forName="childCenter2" refType="primFontSz" refFor="des" refForName="childCenter1" op="equ"/>
+              <dgm:constr type="primFontSz" for="des" forName="text2" refType="primFontSz" refFor="des" refForName="text1" op="equ"/>
+              <dgm:constr type="primFontSz" for="des" forName="childCenter3" refType="primFontSz" refFor="des" refForName="childCenter1" op="equ"/>
+              <dgm:constr type="primFontSz" for="des" forName="text3" refType="primFontSz" refFor="des" refForName="text1" op="equ"/>
+              <dgm:constr type="primFontSz" for="des" forName="childCenter4" refType="primFontSz" refFor="des" refForName="childCenter1" op="equ"/>
+              <dgm:constr type="primFontSz" for="des" forName="text4" refType="primFontSz" refFor="des" refForName="text1" op="equ"/>
+              <dgm:constr type="primFontSz" for="des" forName="childCenter5" refType="primFontSz" refFor="des" refForName="childCenter1" op="equ"/>
+              <dgm:constr type="primFontSz" for="des" forName="text5" refType="primFontSz" refFor="des" refForName="text1" op="equ"/>
+              <dgm:constr type="primFontSz" for="des" forName="childCenter6" refType="primFontSz" refFor="des" refForName="childCenter1" op="equ"/>
+              <dgm:constr type="primFontSz" for="des" forName="text6" refType="primFontSz" refFor="des" refForName="text1" op="equ"/>
+              <dgm:constr type="primFontSz" for="des" forName="childCenter7" refType="primFontSz" refFor="des" refForName="childCenter1" op="equ"/>
+              <dgm:constr type="primFontSz" for="des" forName="text7" refType="primFontSz" refFor="des" refForName="text1" op="equ"/>
+              <dgm:constr type="userS" for="des" ptType="node" refType="w" refFor="ch" refForName="textCenter" fact="0.67"/>
+            </dgm:constrLst>
+          </dgm:else>
+        </dgm:choose>
+      </dgm:if>
+      <dgm:else name="Name20">
+        <dgm:choose name="Name21">
+          <dgm:if name="Name22" axis="ch ch" ptType="node node" func="cnt" op="equ" val="1">
+            <dgm:constrLst>
+              <dgm:constr type="r" for="ch" forName="textCenter" refType="w"/>
+              <dgm:constr type="ctrY" for="ch" forName="textCenter" refType="h" fact="0.5"/>
+              <dgm:constr type="w" for="ch" forName="textCenter" refType="w" fact="0.32"/>
+              <dgm:constr type="h" for="ch" forName="textCenter" refType="w" refFor="ch" refForName="textCenter"/>
+              <dgm:constr type="l" for="ch" forName="cycle_1"/>
+              <dgm:constr type="ctrY" for="ch" forName="cycle_1" refType="h" fact="0.5"/>
+              <dgm:constr type="w" for="ch" forName="cycle_1" refType="w" fact="0.56"/>
+              <dgm:constr type="h" for="ch" forName="cycle_1" refType="h"/>
+              <dgm:constr type="primFontSz" for="ch" forName="textCenter" val="65"/>
+              <dgm:constr type="primFontSz" for="des" forName="childCenter1" val="65"/>
+              <dgm:constr type="primFontSz" for="des" forName="text1" op="equ" val="65"/>
+              <dgm:constr type="userS" for="des" ptType="node" refType="w" refFor="ch" refForName="textCenter" fact="0.67"/>
+            </dgm:constrLst>
+          </dgm:if>
+          <dgm:if name="Name23" axis="ch ch" ptType="node node" func="cnt" op="equ" val="2">
+            <dgm:constrLst>
+              <dgm:constr type="ctrX" for="ch" forName="textCenter" refType="w" fact="0.5"/>
+              <dgm:constr type="ctrY" for="ch" forName="textCenter" refType="h" fact="0.5"/>
+              <dgm:constr type="w" for="ch" forName="textCenter" refType="w" fact="0.25"/>
+              <dgm:constr type="h" for="ch" forName="textCenter" refType="w" refFor="ch" refForName="textCenter"/>
+              <dgm:constr type="ctrX" for="ch" forName="cycle_1" refType="w" fact="0.5"/>
+              <dgm:constr type="t" for="ch" forName="cycle_1"/>
+              <dgm:constr type="w" for="ch" forName="cycle_1" refType="w"/>
+              <dgm:constr type="h" for="ch" forName="cycle_1" refType="h" fact="0.34"/>
+              <dgm:constr type="ctrX" for="ch" forName="cycle_2" refType="w" fact="0.5"/>
+              <dgm:constr type="b" for="ch" forName="cycle_2" refType="h"/>
+              <dgm:constr type="w" for="ch" forName="cycle_2" refType="w"/>
+              <dgm:constr type="h" for="ch" forName="cycle_2" refType="h" fact="0.34"/>
+              <dgm:constr type="primFontSz" for="ch" forName="textCenter" val="65"/>
+              <dgm:constr type="primFontSz" for="des" forName="childCenter1" val="65"/>
+              <dgm:constr type="primFontSz" for="des" forName="text1" op="equ" val="65"/>
+              <dgm:constr type="primFontSz" for="des" forName="childCenter2" refType="primFontSz" refFor="des" refForName="childCenter1" op="equ"/>
+              <dgm:constr type="primFontSz" for="des" forName="text2" refType="primFontSz" refFor="des" refForName="text1" op="equ"/>
+              <dgm:constr type="userS" for="des" ptType="node" refType="w" refFor="ch" refForName="textCenter" fact="0.67"/>
+            </dgm:constrLst>
+          </dgm:if>
+          <dgm:if name="Name24" axis="ch ch" ptType="node node" func="cnt" op="equ" val="3">
+            <dgm:choose name="Name25">
+              <dgm:if name="Name26" axis="ch ch ch" ptType="node node node" st="1 2 0" cnt="1 1 0" func="cnt" op="equ" val="1">
+                <dgm:choose name="Name27">
+                  <dgm:if name="Name28" axis="ch ch ch" ptType="node node node" st="1 3 0" cnt="1 1 0" func="cnt" op="equ" val="1">
+                    <dgm:constrLst>
+                      <dgm:constr type="ctrX" for="ch" forName="textCenter" refType="w" fact="0.5"/>
+                      <dgm:constr type="t" for="ch" forName="textCenter" refType="h" fact="0.436"/>
+                      <dgm:constr type="w" for="ch" forName="textCenter" refType="w" fact="0.21"/>
+                      <dgm:constr type="h" for="ch" forName="textCenter" refType="w" refFor="ch" refForName="textCenter"/>
+                      <dgm:constr type="ctrX" for="ch" forName="cycle_1" refType="w" fact="0.5"/>
+                      <dgm:constr type="t" for="ch" forName="cycle_1"/>
+                      <dgm:constr type="w" for="ch" forName="cycle_1" refType="w" fact="0.61"/>
+                      <dgm:constr type="h" for="ch" forName="cycle_1" refType="h" fact="0.36"/>
+                      <dgm:constr type="diam" for="ch" forName="cycle_1" refType="w" fact="0.5"/>
+                      <dgm:constr type="l" for="ch" forName="cycle_2"/>
+                      <dgm:constr type="b" for="ch" forName="cycle_2" refType="h" fact="0.85"/>
+                      <dgm:constr type="w" for="ch" forName="cycle_2" refType="w" fact="0.46"/>
+                      <dgm:constr type="h" for="ch" forName="cycle_2" refType="h" fact="0.54"/>
+                      <dgm:constr type="diam" for="ch" forName="cycle_2" refType="w" fact="0.5"/>
+                      <dgm:constr type="r" for="ch" forName="cycle_3" refType="w"/>
+                      <dgm:constr type="b" for="ch" forName="cycle_3" refType="h" fact="0.85"/>
+                      <dgm:constr type="w" for="ch" forName="cycle_3" refType="w" fact="0.46"/>
+                      <dgm:constr type="h" for="ch" forName="cycle_3" refType="h" fact="0.54"/>
+                      <dgm:constr type="diam" for="ch" forName="cycle_3" refType="w" fact="0.5"/>
+                      <dgm:constr type="primFontSz" for="ch" forName="textCenter" val="65"/>
+                      <dgm:constr type="primFontSz" for="des" forName="childCenter1" val="65"/>
+                      <dgm:constr type="primFontSz" for="des" forName="text1" op="equ" val="65"/>
+                      <dgm:constr type="primFontSz" for="des" forName="childCenter2" refType="primFontSz" refFor="des" refForName="childCenter1" op="equ"/>
+                      <dgm:constr type="primFontSz" for="des" forName="text2" refType="primFontSz" refFor="des" refForName="text1" op="equ"/>
+                      <dgm:constr type="primFontSz" for="des" forName="childCenter3" refType="primFontSz" refFor="des" refForName="childCenter1" op="equ"/>
+                      <dgm:constr type="primFontSz" for="des" forName="text3" refType="primFontSz" refFor="des" refForName="text1" op="equ"/>
+                      <dgm:constr type="userS" for="des" ptType="node" refType="w" refFor="ch" refForName="textCenter" fact="0.67"/>
+                    </dgm:constrLst>
+                  </dgm:if>
+                  <dgm:else name="Name29">
+                    <dgm:constrLst>
+                      <dgm:constr type="ctrX" for="ch" forName="textCenter" refType="w" fact="0.5"/>
+                      <dgm:constr type="t" for="ch" forName="textCenter" refType="h" fact="0.436"/>
+                      <dgm:constr type="w" for="ch" forName="textCenter" refType="w" fact="0.21"/>
+                      <dgm:constr type="h" for="ch" forName="textCenter" refType="w" refFor="ch" refForName="textCenter"/>
+                      <dgm:constr type="ctrX" for="ch" forName="cycle_1" refType="w" fact="0.5"/>
+                      <dgm:constr type="t" for="ch" forName="cycle_1"/>
+                      <dgm:constr type="w" for="ch" forName="cycle_1" refType="w" fact="0.61"/>
+                      <dgm:constr type="h" for="ch" forName="cycle_1" refType="h" fact="0.36"/>
+                      <dgm:constr type="diam" for="ch" forName="cycle_1" refType="w" fact="0.5"/>
+                      <dgm:constr type="l" for="ch" forName="cycle_2"/>
+                      <dgm:constr type="b" for="ch" forName="cycle_2" refType="h" fact="0.85"/>
+                      <dgm:constr type="w" for="ch" forName="cycle_2" refType="w" fact="0.46"/>
+                      <dgm:constr type="h" for="ch" forName="cycle_2" refType="h" fact="0.54"/>
+                      <dgm:constr type="diam" for="ch" forName="cycle_2" refType="w" fact="0.5"/>
+                      <dgm:constr type="r" for="ch" forName="cycle_3" refType="w"/>
+                      <dgm:constr type="b" for="ch" forName="cycle_3" refType="h"/>
+                      <dgm:constr type="w" for="ch" forName="cycle_3" refType="w" fact="0.46"/>
+                      <dgm:constr type="h" for="ch" forName="cycle_3" refType="h" fact="0.54"/>
+                      <dgm:constr type="diam" for="ch" forName="cycle_3" refType="w" fact="0.5"/>
+                      <dgm:constr type="primFontSz" for="ch" forName="textCenter" val="65"/>
+                      <dgm:constr type="primFontSz" for="des" forName="childCenter1" val="65"/>
+                      <dgm:constr type="primFontSz" for="des" forName="text1" op="equ" val="65"/>
+                      <dgm:constr type="primFontSz" for="des" forName="childCenter2" refType="primFontSz" refFor="des" refForName="childCenter1" op="equ"/>
+                      <dgm:constr type="primFontSz" for="des" forName="text2" refType="primFontSz" refFor="des" refForName="text1" op="equ"/>
+                      <dgm:constr type="primFontSz" for="des" forName="childCenter3" refType="primFontSz" refFor="des" refForName="childCenter1" op="equ"/>
+                      <dgm:constr type="primFontSz" for="des" forName="text3" refType="primFontSz" refFor="des" refForName="text1" op="equ"/>
+                      <dgm:constr type="userS" for="des" ptType="node" refType="w" refFor="ch" refForName="textCenter" fact="0.67"/>
+                    </dgm:constrLst>
+                  </dgm:else>
+                </dgm:choose>
+              </dgm:if>
+              <dgm:else name="Name30">
+                <dgm:choose name="Name31">
+                  <dgm:if name="Name32" axis="ch ch ch" ptType="node node node" st="1 3 0" cnt="1 1 0" func="cnt" op="equ" val="1">
+                    <dgm:constrLst>
+                      <dgm:constr type="ctrX" for="ch" forName="textCenter" refType="w" fact="0.5"/>
+                      <dgm:constr type="t" for="ch" forName="textCenter" refType="h" fact="0.436"/>
+                      <dgm:constr type="w" for="ch" forName="textCenter" refType="w" fact="0.21"/>
+                      <dgm:constr type="h" for="ch" forName="textCenter" refType="w" refFor="ch" refForName="textCenter"/>
+                      <dgm:constr type="ctrX" for="ch" forName="cycle_1" refType="w" fact="0.5"/>
+                      <dgm:constr type="t" for="ch" forName="cycle_1"/>
+                      <dgm:constr type="w" for="ch" forName="cycle_1" refType="w" fact="0.61"/>
+                      <dgm:constr type="h" for="ch" forName="cycle_1" refType="h" fact="0.36"/>
+                      <dgm:constr type="diam" for="ch" forName="cycle_1" refType="w" fact="0.5"/>
+                      <dgm:constr type="l" for="ch" forName="cycle_2"/>
+                      <dgm:constr type="b" for="ch" forName="cycle_2" refType="h"/>
+                      <dgm:constr type="w" for="ch" forName="cycle_2" refType="w" fact="0.46"/>
+                      <dgm:constr type="h" for="ch" forName="cycle_2" refType="h" fact="0.54"/>
+                      <dgm:constr type="diam" for="ch" forName="cycle_2" refType="w" fact="0.5"/>
+                      <dgm:constr type="r" for="ch" forName="cycle_3" refType="w"/>
+                      <dgm:constr type="b" for="ch" forName="cycle_3" refType="h" fact="0.85"/>
+                      <dgm:constr type="w" for="ch" forName="cycle_3" refType="w" fact="0.46"/>
+                      <dgm:constr type="h" for="ch" forName="cycle_3" refType="h" fact="0.54"/>
+                      <dgm:constr type="diam" for="ch" forName="cycle_3" refType="w" fact="0.5"/>
+                      <dgm:constr type="primFontSz" for="ch" forName="textCenter" val="65"/>
+                      <dgm:constr type="primFontSz" for="des" forName="childCenter1" val="65"/>
+                      <dgm:constr type="primFontSz" for="des" forName="text1" op="equ" val="65"/>
+                      <dgm:constr type="primFontSz" for="des" forName="childCenter2" refType="primFontSz" refFor="des" refForName="childCenter1" op="equ"/>
+                      <dgm:constr type="primFontSz" for="des" forName="text2" refType="primFontSz" refFor="des" refForName="text1" op="equ"/>
+                      <dgm:constr type="primFontSz" for="des" forName="childCenter3" refType="primFontSz" refFor="des" refForName="childCenter1" op="equ"/>
+                      <dgm:constr type="primFontSz" for="des" forName="text3" refType="primFontSz" refFor="des" refForName="text1" op="equ"/>
+                      <dgm:constr type="userS" for="des" ptType="node" refType="w" refFor="ch" refForName="textCenter" fact="0.67"/>
+                    </dgm:constrLst>
+                  </dgm:if>
+                  <dgm:else name="Name33">
+                    <dgm:constrLst>
+                      <dgm:constr type="ctrX" for="ch" forName="textCenter" refType="w" fact="0.5"/>
+                      <dgm:constr type="t" for="ch" forName="textCenter" refType="h" fact="0.436"/>
+                      <dgm:constr type="w" for="ch" forName="textCenter" refType="w" fact="0.21"/>
+                      <dgm:constr type="h" for="ch" forName="textCenter" refType="w" refFor="ch" refForName="textCenter"/>
+                      <dgm:constr type="ctrX" for="ch" forName="cycle_1" refType="w" fact="0.5"/>
+                      <dgm:constr type="t" for="ch" forName="cycle_1"/>
+                      <dgm:constr type="w" for="ch" forName="cycle_1" refType="w" fact="0.61"/>
+                      <dgm:constr type="h" for="ch" forName="cycle_1" refType="h" fact="0.36"/>
+                      <dgm:constr type="diam" for="ch" forName="cycle_1" refType="w" fact="0.5"/>
+                      <dgm:constr type="l" for="ch" forName="cycle_2"/>
+                      <dgm:constr type="b" for="ch" forName="cycle_2" refType="h"/>
+                      <dgm:constr type="w" for="ch" forName="cycle_2" refType="w" fact="0.46"/>
+                      <dgm:constr type="h" for="ch" forName="cycle_2" refType="h" fact="0.54"/>
+                      <dgm:constr type="diam" for="ch" forName="cycle_2" refType="w" fact="0.5"/>
+                      <dgm:constr type="r" for="ch" forName="cycle_3" refType="w"/>
+                      <dgm:constr type="b" for="ch" forName="cycle_3" refType="h"/>
+                      <dgm:constr type="w" for="ch" forName="cycle_3" refType="w" fact="0.46"/>
+                      <dgm:constr type="h" for="ch" forName="cycle_3" refType="h" fact="0.54"/>
+                      <dgm:constr type="diam" for="ch" forName="cycle_3" refType="w" fact="0.5"/>
+                      <dgm:constr type="primFontSz" for="ch" forName="textCenter" val="65"/>
+                      <dgm:constr type="primFontSz" for="des" forName="childCenter1" val="65"/>
+                      <dgm:constr type="primFontSz" for="des" forName="text1" op="equ" val="65"/>
+                      <dgm:constr type="primFontSz" for="des" forName="childCenter2" refType="primFontSz" refFor="des" refForName="childCenter1" op="equ"/>
+                      <dgm:constr type="primFontSz" for="des" forName="text2" refType="primFontSz" refFor="des" refForName="text1" op="equ"/>
+                      <dgm:constr type="primFontSz" for="des" forName="childCenter3" refType="primFontSz" refFor="des" refForName="childCenter1" op="equ"/>
+                      <dgm:constr type="primFontSz" for="des" forName="text3" refType="primFontSz" refFor="des" refForName="text1" op="equ"/>
+                      <dgm:constr type="userS" for="des" ptType="node" refType="w" refFor="ch" refForName="textCenter" fact="0.67"/>
+                    </dgm:constrLst>
+                  </dgm:else>
+                </dgm:choose>
+              </dgm:else>
+            </dgm:choose>
+          </dgm:if>
+          <dgm:if name="Name34" axis="ch ch" ptType="node node" func="cnt" op="equ" val="4">
+            <dgm:constrLst>
+              <dgm:constr type="ctrX" for="ch" forName="textCenter" refType="w" fact="0.5"/>
+              <dgm:constr type="ctrY" for="ch" forName="textCenter" refType="h" fact="0.5"/>
+              <dgm:constr type="w" for="ch" forName="textCenter" refType="w" fact="0.2"/>
+              <dgm:constr type="h" for="ch" forName="textCenter" refType="w" refFor="ch" refForName="textCenter"/>
+              <dgm:constr type="ctrX" for="ch" forName="cycle_1" refType="w" fact="0.5"/>
+              <dgm:constr type="t" for="ch" forName="cycle_1"/>
+              <dgm:constr type="w" for="ch" forName="cycle_1" refType="w" fact="0.5"/>
+              <dgm:constr type="h" for="ch" forName="cycle_1" refType="h" fact="0.33"/>
+              <dgm:constr type="l" for="ch" forName="cycle_2"/>
+              <dgm:constr type="ctrY" for="ch" forName="cycle_2" refType="h" fact="0.5"/>
+              <dgm:constr type="w" for="ch" forName="cycle_2" refType="w" fact="0.33"/>
+              <dgm:constr type="h" for="ch" forName="cycle_2" refType="h" fact="0.5"/>
+              <dgm:constr type="ctrX" for="ch" forName="cycle_3" refType="w" fact="0.5"/>
+              <dgm:constr type="b" for="ch" forName="cycle_3" refType="h"/>
+              <dgm:constr type="w" for="ch" forName="cycle_3" refType="w" fact="0.5"/>
+              <dgm:constr type="h" for="ch" forName="cycle_3" refType="h" fact="0.33"/>
+              <dgm:constr type="r" for="ch" forName="cycle_4" refType="w"/>
+              <dgm:constr type="ctrY" for="ch" forName="cycle_4" refType="h" fact="0.5"/>
+              <dgm:constr type="w" for="ch" forName="cycle_4" refType="w" fact="0.33"/>
+              <dgm:constr type="h" for="ch" forName="cycle_4" refType="h" fact="0.5"/>
+              <dgm:constr type="primFontSz" for="ch" forName="textCenter" val="65"/>
+              <dgm:constr type="primFontSz" for="des" forName="childCenter1" val="65"/>
+              <dgm:constr type="primFontSz" for="des" forName="text1" op="equ" val="65"/>
+              <dgm:constr type="primFontSz" for="des" forName="childCenter2" refType="primFontSz" refFor="des" refForName="childCenter1" op="equ"/>
+              <dgm:constr type="primFontSz" for="des" forName="text2" refType="primFontSz" refFor="des" refForName="text1" op="equ"/>
+              <dgm:constr type="primFontSz" for="des" forName="childCenter3" refType="primFontSz" refFor="des" refForName="childCenter1" op="equ"/>
+              <dgm:constr type="primFontSz" for="des" forName="text3" refType="primFontSz" refFor="des" refForName="text1" op="equ"/>
+              <dgm:constr type="primFontSz" for="des" forName="childCenter4" refType="primFontSz" refFor="des" refForName="childCenter1" op="equ"/>
+              <dgm:constr type="primFontSz" for="des" forName="text4" refType="primFontSz" refFor="des" refForName="text1" op="equ"/>
+              <dgm:constr type="userS" for="des" ptType="node" refType="w" refFor="ch" refForName="textCenter" fact="0.67"/>
+            </dgm:constrLst>
+          </dgm:if>
+          <dgm:if name="Name35" axis="ch ch" ptType="node node" func="cnt" op="equ" val="5">
+            <dgm:constrLst>
+              <dgm:constr type="ctrX" for="ch" forName="textCenter" refType="w" fact="0.5"/>
+              <dgm:constr type="t" for="ch" forName="textCenter" refType="h" fact="0.42"/>
+              <dgm:constr type="w" for="ch" forName="textCenter" refType="w" fact="0.2"/>
+              <dgm:constr type="h" for="ch" forName="textCenter" refType="w" refFor="ch" refForName="textCenter"/>
+              <dgm:constr type="ctrX" for="ch" forName="cycle_1" refType="w" fact="0.5"/>
+              <dgm:constr type="t" for="ch" forName="cycle_1"/>
+              <dgm:constr type="w" for="ch" forName="cycle_1" refType="w" fact="0.33"/>
+              <dgm:constr type="h" for="ch" forName="cycle_1" refType="w" refFor="ch" refForName="cycle_1"/>
+              <dgm:constr type="l" for="ch" forName="cycle_2"/>
+              <dgm:constr type="t" for="ch" forName="cycle_2" refType="h" fact="0.24"/>
+              <dgm:constr type="w" for="ch" forName="cycle_2" refType="w" fact="0.33"/>
+              <dgm:constr type="h" for="ch" forName="cycle_2" refType="w" refFor="ch" refForName="cycle_2"/>
+              <dgm:constr type="l" for="ch" forName="cycle_3" refType="w" fact="0.11"/>
+              <dgm:constr type="b" for="ch" forName="cycle_3" refType="h"/>
+              <dgm:constr type="w" for="ch" forName="cycle_3" refType="w" fact="0.33"/>
+              <dgm:constr type="h" for="ch" forName="cycle_3" refType="w" refFor="ch" refForName="cycle_3"/>
+              <dgm:constr type="r" for="ch" forName="cycle_4" refType="w" fact="0.89"/>
+              <dgm:constr type="b" for="ch" forName="cycle_4" refType="h"/>
+              <dgm:constr type="w" for="ch" forName="cycle_4" refType="w" fact="0.33"/>
+              <dgm:constr type="h" for="ch" forName="cycle_4" refType="w" refFor="ch" refForName="cycle_4"/>
+              <dgm:constr type="r" for="ch" forName="cycle_5" refType="w"/>
+              <dgm:constr type="t" for="ch" forName="cycle_5" refType="h" fact="0.24"/>
+              <dgm:constr type="w" for="ch" forName="cycle_5" refType="w" fact="0.33"/>
+              <dgm:constr type="h" for="ch" forName="cycle_5" refType="w" refFor="ch" refForName="cycle_5"/>
+              <dgm:constr type="primFontSz" for="ch" forName="textCenter" val="65"/>
+              <dgm:constr type="primFontSz" for="des" forName="childCenter1" val="65"/>
+              <dgm:constr type="primFontSz" for="des" forName="text1" op="equ" val="65"/>
+              <dgm:constr type="primFontSz" for="des" forName="childCenter2" refType="primFontSz" refFor="des" refForName="childCenter1" op="equ"/>
+              <dgm:constr type="primFontSz" for="des" forName="text2" refType="primFontSz" refFor="des" refForName="text1" op="equ"/>
+              <dgm:constr type="primFontSz" for="des" forName="childCenter3" refType="primFontSz" refFor="des" refForName="childCenter1" op="equ"/>
+              <dgm:constr type="primFontSz" for="des" forName="text3" refType="primFontSz" refFor="des" refForName="text1" op="equ"/>
+              <dgm:constr type="primFontSz" for="des" forName="childCenter4" refType="primFontSz" refFor="des" refForName="childCenter1" op="equ"/>
+              <dgm:constr type="primFontSz" for="des" forName="text4" refType="primFontSz" refFor="des" refForName="text1" op="equ"/>
+              <dgm:constr type="primFontSz" for="des" forName="childCenter5" refType="primFontSz" refFor="des" refForName="childCenter1" op="equ"/>
+              <dgm:constr type="primFontSz" for="des" forName="text5" refType="primFontSz" refFor="des" refForName="text1" op="equ"/>
+              <dgm:constr type="userS" for="des" ptType="node" refType="w" refFor="ch" refForName="textCenter" fact="0.67"/>
+            </dgm:constrLst>
+          </dgm:if>
+          <dgm:if name="Name36" axis="ch ch" ptType="node node" func="cnt" op="equ" val="6">
+            <dgm:constrLst>
+              <dgm:constr type="ctrX" for="ch" forName="textCenter" refType="w" fact="0.5"/>
+              <dgm:constr type="ctrY" for="ch" forName="textCenter" refType="h" fact="0.5"/>
+              <dgm:constr type="w" for="ch" forName="textCenter" refType="w" fact="0.2"/>
+              <dgm:constr type="h" for="ch" forName="textCenter" refType="w" refFor="ch" refForName="textCenter"/>
+              <dgm:constr type="ctrX" for="ch" forName="cycle_1" refType="w" fact="0.5"/>
+              <dgm:constr type="t" for="ch" forName="cycle_1"/>
+              <dgm:constr type="w" for="ch" forName="cycle_1" refType="w" fact="0.33"/>
+              <dgm:constr type="h" for="ch" forName="cycle_1" refType="w" refFor="ch" refForName="cycle_1"/>
+              <dgm:constr type="l" for="ch" forName="cycle_2"/>
+              <dgm:constr type="t" for="ch" forName="cycle_2" refType="h" fact="0.17"/>
+              <dgm:constr type="w" for="ch" forName="cycle_2" refType="w" fact="0.33"/>
+              <dgm:constr type="h" for="ch" forName="cycle_2" refType="w" refFor="ch" refForName="cycle_2"/>
+              <dgm:constr type="l" for="ch" forName="cycle_3"/>
+              <dgm:constr type="b" for="ch" forName="cycle_3" refType="h" fact="0.83"/>
+              <dgm:constr type="w" for="ch" forName="cycle_3" refType="w" fact="0.33"/>
+              <dgm:constr type="h" for="ch" forName="cycle_3" refType="w" refFor="ch" refForName="cycle_3"/>
+              <dgm:constr type="ctrX" for="ch" forName="cycle_4" refType="w" fact="0.5"/>
+              <dgm:constr type="b" for="ch" forName="cycle_4" refType="h"/>
+              <dgm:constr type="w" for="ch" forName="cycle_4" refType="w" fact="0.33"/>
+              <dgm:constr type="h" for="ch" forName="cycle_4" refType="w" refFor="ch" refForName="cycle_4"/>
+              <dgm:constr type="r" for="ch" forName="cycle_5" refType="w"/>
+              <dgm:constr type="b" for="ch" forName="cycle_5" refType="h" fact="0.83"/>
+              <dgm:constr type="w" for="ch" forName="cycle_5" refType="w" fact="0.33"/>
+              <dgm:constr type="h" for="ch" forName="cycle_5" refType="w" refFor="ch" refForName="cycle_5"/>
+              <dgm:constr type="r" for="ch" forName="cycle_6" refType="w"/>
+              <dgm:constr type="t" for="ch" forName="cycle_6" refType="h" fact="0.17"/>
+              <dgm:constr type="w" for="ch" forName="cycle_6" refType="w" fact="0.33"/>
+              <dgm:constr type="h" for="ch" forName="cycle_6" refType="w" refFor="ch" refForName="cycle_6"/>
+              <dgm:constr type="primFontSz" for="ch" forName="textCenter" val="65"/>
+              <dgm:constr type="primFontSz" for="des" forName="childCenter1" val="65"/>
+              <dgm:constr type="primFontSz" for="des" forName="text1" op="equ" val="65"/>
+              <dgm:constr type="primFontSz" for="des" forName="childCenter2" refType="primFontSz" refFor="des" refForName="childCenter1" op="equ"/>
+              <dgm:constr type="primFontSz" for="des" forName="text2" refType="primFontSz" refFor="des" refForName="text1" op="equ"/>
+              <dgm:constr type="primFontSz" for="des" forName="childCenter3" refType="primFontSz" refFor="des" refForName="childCenter1" op="equ"/>
+              <dgm:constr type="primFontSz" for="des" forName="text3" refType="primFontSz" refFor="des" refForName="text1" op="equ"/>
+              <dgm:constr type="primFontSz" for="des" forName="childCenter4" refType="primFontSz" refFor="des" refForName="childCenter1" op="equ"/>
+              <dgm:constr type="primFontSz" for="des" forName="text4" refType="primFontSz" refFor="des" refForName="text1" op="equ"/>
+              <dgm:constr type="primFontSz" for="des" forName="childCenter5" refType="primFontSz" refFor="des" refForName="childCenter1" op="equ"/>
+              <dgm:constr type="primFontSz" for="des" forName="text5" refType="primFontSz" refFor="des" refForName="text1" op="equ"/>
+              <dgm:constr type="primFontSz" for="des" forName="childCenter6" refType="primFontSz" refFor="des" refForName="childCenter1" op="equ"/>
+              <dgm:constr type="primFontSz" for="des" forName="text6" refType="primFontSz" refFor="des" refForName="text1" op="equ"/>
+              <dgm:constr type="userS" for="des" ptType="node" refType="w" refFor="ch" refForName="textCenter" fact="0.67"/>
+            </dgm:constrLst>
+          </dgm:if>
+          <dgm:else name="Name37">
+            <dgm:constrLst>
+              <dgm:constr type="ctrX" for="ch" forName="textCenter" refType="w" fact="0.5"/>
+              <dgm:constr type="t" for="ch" forName="textCenter" refType="h" fact="0.444"/>
+              <dgm:constr type="w" for="ch" forName="textCenter" refType="w" fact="0.167"/>
+              <dgm:constr type="h" for="ch" forName="textCenter" refType="w" refFor="ch" refForName="textCenter"/>
+              <dgm:constr type="ctrX" for="ch" forName="cycle_1" refType="w" fact="0.5"/>
+              <dgm:constr type="t" for="ch" forName="cycle_1"/>
+              <dgm:constr type="w" for="ch" forName="cycle_1" refType="w" fact="0.263"/>
+              <dgm:constr type="h" for="ch" forName="cycle_1" refType="w" refFor="ch" refForName="cycle_1"/>
+              <dgm:constr type="l" for="ch" forName="cycle_2" refType="w" fact="0.062"/>
+              <dgm:constr type="t" for="ch" forName="cycle_2" refType="h" fact="0.141"/>
+              <dgm:constr type="w" for="ch" forName="cycle_2" refType="w" fact="0.263"/>
+              <dgm:constr type="h" for="ch" forName="cycle_2" refType="w" refFor="ch" refForName="cycle_2"/>
+              <dgm:constr type="l" for="ch" forName="cycle_3"/>
+              <dgm:constr type="b" for="ch" forName="cycle_3" refType="h" fact="0.74"/>
+              <dgm:constr type="w" for="ch" forName="cycle_3" refType="w" fact="0.263"/>
+              <dgm:constr type="h" for="ch" forName="cycle_3" refType="w" refFor="ch" refForName="cycle_3"/>
+              <dgm:constr type="l" for="ch" forName="cycle_4" refType="w" fact="0.2"/>
+              <dgm:constr type="b" for="ch" forName="cycle_4" refType="h"/>
+              <dgm:constr type="w" for="ch" forName="cycle_4" refType="w" fact="0.263"/>
+              <dgm:constr type="h" for="ch" forName="cycle_4" refType="w" refFor="ch" refForName="cycle_4"/>
+              <dgm:constr type="r" for="ch" forName="cycle_5" refType="w" fact="0.8"/>
+              <dgm:constr type="b" for="ch" forName="cycle_5" refType="h"/>
+              <dgm:constr type="w" for="ch" forName="cycle_5" refType="w" fact="0.263"/>
+              <dgm:constr type="h" for="ch" forName="cycle_5" refType="w" refFor="ch" refForName="cycle_5"/>
+              <dgm:constr type="r" for="ch" forName="cycle_6" refType="w"/>
+              <dgm:constr type="b" for="ch" forName="cycle_6" refType="h" fact="0.74"/>
+              <dgm:constr type="w" for="ch" forName="cycle_6" refType="w" fact="0.263"/>
+              <dgm:constr type="h" for="ch" forName="cycle_6" refType="w" refFor="ch" refForName="cycle_6"/>
+              <dgm:constr type="r" for="ch" forName="cycle_7" refType="w" fact="0.938"/>
+              <dgm:constr type="t" for="ch" forName="cycle_7" refType="h" fact="0.141"/>
+              <dgm:constr type="w" for="ch" forName="cycle_7" refType="w" fact="0.263"/>
+              <dgm:constr type="h" for="ch" forName="cycle_7" refType="w" refFor="ch" refForName="cycle_7"/>
+              <dgm:constr type="primFontSz" for="ch" forName="textCenter" val="65"/>
+              <dgm:constr type="primFontSz" for="des" forName="childCenter1" val="65"/>
+              <dgm:constr type="primFontSz" for="des" forName="text1" op="equ" val="65"/>
+              <dgm:constr type="primFontSz" for="des" forName="childCenter2" refType="primFontSz" refFor="des" refForName="childCenter1" op="equ"/>
+              <dgm:constr type="primFontSz" for="des" forName="text2" refType="primFontSz" refFor="des" refForName="text1" op="equ"/>
+              <dgm:constr type="primFontSz" for="des" forName="childCenter3" refType="primFontSz" refFor="des" refForName="childCenter1" op="equ"/>
+              <dgm:constr type="primFontSz" for="des" forName="text3" refType="primFontSz" refFor="des" refForName="text1" op="equ"/>
+              <dgm:constr type="primFontSz" for="des" forName="childCenter4" refType="primFontSz" refFor="des" refForName="childCenter1" op="equ"/>
+              <dgm:constr type="primFontSz" for="des" forName="text4" refType="primFontSz" refFor="des" refForName="text1" op="equ"/>
+              <dgm:constr type="primFontSz" for="des" forName="childCenter5" refType="primFontSz" refFor="des" refForName="childCenter1" op="equ"/>
+              <dgm:constr type="primFontSz" for="des" forName="text5" refType="primFontSz" refFor="des" refForName="text1" op="equ"/>
+              <dgm:constr type="primFontSz" for="des" forName="childCenter6" refType="primFontSz" refFor="des" refForName="childCenter1" op="equ"/>
+              <dgm:constr type="primFontSz" for="des" forName="text6" refType="primFontSz" refFor="des" refForName="text1" op="equ"/>
+              <dgm:constr type="primFontSz" for="des" forName="childCenter7" refType="primFontSz" refFor="des" refForName="childCenter1" op="equ"/>
+              <dgm:constr type="primFontSz" for="des" forName="text7" refType="primFontSz" refFor="des" refForName="text1" op="equ"/>
+              <dgm:constr type="userS" for="des" ptType="node" refType="w" refFor="ch" refForName="textCenter" fact="0.67"/>
+            </dgm:constrLst>
+          </dgm:else>
+        </dgm:choose>
+      </dgm:else>
+    </dgm:choose>
+    <dgm:forEach name="Name38" axis="ch" ptType="node" cnt="1">
+      <dgm:choose name="Name39">
+        <dgm:if name="Name40" axis="des" func="maxDepth" op="lte" val="1">
+          <dgm:layoutNode name="singleCycle">
+            <dgm:choose name="Name41">
+              <dgm:if name="Name42" axis="ch" ptType="node" func="cnt" op="equ" val="1">
+                <dgm:choose name="Name43">
+                  <dgm:if name="Name44" func="var" arg="dir" op="equ" val="norm">
+                    <dgm:alg type="cycle">
+                      <dgm:param type="stAng" val="90"/>
+                      <dgm:param type="ctrShpMap" val="fNode"/>
+                    </dgm:alg>
+                  </dgm:if>
+                  <dgm:else name="Name45">
+                    <dgm:alg type="cycle">
+                      <dgm:param type="stAng" val="-90"/>
+                      <dgm:param type="spanAng" val="-360"/>
+                      <dgm:param type="ctrShpMap" val="fNode"/>
+                    </dgm:alg>
+                  </dgm:else>
+                </dgm:choose>
+              </dgm:if>
+              <dgm:else name="Name46">
+                <dgm:choose name="Name47">
+                  <dgm:if name="Name48" func="var" arg="dir" op="equ" val="norm">
+                    <dgm:alg type="cycle">
+                      <dgm:param type="ctrShpMap" val="fNode"/>
+                    </dgm:alg>
+                  </dgm:if>
+                  <dgm:else name="Name49">
+                    <dgm:alg type="cycle">
+                      <dgm:param type="spanAng" val="-360"/>
+                      <dgm:param type="ctrShpMap" val="fNode"/>
+                    </dgm:alg>
+                  </dgm:else>
+                </dgm:choose>
+              </dgm:else>
+            </dgm:choose>
+            <dgm:shape xmlns:r="http://schemas.openxmlformats.org/officeDocument/2006/relationships" r:blip="">
+              <dgm:adjLst/>
+            </dgm:shape>
+            <dgm:presOf/>
+            <dgm:choose name="Name50">
+              <dgm:if name="Name51" axis="ch" ptType="node" func="cnt" op="equ" val="0">
+                <dgm:constrLst>
+                  <dgm:constr type="w" for="ch" forName="singleCenter" refType="w"/>
+                  <dgm:constr type="h" for="ch" forName="singleCenter" refType="w" refFor="ch" refForName="singleCenter"/>
+                </dgm:constrLst>
+              </dgm:if>
+              <dgm:if name="Name52" axis="ch" ptType="node" func="cnt" op="equ" val="1">
+                <dgm:constrLst>
+                  <dgm:constr type="w" for="ch" forName="singleCenter" refType="w" fact="0.5"/>
+                  <dgm:constr type="h" for="ch" forName="singleCenter" refType="w" refFor="ch" refForName="singleCenter"/>
+                  <dgm:constr type="userS" for="ch" ptType="node" refType="w" refFor="ch" refForName="singleCenter" fact="0.67"/>
+                </dgm:constrLst>
+              </dgm:if>
+              <dgm:else name="Name53">
+                <dgm:constrLst>
+                  <dgm:constr type="w" for="ch" forName="singleCenter" refType="w" fact="0.3"/>
+                  <dgm:constr type="h" for="ch" forName="singleCenter" refType="w" refFor="ch" refForName="singleCenter"/>
+                  <dgm:constr type="userS" for="ch" ptType="node" refType="w" refFor="ch" refForName="singleCenter" fact="0.67"/>
+                </dgm:constrLst>
+              </dgm:else>
+            </dgm:choose>
+            <dgm:layoutNode name="singleCenter" styleLbl="node1">
+              <dgm:varLst>
+                <dgm:chMax val="7"/>
+                <dgm:chPref val="7"/>
+              </dgm:varLst>
+              <dgm:alg type="tx"/>
+              <dgm:shape xmlns:r="http://schemas.openxmlformats.org/officeDocument/2006/relationships" type="roundRect" r:blip="">
+                <dgm:adjLst/>
+              </dgm:shape>
+              <dgm:presOf axis="self" ptType="node"/>
+              <dgm:constrLst>
+                <dgm:constr type="tMarg" refType="primFontSz" fact="0.2"/>
+                <dgm:constr type="bMarg" refType="primFontSz" fact="0.2"/>
+                <dgm:constr type="lMarg" refType="primFontSz" fact="0.2"/>
+                <dgm:constr type="rMarg" refType="primFontSz" fact="0.2"/>
+              </dgm:constrLst>
+              <dgm:ruleLst>
+                <dgm:rule type="primFontSz" val="5" fact="NaN" max="NaN"/>
+              </dgm:ruleLst>
+            </dgm:layoutNode>
+            <dgm:forEach name="Name54" axis="ch" cnt="21">
+              <dgm:forEach name="Name55" axis="self" ptType="parTrans">
+                <dgm:layoutNode name="Name56">
+                  <dgm:alg type="conn">
+                    <dgm:param type="dim" val="1D"/>
+                    <dgm:param type="begPts" val="auto"/>
+                    <dgm:param type="endPts" val="auto"/>
+                    <dgm:param type="begSty" val="noArr"/>
+                    <dgm:param type="endSty" val="noArr"/>
+                  </dgm:alg>
+                  <dgm:shape xmlns:r="http://schemas.openxmlformats.org/officeDocument/2006/relationships" type="conn" r:blip="">
+                    <dgm:adjLst/>
+                  </dgm:shape>
+                  <dgm:presOf axis="self"/>
+                  <dgm:constrLst>
+                    <dgm:constr type="begPad"/>
+                    <dgm:constr type="endPad"/>
+                  </dgm:constrLst>
+                </dgm:layoutNode>
+              </dgm:forEach>
+              <dgm:forEach name="Name57" axis="self" ptType="node">
+                <dgm:layoutNode name="text0" styleLbl="node1">
+                  <dgm:varLst>
+                    <dgm:bulletEnabled val="1"/>
+                  </dgm:varLst>
+                  <dgm:alg type="tx"/>
+                  <dgm:shape xmlns:r="http://schemas.openxmlformats.org/officeDocument/2006/relationships" type="roundRect" r:blip="">
+                    <dgm:adjLst/>
+                  </dgm:shape>
+                  <dgm:presOf axis="desOrSelf" ptType="node"/>
+                  <dgm:constrLst>
+                    <dgm:constr type="userS"/>
+                    <dgm:constr type="w" refType="userS"/>
+                    <dgm:constr type="h" refType="w"/>
+                    <dgm:constr type="tMarg" refType="primFontSz" fact="0.2"/>
+                    <dgm:constr type="bMarg" refType="primFontSz" fact="0.2"/>
+                    <dgm:constr type="lMarg" refType="primFontSz" fact="0.2"/>
+                    <dgm:constr type="rMarg" refType="primFontSz" fact="0.2"/>
+                  </dgm:constrLst>
+                  <dgm:ruleLst>
+                    <dgm:rule type="primFontSz" val="5" fact="NaN" max="NaN"/>
+                  </dgm:ruleLst>
+                </dgm:layoutNode>
+              </dgm:forEach>
+            </dgm:forEach>
+          </dgm:layoutNode>
+        </dgm:if>
+        <dgm:else name="Name58">
+          <dgm:layoutNode name="textCenter" styleLbl="node1">
+            <dgm:alg type="tx"/>
+            <dgm:shape xmlns:r="http://schemas.openxmlformats.org/officeDocument/2006/relationships" type="roundRect" r:blip="">
+              <dgm:adjLst/>
+            </dgm:shape>
+            <dgm:presOf axis="self" ptType="node"/>
+            <dgm:constrLst>
+              <dgm:constr type="tMarg" refType="primFontSz" fact="0.2"/>
+              <dgm:constr type="bMarg" refType="primFontSz" fact="0.2"/>
+              <dgm:constr type="lMarg" refType="primFontSz" fact="0.2"/>
+              <dgm:constr type="rMarg" refType="primFontSz" fact="0.2"/>
+            </dgm:constrLst>
+            <dgm:ruleLst>
+              <dgm:rule type="primFontSz" val="5" fact="NaN" max="NaN"/>
+            </dgm:ruleLst>
+          </dgm:layoutNode>
+          <dgm:choose name="Name59">
+            <dgm:if name="Name60" axis="ch" ptType="node" func="cnt" op="gte" val="1">
+              <dgm:layoutNode name="cycle_1">
+                <dgm:choose name="Name61">
+                  <dgm:if name="Name62" func="var" arg="dir" op="equ" val="norm">
+                    <dgm:choose name="Name63">
+                      <dgm:if name="Name64" axis="ch" ptType="node" func="cnt" op="equ" val="1">
+                        <dgm:choose name="Name65">
+                          <dgm:if name="Name66" axis="ch ch" ptType="node node" st="1 1" cnt="1 0" func="cnt" op="equ" val="1">
+                            <dgm:alg type="cycle">
+                              <dgm:param type="ctrShpMap" val="fNode"/>
+                              <dgm:param type="stAng" val="90"/>
+                            </dgm:alg>
+                          </dgm:if>
+                          <dgm:if name="Name67" axis="ch ch" ptType="node node" st="1 1" cnt="1 0" func="cnt" op="equ" val="2">
+                            <dgm:alg type="cycle">
+                              <dgm:param type="ctrShpMap" val="fNode"/>
+                              <dgm:param type="stAng" val="45"/>
+                              <dgm:param type="spanAng" val="90"/>
+                            </dgm:alg>
+                          </dgm:if>
+                          <dgm:else name="Name68">
+                            <dgm:alg type="cycle">
+                              <dgm:param type="ctrShpMap" val="fNode"/>
+                              <dgm:param type="stAng" val="0"/>
+                              <dgm:param type="spanAng" val="180"/>
+                            </dgm:alg>
+                          </dgm:else>
+                        </dgm:choose>
+                      </dgm:if>
+                      <dgm:if name="Name69" axis="ch" ptType="node" func="cnt" op="equ" val="2">
+                        <dgm:choose name="Name70">
+                          <dgm:if name="Name71" axis="ch ch" ptType="node node" st="1 1" cnt="1 0" func="cnt" op="equ" val="1">
+                            <dgm:alg type="cycle">
+                              <dgm:param type="ctrShpMap" val="fNode"/>
+                              <dgm:param type="stAng" val="0"/>
+                            </dgm:alg>
+                          </dgm:if>
+                          <dgm:if name="Name72" axis="ch ch" ptType="node node" st="1 1" cnt="1 0" func="cnt" op="equ" val="2">
+                            <dgm:alg type="cycle">
+                              <dgm:param type="ctrShpMap" val="fNode"/>
+                              <dgm:param type="stAng" val="315"/>
+                              <dgm:param type="spanAng" val="90"/>
+                            </dgm:alg>
+                          </dgm:if>
+                          <dgm:else name="Name73">
+                            <dgm:alg type="cycle">
+                              <dgm:param type="ctrShpMap" val="fNode"/>
+                              <dgm:param type="stAng" val="270"/>
+                              <dgm:param type="spanAng" val="180"/>
+                            </dgm:alg>
+                          </dgm:else>
+                        </dgm:choose>
+                      </dgm:if>
+                      <dgm:if name="Name74" axis="ch" ptType="node" func="cnt" op="equ" val="3">
+                        <dgm:choose name="Name75">
+                          <dgm:if name="Name76" axis="ch ch" ptType="node node" st="1 1" cnt="1 0" func="cnt" op="equ" val="1">
+                            <dgm:alg type="cycle">
+                              <dgm:param type="ctrShpMap" val="fNode"/>
+                              <dgm:param type="stAng" val="0"/>
+                            </dgm:alg>
+                          </dgm:if>
+                          <dgm:if name="Name77" axis="ch ch" ptType="node node" st="1 1" cnt="1 0" func="cnt" op="equ" val="2">
+                            <dgm:alg type="cycle">
+                              <dgm:param type="ctrShpMap" val="fNode"/>
+                              <dgm:param type="stAng" val="315"/>
+                              <dgm:param type="spanAng" val="90"/>
+                            </dgm:alg>
+                          </dgm:if>
+                          <dgm:else name="Name78">
+                            <dgm:alg type="cycle">
+                              <dgm:param type="ctrShpMap" val="fNode"/>
+                              <dgm:param type="stAng" val="270"/>
+                              <dgm:param type="spanAng" val="180"/>
+                            </dgm:alg>
+                          </dgm:else>
+                        </dgm:choose>
+                      </dgm:if>
+                      <dgm:if name="Name79" axis="ch" ptType="node" func="cnt" op="equ" val="4">
+                        <dgm:choose name="Name80">
+                          <dgm:if name="Name81" axis="ch ch" ptType="node node" st="1 1" cnt="1 0" func="cnt" op="equ" val="1">
+                            <dgm:alg type="cycle">
+                              <dgm:param type="ctrShpMap" val="fNode"/>
+                              <dgm:param type="stAng" val="0"/>
+                            </dgm:alg>
+                          </dgm:if>
+                          <dgm:if name="Name82" axis="ch ch" ptType="node node" st="1 1" cnt="1 0" func="cnt" op="equ" val="2">
+                            <dgm:alg type="cycle">
+                              <dgm:param type="ctrShpMap" val="fNode"/>
+                              <dgm:param type="stAng" val="315"/>
+                              <dgm:param type="spanAng" val="90"/>
+                            </dgm:alg>
+                          </dgm:if>
+                          <dgm:else name="Name83">
+                            <dgm:alg type="cycle">
+                              <dgm:param type="ctrShpMap" val="fNode"/>
+                              <dgm:param type="stAng" val="292.5"/>
+                              <dgm:param type="spanAng" val="135"/>
+                            </dgm:alg>
+                          </dgm:else>
+                        </dgm:choose>
+                      </dgm:if>
+                      <dgm:if name="Name84" axis="ch" ptType="node" func="cnt" op="equ" val="5">
+                        <dgm:choose name="Name85">
+                          <dgm:if name="Name86" axis="ch ch" ptType="node node" st="1 1" cnt="1 0" func="cnt" op="equ" val="1">
+                            <dgm:alg type="cycle">
+                              <dgm:param type="ctrShpMap" val="fNode"/>
+                              <dgm:param type="stAng" val="0"/>
+                            </dgm:alg>
+                          </dgm:if>
+                          <dgm:if name="Name87" axis="ch ch" ptType="node node" st="1 1" cnt="1 0" func="cnt" op="equ" val="2">
+                            <dgm:alg type="cycle">
+                              <dgm:param type="ctrShpMap" val="fNode"/>
+                              <dgm:param type="stAng" val="315"/>
+                              <dgm:param type="spanAng" val="90"/>
+                            </dgm:alg>
+                          </dgm:if>
+                          <dgm:else name="Name88">
+                            <dgm:alg type="cycle">
+                              <dgm:param type="ctrShpMap" val="fNode"/>
+                              <dgm:param type="stAng" val="0"/>
+                              <dgm:param type="spanAng" val="360"/>
+                            </dgm:alg>
+                          </dgm:else>
+                        </dgm:choose>
+                      </dgm:if>
+                      <dgm:if name="Name89" axis="ch" ptType="node" func="cnt" op="equ" val="6">
+                        <dgm:choose name="Name90">
+                          <dgm:if name="Name91" axis="ch ch" ptType="node node" st="1 1" cnt="1 0" func="cnt" op="equ" val="1">
+                            <dgm:alg type="cycle">
+                              <dgm:param type="ctrShpMap" val="fNode"/>
+                              <dgm:param type="stAng" val="0"/>
+                            </dgm:alg>
+                          </dgm:if>
+                          <dgm:if name="Name92" axis="ch ch" ptType="node node" st="1 1" cnt="1 0" func="cnt" op="equ" val="2">
+                            <dgm:alg type="cycle">
+                              <dgm:param type="ctrShpMap" val="fNode"/>
+                              <dgm:param type="stAng" val="315"/>
+                              <dgm:param type="spanAng" val="90"/>
+                            </dgm:alg>
+                          </dgm:if>
+                          <dgm:else name="Name93">
+                            <dgm:alg type="cycle">
+                              <dgm:param type="ctrShpMap" val="fNode"/>
+                              <dgm:param type="stAng" val="0"/>
+                              <dgm:param type="spanAng" val="360"/>
+                            </dgm:alg>
+                          </dgm:else>
+                        </dgm:choose>
+                      </dgm:if>
+                      <dgm:if name="Name94" axis="ch" ptType="node" func="cnt" op="gte" val="7">
+                        <dgm:choose name="Name95">
+                          <dgm:if name="Name96" axis="ch ch" ptType="node node" st="1 1" cnt="1 0" func="cnt" op="equ" val="1">
+                            <dgm:alg type="cycle">
+                              <dgm:param type="ctrShpMap" val="fNode"/>
+                              <dgm:param type="stAng" val="0"/>
+                            </dgm:alg>
+                          </dgm:if>
+                          <dgm:if name="Name97" axis="ch ch" ptType="node node" st="1 1" cnt="1 0" func="cnt" op="equ" val="2">
+                            <dgm:alg type="cycle">
+                              <dgm:param type="ctrShpMap" val="fNode"/>
+                              <dgm:param type="stAng" val="315"/>
+                              <dgm:param type="spanAng" val="90"/>
+                            </dgm:alg>
+                          </dgm:if>
+                          <dgm:else name="Name98">
+                            <dgm:alg type="cycle">
+                              <dgm:param type="ctrShpMap" val="fNode"/>
+                              <dgm:param type="stAng" val="0"/>
+                              <dgm:param type="spanAng" val="360"/>
+                            </dgm:alg>
+                          </dgm:else>
+                        </dgm:choose>
+                      </dgm:if>
+                      <dgm:else name="Name99"/>
+                    </dgm:choose>
+                  </dgm:if>
+                  <dgm:else name="Name100">
+                    <dgm:choose name="Name101">
+                      <dgm:if name="Name102" axis="ch" ptType="node" func="cnt" op="equ" val="1">
+                        <dgm:choose name="Name103">
+                          <dgm:if name="Name104" axis="ch ch" ptType="node node" st="1 1" cnt="1 0" func="cnt" op="equ" val="1">
+                            <dgm:alg type="cycle">
+                              <dgm:param type="ctrShpMap" val="fNode"/>
+                              <dgm:param type="stAng" val="270"/>
+                            </dgm:alg>
+                          </dgm:if>
+                          <dgm:if name="Name105" axis="ch ch" ptType="node node" st="1 1" cnt="1 0" func="cnt" op="equ" val="2">
+                            <dgm:alg type="cycle">
+                              <dgm:param type="ctrShpMap" val="fNode"/>
+                              <dgm:param type="stAng" val="315"/>
+                              <dgm:param type="spanAng" val="-90"/>
+                            </dgm:alg>
+                          </dgm:if>
+                          <dgm:else name="Name106">
+                            <dgm:alg type="cycle">
+                              <dgm:param type="ctrShpMap" val="fNode"/>
+                              <dgm:param type="stAng" val="0"/>
+                              <dgm:param type="spanAng" val="-180"/>
+                            </dgm:alg>
+                          </dgm:else>
+                        </dgm:choose>
+                      </dgm:if>
+                      <dgm:if name="Name107" axis="ch" ptType="node" func="cnt" op="equ" val="2">
+                        <dgm:choose name="Name108">
+                          <dgm:if name="Name109" axis="ch ch" ptType="node node" st="1 1" cnt="1 0" func="cnt" op="equ" val="1">
+                            <dgm:alg type="cycle">
+                              <dgm:param type="ctrShpMap" val="fNode"/>
+                              <dgm:param type="stAng" val="0"/>
+                            </dgm:alg>
+                          </dgm:if>
+                          <dgm:if name="Name110" axis="ch ch" ptType="node node" st="1 1" cnt="1 0" func="cnt" op="equ" val="2">
+                            <dgm:alg type="cycle">
+                              <dgm:param type="ctrShpMap" val="fNode"/>
+                              <dgm:param type="stAng" val="45"/>
+                              <dgm:param type="spanAng" val="-90"/>
+                            </dgm:alg>
+                          </dgm:if>
+                          <dgm:else name="Name111">
+                            <dgm:alg type="cycle">
+                              <dgm:param type="ctrShpMap" val="fNode"/>
+                              <dgm:param type="stAng" val="90"/>
+                              <dgm:param type="spanAng" val="-180"/>
+                            </dgm:alg>
+                          </dgm:else>
+                        </dgm:choose>
+                      </dgm:if>
+                      <dgm:if name="Name112" axis="ch" ptType="node" func="cnt" op="equ" val="3">
+                        <dgm:choose name="Name113">
+                          <dgm:if name="Name114" axis="ch ch" ptType="node node" st="1 1" cnt="1 0" func="cnt" op="equ" val="1">
+                            <dgm:alg type="cycle">
+                              <dgm:param type="ctrShpMap" val="fNode"/>
+                              <dgm:param type="stAng" val="0"/>
+                            </dgm:alg>
+                          </dgm:if>
+                          <dgm:if name="Name115" axis="ch ch" ptType="node node" st="1 1" cnt="1 0" func="cnt" op="equ" val="2">
+                            <dgm:alg type="cycle">
+                              <dgm:param type="ctrShpMap" val="fNode"/>
+                              <dgm:param type="stAng" val="45"/>
+                              <dgm:param type="spanAng" val="-90"/>
+                            </dgm:alg>
+                          </dgm:if>
+                          <dgm:else name="Name116">
+                            <dgm:alg type="cycle">
+                              <dgm:param type="ctrShpMap" val="fNode"/>
+                              <dgm:param type="stAng" val="90"/>
+                              <dgm:param type="spanAng" val="-180"/>
+                            </dgm:alg>
+                          </dgm:else>
+                        </dgm:choose>
+                      </dgm:if>
+                      <dgm:if name="Name117" axis="ch" ptType="node" func="cnt" op="equ" val="4">
+                        <dgm:choose name="Name118">
+                          <dgm:if name="Name119" axis="ch ch" ptType="node node" st="1 1" cnt="1 0" func="cnt" op="equ" val="1">
+                            <dgm:alg type="cycle">
+                              <dgm:param type="ctrShpMap" val="fNode"/>
+                              <dgm:param type="stAng" val="0"/>
+                            </dgm:alg>
+                          </dgm:if>
+                          <dgm:if name="Name120" axis="ch ch" ptType="node node" st="1 1" cnt="1 0" func="cnt" op="equ" val="2">
+                            <dgm:alg type="cycle">
+                              <dgm:param type="ctrShpMap" val="fNode"/>
+                              <dgm:param type="stAng" val="45"/>
+                              <dgm:param type="spanAng" val="-90"/>
+                            </dgm:alg>
+                          </dgm:if>
+                          <dgm:else name="Name121">
+                            <dgm:alg type="cycle">
+                              <dgm:param type="ctrShpMap" val="fNode"/>
+                              <dgm:param type="stAng" val="67.5"/>
+                              <dgm:param type="spanAng" val="-135"/>
+                            </dgm:alg>
+                          </dgm:else>
+                        </dgm:choose>
+                      </dgm:if>
+                      <dgm:if name="Name122" axis="ch" ptType="node" func="cnt" op="equ" val="5">
+                        <dgm:choose name="Name123">
+                          <dgm:if name="Name124" axis="ch ch" ptType="node node" st="1 1" cnt="1 0" func="cnt" op="equ" val="1">
+                            <dgm:alg type="cycle">
+                              <dgm:param type="ctrShpMap" val="fNode"/>
+                              <dgm:param type="stAng" val="0"/>
+                            </dgm:alg>
+                          </dgm:if>
+                          <dgm:if name="Name125" axis="ch ch" ptType="node node" st="1 1" cnt="1 0" func="cnt" op="equ" val="2">
+                            <dgm:alg type="cycle">
+                              <dgm:param type="ctrShpMap" val="fNode"/>
+                              <dgm:param type="stAng" val="45"/>
+                              <dgm:param type="spanAng" val="-90"/>
+                            </dgm:alg>
+                          </dgm:if>
+                          <dgm:else name="Name126">
+                            <dgm:alg type="cycle">
+                              <dgm:param type="ctrShpMap" val="fNode"/>
+                              <dgm:param type="stAng" val="0"/>
+                              <dgm:param type="spanAng" val="-360"/>
+                            </dgm:alg>
+                          </dgm:else>
+                        </dgm:choose>
+                      </dgm:if>
+                      <dgm:if name="Name127" axis="ch" ptType="node" func="cnt" op="equ" val="6">
+                        <dgm:choose name="Name128">
+                          <dgm:if name="Name129" axis="ch ch" ptType="node node" st="1 1" cnt="1 0" func="cnt" op="equ" val="1">
+                            <dgm:alg type="cycle">
+                              <dgm:param type="ctrShpMap" val="fNode"/>
+                              <dgm:param type="stAng" val="0"/>
+                            </dgm:alg>
+                          </dgm:if>
+                          <dgm:if name="Name130" axis="ch ch" ptType="node node" st="1 1" cnt="1 0" func="cnt" op="equ" val="2">
+                            <dgm:alg type="cycle">
+                              <dgm:param type="ctrShpMap" val="fNode"/>
+                              <dgm:param type="stAng" val="45"/>
+                              <dgm:param type="spanAng" val="-90"/>
+                            </dgm:alg>
+                          </dgm:if>
+                          <dgm:else name="Name131">
+                            <dgm:alg type="cycle">
+                              <dgm:param type="ctrShpMap" val="fNode"/>
+                              <dgm:param type="stAng" val="0"/>
+                              <dgm:param type="spanAng" val="-360"/>
+                            </dgm:alg>
+                          </dgm:else>
+                        </dgm:choose>
+                      </dgm:if>
+                      <dgm:if name="Name132" axis="ch" ptType="node" func="cnt" op="gte" val="7">
+                        <dgm:choose name="Name133">
+                          <dgm:if name="Name134" axis="ch ch" ptType="node node" st="1 1" cnt="1 0" func="cnt" op="equ" val="1">
+                            <dgm:alg type="cycle">
+                              <dgm:param type="ctrShpMap" val="fNode"/>
+                              <dgm:param type="stAng" val="0"/>
+                            </dgm:alg>
+                          </dgm:if>
+                          <dgm:if name="Name135" axis="ch ch" ptType="node node" st="1 1" cnt="1 0" func="cnt" op="equ" val="2">
+                            <dgm:alg type="cycle">
+                              <dgm:param type="ctrShpMap" val="fNode"/>
+                              <dgm:param type="stAng" val="45"/>
+                              <dgm:param type="spanAng" val="-90"/>
+                            </dgm:alg>
+                          </dgm:if>
+                          <dgm:else name="Name136">
+                            <dgm:alg type="cycle">
+                              <dgm:param type="ctrShpMap" val="fNode"/>
+                              <dgm:param type="stAng" val="0"/>
+                              <dgm:param type="spanAng" val="-360"/>
+                            </dgm:alg>
+                          </dgm:else>
+                        </dgm:choose>
+                      </dgm:if>
+                      <dgm:else name="Name137"/>
+                    </dgm:choose>
+                  </dgm:else>
+                </dgm:choose>
+                <dgm:shape xmlns:r="http://schemas.openxmlformats.org/officeDocument/2006/relationships" r:blip="">
+                  <dgm:adjLst/>
+                </dgm:shape>
+                <dgm:presOf/>
+                <dgm:constrLst>
+                  <dgm:constr type="sp" refType="w" fact="0.1"/>
+                  <dgm:constr type="sibSp" refType="w" fact="0.1"/>
+                </dgm:constrLst>
+                <dgm:forEach name="Name138" axis="ch" ptType="node" cnt="1">
+                  <dgm:layoutNode name="childCenter1" styleLbl="node1">
+                    <dgm:alg type="tx"/>
+                    <dgm:shape xmlns:r="http://schemas.openxmlformats.org/officeDocument/2006/relationships" type="roundRect" r:blip="">
+                      <dgm:adjLst/>
+                    </dgm:shape>
+                    <dgm:presOf axis="self" ptType="node"/>
+                    <dgm:constrLst>
+                      <dgm:constr type="userS"/>
+                      <dgm:constr type="w" refType="userS"/>
+                      <dgm:constr type="h" refType="w"/>
+                      <dgm:constr type="tMarg" refType="primFontSz" fact="0.2"/>
+                      <dgm:constr type="bMarg" refType="primFontSz" fact="0.2"/>
+                      <dgm:constr type="lMarg" refType="primFontSz" fact="0.2"/>
+                      <dgm:constr type="rMarg" refType="primFontSz" fact="0.2"/>
+                    </dgm:constrLst>
+                    <dgm:ruleLst>
+                      <dgm:rule type="primFontSz" val="5" fact="NaN" max="NaN"/>
+                    </dgm:ruleLst>
+                  </dgm:layoutNode>
+                  <dgm:forEach name="Name139" axis="ch">
+                    <dgm:forEach name="Name140" axis="self" ptType="parTrans">
+                      <dgm:layoutNode name="Name141">
+                        <dgm:alg type="conn">
+                          <dgm:param type="dim" val="1D"/>
+                          <dgm:param type="begPts" val="auto"/>
+                          <dgm:param type="endPts" val="auto"/>
+                          <dgm:param type="begSty" val="noArr"/>
+                          <dgm:param type="endSty" val="noArr"/>
+                        </dgm:alg>
+                        <dgm:shape xmlns:r="http://schemas.openxmlformats.org/officeDocument/2006/relationships" type="conn" r:blip="">
+                          <dgm:adjLst/>
+                        </dgm:shape>
+                        <dgm:presOf axis="self"/>
+                        <dgm:constrLst>
+                          <dgm:constr type="begPad"/>
+                          <dgm:constr type="endPad"/>
+                        </dgm:constrLst>
+                      </dgm:layoutNode>
+                    </dgm:forEach>
+                    <dgm:forEach name="Name142" axis="self" ptType="node">
+                      <dgm:layoutNode name="text1" styleLbl="node1">
+                        <dgm:varLst>
+                          <dgm:bulletEnabled val="1"/>
+                        </dgm:varLst>
+                        <dgm:alg type="tx"/>
+                        <dgm:shape xmlns:r="http://schemas.openxmlformats.org/officeDocument/2006/relationships" type="roundRect" r:blip="">
+                          <dgm:adjLst/>
+                        </dgm:shape>
+                        <dgm:presOf axis="desOrSelf" ptType="node"/>
+                        <dgm:constrLst>
+                          <dgm:constr type="userS"/>
+                          <dgm:constr type="w" refType="userS"/>
+                          <dgm:constr type="h" refType="w"/>
+                          <dgm:constr type="tMarg" refType="primFontSz" fact="0.2"/>
+                          <dgm:constr type="bMarg" refType="primFontSz" fact="0.2"/>
+                          <dgm:constr type="lMarg" refType="primFontSz" fact="0.2"/>
+                          <dgm:constr type="rMarg" refType="primFontSz" fact="0.2"/>
+                        </dgm:constrLst>
+                        <dgm:ruleLst>
+                          <dgm:rule type="primFontSz" val="5" fact="NaN" max="NaN"/>
+                        </dgm:ruleLst>
+                      </dgm:layoutNode>
+                    </dgm:forEach>
+                  </dgm:forEach>
+                </dgm:forEach>
+              </dgm:layoutNode>
+              <dgm:forEach name="Name143" axis="ch" ptType="parTrans" cnt="1">
+                <dgm:layoutNode name="Name144">
+                  <dgm:alg type="conn">
+                    <dgm:param type="dim" val="1D"/>
+                    <dgm:param type="begPts" val="auto"/>
+                    <dgm:param type="endPts" val="auto"/>
+                    <dgm:param type="endSty" val="noArr"/>
+                    <dgm:param type="srcNode" val="textCenter"/>
+                    <dgm:param type="dstNode" val="childCenter1"/>
+                  </dgm:alg>
+                  <dgm:shape xmlns:r="http://schemas.openxmlformats.org/officeDocument/2006/relationships" type="conn" r:blip="" zOrderOff="-999">
+                    <dgm:adjLst/>
+                  </dgm:shape>
+                  <dgm:presOf axis="self"/>
+                  <dgm:constrLst>
+                    <dgm:constr type="h"/>
+                    <dgm:constr type="begPad"/>
+                    <dgm:constr type="endPad"/>
+                  </dgm:constrLst>
+                </dgm:layoutNode>
+              </dgm:forEach>
+            </dgm:if>
+            <dgm:else name="Name145"/>
+          </dgm:choose>
+          <dgm:choose name="Name146">
+            <dgm:if name="Name147" axis="ch" ptType="node" func="cnt" op="gte" val="2">
+              <dgm:layoutNode name="cycle_2">
+                <dgm:choose name="Name148">
+                  <dgm:if name="Name149" func="var" arg="dir" op="equ" val="norm">
+                    <dgm:choose name="Name150">
+                      <dgm:if name="Name151" axis="ch" ptType="node" func="cnt" op="equ" val="2">
+                        <dgm:choose name="Name152">
+                          <dgm:if name="Name153" axis="ch ch" ptType="node node" st="2 1" cnt="1 0" func="cnt" op="equ" val="1">
+                            <dgm:alg type="cycle">
+                              <dgm:param type="ctrShpMap" val="fNode"/>
+                              <dgm:param type="stAng" val="180"/>
+                            </dgm:alg>
+                          </dgm:if>
+                          <dgm:if name="Name154" axis="ch ch" ptType="node node" st="2 1" cnt="1 0" func="cnt" op="equ" val="2">
+                            <dgm:alg type="cycle">
+                              <dgm:param type="ctrShpMap" val="fNode"/>
+                              <dgm:param type="stAng" val="135"/>
+                              <dgm:param type="spanAng" val="90"/>
+                            </dgm:alg>
+                          </dgm:if>
+                          <dgm:else name="Name155">
+                            <dgm:alg type="cycle">
+                              <dgm:param type="ctrShpMap" val="fNode"/>
+                              <dgm:param type="stAng" val="90"/>
+                              <dgm:param type="spanAng" val="180"/>
+                            </dgm:alg>
+                          </dgm:else>
+                        </dgm:choose>
+                      </dgm:if>
+                      <dgm:if name="Name156" axis="ch" ptType="node" func="cnt" op="equ" val="3">
+                        <dgm:choose name="Name157">
+                          <dgm:if name="Name158" axis="ch ch" ptType="node node" st="2 1" cnt="1 0" func="cnt" op="equ" val="1">
+                            <dgm:alg type="cycle">
+                              <dgm:param type="ctrShpMap" val="fNode"/>
+                              <dgm:param type="stAng" val="120"/>
+                              <dgm:param type="horzAlign" val="r"/>
+                              <dgm:param type="vertAlign" val="b"/>
+                            </dgm:alg>
+                          </dgm:if>
+                          <dgm:if name="Name159" axis="ch ch" ptType="node node" st="2 1" cnt="1 0" func="cnt" op="equ" val="2">
+                            <dgm:alg type="cycle">
+                              <dgm:param type="ctrShpMap" val="fNode"/>
+                              <dgm:param type="stAng" val="75"/>
+                              <dgm:param type="spanAng" val="90"/>
+                              <dgm:param type="horzAlign" val="r"/>
+                              <dgm:param type="vertAlign" val="b"/>
+                            </dgm:alg>
+                          </dgm:if>
+                          <dgm:else name="Name160">
+                            <dgm:alg type="cycle">
+                              <dgm:param type="ctrShpMap" val="fNode"/>
+                              <dgm:param type="stAng" val="30"/>
+                              <dgm:param type="spanAng" val="180"/>
+                            </dgm:alg>
+                          </dgm:else>
+                        </dgm:choose>
+                      </dgm:if>
+                      <dgm:if name="Name161" axis="ch" ptType="node" func="cnt" op="equ" val="4">
+                        <dgm:choose name="Name162">
+                          <dgm:if name="Name163" axis="ch ch" ptType="node node" st="2 1" cnt="1 0" func="cnt" op="equ" val="1">
+                            <dgm:alg type="cycle">
+                              <dgm:param type="ctrShpMap" val="fNode"/>
+                              <dgm:param type="stAng" val="90"/>
+                            </dgm:alg>
+                          </dgm:if>
+                          <dgm:if name="Name164" axis="ch ch" ptType="node node" st="2 1" cnt="1 0" func="cnt" op="equ" val="2">
+                            <dgm:alg type="cycle">
+                              <dgm:param type="ctrShpMap" val="fNode"/>
+                              <dgm:param type="stAng" val="45"/>
+                              <dgm:param type="spanAng" val="90"/>
+                            </dgm:alg>
+                          </dgm:if>
+                          <dgm:else name="Name165">
+                            <dgm:alg type="cycle">
+                              <dgm:param type="ctrShpMap" val="fNode"/>
+                              <dgm:param type="stAng" val="22.5"/>
+                              <dgm:param type="spanAng" val="135"/>
+                            </dgm:alg>
+                          </dgm:else>
+                        </dgm:choose>
+                      </dgm:if>
+                      <dgm:if name="Name166" axis="ch" ptType="node" func="cnt" op="equ" val="5">
+                        <dgm:choose name="Name167">
+                          <dgm:if name="Name168" axis="ch ch" ptType="node node" st="2 1" cnt="1 0" func="cnt" op="equ" val="1">
+                            <dgm:alg type="cycle">
+                              <dgm:param type="ctrShpMap" val="fNode"/>
+                              <dgm:param type="stAng" val="72"/>
+                            </dgm:alg>
+                          </dgm:if>
+                          <dgm:if name="Name169" axis="ch ch" ptType="node node" st="2 1" cnt="1 0" func="cnt" op="equ" val="2">
+                            <dgm:alg type="cycle">
+                              <dgm:param type="ctrShpMap" val="fNode"/>
+                              <dgm:param type="stAng" val="27"/>
+                              <dgm:param type="spanAng" val="90"/>
+                            </dgm:alg>
+                          </dgm:if>
+                          <dgm:else name="Name170">
+                            <dgm:alg type="cycle">
+                              <dgm:param type="ctrShpMap" val="fNode"/>
+                              <dgm:param type="stAng" val="0"/>
+                              <dgm:param type="spanAng" val="360"/>
+                            </dgm:alg>
+                          </dgm:else>
+                        </dgm:choose>
+                      </dgm:if>
+                      <dgm:if name="Name171" axis="ch" ptType="node" func="cnt" op="equ" val="6">
+                        <dgm:choose name="Name172">
+                          <dgm:if name="Name173" axis="ch ch" ptType="node node" st="2 1" cnt="1 0" func="cnt" op="equ" val="1">
+                            <dgm:alg type="cycle">
+                              <dgm:param type="ctrShpMap" val="fNode"/>
+                              <dgm:param type="stAng" val="60"/>
+                            </dgm:alg>
+                          </dgm:if>
+                          <dgm:if name="Name174" axis="ch ch" ptType="node node" st="2 1" cnt="1 0" func="cnt" op="equ" val="2">
+                            <dgm:alg type="cycle">
+                              <dgm:param type="ctrShpMap" val="fNode"/>
+                              <dgm:param type="stAng" val="15"/>
+                              <dgm:param type="spanAng" val="90"/>
+                            </dgm:alg>
+                          </dgm:if>
+                          <dgm:else name="Name175">
+                            <dgm:alg type="cycle">
+                              <dgm:param type="ctrShpMap" val="fNode"/>
+                              <dgm:param type="stAng" val="0"/>
+                              <dgm:param type="spanAng" val="360"/>
+                            </dgm:alg>
+                          </dgm:else>
+                        </dgm:choose>
+                      </dgm:if>
+                      <dgm:if name="Name176" axis="ch" ptType="node" func="cnt" op="gte" val="7">
+                        <dgm:choose name="Name177">
+                          <dgm:if name="Name178" axis="ch ch" ptType="node node" st="2 1" cnt="1 0" func="cnt" op="equ" val="1">
+                            <dgm:alg type="cycle">
+                              <dgm:param type="ctrShpMap" val="fNode"/>
+                              <dgm:param type="stAng" val="51"/>
+                            </dgm:alg>
+                          </dgm:if>
+                          <dgm:if name="Name179" axis="ch ch" ptType="node node" st="2 1" cnt="1 0" func="cnt" op="equ" val="2">
+                            <dgm:alg type="cycle">
+                              <dgm:param type="ctrShpMap" val="fNode"/>
+                              <dgm:param type="stAng" val="6"/>
+                              <dgm:param type="spanAng" val="90"/>
+                            </dgm:alg>
+                          </dgm:if>
+                          <dgm:else name="Name180">
+                            <dgm:alg type="cycle">
+                              <dgm:param type="ctrShpMap" val="fNode"/>
+                              <dgm:param type="stAng" val="0"/>
+                              <dgm:param type="spanAng" val="360"/>
+                            </dgm:alg>
+                          </dgm:else>
+                        </dgm:choose>
+                      </dgm:if>
+                      <dgm:else name="Name181"/>
+                    </dgm:choose>
+                  </dgm:if>
+                  <dgm:else name="Name182">
+                    <dgm:choose name="Name183">
+                      <dgm:if name="Name184" axis="ch" ptType="node" func="cnt" op="equ" val="2">
+                        <dgm:choose name="Name185">
+                          <dgm:if name="Name186" axis="ch ch" ptType="node node" st="2 1" cnt="1 0" func="cnt" op="equ" val="1">
+                            <dgm:alg type="cycle">
+                              <dgm:param type="ctrShpMap" val="fNode"/>
+                              <dgm:param type="stAng" val="180"/>
+                            </dgm:alg>
+                          </dgm:if>
+                          <dgm:if name="Name187" axis="ch ch" ptType="node node" st="2 1" cnt="1 0" func="cnt" op="equ" val="2">
+                            <dgm:alg type="cycle">
+                              <dgm:param type="ctrShpMap" val="fNode"/>
+                              <dgm:param type="stAng" val="225"/>
+                              <dgm:param type="spanAng" val="-90"/>
+                            </dgm:alg>
+                          </dgm:if>
+                          <dgm:else name="Name188">
+                            <dgm:alg type="cycle">
+                              <dgm:param type="ctrShpMap" val="fNode"/>
+                              <dgm:param type="stAng" val="270"/>
+                              <dgm:param type="spanAng" val="-180"/>
+                            </dgm:alg>
+                          </dgm:else>
+                        </dgm:choose>
+                      </dgm:if>
+                      <dgm:if name="Name189" axis="ch" ptType="node" func="cnt" op="equ" val="3">
+                        <dgm:choose name="Name190">
+                          <dgm:if name="Name191" axis="ch ch" ptType="node node" st="2 1" cnt="1 0" func="cnt" op="equ" val="1">
+                            <dgm:alg type="cycle">
+                              <dgm:param type="ctrShpMap" val="fNode"/>
+                              <dgm:param type="stAng" val="240"/>
+                              <dgm:param type="horzAlign" val="l"/>
+                              <dgm:param type="vertAlign" val="b"/>
+                            </dgm:alg>
+                          </dgm:if>
+                          <dgm:if name="Name192" axis="ch ch" ptType="node node" st="2 1" cnt="1 0" func="cnt" op="equ" val="2">
+                            <dgm:alg type="cycle">
+                              <dgm:param type="ctrShpMap" val="fNode"/>
+                              <dgm:param type="stAng" val="285"/>
+                              <dgm:param type="spanAng" val="-90"/>
+                              <dgm:param type="horzAlign" val="l"/>
+                              <dgm:param type="vertAlign" val="b"/>
+                            </dgm:alg>
+                          </dgm:if>
+                          <dgm:else name="Name193">
+                            <dgm:alg type="cycle">
+                              <dgm:param type="ctrShpMap" val="fNode"/>
+                              <dgm:param type="stAng" val="330"/>
+                              <dgm:param type="spanAng" val="-180"/>
+                            </dgm:alg>
+                          </dgm:else>
+                        </dgm:choose>
+                      </dgm:if>
+                      <dgm:if name="Name194" axis="ch" ptType="node" func="cnt" op="equ" val="4">
+                        <dgm:choose name="Name195">
+                          <dgm:if name="Name196" axis="ch ch" ptType="node node" st="2 1" cnt="1 0" func="cnt" op="equ" val="1">
+                            <dgm:alg type="cycle">
+                              <dgm:param type="ctrShpMap" val="fNode"/>
+                              <dgm:param type="stAng" val="270"/>
+                            </dgm:alg>
+                          </dgm:if>
+                          <dgm:if name="Name197" axis="ch ch" ptType="node node" st="2 1" cnt="1 0" func="cnt" op="equ" val="2">
+                            <dgm:alg type="cycle">
+                              <dgm:param type="ctrShpMap" val="fNode"/>
+                              <dgm:param type="stAng" val="315"/>
+                              <dgm:param type="spanAng" val="-90"/>
+                            </dgm:alg>
+                          </dgm:if>
+                          <dgm:else name="Name198">
+                            <dgm:alg type="cycle">
+                              <dgm:param type="ctrShpMap" val="fNode"/>
+                              <dgm:param type="stAng" val="337.5"/>
+                              <dgm:param type="spanAng" val="-135"/>
+                            </dgm:alg>
+                          </dgm:else>
+                        </dgm:choose>
+                      </dgm:if>
+                      <dgm:if name="Name199" axis="ch" ptType="node" func="cnt" op="equ" val="5">
+                        <dgm:choose name="Name200">
+                          <dgm:if name="Name201" axis="ch ch" ptType="node node" st="2 1" cnt="1 0" func="cnt" op="equ" val="1">
+                            <dgm:alg type="cycle">
+                              <dgm:param type="ctrShpMap" val="fNode"/>
+                              <dgm:param type="stAng" val="288"/>
+                            </dgm:alg>
+                          </dgm:if>
+                          <dgm:if name="Name202" axis="ch ch" ptType="node node" st="2 1" cnt="1 0" func="cnt" op="equ" val="2">
+                            <dgm:alg type="cycle">
+                              <dgm:param type="ctrShpMap" val="fNode"/>
+                              <dgm:param type="stAng" val="333"/>
+                              <dgm:param type="spanAng" val="-90"/>
+                            </dgm:alg>
+                          </dgm:if>
+                          <dgm:else name="Name203">
+                            <dgm:alg type="cycle">
+                              <dgm:param type="ctrShpMap" val="fNode"/>
+                              <dgm:param type="stAng" val="0"/>
+                              <dgm:param type="spanAng" val="-360"/>
+                            </dgm:alg>
+                          </dgm:else>
+                        </dgm:choose>
+                      </dgm:if>
+                      <dgm:if name="Name204" axis="ch" ptType="node" func="cnt" op="equ" val="6">
+                        <dgm:choose name="Name205">
+                          <dgm:if name="Name206" axis="ch ch" ptType="node node" st="2 1" cnt="1 0" func="cnt" op="equ" val="1">
+                            <dgm:alg type="cycle">
+                              <dgm:param type="ctrShpMap" val="fNode"/>
+                              <dgm:param type="stAng" val="300"/>
+                            </dgm:alg>
+                          </dgm:if>
+                          <dgm:if name="Name207" axis="ch ch" ptType="node node" st="2 1" cnt="1 0" func="cnt" op="equ" val="2">
+                            <dgm:alg type="cycle">
+                              <dgm:param type="ctrShpMap" val="fNode"/>
+                              <dgm:param type="stAng" val="345"/>
+                              <dgm:param type="spanAng" val="-90"/>
+                            </dgm:alg>
+                          </dgm:if>
+                          <dgm:else name="Name208">
+                            <dgm:alg type="cycle">
+                              <dgm:param type="ctrShpMap" val="fNode"/>
+                              <dgm:param type="stAng" val="0"/>
+                              <dgm:param type="spanAng" val="-360"/>
+                            </dgm:alg>
+                          </dgm:else>
+                        </dgm:choose>
+                      </dgm:if>
+                      <dgm:if name="Name209" axis="ch" ptType="node" func="cnt" op="gte" val="7">
+                        <dgm:choose name="Name210">
+                          <dgm:if name="Name211" axis="ch ch" ptType="node node" st="2 1" cnt="1 0" func="cnt" op="equ" val="1">
+                            <dgm:alg type="cycle">
+                              <dgm:param type="ctrShpMap" val="fNode"/>
+                              <dgm:param type="stAng" val="308"/>
+                            </dgm:alg>
+                          </dgm:if>
+                          <dgm:if name="Name212" axis="ch ch" ptType="node node" st="2 1" cnt="1 0" func="cnt" op="equ" val="2">
+                            <dgm:alg type="cycle">
+                              <dgm:param type="ctrShpMap" val="fNode"/>
+                              <dgm:param type="stAng" val="353"/>
+                              <dgm:param type="spanAng" val="-90"/>
+                            </dgm:alg>
+                          </dgm:if>
+                          <dgm:else name="Name213">
+                            <dgm:alg type="cycle">
+                              <dgm:param type="ctrShpMap" val="fNode"/>
+                              <dgm:param type="stAng" val="0"/>
+                              <dgm:param type="spanAng" val="-360"/>
+                            </dgm:alg>
+                          </dgm:else>
+                        </dgm:choose>
+                      </dgm:if>
+                      <dgm:else name="Name214"/>
+                    </dgm:choose>
+                  </dgm:else>
+                </dgm:choose>
+                <dgm:shape xmlns:r="http://schemas.openxmlformats.org/officeDocument/2006/relationships" r:blip="">
+                  <dgm:adjLst/>
+                </dgm:shape>
+                <dgm:presOf/>
+                <dgm:constrLst>
+                  <dgm:constr type="sp" refType="w" fact="0.1"/>
+                  <dgm:constr type="sibSp" refType="w" fact="0.1"/>
+                </dgm:constrLst>
+                <dgm:forEach name="Name215" axis="ch" ptType="node" st="2" cnt="1">
+                  <dgm:layoutNode name="childCenter2" styleLbl="node1">
+                    <dgm:alg type="tx"/>
+                    <dgm:shape xmlns:r="http://schemas.openxmlformats.org/officeDocument/2006/relationships" type="roundRect" r:blip="">
+                      <dgm:adjLst/>
+                    </dgm:shape>
+                    <dgm:presOf axis="self" ptType="node"/>
+                    <dgm:constrLst>
+                      <dgm:constr type="userS"/>
+                      <dgm:constr type="w" refType="userS"/>
+                      <dgm:constr type="h" refType="w"/>
+                      <dgm:constr type="tMarg" refType="primFontSz" fact="0.2"/>
+                      <dgm:constr type="bMarg" refType="primFontSz" fact="0.2"/>
+                      <dgm:constr type="lMarg" refType="primFontSz" fact="0.2"/>
+                      <dgm:constr type="rMarg" refType="primFontSz" fact="0.2"/>
+                    </dgm:constrLst>
+                    <dgm:ruleLst>
+                      <dgm:rule type="primFontSz" val="5" fact="NaN" max="NaN"/>
+                    </dgm:ruleLst>
+                  </dgm:layoutNode>
+                  <dgm:forEach name="Name216" axis="ch">
+                    <dgm:forEach name="Name217" axis="self" ptType="parTrans">
+                      <dgm:layoutNode name="Name218">
+                        <dgm:alg type="conn">
+                          <dgm:param type="dim" val="1D"/>
+                          <dgm:param type="begPts" val="auto"/>
+                          <dgm:param type="endPts" val="auto"/>
+                          <dgm:param type="begSty" val="noArr"/>
+                          <dgm:param type="endSty" val="noArr"/>
+                        </dgm:alg>
+                        <dgm:shape xmlns:r="http://schemas.openxmlformats.org/officeDocument/2006/relationships" type="conn" r:blip="">
+                          <dgm:adjLst/>
+                        </dgm:shape>
+                        <dgm:presOf axis="self"/>
+                        <dgm:constrLst>
+                          <dgm:constr type="begPad"/>
+                          <dgm:constr type="endPad"/>
+                        </dgm:constrLst>
+                      </dgm:layoutNode>
+                    </dgm:forEach>
+                    <dgm:forEach name="Name219" axis="self" ptType="node">
+                      <dgm:layoutNode name="text2" styleLbl="node1">
+                        <dgm:varLst>
+                          <dgm:bulletEnabled val="1"/>
+                        </dgm:varLst>
+                        <dgm:alg type="tx"/>
+                        <dgm:shape xmlns:r="http://schemas.openxmlformats.org/officeDocument/2006/relationships" type="roundRect" r:blip="">
+                          <dgm:adjLst/>
+                        </dgm:shape>
+                        <dgm:presOf axis="desOrSelf" ptType="node"/>
+                        <dgm:constrLst>
+                          <dgm:constr type="userS"/>
+                          <dgm:constr type="w" refType="userS"/>
+                          <dgm:constr type="h" refType="w"/>
+                          <dgm:constr type="tMarg" refType="primFontSz" fact="0.2"/>
+                          <dgm:constr type="bMarg" refType="primFontSz" fact="0.2"/>
+                          <dgm:constr type="lMarg" refType="primFontSz" fact="0.2"/>
+                          <dgm:constr type="rMarg" refType="primFontSz" fact="0.2"/>
+                        </dgm:constrLst>
+                        <dgm:ruleLst>
+                          <dgm:rule type="primFontSz" val="5" fact="NaN" max="NaN"/>
+                        </dgm:ruleLst>
+                      </dgm:layoutNode>
+                    </dgm:forEach>
+                  </dgm:forEach>
+                </dgm:forEach>
+              </dgm:layoutNode>
+              <dgm:forEach name="Name220" axis="ch" ptType="parTrans" st="2" cnt="1">
+                <dgm:layoutNode name="Name221">
+                  <dgm:alg type="conn">
+                    <dgm:param type="dim" val="1D"/>
+                    <dgm:param type="begPts" val="auto"/>
+                    <dgm:param type="endPts" val="auto"/>
+                    <dgm:param type="endSty" val="noArr"/>
+                    <dgm:param type="srcNode" val="textCenter"/>
+                    <dgm:param type="dstNode" val="childCenter2"/>
+                  </dgm:alg>
+                  <dgm:shape xmlns:r="http://schemas.openxmlformats.org/officeDocument/2006/relationships" type="conn" r:blip="" zOrderOff="-999">
+                    <dgm:adjLst/>
+                  </dgm:shape>
+                  <dgm:presOf axis="self"/>
+                  <dgm:constrLst>
+                    <dgm:constr type="h"/>
+                    <dgm:constr type="begPad"/>
+                    <dgm:constr type="endPad"/>
+                  </dgm:constrLst>
+                </dgm:layoutNode>
+              </dgm:forEach>
+            </dgm:if>
+            <dgm:else name="Name222"/>
+          </dgm:choose>
+          <dgm:choose name="Name223">
+            <dgm:if name="Name224" axis="ch" ptType="node" func="cnt" op="gte" val="3">
+              <dgm:layoutNode name="cycle_3">
+                <dgm:choose name="Name225">
+                  <dgm:if name="Name226" func="var" arg="dir" op="equ" val="norm">
+                    <dgm:choose name="Name227">
+                      <dgm:if name="Name228" axis="ch" ptType="node" func="cnt" op="equ" val="3">
+                        <dgm:choose name="Name229">
+                          <dgm:if name="Name230" axis="ch ch" ptType="node node" st="3 1" cnt="1 0" func="cnt" op="equ" val="1">
+                            <dgm:alg type="cycle">
+                              <dgm:param type="ctrShpMap" val="fNode"/>
+                              <dgm:param type="stAng" val="240"/>
+                              <dgm:param type="horzAlign" val="l"/>
+                              <dgm:param type="vertAlign" val="b"/>
+                            </dgm:alg>
+                          </dgm:if>
+                          <dgm:if name="Name231" axis="ch ch" ptType="node node" st="3 1" cnt="1 0" func="cnt" op="equ" val="2">
+                            <dgm:alg type="cycle">
+                              <dgm:param type="ctrShpMap" val="fNode"/>
+                              <dgm:param type="stAng" val="195"/>
+                              <dgm:param type="spanAng" val="90"/>
+                              <dgm:param type="horzAlign" val="l"/>
+                              <dgm:param type="vertAlign" val="b"/>
+                            </dgm:alg>
+                          </dgm:if>
+                          <dgm:else name="Name232">
+                            <dgm:alg type="cycle">
+                              <dgm:param type="ctrShpMap" val="fNode"/>
+                              <dgm:param type="stAng" val="150"/>
+                              <dgm:param type="spanAng" val="180"/>
+                            </dgm:alg>
+                          </dgm:else>
+                        </dgm:choose>
+                      </dgm:if>
+                      <dgm:if name="Name233" axis="ch" ptType="node" func="cnt" op="equ" val="4">
+                        <dgm:choose name="Name234">
+                          <dgm:if name="Name235" axis="ch ch" ptType="node node" st="3 1" cnt="1 0" func="cnt" op="equ" val="1">
+                            <dgm:alg type="cycle">
+                              <dgm:param type="ctrShpMap" val="fNode"/>
+                              <dgm:param type="stAng" val="180"/>
+                            </dgm:alg>
+                          </dgm:if>
+                          <dgm:if name="Name236" axis="ch ch" ptType="node node" st="3 1" cnt="1 0" func="cnt" op="equ" val="2">
+                            <dgm:alg type="cycle">
+                              <dgm:param type="ctrShpMap" val="fNode"/>
+                              <dgm:param type="stAng" val="135"/>
+                              <dgm:param type="spanAng" val="90"/>
+                            </dgm:alg>
+                          </dgm:if>
+                          <dgm:else name="Name237">
+                            <dgm:alg type="cycle">
+                              <dgm:param type="ctrShpMap" val="fNode"/>
+                              <dgm:param type="stAng" val="112.5"/>
+                              <dgm:param type="spanAng" val="135"/>
+                            </dgm:alg>
+                          </dgm:else>
+                        </dgm:choose>
+                      </dgm:if>
+                      <dgm:if name="Name238" axis="ch" ptType="node" func="cnt" op="equ" val="5">
+                        <dgm:choose name="Name239">
+                          <dgm:if name="Name240" axis="ch ch" ptType="node node" st="3 1" cnt="1 0" func="cnt" op="equ" val="1">
+                            <dgm:alg type="cycle">
+                              <dgm:param type="ctrShpMap" val="fNode"/>
+                              <dgm:param type="stAng" val="144"/>
+                            </dgm:alg>
+                          </dgm:if>
+                          <dgm:if name="Name241" axis="ch ch" ptType="node node" st="3 1" cnt="1 0" func="cnt" op="equ" val="2">
+                            <dgm:alg type="cycle">
+                              <dgm:param type="ctrShpMap" val="fNode"/>
+                              <dgm:param type="stAng" val="99"/>
+                              <dgm:param type="spanAng" val="90"/>
+                            </dgm:alg>
+                          </dgm:if>
+                          <dgm:else name="Name242">
+                            <dgm:alg type="cycle">
+                              <dgm:param type="ctrShpMap" val="fNode"/>
+                              <dgm:param type="stAng" val="0"/>
+                              <dgm:param type="spanAng" val="360"/>
+                            </dgm:alg>
+                          </dgm:else>
+                        </dgm:choose>
+                      </dgm:if>
+                      <dgm:if name="Name243" axis="ch" ptType="node" func="cnt" op="equ" val="6">
+                        <dgm:choose name="Name244">
+                          <dgm:if name="Name245" axis="ch ch" ptType="node node" st="3 1" cnt="1 0" func="cnt" op="equ" val="1">
+                            <dgm:alg type="cycle">
+                              <dgm:param type="ctrShpMap" val="fNode"/>
+                              <dgm:param type="stAng" val="120"/>
+                            </dgm:alg>
+                          </dgm:if>
+                          <dgm:if name="Name246" axis="ch ch" ptType="node node" st="3 1" cnt="1 0" func="cnt" op="equ" val="2">
+                            <dgm:alg type="cycle">
+                              <dgm:param type="ctrShpMap" val="fNode"/>
+                              <dgm:param type="stAng" val="75"/>
+                              <dgm:param type="spanAng" val="90"/>
+                            </dgm:alg>
+                          </dgm:if>
+                          <dgm:else name="Name247">
+                            <dgm:alg type="cycle">
+                              <dgm:param type="ctrShpMap" val="fNode"/>
+                              <dgm:param type="stAng" val="0"/>
+                              <dgm:param type="spanAng" val="360"/>
+                            </dgm:alg>
+                          </dgm:else>
+                        </dgm:choose>
+                      </dgm:if>
+                      <dgm:if name="Name248" axis="ch" ptType="node" func="cnt" op="gte" val="7">
+                        <dgm:choose name="Name249">
+                          <dgm:if name="Name250" axis="ch ch" ptType="node node" st="3 1" cnt="1 0" func="cnt" op="equ" val="1">
+                            <dgm:alg type="cycle">
+                              <dgm:param type="ctrShpMap" val="fNode"/>
+                              <dgm:param type="stAng" val="102"/>
+                            </dgm:alg>
+                          </dgm:if>
+                          <dgm:if name="Name251" axis="ch ch" ptType="node node" st="3 1" cnt="1 0" func="cnt" op="equ" val="2">
+                            <dgm:alg type="cycle">
+                              <dgm:param type="ctrShpMap" val="fNode"/>
+                              <dgm:param type="stAng" val="57"/>
+                              <dgm:param type="spanAng" val="90"/>
+                            </dgm:alg>
+                          </dgm:if>
+                          <dgm:else name="Name252">
+                            <dgm:alg type="cycle">
+                              <dgm:param type="ctrShpMap" val="fNode"/>
+                              <dgm:param type="stAng" val="0"/>
+                              <dgm:param type="spanAng" val="360"/>
+                            </dgm:alg>
+                          </dgm:else>
+                        </dgm:choose>
+                      </dgm:if>
+                      <dgm:else name="Name253"/>
+                    </dgm:choose>
+                  </dgm:if>
+                  <dgm:else name="Name254">
+                    <dgm:choose name="Name255">
+                      <dgm:if name="Name256" axis="ch" ptType="node" func="cnt" op="equ" val="3">
+                        <dgm:choose name="Name257">
+                          <dgm:if name="Name258" axis="ch ch" ptType="node node" st="3 1" cnt="1 0" func="cnt" op="equ" val="1">
+                            <dgm:alg type="cycle">
+                              <dgm:param type="ctrShpMap" val="fNode"/>
+                              <dgm:param type="stAng" val="120"/>
+                              <dgm:param type="horzAlign" val="r"/>
+                              <dgm:param type="vertAlign" val="b"/>
+                            </dgm:alg>
+                          </dgm:if>
+                          <dgm:if name="Name259" axis="ch ch" ptType="node node" st="3 1" cnt="1 0" func="cnt" op="equ" val="2">
+                            <dgm:alg type="cycle">
+                              <dgm:param type="ctrShpMap" val="fNode"/>
+                              <dgm:param type="stAng" val="165"/>
+                              <dgm:param type="spanAng" val="-90"/>
+                              <dgm:param type="horzAlign" val="r"/>
+                              <dgm:param type="vertAlign" val="b"/>
+                            </dgm:alg>
+                          </dgm:if>
+                          <dgm:else name="Name260">
+                            <dgm:alg type="cycle">
+                              <dgm:param type="ctrShpMap" val="fNode"/>
+                              <dgm:param type="stAng" val="210"/>
+                              <dgm:param type="spanAng" val="-180"/>
+                            </dgm:alg>
+                          </dgm:else>
+                        </dgm:choose>
+                      </dgm:if>
+                      <dgm:if name="Name261" axis="ch" ptType="node" func="cnt" op="equ" val="4">
+                        <dgm:choose name="Name262">
+                          <dgm:if name="Name263" axis="ch ch" ptType="node node" st="3 1" cnt="1 0" func="cnt" op="equ" val="1">
+                            <dgm:alg type="cycle">
+                              <dgm:param type="ctrShpMap" val="fNode"/>
+                              <dgm:param type="stAng" val="180"/>
+                            </dgm:alg>
+                          </dgm:if>
+                          <dgm:if name="Name264" axis="ch ch" ptType="node node" st="3 1" cnt="1 0" func="cnt" op="equ" val="2">
+                            <dgm:alg type="cycle">
+                              <dgm:param type="ctrShpMap" val="fNode"/>
+                              <dgm:param type="stAng" val="225"/>
+                              <dgm:param type="spanAng" val="-90"/>
+                            </dgm:alg>
+                          </dgm:if>
+                          <dgm:else name="Name265">
+                            <dgm:alg type="cycle">
+                              <dgm:param type="ctrShpMap" val="fNode"/>
+                              <dgm:param type="stAng" val="247.5"/>
+                              <dgm:param type="spanAng" val="-135"/>
+                            </dgm:alg>
+                          </dgm:else>
+                        </dgm:choose>
+                      </dgm:if>
+                      <dgm:if name="Name266" axis="ch" ptType="node" func="cnt" op="equ" val="5">
+                        <dgm:choose name="Name267">
+                          <dgm:if name="Name268" axis="ch ch" ptType="node node" st="3 1" cnt="1 0" func="cnt" op="equ" val="1">
+                            <dgm:alg type="cycle">
+                              <dgm:param type="ctrShpMap" val="fNode"/>
+                              <dgm:param type="stAng" val="216"/>
+                            </dgm:alg>
+                          </dgm:if>
+                          <dgm:if name="Name269" axis="ch ch" ptType="node node" st="3 1" cnt="1 0" func="cnt" op="equ" val="2">
+                            <dgm:alg type="cycle">
+                              <dgm:param type="ctrShpMap" val="fNode"/>
+                              <dgm:param type="stAng" val="261"/>
+                              <dgm:param type="spanAng" val="-90"/>
+                            </dgm:alg>
+                          </dgm:if>
+                          <dgm:else name="Name270">
+                            <dgm:alg type="cycle">
+                              <dgm:param type="ctrShpMap" val="fNode"/>
+                              <dgm:param type="stAng" val="0"/>
+                              <dgm:param type="spanAng" val="-360"/>
+                            </dgm:alg>
+                          </dgm:else>
+                        </dgm:choose>
+                      </dgm:if>
+                      <dgm:if name="Name271" axis="ch" ptType="node" func="cnt" op="equ" val="6">
+                        <dgm:choose name="Name272">
+                          <dgm:if name="Name273" axis="ch ch" ptType="node node" st="3 1" cnt="1 0" func="cnt" op="equ" val="1">
+                            <dgm:alg type="cycle">
+                              <dgm:param type="ctrShpMap" val="fNode"/>
+                              <dgm:param type="stAng" val="240"/>
+                            </dgm:alg>
+                          </dgm:if>
+                          <dgm:if name="Name274" axis="ch ch" ptType="node node" st="3 1" cnt="1 0" func="cnt" op="equ" val="2">
+                            <dgm:alg type="cycle">
+                              <dgm:param type="ctrShpMap" val="fNode"/>
+                              <dgm:param type="stAng" val="285"/>
+                              <dgm:param type="spanAng" val="-90"/>
+                            </dgm:alg>
+                          </dgm:if>
+                          <dgm:else name="Name275">
+                            <dgm:alg type="cycle">
+                              <dgm:param type="ctrShpMap" val="fNode"/>
+                              <dgm:param type="stAng" val="0"/>
+                              <dgm:param type="spanAng" val="-360"/>
+                            </dgm:alg>
+                          </dgm:else>
+                        </dgm:choose>
+                      </dgm:if>
+                      <dgm:if name="Name276" axis="ch" ptType="node" func="cnt" op="gte" val="7">
+                        <dgm:choose name="Name277">
+                          <dgm:if name="Name278" axis="ch ch" ptType="node node" st="3 1" cnt="1 0" func="cnt" op="equ" val="1">
+                            <dgm:alg type="cycle">
+                              <dgm:param type="ctrShpMap" val="fNode"/>
+                              <dgm:param type="stAng" val="257"/>
+                            </dgm:alg>
+                          </dgm:if>
+                          <dgm:if name="Name279" axis="ch ch" ptType="node node" st="3 1" cnt="1 0" func="cnt" op="equ" val="2">
+                            <dgm:alg type="cycle">
+                              <dgm:param type="ctrShpMap" val="fNode"/>
+                              <dgm:param type="stAng" val="302"/>
+                              <dgm:param type="spanAng" val="-90"/>
+                            </dgm:alg>
+                          </dgm:if>
+                          <dgm:else name="Name280">
+                            <dgm:alg type="cycle">
+                              <dgm:param type="ctrShpMap" val="fNode"/>
+                              <dgm:param type="stAng" val="0"/>
+                              <dgm:param type="spanAng" val="-360"/>
+                            </dgm:alg>
+                          </dgm:else>
+                        </dgm:choose>
+                      </dgm:if>
+                      <dgm:else name="Name281"/>
+                    </dgm:choose>
+                  </dgm:else>
+                </dgm:choose>
+                <dgm:shape xmlns:r="http://schemas.openxmlformats.org/officeDocument/2006/relationships" r:blip="">
+                  <dgm:adjLst/>
+                </dgm:shape>
+                <dgm:presOf/>
+                <dgm:constrLst>
+                  <dgm:constr type="sp" refType="w" fact="0.1"/>
+                  <dgm:constr type="sibSp" refType="w" fact="0.1"/>
+                </dgm:constrLst>
+                <dgm:forEach name="Name282" axis="ch" ptType="node" st="3" cnt="1">
+                  <dgm:layoutNode name="childCenter3" styleLbl="node1">
+                    <dgm:alg type="tx"/>
+                    <dgm:shape xmlns:r="http://schemas.openxmlformats.org/officeDocument/2006/relationships" type="roundRect" r:blip="">
+                      <dgm:adjLst/>
+                    </dgm:shape>
+                    <dgm:presOf axis="self" ptType="node"/>
+                    <dgm:constrLst>
+                      <dgm:constr type="userS"/>
+                      <dgm:constr type="w" refType="userS"/>
+                      <dgm:constr type="h" refType="w"/>
+                      <dgm:constr type="tMarg" refType="primFontSz" fact="0.2"/>
+                      <dgm:constr type="bMarg" refType="primFontSz" fact="0.2"/>
+                      <dgm:constr type="lMarg" refType="primFontSz" fact="0.2"/>
+                      <dgm:constr type="rMarg" refType="primFontSz" fact="0.2"/>
+                    </dgm:constrLst>
+                    <dgm:ruleLst>
+                      <dgm:rule type="primFontSz" val="5" fact="NaN" max="NaN"/>
+                    </dgm:ruleLst>
+                  </dgm:layoutNode>
+                  <dgm:forEach name="Name283" axis="ch">
+                    <dgm:forEach name="Name284" axis="self" ptType="parTrans">
+                      <dgm:layoutNode name="Name285">
+                        <dgm:alg type="conn">
+                          <dgm:param type="dim" val="1D"/>
+                          <dgm:param type="begPts" val="auto"/>
+                          <dgm:param type="endPts" val="auto"/>
+                          <dgm:param type="begSty" val="noArr"/>
+                          <dgm:param type="endSty" val="noArr"/>
+                        </dgm:alg>
+                        <dgm:shape xmlns:r="http://schemas.openxmlformats.org/officeDocument/2006/relationships" type="conn" r:blip="">
+                          <dgm:adjLst/>
+                        </dgm:shape>
+                        <dgm:presOf axis="self"/>
+                        <dgm:constrLst>
+                          <dgm:constr type="begPad"/>
+                          <dgm:constr type="endPad"/>
+                        </dgm:constrLst>
+                      </dgm:layoutNode>
+                    </dgm:forEach>
+                    <dgm:forEach name="Name286" axis="self" ptType="node">
+                      <dgm:layoutNode name="text3" styleLbl="node1">
+                        <dgm:varLst>
+                          <dgm:bulletEnabled val="1"/>
+                        </dgm:varLst>
+                        <dgm:alg type="tx"/>
+                        <dgm:shape xmlns:r="http://schemas.openxmlformats.org/officeDocument/2006/relationships" type="roundRect" r:blip="">
+                          <dgm:adjLst/>
+                        </dgm:shape>
+                        <dgm:presOf axis="desOrSelf" ptType="node"/>
+                        <dgm:constrLst>
+                          <dgm:constr type="userS"/>
+                          <dgm:constr type="w" refType="userS"/>
+                          <dgm:constr type="h" refType="w"/>
+                          <dgm:constr type="tMarg" refType="primFontSz" fact="0.2"/>
+                          <dgm:constr type="bMarg" refType="primFontSz" fact="0.2"/>
+                          <dgm:constr type="lMarg" refType="primFontSz" fact="0.2"/>
+                          <dgm:constr type="rMarg" refType="primFontSz" fact="0.2"/>
+                        </dgm:constrLst>
+                        <dgm:ruleLst>
+                          <dgm:rule type="primFontSz" val="5" fact="NaN" max="NaN"/>
+                        </dgm:ruleLst>
+                      </dgm:layoutNode>
+                    </dgm:forEach>
+                  </dgm:forEach>
+                </dgm:forEach>
+              </dgm:layoutNode>
+              <dgm:forEach name="Name287" axis="ch" ptType="parTrans" st="3" cnt="1">
+                <dgm:layoutNode name="Name288">
+                  <dgm:alg type="conn">
+                    <dgm:param type="dim" val="1D"/>
+                    <dgm:param type="begPts" val="auto"/>
+                    <dgm:param type="endPts" val="auto"/>
+                    <dgm:param type="endSty" val="noArr"/>
+                    <dgm:param type="srcNode" val="textCenter"/>
+                    <dgm:param type="dstNode" val="childCenter3"/>
+                  </dgm:alg>
+                  <dgm:shape xmlns:r="http://schemas.openxmlformats.org/officeDocument/2006/relationships" type="conn" r:blip="" zOrderOff="-999">
+                    <dgm:adjLst/>
+                  </dgm:shape>
+                  <dgm:presOf axis="self"/>
+                  <dgm:constrLst>
+                    <dgm:constr type="h"/>
+                    <dgm:constr type="begPad"/>
+                    <dgm:constr type="endPad"/>
+                  </dgm:constrLst>
+                </dgm:layoutNode>
+              </dgm:forEach>
+            </dgm:if>
+            <dgm:else name="Name289"/>
+          </dgm:choose>
+          <dgm:choose name="Name290">
+            <dgm:if name="Name291" axis="ch" ptType="node" func="cnt" op="gte" val="4">
+              <dgm:layoutNode name="cycle_4">
+                <dgm:choose name="Name292">
+                  <dgm:if name="Name293" func="var" arg="dir" op="equ" val="norm">
+                    <dgm:choose name="Name294">
+                      <dgm:if name="Name295" axis="ch" ptType="node" func="cnt" op="equ" val="4">
+                        <dgm:choose name="Name296">
+                          <dgm:if name="Name297" axis="ch ch" ptType="node node" st="4 1" cnt="1 0" func="cnt" op="equ" val="1">
+                            <dgm:alg type="cycle">
+                              <dgm:param type="ctrShpMap" val="fNode"/>
+                              <dgm:param type="stAng" val="270"/>
+                            </dgm:alg>
+                          </dgm:if>
+                          <dgm:if name="Name298" axis="ch ch" ptType="node node" st="4 1" cnt="1 0" func="cnt" op="equ" val="2">
+                            <dgm:alg type="cycle">
+                              <dgm:param type="ctrShpMap" val="fNode"/>
+                              <dgm:param type="stAng" val="225"/>
+                              <dgm:param type="spanAng" val="90"/>
+                            </dgm:alg>
+                          </dgm:if>
+                          <dgm:else name="Name299">
+                            <dgm:alg type="cycle">
+                              <dgm:param type="ctrShpMap" val="fNode"/>
+                              <dgm:param type="stAng" val="202.5"/>
+                              <dgm:param type="spanAng" val="135"/>
+                            </dgm:alg>
+                          </dgm:else>
+                        </dgm:choose>
+                      </dgm:if>
+                      <dgm:if name="Name300" axis="ch" ptType="node" func="cnt" op="equ" val="5">
+                        <dgm:choose name="Name301">
+                          <dgm:if name="Name302" axis="ch ch" ptType="node node" st="4 1" cnt="1 0" func="cnt" op="equ" val="1">
+                            <dgm:alg type="cycle">
+                              <dgm:param type="ctrShpMap" val="fNode"/>
+                              <dgm:param type="stAng" val="216"/>
+                            </dgm:alg>
+                          </dgm:if>
+                          <dgm:if name="Name303" axis="ch ch" ptType="node node" st="4 1" cnt="1 0" func="cnt" op="equ" val="2">
+                            <dgm:alg type="cycle">
+                              <dgm:param type="ctrShpMap" val="fNode"/>
+                              <dgm:param type="stAng" val="171"/>
+                              <dgm:param type="spanAng" val="90"/>
+                            </dgm:alg>
+                          </dgm:if>
+                          <dgm:else name="Name304">
+                            <dgm:alg type="cycle">
+                              <dgm:param type="ctrShpMap" val="fNode"/>
+                              <dgm:param type="stAng" val="0"/>
+                              <dgm:param type="spanAng" val="360"/>
+                            </dgm:alg>
+                          </dgm:else>
+                        </dgm:choose>
+                      </dgm:if>
+                      <dgm:if name="Name305" axis="ch" ptType="node" func="cnt" op="equ" val="6">
+                        <dgm:choose name="Name306">
+                          <dgm:if name="Name307" axis="ch ch" ptType="node node" st="4 1" cnt="1 0" func="cnt" op="equ" val="1">
+                            <dgm:alg type="cycle">
+                              <dgm:param type="ctrShpMap" val="fNode"/>
+                              <dgm:param type="stAng" val="180"/>
+                            </dgm:alg>
+                          </dgm:if>
+                          <dgm:if name="Name308" axis="ch ch" ptType="node node" st="4 1" cnt="1 0" func="cnt" op="equ" val="2">
+                            <dgm:alg type="cycle">
+                              <dgm:param type="ctrShpMap" val="fNode"/>
+                              <dgm:param type="stAng" val="135"/>
+                              <dgm:param type="spanAng" val="90"/>
+                            </dgm:alg>
+                          </dgm:if>
+                          <dgm:else name="Name309">
+                            <dgm:alg type="cycle">
+                              <dgm:param type="ctrShpMap" val="fNode"/>
+                              <dgm:param type="stAng" val="0"/>
+                              <dgm:param type="spanAng" val="360"/>
+                            </dgm:alg>
+                          </dgm:else>
+                        </dgm:choose>
+                      </dgm:if>
+                      <dgm:if name="Name310" axis="ch" ptType="node" func="cnt" op="gte" val="7">
+                        <dgm:choose name="Name311">
+                          <dgm:if name="Name312" axis="ch ch" ptType="node node" st="4 1" cnt="1 0" func="cnt" op="equ" val="1">
+                            <dgm:alg type="cycle">
+                              <dgm:param type="ctrShpMap" val="fNode"/>
+                              <dgm:param type="stAng" val="154"/>
+                            </dgm:alg>
+                          </dgm:if>
+                          <dgm:if name="Name313" axis="ch ch" ptType="node node" st="4 1" cnt="1 0" func="cnt" op="equ" val="2">
+                            <dgm:alg type="cycle">
+                              <dgm:param type="ctrShpMap" val="fNode"/>
+                              <dgm:param type="stAng" val="109"/>
+                              <dgm:param type="spanAng" val="90"/>
+                            </dgm:alg>
+                          </dgm:if>
+                          <dgm:else name="Name314">
+                            <dgm:alg type="cycle">
+                              <dgm:param type="ctrShpMap" val="fNode"/>
+                              <dgm:param type="stAng" val="0"/>
+                              <dgm:param type="spanAng" val="360"/>
+                            </dgm:alg>
+                          </dgm:else>
+                        </dgm:choose>
+                      </dgm:if>
+                      <dgm:else name="Name315"/>
+                    </dgm:choose>
+                  </dgm:if>
+                  <dgm:else name="Name316">
+                    <dgm:choose name="Name317">
+                      <dgm:if name="Name318" axis="ch" ptType="node" func="cnt" op="equ" val="4">
+                        <dgm:choose name="Name319">
+                          <dgm:if name="Name320" axis="ch ch" ptType="node node" st="4 1" cnt="1 0" func="cnt" op="equ" val="1">
+                            <dgm:alg type="cycle">
+                              <dgm:param type="ctrShpMap" val="fNode"/>
+                              <dgm:param type="stAng" val="90"/>
+                            </dgm:alg>
+                          </dgm:if>
+                          <dgm:if name="Name321" axis="ch ch" ptType="node node" st="4 1" cnt="1 0" func="cnt" op="equ" val="2">
+                            <dgm:alg type="cycle">
+                              <dgm:param type="ctrShpMap" val="fNode"/>
+                              <dgm:param type="stAng" val="135"/>
+                              <dgm:param type="spanAng" val="-90"/>
+                            </dgm:alg>
+                          </dgm:if>
+                          <dgm:else name="Name322">
+                            <dgm:alg type="cycle">
+                              <dgm:param type="ctrShpMap" val="fNode"/>
+                              <dgm:param type="stAng" val="157.5"/>
+                              <dgm:param type="spanAng" val="-135"/>
+                            </dgm:alg>
+                          </dgm:else>
+                        </dgm:choose>
+                      </dgm:if>
+                      <dgm:if name="Name323" axis="ch" ptType="node" func="cnt" op="equ" val="5">
+                        <dgm:choose name="Name324">
+                          <dgm:if name="Name325" axis="ch ch" ptType="node node" st="4 1" cnt="1 0" func="cnt" op="equ" val="1">
+                            <dgm:alg type="cycle">
+                              <dgm:param type="ctrShpMap" val="fNode"/>
+                              <dgm:param type="stAng" val="144"/>
+                            </dgm:alg>
+                          </dgm:if>
+                          <dgm:if name="Name326" axis="ch ch" ptType="node node" st="4 1" cnt="1 0" func="cnt" op="equ" val="2">
+                            <dgm:alg type="cycle">
+                              <dgm:param type="ctrShpMap" val="fNode"/>
+                              <dgm:param type="stAng" val="189"/>
+                              <dgm:param type="spanAng" val="-90"/>
+                            </dgm:alg>
+                          </dgm:if>
+                          <dgm:else name="Name327">
+                            <dgm:alg type="cycle">
+                              <dgm:param type="ctrShpMap" val="fNode"/>
+                              <dgm:param type="stAng" val="0"/>
+                              <dgm:param type="spanAng" val="-360"/>
+                            </dgm:alg>
+                          </dgm:else>
+                        </dgm:choose>
+                      </dgm:if>
+                      <dgm:if name="Name328" axis="ch" ptType="node" func="cnt" op="equ" val="6">
+                        <dgm:choose name="Name329">
+                          <dgm:if name="Name330" axis="ch ch" ptType="node node" st="4 1" cnt="1 0" func="cnt" op="equ" val="1">
+                            <dgm:alg type="cycle">
+                              <dgm:param type="ctrShpMap" val="fNode"/>
+                              <dgm:param type="stAng" val="180"/>
+                            </dgm:alg>
+                          </dgm:if>
+                          <dgm:if name="Name331" axis="ch ch" ptType="node node" st="4 1" cnt="1 0" func="cnt" op="equ" val="2">
+                            <dgm:alg type="cycle">
+                              <dgm:param type="ctrShpMap" val="fNode"/>
+                              <dgm:param type="stAng" val="225"/>
+                              <dgm:param type="spanAng" val="-90"/>
+                            </dgm:alg>
+                          </dgm:if>
+                          <dgm:else name="Name332">
+                            <dgm:alg type="cycle">
+                              <dgm:param type="ctrShpMap" val="fNode"/>
+                              <dgm:param type="stAng" val="0"/>
+                              <dgm:param type="spanAng" val="-360"/>
+                            </dgm:alg>
+                          </dgm:else>
+                        </dgm:choose>
+                      </dgm:if>
+                      <dgm:if name="Name333" axis="ch" ptType="node" func="cnt" op="gte" val="7">
+                        <dgm:choose name="Name334">
+                          <dgm:if name="Name335" axis="ch ch" ptType="node node" st="4 1" cnt="1 0" func="cnt" op="equ" val="1">
+                            <dgm:alg type="cycle">
+                              <dgm:param type="ctrShpMap" val="fNode"/>
+                              <dgm:param type="stAng" val="205"/>
+                            </dgm:alg>
+                          </dgm:if>
+                          <dgm:if name="Name336" axis="ch ch" ptType="node node" st="4 1" cnt="1 0" func="cnt" op="equ" val="2">
+                            <dgm:alg type="cycle">
+                              <dgm:param type="ctrShpMap" val="fNode"/>
+                              <dgm:param type="stAng" val="250"/>
+                              <dgm:param type="spanAng" val="-90"/>
+                            </dgm:alg>
+                          </dgm:if>
+                          <dgm:else name="Name337">
+                            <dgm:alg type="cycle">
+                              <dgm:param type="ctrShpMap" val="fNode"/>
+                              <dgm:param type="stAng" val="0"/>
+                              <dgm:param type="spanAng" val="-360"/>
+                            </dgm:alg>
+                          </dgm:else>
+                        </dgm:choose>
+                      </dgm:if>
+                      <dgm:else name="Name338"/>
+                    </dgm:choose>
+                  </dgm:else>
+                </dgm:choose>
+                <dgm:shape xmlns:r="http://schemas.openxmlformats.org/officeDocument/2006/relationships" r:blip="">
+                  <dgm:adjLst/>
+                </dgm:shape>
+                <dgm:presOf/>
+                <dgm:constrLst>
+                  <dgm:constr type="sp" refType="w" fact="0.1"/>
+                  <dgm:constr type="sibSp" refType="w" fact="0.1"/>
+                </dgm:constrLst>
+                <dgm:forEach name="Name339" axis="ch" ptType="node" st="4" cnt="1">
+                  <dgm:layoutNode name="childCenter4" styleLbl="node1">
+                    <dgm:alg type="tx"/>
+                    <dgm:shape xmlns:r="http://schemas.openxmlformats.org/officeDocument/2006/relationships" type="roundRect" r:blip="">
+                      <dgm:adjLst/>
+                    </dgm:shape>
+                    <dgm:presOf axis="self" ptType="node"/>
+                    <dgm:constrLst>
+                      <dgm:constr type="userS"/>
+                      <dgm:constr type="w" refType="userS"/>
+                      <dgm:constr type="h" refType="w"/>
+                      <dgm:constr type="tMarg" refType="primFontSz" fact="0.2"/>
+                      <dgm:constr type="bMarg" refType="primFontSz" fact="0.2"/>
+                      <dgm:constr type="lMarg" refType="primFontSz" fact="0.2"/>
+                      <dgm:constr type="rMarg" refType="primFontSz" fact="0.2"/>
+                    </dgm:constrLst>
+                    <dgm:ruleLst>
+                      <dgm:rule type="primFontSz" val="5" fact="NaN" max="NaN"/>
+                    </dgm:ruleLst>
+                  </dgm:layoutNode>
+                  <dgm:forEach name="Name340" axis="ch">
+                    <dgm:forEach name="Name341" axis="self" ptType="parTrans">
+                      <dgm:layoutNode name="Name342">
+                        <dgm:alg type="conn">
+                          <dgm:param type="dim" val="1D"/>
+                          <dgm:param type="begPts" val="auto"/>
+                          <dgm:param type="endPts" val="auto"/>
+                          <dgm:param type="begSty" val="noArr"/>
+                          <dgm:param type="endSty" val="noArr"/>
+                        </dgm:alg>
+                        <dgm:shape xmlns:r="http://schemas.openxmlformats.org/officeDocument/2006/relationships" type="conn" r:blip="">
+                          <dgm:adjLst/>
+                        </dgm:shape>
+                        <dgm:presOf axis="self"/>
+                        <dgm:constrLst>
+                          <dgm:constr type="begPad"/>
+                          <dgm:constr type="endPad"/>
+                        </dgm:constrLst>
+                      </dgm:layoutNode>
+                    </dgm:forEach>
+                    <dgm:forEach name="Name343" axis="self" ptType="node">
+                      <dgm:layoutNode name="text4" styleLbl="node1">
+                        <dgm:varLst>
+                          <dgm:bulletEnabled val="1"/>
+                        </dgm:varLst>
+                        <dgm:alg type="tx"/>
+                        <dgm:shape xmlns:r="http://schemas.openxmlformats.org/officeDocument/2006/relationships" type="roundRect" r:blip="">
+                          <dgm:adjLst/>
+                        </dgm:shape>
+                        <dgm:presOf axis="desOrSelf" ptType="node"/>
+                        <dgm:constrLst>
+                          <dgm:constr type="userS"/>
+                          <dgm:constr type="w" refType="userS"/>
+                          <dgm:constr type="h" refType="w"/>
+                          <dgm:constr type="tMarg" refType="primFontSz" fact="0.2"/>
+                          <dgm:constr type="bMarg" refType="primFontSz" fact="0.2"/>
+                          <dgm:constr type="lMarg" refType="primFontSz" fact="0.2"/>
+                          <dgm:constr type="rMarg" refType="primFontSz" fact="0.2"/>
+                        </dgm:constrLst>
+                        <dgm:ruleLst>
+                          <dgm:rule type="primFontSz" val="5" fact="NaN" max="NaN"/>
+                        </dgm:ruleLst>
+                      </dgm:layoutNode>
+                    </dgm:forEach>
+                  </dgm:forEach>
+                </dgm:forEach>
+              </dgm:layoutNode>
+              <dgm:forEach name="Name344" axis="ch" ptType="parTrans" st="4" cnt="1">
+                <dgm:layoutNode name="Name345">
+                  <dgm:alg type="conn">
+                    <dgm:param type="dim" val="1D"/>
+                    <dgm:param type="begPts" val="auto"/>
+                    <dgm:param type="endPts" val="auto"/>
+                    <dgm:param type="endSty" val="noArr"/>
+                    <dgm:param type="srcNode" val="textCenter"/>
+                    <dgm:param type="dstNode" val="childCenter4"/>
+                  </dgm:alg>
+                  <dgm:shape xmlns:r="http://schemas.openxmlformats.org/officeDocument/2006/relationships" type="conn" r:blip="" zOrderOff="-999">
+                    <dgm:adjLst/>
+                  </dgm:shape>
+                  <dgm:presOf axis="self"/>
+                  <dgm:constrLst>
+                    <dgm:constr type="h"/>
+                    <dgm:constr type="begPad"/>
+                    <dgm:constr type="endPad"/>
+                  </dgm:constrLst>
+                </dgm:layoutNode>
+              </dgm:forEach>
+            </dgm:if>
+            <dgm:else name="Name346"/>
+          </dgm:choose>
+          <dgm:choose name="Name347">
+            <dgm:if name="Name348" axis="ch" ptType="node" func="cnt" op="gte" val="5">
+              <dgm:layoutNode name="cycle_5">
+                <dgm:choose name="Name349">
+                  <dgm:if name="Name350" func="var" arg="dir" op="equ" val="norm">
+                    <dgm:choose name="Name351">
+                      <dgm:if name="Name352" axis="ch" ptType="node" func="cnt" op="equ" val="5">
+                        <dgm:choose name="Name353">
+                          <dgm:if name="Name354" axis="ch ch" ptType="node node" st="5 1" cnt="1 0" func="cnt" op="equ" val="1">
+                            <dgm:alg type="cycle">
+                              <dgm:param type="ctrShpMap" val="fNode"/>
+                              <dgm:param type="stAng" val="288"/>
+                            </dgm:alg>
+                          </dgm:if>
+                          <dgm:if name="Name355" axis="ch ch" ptType="node node" st="5 1" cnt="1 0" func="cnt" op="equ" val="2">
+                            <dgm:alg type="cycle">
+                              <dgm:param type="ctrShpMap" val="fNode"/>
+                              <dgm:param type="stAng" val="243"/>
+                              <dgm:param type="spanAng" val="90"/>
+                            </dgm:alg>
+                          </dgm:if>
+                          <dgm:else name="Name356">
+                            <dgm:alg type="cycle">
+                              <dgm:param type="ctrShpMap" val="fNode"/>
+                              <dgm:param type="stAng" val="0"/>
+                              <dgm:param type="spanAng" val="360"/>
+                            </dgm:alg>
+                          </dgm:else>
+                        </dgm:choose>
+                      </dgm:if>
+                      <dgm:if name="Name357" axis="ch" ptType="node" func="cnt" op="equ" val="6">
+                        <dgm:choose name="Name358">
+                          <dgm:if name="Name359" axis="ch ch" ptType="node node" st="5 1" cnt="1 0" func="cnt" op="equ" val="1">
+                            <dgm:alg type="cycle">
+                              <dgm:param type="ctrShpMap" val="fNode"/>
+                              <dgm:param type="stAng" val="240"/>
+                            </dgm:alg>
+                          </dgm:if>
+                          <dgm:if name="Name360" axis="ch ch" ptType="node node" st="5 1" cnt="1 0" func="cnt" op="equ" val="2">
+                            <dgm:alg type="cycle">
+                              <dgm:param type="ctrShpMap" val="fNode"/>
+                              <dgm:param type="stAng" val="195"/>
+                              <dgm:param type="spanAng" val="90"/>
+                            </dgm:alg>
+                          </dgm:if>
+                          <dgm:else name="Name361">
+                            <dgm:alg type="cycle">
+                              <dgm:param type="ctrShpMap" val="fNode"/>
+                              <dgm:param type="stAng" val="0"/>
+                              <dgm:param type="spanAng" val="360"/>
+                            </dgm:alg>
+                          </dgm:else>
+                        </dgm:choose>
+                      </dgm:if>
+                      <dgm:if name="Name362" axis="ch" ptType="node" func="cnt" op="gte" val="7">
+                        <dgm:choose name="Name363">
+                          <dgm:if name="Name364" axis="ch ch" ptType="node node" st="5 1" cnt="1 0" func="cnt" op="equ" val="1">
+                            <dgm:alg type="cycle">
+                              <dgm:param type="ctrShpMap" val="fNode"/>
+                              <dgm:param type="stAng" val="205"/>
+                            </dgm:alg>
+                          </dgm:if>
+                          <dgm:if name="Name365" axis="ch ch" ptType="node node" st="5 1" cnt="1 0" func="cnt" op="equ" val="2">
+                            <dgm:alg type="cycle">
+                              <dgm:param type="ctrShpMap" val="fNode"/>
+                              <dgm:param type="stAng" val="160"/>
+                              <dgm:param type="spanAng" val="90"/>
+                            </dgm:alg>
+                          </dgm:if>
+                          <dgm:else name="Name366">
+                            <dgm:alg type="cycle">
+                              <dgm:param type="ctrShpMap" val="fNode"/>
+                              <dgm:param type="stAng" val="0"/>
+                              <dgm:param type="spanAng" val="360"/>
+                            </dgm:alg>
+                          </dgm:else>
+                        </dgm:choose>
+                      </dgm:if>
+                      <dgm:else name="Name367"/>
+                    </dgm:choose>
+                  </dgm:if>
+                  <dgm:else name="Name368">
+                    <dgm:choose name="Name369">
+                      <dgm:if name="Name370" axis="ch" ptType="node" func="cnt" op="equ" val="5">
+                        <dgm:choose name="Name371">
+                          <dgm:if name="Name372" axis="ch ch" ptType="node node" st="5 1" cnt="1 0" func="cnt" op="equ" val="1">
+                            <dgm:alg type="cycle">
+                              <dgm:param type="ctrShpMap" val="fNode"/>
+                              <dgm:param type="stAng" val="72"/>
+                            </dgm:alg>
+                          </dgm:if>
+                          <dgm:if name="Name373" axis="ch ch" ptType="node node" st="5 1" cnt="1 0" func="cnt" op="equ" val="2">
+                            <dgm:alg type="cycle">
+                              <dgm:param type="ctrShpMap" val="fNode"/>
+                              <dgm:param type="stAng" val="117"/>
+                              <dgm:param type="spanAng" val="-90"/>
+                            </dgm:alg>
+                          </dgm:if>
+                          <dgm:else name="Name374">
+                            <dgm:alg type="cycle">
+                              <dgm:param type="ctrShpMap" val="fNode"/>
+                              <dgm:param type="stAng" val="0"/>
+                              <dgm:param type="spanAng" val="-360"/>
+                            </dgm:alg>
+                          </dgm:else>
+                        </dgm:choose>
+                      </dgm:if>
+                      <dgm:if name="Name375" axis="ch" ptType="node" func="cnt" op="equ" val="6">
+                        <dgm:choose name="Name376">
+                          <dgm:if name="Name377" axis="ch ch" ptType="node node" st="5 1" cnt="1 0" func="cnt" op="equ" val="1">
+                            <dgm:alg type="cycle">
+                              <dgm:param type="ctrShpMap" val="fNode"/>
+                              <dgm:param type="stAng" val="120"/>
+                            </dgm:alg>
+                          </dgm:if>
+                          <dgm:if name="Name378" axis="ch ch" ptType="node node" st="5 1" cnt="1 0" func="cnt" op="equ" val="2">
+                            <dgm:alg type="cycle">
+                              <dgm:param type="ctrShpMap" val="fNode"/>
+                              <dgm:param type="stAng" val="165"/>
+                              <dgm:param type="spanAng" val="-90"/>
+                            </dgm:alg>
+                          </dgm:if>
+                          <dgm:else name="Name379">
+                            <dgm:alg type="cycle">
+                              <dgm:param type="ctrShpMap" val="fNode"/>
+                              <dgm:param type="stAng" val="0"/>
+                              <dgm:param type="spanAng" val="-360"/>
+                            </dgm:alg>
+                          </dgm:else>
+                        </dgm:choose>
+                      </dgm:if>
+                      <dgm:if name="Name380" axis="ch" ptType="node" func="cnt" op="gte" val="7">
+                        <dgm:choose name="Name381">
+                          <dgm:if name="Name382" axis="ch ch" ptType="node node" st="5 1" cnt="1 0" func="cnt" op="equ" val="1">
+                            <dgm:alg type="cycle">
+                              <dgm:param type="ctrShpMap" val="fNode"/>
+                              <dgm:param type="stAng" val="154"/>
+                            </dgm:alg>
+                          </dgm:if>
+                          <dgm:if name="Name383" axis="ch ch" ptType="node node" st="5 1" cnt="1 0" func="cnt" op="equ" val="2">
+                            <dgm:alg type="cycle">
+                              <dgm:param type="ctrShpMap" val="fNode"/>
+                              <dgm:param type="stAng" val="199"/>
+                              <dgm:param type="spanAng" val="-90"/>
+                            </dgm:alg>
+                          </dgm:if>
+                          <dgm:else name="Name384">
+                            <dgm:alg type="cycle">
+                              <dgm:param type="ctrShpMap" val="fNode"/>
+                              <dgm:param type="stAng" val="0"/>
+                              <dgm:param type="spanAng" val="-360"/>
+                            </dgm:alg>
+                          </dgm:else>
+                        </dgm:choose>
+                      </dgm:if>
+                      <dgm:else name="Name385"/>
+                    </dgm:choose>
+                  </dgm:else>
+                </dgm:choose>
+                <dgm:shape xmlns:r="http://schemas.openxmlformats.org/officeDocument/2006/relationships" r:blip="">
+                  <dgm:adjLst/>
+                </dgm:shape>
+                <dgm:presOf/>
+                <dgm:constrLst>
+                  <dgm:constr type="sp" refType="w" fact="0.1"/>
+                  <dgm:constr type="sibSp" refType="w" fact="0.1"/>
+                </dgm:constrLst>
+                <dgm:forEach name="Name386" axis="ch" ptType="node" st="5" cnt="1">
+                  <dgm:layoutNode name="childCenter5" styleLbl="node1">
+                    <dgm:alg type="tx"/>
+                    <dgm:shape xmlns:r="http://schemas.openxmlformats.org/officeDocument/2006/relationships" type="roundRect" r:blip="">
+                      <dgm:adjLst/>
+                    </dgm:shape>
+                    <dgm:presOf axis="self" ptType="node"/>
+                    <dgm:constrLst>
+                      <dgm:constr type="userS"/>
+                      <dgm:constr type="w" refType="userS"/>
+                      <dgm:constr type="h" refType="w"/>
+                      <dgm:constr type="tMarg" refType="primFontSz" fact="0.2"/>
+                      <dgm:constr type="bMarg" refType="primFontSz" fact="0.2"/>
+                      <dgm:constr type="lMarg" refType="primFontSz" fact="0.2"/>
+                      <dgm:constr type="rMarg" refType="primFontSz" fact="0.2"/>
+                    </dgm:constrLst>
+                    <dgm:ruleLst>
+                      <dgm:rule type="primFontSz" val="5" fact="NaN" max="NaN"/>
+                    </dgm:ruleLst>
+                  </dgm:layoutNode>
+                  <dgm:forEach name="Name387" axis="ch">
+                    <dgm:forEach name="Name388" axis="self" ptType="parTrans">
+                      <dgm:layoutNode name="Name389">
+                        <dgm:alg type="conn">
+                          <dgm:param type="dim" val="1D"/>
+                          <dgm:param type="begPts" val="auto"/>
+                          <dgm:param type="endPts" val="auto"/>
+                          <dgm:param type="begSty" val="noArr"/>
+                          <dgm:param type="endSty" val="noArr"/>
+                        </dgm:alg>
+                        <dgm:shape xmlns:r="http://schemas.openxmlformats.org/officeDocument/2006/relationships" type="conn" r:blip="">
+                          <dgm:adjLst/>
+                        </dgm:shape>
+                        <dgm:presOf axis="self"/>
+                        <dgm:constrLst>
+                          <dgm:constr type="begPad"/>
+                          <dgm:constr type="endPad"/>
+                        </dgm:constrLst>
+                      </dgm:layoutNode>
+                    </dgm:forEach>
+                    <dgm:forEach name="Name390" axis="self" ptType="node">
+                      <dgm:layoutNode name="text5" styleLbl="node1">
+                        <dgm:varLst>
+                          <dgm:bulletEnabled val="1"/>
+                        </dgm:varLst>
+                        <dgm:alg type="tx"/>
+                        <dgm:shape xmlns:r="http://schemas.openxmlformats.org/officeDocument/2006/relationships" type="roundRect" r:blip="">
+                          <dgm:adjLst/>
+                        </dgm:shape>
+                        <dgm:presOf axis="desOrSelf" ptType="node"/>
+                        <dgm:constrLst>
+                          <dgm:constr type="userS"/>
+                          <dgm:constr type="w" refType="userS"/>
+                          <dgm:constr type="h" refType="w"/>
+                          <dgm:constr type="tMarg" refType="primFontSz" fact="0.2"/>
+                          <dgm:constr type="bMarg" refType="primFontSz" fact="0.2"/>
+                          <dgm:constr type="lMarg" refType="primFontSz" fact="0.2"/>
+                          <dgm:constr type="rMarg" refType="primFontSz" fact="0.2"/>
+                        </dgm:constrLst>
+                        <dgm:ruleLst>
+                          <dgm:rule type="primFontSz" val="5" fact="NaN" max="NaN"/>
+                        </dgm:ruleLst>
+                      </dgm:layoutNode>
+                    </dgm:forEach>
+                  </dgm:forEach>
+                </dgm:forEach>
+              </dgm:layoutNode>
+              <dgm:forEach name="Name391" axis="ch" ptType="parTrans" st="5" cnt="1">
+                <dgm:layoutNode name="Name392">
+                  <dgm:alg type="conn">
+                    <dgm:param type="dim" val="1D"/>
+                    <dgm:param type="begPts" val="auto"/>
+                    <dgm:param type="endPts" val="auto"/>
+                    <dgm:param type="endSty" val="noArr"/>
+                    <dgm:param type="srcNode" val="textCenter"/>
+                    <dgm:param type="dstNode" val="childCenter5"/>
+                  </dgm:alg>
+                  <dgm:shape xmlns:r="http://schemas.openxmlformats.org/officeDocument/2006/relationships" type="conn" r:blip="" zOrderOff="-999">
+                    <dgm:adjLst/>
+                  </dgm:shape>
+                  <dgm:presOf axis="self"/>
+                  <dgm:constrLst>
+                    <dgm:constr type="h"/>
+                    <dgm:constr type="begPad"/>
+                    <dgm:constr type="endPad"/>
+                  </dgm:constrLst>
+                </dgm:layoutNode>
+              </dgm:forEach>
+            </dgm:if>
+            <dgm:else name="Name393"/>
+          </dgm:choose>
+          <dgm:choose name="Name394">
+            <dgm:if name="Name395" axis="ch" ptType="node" func="cnt" op="gte" val="6">
+              <dgm:layoutNode name="cycle_6">
+                <dgm:choose name="Name396">
+                  <dgm:if name="Name397" func="var" arg="dir" op="equ" val="norm">
+                    <dgm:choose name="Name398">
+                      <dgm:if name="Name399" axis="ch" ptType="node" func="cnt" op="equ" val="6">
+                        <dgm:choose name="Name400">
+                          <dgm:if name="Name401" axis="ch ch" ptType="node node" st="6 1" cnt="1 0" func="cnt" op="equ" val="1">
+                            <dgm:alg type="cycle">
+                              <dgm:param type="ctrShpMap" val="fNode"/>
+                              <dgm:param type="stAng" val="300"/>
+                            </dgm:alg>
+                          </dgm:if>
+                          <dgm:if name="Name402" axis="ch ch" ptType="node node" st="6 1" cnt="1 0" func="cnt" op="equ" val="2">
+                            <dgm:alg type="cycle">
+                              <dgm:param type="ctrShpMap" val="fNode"/>
+                              <dgm:param type="stAng" val="255"/>
+                              <dgm:param type="spanAng" val="90"/>
+                            </dgm:alg>
+                          </dgm:if>
+                          <dgm:else name="Name403">
+                            <dgm:alg type="cycle">
+                              <dgm:param type="ctrShpMap" val="fNode"/>
+                              <dgm:param type="stAng" val="0"/>
+                              <dgm:param type="spanAng" val="360"/>
+                            </dgm:alg>
+                          </dgm:else>
+                        </dgm:choose>
+                      </dgm:if>
+                      <dgm:if name="Name404" axis="ch" ptType="node" func="cnt" op="gte" val="7">
+                        <dgm:choose name="Name405">
+                          <dgm:if name="Name406" axis="ch ch" ptType="node node" st="6 1" cnt="1 0" func="cnt" op="equ" val="1">
+                            <dgm:alg type="cycle">
+                              <dgm:param type="ctrShpMap" val="fNode"/>
+                              <dgm:param type="stAng" val="257"/>
+                            </dgm:alg>
+                          </dgm:if>
+                          <dgm:if name="Name407" axis="ch ch" ptType="node node" st="6 1" cnt="1 0" func="cnt" op="equ" val="2">
+                            <dgm:alg type="cycle">
+                              <dgm:param type="ctrShpMap" val="fNode"/>
+                              <dgm:param type="stAng" val="212"/>
+                              <dgm:param type="spanAng" val="90"/>
+                            </dgm:alg>
+                          </dgm:if>
+                          <dgm:else name="Name408">
+                            <dgm:alg type="cycle">
+                              <dgm:param type="ctrShpMap" val="fNode"/>
+                              <dgm:param type="stAng" val="0"/>
+                              <dgm:param type="spanAng" val="360"/>
+                            </dgm:alg>
+                          </dgm:else>
+                        </dgm:choose>
+                      </dgm:if>
+                      <dgm:else name="Name409"/>
+                    </dgm:choose>
+                  </dgm:if>
+                  <dgm:else name="Name410">
+                    <dgm:choose name="Name411">
+                      <dgm:if name="Name412" axis="ch" ptType="node" func="cnt" op="equ" val="6">
+                        <dgm:choose name="Name413">
+                          <dgm:if name="Name414" axis="ch ch" ptType="node node" st="6 1" cnt="1 0" func="cnt" op="equ" val="1">
+                            <dgm:alg type="cycle">
+                              <dgm:param type="ctrShpMap" val="fNode"/>
+                              <dgm:param type="stAng" val="60"/>
+                            </dgm:alg>
+                          </dgm:if>
+                          <dgm:if name="Name415" axis="ch ch" ptType="node node" st="6 1" cnt="1 0" func="cnt" op="equ" val="2">
+                            <dgm:alg type="cycle">
+                              <dgm:param type="ctrShpMap" val="fNode"/>
+                              <dgm:param type="stAng" val="105"/>
+                              <dgm:param type="spanAng" val="-90"/>
+                            </dgm:alg>
+                          </dgm:if>
+                          <dgm:else name="Name416">
+                            <dgm:alg type="cycle">
+                              <dgm:param type="ctrShpMap" val="fNode"/>
+                              <dgm:param type="stAng" val="0"/>
+                              <dgm:param type="spanAng" val="-360"/>
+                            </dgm:alg>
+                          </dgm:else>
+                        </dgm:choose>
+                      </dgm:if>
+                      <dgm:if name="Name417" axis="ch" ptType="node" func="cnt" op="gte" val="7">
+                        <dgm:choose name="Name418">
+                          <dgm:if name="Name419" axis="ch ch" ptType="node node" st="6 1" cnt="1 0" func="cnt" op="equ" val="1">
+                            <dgm:alg type="cycle">
+                              <dgm:param type="ctrShpMap" val="fNode"/>
+                              <dgm:param type="stAng" val="102"/>
+                            </dgm:alg>
+                          </dgm:if>
+                          <dgm:if name="Name420" axis="ch ch" ptType="node node" st="6 1" cnt="1 0" func="cnt" op="equ" val="2">
+                            <dgm:alg type="cycle">
+                              <dgm:param type="ctrShpMap" val="fNode"/>
+                              <dgm:param type="stAng" val="147"/>
+                              <dgm:param type="spanAng" val="-90"/>
+                            </dgm:alg>
+                          </dgm:if>
+                          <dgm:else name="Name421">
+                            <dgm:alg type="cycle">
+                              <dgm:param type="ctrShpMap" val="fNode"/>
+                              <dgm:param type="stAng" val="0"/>
+                              <dgm:param type="spanAng" val="-360"/>
+                            </dgm:alg>
+                          </dgm:else>
+                        </dgm:choose>
+                      </dgm:if>
+                      <dgm:else name="Name422"/>
+                    </dgm:choose>
+                  </dgm:else>
+                </dgm:choose>
+                <dgm:shape xmlns:r="http://schemas.openxmlformats.org/officeDocument/2006/relationships" r:blip="">
+                  <dgm:adjLst/>
+                </dgm:shape>
+                <dgm:presOf/>
+                <dgm:constrLst>
+                  <dgm:constr type="sp" refType="w" fact="0.1"/>
+                  <dgm:constr type="sibSp" refType="w" fact="0.1"/>
+                </dgm:constrLst>
+                <dgm:forEach name="Name423" axis="ch" ptType="node" st="6" cnt="1">
+                  <dgm:layoutNode name="childCenter6" styleLbl="node1">
+                    <dgm:alg type="tx"/>
+                    <dgm:shape xmlns:r="http://schemas.openxmlformats.org/officeDocument/2006/relationships" type="roundRect" r:blip="">
+                      <dgm:adjLst/>
+                    </dgm:shape>
+                    <dgm:presOf axis="self" ptType="node"/>
+                    <dgm:constrLst>
+                      <dgm:constr type="userS"/>
+                      <dgm:constr type="w" refType="userS"/>
+                      <dgm:constr type="h" refType="w"/>
+                      <dgm:constr type="tMarg" refType="primFontSz" fact="0.2"/>
+                      <dgm:constr type="bMarg" refType="primFontSz" fact="0.2"/>
+                      <dgm:constr type="lMarg" refType="primFontSz" fact="0.2"/>
+                      <dgm:constr type="rMarg" refType="primFontSz" fact="0.2"/>
+                    </dgm:constrLst>
+                    <dgm:ruleLst>
+                      <dgm:rule type="primFontSz" val="5" fact="NaN" max="NaN"/>
+                    </dgm:ruleLst>
+                  </dgm:layoutNode>
+                  <dgm:forEach name="Name424" axis="ch">
+                    <dgm:forEach name="Name425" axis="self" ptType="parTrans">
+                      <dgm:layoutNode name="Name426">
+                        <dgm:alg type="conn">
+                          <dgm:param type="dim" val="1D"/>
+                          <dgm:param type="begPts" val="auto"/>
+                          <dgm:param type="endPts" val="auto"/>
+                          <dgm:param type="begSty" val="noArr"/>
+                          <dgm:param type="endSty" val="noArr"/>
+                        </dgm:alg>
+                        <dgm:shape xmlns:r="http://schemas.openxmlformats.org/officeDocument/2006/relationships" type="conn" r:blip="">
+                          <dgm:adjLst/>
+                        </dgm:shape>
+                        <dgm:presOf axis="self"/>
+                        <dgm:constrLst>
+                          <dgm:constr type="begPad"/>
+                          <dgm:constr type="endPad"/>
+                        </dgm:constrLst>
+                      </dgm:layoutNode>
+                    </dgm:forEach>
+                    <dgm:forEach name="Name427" axis="self" ptType="node">
+                      <dgm:layoutNode name="text6" styleLbl="node1">
+                        <dgm:varLst>
+                          <dgm:bulletEnabled val="1"/>
+                        </dgm:varLst>
+                        <dgm:alg type="tx"/>
+                        <dgm:shape xmlns:r="http://schemas.openxmlformats.org/officeDocument/2006/relationships" type="roundRect" r:blip="">
+                          <dgm:adjLst/>
+                        </dgm:shape>
+                        <dgm:presOf axis="desOrSelf" ptType="node"/>
+                        <dgm:constrLst>
+                          <dgm:constr type="userS"/>
+                          <dgm:constr type="w" refType="userS"/>
+                          <dgm:constr type="h" refType="w"/>
+                          <dgm:constr type="tMarg" refType="primFontSz" fact="0.2"/>
+                          <dgm:constr type="bMarg" refType="primFontSz" fact="0.2"/>
+                          <dgm:constr type="lMarg" refType="primFontSz" fact="0.2"/>
+                          <dgm:constr type="rMarg" refType="primFontSz" fact="0.2"/>
+                        </dgm:constrLst>
+                        <dgm:ruleLst>
+                          <dgm:rule type="primFontSz" val="5" fact="NaN" max="NaN"/>
+                        </dgm:ruleLst>
+                      </dgm:layoutNode>
+                    </dgm:forEach>
+                  </dgm:forEach>
+                </dgm:forEach>
+              </dgm:layoutNode>
+              <dgm:forEach name="Name428" axis="ch" ptType="parTrans" st="6" cnt="1">
+                <dgm:layoutNode name="Name429">
+                  <dgm:alg type="conn">
+                    <dgm:param type="dim" val="1D"/>
+                    <dgm:param type="begPts" val="auto"/>
+                    <dgm:param type="endPts" val="auto"/>
+                    <dgm:param type="endSty" val="noArr"/>
+                    <dgm:param type="srcNode" val="textCenter"/>
+                    <dgm:param type="dstNode" val="childCenter6"/>
+                  </dgm:alg>
+                  <dgm:shape xmlns:r="http://schemas.openxmlformats.org/officeDocument/2006/relationships" type="conn" r:blip="" zOrderOff="-999">
+                    <dgm:adjLst/>
+                  </dgm:shape>
+                  <dgm:presOf axis="self"/>
+                  <dgm:constrLst>
+                    <dgm:constr type="h"/>
+                    <dgm:constr type="begPad"/>
+                    <dgm:constr type="endPad"/>
+                  </dgm:constrLst>
+                </dgm:layoutNode>
+              </dgm:forEach>
+            </dgm:if>
+            <dgm:else name="Name430"/>
+          </dgm:choose>
+          <dgm:choose name="Name431">
+            <dgm:if name="Name432" axis="ch" ptType="node" func="cnt" op="gte" val="7">
+              <dgm:layoutNode name="cycle_7">
+                <dgm:choose name="Name433">
+                  <dgm:if name="Name434" func="var" arg="dir" op="equ" val="norm">
+                    <dgm:choose name="Name435">
+                      <dgm:if name="Name436" axis="ch" ptType="node" func="cnt" op="gte" val="7">
+                        <dgm:choose name="Name437">
+                          <dgm:if name="Name438" axis="ch ch" ptType="node node" st="7 1" cnt="1 0" func="cnt" op="equ" val="1">
+                            <dgm:alg type="cycle">
+                              <dgm:param type="ctrShpMap" val="fNode"/>
+                              <dgm:param type="stAng" val="308"/>
+                            </dgm:alg>
+                          </dgm:if>
+                          <dgm:if name="Name439" axis="ch ch" ptType="node node" st="7 1" cnt="1 0" func="cnt" op="equ" val="2">
+                            <dgm:alg type="cycle">
+                              <dgm:param type="ctrShpMap" val="fNode"/>
+                              <dgm:param type="stAng" val="263"/>
+                              <dgm:param type="spanAng" val="90"/>
+                            </dgm:alg>
+                          </dgm:if>
+                          <dgm:else name="Name440">
+                            <dgm:alg type="cycle">
+                              <dgm:param type="ctrShpMap" val="fNode"/>
+                              <dgm:param type="stAng" val="0"/>
+                              <dgm:param type="spanAng" val="360"/>
+                            </dgm:alg>
+                          </dgm:else>
+                        </dgm:choose>
+                      </dgm:if>
+                      <dgm:else name="Name441"/>
+                    </dgm:choose>
+                  </dgm:if>
+                  <dgm:else name="Name442">
+                    <dgm:choose name="Name443">
+                      <dgm:if name="Name444" axis="ch" ptType="node" func="cnt" op="gte" val="7">
+                        <dgm:choose name="Name445">
+                          <dgm:if name="Name446" axis="ch ch" ptType="node node" st="7 1" cnt="1 0" func="cnt" op="equ" val="1">
+                            <dgm:alg type="cycle">
+                              <dgm:param type="ctrShpMap" val="fNode"/>
+                              <dgm:param type="stAng" val="51"/>
+                            </dgm:alg>
+                          </dgm:if>
+                          <dgm:if name="Name447" axis="ch ch" ptType="node node" st="7 1" cnt="1 0" func="cnt" op="equ" val="2">
+                            <dgm:alg type="cycle">
+                              <dgm:param type="ctrShpMap" val="fNode"/>
+                              <dgm:param type="stAng" val="96"/>
+                              <dgm:param type="spanAng" val="-90"/>
+                            </dgm:alg>
+                          </dgm:if>
+                          <dgm:else name="Name448">
+                            <dgm:alg type="cycle">
+                              <dgm:param type="ctrShpMap" val="fNode"/>
+                              <dgm:param type="stAng" val="0"/>
+                              <dgm:param type="spanAng" val="-360"/>
+                            </dgm:alg>
+                          </dgm:else>
+                        </dgm:choose>
+                      </dgm:if>
+                      <dgm:else name="Name449"/>
+                    </dgm:choose>
+                  </dgm:else>
+                </dgm:choose>
+                <dgm:shape xmlns:r="http://schemas.openxmlformats.org/officeDocument/2006/relationships" r:blip="">
+                  <dgm:adjLst/>
+                </dgm:shape>
+                <dgm:presOf/>
+                <dgm:constrLst>
+                  <dgm:constr type="sp" refType="w" fact="0.1"/>
+                  <dgm:constr type="sibSp" refType="w" fact="0.1"/>
+                </dgm:constrLst>
+                <dgm:forEach name="Name450" axis="ch" ptType="node" st="7" cnt="1">
+                  <dgm:layoutNode name="childCenter7" styleLbl="node1">
+                    <dgm:alg type="tx"/>
+                    <dgm:shape xmlns:r="http://schemas.openxmlformats.org/officeDocument/2006/relationships" type="roundRect" r:blip="">
+                      <dgm:adjLst/>
+                    </dgm:shape>
+                    <dgm:presOf axis="self" ptType="node"/>
+                    <dgm:constrLst>
+                      <dgm:constr type="userS"/>
+                      <dgm:constr type="w" refType="userS"/>
+                      <dgm:constr type="h" refType="w"/>
+                      <dgm:constr type="tMarg" refType="primFontSz" fact="0.2"/>
+                      <dgm:constr type="bMarg" refType="primFontSz" fact="0.2"/>
+                      <dgm:constr type="lMarg" refType="primFontSz" fact="0.2"/>
+                      <dgm:constr type="rMarg" refType="primFontSz" fact="0.2"/>
+                    </dgm:constrLst>
+                    <dgm:ruleLst>
+                      <dgm:rule type="primFontSz" val="5" fact="NaN" max="NaN"/>
+                    </dgm:ruleLst>
+                  </dgm:layoutNode>
+                  <dgm:forEach name="Name451" axis="ch">
+                    <dgm:forEach name="Name452" axis="self" ptType="parTrans">
+                      <dgm:layoutNode name="Name453">
+                        <dgm:alg type="conn">
+                          <dgm:param type="dim" val="1D"/>
+                          <dgm:param type="begPts" val="auto"/>
+                          <dgm:param type="endPts" val="auto"/>
+                          <dgm:param type="begSty" val="noArr"/>
+                          <dgm:param type="endSty" val="noArr"/>
+                        </dgm:alg>
+                        <dgm:shape xmlns:r="http://schemas.openxmlformats.org/officeDocument/2006/relationships" type="conn" r:blip="">
+                          <dgm:adjLst/>
+                        </dgm:shape>
+                        <dgm:presOf axis="self"/>
+                        <dgm:constrLst>
+                          <dgm:constr type="begPad"/>
+                          <dgm:constr type="endPad"/>
+                        </dgm:constrLst>
+                      </dgm:layoutNode>
+                    </dgm:forEach>
+                    <dgm:forEach name="Name454" axis="self" ptType="node">
+                      <dgm:layoutNode name="text7" styleLbl="node1">
+                        <dgm:varLst>
+                          <dgm:bulletEnabled val="1"/>
+                        </dgm:varLst>
+                        <dgm:alg type="tx"/>
+                        <dgm:shape xmlns:r="http://schemas.openxmlformats.org/officeDocument/2006/relationships" type="roundRect" r:blip="">
+                          <dgm:adjLst/>
+                        </dgm:shape>
+                        <dgm:presOf axis="desOrSelf" ptType="node"/>
+                        <dgm:constrLst>
+                          <dgm:constr type="userS"/>
+                          <dgm:constr type="w" refType="userS"/>
+                          <dgm:constr type="h" refType="w"/>
+                          <dgm:constr type="tMarg" refType="primFontSz" fact="0.2"/>
+                          <dgm:constr type="bMarg" refType="primFontSz" fact="0.2"/>
+                          <dgm:constr type="lMarg" refType="primFontSz" fact="0.2"/>
+                          <dgm:constr type="rMarg" refType="primFontSz" fact="0.2"/>
+                        </dgm:constrLst>
+                        <dgm:ruleLst>
+                          <dgm:rule type="primFontSz" val="5" fact="NaN" max="NaN"/>
+                        </dgm:ruleLst>
+                      </dgm:layoutNode>
+                    </dgm:forEach>
+                  </dgm:forEach>
+                </dgm:forEach>
+              </dgm:layoutNode>
+              <dgm:forEach name="Name455" axis="ch" ptType="parTrans" st="7" cnt="1">
+                <dgm:layoutNode name="Name456">
+                  <dgm:alg type="conn">
+                    <dgm:param type="dim" val="1D"/>
+                    <dgm:param type="begPts" val="auto"/>
+                    <dgm:param type="endPts" val="auto"/>
+                    <dgm:param type="endSty" val="noArr"/>
+                    <dgm:param type="srcNode" val="textCenter"/>
+                    <dgm:param type="dstNode" val="childCenter7"/>
+                  </dgm:alg>
+                  <dgm:shape xmlns:r="http://schemas.openxmlformats.org/officeDocument/2006/relationships" type="conn" r:blip="" zOrderOff="-999">
+                    <dgm:adjLst/>
+                  </dgm:shape>
+                  <dgm:presOf axis="self"/>
+                  <dgm:constrLst>
+                    <dgm:constr type="h"/>
+                    <dgm:constr type="begPad"/>
+                    <dgm:constr type="endPad"/>
+                  </dgm:constrLst>
+                </dgm:layoutNode>
+              </dgm:forEach>
+            </dgm:if>
+            <dgm:else name="Name457"/>
+          </dgm:choose>
+        </dgm:else>
+      </dgm:choose>
+    </dgm:forEach>
+  </dgm:layoutNode>
+</dgm:layoutDef>
+</file>
+
+<file path=ppt/diagrams/quickStyle1.xml><?xml version="1.0" encoding="utf-8"?>
+<dgm:styleDef xmlns:dgm="http://schemas.openxmlformats.org/drawingml/2006/diagram" xmlns:a="http://schemas.openxmlformats.org/drawingml/2006/main" uniqueId="urn:microsoft.com/office/officeart/2005/8/quickstyle/simple5">
+  <dgm:title val=""/>
+  <dgm:desc val=""/>
+  <dgm:catLst>
+    <dgm:cat type="simple" pri="10500"/>
+  </dgm:catLst>
+  <dgm:scene3d>
+    <a:camera prst="orthographicFront"/>
+    <a:lightRig rig="threePt" dir="t"/>
+  </dgm:scene3d>
+  <dgm:styleLbl name="node0">
+    <dgm:scene3d>
+      <a:camera prst="orthographicFront"/>
+      <a:lightRig rig="threePt" dir="t"/>
+    </dgm:scene3d>
+    <dgm:sp3d/>
+    <dgm:txPr/>
+    <dgm:style>
+      <a:lnRef idx="0">
+        <a:scrgbClr r="0" g="0" b="0"/>
+      </a:lnRef>
+      <a:fillRef idx="3">
+        <a:scrgbClr r="0" g="0" b="0"/>
+      </a:fillRef>
+      <a:effectRef idx="3">
+        <a:scrgbClr r="0" g="0" b="0"/>
+      </a:effectRef>
+      <a:fontRef idx="minor">
+        <a:schemeClr val="lt1"/>
+      </a:fontRef>
+    </dgm:style>
+  </dgm:styleLbl>
+  <dgm:styleLbl name="lnNode1">
+    <dgm:scene3d>
+      <a:camera prst="orthographicFront"/>
+      <a:lightRig rig="threePt" dir="t"/>
+    </dgm:scene3d>
+    <dgm:sp3d/>
+    <dgm:txPr/>
+    <dgm:style>
+      <a:lnRef idx="0">
+        <a:scrgbClr r="0" g="0" b="0"/>
+      </a:lnRef>
+      <a:fillRef idx="3">
+        <a:scrgbClr r="0" g="0" b="0"/>
+      </a:fillRef>
+      <a:effectRef idx="3">
+        <a:scrgbClr r="0" g="0" b="0"/>
+      </a:effectRef>
+      <a:fontRef idx="minor">
+        <a:schemeClr val="lt1"/>
+      </a:fontRef>
+    </dgm:style>
+  </dgm:styleLbl>
+  <dgm:styleLbl name="vennNode1">
+    <dgm:scene3d>
+      <a:camera prst="orthographicFront"/>
+      <a:lightRig rig="threePt" dir="t"/>
+    </dgm:scene3d>
+    <dgm:sp3d/>
+    <dgm:txPr/>
+    <dgm:style>
+      <a:lnRef idx="0">
+        <a:scrgbClr r="0" g="0" b="0"/>
+      </a:lnRef>
+      <a:fillRef idx="3">
+        <a:scrgbClr r="0" g="0" b="0"/>
+      </a:fillRef>
+      <a:effectRef idx="3">
+        <a:scrgbClr r="0" g="0" b="0"/>
+      </a:effectRef>
+      <a:fontRef idx="minor">
+        <a:schemeClr val="tx1"/>
+      </a:fontRef>
+    </dgm:style>
+  </dgm:styleLbl>
+  <dgm:styleLbl name="alignNode1">
+    <dgm:scene3d>
+      <a:camera prst="orthographicFront"/>
+      <a:lightRig rig="threePt" dir="t"/>
+    </dgm:scene3d>
+    <dgm:sp3d/>
+    <dgm:txPr/>
+    <dgm:style>
+      <a:lnRef idx="1">
+        <a:scrgbClr r="0" g="0" b="0"/>
+      </a:lnRef>
+      <a:fillRef idx="3">
+        <a:scrgbClr r="0" g="0" b="0"/>
+      </a:fillRef>
+      <a:effectRef idx="3">
+        <a:scrgbClr r="0" g="0" b="0"/>
+      </a:effectRef>
+      <a:fontRef idx="minor">
+        <a:schemeClr val="lt1"/>
+      </a:fontRef>
+    </dgm:style>
+  </dgm:styleLbl>
+  <dgm:styleLbl name="node1">
+    <dgm:scene3d>
+      <a:camera prst="orthographicFront"/>
+      <a:lightRig rig="threePt" dir="t"/>
+    </dgm:scene3d>
+    <dgm:sp3d/>
+    <dgm:txPr/>
+    <dgm:style>
+      <a:lnRef idx="0">
+        <a:scrgbClr r="0" g="0" b="0"/>
+      </a:lnRef>
+      <a:fillRef idx="3">
+        <a:scrgbClr r="0" g="0" b="0"/>
+      </a:fillRef>
+      <a:effectRef idx="3">
+        <a:scrgbClr r="0" g="0" b="0"/>
+      </a:effectRef>
+      <a:fontRef idx="minor">
+        <a:schemeClr val="lt1"/>
+      </a:fontRef>
+    </dgm:style>
+  </dgm:styleLbl>
+  <dgm:styleLbl name="node2">
+    <dgm:scene3d>
+      <a:camera prst="orthographicFront"/>
+      <a:lightRig rig="threePt" dir="t"/>
+    </dgm:scene3d>
+    <dgm:sp3d/>
+    <dgm:txPr/>
+    <dgm:style>
+      <a:lnRef idx="0">
+        <a:scrgbClr r="0" g="0" b="0"/>
+      </a:lnRef>
+      <a:fillRef idx="3">
+        <a:scrgbClr r="0" g="0" b="0"/>
+      </a:fillRef>
+      <a:effectRef idx="3">
+        <a:scrgbClr r="0" g="0" b="0"/>
+      </a:effectRef>
+      <a:fontRef idx="minor">
+        <a:schemeClr val="lt1"/>
+      </a:fontRef>
+    </dgm:style>
+  </dgm:styleLbl>
+  <dgm:styleLbl name="node3">
+    <dgm:scene3d>
+      <a:camera prst="orthographicFront"/>
+      <a:lightRig rig="threePt" dir="t"/>
+    </dgm:scene3d>
+    <dgm:sp3d/>
+    <dgm:txPr/>
+    <dgm:style>
+      <a:lnRef idx="0">
+        <a:scrgbClr r="0" g="0" b="0"/>
+      </a:lnRef>
+      <a:fillRef idx="3">
+        <a:scrgbClr r="0" g="0" b="0"/>
+      </a:fillRef>
+      <a:effectRef idx="3">
+        <a:scrgbClr r="0" g="0" b="0"/>
+      </a:effectRef>
+      <a:fontRef idx="minor">
+        <a:schemeClr val="lt1"/>
+      </a:fontRef>
+    </dgm:style>
+  </dgm:styleLbl>
+  <dgm:styleLbl name="node4">
+    <dgm:scene3d>
+      <a:camera prst="orthographicFront"/>
+      <a:lightRig rig="threePt" dir="t"/>
+    </dgm:scene3d>
+    <dgm:sp3d/>
+    <dgm:txPr/>
+    <dgm:style>
+      <a:lnRef idx="0">
+        <a:scrgbClr r="0" g="0" b="0"/>
+      </a:lnRef>
+      <a:fillRef idx="3">
+        <a:scrgbClr r="0" g="0" b="0"/>
+      </a:fillRef>
+      <a:effectRef idx="3">
+        <a:scrgbClr r="0" g="0" b="0"/>
+      </a:effectRef>
+      <a:fontRef idx="minor">
+        <a:schemeClr val="lt1"/>
+      </a:fontRef>
+    </dgm:style>
+  </dgm:styleLbl>
+  <dgm:styleLbl name="fgImgPlace1">
+    <dgm:scene3d>
+      <a:camera prst="orthographicFront"/>
+      <a:lightRig rig="threePt" dir="t"/>
+    </dgm:scene3d>
+    <dgm:sp3d/>
+    <dgm:txPr/>
+    <dgm:style>
+      <a:lnRef idx="0">
+        <a:scrgbClr r="0" g="0" b="0"/>
+      </a:lnRef>
+      <a:fillRef idx="1">
+        <a:scrgbClr r="0" g="0" b="0"/>
+      </a:fillRef>
+      <a:effectRef idx="3">
+        <a:scrgbClr r="0" g="0" b="0"/>
+      </a:effectRef>
+      <a:fontRef idx="minor"/>
+    </dgm:style>
+  </dgm:styleLbl>
+  <dgm:styleLbl name="alignImgPlace1">
+    <dgm:scene3d>
+      <a:camera prst="orthographicFront"/>
+      <a:lightRig rig="threePt" dir="t"/>
+    </dgm:scene3d>
+    <dgm:sp3d/>
+    <dgm:txPr/>
+    <dgm:style>
+      <a:lnRef idx="0">
+        <a:scrgbClr r="0" g="0" b="0"/>
+      </a:lnRef>
+      <a:fillRef idx="1">
+        <a:scrgbClr r="0" g="0" b="0"/>
+      </a:fillRef>
+      <a:effectRef idx="3">
+        <a:scrgbClr r="0" g="0" b="0"/>
+      </a:effectRef>
+      <a:fontRef idx="minor"/>
+    </dgm:style>
+  </dgm:styleLbl>
+  <dgm:styleLbl name="bgImgPlace1">
+    <dgm:scene3d>
+      <a:camera prst="orthographicFront"/>
+      <a:lightRig rig="threePt" dir="t"/>
+    </dgm:scene3d>
+    <dgm:sp3d/>
+    <dgm:txPr/>
+    <dgm:style>
+      <a:lnRef idx="0">
+        <a:scrgbClr r="0" g="0" b="0"/>
+      </a:lnRef>
+      <a:fillRef idx="1">
+        <a:scrgbClr r="0" g="0" b="0"/>
+      </a:fillRef>
+      <a:effectRef idx="3">
+        <a:scrgbClr r="0" g="0" b="0"/>
+      </a:effectRef>
+      <a:fontRef idx="minor"/>
+    </dgm:style>
+  </dgm:styleLbl>
+  <dgm:styleLbl name="sibTrans2D1">
+    <dgm:scene3d>
+      <a:camera prst="orthographicFront"/>
+      <a:lightRig rig="threePt" dir="t"/>
+    </dgm:scene3d>
+    <dgm:sp3d/>
+    <dgm:txPr/>
+    <dgm:style>
+      <a:lnRef idx="0">
+        <a:scrgbClr r="0" g="0" b="0"/>
+      </a:lnRef>
+      <a:fillRef idx="3">
+        <a:scrgbClr r="0" g="0" b="0"/>
+      </a:fillRef>
+      <a:effectRef idx="3">
+        <a:scrgbClr r="0" g="0" b="0"/>
+      </a:effectRef>
+      <a:fontRef idx="minor">
+        <a:schemeClr val="lt1"/>
+      </a:fontRef>
+    </dgm:style>
+  </dgm:styleLbl>
+  <dgm:styleLbl name="fgSibTrans2D1">
+    <dgm:scene3d>
+      <a:camera prst="orthographicFront"/>
+      <a:lightRig rig="threePt" dir="t"/>
+    </dgm:scene3d>
+    <dgm:sp3d/>
+    <dgm:txPr/>
+    <dgm:style>
+      <a:lnRef idx="0">
+        <a:scrgbClr r="0" g="0" b="0"/>
+      </a:lnRef>
+      <a:fillRef idx="3">
+        <a:scrgbClr r="0" g="0" b="0"/>
+      </a:fillRef>
+      <a:effectRef idx="3">
+        <a:scrgbClr r="0" g="0" b="0"/>
+      </a:effectRef>
+      <a:fontRef idx="minor">
+        <a:schemeClr val="lt1"/>
+      </a:fontRef>
+    </dgm:style>
+  </dgm:styleLbl>
+  <dgm:styleLbl name="bgSibTrans2D1">
+    <dgm:scene3d>
+      <a:camera prst="orthographicFront"/>
+      <a:lightRig rig="threePt" dir="t"/>
+    </dgm:scene3d>
+    <dgm:sp3d/>
+    <dgm:txPr/>
+    <dgm:style>
+      <a:lnRef idx="0">
+        <a:scrgbClr r="0" g="0" b="0"/>
+      </a:lnRef>
+      <a:fillRef idx="3">
+        <a:scrgbClr r="0" g="0" b="0"/>
+      </a:fillRef>
+      <a:effectRef idx="3">
+        <a:scrgbClr r="0" g="0" b="0"/>
+      </a:effectRef>
+      <a:fontRef idx="minor">
+        <a:schemeClr val="lt1"/>
+      </a:fontRef>
+    </dgm:style>
+  </dgm:styleLbl>
+  <dgm:styleLbl name="sibTrans1D1">
+    <dgm:scene3d>
+      <a:camera prst="orthographicFront"/>
+      <a:lightRig rig="threePt" dir="t"/>
+    </dgm:scene3d>
+    <dgm:sp3d/>
+    <dgm:txPr/>
+    <dgm:style>
+      <a:lnRef idx="1">
+        <a:scrgbClr r="0" g="0" b="0"/>
+      </a:lnRef>
+      <a:fillRef idx="0">
+        <a:scrgbClr r="0" g="0" b="0"/>
+      </a:fillRef>
+      <a:effectRef idx="0">
+        <a:scrgbClr r="0" g="0" b="0"/>
+      </a:effectRef>
+      <a:fontRef idx="minor"/>
+    </dgm:style>
+  </dgm:styleLbl>
+  <dgm:styleLbl name="callout">
+    <dgm:scene3d>
+      <a:camera prst="orthographicFront"/>
+      <a:lightRig rig="threePt" dir="t"/>
+    </dgm:scene3d>
+    <dgm:sp3d/>
+    <dgm:txPr/>
+    <dgm:style>
+      <a:lnRef idx="1">
+        <a:scrgbClr r="0" g="0" b="0"/>
+      </a:lnRef>
+      <a:fillRef idx="0">
+        <a:scrgbClr r="0" g="0" b="0"/>
+      </a:fillRef>
+      <a:effectRef idx="1">
+        <a:scrgbClr r="0" g="0" b="0"/>
+      </a:effectRef>
+      <a:fontRef idx="minor"/>
+    </dgm:style>
+  </dgm:styleLbl>
+  <dgm:styleLbl name="asst0">
+    <dgm:scene3d>
+      <a:camera prst="orthographicFront"/>
+      <a:lightRig rig="threePt" dir="t"/>
+    </dgm:scene3d>
+    <dgm:sp3d/>
+    <dgm:txPr/>
+    <dgm:style>
+      <a:lnRef idx="0">
+        <a:scrgbClr r="0" g="0" b="0"/>
+      </a:lnRef>
+      <a:fillRef idx="3">
+        <a:scrgbClr r="0" g="0" b="0"/>
+      </a:fillRef>
+      <a:effectRef idx="3">
+        <a:scrgbClr r="0" g="0" b="0"/>
+      </a:effectRef>
+      <a:fontRef idx="minor">
+        <a:schemeClr val="lt1"/>
+      </a:fontRef>
+    </dgm:style>
+  </dgm:styleLbl>
+  <dgm:styleLbl name="asst1">
+    <dgm:scene3d>
+      <a:camera prst="orthographicFront"/>
+      <a:lightRig rig="threePt" dir="t"/>
+    </dgm:scene3d>
+    <dgm:sp3d/>
+    <dgm:txPr/>
+    <dgm:style>
+      <a:lnRef idx="0">
+        <a:scrgbClr r="0" g="0" b="0"/>
+      </a:lnRef>
+      <a:fillRef idx="3">
+        <a:scrgbClr r="0" g="0" b="0"/>
+      </a:fillRef>
+      <a:effectRef idx="3">
+        <a:scrgbClr r="0" g="0" b="0"/>
+      </a:effectRef>
+      <a:fontRef idx="minor">
+        <a:schemeClr val="lt1"/>
+      </a:fontRef>
+    </dgm:style>
+  </dgm:styleLbl>
+  <dgm:styleLbl name="asst2">
+    <dgm:scene3d>
+      <a:camera prst="orthographicFront"/>
+      <a:lightRig rig="threePt" dir="t"/>
+    </dgm:scene3d>
+    <dgm:sp3d/>
+    <dgm:txPr/>
+    <dgm:style>
+      <a:lnRef idx="0">
+        <a:scrgbClr r="0" g="0" b="0"/>
+      </a:lnRef>
+      <a:fillRef idx="3">
+        <a:scrgbClr r="0" g="0" b="0"/>
+      </a:fillRef>
+      <a:effectRef idx="3">
+        <a:scrgbClr r="0" g="0" b="0"/>
+      </a:effectRef>
+      <a:fontRef idx="minor">
+        <a:schemeClr val="lt1"/>
+      </a:fontRef>
+    </dgm:style>
+  </dgm:styleLbl>
+  <dgm:styleLbl name="asst3">
+    <dgm:scene3d>
+      <a:camera prst="orthographicFront"/>
+      <a:lightRig rig="threePt" dir="t"/>
+    </dgm:scene3d>
+    <dgm:sp3d/>
+    <dgm:txPr/>
+    <dgm:style>
+      <a:lnRef idx="0">
+        <a:scrgbClr r="0" g="0" b="0"/>
+      </a:lnRef>
+      <a:fillRef idx="3">
+        <a:scrgbClr r="0" g="0" b="0"/>
+      </a:fillRef>
+      <a:effectRef idx="3">
+        <a:scrgbClr r="0" g="0" b="0"/>
+      </a:effectRef>
+      <a:fontRef idx="minor">
+        <a:schemeClr val="lt1"/>
+      </a:fontRef>
+    </dgm:style>
+  </dgm:styleLbl>
+  <dgm:styleLbl name="asst4">
+    <dgm:scene3d>
+      <a:camera prst="orthographicFront"/>
+      <a:lightRig rig="threePt" dir="t"/>
+    </dgm:scene3d>
+    <dgm:sp3d/>
+    <dgm:txPr/>
+    <dgm:style>
+      <a:lnRef idx="0">
+        <a:scrgbClr r="0" g="0" b="0"/>
+      </a:lnRef>
+      <a:fillRef idx="3">
+        <a:scrgbClr r="0" g="0" b="0"/>
+      </a:fillRef>
+      <a:effectRef idx="3">
+        <a:scrgbClr r="0" g="0" b="0"/>
+      </a:effectRef>
+      <a:fontRef idx="minor">
+        <a:schemeClr val="lt1"/>
+      </a:fontRef>
+    </dgm:style>
+  </dgm:styleLbl>
+  <dgm:styleLbl name="parChTrans2D1">
+    <dgm:scene3d>
+      <a:camera prst="orthographicFront"/>
+      <a:lightRig rig="threePt" dir="t"/>
+    </dgm:scene3d>
+    <dgm:sp3d/>
+    <dgm:txPr/>
+    <dgm:style>
+      <a:lnRef idx="0">
+        <a:scrgbClr r="0" g="0" b="0"/>
+      </a:lnRef>
+      <a:fillRef idx="3">
+        <a:scrgbClr r="0" g="0" b="0"/>
+      </a:fillRef>
+      <a:effectRef idx="3">
+        <a:scrgbClr r="0" g="0" b="0"/>
+      </a:effectRef>
+      <a:fontRef idx="minor">
+        <a:schemeClr val="lt1"/>
+      </a:fontRef>
+    </dgm:style>
+  </dgm:styleLbl>
+  <dgm:styleLbl name="parChTrans2D2">
+    <dgm:scene3d>
+      <a:camera prst="orthographicFront"/>
+      <a:lightRig rig="threePt" dir="t"/>
+    </dgm:scene3d>
+    <dgm:sp3d/>
+    <dgm:txPr/>
+    <dgm:style>
+      <a:lnRef idx="0">
+        <a:scrgbClr r="0" g="0" b="0"/>
+      </a:lnRef>
+      <a:fillRef idx="3">
+        <a:scrgbClr r="0" g="0" b="0"/>
+      </a:fillRef>
+      <a:effectRef idx="3">
+        <a:scrgbClr r="0" g="0" b="0"/>
+      </a:effectRef>
+      <a:fontRef idx="minor">
+        <a:schemeClr val="lt1"/>
+      </a:fontRef>
+    </dgm:style>
+  </dgm:styleLbl>
+  <dgm:styleLbl name="parChTrans2D3">
+    <dgm:scene3d>
+      <a:camera prst="orthographicFront"/>
+      <a:lightRig rig="threePt" dir="t"/>
+    </dgm:scene3d>
+    <dgm:sp3d/>
+    <dgm:txPr/>
+    <dgm:style>
+      <a:lnRef idx="0">
+        <a:scrgbClr r="0" g="0" b="0"/>
+      </a:lnRef>
+      <a:fillRef idx="3">
+        <a:scrgbClr r="0" g="0" b="0"/>
+      </a:fillRef>
+      <a:effectRef idx="3">
+        <a:scrgbClr r="0" g="0" b="0"/>
+      </a:effectRef>
+      <a:fontRef idx="minor">
+        <a:schemeClr val="lt1"/>
+      </a:fontRef>
+    </dgm:style>
+  </dgm:styleLbl>
+  <dgm:styleLbl name="parChTrans2D4">
+    <dgm:scene3d>
+      <a:camera prst="orthographicFront"/>
+      <a:lightRig rig="threePt" dir="t"/>
+    </dgm:scene3d>
+    <dgm:sp3d/>
+    <dgm:txPr/>
+    <dgm:style>
+      <a:lnRef idx="0">
+        <a:scrgbClr r="0" g="0" b="0"/>
+      </a:lnRef>
+      <a:fillRef idx="3">
+        <a:scrgbClr r="0" g="0" b="0"/>
+      </a:fillRef>
+      <a:effectRef idx="3">
+        <a:scrgbClr r="0" g="0" b="0"/>
+      </a:effectRef>
+      <a:fontRef idx="minor">
+        <a:schemeClr val="lt1"/>
+      </a:fontRef>
+    </dgm:style>
+  </dgm:styleLbl>
+  <dgm:styleLbl name="parChTrans1D1">
+    <dgm:scene3d>
+      <a:camera prst="orthographicFront"/>
+      <a:lightRig rig="threePt" dir="t"/>
+    </dgm:scene3d>
+    <dgm:sp3d/>
+    <dgm:txPr/>
+    <dgm:style>
+      <a:lnRef idx="2">
+        <a:scrgbClr r="0" g="0" b="0"/>
+      </a:lnRef>
+      <a:fillRef idx="0">
+        <a:scrgbClr r="0" g="0" b="0"/>
+      </a:fillRef>
+      <a:effectRef idx="0">
+        <a:scrgbClr r="0" g="0" b="0"/>
+      </a:effectRef>
+      <a:fontRef idx="minor"/>
+    </dgm:style>
+  </dgm:styleLbl>
+  <dgm:styleLbl name="parChTrans1D2">
+    <dgm:scene3d>
+      <a:camera prst="orthographicFront"/>
+      <a:lightRig rig="threePt" dir="t"/>
+    </dgm:scene3d>
+    <dgm:sp3d/>
+    <dgm:txPr/>
+    <dgm:style>
+      <a:lnRef idx="2">
+        <a:scrgbClr r="0" g="0" b="0"/>
+      </a:lnRef>
+      <a:fillRef idx="0">
+        <a:scrgbClr r="0" g="0" b="0"/>
+      </a:fillRef>
+      <a:effectRef idx="0">
+        <a:scrgbClr r="0" g="0" b="0"/>
+      </a:effectRef>
+      <a:fontRef idx="minor"/>
+    </dgm:style>
+  </dgm:styleLbl>
+  <dgm:styleLbl name="parChTrans1D3">
+    <dgm:scene3d>
+      <a:camera prst="orthographicFront"/>
+      <a:lightRig rig="threePt" dir="t"/>
+    </dgm:scene3d>
+    <dgm:sp3d/>
+    <dgm:txPr/>
+    <dgm:style>
+      <a:lnRef idx="2">
+        <a:scrgbClr r="0" g="0" b="0"/>
+      </a:lnRef>
+      <a:fillRef idx="0">
+        <a:scrgbClr r="0" g="0" b="0"/>
+      </a:fillRef>
+      <a:effectRef idx="0">
+        <a:scrgbClr r="0" g="0" b="0"/>
+      </a:effectRef>
+      <a:fontRef idx="minor"/>
+    </dgm:style>
+  </dgm:styleLbl>
+  <dgm:styleLbl name="parChTrans1D4">
+    <dgm:scene3d>
+      <a:camera prst="orthographicFront"/>
+      <a:lightRig rig="threePt" dir="t"/>
+    </dgm:scene3d>
+    <dgm:sp3d/>
+    <dgm:txPr/>
+    <dgm:style>
+      <a:lnRef idx="2">
+        <a:scrgbClr r="0" g="0" b="0"/>
+      </a:lnRef>
+      <a:fillRef idx="0">
+        <a:scrgbClr r="0" g="0" b="0"/>
+      </a:fillRef>
+      <a:effectRef idx="0">
+        <a:scrgbClr r="0" g="0" b="0"/>
+      </a:effectRef>
+      <a:fontRef idx="minor"/>
+    </dgm:style>
+  </dgm:styleLbl>
+  <dgm:styleLbl name="fgAcc1">
+    <dgm:scene3d>
+      <a:camera prst="orthographicFront"/>
+      <a:lightRig rig="threePt" dir="t"/>
+    </dgm:scene3d>
+    <dgm:sp3d/>
+    <dgm:txPr/>
+    <dgm:style>
+      <a:lnRef idx="1">
+        <a:scrgbClr r="0" g="0" b="0"/>
+      </a:lnRef>
+      <a:fillRef idx="1">
+        <a:scrgbClr r="0" g="0" b="0"/>
+      </a:fillRef>
+      <a:effectRef idx="2">
+        <a:scrgbClr r="0" g="0" b="0"/>
+      </a:effectRef>
+      <a:fontRef idx="minor"/>
+    </dgm:style>
+  </dgm:styleLbl>
+  <dgm:styleLbl name="conFgAcc1">
+    <dgm:scene3d>
+      <a:camera prst="orthographicFront"/>
+      <a:lightRig rig="threePt" dir="t"/>
+    </dgm:scene3d>
+    <dgm:sp3d/>
+    <dgm:txPr/>
+    <dgm:style>
+      <a:lnRef idx="1">
+        <a:scrgbClr r="0" g="0" b="0"/>
+      </a:lnRef>
+      <a:fillRef idx="1">
+        <a:scrgbClr r="0" g="0" b="0"/>
+      </a:fillRef>
+      <a:effectRef idx="2">
+        <a:scrgbClr r="0" g="0" b="0"/>
+      </a:effectRef>
+      <a:fontRef idx="minor"/>
+    </dgm:style>
+  </dgm:styleLbl>
+  <dgm:styleLbl name="alignAcc1">
+    <dgm:scene3d>
+      <a:camera prst="orthographicFront"/>
+      <a:lightRig rig="threePt" dir="t"/>
+    </dgm:scene3d>
+    <dgm:sp3d/>
+    <dgm:txPr/>
+    <dgm:style>
+      <a:lnRef idx="1">
+        <a:scrgbClr r="0" g="0" b="0"/>
+      </a:lnRef>
+      <a:fillRef idx="1">
+        <a:scrgbClr r="0" g="0" b="0"/>
+      </a:fillRef>
+      <a:effectRef idx="2">
+        <a:scrgbClr r="0" g="0" b="0"/>
+      </a:effectRef>
+      <a:fontRef idx="minor"/>
+    </dgm:style>
+  </dgm:styleLbl>
+  <dgm:styleLbl name="trAlignAcc1">
+    <dgm:scene3d>
+      <a:camera prst="orthographicFront"/>
+      <a:lightRig rig="threePt" dir="t"/>
+    </dgm:scene3d>
+    <dgm:sp3d/>
+    <dgm:txPr/>
+    <dgm:style>
+      <a:lnRef idx="1">
+        <a:scrgbClr r="0" g="0" b="0"/>
+      </a:lnRef>
+      <a:fillRef idx="1">
+        <a:scrgbClr r="0" g="0" b="0"/>
+      </a:fillRef>
+      <a:effectRef idx="0">
+        <a:scrgbClr r="0" g="0" b="0"/>
+      </a:effectRef>
+      <a:fontRef idx="minor"/>
+    </dgm:style>
+  </dgm:styleLbl>
+  <dgm:styleLbl name="bgAcc1">
+    <dgm:scene3d>
+      <a:camera prst="orthographicFront"/>
+      <a:lightRig rig="threePt" dir="t"/>
+    </dgm:scene3d>
+    <dgm:sp3d/>
+    <dgm:txPr/>
+    <dgm:style>
+      <a:lnRef idx="1">
+        <a:scrgbClr r="0" g="0" b="0"/>
+      </a:lnRef>
+      <a:fillRef idx="1">
+        <a:scrgbClr r="0" g="0" b="0"/>
+      </a:fillRef>
+      <a:effectRef idx="2">
+        <a:scrgbClr r="0" g="0" b="0"/>
+      </a:effectRef>
+      <a:fontRef idx="minor"/>
+    </dgm:style>
+  </dgm:styleLbl>
+  <dgm:styleLbl name="solidFgAcc1">
+    <dgm:scene3d>
+      <a:camera prst="orthographicFront"/>
+      <a:lightRig rig="threePt" dir="t"/>
+    </dgm:scene3d>
+    <dgm:sp3d/>
+    <dgm:txPr/>
+    <dgm:style>
+      <a:lnRef idx="1">
+        <a:scrgbClr r="0" g="0" b="0"/>
+      </a:lnRef>
+      <a:fillRef idx="1">
+        <a:scrgbClr r="0" g="0" b="0"/>
+      </a:fillRef>
+      <a:effectRef idx="2">
+        <a:scrgbClr r="0" g="0" b="0"/>
+      </a:effectRef>
+      <a:fontRef idx="minor"/>
+    </dgm:style>
+  </dgm:styleLbl>
+  <dgm:styleLbl name="solidAlignAcc1">
+    <dgm:scene3d>
+      <a:camera prst="orthographicFront"/>
+      <a:lightRig rig="threePt" dir="t"/>
+    </dgm:scene3d>
+    <dgm:sp3d/>
+    <dgm:txPr/>
+    <dgm:style>
+      <a:lnRef idx="1">
+        <a:scrgbClr r="0" g="0" b="0"/>
+      </a:lnRef>
+      <a:fillRef idx="1">
+        <a:scrgbClr r="0" g="0" b="0"/>
+      </a:fillRef>
+      <a:effectRef idx="3">
+        <a:scrgbClr r="0" g="0" b="0"/>
+      </a:effectRef>
+      <a:fontRef idx="minor"/>
+    </dgm:style>
+  </dgm:styleLbl>
+  <dgm:styleLbl name="solidBgAcc1">
+    <dgm:scene3d>
+      <a:camera prst="orthographicFront"/>
+      <a:lightRig rig="threePt" dir="t"/>
+    </dgm:scene3d>
+    <dgm:sp3d/>
+    <dgm:txPr/>
+    <dgm:style>
+      <a:lnRef idx="1">
+        <a:scrgbClr r="0" g="0" b="0"/>
+      </a:lnRef>
+      <a:fillRef idx="1">
+        <a:scrgbClr r="0" g="0" b="0"/>
+      </a:fillRef>
+      <a:effectRef idx="3">
+        <a:scrgbClr r="0" g="0" b="0"/>
+      </a:effectRef>
+      <a:fontRef idx="minor"/>
+    </dgm:style>
+  </dgm:styleLbl>
+  <dgm:styleLbl name="fgAccFollowNode1">
+    <dgm:scene3d>
+      <a:camera prst="orthographicFront"/>
+      <a:lightRig rig="threePt" dir="t"/>
+    </dgm:scene3d>
+    <dgm:sp3d/>
+    <dgm:txPr/>
+    <dgm:style>
+      <a:lnRef idx="1">
+        <a:scrgbClr r="0" g="0" b="0"/>
+      </a:lnRef>
+      <a:fillRef idx="1">
+        <a:scrgbClr r="0" g="0" b="0"/>
+      </a:fillRef>
+      <a:effectRef idx="2">
+        <a:scrgbClr r="0" g="0" b="0"/>
+      </a:effectRef>
+      <a:fontRef idx="minor"/>
+    </dgm:style>
+  </dgm:styleLbl>
+  <dgm:styleLbl name="alignAccFollowNode1">
+    <dgm:scene3d>
+      <a:camera prst="orthographicFront"/>
+      <a:lightRig rig="threePt" dir="t"/>
+    </dgm:scene3d>
+    <dgm:sp3d/>
+    <dgm:txPr/>
+    <dgm:style>
+      <a:lnRef idx="1">
+        <a:scrgbClr r="0" g="0" b="0"/>
+      </a:lnRef>
+      <a:fillRef idx="1">
+        <a:scrgbClr r="0" g="0" b="0"/>
+      </a:fillRef>
+      <a:effectRef idx="2">
+        <a:scrgbClr r="0" g="0" b="0"/>
+      </a:effectRef>
+      <a:fontRef idx="minor"/>
+    </dgm:style>
+  </dgm:styleLbl>
+  <dgm:styleLbl name="bgAccFollowNode1">
+    <dgm:scene3d>
+      <a:camera prst="orthographicFront"/>
+      <a:lightRig rig="threePt" dir="t"/>
+    </dgm:scene3d>
+    <dgm:sp3d/>
+    <dgm:txPr/>
+    <dgm:style>
+      <a:lnRef idx="1">
+        <a:scrgbClr r="0" g="0" b="0"/>
+      </a:lnRef>
+      <a:fillRef idx="1">
+        <a:scrgbClr r="0" g="0" b="0"/>
+      </a:fillRef>
+      <a:effectRef idx="2">
+        <a:scrgbClr r="0" g="0" b="0"/>
+      </a:effectRef>
+      <a:fontRef idx="minor"/>
+    </dgm:style>
+  </dgm:styleLbl>
+  <dgm:styleLbl name="fgAcc0">
+    <dgm:scene3d>
+      <a:camera prst="orthographicFront"/>
+      <a:lightRig rig="threePt" dir="t"/>
+    </dgm:scene3d>
+    <dgm:sp3d/>
+    <dgm:txPr/>
+    <dgm:style>
+      <a:lnRef idx="1">
+        <a:scrgbClr r="0" g="0" b="0"/>
+      </a:lnRef>
+      <a:fillRef idx="1">
+        <a:scrgbClr r="0" g="0" b="0"/>
+      </a:fillRef>
+      <a:effectRef idx="2">
+        <a:scrgbClr r="0" g="0" b="0"/>
+      </a:effectRef>
+      <a:fontRef idx="minor"/>
+    </dgm:style>
+  </dgm:styleLbl>
+  <dgm:styleLbl name="fgAcc2">
+    <dgm:scene3d>
+      <a:camera prst="orthographicFront"/>
+      <a:lightRig rig="threePt" dir="t"/>
+    </dgm:scene3d>
+    <dgm:sp3d/>
+    <dgm:txPr/>
+    <dgm:style>
+      <a:lnRef idx="1">
+        <a:scrgbClr r="0" g="0" b="0"/>
+      </a:lnRef>
+      <a:fillRef idx="1">
+        <a:scrgbClr r="0" g="0" b="0"/>
+      </a:fillRef>
+      <a:effectRef idx="2">
+        <a:scrgbClr r="0" g="0" b="0"/>
+      </a:effectRef>
+      <a:fontRef idx="minor"/>
+    </dgm:style>
+  </dgm:styleLbl>
+  <dgm:styleLbl name="fgAcc3">
+    <dgm:scene3d>
+      <a:camera prst="orthographicFront"/>
+      <a:lightRig rig="threePt" dir="t"/>
+    </dgm:scene3d>
+    <dgm:sp3d/>
+    <dgm:txPr/>
+    <dgm:style>
+      <a:lnRef idx="1">
+        <a:scrgbClr r="0" g="0" b="0"/>
+      </a:lnRef>
+      <a:fillRef idx="1">
+        <a:scrgbClr r="0" g="0" b="0"/>
+      </a:fillRef>
+      <a:effectRef idx="2">
+        <a:scrgbClr r="0" g="0" b="0"/>
+      </a:effectRef>
+      <a:fontRef idx="minor"/>
+    </dgm:style>
+  </dgm:styleLbl>
+  <dgm:styleLbl name="fgAcc4">
+    <dgm:scene3d>
+      <a:camera prst="orthographicFront"/>
+      <a:lightRig rig="threePt" dir="t"/>
+    </dgm:scene3d>
+    <dgm:sp3d/>
+    <dgm:txPr/>
+    <dgm:style>
+      <a:lnRef idx="1">
+        <a:scrgbClr r="0" g="0" b="0"/>
+      </a:lnRef>
+      <a:fillRef idx="1">
+        <a:scrgbClr r="0" g="0" b="0"/>
+      </a:fillRef>
+      <a:effectRef idx="2">
+        <a:scrgbClr r="0" g="0" b="0"/>
+      </a:effectRef>
+      <a:fontRef idx="minor"/>
+    </dgm:style>
+  </dgm:styleLbl>
+  <dgm:styleLbl name="bgShp">
+    <dgm:scene3d>
+      <a:camera prst="orthographicFront"/>
+      <a:lightRig rig="threePt" dir="t"/>
+    </dgm:scene3d>
+    <dgm:sp3d/>
+    <dgm:txPr/>
+    <dgm:style>
+      <a:lnRef idx="0">
+        <a:scrgbClr r="0" g="0" b="0"/>
+      </a:lnRef>
+      <a:fillRef idx="1">
+        <a:scrgbClr r="0" g="0" b="0"/>
+      </a:fillRef>
+      <a:effectRef idx="2">
+        <a:scrgbClr r="0" g="0" b="0"/>
+      </a:effectRef>
+      <a:fontRef idx="minor"/>
+    </dgm:style>
+  </dgm:styleLbl>
+  <dgm:styleLbl name="dkBgShp">
+    <dgm:scene3d>
+      <a:camera prst="orthographicFront"/>
+      <a:lightRig rig="threePt" dir="t"/>
+    </dgm:scene3d>
+    <dgm:sp3d/>
+    <dgm:txPr/>
+    <dgm:style>
+      <a:lnRef idx="0">
+        <a:scrgbClr r="0" g="0" b="0"/>
+      </a:lnRef>
+      <a:fillRef idx="1">
+        <a:scrgbClr r="0" g="0" b="0"/>
+      </a:fillRef>
+      <a:effectRef idx="3">
+        <a:scrgbClr r="0" g="0" b="0"/>
+      </a:effectRef>
+      <a:fontRef idx="minor"/>
+    </dgm:style>
+  </dgm:styleLbl>
+  <dgm:styleLbl name="trBgShp">
+    <dgm:scene3d>
+      <a:camera prst="orthographicFront"/>
+      <a:lightRig rig="threePt" dir="t"/>
+    </dgm:scene3d>
+    <dgm:sp3d/>
+    <dgm:txPr/>
+    <dgm:style>
+      <a:lnRef idx="0">
+        <a:scrgbClr r="0" g="0" b="0"/>
+      </a:lnRef>
+      <a:fillRef idx="1">
+        <a:scrgbClr r="0" g="0" b="0"/>
+      </a:fillRef>
+      <a:effectRef idx="0">
+        <a:scrgbClr r="0" g="0" b="0"/>
+      </a:effectRef>
+      <a:fontRef idx="minor"/>
+    </dgm:style>
+  </dgm:styleLbl>
+  <dgm:styleLbl name="fgShp">
+    <dgm:scene3d>
+      <a:camera prst="orthographicFront"/>
+      <a:lightRig rig="threePt" dir="t"/>
+    </dgm:scene3d>
+    <dgm:sp3d/>
+    <dgm:txPr/>
+    <dgm:style>
+      <a:lnRef idx="0">
+        <a:scrgbClr r="0" g="0" b="0"/>
+      </a:lnRef>
+      <a:fillRef idx="3">
+        <a:scrgbClr r="0" g="0" b="0"/>
+      </a:fillRef>
+      <a:effectRef idx="3">
+        <a:scrgbClr r="0" g="0" b="0"/>
+      </a:effectRef>
+      <a:fontRef idx="minor"/>
+    </dgm:style>
+  </dgm:styleLbl>
+  <dgm:styleLbl name="revTx">
+    <dgm:scene3d>
+      <a:camera prst="orthographicFront"/>
+      <a:lightRig rig="threePt" dir="t"/>
+    </dgm:scene3d>
+    <dgm:sp3d/>
+    <dgm:txPr/>
+    <dgm:style>
+      <a:lnRef idx="0">
+        <a:scrgbClr r="0" g="0" b="0"/>
+      </a:lnRef>
+      <a:fillRef idx="0">
+        <a:scrgbClr r="0" g="0" b="0"/>
+      </a:fillRef>
+      <a:effectRef idx="0">
+        <a:scrgbClr r="0" g="0" b="0"/>
+      </a:effectRef>
+      <a:fontRef idx="minor"/>
+    </dgm:style>
+  </dgm:styleLbl>
+</dgm:styleDef>
+</file>
+
 <file path=ppt/handoutMasters/handoutMaster1.xml><?xml version="1.0" encoding="utf-8"?>
 <p:handoutMaster xmlns:a="http://schemas.openxmlformats.org/drawingml/2006/main" xmlns:r="http://schemas.openxmlformats.org/officeDocument/2006/relationships" xmlns:p="http://schemas.openxmlformats.org/presentationml/2006/main">
   <p:cSld>
@@ -286,7 +6000,7 @@
               <a:pPr>
                 <a:defRPr/>
               </a:pPr>
-              <a:t>17.08.2018</a:t>
+              <a:t>20.08.2018</a:t>
             </a:fld>
             <a:endParaRPr lang="de-DE"/>
           </a:p>
@@ -472,7 +6186,7 @@
               <a:pPr>
                 <a:defRPr/>
               </a:pPr>
-              <a:t>17.08.2018</a:t>
+              <a:t>20.08.2018</a:t>
             </a:fld>
             <a:endParaRPr lang="de-DE"/>
           </a:p>
@@ -1530,7 +7244,7 @@
             </a:pPr>
             <a:r>
               <a:rPr lang="de-DE" dirty="0"/>
-              <a:t>… Die Ansicht der TPE soll in Workspace gehostet werden.</a:t>
+              <a:t>Da der Mensch mit dieser Art der Information-Darstellung schneller erfassen kann.</a:t>
             </a:r>
           </a:p>
           <a:p>
@@ -1539,7 +7253,15 @@
             </a:pPr>
             <a:r>
               <a:rPr lang="de-DE" dirty="0"/>
-              <a:t>Da der Mensch mit dieser Art der Information-Darstellung schneller erfassen kann.</a:t>
+              <a:t>---- soll zur Verfügung stehen. Damit ein Nutzer </a:t>
+            </a:r>
+            <a:r>
+              <a:rPr lang="de-DE" b="1" dirty="0"/>
+              <a:t>ein schnelles Darstellung-Szenario </a:t>
+            </a:r>
+            <a:r>
+              <a:rPr lang="de-DE" dirty="0"/>
+              <a:t>realisiert kann.</a:t>
             </a:r>
           </a:p>
           <a:p>
@@ -1579,10 +7301,10 @@
             </a:r>
           </a:p>
           <a:p>
-            <a:r>
-              <a:rPr lang="de-DE" baseline="0" dirty="0"/>
-              <a:t>-</a:t>
-            </a:r>
+            <a:pPr marL="171450" indent="-171450">
+              <a:buFontTx/>
+              <a:buChar char="-"/>
+            </a:pPr>
             <a:r>
               <a:rPr lang="de-DE" sz="1200" b="0" i="0" u="none" strike="noStrike" kern="1200" baseline="0" dirty="0">
                 <a:solidFill>
@@ -1592,7 +7314,7 @@
                 <a:ea typeface="+mn-ea"/>
                 <a:cs typeface="+mn-cs"/>
               </a:rPr>
-              <a:t> (</a:t>
+              <a:t>(</a:t>
             </a:r>
             <a:r>
               <a:rPr lang="de-DE" sz="1200" b="1" i="0" u="none" strike="noStrike" kern="1200" baseline="0" dirty="0">
@@ -1616,7 +7338,54 @@
               </a:rPr>
               <a:t>), auch technische Anforderungen genannt, beschreiben Aspekte, die typischerweise mehrere oder alle funktionalen Anforderungen betreffen.</a:t>
             </a:r>
-            <a:endParaRPr lang="de-DE" dirty="0"/>
+          </a:p>
+          <a:p>
+            <a:pPr marL="171450" indent="-171450">
+              <a:buFontTx/>
+              <a:buChar char="-"/>
+            </a:pPr>
+            <a:r>
+              <a:rPr lang="de-DE" dirty="0"/>
+              <a:t>die </a:t>
+            </a:r>
+            <a:r>
+              <a:rPr lang="de-DE" dirty="0">
+                <a:hlinkClick r:id="rId3" tooltip="Dokumentation (Technik)"/>
+              </a:rPr>
+              <a:t>Dokumentation</a:t>
+            </a:r>
+            <a:r>
+              <a:rPr lang="de-DE" dirty="0"/>
+              <a:t>, insbesondere die exakte </a:t>
+            </a:r>
+            <a:r>
+              <a:rPr lang="de-DE" dirty="0">
+                <a:hlinkClick r:id="rId4" tooltip="Spezifikation"/>
+              </a:rPr>
+              <a:t>Spezifikation</a:t>
+            </a:r>
+            <a:r>
+              <a:rPr lang="de-DE" dirty="0"/>
+              <a:t> von </a:t>
+            </a:r>
+            <a:r>
+              <a:rPr lang="de-DE" dirty="0">
+                <a:hlinkClick r:id="rId5" tooltip="Schnittstelle"/>
+              </a:rPr>
+              <a:t>Schnittstellen</a:t>
+            </a:r>
+            <a:r>
+              <a:rPr lang="de-DE" dirty="0"/>
+              <a:t> und </a:t>
+            </a:r>
+            <a:r>
+              <a:rPr lang="de-DE" dirty="0" err="1"/>
+              <a:t>klassen</a:t>
+            </a:r>
+            <a:r>
+              <a:rPr lang="de-DE" dirty="0"/>
+              <a:t> soll geboten werden</a:t>
+            </a:r>
           </a:p>
         </p:txBody>
       </p:sp>
@@ -3917,11 +9686,11 @@
             </a:r>
             <a:r>
               <a:rPr lang="de-DE" dirty="0"/>
-              <a:t> ist das </a:t>
-            </a:r>
-            <a:r>
-              <a:rPr lang="de-DE" dirty="0" err="1"/>
-              <a:t>hauptmodell</a:t>
+              <a:t> ist </a:t>
+            </a:r>
+            <a:r>
+              <a:rPr lang="de-DE"/>
+              <a:t>das Startmodell</a:t>
             </a:r>
             <a:r>
               <a:rPr lang="de-DE" dirty="0"/>
@@ -4664,6 +10433,100 @@
             </a:r>
           </a:p>
           <a:p>
+            <a:r>
+              <a:rPr lang="de-DE" sz="1200" b="0" i="0" u="none" strike="noStrike" kern="1200" baseline="0" dirty="0">
+                <a:solidFill>
+                  <a:schemeClr val="tx1"/>
+                </a:solidFill>
+                <a:latin typeface="+mn-lt"/>
+                <a:ea typeface="+mn-ea"/>
+                <a:cs typeface="+mn-cs"/>
+                <a:sym typeface="Wingdings" panose="05000000000000000000" pitchFamily="2" charset="2"/>
+              </a:rPr>
+              <a:t> </a:t>
+            </a:r>
+            <a:r>
+              <a:rPr lang="de-DE" sz="1200" b="1" i="0" u="none" strike="noStrike" kern="1200" baseline="0" dirty="0">
+                <a:solidFill>
+                  <a:schemeClr val="tx1"/>
+                </a:solidFill>
+                <a:latin typeface="+mn-lt"/>
+                <a:ea typeface="+mn-ea"/>
+                <a:cs typeface="+mn-cs"/>
+                <a:sym typeface="Wingdings" panose="05000000000000000000" pitchFamily="2" charset="2"/>
+              </a:rPr>
+              <a:t>Damit man den Weg nachgehen kann</a:t>
+            </a:r>
+            <a:r>
+              <a:rPr lang="de-DE" sz="1200" b="0" i="0" u="none" strike="noStrike" kern="1200" baseline="0" dirty="0">
+                <a:solidFill>
+                  <a:schemeClr val="tx1"/>
+                </a:solidFill>
+                <a:latin typeface="+mn-lt"/>
+                <a:ea typeface="+mn-ea"/>
+                <a:cs typeface="+mn-cs"/>
+                <a:sym typeface="Wingdings" panose="05000000000000000000" pitchFamily="2" charset="2"/>
+              </a:rPr>
+              <a:t>, sollte man </a:t>
+            </a:r>
+            <a:r>
+              <a:rPr lang="de-DE" sz="1200" b="0" i="0" u="none" strike="noStrike" kern="1200" baseline="0" dirty="0" err="1">
+                <a:solidFill>
+                  <a:schemeClr val="tx1"/>
+                </a:solidFill>
+                <a:latin typeface="+mn-lt"/>
+                <a:ea typeface="+mn-ea"/>
+                <a:cs typeface="+mn-cs"/>
+                <a:sym typeface="Wingdings" panose="05000000000000000000" pitchFamily="2" charset="2"/>
+              </a:rPr>
+              <a:t>z.b</a:t>
+            </a:r>
+            <a:r>
+              <a:rPr lang="de-DE" sz="1200" b="0" i="0" u="none" strike="noStrike" kern="1200" baseline="0" dirty="0">
+                <a:solidFill>
+                  <a:schemeClr val="tx1"/>
+                </a:solidFill>
+                <a:latin typeface="+mn-lt"/>
+                <a:ea typeface="+mn-ea"/>
+                <a:cs typeface="+mn-cs"/>
+                <a:sym typeface="Wingdings" panose="05000000000000000000" pitchFamily="2" charset="2"/>
+              </a:rPr>
+              <a:t> die </a:t>
+            </a:r>
+            <a:r>
+              <a:rPr lang="de-DE" sz="1200" b="0" i="0" u="none" strike="noStrike" kern="1200" baseline="0" dirty="0" err="1">
+                <a:solidFill>
+                  <a:schemeClr val="tx1"/>
+                </a:solidFill>
+                <a:latin typeface="+mn-lt"/>
+                <a:ea typeface="+mn-ea"/>
+                <a:cs typeface="+mn-cs"/>
+                <a:sym typeface="Wingdings" panose="05000000000000000000" pitchFamily="2" charset="2"/>
+              </a:rPr>
+              <a:t>Verbingung</a:t>
+            </a:r>
+            <a:r>
+              <a:rPr lang="de-DE" sz="1200" b="0" i="0" u="none" strike="noStrike" kern="1200" baseline="0" dirty="0">
+                <a:solidFill>
+                  <a:schemeClr val="tx1"/>
+                </a:solidFill>
+                <a:latin typeface="+mn-lt"/>
+                <a:ea typeface="+mn-ea"/>
+                <a:cs typeface="+mn-cs"/>
+                <a:sym typeface="Wingdings" panose="05000000000000000000" pitchFamily="2" charset="2"/>
+              </a:rPr>
+              <a:t> mit andere Farbe darstellen.</a:t>
+            </a:r>
+            <a:endParaRPr lang="de-DE" sz="1200" b="0" i="0" u="none" strike="noStrike" kern="1200" baseline="0" dirty="0">
+              <a:solidFill>
+                <a:schemeClr val="tx1"/>
+              </a:solidFill>
+              <a:latin typeface="+mn-lt"/>
+              <a:ea typeface="+mn-ea"/>
+              <a:cs typeface="+mn-cs"/>
+            </a:endParaRPr>
+          </a:p>
+          <a:p>
             <a:endParaRPr lang="de-DE" sz="1200" b="1" i="0" u="none" strike="noStrike" kern="1200" baseline="0" dirty="0">
               <a:solidFill>
                 <a:schemeClr val="tx1"/>
@@ -5364,17 +11227,6 @@
           </a:p>
           <a:p>
             <a:r>
-              <a:rPr lang="de-DE" sz="1200" b="0" i="0" u="none" strike="noStrike" kern="1200" baseline="0" dirty="0">
-                <a:solidFill>
-                  <a:schemeClr val="tx1"/>
-                </a:solidFill>
-                <a:latin typeface="+mn-lt"/>
-                <a:ea typeface="+mn-ea"/>
-                <a:cs typeface="+mn-cs"/>
-              </a:rPr>
-              <a:t>V</a:t>
-            </a:r>
-            <a:r>
               <a:rPr lang="de-DE" sz="1200" b="1" i="0" u="none" strike="noStrike" kern="1200" baseline="0" dirty="0">
                 <a:solidFill>
                   <a:schemeClr val="tx1"/>
@@ -5383,7 +11235,7 @@
                 <a:ea typeface="+mn-ea"/>
                 <a:cs typeface="+mn-cs"/>
               </a:rPr>
-              <a:t>: Das System gewährleistet</a:t>
+              <a:t>V: Das System gewährleistet</a:t>
             </a:r>
             <a:r>
               <a:rPr lang="de-DE" sz="1200" b="0" i="0" u="none" strike="noStrike" kern="1200" baseline="0" dirty="0">
@@ -5405,7 +11257,7 @@
                 <a:ea typeface="+mn-ea"/>
                 <a:cs typeface="+mn-cs"/>
               </a:rPr>
-              <a:t>---  da mit </a:t>
+              <a:t>Mit </a:t>
             </a:r>
             <a:r>
               <a:rPr lang="de-DE" sz="1200" b="0" i="0" u="none" strike="noStrike" kern="1200" baseline="0" dirty="0">
@@ -5416,10 +11268,21 @@
                 <a:ea typeface="+mn-ea"/>
                 <a:cs typeface="+mn-cs"/>
               </a:rPr>
-              <a:t>T-Stücke kann man ein gerät problemlos anschließen</a:t>
-            </a:r>
-          </a:p>
-          <a:p>
+              <a:t>T-Stücke kann man ein Gerät problemlos anschließen</a:t>
+            </a:r>
+          </a:p>
+          <a:p>
+            <a:r>
+              <a:rPr lang="de-DE" sz="1200" b="1" i="0" u="none" strike="noStrike" kern="1200" baseline="0" dirty="0">
+                <a:solidFill>
+                  <a:schemeClr val="tx1"/>
+                </a:solidFill>
+                <a:latin typeface="+mn-lt"/>
+                <a:ea typeface="+mn-ea"/>
+                <a:cs typeface="+mn-cs"/>
+              </a:rPr>
+              <a:t>N: </a:t>
+            </a:r>
             <a:r>
               <a:rPr lang="de-DE" sz="1200" b="0" i="0" u="none" strike="noStrike" kern="1200" baseline="0" dirty="0">
                 <a:solidFill>
@@ -5429,7 +11292,7 @@
                 <a:ea typeface="+mn-ea"/>
                 <a:cs typeface="+mn-cs"/>
               </a:rPr>
-              <a:t>N: die Übertragung von Daten erfolgt über </a:t>
+              <a:t>die Übertragung von Daten erfolgt über </a:t>
             </a:r>
             <a:r>
               <a:rPr lang="de-DE" sz="1200" b="1" i="0" u="none" strike="noStrike" kern="1200" baseline="0" dirty="0">
@@ -5477,7 +11340,7 @@
             </a:r>
             <a:r>
               <a:rPr lang="de-DE" dirty="0"/>
-              <a:t>ein Angreifer kann sich zwischen 2 Geräten anschließen und somit kann das gesamte System abgehört werden. </a:t>
+              <a:t>ein Weil wenn ein Gerat ausfällt, bietet das System keine Umwege um die Kommunikation zu gewährleisten. </a:t>
             </a:r>
           </a:p>
         </p:txBody>
@@ -5695,47 +11558,12 @@
                 <a:ea typeface="+mn-ea"/>
                 <a:cs typeface="+mn-cs"/>
               </a:rPr>
-              <a:t>- Der </a:t>
-            </a:r>
-            <a:r>
-              <a:rPr lang="de-DE" sz="1200" b="1" i="0" u="none" strike="noStrike" kern="1200" baseline="0" dirty="0">
-                <a:solidFill>
-                  <a:schemeClr val="tx1"/>
-                </a:solidFill>
-                <a:latin typeface="+mn-lt"/>
-                <a:ea typeface="+mn-ea"/>
-                <a:cs typeface="+mn-cs"/>
-              </a:rPr>
-              <a:t>… der Topologie(die </a:t>
-            </a:r>
-            <a:r>
-              <a:rPr lang="de-DE" sz="1200" b="0" i="0" u="none" strike="noStrike" kern="1200" baseline="0" dirty="0">
-                <a:solidFill>
-                  <a:schemeClr val="tx1"/>
-                </a:solidFill>
-                <a:latin typeface="+mn-lt"/>
-                <a:ea typeface="+mn-ea"/>
-                <a:cs typeface="+mn-cs"/>
-              </a:rPr>
-              <a:t>maximale direkte Entfernung, die zwischen zwei Stationen besteht) ist relativ hoch</a:t>
-            </a:r>
-            <a:r>
-              <a:rPr lang="en-US" sz="1200" b="0" i="0" u="none" strike="noStrike" kern="1200" baseline="0" dirty="0">
-                <a:solidFill>
-                  <a:schemeClr val="tx1"/>
-                </a:solidFill>
-                <a:latin typeface="+mn-lt"/>
-                <a:ea typeface="+mn-ea"/>
-                <a:cs typeface="+mn-cs"/>
-              </a:rPr>
-              <a:t> </a:t>
-            </a:r>
-          </a:p>
-          <a:p>
-            <a:pPr marL="0" indent="0">
-              <a:buFontTx/>
-              <a:buNone/>
-            </a:pPr>
+              <a:t>- </a:t>
+            </a:r>
+            <a:r>
+              <a:rPr lang="de-DE" dirty="0"/>
+              <a:t>Latenz wächst mit der Anzahl der im Netz hängenden Stationen, d.h. je mehr Stationen im Netz hängen, desto länger dauert die Nachrichtenübermittlung</a:t>
+            </a:r>
             <a:endParaRPr lang="de-DE" sz="1200" b="0" i="0" u="none" strike="noStrike" kern="1200" baseline="0" dirty="0">
               <a:solidFill>
                 <a:schemeClr val="tx1"/>
@@ -6254,7 +12082,7 @@
             </a:pPr>
             <a:fld id="{DD17C720-9F55-45D7-A201-585BB605DC86}" type="datetime1">
               <a:rPr lang="de-DE" smtClean="0"/>
-              <a:t>17.08.2018</a:t>
+              <a:t>20.08.2018</a:t>
             </a:fld>
             <a:endParaRPr lang="de-DE" dirty="0"/>
           </a:p>
@@ -7060,7 +12888,7 @@
             </a:pPr>
             <a:fld id="{6F5A62FD-559D-4A8A-8A16-4E22E46B2811}" type="datetime1">
               <a:rPr lang="de-DE" smtClean="0"/>
-              <a:t>17.08.2018</a:t>
+              <a:t>20.08.2018</a:t>
             </a:fld>
             <a:endParaRPr lang="de-DE" dirty="0"/>
           </a:p>
@@ -7407,7 +13235,7 @@
             </a:pPr>
             <a:fld id="{0F5C761A-3127-4015-B2FE-9A4D309D46C5}" type="datetime1">
               <a:rPr lang="de-DE" smtClean="0"/>
-              <a:t>17.08.2018</a:t>
+              <a:t>20.08.2018</a:t>
             </a:fld>
             <a:endParaRPr lang="de-DE" dirty="0"/>
           </a:p>
@@ -7743,7 +13571,7 @@
             </a:pPr>
             <a:fld id="{18EB9810-C831-45DD-85EA-5545647C87AA}" type="datetime1">
               <a:rPr lang="de-DE" smtClean="0"/>
-              <a:t>17.08.2018</a:t>
+              <a:t>20.08.2018</a:t>
             </a:fld>
             <a:endParaRPr lang="de-DE" dirty="0"/>
           </a:p>
@@ -8064,7 +13892,7 @@
             </a:pPr>
             <a:fld id="{652FD0FE-52BB-44D9-8F2C-C0CAEDBE6E51}" type="datetime1">
               <a:rPr lang="de-DE" smtClean="0"/>
-              <a:t>17.08.2018</a:t>
+              <a:t>20.08.2018</a:t>
             </a:fld>
             <a:endParaRPr lang="de-DE" dirty="0"/>
           </a:p>
@@ -8385,7 +14213,7 @@
             </a:pPr>
             <a:fld id="{D7D1B1AB-E4FB-4CD8-9EAD-B72DE906B305}" type="datetime1">
               <a:rPr lang="de-DE" smtClean="0"/>
-              <a:t>17.08.2018</a:t>
+              <a:t>20.08.2018</a:t>
             </a:fld>
             <a:endParaRPr lang="de-DE" dirty="0"/>
           </a:p>
@@ -8786,7 +14614,7 @@
             </a:pPr>
             <a:fld id="{E1339F75-BBED-4FA5-9CE0-D6E991F5C226}" type="datetime1">
               <a:rPr lang="de-DE" smtClean="0"/>
-              <a:t>17.08.2018</a:t>
+              <a:t>20.08.2018</a:t>
             </a:fld>
             <a:endParaRPr lang="de-DE" dirty="0"/>
           </a:p>
@@ -9147,7 +14975,7 @@
             </a:pPr>
             <a:fld id="{2E59EF24-B1ED-4A80-9EA4-868C17EDF637}" type="datetime1">
               <a:rPr lang="de-DE" smtClean="0"/>
-              <a:t>17.08.2018</a:t>
+              <a:t>20.08.2018</a:t>
             </a:fld>
             <a:endParaRPr lang="de-DE" dirty="0"/>
           </a:p>
@@ -9403,7 +15231,7 @@
             </a:pPr>
             <a:fld id="{4C1274F5-F8AF-44CD-8B1E-EDB26CB3A108}" type="datetime1">
               <a:rPr lang="de-DE" smtClean="0"/>
-              <a:t>17.08.2018</a:t>
+              <a:t>20.08.2018</a:t>
             </a:fld>
             <a:endParaRPr lang="de-DE" dirty="0"/>
           </a:p>
@@ -10181,7 +16009,7 @@
             </a:pPr>
             <a:fld id="{0D78A848-0002-4EDA-9C86-36A365AB48C5}" type="datetime1">
               <a:rPr lang="de-DE" smtClean="0"/>
-              <a:t>17.08.2018</a:t>
+              <a:t>20.08.2018</a:t>
             </a:fld>
             <a:endParaRPr lang="de-DE" dirty="0"/>
           </a:p>
@@ -10202,13 +16030,22 @@
           <a:bodyPr/>
           <a:lstStyle/>
           <a:p>
-            <a:pPr>
+            <a:pPr algn="ctr">
               <a:defRPr/>
             </a:pPr>
             <a:r>
-              <a:rPr lang="de-DE"/>
-              <a:t>Hermond Ghislain Zeleu Zabatio</a:t>
-            </a:r>
+              <a:rPr lang="de-DE" dirty="0" err="1"/>
+              <a:t>Hermond</a:t>
+            </a:r>
+            <a:r>
+              <a:rPr lang="de-DE" dirty="0"/>
+              <a:t> Ghislain Zeleu </a:t>
+            </a:r>
+            <a:r>
+              <a:rPr lang="de-DE" dirty="0" err="1"/>
+              <a:t>Zabatio</a:t>
+            </a:r>
+            <a:endParaRPr lang="de-DE" dirty="0"/>
           </a:p>
         </p:txBody>
       </p:sp>
@@ -10803,14 +16640,14 @@
             <a:pPr lvl="1"/>
             <a:r>
               <a:rPr lang="de-DE" dirty="0"/>
-              <a:t>Die Topologie besitzt ihre eigene Ansicht</a:t>
+              <a:t>Die topologischen Informationen müssen mit Symbolen dargestellt werden</a:t>
             </a:r>
           </a:p>
           <a:p>
             <a:pPr lvl="1"/>
             <a:r>
               <a:rPr lang="de-DE" dirty="0"/>
-              <a:t>Die topologischen Informationen müssen mit Symbolen dargestellt werden</a:t>
+              <a:t>Eine automatisierte Anordnung der Geräte und deren Verbindungen </a:t>
             </a:r>
           </a:p>
           <a:p>
@@ -10864,7 +16701,7 @@
             <a:pPr lvl="1"/>
             <a:r>
               <a:rPr lang="de-DE" dirty="0"/>
-              <a:t>Wartbarkeit</a:t>
+              <a:t>Dokumentation</a:t>
             </a:r>
           </a:p>
           <a:p>
@@ -10893,7 +16730,7 @@
             </a:pPr>
             <a:fld id="{345BB4D5-7D70-4503-80AF-06580139DBA4}" type="datetime1">
               <a:rPr lang="de-DE" smtClean="0"/>
-              <a:t>17.08.2018</a:t>
+              <a:t>20.08.2018</a:t>
             </a:fld>
             <a:endParaRPr lang="de-DE" dirty="0"/>
           </a:p>
@@ -10914,13 +16751,22 @@
           <a:bodyPr/>
           <a:lstStyle/>
           <a:p>
-            <a:pPr>
+            <a:pPr algn="ctr">
               <a:defRPr/>
             </a:pPr>
             <a:r>
-              <a:rPr lang="de-DE"/>
-              <a:t>Hermond Ghislain Zeleu Zabatio</a:t>
-            </a:r>
+              <a:rPr lang="de-DE" dirty="0" err="1"/>
+              <a:t>Hermond</a:t>
+            </a:r>
+            <a:r>
+              <a:rPr lang="de-DE" dirty="0"/>
+              <a:t> Ghislain Zeleu </a:t>
+            </a:r>
+            <a:r>
+              <a:rPr lang="de-DE" dirty="0" err="1"/>
+              <a:t>Zabatio</a:t>
+            </a:r>
+            <a:endParaRPr lang="de-DE" dirty="0"/>
           </a:p>
         </p:txBody>
       </p:sp>
@@ -11660,7 +17506,7 @@
             </a:pPr>
             <a:fld id="{5783FC80-3F2A-4406-9D6C-042A0BA9D661}" type="datetime1">
               <a:rPr lang="de-DE" smtClean="0"/>
-              <a:t>17.08.2018</a:t>
+              <a:t>20.08.2018</a:t>
             </a:fld>
             <a:endParaRPr lang="de-DE" dirty="0"/>
           </a:p>
@@ -11681,7 +17527,7 @@
           <a:bodyPr/>
           <a:lstStyle/>
           <a:p>
-            <a:pPr>
+            <a:pPr algn="ctr">
               <a:defRPr/>
             </a:pPr>
             <a:r>
@@ -11850,14 +17696,14 @@
             <a:pPr marL="1143000" lvl="1"/>
             <a:r>
               <a:rPr lang="de-DE" dirty="0"/>
+              <a:t>Entwurf-Muster</a:t>
+            </a:r>
+          </a:p>
+          <a:p>
+            <a:pPr marL="1143000" lvl="1"/>
+            <a:r>
+              <a:rPr lang="de-DE" dirty="0"/>
               <a:t>Programmiersprache</a:t>
-            </a:r>
-          </a:p>
-          <a:p>
-            <a:pPr marL="1143000" lvl="1"/>
-            <a:r>
-              <a:rPr lang="de-DE" dirty="0"/>
-              <a:t>Entwurf-Muster</a:t>
             </a:r>
           </a:p>
           <a:p>
@@ -11920,7 +17766,7 @@
             </a:pPr>
             <a:fld id="{B2B1F417-6FBD-4650-899F-4549AAACE2EC}" type="datetime1">
               <a:rPr lang="de-DE" smtClean="0"/>
-              <a:t>17.08.2018</a:t>
+              <a:t>20.08.2018</a:t>
             </a:fld>
             <a:endParaRPr lang="de-DE" dirty="0"/>
           </a:p>
@@ -11941,13 +17787,22 @@
           <a:bodyPr/>
           <a:lstStyle/>
           <a:p>
-            <a:pPr>
+            <a:pPr algn="ctr">
               <a:defRPr/>
             </a:pPr>
             <a:r>
-              <a:rPr lang="de-DE"/>
-              <a:t>Hermond Ghislain Zeleu Zabatio</a:t>
-            </a:r>
+              <a:rPr lang="de-DE" dirty="0" err="1"/>
+              <a:t>Hermond</a:t>
+            </a:r>
+            <a:r>
+              <a:rPr lang="de-DE" dirty="0"/>
+              <a:t> Ghislain Zeleu </a:t>
+            </a:r>
+            <a:r>
+              <a:rPr lang="de-DE" dirty="0" err="1"/>
+              <a:t>Zabatio</a:t>
+            </a:r>
+            <a:endParaRPr lang="de-DE" dirty="0"/>
           </a:p>
         </p:txBody>
       </p:sp>
@@ -12449,7 +18304,7 @@
             </a:pPr>
             <a:fld id="{39CBC02D-3FF8-4D13-8A9B-585E3FDD1961}" type="datetime1">
               <a:rPr lang="de-DE" smtClean="0"/>
-              <a:t>17.08.2018</a:t>
+              <a:t>20.08.2018</a:t>
             </a:fld>
             <a:endParaRPr lang="de-DE" dirty="0"/>
           </a:p>
@@ -12470,13 +18325,22 @@
           <a:bodyPr/>
           <a:lstStyle/>
           <a:p>
-            <a:pPr>
+            <a:pPr algn="ctr">
               <a:defRPr/>
             </a:pPr>
             <a:r>
-              <a:rPr lang="de-DE"/>
-              <a:t>Hermond Ghislain Zeleu Zabatio</a:t>
-            </a:r>
+              <a:rPr lang="de-DE" dirty="0" err="1"/>
+              <a:t>Hermond</a:t>
+            </a:r>
+            <a:r>
+              <a:rPr lang="de-DE" dirty="0"/>
+              <a:t> Ghislain Zeleu </a:t>
+            </a:r>
+            <a:r>
+              <a:rPr lang="de-DE" dirty="0" err="1"/>
+              <a:t>Zabatio</a:t>
+            </a:r>
+            <a:endParaRPr lang="de-DE" dirty="0"/>
           </a:p>
         </p:txBody>
       </p:sp>
@@ -12800,6 +18664,96 @@
           </a:fontRef>
         </p:style>
       </p:cxnSp>
+      <p:pic>
+        <p:nvPicPr>
+          <p:cNvPr id="8" name="Grafik 7">
+            <a:extLst>
+              <a:ext uri="{FF2B5EF4-FFF2-40B4-BE49-F238E27FC236}">
+                <a16:creationId xmlns:a16="http://schemas.microsoft.com/office/drawing/2014/main" id="{BB42F431-12E1-4DD5-8968-E067C5D1B426}"/>
+              </a:ext>
+            </a:extLst>
+          </p:cNvPr>
+          <p:cNvPicPr>
+            <a:picLocks noChangeAspect="1"/>
+          </p:cNvPicPr>
+          <p:nvPr/>
+        </p:nvPicPr>
+        <p:blipFill>
+          <a:blip r:embed="rId3"/>
+          <a:stretch>
+            <a:fillRect/>
+          </a:stretch>
+        </p:blipFill>
+        <p:spPr>
+          <a:xfrm>
+            <a:off x="1080939" y="4982270"/>
+            <a:ext cx="933450" cy="1133475"/>
+          </a:xfrm>
+          <a:prstGeom prst="rect">
+            <a:avLst/>
+          </a:prstGeom>
+        </p:spPr>
+      </p:pic>
+      <p:pic>
+        <p:nvPicPr>
+          <p:cNvPr id="9" name="Grafik 8">
+            <a:extLst>
+              <a:ext uri="{FF2B5EF4-FFF2-40B4-BE49-F238E27FC236}">
+                <a16:creationId xmlns:a16="http://schemas.microsoft.com/office/drawing/2014/main" id="{A2864877-F061-471A-9107-38CDD144D7E9}"/>
+              </a:ext>
+            </a:extLst>
+          </p:cNvPr>
+          <p:cNvPicPr>
+            <a:picLocks noChangeAspect="1"/>
+          </p:cNvPicPr>
+          <p:nvPr/>
+        </p:nvPicPr>
+        <p:blipFill>
+          <a:blip r:embed="rId4"/>
+          <a:stretch>
+            <a:fillRect/>
+          </a:stretch>
+        </p:blipFill>
+        <p:spPr>
+          <a:xfrm>
+            <a:off x="4166226" y="5482853"/>
+            <a:ext cx="1263986" cy="600393"/>
+          </a:xfrm>
+          <a:prstGeom prst="rect">
+            <a:avLst/>
+          </a:prstGeom>
+        </p:spPr>
+      </p:pic>
+      <p:pic>
+        <p:nvPicPr>
+          <p:cNvPr id="10" name="Grafik 9">
+            <a:extLst>
+              <a:ext uri="{FF2B5EF4-FFF2-40B4-BE49-F238E27FC236}">
+                <a16:creationId xmlns:a16="http://schemas.microsoft.com/office/drawing/2014/main" id="{9ED0C585-47D3-44AB-BEEB-4149F9AF8B8D}"/>
+              </a:ext>
+            </a:extLst>
+          </p:cNvPr>
+          <p:cNvPicPr>
+            <a:picLocks noChangeAspect="1"/>
+          </p:cNvPicPr>
+          <p:nvPr/>
+        </p:nvPicPr>
+        <p:blipFill>
+          <a:blip r:embed="rId5"/>
+          <a:stretch>
+            <a:fillRect/>
+          </a:stretch>
+        </p:blipFill>
+        <p:spPr>
+          <a:xfrm>
+            <a:off x="6952984" y="5413291"/>
+            <a:ext cx="1614390" cy="600393"/>
+          </a:xfrm>
+          <a:prstGeom prst="rect">
+            <a:avLst/>
+          </a:prstGeom>
+        </p:spPr>
+      </p:pic>
     </p:spTree>
     <p:extLst>
       <p:ext uri="{BB962C8B-B14F-4D97-AF65-F5344CB8AC3E}">
@@ -13129,7 +19083,7 @@
             </a:pPr>
             <a:fld id="{D36EADBF-95FE-4AE7-82C3-92DD14506003}" type="datetime1">
               <a:rPr lang="de-DE" smtClean="0"/>
-              <a:t>17.08.2018</a:t>
+              <a:t>20.08.2018</a:t>
             </a:fld>
             <a:endParaRPr lang="de-DE" dirty="0"/>
           </a:p>
@@ -13150,13 +19104,22 @@
           <a:bodyPr/>
           <a:lstStyle/>
           <a:p>
-            <a:pPr>
+            <a:pPr algn="ctr">
               <a:defRPr/>
             </a:pPr>
             <a:r>
-              <a:rPr lang="de-DE"/>
-              <a:t>Hermond Ghislain Zeleu Zabatio</a:t>
-            </a:r>
+              <a:rPr lang="de-DE" dirty="0" err="1"/>
+              <a:t>Hermond</a:t>
+            </a:r>
+            <a:r>
+              <a:rPr lang="de-DE" dirty="0"/>
+              <a:t> Ghislain Zeleu </a:t>
+            </a:r>
+            <a:r>
+              <a:rPr lang="de-DE" dirty="0" err="1"/>
+              <a:t>Zabatio</a:t>
+            </a:r>
+            <a:endParaRPr lang="de-DE" dirty="0"/>
           </a:p>
         </p:txBody>
       </p:sp>
@@ -13480,6 +19443,96 @@
           </a:fontRef>
         </p:style>
       </p:cxnSp>
+      <p:pic>
+        <p:nvPicPr>
+          <p:cNvPr id="13" name="Grafik 12">
+            <a:extLst>
+              <a:ext uri="{FF2B5EF4-FFF2-40B4-BE49-F238E27FC236}">
+                <a16:creationId xmlns:a16="http://schemas.microsoft.com/office/drawing/2014/main" id="{5E9EED50-8FEB-4512-A27C-D96A1240589A}"/>
+              </a:ext>
+            </a:extLst>
+          </p:cNvPr>
+          <p:cNvPicPr>
+            <a:picLocks noChangeAspect="1"/>
+          </p:cNvPicPr>
+          <p:nvPr/>
+        </p:nvPicPr>
+        <p:blipFill>
+          <a:blip r:embed="rId3"/>
+          <a:stretch>
+            <a:fillRect/>
+          </a:stretch>
+        </p:blipFill>
+        <p:spPr>
+          <a:xfrm>
+            <a:off x="1080939" y="4982270"/>
+            <a:ext cx="933450" cy="1133475"/>
+          </a:xfrm>
+          <a:prstGeom prst="rect">
+            <a:avLst/>
+          </a:prstGeom>
+        </p:spPr>
+      </p:pic>
+      <p:pic>
+        <p:nvPicPr>
+          <p:cNvPr id="14" name="Grafik 13">
+            <a:extLst>
+              <a:ext uri="{FF2B5EF4-FFF2-40B4-BE49-F238E27FC236}">
+                <a16:creationId xmlns:a16="http://schemas.microsoft.com/office/drawing/2014/main" id="{362D18C5-3CDE-4F9C-9B94-C30232EE16EA}"/>
+              </a:ext>
+            </a:extLst>
+          </p:cNvPr>
+          <p:cNvPicPr>
+            <a:picLocks noChangeAspect="1"/>
+          </p:cNvPicPr>
+          <p:nvPr/>
+        </p:nvPicPr>
+        <p:blipFill>
+          <a:blip r:embed="rId4"/>
+          <a:stretch>
+            <a:fillRect/>
+          </a:stretch>
+        </p:blipFill>
+        <p:spPr>
+          <a:xfrm>
+            <a:off x="4166226" y="5482853"/>
+            <a:ext cx="1263986" cy="600393"/>
+          </a:xfrm>
+          <a:prstGeom prst="rect">
+            <a:avLst/>
+          </a:prstGeom>
+        </p:spPr>
+      </p:pic>
+      <p:pic>
+        <p:nvPicPr>
+          <p:cNvPr id="15" name="Grafik 14">
+            <a:extLst>
+              <a:ext uri="{FF2B5EF4-FFF2-40B4-BE49-F238E27FC236}">
+                <a16:creationId xmlns:a16="http://schemas.microsoft.com/office/drawing/2014/main" id="{E663A3B7-FC13-4040-B03E-29D9E63401EF}"/>
+              </a:ext>
+            </a:extLst>
+          </p:cNvPr>
+          <p:cNvPicPr>
+            <a:picLocks noChangeAspect="1"/>
+          </p:cNvPicPr>
+          <p:nvPr/>
+        </p:nvPicPr>
+        <p:blipFill>
+          <a:blip r:embed="rId5"/>
+          <a:stretch>
+            <a:fillRect/>
+          </a:stretch>
+        </p:blipFill>
+        <p:spPr>
+          <a:xfrm>
+            <a:off x="6952984" y="5413291"/>
+            <a:ext cx="1614390" cy="600393"/>
+          </a:xfrm>
+          <a:prstGeom prst="rect">
+            <a:avLst/>
+          </a:prstGeom>
+        </p:spPr>
+      </p:pic>
     </p:spTree>
     <p:extLst>
       <p:ext uri="{BB962C8B-B14F-4D97-AF65-F5344CB8AC3E}">
@@ -13558,7 +19611,7 @@
             </a:pPr>
             <a:fld id="{8067185B-5C57-409F-8B88-E3D854C91534}" type="datetime1">
               <a:rPr lang="de-DE" smtClean="0"/>
-              <a:t>17.08.2018</a:t>
+              <a:t>20.08.2018</a:t>
             </a:fld>
             <a:endParaRPr lang="de-DE" dirty="0"/>
           </a:p>
@@ -13579,13 +19632,22 @@
           <a:bodyPr/>
           <a:lstStyle/>
           <a:p>
-            <a:pPr>
+            <a:pPr algn="ctr">
               <a:defRPr/>
             </a:pPr>
             <a:r>
-              <a:rPr lang="de-DE"/>
-              <a:t>Hermond Ghislain Zeleu Zabatio</a:t>
-            </a:r>
+              <a:rPr lang="de-DE" dirty="0" err="1"/>
+              <a:t>Hermond</a:t>
+            </a:r>
+            <a:r>
+              <a:rPr lang="de-DE" dirty="0"/>
+              <a:t> Ghislain Zeleu </a:t>
+            </a:r>
+            <a:r>
+              <a:rPr lang="de-DE" dirty="0" err="1"/>
+              <a:t>Zabatio</a:t>
+            </a:r>
+            <a:endParaRPr lang="de-DE" dirty="0"/>
           </a:p>
         </p:txBody>
       </p:sp>
@@ -13675,10 +19737,9 @@
           <a:p>
             <a:pPr algn="ctr"/>
             <a:r>
-              <a:rPr lang="de-DE" dirty="0" err="1"/>
-              <a:t>Vue</a:t>
-            </a:r>
-            <a:endParaRPr lang="de-DE" dirty="0"/>
+              <a:rPr lang="de-DE" dirty="0"/>
+              <a:t>Vue.JS</a:t>
+            </a:r>
           </a:p>
           <a:p>
             <a:pPr algn="ctr"/>
@@ -13723,10 +19784,9 @@
           <a:p>
             <a:pPr algn="ctr"/>
             <a:r>
-              <a:rPr lang="de-DE" dirty="0" err="1"/>
-              <a:t>React</a:t>
-            </a:r>
-            <a:endParaRPr lang="de-DE" dirty="0"/>
+              <a:rPr lang="de-DE" dirty="0"/>
+              <a:t>React.JS</a:t>
+            </a:r>
           </a:p>
           <a:p>
             <a:pPr algn="ctr"/>
@@ -13894,6 +19954,96 @@
           </a:fontRef>
         </p:style>
       </p:cxnSp>
+      <p:pic>
+        <p:nvPicPr>
+          <p:cNvPr id="8" name="Grafik 7">
+            <a:extLst>
+              <a:ext uri="{FF2B5EF4-FFF2-40B4-BE49-F238E27FC236}">
+                <a16:creationId xmlns:a16="http://schemas.microsoft.com/office/drawing/2014/main" id="{0299AFBD-DF7C-4151-8A0A-C2D84BA40386}"/>
+              </a:ext>
+            </a:extLst>
+          </p:cNvPr>
+          <p:cNvPicPr>
+            <a:picLocks noChangeAspect="1"/>
+          </p:cNvPicPr>
+          <p:nvPr/>
+        </p:nvPicPr>
+        <p:blipFill>
+          <a:blip r:embed="rId3"/>
+          <a:stretch>
+            <a:fillRect/>
+          </a:stretch>
+        </p:blipFill>
+        <p:spPr>
+          <a:xfrm>
+            <a:off x="876300" y="4928404"/>
+            <a:ext cx="1247775" cy="1009650"/>
+          </a:xfrm>
+          <a:prstGeom prst="rect">
+            <a:avLst/>
+          </a:prstGeom>
+        </p:spPr>
+      </p:pic>
+      <p:pic>
+        <p:nvPicPr>
+          <p:cNvPr id="9" name="Grafik 8">
+            <a:extLst>
+              <a:ext uri="{FF2B5EF4-FFF2-40B4-BE49-F238E27FC236}">
+                <a16:creationId xmlns:a16="http://schemas.microsoft.com/office/drawing/2014/main" id="{181F6086-F84C-4AE9-8975-D33FD2C9FB45}"/>
+              </a:ext>
+            </a:extLst>
+          </p:cNvPr>
+          <p:cNvPicPr>
+            <a:picLocks noChangeAspect="1"/>
+          </p:cNvPicPr>
+          <p:nvPr/>
+        </p:nvPicPr>
+        <p:blipFill>
+          <a:blip r:embed="rId4"/>
+          <a:stretch>
+            <a:fillRect/>
+          </a:stretch>
+        </p:blipFill>
+        <p:spPr>
+          <a:xfrm>
+            <a:off x="7451725" y="4885541"/>
+            <a:ext cx="1095375" cy="1095375"/>
+          </a:xfrm>
+          <a:prstGeom prst="rect">
+            <a:avLst/>
+          </a:prstGeom>
+        </p:spPr>
+      </p:pic>
+      <p:pic>
+        <p:nvPicPr>
+          <p:cNvPr id="10" name="Grafik 9">
+            <a:extLst>
+              <a:ext uri="{FF2B5EF4-FFF2-40B4-BE49-F238E27FC236}">
+                <a16:creationId xmlns:a16="http://schemas.microsoft.com/office/drawing/2014/main" id="{74A209EB-8F8C-40CE-A10F-75F2A256A0A8}"/>
+              </a:ext>
+            </a:extLst>
+          </p:cNvPr>
+          <p:cNvPicPr>
+            <a:picLocks noChangeAspect="1"/>
+          </p:cNvPicPr>
+          <p:nvPr/>
+        </p:nvPicPr>
+        <p:blipFill>
+          <a:blip r:embed="rId5"/>
+          <a:stretch>
+            <a:fillRect/>
+          </a:stretch>
+        </p:blipFill>
+        <p:spPr>
+          <a:xfrm>
+            <a:off x="3950779" y="4910733"/>
+            <a:ext cx="1314450" cy="1238250"/>
+          </a:xfrm>
+          <a:prstGeom prst="rect">
+            <a:avLst/>
+          </a:prstGeom>
+        </p:spPr>
+      </p:pic>
     </p:spTree>
     <p:extLst>
       <p:ext uri="{BB962C8B-B14F-4D97-AF65-F5344CB8AC3E}">
@@ -14223,7 +20373,7 @@
             </a:pPr>
             <a:fld id="{7FF32D5F-8198-4D6B-81C8-A28D30F3AEEE}" type="datetime1">
               <a:rPr lang="de-DE" smtClean="0"/>
-              <a:t>17.08.2018</a:t>
+              <a:t>20.08.2018</a:t>
             </a:fld>
             <a:endParaRPr lang="de-DE" dirty="0"/>
           </a:p>
@@ -14244,13 +20394,22 @@
           <a:bodyPr/>
           <a:lstStyle/>
           <a:p>
-            <a:pPr>
+            <a:pPr algn="ctr">
               <a:defRPr/>
             </a:pPr>
             <a:r>
-              <a:rPr lang="de-DE"/>
-              <a:t>Hermond Ghislain Zeleu Zabatio</a:t>
-            </a:r>
+              <a:rPr lang="de-DE" dirty="0" err="1"/>
+              <a:t>Hermond</a:t>
+            </a:r>
+            <a:r>
+              <a:rPr lang="de-DE" dirty="0"/>
+              <a:t> Ghislain Zeleu </a:t>
+            </a:r>
+            <a:r>
+              <a:rPr lang="de-DE" dirty="0" err="1"/>
+              <a:t>Zabatio</a:t>
+            </a:r>
+            <a:endParaRPr lang="de-DE" dirty="0"/>
           </a:p>
         </p:txBody>
       </p:sp>
@@ -14559,6 +20718,96 @@
           </a:fontRef>
         </p:style>
       </p:cxnSp>
+      <p:pic>
+        <p:nvPicPr>
+          <p:cNvPr id="8" name="Grafik 7">
+            <a:extLst>
+              <a:ext uri="{FF2B5EF4-FFF2-40B4-BE49-F238E27FC236}">
+                <a16:creationId xmlns:a16="http://schemas.microsoft.com/office/drawing/2014/main" id="{DD65EAED-4A72-4F26-84B3-35B8EB0D2E73}"/>
+              </a:ext>
+            </a:extLst>
+          </p:cNvPr>
+          <p:cNvPicPr>
+            <a:picLocks noChangeAspect="1"/>
+          </p:cNvPicPr>
+          <p:nvPr/>
+        </p:nvPicPr>
+        <p:blipFill>
+          <a:blip r:embed="rId3"/>
+          <a:stretch>
+            <a:fillRect/>
+          </a:stretch>
+        </p:blipFill>
+        <p:spPr>
+          <a:xfrm>
+            <a:off x="3950779" y="4957648"/>
+            <a:ext cx="1314450" cy="1238250"/>
+          </a:xfrm>
+          <a:prstGeom prst="rect">
+            <a:avLst/>
+          </a:prstGeom>
+        </p:spPr>
+      </p:pic>
+      <p:pic>
+        <p:nvPicPr>
+          <p:cNvPr id="14" name="Grafik 13">
+            <a:extLst>
+              <a:ext uri="{FF2B5EF4-FFF2-40B4-BE49-F238E27FC236}">
+                <a16:creationId xmlns:a16="http://schemas.microsoft.com/office/drawing/2014/main" id="{3F97E1E4-4B07-47D7-99BF-C778A04B610A}"/>
+              </a:ext>
+            </a:extLst>
+          </p:cNvPr>
+          <p:cNvPicPr>
+            <a:picLocks noChangeAspect="1"/>
+          </p:cNvPicPr>
+          <p:nvPr/>
+        </p:nvPicPr>
+        <p:blipFill>
+          <a:blip r:embed="rId4"/>
+          <a:stretch>
+            <a:fillRect/>
+          </a:stretch>
+        </p:blipFill>
+        <p:spPr>
+          <a:xfrm>
+            <a:off x="923776" y="5071948"/>
+            <a:ext cx="1247775" cy="1009650"/>
+          </a:xfrm>
+          <a:prstGeom prst="rect">
+            <a:avLst/>
+          </a:prstGeom>
+        </p:spPr>
+      </p:pic>
+      <p:pic>
+        <p:nvPicPr>
+          <p:cNvPr id="15" name="Grafik 14">
+            <a:extLst>
+              <a:ext uri="{FF2B5EF4-FFF2-40B4-BE49-F238E27FC236}">
+                <a16:creationId xmlns:a16="http://schemas.microsoft.com/office/drawing/2014/main" id="{D5897861-F4D6-4F22-8258-847C92F6C2F9}"/>
+              </a:ext>
+            </a:extLst>
+          </p:cNvPr>
+          <p:cNvPicPr>
+            <a:picLocks noChangeAspect="1"/>
+          </p:cNvPicPr>
+          <p:nvPr/>
+        </p:nvPicPr>
+        <p:blipFill>
+          <a:blip r:embed="rId5"/>
+          <a:stretch>
+            <a:fillRect/>
+          </a:stretch>
+        </p:blipFill>
+        <p:spPr>
+          <a:xfrm>
+            <a:off x="7451725" y="4986223"/>
+            <a:ext cx="1095375" cy="1095375"/>
+          </a:xfrm>
+          <a:prstGeom prst="rect">
+            <a:avLst/>
+          </a:prstGeom>
+        </p:spPr>
+      </p:pic>
     </p:spTree>
     <p:extLst>
       <p:ext uri="{BB962C8B-B14F-4D97-AF65-F5344CB8AC3E}">
@@ -14755,7 +21004,7 @@
             </a:pPr>
             <a:fld id="{12AC88A6-748D-4925-A0F4-581F6DD9C418}" type="datetime1">
               <a:rPr lang="de-DE" smtClean="0"/>
-              <a:t>17.08.2018</a:t>
+              <a:t>20.08.2018</a:t>
             </a:fld>
             <a:endParaRPr lang="de-DE" dirty="0"/>
           </a:p>
@@ -14776,7 +21025,7 @@
           <a:bodyPr/>
           <a:lstStyle/>
           <a:p>
-            <a:pPr>
+            <a:pPr algn="ctr">
               <a:defRPr/>
             </a:pPr>
             <a:r>
@@ -14955,7 +21204,7 @@
             </a:pPr>
             <a:fld id="{8A16F28A-F628-44F6-BE27-AC29D127D4A7}" type="datetime1">
               <a:rPr lang="de-DE" smtClean="0"/>
-              <a:t>17.08.2018</a:t>
+              <a:t>20.08.2018</a:t>
             </a:fld>
             <a:endParaRPr lang="de-DE" dirty="0"/>
           </a:p>
@@ -14982,13 +21231,22 @@
           <a:bodyPr/>
           <a:lstStyle/>
           <a:p>
-            <a:pPr>
+            <a:pPr algn="ctr">
               <a:defRPr/>
             </a:pPr>
             <a:r>
-              <a:rPr lang="de-DE"/>
-              <a:t>Hermond Ghislain Zeleu Zabatio</a:t>
-            </a:r>
+              <a:rPr lang="de-DE" dirty="0" err="1"/>
+              <a:t>Hermond</a:t>
+            </a:r>
+            <a:r>
+              <a:rPr lang="de-DE" dirty="0"/>
+              <a:t> Ghislain Zeleu </a:t>
+            </a:r>
+            <a:r>
+              <a:rPr lang="de-DE" dirty="0" err="1"/>
+              <a:t>Zabatio</a:t>
+            </a:r>
+            <a:endParaRPr lang="de-DE" dirty="0"/>
           </a:p>
         </p:txBody>
       </p:sp>
@@ -16299,7 +22557,7 @@
             </a:pPr>
             <a:fld id="{8EF3E923-C16A-40B9-906D-4702AEC00101}" type="datetime1">
               <a:rPr lang="de-DE" smtClean="0"/>
-              <a:t>17.08.2018</a:t>
+              <a:t>20.08.2018</a:t>
             </a:fld>
             <a:endParaRPr lang="de-DE" dirty="0"/>
           </a:p>
@@ -16320,7 +22578,7 @@
           <a:bodyPr/>
           <a:lstStyle/>
           <a:p>
-            <a:pPr>
+            <a:pPr algn="ctr">
               <a:defRPr/>
             </a:pPr>
             <a:r>
@@ -17147,7 +23405,7 @@
             </a:pPr>
             <a:fld id="{AF010600-ECB3-4287-BFCE-C133CC4FD21C}" type="datetime1">
               <a:rPr lang="de-DE" smtClean="0"/>
-              <a:t>17.08.2018</a:t>
+              <a:t>20.08.2018</a:t>
             </a:fld>
             <a:endParaRPr lang="de-DE" dirty="0"/>
           </a:p>
@@ -17174,13 +23432,22 @@
           <a:bodyPr/>
           <a:lstStyle/>
           <a:p>
-            <a:pPr>
+            <a:pPr algn="ctr">
               <a:defRPr/>
             </a:pPr>
             <a:r>
-              <a:rPr lang="de-DE"/>
-              <a:t>Hermond Ghislain Zeleu Zabatio</a:t>
-            </a:r>
+              <a:rPr lang="de-DE" dirty="0" err="1"/>
+              <a:t>Hermond</a:t>
+            </a:r>
+            <a:r>
+              <a:rPr lang="de-DE" dirty="0"/>
+              <a:t> Ghislain Zeleu </a:t>
+            </a:r>
+            <a:r>
+              <a:rPr lang="de-DE" dirty="0" err="1"/>
+              <a:t>Zabatio</a:t>
+            </a:r>
+            <a:endParaRPr lang="de-DE" dirty="0"/>
           </a:p>
         </p:txBody>
       </p:sp>
@@ -18235,8 +24502,8 @@
         </p:nvSpPr>
         <p:spPr>
           <a:xfrm>
-            <a:off x="6478887" y="3645024"/>
-            <a:ext cx="1181571" cy="953890"/>
+            <a:off x="6478887" y="3947702"/>
+            <a:ext cx="1181571" cy="561754"/>
           </a:xfrm>
           <a:prstGeom prst="ellipse">
             <a:avLst/>
@@ -18270,6 +24537,52 @@
           <a:p>
             <a:pPr algn="ctr"/>
             <a:endParaRPr lang="en-US"/>
+          </a:p>
+        </p:txBody>
+      </p:sp>
+      <p:sp>
+        <p:nvSpPr>
+          <p:cNvPr id="2" name="Rechteck: abgerundete Ecken 1">
+            <a:extLst>
+              <a:ext uri="{FF2B5EF4-FFF2-40B4-BE49-F238E27FC236}">
+                <a16:creationId xmlns:a16="http://schemas.microsoft.com/office/drawing/2014/main" id="{4969834A-8981-4562-8902-579E899EA7AA}"/>
+              </a:ext>
+            </a:extLst>
+          </p:cNvPr>
+          <p:cNvSpPr/>
+          <p:nvPr/>
+        </p:nvSpPr>
+        <p:spPr>
+          <a:xfrm>
+            <a:off x="6588224" y="3689667"/>
+            <a:ext cx="906986" cy="265028"/>
+          </a:xfrm>
+          <a:prstGeom prst="roundRect">
+            <a:avLst/>
+          </a:prstGeom>
+        </p:spPr>
+        <p:style>
+          <a:lnRef idx="2">
+            <a:schemeClr val="accent3">
+              <a:shade val="50000"/>
+            </a:schemeClr>
+          </a:lnRef>
+          <a:fillRef idx="1">
+            <a:schemeClr val="accent3"/>
+          </a:fillRef>
+          <a:effectRef idx="0">
+            <a:schemeClr val="accent3"/>
+          </a:effectRef>
+          <a:fontRef idx="minor">
+            <a:schemeClr val="lt1"/>
+          </a:fontRef>
+        </p:style>
+        <p:txBody>
+          <a:bodyPr rtlCol="0" anchor="ctr"/>
+          <a:lstStyle/>
+          <a:p>
+            <a:pPr algn="ctr"/>
+            <a:endParaRPr lang="de-DE"/>
           </a:p>
         </p:txBody>
       </p:sp>
@@ -18591,6 +24904,51 @@
                       </p:childTnLst>
                     </p:cTn>
                   </p:par>
+                  <p:par>
+                    <p:cTn id="23" fill="hold">
+                      <p:stCondLst>
+                        <p:cond delay="indefinite"/>
+                      </p:stCondLst>
+                      <p:childTnLst>
+                        <p:par>
+                          <p:cTn id="24" fill="hold">
+                            <p:stCondLst>
+                              <p:cond delay="0"/>
+                            </p:stCondLst>
+                            <p:childTnLst>
+                              <p:par>
+                                <p:cTn id="25" presetID="1" presetClass="entr" presetSubtype="0" fill="hold" grpId="0" nodeType="clickEffect">
+                                  <p:stCondLst>
+                                    <p:cond delay="0"/>
+                                  </p:stCondLst>
+                                  <p:childTnLst>
+                                    <p:set>
+                                      <p:cBhvr>
+                                        <p:cTn id="26" dur="1" fill="hold">
+                                          <p:stCondLst>
+                                            <p:cond delay="0"/>
+                                          </p:stCondLst>
+                                        </p:cTn>
+                                        <p:tgtEl>
+                                          <p:spTgt spid="2"/>
+                                        </p:tgtEl>
+                                        <p:attrNameLst>
+                                          <p:attrName>style.visibility</p:attrName>
+                                        </p:attrNameLst>
+                                      </p:cBhvr>
+                                      <p:to>
+                                        <p:strVal val="visible"/>
+                                      </p:to>
+                                    </p:set>
+                                  </p:childTnLst>
+                                </p:cTn>
+                              </p:par>
+                            </p:childTnLst>
+                          </p:cTn>
+                        </p:par>
+                      </p:childTnLst>
+                    </p:cTn>
+                  </p:par>
                 </p:childTnLst>
               </p:cTn>
               <p:prevCondLst>
@@ -18614,6 +24972,7 @@
     </p:tnLst>
     <p:bldLst>
       <p:bldP spid="7" grpId="0" animBg="1"/>
+      <p:bldP spid="2" grpId="0" animBg="1"/>
     </p:bldLst>
   </p:timing>
 </p:sld>
@@ -19223,7 +25582,7 @@
             </a:pPr>
             <a:fld id="{E91FD529-79A4-422D-9216-C48300677F2D}" type="datetime1">
               <a:rPr lang="de-DE" smtClean="0"/>
-              <a:t>17.08.2018</a:t>
+              <a:t>20.08.2018</a:t>
             </a:fld>
             <a:endParaRPr lang="de-DE" dirty="0"/>
           </a:p>
@@ -20320,7 +26679,7 @@
             </a:pPr>
             <a:fld id="{668CEC00-B388-44C9-BED2-57BA91674FDE}" type="datetime1">
               <a:rPr lang="de-DE" smtClean="0"/>
-              <a:t>17.08.2018</a:t>
+              <a:t>20.08.2018</a:t>
             </a:fld>
             <a:endParaRPr lang="de-DE" dirty="0"/>
           </a:p>
@@ -20347,13 +26706,22 @@
           <a:bodyPr/>
           <a:lstStyle/>
           <a:p>
-            <a:pPr>
+            <a:pPr algn="ctr">
               <a:defRPr/>
             </a:pPr>
             <a:r>
-              <a:rPr lang="de-DE"/>
-              <a:t>Hermond Ghislain Zeleu Zabatio</a:t>
-            </a:r>
+              <a:rPr lang="de-DE" dirty="0" err="1"/>
+              <a:t>Hermond</a:t>
+            </a:r>
+            <a:r>
+              <a:rPr lang="de-DE" dirty="0"/>
+              <a:t> Ghislain Zeleu </a:t>
+            </a:r>
+            <a:r>
+              <a:rPr lang="de-DE" dirty="0" err="1"/>
+              <a:t>Zabatio</a:t>
+            </a:r>
+            <a:endParaRPr lang="de-DE" dirty="0"/>
           </a:p>
         </p:txBody>
       </p:sp>
@@ -21250,7 +27618,7 @@
             </a:pPr>
             <a:fld id="{D5854939-2B7C-49B0-B46D-A3E4A10ECEA3}" type="datetime1">
               <a:rPr lang="de-DE" smtClean="0"/>
-              <a:t>17.08.2018</a:t>
+              <a:t>20.08.2018</a:t>
             </a:fld>
             <a:endParaRPr lang="de-DE" dirty="0"/>
           </a:p>
@@ -21271,7 +27639,7 @@
           <a:bodyPr/>
           <a:lstStyle/>
           <a:p>
-            <a:pPr>
+            <a:pPr algn="ctr">
               <a:defRPr/>
             </a:pPr>
             <a:r>
@@ -21371,36 +27739,6 @@
           <a:chExt cx="0" cy="0"/>
         </a:xfrm>
       </p:grpSpPr>
-      <p:pic>
-        <p:nvPicPr>
-          <p:cNvPr id="9" name="Inhaltsplatzhalter 6">
-            <a:extLst>
-              <a:ext uri="{FF2B5EF4-FFF2-40B4-BE49-F238E27FC236}">
-                <a16:creationId xmlns:a16="http://schemas.microsoft.com/office/drawing/2014/main" id="{C5FC855C-F201-47DF-BF8C-030E71739ACA}"/>
-              </a:ext>
-            </a:extLst>
-          </p:cNvPr>
-          <p:cNvPicPr>
-            <a:picLocks noChangeAspect="1"/>
-          </p:cNvPicPr>
-          <p:nvPr/>
-        </p:nvPicPr>
-        <p:blipFill>
-          <a:blip r:embed="rId3"/>
-          <a:stretch>
-            <a:fillRect/>
-          </a:stretch>
-        </p:blipFill>
-        <p:spPr>
-          <a:xfrm>
-            <a:off x="771529" y="1268760"/>
-            <a:ext cx="7599982" cy="4379651"/>
-          </a:xfrm>
-          <a:prstGeom prst="rect">
-            <a:avLst/>
-          </a:prstGeom>
-        </p:spPr>
-      </p:pic>
       <p:sp>
         <p:nvSpPr>
           <p:cNvPr id="3" name="Datumsplatzhalter 2">
@@ -21427,7 +27765,7 @@
             </a:pPr>
             <a:fld id="{4B47C6A7-4CB9-47BF-812A-FB221A81A7BE}" type="datetime1">
               <a:rPr lang="de-DE" smtClean="0"/>
-              <a:t>17.08.2018</a:t>
+              <a:t>20.08.2018</a:t>
             </a:fld>
             <a:endParaRPr lang="de-DE" dirty="0"/>
           </a:p>
@@ -21454,7 +27792,7 @@
           <a:bodyPr/>
           <a:lstStyle/>
           <a:p>
-            <a:pPr>
+            <a:pPr algn="ctr">
               <a:defRPr/>
             </a:pPr>
             <a:r>
@@ -21573,6 +27911,34 @@
           </a:p>
         </p:txBody>
       </p:sp>
+      <p:graphicFrame>
+        <p:nvGraphicFramePr>
+          <p:cNvPr id="10" name="Diagramm 9">
+            <a:extLst>
+              <a:ext uri="{FF2B5EF4-FFF2-40B4-BE49-F238E27FC236}">
+                <a16:creationId xmlns:a16="http://schemas.microsoft.com/office/drawing/2014/main" id="{4F4D7601-FB74-4E26-AA70-637322F90790}"/>
+              </a:ext>
+            </a:extLst>
+          </p:cNvPr>
+          <p:cNvGraphicFramePr/>
+          <p:nvPr>
+            <p:extLst>
+              <p:ext uri="{D42A27DB-BD31-4B8C-83A1-F6EECF244321}">
+                <p14:modId xmlns:p14="http://schemas.microsoft.com/office/powerpoint/2010/main" val="242322201"/>
+              </p:ext>
+            </p:extLst>
+          </p:nvPr>
+        </p:nvGraphicFramePr>
+        <p:xfrm>
+          <a:off x="395536" y="1079706"/>
+          <a:ext cx="8128000" cy="5418667"/>
+        </p:xfrm>
+        <a:graphic>
+          <a:graphicData uri="http://schemas.openxmlformats.org/drawingml/2006/diagram">
+            <dgm:relIds xmlns:dgm="http://schemas.openxmlformats.org/drawingml/2006/diagram" xmlns:r="http://schemas.openxmlformats.org/officeDocument/2006/relationships" r:dm="rId3" r:lo="rId4" r:qs="rId5" r:cs="rId6"/>
+          </a:graphicData>
+        </a:graphic>
+      </p:graphicFrame>
     </p:spTree>
     <p:extLst>
       <p:ext uri="{BB962C8B-B14F-4D97-AF65-F5344CB8AC3E}">
@@ -21629,7 +27995,7 @@
             </a:pPr>
             <a:fld id="{6FDFEBE8-6BCA-40A3-89A2-FFCEF06292FB}" type="datetime1">
               <a:rPr lang="de-DE" smtClean="0"/>
-              <a:t>17.08.2018</a:t>
+              <a:t>20.08.2018</a:t>
             </a:fld>
             <a:endParaRPr lang="de-DE" dirty="0"/>
           </a:p>
@@ -21860,7 +28226,7 @@
             </a:pPr>
             <a:fld id="{E9F400A6-E40D-4DB6-A24F-AFEB1A17EEB5}" type="datetime1">
               <a:rPr lang="de-DE" smtClean="0"/>
-              <a:t>17.08.2018</a:t>
+              <a:t>20.08.2018</a:t>
             </a:fld>
             <a:endParaRPr lang="de-DE" dirty="0"/>
           </a:p>
@@ -21887,13 +28253,22 @@
           <a:bodyPr/>
           <a:lstStyle/>
           <a:p>
-            <a:pPr>
+            <a:pPr algn="ctr">
               <a:defRPr/>
             </a:pPr>
             <a:r>
-              <a:rPr lang="de-DE"/>
-              <a:t>Hermond Ghislain Zeleu Zabatio</a:t>
-            </a:r>
+              <a:rPr lang="de-DE" dirty="0" err="1"/>
+              <a:t>Hermond</a:t>
+            </a:r>
+            <a:r>
+              <a:rPr lang="de-DE" dirty="0"/>
+              <a:t> Ghislain Zeleu </a:t>
+            </a:r>
+            <a:r>
+              <a:rPr lang="de-DE" dirty="0" err="1"/>
+              <a:t>Zabatio</a:t>
+            </a:r>
+            <a:endParaRPr lang="de-DE" dirty="0"/>
           </a:p>
         </p:txBody>
       </p:sp>
@@ -22252,7 +28627,7 @@
             </a:pPr>
             <a:fld id="{9A87BE0B-A04B-4BD9-AD64-4DB39BF97343}" type="datetime1">
               <a:rPr lang="de-DE" smtClean="0"/>
-              <a:t>17.08.2018</a:t>
+              <a:t>20.08.2018</a:t>
             </a:fld>
             <a:endParaRPr lang="de-DE" dirty="0"/>
           </a:p>
@@ -22273,7 +28648,7 @@
           <a:bodyPr/>
           <a:lstStyle/>
           <a:p>
-            <a:pPr>
+            <a:pPr algn="ctr">
               <a:defRPr/>
             </a:pPr>
             <a:r>
@@ -22475,7 +28850,7 @@
             </a:pPr>
             <a:fld id="{5E4D5FCA-7DF3-448C-839C-8922CAEBBDE7}" type="datetime1">
               <a:rPr lang="de-DE" smtClean="0"/>
-              <a:t>17.08.2018</a:t>
+              <a:t>20.08.2018</a:t>
             </a:fld>
             <a:endParaRPr lang="de-DE" dirty="0"/>
           </a:p>
@@ -22685,7 +29060,7 @@
             </a:pPr>
             <a:fld id="{B46ACFD8-F003-4DB6-92FD-0D5193C55D1C}" type="datetime1">
               <a:rPr lang="de-DE" smtClean="0"/>
-              <a:t>17.08.2018</a:t>
+              <a:t>20.08.2018</a:t>
             </a:fld>
             <a:endParaRPr lang="de-DE" dirty="0"/>
           </a:p>
@@ -22706,13 +29081,22 @@
           <a:bodyPr/>
           <a:lstStyle/>
           <a:p>
-            <a:pPr>
+            <a:pPr algn="ctr">
               <a:defRPr/>
             </a:pPr>
             <a:r>
-              <a:rPr lang="de-DE"/>
-              <a:t>Hermond Ghislain Zeleu Zabatio</a:t>
-            </a:r>
+              <a:rPr lang="de-DE" dirty="0" err="1"/>
+              <a:t>Hermond</a:t>
+            </a:r>
+            <a:r>
+              <a:rPr lang="de-DE" dirty="0"/>
+              <a:t> Ghislain Zeleu </a:t>
+            </a:r>
+            <a:r>
+              <a:rPr lang="de-DE" dirty="0" err="1"/>
+              <a:t>Zabatio</a:t>
+            </a:r>
+            <a:endParaRPr lang="de-DE" dirty="0"/>
           </a:p>
         </p:txBody>
       </p:sp>
@@ -22972,7 +29356,7 @@
             </a:pPr>
             <a:fld id="{7271AB04-5E1D-4CE7-8D84-791F9CCDF4D8}" type="datetime1">
               <a:rPr lang="de-DE" smtClean="0"/>
-              <a:t>17.08.2018</a:t>
+              <a:t>20.08.2018</a:t>
             </a:fld>
             <a:endParaRPr lang="de-DE" dirty="0"/>
           </a:p>
@@ -22993,7 +29377,7 @@
           <a:bodyPr/>
           <a:lstStyle/>
           <a:p>
-            <a:pPr>
+            <a:pPr algn="ctr">
               <a:defRPr/>
             </a:pPr>
             <a:r>
@@ -23193,7 +29577,7 @@
             </a:pPr>
             <a:fld id="{8CC02A35-82F6-49ED-9C9C-23E8C7A55B9E}" type="datetime1">
               <a:rPr lang="de-DE" smtClean="0"/>
-              <a:t>17.08.2018</a:t>
+              <a:t>20.08.2018</a:t>
             </a:fld>
             <a:endParaRPr lang="de-DE" dirty="0"/>
           </a:p>
@@ -23214,13 +29598,22 @@
           <a:bodyPr/>
           <a:lstStyle/>
           <a:p>
-            <a:pPr>
+            <a:pPr algn="ctr">
               <a:defRPr/>
             </a:pPr>
             <a:r>
-              <a:rPr lang="de-DE"/>
-              <a:t>Hermond Ghislain Zeleu Zabatio</a:t>
-            </a:r>
+              <a:rPr lang="de-DE" dirty="0" err="1"/>
+              <a:t>Hermond</a:t>
+            </a:r>
+            <a:r>
+              <a:rPr lang="de-DE" dirty="0"/>
+              <a:t> Ghislain Zeleu </a:t>
+            </a:r>
+            <a:r>
+              <a:rPr lang="de-DE" dirty="0" err="1"/>
+              <a:t>Zabatio</a:t>
+            </a:r>
+            <a:endParaRPr lang="de-DE" dirty="0"/>
           </a:p>
         </p:txBody>
       </p:sp>
@@ -23514,6 +29907,7 @@
             <a:endParaRPr lang="de-DE" dirty="0"/>
           </a:p>
           <a:p>
+            <a:pPr lvl="2"/>
             <a:endParaRPr lang="de-DE" dirty="0"/>
           </a:p>
           <a:p>
@@ -23599,7 +29993,7 @@
             </a:pPr>
             <a:fld id="{48651424-9108-4DBD-A731-7CB34E8712C2}" type="datetime1">
               <a:rPr lang="de-DE" smtClean="0"/>
-              <a:t>17.08.2018</a:t>
+              <a:t>20.08.2018</a:t>
             </a:fld>
             <a:endParaRPr lang="de-DE" dirty="0"/>
           </a:p>
@@ -23620,13 +30014,22 @@
           <a:bodyPr/>
           <a:lstStyle/>
           <a:p>
-            <a:pPr>
+            <a:pPr algn="ctr">
               <a:defRPr/>
             </a:pPr>
             <a:r>
-              <a:rPr lang="de-DE"/>
-              <a:t>Hermond Ghislain Zeleu Zabatio</a:t>
-            </a:r>
+              <a:rPr lang="de-DE" dirty="0" err="1"/>
+              <a:t>Hermond</a:t>
+            </a:r>
+            <a:r>
+              <a:rPr lang="de-DE" dirty="0"/>
+              <a:t> Ghislain Zeleu </a:t>
+            </a:r>
+            <a:r>
+              <a:rPr lang="de-DE" dirty="0" err="1"/>
+              <a:t>Zabatio</a:t>
+            </a:r>
+            <a:endParaRPr lang="de-DE" dirty="0"/>
           </a:p>
         </p:txBody>
       </p:sp>
@@ -24800,6 +31203,205 @@
           </a:p>
         </p:txBody>
       </p:sp>
+      <p:sp>
+        <p:nvSpPr>
+          <p:cNvPr id="33" name="Eine Ecke des Rechtecks abrunden 41">
+            <a:extLst>
+              <a:ext uri="{FF2B5EF4-FFF2-40B4-BE49-F238E27FC236}">
+                <a16:creationId xmlns:a16="http://schemas.microsoft.com/office/drawing/2014/main" id="{F22C0C5E-8A41-4F7A-B5BC-54AE201082DD}"/>
+              </a:ext>
+            </a:extLst>
+          </p:cNvPr>
+          <p:cNvSpPr/>
+          <p:nvPr/>
+        </p:nvSpPr>
+        <p:spPr>
+          <a:xfrm>
+            <a:off x="6924834" y="2868746"/>
+            <a:ext cx="1280492" cy="648072"/>
+          </a:xfrm>
+          <a:prstGeom prst="roundRect">
+            <a:avLst/>
+          </a:prstGeom>
+          <a:solidFill>
+            <a:srgbClr val="C00000"/>
+          </a:solidFill>
+          <a:effectLst>
+            <a:outerShdw blurRad="76200" dir="13500000" sy="23000" kx="1200000" algn="br" rotWithShape="0">
+              <a:prstClr val="black">
+                <a:alpha val="20000"/>
+              </a:prstClr>
+            </a:outerShdw>
+          </a:effectLst>
+        </p:spPr>
+        <p:style>
+          <a:lnRef idx="2">
+            <a:schemeClr val="accent2">
+              <a:shade val="50000"/>
+            </a:schemeClr>
+          </a:lnRef>
+          <a:fillRef idx="1">
+            <a:schemeClr val="accent2"/>
+          </a:fillRef>
+          <a:effectRef idx="0">
+            <a:schemeClr val="accent2"/>
+          </a:effectRef>
+          <a:fontRef idx="minor">
+            <a:schemeClr val="lt1"/>
+          </a:fontRef>
+        </p:style>
+        <p:txBody>
+          <a:bodyPr rtlCol="0" anchor="ctr"/>
+          <a:lstStyle/>
+          <a:p>
+            <a:r>
+              <a:rPr lang="de-DE" dirty="0">
+                <a:solidFill>
+                  <a:schemeClr val="bg1"/>
+                </a:solidFill>
+              </a:rPr>
+              <a:t>Gerät Nr.6</a:t>
+            </a:r>
+          </a:p>
+        </p:txBody>
+      </p:sp>
+      <p:sp>
+        <p:nvSpPr>
+          <p:cNvPr id="35" name="Eine Ecke des Rechtecks abrunden 58">
+            <a:extLst>
+              <a:ext uri="{FF2B5EF4-FFF2-40B4-BE49-F238E27FC236}">
+                <a16:creationId xmlns:a16="http://schemas.microsoft.com/office/drawing/2014/main" id="{F6FD6520-25D4-4D1D-8867-92643F442F13}"/>
+              </a:ext>
+            </a:extLst>
+          </p:cNvPr>
+          <p:cNvSpPr/>
+          <p:nvPr/>
+        </p:nvSpPr>
+        <p:spPr>
+          <a:xfrm>
+            <a:off x="7112868" y="3532776"/>
+            <a:ext cx="144016" cy="143868"/>
+          </a:xfrm>
+          <a:prstGeom prst="round1Rect">
+            <a:avLst/>
+          </a:prstGeom>
+          <a:noFill/>
+        </p:spPr>
+        <p:style>
+          <a:lnRef idx="2">
+            <a:schemeClr val="accent1">
+              <a:shade val="50000"/>
+            </a:schemeClr>
+          </a:lnRef>
+          <a:fillRef idx="1">
+            <a:schemeClr val="accent1"/>
+          </a:fillRef>
+          <a:effectRef idx="0">
+            <a:schemeClr val="accent1"/>
+          </a:effectRef>
+          <a:fontRef idx="minor">
+            <a:schemeClr val="lt1"/>
+          </a:fontRef>
+        </p:style>
+        <p:txBody>
+          <a:bodyPr rtlCol="0" anchor="ctr"/>
+          <a:lstStyle/>
+          <a:p>
+            <a:pPr algn="ctr"/>
+            <a:endParaRPr lang="en-US">
+              <a:noFill/>
+            </a:endParaRPr>
+          </a:p>
+        </p:txBody>
+      </p:sp>
+      <p:sp>
+        <p:nvSpPr>
+          <p:cNvPr id="36" name="Eine Ecke des Rechtecks abrunden 58">
+            <a:extLst>
+              <a:ext uri="{FF2B5EF4-FFF2-40B4-BE49-F238E27FC236}">
+                <a16:creationId xmlns:a16="http://schemas.microsoft.com/office/drawing/2014/main" id="{EE2A01FD-969A-4ED5-8BF1-20D925CA3CA9}"/>
+              </a:ext>
+            </a:extLst>
+          </p:cNvPr>
+          <p:cNvSpPr/>
+          <p:nvPr/>
+        </p:nvSpPr>
+        <p:spPr>
+          <a:xfrm>
+            <a:off x="7897471" y="3516350"/>
+            <a:ext cx="144016" cy="143868"/>
+          </a:xfrm>
+          <a:prstGeom prst="round1Rect">
+            <a:avLst/>
+          </a:prstGeom>
+          <a:noFill/>
+        </p:spPr>
+        <p:style>
+          <a:lnRef idx="2">
+            <a:schemeClr val="accent1">
+              <a:shade val="50000"/>
+            </a:schemeClr>
+          </a:lnRef>
+          <a:fillRef idx="1">
+            <a:schemeClr val="accent1"/>
+          </a:fillRef>
+          <a:effectRef idx="0">
+            <a:schemeClr val="accent1"/>
+          </a:effectRef>
+          <a:fontRef idx="minor">
+            <a:schemeClr val="lt1"/>
+          </a:fontRef>
+        </p:style>
+        <p:txBody>
+          <a:bodyPr rtlCol="0" anchor="ctr"/>
+          <a:lstStyle/>
+          <a:p>
+            <a:pPr algn="ctr"/>
+            <a:endParaRPr lang="en-US">
+              <a:noFill/>
+            </a:endParaRPr>
+          </a:p>
+        </p:txBody>
+      </p:sp>
+      <p:cxnSp>
+        <p:nvCxnSpPr>
+          <p:cNvPr id="37" name="Gerader Verbinder 38">
+            <a:extLst>
+              <a:ext uri="{FF2B5EF4-FFF2-40B4-BE49-F238E27FC236}">
+                <a16:creationId xmlns:a16="http://schemas.microsoft.com/office/drawing/2014/main" id="{F6E6CB3F-5B36-45D3-97C1-6F155B5A0A65}"/>
+              </a:ext>
+            </a:extLst>
+          </p:cNvPr>
+          <p:cNvCxnSpPr/>
+          <p:nvPr/>
+        </p:nvCxnSpPr>
+        <p:spPr>
+          <a:xfrm rot="16200000" flipH="1">
+            <a:off x="6628198" y="3100887"/>
+            <a:ext cx="12700" cy="1141509"/>
+          </a:xfrm>
+          <a:prstGeom prst="bentConnector3">
+            <a:avLst>
+              <a:gd name="adj1" fmla="val 1800000"/>
+            </a:avLst>
+          </a:prstGeom>
+          <a:ln w="25400"/>
+        </p:spPr>
+        <p:style>
+          <a:lnRef idx="1">
+            <a:schemeClr val="accent1"/>
+          </a:lnRef>
+          <a:fillRef idx="0">
+            <a:schemeClr val="accent1"/>
+          </a:fillRef>
+          <a:effectRef idx="0">
+            <a:schemeClr val="accent1"/>
+          </a:effectRef>
+          <a:fontRef idx="minor">
+            <a:schemeClr val="tx1"/>
+          </a:fontRef>
+        </p:style>
+      </p:cxnSp>
     </p:spTree>
     <p:extLst>
       <p:ext uri="{BB962C8B-B14F-4D97-AF65-F5344CB8AC3E}">
@@ -25596,6 +32198,114 @@
                                   </p:childTnLst>
                                 </p:cTn>
                               </p:par>
+                              <p:par>
+                                <p:cTn id="61" presetID="1" presetClass="entr" presetSubtype="0" fill="hold" nodeType="withEffect">
+                                  <p:stCondLst>
+                                    <p:cond delay="0"/>
+                                  </p:stCondLst>
+                                  <p:childTnLst>
+                                    <p:set>
+                                      <p:cBhvr>
+                                        <p:cTn id="62" dur="1" fill="hold">
+                                          <p:stCondLst>
+                                            <p:cond delay="0"/>
+                                          </p:stCondLst>
+                                        </p:cTn>
+                                        <p:tgtEl>
+                                          <p:spTgt spid="37"/>
+                                        </p:tgtEl>
+                                        <p:attrNameLst>
+                                          <p:attrName>style.visibility</p:attrName>
+                                        </p:attrNameLst>
+                                      </p:cBhvr>
+                                      <p:to>
+                                        <p:strVal val="visible"/>
+                                      </p:to>
+                                    </p:set>
+                                  </p:childTnLst>
+                                </p:cTn>
+                              </p:par>
+                              <p:par>
+                                <p:cTn id="63" presetID="1" presetClass="entr" presetSubtype="0" fill="hold" grpId="0" nodeType="withEffect">
+                                  <p:stCondLst>
+                                    <p:cond delay="0"/>
+                                  </p:stCondLst>
+                                  <p:childTnLst>
+                                    <p:set>
+                                      <p:cBhvr>
+                                        <p:cTn id="64" dur="1" fill="hold">
+                                          <p:stCondLst>
+                                            <p:cond delay="0"/>
+                                          </p:stCondLst>
+                                        </p:cTn>
+                                        <p:tgtEl>
+                                          <p:spTgt spid="33"/>
+                                        </p:tgtEl>
+                                        <p:attrNameLst>
+                                          <p:attrName>style.visibility</p:attrName>
+                                        </p:attrNameLst>
+                                      </p:cBhvr>
+                                      <p:to>
+                                        <p:strVal val="visible"/>
+                                      </p:to>
+                                    </p:set>
+                                  </p:childTnLst>
+                                </p:cTn>
+                              </p:par>
+                              <p:par>
+                                <p:cTn id="65" presetID="1" presetClass="entr" presetSubtype="0" fill="hold" grpId="0" nodeType="withEffect">
+                                  <p:stCondLst>
+                                    <p:cond delay="0"/>
+                                  </p:stCondLst>
+                                  <p:childTnLst>
+                                    <p:set>
+                                      <p:cBhvr>
+                                        <p:cTn id="66" dur="1" fill="hold">
+                                          <p:stCondLst>
+                                            <p:cond delay="0"/>
+                                          </p:stCondLst>
+                                        </p:cTn>
+                                        <p:tgtEl>
+                                          <p:spTgt spid="35"/>
+                                        </p:tgtEl>
+                                        <p:attrNameLst>
+                                          <p:attrName>style.visibility</p:attrName>
+                                        </p:attrNameLst>
+                                      </p:cBhvr>
+                                      <p:to>
+                                        <p:strVal val="visible"/>
+                                      </p:to>
+                                    </p:set>
+                                  </p:childTnLst>
+                                </p:cTn>
+                              </p:par>
+                              <p:par>
+                                <p:cTn id="67" presetID="1" presetClass="entr" presetSubtype="0" fill="hold" grpId="0" nodeType="withEffect">
+                                  <p:stCondLst>
+                                    <p:cond delay="0"/>
+                                  </p:stCondLst>
+                                  <p:childTnLst>
+                                    <p:set>
+                                      <p:cBhvr>
+                                        <p:cTn id="68" dur="1" fill="hold">
+                                          <p:stCondLst>
+                                            <p:cond delay="0"/>
+                                          </p:stCondLst>
+                                        </p:cTn>
+                                        <p:tgtEl>
+                                          <p:spTgt spid="36"/>
+                                        </p:tgtEl>
+                                        <p:attrNameLst>
+                                          <p:attrName>style.visibility</p:attrName>
+                                        </p:attrNameLst>
+                                      </p:cBhvr>
+                                      <p:to>
+                                        <p:strVal val="visible"/>
+                                      </p:to>
+                                    </p:set>
+                                  </p:childTnLst>
+                                </p:cTn>
+                              </p:par>
                             </p:childTnLst>
                           </p:cTn>
                         </p:par>
@@ -25603,26 +32313,26 @@
                     </p:cTn>
                   </p:par>
                   <p:par>
-                    <p:cTn id="61" fill="hold">
+                    <p:cTn id="69" fill="hold">
                       <p:stCondLst>
                         <p:cond delay="indefinite"/>
                       </p:stCondLst>
                       <p:childTnLst>
                         <p:par>
-                          <p:cTn id="62" fill="hold">
+                          <p:cTn id="70" fill="hold">
                             <p:stCondLst>
                               <p:cond delay="0"/>
                             </p:stCondLst>
                             <p:childTnLst>
                               <p:par>
-                                <p:cTn id="63" presetID="1" presetClass="entr" presetSubtype="0" fill="hold" nodeType="clickEffect">
+                                <p:cTn id="71" presetID="1" presetClass="entr" presetSubtype="0" fill="hold" nodeType="clickEffect">
                                   <p:stCondLst>
                                     <p:cond delay="0"/>
                                   </p:stCondLst>
                                   <p:childTnLst>
                                     <p:set>
                                       <p:cBhvr>
-                                        <p:cTn id="64" dur="1" fill="hold">
+                                        <p:cTn id="72" dur="1" fill="hold">
                                           <p:stCondLst>
                                             <p:cond delay="0"/>
                                           </p:stCondLst>
@@ -25646,14 +32356,14 @@
                                 </p:cTn>
                               </p:par>
                               <p:par>
-                                <p:cTn id="65" presetID="1" presetClass="entr" presetSubtype="0" fill="hold" nodeType="withEffect">
+                                <p:cTn id="73" presetID="1" presetClass="entr" presetSubtype="0" fill="hold" nodeType="withEffect">
                                   <p:stCondLst>
                                     <p:cond delay="0"/>
                                   </p:stCondLst>
                                   <p:childTnLst>
                                     <p:set>
                                       <p:cBhvr>
-                                        <p:cTn id="66" dur="1" fill="hold">
+                                        <p:cTn id="74" dur="1" fill="hold">
                                           <p:stCondLst>
                                             <p:cond delay="0"/>
                                           </p:stCondLst>
@@ -25677,14 +32387,14 @@
                                 </p:cTn>
                               </p:par>
                               <p:par>
-                                <p:cTn id="67" presetID="1" presetClass="entr" presetSubtype="0" fill="hold" nodeType="withEffect">
+                                <p:cTn id="75" presetID="1" presetClass="entr" presetSubtype="0" fill="hold" nodeType="withEffect">
                                   <p:stCondLst>
                                     <p:cond delay="0"/>
                                   </p:stCondLst>
                                   <p:childTnLst>
                                     <p:set>
                                       <p:cBhvr>
-                                        <p:cTn id="68" dur="1" fill="hold">
+                                        <p:cTn id="76" dur="1" fill="hold">
                                           <p:stCondLst>
                                             <p:cond delay="0"/>
                                           </p:stCondLst>
@@ -25754,6 +32464,9 @@
       <p:bldP spid="58" grpId="0" animBg="1"/>
       <p:bldP spid="59" grpId="0" animBg="1"/>
       <p:bldP spid="60" grpId="0" animBg="1"/>
+      <p:bldP spid="33" grpId="0" animBg="1"/>
+      <p:bldP spid="35" grpId="0" animBg="1"/>
+      <p:bldP spid="36" grpId="0" animBg="1"/>
     </p:bldLst>
   </p:timing>
 </p:sld>
@@ -25954,7 +32667,7 @@
             </a:pPr>
             <a:fld id="{4998E8A4-C8EA-4DC6-A9EC-8D84B645FE8A}" type="datetime1">
               <a:rPr lang="de-DE" smtClean="0"/>
-              <a:t>17.08.2018</a:t>
+              <a:t>20.08.2018</a:t>
             </a:fld>
             <a:endParaRPr lang="de-DE" dirty="0"/>
           </a:p>
@@ -25975,7 +32688,7 @@
           <a:bodyPr/>
           <a:lstStyle/>
           <a:p>
-            <a:pPr>
+            <a:pPr algn="ctr">
               <a:defRPr/>
             </a:pPr>
             <a:r>
@@ -26097,10 +32810,9 @@
               <a:buNone/>
             </a:pPr>
             <a:r>
-              <a:rPr lang="de-DE" dirty="0" err="1"/>
-              <a:t>Feldbus</a:t>
-            </a:r>
-            <a:endParaRPr lang="de-DE" dirty="0"/>
+              <a:rPr lang="de-DE" dirty="0"/>
+              <a:t>Feldbus / Echtzeit-Ethernet</a:t>
+            </a:r>
           </a:p>
           <a:p>
             <a:pPr marL="0" indent="0">
@@ -26175,7 +32887,7 @@
             </a:pPr>
             <a:fld id="{4769008C-D780-4E4F-B8CF-7AB45263DA7A}" type="datetime1">
               <a:rPr lang="de-DE" smtClean="0"/>
-              <a:t>17.08.2018</a:t>
+              <a:t>20.08.2018</a:t>
             </a:fld>
             <a:endParaRPr lang="de-DE" dirty="0"/>
           </a:p>
@@ -26196,13 +32908,22 @@
           <a:bodyPr/>
           <a:lstStyle/>
           <a:p>
-            <a:pPr>
+            <a:pPr algn="ctr">
               <a:defRPr/>
             </a:pPr>
             <a:r>
-              <a:rPr lang="de-DE"/>
-              <a:t>Hermond Ghislain Zeleu Zabatio</a:t>
-            </a:r>
+              <a:rPr lang="de-DE" dirty="0" err="1"/>
+              <a:t>Hermond</a:t>
+            </a:r>
+            <a:r>
+              <a:rPr lang="de-DE" dirty="0"/>
+              <a:t> Ghislain Zeleu </a:t>
+            </a:r>
+            <a:r>
+              <a:rPr lang="de-DE" dirty="0" err="1"/>
+              <a:t>Zabatio</a:t>
+            </a:r>
+            <a:endParaRPr lang="de-DE" dirty="0"/>
           </a:p>
         </p:txBody>
       </p:sp>
@@ -26928,7 +33649,7 @@
             </a:pPr>
             <a:fld id="{F2ED425C-C877-4C31-9F63-557BCC10A716}" type="datetime1">
               <a:rPr lang="de-DE" smtClean="0"/>
-              <a:t>17.08.2018</a:t>
+              <a:t>20.08.2018</a:t>
             </a:fld>
             <a:endParaRPr lang="de-DE" dirty="0"/>
           </a:p>
@@ -26949,13 +33670,22 @@
           <a:bodyPr/>
           <a:lstStyle/>
           <a:p>
-            <a:pPr>
+            <a:pPr algn="ctr">
               <a:defRPr/>
             </a:pPr>
             <a:r>
-              <a:rPr lang="de-DE"/>
-              <a:t>Hermond Ghislain Zeleu Zabatio</a:t>
-            </a:r>
+              <a:rPr lang="de-DE" dirty="0" err="1"/>
+              <a:t>Hermond</a:t>
+            </a:r>
+            <a:r>
+              <a:rPr lang="de-DE" dirty="0"/>
+              <a:t> Ghislain Zeleu </a:t>
+            </a:r>
+            <a:r>
+              <a:rPr lang="de-DE" dirty="0" err="1"/>
+              <a:t>Zabatio</a:t>
+            </a:r>
+            <a:endParaRPr lang="de-DE" dirty="0"/>
           </a:p>
         </p:txBody>
       </p:sp>
@@ -27454,7 +34184,7 @@
             <a:pPr lvl="2"/>
             <a:r>
               <a:rPr lang="de-DE" dirty="0"/>
-              <a:t>Durchmesser ist hoch</a:t>
+              <a:t>Latenz wächst </a:t>
             </a:r>
           </a:p>
         </p:txBody>
@@ -27479,7 +34209,7 @@
             </a:pPr>
             <a:fld id="{95B3BF2C-FA7B-44F9-B240-F706DE93F676}" type="datetime1">
               <a:rPr lang="de-DE" smtClean="0"/>
-              <a:t>17.08.2018</a:t>
+              <a:t>20.08.2018</a:t>
             </a:fld>
             <a:endParaRPr lang="de-DE" dirty="0"/>
           </a:p>
@@ -27500,13 +34230,22 @@
           <a:bodyPr/>
           <a:lstStyle/>
           <a:p>
-            <a:pPr>
+            <a:pPr algn="ctr">
               <a:defRPr/>
             </a:pPr>
             <a:r>
-              <a:rPr lang="de-DE"/>
-              <a:t>Hermond Ghislain Zeleu Zabatio</a:t>
-            </a:r>
+              <a:rPr lang="de-DE" dirty="0" err="1"/>
+              <a:t>Hermond</a:t>
+            </a:r>
+            <a:r>
+              <a:rPr lang="de-DE" dirty="0"/>
+              <a:t> Ghislain Zeleu </a:t>
+            </a:r>
+            <a:r>
+              <a:rPr lang="de-DE" dirty="0" err="1"/>
+              <a:t>Zabatio</a:t>
+            </a:r>
+            <a:endParaRPr lang="de-DE" dirty="0"/>
           </a:p>
         </p:txBody>
       </p:sp>
@@ -28096,7 +34835,7 @@
             </a:pPr>
             <a:fld id="{71EA42B9-50E9-4FA7-B9B8-35E6EB7F0723}" type="datetime1">
               <a:rPr lang="de-DE" smtClean="0"/>
-              <a:t>17.08.2018</a:t>
+              <a:t>20.08.2018</a:t>
             </a:fld>
             <a:endParaRPr lang="de-DE" dirty="0"/>
           </a:p>
@@ -28117,7 +34856,7 @@
           <a:bodyPr/>
           <a:lstStyle/>
           <a:p>
-            <a:pPr>
+            <a:pPr algn="ctr">
               <a:defRPr/>
             </a:pPr>
             <a:r>

--- a/Master-Abschluss.pptx
+++ b/Master-Abschluss.pptx
@@ -5,10 +5,10 @@
     <p:sldMasterId id="2147483648" r:id="rId1"/>
   </p:sldMasterIdLst>
   <p:notesMasterIdLst>
-    <p:notesMasterId r:id="rId32"/>
+    <p:notesMasterId r:id="rId33"/>
   </p:notesMasterIdLst>
   <p:handoutMasterIdLst>
-    <p:handoutMasterId r:id="rId33"/>
+    <p:handoutMasterId r:id="rId34"/>
   </p:handoutMasterIdLst>
   <p:sldIdLst>
     <p:sldId id="258" r:id="rId2"/>
@@ -31,16 +31,17 @@
     <p:sldId id="288" r:id="rId19"/>
     <p:sldId id="299" r:id="rId20"/>
     <p:sldId id="300" r:id="rId21"/>
-    <p:sldId id="278" r:id="rId22"/>
-    <p:sldId id="279" r:id="rId23"/>
-    <p:sldId id="289" r:id="rId24"/>
-    <p:sldId id="281" r:id="rId25"/>
-    <p:sldId id="282" r:id="rId26"/>
-    <p:sldId id="283" r:id="rId27"/>
-    <p:sldId id="290" r:id="rId28"/>
-    <p:sldId id="270" r:id="rId29"/>
-    <p:sldId id="284" r:id="rId30"/>
-    <p:sldId id="268" r:id="rId31"/>
+    <p:sldId id="301" r:id="rId22"/>
+    <p:sldId id="278" r:id="rId23"/>
+    <p:sldId id="279" r:id="rId24"/>
+    <p:sldId id="289" r:id="rId25"/>
+    <p:sldId id="281" r:id="rId26"/>
+    <p:sldId id="282" r:id="rId27"/>
+    <p:sldId id="283" r:id="rId28"/>
+    <p:sldId id="290" r:id="rId29"/>
+    <p:sldId id="270" r:id="rId30"/>
+    <p:sldId id="284" r:id="rId31"/>
+    <p:sldId id="268" r:id="rId32"/>
   </p:sldIdLst>
   <p:sldSz cx="9144000" cy="6858000" type="screen4x3"/>
   <p:notesSz cx="6858000" cy="9144000"/>
@@ -939,7 +940,1072 @@
 </dgm:colorsDef>
 </file>
 
+<file path=ppt/diagrams/colors2.xml><?xml version="1.0" encoding="utf-8"?>
+<dgm:colorsDef xmlns:dgm="http://schemas.openxmlformats.org/drawingml/2006/diagram" xmlns:a="http://schemas.openxmlformats.org/drawingml/2006/main" uniqueId="urn:microsoft.com/office/officeart/2005/8/colors/accent1_2">
+  <dgm:title val=""/>
+  <dgm:desc val=""/>
+  <dgm:catLst>
+    <dgm:cat type="accent1" pri="11200"/>
+  </dgm:catLst>
+  <dgm:styleLbl name="node0">
+    <dgm:fillClrLst meth="repeat">
+      <a:schemeClr val="accent1"/>
+    </dgm:fillClrLst>
+    <dgm:linClrLst meth="repeat">
+      <a:schemeClr val="lt1"/>
+    </dgm:linClrLst>
+    <dgm:effectClrLst/>
+    <dgm:txLinClrLst/>
+    <dgm:txFillClrLst/>
+    <dgm:txEffectClrLst/>
+  </dgm:styleLbl>
+  <dgm:styleLbl name="alignNode1">
+    <dgm:fillClrLst meth="repeat">
+      <a:schemeClr val="accent1"/>
+    </dgm:fillClrLst>
+    <dgm:linClrLst meth="repeat">
+      <a:schemeClr val="accent1"/>
+    </dgm:linClrLst>
+    <dgm:effectClrLst/>
+    <dgm:txLinClrLst/>
+    <dgm:txFillClrLst/>
+    <dgm:txEffectClrLst/>
+  </dgm:styleLbl>
+  <dgm:styleLbl name="node1">
+    <dgm:fillClrLst meth="repeat">
+      <a:schemeClr val="accent1"/>
+    </dgm:fillClrLst>
+    <dgm:linClrLst meth="repeat">
+      <a:schemeClr val="lt1"/>
+    </dgm:linClrLst>
+    <dgm:effectClrLst/>
+    <dgm:txLinClrLst/>
+    <dgm:txFillClrLst/>
+    <dgm:txEffectClrLst/>
+  </dgm:styleLbl>
+  <dgm:styleLbl name="lnNode1">
+    <dgm:fillClrLst meth="repeat">
+      <a:schemeClr val="accent1"/>
+    </dgm:fillClrLst>
+    <dgm:linClrLst meth="repeat">
+      <a:schemeClr val="lt1"/>
+    </dgm:linClrLst>
+    <dgm:effectClrLst/>
+    <dgm:txLinClrLst/>
+    <dgm:txFillClrLst/>
+    <dgm:txEffectClrLst/>
+  </dgm:styleLbl>
+  <dgm:styleLbl name="vennNode1">
+    <dgm:fillClrLst meth="repeat">
+      <a:schemeClr val="accent1">
+        <a:alpha val="50000"/>
+      </a:schemeClr>
+    </dgm:fillClrLst>
+    <dgm:linClrLst meth="repeat">
+      <a:schemeClr val="lt1"/>
+    </dgm:linClrLst>
+    <dgm:effectClrLst/>
+    <dgm:txLinClrLst/>
+    <dgm:txFillClrLst/>
+    <dgm:txEffectClrLst/>
+  </dgm:styleLbl>
+  <dgm:styleLbl name="node2">
+    <dgm:fillClrLst meth="repeat">
+      <a:schemeClr val="accent1"/>
+    </dgm:fillClrLst>
+    <dgm:linClrLst meth="repeat">
+      <a:schemeClr val="lt1"/>
+    </dgm:linClrLst>
+    <dgm:effectClrLst/>
+    <dgm:txLinClrLst/>
+    <dgm:txFillClrLst/>
+    <dgm:txEffectClrLst/>
+  </dgm:styleLbl>
+  <dgm:styleLbl name="node3">
+    <dgm:fillClrLst meth="repeat">
+      <a:schemeClr val="accent1"/>
+    </dgm:fillClrLst>
+    <dgm:linClrLst meth="repeat">
+      <a:schemeClr val="lt1"/>
+    </dgm:linClrLst>
+    <dgm:effectClrLst/>
+    <dgm:txLinClrLst/>
+    <dgm:txFillClrLst/>
+    <dgm:txEffectClrLst/>
+  </dgm:styleLbl>
+  <dgm:styleLbl name="node4">
+    <dgm:fillClrLst meth="repeat">
+      <a:schemeClr val="accent1"/>
+    </dgm:fillClrLst>
+    <dgm:linClrLst meth="repeat">
+      <a:schemeClr val="lt1"/>
+    </dgm:linClrLst>
+    <dgm:effectClrLst/>
+    <dgm:txLinClrLst/>
+    <dgm:txFillClrLst/>
+    <dgm:txEffectClrLst/>
+  </dgm:styleLbl>
+  <dgm:styleLbl name="fgImgPlace1">
+    <dgm:fillClrLst meth="repeat">
+      <a:schemeClr val="accent1">
+        <a:tint val="50000"/>
+      </a:schemeClr>
+    </dgm:fillClrLst>
+    <dgm:linClrLst meth="repeat">
+      <a:schemeClr val="lt1"/>
+    </dgm:linClrLst>
+    <dgm:effectClrLst/>
+    <dgm:txLinClrLst/>
+    <dgm:txFillClrLst meth="repeat">
+      <a:schemeClr val="lt1"/>
+    </dgm:txFillClrLst>
+    <dgm:txEffectClrLst/>
+  </dgm:styleLbl>
+  <dgm:styleLbl name="alignImgPlace1">
+    <dgm:fillClrLst meth="repeat">
+      <a:schemeClr val="accent1">
+        <a:tint val="50000"/>
+      </a:schemeClr>
+    </dgm:fillClrLst>
+    <dgm:linClrLst meth="repeat">
+      <a:schemeClr val="lt1"/>
+    </dgm:linClrLst>
+    <dgm:effectClrLst/>
+    <dgm:txLinClrLst/>
+    <dgm:txFillClrLst meth="repeat">
+      <a:schemeClr val="lt1"/>
+    </dgm:txFillClrLst>
+    <dgm:txEffectClrLst/>
+  </dgm:styleLbl>
+  <dgm:styleLbl name="bgImgPlace1">
+    <dgm:fillClrLst meth="repeat">
+      <a:schemeClr val="accent1">
+        <a:tint val="50000"/>
+      </a:schemeClr>
+    </dgm:fillClrLst>
+    <dgm:linClrLst meth="repeat">
+      <a:schemeClr val="lt1"/>
+    </dgm:linClrLst>
+    <dgm:effectClrLst/>
+    <dgm:txLinClrLst/>
+    <dgm:txFillClrLst meth="repeat">
+      <a:schemeClr val="lt1"/>
+    </dgm:txFillClrLst>
+    <dgm:txEffectClrLst/>
+  </dgm:styleLbl>
+  <dgm:styleLbl name="sibTrans2D1">
+    <dgm:fillClrLst meth="repeat">
+      <a:schemeClr val="accent1">
+        <a:tint val="60000"/>
+      </a:schemeClr>
+    </dgm:fillClrLst>
+    <dgm:linClrLst meth="repeat">
+      <a:schemeClr val="accent1">
+        <a:tint val="60000"/>
+      </a:schemeClr>
+    </dgm:linClrLst>
+    <dgm:effectClrLst/>
+    <dgm:txLinClrLst/>
+    <dgm:txFillClrLst/>
+    <dgm:txEffectClrLst/>
+  </dgm:styleLbl>
+  <dgm:styleLbl name="fgSibTrans2D1">
+    <dgm:fillClrLst meth="repeat">
+      <a:schemeClr val="accent1">
+        <a:tint val="60000"/>
+      </a:schemeClr>
+    </dgm:fillClrLst>
+    <dgm:linClrLst meth="repeat">
+      <a:schemeClr val="accent1">
+        <a:tint val="60000"/>
+      </a:schemeClr>
+    </dgm:linClrLst>
+    <dgm:effectClrLst/>
+    <dgm:txLinClrLst/>
+    <dgm:txFillClrLst/>
+    <dgm:txEffectClrLst/>
+  </dgm:styleLbl>
+  <dgm:styleLbl name="bgSibTrans2D1">
+    <dgm:fillClrLst meth="repeat">
+      <a:schemeClr val="accent1">
+        <a:tint val="60000"/>
+      </a:schemeClr>
+    </dgm:fillClrLst>
+    <dgm:linClrLst meth="repeat">
+      <a:schemeClr val="accent1">
+        <a:tint val="60000"/>
+      </a:schemeClr>
+    </dgm:linClrLst>
+    <dgm:effectClrLst/>
+    <dgm:txLinClrLst/>
+    <dgm:txFillClrLst/>
+    <dgm:txEffectClrLst/>
+  </dgm:styleLbl>
+  <dgm:styleLbl name="sibTrans1D1">
+    <dgm:fillClrLst meth="repeat">
+      <a:schemeClr val="accent1"/>
+    </dgm:fillClrLst>
+    <dgm:linClrLst meth="repeat">
+      <a:schemeClr val="accent1"/>
+    </dgm:linClrLst>
+    <dgm:effectClrLst/>
+    <dgm:txLinClrLst/>
+    <dgm:txFillClrLst meth="repeat">
+      <a:schemeClr val="tx1"/>
+    </dgm:txFillClrLst>
+    <dgm:txEffectClrLst/>
+  </dgm:styleLbl>
+  <dgm:styleLbl name="callout">
+    <dgm:fillClrLst meth="repeat">
+      <a:schemeClr val="accent1"/>
+    </dgm:fillClrLst>
+    <dgm:linClrLst meth="repeat">
+      <a:schemeClr val="accent1">
+        <a:tint val="50000"/>
+      </a:schemeClr>
+    </dgm:linClrLst>
+    <dgm:effectClrLst/>
+    <dgm:txLinClrLst/>
+    <dgm:txFillClrLst meth="repeat">
+      <a:schemeClr val="tx1"/>
+    </dgm:txFillClrLst>
+    <dgm:txEffectClrLst/>
+  </dgm:styleLbl>
+  <dgm:styleLbl name="asst0">
+    <dgm:fillClrLst meth="repeat">
+      <a:schemeClr val="accent1"/>
+    </dgm:fillClrLst>
+    <dgm:linClrLst meth="repeat">
+      <a:schemeClr val="lt1"/>
+    </dgm:linClrLst>
+    <dgm:effectClrLst/>
+    <dgm:txLinClrLst/>
+    <dgm:txFillClrLst/>
+    <dgm:txEffectClrLst/>
+  </dgm:styleLbl>
+  <dgm:styleLbl name="asst1">
+    <dgm:fillClrLst meth="repeat">
+      <a:schemeClr val="accent1"/>
+    </dgm:fillClrLst>
+    <dgm:linClrLst meth="repeat">
+      <a:schemeClr val="lt1"/>
+    </dgm:linClrLst>
+    <dgm:effectClrLst/>
+    <dgm:txLinClrLst/>
+    <dgm:txFillClrLst/>
+    <dgm:txEffectClrLst/>
+  </dgm:styleLbl>
+  <dgm:styleLbl name="asst2">
+    <dgm:fillClrLst meth="repeat">
+      <a:schemeClr val="accent1"/>
+    </dgm:fillClrLst>
+    <dgm:linClrLst meth="repeat">
+      <a:schemeClr val="lt1"/>
+    </dgm:linClrLst>
+    <dgm:effectClrLst/>
+    <dgm:txLinClrLst/>
+    <dgm:txFillClrLst/>
+    <dgm:txEffectClrLst/>
+  </dgm:styleLbl>
+  <dgm:styleLbl name="asst3">
+    <dgm:fillClrLst meth="repeat">
+      <a:schemeClr val="accent1"/>
+    </dgm:fillClrLst>
+    <dgm:linClrLst meth="repeat">
+      <a:schemeClr val="lt1"/>
+    </dgm:linClrLst>
+    <dgm:effectClrLst/>
+    <dgm:txLinClrLst/>
+    <dgm:txFillClrLst/>
+    <dgm:txEffectClrLst/>
+  </dgm:styleLbl>
+  <dgm:styleLbl name="asst4">
+    <dgm:fillClrLst meth="repeat">
+      <a:schemeClr val="accent1"/>
+    </dgm:fillClrLst>
+    <dgm:linClrLst meth="repeat">
+      <a:schemeClr val="lt1"/>
+    </dgm:linClrLst>
+    <dgm:effectClrLst/>
+    <dgm:txLinClrLst/>
+    <dgm:txFillClrLst/>
+    <dgm:txEffectClrLst/>
+  </dgm:styleLbl>
+  <dgm:styleLbl name="parChTrans2D1">
+    <dgm:fillClrLst meth="repeat">
+      <a:schemeClr val="accent1">
+        <a:tint val="60000"/>
+      </a:schemeClr>
+    </dgm:fillClrLst>
+    <dgm:linClrLst meth="repeat">
+      <a:schemeClr val="accent1">
+        <a:tint val="60000"/>
+      </a:schemeClr>
+    </dgm:linClrLst>
+    <dgm:effectClrLst/>
+    <dgm:txLinClrLst/>
+    <dgm:txFillClrLst meth="repeat">
+      <a:schemeClr val="lt1"/>
+    </dgm:txFillClrLst>
+    <dgm:txEffectClrLst/>
+  </dgm:styleLbl>
+  <dgm:styleLbl name="parChTrans2D2">
+    <dgm:fillClrLst meth="repeat">
+      <a:schemeClr val="accent1"/>
+    </dgm:fillClrLst>
+    <dgm:linClrLst meth="repeat">
+      <a:schemeClr val="accent1"/>
+    </dgm:linClrLst>
+    <dgm:effectClrLst/>
+    <dgm:txLinClrLst/>
+    <dgm:txFillClrLst meth="repeat">
+      <a:schemeClr val="lt1"/>
+    </dgm:txFillClrLst>
+    <dgm:txEffectClrLst/>
+  </dgm:styleLbl>
+  <dgm:styleLbl name="parChTrans2D3">
+    <dgm:fillClrLst meth="repeat">
+      <a:schemeClr val="accent1"/>
+    </dgm:fillClrLst>
+    <dgm:linClrLst meth="repeat">
+      <a:schemeClr val="accent1"/>
+    </dgm:linClrLst>
+    <dgm:effectClrLst/>
+    <dgm:txLinClrLst/>
+    <dgm:txFillClrLst meth="repeat">
+      <a:schemeClr val="lt1"/>
+    </dgm:txFillClrLst>
+    <dgm:txEffectClrLst/>
+  </dgm:styleLbl>
+  <dgm:styleLbl name="parChTrans2D4">
+    <dgm:fillClrLst meth="repeat">
+      <a:schemeClr val="accent1"/>
+    </dgm:fillClrLst>
+    <dgm:linClrLst meth="repeat">
+      <a:schemeClr val="accent1"/>
+    </dgm:linClrLst>
+    <dgm:effectClrLst/>
+    <dgm:txLinClrLst/>
+    <dgm:txFillClrLst meth="repeat">
+      <a:schemeClr val="lt1"/>
+    </dgm:txFillClrLst>
+    <dgm:txEffectClrLst/>
+  </dgm:styleLbl>
+  <dgm:styleLbl name="parChTrans1D1">
+    <dgm:fillClrLst meth="repeat">
+      <a:schemeClr val="accent1"/>
+    </dgm:fillClrLst>
+    <dgm:linClrLst meth="repeat">
+      <a:schemeClr val="accent1">
+        <a:shade val="60000"/>
+      </a:schemeClr>
+    </dgm:linClrLst>
+    <dgm:effectClrLst/>
+    <dgm:txLinClrLst/>
+    <dgm:txFillClrLst meth="repeat">
+      <a:schemeClr val="tx1"/>
+    </dgm:txFillClrLst>
+    <dgm:txEffectClrLst/>
+  </dgm:styleLbl>
+  <dgm:styleLbl name="parChTrans1D2">
+    <dgm:fillClrLst meth="repeat">
+      <a:schemeClr val="accent1"/>
+    </dgm:fillClrLst>
+    <dgm:linClrLst meth="repeat">
+      <a:schemeClr val="accent1">
+        <a:shade val="60000"/>
+      </a:schemeClr>
+    </dgm:linClrLst>
+    <dgm:effectClrLst/>
+    <dgm:txLinClrLst/>
+    <dgm:txFillClrLst meth="repeat">
+      <a:schemeClr val="tx1"/>
+    </dgm:txFillClrLst>
+    <dgm:txEffectClrLst/>
+  </dgm:styleLbl>
+  <dgm:styleLbl name="parChTrans1D3">
+    <dgm:fillClrLst meth="repeat">
+      <a:schemeClr val="accent1"/>
+    </dgm:fillClrLst>
+    <dgm:linClrLst meth="repeat">
+      <a:schemeClr val="accent1">
+        <a:shade val="80000"/>
+      </a:schemeClr>
+    </dgm:linClrLst>
+    <dgm:effectClrLst/>
+    <dgm:txLinClrLst/>
+    <dgm:txFillClrLst meth="repeat">
+      <a:schemeClr val="tx1"/>
+    </dgm:txFillClrLst>
+    <dgm:txEffectClrLst/>
+  </dgm:styleLbl>
+  <dgm:styleLbl name="parChTrans1D4">
+    <dgm:fillClrLst meth="repeat">
+      <a:schemeClr val="accent1"/>
+    </dgm:fillClrLst>
+    <dgm:linClrLst meth="repeat">
+      <a:schemeClr val="accent1">
+        <a:shade val="80000"/>
+      </a:schemeClr>
+    </dgm:linClrLst>
+    <dgm:effectClrLst/>
+    <dgm:txLinClrLst/>
+    <dgm:txFillClrLst meth="repeat">
+      <a:schemeClr val="tx1"/>
+    </dgm:txFillClrLst>
+    <dgm:txEffectClrLst/>
+  </dgm:styleLbl>
+  <dgm:styleLbl name="fgAcc1">
+    <dgm:fillClrLst meth="repeat">
+      <a:schemeClr val="lt1">
+        <a:alpha val="90000"/>
+      </a:schemeClr>
+    </dgm:fillClrLst>
+    <dgm:linClrLst meth="repeat">
+      <a:schemeClr val="accent1"/>
+    </dgm:linClrLst>
+    <dgm:effectClrLst/>
+    <dgm:txLinClrLst/>
+    <dgm:txFillClrLst meth="repeat">
+      <a:schemeClr val="dk1"/>
+    </dgm:txFillClrLst>
+    <dgm:txEffectClrLst/>
+  </dgm:styleLbl>
+  <dgm:styleLbl name="conFgAcc1">
+    <dgm:fillClrLst meth="repeat">
+      <a:schemeClr val="lt1">
+        <a:alpha val="90000"/>
+      </a:schemeClr>
+    </dgm:fillClrLst>
+    <dgm:linClrLst meth="repeat">
+      <a:schemeClr val="accent1"/>
+    </dgm:linClrLst>
+    <dgm:effectClrLst/>
+    <dgm:txLinClrLst/>
+    <dgm:txFillClrLst meth="repeat">
+      <a:schemeClr val="dk1"/>
+    </dgm:txFillClrLst>
+    <dgm:txEffectClrLst/>
+  </dgm:styleLbl>
+  <dgm:styleLbl name="alignAcc1">
+    <dgm:fillClrLst meth="repeat">
+      <a:schemeClr val="lt1">
+        <a:alpha val="90000"/>
+      </a:schemeClr>
+    </dgm:fillClrLst>
+    <dgm:linClrLst meth="repeat">
+      <a:schemeClr val="accent1"/>
+    </dgm:linClrLst>
+    <dgm:effectClrLst/>
+    <dgm:txLinClrLst/>
+    <dgm:txFillClrLst meth="repeat">
+      <a:schemeClr val="dk1"/>
+    </dgm:txFillClrLst>
+    <dgm:txEffectClrLst/>
+  </dgm:styleLbl>
+  <dgm:styleLbl name="trAlignAcc1">
+    <dgm:fillClrLst meth="repeat">
+      <a:schemeClr val="lt1">
+        <a:alpha val="40000"/>
+      </a:schemeClr>
+    </dgm:fillClrLst>
+    <dgm:linClrLst meth="repeat">
+      <a:schemeClr val="accent1"/>
+    </dgm:linClrLst>
+    <dgm:effectClrLst/>
+    <dgm:txLinClrLst/>
+    <dgm:txFillClrLst meth="repeat">
+      <a:schemeClr val="dk1"/>
+    </dgm:txFillClrLst>
+    <dgm:txEffectClrLst/>
+  </dgm:styleLbl>
+  <dgm:styleLbl name="bgAcc1">
+    <dgm:fillClrLst meth="repeat">
+      <a:schemeClr val="lt1">
+        <a:alpha val="90000"/>
+      </a:schemeClr>
+    </dgm:fillClrLst>
+    <dgm:linClrLst meth="repeat">
+      <a:schemeClr val="accent1"/>
+    </dgm:linClrLst>
+    <dgm:effectClrLst/>
+    <dgm:txLinClrLst/>
+    <dgm:txFillClrLst meth="repeat">
+      <a:schemeClr val="dk1"/>
+    </dgm:txFillClrLst>
+    <dgm:txEffectClrLst/>
+  </dgm:styleLbl>
+  <dgm:styleLbl name="solidFgAcc1">
+    <dgm:fillClrLst meth="repeat">
+      <a:schemeClr val="lt1"/>
+    </dgm:fillClrLst>
+    <dgm:linClrLst meth="repeat">
+      <a:schemeClr val="accent1"/>
+    </dgm:linClrLst>
+    <dgm:effectClrLst/>
+    <dgm:txLinClrLst/>
+    <dgm:txFillClrLst meth="repeat">
+      <a:schemeClr val="dk1"/>
+    </dgm:txFillClrLst>
+    <dgm:txEffectClrLst/>
+  </dgm:styleLbl>
+  <dgm:styleLbl name="solidAlignAcc1">
+    <dgm:fillClrLst meth="repeat">
+      <a:schemeClr val="lt1"/>
+    </dgm:fillClrLst>
+    <dgm:linClrLst meth="repeat">
+      <a:schemeClr val="accent1"/>
+    </dgm:linClrLst>
+    <dgm:effectClrLst/>
+    <dgm:txLinClrLst/>
+    <dgm:txFillClrLst meth="repeat">
+      <a:schemeClr val="dk1"/>
+    </dgm:txFillClrLst>
+    <dgm:txEffectClrLst/>
+  </dgm:styleLbl>
+  <dgm:styleLbl name="solidBgAcc1">
+    <dgm:fillClrLst meth="repeat">
+      <a:schemeClr val="lt1"/>
+    </dgm:fillClrLst>
+    <dgm:linClrLst meth="repeat">
+      <a:schemeClr val="accent1"/>
+    </dgm:linClrLst>
+    <dgm:effectClrLst/>
+    <dgm:txLinClrLst/>
+    <dgm:txFillClrLst meth="repeat">
+      <a:schemeClr val="dk1"/>
+    </dgm:txFillClrLst>
+    <dgm:txEffectClrLst/>
+  </dgm:styleLbl>
+  <dgm:styleLbl name="fgAccFollowNode1">
+    <dgm:fillClrLst meth="repeat">
+      <a:schemeClr val="accent1">
+        <a:alpha val="90000"/>
+        <a:tint val="40000"/>
+      </a:schemeClr>
+    </dgm:fillClrLst>
+    <dgm:linClrLst meth="repeat">
+      <a:schemeClr val="accent1">
+        <a:alpha val="90000"/>
+        <a:tint val="40000"/>
+      </a:schemeClr>
+    </dgm:linClrLst>
+    <dgm:effectClrLst/>
+    <dgm:txLinClrLst/>
+    <dgm:txFillClrLst meth="repeat">
+      <a:schemeClr val="dk1"/>
+    </dgm:txFillClrLst>
+    <dgm:txEffectClrLst/>
+  </dgm:styleLbl>
+  <dgm:styleLbl name="alignAccFollowNode1">
+    <dgm:fillClrLst meth="repeat">
+      <a:schemeClr val="accent1">
+        <a:alpha val="90000"/>
+        <a:tint val="40000"/>
+      </a:schemeClr>
+    </dgm:fillClrLst>
+    <dgm:linClrLst meth="repeat">
+      <a:schemeClr val="accent1">
+        <a:alpha val="90000"/>
+        <a:tint val="40000"/>
+      </a:schemeClr>
+    </dgm:linClrLst>
+    <dgm:effectClrLst/>
+    <dgm:txLinClrLst/>
+    <dgm:txFillClrLst meth="repeat">
+      <a:schemeClr val="dk1"/>
+    </dgm:txFillClrLst>
+    <dgm:txEffectClrLst/>
+  </dgm:styleLbl>
+  <dgm:styleLbl name="bgAccFollowNode1">
+    <dgm:fillClrLst meth="repeat">
+      <a:schemeClr val="accent1">
+        <a:alpha val="90000"/>
+        <a:tint val="40000"/>
+      </a:schemeClr>
+    </dgm:fillClrLst>
+    <dgm:linClrLst meth="repeat">
+      <a:schemeClr val="accent1">
+        <a:alpha val="90000"/>
+        <a:tint val="40000"/>
+      </a:schemeClr>
+    </dgm:linClrLst>
+    <dgm:effectClrLst/>
+    <dgm:txLinClrLst/>
+    <dgm:txFillClrLst meth="repeat">
+      <a:schemeClr val="dk1"/>
+    </dgm:txFillClrLst>
+    <dgm:txEffectClrLst/>
+  </dgm:styleLbl>
+  <dgm:styleLbl name="fgAcc0">
+    <dgm:fillClrLst meth="repeat">
+      <a:schemeClr val="lt1">
+        <a:alpha val="90000"/>
+      </a:schemeClr>
+    </dgm:fillClrLst>
+    <dgm:linClrLst meth="repeat">
+      <a:schemeClr val="accent1"/>
+    </dgm:linClrLst>
+    <dgm:effectClrLst/>
+    <dgm:txLinClrLst/>
+    <dgm:txFillClrLst meth="repeat">
+      <a:schemeClr val="dk1"/>
+    </dgm:txFillClrLst>
+    <dgm:txEffectClrLst/>
+  </dgm:styleLbl>
+  <dgm:styleLbl name="fgAcc2">
+    <dgm:fillClrLst meth="repeat">
+      <a:schemeClr val="lt1">
+        <a:alpha val="90000"/>
+      </a:schemeClr>
+    </dgm:fillClrLst>
+    <dgm:linClrLst meth="repeat">
+      <a:schemeClr val="accent1"/>
+    </dgm:linClrLst>
+    <dgm:effectClrLst/>
+    <dgm:txLinClrLst/>
+    <dgm:txFillClrLst meth="repeat">
+      <a:schemeClr val="dk1"/>
+    </dgm:txFillClrLst>
+    <dgm:txEffectClrLst/>
+  </dgm:styleLbl>
+  <dgm:styleLbl name="fgAcc3">
+    <dgm:fillClrLst meth="repeat">
+      <a:schemeClr val="lt1">
+        <a:alpha val="90000"/>
+      </a:schemeClr>
+    </dgm:fillClrLst>
+    <dgm:linClrLst meth="repeat">
+      <a:schemeClr val="accent1"/>
+    </dgm:linClrLst>
+    <dgm:effectClrLst/>
+    <dgm:txLinClrLst/>
+    <dgm:txFillClrLst meth="repeat">
+      <a:schemeClr val="dk1"/>
+    </dgm:txFillClrLst>
+    <dgm:txEffectClrLst/>
+  </dgm:styleLbl>
+  <dgm:styleLbl name="fgAcc4">
+    <dgm:fillClrLst meth="repeat">
+      <a:schemeClr val="lt1">
+        <a:alpha val="90000"/>
+      </a:schemeClr>
+    </dgm:fillClrLst>
+    <dgm:linClrLst meth="repeat">
+      <a:schemeClr val="accent1"/>
+    </dgm:linClrLst>
+    <dgm:effectClrLst/>
+    <dgm:txLinClrLst/>
+    <dgm:txFillClrLst meth="repeat">
+      <a:schemeClr val="dk1"/>
+    </dgm:txFillClrLst>
+    <dgm:txEffectClrLst/>
+  </dgm:styleLbl>
+  <dgm:styleLbl name="bgShp">
+    <dgm:fillClrLst meth="repeat">
+      <a:schemeClr val="accent1">
+        <a:tint val="40000"/>
+      </a:schemeClr>
+    </dgm:fillClrLst>
+    <dgm:linClrLst meth="repeat">
+      <a:schemeClr val="accent1"/>
+    </dgm:linClrLst>
+    <dgm:effectClrLst/>
+    <dgm:txLinClrLst/>
+    <dgm:txFillClrLst meth="repeat">
+      <a:schemeClr val="dk1"/>
+    </dgm:txFillClrLst>
+    <dgm:txEffectClrLst/>
+  </dgm:styleLbl>
+  <dgm:styleLbl name="dkBgShp">
+    <dgm:fillClrLst meth="repeat">
+      <a:schemeClr val="accent1">
+        <a:shade val="80000"/>
+      </a:schemeClr>
+    </dgm:fillClrLst>
+    <dgm:linClrLst meth="repeat">
+      <a:schemeClr val="accent1"/>
+    </dgm:linClrLst>
+    <dgm:effectClrLst/>
+    <dgm:txLinClrLst/>
+    <dgm:txFillClrLst meth="repeat">
+      <a:schemeClr val="lt1"/>
+    </dgm:txFillClrLst>
+    <dgm:txEffectClrLst/>
+  </dgm:styleLbl>
+  <dgm:styleLbl name="trBgShp">
+    <dgm:fillClrLst meth="repeat">
+      <a:schemeClr val="accent1">
+        <a:tint val="50000"/>
+        <a:alpha val="40000"/>
+      </a:schemeClr>
+    </dgm:fillClrLst>
+    <dgm:linClrLst meth="repeat">
+      <a:schemeClr val="accent1"/>
+    </dgm:linClrLst>
+    <dgm:effectClrLst/>
+    <dgm:txLinClrLst/>
+    <dgm:txFillClrLst meth="repeat">
+      <a:schemeClr val="lt1"/>
+    </dgm:txFillClrLst>
+    <dgm:txEffectClrLst/>
+  </dgm:styleLbl>
+  <dgm:styleLbl name="fgShp">
+    <dgm:fillClrLst meth="repeat">
+      <a:schemeClr val="accent1">
+        <a:tint val="60000"/>
+      </a:schemeClr>
+    </dgm:fillClrLst>
+    <dgm:linClrLst meth="repeat">
+      <a:schemeClr val="lt1"/>
+    </dgm:linClrLst>
+    <dgm:effectClrLst/>
+    <dgm:txLinClrLst/>
+    <dgm:txFillClrLst meth="repeat">
+      <a:schemeClr val="dk1"/>
+    </dgm:txFillClrLst>
+    <dgm:txEffectClrLst/>
+  </dgm:styleLbl>
+  <dgm:styleLbl name="revTx">
+    <dgm:fillClrLst meth="repeat">
+      <a:schemeClr val="lt1">
+        <a:alpha val="0"/>
+      </a:schemeClr>
+    </dgm:fillClrLst>
+    <dgm:linClrLst meth="repeat">
+      <a:schemeClr val="dk1">
+        <a:alpha val="0"/>
+      </a:schemeClr>
+    </dgm:linClrLst>
+    <dgm:effectClrLst/>
+    <dgm:txLinClrLst/>
+    <dgm:txFillClrLst meth="repeat">
+      <a:schemeClr val="tx1"/>
+    </dgm:txFillClrLst>
+    <dgm:txEffectClrLst/>
+  </dgm:styleLbl>
+</dgm:colorsDef>
+</file>
+
 <file path=ppt/diagrams/data1.xml><?xml version="1.0" encoding="utf-8"?>
+<dgm:dataModel xmlns:dgm="http://schemas.openxmlformats.org/drawingml/2006/diagram" xmlns:a="http://schemas.openxmlformats.org/drawingml/2006/main">
+  <dgm:ptLst>
+    <dgm:pt modelId="{1864B26B-9B9B-4C2B-BB0E-450F20C8B1E1}" type="doc">
+      <dgm:prSet loTypeId="urn:microsoft.com/office/officeart/2005/8/layout/process1" loCatId="process" qsTypeId="urn:microsoft.com/office/officeart/2005/8/quickstyle/simple1" qsCatId="simple" csTypeId="urn:microsoft.com/office/officeart/2005/8/colors/accent1_2" csCatId="accent1" phldr="1"/>
+      <dgm:spPr/>
+    </dgm:pt>
+    <dgm:pt modelId="{0D6CCC11-C907-4C23-91BB-B2CE08FA2488}">
+      <dgm:prSet phldrT="[Text]"/>
+      <dgm:spPr>
+        <a:solidFill>
+          <a:schemeClr val="bg1">
+            <a:lumMod val="50000"/>
+          </a:schemeClr>
+        </a:solidFill>
+      </dgm:spPr>
+      <dgm:t>
+        <a:bodyPr/>
+        <a:lstStyle/>
+        <a:p>
+          <a:r>
+            <a:rPr lang="de-DE" dirty="0" smtClean="0"/>
+            <a:t>Interpretation der Prozessdaten</a:t>
+          </a:r>
+          <a:endParaRPr lang="de-DE" dirty="0"/>
+        </a:p>
+      </dgm:t>
+    </dgm:pt>
+    <dgm:pt modelId="{0654C0EB-0842-4B37-9E7C-F9F50CA22764}" type="parTrans" cxnId="{A5F7ED3F-BE16-46B9-90B3-0C0A9BDB5FC1}">
+      <dgm:prSet/>
+      <dgm:spPr/>
+      <dgm:t>
+        <a:bodyPr/>
+        <a:lstStyle/>
+        <a:p>
+          <a:endParaRPr lang="de-DE"/>
+        </a:p>
+      </dgm:t>
+    </dgm:pt>
+    <dgm:pt modelId="{B56E939D-7283-4D8B-850B-35552406D736}" type="sibTrans" cxnId="{A5F7ED3F-BE16-46B9-90B3-0C0A9BDB5FC1}">
+      <dgm:prSet/>
+      <dgm:spPr/>
+      <dgm:t>
+        <a:bodyPr/>
+        <a:lstStyle/>
+        <a:p>
+          <a:endParaRPr lang="de-DE"/>
+        </a:p>
+      </dgm:t>
+    </dgm:pt>
+    <dgm:pt modelId="{B2C0466A-CC2A-4D62-BCA2-6B6AF28574A7}">
+      <dgm:prSet phldrT="[Text]"/>
+      <dgm:spPr>
+        <a:solidFill>
+          <a:schemeClr val="bg1">
+            <a:lumMod val="50000"/>
+          </a:schemeClr>
+        </a:solidFill>
+      </dgm:spPr>
+      <dgm:t>
+        <a:bodyPr/>
+        <a:lstStyle/>
+        <a:p>
+          <a:r>
+            <a:rPr lang="de-DE" dirty="0" smtClean="0"/>
+            <a:t>Verwaltung der Topologie-Modelle</a:t>
+          </a:r>
+          <a:endParaRPr lang="de-DE" dirty="0"/>
+        </a:p>
+      </dgm:t>
+    </dgm:pt>
+    <dgm:pt modelId="{1517F4AE-D6B8-430D-89C3-D2E6F293A659}" type="parTrans" cxnId="{949C8993-A9CE-43B3-9556-F2D7A972D589}">
+      <dgm:prSet/>
+      <dgm:spPr/>
+      <dgm:t>
+        <a:bodyPr/>
+        <a:lstStyle/>
+        <a:p>
+          <a:endParaRPr lang="de-DE"/>
+        </a:p>
+      </dgm:t>
+    </dgm:pt>
+    <dgm:pt modelId="{9FB5ADF5-9F41-4EAA-B0F6-2E9F547E0C67}" type="sibTrans" cxnId="{949C8993-A9CE-43B3-9556-F2D7A972D589}">
+      <dgm:prSet/>
+      <dgm:spPr/>
+      <dgm:t>
+        <a:bodyPr/>
+        <a:lstStyle/>
+        <a:p>
+          <a:endParaRPr lang="de-DE"/>
+        </a:p>
+      </dgm:t>
+    </dgm:pt>
+    <dgm:pt modelId="{F32B539E-7CB7-47EA-AA25-3A8BF62A9EBA}">
+      <dgm:prSet phldrT="[Text]"/>
+      <dgm:spPr>
+        <a:solidFill>
+          <a:schemeClr val="bg1">
+            <a:lumMod val="50000"/>
+          </a:schemeClr>
+        </a:solidFill>
+      </dgm:spPr>
+      <dgm:t>
+        <a:bodyPr/>
+        <a:lstStyle/>
+        <a:p>
+          <a:r>
+            <a:rPr lang="de-DE" dirty="0" smtClean="0"/>
+            <a:t>Darstellung als Symbole</a:t>
+          </a:r>
+          <a:endParaRPr lang="de-DE" dirty="0"/>
+        </a:p>
+      </dgm:t>
+    </dgm:pt>
+    <dgm:pt modelId="{96E61D9D-B764-4523-8C6F-FDDF8F882A2E}" type="parTrans" cxnId="{705A3E82-38F1-4BE2-909D-46D13F593CEC}">
+      <dgm:prSet/>
+      <dgm:spPr/>
+      <dgm:t>
+        <a:bodyPr/>
+        <a:lstStyle/>
+        <a:p>
+          <a:endParaRPr lang="de-DE"/>
+        </a:p>
+      </dgm:t>
+    </dgm:pt>
+    <dgm:pt modelId="{8D66F2C6-3299-435A-BF85-F1F0CC77D727}" type="sibTrans" cxnId="{705A3E82-38F1-4BE2-909D-46D13F593CEC}">
+      <dgm:prSet/>
+      <dgm:spPr/>
+      <dgm:t>
+        <a:bodyPr/>
+        <a:lstStyle/>
+        <a:p>
+          <a:endParaRPr lang="de-DE"/>
+        </a:p>
+      </dgm:t>
+    </dgm:pt>
+    <dgm:pt modelId="{C057CD47-70E7-4B5A-8011-95A570F8615F}">
+      <dgm:prSet phldrT="[Text]"/>
+      <dgm:spPr>
+        <a:solidFill>
+          <a:schemeClr val="bg1">
+            <a:lumMod val="50000"/>
+          </a:schemeClr>
+        </a:solidFill>
+      </dgm:spPr>
+      <dgm:t>
+        <a:bodyPr/>
+        <a:lstStyle/>
+        <a:p>
+          <a:r>
+            <a:rPr lang="de-DE" dirty="0" smtClean="0"/>
+            <a:t>Datenquelle (</a:t>
+          </a:r>
+          <a:r>
+            <a:rPr lang="de-DE" dirty="0" err="1" smtClean="0"/>
+            <a:t>ComStudio</a:t>
+          </a:r>
+          <a:r>
+            <a:rPr lang="de-DE" dirty="0" smtClean="0"/>
+            <a:t>)</a:t>
+          </a:r>
+          <a:endParaRPr lang="de-DE" dirty="0"/>
+        </a:p>
+      </dgm:t>
+    </dgm:pt>
+    <dgm:pt modelId="{2052D676-D09A-42B1-AB84-4DAB8B1FE7D1}" type="parTrans" cxnId="{400055F4-B35C-44B9-ADB1-DCF80036B7FC}">
+      <dgm:prSet/>
+      <dgm:spPr/>
+      <dgm:t>
+        <a:bodyPr/>
+        <a:lstStyle/>
+        <a:p>
+          <a:endParaRPr lang="de-DE"/>
+        </a:p>
+      </dgm:t>
+    </dgm:pt>
+    <dgm:pt modelId="{14801751-6B8B-44D7-B062-1D67C7B70527}" type="sibTrans" cxnId="{400055F4-B35C-44B9-ADB1-DCF80036B7FC}">
+      <dgm:prSet/>
+      <dgm:spPr/>
+      <dgm:t>
+        <a:bodyPr/>
+        <a:lstStyle/>
+        <a:p>
+          <a:endParaRPr lang="de-DE"/>
+        </a:p>
+      </dgm:t>
+    </dgm:pt>
+    <dgm:pt modelId="{1419B37D-A21C-43A8-9623-5D172DA7D54C}" type="pres">
+      <dgm:prSet presAssocID="{1864B26B-9B9B-4C2B-BB0E-450F20C8B1E1}" presName="Name0" presStyleCnt="0">
+        <dgm:presLayoutVars>
+          <dgm:dir/>
+          <dgm:resizeHandles val="exact"/>
+        </dgm:presLayoutVars>
+      </dgm:prSet>
+      <dgm:spPr/>
+    </dgm:pt>
+    <dgm:pt modelId="{8179A08A-22AB-49B5-AFED-235DA994F5D0}" type="pres">
+      <dgm:prSet presAssocID="{C057CD47-70E7-4B5A-8011-95A570F8615F}" presName="node" presStyleLbl="node1" presStyleIdx="0" presStyleCnt="4">
+        <dgm:presLayoutVars>
+          <dgm:bulletEnabled val="1"/>
+        </dgm:presLayoutVars>
+      </dgm:prSet>
+      <dgm:spPr/>
+      <dgm:t>
+        <a:bodyPr/>
+        <a:lstStyle/>
+        <a:p>
+          <a:endParaRPr lang="de-DE"/>
+        </a:p>
+      </dgm:t>
+    </dgm:pt>
+    <dgm:pt modelId="{F34C26C3-38A6-4E2C-BDC9-F81E56C73BF9}" type="pres">
+      <dgm:prSet presAssocID="{14801751-6B8B-44D7-B062-1D67C7B70527}" presName="sibTrans" presStyleLbl="sibTrans2D1" presStyleIdx="0" presStyleCnt="3"/>
+      <dgm:spPr/>
+    </dgm:pt>
+    <dgm:pt modelId="{89458D4A-E73E-495E-BD38-B18FC0234614}" type="pres">
+      <dgm:prSet presAssocID="{14801751-6B8B-44D7-B062-1D67C7B70527}" presName="connectorText" presStyleLbl="sibTrans2D1" presStyleIdx="0" presStyleCnt="3"/>
+      <dgm:spPr/>
+    </dgm:pt>
+    <dgm:pt modelId="{A24DC3C0-6532-4A6F-9C89-F9439AC46956}" type="pres">
+      <dgm:prSet presAssocID="{0D6CCC11-C907-4C23-91BB-B2CE08FA2488}" presName="node" presStyleLbl="node1" presStyleIdx="1" presStyleCnt="4">
+        <dgm:presLayoutVars>
+          <dgm:bulletEnabled val="1"/>
+        </dgm:presLayoutVars>
+      </dgm:prSet>
+      <dgm:spPr/>
+      <dgm:t>
+        <a:bodyPr/>
+        <a:lstStyle/>
+        <a:p>
+          <a:endParaRPr lang="de-DE"/>
+        </a:p>
+      </dgm:t>
+    </dgm:pt>
+    <dgm:pt modelId="{EF889798-8597-4D84-90C4-6873E1039B4B}" type="pres">
+      <dgm:prSet presAssocID="{B56E939D-7283-4D8B-850B-35552406D736}" presName="sibTrans" presStyleLbl="sibTrans2D1" presStyleIdx="1" presStyleCnt="3"/>
+      <dgm:spPr/>
+    </dgm:pt>
+    <dgm:pt modelId="{99C4936C-7B77-44A5-8EA9-40D4D5754DD3}" type="pres">
+      <dgm:prSet presAssocID="{B56E939D-7283-4D8B-850B-35552406D736}" presName="connectorText" presStyleLbl="sibTrans2D1" presStyleIdx="1" presStyleCnt="3"/>
+      <dgm:spPr/>
+    </dgm:pt>
+    <dgm:pt modelId="{A7948612-D97B-4EE7-9E8A-EDCB03CC6483}" type="pres">
+      <dgm:prSet presAssocID="{B2C0466A-CC2A-4D62-BCA2-6B6AF28574A7}" presName="node" presStyleLbl="node1" presStyleIdx="2" presStyleCnt="4">
+        <dgm:presLayoutVars>
+          <dgm:bulletEnabled val="1"/>
+        </dgm:presLayoutVars>
+      </dgm:prSet>
+      <dgm:spPr/>
+      <dgm:t>
+        <a:bodyPr/>
+        <a:lstStyle/>
+        <a:p>
+          <a:endParaRPr lang="de-DE"/>
+        </a:p>
+      </dgm:t>
+    </dgm:pt>
+    <dgm:pt modelId="{5AEBE292-B333-4135-B55F-27BB61C159E9}" type="pres">
+      <dgm:prSet presAssocID="{9FB5ADF5-9F41-4EAA-B0F6-2E9F547E0C67}" presName="sibTrans" presStyleLbl="sibTrans2D1" presStyleIdx="2" presStyleCnt="3"/>
+      <dgm:spPr/>
+    </dgm:pt>
+    <dgm:pt modelId="{E54D4DF6-6A82-426B-B4C3-6EC7B2FE72BB}" type="pres">
+      <dgm:prSet presAssocID="{9FB5ADF5-9F41-4EAA-B0F6-2E9F547E0C67}" presName="connectorText" presStyleLbl="sibTrans2D1" presStyleIdx="2" presStyleCnt="3"/>
+      <dgm:spPr/>
+    </dgm:pt>
+    <dgm:pt modelId="{A61A0EF9-F4B8-462F-AFF7-4FF54C4C16E0}" type="pres">
+      <dgm:prSet presAssocID="{F32B539E-7CB7-47EA-AA25-3A8BF62A9EBA}" presName="node" presStyleLbl="node1" presStyleIdx="3" presStyleCnt="4">
+        <dgm:presLayoutVars>
+          <dgm:bulletEnabled val="1"/>
+        </dgm:presLayoutVars>
+      </dgm:prSet>
+      <dgm:spPr/>
+      <dgm:t>
+        <a:bodyPr/>
+        <a:lstStyle/>
+        <a:p>
+          <a:endParaRPr lang="de-DE"/>
+        </a:p>
+      </dgm:t>
+    </dgm:pt>
+  </dgm:ptLst>
+  <dgm:cxnLst>
+    <dgm:cxn modelId="{949C8993-A9CE-43B3-9556-F2D7A972D589}" srcId="{1864B26B-9B9B-4C2B-BB0E-450F20C8B1E1}" destId="{B2C0466A-CC2A-4D62-BCA2-6B6AF28574A7}" srcOrd="2" destOrd="0" parTransId="{1517F4AE-D6B8-430D-89C3-D2E6F293A659}" sibTransId="{9FB5ADF5-9F41-4EAA-B0F6-2E9F547E0C67}"/>
+    <dgm:cxn modelId="{783D3A67-BC42-41E8-9A28-C9EB25CEC00B}" type="presOf" srcId="{9FB5ADF5-9F41-4EAA-B0F6-2E9F547E0C67}" destId="{E54D4DF6-6A82-426B-B4C3-6EC7B2FE72BB}" srcOrd="1" destOrd="0" presId="urn:microsoft.com/office/officeart/2005/8/layout/process1"/>
+    <dgm:cxn modelId="{A413C3D2-845D-4600-ACC8-9F43FAFF7A3B}" type="presOf" srcId="{9FB5ADF5-9F41-4EAA-B0F6-2E9F547E0C67}" destId="{5AEBE292-B333-4135-B55F-27BB61C159E9}" srcOrd="0" destOrd="0" presId="urn:microsoft.com/office/officeart/2005/8/layout/process1"/>
+    <dgm:cxn modelId="{7A20582B-869D-412E-94DF-C03820E5BB79}" type="presOf" srcId="{F32B539E-7CB7-47EA-AA25-3A8BF62A9EBA}" destId="{A61A0EF9-F4B8-462F-AFF7-4FF54C4C16E0}" srcOrd="0" destOrd="0" presId="urn:microsoft.com/office/officeart/2005/8/layout/process1"/>
+    <dgm:cxn modelId="{FC7881D8-661F-4D11-904E-3DEF0802E24C}" type="presOf" srcId="{1864B26B-9B9B-4C2B-BB0E-450F20C8B1E1}" destId="{1419B37D-A21C-43A8-9623-5D172DA7D54C}" srcOrd="0" destOrd="0" presId="urn:microsoft.com/office/officeart/2005/8/layout/process1"/>
+    <dgm:cxn modelId="{306B68DE-ED30-420D-AB98-036DA26BFA69}" type="presOf" srcId="{0D6CCC11-C907-4C23-91BB-B2CE08FA2488}" destId="{A24DC3C0-6532-4A6F-9C89-F9439AC46956}" srcOrd="0" destOrd="0" presId="urn:microsoft.com/office/officeart/2005/8/layout/process1"/>
+    <dgm:cxn modelId="{BE5FCA0B-1F42-4C89-B01E-6472B0CEF1BF}" type="presOf" srcId="{14801751-6B8B-44D7-B062-1D67C7B70527}" destId="{F34C26C3-38A6-4E2C-BDC9-F81E56C73BF9}" srcOrd="0" destOrd="0" presId="urn:microsoft.com/office/officeart/2005/8/layout/process1"/>
+    <dgm:cxn modelId="{DD9E96AC-9D16-4CC8-86AA-321DB90FC945}" type="presOf" srcId="{B2C0466A-CC2A-4D62-BCA2-6B6AF28574A7}" destId="{A7948612-D97B-4EE7-9E8A-EDCB03CC6483}" srcOrd="0" destOrd="0" presId="urn:microsoft.com/office/officeart/2005/8/layout/process1"/>
+    <dgm:cxn modelId="{705A3E82-38F1-4BE2-909D-46D13F593CEC}" srcId="{1864B26B-9B9B-4C2B-BB0E-450F20C8B1E1}" destId="{F32B539E-7CB7-47EA-AA25-3A8BF62A9EBA}" srcOrd="3" destOrd="0" parTransId="{96E61D9D-B764-4523-8C6F-FDDF8F882A2E}" sibTransId="{8D66F2C6-3299-435A-BF85-F1F0CC77D727}"/>
+    <dgm:cxn modelId="{4DCC537E-87FD-4F61-8F32-2B11667E3E8D}" type="presOf" srcId="{B56E939D-7283-4D8B-850B-35552406D736}" destId="{99C4936C-7B77-44A5-8EA9-40D4D5754DD3}" srcOrd="1" destOrd="0" presId="urn:microsoft.com/office/officeart/2005/8/layout/process1"/>
+    <dgm:cxn modelId="{A5F7ED3F-BE16-46B9-90B3-0C0A9BDB5FC1}" srcId="{1864B26B-9B9B-4C2B-BB0E-450F20C8B1E1}" destId="{0D6CCC11-C907-4C23-91BB-B2CE08FA2488}" srcOrd="1" destOrd="0" parTransId="{0654C0EB-0842-4B37-9E7C-F9F50CA22764}" sibTransId="{B56E939D-7283-4D8B-850B-35552406D736}"/>
+    <dgm:cxn modelId="{E4278E5D-EF65-41CD-BF54-FE7E50BFDB7A}" type="presOf" srcId="{C057CD47-70E7-4B5A-8011-95A570F8615F}" destId="{8179A08A-22AB-49B5-AFED-235DA994F5D0}" srcOrd="0" destOrd="0" presId="urn:microsoft.com/office/officeart/2005/8/layout/process1"/>
+    <dgm:cxn modelId="{F0C75FBB-0662-4890-A4EB-A449B5CDC486}" type="presOf" srcId="{B56E939D-7283-4D8B-850B-35552406D736}" destId="{EF889798-8597-4D84-90C4-6873E1039B4B}" srcOrd="0" destOrd="0" presId="urn:microsoft.com/office/officeart/2005/8/layout/process1"/>
+    <dgm:cxn modelId="{400055F4-B35C-44B9-ADB1-DCF80036B7FC}" srcId="{1864B26B-9B9B-4C2B-BB0E-450F20C8B1E1}" destId="{C057CD47-70E7-4B5A-8011-95A570F8615F}" srcOrd="0" destOrd="0" parTransId="{2052D676-D09A-42B1-AB84-4DAB8B1FE7D1}" sibTransId="{14801751-6B8B-44D7-B062-1D67C7B70527}"/>
+    <dgm:cxn modelId="{49852ADB-35A3-4BCE-B45A-2BB9B3BE0222}" type="presOf" srcId="{14801751-6B8B-44D7-B062-1D67C7B70527}" destId="{89458D4A-E73E-495E-BD38-B18FC0234614}" srcOrd="1" destOrd="0" presId="urn:microsoft.com/office/officeart/2005/8/layout/process1"/>
+    <dgm:cxn modelId="{8208B845-DEDB-4210-AFAD-930DF2C1076E}" type="presParOf" srcId="{1419B37D-A21C-43A8-9623-5D172DA7D54C}" destId="{8179A08A-22AB-49B5-AFED-235DA994F5D0}" srcOrd="0" destOrd="0" presId="urn:microsoft.com/office/officeart/2005/8/layout/process1"/>
+    <dgm:cxn modelId="{6E7EE488-48A2-43B4-A475-2DAEDCF1C623}" type="presParOf" srcId="{1419B37D-A21C-43A8-9623-5D172DA7D54C}" destId="{F34C26C3-38A6-4E2C-BDC9-F81E56C73BF9}" srcOrd="1" destOrd="0" presId="urn:microsoft.com/office/officeart/2005/8/layout/process1"/>
+    <dgm:cxn modelId="{E9DA63BC-31B4-4749-8DCC-14451FC4189A}" type="presParOf" srcId="{F34C26C3-38A6-4E2C-BDC9-F81E56C73BF9}" destId="{89458D4A-E73E-495E-BD38-B18FC0234614}" srcOrd="0" destOrd="0" presId="urn:microsoft.com/office/officeart/2005/8/layout/process1"/>
+    <dgm:cxn modelId="{E963EB18-F0C8-4143-B33B-BFE5B47AE588}" type="presParOf" srcId="{1419B37D-A21C-43A8-9623-5D172DA7D54C}" destId="{A24DC3C0-6532-4A6F-9C89-F9439AC46956}" srcOrd="2" destOrd="0" presId="urn:microsoft.com/office/officeart/2005/8/layout/process1"/>
+    <dgm:cxn modelId="{98E973EF-EA19-467C-990C-B224B8E56E71}" type="presParOf" srcId="{1419B37D-A21C-43A8-9623-5D172DA7D54C}" destId="{EF889798-8597-4D84-90C4-6873E1039B4B}" srcOrd="3" destOrd="0" presId="urn:microsoft.com/office/officeart/2005/8/layout/process1"/>
+    <dgm:cxn modelId="{7B715166-9962-4230-A51B-0F72775A297B}" type="presParOf" srcId="{EF889798-8597-4D84-90C4-6873E1039B4B}" destId="{99C4936C-7B77-44A5-8EA9-40D4D5754DD3}" srcOrd="0" destOrd="0" presId="urn:microsoft.com/office/officeart/2005/8/layout/process1"/>
+    <dgm:cxn modelId="{F4A0DF46-9903-43E0-A8D1-8EF7FCF8C36A}" type="presParOf" srcId="{1419B37D-A21C-43A8-9623-5D172DA7D54C}" destId="{A7948612-D97B-4EE7-9E8A-EDCB03CC6483}" srcOrd="4" destOrd="0" presId="urn:microsoft.com/office/officeart/2005/8/layout/process1"/>
+    <dgm:cxn modelId="{A19CA2A2-5E51-4715-98F7-53A137F5B7B5}" type="presParOf" srcId="{1419B37D-A21C-43A8-9623-5D172DA7D54C}" destId="{5AEBE292-B333-4135-B55F-27BB61C159E9}" srcOrd="5" destOrd="0" presId="urn:microsoft.com/office/officeart/2005/8/layout/process1"/>
+    <dgm:cxn modelId="{F6C4C211-48CF-4CBE-8497-177E0DA2498B}" type="presParOf" srcId="{5AEBE292-B333-4135-B55F-27BB61C159E9}" destId="{E54D4DF6-6A82-426B-B4C3-6EC7B2FE72BB}" srcOrd="0" destOrd="0" presId="urn:microsoft.com/office/officeart/2005/8/layout/process1"/>
+    <dgm:cxn modelId="{7D40EBC7-08C9-4311-9F8E-4D9FE9DD3C8C}" type="presParOf" srcId="{1419B37D-A21C-43A8-9623-5D172DA7D54C}" destId="{A61A0EF9-F4B8-462F-AFF7-4FF54C4C16E0}" srcOrd="6" destOrd="0" presId="urn:microsoft.com/office/officeart/2005/8/layout/process1"/>
+  </dgm:cxnLst>
+  <dgm:bg/>
+  <dgm:whole/>
+  <dgm:extLst>
+    <a:ext uri="http://schemas.microsoft.com/office/drawing/2008/diagram">
+      <dsp:dataModelExt xmlns:dsp="http://schemas.microsoft.com/office/drawing/2008/diagram" relId="rId8" minVer="http://schemas.openxmlformats.org/drawingml/2006/diagram"/>
+    </a:ext>
+  </dgm:extLst>
+</dgm:dataModel>
+</file>
+
+<file path=ppt/diagrams/data2.xml><?xml version="1.0" encoding="utf-8"?>
 <dgm:dataModel xmlns:dgm="http://schemas.openxmlformats.org/drawingml/2006/diagram" xmlns:a="http://schemas.openxmlformats.org/drawingml/2006/main">
   <dgm:ptLst>
     <dgm:pt modelId="{ADA94781-E2A9-4BC7-97A0-E71A3BE187D6}" type="doc">
@@ -1217,6 +2283,13 @@
         </dgm:presLayoutVars>
       </dgm:prSet>
       <dgm:spPr/>
+      <dgm:t>
+        <a:bodyPr/>
+        <a:lstStyle/>
+        <a:p>
+          <a:endParaRPr lang="de-DE"/>
+        </a:p>
+      </dgm:t>
     </dgm:pt>
     <dgm:pt modelId="{E9965B2F-3801-48D8-9FE8-975EE46F648A}" type="pres">
       <dgm:prSet presAssocID="{A285696E-E20F-450F-AD2A-2CA01487710E}" presName="singleCycle" presStyleCnt="0"/>
@@ -1230,10 +2303,24 @@
         </dgm:presLayoutVars>
       </dgm:prSet>
       <dgm:spPr/>
+      <dgm:t>
+        <a:bodyPr/>
+        <a:lstStyle/>
+        <a:p>
+          <a:endParaRPr lang="de-DE"/>
+        </a:p>
+      </dgm:t>
     </dgm:pt>
     <dgm:pt modelId="{29A9ABC8-8B7E-4AF2-B179-379C32D9962E}" type="pres">
       <dgm:prSet presAssocID="{166498DA-992D-4842-A49F-00B0B296A3AB}" presName="Name56" presStyleLbl="parChTrans1D2" presStyleIdx="0" presStyleCnt="3"/>
       <dgm:spPr/>
+      <dgm:t>
+        <a:bodyPr/>
+        <a:lstStyle/>
+        <a:p>
+          <a:endParaRPr lang="de-DE"/>
+        </a:p>
+      </dgm:t>
     </dgm:pt>
     <dgm:pt modelId="{207C128E-7FBD-4C97-84F7-E0792C9CFEEC}" type="pres">
       <dgm:prSet presAssocID="{5604FCD2-D7B1-4AA6-858D-979DEB34077C}" presName="text0" presStyleLbl="node1" presStyleIdx="1" presStyleCnt="4" custScaleX="204030" custScaleY="59496" custRadScaleRad="69910" custRadScaleInc="1042">
@@ -1242,10 +2329,24 @@
         </dgm:presLayoutVars>
       </dgm:prSet>
       <dgm:spPr/>
+      <dgm:t>
+        <a:bodyPr/>
+        <a:lstStyle/>
+        <a:p>
+          <a:endParaRPr lang="de-DE"/>
+        </a:p>
+      </dgm:t>
     </dgm:pt>
     <dgm:pt modelId="{23FD41E1-F2C3-4873-8068-45FA95BC5F66}" type="pres">
       <dgm:prSet presAssocID="{83C7CB07-8B9E-4904-BE34-FB268E24D959}" presName="Name56" presStyleLbl="parChTrans1D2" presStyleIdx="1" presStyleCnt="3"/>
       <dgm:spPr/>
+      <dgm:t>
+        <a:bodyPr/>
+        <a:lstStyle/>
+        <a:p>
+          <a:endParaRPr lang="de-DE"/>
+        </a:p>
+      </dgm:t>
     </dgm:pt>
     <dgm:pt modelId="{40EA4F8F-38A3-421E-97C9-6DD70090178B}" type="pres">
       <dgm:prSet presAssocID="{E6D3F8CA-592A-4B27-A80B-5053490CAD93}" presName="text0" presStyleLbl="node1" presStyleIdx="2" presStyleCnt="4" custScaleX="205606" custScaleY="59496" custRadScaleRad="114688" custRadScaleInc="-39110">
@@ -1254,10 +2355,24 @@
         </dgm:presLayoutVars>
       </dgm:prSet>
       <dgm:spPr/>
+      <dgm:t>
+        <a:bodyPr/>
+        <a:lstStyle/>
+        <a:p>
+          <a:endParaRPr lang="de-DE"/>
+        </a:p>
+      </dgm:t>
     </dgm:pt>
     <dgm:pt modelId="{41C0591F-4423-4696-A541-7927A488956C}" type="pres">
       <dgm:prSet presAssocID="{62AB0BCD-76D0-4655-92C0-1110A4D29F68}" presName="Name56" presStyleLbl="parChTrans1D2" presStyleIdx="2" presStyleCnt="3"/>
       <dgm:spPr/>
+      <dgm:t>
+        <a:bodyPr/>
+        <a:lstStyle/>
+        <a:p>
+          <a:endParaRPr lang="de-DE"/>
+        </a:p>
+      </dgm:t>
     </dgm:pt>
     <dgm:pt modelId="{4866A4C8-4026-4C06-A161-E4D4272C89A7}" type="pres">
       <dgm:prSet presAssocID="{2337A8C7-A5E2-41E3-AD6A-17536A1AB81C}" presName="text0" presStyleLbl="node1" presStyleIdx="3" presStyleCnt="4" custScaleX="182048" custScaleY="59496" custRadScaleRad="101225" custRadScaleInc="36062">
@@ -1266,23 +2381,30 @@
         </dgm:presLayoutVars>
       </dgm:prSet>
       <dgm:spPr/>
+      <dgm:t>
+        <a:bodyPr/>
+        <a:lstStyle/>
+        <a:p>
+          <a:endParaRPr lang="de-DE"/>
+        </a:p>
+      </dgm:t>
     </dgm:pt>
   </dgm:ptLst>
   <dgm:cxnLst>
-    <dgm:cxn modelId="{21F5E20B-D1E9-4A71-959A-AE1FB339A56F}" type="presOf" srcId="{5604FCD2-D7B1-4AA6-858D-979DEB34077C}" destId="{207C128E-7FBD-4C97-84F7-E0792C9CFEEC}" srcOrd="0" destOrd="0" presId="urn:microsoft.com/office/officeart/2008/layout/RadialCluster"/>
+    <dgm:cxn modelId="{D3F6F4DA-B7AD-4B91-84CE-27196EC9F12F}" srcId="{A285696E-E20F-450F-AD2A-2CA01487710E}" destId="{E6D3F8CA-592A-4B27-A80B-5053490CAD93}" srcOrd="1" destOrd="0" parTransId="{83C7CB07-8B9E-4904-BE34-FB268E24D959}" sibTransId="{82589D44-1193-4FFB-9A46-2BA26AAF7A46}"/>
     <dgm:cxn modelId="{6EEF4831-96E0-4B3C-9165-E174C4370C4A}" srcId="{ADA94781-E2A9-4BC7-97A0-E71A3BE187D6}" destId="{C51F0735-CF66-4E9C-8837-67FB799B5D71}" srcOrd="2" destOrd="0" parTransId="{0FDD21D6-2D81-493C-99FA-84329A5675FD}" sibTransId="{81BA5A7C-588B-46F1-A8E7-B5373E3EAF5D}"/>
-    <dgm:cxn modelId="{A8CD4D3D-A561-4616-9BE2-3E39E8CEBE93}" type="presOf" srcId="{E6D3F8CA-592A-4B27-A80B-5053490CAD93}" destId="{40EA4F8F-38A3-421E-97C9-6DD70090178B}" srcOrd="0" destOrd="0" presId="urn:microsoft.com/office/officeart/2008/layout/RadialCluster"/>
-    <dgm:cxn modelId="{9B081B5F-2F20-4A06-8F26-9E180055E065}" srcId="{A285696E-E20F-450F-AD2A-2CA01487710E}" destId="{5604FCD2-D7B1-4AA6-858D-979DEB34077C}" srcOrd="0" destOrd="0" parTransId="{166498DA-992D-4842-A49F-00B0B296A3AB}" sibTransId="{8794C4E3-0774-4022-9DA4-55DD2CB6491F}"/>
-    <dgm:cxn modelId="{4840286A-C0BE-436F-9B49-B4E7F82A09BC}" srcId="{ADA94781-E2A9-4BC7-97A0-E71A3BE187D6}" destId="{970E345B-63EC-43DA-9D22-7F2857F8ABA1}" srcOrd="1" destOrd="0" parTransId="{9E3B9563-BA8A-4D73-A087-276F450F78DA}" sibTransId="{EEB30055-0AA2-4905-9BF9-591D7A439876}"/>
     <dgm:cxn modelId="{7EE46D4B-C59C-49FE-BCC5-17CB0B077AF7}" srcId="{ADA94781-E2A9-4BC7-97A0-E71A3BE187D6}" destId="{A285696E-E20F-450F-AD2A-2CA01487710E}" srcOrd="0" destOrd="0" parTransId="{5F433974-00BF-4656-8D08-4541E4755E1F}" sibTransId="{BD8DD3D5-0CA5-4748-8F82-11FC0B7DE52B}"/>
     <dgm:cxn modelId="{57AAD66B-5C98-4446-91B2-977FCB8ACF58}" type="presOf" srcId="{A285696E-E20F-450F-AD2A-2CA01487710E}" destId="{65AA7AE3-7BA4-4256-A7E7-6ADD6196B2DE}" srcOrd="0" destOrd="0" presId="urn:microsoft.com/office/officeart/2008/layout/RadialCluster"/>
+    <dgm:cxn modelId="{21F5E20B-D1E9-4A71-959A-AE1FB339A56F}" type="presOf" srcId="{5604FCD2-D7B1-4AA6-858D-979DEB34077C}" destId="{207C128E-7FBD-4C97-84F7-E0792C9CFEEC}" srcOrd="0" destOrd="0" presId="urn:microsoft.com/office/officeart/2008/layout/RadialCluster"/>
+    <dgm:cxn modelId="{A8CD4D3D-A561-4616-9BE2-3E39E8CEBE93}" type="presOf" srcId="{E6D3F8CA-592A-4B27-A80B-5053490CAD93}" destId="{40EA4F8F-38A3-421E-97C9-6DD70090178B}" srcOrd="0" destOrd="0" presId="urn:microsoft.com/office/officeart/2008/layout/RadialCluster"/>
     <dgm:cxn modelId="{72CBD583-D91D-4061-A235-2BBDC4CB1258}" type="presOf" srcId="{2337A8C7-A5E2-41E3-AD6A-17536A1AB81C}" destId="{4866A4C8-4026-4C06-A161-E4D4272C89A7}" srcOrd="0" destOrd="0" presId="urn:microsoft.com/office/officeart/2008/layout/RadialCluster"/>
+    <dgm:cxn modelId="{9B081B5F-2F20-4A06-8F26-9E180055E065}" srcId="{A285696E-E20F-450F-AD2A-2CA01487710E}" destId="{5604FCD2-D7B1-4AA6-858D-979DEB34077C}" srcOrd="0" destOrd="0" parTransId="{166498DA-992D-4842-A49F-00B0B296A3AB}" sibTransId="{8794C4E3-0774-4022-9DA4-55DD2CB6491F}"/>
+    <dgm:cxn modelId="{BAD526B5-2B80-4FA0-8E23-61C5757F230A}" srcId="{A285696E-E20F-450F-AD2A-2CA01487710E}" destId="{2337A8C7-A5E2-41E3-AD6A-17536A1AB81C}" srcOrd="2" destOrd="0" parTransId="{62AB0BCD-76D0-4655-92C0-1110A4D29F68}" sibTransId="{5B8187EC-0177-4801-A25B-59CFF5A09A63}"/>
+    <dgm:cxn modelId="{4840286A-C0BE-436F-9B49-B4E7F82A09BC}" srcId="{ADA94781-E2A9-4BC7-97A0-E71A3BE187D6}" destId="{970E345B-63EC-43DA-9D22-7F2857F8ABA1}" srcOrd="1" destOrd="0" parTransId="{9E3B9563-BA8A-4D73-A087-276F450F78DA}" sibTransId="{EEB30055-0AA2-4905-9BF9-591D7A439876}"/>
+    <dgm:cxn modelId="{16FCD89F-58AA-4ED9-9830-62D1073DE4DB}" type="presOf" srcId="{166498DA-992D-4842-A49F-00B0B296A3AB}" destId="{29A9ABC8-8B7E-4AF2-B179-379C32D9962E}" srcOrd="0" destOrd="0" presId="urn:microsoft.com/office/officeart/2008/layout/RadialCluster"/>
+    <dgm:cxn modelId="{FF4C9AC9-BBA6-4DC0-9DF6-C96A53EE0C3C}" type="presOf" srcId="{ADA94781-E2A9-4BC7-97A0-E71A3BE187D6}" destId="{05FF7D6B-2867-4E27-A224-200F5EEA9200}" srcOrd="0" destOrd="0" presId="urn:microsoft.com/office/officeart/2008/layout/RadialCluster"/>
+    <dgm:cxn modelId="{253755A0-1D21-4BAE-A059-F6CD7663597B}" type="presOf" srcId="{62AB0BCD-76D0-4655-92C0-1110A4D29F68}" destId="{41C0591F-4423-4696-A541-7927A488956C}" srcOrd="0" destOrd="0" presId="urn:microsoft.com/office/officeart/2008/layout/RadialCluster"/>
     <dgm:cxn modelId="{F5A7D294-64BF-4158-80FE-0284F1E13252}" type="presOf" srcId="{83C7CB07-8B9E-4904-BE34-FB268E24D959}" destId="{23FD41E1-F2C3-4873-8068-45FA95BC5F66}" srcOrd="0" destOrd="0" presId="urn:microsoft.com/office/officeart/2008/layout/RadialCluster"/>
-    <dgm:cxn modelId="{16FCD89F-58AA-4ED9-9830-62D1073DE4DB}" type="presOf" srcId="{166498DA-992D-4842-A49F-00B0B296A3AB}" destId="{29A9ABC8-8B7E-4AF2-B179-379C32D9962E}" srcOrd="0" destOrd="0" presId="urn:microsoft.com/office/officeart/2008/layout/RadialCluster"/>
-    <dgm:cxn modelId="{253755A0-1D21-4BAE-A059-F6CD7663597B}" type="presOf" srcId="{62AB0BCD-76D0-4655-92C0-1110A4D29F68}" destId="{41C0591F-4423-4696-A541-7927A488956C}" srcOrd="0" destOrd="0" presId="urn:microsoft.com/office/officeart/2008/layout/RadialCluster"/>
-    <dgm:cxn modelId="{BAD526B5-2B80-4FA0-8E23-61C5757F230A}" srcId="{A285696E-E20F-450F-AD2A-2CA01487710E}" destId="{2337A8C7-A5E2-41E3-AD6A-17536A1AB81C}" srcOrd="2" destOrd="0" parTransId="{62AB0BCD-76D0-4655-92C0-1110A4D29F68}" sibTransId="{5B8187EC-0177-4801-A25B-59CFF5A09A63}"/>
-    <dgm:cxn modelId="{FF4C9AC9-BBA6-4DC0-9DF6-C96A53EE0C3C}" type="presOf" srcId="{ADA94781-E2A9-4BC7-97A0-E71A3BE187D6}" destId="{05FF7D6B-2867-4E27-A224-200F5EEA9200}" srcOrd="0" destOrd="0" presId="urn:microsoft.com/office/officeart/2008/layout/RadialCluster"/>
-    <dgm:cxn modelId="{D3F6F4DA-B7AD-4B91-84CE-27196EC9F12F}" srcId="{A285696E-E20F-450F-AD2A-2CA01487710E}" destId="{E6D3F8CA-592A-4B27-A80B-5053490CAD93}" srcOrd="1" destOrd="0" parTransId="{83C7CB07-8B9E-4904-BE34-FB268E24D959}" sibTransId="{82589D44-1193-4FFB-9A46-2BA26AAF7A46}"/>
     <dgm:cxn modelId="{9641BDD3-0E2E-4086-A127-D796EA1E6477}" type="presParOf" srcId="{05FF7D6B-2867-4E27-A224-200F5EEA9200}" destId="{E9965B2F-3801-48D8-9FE8-975EE46F648A}" srcOrd="0" destOrd="0" presId="urn:microsoft.com/office/officeart/2008/layout/RadialCluster"/>
     <dgm:cxn modelId="{5198E0FF-55E7-4FB5-AA27-37CF9F6EE142}" type="presParOf" srcId="{E9965B2F-3801-48D8-9FE8-975EE46F648A}" destId="{65AA7AE3-7BA4-4256-A7E7-6ADD6196B2DE}" srcOrd="0" destOrd="0" presId="urn:microsoft.com/office/officeart/2008/layout/RadialCluster"/>
     <dgm:cxn modelId="{A766DABF-DEB1-476D-A136-D6EBEC8A18E5}" type="presParOf" srcId="{E9965B2F-3801-48D8-9FE8-975EE46F648A}" destId="{29A9ABC8-8B7E-4AF2-B179-379C32D9962E}" srcOrd="1" destOrd="0" presId="urn:microsoft.com/office/officeart/2008/layout/RadialCluster"/>
@@ -1303,6 +2425,537 @@
 </file>
 
 <file path=ppt/diagrams/drawing1.xml><?xml version="1.0" encoding="utf-8"?>
+<dsp:drawing xmlns:dgm="http://schemas.openxmlformats.org/drawingml/2006/diagram" xmlns:dsp="http://schemas.microsoft.com/office/drawing/2008/diagram" xmlns:a="http://schemas.openxmlformats.org/drawingml/2006/main">
+  <dsp:spTree>
+    <dsp:nvGrpSpPr>
+      <dsp:cNvPr id="0" name=""/>
+      <dsp:cNvGrpSpPr/>
+    </dsp:nvGrpSpPr>
+    <dsp:grpSpPr/>
+    <dsp:sp modelId="{8179A08A-22AB-49B5-AFED-235DA994F5D0}">
+      <dsp:nvSpPr>
+        <dsp:cNvPr id="0" name=""/>
+        <dsp:cNvSpPr/>
+      </dsp:nvSpPr>
+      <dsp:spPr>
+        <a:xfrm>
+          <a:off x="3048" y="1917088"/>
+          <a:ext cx="1332756" cy="799654"/>
+        </a:xfrm>
+        <a:prstGeom prst="roundRect">
+          <a:avLst>
+            <a:gd name="adj" fmla="val 10000"/>
+          </a:avLst>
+        </a:prstGeom>
+        <a:solidFill>
+          <a:schemeClr val="bg1">
+            <a:lumMod val="50000"/>
+          </a:schemeClr>
+        </a:solidFill>
+        <a:ln w="25400" cap="flat" cmpd="sng" algn="ctr">
+          <a:solidFill>
+            <a:schemeClr val="lt1">
+              <a:hueOff val="0"/>
+              <a:satOff val="0"/>
+              <a:lumOff val="0"/>
+              <a:alphaOff val="0"/>
+            </a:schemeClr>
+          </a:solidFill>
+          <a:prstDash val="solid"/>
+        </a:ln>
+        <a:effectLst/>
+      </dsp:spPr>
+      <dsp:style>
+        <a:lnRef idx="2">
+          <a:scrgbClr r="0" g="0" b="0"/>
+        </a:lnRef>
+        <a:fillRef idx="1">
+          <a:scrgbClr r="0" g="0" b="0"/>
+        </a:fillRef>
+        <a:effectRef idx="0">
+          <a:scrgbClr r="0" g="0" b="0"/>
+        </a:effectRef>
+        <a:fontRef idx="minor">
+          <a:schemeClr val="lt1"/>
+        </a:fontRef>
+      </dsp:style>
+      <dsp:txBody>
+        <a:bodyPr spcFirstLastPara="0" vert="horz" wrap="square" lIns="57150" tIns="57150" rIns="57150" bIns="57150" numCol="1" spcCol="1270" anchor="ctr" anchorCtr="0">
+          <a:noAutofit/>
+        </a:bodyPr>
+        <a:lstStyle/>
+        <a:p>
+          <a:pPr lvl="0" algn="ctr" defTabSz="666750">
+            <a:lnSpc>
+              <a:spcPct val="90000"/>
+            </a:lnSpc>
+            <a:spcBef>
+              <a:spcPct val="0"/>
+            </a:spcBef>
+            <a:spcAft>
+              <a:spcPct val="35000"/>
+            </a:spcAft>
+          </a:pPr>
+          <a:r>
+            <a:rPr lang="de-DE" sz="1500" kern="1200" dirty="0" smtClean="0"/>
+            <a:t>Datenquelle (</a:t>
+          </a:r>
+          <a:r>
+            <a:rPr lang="de-DE" sz="1500" kern="1200" dirty="0" err="1" smtClean="0"/>
+            <a:t>ComStudio</a:t>
+          </a:r>
+          <a:r>
+            <a:rPr lang="de-DE" sz="1500" kern="1200" dirty="0" smtClean="0"/>
+            <a:t>)</a:t>
+          </a:r>
+          <a:endParaRPr lang="de-DE" sz="1500" kern="1200" dirty="0"/>
+        </a:p>
+      </dsp:txBody>
+      <dsp:txXfrm>
+        <a:off x="26469" y="1940509"/>
+        <a:ext cx="1285914" cy="752812"/>
+      </dsp:txXfrm>
+    </dsp:sp>
+    <dsp:sp modelId="{F34C26C3-38A6-4E2C-BDC9-F81E56C73BF9}">
+      <dsp:nvSpPr>
+        <dsp:cNvPr id="0" name=""/>
+        <dsp:cNvSpPr/>
+      </dsp:nvSpPr>
+      <dsp:spPr>
+        <a:xfrm>
+          <a:off x="1469080" y="2151654"/>
+          <a:ext cx="282544" cy="330523"/>
+        </a:xfrm>
+        <a:prstGeom prst="rightArrow">
+          <a:avLst>
+            <a:gd name="adj1" fmla="val 60000"/>
+            <a:gd name="adj2" fmla="val 50000"/>
+          </a:avLst>
+        </a:prstGeom>
+        <a:solidFill>
+          <a:schemeClr val="accent1">
+            <a:tint val="60000"/>
+            <a:hueOff val="0"/>
+            <a:satOff val="0"/>
+            <a:lumOff val="0"/>
+            <a:alphaOff val="0"/>
+          </a:schemeClr>
+        </a:solidFill>
+        <a:ln>
+          <a:noFill/>
+        </a:ln>
+        <a:effectLst/>
+      </dsp:spPr>
+      <dsp:style>
+        <a:lnRef idx="0">
+          <a:scrgbClr r="0" g="0" b="0"/>
+        </a:lnRef>
+        <a:fillRef idx="1">
+          <a:scrgbClr r="0" g="0" b="0"/>
+        </a:fillRef>
+        <a:effectRef idx="0">
+          <a:scrgbClr r="0" g="0" b="0"/>
+        </a:effectRef>
+        <a:fontRef idx="minor">
+          <a:schemeClr val="lt1"/>
+        </a:fontRef>
+      </dsp:style>
+      <dsp:txBody>
+        <a:bodyPr spcFirstLastPara="0" vert="horz" wrap="square" lIns="0" tIns="0" rIns="0" bIns="0" numCol="1" spcCol="1270" anchor="ctr" anchorCtr="0">
+          <a:noAutofit/>
+        </a:bodyPr>
+        <a:lstStyle/>
+        <a:p>
+          <a:pPr lvl="0" algn="ctr" defTabSz="533400">
+            <a:lnSpc>
+              <a:spcPct val="90000"/>
+            </a:lnSpc>
+            <a:spcBef>
+              <a:spcPct val="0"/>
+            </a:spcBef>
+            <a:spcAft>
+              <a:spcPct val="35000"/>
+            </a:spcAft>
+          </a:pPr>
+          <a:endParaRPr lang="de-DE" sz="1200" kern="1200"/>
+        </a:p>
+      </dsp:txBody>
+      <dsp:txXfrm>
+        <a:off x="1469080" y="2217759"/>
+        <a:ext cx="197781" cy="198313"/>
+      </dsp:txXfrm>
+    </dsp:sp>
+    <dsp:sp modelId="{A24DC3C0-6532-4A6F-9C89-F9439AC46956}">
+      <dsp:nvSpPr>
+        <dsp:cNvPr id="0" name=""/>
+        <dsp:cNvSpPr/>
+      </dsp:nvSpPr>
+      <dsp:spPr>
+        <a:xfrm>
+          <a:off x="1868907" y="1917088"/>
+          <a:ext cx="1332756" cy="799654"/>
+        </a:xfrm>
+        <a:prstGeom prst="roundRect">
+          <a:avLst>
+            <a:gd name="adj" fmla="val 10000"/>
+          </a:avLst>
+        </a:prstGeom>
+        <a:solidFill>
+          <a:schemeClr val="bg1">
+            <a:lumMod val="50000"/>
+          </a:schemeClr>
+        </a:solidFill>
+        <a:ln w="25400" cap="flat" cmpd="sng" algn="ctr">
+          <a:solidFill>
+            <a:schemeClr val="lt1">
+              <a:hueOff val="0"/>
+              <a:satOff val="0"/>
+              <a:lumOff val="0"/>
+              <a:alphaOff val="0"/>
+            </a:schemeClr>
+          </a:solidFill>
+          <a:prstDash val="solid"/>
+        </a:ln>
+        <a:effectLst/>
+      </dsp:spPr>
+      <dsp:style>
+        <a:lnRef idx="2">
+          <a:scrgbClr r="0" g="0" b="0"/>
+        </a:lnRef>
+        <a:fillRef idx="1">
+          <a:scrgbClr r="0" g="0" b="0"/>
+        </a:fillRef>
+        <a:effectRef idx="0">
+          <a:scrgbClr r="0" g="0" b="0"/>
+        </a:effectRef>
+        <a:fontRef idx="minor">
+          <a:schemeClr val="lt1"/>
+        </a:fontRef>
+      </dsp:style>
+      <dsp:txBody>
+        <a:bodyPr spcFirstLastPara="0" vert="horz" wrap="square" lIns="57150" tIns="57150" rIns="57150" bIns="57150" numCol="1" spcCol="1270" anchor="ctr" anchorCtr="0">
+          <a:noAutofit/>
+        </a:bodyPr>
+        <a:lstStyle/>
+        <a:p>
+          <a:pPr lvl="0" algn="ctr" defTabSz="666750">
+            <a:lnSpc>
+              <a:spcPct val="90000"/>
+            </a:lnSpc>
+            <a:spcBef>
+              <a:spcPct val="0"/>
+            </a:spcBef>
+            <a:spcAft>
+              <a:spcPct val="35000"/>
+            </a:spcAft>
+          </a:pPr>
+          <a:r>
+            <a:rPr lang="de-DE" sz="1500" kern="1200" dirty="0" smtClean="0"/>
+            <a:t>Interpretation der Prozessdaten</a:t>
+          </a:r>
+          <a:endParaRPr lang="de-DE" sz="1500" kern="1200" dirty="0"/>
+        </a:p>
+      </dsp:txBody>
+      <dsp:txXfrm>
+        <a:off x="1892328" y="1940509"/>
+        <a:ext cx="1285914" cy="752812"/>
+      </dsp:txXfrm>
+    </dsp:sp>
+    <dsp:sp modelId="{EF889798-8597-4D84-90C4-6873E1039B4B}">
+      <dsp:nvSpPr>
+        <dsp:cNvPr id="0" name=""/>
+        <dsp:cNvSpPr/>
+      </dsp:nvSpPr>
+      <dsp:spPr>
+        <a:xfrm>
+          <a:off x="3334940" y="2151654"/>
+          <a:ext cx="282544" cy="330523"/>
+        </a:xfrm>
+        <a:prstGeom prst="rightArrow">
+          <a:avLst>
+            <a:gd name="adj1" fmla="val 60000"/>
+            <a:gd name="adj2" fmla="val 50000"/>
+          </a:avLst>
+        </a:prstGeom>
+        <a:solidFill>
+          <a:schemeClr val="accent1">
+            <a:tint val="60000"/>
+            <a:hueOff val="0"/>
+            <a:satOff val="0"/>
+            <a:lumOff val="0"/>
+            <a:alphaOff val="0"/>
+          </a:schemeClr>
+        </a:solidFill>
+        <a:ln>
+          <a:noFill/>
+        </a:ln>
+        <a:effectLst/>
+      </dsp:spPr>
+      <dsp:style>
+        <a:lnRef idx="0">
+          <a:scrgbClr r="0" g="0" b="0"/>
+        </a:lnRef>
+        <a:fillRef idx="1">
+          <a:scrgbClr r="0" g="0" b="0"/>
+        </a:fillRef>
+        <a:effectRef idx="0">
+          <a:scrgbClr r="0" g="0" b="0"/>
+        </a:effectRef>
+        <a:fontRef idx="minor">
+          <a:schemeClr val="lt1"/>
+        </a:fontRef>
+      </dsp:style>
+      <dsp:txBody>
+        <a:bodyPr spcFirstLastPara="0" vert="horz" wrap="square" lIns="0" tIns="0" rIns="0" bIns="0" numCol="1" spcCol="1270" anchor="ctr" anchorCtr="0">
+          <a:noAutofit/>
+        </a:bodyPr>
+        <a:lstStyle/>
+        <a:p>
+          <a:pPr lvl="0" algn="ctr" defTabSz="533400">
+            <a:lnSpc>
+              <a:spcPct val="90000"/>
+            </a:lnSpc>
+            <a:spcBef>
+              <a:spcPct val="0"/>
+            </a:spcBef>
+            <a:spcAft>
+              <a:spcPct val="35000"/>
+            </a:spcAft>
+          </a:pPr>
+          <a:endParaRPr lang="de-DE" sz="1200" kern="1200"/>
+        </a:p>
+      </dsp:txBody>
+      <dsp:txXfrm>
+        <a:off x="3334940" y="2217759"/>
+        <a:ext cx="197781" cy="198313"/>
+      </dsp:txXfrm>
+    </dsp:sp>
+    <dsp:sp modelId="{A7948612-D97B-4EE7-9E8A-EDCB03CC6483}">
+      <dsp:nvSpPr>
+        <dsp:cNvPr id="0" name=""/>
+        <dsp:cNvSpPr/>
+      </dsp:nvSpPr>
+      <dsp:spPr>
+        <a:xfrm>
+          <a:off x="3734767" y="1917088"/>
+          <a:ext cx="1332756" cy="799654"/>
+        </a:xfrm>
+        <a:prstGeom prst="roundRect">
+          <a:avLst>
+            <a:gd name="adj" fmla="val 10000"/>
+          </a:avLst>
+        </a:prstGeom>
+        <a:solidFill>
+          <a:schemeClr val="bg1">
+            <a:lumMod val="50000"/>
+          </a:schemeClr>
+        </a:solidFill>
+        <a:ln w="25400" cap="flat" cmpd="sng" algn="ctr">
+          <a:solidFill>
+            <a:schemeClr val="lt1">
+              <a:hueOff val="0"/>
+              <a:satOff val="0"/>
+              <a:lumOff val="0"/>
+              <a:alphaOff val="0"/>
+            </a:schemeClr>
+          </a:solidFill>
+          <a:prstDash val="solid"/>
+        </a:ln>
+        <a:effectLst/>
+      </dsp:spPr>
+      <dsp:style>
+        <a:lnRef idx="2">
+          <a:scrgbClr r="0" g="0" b="0"/>
+        </a:lnRef>
+        <a:fillRef idx="1">
+          <a:scrgbClr r="0" g="0" b="0"/>
+        </a:fillRef>
+        <a:effectRef idx="0">
+          <a:scrgbClr r="0" g="0" b="0"/>
+        </a:effectRef>
+        <a:fontRef idx="minor">
+          <a:schemeClr val="lt1"/>
+        </a:fontRef>
+      </dsp:style>
+      <dsp:txBody>
+        <a:bodyPr spcFirstLastPara="0" vert="horz" wrap="square" lIns="57150" tIns="57150" rIns="57150" bIns="57150" numCol="1" spcCol="1270" anchor="ctr" anchorCtr="0">
+          <a:noAutofit/>
+        </a:bodyPr>
+        <a:lstStyle/>
+        <a:p>
+          <a:pPr lvl="0" algn="ctr" defTabSz="666750">
+            <a:lnSpc>
+              <a:spcPct val="90000"/>
+            </a:lnSpc>
+            <a:spcBef>
+              <a:spcPct val="0"/>
+            </a:spcBef>
+            <a:spcAft>
+              <a:spcPct val="35000"/>
+            </a:spcAft>
+          </a:pPr>
+          <a:r>
+            <a:rPr lang="de-DE" sz="1500" kern="1200" dirty="0" smtClean="0"/>
+            <a:t>Verwaltung der Topologie-Modelle</a:t>
+          </a:r>
+          <a:endParaRPr lang="de-DE" sz="1500" kern="1200" dirty="0"/>
+        </a:p>
+      </dsp:txBody>
+      <dsp:txXfrm>
+        <a:off x="3758188" y="1940509"/>
+        <a:ext cx="1285914" cy="752812"/>
+      </dsp:txXfrm>
+    </dsp:sp>
+    <dsp:sp modelId="{5AEBE292-B333-4135-B55F-27BB61C159E9}">
+      <dsp:nvSpPr>
+        <dsp:cNvPr id="0" name=""/>
+        <dsp:cNvSpPr/>
+      </dsp:nvSpPr>
+      <dsp:spPr>
+        <a:xfrm>
+          <a:off x="5200799" y="2151654"/>
+          <a:ext cx="282544" cy="330523"/>
+        </a:xfrm>
+        <a:prstGeom prst="rightArrow">
+          <a:avLst>
+            <a:gd name="adj1" fmla="val 60000"/>
+            <a:gd name="adj2" fmla="val 50000"/>
+          </a:avLst>
+        </a:prstGeom>
+        <a:solidFill>
+          <a:schemeClr val="accent1">
+            <a:tint val="60000"/>
+            <a:hueOff val="0"/>
+            <a:satOff val="0"/>
+            <a:lumOff val="0"/>
+            <a:alphaOff val="0"/>
+          </a:schemeClr>
+        </a:solidFill>
+        <a:ln>
+          <a:noFill/>
+        </a:ln>
+        <a:effectLst/>
+      </dsp:spPr>
+      <dsp:style>
+        <a:lnRef idx="0">
+          <a:scrgbClr r="0" g="0" b="0"/>
+        </a:lnRef>
+        <a:fillRef idx="1">
+          <a:scrgbClr r="0" g="0" b="0"/>
+        </a:fillRef>
+        <a:effectRef idx="0">
+          <a:scrgbClr r="0" g="0" b="0"/>
+        </a:effectRef>
+        <a:fontRef idx="minor">
+          <a:schemeClr val="lt1"/>
+        </a:fontRef>
+      </dsp:style>
+      <dsp:txBody>
+        <a:bodyPr spcFirstLastPara="0" vert="horz" wrap="square" lIns="0" tIns="0" rIns="0" bIns="0" numCol="1" spcCol="1270" anchor="ctr" anchorCtr="0">
+          <a:noAutofit/>
+        </a:bodyPr>
+        <a:lstStyle/>
+        <a:p>
+          <a:pPr lvl="0" algn="ctr" defTabSz="533400">
+            <a:lnSpc>
+              <a:spcPct val="90000"/>
+            </a:lnSpc>
+            <a:spcBef>
+              <a:spcPct val="0"/>
+            </a:spcBef>
+            <a:spcAft>
+              <a:spcPct val="35000"/>
+            </a:spcAft>
+          </a:pPr>
+          <a:endParaRPr lang="de-DE" sz="1200" kern="1200"/>
+        </a:p>
+      </dsp:txBody>
+      <dsp:txXfrm>
+        <a:off x="5200799" y="2217759"/>
+        <a:ext cx="197781" cy="198313"/>
+      </dsp:txXfrm>
+    </dsp:sp>
+    <dsp:sp modelId="{A61A0EF9-F4B8-462F-AFF7-4FF54C4C16E0}">
+      <dsp:nvSpPr>
+        <dsp:cNvPr id="0" name=""/>
+        <dsp:cNvSpPr/>
+      </dsp:nvSpPr>
+      <dsp:spPr>
+        <a:xfrm>
+          <a:off x="5600626" y="1917088"/>
+          <a:ext cx="1332756" cy="799654"/>
+        </a:xfrm>
+        <a:prstGeom prst="roundRect">
+          <a:avLst>
+            <a:gd name="adj" fmla="val 10000"/>
+          </a:avLst>
+        </a:prstGeom>
+        <a:solidFill>
+          <a:schemeClr val="bg1">
+            <a:lumMod val="50000"/>
+          </a:schemeClr>
+        </a:solidFill>
+        <a:ln w="25400" cap="flat" cmpd="sng" algn="ctr">
+          <a:solidFill>
+            <a:schemeClr val="lt1">
+              <a:hueOff val="0"/>
+              <a:satOff val="0"/>
+              <a:lumOff val="0"/>
+              <a:alphaOff val="0"/>
+            </a:schemeClr>
+          </a:solidFill>
+          <a:prstDash val="solid"/>
+        </a:ln>
+        <a:effectLst/>
+      </dsp:spPr>
+      <dsp:style>
+        <a:lnRef idx="2">
+          <a:scrgbClr r="0" g="0" b="0"/>
+        </a:lnRef>
+        <a:fillRef idx="1">
+          <a:scrgbClr r="0" g="0" b="0"/>
+        </a:fillRef>
+        <a:effectRef idx="0">
+          <a:scrgbClr r="0" g="0" b="0"/>
+        </a:effectRef>
+        <a:fontRef idx="minor">
+          <a:schemeClr val="lt1"/>
+        </a:fontRef>
+      </dsp:style>
+      <dsp:txBody>
+        <a:bodyPr spcFirstLastPara="0" vert="horz" wrap="square" lIns="57150" tIns="57150" rIns="57150" bIns="57150" numCol="1" spcCol="1270" anchor="ctr" anchorCtr="0">
+          <a:noAutofit/>
+        </a:bodyPr>
+        <a:lstStyle/>
+        <a:p>
+          <a:pPr lvl="0" algn="ctr" defTabSz="666750">
+            <a:lnSpc>
+              <a:spcPct val="90000"/>
+            </a:lnSpc>
+            <a:spcBef>
+              <a:spcPct val="0"/>
+            </a:spcBef>
+            <a:spcAft>
+              <a:spcPct val="35000"/>
+            </a:spcAft>
+          </a:pPr>
+          <a:r>
+            <a:rPr lang="de-DE" sz="1500" kern="1200" dirty="0" smtClean="0"/>
+            <a:t>Darstellung als Symbole</a:t>
+          </a:r>
+          <a:endParaRPr lang="de-DE" sz="1500" kern="1200" dirty="0"/>
+        </a:p>
+      </dsp:txBody>
+      <dsp:txXfrm>
+        <a:off x="5624047" y="1940509"/>
+        <a:ext cx="1285914" cy="752812"/>
+      </dsp:txXfrm>
+    </dsp:sp>
+  </dsp:spTree>
+</dsp:drawing>
+</file>
+
+<file path=ppt/diagrams/drawing2.xml><?xml version="1.0" encoding="utf-8"?>
 <dsp:drawing xmlns:dgm="http://schemas.openxmlformats.org/drawingml/2006/diagram" xmlns:dsp="http://schemas.microsoft.com/office/drawing/2008/diagram" xmlns:a="http://schemas.openxmlformats.org/drawingml/2006/main">
   <dsp:spTree>
     <dsp:nvGrpSpPr>
@@ -1368,7 +3021,7 @@
         </a:bodyPr>
         <a:lstStyle/>
         <a:p>
-          <a:pPr marL="0" lvl="0" indent="0" algn="ctr" defTabSz="1022350">
+          <a:pPr lvl="0" algn="ctr" defTabSz="1022350">
             <a:lnSpc>
               <a:spcPct val="90000"/>
             </a:lnSpc>
@@ -1378,7 +3031,6 @@
             <a:spcAft>
               <a:spcPct val="35000"/>
             </a:spcAft>
-            <a:buNone/>
           </a:pPr>
           <a:r>
             <a:rPr lang="de-DE" sz="2300" kern="1200" dirty="0"/>
@@ -1501,7 +3153,7 @@
         </a:bodyPr>
         <a:lstStyle/>
         <a:p>
-          <a:pPr marL="0" lvl="0" indent="0" algn="ctr" defTabSz="1022350">
+          <a:pPr lvl="0" algn="ctr" defTabSz="1022350">
             <a:lnSpc>
               <a:spcPct val="90000"/>
             </a:lnSpc>
@@ -1511,7 +3163,6 @@
             <a:spcAft>
               <a:spcPct val="35000"/>
             </a:spcAft>
-            <a:buNone/>
           </a:pPr>
           <a:r>
             <a:rPr lang="de-DE" sz="2300" kern="1200" dirty="0"/>
@@ -1634,7 +3285,7 @@
         </a:bodyPr>
         <a:lstStyle/>
         <a:p>
-          <a:pPr marL="0" lvl="0" indent="0" algn="ctr" defTabSz="1022350">
+          <a:pPr lvl="0" algn="ctr" defTabSz="1022350">
             <a:lnSpc>
               <a:spcPct val="90000"/>
             </a:lnSpc>
@@ -1644,7 +3295,6 @@
             <a:spcAft>
               <a:spcPct val="35000"/>
             </a:spcAft>
-            <a:buNone/>
           </a:pPr>
           <a:r>
             <a:rPr lang="de-DE" sz="2300" kern="1200" dirty="0"/>
@@ -1767,7 +3417,7 @@
         </a:bodyPr>
         <a:lstStyle/>
         <a:p>
-          <a:pPr marL="0" lvl="0" indent="0" algn="ctr" defTabSz="1022350">
+          <a:pPr lvl="0" algn="ctr" defTabSz="1022350">
             <a:lnSpc>
               <a:spcPct val="90000"/>
             </a:lnSpc>
@@ -1777,7 +3427,6 @@
             <a:spcAft>
               <a:spcPct val="35000"/>
             </a:spcAft>
-            <a:buNone/>
           </a:pPr>
           <a:r>
             <a:rPr lang="de-DE" sz="2300" kern="1200" dirty="0"/>
@@ -1795,6 +3444,152 @@
 </file>
 
 <file path=ppt/diagrams/layout1.xml><?xml version="1.0" encoding="utf-8"?>
+<dgm:layoutDef xmlns:dgm="http://schemas.openxmlformats.org/drawingml/2006/diagram" xmlns:a="http://schemas.openxmlformats.org/drawingml/2006/main" uniqueId="urn:microsoft.com/office/officeart/2005/8/layout/process1">
+  <dgm:title val=""/>
+  <dgm:desc val=""/>
+  <dgm:catLst>
+    <dgm:cat type="process" pri="1000"/>
+    <dgm:cat type="convert" pri="15000"/>
+  </dgm:catLst>
+  <dgm:sampData useDef="1">
+    <dgm:dataModel>
+      <dgm:ptLst/>
+      <dgm:bg/>
+      <dgm:whole/>
+    </dgm:dataModel>
+  </dgm:sampData>
+  <dgm:styleData>
+    <dgm:dataModel>
+      <dgm:ptLst>
+        <dgm:pt modelId="0" type="doc"/>
+        <dgm:pt modelId="1"/>
+        <dgm:pt modelId="2"/>
+      </dgm:ptLst>
+      <dgm:cxnLst>
+        <dgm:cxn modelId="3" srcId="0" destId="1" srcOrd="0" destOrd="0"/>
+        <dgm:cxn modelId="4" srcId="0" destId="2" srcOrd="1" destOrd="0"/>
+      </dgm:cxnLst>
+      <dgm:bg/>
+      <dgm:whole/>
+    </dgm:dataModel>
+  </dgm:styleData>
+  <dgm:clrData>
+    <dgm:dataModel>
+      <dgm:ptLst>
+        <dgm:pt modelId="0" type="doc"/>
+        <dgm:pt modelId="1"/>
+        <dgm:pt modelId="2"/>
+        <dgm:pt modelId="3"/>
+        <dgm:pt modelId="4"/>
+      </dgm:ptLst>
+      <dgm:cxnLst>
+        <dgm:cxn modelId="5" srcId="0" destId="1" srcOrd="0" destOrd="0"/>
+        <dgm:cxn modelId="6" srcId="0" destId="2" srcOrd="1" destOrd="0"/>
+        <dgm:cxn modelId="7" srcId="0" destId="3" srcOrd="2" destOrd="0"/>
+        <dgm:cxn modelId="8" srcId="0" destId="4" srcOrd="3" destOrd="0"/>
+      </dgm:cxnLst>
+      <dgm:bg/>
+      <dgm:whole/>
+    </dgm:dataModel>
+  </dgm:clrData>
+  <dgm:layoutNode name="Name0">
+    <dgm:varLst>
+      <dgm:dir/>
+      <dgm:resizeHandles val="exact"/>
+    </dgm:varLst>
+    <dgm:choose name="Name1">
+      <dgm:if name="Name2" func="var" arg="dir" op="equ" val="norm">
+        <dgm:alg type="lin"/>
+      </dgm:if>
+      <dgm:else name="Name3">
+        <dgm:alg type="lin">
+          <dgm:param type="linDir" val="fromR"/>
+        </dgm:alg>
+      </dgm:else>
+    </dgm:choose>
+    <dgm:shape xmlns:r="http://schemas.openxmlformats.org/officeDocument/2006/relationships" r:blip="">
+      <dgm:adjLst/>
+    </dgm:shape>
+    <dgm:presOf/>
+    <dgm:constrLst>
+      <dgm:constr type="w" for="ch" ptType="node" refType="w"/>
+      <dgm:constr type="h" for="ch" ptType="node" op="equ"/>
+      <dgm:constr type="primFontSz" for="ch" ptType="node" op="equ" val="65"/>
+      <dgm:constr type="w" for="ch" ptType="sibTrans" refType="w" refFor="ch" refPtType="node" op="equ" fact="0.4"/>
+      <dgm:constr type="h" for="ch" ptType="sibTrans" op="equ"/>
+      <dgm:constr type="primFontSz" for="des" forName="connectorText" op="equ" val="55"/>
+      <dgm:constr type="primFontSz" for="des" forName="connectorText" refType="primFontSz" refFor="ch" refPtType="node" op="lte" fact="0.8"/>
+    </dgm:constrLst>
+    <dgm:ruleLst/>
+    <dgm:forEach name="nodesForEach" axis="ch" ptType="node">
+      <dgm:layoutNode name="node">
+        <dgm:varLst>
+          <dgm:bulletEnabled val="1"/>
+        </dgm:varLst>
+        <dgm:alg type="tx"/>
+        <dgm:shape xmlns:r="http://schemas.openxmlformats.org/officeDocument/2006/relationships" type="roundRect" r:blip="">
+          <dgm:adjLst>
+            <dgm:adj idx="1" val="0.1"/>
+          </dgm:adjLst>
+        </dgm:shape>
+        <dgm:presOf axis="desOrSelf" ptType="node"/>
+        <dgm:constrLst>
+          <dgm:constr type="h" refType="w" fact="0.6"/>
+          <dgm:constr type="tMarg" refType="primFontSz" fact="0.3"/>
+          <dgm:constr type="bMarg" refType="primFontSz" fact="0.3"/>
+          <dgm:constr type="lMarg" refType="primFontSz" fact="0.3"/>
+          <dgm:constr type="rMarg" refType="primFontSz" fact="0.3"/>
+        </dgm:constrLst>
+        <dgm:ruleLst>
+          <dgm:rule type="primFontSz" val="18" fact="NaN" max="NaN"/>
+          <dgm:rule type="h" val="NaN" fact="1.5" max="NaN"/>
+          <dgm:rule type="primFontSz" val="5" fact="NaN" max="NaN"/>
+          <dgm:rule type="h" val="INF" fact="NaN" max="NaN"/>
+        </dgm:ruleLst>
+      </dgm:layoutNode>
+      <dgm:forEach name="sibTransForEach" axis="followSib" ptType="sibTrans" cnt="1">
+        <dgm:layoutNode name="sibTrans">
+          <dgm:alg type="conn">
+            <dgm:param type="begPts" val="auto"/>
+            <dgm:param type="endPts" val="auto"/>
+          </dgm:alg>
+          <dgm:shape xmlns:r="http://schemas.openxmlformats.org/officeDocument/2006/relationships" type="conn" r:blip="">
+            <dgm:adjLst/>
+          </dgm:shape>
+          <dgm:presOf axis="self"/>
+          <dgm:constrLst>
+            <dgm:constr type="h" refType="w" fact="0.62"/>
+            <dgm:constr type="connDist"/>
+            <dgm:constr type="begPad" refType="connDist" fact="0.25"/>
+            <dgm:constr type="endPad" refType="connDist" fact="0.22"/>
+          </dgm:constrLst>
+          <dgm:ruleLst/>
+          <dgm:layoutNode name="connectorText">
+            <dgm:alg type="tx">
+              <dgm:param type="autoTxRot" val="grav"/>
+            </dgm:alg>
+            <dgm:shape xmlns:r="http://schemas.openxmlformats.org/officeDocument/2006/relationships" type="conn" r:blip="" hideGeom="1">
+              <dgm:adjLst/>
+            </dgm:shape>
+            <dgm:presOf axis="self"/>
+            <dgm:constrLst>
+              <dgm:constr type="lMarg"/>
+              <dgm:constr type="rMarg"/>
+              <dgm:constr type="tMarg"/>
+              <dgm:constr type="bMarg"/>
+            </dgm:constrLst>
+            <dgm:ruleLst>
+              <dgm:rule type="primFontSz" val="5" fact="NaN" max="NaN"/>
+            </dgm:ruleLst>
+          </dgm:layoutNode>
+        </dgm:layoutNode>
+      </dgm:forEach>
+    </dgm:forEach>
+  </dgm:layoutNode>
+</dgm:layoutDef>
+</file>
+
+<file path=ppt/diagrams/layout2.xml><?xml version="1.0" encoding="utf-8"?>
 <dgm:layoutDef xmlns:dgm="http://schemas.openxmlformats.org/drawingml/2006/diagram" xmlns:a="http://schemas.openxmlformats.org/drawingml/2006/main" uniqueId="urn:microsoft.com/office/officeart/2008/layout/RadialCluster">
   <dgm:title val=""/>
   <dgm:desc val=""/>
@@ -4873,6 +6668,1040 @@
 </file>
 
 <file path=ppt/diagrams/quickStyle1.xml><?xml version="1.0" encoding="utf-8"?>
+<dgm:styleDef xmlns:dgm="http://schemas.openxmlformats.org/drawingml/2006/diagram" xmlns:a="http://schemas.openxmlformats.org/drawingml/2006/main" uniqueId="urn:microsoft.com/office/officeart/2005/8/quickstyle/simple1">
+  <dgm:title val=""/>
+  <dgm:desc val=""/>
+  <dgm:catLst>
+    <dgm:cat type="simple" pri="10100"/>
+  </dgm:catLst>
+  <dgm:scene3d>
+    <a:camera prst="orthographicFront"/>
+    <a:lightRig rig="threePt" dir="t"/>
+  </dgm:scene3d>
+  <dgm:styleLbl name="node0">
+    <dgm:scene3d>
+      <a:camera prst="orthographicFront"/>
+      <a:lightRig rig="threePt" dir="t"/>
+    </dgm:scene3d>
+    <dgm:sp3d/>
+    <dgm:txPr/>
+    <dgm:style>
+      <a:lnRef idx="2">
+        <a:scrgbClr r="0" g="0" b="0"/>
+      </a:lnRef>
+      <a:fillRef idx="1">
+        <a:scrgbClr r="0" g="0" b="0"/>
+      </a:fillRef>
+      <a:effectRef idx="0">
+        <a:scrgbClr r="0" g="0" b="0"/>
+      </a:effectRef>
+      <a:fontRef idx="minor">
+        <a:schemeClr val="lt1"/>
+      </a:fontRef>
+    </dgm:style>
+  </dgm:styleLbl>
+  <dgm:styleLbl name="lnNode1">
+    <dgm:scene3d>
+      <a:camera prst="orthographicFront"/>
+      <a:lightRig rig="threePt" dir="t"/>
+    </dgm:scene3d>
+    <dgm:sp3d/>
+    <dgm:txPr/>
+    <dgm:style>
+      <a:lnRef idx="2">
+        <a:scrgbClr r="0" g="0" b="0"/>
+      </a:lnRef>
+      <a:fillRef idx="1">
+        <a:scrgbClr r="0" g="0" b="0"/>
+      </a:fillRef>
+      <a:effectRef idx="0">
+        <a:scrgbClr r="0" g="0" b="0"/>
+      </a:effectRef>
+      <a:fontRef idx="minor">
+        <a:schemeClr val="lt1"/>
+      </a:fontRef>
+    </dgm:style>
+  </dgm:styleLbl>
+  <dgm:styleLbl name="vennNode1">
+    <dgm:scene3d>
+      <a:camera prst="orthographicFront"/>
+      <a:lightRig rig="threePt" dir="t"/>
+    </dgm:scene3d>
+    <dgm:sp3d/>
+    <dgm:txPr/>
+    <dgm:style>
+      <a:lnRef idx="2">
+        <a:scrgbClr r="0" g="0" b="0"/>
+      </a:lnRef>
+      <a:fillRef idx="1">
+        <a:scrgbClr r="0" g="0" b="0"/>
+      </a:fillRef>
+      <a:effectRef idx="0">
+        <a:scrgbClr r="0" g="0" b="0"/>
+      </a:effectRef>
+      <a:fontRef idx="minor">
+        <a:schemeClr val="tx1"/>
+      </a:fontRef>
+    </dgm:style>
+  </dgm:styleLbl>
+  <dgm:styleLbl name="alignNode1">
+    <dgm:scene3d>
+      <a:camera prst="orthographicFront"/>
+      <a:lightRig rig="threePt" dir="t"/>
+    </dgm:scene3d>
+    <dgm:sp3d/>
+    <dgm:txPr/>
+    <dgm:style>
+      <a:lnRef idx="2">
+        <a:scrgbClr r="0" g="0" b="0"/>
+      </a:lnRef>
+      <a:fillRef idx="1">
+        <a:scrgbClr r="0" g="0" b="0"/>
+      </a:fillRef>
+      <a:effectRef idx="0">
+        <a:scrgbClr r="0" g="0" b="0"/>
+      </a:effectRef>
+      <a:fontRef idx="minor">
+        <a:schemeClr val="lt1"/>
+      </a:fontRef>
+    </dgm:style>
+  </dgm:styleLbl>
+  <dgm:styleLbl name="node1">
+    <dgm:scene3d>
+      <a:camera prst="orthographicFront"/>
+      <a:lightRig rig="threePt" dir="t"/>
+    </dgm:scene3d>
+    <dgm:sp3d/>
+    <dgm:txPr/>
+    <dgm:style>
+      <a:lnRef idx="2">
+        <a:scrgbClr r="0" g="0" b="0"/>
+      </a:lnRef>
+      <a:fillRef idx="1">
+        <a:scrgbClr r="0" g="0" b="0"/>
+      </a:fillRef>
+      <a:effectRef idx="0">
+        <a:scrgbClr r="0" g="0" b="0"/>
+      </a:effectRef>
+      <a:fontRef idx="minor">
+        <a:schemeClr val="lt1"/>
+      </a:fontRef>
+    </dgm:style>
+  </dgm:styleLbl>
+  <dgm:styleLbl name="node2">
+    <dgm:scene3d>
+      <a:camera prst="orthographicFront"/>
+      <a:lightRig rig="threePt" dir="t"/>
+    </dgm:scene3d>
+    <dgm:sp3d/>
+    <dgm:txPr/>
+    <dgm:style>
+      <a:lnRef idx="2">
+        <a:scrgbClr r="0" g="0" b="0"/>
+      </a:lnRef>
+      <a:fillRef idx="1">
+        <a:scrgbClr r="0" g="0" b="0"/>
+      </a:fillRef>
+      <a:effectRef idx="0">
+        <a:scrgbClr r="0" g="0" b="0"/>
+      </a:effectRef>
+      <a:fontRef idx="minor">
+        <a:schemeClr val="lt1"/>
+      </a:fontRef>
+    </dgm:style>
+  </dgm:styleLbl>
+  <dgm:styleLbl name="node3">
+    <dgm:scene3d>
+      <a:camera prst="orthographicFront"/>
+      <a:lightRig rig="threePt" dir="t"/>
+    </dgm:scene3d>
+    <dgm:sp3d/>
+    <dgm:txPr/>
+    <dgm:style>
+      <a:lnRef idx="2">
+        <a:scrgbClr r="0" g="0" b="0"/>
+      </a:lnRef>
+      <a:fillRef idx="1">
+        <a:scrgbClr r="0" g="0" b="0"/>
+      </a:fillRef>
+      <a:effectRef idx="0">
+        <a:scrgbClr r="0" g="0" b="0"/>
+      </a:effectRef>
+      <a:fontRef idx="minor">
+        <a:schemeClr val="lt1"/>
+      </a:fontRef>
+    </dgm:style>
+  </dgm:styleLbl>
+  <dgm:styleLbl name="node4">
+    <dgm:scene3d>
+      <a:camera prst="orthographicFront"/>
+      <a:lightRig rig="threePt" dir="t"/>
+    </dgm:scene3d>
+    <dgm:sp3d/>
+    <dgm:txPr/>
+    <dgm:style>
+      <a:lnRef idx="2">
+        <a:scrgbClr r="0" g="0" b="0"/>
+      </a:lnRef>
+      <a:fillRef idx="1">
+        <a:scrgbClr r="0" g="0" b="0"/>
+      </a:fillRef>
+      <a:effectRef idx="0">
+        <a:scrgbClr r="0" g="0" b="0"/>
+      </a:effectRef>
+      <a:fontRef idx="minor">
+        <a:schemeClr val="lt1"/>
+      </a:fontRef>
+    </dgm:style>
+  </dgm:styleLbl>
+  <dgm:styleLbl name="fgImgPlace1">
+    <dgm:scene3d>
+      <a:camera prst="orthographicFront"/>
+      <a:lightRig rig="threePt" dir="t"/>
+    </dgm:scene3d>
+    <dgm:sp3d/>
+    <dgm:txPr/>
+    <dgm:style>
+      <a:lnRef idx="2">
+        <a:scrgbClr r="0" g="0" b="0"/>
+      </a:lnRef>
+      <a:fillRef idx="1">
+        <a:scrgbClr r="0" g="0" b="0"/>
+      </a:fillRef>
+      <a:effectRef idx="0">
+        <a:scrgbClr r="0" g="0" b="0"/>
+      </a:effectRef>
+      <a:fontRef idx="minor"/>
+    </dgm:style>
+  </dgm:styleLbl>
+  <dgm:styleLbl name="alignImgPlace1">
+    <dgm:scene3d>
+      <a:camera prst="orthographicFront"/>
+      <a:lightRig rig="threePt" dir="t"/>
+    </dgm:scene3d>
+    <dgm:sp3d/>
+    <dgm:txPr/>
+    <dgm:style>
+      <a:lnRef idx="2">
+        <a:scrgbClr r="0" g="0" b="0"/>
+      </a:lnRef>
+      <a:fillRef idx="1">
+        <a:scrgbClr r="0" g="0" b="0"/>
+      </a:fillRef>
+      <a:effectRef idx="0">
+        <a:scrgbClr r="0" g="0" b="0"/>
+      </a:effectRef>
+      <a:fontRef idx="minor"/>
+    </dgm:style>
+  </dgm:styleLbl>
+  <dgm:styleLbl name="bgImgPlace1">
+    <dgm:scene3d>
+      <a:camera prst="orthographicFront"/>
+      <a:lightRig rig="threePt" dir="t"/>
+    </dgm:scene3d>
+    <dgm:sp3d/>
+    <dgm:txPr/>
+    <dgm:style>
+      <a:lnRef idx="2">
+        <a:scrgbClr r="0" g="0" b="0"/>
+      </a:lnRef>
+      <a:fillRef idx="1">
+        <a:scrgbClr r="0" g="0" b="0"/>
+      </a:fillRef>
+      <a:effectRef idx="0">
+        <a:scrgbClr r="0" g="0" b="0"/>
+      </a:effectRef>
+      <a:fontRef idx="minor"/>
+    </dgm:style>
+  </dgm:styleLbl>
+  <dgm:styleLbl name="sibTrans2D1">
+    <dgm:scene3d>
+      <a:camera prst="orthographicFront"/>
+      <a:lightRig rig="threePt" dir="t"/>
+    </dgm:scene3d>
+    <dgm:sp3d/>
+    <dgm:txPr/>
+    <dgm:style>
+      <a:lnRef idx="0">
+        <a:scrgbClr r="0" g="0" b="0"/>
+      </a:lnRef>
+      <a:fillRef idx="1">
+        <a:scrgbClr r="0" g="0" b="0"/>
+      </a:fillRef>
+      <a:effectRef idx="0">
+        <a:scrgbClr r="0" g="0" b="0"/>
+      </a:effectRef>
+      <a:fontRef idx="minor">
+        <a:schemeClr val="lt1"/>
+      </a:fontRef>
+    </dgm:style>
+  </dgm:styleLbl>
+  <dgm:styleLbl name="fgSibTrans2D1">
+    <dgm:scene3d>
+      <a:camera prst="orthographicFront"/>
+      <a:lightRig rig="threePt" dir="t"/>
+    </dgm:scene3d>
+    <dgm:sp3d/>
+    <dgm:txPr/>
+    <dgm:style>
+      <a:lnRef idx="0">
+        <a:scrgbClr r="0" g="0" b="0"/>
+      </a:lnRef>
+      <a:fillRef idx="1">
+        <a:scrgbClr r="0" g="0" b="0"/>
+      </a:fillRef>
+      <a:effectRef idx="0">
+        <a:scrgbClr r="0" g="0" b="0"/>
+      </a:effectRef>
+      <a:fontRef idx="minor">
+        <a:schemeClr val="lt1"/>
+      </a:fontRef>
+    </dgm:style>
+  </dgm:styleLbl>
+  <dgm:styleLbl name="bgSibTrans2D1">
+    <dgm:scene3d>
+      <a:camera prst="orthographicFront"/>
+      <a:lightRig rig="threePt" dir="t"/>
+    </dgm:scene3d>
+    <dgm:sp3d/>
+    <dgm:txPr/>
+    <dgm:style>
+      <a:lnRef idx="0">
+        <a:scrgbClr r="0" g="0" b="0"/>
+      </a:lnRef>
+      <a:fillRef idx="1">
+        <a:scrgbClr r="0" g="0" b="0"/>
+      </a:fillRef>
+      <a:effectRef idx="0">
+        <a:scrgbClr r="0" g="0" b="0"/>
+      </a:effectRef>
+      <a:fontRef idx="minor">
+        <a:schemeClr val="lt1"/>
+      </a:fontRef>
+    </dgm:style>
+  </dgm:styleLbl>
+  <dgm:styleLbl name="sibTrans1D1">
+    <dgm:scene3d>
+      <a:camera prst="orthographicFront"/>
+      <a:lightRig rig="threePt" dir="t"/>
+    </dgm:scene3d>
+    <dgm:sp3d/>
+    <dgm:txPr/>
+    <dgm:style>
+      <a:lnRef idx="1">
+        <a:scrgbClr r="0" g="0" b="0"/>
+      </a:lnRef>
+      <a:fillRef idx="0">
+        <a:scrgbClr r="0" g="0" b="0"/>
+      </a:fillRef>
+      <a:effectRef idx="0">
+        <a:scrgbClr r="0" g="0" b="0"/>
+      </a:effectRef>
+      <a:fontRef idx="minor"/>
+    </dgm:style>
+  </dgm:styleLbl>
+  <dgm:styleLbl name="callout">
+    <dgm:scene3d>
+      <a:camera prst="orthographicFront"/>
+      <a:lightRig rig="threePt" dir="t"/>
+    </dgm:scene3d>
+    <dgm:sp3d/>
+    <dgm:txPr/>
+    <dgm:style>
+      <a:lnRef idx="2">
+        <a:scrgbClr r="0" g="0" b="0"/>
+      </a:lnRef>
+      <a:fillRef idx="1">
+        <a:scrgbClr r="0" g="0" b="0"/>
+      </a:fillRef>
+      <a:effectRef idx="0">
+        <a:scrgbClr r="0" g="0" b="0"/>
+      </a:effectRef>
+      <a:fontRef idx="minor"/>
+    </dgm:style>
+  </dgm:styleLbl>
+  <dgm:styleLbl name="asst0">
+    <dgm:scene3d>
+      <a:camera prst="orthographicFront"/>
+      <a:lightRig rig="threePt" dir="t"/>
+    </dgm:scene3d>
+    <dgm:sp3d/>
+    <dgm:txPr/>
+    <dgm:style>
+      <a:lnRef idx="2">
+        <a:scrgbClr r="0" g="0" b="0"/>
+      </a:lnRef>
+      <a:fillRef idx="1">
+        <a:scrgbClr r="0" g="0" b="0"/>
+      </a:fillRef>
+      <a:effectRef idx="0">
+        <a:scrgbClr r="0" g="0" b="0"/>
+      </a:effectRef>
+      <a:fontRef idx="minor">
+        <a:schemeClr val="lt1"/>
+      </a:fontRef>
+    </dgm:style>
+  </dgm:styleLbl>
+  <dgm:styleLbl name="asst1">
+    <dgm:scene3d>
+      <a:camera prst="orthographicFront"/>
+      <a:lightRig rig="threePt" dir="t"/>
+    </dgm:scene3d>
+    <dgm:sp3d/>
+    <dgm:txPr/>
+    <dgm:style>
+      <a:lnRef idx="2">
+        <a:scrgbClr r="0" g="0" b="0"/>
+      </a:lnRef>
+      <a:fillRef idx="1">
+        <a:scrgbClr r="0" g="0" b="0"/>
+      </a:fillRef>
+      <a:effectRef idx="0">
+        <a:scrgbClr r="0" g="0" b="0"/>
+      </a:effectRef>
+      <a:fontRef idx="minor">
+        <a:schemeClr val="lt1"/>
+      </a:fontRef>
+    </dgm:style>
+  </dgm:styleLbl>
+  <dgm:styleLbl name="asst2">
+    <dgm:scene3d>
+      <a:camera prst="orthographicFront"/>
+      <a:lightRig rig="threePt" dir="t"/>
+    </dgm:scene3d>
+    <dgm:sp3d/>
+    <dgm:txPr/>
+    <dgm:style>
+      <a:lnRef idx="2">
+        <a:scrgbClr r="0" g="0" b="0"/>
+      </a:lnRef>
+      <a:fillRef idx="1">
+        <a:scrgbClr r="0" g="0" b="0"/>
+      </a:fillRef>
+      <a:effectRef idx="0">
+        <a:scrgbClr r="0" g="0" b="0"/>
+      </a:effectRef>
+      <a:fontRef idx="minor">
+        <a:schemeClr val="lt1"/>
+      </a:fontRef>
+    </dgm:style>
+  </dgm:styleLbl>
+  <dgm:styleLbl name="asst3">
+    <dgm:scene3d>
+      <a:camera prst="orthographicFront"/>
+      <a:lightRig rig="threePt" dir="t"/>
+    </dgm:scene3d>
+    <dgm:sp3d/>
+    <dgm:txPr/>
+    <dgm:style>
+      <a:lnRef idx="2">
+        <a:scrgbClr r="0" g="0" b="0"/>
+      </a:lnRef>
+      <a:fillRef idx="1">
+        <a:scrgbClr r="0" g="0" b="0"/>
+      </a:fillRef>
+      <a:effectRef idx="0">
+        <a:scrgbClr r="0" g="0" b="0"/>
+      </a:effectRef>
+      <a:fontRef idx="minor">
+        <a:schemeClr val="lt1"/>
+      </a:fontRef>
+    </dgm:style>
+  </dgm:styleLbl>
+  <dgm:styleLbl name="asst4">
+    <dgm:scene3d>
+      <a:camera prst="orthographicFront"/>
+      <a:lightRig rig="threePt" dir="t"/>
+    </dgm:scene3d>
+    <dgm:sp3d/>
+    <dgm:txPr/>
+    <dgm:style>
+      <a:lnRef idx="2">
+        <a:scrgbClr r="0" g="0" b="0"/>
+      </a:lnRef>
+      <a:fillRef idx="1">
+        <a:scrgbClr r="0" g="0" b="0"/>
+      </a:fillRef>
+      <a:effectRef idx="0">
+        <a:scrgbClr r="0" g="0" b="0"/>
+      </a:effectRef>
+      <a:fontRef idx="minor">
+        <a:schemeClr val="lt1"/>
+      </a:fontRef>
+    </dgm:style>
+  </dgm:styleLbl>
+  <dgm:styleLbl name="parChTrans2D1">
+    <dgm:scene3d>
+      <a:camera prst="orthographicFront"/>
+      <a:lightRig rig="threePt" dir="t"/>
+    </dgm:scene3d>
+    <dgm:sp3d/>
+    <dgm:txPr/>
+    <dgm:style>
+      <a:lnRef idx="2">
+        <a:scrgbClr r="0" g="0" b="0"/>
+      </a:lnRef>
+      <a:fillRef idx="1">
+        <a:scrgbClr r="0" g="0" b="0"/>
+      </a:fillRef>
+      <a:effectRef idx="0">
+        <a:scrgbClr r="0" g="0" b="0"/>
+      </a:effectRef>
+      <a:fontRef idx="minor">
+        <a:schemeClr val="lt1"/>
+      </a:fontRef>
+    </dgm:style>
+  </dgm:styleLbl>
+  <dgm:styleLbl name="parChTrans2D2">
+    <dgm:scene3d>
+      <a:camera prst="orthographicFront"/>
+      <a:lightRig rig="threePt" dir="t"/>
+    </dgm:scene3d>
+    <dgm:sp3d/>
+    <dgm:txPr/>
+    <dgm:style>
+      <a:lnRef idx="2">
+        <a:scrgbClr r="0" g="0" b="0"/>
+      </a:lnRef>
+      <a:fillRef idx="1">
+        <a:scrgbClr r="0" g="0" b="0"/>
+      </a:fillRef>
+      <a:effectRef idx="0">
+        <a:scrgbClr r="0" g="0" b="0"/>
+      </a:effectRef>
+      <a:fontRef idx="minor">
+        <a:schemeClr val="lt1"/>
+      </a:fontRef>
+    </dgm:style>
+  </dgm:styleLbl>
+  <dgm:styleLbl name="parChTrans2D3">
+    <dgm:scene3d>
+      <a:camera prst="orthographicFront"/>
+      <a:lightRig rig="threePt" dir="t"/>
+    </dgm:scene3d>
+    <dgm:sp3d/>
+    <dgm:txPr/>
+    <dgm:style>
+      <a:lnRef idx="2">
+        <a:scrgbClr r="0" g="0" b="0"/>
+      </a:lnRef>
+      <a:fillRef idx="1">
+        <a:scrgbClr r="0" g="0" b="0"/>
+      </a:fillRef>
+      <a:effectRef idx="0">
+        <a:scrgbClr r="0" g="0" b="0"/>
+      </a:effectRef>
+      <a:fontRef idx="minor">
+        <a:schemeClr val="lt1"/>
+      </a:fontRef>
+    </dgm:style>
+  </dgm:styleLbl>
+  <dgm:styleLbl name="parChTrans2D4">
+    <dgm:scene3d>
+      <a:camera prst="orthographicFront"/>
+      <a:lightRig rig="threePt" dir="t"/>
+    </dgm:scene3d>
+    <dgm:sp3d/>
+    <dgm:txPr/>
+    <dgm:style>
+      <a:lnRef idx="2">
+        <a:scrgbClr r="0" g="0" b="0"/>
+      </a:lnRef>
+      <a:fillRef idx="1">
+        <a:scrgbClr r="0" g="0" b="0"/>
+      </a:fillRef>
+      <a:effectRef idx="0">
+        <a:scrgbClr r="0" g="0" b="0"/>
+      </a:effectRef>
+      <a:fontRef idx="minor">
+        <a:schemeClr val="lt1"/>
+      </a:fontRef>
+    </dgm:style>
+  </dgm:styleLbl>
+  <dgm:styleLbl name="parChTrans1D1">
+    <dgm:scene3d>
+      <a:camera prst="orthographicFront"/>
+      <a:lightRig rig="threePt" dir="t"/>
+    </dgm:scene3d>
+    <dgm:sp3d/>
+    <dgm:txPr/>
+    <dgm:style>
+      <a:lnRef idx="2">
+        <a:scrgbClr r="0" g="0" b="0"/>
+      </a:lnRef>
+      <a:fillRef idx="0">
+        <a:scrgbClr r="0" g="0" b="0"/>
+      </a:fillRef>
+      <a:effectRef idx="0">
+        <a:scrgbClr r="0" g="0" b="0"/>
+      </a:effectRef>
+      <a:fontRef idx="minor"/>
+    </dgm:style>
+  </dgm:styleLbl>
+  <dgm:styleLbl name="parChTrans1D2">
+    <dgm:scene3d>
+      <a:camera prst="orthographicFront"/>
+      <a:lightRig rig="threePt" dir="t"/>
+    </dgm:scene3d>
+    <dgm:sp3d/>
+    <dgm:txPr/>
+    <dgm:style>
+      <a:lnRef idx="2">
+        <a:scrgbClr r="0" g="0" b="0"/>
+      </a:lnRef>
+      <a:fillRef idx="0">
+        <a:scrgbClr r="0" g="0" b="0"/>
+      </a:fillRef>
+      <a:effectRef idx="0">
+        <a:scrgbClr r="0" g="0" b="0"/>
+      </a:effectRef>
+      <a:fontRef idx="minor"/>
+    </dgm:style>
+  </dgm:styleLbl>
+  <dgm:styleLbl name="parChTrans1D3">
+    <dgm:scene3d>
+      <a:camera prst="orthographicFront"/>
+      <a:lightRig rig="threePt" dir="t"/>
+    </dgm:scene3d>
+    <dgm:sp3d/>
+    <dgm:txPr/>
+    <dgm:style>
+      <a:lnRef idx="2">
+        <a:scrgbClr r="0" g="0" b="0"/>
+      </a:lnRef>
+      <a:fillRef idx="0">
+        <a:scrgbClr r="0" g="0" b="0"/>
+      </a:fillRef>
+      <a:effectRef idx="0">
+        <a:scrgbClr r="0" g="0" b="0"/>
+      </a:effectRef>
+      <a:fontRef idx="minor"/>
+    </dgm:style>
+  </dgm:styleLbl>
+  <dgm:styleLbl name="parChTrans1D4">
+    <dgm:scene3d>
+      <a:camera prst="orthographicFront"/>
+      <a:lightRig rig="threePt" dir="t"/>
+    </dgm:scene3d>
+    <dgm:sp3d/>
+    <dgm:txPr/>
+    <dgm:style>
+      <a:lnRef idx="2">
+        <a:scrgbClr r="0" g="0" b="0"/>
+      </a:lnRef>
+      <a:fillRef idx="0">
+        <a:scrgbClr r="0" g="0" b="0"/>
+      </a:fillRef>
+      <a:effectRef idx="0">
+        <a:scrgbClr r="0" g="0" b="0"/>
+      </a:effectRef>
+      <a:fontRef idx="minor"/>
+    </dgm:style>
+  </dgm:styleLbl>
+  <dgm:styleLbl name="fgAcc1">
+    <dgm:scene3d>
+      <a:camera prst="orthographicFront"/>
+      <a:lightRig rig="threePt" dir="t"/>
+    </dgm:scene3d>
+    <dgm:sp3d/>
+    <dgm:txPr/>
+    <dgm:style>
+      <a:lnRef idx="2">
+        <a:scrgbClr r="0" g="0" b="0"/>
+      </a:lnRef>
+      <a:fillRef idx="1">
+        <a:scrgbClr r="0" g="0" b="0"/>
+      </a:fillRef>
+      <a:effectRef idx="0">
+        <a:scrgbClr r="0" g="0" b="0"/>
+      </a:effectRef>
+      <a:fontRef idx="minor"/>
+    </dgm:style>
+  </dgm:styleLbl>
+  <dgm:styleLbl name="conFgAcc1">
+    <dgm:scene3d>
+      <a:camera prst="orthographicFront"/>
+      <a:lightRig rig="threePt" dir="t"/>
+    </dgm:scene3d>
+    <dgm:sp3d/>
+    <dgm:txPr/>
+    <dgm:style>
+      <a:lnRef idx="2">
+        <a:scrgbClr r="0" g="0" b="0"/>
+      </a:lnRef>
+      <a:fillRef idx="1">
+        <a:scrgbClr r="0" g="0" b="0"/>
+      </a:fillRef>
+      <a:effectRef idx="0">
+        <a:scrgbClr r="0" g="0" b="0"/>
+      </a:effectRef>
+      <a:fontRef idx="minor"/>
+    </dgm:style>
+  </dgm:styleLbl>
+  <dgm:styleLbl name="alignAcc1">
+    <dgm:scene3d>
+      <a:camera prst="orthographicFront"/>
+      <a:lightRig rig="threePt" dir="t"/>
+    </dgm:scene3d>
+    <dgm:sp3d/>
+    <dgm:txPr/>
+    <dgm:style>
+      <a:lnRef idx="2">
+        <a:scrgbClr r="0" g="0" b="0"/>
+      </a:lnRef>
+      <a:fillRef idx="1">
+        <a:scrgbClr r="0" g="0" b="0"/>
+      </a:fillRef>
+      <a:effectRef idx="0">
+        <a:scrgbClr r="0" g="0" b="0"/>
+      </a:effectRef>
+      <a:fontRef idx="minor"/>
+    </dgm:style>
+  </dgm:styleLbl>
+  <dgm:styleLbl name="trAlignAcc1">
+    <dgm:scene3d>
+      <a:camera prst="orthographicFront"/>
+      <a:lightRig rig="threePt" dir="t"/>
+    </dgm:scene3d>
+    <dgm:sp3d/>
+    <dgm:txPr/>
+    <dgm:style>
+      <a:lnRef idx="1">
+        <a:scrgbClr r="0" g="0" b="0"/>
+      </a:lnRef>
+      <a:fillRef idx="1">
+        <a:scrgbClr r="0" g="0" b="0"/>
+      </a:fillRef>
+      <a:effectRef idx="0">
+        <a:scrgbClr r="0" g="0" b="0"/>
+      </a:effectRef>
+      <a:fontRef idx="minor"/>
+    </dgm:style>
+  </dgm:styleLbl>
+  <dgm:styleLbl name="bgAcc1">
+    <dgm:scene3d>
+      <a:camera prst="orthographicFront"/>
+      <a:lightRig rig="threePt" dir="t"/>
+    </dgm:scene3d>
+    <dgm:sp3d/>
+    <dgm:txPr/>
+    <dgm:style>
+      <a:lnRef idx="2">
+        <a:scrgbClr r="0" g="0" b="0"/>
+      </a:lnRef>
+      <a:fillRef idx="1">
+        <a:scrgbClr r="0" g="0" b="0"/>
+      </a:fillRef>
+      <a:effectRef idx="0">
+        <a:scrgbClr r="0" g="0" b="0"/>
+      </a:effectRef>
+      <a:fontRef idx="minor"/>
+    </dgm:style>
+  </dgm:styleLbl>
+  <dgm:styleLbl name="solidFgAcc1">
+    <dgm:scene3d>
+      <a:camera prst="orthographicFront"/>
+      <a:lightRig rig="threePt" dir="t"/>
+    </dgm:scene3d>
+    <dgm:sp3d/>
+    <dgm:txPr/>
+    <dgm:style>
+      <a:lnRef idx="2">
+        <a:scrgbClr r="0" g="0" b="0"/>
+      </a:lnRef>
+      <a:fillRef idx="1">
+        <a:scrgbClr r="0" g="0" b="0"/>
+      </a:fillRef>
+      <a:effectRef idx="0">
+        <a:scrgbClr r="0" g="0" b="0"/>
+      </a:effectRef>
+      <a:fontRef idx="minor"/>
+    </dgm:style>
+  </dgm:styleLbl>
+  <dgm:styleLbl name="solidAlignAcc1">
+    <dgm:scene3d>
+      <a:camera prst="orthographicFront"/>
+      <a:lightRig rig="threePt" dir="t"/>
+    </dgm:scene3d>
+    <dgm:sp3d/>
+    <dgm:txPr/>
+    <dgm:style>
+      <a:lnRef idx="2">
+        <a:scrgbClr r="0" g="0" b="0"/>
+      </a:lnRef>
+      <a:fillRef idx="1">
+        <a:scrgbClr r="0" g="0" b="0"/>
+      </a:fillRef>
+      <a:effectRef idx="0">
+        <a:scrgbClr r="0" g="0" b="0"/>
+      </a:effectRef>
+      <a:fontRef idx="minor"/>
+    </dgm:style>
+  </dgm:styleLbl>
+  <dgm:styleLbl name="solidBgAcc1">
+    <dgm:scene3d>
+      <a:camera prst="orthographicFront"/>
+      <a:lightRig rig="threePt" dir="t"/>
+    </dgm:scene3d>
+    <dgm:sp3d/>
+    <dgm:txPr/>
+    <dgm:style>
+      <a:lnRef idx="2">
+        <a:scrgbClr r="0" g="0" b="0"/>
+      </a:lnRef>
+      <a:fillRef idx="1">
+        <a:scrgbClr r="0" g="0" b="0"/>
+      </a:fillRef>
+      <a:effectRef idx="0">
+        <a:scrgbClr r="0" g="0" b="0"/>
+      </a:effectRef>
+      <a:fontRef idx="minor"/>
+    </dgm:style>
+  </dgm:styleLbl>
+  <dgm:styleLbl name="fgAccFollowNode1">
+    <dgm:scene3d>
+      <a:camera prst="orthographicFront"/>
+      <a:lightRig rig="threePt" dir="t"/>
+    </dgm:scene3d>
+    <dgm:sp3d/>
+    <dgm:txPr/>
+    <dgm:style>
+      <a:lnRef idx="2">
+        <a:scrgbClr r="0" g="0" b="0"/>
+      </a:lnRef>
+      <a:fillRef idx="1">
+        <a:scrgbClr r="0" g="0" b="0"/>
+      </a:fillRef>
+      <a:effectRef idx="0">
+        <a:scrgbClr r="0" g="0" b="0"/>
+      </a:effectRef>
+      <a:fontRef idx="minor"/>
+    </dgm:style>
+  </dgm:styleLbl>
+  <dgm:styleLbl name="alignAccFollowNode1">
+    <dgm:scene3d>
+      <a:camera prst="orthographicFront"/>
+      <a:lightRig rig="threePt" dir="t"/>
+    </dgm:scene3d>
+    <dgm:sp3d/>
+    <dgm:txPr/>
+    <dgm:style>
+      <a:lnRef idx="2">
+        <a:scrgbClr r="0" g="0" b="0"/>
+      </a:lnRef>
+      <a:fillRef idx="1">
+        <a:scrgbClr r="0" g="0" b="0"/>
+      </a:fillRef>
+      <a:effectRef idx="0">
+        <a:scrgbClr r="0" g="0" b="0"/>
+      </a:effectRef>
+      <a:fontRef idx="minor"/>
+    </dgm:style>
+  </dgm:styleLbl>
+  <dgm:styleLbl name="bgAccFollowNode1">
+    <dgm:scene3d>
+      <a:camera prst="orthographicFront"/>
+      <a:lightRig rig="threePt" dir="t"/>
+    </dgm:scene3d>
+    <dgm:sp3d/>
+    <dgm:txPr/>
+    <dgm:style>
+      <a:lnRef idx="2">
+        <a:scrgbClr r="0" g="0" b="0"/>
+      </a:lnRef>
+      <a:fillRef idx="1">
+        <a:scrgbClr r="0" g="0" b="0"/>
+      </a:fillRef>
+      <a:effectRef idx="0">
+        <a:scrgbClr r="0" g="0" b="0"/>
+      </a:effectRef>
+      <a:fontRef idx="minor"/>
+    </dgm:style>
+  </dgm:styleLbl>
+  <dgm:styleLbl name="fgAcc0">
+    <dgm:scene3d>
+      <a:camera prst="orthographicFront"/>
+      <a:lightRig rig="threePt" dir="t"/>
+    </dgm:scene3d>
+    <dgm:sp3d/>
+    <dgm:txPr/>
+    <dgm:style>
+      <a:lnRef idx="2">
+        <a:scrgbClr r="0" g="0" b="0"/>
+      </a:lnRef>
+      <a:fillRef idx="1">
+        <a:scrgbClr r="0" g="0" b="0"/>
+      </a:fillRef>
+      <a:effectRef idx="0">
+        <a:scrgbClr r="0" g="0" b="0"/>
+      </a:effectRef>
+      <a:fontRef idx="minor"/>
+    </dgm:style>
+  </dgm:styleLbl>
+  <dgm:styleLbl name="fgAcc2">
+    <dgm:scene3d>
+      <a:camera prst="orthographicFront"/>
+      <a:lightRig rig="threePt" dir="t"/>
+    </dgm:scene3d>
+    <dgm:sp3d/>
+    <dgm:txPr/>
+    <dgm:style>
+      <a:lnRef idx="2">
+        <a:scrgbClr r="0" g="0" b="0"/>
+      </a:lnRef>
+      <a:fillRef idx="1">
+        <a:scrgbClr r="0" g="0" b="0"/>
+      </a:fillRef>
+      <a:effectRef idx="0">
+        <a:scrgbClr r="0" g="0" b="0"/>
+      </a:effectRef>
+      <a:fontRef idx="minor"/>
+    </dgm:style>
+  </dgm:styleLbl>
+  <dgm:styleLbl name="fgAcc3">
+    <dgm:scene3d>
+      <a:camera prst="orthographicFront"/>
+      <a:lightRig rig="threePt" dir="t"/>
+    </dgm:scene3d>
+    <dgm:sp3d/>
+    <dgm:txPr/>
+    <dgm:style>
+      <a:lnRef idx="2">
+        <a:scrgbClr r="0" g="0" b="0"/>
+      </a:lnRef>
+      <a:fillRef idx="1">
+        <a:scrgbClr r="0" g="0" b="0"/>
+      </a:fillRef>
+      <a:effectRef idx="0">
+        <a:scrgbClr r="0" g="0" b="0"/>
+      </a:effectRef>
+      <a:fontRef idx="minor"/>
+    </dgm:style>
+  </dgm:styleLbl>
+  <dgm:styleLbl name="fgAcc4">
+    <dgm:scene3d>
+      <a:camera prst="orthographicFront"/>
+      <a:lightRig rig="threePt" dir="t"/>
+    </dgm:scene3d>
+    <dgm:sp3d/>
+    <dgm:txPr/>
+    <dgm:style>
+      <a:lnRef idx="2">
+        <a:scrgbClr r="0" g="0" b="0"/>
+      </a:lnRef>
+      <a:fillRef idx="1">
+        <a:scrgbClr r="0" g="0" b="0"/>
+      </a:fillRef>
+      <a:effectRef idx="0">
+        <a:scrgbClr r="0" g="0" b="0"/>
+      </a:effectRef>
+      <a:fontRef idx="minor"/>
+    </dgm:style>
+  </dgm:styleLbl>
+  <dgm:styleLbl name="bgShp">
+    <dgm:scene3d>
+      <a:camera prst="orthographicFront"/>
+      <a:lightRig rig="threePt" dir="t"/>
+    </dgm:scene3d>
+    <dgm:sp3d/>
+    <dgm:txPr/>
+    <dgm:style>
+      <a:lnRef idx="0">
+        <a:scrgbClr r="0" g="0" b="0"/>
+      </a:lnRef>
+      <a:fillRef idx="1">
+        <a:scrgbClr r="0" g="0" b="0"/>
+      </a:fillRef>
+      <a:effectRef idx="0">
+        <a:scrgbClr r="0" g="0" b="0"/>
+      </a:effectRef>
+      <a:fontRef idx="minor"/>
+    </dgm:style>
+  </dgm:styleLbl>
+  <dgm:styleLbl name="dkBgShp">
+    <dgm:scene3d>
+      <a:camera prst="orthographicFront"/>
+      <a:lightRig rig="threePt" dir="t"/>
+    </dgm:scene3d>
+    <dgm:sp3d/>
+    <dgm:txPr/>
+    <dgm:style>
+      <a:lnRef idx="0">
+        <a:scrgbClr r="0" g="0" b="0"/>
+      </a:lnRef>
+      <a:fillRef idx="1">
+        <a:scrgbClr r="0" g="0" b="0"/>
+      </a:fillRef>
+      <a:effectRef idx="0">
+        <a:scrgbClr r="0" g="0" b="0"/>
+      </a:effectRef>
+      <a:fontRef idx="minor"/>
+    </dgm:style>
+  </dgm:styleLbl>
+  <dgm:styleLbl name="trBgShp">
+    <dgm:scene3d>
+      <a:camera prst="orthographicFront"/>
+      <a:lightRig rig="threePt" dir="t"/>
+    </dgm:scene3d>
+    <dgm:sp3d/>
+    <dgm:txPr/>
+    <dgm:style>
+      <a:lnRef idx="0">
+        <a:scrgbClr r="0" g="0" b="0"/>
+      </a:lnRef>
+      <a:fillRef idx="1">
+        <a:scrgbClr r="0" g="0" b="0"/>
+      </a:fillRef>
+      <a:effectRef idx="0">
+        <a:scrgbClr r="0" g="0" b="0"/>
+      </a:effectRef>
+      <a:fontRef idx="minor"/>
+    </dgm:style>
+  </dgm:styleLbl>
+  <dgm:styleLbl name="fgShp">
+    <dgm:scene3d>
+      <a:camera prst="orthographicFront"/>
+      <a:lightRig rig="threePt" dir="t"/>
+    </dgm:scene3d>
+    <dgm:sp3d/>
+    <dgm:txPr/>
+    <dgm:style>
+      <a:lnRef idx="2">
+        <a:scrgbClr r="0" g="0" b="0"/>
+      </a:lnRef>
+      <a:fillRef idx="1">
+        <a:scrgbClr r="0" g="0" b="0"/>
+      </a:fillRef>
+      <a:effectRef idx="0">
+        <a:scrgbClr r="0" g="0" b="0"/>
+      </a:effectRef>
+      <a:fontRef idx="minor"/>
+    </dgm:style>
+  </dgm:styleLbl>
+  <dgm:styleLbl name="revTx">
+    <dgm:scene3d>
+      <a:camera prst="orthographicFront"/>
+      <a:lightRig rig="threePt" dir="t"/>
+    </dgm:scene3d>
+    <dgm:sp3d/>
+    <dgm:txPr/>
+    <dgm:style>
+      <a:lnRef idx="0">
+        <a:scrgbClr r="0" g="0" b="0"/>
+      </a:lnRef>
+      <a:fillRef idx="0">
+        <a:scrgbClr r="0" g="0" b="0"/>
+      </a:fillRef>
+      <a:effectRef idx="0">
+        <a:scrgbClr r="0" g="0" b="0"/>
+      </a:effectRef>
+      <a:fontRef idx="minor"/>
+    </dgm:style>
+  </dgm:styleLbl>
+</dgm:styleDef>
+</file>
+
+<file path=ppt/diagrams/quickStyle2.xml><?xml version="1.0" encoding="utf-8"?>
 <dgm:styleDef xmlns:dgm="http://schemas.openxmlformats.org/drawingml/2006/diagram" xmlns:a="http://schemas.openxmlformats.org/drawingml/2006/main" uniqueId="urn:microsoft.com/office/officeart/2005/8/quickstyle/simple5">
   <dgm:title val=""/>
   <dgm:desc val=""/>
@@ -6000,7 +8829,7 @@
               <a:pPr>
                 <a:defRPr/>
               </a:pPr>
-              <a:t>20.08.2018</a:t>
+              <a:t>21.08.2018</a:t>
             </a:fld>
             <a:endParaRPr lang="de-DE"/>
           </a:p>
@@ -6186,7 +9015,7 @@
               <a:pPr>
                 <a:defRPr/>
               </a:pPr>
-              <a:t>20.08.2018</a:t>
+              <a:t>21.08.2018</a:t>
             </a:fld>
             <a:endParaRPr lang="de-DE"/>
           </a:p>
@@ -9136,97 +11965,7 @@
           <a:bodyPr/>
           <a:lstStyle/>
           <a:p>
-            <a:pPr marL="228600" indent="-228600">
-              <a:buFont typeface="+mj-lt"/>
-              <a:buAutoNum type="arabicPeriod"/>
-            </a:pPr>
-            <a:r>
-              <a:rPr lang="de-DE" dirty="0"/>
-              <a:t>Das </a:t>
-            </a:r>
-            <a:r>
-              <a:rPr lang="de-DE" dirty="0" err="1"/>
-              <a:t>Beisp</a:t>
-            </a:r>
-            <a:r>
-              <a:rPr lang="de-DE" dirty="0"/>
-              <a:t>.</a:t>
-            </a:r>
-            <a:r>
-              <a:rPr lang="de-DE" baseline="0" dirty="0"/>
-              <a:t> Zeigt die Grunddaten einer Topologie, die von Client Konsumiert werden soll. </a:t>
-            </a:r>
-            <a:r>
-              <a:rPr lang="de-DE" b="1" baseline="0" dirty="0"/>
-              <a:t>Es handelt sich um ein Key-Value-Paare. </a:t>
-            </a:r>
-          </a:p>
-          <a:p>
-            <a:pPr marL="228600" indent="-228600">
-              <a:buFont typeface="+mj-lt"/>
-              <a:buAutoNum type="arabicPeriod"/>
-            </a:pPr>
-            <a:r>
-              <a:rPr lang="de-DE" baseline="0" dirty="0"/>
-              <a:t>Der </a:t>
-            </a:r>
-            <a:r>
-              <a:rPr lang="de-DE" b="1" baseline="0" dirty="0"/>
-              <a:t>erste Schlüssel ist systemtag</a:t>
-            </a:r>
-            <a:r>
-              <a:rPr lang="de-DE" baseline="0" dirty="0"/>
-              <a:t>,  er bietet eine Möglichkeit </a:t>
-            </a:r>
-            <a:r>
-              <a:rPr lang="de-DE" b="1" baseline="0" dirty="0"/>
-              <a:t>ein Gerät eindeutig zu </a:t>
-            </a:r>
-            <a:r>
-              <a:rPr lang="de-DE" baseline="0" dirty="0"/>
-              <a:t>identifizieren.</a:t>
-            </a:r>
-          </a:p>
-          <a:p>
-            <a:pPr marL="228600" indent="-228600">
-              <a:buFont typeface="+mj-lt"/>
-              <a:buAutoNum type="arabicPeriod"/>
-            </a:pPr>
-            <a:r>
-              <a:rPr lang="de-DE" baseline="0" dirty="0"/>
-              <a:t>Der Gerätename und die </a:t>
-            </a:r>
-            <a:r>
-              <a:rPr lang="de-DE" b="1" baseline="0" dirty="0"/>
-              <a:t>Station-</a:t>
-            </a:r>
-            <a:r>
-              <a:rPr lang="de-DE" b="1" baseline="0" dirty="0" err="1"/>
-              <a:t>Addresse</a:t>
-            </a:r>
-            <a:r>
-              <a:rPr lang="de-DE" b="1" baseline="0" dirty="0"/>
-              <a:t> können auch abgefragt werden mit jeweils schlüsseln</a:t>
-            </a:r>
-          </a:p>
-          <a:p>
-            <a:pPr marL="228600" indent="-228600">
-              <a:buFont typeface="+mj-lt"/>
-              <a:buAutoNum type="arabicPeriod"/>
-            </a:pPr>
-            <a:r>
-              <a:rPr lang="de-DE" baseline="0" dirty="0"/>
-              <a:t>Die </a:t>
-            </a:r>
-            <a:r>
-              <a:rPr lang="de-DE" baseline="0" dirty="0" err="1"/>
-              <a:t>Topo</a:t>
-            </a:r>
-            <a:r>
-              <a:rPr lang="de-DE" baseline="0" dirty="0"/>
-              <a:t> besitzt eine Liste von Ports wo die jeweils Verbindung abgeschlossen werden. </a:t>
-            </a:r>
-            <a:endParaRPr lang="de-DE" dirty="0"/>
+            <a:endParaRPr lang="de-DE" b="1" dirty="0"/>
           </a:p>
         </p:txBody>
       </p:sp>
@@ -9262,7 +12001,7 @@
     </p:spTree>
     <p:extLst>
       <p:ext uri="{BB962C8B-B14F-4D97-AF65-F5344CB8AC3E}">
-        <p14:creationId xmlns:p14="http://schemas.microsoft.com/office/powerpoint/2010/main" val="1671557534"/>
+        <p14:creationId xmlns:p14="http://schemas.microsoft.com/office/powerpoint/2010/main" val="2611418892"/>
       </p:ext>
     </p:extLst>
   </p:cSld>
@@ -9316,59 +12055,29 @@
           <a:bodyPr/>
           <a:lstStyle/>
           <a:p>
-            <a:r>
-              <a:rPr lang="de-DE" dirty="0"/>
-              <a:t>Das 2te </a:t>
-            </a:r>
-            <a:r>
-              <a:rPr lang="de-DE" dirty="0" err="1"/>
-              <a:t>JSon</a:t>
-            </a:r>
-            <a:r>
-              <a:rPr lang="de-DE" dirty="0"/>
-              <a:t> Format beschreibt die liste der Verbindung in Netz.</a:t>
-            </a:r>
-          </a:p>
-          <a:p>
             <a:pPr marL="228600" indent="-228600">
               <a:buFont typeface="+mj-lt"/>
               <a:buAutoNum type="arabicPeriod"/>
             </a:pPr>
             <a:r>
               <a:rPr lang="de-DE" dirty="0"/>
-              <a:t> </a:t>
-            </a:r>
-            <a:r>
-              <a:rPr lang="de-DE" b="1" dirty="0" err="1"/>
-              <a:t>From</a:t>
-            </a:r>
-            <a:r>
-              <a:rPr lang="de-DE" b="1" dirty="0"/>
-              <a:t> und </a:t>
-            </a:r>
-            <a:r>
-              <a:rPr lang="de-DE" b="1" dirty="0" err="1"/>
-              <a:t>To</a:t>
-            </a:r>
-            <a:r>
-              <a:rPr lang="de-DE" b="1" dirty="0"/>
-              <a:t> Schlüssel repräsentieren  der Quell-</a:t>
-            </a:r>
-            <a:r>
-              <a:rPr lang="de-DE" b="1" baseline="0" dirty="0"/>
-              <a:t> </a:t>
-            </a:r>
-            <a:r>
-              <a:rPr lang="de-DE" b="1" dirty="0"/>
-              <a:t>und </a:t>
-            </a:r>
-            <a:r>
-              <a:rPr lang="de-DE" b="1" dirty="0" err="1"/>
-              <a:t>ZielGeräts</a:t>
+              <a:t>Das </a:t>
+            </a:r>
+            <a:r>
+              <a:rPr lang="de-DE" dirty="0" err="1"/>
+              <a:t>Beisp</a:t>
             </a:r>
             <a:r>
               <a:rPr lang="de-DE" dirty="0"/>
               <a:t>.</a:t>
+            </a:r>
+            <a:r>
+              <a:rPr lang="de-DE" baseline="0" dirty="0"/>
+              <a:t> Zeigt die Grunddaten einer Topologie, die von Client Konsumiert werden soll. </a:t>
+            </a:r>
+            <a:r>
+              <a:rPr lang="de-DE" b="1" baseline="0" dirty="0"/>
+              <a:t>Es handelt sich um ein Key-Value-Paare. </a:t>
             </a:r>
           </a:p>
           <a:p>
@@ -9377,24 +12086,24 @@
               <a:buAutoNum type="arabicPeriod"/>
             </a:pPr>
             <a:r>
-              <a:rPr lang="de-DE" b="1" dirty="0" err="1"/>
-              <a:t>FromPort</a:t>
+              <a:rPr lang="de-DE" baseline="0" dirty="0"/>
+              <a:t>Der </a:t>
             </a:r>
             <a:r>
               <a:rPr lang="de-DE" b="1" baseline="0" dirty="0"/>
-              <a:t> und </a:t>
-            </a:r>
-            <a:r>
-              <a:rPr lang="de-DE" b="1" baseline="0" dirty="0" err="1"/>
-              <a:t>ToPort</a:t>
+              <a:t>erste Schlüssel ist systemtag</a:t>
+            </a:r>
+            <a:r>
+              <a:rPr lang="de-DE" baseline="0" dirty="0"/>
+              <a:t>,  er bietet eine Möglichkeit </a:t>
             </a:r>
             <a:r>
               <a:rPr lang="de-DE" b="1" baseline="0" dirty="0"/>
-              <a:t> Schlüssel repräsentieren die Ports der jeweils Geräten</a:t>
-            </a:r>
-            <a:r>
-              <a:rPr lang="de-DE" b="1" dirty="0"/>
-              <a:t> </a:t>
+              <a:t>ein Gerät eindeutig zu </a:t>
+            </a:r>
+            <a:r>
+              <a:rPr lang="de-DE" baseline="0" dirty="0"/>
+              <a:t>identifizieren.</a:t>
             </a:r>
           </a:p>
           <a:p>
@@ -9403,41 +12112,40 @@
               <a:buAutoNum type="arabicPeriod"/>
             </a:pPr>
             <a:r>
-              <a:rPr lang="de-DE" dirty="0"/>
-              <a:t>Mit </a:t>
-            </a:r>
-            <a:r>
-              <a:rPr lang="de-DE" dirty="0" err="1"/>
-              <a:t>linkColor</a:t>
-            </a:r>
-            <a:r>
-              <a:rPr lang="de-DE" dirty="0"/>
-              <a:t> kann die Farbe der </a:t>
-            </a:r>
-            <a:r>
-              <a:rPr lang="de-DE" dirty="0" err="1"/>
-              <a:t>Linen</a:t>
-            </a:r>
-            <a:r>
-              <a:rPr lang="de-DE" dirty="0"/>
-              <a:t> definiert. Zum </a:t>
-            </a:r>
-            <a:r>
-              <a:rPr lang="de-DE" dirty="0" err="1"/>
-              <a:t>Besipe</a:t>
-            </a:r>
-            <a:r>
-              <a:rPr lang="de-DE" dirty="0"/>
-              <a:t> bei </a:t>
-            </a:r>
-            <a:r>
-              <a:rPr lang="de-DE" dirty="0" err="1"/>
-              <a:t>Profubis</a:t>
-            </a:r>
-            <a:r>
-              <a:rPr lang="de-DE" dirty="0"/>
-              <a:t> ist grün.</a:t>
-            </a:r>
+              <a:rPr lang="de-DE" baseline="0" dirty="0"/>
+              <a:t>Der Gerätename und die </a:t>
+            </a:r>
+            <a:r>
+              <a:rPr lang="de-DE" b="1" baseline="0" dirty="0"/>
+              <a:t>Station-</a:t>
+            </a:r>
+            <a:r>
+              <a:rPr lang="de-DE" b="1" baseline="0" dirty="0" err="1"/>
+              <a:t>Addresse</a:t>
+            </a:r>
+            <a:r>
+              <a:rPr lang="de-DE" b="1" baseline="0" dirty="0"/>
+              <a:t> können auch abgefragt werden mit jeweils schlüsseln</a:t>
+            </a:r>
+          </a:p>
+          <a:p>
+            <a:pPr marL="228600" indent="-228600">
+              <a:buFont typeface="+mj-lt"/>
+              <a:buAutoNum type="arabicPeriod"/>
+            </a:pPr>
+            <a:r>
+              <a:rPr lang="de-DE" baseline="0" dirty="0"/>
+              <a:t>Die </a:t>
+            </a:r>
+            <a:r>
+              <a:rPr lang="de-DE" baseline="0" dirty="0" err="1"/>
+              <a:t>Topo</a:t>
+            </a:r>
+            <a:r>
+              <a:rPr lang="de-DE" baseline="0" dirty="0"/>
+              <a:t> besitzt eine Liste von Ports wo die jeweils Verbindung abgeschlossen werden. </a:t>
+            </a:r>
+            <a:endParaRPr lang="de-DE" dirty="0"/>
           </a:p>
         </p:txBody>
       </p:sp>
@@ -9473,7 +12181,7 @@
     </p:spTree>
     <p:extLst>
       <p:ext uri="{BB962C8B-B14F-4D97-AF65-F5344CB8AC3E}">
-        <p14:creationId xmlns:p14="http://schemas.microsoft.com/office/powerpoint/2010/main" val="3700424465"/>
+        <p14:creationId xmlns:p14="http://schemas.microsoft.com/office/powerpoint/2010/main" val="1671557534"/>
       </p:ext>
     </p:extLst>
   </p:cSld>
@@ -9529,39 +12237,125 @@
           <a:p>
             <a:r>
               <a:rPr lang="de-DE" dirty="0"/>
-              <a:t>Mein Vortrag besteht aus folgenden Teilen: </a:t>
-            </a:r>
-            <a:r>
-              <a:rPr lang="de-DE" b="1" i="1" dirty="0"/>
-              <a:t>Erstens</a:t>
+              <a:t>Das 2te </a:t>
+            </a:r>
+            <a:r>
+              <a:rPr lang="de-DE" dirty="0" err="1"/>
+              <a:t>JSon</a:t>
             </a:r>
             <a:r>
               <a:rPr lang="de-DE" dirty="0"/>
-              <a:t> [spreche ich über die Einleitung warum eine grafische Komponente entstehen soll, welche Zeile im erreicht werden sollen], </a:t>
+              <a:t> Format beschreibt die liste der Verbindung in Netz.</a:t>
+            </a:r>
+          </a:p>
+          <a:p>
+            <a:pPr marL="228600" indent="-228600">
+              <a:buFont typeface="+mj-lt"/>
+              <a:buAutoNum type="arabicPeriod"/>
+            </a:pPr>
+            <a:r>
+              <a:rPr lang="de-DE" dirty="0"/>
+              <a:t> </a:t>
+            </a:r>
+            <a:r>
+              <a:rPr lang="de-DE" b="1" dirty="0" err="1"/>
+              <a:t>From</a:t>
             </a:r>
             <a:r>
               <a:rPr lang="de-DE" b="1" dirty="0"/>
-              <a:t>zweitens</a:t>
+              <a:t> und </a:t>
+            </a:r>
+            <a:r>
+              <a:rPr lang="de-DE" b="1" dirty="0" err="1"/>
+              <a:t>To</a:t>
+            </a:r>
+            <a:r>
+              <a:rPr lang="de-DE" b="1" dirty="0"/>
+              <a:t> Schlüssel repräsentieren  der Quell-</a:t>
+            </a:r>
+            <a:r>
+              <a:rPr lang="de-DE" b="1" baseline="0" dirty="0"/>
+              <a:t> </a:t>
+            </a:r>
+            <a:r>
+              <a:rPr lang="de-DE" b="1" dirty="0"/>
+              <a:t>und </a:t>
+            </a:r>
+            <a:r>
+              <a:rPr lang="de-DE" b="1" dirty="0" err="1"/>
+              <a:t>ZielGeräts</a:t>
             </a:r>
             <a:r>
               <a:rPr lang="de-DE" dirty="0"/>
-              <a:t> [wird über die Grundlage der Topologie eingegangen und dann analysiere ich einige Anforderungen], </a:t>
+              <a:t>.</a:t>
+            </a:r>
+          </a:p>
+          <a:p>
+            <a:pPr marL="228600" indent="-228600">
+              <a:buFont typeface="+mj-lt"/>
+              <a:buAutoNum type="arabicPeriod"/>
+            </a:pPr>
+            <a:r>
+              <a:rPr lang="de-DE" b="1" dirty="0" err="1"/>
+              <a:t>FromPort</a:t>
+            </a:r>
+            <a:r>
+              <a:rPr lang="de-DE" b="1" baseline="0" dirty="0"/>
+              <a:t> und </a:t>
+            </a:r>
+            <a:r>
+              <a:rPr lang="de-DE" b="1" baseline="0" dirty="0" err="1"/>
+              <a:t>ToPort</a:t>
+            </a:r>
+            <a:r>
+              <a:rPr lang="de-DE" b="1" baseline="0" dirty="0"/>
+              <a:t> Schlüssel repräsentieren die Ports der jeweils Geräten</a:t>
             </a:r>
             <a:r>
               <a:rPr lang="de-DE" b="1" dirty="0"/>
-              <a:t>drittens</a:t>
-            </a:r>
+              <a:t> </a:t>
+            </a:r>
+          </a:p>
+          <a:p>
+            <a:pPr marL="228600" indent="-228600">
+              <a:buFont typeface="+mj-lt"/>
+              <a:buAutoNum type="arabicPeriod"/>
+            </a:pPr>
             <a:r>
               <a:rPr lang="de-DE" dirty="0"/>
-              <a:t> [spreche ich ausführlich über die 3 Ergebnisse, die in Laufe der MA herausgegeben wurden]. </a:t>
-            </a:r>
-            <a:r>
-              <a:rPr lang="de-DE" b="1" dirty="0"/>
-              <a:t>Zum Schluss  </a:t>
+              <a:t>Mit </a:t>
+            </a:r>
+            <a:r>
+              <a:rPr lang="de-DE" dirty="0" err="1"/>
+              <a:t>linkColor</a:t>
             </a:r>
             <a:r>
               <a:rPr lang="de-DE" dirty="0"/>
-              <a:t>gibt es noch einige Fakten zur grafischen Komponenten.</a:t>
+              <a:t> kann die Farbe der </a:t>
+            </a:r>
+            <a:r>
+              <a:rPr lang="de-DE" dirty="0" err="1"/>
+              <a:t>Linen</a:t>
+            </a:r>
+            <a:r>
+              <a:rPr lang="de-DE" dirty="0"/>
+              <a:t> definiert. Zum </a:t>
+            </a:r>
+            <a:r>
+              <a:rPr lang="de-DE" dirty="0" err="1"/>
+              <a:t>Besipe</a:t>
+            </a:r>
+            <a:r>
+              <a:rPr lang="de-DE" dirty="0"/>
+              <a:t> bei </a:t>
+            </a:r>
+            <a:r>
+              <a:rPr lang="de-DE" dirty="0" err="1"/>
+              <a:t>Profubis</a:t>
+            </a:r>
+            <a:r>
+              <a:rPr lang="de-DE" dirty="0"/>
+              <a:t> ist grün.</a:t>
             </a:r>
           </a:p>
         </p:txBody>
@@ -9598,7 +12392,7 @@
     </p:spTree>
     <p:extLst>
       <p:ext uri="{BB962C8B-B14F-4D97-AF65-F5344CB8AC3E}">
-        <p14:creationId xmlns:p14="http://schemas.microsoft.com/office/powerpoint/2010/main" val="378437328"/>
+        <p14:creationId xmlns:p14="http://schemas.microsoft.com/office/powerpoint/2010/main" val="3700424465"/>
       </p:ext>
     </p:extLst>
   </p:cSld>
@@ -9654,47 +12448,39 @@
           <a:p>
             <a:r>
               <a:rPr lang="de-DE" dirty="0"/>
-              <a:t>Modul-</a:t>
-            </a:r>
-            <a:r>
-              <a:rPr lang="de-DE" dirty="0" err="1"/>
-              <a:t>Diagram</a:t>
+              <a:t>Mein Vortrag besteht aus folgenden Teilen: </a:t>
+            </a:r>
+            <a:r>
+              <a:rPr lang="de-DE" b="1" i="1" dirty="0"/>
+              <a:t>Erstens</a:t>
             </a:r>
             <a:r>
               <a:rPr lang="de-DE" dirty="0"/>
-              <a:t> beseht aus 4 </a:t>
-            </a:r>
-            <a:r>
-              <a:rPr lang="de-DE" dirty="0" err="1"/>
-              <a:t>module</a:t>
+              <a:t> [spreche ich über die Einleitung warum eine grafische Komponente entstehen soll, welche Zeile im erreicht werden sollen], </a:t>
+            </a:r>
+            <a:r>
+              <a:rPr lang="de-DE" b="1" dirty="0"/>
+              <a:t>zweitens</a:t>
             </a:r>
             <a:r>
               <a:rPr lang="de-DE" dirty="0"/>
-              <a:t>. </a:t>
-            </a:r>
-            <a:r>
-              <a:rPr lang="de-DE" dirty="0" err="1"/>
-              <a:t>AppModule</a:t>
+              <a:t> [wird über die Grundlage der Topologie eingegangen und dann analysiere ich einige Anforderungen], </a:t>
+            </a:r>
+            <a:r>
+              <a:rPr lang="de-DE" b="1" dirty="0"/>
+              <a:t>drittens</a:t>
             </a:r>
             <a:r>
               <a:rPr lang="de-DE" dirty="0"/>
-              <a:t>  besser gesagt aus angular Module. </a:t>
-            </a:r>
-            <a:r>
-              <a:rPr lang="de-DE" dirty="0" err="1"/>
-              <a:t>AppModule</a:t>
+              <a:t> [spreche ich ausführlich über die 3 Ergebnisse, die in Laufe der MA herausgegeben wurden]. </a:t>
+            </a:r>
+            <a:r>
+              <a:rPr lang="de-DE" b="1" dirty="0"/>
+              <a:t>Zum Schluss  </a:t>
             </a:r>
             <a:r>
               <a:rPr lang="de-DE" dirty="0"/>
-              <a:t> ist </a:t>
-            </a:r>
-            <a:r>
-              <a:rPr lang="de-DE"/>
-              <a:t>das Startmodell</a:t>
-            </a:r>
-            <a:r>
-              <a:rPr lang="de-DE" dirty="0"/>
-              <a:t>. </a:t>
+              <a:t>gibt es noch einige Fakten zur grafischen Komponenten.</a:t>
             </a:r>
           </a:p>
         </p:txBody>
@@ -9731,7 +12517,7 @@
     </p:spTree>
     <p:extLst>
       <p:ext uri="{BB962C8B-B14F-4D97-AF65-F5344CB8AC3E}">
-        <p14:creationId xmlns:p14="http://schemas.microsoft.com/office/powerpoint/2010/main" val="3511203290"/>
+        <p14:creationId xmlns:p14="http://schemas.microsoft.com/office/powerpoint/2010/main" val="378437328"/>
       </p:ext>
     </p:extLst>
   </p:cSld>
@@ -9787,79 +12573,47 @@
           <a:p>
             <a:r>
               <a:rPr lang="de-DE" dirty="0"/>
-              <a:t>Das </a:t>
+              <a:t>Modul-</a:t>
             </a:r>
             <a:r>
               <a:rPr lang="de-DE" dirty="0" err="1"/>
-              <a:t>ergebnis</a:t>
+              <a:t>Diagram</a:t>
             </a:r>
             <a:r>
               <a:rPr lang="de-DE" dirty="0"/>
-              <a:t> sieht so  aus. Wenn man TE in einer Webbrowser öffnet. Jedes </a:t>
+              <a:t> beseht aus 4 </a:t>
             </a:r>
             <a:r>
               <a:rPr lang="de-DE" dirty="0" err="1"/>
-              <a:t>Devce</a:t>
+              <a:t>module</a:t>
             </a:r>
             <a:r>
               <a:rPr lang="de-DE" dirty="0"/>
-              <a:t> wird durch ein </a:t>
+              <a:t>. </a:t>
             </a:r>
             <a:r>
               <a:rPr lang="de-DE" dirty="0" err="1"/>
-              <a:t>rechteck</a:t>
+              <a:t>AppModule</a:t>
             </a:r>
             <a:r>
               <a:rPr lang="de-DE" dirty="0"/>
-              <a:t> dargestellt. Die </a:t>
+              <a:t>  besser gesagt aus angular Module. </a:t>
             </a:r>
             <a:r>
               <a:rPr lang="de-DE" dirty="0" err="1"/>
-              <a:t>ports</a:t>
+              <a:t>AppModule</a:t>
             </a:r>
             <a:r>
               <a:rPr lang="de-DE" dirty="0"/>
-              <a:t> werden direkt unter die Rechtteck gekennzeichnet.. Die Verbindung wird durch die </a:t>
-            </a:r>
-            <a:r>
-              <a:rPr lang="de-DE" dirty="0" err="1"/>
-              <a:t>linie</a:t>
+              <a:t> ist </a:t>
+            </a:r>
+            <a:r>
+              <a:rPr lang="de-DE"/>
+              <a:t>das Startmodell</a:t>
             </a:r>
             <a:r>
               <a:rPr lang="de-DE" dirty="0"/>
-              <a:t> repräsentiert. Unter haben wir einige </a:t>
-            </a:r>
-            <a:r>
-              <a:rPr lang="de-DE" dirty="0" err="1"/>
-              <a:t>button</a:t>
-            </a:r>
-            <a:r>
-              <a:rPr lang="de-DE" dirty="0"/>
-              <a:t> </a:t>
-            </a:r>
-            <a:r>
-              <a:rPr lang="de-DE" dirty="0" err="1"/>
-              <a:t>z.b</a:t>
-            </a:r>
-            <a:r>
-              <a:rPr lang="de-DE" dirty="0"/>
-              <a:t> automatisch </a:t>
-            </a:r>
-            <a:r>
-              <a:rPr lang="de-DE" dirty="0" err="1"/>
-              <a:t>anodrnung</a:t>
-            </a:r>
-            <a:r>
-              <a:rPr lang="de-DE" dirty="0"/>
-              <a:t> der </a:t>
-            </a:r>
-            <a:r>
-              <a:rPr lang="de-DE" dirty="0" err="1"/>
-              <a:t>geräten</a:t>
-            </a:r>
-            <a:r>
-              <a:rPr lang="de-DE" dirty="0"/>
-              <a:t>.</a:t>
+              <a:t>. </a:t>
             </a:r>
           </a:p>
         </p:txBody>
@@ -9896,7 +12650,7 @@
     </p:spTree>
     <p:extLst>
       <p:ext uri="{BB962C8B-B14F-4D97-AF65-F5344CB8AC3E}">
-        <p14:creationId xmlns:p14="http://schemas.microsoft.com/office/powerpoint/2010/main" val="3156112262"/>
+        <p14:creationId xmlns:p14="http://schemas.microsoft.com/office/powerpoint/2010/main" val="3511203290"/>
       </p:ext>
     </p:extLst>
   </p:cSld>
@@ -9951,14 +12705,81 @@
           <a:lstStyle/>
           <a:p>
             <a:r>
-              <a:rPr lang="de-DE" b="1" dirty="0"/>
-              <a:t>In der</a:t>
-            </a:r>
-            <a:r>
-              <a:rPr lang="de-DE" b="1" baseline="0" dirty="0"/>
-              <a:t> letzten Kapitel spreche über die Fakten zu grafischen Komponente</a:t>
-            </a:r>
-            <a:endParaRPr lang="de-DE" b="1" dirty="0"/>
+              <a:rPr lang="de-DE" dirty="0"/>
+              <a:t>Das </a:t>
+            </a:r>
+            <a:r>
+              <a:rPr lang="de-DE" dirty="0" err="1"/>
+              <a:t>ergebnis</a:t>
+            </a:r>
+            <a:r>
+              <a:rPr lang="de-DE" dirty="0"/>
+              <a:t> sieht so  aus. Wenn man TE in einer Webbrowser öffnet. Jedes </a:t>
+            </a:r>
+            <a:r>
+              <a:rPr lang="de-DE" dirty="0" err="1"/>
+              <a:t>Devce</a:t>
+            </a:r>
+            <a:r>
+              <a:rPr lang="de-DE" dirty="0"/>
+              <a:t> wird durch ein </a:t>
+            </a:r>
+            <a:r>
+              <a:rPr lang="de-DE" dirty="0" err="1"/>
+              <a:t>rechteck</a:t>
+            </a:r>
+            <a:r>
+              <a:rPr lang="de-DE" dirty="0"/>
+              <a:t> dargestellt. Die </a:t>
+            </a:r>
+            <a:r>
+              <a:rPr lang="de-DE" dirty="0" err="1"/>
+              <a:t>ports</a:t>
+            </a:r>
+            <a:r>
+              <a:rPr lang="de-DE" dirty="0"/>
+              <a:t> werden direkt unter die Rechtteck gekennzeichnet.. Die Verbindung wird durch die </a:t>
+            </a:r>
+            <a:r>
+              <a:rPr lang="de-DE" dirty="0" err="1"/>
+              <a:t>linie</a:t>
+            </a:r>
+            <a:r>
+              <a:rPr lang="de-DE" dirty="0"/>
+              <a:t> repräsentiert. Unter haben wir einige </a:t>
+            </a:r>
+            <a:r>
+              <a:rPr lang="de-DE" dirty="0" err="1"/>
+              <a:t>button</a:t>
+            </a:r>
+            <a:r>
+              <a:rPr lang="de-DE" dirty="0"/>
+              <a:t> </a:t>
+            </a:r>
+            <a:r>
+              <a:rPr lang="de-DE" dirty="0" err="1"/>
+              <a:t>z.b</a:t>
+            </a:r>
+            <a:r>
+              <a:rPr lang="de-DE" dirty="0"/>
+              <a:t> automatisch </a:t>
+            </a:r>
+            <a:r>
+              <a:rPr lang="de-DE" dirty="0" err="1"/>
+              <a:t>anodrnung</a:t>
+            </a:r>
+            <a:r>
+              <a:rPr lang="de-DE" dirty="0"/>
+              <a:t> der </a:t>
+            </a:r>
+            <a:r>
+              <a:rPr lang="de-DE" dirty="0" err="1"/>
+              <a:t>geräten</a:t>
+            </a:r>
+            <a:r>
+              <a:rPr lang="de-DE" dirty="0"/>
+              <a:t>.</a:t>
+            </a:r>
           </a:p>
         </p:txBody>
       </p:sp>
@@ -9985,7 +12806,7 @@
               <a:pPr>
                 <a:defRPr/>
               </a:pPr>
-              <a:t>27</a:t>
+              <a:t>26</a:t>
             </a:fld>
             <a:endParaRPr lang="de-DE"/>
           </a:p>
@@ -9994,7 +12815,7 @@
     </p:spTree>
     <p:extLst>
       <p:ext uri="{BB962C8B-B14F-4D97-AF65-F5344CB8AC3E}">
-        <p14:creationId xmlns:p14="http://schemas.microsoft.com/office/powerpoint/2010/main" val="2106892135"/>
+        <p14:creationId xmlns:p14="http://schemas.microsoft.com/office/powerpoint/2010/main" val="3156112262"/>
       </p:ext>
     </p:extLst>
   </p:cSld>
@@ -10050,6 +12871,104 @@
           <a:p>
             <a:r>
               <a:rPr lang="de-DE" b="1" dirty="0"/>
+              <a:t>In der</a:t>
+            </a:r>
+            <a:r>
+              <a:rPr lang="de-DE" b="1" baseline="0" dirty="0"/>
+              <a:t> letzten Kapitel spreche über die Fakten zu grafischen Komponente</a:t>
+            </a:r>
+            <a:endParaRPr lang="de-DE" b="1" dirty="0"/>
+          </a:p>
+        </p:txBody>
+      </p:sp>
+      <p:sp>
+        <p:nvSpPr>
+          <p:cNvPr id="4" name="Foliennummernplatzhalter 3"/>
+          <p:cNvSpPr>
+            <a:spLocks noGrp="1"/>
+          </p:cNvSpPr>
+          <p:nvPr>
+            <p:ph type="sldNum" sz="quarter" idx="10"/>
+          </p:nvPr>
+        </p:nvSpPr>
+        <p:spPr/>
+        <p:txBody>
+          <a:bodyPr/>
+          <a:lstStyle/>
+          <a:p>
+            <a:pPr>
+              <a:defRPr/>
+            </a:pPr>
+            <a:fld id="{862C4B85-5E71-423A-A9E4-96958528BF14}" type="slidenum">
+              <a:rPr lang="de-DE" smtClean="0"/>
+              <a:pPr>
+                <a:defRPr/>
+              </a:pPr>
+              <a:t>28</a:t>
+            </a:fld>
+            <a:endParaRPr lang="de-DE"/>
+          </a:p>
+        </p:txBody>
+      </p:sp>
+    </p:spTree>
+    <p:extLst>
+      <p:ext uri="{BB962C8B-B14F-4D97-AF65-F5344CB8AC3E}">
+        <p14:creationId xmlns:p14="http://schemas.microsoft.com/office/powerpoint/2010/main" val="2106892135"/>
+      </p:ext>
+    </p:extLst>
+  </p:cSld>
+  <p:clrMapOvr>
+    <a:masterClrMapping/>
+  </p:clrMapOvr>
+</p:notes>
+</file>
+
+<file path=ppt/notesSlides/notesSlide28.xml><?xml version="1.0" encoding="utf-8"?>
+<p:notes xmlns:a="http://schemas.openxmlformats.org/drawingml/2006/main" xmlns:r="http://schemas.openxmlformats.org/officeDocument/2006/relationships" xmlns:p="http://schemas.openxmlformats.org/presentationml/2006/main">
+  <p:cSld>
+    <p:spTree>
+      <p:nvGrpSpPr>
+        <p:cNvPr id="1" name=""/>
+        <p:cNvGrpSpPr/>
+        <p:nvPr/>
+      </p:nvGrpSpPr>
+      <p:grpSpPr>
+        <a:xfrm>
+          <a:off x="0" y="0"/>
+          <a:ext cx="0" cy="0"/>
+          <a:chOff x="0" y="0"/>
+          <a:chExt cx="0" cy="0"/>
+        </a:xfrm>
+      </p:grpSpPr>
+      <p:sp>
+        <p:nvSpPr>
+          <p:cNvPr id="2" name="Folienbildplatzhalter 1"/>
+          <p:cNvSpPr>
+            <a:spLocks noGrp="1" noRot="1" noChangeAspect="1"/>
+          </p:cNvSpPr>
+          <p:nvPr>
+            <p:ph type="sldImg"/>
+          </p:nvPr>
+        </p:nvSpPr>
+        <p:spPr/>
+      </p:sp>
+      <p:sp>
+        <p:nvSpPr>
+          <p:cNvPr id="3" name="Notizenplatzhalter 2"/>
+          <p:cNvSpPr>
+            <a:spLocks noGrp="1"/>
+          </p:cNvSpPr>
+          <p:nvPr>
+            <p:ph type="body" idx="1"/>
+          </p:nvPr>
+        </p:nvSpPr>
+        <p:spPr/>
+        <p:txBody>
+          <a:bodyPr/>
+          <a:lstStyle/>
+          <a:p>
+            <a:r>
+              <a:rPr lang="de-DE" b="1" dirty="0"/>
               <a:t>Verbalisieren</a:t>
             </a:r>
             <a:r>
@@ -10133,7 +13052,7 @@
               <a:pPr>
                 <a:defRPr/>
               </a:pPr>
-              <a:t>28</a:t>
+              <a:t>29</a:t>
             </a:fld>
             <a:endParaRPr lang="de-DE"/>
           </a:p>
@@ -12082,7 +15001,7 @@
             </a:pPr>
             <a:fld id="{DD17C720-9F55-45D7-A201-585BB605DC86}" type="datetime1">
               <a:rPr lang="de-DE" smtClean="0"/>
-              <a:t>20.08.2018</a:t>
+              <a:t>21.08.2018</a:t>
             </a:fld>
             <a:endParaRPr lang="de-DE" dirty="0"/>
           </a:p>
@@ -12888,7 +15807,7 @@
             </a:pPr>
             <a:fld id="{6F5A62FD-559D-4A8A-8A16-4E22E46B2811}" type="datetime1">
               <a:rPr lang="de-DE" smtClean="0"/>
-              <a:t>20.08.2018</a:t>
+              <a:t>21.08.2018</a:t>
             </a:fld>
             <a:endParaRPr lang="de-DE" dirty="0"/>
           </a:p>
@@ -13235,7 +16154,7 @@
             </a:pPr>
             <a:fld id="{0F5C761A-3127-4015-B2FE-9A4D309D46C5}" type="datetime1">
               <a:rPr lang="de-DE" smtClean="0"/>
-              <a:t>20.08.2018</a:t>
+              <a:t>21.08.2018</a:t>
             </a:fld>
             <a:endParaRPr lang="de-DE" dirty="0"/>
           </a:p>
@@ -13571,7 +16490,7 @@
             </a:pPr>
             <a:fld id="{18EB9810-C831-45DD-85EA-5545647C87AA}" type="datetime1">
               <a:rPr lang="de-DE" smtClean="0"/>
-              <a:t>20.08.2018</a:t>
+              <a:t>21.08.2018</a:t>
             </a:fld>
             <a:endParaRPr lang="de-DE" dirty="0"/>
           </a:p>
@@ -13892,7 +16811,7 @@
             </a:pPr>
             <a:fld id="{652FD0FE-52BB-44D9-8F2C-C0CAEDBE6E51}" type="datetime1">
               <a:rPr lang="de-DE" smtClean="0"/>
-              <a:t>20.08.2018</a:t>
+              <a:t>21.08.2018</a:t>
             </a:fld>
             <a:endParaRPr lang="de-DE" dirty="0"/>
           </a:p>
@@ -14213,7 +17132,7 @@
             </a:pPr>
             <a:fld id="{D7D1B1AB-E4FB-4CD8-9EAD-B72DE906B305}" type="datetime1">
               <a:rPr lang="de-DE" smtClean="0"/>
-              <a:t>20.08.2018</a:t>
+              <a:t>21.08.2018</a:t>
             </a:fld>
             <a:endParaRPr lang="de-DE" dirty="0"/>
           </a:p>
@@ -14614,7 +17533,7 @@
             </a:pPr>
             <a:fld id="{E1339F75-BBED-4FA5-9CE0-D6E991F5C226}" type="datetime1">
               <a:rPr lang="de-DE" smtClean="0"/>
-              <a:t>20.08.2018</a:t>
+              <a:t>21.08.2018</a:t>
             </a:fld>
             <a:endParaRPr lang="de-DE" dirty="0"/>
           </a:p>
@@ -14975,7 +17894,7 @@
             </a:pPr>
             <a:fld id="{2E59EF24-B1ED-4A80-9EA4-868C17EDF637}" type="datetime1">
               <a:rPr lang="de-DE" smtClean="0"/>
-              <a:t>20.08.2018</a:t>
+              <a:t>21.08.2018</a:t>
             </a:fld>
             <a:endParaRPr lang="de-DE" dirty="0"/>
           </a:p>
@@ -15231,7 +18150,7 @@
             </a:pPr>
             <a:fld id="{4C1274F5-F8AF-44CD-8B1E-EDB26CB3A108}" type="datetime1">
               <a:rPr lang="de-DE" smtClean="0"/>
-              <a:t>20.08.2018</a:t>
+              <a:t>21.08.2018</a:t>
             </a:fld>
             <a:endParaRPr lang="de-DE" dirty="0"/>
           </a:p>
@@ -16009,7 +18928,7 @@
             </a:pPr>
             <a:fld id="{0D78A848-0002-4EDA-9C86-36A365AB48C5}" type="datetime1">
               <a:rPr lang="de-DE" smtClean="0"/>
-              <a:t>20.08.2018</a:t>
+              <a:t>21.08.2018</a:t>
             </a:fld>
             <a:endParaRPr lang="de-DE" dirty="0"/>
           </a:p>
@@ -16730,7 +19649,7 @@
             </a:pPr>
             <a:fld id="{345BB4D5-7D70-4503-80AF-06580139DBA4}" type="datetime1">
               <a:rPr lang="de-DE" smtClean="0"/>
-              <a:t>20.08.2018</a:t>
+              <a:t>21.08.2018</a:t>
             </a:fld>
             <a:endParaRPr lang="de-DE" dirty="0"/>
           </a:p>
@@ -17506,7 +20425,7 @@
             </a:pPr>
             <a:fld id="{5783FC80-3F2A-4406-9D6C-042A0BA9D661}" type="datetime1">
               <a:rPr lang="de-DE" smtClean="0"/>
-              <a:t>20.08.2018</a:t>
+              <a:t>21.08.2018</a:t>
             </a:fld>
             <a:endParaRPr lang="de-DE" dirty="0"/>
           </a:p>
@@ -17766,7 +20685,7 @@
             </a:pPr>
             <a:fld id="{B2B1F417-6FBD-4650-899F-4549AAACE2EC}" type="datetime1">
               <a:rPr lang="de-DE" smtClean="0"/>
-              <a:t>20.08.2018</a:t>
+              <a:t>21.08.2018</a:t>
             </a:fld>
             <a:endParaRPr lang="de-DE" dirty="0"/>
           </a:p>
@@ -18304,7 +21223,7 @@
             </a:pPr>
             <a:fld id="{39CBC02D-3FF8-4D13-8A9B-585E3FDD1961}" type="datetime1">
               <a:rPr lang="de-DE" smtClean="0"/>
-              <a:t>20.08.2018</a:t>
+              <a:t>21.08.2018</a:t>
             </a:fld>
             <a:endParaRPr lang="de-DE" dirty="0"/>
           </a:p>
@@ -19083,7 +22002,7 @@
             </a:pPr>
             <a:fld id="{D36EADBF-95FE-4AE7-82C3-92DD14506003}" type="datetime1">
               <a:rPr lang="de-DE" smtClean="0"/>
-              <a:t>20.08.2018</a:t>
+              <a:t>21.08.2018</a:t>
             </a:fld>
             <a:endParaRPr lang="de-DE" dirty="0"/>
           </a:p>
@@ -19611,7 +22530,7 @@
             </a:pPr>
             <a:fld id="{8067185B-5C57-409F-8B88-E3D854C91534}" type="datetime1">
               <a:rPr lang="de-DE" smtClean="0"/>
-              <a:t>20.08.2018</a:t>
+              <a:t>21.08.2018</a:t>
             </a:fld>
             <a:endParaRPr lang="de-DE" dirty="0"/>
           </a:p>
@@ -20373,7 +23292,7 @@
             </a:pPr>
             <a:fld id="{7FF32D5F-8198-4D6B-81C8-A28D30F3AEEE}" type="datetime1">
               <a:rPr lang="de-DE" smtClean="0"/>
-              <a:t>20.08.2018</a:t>
+              <a:t>21.08.2018</a:t>
             </a:fld>
             <a:endParaRPr lang="de-DE" dirty="0"/>
           </a:p>
@@ -21004,7 +23923,7 @@
             </a:pPr>
             <a:fld id="{12AC88A6-748D-4925-A0F4-581F6DD9C418}" type="datetime1">
               <a:rPr lang="de-DE" smtClean="0"/>
-              <a:t>20.08.2018</a:t>
+              <a:t>21.08.2018</a:t>
             </a:fld>
             <a:endParaRPr lang="de-DE" dirty="0"/>
           </a:p>
@@ -21204,7 +24123,7 @@
             </a:pPr>
             <a:fld id="{8A16F28A-F628-44F6-BE27-AC29D127D4A7}" type="datetime1">
               <a:rPr lang="de-DE" smtClean="0"/>
-              <a:t>20.08.2018</a:t>
+              <a:t>21.08.2018</a:t>
             </a:fld>
             <a:endParaRPr lang="de-DE" dirty="0"/>
           </a:p>
@@ -22557,7 +25476,7 @@
             </a:pPr>
             <a:fld id="{8EF3E923-C16A-40B9-906D-4702AEC00101}" type="datetime1">
               <a:rPr lang="de-DE" smtClean="0"/>
-              <a:t>20.08.2018</a:t>
+              <a:t>21.08.2018</a:t>
             </a:fld>
             <a:endParaRPr lang="de-DE" dirty="0"/>
           </a:p>
@@ -23405,7 +26324,7 @@
             </a:pPr>
             <a:fld id="{AF010600-ECB3-4287-BFCE-C133CC4FD21C}" type="datetime1">
               <a:rPr lang="de-DE" smtClean="0"/>
-              <a:t>20.08.2018</a:t>
+              <a:t>21.08.2018</a:t>
             </a:fld>
             <a:endParaRPr lang="de-DE" dirty="0"/>
           </a:p>
@@ -24995,6 +27914,888 @@
           <a:chExt cx="0" cy="0"/>
         </a:xfrm>
       </p:grpSpPr>
+      <p:pic>
+        <p:nvPicPr>
+          <p:cNvPr id="10" name="Grafik 9"/>
+          <p:cNvPicPr>
+            <a:picLocks noChangeAspect="1"/>
+          </p:cNvPicPr>
+          <p:nvPr/>
+        </p:nvPicPr>
+        <p:blipFill>
+          <a:blip r:embed="rId3"/>
+          <a:stretch>
+            <a:fillRect/>
+          </a:stretch>
+        </p:blipFill>
+        <p:spPr>
+          <a:xfrm>
+            <a:off x="1403648" y="4389934"/>
+            <a:ext cx="1304925" cy="762000"/>
+          </a:xfrm>
+          <a:prstGeom prst="rect">
+            <a:avLst/>
+          </a:prstGeom>
+        </p:spPr>
+      </p:pic>
+      <p:sp>
+        <p:nvSpPr>
+          <p:cNvPr id="2" name="Inhaltsplatzhalter 1"/>
+          <p:cNvSpPr>
+            <a:spLocks noGrp="1"/>
+          </p:cNvSpPr>
+          <p:nvPr>
+            <p:ph sz="quarter" idx="13"/>
+          </p:nvPr>
+        </p:nvSpPr>
+        <p:spPr/>
+        <p:txBody>
+          <a:bodyPr/>
+          <a:lstStyle/>
+          <a:p>
+            <a:pPr marL="0" indent="0">
+              <a:buNone/>
+            </a:pPr>
+            <a:endParaRPr lang="de-DE" dirty="0"/>
+          </a:p>
+          <a:p>
+            <a:endParaRPr lang="de-DE" dirty="0"/>
+          </a:p>
+          <a:p>
+            <a:endParaRPr lang="de-DE" dirty="0"/>
+          </a:p>
+        </p:txBody>
+      </p:sp>
+      <p:sp>
+        <p:nvSpPr>
+          <p:cNvPr id="3" name="Datumsplatzhalter 2"/>
+          <p:cNvSpPr>
+            <a:spLocks noGrp="1"/>
+          </p:cNvSpPr>
+          <p:nvPr>
+            <p:ph type="dt" sz="half" idx="14"/>
+          </p:nvPr>
+        </p:nvSpPr>
+        <p:spPr/>
+        <p:txBody>
+          <a:bodyPr/>
+          <a:lstStyle/>
+          <a:p>
+            <a:pPr>
+              <a:defRPr/>
+            </a:pPr>
+            <a:fld id="{12AC88A6-748D-4925-A0F4-581F6DD9C418}" type="datetime1">
+              <a:rPr lang="de-DE" smtClean="0"/>
+              <a:t>21.08.2018</a:t>
+            </a:fld>
+            <a:endParaRPr lang="de-DE" dirty="0"/>
+          </a:p>
+        </p:txBody>
+      </p:sp>
+      <p:sp>
+        <p:nvSpPr>
+          <p:cNvPr id="4" name="Fußzeilenplatzhalter 3"/>
+          <p:cNvSpPr>
+            <a:spLocks noGrp="1"/>
+          </p:cNvSpPr>
+          <p:nvPr>
+            <p:ph type="ftr" sz="quarter" idx="15"/>
+          </p:nvPr>
+        </p:nvSpPr>
+        <p:spPr/>
+        <p:txBody>
+          <a:bodyPr/>
+          <a:lstStyle/>
+          <a:p>
+            <a:pPr algn="ctr">
+              <a:defRPr/>
+            </a:pPr>
+            <a:r>
+              <a:rPr lang="de-DE" dirty="0" err="1"/>
+              <a:t>Hermond</a:t>
+            </a:r>
+            <a:r>
+              <a:rPr lang="de-DE" dirty="0"/>
+              <a:t> Ghislain Zeleu </a:t>
+            </a:r>
+            <a:r>
+              <a:rPr lang="de-DE" dirty="0" err="1"/>
+              <a:t>Zabatio</a:t>
+            </a:r>
+            <a:endParaRPr lang="de-DE" dirty="0"/>
+          </a:p>
+        </p:txBody>
+      </p:sp>
+      <p:sp>
+        <p:nvSpPr>
+          <p:cNvPr id="5" name="Foliennummernplatzhalter 4"/>
+          <p:cNvSpPr>
+            <a:spLocks noGrp="1"/>
+          </p:cNvSpPr>
+          <p:nvPr>
+            <p:ph type="sldNum" sz="quarter" idx="16"/>
+          </p:nvPr>
+        </p:nvSpPr>
+        <p:spPr/>
+        <p:txBody>
+          <a:bodyPr/>
+          <a:lstStyle/>
+          <a:p>
+            <a:pPr>
+              <a:defRPr/>
+            </a:pPr>
+            <a:fld id="{7A8CEE4A-E163-47DE-8784-5B8DE9F7A78A}" type="slidenum">
+              <a:rPr lang="de-DE" altLang="de-DE" smtClean="0"/>
+              <a:pPr>
+                <a:defRPr/>
+              </a:pPr>
+              <a:t>21</a:t>
+            </a:fld>
+            <a:endParaRPr lang="de-DE" altLang="de-DE" dirty="0"/>
+          </a:p>
+        </p:txBody>
+      </p:sp>
+      <p:sp>
+        <p:nvSpPr>
+          <p:cNvPr id="6" name="Titel 5"/>
+          <p:cNvSpPr>
+            <a:spLocks noGrp="1"/>
+          </p:cNvSpPr>
+          <p:nvPr>
+            <p:ph type="title"/>
+          </p:nvPr>
+        </p:nvSpPr>
+        <p:spPr/>
+        <p:txBody>
+          <a:bodyPr/>
+          <a:lstStyle/>
+          <a:p>
+            <a:r>
+              <a:rPr lang="de-DE" dirty="0"/>
+              <a:t>Konzepte der </a:t>
+            </a:r>
+            <a:r>
+              <a:rPr lang="de-DE" dirty="0" err="1"/>
+              <a:t>Topology</a:t>
+            </a:r>
+            <a:r>
+              <a:rPr lang="de-DE" dirty="0"/>
+              <a:t>-Editor: Protokoll Neutral-Konzept</a:t>
+            </a:r>
+            <a:endParaRPr lang="de-DE" dirty="0"/>
+          </a:p>
+        </p:txBody>
+      </p:sp>
+      <p:graphicFrame>
+        <p:nvGraphicFramePr>
+          <p:cNvPr id="7" name="Diagramm 6"/>
+          <p:cNvGraphicFramePr/>
+          <p:nvPr>
+            <p:extLst>
+              <p:ext uri="{D42A27DB-BD31-4B8C-83A1-F6EECF244321}">
+                <p14:modId xmlns:p14="http://schemas.microsoft.com/office/powerpoint/2010/main" val="2320359769"/>
+              </p:ext>
+            </p:extLst>
+          </p:nvPr>
+        </p:nvGraphicFramePr>
+        <p:xfrm>
+          <a:off x="1524000" y="1027416"/>
+          <a:ext cx="6936432" cy="4633832"/>
+        </p:xfrm>
+        <a:graphic>
+          <a:graphicData uri="http://schemas.openxmlformats.org/drawingml/2006/diagram">
+            <dgm:relIds xmlns:dgm="http://schemas.openxmlformats.org/drawingml/2006/diagram" xmlns:r="http://schemas.openxmlformats.org/officeDocument/2006/relationships" r:dm="rId4" r:lo="rId5" r:qs="rId6" r:cs="rId7"/>
+          </a:graphicData>
+        </a:graphic>
+      </p:graphicFrame>
+      <p:pic>
+        <p:nvPicPr>
+          <p:cNvPr id="9" name="Grafik 8"/>
+          <p:cNvPicPr>
+            <a:picLocks noChangeAspect="1"/>
+          </p:cNvPicPr>
+          <p:nvPr/>
+        </p:nvPicPr>
+        <p:blipFill>
+          <a:blip r:embed="rId3"/>
+          <a:stretch>
+            <a:fillRect/>
+          </a:stretch>
+        </p:blipFill>
+        <p:spPr>
+          <a:xfrm>
+            <a:off x="1115616" y="4389934"/>
+            <a:ext cx="1304925" cy="762000"/>
+          </a:xfrm>
+          <a:prstGeom prst="rect">
+            <a:avLst/>
+          </a:prstGeom>
+        </p:spPr>
+      </p:pic>
+      <p:pic>
+        <p:nvPicPr>
+          <p:cNvPr id="11" name="Grafik 10"/>
+          <p:cNvPicPr>
+            <a:picLocks noChangeAspect="1"/>
+          </p:cNvPicPr>
+          <p:nvPr/>
+        </p:nvPicPr>
+        <p:blipFill>
+          <a:blip r:embed="rId3"/>
+          <a:stretch>
+            <a:fillRect/>
+          </a:stretch>
+        </p:blipFill>
+        <p:spPr>
+          <a:xfrm>
+            <a:off x="871537" y="4389934"/>
+            <a:ext cx="1304925" cy="762000"/>
+          </a:xfrm>
+          <a:prstGeom prst="rect">
+            <a:avLst/>
+          </a:prstGeom>
+        </p:spPr>
+      </p:pic>
+      <p:sp>
+        <p:nvSpPr>
+          <p:cNvPr id="12" name="Pfeil nach rechts 11"/>
+          <p:cNvSpPr/>
+          <p:nvPr/>
+        </p:nvSpPr>
+        <p:spPr>
+          <a:xfrm rot="17164707">
+            <a:off x="1460160" y="3908356"/>
+            <a:ext cx="591144" cy="384870"/>
+          </a:xfrm>
+          <a:prstGeom prst="rightArrow">
+            <a:avLst>
+              <a:gd name="adj1" fmla="val 64363"/>
+              <a:gd name="adj2" fmla="val 50000"/>
+            </a:avLst>
+          </a:prstGeom>
+        </p:spPr>
+        <p:style>
+          <a:lnRef idx="2">
+            <a:schemeClr val="accent1">
+              <a:shade val="50000"/>
+            </a:schemeClr>
+          </a:lnRef>
+          <a:fillRef idx="1">
+            <a:schemeClr val="accent1"/>
+          </a:fillRef>
+          <a:effectRef idx="0">
+            <a:schemeClr val="accent1"/>
+          </a:effectRef>
+          <a:fontRef idx="minor">
+            <a:schemeClr val="lt1"/>
+          </a:fontRef>
+        </p:style>
+        <p:txBody>
+          <a:bodyPr rtlCol="0" anchor="ctr"/>
+          <a:lstStyle/>
+          <a:p>
+            <a:pPr algn="ctr"/>
+            <a:endParaRPr lang="en-US"/>
+          </a:p>
+        </p:txBody>
+      </p:sp>
+      <p:sp>
+        <p:nvSpPr>
+          <p:cNvPr id="13" name="Textfeld 12"/>
+          <p:cNvSpPr txBox="1"/>
+          <p:nvPr/>
+        </p:nvSpPr>
+        <p:spPr>
+          <a:xfrm>
+            <a:off x="5091348" y="2393069"/>
+            <a:ext cx="2582093" cy="461665"/>
+          </a:xfrm>
+          <a:prstGeom prst="rect">
+            <a:avLst/>
+          </a:prstGeom>
+          <a:noFill/>
+        </p:spPr>
+        <p:txBody>
+          <a:bodyPr wrap="square" rtlCol="0">
+            <a:spAutoFit/>
+          </a:bodyPr>
+          <a:lstStyle/>
+          <a:p>
+            <a:r>
+              <a:rPr lang="de-DE" sz="1200" dirty="0" smtClean="0"/>
+              <a:t>Erstellt Modelle</a:t>
+            </a:r>
+          </a:p>
+          <a:p>
+            <a:r>
+              <a:rPr lang="de-DE" sz="1200" dirty="0" smtClean="0"/>
+              <a:t>Beschreibt die Routine</a:t>
+            </a:r>
+            <a:endParaRPr lang="en-US" sz="1200" dirty="0"/>
+          </a:p>
+        </p:txBody>
+      </p:sp>
+      <p:sp>
+        <p:nvSpPr>
+          <p:cNvPr id="14" name="Textfeld 13"/>
+          <p:cNvSpPr txBox="1"/>
+          <p:nvPr/>
+        </p:nvSpPr>
+        <p:spPr>
+          <a:xfrm>
+            <a:off x="3275856" y="2386519"/>
+            <a:ext cx="1354683" cy="461665"/>
+          </a:xfrm>
+          <a:prstGeom prst="rect">
+            <a:avLst/>
+          </a:prstGeom>
+          <a:noFill/>
+        </p:spPr>
+        <p:txBody>
+          <a:bodyPr wrap="square" rtlCol="0">
+            <a:spAutoFit/>
+          </a:bodyPr>
+          <a:lstStyle/>
+          <a:p>
+            <a:r>
+              <a:rPr lang="de-DE" sz="1200" dirty="0" smtClean="0"/>
+              <a:t>Manipuliert Daten</a:t>
+            </a:r>
+          </a:p>
+          <a:p>
+            <a:r>
+              <a:rPr lang="de-DE" sz="1200" dirty="0" smtClean="0"/>
+              <a:t>Meldet Fehler</a:t>
+            </a:r>
+            <a:endParaRPr lang="en-US" sz="1200" dirty="0"/>
+          </a:p>
+        </p:txBody>
+      </p:sp>
+      <p:sp>
+        <p:nvSpPr>
+          <p:cNvPr id="16" name="Textfeld 15"/>
+          <p:cNvSpPr txBox="1"/>
+          <p:nvPr/>
+        </p:nvSpPr>
+        <p:spPr>
+          <a:xfrm>
+            <a:off x="7092280" y="2393069"/>
+            <a:ext cx="1403188" cy="461665"/>
+          </a:xfrm>
+          <a:prstGeom prst="rect">
+            <a:avLst/>
+          </a:prstGeom>
+          <a:noFill/>
+        </p:spPr>
+        <p:txBody>
+          <a:bodyPr wrap="square" rtlCol="0">
+            <a:spAutoFit/>
+          </a:bodyPr>
+          <a:lstStyle/>
+          <a:p>
+            <a:r>
+              <a:rPr lang="de-DE" sz="1200" dirty="0" smtClean="0"/>
+              <a:t>Interagiert mit dem Benutzer </a:t>
+            </a:r>
+            <a:endParaRPr lang="en-US" sz="1200" dirty="0"/>
+          </a:p>
+        </p:txBody>
+      </p:sp>
+      <p:sp>
+        <p:nvSpPr>
+          <p:cNvPr id="17" name="Textfeld 16"/>
+          <p:cNvSpPr txBox="1"/>
+          <p:nvPr/>
+        </p:nvSpPr>
+        <p:spPr>
+          <a:xfrm>
+            <a:off x="1559996" y="2393069"/>
+            <a:ext cx="1319808" cy="461665"/>
+          </a:xfrm>
+          <a:prstGeom prst="rect">
+            <a:avLst/>
+          </a:prstGeom>
+          <a:noFill/>
+        </p:spPr>
+        <p:txBody>
+          <a:bodyPr wrap="square" rtlCol="0">
+            <a:spAutoFit/>
+          </a:bodyPr>
+          <a:lstStyle/>
+          <a:p>
+            <a:r>
+              <a:rPr lang="de-DE" sz="1200" dirty="0" smtClean="0"/>
+              <a:t>Stellt die Daten bereit</a:t>
+            </a:r>
+            <a:endParaRPr lang="en-US" sz="1200" dirty="0"/>
+          </a:p>
+        </p:txBody>
+      </p:sp>
+    </p:spTree>
+    <p:extLst>
+      <p:ext uri="{BB962C8B-B14F-4D97-AF65-F5344CB8AC3E}">
+        <p14:creationId xmlns:p14="http://schemas.microsoft.com/office/powerpoint/2010/main" val="3926809055"/>
+      </p:ext>
+    </p:extLst>
+  </p:cSld>
+  <p:clrMapOvr>
+    <a:masterClrMapping/>
+  </p:clrMapOvr>
+  <p:timing>
+    <p:tnLst>
+      <p:par>
+        <p:cTn id="1" dur="indefinite" restart="never" nodeType="tmRoot">
+          <p:childTnLst>
+            <p:seq concurrent="1" nextAc="seek">
+              <p:cTn id="2" dur="indefinite" nodeType="mainSeq">
+                <p:childTnLst>
+                  <p:par>
+                    <p:cTn id="3" fill="hold">
+                      <p:stCondLst>
+                        <p:cond delay="indefinite"/>
+                      </p:stCondLst>
+                      <p:childTnLst>
+                        <p:par>
+                          <p:cTn id="4" fill="hold">
+                            <p:stCondLst>
+                              <p:cond delay="0"/>
+                            </p:stCondLst>
+                            <p:childTnLst>
+                              <p:par>
+                                <p:cTn id="5" presetID="1" presetClass="entr" presetSubtype="0" fill="hold" nodeType="clickEffect">
+                                  <p:stCondLst>
+                                    <p:cond delay="0"/>
+                                  </p:stCondLst>
+                                  <p:childTnLst>
+                                    <p:set>
+                                      <p:cBhvr>
+                                        <p:cTn id="6" dur="1" fill="hold">
+                                          <p:stCondLst>
+                                            <p:cond delay="0"/>
+                                          </p:stCondLst>
+                                        </p:cTn>
+                                        <p:tgtEl>
+                                          <p:spTgt spid="10"/>
+                                        </p:tgtEl>
+                                        <p:attrNameLst>
+                                          <p:attrName>style.visibility</p:attrName>
+                                        </p:attrNameLst>
+                                      </p:cBhvr>
+                                      <p:to>
+                                        <p:strVal val="visible"/>
+                                      </p:to>
+                                    </p:set>
+                                  </p:childTnLst>
+                                </p:cTn>
+                              </p:par>
+                              <p:par>
+                                <p:cTn id="7" presetID="1" presetClass="entr" presetSubtype="0" fill="hold" nodeType="withEffect">
+                                  <p:stCondLst>
+                                    <p:cond delay="0"/>
+                                  </p:stCondLst>
+                                  <p:childTnLst>
+                                    <p:set>
+                                      <p:cBhvr>
+                                        <p:cTn id="8" dur="1" fill="hold">
+                                          <p:stCondLst>
+                                            <p:cond delay="0"/>
+                                          </p:stCondLst>
+                                        </p:cTn>
+                                        <p:tgtEl>
+                                          <p:spTgt spid="9"/>
+                                        </p:tgtEl>
+                                        <p:attrNameLst>
+                                          <p:attrName>style.visibility</p:attrName>
+                                        </p:attrNameLst>
+                                      </p:cBhvr>
+                                      <p:to>
+                                        <p:strVal val="visible"/>
+                                      </p:to>
+                                    </p:set>
+                                  </p:childTnLst>
+                                </p:cTn>
+                              </p:par>
+                              <p:par>
+                                <p:cTn id="9" presetID="1" presetClass="entr" presetSubtype="0" fill="hold" nodeType="withEffect">
+                                  <p:stCondLst>
+                                    <p:cond delay="0"/>
+                                  </p:stCondLst>
+                                  <p:childTnLst>
+                                    <p:set>
+                                      <p:cBhvr>
+                                        <p:cTn id="10" dur="1" fill="hold">
+                                          <p:stCondLst>
+                                            <p:cond delay="0"/>
+                                          </p:stCondLst>
+                                        </p:cTn>
+                                        <p:tgtEl>
+                                          <p:spTgt spid="11"/>
+                                        </p:tgtEl>
+                                        <p:attrNameLst>
+                                          <p:attrName>style.visibility</p:attrName>
+                                        </p:attrNameLst>
+                                      </p:cBhvr>
+                                      <p:to>
+                                        <p:strVal val="visible"/>
+                                      </p:to>
+                                    </p:set>
+                                  </p:childTnLst>
+                                </p:cTn>
+                              </p:par>
+                            </p:childTnLst>
+                          </p:cTn>
+                        </p:par>
+                      </p:childTnLst>
+                    </p:cTn>
+                  </p:par>
+                  <p:par>
+                    <p:cTn id="11" fill="hold">
+                      <p:stCondLst>
+                        <p:cond delay="indefinite"/>
+                      </p:stCondLst>
+                      <p:childTnLst>
+                        <p:par>
+                          <p:cTn id="12" fill="hold">
+                            <p:stCondLst>
+                              <p:cond delay="0"/>
+                            </p:stCondLst>
+                            <p:childTnLst>
+                              <p:par>
+                                <p:cTn id="13" presetID="1" presetClass="entr" presetSubtype="0" fill="hold" grpId="0" nodeType="clickEffect">
+                                  <p:stCondLst>
+                                    <p:cond delay="0"/>
+                                  </p:stCondLst>
+                                  <p:childTnLst>
+                                    <p:set>
+                                      <p:cBhvr>
+                                        <p:cTn id="14" dur="1" fill="hold">
+                                          <p:stCondLst>
+                                            <p:cond delay="0"/>
+                                          </p:stCondLst>
+                                        </p:cTn>
+                                        <p:tgtEl>
+                                          <p:spTgt spid="12"/>
+                                        </p:tgtEl>
+                                        <p:attrNameLst>
+                                          <p:attrName>style.visibility</p:attrName>
+                                        </p:attrNameLst>
+                                      </p:cBhvr>
+                                      <p:to>
+                                        <p:strVal val="visible"/>
+                                      </p:to>
+                                    </p:set>
+                                  </p:childTnLst>
+                                </p:cTn>
+                              </p:par>
+                            </p:childTnLst>
+                          </p:cTn>
+                        </p:par>
+                      </p:childTnLst>
+                    </p:cTn>
+                  </p:par>
+                  <p:par>
+                    <p:cTn id="15" fill="hold">
+                      <p:stCondLst>
+                        <p:cond delay="indefinite"/>
+                      </p:stCondLst>
+                      <p:childTnLst>
+                        <p:par>
+                          <p:cTn id="16" fill="hold">
+                            <p:stCondLst>
+                              <p:cond delay="0"/>
+                            </p:stCondLst>
+                            <p:childTnLst>
+                              <p:par>
+                                <p:cTn id="17" presetID="1" presetClass="entr" presetSubtype="0" fill="hold" nodeType="clickEffect">
+                                  <p:stCondLst>
+                                    <p:cond delay="0"/>
+                                  </p:stCondLst>
+                                  <p:childTnLst>
+                                    <p:set>
+                                      <p:cBhvr>
+                                        <p:cTn id="18" dur="1" fill="hold">
+                                          <p:stCondLst>
+                                            <p:cond delay="0"/>
+                                          </p:stCondLst>
+                                        </p:cTn>
+                                        <p:tgtEl>
+                                          <p:spTgt spid="17">
+                                            <p:txEl>
+                                              <p:pRg st="0" end="0"/>
+                                            </p:txEl>
+                                          </p:spTgt>
+                                        </p:tgtEl>
+                                        <p:attrNameLst>
+                                          <p:attrName>style.visibility</p:attrName>
+                                        </p:attrNameLst>
+                                      </p:cBhvr>
+                                      <p:to>
+                                        <p:strVal val="visible"/>
+                                      </p:to>
+                                    </p:set>
+                                  </p:childTnLst>
+                                </p:cTn>
+                              </p:par>
+                            </p:childTnLst>
+                          </p:cTn>
+                        </p:par>
+                      </p:childTnLst>
+                    </p:cTn>
+                  </p:par>
+                  <p:par>
+                    <p:cTn id="19" fill="hold">
+                      <p:stCondLst>
+                        <p:cond delay="indefinite"/>
+                      </p:stCondLst>
+                      <p:childTnLst>
+                        <p:par>
+                          <p:cTn id="20" fill="hold">
+                            <p:stCondLst>
+                              <p:cond delay="0"/>
+                            </p:stCondLst>
+                            <p:childTnLst>
+                              <p:par>
+                                <p:cTn id="21" presetID="1" presetClass="entr" presetSubtype="0" fill="hold" nodeType="clickEffect">
+                                  <p:stCondLst>
+                                    <p:cond delay="0"/>
+                                  </p:stCondLst>
+                                  <p:childTnLst>
+                                    <p:set>
+                                      <p:cBhvr>
+                                        <p:cTn id="22" dur="1" fill="hold">
+                                          <p:stCondLst>
+                                            <p:cond delay="0"/>
+                                          </p:stCondLst>
+                                        </p:cTn>
+                                        <p:tgtEl>
+                                          <p:spTgt spid="14">
+                                            <p:txEl>
+                                              <p:pRg st="0" end="0"/>
+                                            </p:txEl>
+                                          </p:spTgt>
+                                        </p:tgtEl>
+                                        <p:attrNameLst>
+                                          <p:attrName>style.visibility</p:attrName>
+                                        </p:attrNameLst>
+                                      </p:cBhvr>
+                                      <p:to>
+                                        <p:strVal val="visible"/>
+                                      </p:to>
+                                    </p:set>
+                                  </p:childTnLst>
+                                </p:cTn>
+                              </p:par>
+                              <p:par>
+                                <p:cTn id="23" presetID="1" presetClass="entr" presetSubtype="0" fill="hold" nodeType="withEffect">
+                                  <p:stCondLst>
+                                    <p:cond delay="0"/>
+                                  </p:stCondLst>
+                                  <p:childTnLst>
+                                    <p:set>
+                                      <p:cBhvr>
+                                        <p:cTn id="24" dur="1" fill="hold">
+                                          <p:stCondLst>
+                                            <p:cond delay="0"/>
+                                          </p:stCondLst>
+                                        </p:cTn>
+                                        <p:tgtEl>
+                                          <p:spTgt spid="14">
+                                            <p:txEl>
+                                              <p:pRg st="1" end="1"/>
+                                            </p:txEl>
+                                          </p:spTgt>
+                                        </p:tgtEl>
+                                        <p:attrNameLst>
+                                          <p:attrName>style.visibility</p:attrName>
+                                        </p:attrNameLst>
+                                      </p:cBhvr>
+                                      <p:to>
+                                        <p:strVal val="visible"/>
+                                      </p:to>
+                                    </p:set>
+                                  </p:childTnLst>
+                                </p:cTn>
+                              </p:par>
+                            </p:childTnLst>
+                          </p:cTn>
+                        </p:par>
+                      </p:childTnLst>
+                    </p:cTn>
+                  </p:par>
+                  <p:par>
+                    <p:cTn id="25" fill="hold">
+                      <p:stCondLst>
+                        <p:cond delay="indefinite"/>
+                      </p:stCondLst>
+                      <p:childTnLst>
+                        <p:par>
+                          <p:cTn id="26" fill="hold">
+                            <p:stCondLst>
+                              <p:cond delay="0"/>
+                            </p:stCondLst>
+                            <p:childTnLst>
+                              <p:par>
+                                <p:cTn id="27" presetID="1" presetClass="entr" presetSubtype="0" fill="hold" nodeType="clickEffect">
+                                  <p:stCondLst>
+                                    <p:cond delay="0"/>
+                                  </p:stCondLst>
+                                  <p:childTnLst>
+                                    <p:set>
+                                      <p:cBhvr>
+                                        <p:cTn id="28" dur="1" fill="hold">
+                                          <p:stCondLst>
+                                            <p:cond delay="0"/>
+                                          </p:stCondLst>
+                                        </p:cTn>
+                                        <p:tgtEl>
+                                          <p:spTgt spid="13">
+                                            <p:txEl>
+                                              <p:pRg st="0" end="0"/>
+                                            </p:txEl>
+                                          </p:spTgt>
+                                        </p:tgtEl>
+                                        <p:attrNameLst>
+                                          <p:attrName>style.visibility</p:attrName>
+                                        </p:attrNameLst>
+                                      </p:cBhvr>
+                                      <p:to>
+                                        <p:strVal val="visible"/>
+                                      </p:to>
+                                    </p:set>
+                                  </p:childTnLst>
+                                </p:cTn>
+                              </p:par>
+                              <p:par>
+                                <p:cTn id="29" presetID="1" presetClass="entr" presetSubtype="0" fill="hold" nodeType="withEffect">
+                                  <p:stCondLst>
+                                    <p:cond delay="0"/>
+                                  </p:stCondLst>
+                                  <p:childTnLst>
+                                    <p:set>
+                                      <p:cBhvr>
+                                        <p:cTn id="30" dur="1" fill="hold">
+                                          <p:stCondLst>
+                                            <p:cond delay="0"/>
+                                          </p:stCondLst>
+                                        </p:cTn>
+                                        <p:tgtEl>
+                                          <p:spTgt spid="13">
+                                            <p:txEl>
+                                              <p:pRg st="1" end="1"/>
+                                            </p:txEl>
+                                          </p:spTgt>
+                                        </p:tgtEl>
+                                        <p:attrNameLst>
+                                          <p:attrName>style.visibility</p:attrName>
+                                        </p:attrNameLst>
+                                      </p:cBhvr>
+                                      <p:to>
+                                        <p:strVal val="visible"/>
+                                      </p:to>
+                                    </p:set>
+                                  </p:childTnLst>
+                                </p:cTn>
+                              </p:par>
+                            </p:childTnLst>
+                          </p:cTn>
+                        </p:par>
+                      </p:childTnLst>
+                    </p:cTn>
+                  </p:par>
+                  <p:par>
+                    <p:cTn id="31" fill="hold">
+                      <p:stCondLst>
+                        <p:cond delay="indefinite"/>
+                      </p:stCondLst>
+                      <p:childTnLst>
+                        <p:par>
+                          <p:cTn id="32" fill="hold">
+                            <p:stCondLst>
+                              <p:cond delay="0"/>
+                            </p:stCondLst>
+                            <p:childTnLst>
+                              <p:par>
+                                <p:cTn id="33" presetID="1" presetClass="entr" presetSubtype="0" fill="hold" nodeType="clickEffect">
+                                  <p:stCondLst>
+                                    <p:cond delay="0"/>
+                                  </p:stCondLst>
+                                  <p:childTnLst>
+                                    <p:set>
+                                      <p:cBhvr>
+                                        <p:cTn id="34" dur="1" fill="hold">
+                                          <p:stCondLst>
+                                            <p:cond delay="0"/>
+                                          </p:stCondLst>
+                                        </p:cTn>
+                                        <p:tgtEl>
+                                          <p:spTgt spid="16">
+                                            <p:txEl>
+                                              <p:pRg st="0" end="0"/>
+                                            </p:txEl>
+                                          </p:spTgt>
+                                        </p:tgtEl>
+                                        <p:attrNameLst>
+                                          <p:attrName>style.visibility</p:attrName>
+                                        </p:attrNameLst>
+                                      </p:cBhvr>
+                                      <p:to>
+                                        <p:strVal val="visible"/>
+                                      </p:to>
+                                    </p:set>
+                                  </p:childTnLst>
+                                </p:cTn>
+                              </p:par>
+                            </p:childTnLst>
+                          </p:cTn>
+                        </p:par>
+                      </p:childTnLst>
+                    </p:cTn>
+                  </p:par>
+                </p:childTnLst>
+              </p:cTn>
+              <p:prevCondLst>
+                <p:cond evt="onPrev" delay="0">
+                  <p:tgtEl>
+                    <p:sldTgt/>
+                  </p:tgtEl>
+                </p:cond>
+              </p:prevCondLst>
+              <p:nextCondLst>
+                <p:cond evt="onNext" delay="0">
+                  <p:tgtEl>
+                    <p:sldTgt/>
+                  </p:tgtEl>
+                </p:cond>
+              </p:nextCondLst>
+            </p:seq>
+          </p:childTnLst>
+        </p:cTn>
+      </p:par>
+    </p:tnLst>
+    <p:bldLst>
+      <p:bldP spid="12" grpId="0" animBg="1"/>
+    </p:bldLst>
+  </p:timing>
+</p:sld>
+</file>
+
+<file path=ppt/slides/slide22.xml><?xml version="1.0" encoding="utf-8"?>
+<p:sld xmlns:a="http://schemas.openxmlformats.org/drawingml/2006/main" xmlns:r="http://schemas.openxmlformats.org/officeDocument/2006/relationships" xmlns:p="http://schemas.openxmlformats.org/presentationml/2006/main">
+  <p:cSld>
+    <p:spTree>
+      <p:nvGrpSpPr>
+        <p:cNvPr id="1" name=""/>
+        <p:cNvGrpSpPr/>
+        <p:nvPr/>
+      </p:nvGrpSpPr>
+      <p:grpSpPr>
+        <a:xfrm>
+          <a:off x="0" y="0"/>
+          <a:ext cx="0" cy="0"/>
+          <a:chOff x="0" y="0"/>
+          <a:chExt cx="0" cy="0"/>
+        </a:xfrm>
+      </p:grpSpPr>
       <p:sp>
         <p:nvSpPr>
           <p:cNvPr id="2" name="Inhaltsplatzhalter 1">
@@ -25582,7 +29383,7 @@
             </a:pPr>
             <a:fld id="{E91FD529-79A4-422D-9216-C48300677F2D}" type="datetime1">
               <a:rPr lang="de-DE" smtClean="0"/>
-              <a:t>20.08.2018</a:t>
+              <a:t>21.08.2018</a:t>
             </a:fld>
             <a:endParaRPr lang="de-DE" dirty="0"/>
           </a:p>
@@ -25657,7 +29458,7 @@
               <a:pPr>
                 <a:defRPr/>
               </a:pPr>
-              <a:t>21</a:t>
+              <a:t>22</a:t>
             </a:fld>
             <a:endParaRPr lang="de-DE" altLang="de-DE" dirty="0"/>
           </a:p>
@@ -26320,7 +30121,7 @@
 </p:sld>
 </file>
 
-<file path=ppt/slides/slide22.xml><?xml version="1.0" encoding="utf-8"?>
+<file path=ppt/slides/slide23.xml><?xml version="1.0" encoding="utf-8"?>
 <p:sld xmlns:a="http://schemas.openxmlformats.org/drawingml/2006/main" xmlns:r="http://schemas.openxmlformats.org/officeDocument/2006/relationships" xmlns:p="http://schemas.openxmlformats.org/presentationml/2006/main">
   <p:cSld>
     <p:spTree>
@@ -26679,7 +30480,7 @@
             </a:pPr>
             <a:fld id="{668CEC00-B388-44C9-BED2-57BA91674FDE}" type="datetime1">
               <a:rPr lang="de-DE" smtClean="0"/>
-              <a:t>20.08.2018</a:t>
+              <a:t>21.08.2018</a:t>
             </a:fld>
             <a:endParaRPr lang="de-DE" dirty="0"/>
           </a:p>
@@ -26754,7 +30555,7 @@
               <a:pPr>
                 <a:defRPr/>
               </a:pPr>
-              <a:t>22</a:t>
+              <a:t>23</a:t>
             </a:fld>
             <a:endParaRPr lang="de-DE" altLang="de-DE" dirty="0"/>
           </a:p>
@@ -27419,309 +31220,6 @@
 </p:sld>
 </file>
 
-<file path=ppt/slides/slide23.xml><?xml version="1.0" encoding="utf-8"?>
-<p:sld xmlns:a="http://schemas.openxmlformats.org/drawingml/2006/main" xmlns:r="http://schemas.openxmlformats.org/officeDocument/2006/relationships" xmlns:p="http://schemas.openxmlformats.org/presentationml/2006/main">
-  <p:cSld>
-    <p:spTree>
-      <p:nvGrpSpPr>
-        <p:cNvPr id="1" name=""/>
-        <p:cNvGrpSpPr/>
-        <p:nvPr/>
-      </p:nvGrpSpPr>
-      <p:grpSpPr>
-        <a:xfrm>
-          <a:off x="0" y="0"/>
-          <a:ext cx="0" cy="0"/>
-          <a:chOff x="0" y="0"/>
-          <a:chExt cx="0" cy="0"/>
-        </a:xfrm>
-      </p:grpSpPr>
-      <p:sp>
-        <p:nvSpPr>
-          <p:cNvPr id="2" name="Inhaltsplatzhalter 1"/>
-          <p:cNvSpPr>
-            <a:spLocks noGrp="1"/>
-          </p:cNvSpPr>
-          <p:nvPr>
-            <p:ph sz="quarter" idx="13"/>
-          </p:nvPr>
-        </p:nvSpPr>
-        <p:spPr/>
-        <p:txBody>
-          <a:bodyPr/>
-          <a:lstStyle/>
-          <a:p>
-            <a:pPr>
-              <a:lnSpc>
-                <a:spcPct val="200000"/>
-              </a:lnSpc>
-            </a:pPr>
-            <a:r>
-              <a:rPr lang="de-DE" dirty="0">
-                <a:solidFill>
-                  <a:schemeClr val="bg1">
-                    <a:lumMod val="85000"/>
-                  </a:schemeClr>
-                </a:solidFill>
-              </a:rPr>
-              <a:t>Einleitung</a:t>
-            </a:r>
-          </a:p>
-          <a:p>
-            <a:pPr>
-              <a:lnSpc>
-                <a:spcPct val="200000"/>
-              </a:lnSpc>
-            </a:pPr>
-            <a:r>
-              <a:rPr lang="de-DE" dirty="0">
-                <a:solidFill>
-                  <a:schemeClr val="bg1">
-                    <a:lumMod val="85000"/>
-                  </a:schemeClr>
-                </a:solidFill>
-              </a:rPr>
-              <a:t>Grundlage der Topologie</a:t>
-            </a:r>
-          </a:p>
-          <a:p>
-            <a:pPr>
-              <a:lnSpc>
-                <a:spcPct val="200000"/>
-              </a:lnSpc>
-            </a:pPr>
-            <a:r>
-              <a:rPr lang="de-DE" dirty="0">
-                <a:solidFill>
-                  <a:schemeClr val="bg1">
-                    <a:lumMod val="85000"/>
-                  </a:schemeClr>
-                </a:solidFill>
-              </a:rPr>
-              <a:t>Anforderungsanalyse</a:t>
-            </a:r>
-          </a:p>
-          <a:p>
-            <a:pPr>
-              <a:lnSpc>
-                <a:spcPct val="200000"/>
-              </a:lnSpc>
-            </a:pPr>
-            <a:r>
-              <a:rPr lang="de-DE" dirty="0">
-                <a:solidFill>
-                  <a:schemeClr val="bg1">
-                    <a:lumMod val="85000"/>
-                  </a:schemeClr>
-                </a:solidFill>
-              </a:rPr>
-              <a:t>Evaluation der JavaScript-Frameworks</a:t>
-            </a:r>
-          </a:p>
-          <a:p>
-            <a:pPr>
-              <a:lnSpc>
-                <a:spcPct val="200000"/>
-              </a:lnSpc>
-            </a:pPr>
-            <a:r>
-              <a:rPr lang="de-DE" dirty="0">
-                <a:solidFill>
-                  <a:schemeClr val="bg1">
-                    <a:lumMod val="85000"/>
-                  </a:schemeClr>
-                </a:solidFill>
-              </a:rPr>
-              <a:t>Konzepte der </a:t>
-            </a:r>
-            <a:r>
-              <a:rPr lang="de-DE" dirty="0" err="1">
-                <a:solidFill>
-                  <a:schemeClr val="bg1">
-                    <a:lumMod val="85000"/>
-                  </a:schemeClr>
-                </a:solidFill>
-              </a:rPr>
-              <a:t>Topology</a:t>
-            </a:r>
-            <a:r>
-              <a:rPr lang="de-DE" dirty="0">
-                <a:solidFill>
-                  <a:schemeClr val="bg1">
-                    <a:lumMod val="85000"/>
-                  </a:schemeClr>
-                </a:solidFill>
-              </a:rPr>
-              <a:t>-Editor</a:t>
-            </a:r>
-          </a:p>
-          <a:p>
-            <a:pPr>
-              <a:lnSpc>
-                <a:spcPct val="200000"/>
-              </a:lnSpc>
-            </a:pPr>
-            <a:r>
-              <a:rPr lang="de-DE" b="1" dirty="0">
-                <a:solidFill>
-                  <a:schemeClr val="tx2"/>
-                </a:solidFill>
-              </a:rPr>
-              <a:t>Prototype Implementierung</a:t>
-            </a:r>
-          </a:p>
-          <a:p>
-            <a:pPr>
-              <a:lnSpc>
-                <a:spcPct val="200000"/>
-              </a:lnSpc>
-            </a:pPr>
-            <a:r>
-              <a:rPr lang="de-DE" dirty="0">
-                <a:solidFill>
-                  <a:schemeClr val="bg1">
-                    <a:lumMod val="85000"/>
-                  </a:schemeClr>
-                </a:solidFill>
-              </a:rPr>
-              <a:t>Fortsetzungsmöglichkeiten</a:t>
-            </a:r>
-          </a:p>
-          <a:p>
-            <a:endParaRPr lang="de-DE" dirty="0"/>
-          </a:p>
-          <a:p>
-            <a:endParaRPr lang="de-DE" dirty="0"/>
-          </a:p>
-          <a:p>
-            <a:endParaRPr lang="de-DE" dirty="0"/>
-          </a:p>
-        </p:txBody>
-      </p:sp>
-      <p:sp>
-        <p:nvSpPr>
-          <p:cNvPr id="3" name="Datumsplatzhalter 2"/>
-          <p:cNvSpPr>
-            <a:spLocks noGrp="1"/>
-          </p:cNvSpPr>
-          <p:nvPr>
-            <p:ph type="dt" sz="half" idx="14"/>
-          </p:nvPr>
-        </p:nvSpPr>
-        <p:spPr/>
-        <p:txBody>
-          <a:bodyPr/>
-          <a:lstStyle/>
-          <a:p>
-            <a:pPr>
-              <a:defRPr/>
-            </a:pPr>
-            <a:fld id="{D5854939-2B7C-49B0-B46D-A3E4A10ECEA3}" type="datetime1">
-              <a:rPr lang="de-DE" smtClean="0"/>
-              <a:t>20.08.2018</a:t>
-            </a:fld>
-            <a:endParaRPr lang="de-DE" dirty="0"/>
-          </a:p>
-        </p:txBody>
-      </p:sp>
-      <p:sp>
-        <p:nvSpPr>
-          <p:cNvPr id="4" name="Fußzeilenplatzhalter 3"/>
-          <p:cNvSpPr>
-            <a:spLocks noGrp="1"/>
-          </p:cNvSpPr>
-          <p:nvPr>
-            <p:ph type="ftr" sz="quarter" idx="15"/>
-          </p:nvPr>
-        </p:nvSpPr>
-        <p:spPr/>
-        <p:txBody>
-          <a:bodyPr/>
-          <a:lstStyle/>
-          <a:p>
-            <a:pPr algn="ctr">
-              <a:defRPr/>
-            </a:pPr>
-            <a:r>
-              <a:rPr lang="de-DE" dirty="0" err="1"/>
-              <a:t>Hermond</a:t>
-            </a:r>
-            <a:r>
-              <a:rPr lang="de-DE" dirty="0"/>
-              <a:t> Ghislain Zeleu </a:t>
-            </a:r>
-            <a:r>
-              <a:rPr lang="de-DE" dirty="0" err="1"/>
-              <a:t>Zabatio</a:t>
-            </a:r>
-            <a:endParaRPr lang="de-DE" dirty="0"/>
-          </a:p>
-        </p:txBody>
-      </p:sp>
-      <p:sp>
-        <p:nvSpPr>
-          <p:cNvPr id="5" name="Foliennummernplatzhalter 4"/>
-          <p:cNvSpPr>
-            <a:spLocks noGrp="1"/>
-          </p:cNvSpPr>
-          <p:nvPr>
-            <p:ph type="sldNum" sz="quarter" idx="16"/>
-          </p:nvPr>
-        </p:nvSpPr>
-        <p:spPr/>
-        <p:txBody>
-          <a:bodyPr/>
-          <a:lstStyle/>
-          <a:p>
-            <a:pPr>
-              <a:defRPr/>
-            </a:pPr>
-            <a:fld id="{7A8CEE4A-E163-47DE-8784-5B8DE9F7A78A}" type="slidenum">
-              <a:rPr lang="de-DE" altLang="de-DE" smtClean="0"/>
-              <a:pPr>
-                <a:defRPr/>
-              </a:pPr>
-              <a:t>23</a:t>
-            </a:fld>
-            <a:endParaRPr lang="de-DE" altLang="de-DE" dirty="0"/>
-          </a:p>
-        </p:txBody>
-      </p:sp>
-      <p:sp>
-        <p:nvSpPr>
-          <p:cNvPr id="6" name="Titel 5"/>
-          <p:cNvSpPr>
-            <a:spLocks noGrp="1"/>
-          </p:cNvSpPr>
-          <p:nvPr>
-            <p:ph type="title"/>
-          </p:nvPr>
-        </p:nvSpPr>
-        <p:spPr/>
-        <p:txBody>
-          <a:bodyPr/>
-          <a:lstStyle/>
-          <a:p>
-            <a:r>
-              <a:rPr lang="de-DE" dirty="0"/>
-              <a:t>Agenda</a:t>
-            </a:r>
-          </a:p>
-        </p:txBody>
-      </p:sp>
-    </p:spTree>
-    <p:extLst>
-      <p:ext uri="{BB962C8B-B14F-4D97-AF65-F5344CB8AC3E}">
-        <p14:creationId xmlns:p14="http://schemas.microsoft.com/office/powerpoint/2010/main" val="2398210199"/>
-      </p:ext>
-    </p:extLst>
-  </p:cSld>
-  <p:clrMapOvr>
-    <a:masterClrMapping/>
-  </p:clrMapOvr>
-</p:sld>
-</file>
-
 <file path=ppt/slides/slide24.xml><?xml version="1.0" encoding="utf-8"?>
 <p:sld xmlns:a="http://schemas.openxmlformats.org/drawingml/2006/main" xmlns:r="http://schemas.openxmlformats.org/officeDocument/2006/relationships" xmlns:p="http://schemas.openxmlformats.org/presentationml/2006/main">
   <p:cSld>
@@ -27741,6 +31239,309 @@
       </p:grpSpPr>
       <p:sp>
         <p:nvSpPr>
+          <p:cNvPr id="2" name="Inhaltsplatzhalter 1"/>
+          <p:cNvSpPr>
+            <a:spLocks noGrp="1"/>
+          </p:cNvSpPr>
+          <p:nvPr>
+            <p:ph sz="quarter" idx="13"/>
+          </p:nvPr>
+        </p:nvSpPr>
+        <p:spPr/>
+        <p:txBody>
+          <a:bodyPr/>
+          <a:lstStyle/>
+          <a:p>
+            <a:pPr>
+              <a:lnSpc>
+                <a:spcPct val="200000"/>
+              </a:lnSpc>
+            </a:pPr>
+            <a:r>
+              <a:rPr lang="de-DE" dirty="0">
+                <a:solidFill>
+                  <a:schemeClr val="bg1">
+                    <a:lumMod val="85000"/>
+                  </a:schemeClr>
+                </a:solidFill>
+              </a:rPr>
+              <a:t>Einleitung</a:t>
+            </a:r>
+          </a:p>
+          <a:p>
+            <a:pPr>
+              <a:lnSpc>
+                <a:spcPct val="200000"/>
+              </a:lnSpc>
+            </a:pPr>
+            <a:r>
+              <a:rPr lang="de-DE" dirty="0">
+                <a:solidFill>
+                  <a:schemeClr val="bg1">
+                    <a:lumMod val="85000"/>
+                  </a:schemeClr>
+                </a:solidFill>
+              </a:rPr>
+              <a:t>Grundlage der Topologie</a:t>
+            </a:r>
+          </a:p>
+          <a:p>
+            <a:pPr>
+              <a:lnSpc>
+                <a:spcPct val="200000"/>
+              </a:lnSpc>
+            </a:pPr>
+            <a:r>
+              <a:rPr lang="de-DE" dirty="0">
+                <a:solidFill>
+                  <a:schemeClr val="bg1">
+                    <a:lumMod val="85000"/>
+                  </a:schemeClr>
+                </a:solidFill>
+              </a:rPr>
+              <a:t>Anforderungsanalyse</a:t>
+            </a:r>
+          </a:p>
+          <a:p>
+            <a:pPr>
+              <a:lnSpc>
+                <a:spcPct val="200000"/>
+              </a:lnSpc>
+            </a:pPr>
+            <a:r>
+              <a:rPr lang="de-DE" dirty="0">
+                <a:solidFill>
+                  <a:schemeClr val="bg1">
+                    <a:lumMod val="85000"/>
+                  </a:schemeClr>
+                </a:solidFill>
+              </a:rPr>
+              <a:t>Evaluation der JavaScript-Frameworks</a:t>
+            </a:r>
+          </a:p>
+          <a:p>
+            <a:pPr>
+              <a:lnSpc>
+                <a:spcPct val="200000"/>
+              </a:lnSpc>
+            </a:pPr>
+            <a:r>
+              <a:rPr lang="de-DE" dirty="0">
+                <a:solidFill>
+                  <a:schemeClr val="bg1">
+                    <a:lumMod val="85000"/>
+                  </a:schemeClr>
+                </a:solidFill>
+              </a:rPr>
+              <a:t>Konzepte der </a:t>
+            </a:r>
+            <a:r>
+              <a:rPr lang="de-DE" dirty="0" err="1">
+                <a:solidFill>
+                  <a:schemeClr val="bg1">
+                    <a:lumMod val="85000"/>
+                  </a:schemeClr>
+                </a:solidFill>
+              </a:rPr>
+              <a:t>Topology</a:t>
+            </a:r>
+            <a:r>
+              <a:rPr lang="de-DE" dirty="0">
+                <a:solidFill>
+                  <a:schemeClr val="bg1">
+                    <a:lumMod val="85000"/>
+                  </a:schemeClr>
+                </a:solidFill>
+              </a:rPr>
+              <a:t>-Editor</a:t>
+            </a:r>
+          </a:p>
+          <a:p>
+            <a:pPr>
+              <a:lnSpc>
+                <a:spcPct val="200000"/>
+              </a:lnSpc>
+            </a:pPr>
+            <a:r>
+              <a:rPr lang="de-DE" b="1" dirty="0">
+                <a:solidFill>
+                  <a:schemeClr val="tx2"/>
+                </a:solidFill>
+              </a:rPr>
+              <a:t>Prototype Implementierung</a:t>
+            </a:r>
+          </a:p>
+          <a:p>
+            <a:pPr>
+              <a:lnSpc>
+                <a:spcPct val="200000"/>
+              </a:lnSpc>
+            </a:pPr>
+            <a:r>
+              <a:rPr lang="de-DE" dirty="0">
+                <a:solidFill>
+                  <a:schemeClr val="bg1">
+                    <a:lumMod val="85000"/>
+                  </a:schemeClr>
+                </a:solidFill>
+              </a:rPr>
+              <a:t>Fortsetzungsmöglichkeiten</a:t>
+            </a:r>
+          </a:p>
+          <a:p>
+            <a:endParaRPr lang="de-DE" dirty="0"/>
+          </a:p>
+          <a:p>
+            <a:endParaRPr lang="de-DE" dirty="0"/>
+          </a:p>
+          <a:p>
+            <a:endParaRPr lang="de-DE" dirty="0"/>
+          </a:p>
+        </p:txBody>
+      </p:sp>
+      <p:sp>
+        <p:nvSpPr>
+          <p:cNvPr id="3" name="Datumsplatzhalter 2"/>
+          <p:cNvSpPr>
+            <a:spLocks noGrp="1"/>
+          </p:cNvSpPr>
+          <p:nvPr>
+            <p:ph type="dt" sz="half" idx="14"/>
+          </p:nvPr>
+        </p:nvSpPr>
+        <p:spPr/>
+        <p:txBody>
+          <a:bodyPr/>
+          <a:lstStyle/>
+          <a:p>
+            <a:pPr>
+              <a:defRPr/>
+            </a:pPr>
+            <a:fld id="{D5854939-2B7C-49B0-B46D-A3E4A10ECEA3}" type="datetime1">
+              <a:rPr lang="de-DE" smtClean="0"/>
+              <a:t>21.08.2018</a:t>
+            </a:fld>
+            <a:endParaRPr lang="de-DE" dirty="0"/>
+          </a:p>
+        </p:txBody>
+      </p:sp>
+      <p:sp>
+        <p:nvSpPr>
+          <p:cNvPr id="4" name="Fußzeilenplatzhalter 3"/>
+          <p:cNvSpPr>
+            <a:spLocks noGrp="1"/>
+          </p:cNvSpPr>
+          <p:nvPr>
+            <p:ph type="ftr" sz="quarter" idx="15"/>
+          </p:nvPr>
+        </p:nvSpPr>
+        <p:spPr/>
+        <p:txBody>
+          <a:bodyPr/>
+          <a:lstStyle/>
+          <a:p>
+            <a:pPr algn="ctr">
+              <a:defRPr/>
+            </a:pPr>
+            <a:r>
+              <a:rPr lang="de-DE" dirty="0" err="1"/>
+              <a:t>Hermond</a:t>
+            </a:r>
+            <a:r>
+              <a:rPr lang="de-DE" dirty="0"/>
+              <a:t> Ghislain Zeleu </a:t>
+            </a:r>
+            <a:r>
+              <a:rPr lang="de-DE" dirty="0" err="1"/>
+              <a:t>Zabatio</a:t>
+            </a:r>
+            <a:endParaRPr lang="de-DE" dirty="0"/>
+          </a:p>
+        </p:txBody>
+      </p:sp>
+      <p:sp>
+        <p:nvSpPr>
+          <p:cNvPr id="5" name="Foliennummernplatzhalter 4"/>
+          <p:cNvSpPr>
+            <a:spLocks noGrp="1"/>
+          </p:cNvSpPr>
+          <p:nvPr>
+            <p:ph type="sldNum" sz="quarter" idx="16"/>
+          </p:nvPr>
+        </p:nvSpPr>
+        <p:spPr/>
+        <p:txBody>
+          <a:bodyPr/>
+          <a:lstStyle/>
+          <a:p>
+            <a:pPr>
+              <a:defRPr/>
+            </a:pPr>
+            <a:fld id="{7A8CEE4A-E163-47DE-8784-5B8DE9F7A78A}" type="slidenum">
+              <a:rPr lang="de-DE" altLang="de-DE" smtClean="0"/>
+              <a:pPr>
+                <a:defRPr/>
+              </a:pPr>
+              <a:t>24</a:t>
+            </a:fld>
+            <a:endParaRPr lang="de-DE" altLang="de-DE" dirty="0"/>
+          </a:p>
+        </p:txBody>
+      </p:sp>
+      <p:sp>
+        <p:nvSpPr>
+          <p:cNvPr id="6" name="Titel 5"/>
+          <p:cNvSpPr>
+            <a:spLocks noGrp="1"/>
+          </p:cNvSpPr>
+          <p:nvPr>
+            <p:ph type="title"/>
+          </p:nvPr>
+        </p:nvSpPr>
+        <p:spPr/>
+        <p:txBody>
+          <a:bodyPr/>
+          <a:lstStyle/>
+          <a:p>
+            <a:r>
+              <a:rPr lang="de-DE" dirty="0"/>
+              <a:t>Agenda</a:t>
+            </a:r>
+          </a:p>
+        </p:txBody>
+      </p:sp>
+    </p:spTree>
+    <p:extLst>
+      <p:ext uri="{BB962C8B-B14F-4D97-AF65-F5344CB8AC3E}">
+        <p14:creationId xmlns:p14="http://schemas.microsoft.com/office/powerpoint/2010/main" val="2398210199"/>
+      </p:ext>
+    </p:extLst>
+  </p:cSld>
+  <p:clrMapOvr>
+    <a:masterClrMapping/>
+  </p:clrMapOvr>
+</p:sld>
+</file>
+
+<file path=ppt/slides/slide25.xml><?xml version="1.0" encoding="utf-8"?>
+<p:sld xmlns:a="http://schemas.openxmlformats.org/drawingml/2006/main" xmlns:r="http://schemas.openxmlformats.org/officeDocument/2006/relationships" xmlns:p="http://schemas.openxmlformats.org/presentationml/2006/main">
+  <p:cSld>
+    <p:spTree>
+      <p:nvGrpSpPr>
+        <p:cNvPr id="1" name=""/>
+        <p:cNvGrpSpPr/>
+        <p:nvPr/>
+      </p:nvGrpSpPr>
+      <p:grpSpPr>
+        <a:xfrm>
+          <a:off x="0" y="0"/>
+          <a:ext cx="0" cy="0"/>
+          <a:chOff x="0" y="0"/>
+          <a:chExt cx="0" cy="0"/>
+        </a:xfrm>
+      </p:grpSpPr>
+      <p:sp>
+        <p:nvSpPr>
           <p:cNvPr id="3" name="Datumsplatzhalter 2">
             <a:extLst>
               <a:ext uri="{FF2B5EF4-FFF2-40B4-BE49-F238E27FC236}">
@@ -27765,7 +31566,7 @@
             </a:pPr>
             <a:fld id="{4B47C6A7-4CB9-47BF-812A-FB221A81A7BE}" type="datetime1">
               <a:rPr lang="de-DE" smtClean="0"/>
-              <a:t>20.08.2018</a:t>
+              <a:t>21.08.2018</a:t>
             </a:fld>
             <a:endParaRPr lang="de-DE" dirty="0"/>
           </a:p>
@@ -27840,7 +31641,7 @@
               <a:pPr>
                 <a:defRPr/>
               </a:pPr>
-              <a:t>24</a:t>
+              <a:t>25</a:t>
             </a:fld>
             <a:endParaRPr lang="de-DE" altLang="de-DE" dirty="0"/>
           </a:p>
@@ -27952,7 +31753,7 @@
 </p:sld>
 </file>
 
-<file path=ppt/slides/slide25.xml><?xml version="1.0" encoding="utf-8"?>
+<file path=ppt/slides/slide26.xml><?xml version="1.0" encoding="utf-8"?>
 <p:sld xmlns:a="http://schemas.openxmlformats.org/drawingml/2006/main" xmlns:r="http://schemas.openxmlformats.org/officeDocument/2006/relationships" xmlns:p="http://schemas.openxmlformats.org/presentationml/2006/main">
   <p:cSld>
     <p:spTree>
@@ -27995,7 +31796,7 @@
             </a:pPr>
             <a:fld id="{6FDFEBE8-6BCA-40A3-89A2-FFCEF06292FB}" type="datetime1">
               <a:rPr lang="de-DE" smtClean="0"/>
-              <a:t>20.08.2018</a:t>
+              <a:t>21.08.2018</a:t>
             </a:fld>
             <a:endParaRPr lang="de-DE" dirty="0"/>
           </a:p>
@@ -28061,7 +31862,7 @@
               <a:pPr>
                 <a:defRPr/>
               </a:pPr>
-              <a:t>25</a:t>
+              <a:t>26</a:t>
             </a:fld>
             <a:endParaRPr lang="de-DE" altLang="de-DE" dirty="0"/>
           </a:p>
@@ -28183,7 +31984,7 @@
 </p:sld>
 </file>
 
-<file path=ppt/slides/slide26.xml><?xml version="1.0" encoding="utf-8"?>
+<file path=ppt/slides/slide27.xml><?xml version="1.0" encoding="utf-8"?>
 <p:sld xmlns:a="http://schemas.openxmlformats.org/drawingml/2006/main" xmlns:r="http://schemas.openxmlformats.org/officeDocument/2006/relationships" xmlns:p="http://schemas.openxmlformats.org/presentationml/2006/main">
   <p:cSld>
     <p:spTree>
@@ -28226,7 +32027,7 @@
             </a:pPr>
             <a:fld id="{E9F400A6-E40D-4DB6-A24F-AFEB1A17EEB5}" type="datetime1">
               <a:rPr lang="de-DE" smtClean="0"/>
-              <a:t>20.08.2018</a:t>
+              <a:t>21.08.2018</a:t>
             </a:fld>
             <a:endParaRPr lang="de-DE" dirty="0"/>
           </a:p>
@@ -28301,7 +32102,7 @@
               <a:pPr>
                 <a:defRPr/>
               </a:pPr>
-              <a:t>26</a:t>
+              <a:t>27</a:t>
             </a:fld>
             <a:endParaRPr lang="de-DE" altLang="de-DE" dirty="0"/>
           </a:p>
@@ -28428,309 +32229,6 @@
 </p:sld>
 </file>
 
-<file path=ppt/slides/slide27.xml><?xml version="1.0" encoding="utf-8"?>
-<p:sld xmlns:a="http://schemas.openxmlformats.org/drawingml/2006/main" xmlns:r="http://schemas.openxmlformats.org/officeDocument/2006/relationships" xmlns:p="http://schemas.openxmlformats.org/presentationml/2006/main">
-  <p:cSld>
-    <p:spTree>
-      <p:nvGrpSpPr>
-        <p:cNvPr id="1" name=""/>
-        <p:cNvGrpSpPr/>
-        <p:nvPr/>
-      </p:nvGrpSpPr>
-      <p:grpSpPr>
-        <a:xfrm>
-          <a:off x="0" y="0"/>
-          <a:ext cx="0" cy="0"/>
-          <a:chOff x="0" y="0"/>
-          <a:chExt cx="0" cy="0"/>
-        </a:xfrm>
-      </p:grpSpPr>
-      <p:sp>
-        <p:nvSpPr>
-          <p:cNvPr id="2" name="Inhaltsplatzhalter 1"/>
-          <p:cNvSpPr>
-            <a:spLocks noGrp="1"/>
-          </p:cNvSpPr>
-          <p:nvPr>
-            <p:ph sz="quarter" idx="13"/>
-          </p:nvPr>
-        </p:nvSpPr>
-        <p:spPr/>
-        <p:txBody>
-          <a:bodyPr/>
-          <a:lstStyle/>
-          <a:p>
-            <a:pPr>
-              <a:lnSpc>
-                <a:spcPct val="200000"/>
-              </a:lnSpc>
-            </a:pPr>
-            <a:r>
-              <a:rPr lang="de-DE" dirty="0">
-                <a:solidFill>
-                  <a:schemeClr val="bg1">
-                    <a:lumMod val="85000"/>
-                  </a:schemeClr>
-                </a:solidFill>
-              </a:rPr>
-              <a:t>Einleitung</a:t>
-            </a:r>
-          </a:p>
-          <a:p>
-            <a:pPr>
-              <a:lnSpc>
-                <a:spcPct val="200000"/>
-              </a:lnSpc>
-            </a:pPr>
-            <a:r>
-              <a:rPr lang="de-DE" dirty="0">
-                <a:solidFill>
-                  <a:schemeClr val="bg1">
-                    <a:lumMod val="85000"/>
-                  </a:schemeClr>
-                </a:solidFill>
-              </a:rPr>
-              <a:t>Grundlage der Topologie</a:t>
-            </a:r>
-          </a:p>
-          <a:p>
-            <a:pPr>
-              <a:lnSpc>
-                <a:spcPct val="200000"/>
-              </a:lnSpc>
-            </a:pPr>
-            <a:r>
-              <a:rPr lang="de-DE" dirty="0">
-                <a:solidFill>
-                  <a:schemeClr val="bg1">
-                    <a:lumMod val="85000"/>
-                  </a:schemeClr>
-                </a:solidFill>
-              </a:rPr>
-              <a:t>Anforderungsanalyse</a:t>
-            </a:r>
-          </a:p>
-          <a:p>
-            <a:pPr>
-              <a:lnSpc>
-                <a:spcPct val="200000"/>
-              </a:lnSpc>
-            </a:pPr>
-            <a:r>
-              <a:rPr lang="de-DE" dirty="0">
-                <a:solidFill>
-                  <a:schemeClr val="bg1">
-                    <a:lumMod val="85000"/>
-                  </a:schemeClr>
-                </a:solidFill>
-              </a:rPr>
-              <a:t>Evaluation der JavaScript-Frameworks</a:t>
-            </a:r>
-          </a:p>
-          <a:p>
-            <a:pPr>
-              <a:lnSpc>
-                <a:spcPct val="200000"/>
-              </a:lnSpc>
-            </a:pPr>
-            <a:r>
-              <a:rPr lang="de-DE" dirty="0">
-                <a:solidFill>
-                  <a:schemeClr val="bg1">
-                    <a:lumMod val="85000"/>
-                  </a:schemeClr>
-                </a:solidFill>
-              </a:rPr>
-              <a:t>Konzepte der </a:t>
-            </a:r>
-            <a:r>
-              <a:rPr lang="de-DE" dirty="0" err="1">
-                <a:solidFill>
-                  <a:schemeClr val="bg1">
-                    <a:lumMod val="85000"/>
-                  </a:schemeClr>
-                </a:solidFill>
-              </a:rPr>
-              <a:t>Topology</a:t>
-            </a:r>
-            <a:r>
-              <a:rPr lang="de-DE" dirty="0">
-                <a:solidFill>
-                  <a:schemeClr val="bg1">
-                    <a:lumMod val="85000"/>
-                  </a:schemeClr>
-                </a:solidFill>
-              </a:rPr>
-              <a:t>-Editor</a:t>
-            </a:r>
-          </a:p>
-          <a:p>
-            <a:pPr>
-              <a:lnSpc>
-                <a:spcPct val="200000"/>
-              </a:lnSpc>
-            </a:pPr>
-            <a:r>
-              <a:rPr lang="de-DE" dirty="0">
-                <a:solidFill>
-                  <a:schemeClr val="bg1">
-                    <a:lumMod val="85000"/>
-                  </a:schemeClr>
-                </a:solidFill>
-              </a:rPr>
-              <a:t>Prototype Implementierung</a:t>
-            </a:r>
-          </a:p>
-          <a:p>
-            <a:pPr>
-              <a:lnSpc>
-                <a:spcPct val="200000"/>
-              </a:lnSpc>
-            </a:pPr>
-            <a:r>
-              <a:rPr lang="de-DE" b="1" dirty="0">
-                <a:solidFill>
-                  <a:schemeClr val="tx2"/>
-                </a:solidFill>
-              </a:rPr>
-              <a:t>Fortsetzungsmöglichkeiten</a:t>
-            </a:r>
-          </a:p>
-          <a:p>
-            <a:endParaRPr lang="de-DE" dirty="0"/>
-          </a:p>
-          <a:p>
-            <a:endParaRPr lang="de-DE" dirty="0"/>
-          </a:p>
-          <a:p>
-            <a:endParaRPr lang="de-DE" dirty="0"/>
-          </a:p>
-        </p:txBody>
-      </p:sp>
-      <p:sp>
-        <p:nvSpPr>
-          <p:cNvPr id="3" name="Datumsplatzhalter 2"/>
-          <p:cNvSpPr>
-            <a:spLocks noGrp="1"/>
-          </p:cNvSpPr>
-          <p:nvPr>
-            <p:ph type="dt" sz="half" idx="14"/>
-          </p:nvPr>
-        </p:nvSpPr>
-        <p:spPr/>
-        <p:txBody>
-          <a:bodyPr/>
-          <a:lstStyle/>
-          <a:p>
-            <a:pPr>
-              <a:defRPr/>
-            </a:pPr>
-            <a:fld id="{9A87BE0B-A04B-4BD9-AD64-4DB39BF97343}" type="datetime1">
-              <a:rPr lang="de-DE" smtClean="0"/>
-              <a:t>20.08.2018</a:t>
-            </a:fld>
-            <a:endParaRPr lang="de-DE" dirty="0"/>
-          </a:p>
-        </p:txBody>
-      </p:sp>
-      <p:sp>
-        <p:nvSpPr>
-          <p:cNvPr id="4" name="Fußzeilenplatzhalter 3"/>
-          <p:cNvSpPr>
-            <a:spLocks noGrp="1"/>
-          </p:cNvSpPr>
-          <p:nvPr>
-            <p:ph type="ftr" sz="quarter" idx="15"/>
-          </p:nvPr>
-        </p:nvSpPr>
-        <p:spPr/>
-        <p:txBody>
-          <a:bodyPr/>
-          <a:lstStyle/>
-          <a:p>
-            <a:pPr algn="ctr">
-              <a:defRPr/>
-            </a:pPr>
-            <a:r>
-              <a:rPr lang="de-DE" dirty="0" err="1"/>
-              <a:t>Hermond</a:t>
-            </a:r>
-            <a:r>
-              <a:rPr lang="de-DE" dirty="0"/>
-              <a:t> Ghislain Zeleu </a:t>
-            </a:r>
-            <a:r>
-              <a:rPr lang="de-DE" dirty="0" err="1"/>
-              <a:t>Zabatio</a:t>
-            </a:r>
-            <a:endParaRPr lang="de-DE" dirty="0"/>
-          </a:p>
-        </p:txBody>
-      </p:sp>
-      <p:sp>
-        <p:nvSpPr>
-          <p:cNvPr id="5" name="Foliennummernplatzhalter 4"/>
-          <p:cNvSpPr>
-            <a:spLocks noGrp="1"/>
-          </p:cNvSpPr>
-          <p:nvPr>
-            <p:ph type="sldNum" sz="quarter" idx="16"/>
-          </p:nvPr>
-        </p:nvSpPr>
-        <p:spPr/>
-        <p:txBody>
-          <a:bodyPr/>
-          <a:lstStyle/>
-          <a:p>
-            <a:pPr>
-              <a:defRPr/>
-            </a:pPr>
-            <a:fld id="{7A8CEE4A-E163-47DE-8784-5B8DE9F7A78A}" type="slidenum">
-              <a:rPr lang="de-DE" altLang="de-DE" smtClean="0"/>
-              <a:pPr>
-                <a:defRPr/>
-              </a:pPr>
-              <a:t>27</a:t>
-            </a:fld>
-            <a:endParaRPr lang="de-DE" altLang="de-DE" dirty="0"/>
-          </a:p>
-        </p:txBody>
-      </p:sp>
-      <p:sp>
-        <p:nvSpPr>
-          <p:cNvPr id="6" name="Titel 5"/>
-          <p:cNvSpPr>
-            <a:spLocks noGrp="1"/>
-          </p:cNvSpPr>
-          <p:nvPr>
-            <p:ph type="title"/>
-          </p:nvPr>
-        </p:nvSpPr>
-        <p:spPr/>
-        <p:txBody>
-          <a:bodyPr/>
-          <a:lstStyle/>
-          <a:p>
-            <a:r>
-              <a:rPr lang="de-DE" dirty="0"/>
-              <a:t>Agenda</a:t>
-            </a:r>
-          </a:p>
-        </p:txBody>
-      </p:sp>
-    </p:spTree>
-    <p:extLst>
-      <p:ext uri="{BB962C8B-B14F-4D97-AF65-F5344CB8AC3E}">
-        <p14:creationId xmlns:p14="http://schemas.microsoft.com/office/powerpoint/2010/main" val="1179246120"/>
-      </p:ext>
-    </p:extLst>
-  </p:cSld>
-  <p:clrMapOvr>
-    <a:masterClrMapping/>
-  </p:clrMapOvr>
-</p:sld>
-</file>
-
 <file path=ppt/slides/slide28.xml><?xml version="1.0" encoding="utf-8"?>
 <p:sld xmlns:a="http://schemas.openxmlformats.org/drawingml/2006/main" xmlns:r="http://schemas.openxmlformats.org/officeDocument/2006/relationships" xmlns:p="http://schemas.openxmlformats.org/presentationml/2006/main">
   <p:cSld>
@@ -28769,16 +32267,14 @@
               </a:lnSpc>
             </a:pPr>
             <a:r>
-              <a:rPr lang="de-DE" dirty="0"/>
-              <a:t>Tatsächliche Implementierung des </a:t>
-            </a:r>
-            <a:r>
-              <a:rPr lang="de-DE" dirty="0" err="1"/>
-              <a:t>Topology</a:t>
-            </a:r>
-            <a:r>
-              <a:rPr lang="de-DE" dirty="0"/>
-              <a:t>-Editors </a:t>
+              <a:rPr lang="de-DE" dirty="0">
+                <a:solidFill>
+                  <a:schemeClr val="bg1">
+                    <a:lumMod val="85000"/>
+                  </a:schemeClr>
+                </a:solidFill>
+              </a:rPr>
+              <a:t>Einleitung</a:t>
             </a:r>
           </a:p>
           <a:p>
@@ -28788,8 +32284,14 @@
               </a:lnSpc>
             </a:pPr>
             <a:r>
-              <a:rPr lang="de-DE" dirty="0"/>
-              <a:t>Unterstützung der Echtzeitverhalten</a:t>
+              <a:rPr lang="de-DE" dirty="0">
+                <a:solidFill>
+                  <a:schemeClr val="bg1">
+                    <a:lumMod val="85000"/>
+                  </a:schemeClr>
+                </a:solidFill>
+              </a:rPr>
+              <a:t>Grundlage der Topologie</a:t>
             </a:r>
           </a:p>
           <a:p>
@@ -28799,8 +32301,14 @@
               </a:lnSpc>
             </a:pPr>
             <a:r>
-              <a:rPr lang="de-DE" dirty="0"/>
-              <a:t>Hohe Übertragungssicherheit gewährleisten </a:t>
+              <a:rPr lang="de-DE" dirty="0">
+                <a:solidFill>
+                  <a:schemeClr val="bg1">
+                    <a:lumMod val="85000"/>
+                  </a:schemeClr>
+                </a:solidFill>
+              </a:rPr>
+              <a:t>Anforderungsanalyse</a:t>
             </a:r>
           </a:p>
           <a:p>
@@ -28810,20 +32318,90 @@
               </a:lnSpc>
             </a:pPr>
             <a:r>
-              <a:rPr lang="de-DE" dirty="0"/>
-              <a:t>Implementierung der Funktion für die logische Topologie</a:t>
+              <a:rPr lang="de-DE" dirty="0">
+                <a:solidFill>
+                  <a:schemeClr val="bg1">
+                    <a:lumMod val="85000"/>
+                  </a:schemeClr>
+                </a:solidFill>
+              </a:rPr>
+              <a:t>Evaluation der JavaScript-Frameworks</a:t>
             </a:r>
           </a:p>
           <a:p>
             <a:pPr>
               <a:lnSpc>
-                <a:spcPct val="150000"/>
+                <a:spcPct val="200000"/>
               </a:lnSpc>
             </a:pPr>
             <a:r>
-              <a:rPr lang="de-DE" dirty="0"/>
-              <a:t>Implementierung der Funktion für die Darstellung der Submodule</a:t>
-            </a:r>
+              <a:rPr lang="de-DE" dirty="0">
+                <a:solidFill>
+                  <a:schemeClr val="bg1">
+                    <a:lumMod val="85000"/>
+                  </a:schemeClr>
+                </a:solidFill>
+              </a:rPr>
+              <a:t>Konzepte der </a:t>
+            </a:r>
+            <a:r>
+              <a:rPr lang="de-DE" dirty="0" err="1">
+                <a:solidFill>
+                  <a:schemeClr val="bg1">
+                    <a:lumMod val="85000"/>
+                  </a:schemeClr>
+                </a:solidFill>
+              </a:rPr>
+              <a:t>Topology</a:t>
+            </a:r>
+            <a:r>
+              <a:rPr lang="de-DE" dirty="0">
+                <a:solidFill>
+                  <a:schemeClr val="bg1">
+                    <a:lumMod val="85000"/>
+                  </a:schemeClr>
+                </a:solidFill>
+              </a:rPr>
+              <a:t>-Editor</a:t>
+            </a:r>
+          </a:p>
+          <a:p>
+            <a:pPr>
+              <a:lnSpc>
+                <a:spcPct val="200000"/>
+              </a:lnSpc>
+            </a:pPr>
+            <a:r>
+              <a:rPr lang="de-DE" dirty="0">
+                <a:solidFill>
+                  <a:schemeClr val="bg1">
+                    <a:lumMod val="85000"/>
+                  </a:schemeClr>
+                </a:solidFill>
+              </a:rPr>
+              <a:t>Prototype Implementierung</a:t>
+            </a:r>
+          </a:p>
+          <a:p>
+            <a:pPr>
+              <a:lnSpc>
+                <a:spcPct val="200000"/>
+              </a:lnSpc>
+            </a:pPr>
+            <a:r>
+              <a:rPr lang="de-DE" b="1" dirty="0">
+                <a:solidFill>
+                  <a:schemeClr val="tx2"/>
+                </a:solidFill>
+              </a:rPr>
+              <a:t>Fortsetzungsmöglichkeiten</a:t>
+            </a:r>
+          </a:p>
+          <a:p>
+            <a:endParaRPr lang="de-DE" dirty="0"/>
+          </a:p>
+          <a:p>
+            <a:endParaRPr lang="de-DE" dirty="0"/>
           </a:p>
           <a:p>
             <a:endParaRPr lang="de-DE" dirty="0"/>
@@ -28848,9 +32426,9 @@
             <a:pPr>
               <a:defRPr/>
             </a:pPr>
-            <a:fld id="{5E4D5FCA-7DF3-448C-839C-8922CAEBBDE7}" type="datetime1">
+            <a:fld id="{9A87BE0B-A04B-4BD9-AD64-4DB39BF97343}" type="datetime1">
               <a:rPr lang="de-DE" smtClean="0"/>
-              <a:t>20.08.2018</a:t>
+              <a:t>21.08.2018</a:t>
             </a:fld>
             <a:endParaRPr lang="de-DE" dirty="0"/>
           </a:p>
@@ -28866,17 +32444,12 @@
             <p:ph type="ftr" sz="quarter" idx="15"/>
           </p:nvPr>
         </p:nvSpPr>
-        <p:spPr>
-          <a:xfrm>
-            <a:off x="3311736" y="6531244"/>
-            <a:ext cx="2952328" cy="280015"/>
-          </a:xfrm>
-        </p:spPr>
+        <p:spPr/>
         <p:txBody>
           <a:bodyPr/>
           <a:lstStyle/>
           <a:p>
-            <a:pPr>
+            <a:pPr algn="ctr">
               <a:defRPr/>
             </a:pPr>
             <a:r>
@@ -28941,7 +32514,7 @@
           <a:p>
             <a:r>
               <a:rPr lang="de-DE" dirty="0"/>
-              <a:t>Fortsetzungsmöglichkeiten</a:t>
+              <a:t>Agenda</a:t>
             </a:r>
           </a:p>
         </p:txBody>
@@ -28949,7 +32522,7 @@
     </p:spTree>
     <p:extLst>
       <p:ext uri="{BB962C8B-B14F-4D97-AF65-F5344CB8AC3E}">
-        <p14:creationId xmlns:p14="http://schemas.microsoft.com/office/powerpoint/2010/main" val="3073158476"/>
+        <p14:creationId xmlns:p14="http://schemas.microsoft.com/office/powerpoint/2010/main" val="1179246120"/>
       </p:ext>
     </p:extLst>
   </p:cSld>
@@ -28991,51 +32564,69 @@
           <a:bodyPr/>
           <a:lstStyle/>
           <a:p>
-            <a:pPr marL="0" indent="0" algn="ctr">
-              <a:buNone/>
+            <a:pPr>
+              <a:lnSpc>
+                <a:spcPct val="200000"/>
+              </a:lnSpc>
             </a:pPr>
-            <a:endParaRPr lang="de-DE" dirty="0"/>
-          </a:p>
-          <a:p>
-            <a:pPr marL="0" indent="0" algn="ctr">
-              <a:buNone/>
+            <a:r>
+              <a:rPr lang="de-DE" dirty="0"/>
+              <a:t>Tatsächliche Implementierung des </a:t>
+            </a:r>
+            <a:r>
+              <a:rPr lang="de-DE" dirty="0" err="1"/>
+              <a:t>Topology</a:t>
+            </a:r>
+            <a:r>
+              <a:rPr lang="de-DE" dirty="0"/>
+              <a:t>-Editors </a:t>
+            </a:r>
+          </a:p>
+          <a:p>
+            <a:pPr>
+              <a:lnSpc>
+                <a:spcPct val="200000"/>
+              </a:lnSpc>
             </a:pPr>
-            <a:endParaRPr lang="de-DE" sz="3600" dirty="0"/>
-          </a:p>
-          <a:p>
-            <a:pPr marL="0" indent="0" algn="ctr">
-              <a:buNone/>
+            <a:r>
+              <a:rPr lang="de-DE" dirty="0"/>
+              <a:t>Unterstützung der Echtzeitverhalten</a:t>
+            </a:r>
+          </a:p>
+          <a:p>
+            <a:pPr>
+              <a:lnSpc>
+                <a:spcPct val="200000"/>
+              </a:lnSpc>
             </a:pPr>
             <a:r>
-              <a:rPr lang="de-DE" sz="3600" dirty="0"/>
-              <a:t>Vielen Dank für Ihre Aufmerksamkeit!</a:t>
-            </a:r>
-          </a:p>
-          <a:p>
-            <a:pPr marL="0" indent="0" algn="ctr">
-              <a:buNone/>
+              <a:rPr lang="de-DE" dirty="0"/>
+              <a:t>Hohe Übertragungssicherheit gewährleisten </a:t>
+            </a:r>
+          </a:p>
+          <a:p>
+            <a:pPr>
+              <a:lnSpc>
+                <a:spcPct val="200000"/>
+              </a:lnSpc>
             </a:pPr>
-            <a:endParaRPr lang="de-DE" dirty="0"/>
-          </a:p>
-          <a:p>
-            <a:pPr marL="0" indent="0" algn="ctr">
-              <a:buNone/>
+            <a:r>
+              <a:rPr lang="de-DE" dirty="0"/>
+              <a:t>Implementierung der Funktion für die logische Topologie</a:t>
+            </a:r>
+          </a:p>
+          <a:p>
+            <a:pPr>
+              <a:lnSpc>
+                <a:spcPct val="150000"/>
+              </a:lnSpc>
             </a:pPr>
-            <a:endParaRPr lang="de-DE" dirty="0"/>
-          </a:p>
-          <a:p>
-            <a:pPr marL="0" indent="0" algn="ctr">
-              <a:buNone/>
-            </a:pPr>
             <a:r>
               <a:rPr lang="de-DE" dirty="0"/>
-              <a:t>Quellen, Abbildungen, usw. können in der Masterarbeit nachgeschlagen oder per E-Mail angefordert werden.</a:t>
-            </a:r>
-          </a:p>
-          <a:p>
-            <a:pPr marL="0" indent="0" algn="ctr">
-              <a:buNone/>
-            </a:pPr>
+              <a:t>Implementierung der Funktion für die Darstellung der Submodule</a:t>
+            </a:r>
+          </a:p>
+          <a:p>
             <a:endParaRPr lang="de-DE" dirty="0"/>
           </a:p>
         </p:txBody>
@@ -29058,9 +32649,9 @@
             <a:pPr>
               <a:defRPr/>
             </a:pPr>
-            <a:fld id="{B46ACFD8-F003-4DB6-92FD-0D5193C55D1C}" type="datetime1">
+            <a:fld id="{5E4D5FCA-7DF3-448C-839C-8922CAEBBDE7}" type="datetime1">
               <a:rPr lang="de-DE" smtClean="0"/>
-              <a:t>20.08.2018</a:t>
+              <a:t>21.08.2018</a:t>
             </a:fld>
             <a:endParaRPr lang="de-DE" dirty="0"/>
           </a:p>
@@ -29076,12 +32667,17 @@
             <p:ph type="ftr" sz="quarter" idx="15"/>
           </p:nvPr>
         </p:nvSpPr>
-        <p:spPr/>
+        <p:spPr>
+          <a:xfrm>
+            <a:off x="3311736" y="6531244"/>
+            <a:ext cx="2952328" cy="280015"/>
+          </a:xfrm>
+        </p:spPr>
         <p:txBody>
           <a:bodyPr/>
           <a:lstStyle/>
           <a:p>
-            <a:pPr algn="ctr">
+            <a:pPr>
               <a:defRPr/>
             </a:pPr>
             <a:r>
@@ -29144,14 +32740,17 @@
           <a:bodyPr/>
           <a:lstStyle/>
           <a:p>
-            <a:endParaRPr lang="de-DE"/>
+            <a:r>
+              <a:rPr lang="de-DE" dirty="0"/>
+              <a:t>Fortsetzungsmöglichkeiten</a:t>
+            </a:r>
           </a:p>
         </p:txBody>
       </p:sp>
     </p:spTree>
     <p:extLst>
       <p:ext uri="{BB962C8B-B14F-4D97-AF65-F5344CB8AC3E}">
-        <p14:creationId xmlns:p14="http://schemas.microsoft.com/office/powerpoint/2010/main" val="795146112"/>
+        <p14:creationId xmlns:p14="http://schemas.microsoft.com/office/powerpoint/2010/main" val="3073158476"/>
       </p:ext>
     </p:extLst>
   </p:cSld>
@@ -29356,7 +32955,7 @@
             </a:pPr>
             <a:fld id="{7271AB04-5E1D-4CE7-8D84-791F9CCDF4D8}" type="datetime1">
               <a:rPr lang="de-DE" smtClean="0"/>
-              <a:t>20.08.2018</a:t>
+              <a:t>21.08.2018</a:t>
             </a:fld>
             <a:endParaRPr lang="de-DE" dirty="0"/>
           </a:p>
@@ -29487,6 +33086,208 @@
             <p:ph sz="quarter" idx="13"/>
           </p:nvPr>
         </p:nvSpPr>
+        <p:spPr/>
+        <p:txBody>
+          <a:bodyPr/>
+          <a:lstStyle/>
+          <a:p>
+            <a:pPr marL="0" indent="0" algn="ctr">
+              <a:buNone/>
+            </a:pPr>
+            <a:endParaRPr lang="de-DE" dirty="0"/>
+          </a:p>
+          <a:p>
+            <a:pPr marL="0" indent="0" algn="ctr">
+              <a:buNone/>
+            </a:pPr>
+            <a:endParaRPr lang="de-DE" sz="3600" dirty="0"/>
+          </a:p>
+          <a:p>
+            <a:pPr marL="0" indent="0" algn="ctr">
+              <a:buNone/>
+            </a:pPr>
+            <a:r>
+              <a:rPr lang="de-DE" sz="3600" dirty="0"/>
+              <a:t>Vielen Dank für Ihre Aufmerksamkeit!</a:t>
+            </a:r>
+          </a:p>
+          <a:p>
+            <a:pPr marL="0" indent="0" algn="ctr">
+              <a:buNone/>
+            </a:pPr>
+            <a:endParaRPr lang="de-DE" dirty="0"/>
+          </a:p>
+          <a:p>
+            <a:pPr marL="0" indent="0" algn="ctr">
+              <a:buNone/>
+            </a:pPr>
+            <a:endParaRPr lang="de-DE" dirty="0"/>
+          </a:p>
+          <a:p>
+            <a:pPr marL="0" indent="0" algn="ctr">
+              <a:buNone/>
+            </a:pPr>
+            <a:r>
+              <a:rPr lang="de-DE" dirty="0"/>
+              <a:t>Quellen, Abbildungen, usw. können in der Masterarbeit nachgeschlagen oder per E-Mail angefordert werden.</a:t>
+            </a:r>
+          </a:p>
+          <a:p>
+            <a:pPr marL="0" indent="0" algn="ctr">
+              <a:buNone/>
+            </a:pPr>
+            <a:endParaRPr lang="de-DE" dirty="0"/>
+          </a:p>
+        </p:txBody>
+      </p:sp>
+      <p:sp>
+        <p:nvSpPr>
+          <p:cNvPr id="3" name="Datumsplatzhalter 2"/>
+          <p:cNvSpPr>
+            <a:spLocks noGrp="1"/>
+          </p:cNvSpPr>
+          <p:nvPr>
+            <p:ph type="dt" sz="half" idx="14"/>
+          </p:nvPr>
+        </p:nvSpPr>
+        <p:spPr/>
+        <p:txBody>
+          <a:bodyPr/>
+          <a:lstStyle/>
+          <a:p>
+            <a:pPr>
+              <a:defRPr/>
+            </a:pPr>
+            <a:fld id="{B46ACFD8-F003-4DB6-92FD-0D5193C55D1C}" type="datetime1">
+              <a:rPr lang="de-DE" smtClean="0"/>
+              <a:t>21.08.2018</a:t>
+            </a:fld>
+            <a:endParaRPr lang="de-DE" dirty="0"/>
+          </a:p>
+        </p:txBody>
+      </p:sp>
+      <p:sp>
+        <p:nvSpPr>
+          <p:cNvPr id="4" name="Fußzeilenplatzhalter 3"/>
+          <p:cNvSpPr>
+            <a:spLocks noGrp="1"/>
+          </p:cNvSpPr>
+          <p:nvPr>
+            <p:ph type="ftr" sz="quarter" idx="15"/>
+          </p:nvPr>
+        </p:nvSpPr>
+        <p:spPr/>
+        <p:txBody>
+          <a:bodyPr/>
+          <a:lstStyle/>
+          <a:p>
+            <a:pPr algn="ctr">
+              <a:defRPr/>
+            </a:pPr>
+            <a:r>
+              <a:rPr lang="de-DE" dirty="0" err="1"/>
+              <a:t>Hermond</a:t>
+            </a:r>
+            <a:r>
+              <a:rPr lang="de-DE" dirty="0"/>
+              <a:t> Ghislain Zeleu </a:t>
+            </a:r>
+            <a:r>
+              <a:rPr lang="de-DE" dirty="0" err="1"/>
+              <a:t>Zabatio</a:t>
+            </a:r>
+            <a:endParaRPr lang="de-DE" dirty="0"/>
+          </a:p>
+        </p:txBody>
+      </p:sp>
+      <p:sp>
+        <p:nvSpPr>
+          <p:cNvPr id="5" name="Foliennummernplatzhalter 4"/>
+          <p:cNvSpPr>
+            <a:spLocks noGrp="1"/>
+          </p:cNvSpPr>
+          <p:nvPr>
+            <p:ph type="sldNum" sz="quarter" idx="16"/>
+          </p:nvPr>
+        </p:nvSpPr>
+        <p:spPr/>
+        <p:txBody>
+          <a:bodyPr/>
+          <a:lstStyle/>
+          <a:p>
+            <a:pPr>
+              <a:defRPr/>
+            </a:pPr>
+            <a:fld id="{7A8CEE4A-E163-47DE-8784-5B8DE9F7A78A}" type="slidenum">
+              <a:rPr lang="de-DE" altLang="de-DE" smtClean="0"/>
+              <a:pPr>
+                <a:defRPr/>
+              </a:pPr>
+              <a:t>30</a:t>
+            </a:fld>
+            <a:endParaRPr lang="de-DE" altLang="de-DE" dirty="0"/>
+          </a:p>
+        </p:txBody>
+      </p:sp>
+      <p:sp>
+        <p:nvSpPr>
+          <p:cNvPr id="6" name="Titel 5"/>
+          <p:cNvSpPr>
+            <a:spLocks noGrp="1"/>
+          </p:cNvSpPr>
+          <p:nvPr>
+            <p:ph type="title"/>
+          </p:nvPr>
+        </p:nvSpPr>
+        <p:spPr/>
+        <p:txBody>
+          <a:bodyPr/>
+          <a:lstStyle/>
+          <a:p>
+            <a:endParaRPr lang="de-DE"/>
+          </a:p>
+        </p:txBody>
+      </p:sp>
+    </p:spTree>
+    <p:extLst>
+      <p:ext uri="{BB962C8B-B14F-4D97-AF65-F5344CB8AC3E}">
+        <p14:creationId xmlns:p14="http://schemas.microsoft.com/office/powerpoint/2010/main" val="795146112"/>
+      </p:ext>
+    </p:extLst>
+  </p:cSld>
+  <p:clrMapOvr>
+    <a:masterClrMapping/>
+  </p:clrMapOvr>
+</p:sld>
+</file>
+
+<file path=ppt/slides/slide31.xml><?xml version="1.0" encoding="utf-8"?>
+<p:sld xmlns:a="http://schemas.openxmlformats.org/drawingml/2006/main" xmlns:r="http://schemas.openxmlformats.org/officeDocument/2006/relationships" xmlns:p="http://schemas.openxmlformats.org/presentationml/2006/main">
+  <p:cSld>
+    <p:spTree>
+      <p:nvGrpSpPr>
+        <p:cNvPr id="1" name=""/>
+        <p:cNvGrpSpPr/>
+        <p:nvPr/>
+      </p:nvGrpSpPr>
+      <p:grpSpPr>
+        <a:xfrm>
+          <a:off x="0" y="0"/>
+          <a:ext cx="0" cy="0"/>
+          <a:chOff x="0" y="0"/>
+          <a:chExt cx="0" cy="0"/>
+        </a:xfrm>
+      </p:grpSpPr>
+      <p:sp>
+        <p:nvSpPr>
+          <p:cNvPr id="2" name="Inhaltsplatzhalter 1"/>
+          <p:cNvSpPr>
+            <a:spLocks noGrp="1"/>
+          </p:cNvSpPr>
+          <p:nvPr>
+            <p:ph sz="quarter" idx="13"/>
+          </p:nvPr>
+        </p:nvSpPr>
         <p:spPr>
           <a:ln>
             <a:noFill/>
@@ -29577,7 +33378,7 @@
             </a:pPr>
             <a:fld id="{8CC02A35-82F6-49ED-9C9C-23E8C7A55B9E}" type="datetime1">
               <a:rPr lang="de-DE" smtClean="0"/>
-              <a:t>20.08.2018</a:t>
+              <a:t>21.08.2018</a:t>
             </a:fld>
             <a:endParaRPr lang="de-DE" dirty="0"/>
           </a:p>
@@ -29640,7 +33441,7 @@
               <a:pPr>
                 <a:defRPr/>
               </a:pPr>
-              <a:t>30</a:t>
+              <a:t>31</a:t>
             </a:fld>
             <a:endParaRPr lang="de-DE" altLang="de-DE" dirty="0"/>
           </a:p>
@@ -29993,7 +33794,7 @@
             </a:pPr>
             <a:fld id="{48651424-9108-4DBD-A731-7CB34E8712C2}" type="datetime1">
               <a:rPr lang="de-DE" smtClean="0"/>
-              <a:t>20.08.2018</a:t>
+              <a:t>21.08.2018</a:t>
             </a:fld>
             <a:endParaRPr lang="de-DE" dirty="0"/>
           </a:p>
@@ -32667,7 +36468,7 @@
             </a:pPr>
             <a:fld id="{4998E8A4-C8EA-4DC6-A9EC-8D84B645FE8A}" type="datetime1">
               <a:rPr lang="de-DE" smtClean="0"/>
-              <a:t>20.08.2018</a:t>
+              <a:t>21.08.2018</a:t>
             </a:fld>
             <a:endParaRPr lang="de-DE" dirty="0"/>
           </a:p>
@@ -32887,7 +36688,7 @@
             </a:pPr>
             <a:fld id="{4769008C-D780-4E4F-B8CF-7AB45263DA7A}" type="datetime1">
               <a:rPr lang="de-DE" smtClean="0"/>
-              <a:t>20.08.2018</a:t>
+              <a:t>21.08.2018</a:t>
             </a:fld>
             <a:endParaRPr lang="de-DE" dirty="0"/>
           </a:p>
@@ -33649,7 +37450,7 @@
             </a:pPr>
             <a:fld id="{F2ED425C-C877-4C31-9F63-557BCC10A716}" type="datetime1">
               <a:rPr lang="de-DE" smtClean="0"/>
-              <a:t>20.08.2018</a:t>
+              <a:t>21.08.2018</a:t>
             </a:fld>
             <a:endParaRPr lang="de-DE" dirty="0"/>
           </a:p>
@@ -34209,7 +38010,7 @@
             </a:pPr>
             <a:fld id="{95B3BF2C-FA7B-44F9-B240-F706DE93F676}" type="datetime1">
               <a:rPr lang="de-DE" smtClean="0"/>
-              <a:t>20.08.2018</a:t>
+              <a:t>21.08.2018</a:t>
             </a:fld>
             <a:endParaRPr lang="de-DE" dirty="0"/>
           </a:p>
@@ -34835,7 +38636,7 @@
             </a:pPr>
             <a:fld id="{71EA42B9-50E9-4FA7-B9B8-35E6EB7F0723}" type="datetime1">
               <a:rPr lang="de-DE" smtClean="0"/>
-              <a:t>20.08.2018</a:t>
+              <a:t>21.08.2018</a:t>
             </a:fld>
             <a:endParaRPr lang="de-DE" dirty="0"/>
           </a:p>

--- a/Master-Abschluss.pptx
+++ b/Master-Abschluss.pptx
@@ -1901,10 +1901,24 @@
     <dgm:pt modelId="{F34C26C3-38A6-4E2C-BDC9-F81E56C73BF9}" type="pres">
       <dgm:prSet presAssocID="{14801751-6B8B-44D7-B062-1D67C7B70527}" presName="sibTrans" presStyleLbl="sibTrans2D1" presStyleIdx="0" presStyleCnt="3"/>
       <dgm:spPr/>
+      <dgm:t>
+        <a:bodyPr/>
+        <a:lstStyle/>
+        <a:p>
+          <a:endParaRPr lang="de-DE"/>
+        </a:p>
+      </dgm:t>
     </dgm:pt>
     <dgm:pt modelId="{89458D4A-E73E-495E-BD38-B18FC0234614}" type="pres">
       <dgm:prSet presAssocID="{14801751-6B8B-44D7-B062-1D67C7B70527}" presName="connectorText" presStyleLbl="sibTrans2D1" presStyleIdx="0" presStyleCnt="3"/>
       <dgm:spPr/>
+      <dgm:t>
+        <a:bodyPr/>
+        <a:lstStyle/>
+        <a:p>
+          <a:endParaRPr lang="de-DE"/>
+        </a:p>
+      </dgm:t>
     </dgm:pt>
     <dgm:pt modelId="{A24DC3C0-6532-4A6F-9C89-F9439AC46956}" type="pres">
       <dgm:prSet presAssocID="{0D6CCC11-C907-4C23-91BB-B2CE08FA2488}" presName="node" presStyleLbl="node1" presStyleIdx="1" presStyleCnt="4">
@@ -1924,10 +1938,24 @@
     <dgm:pt modelId="{EF889798-8597-4D84-90C4-6873E1039B4B}" type="pres">
       <dgm:prSet presAssocID="{B56E939D-7283-4D8B-850B-35552406D736}" presName="sibTrans" presStyleLbl="sibTrans2D1" presStyleIdx="1" presStyleCnt="3"/>
       <dgm:spPr/>
+      <dgm:t>
+        <a:bodyPr/>
+        <a:lstStyle/>
+        <a:p>
+          <a:endParaRPr lang="de-DE"/>
+        </a:p>
+      </dgm:t>
     </dgm:pt>
     <dgm:pt modelId="{99C4936C-7B77-44A5-8EA9-40D4D5754DD3}" type="pres">
       <dgm:prSet presAssocID="{B56E939D-7283-4D8B-850B-35552406D736}" presName="connectorText" presStyleLbl="sibTrans2D1" presStyleIdx="1" presStyleCnt="3"/>
       <dgm:spPr/>
+      <dgm:t>
+        <a:bodyPr/>
+        <a:lstStyle/>
+        <a:p>
+          <a:endParaRPr lang="de-DE"/>
+        </a:p>
+      </dgm:t>
     </dgm:pt>
     <dgm:pt modelId="{A7948612-D97B-4EE7-9E8A-EDCB03CC6483}" type="pres">
       <dgm:prSet presAssocID="{B2C0466A-CC2A-4D62-BCA2-6B6AF28574A7}" presName="node" presStyleLbl="node1" presStyleIdx="2" presStyleCnt="4">
@@ -1947,10 +1975,24 @@
     <dgm:pt modelId="{5AEBE292-B333-4135-B55F-27BB61C159E9}" type="pres">
       <dgm:prSet presAssocID="{9FB5ADF5-9F41-4EAA-B0F6-2E9F547E0C67}" presName="sibTrans" presStyleLbl="sibTrans2D1" presStyleIdx="2" presStyleCnt="3"/>
       <dgm:spPr/>
+      <dgm:t>
+        <a:bodyPr/>
+        <a:lstStyle/>
+        <a:p>
+          <a:endParaRPr lang="de-DE"/>
+        </a:p>
+      </dgm:t>
     </dgm:pt>
     <dgm:pt modelId="{E54D4DF6-6A82-426B-B4C3-6EC7B2FE72BB}" type="pres">
       <dgm:prSet presAssocID="{9FB5ADF5-9F41-4EAA-B0F6-2E9F547E0C67}" presName="connectorText" presStyleLbl="sibTrans2D1" presStyleIdx="2" presStyleCnt="3"/>
       <dgm:spPr/>
+      <dgm:t>
+        <a:bodyPr/>
+        <a:lstStyle/>
+        <a:p>
+          <a:endParaRPr lang="de-DE"/>
+        </a:p>
+      </dgm:t>
     </dgm:pt>
     <dgm:pt modelId="{A61A0EF9-F4B8-462F-AFF7-4FF54C4C16E0}" type="pres">
       <dgm:prSet presAssocID="{F32B539E-7CB7-47EA-AA25-3A8BF62A9EBA}" presName="node" presStyleLbl="node1" presStyleIdx="3" presStyleCnt="4">
@@ -8829,7 +8871,7 @@
               <a:pPr>
                 <a:defRPr/>
               </a:pPr>
-              <a:t>21.08.2018</a:t>
+              <a:t>22.08.2018</a:t>
             </a:fld>
             <a:endParaRPr lang="de-DE"/>
           </a:p>
@@ -9015,7 +9057,7 @@
               <a:pPr>
                 <a:defRPr/>
               </a:pPr>
-              <a:t>21.08.2018</a:t>
+              <a:t>22.08.2018</a:t>
             </a:fld>
             <a:endParaRPr lang="de-DE"/>
           </a:p>
@@ -11684,8 +11726,13 @@
             </a:r>
             <a:r>
               <a:rPr lang="de-DE" dirty="0"/>
-              <a:t>grafischen Komponenten</a:t>
-            </a:r>
+              <a:t>grafischen </a:t>
+            </a:r>
+            <a:r>
+              <a:rPr lang="de-DE" dirty="0" smtClean="0"/>
+              <a:t>Komponente</a:t>
+            </a:r>
+            <a:endParaRPr lang="de-DE" dirty="0"/>
           </a:p>
           <a:p>
             <a:pPr marL="171450" indent="-171450">
@@ -13284,6 +13331,92 @@
               <a:t>Gefordert ist </a:t>
             </a:r>
             <a:r>
+              <a:rPr lang="de-DE" sz="1200" b="0" i="0" u="none" strike="noStrike" kern="1200" baseline="0" dirty="0" smtClean="0">
+                <a:solidFill>
+                  <a:schemeClr val="tx1"/>
+                </a:solidFill>
+                <a:latin typeface="+mn-lt"/>
+                <a:ea typeface="+mn-ea"/>
+                <a:cs typeface="+mn-cs"/>
+              </a:rPr>
+              <a:t>----------- für alle </a:t>
+            </a:r>
+            <a:r>
+              <a:rPr lang="de-DE" sz="1200" b="1" i="0" u="none" strike="noStrike" kern="1200" baseline="0" dirty="0" smtClean="0">
+                <a:solidFill>
+                  <a:schemeClr val="tx1"/>
+                </a:solidFill>
+                <a:latin typeface="+mn-lt"/>
+                <a:ea typeface="+mn-ea"/>
+                <a:cs typeface="+mn-cs"/>
+              </a:rPr>
+              <a:t>von Hilscher unterstützten </a:t>
+            </a:r>
+            <a:r>
+              <a:rPr lang="de-DE" sz="1200" b="0" i="0" u="none" strike="noStrike" kern="1200" baseline="0" dirty="0" smtClean="0">
+                <a:solidFill>
+                  <a:schemeClr val="tx1"/>
+                </a:solidFill>
+                <a:latin typeface="+mn-lt"/>
+                <a:ea typeface="+mn-ea"/>
+                <a:cs typeface="+mn-cs"/>
+              </a:rPr>
+              <a:t>Protokolle</a:t>
+            </a:r>
+            <a:endParaRPr lang="de-DE" sz="1200" b="0" i="0" u="none" strike="noStrike" kern="1200" baseline="0" dirty="0">
+              <a:solidFill>
+                <a:schemeClr val="tx1"/>
+              </a:solidFill>
+              <a:latin typeface="+mn-lt"/>
+              <a:ea typeface="+mn-ea"/>
+              <a:cs typeface="+mn-cs"/>
+            </a:endParaRPr>
+          </a:p>
+          <a:p>
+            <a:endParaRPr lang="de-DE" sz="1200" b="0" i="0" u="none" strike="noStrike" kern="1200" baseline="0" dirty="0">
+              <a:solidFill>
+                <a:schemeClr val="tx1"/>
+              </a:solidFill>
+              <a:latin typeface="+mn-lt"/>
+              <a:ea typeface="+mn-ea"/>
+              <a:cs typeface="+mn-cs"/>
+            </a:endParaRPr>
+          </a:p>
+          <a:p>
+            <a:r>
+              <a:rPr lang="de-DE" sz="1200" b="1" i="0" u="none" strike="noStrike" kern="1200" baseline="0" dirty="0">
+                <a:solidFill>
+                  <a:schemeClr val="tx1"/>
+                </a:solidFill>
+                <a:latin typeface="+mn-lt"/>
+                <a:ea typeface="+mn-ea"/>
+                <a:cs typeface="+mn-cs"/>
+              </a:rPr>
+              <a:t>Die Idee dahinter ist </a:t>
+            </a:r>
+            <a:r>
+              <a:rPr lang="de-DE" sz="1200" b="1" i="0" u="none" strike="noStrike" kern="1200" baseline="0" dirty="0" smtClean="0">
+                <a:solidFill>
+                  <a:schemeClr val="tx1"/>
+                </a:solidFill>
+                <a:latin typeface="+mn-lt"/>
+                <a:ea typeface="+mn-ea"/>
+                <a:cs typeface="+mn-cs"/>
+              </a:rPr>
+              <a:t>die </a:t>
+            </a:r>
+            <a:r>
+              <a:rPr lang="de-DE" sz="1200" b="0" i="0" u="none" strike="noStrike" kern="1200" baseline="0" dirty="0" smtClean="0">
+                <a:solidFill>
+                  <a:schemeClr val="tx1"/>
+                </a:solidFill>
+                <a:latin typeface="+mn-lt"/>
+                <a:ea typeface="+mn-ea"/>
+                <a:cs typeface="+mn-cs"/>
+              </a:rPr>
+              <a:t>Darstellung </a:t>
+            </a:r>
+            <a:r>
               <a:rPr lang="de-DE" sz="1200" b="0" i="0" u="none" strike="noStrike" kern="1200" baseline="0" dirty="0">
                 <a:solidFill>
                   <a:schemeClr val="tx1"/>
@@ -13292,20 +13425,8 @@
                 <a:ea typeface="+mn-ea"/>
                 <a:cs typeface="+mn-cs"/>
               </a:rPr>
-              <a:t>-----------</a:t>
-            </a:r>
-          </a:p>
-          <a:p>
-            <a:endParaRPr lang="de-DE" sz="1200" b="0" i="0" u="none" strike="noStrike" kern="1200" baseline="0" dirty="0">
-              <a:solidFill>
-                <a:schemeClr val="tx1"/>
-              </a:solidFill>
-              <a:latin typeface="+mn-lt"/>
-              <a:ea typeface="+mn-ea"/>
-              <a:cs typeface="+mn-cs"/>
-            </a:endParaRPr>
-          </a:p>
-          <a:p>
+              <a:t>der Gerätes </a:t>
+            </a:r>
             <a:r>
               <a:rPr lang="de-DE" sz="1200" b="1" i="0" u="none" strike="noStrike" kern="1200" baseline="0" dirty="0">
                 <a:solidFill>
@@ -13315,7 +13436,7 @@
                 <a:ea typeface="+mn-ea"/>
                 <a:cs typeface="+mn-cs"/>
               </a:rPr>
-              <a:t>Die Idee dahinter ist die …(Darstellung der Gerätes als Symbol dabei soll die entsprechende Ports kennzeichnet werden. </a:t>
+              <a:t>als Symbol dabei soll die entsprechende Ports kennzeichnet werden. </a:t>
             </a:r>
             <a:r>
               <a:rPr lang="de-DE" sz="1200" b="0" i="0" u="none" strike="noStrike" kern="1200" baseline="0" dirty="0">
@@ -13348,7 +13469,73 @@
                 <a:ea typeface="+mn-ea"/>
                 <a:cs typeface="+mn-cs"/>
               </a:rPr>
-              <a:t> soll als Linie symbolisiert werden wobei soll ein intuitive  Benutzerfreundlichkeit geboten werden.</a:t>
+              <a:t> soll als Linie symbolisiert werden wobei soll </a:t>
+            </a:r>
+            <a:r>
+              <a:rPr lang="de-DE" sz="1200" b="0" i="0" u="none" strike="noStrike" kern="1200" baseline="0" dirty="0" smtClean="0">
+                <a:solidFill>
+                  <a:schemeClr val="tx1"/>
+                </a:solidFill>
+                <a:latin typeface="+mn-lt"/>
+                <a:ea typeface="+mn-ea"/>
+                <a:cs typeface="+mn-cs"/>
+              </a:rPr>
+              <a:t>eine </a:t>
+            </a:r>
+            <a:r>
+              <a:rPr lang="de-DE" sz="1200" b="0" i="0" u="none" strike="noStrike" kern="1200" baseline="0" dirty="0">
+                <a:solidFill>
+                  <a:schemeClr val="tx1"/>
+                </a:solidFill>
+                <a:latin typeface="+mn-lt"/>
+                <a:ea typeface="+mn-ea"/>
+                <a:cs typeface="+mn-cs"/>
+              </a:rPr>
+              <a:t>intuitive  </a:t>
+            </a:r>
+            <a:r>
+              <a:rPr lang="de-DE" sz="1200" b="0" i="0" u="none" strike="noStrike" kern="1200" baseline="0" dirty="0" smtClean="0">
+                <a:solidFill>
+                  <a:schemeClr val="tx1"/>
+                </a:solidFill>
+                <a:latin typeface="+mn-lt"/>
+                <a:ea typeface="+mn-ea"/>
+                <a:cs typeface="+mn-cs"/>
+              </a:rPr>
+              <a:t>Benutzerfreundlichkeit/ </a:t>
+            </a:r>
+            <a:r>
+              <a:rPr lang="de-DE" sz="1200" b="1" i="0" u="none" strike="noStrike" kern="1200" baseline="0" dirty="0" smtClean="0">
+                <a:solidFill>
+                  <a:schemeClr val="tx1"/>
+                </a:solidFill>
+                <a:latin typeface="+mn-lt"/>
+                <a:ea typeface="+mn-ea"/>
+                <a:cs typeface="+mn-cs"/>
+              </a:rPr>
+              <a:t>Übersichtlichkeit</a:t>
+            </a:r>
+            <a:r>
+              <a:rPr lang="de-DE" sz="1200" b="0" i="0" u="none" strike="noStrike" kern="1200" baseline="0" dirty="0" smtClean="0">
+                <a:solidFill>
+                  <a:schemeClr val="tx1"/>
+                </a:solidFill>
+                <a:latin typeface="+mn-lt"/>
+                <a:ea typeface="+mn-ea"/>
+                <a:cs typeface="+mn-cs"/>
+              </a:rPr>
+              <a:t> </a:t>
+            </a:r>
+            <a:r>
+              <a:rPr lang="de-DE" sz="1200" b="0" i="0" u="none" strike="noStrike" kern="1200" baseline="0" dirty="0">
+                <a:solidFill>
+                  <a:schemeClr val="tx1"/>
+                </a:solidFill>
+                <a:latin typeface="+mn-lt"/>
+                <a:ea typeface="+mn-ea"/>
+                <a:cs typeface="+mn-cs"/>
+              </a:rPr>
+              <a:t>geboten werden.</a:t>
             </a:r>
           </a:p>
           <a:p>
@@ -13413,7 +13600,7 @@
               <a:t> die </a:t>
             </a:r>
             <a:r>
-              <a:rPr lang="de-DE" sz="1200" b="0" i="0" u="none" strike="noStrike" kern="1200" baseline="0" dirty="0" err="1">
+              <a:rPr lang="de-DE" sz="1200" b="0" i="0" u="none" strike="noStrike" kern="1200" baseline="0" dirty="0" smtClean="0">
                 <a:solidFill>
                   <a:schemeClr val="tx1"/>
                 </a:solidFill>
@@ -13422,7 +13609,7 @@
                 <a:cs typeface="+mn-cs"/>
                 <a:sym typeface="Wingdings" panose="05000000000000000000" pitchFamily="2" charset="2"/>
               </a:rPr>
-              <a:t>Verbingung</a:t>
+              <a:t>Verbindung </a:t>
             </a:r>
             <a:r>
               <a:rPr lang="de-DE" sz="1200" b="0" i="0" u="none" strike="noStrike" kern="1200" baseline="0" dirty="0">
@@ -13434,7 +13621,7 @@
                 <a:cs typeface="+mn-cs"/>
                 <a:sym typeface="Wingdings" panose="05000000000000000000" pitchFamily="2" charset="2"/>
               </a:rPr>
-              <a:t> mit andere Farbe darstellen.</a:t>
+              <a:t>mit andere Farbe darstellen.</a:t>
             </a:r>
             <a:endParaRPr lang="de-DE" sz="1200" b="0" i="0" u="none" strike="noStrike" kern="1200" baseline="0" dirty="0">
               <a:solidFill>
@@ -13648,7 +13835,15 @@
             </a:r>
             <a:r>
               <a:rPr lang="de-DE" baseline="0" dirty="0"/>
-              <a:t> wird hauptsätzlich über  die verschiedenen Topologie-Muster, die industrielle Netzwerk zu finden sind.</a:t>
+              <a:t> wird hauptsätzlich über  die verschiedenen </a:t>
+            </a:r>
+            <a:r>
+              <a:rPr lang="de-DE" baseline="0" dirty="0" smtClean="0"/>
+              <a:t>Topologie-Muster angesprochen, </a:t>
+            </a:r>
+            <a:r>
+              <a:rPr lang="de-DE" baseline="0" dirty="0"/>
+              <a:t>die industrielle Netzwerk zu finden sind.</a:t>
             </a:r>
             <a:endParaRPr lang="de-DE" dirty="0"/>
           </a:p>
@@ -14003,8 +14198,109 @@
                 <a:ea typeface="+mn-ea"/>
                 <a:cs typeface="+mn-cs"/>
               </a:rPr>
-              <a:t> ist die Infrastrukturgerät bei der Kommunikation, die mindestens 2 Protokollen unterstützt.</a:t>
-            </a:r>
+              <a:t> ist die Infrastrukturgerät bei der Kommunikation, die mindestens 2 Protokollen unterstützt</a:t>
+            </a:r>
+            <a:r>
+              <a:rPr lang="de-DE" sz="1200" b="0" i="0" u="none" strike="noStrike" kern="1200" baseline="0" dirty="0" smtClean="0">
+                <a:solidFill>
+                  <a:schemeClr val="tx1"/>
+                </a:solidFill>
+                <a:latin typeface="+mn-lt"/>
+                <a:ea typeface="+mn-ea"/>
+                <a:cs typeface="+mn-cs"/>
+              </a:rPr>
+              <a:t>.</a:t>
+            </a:r>
+          </a:p>
+          <a:p>
+            <a:pPr marL="228600" indent="-228600">
+              <a:buAutoNum type="arabicParenR"/>
+            </a:pPr>
+            <a:r>
+              <a:rPr lang="de-DE" sz="1200" b="0" i="0" u="none" strike="noStrike" kern="1200" baseline="0" dirty="0" smtClean="0">
+                <a:solidFill>
+                  <a:schemeClr val="tx1"/>
+                </a:solidFill>
+                <a:latin typeface="+mn-lt"/>
+                <a:ea typeface="+mn-ea"/>
+                <a:cs typeface="+mn-cs"/>
+              </a:rPr>
+              <a:t>PLC-&gt; speicherprogrammierbare </a:t>
+            </a:r>
+            <a:r>
+              <a:rPr lang="de-DE" sz="1200" b="0" i="0" u="none" strike="noStrike" kern="1200" baseline="0" dirty="0" err="1" smtClean="0">
+                <a:solidFill>
+                  <a:schemeClr val="tx1"/>
+                </a:solidFill>
+                <a:latin typeface="+mn-lt"/>
+                <a:ea typeface="+mn-ea"/>
+                <a:cs typeface="+mn-cs"/>
+              </a:rPr>
+              <a:t>steuerung</a:t>
+            </a:r>
+            <a:r>
+              <a:rPr lang="de-DE" sz="1200" b="0" i="0" u="none" strike="noStrike" kern="1200" baseline="0" dirty="0" smtClean="0">
+                <a:solidFill>
+                  <a:schemeClr val="tx1"/>
+                </a:solidFill>
+                <a:latin typeface="+mn-lt"/>
+                <a:ea typeface="+mn-ea"/>
+                <a:cs typeface="+mn-cs"/>
+              </a:rPr>
+              <a:t>( </a:t>
+            </a:r>
+            <a:r>
+              <a:rPr lang="de-DE" sz="1200" b="0" i="0" u="none" strike="noStrike" kern="1200" baseline="0" dirty="0" err="1" smtClean="0">
+                <a:solidFill>
+                  <a:schemeClr val="tx1"/>
+                </a:solidFill>
+                <a:latin typeface="+mn-lt"/>
+                <a:ea typeface="+mn-ea"/>
+                <a:cs typeface="+mn-cs"/>
+              </a:rPr>
+              <a:t>Programmable</a:t>
+            </a:r>
+            <a:r>
+              <a:rPr lang="de-DE" sz="1200" b="0" i="0" u="none" strike="noStrike" kern="1200" baseline="0" dirty="0" smtClean="0">
+                <a:solidFill>
+                  <a:schemeClr val="tx1"/>
+                </a:solidFill>
+                <a:latin typeface="+mn-lt"/>
+                <a:ea typeface="+mn-ea"/>
+                <a:cs typeface="+mn-cs"/>
+              </a:rPr>
+              <a:t> </a:t>
+            </a:r>
+            <a:r>
+              <a:rPr lang="de-DE" sz="1200" b="0" i="0" u="none" strike="noStrike" kern="1200" baseline="0" dirty="0" err="1" smtClean="0">
+                <a:solidFill>
+                  <a:schemeClr val="tx1"/>
+                </a:solidFill>
+                <a:latin typeface="+mn-lt"/>
+                <a:ea typeface="+mn-ea"/>
+                <a:cs typeface="+mn-cs"/>
+              </a:rPr>
+              <a:t>Logic</a:t>
+            </a:r>
+            <a:r>
+              <a:rPr lang="de-DE" sz="1200" b="0" i="0" u="none" strike="noStrike" kern="1200" baseline="0" smtClean="0">
+                <a:solidFill>
+                  <a:schemeClr val="tx1"/>
+                </a:solidFill>
+                <a:latin typeface="+mn-lt"/>
+                <a:ea typeface="+mn-ea"/>
+                <a:cs typeface="+mn-cs"/>
+              </a:rPr>
+              <a:t> Control)</a:t>
+            </a:r>
+            <a:endParaRPr lang="de-DE" sz="1200" b="0" i="0" u="none" strike="noStrike" kern="1200" baseline="0" dirty="0">
+              <a:solidFill>
+                <a:schemeClr val="tx1"/>
+              </a:solidFill>
+              <a:latin typeface="+mn-lt"/>
+              <a:ea typeface="+mn-ea"/>
+              <a:cs typeface="+mn-cs"/>
+            </a:endParaRPr>
           </a:p>
           <a:p>
             <a:pPr marL="228600" indent="-228600">
@@ -15001,7 +15297,7 @@
             </a:pPr>
             <a:fld id="{DD17C720-9F55-45D7-A201-585BB605DC86}" type="datetime1">
               <a:rPr lang="de-DE" smtClean="0"/>
-              <a:t>21.08.2018</a:t>
+              <a:t>22.08.2018</a:t>
             </a:fld>
             <a:endParaRPr lang="de-DE" dirty="0"/>
           </a:p>
@@ -15807,7 +16103,7 @@
             </a:pPr>
             <a:fld id="{6F5A62FD-559D-4A8A-8A16-4E22E46B2811}" type="datetime1">
               <a:rPr lang="de-DE" smtClean="0"/>
-              <a:t>21.08.2018</a:t>
+              <a:t>22.08.2018</a:t>
             </a:fld>
             <a:endParaRPr lang="de-DE" dirty="0"/>
           </a:p>
@@ -16154,7 +16450,7 @@
             </a:pPr>
             <a:fld id="{0F5C761A-3127-4015-B2FE-9A4D309D46C5}" type="datetime1">
               <a:rPr lang="de-DE" smtClean="0"/>
-              <a:t>21.08.2018</a:t>
+              <a:t>22.08.2018</a:t>
             </a:fld>
             <a:endParaRPr lang="de-DE" dirty="0"/>
           </a:p>
@@ -16490,7 +16786,7 @@
             </a:pPr>
             <a:fld id="{18EB9810-C831-45DD-85EA-5545647C87AA}" type="datetime1">
               <a:rPr lang="de-DE" smtClean="0"/>
-              <a:t>21.08.2018</a:t>
+              <a:t>22.08.2018</a:t>
             </a:fld>
             <a:endParaRPr lang="de-DE" dirty="0"/>
           </a:p>
@@ -16811,7 +17107,7 @@
             </a:pPr>
             <a:fld id="{652FD0FE-52BB-44D9-8F2C-C0CAEDBE6E51}" type="datetime1">
               <a:rPr lang="de-DE" smtClean="0"/>
-              <a:t>21.08.2018</a:t>
+              <a:t>22.08.2018</a:t>
             </a:fld>
             <a:endParaRPr lang="de-DE" dirty="0"/>
           </a:p>
@@ -17132,7 +17428,7 @@
             </a:pPr>
             <a:fld id="{D7D1B1AB-E4FB-4CD8-9EAD-B72DE906B305}" type="datetime1">
               <a:rPr lang="de-DE" smtClean="0"/>
-              <a:t>21.08.2018</a:t>
+              <a:t>22.08.2018</a:t>
             </a:fld>
             <a:endParaRPr lang="de-DE" dirty="0"/>
           </a:p>
@@ -17533,7 +17829,7 @@
             </a:pPr>
             <a:fld id="{E1339F75-BBED-4FA5-9CE0-D6E991F5C226}" type="datetime1">
               <a:rPr lang="de-DE" smtClean="0"/>
-              <a:t>21.08.2018</a:t>
+              <a:t>22.08.2018</a:t>
             </a:fld>
             <a:endParaRPr lang="de-DE" dirty="0"/>
           </a:p>
@@ -17894,7 +18190,7 @@
             </a:pPr>
             <a:fld id="{2E59EF24-B1ED-4A80-9EA4-868C17EDF637}" type="datetime1">
               <a:rPr lang="de-DE" smtClean="0"/>
-              <a:t>21.08.2018</a:t>
+              <a:t>22.08.2018</a:t>
             </a:fld>
             <a:endParaRPr lang="de-DE" dirty="0"/>
           </a:p>
@@ -18150,7 +18446,7 @@
             </a:pPr>
             <a:fld id="{4C1274F5-F8AF-44CD-8B1E-EDB26CB3A108}" type="datetime1">
               <a:rPr lang="de-DE" smtClean="0"/>
-              <a:t>21.08.2018</a:t>
+              <a:t>22.08.2018</a:t>
             </a:fld>
             <a:endParaRPr lang="de-DE" dirty="0"/>
           </a:p>
@@ -18860,6 +19156,13 @@
   <p:clrMapOvr>
     <a:masterClrMapping/>
   </p:clrMapOvr>
+  <p:timing>
+    <p:tnLst>
+      <p:par>
+        <p:cTn id="1" dur="indefinite" restart="never" nodeType="tmRoot"/>
+      </p:par>
+    </p:tnLst>
+  </p:timing>
 </p:sld>
 </file>
 
@@ -18928,7 +19231,7 @@
             </a:pPr>
             <a:fld id="{0D78A848-0002-4EDA-9C86-36A365AB48C5}" type="datetime1">
               <a:rPr lang="de-DE" smtClean="0"/>
-              <a:t>21.08.2018</a:t>
+              <a:t>22.08.2018</a:t>
             </a:fld>
             <a:endParaRPr lang="de-DE" dirty="0"/>
           </a:p>
@@ -19649,7 +19952,7 @@
             </a:pPr>
             <a:fld id="{345BB4D5-7D70-4503-80AF-06580139DBA4}" type="datetime1">
               <a:rPr lang="de-DE" smtClean="0"/>
-              <a:t>21.08.2018</a:t>
+              <a:t>22.08.2018</a:t>
             </a:fld>
             <a:endParaRPr lang="de-DE" dirty="0"/>
           </a:p>
@@ -20425,7 +20728,7 @@
             </a:pPr>
             <a:fld id="{5783FC80-3F2A-4406-9D6C-042A0BA9D661}" type="datetime1">
               <a:rPr lang="de-DE" smtClean="0"/>
-              <a:t>21.08.2018</a:t>
+              <a:t>22.08.2018</a:t>
             </a:fld>
             <a:endParaRPr lang="de-DE" dirty="0"/>
           </a:p>
@@ -20685,7 +20988,7 @@
             </a:pPr>
             <a:fld id="{B2B1F417-6FBD-4650-899F-4549AAACE2EC}" type="datetime1">
               <a:rPr lang="de-DE" smtClean="0"/>
-              <a:t>21.08.2018</a:t>
+              <a:t>22.08.2018</a:t>
             </a:fld>
             <a:endParaRPr lang="de-DE" dirty="0"/>
           </a:p>
@@ -21223,7 +21526,7 @@
             </a:pPr>
             <a:fld id="{39CBC02D-3FF8-4D13-8A9B-585E3FDD1961}" type="datetime1">
               <a:rPr lang="de-DE" smtClean="0"/>
-              <a:t>21.08.2018</a:t>
+              <a:t>22.08.2018</a:t>
             </a:fld>
             <a:endParaRPr lang="de-DE" dirty="0"/>
           </a:p>
@@ -22002,7 +22305,7 @@
             </a:pPr>
             <a:fld id="{D36EADBF-95FE-4AE7-82C3-92DD14506003}" type="datetime1">
               <a:rPr lang="de-DE" smtClean="0"/>
-              <a:t>21.08.2018</a:t>
+              <a:t>22.08.2018</a:t>
             </a:fld>
             <a:endParaRPr lang="de-DE" dirty="0"/>
           </a:p>
@@ -22530,7 +22833,7 @@
             </a:pPr>
             <a:fld id="{8067185B-5C57-409F-8B88-E3D854C91534}" type="datetime1">
               <a:rPr lang="de-DE" smtClean="0"/>
-              <a:t>21.08.2018</a:t>
+              <a:t>22.08.2018</a:t>
             </a:fld>
             <a:endParaRPr lang="de-DE" dirty="0"/>
           </a:p>
@@ -23292,7 +23595,7 @@
             </a:pPr>
             <a:fld id="{7FF32D5F-8198-4D6B-81C8-A28D30F3AEEE}" type="datetime1">
               <a:rPr lang="de-DE" smtClean="0"/>
-              <a:t>21.08.2018</a:t>
+              <a:t>22.08.2018</a:t>
             </a:fld>
             <a:endParaRPr lang="de-DE" dirty="0"/>
           </a:p>
@@ -23923,7 +24226,7 @@
             </a:pPr>
             <a:fld id="{12AC88A6-748D-4925-A0F4-581F6DD9C418}" type="datetime1">
               <a:rPr lang="de-DE" smtClean="0"/>
-              <a:t>21.08.2018</a:t>
+              <a:t>22.08.2018</a:t>
             </a:fld>
             <a:endParaRPr lang="de-DE" dirty="0"/>
           </a:p>
@@ -24123,7 +24426,7 @@
             </a:pPr>
             <a:fld id="{8A16F28A-F628-44F6-BE27-AC29D127D4A7}" type="datetime1">
               <a:rPr lang="de-DE" smtClean="0"/>
-              <a:t>21.08.2018</a:t>
+              <a:t>22.08.2018</a:t>
             </a:fld>
             <a:endParaRPr lang="de-DE" dirty="0"/>
           </a:p>
@@ -25476,7 +25779,7 @@
             </a:pPr>
             <a:fld id="{8EF3E923-C16A-40B9-906D-4702AEC00101}" type="datetime1">
               <a:rPr lang="de-DE" smtClean="0"/>
-              <a:t>21.08.2018</a:t>
+              <a:t>22.08.2018</a:t>
             </a:fld>
             <a:endParaRPr lang="de-DE" dirty="0"/>
           </a:p>
@@ -26324,7 +26627,7 @@
             </a:pPr>
             <a:fld id="{AF010600-ECB3-4287-BFCE-C133CC4FD21C}" type="datetime1">
               <a:rPr lang="de-DE" smtClean="0"/>
-              <a:t>21.08.2018</a:t>
+              <a:t>22.08.2018</a:t>
             </a:fld>
             <a:endParaRPr lang="de-DE" dirty="0"/>
           </a:p>
@@ -27986,7 +28289,7 @@
             </a:pPr>
             <a:fld id="{12AC88A6-748D-4925-A0F4-581F6DD9C418}" type="datetime1">
               <a:rPr lang="de-DE" smtClean="0"/>
-              <a:t>21.08.2018</a:t>
+              <a:t>22.08.2018</a:t>
             </a:fld>
             <a:endParaRPr lang="de-DE" dirty="0"/>
           </a:p>
@@ -28082,7 +28385,6 @@
               <a:rPr lang="de-DE" dirty="0"/>
               <a:t>-Editor: Protokoll Neutral-Konzept</a:t>
             </a:r>
-            <a:endParaRPr lang="de-DE" dirty="0"/>
           </a:p>
         </p:txBody>
       </p:sp>
@@ -29383,7 +29685,7 @@
             </a:pPr>
             <a:fld id="{E91FD529-79A4-422D-9216-C48300677F2D}" type="datetime1">
               <a:rPr lang="de-DE" smtClean="0"/>
-              <a:t>21.08.2018</a:t>
+              <a:t>22.08.2018</a:t>
             </a:fld>
             <a:endParaRPr lang="de-DE" dirty="0"/>
           </a:p>
@@ -30480,7 +30782,7 @@
             </a:pPr>
             <a:fld id="{668CEC00-B388-44C9-BED2-57BA91674FDE}" type="datetime1">
               <a:rPr lang="de-DE" smtClean="0"/>
-              <a:t>21.08.2018</a:t>
+              <a:t>22.08.2018</a:t>
             </a:fld>
             <a:endParaRPr lang="de-DE" dirty="0"/>
           </a:p>
@@ -31419,7 +31721,7 @@
             </a:pPr>
             <a:fld id="{D5854939-2B7C-49B0-B46D-A3E4A10ECEA3}" type="datetime1">
               <a:rPr lang="de-DE" smtClean="0"/>
-              <a:t>21.08.2018</a:t>
+              <a:t>22.08.2018</a:t>
             </a:fld>
             <a:endParaRPr lang="de-DE" dirty="0"/>
           </a:p>
@@ -31566,7 +31868,7 @@
             </a:pPr>
             <a:fld id="{4B47C6A7-4CB9-47BF-812A-FB221A81A7BE}" type="datetime1">
               <a:rPr lang="de-DE" smtClean="0"/>
-              <a:t>21.08.2018</a:t>
+              <a:t>22.08.2018</a:t>
             </a:fld>
             <a:endParaRPr lang="de-DE" dirty="0"/>
           </a:p>
@@ -31796,7 +32098,7 @@
             </a:pPr>
             <a:fld id="{6FDFEBE8-6BCA-40A3-89A2-FFCEF06292FB}" type="datetime1">
               <a:rPr lang="de-DE" smtClean="0"/>
-              <a:t>21.08.2018</a:t>
+              <a:t>22.08.2018</a:t>
             </a:fld>
             <a:endParaRPr lang="de-DE" dirty="0"/>
           </a:p>
@@ -32027,7 +32329,7 @@
             </a:pPr>
             <a:fld id="{E9F400A6-E40D-4DB6-A24F-AFEB1A17EEB5}" type="datetime1">
               <a:rPr lang="de-DE" smtClean="0"/>
-              <a:t>21.08.2018</a:t>
+              <a:t>22.08.2018</a:t>
             </a:fld>
             <a:endParaRPr lang="de-DE" dirty="0"/>
           </a:p>
@@ -32428,7 +32730,7 @@
             </a:pPr>
             <a:fld id="{9A87BE0B-A04B-4BD9-AD64-4DB39BF97343}" type="datetime1">
               <a:rPr lang="de-DE" smtClean="0"/>
-              <a:t>21.08.2018</a:t>
+              <a:t>22.08.2018</a:t>
             </a:fld>
             <a:endParaRPr lang="de-DE" dirty="0"/>
           </a:p>
@@ -32651,7 +32953,7 @@
             </a:pPr>
             <a:fld id="{5E4D5FCA-7DF3-448C-839C-8922CAEBBDE7}" type="datetime1">
               <a:rPr lang="de-DE" smtClean="0"/>
-              <a:t>21.08.2018</a:t>
+              <a:t>22.08.2018</a:t>
             </a:fld>
             <a:endParaRPr lang="de-DE" dirty="0"/>
           </a:p>
@@ -32955,7 +33257,7 @@
             </a:pPr>
             <a:fld id="{7271AB04-5E1D-4CE7-8D84-791F9CCDF4D8}" type="datetime1">
               <a:rPr lang="de-DE" smtClean="0"/>
-              <a:t>21.08.2018</a:t>
+              <a:t>22.08.2018</a:t>
             </a:fld>
             <a:endParaRPr lang="de-DE" dirty="0"/>
           </a:p>
@@ -33056,6 +33358,13 @@
   <p:clrMapOvr>
     <a:masterClrMapping/>
   </p:clrMapOvr>
+  <p:timing>
+    <p:tnLst>
+      <p:par>
+        <p:cTn id="1" dur="indefinite" restart="never" nodeType="tmRoot"/>
+      </p:par>
+    </p:tnLst>
+  </p:timing>
 </p:sld>
 </file>
 
@@ -33160,7 +33469,7 @@
             </a:pPr>
             <a:fld id="{B46ACFD8-F003-4DB6-92FD-0D5193C55D1C}" type="datetime1">
               <a:rPr lang="de-DE" smtClean="0"/>
-              <a:t>21.08.2018</a:t>
+              <a:t>22.08.2018</a:t>
             </a:fld>
             <a:endParaRPr lang="de-DE" dirty="0"/>
           </a:p>
@@ -33378,7 +33687,7 @@
             </a:pPr>
             <a:fld id="{8CC02A35-82F6-49ED-9C9C-23E8C7A55B9E}" type="datetime1">
               <a:rPr lang="de-DE" smtClean="0"/>
-              <a:t>21.08.2018</a:t>
+              <a:t>22.08.2018</a:t>
             </a:fld>
             <a:endParaRPr lang="de-DE" dirty="0"/>
           </a:p>
@@ -33794,7 +34103,7 @@
             </a:pPr>
             <a:fld id="{48651424-9108-4DBD-A731-7CB34E8712C2}" type="datetime1">
               <a:rPr lang="de-DE" smtClean="0"/>
-              <a:t>21.08.2018</a:t>
+              <a:t>22.08.2018</a:t>
             </a:fld>
             <a:endParaRPr lang="de-DE" dirty="0"/>
           </a:p>
@@ -36468,7 +36777,7 @@
             </a:pPr>
             <a:fld id="{4998E8A4-C8EA-4DC6-A9EC-8D84B645FE8A}" type="datetime1">
               <a:rPr lang="de-DE" smtClean="0"/>
-              <a:t>21.08.2018</a:t>
+              <a:t>22.08.2018</a:t>
             </a:fld>
             <a:endParaRPr lang="de-DE" dirty="0"/>
           </a:p>
@@ -36569,6 +36878,13 @@
   <p:clrMapOvr>
     <a:masterClrMapping/>
   </p:clrMapOvr>
+  <p:timing>
+    <p:tnLst>
+      <p:par>
+        <p:cTn id="1" dur="indefinite" restart="never" nodeType="tmRoot"/>
+      </p:par>
+    </p:tnLst>
+  </p:timing>
 </p:sld>
 </file>
 
@@ -36688,7 +37004,7 @@
             </a:pPr>
             <a:fld id="{4769008C-D780-4E4F-B8CF-7AB45263DA7A}" type="datetime1">
               <a:rPr lang="de-DE" smtClean="0"/>
-              <a:t>21.08.2018</a:t>
+              <a:t>22.08.2018</a:t>
             </a:fld>
             <a:endParaRPr lang="de-DE" dirty="0"/>
           </a:p>
@@ -37450,7 +37766,7 @@
             </a:pPr>
             <a:fld id="{F2ED425C-C877-4C31-9F63-557BCC10A716}" type="datetime1">
               <a:rPr lang="de-DE" smtClean="0"/>
-              <a:t>21.08.2018</a:t>
+              <a:t>22.08.2018</a:t>
             </a:fld>
             <a:endParaRPr lang="de-DE" dirty="0"/>
           </a:p>
@@ -38010,7 +38326,7 @@
             </a:pPr>
             <a:fld id="{95B3BF2C-FA7B-44F9-B240-F706DE93F676}" type="datetime1">
               <a:rPr lang="de-DE" smtClean="0"/>
-              <a:t>21.08.2018</a:t>
+              <a:t>22.08.2018</a:t>
             </a:fld>
             <a:endParaRPr lang="de-DE" dirty="0"/>
           </a:p>
@@ -38636,7 +38952,7 @@
             </a:pPr>
             <a:fld id="{71EA42B9-50E9-4FA7-B9B8-35E6EB7F0723}" type="datetime1">
               <a:rPr lang="de-DE" smtClean="0"/>
-              <a:t>21.08.2018</a:t>
+              <a:t>22.08.2018</a:t>
             </a:fld>
             <a:endParaRPr lang="de-DE" dirty="0"/>
           </a:p>

--- a/Master-Abschluss.pptx
+++ b/Master-Abschluss.pptx
@@ -1708,10 +1708,9 @@
         <a:lstStyle/>
         <a:p>
           <a:r>
-            <a:rPr lang="de-DE" dirty="0" smtClean="0"/>
+            <a:rPr lang="de-DE" dirty="0"/>
             <a:t>Interpretation der Prozessdaten</a:t>
           </a:r>
-          <a:endParaRPr lang="de-DE" dirty="0"/>
         </a:p>
       </dgm:t>
     </dgm:pt>
@@ -1751,10 +1750,9 @@
         <a:lstStyle/>
         <a:p>
           <a:r>
-            <a:rPr lang="de-DE" dirty="0" smtClean="0"/>
+            <a:rPr lang="de-DE" dirty="0"/>
             <a:t>Verwaltung der Topologie-Modelle</a:t>
           </a:r>
-          <a:endParaRPr lang="de-DE" dirty="0"/>
         </a:p>
       </dgm:t>
     </dgm:pt>
@@ -1794,10 +1792,9 @@
         <a:lstStyle/>
         <a:p>
           <a:r>
-            <a:rPr lang="de-DE" dirty="0" smtClean="0"/>
+            <a:rPr lang="de-DE" dirty="0"/>
             <a:t>Darstellung als Symbole</a:t>
           </a:r>
-          <a:endParaRPr lang="de-DE" dirty="0"/>
         </a:p>
       </dgm:t>
     </dgm:pt>
@@ -1837,18 +1834,17 @@
         <a:lstStyle/>
         <a:p>
           <a:r>
-            <a:rPr lang="de-DE" dirty="0" smtClean="0"/>
+            <a:rPr lang="de-DE" dirty="0"/>
             <a:t>Datenquelle (</a:t>
           </a:r>
           <a:r>
-            <a:rPr lang="de-DE" dirty="0" err="1" smtClean="0"/>
+            <a:rPr lang="de-DE" dirty="0" err="1"/>
             <a:t>ComStudio</a:t>
           </a:r>
           <a:r>
-            <a:rPr lang="de-DE" dirty="0" smtClean="0"/>
+            <a:rPr lang="de-DE" dirty="0"/>
             <a:t>)</a:t>
           </a:r>
-          <a:endParaRPr lang="de-DE" dirty="0"/>
         </a:p>
       </dgm:t>
     </dgm:pt>
@@ -1890,35 +1886,14 @@
         </dgm:presLayoutVars>
       </dgm:prSet>
       <dgm:spPr/>
-      <dgm:t>
-        <a:bodyPr/>
-        <a:lstStyle/>
-        <a:p>
-          <a:endParaRPr lang="de-DE"/>
-        </a:p>
-      </dgm:t>
     </dgm:pt>
     <dgm:pt modelId="{F34C26C3-38A6-4E2C-BDC9-F81E56C73BF9}" type="pres">
       <dgm:prSet presAssocID="{14801751-6B8B-44D7-B062-1D67C7B70527}" presName="sibTrans" presStyleLbl="sibTrans2D1" presStyleIdx="0" presStyleCnt="3"/>
       <dgm:spPr/>
-      <dgm:t>
-        <a:bodyPr/>
-        <a:lstStyle/>
-        <a:p>
-          <a:endParaRPr lang="de-DE"/>
-        </a:p>
-      </dgm:t>
     </dgm:pt>
     <dgm:pt modelId="{89458D4A-E73E-495E-BD38-B18FC0234614}" type="pres">
       <dgm:prSet presAssocID="{14801751-6B8B-44D7-B062-1D67C7B70527}" presName="connectorText" presStyleLbl="sibTrans2D1" presStyleIdx="0" presStyleCnt="3"/>
       <dgm:spPr/>
-      <dgm:t>
-        <a:bodyPr/>
-        <a:lstStyle/>
-        <a:p>
-          <a:endParaRPr lang="de-DE"/>
-        </a:p>
-      </dgm:t>
     </dgm:pt>
     <dgm:pt modelId="{A24DC3C0-6532-4A6F-9C89-F9439AC46956}" type="pres">
       <dgm:prSet presAssocID="{0D6CCC11-C907-4C23-91BB-B2CE08FA2488}" presName="node" presStyleLbl="node1" presStyleIdx="1" presStyleCnt="4">
@@ -1927,35 +1902,14 @@
         </dgm:presLayoutVars>
       </dgm:prSet>
       <dgm:spPr/>
-      <dgm:t>
-        <a:bodyPr/>
-        <a:lstStyle/>
-        <a:p>
-          <a:endParaRPr lang="de-DE"/>
-        </a:p>
-      </dgm:t>
     </dgm:pt>
     <dgm:pt modelId="{EF889798-8597-4D84-90C4-6873E1039B4B}" type="pres">
       <dgm:prSet presAssocID="{B56E939D-7283-4D8B-850B-35552406D736}" presName="sibTrans" presStyleLbl="sibTrans2D1" presStyleIdx="1" presStyleCnt="3"/>
       <dgm:spPr/>
-      <dgm:t>
-        <a:bodyPr/>
-        <a:lstStyle/>
-        <a:p>
-          <a:endParaRPr lang="de-DE"/>
-        </a:p>
-      </dgm:t>
     </dgm:pt>
     <dgm:pt modelId="{99C4936C-7B77-44A5-8EA9-40D4D5754DD3}" type="pres">
       <dgm:prSet presAssocID="{B56E939D-7283-4D8B-850B-35552406D736}" presName="connectorText" presStyleLbl="sibTrans2D1" presStyleIdx="1" presStyleCnt="3"/>
       <dgm:spPr/>
-      <dgm:t>
-        <a:bodyPr/>
-        <a:lstStyle/>
-        <a:p>
-          <a:endParaRPr lang="de-DE"/>
-        </a:p>
-      </dgm:t>
     </dgm:pt>
     <dgm:pt modelId="{A7948612-D97B-4EE7-9E8A-EDCB03CC6483}" type="pres">
       <dgm:prSet presAssocID="{B2C0466A-CC2A-4D62-BCA2-6B6AF28574A7}" presName="node" presStyleLbl="node1" presStyleIdx="2" presStyleCnt="4">
@@ -1964,35 +1918,14 @@
         </dgm:presLayoutVars>
       </dgm:prSet>
       <dgm:spPr/>
-      <dgm:t>
-        <a:bodyPr/>
-        <a:lstStyle/>
-        <a:p>
-          <a:endParaRPr lang="de-DE"/>
-        </a:p>
-      </dgm:t>
     </dgm:pt>
     <dgm:pt modelId="{5AEBE292-B333-4135-B55F-27BB61C159E9}" type="pres">
       <dgm:prSet presAssocID="{9FB5ADF5-9F41-4EAA-B0F6-2E9F547E0C67}" presName="sibTrans" presStyleLbl="sibTrans2D1" presStyleIdx="2" presStyleCnt="3"/>
       <dgm:spPr/>
-      <dgm:t>
-        <a:bodyPr/>
-        <a:lstStyle/>
-        <a:p>
-          <a:endParaRPr lang="de-DE"/>
-        </a:p>
-      </dgm:t>
     </dgm:pt>
     <dgm:pt modelId="{E54D4DF6-6A82-426B-B4C3-6EC7B2FE72BB}" type="pres">
       <dgm:prSet presAssocID="{9FB5ADF5-9F41-4EAA-B0F6-2E9F547E0C67}" presName="connectorText" presStyleLbl="sibTrans2D1" presStyleIdx="2" presStyleCnt="3"/>
       <dgm:spPr/>
-      <dgm:t>
-        <a:bodyPr/>
-        <a:lstStyle/>
-        <a:p>
-          <a:endParaRPr lang="de-DE"/>
-        </a:p>
-      </dgm:t>
     </dgm:pt>
     <dgm:pt modelId="{A61A0EF9-F4B8-462F-AFF7-4FF54C4C16E0}" type="pres">
       <dgm:prSet presAssocID="{F32B539E-7CB7-47EA-AA25-3A8BF62A9EBA}" presName="node" presStyleLbl="node1" presStyleIdx="3" presStyleCnt="4">
@@ -2001,31 +1934,24 @@
         </dgm:presLayoutVars>
       </dgm:prSet>
       <dgm:spPr/>
-      <dgm:t>
-        <a:bodyPr/>
-        <a:lstStyle/>
-        <a:p>
-          <a:endParaRPr lang="de-DE"/>
-        </a:p>
-      </dgm:t>
     </dgm:pt>
   </dgm:ptLst>
   <dgm:cxnLst>
-    <dgm:cxn modelId="{949C8993-A9CE-43B3-9556-F2D7A972D589}" srcId="{1864B26B-9B9B-4C2B-BB0E-450F20C8B1E1}" destId="{B2C0466A-CC2A-4D62-BCA2-6B6AF28574A7}" srcOrd="2" destOrd="0" parTransId="{1517F4AE-D6B8-430D-89C3-D2E6F293A659}" sibTransId="{9FB5ADF5-9F41-4EAA-B0F6-2E9F547E0C67}"/>
-    <dgm:cxn modelId="{783D3A67-BC42-41E8-9A28-C9EB25CEC00B}" type="presOf" srcId="{9FB5ADF5-9F41-4EAA-B0F6-2E9F547E0C67}" destId="{E54D4DF6-6A82-426B-B4C3-6EC7B2FE72BB}" srcOrd="1" destOrd="0" presId="urn:microsoft.com/office/officeart/2005/8/layout/process1"/>
-    <dgm:cxn modelId="{A413C3D2-845D-4600-ACC8-9F43FAFF7A3B}" type="presOf" srcId="{9FB5ADF5-9F41-4EAA-B0F6-2E9F547E0C67}" destId="{5AEBE292-B333-4135-B55F-27BB61C159E9}" srcOrd="0" destOrd="0" presId="urn:microsoft.com/office/officeart/2005/8/layout/process1"/>
+    <dgm:cxn modelId="{BE5FCA0B-1F42-4C89-B01E-6472B0CEF1BF}" type="presOf" srcId="{14801751-6B8B-44D7-B062-1D67C7B70527}" destId="{F34C26C3-38A6-4E2C-BDC9-F81E56C73BF9}" srcOrd="0" destOrd="0" presId="urn:microsoft.com/office/officeart/2005/8/layout/process1"/>
     <dgm:cxn modelId="{7A20582B-869D-412E-94DF-C03820E5BB79}" type="presOf" srcId="{F32B539E-7CB7-47EA-AA25-3A8BF62A9EBA}" destId="{A61A0EF9-F4B8-462F-AFF7-4FF54C4C16E0}" srcOrd="0" destOrd="0" presId="urn:microsoft.com/office/officeart/2005/8/layout/process1"/>
-    <dgm:cxn modelId="{FC7881D8-661F-4D11-904E-3DEF0802E24C}" type="presOf" srcId="{1864B26B-9B9B-4C2B-BB0E-450F20C8B1E1}" destId="{1419B37D-A21C-43A8-9623-5D172DA7D54C}" srcOrd="0" destOrd="0" presId="urn:microsoft.com/office/officeart/2005/8/layout/process1"/>
-    <dgm:cxn modelId="{306B68DE-ED30-420D-AB98-036DA26BFA69}" type="presOf" srcId="{0D6CCC11-C907-4C23-91BB-B2CE08FA2488}" destId="{A24DC3C0-6532-4A6F-9C89-F9439AC46956}" srcOrd="0" destOrd="0" presId="urn:microsoft.com/office/officeart/2005/8/layout/process1"/>
-    <dgm:cxn modelId="{BE5FCA0B-1F42-4C89-B01E-6472B0CEF1BF}" type="presOf" srcId="{14801751-6B8B-44D7-B062-1D67C7B70527}" destId="{F34C26C3-38A6-4E2C-BDC9-F81E56C73BF9}" srcOrd="0" destOrd="0" presId="urn:microsoft.com/office/officeart/2005/8/layout/process1"/>
-    <dgm:cxn modelId="{DD9E96AC-9D16-4CC8-86AA-321DB90FC945}" type="presOf" srcId="{B2C0466A-CC2A-4D62-BCA2-6B6AF28574A7}" destId="{A7948612-D97B-4EE7-9E8A-EDCB03CC6483}" srcOrd="0" destOrd="0" presId="urn:microsoft.com/office/officeart/2005/8/layout/process1"/>
-    <dgm:cxn modelId="{705A3E82-38F1-4BE2-909D-46D13F593CEC}" srcId="{1864B26B-9B9B-4C2B-BB0E-450F20C8B1E1}" destId="{F32B539E-7CB7-47EA-AA25-3A8BF62A9EBA}" srcOrd="3" destOrd="0" parTransId="{96E61D9D-B764-4523-8C6F-FDDF8F882A2E}" sibTransId="{8D66F2C6-3299-435A-BF85-F1F0CC77D727}"/>
-    <dgm:cxn modelId="{4DCC537E-87FD-4F61-8F32-2B11667E3E8D}" type="presOf" srcId="{B56E939D-7283-4D8B-850B-35552406D736}" destId="{99C4936C-7B77-44A5-8EA9-40D4D5754DD3}" srcOrd="1" destOrd="0" presId="urn:microsoft.com/office/officeart/2005/8/layout/process1"/>
     <dgm:cxn modelId="{A5F7ED3F-BE16-46B9-90B3-0C0A9BDB5FC1}" srcId="{1864B26B-9B9B-4C2B-BB0E-450F20C8B1E1}" destId="{0D6CCC11-C907-4C23-91BB-B2CE08FA2488}" srcOrd="1" destOrd="0" parTransId="{0654C0EB-0842-4B37-9E7C-F9F50CA22764}" sibTransId="{B56E939D-7283-4D8B-850B-35552406D736}"/>
     <dgm:cxn modelId="{E4278E5D-EF65-41CD-BF54-FE7E50BFDB7A}" type="presOf" srcId="{C057CD47-70E7-4B5A-8011-95A570F8615F}" destId="{8179A08A-22AB-49B5-AFED-235DA994F5D0}" srcOrd="0" destOrd="0" presId="urn:microsoft.com/office/officeart/2005/8/layout/process1"/>
+    <dgm:cxn modelId="{783D3A67-BC42-41E8-9A28-C9EB25CEC00B}" type="presOf" srcId="{9FB5ADF5-9F41-4EAA-B0F6-2E9F547E0C67}" destId="{E54D4DF6-6A82-426B-B4C3-6EC7B2FE72BB}" srcOrd="1" destOrd="0" presId="urn:microsoft.com/office/officeart/2005/8/layout/process1"/>
+    <dgm:cxn modelId="{4DCC537E-87FD-4F61-8F32-2B11667E3E8D}" type="presOf" srcId="{B56E939D-7283-4D8B-850B-35552406D736}" destId="{99C4936C-7B77-44A5-8EA9-40D4D5754DD3}" srcOrd="1" destOrd="0" presId="urn:microsoft.com/office/officeart/2005/8/layout/process1"/>
+    <dgm:cxn modelId="{705A3E82-38F1-4BE2-909D-46D13F593CEC}" srcId="{1864B26B-9B9B-4C2B-BB0E-450F20C8B1E1}" destId="{F32B539E-7CB7-47EA-AA25-3A8BF62A9EBA}" srcOrd="3" destOrd="0" parTransId="{96E61D9D-B764-4523-8C6F-FDDF8F882A2E}" sibTransId="{8D66F2C6-3299-435A-BF85-F1F0CC77D727}"/>
+    <dgm:cxn modelId="{949C8993-A9CE-43B3-9556-F2D7A972D589}" srcId="{1864B26B-9B9B-4C2B-BB0E-450F20C8B1E1}" destId="{B2C0466A-CC2A-4D62-BCA2-6B6AF28574A7}" srcOrd="2" destOrd="0" parTransId="{1517F4AE-D6B8-430D-89C3-D2E6F293A659}" sibTransId="{9FB5ADF5-9F41-4EAA-B0F6-2E9F547E0C67}"/>
+    <dgm:cxn modelId="{DD9E96AC-9D16-4CC8-86AA-321DB90FC945}" type="presOf" srcId="{B2C0466A-CC2A-4D62-BCA2-6B6AF28574A7}" destId="{A7948612-D97B-4EE7-9E8A-EDCB03CC6483}" srcOrd="0" destOrd="0" presId="urn:microsoft.com/office/officeart/2005/8/layout/process1"/>
     <dgm:cxn modelId="{F0C75FBB-0662-4890-A4EB-A449B5CDC486}" type="presOf" srcId="{B56E939D-7283-4D8B-850B-35552406D736}" destId="{EF889798-8597-4D84-90C4-6873E1039B4B}" srcOrd="0" destOrd="0" presId="urn:microsoft.com/office/officeart/2005/8/layout/process1"/>
+    <dgm:cxn modelId="{A413C3D2-845D-4600-ACC8-9F43FAFF7A3B}" type="presOf" srcId="{9FB5ADF5-9F41-4EAA-B0F6-2E9F547E0C67}" destId="{5AEBE292-B333-4135-B55F-27BB61C159E9}" srcOrd="0" destOrd="0" presId="urn:microsoft.com/office/officeart/2005/8/layout/process1"/>
+    <dgm:cxn modelId="{FC7881D8-661F-4D11-904E-3DEF0802E24C}" type="presOf" srcId="{1864B26B-9B9B-4C2B-BB0E-450F20C8B1E1}" destId="{1419B37D-A21C-43A8-9623-5D172DA7D54C}" srcOrd="0" destOrd="0" presId="urn:microsoft.com/office/officeart/2005/8/layout/process1"/>
+    <dgm:cxn modelId="{49852ADB-35A3-4BCE-B45A-2BB9B3BE0222}" type="presOf" srcId="{14801751-6B8B-44D7-B062-1D67C7B70527}" destId="{89458D4A-E73E-495E-BD38-B18FC0234614}" srcOrd="1" destOrd="0" presId="urn:microsoft.com/office/officeart/2005/8/layout/process1"/>
+    <dgm:cxn modelId="{306B68DE-ED30-420D-AB98-036DA26BFA69}" type="presOf" srcId="{0D6CCC11-C907-4C23-91BB-B2CE08FA2488}" destId="{A24DC3C0-6532-4A6F-9C89-F9439AC46956}" srcOrd="0" destOrd="0" presId="urn:microsoft.com/office/officeart/2005/8/layout/process1"/>
     <dgm:cxn modelId="{400055F4-B35C-44B9-ADB1-DCF80036B7FC}" srcId="{1864B26B-9B9B-4C2B-BB0E-450F20C8B1E1}" destId="{C057CD47-70E7-4B5A-8011-95A570F8615F}" srcOrd="0" destOrd="0" parTransId="{2052D676-D09A-42B1-AB84-4DAB8B1FE7D1}" sibTransId="{14801751-6B8B-44D7-B062-1D67C7B70527}"/>
-    <dgm:cxn modelId="{49852ADB-35A3-4BCE-B45A-2BB9B3BE0222}" type="presOf" srcId="{14801751-6B8B-44D7-B062-1D67C7B70527}" destId="{89458D4A-E73E-495E-BD38-B18FC0234614}" srcOrd="1" destOrd="0" presId="urn:microsoft.com/office/officeart/2005/8/layout/process1"/>
     <dgm:cxn modelId="{8208B845-DEDB-4210-AFAD-930DF2C1076E}" type="presParOf" srcId="{1419B37D-A21C-43A8-9623-5D172DA7D54C}" destId="{8179A08A-22AB-49B5-AFED-235DA994F5D0}" srcOrd="0" destOrd="0" presId="urn:microsoft.com/office/officeart/2005/8/layout/process1"/>
     <dgm:cxn modelId="{6E7EE488-48A2-43B4-A475-2DAEDCF1C623}" type="presParOf" srcId="{1419B37D-A21C-43A8-9623-5D172DA7D54C}" destId="{F34C26C3-38A6-4E2C-BDC9-F81E56C73BF9}" srcOrd="1" destOrd="0" presId="urn:microsoft.com/office/officeart/2005/8/layout/process1"/>
     <dgm:cxn modelId="{E9DA63BC-31B4-4749-8DCC-14451FC4189A}" type="presParOf" srcId="{F34C26C3-38A6-4E2C-BDC9-F81E56C73BF9}" destId="{89458D4A-E73E-495E-BD38-B18FC0234614}" srcOrd="0" destOrd="0" presId="urn:microsoft.com/office/officeart/2005/8/layout/process1"/>
@@ -2325,13 +2251,6 @@
         </dgm:presLayoutVars>
       </dgm:prSet>
       <dgm:spPr/>
-      <dgm:t>
-        <a:bodyPr/>
-        <a:lstStyle/>
-        <a:p>
-          <a:endParaRPr lang="de-DE"/>
-        </a:p>
-      </dgm:t>
     </dgm:pt>
     <dgm:pt modelId="{E9965B2F-3801-48D8-9FE8-975EE46F648A}" type="pres">
       <dgm:prSet presAssocID="{A285696E-E20F-450F-AD2A-2CA01487710E}" presName="singleCycle" presStyleCnt="0"/>
@@ -2345,24 +2264,10 @@
         </dgm:presLayoutVars>
       </dgm:prSet>
       <dgm:spPr/>
-      <dgm:t>
-        <a:bodyPr/>
-        <a:lstStyle/>
-        <a:p>
-          <a:endParaRPr lang="de-DE"/>
-        </a:p>
-      </dgm:t>
     </dgm:pt>
     <dgm:pt modelId="{29A9ABC8-8B7E-4AF2-B179-379C32D9962E}" type="pres">
       <dgm:prSet presAssocID="{166498DA-992D-4842-A49F-00B0B296A3AB}" presName="Name56" presStyleLbl="parChTrans1D2" presStyleIdx="0" presStyleCnt="3"/>
       <dgm:spPr/>
-      <dgm:t>
-        <a:bodyPr/>
-        <a:lstStyle/>
-        <a:p>
-          <a:endParaRPr lang="de-DE"/>
-        </a:p>
-      </dgm:t>
     </dgm:pt>
     <dgm:pt modelId="{207C128E-7FBD-4C97-84F7-E0792C9CFEEC}" type="pres">
       <dgm:prSet presAssocID="{5604FCD2-D7B1-4AA6-858D-979DEB34077C}" presName="text0" presStyleLbl="node1" presStyleIdx="1" presStyleCnt="4" custScaleX="204030" custScaleY="59496" custRadScaleRad="69910" custRadScaleInc="1042">
@@ -2371,24 +2276,10 @@
         </dgm:presLayoutVars>
       </dgm:prSet>
       <dgm:spPr/>
-      <dgm:t>
-        <a:bodyPr/>
-        <a:lstStyle/>
-        <a:p>
-          <a:endParaRPr lang="de-DE"/>
-        </a:p>
-      </dgm:t>
     </dgm:pt>
     <dgm:pt modelId="{23FD41E1-F2C3-4873-8068-45FA95BC5F66}" type="pres">
       <dgm:prSet presAssocID="{83C7CB07-8B9E-4904-BE34-FB268E24D959}" presName="Name56" presStyleLbl="parChTrans1D2" presStyleIdx="1" presStyleCnt="3"/>
       <dgm:spPr/>
-      <dgm:t>
-        <a:bodyPr/>
-        <a:lstStyle/>
-        <a:p>
-          <a:endParaRPr lang="de-DE"/>
-        </a:p>
-      </dgm:t>
     </dgm:pt>
     <dgm:pt modelId="{40EA4F8F-38A3-421E-97C9-6DD70090178B}" type="pres">
       <dgm:prSet presAssocID="{E6D3F8CA-592A-4B27-A80B-5053490CAD93}" presName="text0" presStyleLbl="node1" presStyleIdx="2" presStyleCnt="4" custScaleX="205606" custScaleY="59496" custRadScaleRad="114688" custRadScaleInc="-39110">
@@ -2397,24 +2288,10 @@
         </dgm:presLayoutVars>
       </dgm:prSet>
       <dgm:spPr/>
-      <dgm:t>
-        <a:bodyPr/>
-        <a:lstStyle/>
-        <a:p>
-          <a:endParaRPr lang="de-DE"/>
-        </a:p>
-      </dgm:t>
     </dgm:pt>
     <dgm:pt modelId="{41C0591F-4423-4696-A541-7927A488956C}" type="pres">
       <dgm:prSet presAssocID="{62AB0BCD-76D0-4655-92C0-1110A4D29F68}" presName="Name56" presStyleLbl="parChTrans1D2" presStyleIdx="2" presStyleCnt="3"/>
       <dgm:spPr/>
-      <dgm:t>
-        <a:bodyPr/>
-        <a:lstStyle/>
-        <a:p>
-          <a:endParaRPr lang="de-DE"/>
-        </a:p>
-      </dgm:t>
     </dgm:pt>
     <dgm:pt modelId="{4866A4C8-4026-4C06-A161-E4D4272C89A7}" type="pres">
       <dgm:prSet presAssocID="{2337A8C7-A5E2-41E3-AD6A-17536A1AB81C}" presName="text0" presStyleLbl="node1" presStyleIdx="3" presStyleCnt="4" custScaleX="182048" custScaleY="59496" custRadScaleRad="101225" custRadScaleInc="36062">
@@ -2423,30 +2300,23 @@
         </dgm:presLayoutVars>
       </dgm:prSet>
       <dgm:spPr/>
-      <dgm:t>
-        <a:bodyPr/>
-        <a:lstStyle/>
-        <a:p>
-          <a:endParaRPr lang="de-DE"/>
-        </a:p>
-      </dgm:t>
     </dgm:pt>
   </dgm:ptLst>
   <dgm:cxnLst>
-    <dgm:cxn modelId="{D3F6F4DA-B7AD-4B91-84CE-27196EC9F12F}" srcId="{A285696E-E20F-450F-AD2A-2CA01487710E}" destId="{E6D3F8CA-592A-4B27-A80B-5053490CAD93}" srcOrd="1" destOrd="0" parTransId="{83C7CB07-8B9E-4904-BE34-FB268E24D959}" sibTransId="{82589D44-1193-4FFB-9A46-2BA26AAF7A46}"/>
+    <dgm:cxn modelId="{21F5E20B-D1E9-4A71-959A-AE1FB339A56F}" type="presOf" srcId="{5604FCD2-D7B1-4AA6-858D-979DEB34077C}" destId="{207C128E-7FBD-4C97-84F7-E0792C9CFEEC}" srcOrd="0" destOrd="0" presId="urn:microsoft.com/office/officeart/2008/layout/RadialCluster"/>
     <dgm:cxn modelId="{6EEF4831-96E0-4B3C-9165-E174C4370C4A}" srcId="{ADA94781-E2A9-4BC7-97A0-E71A3BE187D6}" destId="{C51F0735-CF66-4E9C-8837-67FB799B5D71}" srcOrd="2" destOrd="0" parTransId="{0FDD21D6-2D81-493C-99FA-84329A5675FD}" sibTransId="{81BA5A7C-588B-46F1-A8E7-B5373E3EAF5D}"/>
+    <dgm:cxn modelId="{A8CD4D3D-A561-4616-9BE2-3E39E8CEBE93}" type="presOf" srcId="{E6D3F8CA-592A-4B27-A80B-5053490CAD93}" destId="{40EA4F8F-38A3-421E-97C9-6DD70090178B}" srcOrd="0" destOrd="0" presId="urn:microsoft.com/office/officeart/2008/layout/RadialCluster"/>
+    <dgm:cxn modelId="{9B081B5F-2F20-4A06-8F26-9E180055E065}" srcId="{A285696E-E20F-450F-AD2A-2CA01487710E}" destId="{5604FCD2-D7B1-4AA6-858D-979DEB34077C}" srcOrd="0" destOrd="0" parTransId="{166498DA-992D-4842-A49F-00B0B296A3AB}" sibTransId="{8794C4E3-0774-4022-9DA4-55DD2CB6491F}"/>
+    <dgm:cxn modelId="{4840286A-C0BE-436F-9B49-B4E7F82A09BC}" srcId="{ADA94781-E2A9-4BC7-97A0-E71A3BE187D6}" destId="{970E345B-63EC-43DA-9D22-7F2857F8ABA1}" srcOrd="1" destOrd="0" parTransId="{9E3B9563-BA8A-4D73-A087-276F450F78DA}" sibTransId="{EEB30055-0AA2-4905-9BF9-591D7A439876}"/>
     <dgm:cxn modelId="{7EE46D4B-C59C-49FE-BCC5-17CB0B077AF7}" srcId="{ADA94781-E2A9-4BC7-97A0-E71A3BE187D6}" destId="{A285696E-E20F-450F-AD2A-2CA01487710E}" srcOrd="0" destOrd="0" parTransId="{5F433974-00BF-4656-8D08-4541E4755E1F}" sibTransId="{BD8DD3D5-0CA5-4748-8F82-11FC0B7DE52B}"/>
     <dgm:cxn modelId="{57AAD66B-5C98-4446-91B2-977FCB8ACF58}" type="presOf" srcId="{A285696E-E20F-450F-AD2A-2CA01487710E}" destId="{65AA7AE3-7BA4-4256-A7E7-6ADD6196B2DE}" srcOrd="0" destOrd="0" presId="urn:microsoft.com/office/officeart/2008/layout/RadialCluster"/>
-    <dgm:cxn modelId="{21F5E20B-D1E9-4A71-959A-AE1FB339A56F}" type="presOf" srcId="{5604FCD2-D7B1-4AA6-858D-979DEB34077C}" destId="{207C128E-7FBD-4C97-84F7-E0792C9CFEEC}" srcOrd="0" destOrd="0" presId="urn:microsoft.com/office/officeart/2008/layout/RadialCluster"/>
-    <dgm:cxn modelId="{A8CD4D3D-A561-4616-9BE2-3E39E8CEBE93}" type="presOf" srcId="{E6D3F8CA-592A-4B27-A80B-5053490CAD93}" destId="{40EA4F8F-38A3-421E-97C9-6DD70090178B}" srcOrd="0" destOrd="0" presId="urn:microsoft.com/office/officeart/2008/layout/RadialCluster"/>
     <dgm:cxn modelId="{72CBD583-D91D-4061-A235-2BBDC4CB1258}" type="presOf" srcId="{2337A8C7-A5E2-41E3-AD6A-17536A1AB81C}" destId="{4866A4C8-4026-4C06-A161-E4D4272C89A7}" srcOrd="0" destOrd="0" presId="urn:microsoft.com/office/officeart/2008/layout/RadialCluster"/>
-    <dgm:cxn modelId="{9B081B5F-2F20-4A06-8F26-9E180055E065}" srcId="{A285696E-E20F-450F-AD2A-2CA01487710E}" destId="{5604FCD2-D7B1-4AA6-858D-979DEB34077C}" srcOrd="0" destOrd="0" parTransId="{166498DA-992D-4842-A49F-00B0B296A3AB}" sibTransId="{8794C4E3-0774-4022-9DA4-55DD2CB6491F}"/>
+    <dgm:cxn modelId="{F5A7D294-64BF-4158-80FE-0284F1E13252}" type="presOf" srcId="{83C7CB07-8B9E-4904-BE34-FB268E24D959}" destId="{23FD41E1-F2C3-4873-8068-45FA95BC5F66}" srcOrd="0" destOrd="0" presId="urn:microsoft.com/office/officeart/2008/layout/RadialCluster"/>
+    <dgm:cxn modelId="{16FCD89F-58AA-4ED9-9830-62D1073DE4DB}" type="presOf" srcId="{166498DA-992D-4842-A49F-00B0B296A3AB}" destId="{29A9ABC8-8B7E-4AF2-B179-379C32D9962E}" srcOrd="0" destOrd="0" presId="urn:microsoft.com/office/officeart/2008/layout/RadialCluster"/>
+    <dgm:cxn modelId="{253755A0-1D21-4BAE-A059-F6CD7663597B}" type="presOf" srcId="{62AB0BCD-76D0-4655-92C0-1110A4D29F68}" destId="{41C0591F-4423-4696-A541-7927A488956C}" srcOrd="0" destOrd="0" presId="urn:microsoft.com/office/officeart/2008/layout/RadialCluster"/>
     <dgm:cxn modelId="{BAD526B5-2B80-4FA0-8E23-61C5757F230A}" srcId="{A285696E-E20F-450F-AD2A-2CA01487710E}" destId="{2337A8C7-A5E2-41E3-AD6A-17536A1AB81C}" srcOrd="2" destOrd="0" parTransId="{62AB0BCD-76D0-4655-92C0-1110A4D29F68}" sibTransId="{5B8187EC-0177-4801-A25B-59CFF5A09A63}"/>
-    <dgm:cxn modelId="{4840286A-C0BE-436F-9B49-B4E7F82A09BC}" srcId="{ADA94781-E2A9-4BC7-97A0-E71A3BE187D6}" destId="{970E345B-63EC-43DA-9D22-7F2857F8ABA1}" srcOrd="1" destOrd="0" parTransId="{9E3B9563-BA8A-4D73-A087-276F450F78DA}" sibTransId="{EEB30055-0AA2-4905-9BF9-591D7A439876}"/>
-    <dgm:cxn modelId="{16FCD89F-58AA-4ED9-9830-62D1073DE4DB}" type="presOf" srcId="{166498DA-992D-4842-A49F-00B0B296A3AB}" destId="{29A9ABC8-8B7E-4AF2-B179-379C32D9962E}" srcOrd="0" destOrd="0" presId="urn:microsoft.com/office/officeart/2008/layout/RadialCluster"/>
     <dgm:cxn modelId="{FF4C9AC9-BBA6-4DC0-9DF6-C96A53EE0C3C}" type="presOf" srcId="{ADA94781-E2A9-4BC7-97A0-E71A3BE187D6}" destId="{05FF7D6B-2867-4E27-A224-200F5EEA9200}" srcOrd="0" destOrd="0" presId="urn:microsoft.com/office/officeart/2008/layout/RadialCluster"/>
-    <dgm:cxn modelId="{253755A0-1D21-4BAE-A059-F6CD7663597B}" type="presOf" srcId="{62AB0BCD-76D0-4655-92C0-1110A4D29F68}" destId="{41C0591F-4423-4696-A541-7927A488956C}" srcOrd="0" destOrd="0" presId="urn:microsoft.com/office/officeart/2008/layout/RadialCluster"/>
-    <dgm:cxn modelId="{F5A7D294-64BF-4158-80FE-0284F1E13252}" type="presOf" srcId="{83C7CB07-8B9E-4904-BE34-FB268E24D959}" destId="{23FD41E1-F2C3-4873-8068-45FA95BC5F66}" srcOrd="0" destOrd="0" presId="urn:microsoft.com/office/officeart/2008/layout/RadialCluster"/>
+    <dgm:cxn modelId="{D3F6F4DA-B7AD-4B91-84CE-27196EC9F12F}" srcId="{A285696E-E20F-450F-AD2A-2CA01487710E}" destId="{E6D3F8CA-592A-4B27-A80B-5053490CAD93}" srcOrd="1" destOrd="0" parTransId="{83C7CB07-8B9E-4904-BE34-FB268E24D959}" sibTransId="{82589D44-1193-4FFB-9A46-2BA26AAF7A46}"/>
     <dgm:cxn modelId="{9641BDD3-0E2E-4086-A127-D796EA1E6477}" type="presParOf" srcId="{05FF7D6B-2867-4E27-A224-200F5EEA9200}" destId="{E9965B2F-3801-48D8-9FE8-975EE46F648A}" srcOrd="0" destOrd="0" presId="urn:microsoft.com/office/officeart/2008/layout/RadialCluster"/>
     <dgm:cxn modelId="{5198E0FF-55E7-4FB5-AA27-37CF9F6EE142}" type="presParOf" srcId="{E9965B2F-3801-48D8-9FE8-975EE46F648A}" destId="{65AA7AE3-7BA4-4256-A7E7-6ADD6196B2DE}" srcOrd="0" destOrd="0" presId="urn:microsoft.com/office/officeart/2008/layout/RadialCluster"/>
     <dgm:cxn modelId="{A766DABF-DEB1-476D-A136-D6EBEC8A18E5}" type="presParOf" srcId="{E9965B2F-3801-48D8-9FE8-975EE46F648A}" destId="{29A9ABC8-8B7E-4AF2-B179-379C32D9962E}" srcOrd="1" destOrd="0" presId="urn:microsoft.com/office/officeart/2008/layout/RadialCluster"/>
@@ -2527,7 +2397,7 @@
         </a:bodyPr>
         <a:lstStyle/>
         <a:p>
-          <a:pPr lvl="0" algn="ctr" defTabSz="666750">
+          <a:pPr marL="0" lvl="0" indent="0" algn="ctr" defTabSz="666750">
             <a:lnSpc>
               <a:spcPct val="90000"/>
             </a:lnSpc>
@@ -2537,20 +2407,20 @@
             <a:spcAft>
               <a:spcPct val="35000"/>
             </a:spcAft>
+            <a:buNone/>
           </a:pPr>
           <a:r>
-            <a:rPr lang="de-DE" sz="1500" kern="1200" dirty="0" smtClean="0"/>
+            <a:rPr lang="de-DE" sz="1500" kern="1200" dirty="0"/>
             <a:t>Datenquelle (</a:t>
           </a:r>
           <a:r>
-            <a:rPr lang="de-DE" sz="1500" kern="1200" dirty="0" err="1" smtClean="0"/>
+            <a:rPr lang="de-DE" sz="1500" kern="1200" dirty="0" err="1"/>
             <a:t>ComStudio</a:t>
           </a:r>
           <a:r>
-            <a:rPr lang="de-DE" sz="1500" kern="1200" dirty="0" smtClean="0"/>
+            <a:rPr lang="de-DE" sz="1500" kern="1200" dirty="0"/>
             <a:t>)</a:t>
           </a:r>
-          <a:endParaRPr lang="de-DE" sz="1500" kern="1200" dirty="0"/>
         </a:p>
       </dsp:txBody>
       <dsp:txXfrm>
@@ -2608,7 +2478,7 @@
         </a:bodyPr>
         <a:lstStyle/>
         <a:p>
-          <a:pPr lvl="0" algn="ctr" defTabSz="533400">
+          <a:pPr marL="0" lvl="0" indent="0" algn="ctr" defTabSz="533400">
             <a:lnSpc>
               <a:spcPct val="90000"/>
             </a:lnSpc>
@@ -2618,6 +2488,7 @@
             <a:spcAft>
               <a:spcPct val="35000"/>
             </a:spcAft>
+            <a:buNone/>
           </a:pPr>
           <a:endParaRPr lang="de-DE" sz="1200" kern="1200"/>
         </a:p>
@@ -2680,7 +2551,7 @@
         </a:bodyPr>
         <a:lstStyle/>
         <a:p>
-          <a:pPr lvl="0" algn="ctr" defTabSz="666750">
+          <a:pPr marL="0" lvl="0" indent="0" algn="ctr" defTabSz="666750">
             <a:lnSpc>
               <a:spcPct val="90000"/>
             </a:lnSpc>
@@ -2690,12 +2561,12 @@
             <a:spcAft>
               <a:spcPct val="35000"/>
             </a:spcAft>
+            <a:buNone/>
           </a:pPr>
           <a:r>
-            <a:rPr lang="de-DE" sz="1500" kern="1200" dirty="0" smtClean="0"/>
+            <a:rPr lang="de-DE" sz="1500" kern="1200" dirty="0"/>
             <a:t>Interpretation der Prozessdaten</a:t>
           </a:r>
-          <a:endParaRPr lang="de-DE" sz="1500" kern="1200" dirty="0"/>
         </a:p>
       </dsp:txBody>
       <dsp:txXfrm>
@@ -2753,7 +2624,7 @@
         </a:bodyPr>
         <a:lstStyle/>
         <a:p>
-          <a:pPr lvl="0" algn="ctr" defTabSz="533400">
+          <a:pPr marL="0" lvl="0" indent="0" algn="ctr" defTabSz="533400">
             <a:lnSpc>
               <a:spcPct val="90000"/>
             </a:lnSpc>
@@ -2763,6 +2634,7 @@
             <a:spcAft>
               <a:spcPct val="35000"/>
             </a:spcAft>
+            <a:buNone/>
           </a:pPr>
           <a:endParaRPr lang="de-DE" sz="1200" kern="1200"/>
         </a:p>
@@ -2825,7 +2697,7 @@
         </a:bodyPr>
         <a:lstStyle/>
         <a:p>
-          <a:pPr lvl="0" algn="ctr" defTabSz="666750">
+          <a:pPr marL="0" lvl="0" indent="0" algn="ctr" defTabSz="666750">
             <a:lnSpc>
               <a:spcPct val="90000"/>
             </a:lnSpc>
@@ -2835,12 +2707,12 @@
             <a:spcAft>
               <a:spcPct val="35000"/>
             </a:spcAft>
+            <a:buNone/>
           </a:pPr>
           <a:r>
-            <a:rPr lang="de-DE" sz="1500" kern="1200" dirty="0" smtClean="0"/>
+            <a:rPr lang="de-DE" sz="1500" kern="1200" dirty="0"/>
             <a:t>Verwaltung der Topologie-Modelle</a:t>
           </a:r>
-          <a:endParaRPr lang="de-DE" sz="1500" kern="1200" dirty="0"/>
         </a:p>
       </dsp:txBody>
       <dsp:txXfrm>
@@ -2898,7 +2770,7 @@
         </a:bodyPr>
         <a:lstStyle/>
         <a:p>
-          <a:pPr lvl="0" algn="ctr" defTabSz="533400">
+          <a:pPr marL="0" lvl="0" indent="0" algn="ctr" defTabSz="533400">
             <a:lnSpc>
               <a:spcPct val="90000"/>
             </a:lnSpc>
@@ -2908,6 +2780,7 @@
             <a:spcAft>
               <a:spcPct val="35000"/>
             </a:spcAft>
+            <a:buNone/>
           </a:pPr>
           <a:endParaRPr lang="de-DE" sz="1200" kern="1200"/>
         </a:p>
@@ -2970,7 +2843,7 @@
         </a:bodyPr>
         <a:lstStyle/>
         <a:p>
-          <a:pPr lvl="0" algn="ctr" defTabSz="666750">
+          <a:pPr marL="0" lvl="0" indent="0" algn="ctr" defTabSz="666750">
             <a:lnSpc>
               <a:spcPct val="90000"/>
             </a:lnSpc>
@@ -2980,12 +2853,12 @@
             <a:spcAft>
               <a:spcPct val="35000"/>
             </a:spcAft>
+            <a:buNone/>
           </a:pPr>
           <a:r>
-            <a:rPr lang="de-DE" sz="1500" kern="1200" dirty="0" smtClean="0"/>
+            <a:rPr lang="de-DE" sz="1500" kern="1200" dirty="0"/>
             <a:t>Darstellung als Symbole</a:t>
           </a:r>
-          <a:endParaRPr lang="de-DE" sz="1500" kern="1200" dirty="0"/>
         </a:p>
       </dsp:txBody>
       <dsp:txXfrm>
@@ -3063,7 +2936,7 @@
         </a:bodyPr>
         <a:lstStyle/>
         <a:p>
-          <a:pPr lvl="0" algn="ctr" defTabSz="1022350">
+          <a:pPr marL="0" lvl="0" indent="0" algn="ctr" defTabSz="1022350">
             <a:lnSpc>
               <a:spcPct val="90000"/>
             </a:lnSpc>
@@ -3073,6 +2946,7 @@
             <a:spcAft>
               <a:spcPct val="35000"/>
             </a:spcAft>
+            <a:buNone/>
           </a:pPr>
           <a:r>
             <a:rPr lang="de-DE" sz="2300" kern="1200" dirty="0"/>
@@ -3195,7 +3069,7 @@
         </a:bodyPr>
         <a:lstStyle/>
         <a:p>
-          <a:pPr lvl="0" algn="ctr" defTabSz="1022350">
+          <a:pPr marL="0" lvl="0" indent="0" algn="ctr" defTabSz="1022350">
             <a:lnSpc>
               <a:spcPct val="90000"/>
             </a:lnSpc>
@@ -3205,6 +3079,7 @@
             <a:spcAft>
               <a:spcPct val="35000"/>
             </a:spcAft>
+            <a:buNone/>
           </a:pPr>
           <a:r>
             <a:rPr lang="de-DE" sz="2300" kern="1200" dirty="0"/>
@@ -3327,7 +3202,7 @@
         </a:bodyPr>
         <a:lstStyle/>
         <a:p>
-          <a:pPr lvl="0" algn="ctr" defTabSz="1022350">
+          <a:pPr marL="0" lvl="0" indent="0" algn="ctr" defTabSz="1022350">
             <a:lnSpc>
               <a:spcPct val="90000"/>
             </a:lnSpc>
@@ -3337,6 +3212,7 @@
             <a:spcAft>
               <a:spcPct val="35000"/>
             </a:spcAft>
+            <a:buNone/>
           </a:pPr>
           <a:r>
             <a:rPr lang="de-DE" sz="2300" kern="1200" dirty="0"/>
@@ -3459,7 +3335,7 @@
         </a:bodyPr>
         <a:lstStyle/>
         <a:p>
-          <a:pPr lvl="0" algn="ctr" defTabSz="1022350">
+          <a:pPr marL="0" lvl="0" indent="0" algn="ctr" defTabSz="1022350">
             <a:lnSpc>
               <a:spcPct val="90000"/>
             </a:lnSpc>
@@ -3469,6 +3345,7 @@
             <a:spcAft>
               <a:spcPct val="35000"/>
             </a:spcAft>
+            <a:buNone/>
           </a:pPr>
           <a:r>
             <a:rPr lang="de-DE" sz="2300" kern="1200" dirty="0"/>
@@ -9467,7 +9344,7 @@
             </a:r>
             <a:r>
               <a:rPr lang="de-DE" altLang="de-DE" dirty="0"/>
-              <a:t> bei der Firma Hilscher Ge. Für Systemautomation mbh.</a:t>
+              <a:t> bei der Firma Hilscher Ge. Für Systemautomation mbh.   </a:t>
             </a:r>
           </a:p>
         </p:txBody>
@@ -11726,13 +11603,8 @@
             </a:r>
             <a:r>
               <a:rPr lang="de-DE" dirty="0"/>
-              <a:t>grafischen </a:t>
-            </a:r>
-            <a:r>
-              <a:rPr lang="de-DE" dirty="0" smtClean="0"/>
-              <a:t>Komponente</a:t>
-            </a:r>
-            <a:endParaRPr lang="de-DE" dirty="0"/>
+              <a:t>grafischen Komponente</a:t>
+            </a:r>
           </a:p>
           <a:p>
             <a:pPr marL="171450" indent="-171450">
@@ -13331,7 +13203,7 @@
               <a:t>Gefordert ist </a:t>
             </a:r>
             <a:r>
-              <a:rPr lang="de-DE" sz="1200" b="0" i="0" u="none" strike="noStrike" kern="1200" baseline="0" dirty="0" smtClean="0">
+              <a:rPr lang="de-DE" sz="1200" b="0" i="0" u="none" strike="noStrike" kern="1200" baseline="0" dirty="0">
                 <a:solidFill>
                   <a:schemeClr val="tx1"/>
                 </a:solidFill>
@@ -13342,7 +13214,7 @@
               <a:t>----------- für alle </a:t>
             </a:r>
             <a:r>
-              <a:rPr lang="de-DE" sz="1200" b="1" i="0" u="none" strike="noStrike" kern="1200" baseline="0" dirty="0" smtClean="0">
+              <a:rPr lang="de-DE" sz="1200" b="1" i="0" u="none" strike="noStrike" kern="1200" baseline="0" dirty="0">
                 <a:solidFill>
                   <a:schemeClr val="tx1"/>
                 </a:solidFill>
@@ -13353,7 +13225,7 @@
               <a:t>von Hilscher unterstützten </a:t>
             </a:r>
             <a:r>
-              <a:rPr lang="de-DE" sz="1200" b="0" i="0" u="none" strike="noStrike" kern="1200" baseline="0" dirty="0" smtClean="0">
+              <a:rPr lang="de-DE" sz="1200" b="0" i="0" u="none" strike="noStrike" kern="1200" baseline="0" dirty="0">
                 <a:solidFill>
                   <a:schemeClr val="tx1"/>
                 </a:solidFill>
@@ -13363,6 +13235,8 @@
               </a:rPr>
               <a:t>Protokolle</a:t>
             </a:r>
+          </a:p>
+          <a:p>
             <a:endParaRPr lang="de-DE" sz="1200" b="0" i="0" u="none" strike="noStrike" kern="1200" baseline="0" dirty="0">
               <a:solidFill>
                 <a:schemeClr val="tx1"/>
@@ -13373,16 +13247,6 @@
             </a:endParaRPr>
           </a:p>
           <a:p>
-            <a:endParaRPr lang="de-DE" sz="1200" b="0" i="0" u="none" strike="noStrike" kern="1200" baseline="0" dirty="0">
-              <a:solidFill>
-                <a:schemeClr val="tx1"/>
-              </a:solidFill>
-              <a:latin typeface="+mn-lt"/>
-              <a:ea typeface="+mn-ea"/>
-              <a:cs typeface="+mn-cs"/>
-            </a:endParaRPr>
-          </a:p>
-          <a:p>
             <a:r>
               <a:rPr lang="de-DE" sz="1200" b="1" i="0" u="none" strike="noStrike" kern="1200" baseline="0" dirty="0">
                 <a:solidFill>
@@ -13392,29 +13256,7 @@
                 <a:ea typeface="+mn-ea"/>
                 <a:cs typeface="+mn-cs"/>
               </a:rPr>
-              <a:t>Die Idee dahinter ist </a:t>
-            </a:r>
-            <a:r>
-              <a:rPr lang="de-DE" sz="1200" b="1" i="0" u="none" strike="noStrike" kern="1200" baseline="0" dirty="0" smtClean="0">
-                <a:solidFill>
-                  <a:schemeClr val="tx1"/>
-                </a:solidFill>
-                <a:latin typeface="+mn-lt"/>
-                <a:ea typeface="+mn-ea"/>
-                <a:cs typeface="+mn-cs"/>
-              </a:rPr>
-              <a:t>die </a:t>
-            </a:r>
-            <a:r>
-              <a:rPr lang="de-DE" sz="1200" b="0" i="0" u="none" strike="noStrike" kern="1200" baseline="0" dirty="0" smtClean="0">
-                <a:solidFill>
-                  <a:schemeClr val="tx1"/>
-                </a:solidFill>
-                <a:latin typeface="+mn-lt"/>
-                <a:ea typeface="+mn-ea"/>
-                <a:cs typeface="+mn-cs"/>
-              </a:rPr>
-              <a:t>Darstellung </a:t>
+              <a:t>Die Idee dahinter ist die </a:t>
             </a:r>
             <a:r>
               <a:rPr lang="de-DE" sz="1200" b="0" i="0" u="none" strike="noStrike" kern="1200" baseline="0" dirty="0">
@@ -13425,7 +13267,7 @@
                 <a:ea typeface="+mn-ea"/>
                 <a:cs typeface="+mn-cs"/>
               </a:rPr>
-              <a:t>der Gerätes </a:t>
+              <a:t>Darstellung der Gerätes </a:t>
             </a:r>
             <a:r>
               <a:rPr lang="de-DE" sz="1200" b="1" i="0" u="none" strike="noStrike" kern="1200" baseline="0" dirty="0">
@@ -13469,10 +13311,10 @@
                 <a:ea typeface="+mn-ea"/>
                 <a:cs typeface="+mn-cs"/>
               </a:rPr>
-              <a:t> soll als Linie symbolisiert werden wobei soll </a:t>
-            </a:r>
-            <a:r>
-              <a:rPr lang="de-DE" sz="1200" b="0" i="0" u="none" strike="noStrike" kern="1200" baseline="0" dirty="0" smtClean="0">
+              <a:t> soll als Linie symbolisiert werden wobei soll eine intuitive  Benutzerfreundlichkeit/ </a:t>
+            </a:r>
+            <a:r>
+              <a:rPr lang="de-DE" sz="1200" b="1" i="0" u="none" strike="noStrike" kern="1200" baseline="0" dirty="0">
                 <a:solidFill>
                   <a:schemeClr val="tx1"/>
                 </a:solidFill>
@@ -13480,7 +13322,7 @@
                 <a:ea typeface="+mn-ea"/>
                 <a:cs typeface="+mn-cs"/>
               </a:rPr>
-              <a:t>eine </a:t>
+              <a:t>Übersichtlichkeit</a:t>
             </a:r>
             <a:r>
               <a:rPr lang="de-DE" sz="1200" b="0" i="0" u="none" strike="noStrike" kern="1200" baseline="0" dirty="0">
@@ -13491,51 +13333,7 @@
                 <a:ea typeface="+mn-ea"/>
                 <a:cs typeface="+mn-cs"/>
               </a:rPr>
-              <a:t>intuitive  </a:t>
-            </a:r>
-            <a:r>
-              <a:rPr lang="de-DE" sz="1200" b="0" i="0" u="none" strike="noStrike" kern="1200" baseline="0" dirty="0" smtClean="0">
-                <a:solidFill>
-                  <a:schemeClr val="tx1"/>
-                </a:solidFill>
-                <a:latin typeface="+mn-lt"/>
-                <a:ea typeface="+mn-ea"/>
-                <a:cs typeface="+mn-cs"/>
-              </a:rPr>
-              <a:t>Benutzerfreundlichkeit/ </a:t>
-            </a:r>
-            <a:r>
-              <a:rPr lang="de-DE" sz="1200" b="1" i="0" u="none" strike="noStrike" kern="1200" baseline="0" dirty="0" smtClean="0">
-                <a:solidFill>
-                  <a:schemeClr val="tx1"/>
-                </a:solidFill>
-                <a:latin typeface="+mn-lt"/>
-                <a:ea typeface="+mn-ea"/>
-                <a:cs typeface="+mn-cs"/>
-              </a:rPr>
-              <a:t>Übersichtlichkeit</a:t>
-            </a:r>
-            <a:r>
-              <a:rPr lang="de-DE" sz="1200" b="0" i="0" u="none" strike="noStrike" kern="1200" baseline="0" dirty="0" smtClean="0">
-                <a:solidFill>
-                  <a:schemeClr val="tx1"/>
-                </a:solidFill>
-                <a:latin typeface="+mn-lt"/>
-                <a:ea typeface="+mn-ea"/>
-                <a:cs typeface="+mn-cs"/>
-              </a:rPr>
-              <a:t> </a:t>
-            </a:r>
-            <a:r>
-              <a:rPr lang="de-DE" sz="1200" b="0" i="0" u="none" strike="noStrike" kern="1200" baseline="0" dirty="0">
-                <a:solidFill>
-                  <a:schemeClr val="tx1"/>
-                </a:solidFill>
-                <a:latin typeface="+mn-lt"/>
-                <a:ea typeface="+mn-ea"/>
-                <a:cs typeface="+mn-cs"/>
-              </a:rPr>
-              <a:t>geboten werden.</a:t>
+              <a:t> geboten werden.</a:t>
             </a:r>
           </a:p>
           <a:p>
@@ -13597,31 +13395,7 @@
                 <a:cs typeface="+mn-cs"/>
                 <a:sym typeface="Wingdings" panose="05000000000000000000" pitchFamily="2" charset="2"/>
               </a:rPr>
-              <a:t> die </a:t>
-            </a:r>
-            <a:r>
-              <a:rPr lang="de-DE" sz="1200" b="0" i="0" u="none" strike="noStrike" kern="1200" baseline="0" dirty="0" smtClean="0">
-                <a:solidFill>
-                  <a:schemeClr val="tx1"/>
-                </a:solidFill>
-                <a:latin typeface="+mn-lt"/>
-                <a:ea typeface="+mn-ea"/>
-                <a:cs typeface="+mn-cs"/>
-                <a:sym typeface="Wingdings" panose="05000000000000000000" pitchFamily="2" charset="2"/>
-              </a:rPr>
-              <a:t>Verbindung </a:t>
-            </a:r>
-            <a:r>
-              <a:rPr lang="de-DE" sz="1200" b="0" i="0" u="none" strike="noStrike" kern="1200" baseline="0" dirty="0">
-                <a:solidFill>
-                  <a:schemeClr val="tx1"/>
-                </a:solidFill>
-                <a:latin typeface="+mn-lt"/>
-                <a:ea typeface="+mn-ea"/>
-                <a:cs typeface="+mn-cs"/>
-                <a:sym typeface="Wingdings" panose="05000000000000000000" pitchFamily="2" charset="2"/>
-              </a:rPr>
-              <a:t>mit andere Farbe darstellen.</a:t>
+              <a:t> die Verbindung mit andere Farbe darstellen.</a:t>
             </a:r>
             <a:endParaRPr lang="de-DE" sz="1200" b="0" i="0" u="none" strike="noStrike" kern="1200" baseline="0" dirty="0">
               <a:solidFill>
@@ -13835,15 +13609,7 @@
             </a:r>
             <a:r>
               <a:rPr lang="de-DE" baseline="0" dirty="0"/>
-              <a:t> wird hauptsätzlich über  die verschiedenen </a:t>
-            </a:r>
-            <a:r>
-              <a:rPr lang="de-DE" baseline="0" dirty="0" smtClean="0"/>
-              <a:t>Topologie-Muster angesprochen, </a:t>
-            </a:r>
-            <a:r>
-              <a:rPr lang="de-DE" baseline="0" dirty="0"/>
-              <a:t>die industrielle Netzwerk zu finden sind.</a:t>
+              <a:t> wird hauptsätzlich über  die verschiedenen Topologie-Muster angesprochen, die industrielle Netzwerk zu finden sind.</a:t>
             </a:r>
             <a:endParaRPr lang="de-DE" dirty="0"/>
           </a:p>
@@ -14198,18 +13964,7 @@
                 <a:ea typeface="+mn-ea"/>
                 <a:cs typeface="+mn-cs"/>
               </a:rPr>
-              <a:t> ist die Infrastrukturgerät bei der Kommunikation, die mindestens 2 Protokollen unterstützt</a:t>
-            </a:r>
-            <a:r>
-              <a:rPr lang="de-DE" sz="1200" b="0" i="0" u="none" strike="noStrike" kern="1200" baseline="0" dirty="0" smtClean="0">
-                <a:solidFill>
-                  <a:schemeClr val="tx1"/>
-                </a:solidFill>
-                <a:latin typeface="+mn-lt"/>
-                <a:ea typeface="+mn-ea"/>
-                <a:cs typeface="+mn-cs"/>
-              </a:rPr>
-              <a:t>.</a:t>
+              <a:t> ist die Infrastrukturgerät bei der Kommunikation, die mindestens 2 Protokollen unterstützt.</a:t>
             </a:r>
           </a:p>
           <a:p>
@@ -14217,7 +13972,7 @@
               <a:buAutoNum type="arabicParenR"/>
             </a:pPr>
             <a:r>
-              <a:rPr lang="de-DE" sz="1200" b="0" i="0" u="none" strike="noStrike" kern="1200" baseline="0" dirty="0" smtClean="0">
+              <a:rPr lang="de-DE" sz="1200" b="0" i="0" u="none" strike="noStrike" kern="1200" baseline="0" dirty="0">
                 <a:solidFill>
                   <a:schemeClr val="tx1"/>
                 </a:solidFill>
@@ -14228,7 +13983,7 @@
               <a:t>PLC-&gt; speicherprogrammierbare </a:t>
             </a:r>
             <a:r>
-              <a:rPr lang="de-DE" sz="1200" b="0" i="0" u="none" strike="noStrike" kern="1200" baseline="0" dirty="0" err="1" smtClean="0">
+              <a:rPr lang="de-DE" sz="1200" b="0" i="0" u="none" strike="noStrike" kern="1200" baseline="0" dirty="0" err="1">
                 <a:solidFill>
                   <a:schemeClr val="tx1"/>
                 </a:solidFill>
@@ -14239,7 +13994,7 @@
               <a:t>steuerung</a:t>
             </a:r>
             <a:r>
-              <a:rPr lang="de-DE" sz="1200" b="0" i="0" u="none" strike="noStrike" kern="1200" baseline="0" dirty="0" smtClean="0">
+              <a:rPr lang="de-DE" sz="1200" b="0" i="0" u="none" strike="noStrike" kern="1200" baseline="0" dirty="0">
                 <a:solidFill>
                   <a:schemeClr val="tx1"/>
                 </a:solidFill>
@@ -14250,7 +14005,7 @@
               <a:t>( </a:t>
             </a:r>
             <a:r>
-              <a:rPr lang="de-DE" sz="1200" b="0" i="0" u="none" strike="noStrike" kern="1200" baseline="0" dirty="0" err="1" smtClean="0">
+              <a:rPr lang="de-DE" sz="1200" b="0" i="0" u="none" strike="noStrike" kern="1200" baseline="0" dirty="0" err="1">
                 <a:solidFill>
                   <a:schemeClr val="tx1"/>
                 </a:solidFill>
@@ -14261,7 +14016,7 @@
               <a:t>Programmable</a:t>
             </a:r>
             <a:r>
-              <a:rPr lang="de-DE" sz="1200" b="0" i="0" u="none" strike="noStrike" kern="1200" baseline="0" dirty="0" smtClean="0">
+              <a:rPr lang="de-DE" sz="1200" b="0" i="0" u="none" strike="noStrike" kern="1200" baseline="0" dirty="0">
                 <a:solidFill>
                   <a:schemeClr val="tx1"/>
                 </a:solidFill>
@@ -14272,7 +14027,7 @@
               <a:t> </a:t>
             </a:r>
             <a:r>
-              <a:rPr lang="de-DE" sz="1200" b="0" i="0" u="none" strike="noStrike" kern="1200" baseline="0" dirty="0" err="1" smtClean="0">
+              <a:rPr lang="de-DE" sz="1200" b="0" i="0" u="none" strike="noStrike" kern="1200" baseline="0" dirty="0" err="1">
                 <a:solidFill>
                   <a:schemeClr val="tx1"/>
                 </a:solidFill>
@@ -14283,7 +14038,7 @@
               <a:t>Logic</a:t>
             </a:r>
             <a:r>
-              <a:rPr lang="de-DE" sz="1200" b="0" i="0" u="none" strike="noStrike" kern="1200" baseline="0" smtClean="0">
+              <a:rPr lang="de-DE" sz="1200" b="0" i="0" u="none" strike="noStrike" kern="1200" baseline="0">
                 <a:solidFill>
                   <a:schemeClr val="tx1"/>
                 </a:solidFill>
@@ -19156,13 +18911,6 @@
   <p:clrMapOvr>
     <a:masterClrMapping/>
   </p:clrMapOvr>
-  <p:timing>
-    <p:tnLst>
-      <p:par>
-        <p:cTn id="1" dur="indefinite" restart="never" nodeType="tmRoot"/>
-      </p:par>
-    </p:tnLst>
-  </p:timing>
 </p:sld>
 </file>
 
@@ -27804,7 +27552,10 @@
           <a:lstStyle/>
           <a:p>
             <a:pPr algn="ctr"/>
-            <a:endParaRPr lang="de-DE"/>
+            <a:r>
+              <a:rPr lang="de-DE" dirty="0"/>
+              <a:t>Plugin</a:t>
+            </a:r>
           </a:p>
         </p:txBody>
       </p:sp>
@@ -28524,13 +28275,13 @@
           <a:lstStyle/>
           <a:p>
             <a:r>
-              <a:rPr lang="de-DE" sz="1200" dirty="0" smtClean="0"/>
+              <a:rPr lang="de-DE" sz="1200" dirty="0"/>
               <a:t>Erstellt Modelle</a:t>
             </a:r>
           </a:p>
           <a:p>
             <a:r>
-              <a:rPr lang="de-DE" sz="1200" dirty="0" smtClean="0"/>
+              <a:rPr lang="de-DE" sz="1200" dirty="0"/>
               <a:t>Beschreibt die Routine</a:t>
             </a:r>
             <a:endParaRPr lang="en-US" sz="1200" dirty="0"/>
@@ -28560,13 +28311,13 @@
           <a:lstStyle/>
           <a:p>
             <a:r>
-              <a:rPr lang="de-DE" sz="1200" dirty="0" smtClean="0"/>
+              <a:rPr lang="de-DE" sz="1200" dirty="0"/>
               <a:t>Manipuliert Daten</a:t>
             </a:r>
           </a:p>
           <a:p>
             <a:r>
-              <a:rPr lang="de-DE" sz="1200" dirty="0" smtClean="0"/>
+              <a:rPr lang="de-DE" sz="1200" dirty="0"/>
               <a:t>Meldet Fehler</a:t>
             </a:r>
             <a:endParaRPr lang="en-US" sz="1200" dirty="0"/>
@@ -28596,7 +28347,7 @@
           <a:lstStyle/>
           <a:p>
             <a:r>
-              <a:rPr lang="de-DE" sz="1200" dirty="0" smtClean="0"/>
+              <a:rPr lang="de-DE" sz="1200" dirty="0"/>
               <a:t>Interagiert mit dem Benutzer </a:t>
             </a:r>
             <a:endParaRPr lang="en-US" sz="1200" dirty="0"/>
@@ -28626,10 +28377,96 @@
           <a:lstStyle/>
           <a:p>
             <a:r>
-              <a:rPr lang="de-DE" sz="1200" dirty="0" smtClean="0"/>
+              <a:rPr lang="de-DE" sz="1200" dirty="0"/>
               <a:t>Stellt die Daten bereit</a:t>
             </a:r>
             <a:endParaRPr lang="en-US" sz="1200" dirty="0"/>
+          </a:p>
+        </p:txBody>
+      </p:sp>
+      <p:sp>
+        <p:nvSpPr>
+          <p:cNvPr id="8" name="Geschweifte Klammer links 7">
+            <a:extLst>
+              <a:ext uri="{FF2B5EF4-FFF2-40B4-BE49-F238E27FC236}">
+                <a16:creationId xmlns:a16="http://schemas.microsoft.com/office/drawing/2014/main" id="{7E409053-07B4-4B35-907F-69E6EB81DEA3}"/>
+              </a:ext>
+            </a:extLst>
+          </p:cNvPr>
+          <p:cNvSpPr/>
+          <p:nvPr/>
+        </p:nvSpPr>
+        <p:spPr>
+          <a:xfrm rot="16200000">
+            <a:off x="4594823" y="2599432"/>
+            <a:ext cx="780042" cy="3206764"/>
+          </a:xfrm>
+          <a:prstGeom prst="leftBrace">
+            <a:avLst>
+              <a:gd name="adj1" fmla="val 8333"/>
+              <a:gd name="adj2" fmla="val 52196"/>
+            </a:avLst>
+          </a:prstGeom>
+        </p:spPr>
+        <p:style>
+          <a:lnRef idx="1">
+            <a:schemeClr val="accent1"/>
+          </a:lnRef>
+          <a:fillRef idx="0">
+            <a:schemeClr val="accent1"/>
+          </a:fillRef>
+          <a:effectRef idx="0">
+            <a:schemeClr val="accent1"/>
+          </a:effectRef>
+          <a:fontRef idx="minor">
+            <a:schemeClr val="tx1"/>
+          </a:fontRef>
+        </p:style>
+        <p:txBody>
+          <a:bodyPr rtlCol="0" anchor="ctr"/>
+          <a:lstStyle/>
+          <a:p>
+            <a:pPr algn="ctr"/>
+            <a:endParaRPr lang="de-DE"/>
+          </a:p>
+        </p:txBody>
+      </p:sp>
+      <p:sp>
+        <p:nvSpPr>
+          <p:cNvPr id="15" name="Textfeld 14">
+            <a:extLst>
+              <a:ext uri="{FF2B5EF4-FFF2-40B4-BE49-F238E27FC236}">
+                <a16:creationId xmlns:a16="http://schemas.microsoft.com/office/drawing/2014/main" id="{10A8374D-3081-43D7-B2E2-81CE8243275B}"/>
+              </a:ext>
+            </a:extLst>
+          </p:cNvPr>
+          <p:cNvSpPr txBox="1"/>
+          <p:nvPr/>
+        </p:nvSpPr>
+        <p:spPr>
+          <a:xfrm>
+            <a:off x="3693021" y="4736703"/>
+            <a:ext cx="2784783" cy="369332"/>
+          </a:xfrm>
+          <a:prstGeom prst="rect">
+            <a:avLst/>
+          </a:prstGeom>
+          <a:noFill/>
+        </p:spPr>
+        <p:txBody>
+          <a:bodyPr wrap="square" rtlCol="0">
+            <a:spAutoFit/>
+          </a:bodyPr>
+          <a:lstStyle/>
+          <a:p>
+            <a:r>
+              <a:rPr lang="de-DE" b="1" dirty="0" err="1"/>
+              <a:t>Topology</a:t>
+            </a:r>
+            <a:r>
+              <a:rPr lang="de-DE" b="1" dirty="0"/>
+              <a:t>-Editor-Server</a:t>
+            </a:r>
           </a:p>
         </p:txBody>
       </p:sp>
@@ -32892,17 +32729,6 @@
             </a:pPr>
             <a:r>
               <a:rPr lang="de-DE" dirty="0"/>
-              <a:t>Unterstützung der Echtzeitverhalten</a:t>
-            </a:r>
-          </a:p>
-          <a:p>
-            <a:pPr>
-              <a:lnSpc>
-                <a:spcPct val="200000"/>
-              </a:lnSpc>
-            </a:pPr>
-            <a:r>
-              <a:rPr lang="de-DE" dirty="0"/>
               <a:t>Hohe Übertragungssicherheit gewährleisten </a:t>
             </a:r>
           </a:p>
@@ -33059,6 +32885,183 @@
   <p:clrMapOvr>
     <a:masterClrMapping/>
   </p:clrMapOvr>
+  <p:timing>
+    <p:tnLst>
+      <p:par>
+        <p:cTn id="1" dur="indefinite" restart="never" nodeType="tmRoot">
+          <p:childTnLst>
+            <p:seq concurrent="1" nextAc="seek">
+              <p:cTn id="2" dur="indefinite" nodeType="mainSeq">
+                <p:childTnLst>
+                  <p:par>
+                    <p:cTn id="3" fill="hold">
+                      <p:stCondLst>
+                        <p:cond delay="indefinite"/>
+                      </p:stCondLst>
+                      <p:childTnLst>
+                        <p:par>
+                          <p:cTn id="4" fill="hold">
+                            <p:stCondLst>
+                              <p:cond delay="0"/>
+                            </p:stCondLst>
+                            <p:childTnLst>
+                              <p:par>
+                                <p:cTn id="5" presetID="1" presetClass="entr" presetSubtype="0" fill="hold" nodeType="clickEffect">
+                                  <p:stCondLst>
+                                    <p:cond delay="0"/>
+                                  </p:stCondLst>
+                                  <p:childTnLst>
+                                    <p:set>
+                                      <p:cBhvr>
+                                        <p:cTn id="6" dur="1" fill="hold">
+                                          <p:stCondLst>
+                                            <p:cond delay="0"/>
+                                          </p:stCondLst>
+                                        </p:cTn>
+                                        <p:tgtEl>
+                                          <p:spTgt spid="2">
+                                            <p:txEl>
+                                              <p:pRg st="1" end="1"/>
+                                            </p:txEl>
+                                          </p:spTgt>
+                                        </p:tgtEl>
+                                        <p:attrNameLst>
+                                          <p:attrName>style.visibility</p:attrName>
+                                        </p:attrNameLst>
+                                      </p:cBhvr>
+                                      <p:to>
+                                        <p:strVal val="visible"/>
+                                      </p:to>
+                                    </p:set>
+                                  </p:childTnLst>
+                                </p:cTn>
+                              </p:par>
+                            </p:childTnLst>
+                          </p:cTn>
+                        </p:par>
+                      </p:childTnLst>
+                    </p:cTn>
+                  </p:par>
+                  <p:par>
+                    <p:cTn id="7" fill="hold">
+                      <p:stCondLst>
+                        <p:cond delay="indefinite"/>
+                      </p:stCondLst>
+                      <p:childTnLst>
+                        <p:par>
+                          <p:cTn id="8" fill="hold">
+                            <p:stCondLst>
+                              <p:cond delay="0"/>
+                            </p:stCondLst>
+                            <p:childTnLst>
+                              <p:par>
+                                <p:cTn id="9" presetID="1" presetClass="entr" presetSubtype="0" fill="hold" nodeType="clickEffect">
+                                  <p:stCondLst>
+                                    <p:cond delay="0"/>
+                                  </p:stCondLst>
+                                  <p:childTnLst>
+                                    <p:set>
+                                      <p:cBhvr>
+                                        <p:cTn id="10" dur="1" fill="hold">
+                                          <p:stCondLst>
+                                            <p:cond delay="0"/>
+                                          </p:stCondLst>
+                                        </p:cTn>
+                                        <p:tgtEl>
+                                          <p:spTgt spid="2">
+                                            <p:txEl>
+                                              <p:pRg st="2" end="2"/>
+                                            </p:txEl>
+                                          </p:spTgt>
+                                        </p:tgtEl>
+                                        <p:attrNameLst>
+                                          <p:attrName>style.visibility</p:attrName>
+                                        </p:attrNameLst>
+                                      </p:cBhvr>
+                                      <p:to>
+                                        <p:strVal val="visible"/>
+                                      </p:to>
+                                    </p:set>
+                                  </p:childTnLst>
+                                </p:cTn>
+                              </p:par>
+                            </p:childTnLst>
+                          </p:cTn>
+                        </p:par>
+                      </p:childTnLst>
+                    </p:cTn>
+                  </p:par>
+                  <p:par>
+                    <p:cTn id="11" fill="hold">
+                      <p:stCondLst>
+                        <p:cond delay="indefinite"/>
+                      </p:stCondLst>
+                      <p:childTnLst>
+                        <p:par>
+                          <p:cTn id="12" fill="hold">
+                            <p:stCondLst>
+                              <p:cond delay="0"/>
+                            </p:stCondLst>
+                            <p:childTnLst>
+                              <p:par>
+                                <p:cTn id="13" presetID="1" presetClass="entr" presetSubtype="0" fill="hold" nodeType="clickEffect">
+                                  <p:stCondLst>
+                                    <p:cond delay="0"/>
+                                  </p:stCondLst>
+                                  <p:childTnLst>
+                                    <p:set>
+                                      <p:cBhvr>
+                                        <p:cTn id="14" dur="1" fill="hold">
+                                          <p:stCondLst>
+                                            <p:cond delay="0"/>
+                                          </p:stCondLst>
+                                        </p:cTn>
+                                        <p:tgtEl>
+                                          <p:spTgt spid="2">
+                                            <p:txEl>
+                                              <p:pRg st="3" end="3"/>
+                                            </p:txEl>
+                                          </p:spTgt>
+                                        </p:tgtEl>
+                                        <p:attrNameLst>
+                                          <p:attrName>style.visibility</p:attrName>
+                                        </p:attrNameLst>
+                                      </p:cBhvr>
+                                      <p:to>
+                                        <p:strVal val="visible"/>
+                                      </p:to>
+                                    </p:set>
+                                  </p:childTnLst>
+                                </p:cTn>
+                              </p:par>
+                            </p:childTnLst>
+                          </p:cTn>
+                        </p:par>
+                      </p:childTnLst>
+                    </p:cTn>
+                  </p:par>
+                </p:childTnLst>
+              </p:cTn>
+              <p:prevCondLst>
+                <p:cond evt="onPrev" delay="0">
+                  <p:tgtEl>
+                    <p:sldTgt/>
+                  </p:tgtEl>
+                </p:cond>
+              </p:prevCondLst>
+              <p:nextCondLst>
+                <p:cond evt="onNext" delay="0">
+                  <p:tgtEl>
+                    <p:sldTgt/>
+                  </p:tgtEl>
+                </p:cond>
+              </p:nextCondLst>
+            </p:seq>
+          </p:childTnLst>
+        </p:cTn>
+      </p:par>
+    </p:tnLst>
+  </p:timing>
 </p:sld>
 </file>
 
@@ -33358,13 +33361,6 @@
   <p:clrMapOvr>
     <a:masterClrMapping/>
   </p:clrMapOvr>
-  <p:timing>
-    <p:tnLst>
-      <p:par>
-        <p:cTn id="1" dur="indefinite" restart="never" nodeType="tmRoot"/>
-      </p:par>
-    </p:tnLst>
-  </p:timing>
 </p:sld>
 </file>
 
@@ -36878,13 +36874,6 @@
   <p:clrMapOvr>
     <a:masterClrMapping/>
   </p:clrMapOvr>
-  <p:timing>
-    <p:tnLst>
-      <p:par>
-        <p:cTn id="1" dur="indefinite" restart="never" nodeType="tmRoot"/>
-      </p:par>
-    </p:tnLst>
-  </p:timing>
 </p:sld>
 </file>
 

--- a/Master-Abschluss.pptx
+++ b/Master-Abschluss.pptx
@@ -1886,14 +1886,35 @@
         </dgm:presLayoutVars>
       </dgm:prSet>
       <dgm:spPr/>
+      <dgm:t>
+        <a:bodyPr/>
+        <a:lstStyle/>
+        <a:p>
+          <a:endParaRPr lang="de-DE"/>
+        </a:p>
+      </dgm:t>
     </dgm:pt>
     <dgm:pt modelId="{F34C26C3-38A6-4E2C-BDC9-F81E56C73BF9}" type="pres">
       <dgm:prSet presAssocID="{14801751-6B8B-44D7-B062-1D67C7B70527}" presName="sibTrans" presStyleLbl="sibTrans2D1" presStyleIdx="0" presStyleCnt="3"/>
       <dgm:spPr/>
+      <dgm:t>
+        <a:bodyPr/>
+        <a:lstStyle/>
+        <a:p>
+          <a:endParaRPr lang="de-DE"/>
+        </a:p>
+      </dgm:t>
     </dgm:pt>
     <dgm:pt modelId="{89458D4A-E73E-495E-BD38-B18FC0234614}" type="pres">
       <dgm:prSet presAssocID="{14801751-6B8B-44D7-B062-1D67C7B70527}" presName="connectorText" presStyleLbl="sibTrans2D1" presStyleIdx="0" presStyleCnt="3"/>
       <dgm:spPr/>
+      <dgm:t>
+        <a:bodyPr/>
+        <a:lstStyle/>
+        <a:p>
+          <a:endParaRPr lang="de-DE"/>
+        </a:p>
+      </dgm:t>
     </dgm:pt>
     <dgm:pt modelId="{A24DC3C0-6532-4A6F-9C89-F9439AC46956}" type="pres">
       <dgm:prSet presAssocID="{0D6CCC11-C907-4C23-91BB-B2CE08FA2488}" presName="node" presStyleLbl="node1" presStyleIdx="1" presStyleCnt="4">
@@ -1902,14 +1923,35 @@
         </dgm:presLayoutVars>
       </dgm:prSet>
       <dgm:spPr/>
+      <dgm:t>
+        <a:bodyPr/>
+        <a:lstStyle/>
+        <a:p>
+          <a:endParaRPr lang="de-DE"/>
+        </a:p>
+      </dgm:t>
     </dgm:pt>
     <dgm:pt modelId="{EF889798-8597-4D84-90C4-6873E1039B4B}" type="pres">
       <dgm:prSet presAssocID="{B56E939D-7283-4D8B-850B-35552406D736}" presName="sibTrans" presStyleLbl="sibTrans2D1" presStyleIdx="1" presStyleCnt="3"/>
       <dgm:spPr/>
+      <dgm:t>
+        <a:bodyPr/>
+        <a:lstStyle/>
+        <a:p>
+          <a:endParaRPr lang="de-DE"/>
+        </a:p>
+      </dgm:t>
     </dgm:pt>
     <dgm:pt modelId="{99C4936C-7B77-44A5-8EA9-40D4D5754DD3}" type="pres">
       <dgm:prSet presAssocID="{B56E939D-7283-4D8B-850B-35552406D736}" presName="connectorText" presStyleLbl="sibTrans2D1" presStyleIdx="1" presStyleCnt="3"/>
       <dgm:spPr/>
+      <dgm:t>
+        <a:bodyPr/>
+        <a:lstStyle/>
+        <a:p>
+          <a:endParaRPr lang="de-DE"/>
+        </a:p>
+      </dgm:t>
     </dgm:pt>
     <dgm:pt modelId="{A7948612-D97B-4EE7-9E8A-EDCB03CC6483}" type="pres">
       <dgm:prSet presAssocID="{B2C0466A-CC2A-4D62-BCA2-6B6AF28574A7}" presName="node" presStyleLbl="node1" presStyleIdx="2" presStyleCnt="4">
@@ -1918,14 +1960,35 @@
         </dgm:presLayoutVars>
       </dgm:prSet>
       <dgm:spPr/>
+      <dgm:t>
+        <a:bodyPr/>
+        <a:lstStyle/>
+        <a:p>
+          <a:endParaRPr lang="de-DE"/>
+        </a:p>
+      </dgm:t>
     </dgm:pt>
     <dgm:pt modelId="{5AEBE292-B333-4135-B55F-27BB61C159E9}" type="pres">
       <dgm:prSet presAssocID="{9FB5ADF5-9F41-4EAA-B0F6-2E9F547E0C67}" presName="sibTrans" presStyleLbl="sibTrans2D1" presStyleIdx="2" presStyleCnt="3"/>
       <dgm:spPr/>
+      <dgm:t>
+        <a:bodyPr/>
+        <a:lstStyle/>
+        <a:p>
+          <a:endParaRPr lang="de-DE"/>
+        </a:p>
+      </dgm:t>
     </dgm:pt>
     <dgm:pt modelId="{E54D4DF6-6A82-426B-B4C3-6EC7B2FE72BB}" type="pres">
       <dgm:prSet presAssocID="{9FB5ADF5-9F41-4EAA-B0F6-2E9F547E0C67}" presName="connectorText" presStyleLbl="sibTrans2D1" presStyleIdx="2" presStyleCnt="3"/>
       <dgm:spPr/>
+      <dgm:t>
+        <a:bodyPr/>
+        <a:lstStyle/>
+        <a:p>
+          <a:endParaRPr lang="de-DE"/>
+        </a:p>
+      </dgm:t>
     </dgm:pt>
     <dgm:pt modelId="{A61A0EF9-F4B8-462F-AFF7-4FF54C4C16E0}" type="pres">
       <dgm:prSet presAssocID="{F32B539E-7CB7-47EA-AA25-3A8BF62A9EBA}" presName="node" presStyleLbl="node1" presStyleIdx="3" presStyleCnt="4">
@@ -1934,24 +1997,31 @@
         </dgm:presLayoutVars>
       </dgm:prSet>
       <dgm:spPr/>
+      <dgm:t>
+        <a:bodyPr/>
+        <a:lstStyle/>
+        <a:p>
+          <a:endParaRPr lang="de-DE"/>
+        </a:p>
+      </dgm:t>
     </dgm:pt>
   </dgm:ptLst>
   <dgm:cxnLst>
+    <dgm:cxn modelId="{949C8993-A9CE-43B3-9556-F2D7A972D589}" srcId="{1864B26B-9B9B-4C2B-BB0E-450F20C8B1E1}" destId="{B2C0466A-CC2A-4D62-BCA2-6B6AF28574A7}" srcOrd="2" destOrd="0" parTransId="{1517F4AE-D6B8-430D-89C3-D2E6F293A659}" sibTransId="{9FB5ADF5-9F41-4EAA-B0F6-2E9F547E0C67}"/>
+    <dgm:cxn modelId="{783D3A67-BC42-41E8-9A28-C9EB25CEC00B}" type="presOf" srcId="{9FB5ADF5-9F41-4EAA-B0F6-2E9F547E0C67}" destId="{E54D4DF6-6A82-426B-B4C3-6EC7B2FE72BB}" srcOrd="1" destOrd="0" presId="urn:microsoft.com/office/officeart/2005/8/layout/process1"/>
+    <dgm:cxn modelId="{A413C3D2-845D-4600-ACC8-9F43FAFF7A3B}" type="presOf" srcId="{9FB5ADF5-9F41-4EAA-B0F6-2E9F547E0C67}" destId="{5AEBE292-B333-4135-B55F-27BB61C159E9}" srcOrd="0" destOrd="0" presId="urn:microsoft.com/office/officeart/2005/8/layout/process1"/>
+    <dgm:cxn modelId="{7A20582B-869D-412E-94DF-C03820E5BB79}" type="presOf" srcId="{F32B539E-7CB7-47EA-AA25-3A8BF62A9EBA}" destId="{A61A0EF9-F4B8-462F-AFF7-4FF54C4C16E0}" srcOrd="0" destOrd="0" presId="urn:microsoft.com/office/officeart/2005/8/layout/process1"/>
+    <dgm:cxn modelId="{FC7881D8-661F-4D11-904E-3DEF0802E24C}" type="presOf" srcId="{1864B26B-9B9B-4C2B-BB0E-450F20C8B1E1}" destId="{1419B37D-A21C-43A8-9623-5D172DA7D54C}" srcOrd="0" destOrd="0" presId="urn:microsoft.com/office/officeart/2005/8/layout/process1"/>
+    <dgm:cxn modelId="{306B68DE-ED30-420D-AB98-036DA26BFA69}" type="presOf" srcId="{0D6CCC11-C907-4C23-91BB-B2CE08FA2488}" destId="{A24DC3C0-6532-4A6F-9C89-F9439AC46956}" srcOrd="0" destOrd="0" presId="urn:microsoft.com/office/officeart/2005/8/layout/process1"/>
     <dgm:cxn modelId="{BE5FCA0B-1F42-4C89-B01E-6472B0CEF1BF}" type="presOf" srcId="{14801751-6B8B-44D7-B062-1D67C7B70527}" destId="{F34C26C3-38A6-4E2C-BDC9-F81E56C73BF9}" srcOrd="0" destOrd="0" presId="urn:microsoft.com/office/officeart/2005/8/layout/process1"/>
-    <dgm:cxn modelId="{7A20582B-869D-412E-94DF-C03820E5BB79}" type="presOf" srcId="{F32B539E-7CB7-47EA-AA25-3A8BF62A9EBA}" destId="{A61A0EF9-F4B8-462F-AFF7-4FF54C4C16E0}" srcOrd="0" destOrd="0" presId="urn:microsoft.com/office/officeart/2005/8/layout/process1"/>
+    <dgm:cxn modelId="{DD9E96AC-9D16-4CC8-86AA-321DB90FC945}" type="presOf" srcId="{B2C0466A-CC2A-4D62-BCA2-6B6AF28574A7}" destId="{A7948612-D97B-4EE7-9E8A-EDCB03CC6483}" srcOrd="0" destOrd="0" presId="urn:microsoft.com/office/officeart/2005/8/layout/process1"/>
+    <dgm:cxn modelId="{705A3E82-38F1-4BE2-909D-46D13F593CEC}" srcId="{1864B26B-9B9B-4C2B-BB0E-450F20C8B1E1}" destId="{F32B539E-7CB7-47EA-AA25-3A8BF62A9EBA}" srcOrd="3" destOrd="0" parTransId="{96E61D9D-B764-4523-8C6F-FDDF8F882A2E}" sibTransId="{8D66F2C6-3299-435A-BF85-F1F0CC77D727}"/>
+    <dgm:cxn modelId="{4DCC537E-87FD-4F61-8F32-2B11667E3E8D}" type="presOf" srcId="{B56E939D-7283-4D8B-850B-35552406D736}" destId="{99C4936C-7B77-44A5-8EA9-40D4D5754DD3}" srcOrd="1" destOrd="0" presId="urn:microsoft.com/office/officeart/2005/8/layout/process1"/>
     <dgm:cxn modelId="{A5F7ED3F-BE16-46B9-90B3-0C0A9BDB5FC1}" srcId="{1864B26B-9B9B-4C2B-BB0E-450F20C8B1E1}" destId="{0D6CCC11-C907-4C23-91BB-B2CE08FA2488}" srcOrd="1" destOrd="0" parTransId="{0654C0EB-0842-4B37-9E7C-F9F50CA22764}" sibTransId="{B56E939D-7283-4D8B-850B-35552406D736}"/>
     <dgm:cxn modelId="{E4278E5D-EF65-41CD-BF54-FE7E50BFDB7A}" type="presOf" srcId="{C057CD47-70E7-4B5A-8011-95A570F8615F}" destId="{8179A08A-22AB-49B5-AFED-235DA994F5D0}" srcOrd="0" destOrd="0" presId="urn:microsoft.com/office/officeart/2005/8/layout/process1"/>
-    <dgm:cxn modelId="{783D3A67-BC42-41E8-9A28-C9EB25CEC00B}" type="presOf" srcId="{9FB5ADF5-9F41-4EAA-B0F6-2E9F547E0C67}" destId="{E54D4DF6-6A82-426B-B4C3-6EC7B2FE72BB}" srcOrd="1" destOrd="0" presId="urn:microsoft.com/office/officeart/2005/8/layout/process1"/>
-    <dgm:cxn modelId="{4DCC537E-87FD-4F61-8F32-2B11667E3E8D}" type="presOf" srcId="{B56E939D-7283-4D8B-850B-35552406D736}" destId="{99C4936C-7B77-44A5-8EA9-40D4D5754DD3}" srcOrd="1" destOrd="0" presId="urn:microsoft.com/office/officeart/2005/8/layout/process1"/>
-    <dgm:cxn modelId="{705A3E82-38F1-4BE2-909D-46D13F593CEC}" srcId="{1864B26B-9B9B-4C2B-BB0E-450F20C8B1E1}" destId="{F32B539E-7CB7-47EA-AA25-3A8BF62A9EBA}" srcOrd="3" destOrd="0" parTransId="{96E61D9D-B764-4523-8C6F-FDDF8F882A2E}" sibTransId="{8D66F2C6-3299-435A-BF85-F1F0CC77D727}"/>
-    <dgm:cxn modelId="{949C8993-A9CE-43B3-9556-F2D7A972D589}" srcId="{1864B26B-9B9B-4C2B-BB0E-450F20C8B1E1}" destId="{B2C0466A-CC2A-4D62-BCA2-6B6AF28574A7}" srcOrd="2" destOrd="0" parTransId="{1517F4AE-D6B8-430D-89C3-D2E6F293A659}" sibTransId="{9FB5ADF5-9F41-4EAA-B0F6-2E9F547E0C67}"/>
-    <dgm:cxn modelId="{DD9E96AC-9D16-4CC8-86AA-321DB90FC945}" type="presOf" srcId="{B2C0466A-CC2A-4D62-BCA2-6B6AF28574A7}" destId="{A7948612-D97B-4EE7-9E8A-EDCB03CC6483}" srcOrd="0" destOrd="0" presId="urn:microsoft.com/office/officeart/2005/8/layout/process1"/>
     <dgm:cxn modelId="{F0C75FBB-0662-4890-A4EB-A449B5CDC486}" type="presOf" srcId="{B56E939D-7283-4D8B-850B-35552406D736}" destId="{EF889798-8597-4D84-90C4-6873E1039B4B}" srcOrd="0" destOrd="0" presId="urn:microsoft.com/office/officeart/2005/8/layout/process1"/>
-    <dgm:cxn modelId="{A413C3D2-845D-4600-ACC8-9F43FAFF7A3B}" type="presOf" srcId="{9FB5ADF5-9F41-4EAA-B0F6-2E9F547E0C67}" destId="{5AEBE292-B333-4135-B55F-27BB61C159E9}" srcOrd="0" destOrd="0" presId="urn:microsoft.com/office/officeart/2005/8/layout/process1"/>
-    <dgm:cxn modelId="{FC7881D8-661F-4D11-904E-3DEF0802E24C}" type="presOf" srcId="{1864B26B-9B9B-4C2B-BB0E-450F20C8B1E1}" destId="{1419B37D-A21C-43A8-9623-5D172DA7D54C}" srcOrd="0" destOrd="0" presId="urn:microsoft.com/office/officeart/2005/8/layout/process1"/>
+    <dgm:cxn modelId="{400055F4-B35C-44B9-ADB1-DCF80036B7FC}" srcId="{1864B26B-9B9B-4C2B-BB0E-450F20C8B1E1}" destId="{C057CD47-70E7-4B5A-8011-95A570F8615F}" srcOrd="0" destOrd="0" parTransId="{2052D676-D09A-42B1-AB84-4DAB8B1FE7D1}" sibTransId="{14801751-6B8B-44D7-B062-1D67C7B70527}"/>
     <dgm:cxn modelId="{49852ADB-35A3-4BCE-B45A-2BB9B3BE0222}" type="presOf" srcId="{14801751-6B8B-44D7-B062-1D67C7B70527}" destId="{89458D4A-E73E-495E-BD38-B18FC0234614}" srcOrd="1" destOrd="0" presId="urn:microsoft.com/office/officeart/2005/8/layout/process1"/>
-    <dgm:cxn modelId="{306B68DE-ED30-420D-AB98-036DA26BFA69}" type="presOf" srcId="{0D6CCC11-C907-4C23-91BB-B2CE08FA2488}" destId="{A24DC3C0-6532-4A6F-9C89-F9439AC46956}" srcOrd="0" destOrd="0" presId="urn:microsoft.com/office/officeart/2005/8/layout/process1"/>
-    <dgm:cxn modelId="{400055F4-B35C-44B9-ADB1-DCF80036B7FC}" srcId="{1864B26B-9B9B-4C2B-BB0E-450F20C8B1E1}" destId="{C057CD47-70E7-4B5A-8011-95A570F8615F}" srcOrd="0" destOrd="0" parTransId="{2052D676-D09A-42B1-AB84-4DAB8B1FE7D1}" sibTransId="{14801751-6B8B-44D7-B062-1D67C7B70527}"/>
     <dgm:cxn modelId="{8208B845-DEDB-4210-AFAD-930DF2C1076E}" type="presParOf" srcId="{1419B37D-A21C-43A8-9623-5D172DA7D54C}" destId="{8179A08A-22AB-49B5-AFED-235DA994F5D0}" srcOrd="0" destOrd="0" presId="urn:microsoft.com/office/officeart/2005/8/layout/process1"/>
     <dgm:cxn modelId="{6E7EE488-48A2-43B4-A475-2DAEDCF1C623}" type="presParOf" srcId="{1419B37D-A21C-43A8-9623-5D172DA7D54C}" destId="{F34C26C3-38A6-4E2C-BDC9-F81E56C73BF9}" srcOrd="1" destOrd="0" presId="urn:microsoft.com/office/officeart/2005/8/layout/process1"/>
     <dgm:cxn modelId="{E9DA63BC-31B4-4749-8DCC-14451FC4189A}" type="presParOf" srcId="{F34C26C3-38A6-4E2C-BDC9-F81E56C73BF9}" destId="{89458D4A-E73E-495E-BD38-B18FC0234614}" srcOrd="0" destOrd="0" presId="urn:microsoft.com/office/officeart/2005/8/layout/process1"/>
@@ -2251,6 +2321,13 @@
         </dgm:presLayoutVars>
       </dgm:prSet>
       <dgm:spPr/>
+      <dgm:t>
+        <a:bodyPr/>
+        <a:lstStyle/>
+        <a:p>
+          <a:endParaRPr lang="de-DE"/>
+        </a:p>
+      </dgm:t>
     </dgm:pt>
     <dgm:pt modelId="{E9965B2F-3801-48D8-9FE8-975EE46F648A}" type="pres">
       <dgm:prSet presAssocID="{A285696E-E20F-450F-AD2A-2CA01487710E}" presName="singleCycle" presStyleCnt="0"/>
@@ -2264,10 +2341,24 @@
         </dgm:presLayoutVars>
       </dgm:prSet>
       <dgm:spPr/>
+      <dgm:t>
+        <a:bodyPr/>
+        <a:lstStyle/>
+        <a:p>
+          <a:endParaRPr lang="de-DE"/>
+        </a:p>
+      </dgm:t>
     </dgm:pt>
     <dgm:pt modelId="{29A9ABC8-8B7E-4AF2-B179-379C32D9962E}" type="pres">
       <dgm:prSet presAssocID="{166498DA-992D-4842-A49F-00B0B296A3AB}" presName="Name56" presStyleLbl="parChTrans1D2" presStyleIdx="0" presStyleCnt="3"/>
       <dgm:spPr/>
+      <dgm:t>
+        <a:bodyPr/>
+        <a:lstStyle/>
+        <a:p>
+          <a:endParaRPr lang="de-DE"/>
+        </a:p>
+      </dgm:t>
     </dgm:pt>
     <dgm:pt modelId="{207C128E-7FBD-4C97-84F7-E0792C9CFEEC}" type="pres">
       <dgm:prSet presAssocID="{5604FCD2-D7B1-4AA6-858D-979DEB34077C}" presName="text0" presStyleLbl="node1" presStyleIdx="1" presStyleCnt="4" custScaleX="204030" custScaleY="59496" custRadScaleRad="69910" custRadScaleInc="1042">
@@ -2276,10 +2367,24 @@
         </dgm:presLayoutVars>
       </dgm:prSet>
       <dgm:spPr/>
+      <dgm:t>
+        <a:bodyPr/>
+        <a:lstStyle/>
+        <a:p>
+          <a:endParaRPr lang="de-DE"/>
+        </a:p>
+      </dgm:t>
     </dgm:pt>
     <dgm:pt modelId="{23FD41E1-F2C3-4873-8068-45FA95BC5F66}" type="pres">
       <dgm:prSet presAssocID="{83C7CB07-8B9E-4904-BE34-FB268E24D959}" presName="Name56" presStyleLbl="parChTrans1D2" presStyleIdx="1" presStyleCnt="3"/>
       <dgm:spPr/>
+      <dgm:t>
+        <a:bodyPr/>
+        <a:lstStyle/>
+        <a:p>
+          <a:endParaRPr lang="de-DE"/>
+        </a:p>
+      </dgm:t>
     </dgm:pt>
     <dgm:pt modelId="{40EA4F8F-38A3-421E-97C9-6DD70090178B}" type="pres">
       <dgm:prSet presAssocID="{E6D3F8CA-592A-4B27-A80B-5053490CAD93}" presName="text0" presStyleLbl="node1" presStyleIdx="2" presStyleCnt="4" custScaleX="205606" custScaleY="59496" custRadScaleRad="114688" custRadScaleInc="-39110">
@@ -2288,10 +2393,24 @@
         </dgm:presLayoutVars>
       </dgm:prSet>
       <dgm:spPr/>
+      <dgm:t>
+        <a:bodyPr/>
+        <a:lstStyle/>
+        <a:p>
+          <a:endParaRPr lang="de-DE"/>
+        </a:p>
+      </dgm:t>
     </dgm:pt>
     <dgm:pt modelId="{41C0591F-4423-4696-A541-7927A488956C}" type="pres">
       <dgm:prSet presAssocID="{62AB0BCD-76D0-4655-92C0-1110A4D29F68}" presName="Name56" presStyleLbl="parChTrans1D2" presStyleIdx="2" presStyleCnt="3"/>
       <dgm:spPr/>
+      <dgm:t>
+        <a:bodyPr/>
+        <a:lstStyle/>
+        <a:p>
+          <a:endParaRPr lang="de-DE"/>
+        </a:p>
+      </dgm:t>
     </dgm:pt>
     <dgm:pt modelId="{4866A4C8-4026-4C06-A161-E4D4272C89A7}" type="pres">
       <dgm:prSet presAssocID="{2337A8C7-A5E2-41E3-AD6A-17536A1AB81C}" presName="text0" presStyleLbl="node1" presStyleIdx="3" presStyleCnt="4" custScaleX="182048" custScaleY="59496" custRadScaleRad="101225" custRadScaleInc="36062">
@@ -2300,23 +2419,30 @@
         </dgm:presLayoutVars>
       </dgm:prSet>
       <dgm:spPr/>
+      <dgm:t>
+        <a:bodyPr/>
+        <a:lstStyle/>
+        <a:p>
+          <a:endParaRPr lang="de-DE"/>
+        </a:p>
+      </dgm:t>
     </dgm:pt>
   </dgm:ptLst>
   <dgm:cxnLst>
-    <dgm:cxn modelId="{21F5E20B-D1E9-4A71-959A-AE1FB339A56F}" type="presOf" srcId="{5604FCD2-D7B1-4AA6-858D-979DEB34077C}" destId="{207C128E-7FBD-4C97-84F7-E0792C9CFEEC}" srcOrd="0" destOrd="0" presId="urn:microsoft.com/office/officeart/2008/layout/RadialCluster"/>
+    <dgm:cxn modelId="{D3F6F4DA-B7AD-4B91-84CE-27196EC9F12F}" srcId="{A285696E-E20F-450F-AD2A-2CA01487710E}" destId="{E6D3F8CA-592A-4B27-A80B-5053490CAD93}" srcOrd="1" destOrd="0" parTransId="{83C7CB07-8B9E-4904-BE34-FB268E24D959}" sibTransId="{82589D44-1193-4FFB-9A46-2BA26AAF7A46}"/>
     <dgm:cxn modelId="{6EEF4831-96E0-4B3C-9165-E174C4370C4A}" srcId="{ADA94781-E2A9-4BC7-97A0-E71A3BE187D6}" destId="{C51F0735-CF66-4E9C-8837-67FB799B5D71}" srcOrd="2" destOrd="0" parTransId="{0FDD21D6-2D81-493C-99FA-84329A5675FD}" sibTransId="{81BA5A7C-588B-46F1-A8E7-B5373E3EAF5D}"/>
-    <dgm:cxn modelId="{A8CD4D3D-A561-4616-9BE2-3E39E8CEBE93}" type="presOf" srcId="{E6D3F8CA-592A-4B27-A80B-5053490CAD93}" destId="{40EA4F8F-38A3-421E-97C9-6DD70090178B}" srcOrd="0" destOrd="0" presId="urn:microsoft.com/office/officeart/2008/layout/RadialCluster"/>
-    <dgm:cxn modelId="{9B081B5F-2F20-4A06-8F26-9E180055E065}" srcId="{A285696E-E20F-450F-AD2A-2CA01487710E}" destId="{5604FCD2-D7B1-4AA6-858D-979DEB34077C}" srcOrd="0" destOrd="0" parTransId="{166498DA-992D-4842-A49F-00B0B296A3AB}" sibTransId="{8794C4E3-0774-4022-9DA4-55DD2CB6491F}"/>
-    <dgm:cxn modelId="{4840286A-C0BE-436F-9B49-B4E7F82A09BC}" srcId="{ADA94781-E2A9-4BC7-97A0-E71A3BE187D6}" destId="{970E345B-63EC-43DA-9D22-7F2857F8ABA1}" srcOrd="1" destOrd="0" parTransId="{9E3B9563-BA8A-4D73-A087-276F450F78DA}" sibTransId="{EEB30055-0AA2-4905-9BF9-591D7A439876}"/>
     <dgm:cxn modelId="{7EE46D4B-C59C-49FE-BCC5-17CB0B077AF7}" srcId="{ADA94781-E2A9-4BC7-97A0-E71A3BE187D6}" destId="{A285696E-E20F-450F-AD2A-2CA01487710E}" srcOrd="0" destOrd="0" parTransId="{5F433974-00BF-4656-8D08-4541E4755E1F}" sibTransId="{BD8DD3D5-0CA5-4748-8F82-11FC0B7DE52B}"/>
     <dgm:cxn modelId="{57AAD66B-5C98-4446-91B2-977FCB8ACF58}" type="presOf" srcId="{A285696E-E20F-450F-AD2A-2CA01487710E}" destId="{65AA7AE3-7BA4-4256-A7E7-6ADD6196B2DE}" srcOrd="0" destOrd="0" presId="urn:microsoft.com/office/officeart/2008/layout/RadialCluster"/>
+    <dgm:cxn modelId="{21F5E20B-D1E9-4A71-959A-AE1FB339A56F}" type="presOf" srcId="{5604FCD2-D7B1-4AA6-858D-979DEB34077C}" destId="{207C128E-7FBD-4C97-84F7-E0792C9CFEEC}" srcOrd="0" destOrd="0" presId="urn:microsoft.com/office/officeart/2008/layout/RadialCluster"/>
+    <dgm:cxn modelId="{A8CD4D3D-A561-4616-9BE2-3E39E8CEBE93}" type="presOf" srcId="{E6D3F8CA-592A-4B27-A80B-5053490CAD93}" destId="{40EA4F8F-38A3-421E-97C9-6DD70090178B}" srcOrd="0" destOrd="0" presId="urn:microsoft.com/office/officeart/2008/layout/RadialCluster"/>
     <dgm:cxn modelId="{72CBD583-D91D-4061-A235-2BBDC4CB1258}" type="presOf" srcId="{2337A8C7-A5E2-41E3-AD6A-17536A1AB81C}" destId="{4866A4C8-4026-4C06-A161-E4D4272C89A7}" srcOrd="0" destOrd="0" presId="urn:microsoft.com/office/officeart/2008/layout/RadialCluster"/>
+    <dgm:cxn modelId="{9B081B5F-2F20-4A06-8F26-9E180055E065}" srcId="{A285696E-E20F-450F-AD2A-2CA01487710E}" destId="{5604FCD2-D7B1-4AA6-858D-979DEB34077C}" srcOrd="0" destOrd="0" parTransId="{166498DA-992D-4842-A49F-00B0B296A3AB}" sibTransId="{8794C4E3-0774-4022-9DA4-55DD2CB6491F}"/>
+    <dgm:cxn modelId="{BAD526B5-2B80-4FA0-8E23-61C5757F230A}" srcId="{A285696E-E20F-450F-AD2A-2CA01487710E}" destId="{2337A8C7-A5E2-41E3-AD6A-17536A1AB81C}" srcOrd="2" destOrd="0" parTransId="{62AB0BCD-76D0-4655-92C0-1110A4D29F68}" sibTransId="{5B8187EC-0177-4801-A25B-59CFF5A09A63}"/>
+    <dgm:cxn modelId="{4840286A-C0BE-436F-9B49-B4E7F82A09BC}" srcId="{ADA94781-E2A9-4BC7-97A0-E71A3BE187D6}" destId="{970E345B-63EC-43DA-9D22-7F2857F8ABA1}" srcOrd="1" destOrd="0" parTransId="{9E3B9563-BA8A-4D73-A087-276F450F78DA}" sibTransId="{EEB30055-0AA2-4905-9BF9-591D7A439876}"/>
+    <dgm:cxn modelId="{16FCD89F-58AA-4ED9-9830-62D1073DE4DB}" type="presOf" srcId="{166498DA-992D-4842-A49F-00B0B296A3AB}" destId="{29A9ABC8-8B7E-4AF2-B179-379C32D9962E}" srcOrd="0" destOrd="0" presId="urn:microsoft.com/office/officeart/2008/layout/RadialCluster"/>
+    <dgm:cxn modelId="{FF4C9AC9-BBA6-4DC0-9DF6-C96A53EE0C3C}" type="presOf" srcId="{ADA94781-E2A9-4BC7-97A0-E71A3BE187D6}" destId="{05FF7D6B-2867-4E27-A224-200F5EEA9200}" srcOrd="0" destOrd="0" presId="urn:microsoft.com/office/officeart/2008/layout/RadialCluster"/>
+    <dgm:cxn modelId="{253755A0-1D21-4BAE-A059-F6CD7663597B}" type="presOf" srcId="{62AB0BCD-76D0-4655-92C0-1110A4D29F68}" destId="{41C0591F-4423-4696-A541-7927A488956C}" srcOrd="0" destOrd="0" presId="urn:microsoft.com/office/officeart/2008/layout/RadialCluster"/>
     <dgm:cxn modelId="{F5A7D294-64BF-4158-80FE-0284F1E13252}" type="presOf" srcId="{83C7CB07-8B9E-4904-BE34-FB268E24D959}" destId="{23FD41E1-F2C3-4873-8068-45FA95BC5F66}" srcOrd="0" destOrd="0" presId="urn:microsoft.com/office/officeart/2008/layout/RadialCluster"/>
-    <dgm:cxn modelId="{16FCD89F-58AA-4ED9-9830-62D1073DE4DB}" type="presOf" srcId="{166498DA-992D-4842-A49F-00B0B296A3AB}" destId="{29A9ABC8-8B7E-4AF2-B179-379C32D9962E}" srcOrd="0" destOrd="0" presId="urn:microsoft.com/office/officeart/2008/layout/RadialCluster"/>
-    <dgm:cxn modelId="{253755A0-1D21-4BAE-A059-F6CD7663597B}" type="presOf" srcId="{62AB0BCD-76D0-4655-92C0-1110A4D29F68}" destId="{41C0591F-4423-4696-A541-7927A488956C}" srcOrd="0" destOrd="0" presId="urn:microsoft.com/office/officeart/2008/layout/RadialCluster"/>
-    <dgm:cxn modelId="{BAD526B5-2B80-4FA0-8E23-61C5757F230A}" srcId="{A285696E-E20F-450F-AD2A-2CA01487710E}" destId="{2337A8C7-A5E2-41E3-AD6A-17536A1AB81C}" srcOrd="2" destOrd="0" parTransId="{62AB0BCD-76D0-4655-92C0-1110A4D29F68}" sibTransId="{5B8187EC-0177-4801-A25B-59CFF5A09A63}"/>
-    <dgm:cxn modelId="{FF4C9AC9-BBA6-4DC0-9DF6-C96A53EE0C3C}" type="presOf" srcId="{ADA94781-E2A9-4BC7-97A0-E71A3BE187D6}" destId="{05FF7D6B-2867-4E27-A224-200F5EEA9200}" srcOrd="0" destOrd="0" presId="urn:microsoft.com/office/officeart/2008/layout/RadialCluster"/>
-    <dgm:cxn modelId="{D3F6F4DA-B7AD-4B91-84CE-27196EC9F12F}" srcId="{A285696E-E20F-450F-AD2A-2CA01487710E}" destId="{E6D3F8CA-592A-4B27-A80B-5053490CAD93}" srcOrd="1" destOrd="0" parTransId="{83C7CB07-8B9E-4904-BE34-FB268E24D959}" sibTransId="{82589D44-1193-4FFB-9A46-2BA26AAF7A46}"/>
     <dgm:cxn modelId="{9641BDD3-0E2E-4086-A127-D796EA1E6477}" type="presParOf" srcId="{05FF7D6B-2867-4E27-A224-200F5EEA9200}" destId="{E9965B2F-3801-48D8-9FE8-975EE46F648A}" srcOrd="0" destOrd="0" presId="urn:microsoft.com/office/officeart/2008/layout/RadialCluster"/>
     <dgm:cxn modelId="{5198E0FF-55E7-4FB5-AA27-37CF9F6EE142}" type="presParOf" srcId="{E9965B2F-3801-48D8-9FE8-975EE46F648A}" destId="{65AA7AE3-7BA4-4256-A7E7-6ADD6196B2DE}" srcOrd="0" destOrd="0" presId="urn:microsoft.com/office/officeart/2008/layout/RadialCluster"/>
     <dgm:cxn modelId="{A766DABF-DEB1-476D-A136-D6EBEC8A18E5}" type="presParOf" srcId="{E9965B2F-3801-48D8-9FE8-975EE46F648A}" destId="{29A9ABC8-8B7E-4AF2-B179-379C32D9962E}" srcOrd="1" destOrd="0" presId="urn:microsoft.com/office/officeart/2008/layout/RadialCluster"/>
@@ -2397,7 +2523,7 @@
         </a:bodyPr>
         <a:lstStyle/>
         <a:p>
-          <a:pPr marL="0" lvl="0" indent="0" algn="ctr" defTabSz="666750">
+          <a:pPr lvl="0" algn="ctr" defTabSz="666750">
             <a:lnSpc>
               <a:spcPct val="90000"/>
             </a:lnSpc>
@@ -2407,7 +2533,6 @@
             <a:spcAft>
               <a:spcPct val="35000"/>
             </a:spcAft>
-            <a:buNone/>
           </a:pPr>
           <a:r>
             <a:rPr lang="de-DE" sz="1500" kern="1200" dirty="0"/>
@@ -2478,7 +2603,7 @@
         </a:bodyPr>
         <a:lstStyle/>
         <a:p>
-          <a:pPr marL="0" lvl="0" indent="0" algn="ctr" defTabSz="533400">
+          <a:pPr lvl="0" algn="ctr" defTabSz="533400">
             <a:lnSpc>
               <a:spcPct val="90000"/>
             </a:lnSpc>
@@ -2488,7 +2613,6 @@
             <a:spcAft>
               <a:spcPct val="35000"/>
             </a:spcAft>
-            <a:buNone/>
           </a:pPr>
           <a:endParaRPr lang="de-DE" sz="1200" kern="1200"/>
         </a:p>
@@ -2551,7 +2675,7 @@
         </a:bodyPr>
         <a:lstStyle/>
         <a:p>
-          <a:pPr marL="0" lvl="0" indent="0" algn="ctr" defTabSz="666750">
+          <a:pPr lvl="0" algn="ctr" defTabSz="666750">
             <a:lnSpc>
               <a:spcPct val="90000"/>
             </a:lnSpc>
@@ -2561,7 +2685,6 @@
             <a:spcAft>
               <a:spcPct val="35000"/>
             </a:spcAft>
-            <a:buNone/>
           </a:pPr>
           <a:r>
             <a:rPr lang="de-DE" sz="1500" kern="1200" dirty="0"/>
@@ -2624,7 +2747,7 @@
         </a:bodyPr>
         <a:lstStyle/>
         <a:p>
-          <a:pPr marL="0" lvl="0" indent="0" algn="ctr" defTabSz="533400">
+          <a:pPr lvl="0" algn="ctr" defTabSz="533400">
             <a:lnSpc>
               <a:spcPct val="90000"/>
             </a:lnSpc>
@@ -2634,7 +2757,6 @@
             <a:spcAft>
               <a:spcPct val="35000"/>
             </a:spcAft>
-            <a:buNone/>
           </a:pPr>
           <a:endParaRPr lang="de-DE" sz="1200" kern="1200"/>
         </a:p>
@@ -2697,7 +2819,7 @@
         </a:bodyPr>
         <a:lstStyle/>
         <a:p>
-          <a:pPr marL="0" lvl="0" indent="0" algn="ctr" defTabSz="666750">
+          <a:pPr lvl="0" algn="ctr" defTabSz="666750">
             <a:lnSpc>
               <a:spcPct val="90000"/>
             </a:lnSpc>
@@ -2707,7 +2829,6 @@
             <a:spcAft>
               <a:spcPct val="35000"/>
             </a:spcAft>
-            <a:buNone/>
           </a:pPr>
           <a:r>
             <a:rPr lang="de-DE" sz="1500" kern="1200" dirty="0"/>
@@ -2770,7 +2891,7 @@
         </a:bodyPr>
         <a:lstStyle/>
         <a:p>
-          <a:pPr marL="0" lvl="0" indent="0" algn="ctr" defTabSz="533400">
+          <a:pPr lvl="0" algn="ctr" defTabSz="533400">
             <a:lnSpc>
               <a:spcPct val="90000"/>
             </a:lnSpc>
@@ -2780,7 +2901,6 @@
             <a:spcAft>
               <a:spcPct val="35000"/>
             </a:spcAft>
-            <a:buNone/>
           </a:pPr>
           <a:endParaRPr lang="de-DE" sz="1200" kern="1200"/>
         </a:p>
@@ -2843,7 +2963,7 @@
         </a:bodyPr>
         <a:lstStyle/>
         <a:p>
-          <a:pPr marL="0" lvl="0" indent="0" algn="ctr" defTabSz="666750">
+          <a:pPr lvl="0" algn="ctr" defTabSz="666750">
             <a:lnSpc>
               <a:spcPct val="90000"/>
             </a:lnSpc>
@@ -2853,7 +2973,6 @@
             <a:spcAft>
               <a:spcPct val="35000"/>
             </a:spcAft>
-            <a:buNone/>
           </a:pPr>
           <a:r>
             <a:rPr lang="de-DE" sz="1500" kern="1200" dirty="0"/>
@@ -2936,7 +3055,7 @@
         </a:bodyPr>
         <a:lstStyle/>
         <a:p>
-          <a:pPr marL="0" lvl="0" indent="0" algn="ctr" defTabSz="1022350">
+          <a:pPr lvl="0" algn="ctr" defTabSz="1022350">
             <a:lnSpc>
               <a:spcPct val="90000"/>
             </a:lnSpc>
@@ -2946,7 +3065,6 @@
             <a:spcAft>
               <a:spcPct val="35000"/>
             </a:spcAft>
-            <a:buNone/>
           </a:pPr>
           <a:r>
             <a:rPr lang="de-DE" sz="2300" kern="1200" dirty="0"/>
@@ -3069,7 +3187,7 @@
         </a:bodyPr>
         <a:lstStyle/>
         <a:p>
-          <a:pPr marL="0" lvl="0" indent="0" algn="ctr" defTabSz="1022350">
+          <a:pPr lvl="0" algn="ctr" defTabSz="1022350">
             <a:lnSpc>
               <a:spcPct val="90000"/>
             </a:lnSpc>
@@ -3079,7 +3197,6 @@
             <a:spcAft>
               <a:spcPct val="35000"/>
             </a:spcAft>
-            <a:buNone/>
           </a:pPr>
           <a:r>
             <a:rPr lang="de-DE" sz="2300" kern="1200" dirty="0"/>
@@ -3202,7 +3319,7 @@
         </a:bodyPr>
         <a:lstStyle/>
         <a:p>
-          <a:pPr marL="0" lvl="0" indent="0" algn="ctr" defTabSz="1022350">
+          <a:pPr lvl="0" algn="ctr" defTabSz="1022350">
             <a:lnSpc>
               <a:spcPct val="90000"/>
             </a:lnSpc>
@@ -3212,7 +3329,6 @@
             <a:spcAft>
               <a:spcPct val="35000"/>
             </a:spcAft>
-            <a:buNone/>
           </a:pPr>
           <a:r>
             <a:rPr lang="de-DE" sz="2300" kern="1200" dirty="0"/>
@@ -3335,7 +3451,7 @@
         </a:bodyPr>
         <a:lstStyle/>
         <a:p>
-          <a:pPr marL="0" lvl="0" indent="0" algn="ctr" defTabSz="1022350">
+          <a:pPr lvl="0" algn="ctr" defTabSz="1022350">
             <a:lnSpc>
               <a:spcPct val="90000"/>
             </a:lnSpc>
@@ -3345,7 +3461,6 @@
             <a:spcAft>
               <a:spcPct val="35000"/>
             </a:spcAft>
-            <a:buNone/>
           </a:pPr>
           <a:r>
             <a:rPr lang="de-DE" sz="2300" kern="1200" dirty="0"/>
@@ -8748,7 +8863,7 @@
               <a:pPr>
                 <a:defRPr/>
               </a:pPr>
-              <a:t>22.08.2018</a:t>
+              <a:t>23.08.2018</a:t>
             </a:fld>
             <a:endParaRPr lang="de-DE"/>
           </a:p>
@@ -8934,7 +9049,7 @@
               <a:pPr>
                 <a:defRPr/>
               </a:pPr>
-              <a:t>22.08.2018</a:t>
+              <a:t>23.08.2018</a:t>
             </a:fld>
             <a:endParaRPr lang="de-DE"/>
           </a:p>
@@ -9797,7 +9912,7 @@
               <a:t>] listet die Fehlermeldung-Nachrichten in </a:t>
             </a:r>
             <a:r>
-              <a:rPr lang="de-DE" sz="1200" b="0" i="0" u="none" strike="noStrike" kern="1200" baseline="0" dirty="0" err="1">
+              <a:rPr lang="de-DE" sz="1200" b="0" i="0" u="none" strike="noStrike" kern="1200" baseline="0" dirty="0" smtClean="0">
                 <a:solidFill>
                   <a:schemeClr val="tx1"/>
                 </a:solidFill>
@@ -9805,19 +9920,16 @@
                 <a:ea typeface="+mn-ea"/>
                 <a:cs typeface="+mn-cs"/>
               </a:rPr>
-              <a:t>Lautzeit</a:t>
-            </a:r>
-            <a:r>
-              <a:rPr lang="de-DE" sz="1200" b="0" i="0" u="none" strike="noStrike" kern="1200" baseline="0" dirty="0">
-                <a:solidFill>
-                  <a:schemeClr val="tx1"/>
-                </a:solidFill>
-                <a:latin typeface="+mn-lt"/>
-                <a:ea typeface="+mn-ea"/>
-                <a:cs typeface="+mn-cs"/>
-              </a:rPr>
-              <a:t>.</a:t>
-            </a:r>
+              <a:t>Laufzeit.</a:t>
+            </a:r>
+            <a:endParaRPr lang="de-DE" sz="1200" b="0" i="0" u="none" strike="noStrike" kern="1200" baseline="0" dirty="0">
+              <a:solidFill>
+                <a:schemeClr val="tx1"/>
+              </a:solidFill>
+              <a:latin typeface="+mn-lt"/>
+              <a:ea typeface="+mn-ea"/>
+              <a:cs typeface="+mn-cs"/>
+            </a:endParaRPr>
           </a:p>
           <a:p>
             <a:r>
@@ -10388,7 +10500,15 @@
             </a:r>
             <a:r>
               <a:rPr lang="de-DE" dirty="0"/>
-              <a:t>. Komponenten </a:t>
+              <a:t>. </a:t>
+            </a:r>
+            <a:r>
+              <a:rPr lang="de-DE" u="sng" dirty="0"/>
+              <a:t>Komponenten</a:t>
+            </a:r>
+            <a:r>
+              <a:rPr lang="de-DE" dirty="0"/>
+              <a:t> </a:t>
             </a:r>
             <a:r>
               <a:rPr lang="de-DE" b="1" dirty="0"/>
@@ -10400,7 +10520,15 @@
             </a:r>
             <a:r>
               <a:rPr lang="de-DE" baseline="0" dirty="0"/>
-              <a:t> Benachrichtigung  für die Weitergabe von </a:t>
+              <a:t> </a:t>
+            </a:r>
+            <a:r>
+              <a:rPr lang="de-DE" u="sng" baseline="0" dirty="0"/>
+              <a:t>Benachrichtigung</a:t>
+            </a:r>
+            <a:r>
+              <a:rPr lang="de-DE" baseline="0" dirty="0"/>
+              <a:t>  für die Weitergabe von </a:t>
             </a:r>
             <a:r>
               <a:rPr lang="de-DE" b="1" baseline="0" dirty="0"/>
@@ -10408,7 +10536,11 @@
             </a:r>
             <a:r>
               <a:rPr lang="de-DE" b="1" dirty="0"/>
-              <a:t>bereitgestellt werden</a:t>
+              <a:t>bereitgestellt </a:t>
+            </a:r>
+            <a:r>
+              <a:rPr lang="de-DE" b="1" dirty="0" smtClean="0"/>
+              <a:t>werden</a:t>
             </a:r>
           </a:p>
           <a:p>
@@ -10416,34 +10548,7 @@
               <a:buFont typeface="+mj-lt"/>
               <a:buAutoNum type="arabicPeriod"/>
             </a:pPr>
-            <a:r>
-              <a:rPr lang="de-DE" dirty="0"/>
-              <a:t>Hier kommt im Einsatz </a:t>
-            </a:r>
-            <a:r>
-              <a:rPr lang="de-DE" b="1" dirty="0"/>
-              <a:t>welcher Design-Pattern  SOLL ein Framework </a:t>
-            </a:r>
-            <a:r>
-              <a:rPr lang="de-DE" dirty="0"/>
-              <a:t>unterstützen und unter welche Programmiersprache ,</a:t>
-            </a:r>
-            <a:r>
-              <a:rPr lang="de-DE" dirty="0" err="1"/>
-              <a:t>Typescript</a:t>
-            </a:r>
-            <a:r>
-              <a:rPr lang="de-DE" dirty="0"/>
-              <a:t> und </a:t>
-            </a:r>
-            <a:r>
-              <a:rPr lang="de-DE" dirty="0" err="1"/>
-              <a:t>Javascript</a:t>
-            </a:r>
-            <a:r>
-              <a:rPr lang="de-DE" dirty="0"/>
-              <a:t> sind denkbar.</a:t>
-            </a:r>
+            <a:endParaRPr lang="de-DE" b="1" dirty="0"/>
           </a:p>
           <a:p>
             <a:pPr marL="228600" indent="-228600">
@@ -10452,11 +10557,80 @@
             </a:pPr>
             <a:r>
               <a:rPr lang="de-DE" dirty="0"/>
+              <a:t>Hier kommt im Einsatz </a:t>
+            </a:r>
+            <a:r>
+              <a:rPr lang="de-DE" b="1" dirty="0"/>
+              <a:t>welcher </a:t>
+            </a:r>
+            <a:r>
+              <a:rPr lang="de-DE" b="1" u="sng" dirty="0"/>
+              <a:t>Design-Pattern </a:t>
+            </a:r>
+            <a:r>
+              <a:rPr lang="de-DE" b="1" dirty="0"/>
+              <a:t> SOLL ein Framework </a:t>
+            </a:r>
+            <a:r>
+              <a:rPr lang="de-DE" dirty="0"/>
+              <a:t>unterstützen und unter welche </a:t>
+            </a:r>
+            <a:r>
+              <a:rPr lang="de-DE" dirty="0" smtClean="0"/>
+              <a:t>Programmiersprache realisiert werden: </a:t>
+            </a:r>
+            <a:r>
+              <a:rPr lang="de-DE" dirty="0" err="1" smtClean="0"/>
+              <a:t>Typescript</a:t>
+            </a:r>
+            <a:r>
+              <a:rPr lang="de-DE" dirty="0" smtClean="0"/>
+              <a:t> </a:t>
+            </a:r>
+            <a:r>
+              <a:rPr lang="de-DE" dirty="0"/>
+              <a:t>und </a:t>
+            </a:r>
+            <a:r>
+              <a:rPr lang="de-DE" dirty="0" err="1"/>
+              <a:t>Javascript</a:t>
+            </a:r>
+            <a:r>
+              <a:rPr lang="de-DE" dirty="0"/>
+              <a:t> sind denkbar</a:t>
+            </a:r>
+            <a:r>
+              <a:rPr lang="de-DE" dirty="0" smtClean="0"/>
+              <a:t>.</a:t>
+            </a:r>
+          </a:p>
+          <a:p>
+            <a:pPr marL="228600" indent="-228600">
+              <a:buFont typeface="+mj-lt"/>
+              <a:buAutoNum type="arabicPeriod"/>
+            </a:pPr>
+            <a:endParaRPr lang="de-DE" dirty="0"/>
+          </a:p>
+          <a:p>
+            <a:pPr marL="228600" indent="-228600">
+              <a:buFont typeface="+mj-lt"/>
+              <a:buAutoNum type="arabicPeriod"/>
+            </a:pPr>
+            <a:r>
+              <a:rPr lang="de-DE" dirty="0"/>
               <a:t>Diese </a:t>
             </a:r>
             <a:r>
+              <a:rPr lang="de-DE" dirty="0" smtClean="0"/>
+              <a:t>letzte </a:t>
+            </a:r>
+            <a:r>
+              <a:rPr lang="de-DE" b="1" i="0" dirty="0" smtClean="0"/>
+              <a:t>Kategorie </a:t>
+            </a:r>
+            <a:r>
               <a:rPr lang="de-DE" b="1" i="0" dirty="0"/>
-              <a:t>Kategorie bezieht  sich auf die </a:t>
+              <a:t>bezieht  sich auf die </a:t>
             </a:r>
             <a:r>
               <a:rPr lang="de-DE" dirty="0"/>
@@ -10655,15 +10829,11 @@
             </a:r>
             <a:r>
               <a:rPr lang="de-DE" b="0" baseline="0" dirty="0"/>
-              <a:t> dass ein </a:t>
-            </a:r>
-            <a:r>
-              <a:rPr lang="de-DE" b="0" baseline="0" dirty="0" err="1"/>
-              <a:t>vorvertiege</a:t>
-            </a:r>
-            <a:r>
-              <a:rPr lang="de-DE" b="0" baseline="0" dirty="0"/>
-              <a:t> </a:t>
+              <a:t> dass </a:t>
+            </a:r>
+            <a:r>
+              <a:rPr lang="de-DE" b="0" baseline="0" dirty="0" smtClean="0"/>
+              <a:t>Es vorfertige </a:t>
             </a:r>
             <a:r>
               <a:rPr lang="de-DE" b="0" baseline="0" dirty="0" err="1"/>
@@ -10674,20 +10844,20 @@
               <a:t> für die Grafik </a:t>
             </a:r>
             <a:r>
-              <a:rPr lang="de-DE" b="0" baseline="0" dirty="0" err="1"/>
-              <a:t>lieferen</a:t>
+              <a:rPr lang="de-DE" b="0" baseline="0" dirty="0" smtClean="0"/>
+              <a:t>liefert, </a:t>
             </a:r>
             <a:r>
               <a:rPr lang="de-DE" b="0" baseline="0" dirty="0"/>
-              <a:t>, der Preis ist der </a:t>
-            </a:r>
-            <a:r>
-              <a:rPr lang="de-DE" b="0" baseline="0" dirty="0" err="1"/>
-              <a:t>Einziege</a:t>
+              <a:t>der Preis ist der </a:t>
+            </a:r>
+            <a:r>
+              <a:rPr lang="de-DE" b="0" baseline="0" dirty="0" smtClean="0"/>
+              <a:t>Einzige </a:t>
             </a:r>
             <a:r>
               <a:rPr lang="de-DE" b="0" baseline="0" dirty="0"/>
-              <a:t> Nachteil</a:t>
+              <a:t>Nachteil</a:t>
             </a:r>
             <a:endParaRPr lang="de-DE" b="1" dirty="0"/>
           </a:p>
@@ -10785,7 +10955,11 @@
             </a:r>
             <a:r>
               <a:rPr lang="de-DE" baseline="0" dirty="0"/>
-              <a:t> Ergebnis wurde di </a:t>
+              <a:t> Ergebnis wurde </a:t>
+            </a:r>
+            <a:r>
+              <a:rPr lang="de-DE" baseline="0" dirty="0" smtClean="0"/>
+              <a:t>die </a:t>
             </a:r>
             <a:r>
               <a:rPr lang="de-DE" baseline="0" dirty="0" err="1"/>
@@ -10796,20 +10970,24 @@
               <a:t> gewählt. Dadurch kann den Entwicklungsprozess beschleunigt werden und die Firma Hilscher hat schon </a:t>
             </a:r>
             <a:r>
-              <a:rPr lang="de-DE" baseline="0" dirty="0" err="1"/>
-              <a:t>GojS</a:t>
+              <a:rPr lang="de-DE" baseline="0" dirty="0" err="1" smtClean="0"/>
+              <a:t>GoJS</a:t>
+            </a:r>
+            <a:r>
+              <a:rPr lang="de-DE" baseline="0" dirty="0" smtClean="0"/>
+              <a:t>  </a:t>
             </a:r>
             <a:r>
               <a:rPr lang="de-DE" baseline="0" dirty="0"/>
-              <a:t>  in anderer </a:t>
-            </a:r>
-            <a:r>
-              <a:rPr lang="de-DE" baseline="0" dirty="0" err="1"/>
-              <a:t>Ableteilung</a:t>
+              <a:t>in anderer </a:t>
+            </a:r>
+            <a:r>
+              <a:rPr lang="de-DE" baseline="0" dirty="0" smtClean="0"/>
+              <a:t>Abteilung </a:t>
             </a:r>
             <a:r>
               <a:rPr lang="de-DE" baseline="0" dirty="0"/>
-              <a:t> angewendet.</a:t>
+              <a:t>angewendet.</a:t>
             </a:r>
             <a:endParaRPr lang="de-DE" dirty="0"/>
           </a:p>
@@ -10980,16 +11158,24 @@
               <a:t>[die letzte ] ist Angular von der </a:t>
             </a:r>
             <a:r>
-              <a:rPr lang="de-DE" b="1" baseline="0" dirty="0" err="1"/>
-              <a:t>firma</a:t>
+              <a:rPr lang="de-DE" b="1" baseline="0" dirty="0" smtClean="0"/>
+              <a:t>Firma </a:t>
             </a:r>
             <a:r>
               <a:rPr lang="de-DE" b="1" baseline="0" dirty="0"/>
-              <a:t> Google. </a:t>
+              <a:t>Google. </a:t>
             </a:r>
             <a:r>
               <a:rPr lang="de-DE" b="0" baseline="0" dirty="0"/>
-              <a:t>Die Modular-Pattern macht Angular einzigartig.</a:t>
+              <a:t>Die Modular-Pattern macht Angular </a:t>
+            </a:r>
+            <a:r>
+              <a:rPr lang="de-DE" b="0" baseline="0" dirty="0" err="1" smtClean="0"/>
+              <a:t>einzigartig.und</a:t>
+            </a:r>
+            <a:r>
+              <a:rPr lang="de-DE" b="0" baseline="0" dirty="0" smtClean="0"/>
+              <a:t> deckt einer der NF der TP ab.</a:t>
             </a:r>
             <a:endParaRPr lang="de-DE" b="1" dirty="0"/>
           </a:p>
@@ -11093,12 +11279,20 @@
               <a:t> Ende wurde die Angular Framework gewählt. CS besitzt sogar schon ein </a:t>
             </a:r>
             <a:r>
-              <a:rPr lang="de-DE" baseline="0" dirty="0" err="1"/>
-              <a:t>Plugin</a:t>
+              <a:rPr lang="de-DE" baseline="0" dirty="0" smtClean="0"/>
+              <a:t>Komponente </a:t>
+            </a:r>
+            <a:r>
+              <a:rPr lang="de-DE" b="1" baseline="0" dirty="0" smtClean="0"/>
+              <a:t>der</a:t>
+            </a:r>
+            <a:r>
+              <a:rPr lang="de-DE" baseline="0" dirty="0" smtClean="0"/>
+              <a:t>  </a:t>
             </a:r>
             <a:r>
               <a:rPr lang="de-DE" baseline="0" dirty="0"/>
-              <a:t> die  auf Angular basiert.</a:t>
+              <a:t>auf Angular basiert.</a:t>
             </a:r>
             <a:endParaRPr lang="de-DE" dirty="0"/>
           </a:p>
@@ -11191,12 +11385,24 @@
           <a:lstStyle/>
           <a:p>
             <a:r>
-              <a:rPr lang="de-DE" b="1" dirty="0"/>
+              <a:rPr lang="de-DE" b="0" dirty="0"/>
               <a:t>Ich möchte an dieser Stelle </a:t>
             </a:r>
             <a:r>
+              <a:rPr lang="de-DE" b="0" baseline="0" dirty="0"/>
+              <a:t> auf </a:t>
+            </a:r>
+            <a:r>
               <a:rPr lang="de-DE" b="1" baseline="0" dirty="0"/>
-              <a:t> auf das Kernkonzept der TE eingehen</a:t>
+              <a:t>das </a:t>
+            </a:r>
+            <a:r>
+              <a:rPr lang="de-DE" b="1" u="sng" baseline="0" dirty="0"/>
+              <a:t>Kernkonzept</a:t>
+            </a:r>
+            <a:r>
+              <a:rPr lang="de-DE" b="1" baseline="0" dirty="0"/>
+              <a:t> der TE eingehen</a:t>
             </a:r>
             <a:endParaRPr lang="de-DE" b="1" dirty="0"/>
           </a:p>
@@ -11323,8 +11529,28 @@
               <a:t>Server umfasst die Kernfunktionen wie </a:t>
             </a:r>
             <a:r>
+              <a:rPr lang="de-DE" b="1" dirty="0" smtClean="0"/>
+              <a:t>die</a:t>
+            </a:r>
+            <a:r>
+              <a:rPr lang="de-DE" b="1" baseline="0" dirty="0" smtClean="0"/>
+              <a:t> Interpretation </a:t>
+            </a:r>
+            <a:r>
+              <a:rPr lang="de-DE" b="1" dirty="0" smtClean="0"/>
+              <a:t>der protokollspezifischen </a:t>
+            </a:r>
+            <a:r>
               <a:rPr lang="de-DE" b="1" dirty="0"/>
-              <a:t>das Parsen der protokollneutralen Gerät-Informationen, erstellt, aktualisiert und löscht eine Topologie-Modell</a:t>
+              <a:t>Gerät-Informationen, erstellt, aktualisiert und löscht </a:t>
+            </a:r>
+            <a:r>
+              <a:rPr lang="de-DE" b="1" dirty="0" smtClean="0"/>
+              <a:t>ein </a:t>
+            </a:r>
+            <a:r>
+              <a:rPr lang="de-DE" b="1" dirty="0"/>
+              <a:t>Topologie-Modell</a:t>
             </a:r>
             <a:r>
               <a:rPr lang="de-DE" dirty="0"/>
@@ -11363,9 +11589,16 @@
               <a:t>über JSON-Format</a:t>
             </a:r>
             <a:r>
-              <a:rPr lang="de-DE" baseline="0" dirty="0"/>
+              <a:rPr lang="de-DE" baseline="0" dirty="0" smtClean="0"/>
               <a:t>.</a:t>
             </a:r>
+          </a:p>
+          <a:p>
+            <a:pPr marL="228600" indent="-228600">
+              <a:buFont typeface="+mj-lt"/>
+              <a:buAutoNum type="arabicPeriod"/>
+            </a:pPr>
+            <a:endParaRPr lang="de-DE" baseline="0" dirty="0"/>
           </a:p>
           <a:p>
             <a:pPr marL="228600" indent="-228600">
@@ -11738,12 +11971,12 @@
               <a:t>-Gerät verwenden soll, soll nur eine </a:t>
             </a:r>
             <a:r>
-              <a:rPr lang="de-DE" baseline="0" dirty="0" err="1"/>
-              <a:t>Schnistelle</a:t>
+              <a:rPr lang="de-DE" baseline="0" dirty="0" smtClean="0"/>
+              <a:t>Schnittstelle </a:t>
             </a:r>
             <a:r>
               <a:rPr lang="de-DE" baseline="0" dirty="0"/>
-              <a:t> für die Datenabfrage realisiert werden </a:t>
+              <a:t>für die Datenabfrage realisiert werden </a:t>
             </a:r>
           </a:p>
           <a:p>
@@ -11772,21 +12005,41 @@
               <a:rPr lang="de-DE" b="1" baseline="0" dirty="0"/>
               <a:t>nimmt die feldbusabhängige Information entgegen </a:t>
             </a:r>
-            <a:r>
-              <a:rPr lang="de-DE" baseline="0" dirty="0"/>
-              <a:t>und </a:t>
-            </a:r>
-            <a:r>
-              <a:rPr lang="de-DE" baseline="0" dirty="0" err="1"/>
-              <a:t>parser</a:t>
-            </a:r>
-            <a:r>
-              <a:rPr lang="de-DE" baseline="0" dirty="0"/>
-              <a:t> sie </a:t>
+            <a:endParaRPr lang="de-DE" b="1" baseline="0" dirty="0" smtClean="0"/>
+          </a:p>
+          <a:p>
+            <a:pPr marL="0" marR="0" lvl="0" indent="0" algn="l" defTabSz="914400" rtl="0" eaLnBrk="0" fontAlgn="base" latinLnBrk="0" hangingPunct="0">
+              <a:lnSpc>
+                <a:spcPct val="100000"/>
+              </a:lnSpc>
+              <a:spcBef>
+                <a:spcPct val="30000"/>
+              </a:spcBef>
+              <a:spcAft>
+                <a:spcPct val="0"/>
+              </a:spcAft>
+              <a:buClrTx/>
+              <a:buSzTx/>
+              <a:buFontTx/>
+              <a:buNone/>
+              <a:tabLst/>
+              <a:defRPr/>
+            </a:pPr>
+            <a:r>
+              <a:rPr lang="de-DE" b="1" baseline="0" dirty="0" smtClean="0"/>
+              <a:t>2. Und Mit Hilfe eines neues </a:t>
+            </a:r>
+            <a:r>
+              <a:rPr lang="de-DE" b="1" baseline="0" dirty="0" err="1" smtClean="0"/>
+              <a:t>Plugin</a:t>
+            </a:r>
+            <a:r>
+              <a:rPr lang="de-DE" b="1" baseline="0" dirty="0" smtClean="0"/>
+              <a:t> erzeugt die </a:t>
             </a:r>
             <a:r>
               <a:rPr lang="de-DE" b="1" baseline="0" dirty="0"/>
-              <a:t>zu protokollneutrale Information </a:t>
+              <a:t>protokollneutrale Information </a:t>
             </a:r>
             <a:r>
               <a:rPr lang="de-DE" baseline="0" dirty="0"/>
@@ -11884,6 +12137,22 @@
           <a:bodyPr/>
           <a:lstStyle/>
           <a:p>
+            <a:r>
+              <a:rPr lang="de-DE" b="1" dirty="0" smtClean="0"/>
+              <a:t>Hier  werde ich die Strategie</a:t>
+            </a:r>
+            <a:r>
+              <a:rPr lang="de-DE" b="1" baseline="0" dirty="0" smtClean="0"/>
+              <a:t> für die Erzeugung der protokollneutrale </a:t>
+            </a:r>
+            <a:r>
+              <a:rPr lang="de-DE" b="1" baseline="0" dirty="0" err="1" smtClean="0"/>
+              <a:t>information</a:t>
+            </a:r>
+            <a:r>
+              <a:rPr lang="de-DE" b="1" baseline="0" dirty="0" smtClean="0"/>
+              <a:t> auf Basis der gewonnen protokollspezifische Information erläutern</a:t>
+            </a:r>
             <a:endParaRPr lang="de-DE" b="1" dirty="0"/>
           </a:p>
         </p:txBody>
@@ -12524,15 +12793,96 @@
             </a:r>
             <a:r>
               <a:rPr lang="de-DE" dirty="0"/>
-              <a:t> ist </a:t>
-            </a:r>
-            <a:r>
-              <a:rPr lang="de-DE"/>
-              <a:t>das Startmodell</a:t>
-            </a:r>
-            <a:r>
-              <a:rPr lang="de-DE" dirty="0"/>
-              <a:t>. </a:t>
+              <a:t> ist das Startmodell. </a:t>
+            </a:r>
+            <a:endParaRPr lang="de-DE" dirty="0" smtClean="0"/>
+          </a:p>
+          <a:p>
+            <a:pPr marL="228600" indent="-228600">
+              <a:buAutoNum type="arabicParenR"/>
+            </a:pPr>
+            <a:r>
+              <a:rPr lang="de-DE" b="1" dirty="0" err="1" smtClean="0"/>
+              <a:t>AppM</a:t>
+            </a:r>
+            <a:r>
+              <a:rPr lang="de-DE" dirty="0" smtClean="0"/>
+              <a:t>: Initialisiert die</a:t>
+            </a:r>
+            <a:r>
+              <a:rPr lang="de-DE" baseline="0" dirty="0" smtClean="0"/>
+              <a:t> gesamte Applikation, lädt die benötigten Module in Laufzeit</a:t>
+            </a:r>
+          </a:p>
+          <a:p>
+            <a:pPr marL="228600" indent="-228600">
+              <a:buAutoNum type="arabicParenR"/>
+            </a:pPr>
+            <a:r>
+              <a:rPr lang="de-DE" b="1" baseline="0" dirty="0" err="1" smtClean="0"/>
+              <a:t>CoreModule</a:t>
+            </a:r>
+            <a:r>
+              <a:rPr lang="de-DE" baseline="0" dirty="0" smtClean="0"/>
+              <a:t> ist eine Gruppierung der </a:t>
+            </a:r>
+            <a:r>
+              <a:rPr lang="de-DE" baseline="0" dirty="0" err="1" smtClean="0"/>
+              <a:t>Persitent</a:t>
+            </a:r>
+            <a:r>
+              <a:rPr lang="de-DE" baseline="0" dirty="0" smtClean="0"/>
+              <a:t>-Daten-Modell wie </a:t>
+            </a:r>
+            <a:r>
+              <a:rPr lang="de-DE" baseline="0" dirty="0" err="1" smtClean="0"/>
+              <a:t>ToplogieModell</a:t>
+            </a:r>
+            <a:r>
+              <a:rPr lang="de-DE" baseline="0" dirty="0" smtClean="0"/>
+              <a:t>, </a:t>
+            </a:r>
+            <a:r>
+              <a:rPr lang="de-DE" baseline="0" dirty="0" err="1" smtClean="0"/>
+              <a:t>DeviceModel</a:t>
+            </a:r>
+            <a:r>
+              <a:rPr lang="de-DE" baseline="0" dirty="0" smtClean="0"/>
+              <a:t> und bereitstelle Service für die App</a:t>
+            </a:r>
+          </a:p>
+          <a:p>
+            <a:pPr marL="228600" indent="-228600">
+              <a:buAutoNum type="arabicParenR"/>
+            </a:pPr>
+            <a:r>
+              <a:rPr lang="de-DE" b="1" baseline="0" dirty="0" smtClean="0"/>
+              <a:t>Layout</a:t>
+            </a:r>
+            <a:r>
+              <a:rPr lang="de-DE" baseline="0" dirty="0" smtClean="0"/>
+              <a:t>: ist verantwortlich für das Layout der Element in der Graph</a:t>
+            </a:r>
+          </a:p>
+          <a:p>
+            <a:pPr marL="228600" indent="-228600">
+              <a:buAutoNum type="arabicParenR"/>
+            </a:pPr>
+            <a:r>
+              <a:rPr lang="de-DE" b="1" baseline="0" dirty="0" err="1" smtClean="0"/>
+              <a:t>TopologyModlue</a:t>
+            </a:r>
+            <a:r>
+              <a:rPr lang="de-DE" baseline="0" dirty="0" smtClean="0"/>
+              <a:t>: Kapselt die </a:t>
+            </a:r>
+            <a:r>
+              <a:rPr lang="de-DE" baseline="0" dirty="0" err="1" smtClean="0"/>
+              <a:t>GoJS</a:t>
+            </a:r>
+            <a:r>
+              <a:rPr lang="de-DE" baseline="0" dirty="0" smtClean="0"/>
+              <a:t>-Controls und liefert die UI-Components, die mit Nutzer interagiert werden</a:t>
             </a:r>
           </a:p>
         </p:txBody>
@@ -14173,7 +14523,7 @@
               <a:t>Die </a:t>
             </a:r>
             <a:r>
-              <a:rPr lang="de-DE" sz="1200" b="0" i="1" u="none" strike="noStrike" kern="1200" baseline="0" dirty="0">
+              <a:rPr lang="de-DE" sz="1200" b="0" i="1" u="none" strike="noStrike" kern="1200" baseline="0" dirty="0" smtClean="0">
                 <a:solidFill>
                   <a:schemeClr val="tx1"/>
                 </a:solidFill>
@@ -14181,7 +14531,18 @@
                 <a:ea typeface="+mn-ea"/>
                 <a:cs typeface="+mn-cs"/>
               </a:rPr>
-              <a:t>Linien-Topologie</a:t>
+              <a:t>…. </a:t>
+            </a:r>
+            <a:r>
+              <a:rPr lang="de-DE" sz="1200" b="0" i="0" u="none" strike="noStrike" kern="1200" baseline="0" dirty="0" smtClean="0">
+                <a:solidFill>
+                  <a:schemeClr val="tx1"/>
+                </a:solidFill>
+                <a:latin typeface="+mn-lt"/>
+                <a:ea typeface="+mn-ea"/>
+                <a:cs typeface="+mn-cs"/>
+              </a:rPr>
+              <a:t>war die erste Netzstruktur, </a:t>
             </a:r>
             <a:r>
               <a:rPr lang="de-DE" sz="1200" b="0" i="0" u="none" strike="noStrike" kern="1200" baseline="0" dirty="0">
@@ -14192,8 +14553,70 @@
                 <a:ea typeface="+mn-ea"/>
                 <a:cs typeface="+mn-cs"/>
               </a:rPr>
-              <a:t> war einer der ersten Netzstrukturen, die in Firmen und privaten Hauhalten zu finden war und wird auch als Bus-Topologie bezeichnet. </a:t>
-            </a:r>
+              <a:t>die in Firmen und privaten </a:t>
+            </a:r>
+            <a:r>
+              <a:rPr lang="de-DE" sz="1200" b="0" i="0" u="none" strike="noStrike" kern="1200" baseline="0" dirty="0" smtClean="0">
+                <a:solidFill>
+                  <a:schemeClr val="tx1"/>
+                </a:solidFill>
+                <a:latin typeface="+mn-lt"/>
+                <a:ea typeface="+mn-ea"/>
+                <a:cs typeface="+mn-cs"/>
+              </a:rPr>
+              <a:t>Haushalten </a:t>
+            </a:r>
+            <a:r>
+              <a:rPr lang="de-DE" sz="1200" b="0" i="0" u="none" strike="noStrike" kern="1200" baseline="0" dirty="0">
+                <a:solidFill>
+                  <a:schemeClr val="tx1"/>
+                </a:solidFill>
+                <a:latin typeface="+mn-lt"/>
+                <a:ea typeface="+mn-ea"/>
+                <a:cs typeface="+mn-cs"/>
+              </a:rPr>
+              <a:t>zu finden war und wird </a:t>
+            </a:r>
+            <a:r>
+              <a:rPr lang="de-DE" sz="1200" b="0" i="0" u="none" strike="noStrike" kern="1200" baseline="0" dirty="0" smtClean="0">
+                <a:solidFill>
+                  <a:schemeClr val="tx1"/>
+                </a:solidFill>
+                <a:latin typeface="+mn-lt"/>
+                <a:ea typeface="+mn-ea"/>
+                <a:cs typeface="+mn-cs"/>
+              </a:rPr>
+              <a:t>im manche Bücher </a:t>
+            </a:r>
+            <a:r>
+              <a:rPr lang="de-DE" sz="1200" b="0" i="0" u="none" strike="noStrike" kern="1200" baseline="0" dirty="0">
+                <a:solidFill>
+                  <a:schemeClr val="tx1"/>
+                </a:solidFill>
+                <a:latin typeface="+mn-lt"/>
+                <a:ea typeface="+mn-ea"/>
+                <a:cs typeface="+mn-cs"/>
+              </a:rPr>
+              <a:t>als Bus-Topologie bezeichnet. </a:t>
+            </a:r>
+            <a:endParaRPr lang="de-DE" sz="1200" b="0" i="0" u="none" strike="noStrike" kern="1200" baseline="0" dirty="0" smtClean="0">
+              <a:solidFill>
+                <a:schemeClr val="tx1"/>
+              </a:solidFill>
+              <a:latin typeface="+mn-lt"/>
+              <a:ea typeface="+mn-ea"/>
+              <a:cs typeface="+mn-cs"/>
+            </a:endParaRPr>
+          </a:p>
+          <a:p>
+            <a:endParaRPr lang="de-DE" sz="1200" b="0" i="0" u="none" strike="noStrike" kern="1200" baseline="0" dirty="0">
+              <a:solidFill>
+                <a:schemeClr val="tx1"/>
+              </a:solidFill>
+              <a:latin typeface="+mn-lt"/>
+              <a:ea typeface="+mn-ea"/>
+              <a:cs typeface="+mn-cs"/>
+            </a:endParaRPr>
           </a:p>
           <a:p>
             <a:r>
@@ -14205,7 +14628,29 @@
                 <a:ea typeface="+mn-ea"/>
                 <a:cs typeface="+mn-cs"/>
               </a:rPr>
-              <a:t>V: Das System gewährleistet</a:t>
+              <a:t>V: </a:t>
+            </a:r>
+            <a:r>
+              <a:rPr lang="de-DE" sz="1200" b="1" i="0" u="none" strike="noStrike" kern="1200" baseline="0" dirty="0" smtClean="0">
+                <a:solidFill>
+                  <a:schemeClr val="tx1"/>
+                </a:solidFill>
+                <a:latin typeface="+mn-lt"/>
+                <a:ea typeface="+mn-ea"/>
+                <a:cs typeface="+mn-cs"/>
+              </a:rPr>
+              <a:t>1)Wenn Man die Abbildung betrachtet, kann man Das </a:t>
+            </a:r>
+            <a:r>
+              <a:rPr lang="de-DE" sz="1200" b="1" i="0" u="none" strike="noStrike" kern="1200" baseline="0" dirty="0">
+                <a:solidFill>
+                  <a:schemeClr val="tx1"/>
+                </a:solidFill>
+                <a:latin typeface="+mn-lt"/>
+                <a:ea typeface="+mn-ea"/>
+                <a:cs typeface="+mn-cs"/>
+              </a:rPr>
+              <a:t>System gewährleistet</a:t>
             </a:r>
             <a:r>
               <a:rPr lang="de-DE" sz="1200" b="0" i="0" u="none" strike="noStrike" kern="1200" baseline="0" dirty="0">
@@ -14216,10 +14661,10 @@
                 <a:ea typeface="+mn-ea"/>
                 <a:cs typeface="+mn-cs"/>
               </a:rPr>
-              <a:t>…., da nur geringe Kabelmengen erforderlich sind. </a:t>
-            </a:r>
-            <a:r>
-              <a:rPr lang="de-DE" sz="1200" b="1" i="0" u="none" strike="noStrike" kern="1200" baseline="0" dirty="0">
+              <a:t>…., da nur geringe Kabelmengen erforderlich sind</a:t>
+            </a:r>
+            <a:r>
+              <a:rPr lang="de-DE" sz="1200" b="0" i="0" u="none" strike="noStrike" kern="1200" baseline="0" dirty="0" smtClean="0">
                 <a:solidFill>
                   <a:schemeClr val="tx1"/>
                 </a:solidFill>
@@ -14227,7 +14672,42 @@
                 <a:ea typeface="+mn-ea"/>
                 <a:cs typeface="+mn-cs"/>
               </a:rPr>
-              <a:t>Mit </a:t>
+              <a:t>.</a:t>
+            </a:r>
+          </a:p>
+          <a:p>
+            <a:r>
+              <a:rPr lang="de-DE" sz="1200" b="0" i="0" u="none" strike="noStrike" kern="1200" baseline="0" dirty="0" smtClean="0">
+                <a:solidFill>
+                  <a:schemeClr val="tx1"/>
+                </a:solidFill>
+                <a:latin typeface="+mn-lt"/>
+                <a:ea typeface="+mn-ea"/>
+                <a:cs typeface="+mn-cs"/>
+              </a:rPr>
+              <a:t> 2)</a:t>
+            </a:r>
+            <a:r>
+              <a:rPr lang="de-DE" sz="1200" b="1" i="0" u="none" strike="noStrike" kern="1200" baseline="0" dirty="0" smtClean="0">
+                <a:solidFill>
+                  <a:schemeClr val="tx1"/>
+                </a:solidFill>
+                <a:latin typeface="+mn-lt"/>
+                <a:ea typeface="+mn-ea"/>
+                <a:cs typeface="+mn-cs"/>
+              </a:rPr>
+              <a:t>Mit einem </a:t>
+            </a:r>
+            <a:r>
+              <a:rPr lang="de-DE" sz="1200" b="0" i="0" u="none" strike="noStrike" kern="1200" baseline="0" dirty="0" smtClean="0">
+                <a:solidFill>
+                  <a:schemeClr val="tx1"/>
+                </a:solidFill>
+                <a:latin typeface="+mn-lt"/>
+                <a:ea typeface="+mn-ea"/>
+                <a:cs typeface="+mn-cs"/>
+              </a:rPr>
+              <a:t>T-Stück </a:t>
             </a:r>
             <a:r>
               <a:rPr lang="de-DE" sz="1200" b="0" i="0" u="none" strike="noStrike" kern="1200" baseline="0" dirty="0">
@@ -14238,8 +14718,51 @@
                 <a:ea typeface="+mn-ea"/>
                 <a:cs typeface="+mn-cs"/>
               </a:rPr>
-              <a:t>T-Stücke kann man ein Gerät problemlos anschließen</a:t>
-            </a:r>
+              <a:t>kann </a:t>
+            </a:r>
+            <a:r>
+              <a:rPr lang="de-DE" sz="1200" b="0" i="0" u="none" strike="noStrike" kern="1200" baseline="0" dirty="0" smtClean="0">
+                <a:solidFill>
+                  <a:schemeClr val="tx1"/>
+                </a:solidFill>
+                <a:latin typeface="+mn-lt"/>
+                <a:ea typeface="+mn-ea"/>
+                <a:cs typeface="+mn-cs"/>
+              </a:rPr>
+              <a:t>man ….und … </a:t>
+            </a:r>
+            <a:r>
+              <a:rPr lang="de-DE" sz="1200" b="0" i="0" u="none" strike="noStrike" kern="1200" baseline="0" dirty="0">
+                <a:solidFill>
+                  <a:schemeClr val="tx1"/>
+                </a:solidFill>
+                <a:latin typeface="+mn-lt"/>
+                <a:ea typeface="+mn-ea"/>
+                <a:cs typeface="+mn-cs"/>
+              </a:rPr>
+              <a:t>ein Gerät </a:t>
+            </a:r>
+            <a:r>
+              <a:rPr lang="de-DE" sz="1200" b="0" i="0" u="none" strike="noStrike" kern="1200" baseline="0" dirty="0" smtClean="0">
+                <a:solidFill>
+                  <a:schemeClr val="tx1"/>
+                </a:solidFill>
+                <a:latin typeface="+mn-lt"/>
+                <a:ea typeface="+mn-ea"/>
+                <a:cs typeface="+mn-cs"/>
+              </a:rPr>
+              <a:t>problemlos im Netz anschließen</a:t>
+            </a:r>
+          </a:p>
+          <a:p>
+            <a:endParaRPr lang="de-DE" sz="1200" b="0" i="0" u="none" strike="noStrike" kern="1200" baseline="0" dirty="0">
+              <a:solidFill>
+                <a:schemeClr val="tx1"/>
+              </a:solidFill>
+              <a:latin typeface="+mn-lt"/>
+              <a:ea typeface="+mn-ea"/>
+              <a:cs typeface="+mn-cs"/>
+            </a:endParaRPr>
           </a:p>
           <a:p>
             <a:r>
@@ -14254,6 +14777,17 @@
               <a:t>N: </a:t>
             </a:r>
             <a:r>
+              <a:rPr lang="de-DE" sz="1200" b="0" i="0" u="none" strike="noStrike" kern="1200" baseline="0" dirty="0" smtClean="0">
+                <a:solidFill>
+                  <a:schemeClr val="tx1"/>
+                </a:solidFill>
+                <a:latin typeface="+mn-lt"/>
+                <a:ea typeface="+mn-ea"/>
+                <a:cs typeface="+mn-cs"/>
+              </a:rPr>
+              <a:t>1) </a:t>
+            </a:r>
+            <a:r>
               <a:rPr lang="de-DE" sz="1200" b="0" i="0" u="none" strike="noStrike" kern="1200" baseline="0" dirty="0">
                 <a:solidFill>
                   <a:schemeClr val="tx1"/>
@@ -14262,7 +14796,7 @@
                 <a:ea typeface="+mn-ea"/>
                 <a:cs typeface="+mn-cs"/>
               </a:rPr>
-              <a:t>die Übertragung von Daten erfolgt über </a:t>
+              <a:t>Übertragung von Daten erfolgt über </a:t>
             </a:r>
             <a:r>
               <a:rPr lang="de-DE" sz="1200" b="1" i="0" u="none" strike="noStrike" kern="1200" baseline="0" dirty="0">
@@ -14286,6 +14820,55 @@
               </a:rPr>
               <a:t>dadurch wird ---. </a:t>
             </a:r>
+            <a:endParaRPr lang="de-DE" sz="1200" b="0" i="0" u="none" strike="noStrike" kern="1200" baseline="0" dirty="0" smtClean="0">
+              <a:solidFill>
+                <a:schemeClr val="tx1"/>
+              </a:solidFill>
+              <a:latin typeface="+mn-lt"/>
+              <a:ea typeface="+mn-ea"/>
+              <a:cs typeface="+mn-cs"/>
+            </a:endParaRPr>
+          </a:p>
+          <a:p>
+            <a:pPr marL="0" marR="0" lvl="0" indent="0" algn="l" defTabSz="914400" rtl="0" eaLnBrk="0" fontAlgn="base" latinLnBrk="0" hangingPunct="0">
+              <a:lnSpc>
+                <a:spcPct val="100000"/>
+              </a:lnSpc>
+              <a:spcBef>
+                <a:spcPct val="30000"/>
+              </a:spcBef>
+              <a:spcAft>
+                <a:spcPct val="0"/>
+              </a:spcAft>
+              <a:buClrTx/>
+              <a:buSzTx/>
+              <a:buFontTx/>
+              <a:buNone/>
+              <a:tabLst/>
+              <a:defRPr/>
+            </a:pPr>
+            <a:r>
+              <a:rPr lang="de-DE" sz="1200" b="0" i="0" u="none" strike="noStrike" kern="1200" baseline="0" dirty="0" smtClean="0">
+                <a:solidFill>
+                  <a:schemeClr val="tx1"/>
+                </a:solidFill>
+                <a:latin typeface="+mn-lt"/>
+                <a:ea typeface="+mn-ea"/>
+                <a:cs typeface="+mn-cs"/>
+              </a:rPr>
+              <a:t>2)</a:t>
+            </a:r>
+            <a:r>
+              <a:rPr lang="de-DE" sz="1200" b="1" i="0" u="none" strike="noStrike" kern="1200" baseline="0" dirty="0" smtClean="0">
+                <a:solidFill>
+                  <a:schemeClr val="tx1"/>
+                </a:solidFill>
+                <a:latin typeface="+mn-lt"/>
+                <a:ea typeface="+mn-ea"/>
+                <a:cs typeface="+mn-cs"/>
+              </a:rPr>
+              <a:t>Das </a:t>
+            </a:r>
             <a:r>
               <a:rPr lang="de-DE" sz="1200" b="1" i="0" u="none" strike="noStrike" kern="1200" baseline="0" dirty="0">
                 <a:solidFill>
@@ -14295,7 +14878,7 @@
                 <a:ea typeface="+mn-ea"/>
                 <a:cs typeface="+mn-cs"/>
               </a:rPr>
-              <a:t>Das System ist unsicher-</a:t>
+              <a:t>System ist unsicher-</a:t>
             </a:r>
             <a:r>
               <a:rPr lang="de-DE" sz="1200" b="0" i="0" u="none" strike="noStrike" kern="1200" baseline="0" dirty="0">
@@ -14309,8 +14892,43 @@
               <a:t> </a:t>
             </a:r>
             <a:r>
+              <a:rPr lang="de-DE" dirty="0" smtClean="0"/>
+              <a:t>Beim Ausfall eines Mittelgeräts, </a:t>
+            </a:r>
+            <a:r>
               <a:rPr lang="de-DE" dirty="0"/>
-              <a:t>ein Weil wenn ein Gerat ausfällt, bietet das System keine Umwege um die Kommunikation zu gewährleisten. </a:t>
+              <a:t>bietet das System keine Umwege um die </a:t>
+            </a:r>
+            <a:r>
+              <a:rPr lang="en-US" sz="1200" b="1" i="0" kern="1200" dirty="0" err="1" smtClean="0">
+                <a:solidFill>
+                  <a:schemeClr val="tx1"/>
+                </a:solidFill>
+                <a:effectLst/>
+                <a:latin typeface="+mn-lt"/>
+                <a:ea typeface="+mn-ea"/>
+                <a:cs typeface="+mn-cs"/>
+              </a:rPr>
+              <a:t>Nachrichtenvermittlung</a:t>
+            </a:r>
+            <a:endParaRPr lang="en-US" sz="1200" b="1" i="0" kern="1200" dirty="0" smtClean="0">
+              <a:solidFill>
+                <a:schemeClr val="tx1"/>
+              </a:solidFill>
+              <a:effectLst/>
+              <a:latin typeface="+mn-lt"/>
+              <a:ea typeface="+mn-ea"/>
+              <a:cs typeface="+mn-cs"/>
+            </a:endParaRPr>
+          </a:p>
+          <a:p>
+            <a:r>
+              <a:rPr lang="de-DE" dirty="0" smtClean="0"/>
+              <a:t> </a:t>
+            </a:r>
+            <a:r>
+              <a:rPr lang="de-DE" dirty="0"/>
+              <a:t>zu gewährleisten. </a:t>
             </a:r>
           </a:p>
         </p:txBody>
@@ -14421,10 +15039,19 @@
                 <a:ea typeface="+mn-ea"/>
                 <a:cs typeface="+mn-cs"/>
               </a:rPr>
-              <a:t>kann man sich als geschlossener Kreis vorstellen. Sie ist die häufige  verwendete Topologie in der Industrie und ist eigentlich eine Erweiterung der Linie. Gerät7 und 1 sind nun gebunden.</a:t>
-            </a:r>
-          </a:p>
-          <a:p>
+              <a:t>kann man sich als geschlossener Kreis vorstellen. Sie ist die häufige  verwendete </a:t>
+            </a:r>
+            <a:r>
+              <a:rPr lang="de-DE" sz="1200" b="0" i="0" u="none" strike="noStrike" kern="1200" baseline="0" dirty="0" smtClean="0">
+                <a:solidFill>
+                  <a:schemeClr val="tx1"/>
+                </a:solidFill>
+                <a:latin typeface="+mn-lt"/>
+                <a:ea typeface="+mn-ea"/>
+                <a:cs typeface="+mn-cs"/>
+              </a:rPr>
+              <a:t>Topologie-Muster </a:t>
+            </a:r>
             <a:r>
               <a:rPr lang="de-DE" sz="1200" b="0" i="0" u="none" strike="noStrike" kern="1200" baseline="0" dirty="0">
                 <a:solidFill>
@@ -14434,10 +15061,19 @@
                 <a:ea typeface="+mn-ea"/>
                 <a:cs typeface="+mn-cs"/>
               </a:rPr>
-              <a:t>-Das System gewährleistet, für Alle Stationen eine gleiche Zugriffsmöglichkeit. </a:t>
-            </a:r>
-          </a:p>
-          <a:p>
+              <a:t>in der Industrie und ist eigentlich eine Erweiterung der Linie. </a:t>
+            </a:r>
+            <a:r>
+              <a:rPr lang="de-DE" sz="1200" b="0" i="0" u="none" strike="noStrike" kern="1200" baseline="0" dirty="0" smtClean="0">
+                <a:solidFill>
+                  <a:schemeClr val="tx1"/>
+                </a:solidFill>
+                <a:latin typeface="+mn-lt"/>
+                <a:ea typeface="+mn-ea"/>
+                <a:cs typeface="+mn-cs"/>
+              </a:rPr>
+              <a:t>Hier sind Gerät7 </a:t>
+            </a:r>
             <a:r>
               <a:rPr lang="de-DE" sz="1200" b="0" i="0" u="none" strike="noStrike" kern="1200" baseline="0" dirty="0">
                 <a:solidFill>
@@ -14447,7 +15083,150 @@
                 <a:ea typeface="+mn-ea"/>
                 <a:cs typeface="+mn-cs"/>
               </a:rPr>
-              <a:t>-Jede Station arbeitet als Verstärker, d.h. eingehende Daten werden verstärkt und weiterleitet. </a:t>
+              <a:t>und 1 </a:t>
+            </a:r>
+            <a:r>
+              <a:rPr lang="de-DE" sz="1200" b="0" i="0" u="none" strike="noStrike" kern="1200" baseline="0" dirty="0" smtClean="0">
+                <a:solidFill>
+                  <a:schemeClr val="tx1"/>
+                </a:solidFill>
+                <a:latin typeface="+mn-lt"/>
+                <a:ea typeface="+mn-ea"/>
+                <a:cs typeface="+mn-cs"/>
+              </a:rPr>
+              <a:t>gebunden.</a:t>
+            </a:r>
+          </a:p>
+          <a:p>
+            <a:endParaRPr lang="de-DE" sz="1200" b="0" i="0" u="none" strike="noStrike" kern="1200" baseline="0" dirty="0" smtClean="0">
+              <a:solidFill>
+                <a:schemeClr val="tx1"/>
+              </a:solidFill>
+              <a:latin typeface="+mn-lt"/>
+              <a:ea typeface="+mn-ea"/>
+              <a:cs typeface="+mn-cs"/>
+            </a:endParaRPr>
+          </a:p>
+          <a:p>
+            <a:r>
+              <a:rPr lang="de-DE" sz="1200" b="1" i="0" u="none" strike="noStrike" kern="1200" baseline="0" dirty="0" smtClean="0">
+                <a:solidFill>
+                  <a:schemeClr val="tx1"/>
+                </a:solidFill>
+                <a:latin typeface="+mn-lt"/>
+                <a:ea typeface="+mn-ea"/>
+                <a:cs typeface="+mn-cs"/>
+              </a:rPr>
+              <a:t>V:1)-</a:t>
+            </a:r>
+            <a:r>
+              <a:rPr lang="de-DE" sz="1200" b="0" i="0" u="none" strike="noStrike" kern="1200" baseline="0" dirty="0">
+                <a:solidFill>
+                  <a:schemeClr val="tx1"/>
+                </a:solidFill>
+                <a:latin typeface="+mn-lt"/>
+                <a:ea typeface="+mn-ea"/>
+                <a:cs typeface="+mn-cs"/>
+              </a:rPr>
+              <a:t>Das System </a:t>
+            </a:r>
+            <a:r>
+              <a:rPr lang="de-DE" sz="1200" b="0" i="0" u="none" strike="noStrike" kern="1200" baseline="0" dirty="0" smtClean="0">
+                <a:solidFill>
+                  <a:schemeClr val="tx1"/>
+                </a:solidFill>
+                <a:latin typeface="+mn-lt"/>
+                <a:ea typeface="+mn-ea"/>
+                <a:cs typeface="+mn-cs"/>
+              </a:rPr>
+              <a:t>ist ... </a:t>
+            </a:r>
+            <a:r>
+              <a:rPr lang="de-DE" sz="1200" b="0" i="0" u="none" strike="noStrike" kern="1200" baseline="0" dirty="0" err="1" smtClean="0">
+                <a:solidFill>
+                  <a:schemeClr val="tx1"/>
+                </a:solidFill>
+                <a:latin typeface="+mn-lt"/>
+                <a:ea typeface="+mn-ea"/>
+                <a:cs typeface="+mn-cs"/>
+              </a:rPr>
+              <a:t>D.h</a:t>
+            </a:r>
+            <a:r>
+              <a:rPr lang="de-DE" sz="1200" b="0" i="0" u="none" strike="noStrike" kern="1200" baseline="0" dirty="0" smtClean="0">
+                <a:solidFill>
+                  <a:schemeClr val="tx1"/>
+                </a:solidFill>
+                <a:latin typeface="+mn-lt"/>
+                <a:ea typeface="+mn-ea"/>
+                <a:cs typeface="+mn-cs"/>
+              </a:rPr>
+              <a:t>, wenn an einer Stelle der Ring unterbrochen ist, dann kann das System in einer Linie-Betrieb umschalten, was in der Industrie wichtig ist, die </a:t>
+            </a:r>
+            <a:r>
+              <a:rPr lang="de-DE" sz="1200" b="1" i="0" u="none" strike="noStrike" kern="1200" baseline="0" dirty="0" smtClean="0">
+                <a:solidFill>
+                  <a:schemeClr val="tx1"/>
+                </a:solidFill>
+                <a:latin typeface="+mn-lt"/>
+                <a:ea typeface="+mn-ea"/>
+                <a:cs typeface="+mn-cs"/>
+              </a:rPr>
+              <a:t>auf hohe Verfügbarkeit angewiesen </a:t>
+            </a:r>
+            <a:r>
+              <a:rPr lang="de-DE" sz="1200" b="0" i="0" u="none" strike="noStrike" kern="1200" baseline="0" dirty="0" smtClean="0">
+                <a:solidFill>
+                  <a:schemeClr val="tx1"/>
+                </a:solidFill>
+                <a:latin typeface="+mn-lt"/>
+                <a:ea typeface="+mn-ea"/>
+                <a:cs typeface="+mn-cs"/>
+              </a:rPr>
+              <a:t>ist. </a:t>
+            </a:r>
+            <a:endParaRPr lang="de-DE" sz="1200" b="0" i="0" u="none" strike="noStrike" kern="1200" baseline="0" dirty="0">
+              <a:solidFill>
+                <a:schemeClr val="tx1"/>
+              </a:solidFill>
+              <a:latin typeface="+mn-lt"/>
+              <a:ea typeface="+mn-ea"/>
+              <a:cs typeface="+mn-cs"/>
+            </a:endParaRPr>
+          </a:p>
+          <a:p>
+            <a:r>
+              <a:rPr lang="de-DE" sz="1200" b="1" i="0" u="none" strike="noStrike" kern="1200" baseline="0" dirty="0" smtClean="0">
+                <a:solidFill>
+                  <a:schemeClr val="tx1"/>
+                </a:solidFill>
+                <a:latin typeface="+mn-lt"/>
+                <a:ea typeface="+mn-ea"/>
+                <a:cs typeface="+mn-cs"/>
+              </a:rPr>
+              <a:t>2)- </a:t>
+            </a:r>
+            <a:r>
+              <a:rPr lang="de-DE" sz="1200" b="0" i="0" u="none" strike="noStrike" kern="1200" baseline="0" dirty="0" smtClean="0">
+                <a:solidFill>
+                  <a:schemeClr val="tx1"/>
+                </a:solidFill>
+                <a:latin typeface="+mn-lt"/>
+                <a:ea typeface="+mn-ea"/>
+                <a:cs typeface="+mn-cs"/>
+              </a:rPr>
+              <a:t>Jede </a:t>
+            </a:r>
+            <a:r>
+              <a:rPr lang="de-DE" sz="1200" b="0" i="0" u="none" strike="noStrike" kern="1200" baseline="0" dirty="0">
+                <a:solidFill>
+                  <a:schemeClr val="tx1"/>
+                </a:solidFill>
+                <a:latin typeface="+mn-lt"/>
+                <a:ea typeface="+mn-ea"/>
+                <a:cs typeface="+mn-cs"/>
+              </a:rPr>
+              <a:t>Station arbeitet als Verstärker, d.h. eingehende Daten werden verstärkt und weiterleitet. </a:t>
             </a:r>
           </a:p>
           <a:p>
@@ -14466,7 +15245,7 @@
           </a:p>
           <a:p>
             <a:r>
-              <a:rPr lang="en-US" sz="1200" b="0" i="0" u="none" strike="noStrike" kern="1200" baseline="0" dirty="0">
+              <a:rPr lang="en-US" sz="1200" b="1" i="0" u="none" strike="noStrike" kern="1200" baseline="0" dirty="0" smtClean="0">
                 <a:solidFill>
                   <a:schemeClr val="tx1"/>
                 </a:solidFill>
@@ -14474,7 +15253,18 @@
                 <a:ea typeface="+mn-ea"/>
                 <a:cs typeface="+mn-cs"/>
               </a:rPr>
-              <a:t>- Das </a:t>
+              <a:t>N:1)-</a:t>
+            </a:r>
+            <a:r>
+              <a:rPr lang="en-US" sz="1200" b="0" i="0" u="none" strike="noStrike" kern="1200" baseline="0" dirty="0" smtClean="0">
+                <a:solidFill>
+                  <a:schemeClr val="tx1"/>
+                </a:solidFill>
+                <a:latin typeface="+mn-lt"/>
+                <a:ea typeface="+mn-ea"/>
+                <a:cs typeface="+mn-cs"/>
+              </a:rPr>
+              <a:t>Das </a:t>
             </a:r>
             <a:r>
               <a:rPr lang="de-DE" sz="1200" b="1" i="0" u="none" strike="noStrike" kern="1200" baseline="0" noProof="0" dirty="0">
@@ -14520,7 +15310,7 @@
           </a:p>
           <a:p>
             <a:r>
-              <a:rPr lang="de-DE" sz="1200" b="0" i="0" u="none" strike="noStrike" kern="1200" baseline="0" dirty="0">
+              <a:rPr lang="de-DE" sz="1200" b="0" i="0" u="none" strike="noStrike" kern="1200" baseline="0" dirty="0" smtClean="0">
                 <a:solidFill>
                   <a:schemeClr val="tx1"/>
                 </a:solidFill>
@@ -14528,11 +15318,19 @@
                 <a:ea typeface="+mn-ea"/>
                 <a:cs typeface="+mn-cs"/>
               </a:rPr>
-              <a:t>- </a:t>
+              <a:t>2)-</a:t>
+            </a:r>
+            <a:r>
+              <a:rPr lang="de-DE" b="1" dirty="0" smtClean="0"/>
+              <a:t>Latenzzeit</a:t>
+            </a:r>
+            <a:r>
+              <a:rPr lang="de-DE" dirty="0" smtClean="0"/>
+              <a:t> </a:t>
             </a:r>
             <a:r>
               <a:rPr lang="de-DE" dirty="0"/>
-              <a:t>Latenz wächst mit der Anzahl der im Netz hängenden Stationen, d.h. je mehr Stationen im Netz hängen, desto länger dauert die Nachrichtenübermittlung</a:t>
+              <a:t>wächst mit der Anzahl der im Netz hängenden Stationen, d.h. je mehr Stationen im Netz hängen, desto länger dauert die Nachrichtenübermittlung</a:t>
             </a:r>
             <a:endParaRPr lang="de-DE" sz="1200" b="0" i="0" u="none" strike="noStrike" kern="1200" baseline="0" dirty="0">
               <a:solidFill>
@@ -15052,7 +15850,7 @@
             </a:pPr>
             <a:fld id="{DD17C720-9F55-45D7-A201-585BB605DC86}" type="datetime1">
               <a:rPr lang="de-DE" smtClean="0"/>
-              <a:t>22.08.2018</a:t>
+              <a:t>23.08.2018</a:t>
             </a:fld>
             <a:endParaRPr lang="de-DE" dirty="0"/>
           </a:p>
@@ -15858,7 +16656,7 @@
             </a:pPr>
             <a:fld id="{6F5A62FD-559D-4A8A-8A16-4E22E46B2811}" type="datetime1">
               <a:rPr lang="de-DE" smtClean="0"/>
-              <a:t>22.08.2018</a:t>
+              <a:t>23.08.2018</a:t>
             </a:fld>
             <a:endParaRPr lang="de-DE" dirty="0"/>
           </a:p>
@@ -16205,7 +17003,7 @@
             </a:pPr>
             <a:fld id="{0F5C761A-3127-4015-B2FE-9A4D309D46C5}" type="datetime1">
               <a:rPr lang="de-DE" smtClean="0"/>
-              <a:t>22.08.2018</a:t>
+              <a:t>23.08.2018</a:t>
             </a:fld>
             <a:endParaRPr lang="de-DE" dirty="0"/>
           </a:p>
@@ -16541,7 +17339,7 @@
             </a:pPr>
             <a:fld id="{18EB9810-C831-45DD-85EA-5545647C87AA}" type="datetime1">
               <a:rPr lang="de-DE" smtClean="0"/>
-              <a:t>22.08.2018</a:t>
+              <a:t>23.08.2018</a:t>
             </a:fld>
             <a:endParaRPr lang="de-DE" dirty="0"/>
           </a:p>
@@ -16862,7 +17660,7 @@
             </a:pPr>
             <a:fld id="{652FD0FE-52BB-44D9-8F2C-C0CAEDBE6E51}" type="datetime1">
               <a:rPr lang="de-DE" smtClean="0"/>
-              <a:t>22.08.2018</a:t>
+              <a:t>23.08.2018</a:t>
             </a:fld>
             <a:endParaRPr lang="de-DE" dirty="0"/>
           </a:p>
@@ -17183,7 +17981,7 @@
             </a:pPr>
             <a:fld id="{D7D1B1AB-E4FB-4CD8-9EAD-B72DE906B305}" type="datetime1">
               <a:rPr lang="de-DE" smtClean="0"/>
-              <a:t>22.08.2018</a:t>
+              <a:t>23.08.2018</a:t>
             </a:fld>
             <a:endParaRPr lang="de-DE" dirty="0"/>
           </a:p>
@@ -17584,7 +18382,7 @@
             </a:pPr>
             <a:fld id="{E1339F75-BBED-4FA5-9CE0-D6E991F5C226}" type="datetime1">
               <a:rPr lang="de-DE" smtClean="0"/>
-              <a:t>22.08.2018</a:t>
+              <a:t>23.08.2018</a:t>
             </a:fld>
             <a:endParaRPr lang="de-DE" dirty="0"/>
           </a:p>
@@ -17945,7 +18743,7 @@
             </a:pPr>
             <a:fld id="{2E59EF24-B1ED-4A80-9EA4-868C17EDF637}" type="datetime1">
               <a:rPr lang="de-DE" smtClean="0"/>
-              <a:t>22.08.2018</a:t>
+              <a:t>23.08.2018</a:t>
             </a:fld>
             <a:endParaRPr lang="de-DE" dirty="0"/>
           </a:p>
@@ -18201,7 +18999,7 @@
             </a:pPr>
             <a:fld id="{4C1274F5-F8AF-44CD-8B1E-EDB26CB3A108}" type="datetime1">
               <a:rPr lang="de-DE" smtClean="0"/>
-              <a:t>22.08.2018</a:t>
+              <a:t>23.08.2018</a:t>
             </a:fld>
             <a:endParaRPr lang="de-DE" dirty="0"/>
           </a:p>
@@ -18979,7 +19777,7 @@
             </a:pPr>
             <a:fld id="{0D78A848-0002-4EDA-9C86-36A365AB48C5}" type="datetime1">
               <a:rPr lang="de-DE" smtClean="0"/>
-              <a:t>22.08.2018</a:t>
+              <a:t>23.08.2018</a:t>
             </a:fld>
             <a:endParaRPr lang="de-DE" dirty="0"/>
           </a:p>
@@ -19700,7 +20498,7 @@
             </a:pPr>
             <a:fld id="{345BB4D5-7D70-4503-80AF-06580139DBA4}" type="datetime1">
               <a:rPr lang="de-DE" smtClean="0"/>
-              <a:t>22.08.2018</a:t>
+              <a:t>23.08.2018</a:t>
             </a:fld>
             <a:endParaRPr lang="de-DE" dirty="0"/>
           </a:p>
@@ -20476,7 +21274,7 @@
             </a:pPr>
             <a:fld id="{5783FC80-3F2A-4406-9D6C-042A0BA9D661}" type="datetime1">
               <a:rPr lang="de-DE" smtClean="0"/>
-              <a:t>22.08.2018</a:t>
+              <a:t>23.08.2018</a:t>
             </a:fld>
             <a:endParaRPr lang="de-DE" dirty="0"/>
           </a:p>
@@ -20577,6 +21375,13 @@
   <p:clrMapOvr>
     <a:masterClrMapping/>
   </p:clrMapOvr>
+  <p:timing>
+    <p:tnLst>
+      <p:par>
+        <p:cTn id="1" dur="indefinite" restart="never" nodeType="tmRoot"/>
+      </p:par>
+    </p:tnLst>
+  </p:timing>
 </p:sld>
 </file>
 
@@ -20736,7 +21541,7 @@
             </a:pPr>
             <a:fld id="{B2B1F417-6FBD-4650-899F-4549AAACE2EC}" type="datetime1">
               <a:rPr lang="de-DE" smtClean="0"/>
-              <a:t>22.08.2018</a:t>
+              <a:t>23.08.2018</a:t>
             </a:fld>
             <a:endParaRPr lang="de-DE" dirty="0"/>
           </a:p>
@@ -21274,7 +22079,7 @@
             </a:pPr>
             <a:fld id="{39CBC02D-3FF8-4D13-8A9B-585E3FDD1961}" type="datetime1">
               <a:rPr lang="de-DE" smtClean="0"/>
-              <a:t>22.08.2018</a:t>
+              <a:t>23.08.2018</a:t>
             </a:fld>
             <a:endParaRPr lang="de-DE" dirty="0"/>
           </a:p>
@@ -22053,7 +22858,7 @@
             </a:pPr>
             <a:fld id="{D36EADBF-95FE-4AE7-82C3-92DD14506003}" type="datetime1">
               <a:rPr lang="de-DE" smtClean="0"/>
-              <a:t>22.08.2018</a:t>
+              <a:t>23.08.2018</a:t>
             </a:fld>
             <a:endParaRPr lang="de-DE" dirty="0"/>
           </a:p>
@@ -22513,6 +23318,13 @@
   <p:clrMapOvr>
     <a:masterClrMapping/>
   </p:clrMapOvr>
+  <p:timing>
+    <p:tnLst>
+      <p:par>
+        <p:cTn id="1" dur="indefinite" restart="never" nodeType="tmRoot"/>
+      </p:par>
+    </p:tnLst>
+  </p:timing>
 </p:sld>
 </file>
 
@@ -22581,7 +23393,7 @@
             </a:pPr>
             <a:fld id="{8067185B-5C57-409F-8B88-E3D854C91534}" type="datetime1">
               <a:rPr lang="de-DE" smtClean="0"/>
-              <a:t>22.08.2018</a:t>
+              <a:t>23.08.2018</a:t>
             </a:fld>
             <a:endParaRPr lang="de-DE" dirty="0"/>
           </a:p>
@@ -23343,7 +24155,7 @@
             </a:pPr>
             <a:fld id="{7FF32D5F-8198-4D6B-81C8-A28D30F3AEEE}" type="datetime1">
               <a:rPr lang="de-DE" smtClean="0"/>
-              <a:t>22.08.2018</a:t>
+              <a:t>23.08.2018</a:t>
             </a:fld>
             <a:endParaRPr lang="de-DE" dirty="0"/>
           </a:p>
@@ -23788,6 +24600,13 @@
   <p:clrMapOvr>
     <a:masterClrMapping/>
   </p:clrMapOvr>
+  <p:timing>
+    <p:tnLst>
+      <p:par>
+        <p:cTn id="1" dur="indefinite" restart="never" nodeType="tmRoot"/>
+      </p:par>
+    </p:tnLst>
+  </p:timing>
 </p:sld>
 </file>
 
@@ -23974,7 +24793,7 @@
             </a:pPr>
             <a:fld id="{12AC88A6-748D-4925-A0F4-581F6DD9C418}" type="datetime1">
               <a:rPr lang="de-DE" smtClean="0"/>
-              <a:t>22.08.2018</a:t>
+              <a:t>23.08.2018</a:t>
             </a:fld>
             <a:endParaRPr lang="de-DE" dirty="0"/>
           </a:p>
@@ -24075,6 +24894,13 @@
   <p:clrMapOvr>
     <a:masterClrMapping/>
   </p:clrMapOvr>
+  <p:timing>
+    <p:tnLst>
+      <p:par>
+        <p:cTn id="1" dur="indefinite" restart="never" nodeType="tmRoot"/>
+      </p:par>
+    </p:tnLst>
+  </p:timing>
 </p:sld>
 </file>
 
@@ -24174,7 +25000,7 @@
             </a:pPr>
             <a:fld id="{8A16F28A-F628-44F6-BE27-AC29D127D4A7}" type="datetime1">
               <a:rPr lang="de-DE" smtClean="0"/>
-              <a:t>22.08.2018</a:t>
+              <a:t>23.08.2018</a:t>
             </a:fld>
             <a:endParaRPr lang="de-DE" dirty="0"/>
           </a:p>
@@ -25527,7 +26353,7 @@
             </a:pPr>
             <a:fld id="{8EF3E923-C16A-40B9-906D-4702AEC00101}" type="datetime1">
               <a:rPr lang="de-DE" smtClean="0"/>
-              <a:t>22.08.2018</a:t>
+              <a:t>23.08.2018</a:t>
             </a:fld>
             <a:endParaRPr lang="de-DE" dirty="0"/>
           </a:p>
@@ -26375,7 +27201,7 @@
             </a:pPr>
             <a:fld id="{AF010600-ECB3-4287-BFCE-C133CC4FD21C}" type="datetime1">
               <a:rPr lang="de-DE" smtClean="0"/>
-              <a:t>22.08.2018</a:t>
+              <a:t>23.08.2018</a:t>
             </a:fld>
             <a:endParaRPr lang="de-DE" dirty="0"/>
           </a:p>
@@ -28040,7 +28866,7 @@
             </a:pPr>
             <a:fld id="{12AC88A6-748D-4925-A0F4-581F6DD9C418}" type="datetime1">
               <a:rPr lang="de-DE" smtClean="0"/>
-              <a:t>22.08.2018</a:t>
+              <a:t>23.08.2018</a:t>
             </a:fld>
             <a:endParaRPr lang="de-DE" dirty="0"/>
           </a:p>
@@ -29522,7 +30348,7 @@
             </a:pPr>
             <a:fld id="{E91FD529-79A4-422D-9216-C48300677F2D}" type="datetime1">
               <a:rPr lang="de-DE" smtClean="0"/>
-              <a:t>22.08.2018</a:t>
+              <a:t>23.08.2018</a:t>
             </a:fld>
             <a:endParaRPr lang="de-DE" dirty="0"/>
           </a:p>
@@ -30619,7 +31445,7 @@
             </a:pPr>
             <a:fld id="{668CEC00-B388-44C9-BED2-57BA91674FDE}" type="datetime1">
               <a:rPr lang="de-DE" smtClean="0"/>
-              <a:t>22.08.2018</a:t>
+              <a:t>23.08.2018</a:t>
             </a:fld>
             <a:endParaRPr lang="de-DE" dirty="0"/>
           </a:p>
@@ -31558,7 +32384,7 @@
             </a:pPr>
             <a:fld id="{D5854939-2B7C-49B0-B46D-A3E4A10ECEA3}" type="datetime1">
               <a:rPr lang="de-DE" smtClean="0"/>
-              <a:t>22.08.2018</a:t>
+              <a:t>23.08.2018</a:t>
             </a:fld>
             <a:endParaRPr lang="de-DE" dirty="0"/>
           </a:p>
@@ -31659,6 +32485,13 @@
   <p:clrMapOvr>
     <a:masterClrMapping/>
   </p:clrMapOvr>
+  <p:timing>
+    <p:tnLst>
+      <p:par>
+        <p:cTn id="1" dur="indefinite" restart="never" nodeType="tmRoot"/>
+      </p:par>
+    </p:tnLst>
+  </p:timing>
 </p:sld>
 </file>
 
@@ -31705,7 +32538,7 @@
             </a:pPr>
             <a:fld id="{4B47C6A7-4CB9-47BF-812A-FB221A81A7BE}" type="datetime1">
               <a:rPr lang="de-DE" smtClean="0"/>
-              <a:t>22.08.2018</a:t>
+              <a:t>23.08.2018</a:t>
             </a:fld>
             <a:endParaRPr lang="de-DE" dirty="0"/>
           </a:p>
@@ -31879,6 +32712,227 @@
           </a:graphicData>
         </a:graphic>
       </p:graphicFrame>
+      <p:sp>
+        <p:nvSpPr>
+          <p:cNvPr id="2" name="Textfeld 1"/>
+          <p:cNvSpPr txBox="1"/>
+          <p:nvPr/>
+        </p:nvSpPr>
+        <p:spPr>
+          <a:xfrm>
+            <a:off x="3779432" y="4797152"/>
+            <a:ext cx="1584176" cy="369332"/>
+          </a:xfrm>
+          <a:prstGeom prst="rect">
+            <a:avLst/>
+          </a:prstGeom>
+          <a:noFill/>
+        </p:spPr>
+        <p:txBody>
+          <a:bodyPr wrap="square" rtlCol="0">
+            <a:spAutoFit/>
+          </a:bodyPr>
+          <a:lstStyle/>
+          <a:p>
+            <a:r>
+              <a:rPr lang="de-DE" dirty="0"/>
+              <a:t>Initialisiert</a:t>
+            </a:r>
+            <a:endParaRPr lang="en-US" dirty="0"/>
+          </a:p>
+        </p:txBody>
+      </p:sp>
+      <p:sp>
+        <p:nvSpPr>
+          <p:cNvPr id="7" name="Textfeld 6"/>
+          <p:cNvSpPr txBox="1"/>
+          <p:nvPr/>
+        </p:nvSpPr>
+        <p:spPr>
+          <a:xfrm>
+            <a:off x="3779432" y="5166484"/>
+            <a:ext cx="1440640" cy="369332"/>
+          </a:xfrm>
+          <a:prstGeom prst="rect">
+            <a:avLst/>
+          </a:prstGeom>
+          <a:noFill/>
+        </p:spPr>
+        <p:txBody>
+          <a:bodyPr wrap="square" rtlCol="0">
+            <a:spAutoFit/>
+          </a:bodyPr>
+          <a:lstStyle/>
+          <a:p>
+            <a:r>
+              <a:rPr lang="de-DE" dirty="0" smtClean="0"/>
+              <a:t>Lädt</a:t>
+            </a:r>
+            <a:endParaRPr lang="en-US" dirty="0"/>
+          </a:p>
+        </p:txBody>
+      </p:sp>
+      <p:sp>
+        <p:nvSpPr>
+          <p:cNvPr id="9" name="Textfeld 8"/>
+          <p:cNvSpPr txBox="1"/>
+          <p:nvPr/>
+        </p:nvSpPr>
+        <p:spPr>
+          <a:xfrm>
+            <a:off x="1225368" y="5166484"/>
+            <a:ext cx="1578000" cy="369332"/>
+          </a:xfrm>
+          <a:prstGeom prst="rect">
+            <a:avLst/>
+          </a:prstGeom>
+          <a:noFill/>
+        </p:spPr>
+        <p:txBody>
+          <a:bodyPr wrap="square" rtlCol="0">
+            <a:spAutoFit/>
+          </a:bodyPr>
+          <a:lstStyle/>
+          <a:p>
+            <a:r>
+              <a:rPr lang="de-DE" dirty="0" smtClean="0"/>
+              <a:t>Gruppiert</a:t>
+            </a:r>
+            <a:endParaRPr lang="en-US" dirty="0"/>
+          </a:p>
+        </p:txBody>
+      </p:sp>
+      <p:sp>
+        <p:nvSpPr>
+          <p:cNvPr id="12" name="Textfeld 11"/>
+          <p:cNvSpPr txBox="1"/>
+          <p:nvPr/>
+        </p:nvSpPr>
+        <p:spPr>
+          <a:xfrm>
+            <a:off x="1225368" y="5553236"/>
+            <a:ext cx="1762456" cy="369332"/>
+          </a:xfrm>
+          <a:prstGeom prst="rect">
+            <a:avLst/>
+          </a:prstGeom>
+          <a:noFill/>
+        </p:spPr>
+        <p:txBody>
+          <a:bodyPr wrap="square" rtlCol="0">
+            <a:spAutoFit/>
+          </a:bodyPr>
+          <a:lstStyle/>
+          <a:p>
+            <a:r>
+              <a:rPr lang="en-US" dirty="0" err="1"/>
+              <a:t>Stellt</a:t>
+            </a:r>
+            <a:r>
+              <a:rPr lang="en-US" dirty="0"/>
+              <a:t> </a:t>
+            </a:r>
+            <a:r>
+              <a:rPr lang="en-US" dirty="0" err="1"/>
+              <a:t>bereit</a:t>
+            </a:r>
+            <a:endParaRPr lang="en-US" dirty="0"/>
+          </a:p>
+        </p:txBody>
+      </p:sp>
+      <p:sp>
+        <p:nvSpPr>
+          <p:cNvPr id="13" name="Textfeld 12"/>
+          <p:cNvSpPr txBox="1"/>
+          <p:nvPr/>
+        </p:nvSpPr>
+        <p:spPr>
+          <a:xfrm>
+            <a:off x="3779432" y="1844824"/>
+            <a:ext cx="1440640" cy="369332"/>
+          </a:xfrm>
+          <a:prstGeom prst="rect">
+            <a:avLst/>
+          </a:prstGeom>
+          <a:noFill/>
+        </p:spPr>
+        <p:txBody>
+          <a:bodyPr wrap="square" rtlCol="0">
+            <a:spAutoFit/>
+          </a:bodyPr>
+          <a:lstStyle/>
+          <a:p>
+            <a:r>
+              <a:rPr lang="en-US" dirty="0" err="1" smtClean="0"/>
+              <a:t>Strukturiert</a:t>
+            </a:r>
+            <a:endParaRPr lang="en-US" dirty="0"/>
+          </a:p>
+        </p:txBody>
+      </p:sp>
+      <p:sp>
+        <p:nvSpPr>
+          <p:cNvPr id="14" name="Textfeld 13"/>
+          <p:cNvSpPr txBox="1"/>
+          <p:nvPr/>
+        </p:nvSpPr>
+        <p:spPr>
+          <a:xfrm>
+            <a:off x="6375118" y="5166484"/>
+            <a:ext cx="1584176" cy="646331"/>
+          </a:xfrm>
+          <a:prstGeom prst="rect">
+            <a:avLst/>
+          </a:prstGeom>
+          <a:noFill/>
+        </p:spPr>
+        <p:txBody>
+          <a:bodyPr wrap="square" rtlCol="0">
+            <a:spAutoFit/>
+          </a:bodyPr>
+          <a:lstStyle/>
+          <a:p>
+            <a:r>
+              <a:rPr lang="en-US" dirty="0" err="1" smtClean="0"/>
+              <a:t>Kapselt</a:t>
+            </a:r>
+            <a:endParaRPr lang="en-US" dirty="0"/>
+          </a:p>
+          <a:p>
+            <a:endParaRPr lang="en-US" dirty="0"/>
+          </a:p>
+        </p:txBody>
+      </p:sp>
+      <p:sp>
+        <p:nvSpPr>
+          <p:cNvPr id="15" name="Textfeld 14"/>
+          <p:cNvSpPr txBox="1"/>
+          <p:nvPr/>
+        </p:nvSpPr>
+        <p:spPr>
+          <a:xfrm>
+            <a:off x="6375118" y="5563766"/>
+            <a:ext cx="1584176" cy="369332"/>
+          </a:xfrm>
+          <a:prstGeom prst="rect">
+            <a:avLst/>
+          </a:prstGeom>
+          <a:noFill/>
+        </p:spPr>
+        <p:txBody>
+          <a:bodyPr wrap="square" rtlCol="0">
+            <a:spAutoFit/>
+          </a:bodyPr>
+          <a:lstStyle/>
+          <a:p>
+            <a:r>
+              <a:rPr lang="en-US" dirty="0" err="1"/>
+              <a:t>Liefert</a:t>
+            </a:r>
+            <a:endParaRPr lang="en-US" dirty="0"/>
+          </a:p>
+        </p:txBody>
+      </p:sp>
     </p:spTree>
     <p:extLst>
       <p:ext uri="{BB962C8B-B14F-4D97-AF65-F5344CB8AC3E}">
@@ -31889,6 +32943,366 @@
   <p:clrMapOvr>
     <a:masterClrMapping/>
   </p:clrMapOvr>
+  <p:timing>
+    <p:tnLst>
+      <p:par>
+        <p:cTn id="1" dur="indefinite" restart="never" nodeType="tmRoot">
+          <p:childTnLst>
+            <p:seq concurrent="1" nextAc="seek">
+              <p:cTn id="2" dur="indefinite" nodeType="mainSeq">
+                <p:childTnLst>
+                  <p:par>
+                    <p:cTn id="3" fill="hold">
+                      <p:stCondLst>
+                        <p:cond delay="indefinite"/>
+                      </p:stCondLst>
+                      <p:childTnLst>
+                        <p:par>
+                          <p:cTn id="4" fill="hold">
+                            <p:stCondLst>
+                              <p:cond delay="0"/>
+                            </p:stCondLst>
+                            <p:childTnLst>
+                              <p:par>
+                                <p:cTn id="5" presetID="1" presetClass="entr" presetSubtype="0" fill="hold" grpId="0" nodeType="clickEffect">
+                                  <p:stCondLst>
+                                    <p:cond delay="0"/>
+                                  </p:stCondLst>
+                                  <p:childTnLst>
+                                    <p:set>
+                                      <p:cBhvr>
+                                        <p:cTn id="6" dur="1" fill="hold">
+                                          <p:stCondLst>
+                                            <p:cond delay="0"/>
+                                          </p:stCondLst>
+                                        </p:cTn>
+                                        <p:tgtEl>
+                                          <p:spTgt spid="2"/>
+                                        </p:tgtEl>
+                                        <p:attrNameLst>
+                                          <p:attrName>style.visibility</p:attrName>
+                                        </p:attrNameLst>
+                                      </p:cBhvr>
+                                      <p:to>
+                                        <p:strVal val="visible"/>
+                                      </p:to>
+                                    </p:set>
+                                  </p:childTnLst>
+                                </p:cTn>
+                              </p:par>
+                            </p:childTnLst>
+                          </p:cTn>
+                        </p:par>
+                      </p:childTnLst>
+                    </p:cTn>
+                  </p:par>
+                  <p:par>
+                    <p:cTn id="7" fill="hold">
+                      <p:stCondLst>
+                        <p:cond delay="indefinite"/>
+                      </p:stCondLst>
+                      <p:childTnLst>
+                        <p:par>
+                          <p:cTn id="8" fill="hold">
+                            <p:stCondLst>
+                              <p:cond delay="0"/>
+                            </p:stCondLst>
+                            <p:childTnLst>
+                              <p:par>
+                                <p:cTn id="9" presetID="1" presetClass="entr" presetSubtype="0" fill="hold" grpId="0" nodeType="clickEffect">
+                                  <p:stCondLst>
+                                    <p:cond delay="0"/>
+                                  </p:stCondLst>
+                                  <p:childTnLst>
+                                    <p:set>
+                                      <p:cBhvr>
+                                        <p:cTn id="10" dur="1" fill="hold">
+                                          <p:stCondLst>
+                                            <p:cond delay="0"/>
+                                          </p:stCondLst>
+                                        </p:cTn>
+                                        <p:tgtEl>
+                                          <p:spTgt spid="7"/>
+                                        </p:tgtEl>
+                                        <p:attrNameLst>
+                                          <p:attrName>style.visibility</p:attrName>
+                                        </p:attrNameLst>
+                                      </p:cBhvr>
+                                      <p:to>
+                                        <p:strVal val="visible"/>
+                                      </p:to>
+                                    </p:set>
+                                  </p:childTnLst>
+                                </p:cTn>
+                              </p:par>
+                            </p:childTnLst>
+                          </p:cTn>
+                        </p:par>
+                      </p:childTnLst>
+                    </p:cTn>
+                  </p:par>
+                  <p:par>
+                    <p:cTn id="11" fill="hold">
+                      <p:stCondLst>
+                        <p:cond delay="indefinite"/>
+                      </p:stCondLst>
+                      <p:childTnLst>
+                        <p:par>
+                          <p:cTn id="12" fill="hold">
+                            <p:stCondLst>
+                              <p:cond delay="0"/>
+                            </p:stCondLst>
+                            <p:childTnLst>
+                              <p:par>
+                                <p:cTn id="13" presetID="1" presetClass="entr" presetSubtype="0" fill="hold" grpId="0" nodeType="clickEffect">
+                                  <p:stCondLst>
+                                    <p:cond delay="0"/>
+                                  </p:stCondLst>
+                                  <p:childTnLst>
+                                    <p:set>
+                                      <p:cBhvr>
+                                        <p:cTn id="14" dur="1" fill="hold">
+                                          <p:stCondLst>
+                                            <p:cond delay="0"/>
+                                          </p:stCondLst>
+                                        </p:cTn>
+                                        <p:tgtEl>
+                                          <p:spTgt spid="9"/>
+                                        </p:tgtEl>
+                                        <p:attrNameLst>
+                                          <p:attrName>style.visibility</p:attrName>
+                                        </p:attrNameLst>
+                                      </p:cBhvr>
+                                      <p:to>
+                                        <p:strVal val="visible"/>
+                                      </p:to>
+                                    </p:set>
+                                  </p:childTnLst>
+                                </p:cTn>
+                              </p:par>
+                            </p:childTnLst>
+                          </p:cTn>
+                        </p:par>
+                      </p:childTnLst>
+                    </p:cTn>
+                  </p:par>
+                  <p:par>
+                    <p:cTn id="15" fill="hold">
+                      <p:stCondLst>
+                        <p:cond delay="indefinite"/>
+                      </p:stCondLst>
+                      <p:childTnLst>
+                        <p:par>
+                          <p:cTn id="16" fill="hold">
+                            <p:stCondLst>
+                              <p:cond delay="0"/>
+                            </p:stCondLst>
+                            <p:childTnLst>
+                              <p:par>
+                                <p:cTn id="17" presetID="1" presetClass="entr" presetSubtype="0" fill="hold" nodeType="clickEffect">
+                                  <p:stCondLst>
+                                    <p:cond delay="0"/>
+                                  </p:stCondLst>
+                                  <p:childTnLst>
+                                    <p:set>
+                                      <p:cBhvr>
+                                        <p:cTn id="18" dur="1" fill="hold">
+                                          <p:stCondLst>
+                                            <p:cond delay="0"/>
+                                          </p:stCondLst>
+                                        </p:cTn>
+                                        <p:tgtEl>
+                                          <p:spTgt spid="12">
+                                            <p:txEl>
+                                              <p:pRg st="0" end="0"/>
+                                            </p:txEl>
+                                          </p:spTgt>
+                                        </p:tgtEl>
+                                        <p:attrNameLst>
+                                          <p:attrName>style.visibility</p:attrName>
+                                        </p:attrNameLst>
+                                      </p:cBhvr>
+                                      <p:to>
+                                        <p:strVal val="visible"/>
+                                      </p:to>
+                                    </p:set>
+                                  </p:childTnLst>
+                                </p:cTn>
+                              </p:par>
+                            </p:childTnLst>
+                          </p:cTn>
+                        </p:par>
+                      </p:childTnLst>
+                    </p:cTn>
+                  </p:par>
+                  <p:par>
+                    <p:cTn id="19" fill="hold">
+                      <p:stCondLst>
+                        <p:cond delay="indefinite"/>
+                      </p:stCondLst>
+                      <p:childTnLst>
+                        <p:par>
+                          <p:cTn id="20" fill="hold">
+                            <p:stCondLst>
+                              <p:cond delay="0"/>
+                            </p:stCondLst>
+                            <p:childTnLst>
+                              <p:par>
+                                <p:cTn id="21" presetID="1" presetClass="entr" presetSubtype="0" fill="hold" nodeType="clickEffect">
+                                  <p:stCondLst>
+                                    <p:cond delay="0"/>
+                                  </p:stCondLst>
+                                  <p:childTnLst>
+                                    <p:set>
+                                      <p:cBhvr>
+                                        <p:cTn id="22" dur="1" fill="hold">
+                                          <p:stCondLst>
+                                            <p:cond delay="0"/>
+                                          </p:stCondLst>
+                                        </p:cTn>
+                                        <p:tgtEl>
+                                          <p:spTgt spid="13">
+                                            <p:txEl>
+                                              <p:pRg st="0" end="0"/>
+                                            </p:txEl>
+                                          </p:spTgt>
+                                        </p:tgtEl>
+                                        <p:attrNameLst>
+                                          <p:attrName>style.visibility</p:attrName>
+                                        </p:attrNameLst>
+                                      </p:cBhvr>
+                                      <p:to>
+                                        <p:strVal val="visible"/>
+                                      </p:to>
+                                    </p:set>
+                                  </p:childTnLst>
+                                </p:cTn>
+                              </p:par>
+                            </p:childTnLst>
+                          </p:cTn>
+                        </p:par>
+                      </p:childTnLst>
+                    </p:cTn>
+                  </p:par>
+                  <p:par>
+                    <p:cTn id="23" fill="hold">
+                      <p:stCondLst>
+                        <p:cond delay="indefinite"/>
+                      </p:stCondLst>
+                      <p:childTnLst>
+                        <p:par>
+                          <p:cTn id="24" fill="hold">
+                            <p:stCondLst>
+                              <p:cond delay="0"/>
+                            </p:stCondLst>
+                            <p:childTnLst>
+                              <p:par>
+                                <p:cTn id="25" presetID="1" presetClass="entr" presetSubtype="0" fill="hold" grpId="0" nodeType="clickEffect">
+                                  <p:stCondLst>
+                                    <p:cond delay="0"/>
+                                  </p:stCondLst>
+                                  <p:childTnLst>
+                                    <p:set>
+                                      <p:cBhvr>
+                                        <p:cTn id="26" dur="1" fill="hold">
+                                          <p:stCondLst>
+                                            <p:cond delay="0"/>
+                                          </p:stCondLst>
+                                        </p:cTn>
+                                        <p:tgtEl>
+                                          <p:spTgt spid="14"/>
+                                        </p:tgtEl>
+                                        <p:attrNameLst>
+                                          <p:attrName>style.visibility</p:attrName>
+                                        </p:attrNameLst>
+                                      </p:cBhvr>
+                                      <p:to>
+                                        <p:strVal val="visible"/>
+                                      </p:to>
+                                    </p:set>
+                                  </p:childTnLst>
+                                </p:cTn>
+                              </p:par>
+                            </p:childTnLst>
+                          </p:cTn>
+                        </p:par>
+                      </p:childTnLst>
+                    </p:cTn>
+                  </p:par>
+                  <p:par>
+                    <p:cTn id="27" fill="hold">
+                      <p:stCondLst>
+                        <p:cond delay="indefinite"/>
+                      </p:stCondLst>
+                      <p:childTnLst>
+                        <p:par>
+                          <p:cTn id="28" fill="hold">
+                            <p:stCondLst>
+                              <p:cond delay="0"/>
+                            </p:stCondLst>
+                            <p:childTnLst>
+                              <p:par>
+                                <p:cTn id="29" presetID="1" presetClass="entr" presetSubtype="0" fill="hold" grpId="0" nodeType="clickEffect">
+                                  <p:stCondLst>
+                                    <p:cond delay="0"/>
+                                  </p:stCondLst>
+                                  <p:childTnLst>
+                                    <p:set>
+                                      <p:cBhvr>
+                                        <p:cTn id="30" dur="1" fill="hold">
+                                          <p:stCondLst>
+                                            <p:cond delay="0"/>
+                                          </p:stCondLst>
+                                        </p:cTn>
+                                        <p:tgtEl>
+                                          <p:spTgt spid="15"/>
+                                        </p:tgtEl>
+                                        <p:attrNameLst>
+                                          <p:attrName>style.visibility</p:attrName>
+                                        </p:attrNameLst>
+                                      </p:cBhvr>
+                                      <p:to>
+                                        <p:strVal val="visible"/>
+                                      </p:to>
+                                    </p:set>
+                                  </p:childTnLst>
+                                </p:cTn>
+                              </p:par>
+                            </p:childTnLst>
+                          </p:cTn>
+                        </p:par>
+                      </p:childTnLst>
+                    </p:cTn>
+                  </p:par>
+                </p:childTnLst>
+              </p:cTn>
+              <p:prevCondLst>
+                <p:cond evt="onPrev" delay="0">
+                  <p:tgtEl>
+                    <p:sldTgt/>
+                  </p:tgtEl>
+                </p:cond>
+              </p:prevCondLst>
+              <p:nextCondLst>
+                <p:cond evt="onNext" delay="0">
+                  <p:tgtEl>
+                    <p:sldTgt/>
+                  </p:tgtEl>
+                </p:cond>
+              </p:nextCondLst>
+            </p:seq>
+          </p:childTnLst>
+        </p:cTn>
+      </p:par>
+    </p:tnLst>
+    <p:bldLst>
+      <p:bldP spid="2" grpId="0"/>
+      <p:bldP spid="7" grpId="0"/>
+      <p:bldP spid="9" grpId="0"/>
+      <p:bldP spid="14" grpId="0"/>
+      <p:bldP spid="15" grpId="0"/>
+    </p:bldLst>
+  </p:timing>
 </p:sld>
 </file>
 
@@ -31935,7 +33349,7 @@
             </a:pPr>
             <a:fld id="{6FDFEBE8-6BCA-40A3-89A2-FFCEF06292FB}" type="datetime1">
               <a:rPr lang="de-DE" smtClean="0"/>
-              <a:t>22.08.2018</a:t>
+              <a:t>23.08.2018</a:t>
             </a:fld>
             <a:endParaRPr lang="de-DE" dirty="0"/>
           </a:p>
@@ -32120,6 +33534,13 @@
   <p:clrMapOvr>
     <a:masterClrMapping/>
   </p:clrMapOvr>
+  <p:timing>
+    <p:tnLst>
+      <p:par>
+        <p:cTn id="1" dur="indefinite" restart="never" nodeType="tmRoot"/>
+      </p:par>
+    </p:tnLst>
+  </p:timing>
 </p:sld>
 </file>
 
@@ -32166,7 +33587,7 @@
             </a:pPr>
             <a:fld id="{E9F400A6-E40D-4DB6-A24F-AFEB1A17EEB5}" type="datetime1">
               <a:rPr lang="de-DE" smtClean="0"/>
-              <a:t>22.08.2018</a:t>
+              <a:t>23.08.2018</a:t>
             </a:fld>
             <a:endParaRPr lang="de-DE" dirty="0"/>
           </a:p>
@@ -32365,6 +33786,13 @@
   <p:clrMapOvr>
     <a:masterClrMapping/>
   </p:clrMapOvr>
+  <p:timing>
+    <p:tnLst>
+      <p:par>
+        <p:cTn id="1" dur="indefinite" restart="never" nodeType="tmRoot"/>
+      </p:par>
+    </p:tnLst>
+  </p:timing>
 </p:sld>
 </file>
 
@@ -32567,7 +33995,7 @@
             </a:pPr>
             <a:fld id="{9A87BE0B-A04B-4BD9-AD64-4DB39BF97343}" type="datetime1">
               <a:rPr lang="de-DE" smtClean="0"/>
-              <a:t>22.08.2018</a:t>
+              <a:t>23.08.2018</a:t>
             </a:fld>
             <a:endParaRPr lang="de-DE" dirty="0"/>
           </a:p>
@@ -32668,6 +34096,13 @@
   <p:clrMapOvr>
     <a:masterClrMapping/>
   </p:clrMapOvr>
+  <p:timing>
+    <p:tnLst>
+      <p:par>
+        <p:cTn id="1" dur="indefinite" restart="never" nodeType="tmRoot"/>
+      </p:par>
+    </p:tnLst>
+  </p:timing>
 </p:sld>
 </file>
 
@@ -32779,7 +34214,7 @@
             </a:pPr>
             <a:fld id="{5E4D5FCA-7DF3-448C-839C-8922CAEBBDE7}" type="datetime1">
               <a:rPr lang="de-DE" smtClean="0"/>
-              <a:t>22.08.2018</a:t>
+              <a:t>23.08.2018</a:t>
             </a:fld>
             <a:endParaRPr lang="de-DE" dirty="0"/>
           </a:p>
@@ -33260,7 +34695,7 @@
             </a:pPr>
             <a:fld id="{7271AB04-5E1D-4CE7-8D84-791F9CCDF4D8}" type="datetime1">
               <a:rPr lang="de-DE" smtClean="0"/>
-              <a:t>22.08.2018</a:t>
+              <a:t>23.08.2018</a:t>
             </a:fld>
             <a:endParaRPr lang="de-DE" dirty="0"/>
           </a:p>
@@ -33465,7 +34900,7 @@
             </a:pPr>
             <a:fld id="{B46ACFD8-F003-4DB6-92FD-0D5193C55D1C}" type="datetime1">
               <a:rPr lang="de-DE" smtClean="0"/>
-              <a:t>22.08.2018</a:t>
+              <a:t>23.08.2018</a:t>
             </a:fld>
             <a:endParaRPr lang="de-DE" dirty="0"/>
           </a:p>
@@ -33563,6 +34998,13 @@
   <p:clrMapOvr>
     <a:masterClrMapping/>
   </p:clrMapOvr>
+  <p:timing>
+    <p:tnLst>
+      <p:par>
+        <p:cTn id="1" dur="indefinite" restart="never" nodeType="tmRoot"/>
+      </p:par>
+    </p:tnLst>
+  </p:timing>
 </p:sld>
 </file>
 
@@ -33683,7 +35125,7 @@
             </a:pPr>
             <a:fld id="{8CC02A35-82F6-49ED-9C9C-23E8C7A55B9E}" type="datetime1">
               <a:rPr lang="de-DE" smtClean="0"/>
-              <a:t>22.08.2018</a:t>
+              <a:t>23.08.2018</a:t>
             </a:fld>
             <a:endParaRPr lang="de-DE" dirty="0"/>
           </a:p>
@@ -33903,6 +35345,13 @@
   <p:clrMapOvr>
     <a:masterClrMapping/>
   </p:clrMapOvr>
+  <p:timing>
+    <p:tnLst>
+      <p:par>
+        <p:cTn id="1" dur="indefinite" restart="never" nodeType="tmRoot"/>
+      </p:par>
+    </p:tnLst>
+  </p:timing>
 </p:sld>
 </file>
 
@@ -34099,7 +35548,7 @@
             </a:pPr>
             <a:fld id="{48651424-9108-4DBD-A731-7CB34E8712C2}" type="datetime1">
               <a:rPr lang="de-DE" smtClean="0"/>
-              <a:t>22.08.2018</a:t>
+              <a:t>23.08.2018</a:t>
             </a:fld>
             <a:endParaRPr lang="de-DE" dirty="0"/>
           </a:p>
@@ -36773,7 +38222,7 @@
             </a:pPr>
             <a:fld id="{4998E8A4-C8EA-4DC6-A9EC-8D84B645FE8A}" type="datetime1">
               <a:rPr lang="de-DE" smtClean="0"/>
-              <a:t>22.08.2018</a:t>
+              <a:t>23.08.2018</a:t>
             </a:fld>
             <a:endParaRPr lang="de-DE" dirty="0"/>
           </a:p>
@@ -36993,7 +38442,7 @@
             </a:pPr>
             <a:fld id="{4769008C-D780-4E4F-B8CF-7AB45263DA7A}" type="datetime1">
               <a:rPr lang="de-DE" smtClean="0"/>
-              <a:t>22.08.2018</a:t>
+              <a:t>23.08.2018</a:t>
             </a:fld>
             <a:endParaRPr lang="de-DE" dirty="0"/>
           </a:p>
@@ -37722,9 +39171,10 @@
           <a:p>
             <a:pPr lvl="2"/>
             <a:r>
-              <a:rPr lang="de-DE" dirty="0"/>
-              <a:t>Deutlich langsam</a:t>
-            </a:r>
+              <a:rPr lang="de-DE" dirty="0" smtClean="0"/>
+              <a:t>Langsam</a:t>
+            </a:r>
+            <a:endParaRPr lang="de-DE" dirty="0"/>
           </a:p>
           <a:p>
             <a:pPr lvl="2"/>
@@ -37755,7 +39205,7 @@
             </a:pPr>
             <a:fld id="{F2ED425C-C877-4C31-9F63-557BCC10A716}" type="datetime1">
               <a:rPr lang="de-DE" smtClean="0"/>
-              <a:t>22.08.2018</a:t>
+              <a:t>23.08.2018</a:t>
             </a:fld>
             <a:endParaRPr lang="de-DE" dirty="0"/>
           </a:p>
@@ -37926,51 +39376,6 @@
                                           </p:stCondLst>
                                         </p:cTn>
                                         <p:tgtEl>
-                                          <p:spTgt spid="8"/>
-                                        </p:tgtEl>
-                                        <p:attrNameLst>
-                                          <p:attrName>style.visibility</p:attrName>
-                                        </p:attrNameLst>
-                                      </p:cBhvr>
-                                      <p:to>
-                                        <p:strVal val="visible"/>
-                                      </p:to>
-                                    </p:set>
-                                  </p:childTnLst>
-                                </p:cTn>
-                              </p:par>
-                            </p:childTnLst>
-                          </p:cTn>
-                        </p:par>
-                      </p:childTnLst>
-                    </p:cTn>
-                  </p:par>
-                  <p:par>
-                    <p:cTn id="7" fill="hold">
-                      <p:stCondLst>
-                        <p:cond delay="indefinite"/>
-                      </p:stCondLst>
-                      <p:childTnLst>
-                        <p:par>
-                          <p:cTn id="8" fill="hold">
-                            <p:stCondLst>
-                              <p:cond delay="0"/>
-                            </p:stCondLst>
-                            <p:childTnLst>
-                              <p:par>
-                                <p:cTn id="9" presetID="1" presetClass="entr" presetSubtype="0" fill="hold" nodeType="clickEffect">
-                                  <p:stCondLst>
-                                    <p:cond delay="0"/>
-                                  </p:stCondLst>
-                                  <p:childTnLst>
-                                    <p:set>
-                                      <p:cBhvr>
-                                        <p:cTn id="10" dur="1" fill="hold">
-                                          <p:stCondLst>
-                                            <p:cond delay="0"/>
-                                          </p:stCondLst>
-                                        </p:cTn>
-                                        <p:tgtEl>
                                           <p:spTgt spid="2">
                                             <p:txEl>
                                               <p:pRg st="7" end="7"/>
@@ -37989,14 +39394,14 @@
                                 </p:cTn>
                               </p:par>
                               <p:par>
-                                <p:cTn id="11" presetID="1" presetClass="entr" presetSubtype="0" fill="hold" nodeType="withEffect">
+                                <p:cTn id="7" presetID="1" presetClass="entr" presetSubtype="0" fill="hold" nodeType="withEffect">
                                   <p:stCondLst>
                                     <p:cond delay="0"/>
                                   </p:stCondLst>
                                   <p:childTnLst>
                                     <p:set>
                                       <p:cBhvr>
-                                        <p:cTn id="12" dur="1" fill="hold">
+                                        <p:cTn id="8" dur="1" fill="hold">
                                           <p:stCondLst>
                                             <p:cond delay="0"/>
                                           </p:stCondLst>
@@ -38020,14 +39425,14 @@
                                 </p:cTn>
                               </p:par>
                               <p:par>
-                                <p:cTn id="13" presetID="1" presetClass="entr" presetSubtype="0" fill="hold" nodeType="withEffect">
+                                <p:cTn id="9" presetID="1" presetClass="entr" presetSubtype="0" fill="hold" nodeType="withEffect">
                                   <p:stCondLst>
                                     <p:cond delay="0"/>
                                   </p:stCondLst>
                                   <p:childTnLst>
                                     <p:set>
                                       <p:cBhvr>
-                                        <p:cTn id="14" dur="1" fill="hold">
+                                        <p:cTn id="10" dur="1" fill="hold">
                                           <p:stCondLst>
                                             <p:cond delay="0"/>
                                           </p:stCondLst>
@@ -38057,26 +39462,26 @@
                     </p:cTn>
                   </p:par>
                   <p:par>
-                    <p:cTn id="15" fill="hold">
+                    <p:cTn id="11" fill="hold">
                       <p:stCondLst>
                         <p:cond delay="indefinite"/>
                       </p:stCondLst>
                       <p:childTnLst>
                         <p:par>
-                          <p:cTn id="16" fill="hold">
+                          <p:cTn id="12" fill="hold">
                             <p:stCondLst>
                               <p:cond delay="0"/>
                             </p:stCondLst>
                             <p:childTnLst>
                               <p:par>
-                                <p:cTn id="17" presetID="1" presetClass="entr" presetSubtype="0" fill="hold" nodeType="clickEffect">
+                                <p:cTn id="13" presetID="1" presetClass="entr" presetSubtype="0" fill="hold" nodeType="clickEffect">
                                   <p:stCondLst>
                                     <p:cond delay="0"/>
                                   </p:stCondLst>
                                   <p:childTnLst>
                                     <p:set>
                                       <p:cBhvr>
-                                        <p:cTn id="18" dur="1" fill="hold">
+                                        <p:cTn id="14" dur="1" fill="hold">
                                           <p:stCondLst>
                                             <p:cond delay="0"/>
                                           </p:stCondLst>
@@ -38100,14 +39505,14 @@
                                 </p:cTn>
                               </p:par>
                               <p:par>
-                                <p:cTn id="19" presetID="1" presetClass="entr" presetSubtype="0" fill="hold" nodeType="withEffect">
+                                <p:cTn id="15" presetID="1" presetClass="entr" presetSubtype="0" fill="hold" nodeType="withEffect">
                                   <p:stCondLst>
                                     <p:cond delay="0"/>
                                   </p:stCondLst>
                                   <p:childTnLst>
                                     <p:set>
                                       <p:cBhvr>
-                                        <p:cTn id="20" dur="1" fill="hold">
+                                        <p:cTn id="16" dur="1" fill="hold">
                                           <p:stCondLst>
                                             <p:cond delay="0"/>
                                           </p:stCondLst>
@@ -38131,14 +39536,14 @@
                                 </p:cTn>
                               </p:par>
                               <p:par>
-                                <p:cTn id="21" presetID="1" presetClass="entr" presetSubtype="0" fill="hold" nodeType="withEffect">
+                                <p:cTn id="17" presetID="1" presetClass="entr" presetSubtype="0" fill="hold" nodeType="withEffect">
                                   <p:stCondLst>
                                     <p:cond delay="0"/>
                                   </p:stCondLst>
                                   <p:childTnLst>
                                     <p:set>
                                       <p:cBhvr>
-                                        <p:cTn id="22" dur="1" fill="hold">
+                                        <p:cTn id="18" dur="1" fill="hold">
                                           <p:stCondLst>
                                             <p:cond delay="0"/>
                                           </p:stCondLst>
@@ -38258,8 +39663,13 @@
             <a:pPr lvl="2"/>
             <a:r>
               <a:rPr lang="de-DE" dirty="0"/>
-              <a:t>Gleiche Zugriffsmöglichkeit </a:t>
-            </a:r>
+              <a:t>R</a:t>
+            </a:r>
+            <a:r>
+              <a:rPr lang="de-DE" dirty="0" smtClean="0"/>
+              <a:t>edundant</a:t>
+            </a:r>
+            <a:endParaRPr lang="de-DE" dirty="0"/>
           </a:p>
           <a:p>
             <a:pPr lvl="2"/>
@@ -38315,7 +39725,7 @@
             </a:pPr>
             <a:fld id="{95B3BF2C-FA7B-44F9-B240-F706DE93F676}" type="datetime1">
               <a:rPr lang="de-DE" smtClean="0"/>
-              <a:t>22.08.2018</a:t>
+              <a:t>23.08.2018</a:t>
             </a:fld>
             <a:endParaRPr lang="de-DE" dirty="0"/>
           </a:p>
@@ -38542,15 +39952,33 @@
                                   </p:childTnLst>
                                 </p:cTn>
                               </p:par>
+                            </p:childTnLst>
+                          </p:cTn>
+                        </p:par>
+                      </p:childTnLst>
+                    </p:cTn>
+                  </p:par>
+                  <p:par>
+                    <p:cTn id="11" fill="hold">
+                      <p:stCondLst>
+                        <p:cond delay="indefinite"/>
+                      </p:stCondLst>
+                      <p:childTnLst>
+                        <p:par>
+                          <p:cTn id="12" fill="hold">
+                            <p:stCondLst>
+                              <p:cond delay="0"/>
+                            </p:stCondLst>
+                            <p:childTnLst>
                               <p:par>
-                                <p:cTn id="11" presetID="1" presetClass="entr" presetSubtype="0" fill="hold" nodeType="withEffect">
+                                <p:cTn id="13" presetID="1" presetClass="entr" presetSubtype="0" fill="hold" nodeType="clickEffect">
                                   <p:stCondLst>
                                     <p:cond delay="0"/>
                                   </p:stCondLst>
                                   <p:childTnLst>
                                     <p:set>
                                       <p:cBhvr>
-                                        <p:cTn id="12" dur="1" fill="hold">
+                                        <p:cTn id="14" dur="1" fill="hold">
                                           <p:stCondLst>
                                             <p:cond delay="0"/>
                                           </p:stCondLst>
@@ -38574,14 +40002,14 @@
                                 </p:cTn>
                               </p:par>
                               <p:par>
-                                <p:cTn id="13" presetID="1" presetClass="entr" presetSubtype="0" fill="hold" nodeType="withEffect">
+                                <p:cTn id="15" presetID="1" presetClass="entr" presetSubtype="0" fill="hold" nodeType="withEffect">
                                   <p:stCondLst>
                                     <p:cond delay="0"/>
                                   </p:stCondLst>
                                   <p:childTnLst>
                                     <p:set>
                                       <p:cBhvr>
-                                        <p:cTn id="14" dur="1" fill="hold">
+                                        <p:cTn id="16" dur="1" fill="hold">
                                           <p:stCondLst>
                                             <p:cond delay="0"/>
                                           </p:stCondLst>
@@ -38611,26 +40039,26 @@
                     </p:cTn>
                   </p:par>
                   <p:par>
-                    <p:cTn id="15" fill="hold">
+                    <p:cTn id="17" fill="hold">
                       <p:stCondLst>
                         <p:cond delay="indefinite"/>
                       </p:stCondLst>
                       <p:childTnLst>
                         <p:par>
-                          <p:cTn id="16" fill="hold">
+                          <p:cTn id="18" fill="hold">
                             <p:stCondLst>
                               <p:cond delay="0"/>
                             </p:stCondLst>
                             <p:childTnLst>
                               <p:par>
-                                <p:cTn id="17" presetID="1" presetClass="entr" presetSubtype="0" fill="hold" nodeType="clickEffect">
+                                <p:cTn id="19" presetID="1" presetClass="entr" presetSubtype="0" fill="hold" nodeType="clickEffect">
                                   <p:stCondLst>
                                     <p:cond delay="0"/>
                                   </p:stCondLst>
                                   <p:childTnLst>
                                     <p:set>
                                       <p:cBhvr>
-                                        <p:cTn id="18" dur="1" fill="hold">
+                                        <p:cTn id="20" dur="1" fill="hold">
                                           <p:stCondLst>
                                             <p:cond delay="0"/>
                                           </p:stCondLst>
@@ -38654,14 +40082,14 @@
                                 </p:cTn>
                               </p:par>
                               <p:par>
-                                <p:cTn id="19" presetID="1" presetClass="entr" presetSubtype="0" fill="hold" nodeType="withEffect">
+                                <p:cTn id="21" presetID="1" presetClass="entr" presetSubtype="0" fill="hold" nodeType="withEffect">
                                   <p:stCondLst>
                                     <p:cond delay="0"/>
                                   </p:stCondLst>
                                   <p:childTnLst>
                                     <p:set>
                                       <p:cBhvr>
-                                        <p:cTn id="20" dur="1" fill="hold">
+                                        <p:cTn id="22" dur="1" fill="hold">
                                           <p:stCondLst>
                                             <p:cond delay="0"/>
                                           </p:stCondLst>
@@ -38685,14 +40113,14 @@
                                 </p:cTn>
                               </p:par>
                               <p:par>
-                                <p:cTn id="21" presetID="1" presetClass="entr" presetSubtype="0" fill="hold" nodeType="withEffect">
+                                <p:cTn id="23" presetID="1" presetClass="entr" presetSubtype="0" fill="hold" nodeType="withEffect">
                                   <p:stCondLst>
                                     <p:cond delay="0"/>
                                   </p:stCondLst>
                                   <p:childTnLst>
                                     <p:set>
                                       <p:cBhvr>
-                                        <p:cTn id="22" dur="1" fill="hold">
+                                        <p:cTn id="24" dur="1" fill="hold">
                                           <p:stCondLst>
                                             <p:cond delay="0"/>
                                           </p:stCondLst>
@@ -38941,7 +40369,7 @@
             </a:pPr>
             <a:fld id="{71EA42B9-50E9-4FA7-B9B8-35E6EB7F0723}" type="datetime1">
               <a:rPr lang="de-DE" smtClean="0"/>
-              <a:t>22.08.2018</a:t>
+              <a:t>23.08.2018</a:t>
             </a:fld>
             <a:endParaRPr lang="de-DE" dirty="0"/>
           </a:p>
@@ -39042,6 +40470,13 @@
   <p:clrMapOvr>
     <a:masterClrMapping/>
   </p:clrMapOvr>
+  <p:timing>
+    <p:tnLst>
+      <p:par>
+        <p:cTn id="1" dur="indefinite" restart="never" nodeType="tmRoot"/>
+      </p:par>
+    </p:tnLst>
+  </p:timing>
 </p:sld>
 </file>
 

--- a/Master-Abschluss.pptx
+++ b/Master-Abschluss.pptx
@@ -1969,8 +1969,12 @@
       </dgm:t>
     </dgm:pt>
     <dgm:pt modelId="{5AEBE292-B333-4135-B55F-27BB61C159E9}" type="pres">
-      <dgm:prSet presAssocID="{9FB5ADF5-9F41-4EAA-B0F6-2E9F547E0C67}" presName="sibTrans" presStyleLbl="sibTrans2D1" presStyleIdx="2" presStyleCnt="3"/>
-      <dgm:spPr/>
+      <dgm:prSet presAssocID="{9FB5ADF5-9F41-4EAA-B0F6-2E9F547E0C67}" presName="sibTrans" presStyleLbl="sibTrans2D1" presStyleIdx="2" presStyleCnt="3" custScaleX="127414" custScaleY="76243"/>
+      <dgm:spPr>
+        <a:prstGeom prst="leftRightArrow">
+          <a:avLst/>
+        </a:prstGeom>
+      </dgm:spPr>
       <dgm:t>
         <a:bodyPr/>
         <a:lstStyle/>
@@ -2848,14 +2852,11 @@
       </dsp:nvSpPr>
       <dsp:spPr>
         <a:xfrm>
-          <a:off x="5200799" y="2151654"/>
-          <a:ext cx="282544" cy="330523"/>
+          <a:off x="5162071" y="2190915"/>
+          <a:ext cx="360001" cy="252001"/>
         </a:xfrm>
-        <a:prstGeom prst="rightArrow">
-          <a:avLst>
-            <a:gd name="adj1" fmla="val 60000"/>
-            <a:gd name="adj2" fmla="val 50000"/>
-          </a:avLst>
+        <a:prstGeom prst="leftRightArrow">
+          <a:avLst/>
         </a:prstGeom>
         <a:solidFill>
           <a:schemeClr val="accent1">
@@ -2891,7 +2892,7 @@
         </a:bodyPr>
         <a:lstStyle/>
         <a:p>
-          <a:pPr lvl="0" algn="ctr" defTabSz="533400">
+          <a:pPr lvl="0" algn="ctr" defTabSz="444500">
             <a:lnSpc>
               <a:spcPct val="90000"/>
             </a:lnSpc>
@@ -2902,12 +2903,12 @@
               <a:spcPct val="35000"/>
             </a:spcAft>
           </a:pPr>
-          <a:endParaRPr lang="de-DE" sz="1200" kern="1200"/>
+          <a:endParaRPr lang="de-DE" sz="1000" kern="1200"/>
         </a:p>
       </dsp:txBody>
       <dsp:txXfrm>
-      